--- a/python_trainees/4_scikit_learn/python_traineeship_4.pptx
+++ b/python_trainees/4_scikit_learn/python_traineeship_4.pptx
@@ -9,7 +9,9 @@
     <p:sldId id="257" r:id="rId3"/>
     <p:sldId id="335" r:id="rId4"/>
     <p:sldId id="326" r:id="rId5"/>
-    <p:sldId id="336" r:id="rId6"/>
+    <p:sldId id="339" r:id="rId6"/>
+    <p:sldId id="340" r:id="rId7"/>
+    <p:sldId id="336" r:id="rId8"/>
   </p:sldIdLst>
   <p:sldSz cx="12192000" cy="6858000"/>
   <p:notesSz cx="6858000" cy="9144000"/>
@@ -265,7 +267,7 @@
           <a:p>
             <a:fld id="{5E9D55AD-DA6B-4A9D-BFE6-D0A1673E6EA9}" type="datetimeFigureOut">
               <a:rPr lang="en-NL" smtClean="0"/>
-              <a:t>09/02/2023</a:t>
+              <a:t>20/02/2023</a:t>
             </a:fld>
             <a:endParaRPr lang="en-NL"/>
           </a:p>
@@ -465,7 +467,7 @@
           <a:p>
             <a:fld id="{5E9D55AD-DA6B-4A9D-BFE6-D0A1673E6EA9}" type="datetimeFigureOut">
               <a:rPr lang="en-NL" smtClean="0"/>
-              <a:t>09/02/2023</a:t>
+              <a:t>20/02/2023</a:t>
             </a:fld>
             <a:endParaRPr lang="en-NL"/>
           </a:p>
@@ -675,7 +677,7 @@
           <a:p>
             <a:fld id="{5E9D55AD-DA6B-4A9D-BFE6-D0A1673E6EA9}" type="datetimeFigureOut">
               <a:rPr lang="en-NL" smtClean="0"/>
-              <a:t>09/02/2023</a:t>
+              <a:t>20/02/2023</a:t>
             </a:fld>
             <a:endParaRPr lang="en-NL"/>
           </a:p>
@@ -875,7 +877,7 @@
           <a:p>
             <a:fld id="{5E9D55AD-DA6B-4A9D-BFE6-D0A1673E6EA9}" type="datetimeFigureOut">
               <a:rPr lang="en-NL" smtClean="0"/>
-              <a:t>09/02/2023</a:t>
+              <a:t>20/02/2023</a:t>
             </a:fld>
             <a:endParaRPr lang="en-NL"/>
           </a:p>
@@ -1151,7 +1153,7 @@
           <a:p>
             <a:fld id="{5E9D55AD-DA6B-4A9D-BFE6-D0A1673E6EA9}" type="datetimeFigureOut">
               <a:rPr lang="en-NL" smtClean="0"/>
-              <a:t>09/02/2023</a:t>
+              <a:t>20/02/2023</a:t>
             </a:fld>
             <a:endParaRPr lang="en-NL"/>
           </a:p>
@@ -1419,7 +1421,7 @@
           <a:p>
             <a:fld id="{5E9D55AD-DA6B-4A9D-BFE6-D0A1673E6EA9}" type="datetimeFigureOut">
               <a:rPr lang="en-NL" smtClean="0"/>
-              <a:t>09/02/2023</a:t>
+              <a:t>20/02/2023</a:t>
             </a:fld>
             <a:endParaRPr lang="en-NL"/>
           </a:p>
@@ -1834,7 +1836,7 @@
           <a:p>
             <a:fld id="{5E9D55AD-DA6B-4A9D-BFE6-D0A1673E6EA9}" type="datetimeFigureOut">
               <a:rPr lang="en-NL" smtClean="0"/>
-              <a:t>09/02/2023</a:t>
+              <a:t>20/02/2023</a:t>
             </a:fld>
             <a:endParaRPr lang="en-NL"/>
           </a:p>
@@ -1976,7 +1978,7 @@
           <a:p>
             <a:fld id="{5E9D55AD-DA6B-4A9D-BFE6-D0A1673E6EA9}" type="datetimeFigureOut">
               <a:rPr lang="en-NL" smtClean="0"/>
-              <a:t>09/02/2023</a:t>
+              <a:t>20/02/2023</a:t>
             </a:fld>
             <a:endParaRPr lang="en-NL"/>
           </a:p>
@@ -2089,7 +2091,7 @@
           <a:p>
             <a:fld id="{5E9D55AD-DA6B-4A9D-BFE6-D0A1673E6EA9}" type="datetimeFigureOut">
               <a:rPr lang="en-NL" smtClean="0"/>
-              <a:t>09/02/2023</a:t>
+              <a:t>20/02/2023</a:t>
             </a:fld>
             <a:endParaRPr lang="en-NL"/>
           </a:p>
@@ -2402,7 +2404,7 @@
           <a:p>
             <a:fld id="{5E9D55AD-DA6B-4A9D-BFE6-D0A1673E6EA9}" type="datetimeFigureOut">
               <a:rPr lang="en-NL" smtClean="0"/>
-              <a:t>09/02/2023</a:t>
+              <a:t>20/02/2023</a:t>
             </a:fld>
             <a:endParaRPr lang="en-NL"/>
           </a:p>
@@ -2691,7 +2693,7 @@
           <a:p>
             <a:fld id="{5E9D55AD-DA6B-4A9D-BFE6-D0A1673E6EA9}" type="datetimeFigureOut">
               <a:rPr lang="en-NL" smtClean="0"/>
-              <a:t>09/02/2023</a:t>
+              <a:t>20/02/2023</a:t>
             </a:fld>
             <a:endParaRPr lang="en-NL"/>
           </a:p>
@@ -2934,7 +2936,7 @@
           <a:p>
             <a:fld id="{5E9D55AD-DA6B-4A9D-BFE6-D0A1673E6EA9}" type="datetimeFigureOut">
               <a:rPr lang="en-NL" smtClean="0"/>
-              <a:t>09/02/2023</a:t>
+              <a:t>20/02/2023</a:t>
             </a:fld>
             <a:endParaRPr lang="en-NL"/>
           </a:p>
@@ -4379,7 +4381,7 @@
           <a:p>
             <a:r>
               <a:rPr lang="nl-NL" sz="3600" noProof="0" dirty="0"/>
-              <a:t>Overzicht API</a:t>
+              <a:t>Modelleer proces</a:t>
             </a:r>
           </a:p>
         </p:txBody>
@@ -4398,8 +4400,8 @@
         </p:nvSpPr>
         <p:spPr>
           <a:xfrm>
-            <a:off x="838200" y="1373511"/>
-            <a:ext cx="3208638" cy="2407657"/>
+            <a:off x="838200" y="1373512"/>
+            <a:ext cx="2423984" cy="1610646"/>
           </a:xfrm>
           <a:prstGeom prst="rect">
             <a:avLst/>
@@ -4407,13 +4409,13 @@
         </p:spPr>
         <p:style>
           <a:lnRef idx="1">
-            <a:schemeClr val="accent3"/>
+            <a:schemeClr val="accent4"/>
           </a:lnRef>
           <a:fillRef idx="2">
-            <a:schemeClr val="accent3"/>
+            <a:schemeClr val="accent4"/>
           </a:fillRef>
           <a:effectRef idx="1">
-            <a:schemeClr val="accent3"/>
+            <a:schemeClr val="accent4"/>
           </a:effectRef>
           <a:fontRef idx="minor">
             <a:schemeClr val="dk1"/>
@@ -4425,10 +4427,10 @@
           <a:p>
             <a:pPr algn="ctr"/>
             <a:r>
-              <a:rPr lang="en-US" dirty="0"/>
-              <a:t>Transformers</a:t>
-            </a:r>
-            <a:endParaRPr lang="en-NL" dirty="0"/>
+              <a:rPr lang="en-US" b="1" dirty="0"/>
+              <a:t>Data preparation</a:t>
+            </a:r>
+            <a:endParaRPr lang="en-NL" b="1" dirty="0"/>
           </a:p>
         </p:txBody>
       </p:sp>
@@ -4446,8 +4448,8 @@
         </p:nvSpPr>
         <p:spPr>
           <a:xfrm>
-            <a:off x="3343875" y="2387714"/>
-            <a:ext cx="3208638" cy="2407657"/>
+            <a:off x="3535405" y="2507635"/>
+            <a:ext cx="2423984" cy="1610646"/>
           </a:xfrm>
           <a:prstGeom prst="rect">
             <a:avLst/>
@@ -4455,13 +4457,13 @@
         </p:spPr>
         <p:style>
           <a:lnRef idx="1">
-            <a:schemeClr val="accent3"/>
+            <a:schemeClr val="accent5"/>
           </a:lnRef>
           <a:fillRef idx="2">
-            <a:schemeClr val="accent3"/>
+            <a:schemeClr val="accent5"/>
           </a:fillRef>
           <a:effectRef idx="1">
-            <a:schemeClr val="accent3"/>
+            <a:schemeClr val="accent5"/>
           </a:effectRef>
           <a:fontRef idx="minor">
             <a:schemeClr val="dk1"/>
@@ -4473,10 +4475,10 @@
           <a:p>
             <a:pPr algn="ctr"/>
             <a:r>
-              <a:rPr lang="en-US" dirty="0"/>
-              <a:t>Estimators</a:t>
-            </a:r>
-            <a:endParaRPr lang="en-NL" dirty="0"/>
+              <a:rPr lang="en-US" b="1" dirty="0"/>
+              <a:t>Model building</a:t>
+            </a:r>
+            <a:endParaRPr lang="en-NL" b="1" dirty="0"/>
           </a:p>
         </p:txBody>
       </p:sp>
@@ -4494,8 +4496,8 @@
         </p:nvSpPr>
         <p:spPr>
           <a:xfrm>
-            <a:off x="5849550" y="3165234"/>
-            <a:ext cx="3208638" cy="2407657"/>
+            <a:off x="6232610" y="3641758"/>
+            <a:ext cx="2423984" cy="1610646"/>
           </a:xfrm>
           <a:prstGeom prst="rect">
             <a:avLst/>
@@ -4503,13 +4505,13 @@
         </p:spPr>
         <p:style>
           <a:lnRef idx="1">
-            <a:schemeClr val="accent3"/>
+            <a:schemeClr val="accent6"/>
           </a:lnRef>
           <a:fillRef idx="2">
-            <a:schemeClr val="accent3"/>
+            <a:schemeClr val="accent6"/>
           </a:fillRef>
           <a:effectRef idx="1">
-            <a:schemeClr val="accent3"/>
+            <a:schemeClr val="accent6"/>
           </a:effectRef>
           <a:fontRef idx="minor">
             <a:schemeClr val="dk1"/>
@@ -4521,10 +4523,10 @@
           <a:p>
             <a:pPr algn="ctr"/>
             <a:r>
-              <a:rPr lang="en-US" dirty="0"/>
-              <a:t>Selection / Validation</a:t>
-            </a:r>
-            <a:endParaRPr lang="en-NL" dirty="0"/>
+              <a:rPr lang="en-US" b="1" dirty="0"/>
+              <a:t>Model validation</a:t>
+            </a:r>
+            <a:endParaRPr lang="en-NL" b="1" dirty="0"/>
           </a:p>
         </p:txBody>
       </p:sp>
@@ -4542,8 +4544,8 @@
         </p:nvSpPr>
         <p:spPr>
           <a:xfrm>
-            <a:off x="8355226" y="4223654"/>
-            <a:ext cx="3208638" cy="2407657"/>
+            <a:off x="8929816" y="4775881"/>
+            <a:ext cx="2423984" cy="1610646"/>
           </a:xfrm>
           <a:prstGeom prst="rect">
             <a:avLst/>
@@ -4551,13 +4553,13 @@
         </p:spPr>
         <p:style>
           <a:lnRef idx="1">
-            <a:schemeClr val="accent3"/>
+            <a:schemeClr val="accent2"/>
           </a:lnRef>
           <a:fillRef idx="2">
-            <a:schemeClr val="accent3"/>
+            <a:schemeClr val="accent2"/>
           </a:fillRef>
           <a:effectRef idx="1">
-            <a:schemeClr val="accent3"/>
+            <a:schemeClr val="accent2"/>
           </a:effectRef>
           <a:fontRef idx="minor">
             <a:schemeClr val="dk1"/>
@@ -4569,10 +4571,10 @@
           <a:p>
             <a:pPr algn="ctr"/>
             <a:r>
-              <a:rPr lang="en-US" dirty="0"/>
-              <a:t>Metrics</a:t>
-            </a:r>
-            <a:endParaRPr lang="en-NL" dirty="0"/>
+              <a:rPr lang="en-US" b="1" dirty="0"/>
+              <a:t>Model selection</a:t>
+            </a:r>
+            <a:endParaRPr lang="en-NL" b="1" dirty="0"/>
           </a:p>
         </p:txBody>
       </p:sp>
@@ -4590,6 +4592,983 @@
 </file>
 
 <file path=ppt/slides/slide5.xml><?xml version="1.0" encoding="utf-8"?>
+<p:sld xmlns:a="http://schemas.openxmlformats.org/drawingml/2006/main" xmlns:r="http://schemas.openxmlformats.org/officeDocument/2006/relationships" xmlns:p="http://schemas.openxmlformats.org/presentationml/2006/main">
+  <p:cSld>
+    <p:spTree>
+      <p:nvGrpSpPr>
+        <p:cNvPr id="1" name=""/>
+        <p:cNvGrpSpPr/>
+        <p:nvPr/>
+      </p:nvGrpSpPr>
+      <p:grpSpPr>
+        <a:xfrm>
+          <a:off x="0" y="0"/>
+          <a:ext cx="0" cy="0"/>
+          <a:chOff x="0" y="0"/>
+          <a:chExt cx="0" cy="0"/>
+        </a:xfrm>
+      </p:grpSpPr>
+      <p:sp>
+        <p:nvSpPr>
+          <p:cNvPr id="2" name="Title 1">
+            <a:extLst>
+              <a:ext uri="{FF2B5EF4-FFF2-40B4-BE49-F238E27FC236}">
+                <a16:creationId xmlns:a16="http://schemas.microsoft.com/office/drawing/2014/main" id="{39A1D606-8DD1-369C-5C09-471CDD551AD5}"/>
+              </a:ext>
+            </a:extLst>
+          </p:cNvPr>
+          <p:cNvSpPr>
+            <a:spLocks noGrp="1"/>
+          </p:cNvSpPr>
+          <p:nvPr>
+            <p:ph type="title"/>
+          </p:nvPr>
+        </p:nvSpPr>
+        <p:spPr>
+          <a:xfrm>
+            <a:off x="838200" y="365126"/>
+            <a:ext cx="10515600" cy="718608"/>
+          </a:xfrm>
+        </p:spPr>
+        <p:txBody>
+          <a:bodyPr>
+            <a:normAutofit/>
+          </a:bodyPr>
+          <a:lstStyle/>
+          <a:p>
+            <a:r>
+              <a:rPr lang="nl-NL" sz="3600" noProof="0" dirty="0"/>
+              <a:t>Overzicht </a:t>
+            </a:r>
+            <a:r>
+              <a:rPr lang="nl-NL" sz="3600" noProof="0" dirty="0" err="1"/>
+              <a:t>scikit-learn</a:t>
+            </a:r>
+            <a:endParaRPr lang="nl-NL" sz="3600" noProof="0" dirty="0"/>
+          </a:p>
+        </p:txBody>
+      </p:sp>
+      <p:sp>
+        <p:nvSpPr>
+          <p:cNvPr id="6" name="Rectangle 5">
+            <a:extLst>
+              <a:ext uri="{FF2B5EF4-FFF2-40B4-BE49-F238E27FC236}">
+                <a16:creationId xmlns:a16="http://schemas.microsoft.com/office/drawing/2014/main" id="{1D38F06A-7130-AC87-179C-0C18A1AA4CA8}"/>
+              </a:ext>
+            </a:extLst>
+          </p:cNvPr>
+          <p:cNvSpPr/>
+          <p:nvPr/>
+        </p:nvSpPr>
+        <p:spPr>
+          <a:xfrm>
+            <a:off x="838200" y="1373512"/>
+            <a:ext cx="2423984" cy="1610646"/>
+          </a:xfrm>
+          <a:prstGeom prst="rect">
+            <a:avLst/>
+          </a:prstGeom>
+        </p:spPr>
+        <p:style>
+          <a:lnRef idx="1">
+            <a:schemeClr val="accent4"/>
+          </a:lnRef>
+          <a:fillRef idx="2">
+            <a:schemeClr val="accent4"/>
+          </a:fillRef>
+          <a:effectRef idx="1">
+            <a:schemeClr val="accent4"/>
+          </a:effectRef>
+          <a:fontRef idx="minor">
+            <a:schemeClr val="dk1"/>
+          </a:fontRef>
+        </p:style>
+        <p:txBody>
+          <a:bodyPr rtlCol="0" anchor="t"/>
+          <a:lstStyle/>
+          <a:p>
+            <a:pPr algn="ctr"/>
+            <a:r>
+              <a:rPr lang="en-US" b="1" dirty="0"/>
+              <a:t>Data preparation</a:t>
+            </a:r>
+          </a:p>
+          <a:p>
+            <a:pPr algn="ctr"/>
+            <a:endParaRPr lang="en-US" dirty="0"/>
+          </a:p>
+          <a:p>
+            <a:pPr marL="285750" indent="-285750">
+              <a:buFont typeface="Arial" panose="020B0604020202020204" pitchFamily="34" charset="0"/>
+              <a:buChar char="•"/>
+            </a:pPr>
+            <a:r>
+              <a:rPr lang="en-US" dirty="0"/>
+              <a:t>preprocessing</a:t>
+            </a:r>
+          </a:p>
+          <a:p>
+            <a:pPr marL="285750" indent="-285750">
+              <a:buFont typeface="Arial" panose="020B0604020202020204" pitchFamily="34" charset="0"/>
+              <a:buChar char="•"/>
+            </a:pPr>
+            <a:r>
+              <a:rPr lang="en-US" dirty="0" err="1"/>
+              <a:t>feature_extraction</a:t>
+            </a:r>
+            <a:endParaRPr lang="en-US" dirty="0"/>
+          </a:p>
+          <a:p>
+            <a:pPr marL="285750" indent="-285750">
+              <a:buFont typeface="Arial" panose="020B0604020202020204" pitchFamily="34" charset="0"/>
+              <a:buChar char="•"/>
+            </a:pPr>
+            <a:r>
+              <a:rPr lang="en-US" dirty="0"/>
+              <a:t>impute</a:t>
+            </a:r>
+          </a:p>
+        </p:txBody>
+      </p:sp>
+      <p:sp>
+        <p:nvSpPr>
+          <p:cNvPr id="7" name="Rectangle 6">
+            <a:extLst>
+              <a:ext uri="{FF2B5EF4-FFF2-40B4-BE49-F238E27FC236}">
+                <a16:creationId xmlns:a16="http://schemas.microsoft.com/office/drawing/2014/main" id="{4FCD6A8C-29D6-E5C6-1838-8B707C443CD5}"/>
+              </a:ext>
+            </a:extLst>
+          </p:cNvPr>
+          <p:cNvSpPr/>
+          <p:nvPr/>
+        </p:nvSpPr>
+        <p:spPr>
+          <a:xfrm>
+            <a:off x="3535405" y="2507635"/>
+            <a:ext cx="2423984" cy="1610646"/>
+          </a:xfrm>
+          <a:prstGeom prst="rect">
+            <a:avLst/>
+          </a:prstGeom>
+        </p:spPr>
+        <p:style>
+          <a:lnRef idx="1">
+            <a:schemeClr val="accent5"/>
+          </a:lnRef>
+          <a:fillRef idx="2">
+            <a:schemeClr val="accent5"/>
+          </a:fillRef>
+          <a:effectRef idx="1">
+            <a:schemeClr val="accent5"/>
+          </a:effectRef>
+          <a:fontRef idx="minor">
+            <a:schemeClr val="dk1"/>
+          </a:fontRef>
+        </p:style>
+        <p:txBody>
+          <a:bodyPr rtlCol="0" anchor="t"/>
+          <a:lstStyle/>
+          <a:p>
+            <a:pPr algn="ctr"/>
+            <a:r>
+              <a:rPr lang="en-US" b="1" dirty="0"/>
+              <a:t>Model building</a:t>
+            </a:r>
+            <a:endParaRPr lang="en-US" dirty="0"/>
+          </a:p>
+          <a:p>
+            <a:pPr algn="ctr"/>
+            <a:endParaRPr lang="en-US" b="1" dirty="0"/>
+          </a:p>
+          <a:p>
+            <a:pPr marL="285750" indent="-285750">
+              <a:buFont typeface="Arial" panose="020B0604020202020204" pitchFamily="34" charset="0"/>
+              <a:buChar char="•"/>
+            </a:pPr>
+            <a:r>
+              <a:rPr lang="en-US" dirty="0" err="1"/>
+              <a:t>linear_model</a:t>
+            </a:r>
+            <a:endParaRPr lang="en-US" dirty="0"/>
+          </a:p>
+          <a:p>
+            <a:pPr marL="285750" indent="-285750">
+              <a:buFont typeface="Arial" panose="020B0604020202020204" pitchFamily="34" charset="0"/>
+              <a:buChar char="•"/>
+            </a:pPr>
+            <a:r>
+              <a:rPr lang="en-US" dirty="0"/>
+              <a:t>ensemble</a:t>
+            </a:r>
+          </a:p>
+          <a:p>
+            <a:pPr marL="285750" indent="-285750">
+              <a:buFont typeface="Arial" panose="020B0604020202020204" pitchFamily="34" charset="0"/>
+              <a:buChar char="•"/>
+            </a:pPr>
+            <a:r>
+              <a:rPr lang="en-US" dirty="0"/>
+              <a:t>cluster</a:t>
+            </a:r>
+          </a:p>
+        </p:txBody>
+      </p:sp>
+      <p:sp>
+        <p:nvSpPr>
+          <p:cNvPr id="10" name="Rectangle 9">
+            <a:extLst>
+              <a:ext uri="{FF2B5EF4-FFF2-40B4-BE49-F238E27FC236}">
+                <a16:creationId xmlns:a16="http://schemas.microsoft.com/office/drawing/2014/main" id="{06AA83AA-E066-ABF0-626E-4AF185EBD422}"/>
+              </a:ext>
+            </a:extLst>
+          </p:cNvPr>
+          <p:cNvSpPr/>
+          <p:nvPr/>
+        </p:nvSpPr>
+        <p:spPr>
+          <a:xfrm>
+            <a:off x="6232610" y="3641758"/>
+            <a:ext cx="2423984" cy="1610646"/>
+          </a:xfrm>
+          <a:prstGeom prst="rect">
+            <a:avLst/>
+          </a:prstGeom>
+        </p:spPr>
+        <p:style>
+          <a:lnRef idx="1">
+            <a:schemeClr val="accent6"/>
+          </a:lnRef>
+          <a:fillRef idx="2">
+            <a:schemeClr val="accent6"/>
+          </a:fillRef>
+          <a:effectRef idx="1">
+            <a:schemeClr val="accent6"/>
+          </a:effectRef>
+          <a:fontRef idx="minor">
+            <a:schemeClr val="dk1"/>
+          </a:fontRef>
+        </p:style>
+        <p:txBody>
+          <a:bodyPr rtlCol="0" anchor="t"/>
+          <a:lstStyle/>
+          <a:p>
+            <a:pPr algn="ctr"/>
+            <a:r>
+              <a:rPr lang="en-US" b="1" dirty="0"/>
+              <a:t>Model validation</a:t>
+            </a:r>
+          </a:p>
+          <a:p>
+            <a:pPr algn="ctr"/>
+            <a:endParaRPr lang="en-US" b="1" dirty="0"/>
+          </a:p>
+          <a:p>
+            <a:pPr marL="285750" indent="-285750">
+              <a:buFont typeface="Arial" panose="020B0604020202020204" pitchFamily="34" charset="0"/>
+              <a:buChar char="•"/>
+            </a:pPr>
+            <a:r>
+              <a:rPr lang="en-US" dirty="0"/>
+              <a:t>metrics</a:t>
+            </a:r>
+            <a:endParaRPr lang="en-NL" dirty="0"/>
+          </a:p>
+        </p:txBody>
+      </p:sp>
+      <p:sp>
+        <p:nvSpPr>
+          <p:cNvPr id="11" name="Rectangle 10">
+            <a:extLst>
+              <a:ext uri="{FF2B5EF4-FFF2-40B4-BE49-F238E27FC236}">
+                <a16:creationId xmlns:a16="http://schemas.microsoft.com/office/drawing/2014/main" id="{B0473AB4-D4AF-9327-400D-5D21E3A4A256}"/>
+              </a:ext>
+            </a:extLst>
+          </p:cNvPr>
+          <p:cNvSpPr/>
+          <p:nvPr/>
+        </p:nvSpPr>
+        <p:spPr>
+          <a:xfrm>
+            <a:off x="8929816" y="4775881"/>
+            <a:ext cx="2423984" cy="1610646"/>
+          </a:xfrm>
+          <a:prstGeom prst="rect">
+            <a:avLst/>
+          </a:prstGeom>
+        </p:spPr>
+        <p:style>
+          <a:lnRef idx="1">
+            <a:schemeClr val="accent2"/>
+          </a:lnRef>
+          <a:fillRef idx="2">
+            <a:schemeClr val="accent2"/>
+          </a:fillRef>
+          <a:effectRef idx="1">
+            <a:schemeClr val="accent2"/>
+          </a:effectRef>
+          <a:fontRef idx="minor">
+            <a:schemeClr val="dk1"/>
+          </a:fontRef>
+        </p:style>
+        <p:txBody>
+          <a:bodyPr rtlCol="0" anchor="t"/>
+          <a:lstStyle/>
+          <a:p>
+            <a:pPr algn="ctr"/>
+            <a:r>
+              <a:rPr lang="en-US" b="1" dirty="0"/>
+              <a:t>Model selection</a:t>
+            </a:r>
+          </a:p>
+          <a:p>
+            <a:pPr algn="ctr"/>
+            <a:endParaRPr lang="en-US" b="1" dirty="0"/>
+          </a:p>
+          <a:p>
+            <a:pPr marL="285750" indent="-285750" algn="ctr">
+              <a:buFont typeface="Arial" panose="020B0604020202020204" pitchFamily="34" charset="0"/>
+              <a:buChar char="•"/>
+            </a:pPr>
+            <a:r>
+              <a:rPr lang="en-US" dirty="0" err="1"/>
+              <a:t>model_selection</a:t>
+            </a:r>
+            <a:endParaRPr lang="en-NL" dirty="0"/>
+          </a:p>
+        </p:txBody>
+      </p:sp>
+    </p:spTree>
+    <p:extLst>
+      <p:ext uri="{BB962C8B-B14F-4D97-AF65-F5344CB8AC3E}">
+        <p14:creationId xmlns:p14="http://schemas.microsoft.com/office/powerpoint/2010/main" val="16402976"/>
+      </p:ext>
+    </p:extLst>
+  </p:cSld>
+  <p:clrMapOvr>
+    <a:masterClrMapping/>
+  </p:clrMapOvr>
+</p:sld>
+</file>
+
+<file path=ppt/slides/slide6.xml><?xml version="1.0" encoding="utf-8"?>
+<p:sld xmlns:a="http://schemas.openxmlformats.org/drawingml/2006/main" xmlns:r="http://schemas.openxmlformats.org/officeDocument/2006/relationships" xmlns:p="http://schemas.openxmlformats.org/presentationml/2006/main">
+  <p:cSld>
+    <p:spTree>
+      <p:nvGrpSpPr>
+        <p:cNvPr id="1" name=""/>
+        <p:cNvGrpSpPr/>
+        <p:nvPr/>
+      </p:nvGrpSpPr>
+      <p:grpSpPr>
+        <a:xfrm>
+          <a:off x="0" y="0"/>
+          <a:ext cx="0" cy="0"/>
+          <a:chOff x="0" y="0"/>
+          <a:chExt cx="0" cy="0"/>
+        </a:xfrm>
+      </p:grpSpPr>
+      <p:sp>
+        <p:nvSpPr>
+          <p:cNvPr id="2" name="Title 1">
+            <a:extLst>
+              <a:ext uri="{FF2B5EF4-FFF2-40B4-BE49-F238E27FC236}">
+                <a16:creationId xmlns:a16="http://schemas.microsoft.com/office/drawing/2014/main" id="{39A1D606-8DD1-369C-5C09-471CDD551AD5}"/>
+              </a:ext>
+            </a:extLst>
+          </p:cNvPr>
+          <p:cNvSpPr>
+            <a:spLocks noGrp="1"/>
+          </p:cNvSpPr>
+          <p:nvPr>
+            <p:ph type="title"/>
+          </p:nvPr>
+        </p:nvSpPr>
+        <p:spPr>
+          <a:xfrm>
+            <a:off x="838200" y="365126"/>
+            <a:ext cx="10515600" cy="718608"/>
+          </a:xfrm>
+        </p:spPr>
+        <p:txBody>
+          <a:bodyPr>
+            <a:normAutofit/>
+          </a:bodyPr>
+          <a:lstStyle/>
+          <a:p>
+            <a:r>
+              <a:rPr lang="nl-NL" sz="3600" noProof="0" dirty="0"/>
+              <a:t>Overzicht </a:t>
+            </a:r>
+            <a:r>
+              <a:rPr lang="nl-NL" sz="3600" noProof="0" dirty="0" err="1"/>
+              <a:t>scikit-learn</a:t>
+            </a:r>
+            <a:endParaRPr lang="nl-NL" sz="3600" noProof="0" dirty="0"/>
+          </a:p>
+        </p:txBody>
+      </p:sp>
+      <p:sp>
+        <p:nvSpPr>
+          <p:cNvPr id="6" name="Rectangle 5">
+            <a:extLst>
+              <a:ext uri="{FF2B5EF4-FFF2-40B4-BE49-F238E27FC236}">
+                <a16:creationId xmlns:a16="http://schemas.microsoft.com/office/drawing/2014/main" id="{1D38F06A-7130-AC87-179C-0C18A1AA4CA8}"/>
+              </a:ext>
+            </a:extLst>
+          </p:cNvPr>
+          <p:cNvSpPr/>
+          <p:nvPr/>
+        </p:nvSpPr>
+        <p:spPr>
+          <a:xfrm>
+            <a:off x="838200" y="1373512"/>
+            <a:ext cx="2423984" cy="1610646"/>
+          </a:xfrm>
+          <a:prstGeom prst="rect">
+            <a:avLst/>
+          </a:prstGeom>
+        </p:spPr>
+        <p:style>
+          <a:lnRef idx="1">
+            <a:schemeClr val="accent4"/>
+          </a:lnRef>
+          <a:fillRef idx="2">
+            <a:schemeClr val="accent4"/>
+          </a:fillRef>
+          <a:effectRef idx="1">
+            <a:schemeClr val="accent4"/>
+          </a:effectRef>
+          <a:fontRef idx="minor">
+            <a:schemeClr val="dk1"/>
+          </a:fontRef>
+        </p:style>
+        <p:txBody>
+          <a:bodyPr rtlCol="0" anchor="t"/>
+          <a:lstStyle/>
+          <a:p>
+            <a:pPr algn="ctr"/>
+            <a:r>
+              <a:rPr lang="en-US" b="1" dirty="0"/>
+              <a:t>Data preparation</a:t>
+            </a:r>
+          </a:p>
+          <a:p>
+            <a:pPr algn="ctr"/>
+            <a:endParaRPr lang="en-US" dirty="0"/>
+          </a:p>
+          <a:p>
+            <a:pPr marL="285750" indent="-285750">
+              <a:buFont typeface="Arial" panose="020B0604020202020204" pitchFamily="34" charset="0"/>
+              <a:buChar char="•"/>
+            </a:pPr>
+            <a:r>
+              <a:rPr lang="en-US" dirty="0"/>
+              <a:t>preprocessing</a:t>
+            </a:r>
+          </a:p>
+          <a:p>
+            <a:pPr marL="285750" indent="-285750">
+              <a:buFont typeface="Arial" panose="020B0604020202020204" pitchFamily="34" charset="0"/>
+              <a:buChar char="•"/>
+            </a:pPr>
+            <a:r>
+              <a:rPr lang="en-US" dirty="0" err="1"/>
+              <a:t>feature_extraction</a:t>
+            </a:r>
+            <a:endParaRPr lang="en-US" dirty="0"/>
+          </a:p>
+          <a:p>
+            <a:pPr marL="285750" indent="-285750">
+              <a:buFont typeface="Arial" panose="020B0604020202020204" pitchFamily="34" charset="0"/>
+              <a:buChar char="•"/>
+            </a:pPr>
+            <a:r>
+              <a:rPr lang="en-US" dirty="0"/>
+              <a:t>impute</a:t>
+            </a:r>
+          </a:p>
+        </p:txBody>
+      </p:sp>
+      <p:sp>
+        <p:nvSpPr>
+          <p:cNvPr id="7" name="Rectangle 6">
+            <a:extLst>
+              <a:ext uri="{FF2B5EF4-FFF2-40B4-BE49-F238E27FC236}">
+                <a16:creationId xmlns:a16="http://schemas.microsoft.com/office/drawing/2014/main" id="{4FCD6A8C-29D6-E5C6-1838-8B707C443CD5}"/>
+              </a:ext>
+            </a:extLst>
+          </p:cNvPr>
+          <p:cNvSpPr/>
+          <p:nvPr/>
+        </p:nvSpPr>
+        <p:spPr>
+          <a:xfrm>
+            <a:off x="3535405" y="2507635"/>
+            <a:ext cx="2423984" cy="1610646"/>
+          </a:xfrm>
+          <a:prstGeom prst="rect">
+            <a:avLst/>
+          </a:prstGeom>
+        </p:spPr>
+        <p:style>
+          <a:lnRef idx="1">
+            <a:schemeClr val="accent5"/>
+          </a:lnRef>
+          <a:fillRef idx="2">
+            <a:schemeClr val="accent5"/>
+          </a:fillRef>
+          <a:effectRef idx="1">
+            <a:schemeClr val="accent5"/>
+          </a:effectRef>
+          <a:fontRef idx="minor">
+            <a:schemeClr val="dk1"/>
+          </a:fontRef>
+        </p:style>
+        <p:txBody>
+          <a:bodyPr rtlCol="0" anchor="t"/>
+          <a:lstStyle/>
+          <a:p>
+            <a:pPr algn="ctr"/>
+            <a:r>
+              <a:rPr lang="en-US" b="1" dirty="0"/>
+              <a:t>Model building</a:t>
+            </a:r>
+            <a:endParaRPr lang="en-US" dirty="0"/>
+          </a:p>
+          <a:p>
+            <a:pPr algn="ctr"/>
+            <a:endParaRPr lang="en-US" b="1" dirty="0"/>
+          </a:p>
+          <a:p>
+            <a:pPr marL="285750" indent="-285750">
+              <a:buFont typeface="Arial" panose="020B0604020202020204" pitchFamily="34" charset="0"/>
+              <a:buChar char="•"/>
+            </a:pPr>
+            <a:r>
+              <a:rPr lang="en-US" dirty="0" err="1"/>
+              <a:t>linear_model</a:t>
+            </a:r>
+            <a:endParaRPr lang="en-US" dirty="0"/>
+          </a:p>
+          <a:p>
+            <a:pPr marL="285750" indent="-285750">
+              <a:buFont typeface="Arial" panose="020B0604020202020204" pitchFamily="34" charset="0"/>
+              <a:buChar char="•"/>
+            </a:pPr>
+            <a:r>
+              <a:rPr lang="en-US" dirty="0"/>
+              <a:t>ensemble</a:t>
+            </a:r>
+          </a:p>
+          <a:p>
+            <a:pPr marL="285750" indent="-285750">
+              <a:buFont typeface="Arial" panose="020B0604020202020204" pitchFamily="34" charset="0"/>
+              <a:buChar char="•"/>
+            </a:pPr>
+            <a:r>
+              <a:rPr lang="en-US" dirty="0"/>
+              <a:t>cluster</a:t>
+            </a:r>
+          </a:p>
+        </p:txBody>
+      </p:sp>
+      <p:sp>
+        <p:nvSpPr>
+          <p:cNvPr id="10" name="Rectangle 9">
+            <a:extLst>
+              <a:ext uri="{FF2B5EF4-FFF2-40B4-BE49-F238E27FC236}">
+                <a16:creationId xmlns:a16="http://schemas.microsoft.com/office/drawing/2014/main" id="{06AA83AA-E066-ABF0-626E-4AF185EBD422}"/>
+              </a:ext>
+            </a:extLst>
+          </p:cNvPr>
+          <p:cNvSpPr/>
+          <p:nvPr/>
+        </p:nvSpPr>
+        <p:spPr>
+          <a:xfrm>
+            <a:off x="6232610" y="3641758"/>
+            <a:ext cx="2423984" cy="1610646"/>
+          </a:xfrm>
+          <a:prstGeom prst="rect">
+            <a:avLst/>
+          </a:prstGeom>
+        </p:spPr>
+        <p:style>
+          <a:lnRef idx="1">
+            <a:schemeClr val="accent6"/>
+          </a:lnRef>
+          <a:fillRef idx="2">
+            <a:schemeClr val="accent6"/>
+          </a:fillRef>
+          <a:effectRef idx="1">
+            <a:schemeClr val="accent6"/>
+          </a:effectRef>
+          <a:fontRef idx="minor">
+            <a:schemeClr val="dk1"/>
+          </a:fontRef>
+        </p:style>
+        <p:txBody>
+          <a:bodyPr rtlCol="0" anchor="t"/>
+          <a:lstStyle/>
+          <a:p>
+            <a:pPr algn="ctr"/>
+            <a:r>
+              <a:rPr lang="en-US" b="1" dirty="0"/>
+              <a:t>Model validation</a:t>
+            </a:r>
+          </a:p>
+          <a:p>
+            <a:pPr algn="ctr"/>
+            <a:endParaRPr lang="en-US" b="1" dirty="0"/>
+          </a:p>
+          <a:p>
+            <a:pPr marL="285750" indent="-285750">
+              <a:buFont typeface="Arial" panose="020B0604020202020204" pitchFamily="34" charset="0"/>
+              <a:buChar char="•"/>
+            </a:pPr>
+            <a:r>
+              <a:rPr lang="en-US" dirty="0"/>
+              <a:t>metrics</a:t>
+            </a:r>
+            <a:endParaRPr lang="en-NL" dirty="0"/>
+          </a:p>
+        </p:txBody>
+      </p:sp>
+      <p:sp>
+        <p:nvSpPr>
+          <p:cNvPr id="11" name="Rectangle 10">
+            <a:extLst>
+              <a:ext uri="{FF2B5EF4-FFF2-40B4-BE49-F238E27FC236}">
+                <a16:creationId xmlns:a16="http://schemas.microsoft.com/office/drawing/2014/main" id="{B0473AB4-D4AF-9327-400D-5D21E3A4A256}"/>
+              </a:ext>
+            </a:extLst>
+          </p:cNvPr>
+          <p:cNvSpPr/>
+          <p:nvPr/>
+        </p:nvSpPr>
+        <p:spPr>
+          <a:xfrm>
+            <a:off x="8929816" y="4775881"/>
+            <a:ext cx="2423984" cy="1610646"/>
+          </a:xfrm>
+          <a:prstGeom prst="rect">
+            <a:avLst/>
+          </a:prstGeom>
+        </p:spPr>
+        <p:style>
+          <a:lnRef idx="1">
+            <a:schemeClr val="accent2"/>
+          </a:lnRef>
+          <a:fillRef idx="2">
+            <a:schemeClr val="accent2"/>
+          </a:fillRef>
+          <a:effectRef idx="1">
+            <a:schemeClr val="accent2"/>
+          </a:effectRef>
+          <a:fontRef idx="minor">
+            <a:schemeClr val="dk1"/>
+          </a:fontRef>
+        </p:style>
+        <p:txBody>
+          <a:bodyPr rtlCol="0" anchor="t"/>
+          <a:lstStyle/>
+          <a:p>
+            <a:pPr algn="ctr"/>
+            <a:r>
+              <a:rPr lang="en-US" b="1" dirty="0"/>
+              <a:t>Model selection</a:t>
+            </a:r>
+          </a:p>
+          <a:p>
+            <a:pPr algn="ctr"/>
+            <a:endParaRPr lang="en-US" b="1" dirty="0"/>
+          </a:p>
+          <a:p>
+            <a:pPr marL="285750" indent="-285750" algn="ctr">
+              <a:buFont typeface="Arial" panose="020B0604020202020204" pitchFamily="34" charset="0"/>
+              <a:buChar char="•"/>
+            </a:pPr>
+            <a:r>
+              <a:rPr lang="en-US" dirty="0" err="1"/>
+              <a:t>model_selection</a:t>
+            </a:r>
+            <a:endParaRPr lang="en-NL" dirty="0"/>
+          </a:p>
+        </p:txBody>
+      </p:sp>
+      <p:sp>
+        <p:nvSpPr>
+          <p:cNvPr id="5" name="Rectangle: Rounded Corners 4">
+            <a:extLst>
+              <a:ext uri="{FF2B5EF4-FFF2-40B4-BE49-F238E27FC236}">
+                <a16:creationId xmlns:a16="http://schemas.microsoft.com/office/drawing/2014/main" id="{3C976759-59E6-791E-895E-3D33EED4BAB9}"/>
+              </a:ext>
+            </a:extLst>
+          </p:cNvPr>
+          <p:cNvSpPr/>
+          <p:nvPr/>
+        </p:nvSpPr>
+        <p:spPr>
+          <a:xfrm>
+            <a:off x="1027670" y="3435178"/>
+            <a:ext cx="2045043" cy="1062681"/>
+          </a:xfrm>
+          <a:prstGeom prst="roundRect">
+            <a:avLst/>
+          </a:prstGeom>
+          <a:noFill/>
+        </p:spPr>
+        <p:style>
+          <a:lnRef idx="2">
+            <a:schemeClr val="accent1">
+              <a:shade val="50000"/>
+            </a:schemeClr>
+          </a:lnRef>
+          <a:fillRef idx="1">
+            <a:schemeClr val="accent1"/>
+          </a:fillRef>
+          <a:effectRef idx="0">
+            <a:schemeClr val="accent1"/>
+          </a:effectRef>
+          <a:fontRef idx="minor">
+            <a:schemeClr val="lt1"/>
+          </a:fontRef>
+        </p:style>
+        <p:txBody>
+          <a:bodyPr rtlCol="0" anchor="ctr"/>
+          <a:lstStyle/>
+          <a:p>
+            <a:pPr algn="ctr"/>
+            <a:r>
+              <a:rPr lang="en-US" b="1" dirty="0">
+                <a:solidFill>
+                  <a:schemeClr val="tx1"/>
+                </a:solidFill>
+              </a:rPr>
+              <a:t>Transformers</a:t>
+            </a:r>
+          </a:p>
+          <a:p>
+            <a:pPr marL="285750" indent="-285750">
+              <a:buFont typeface="Arial" panose="020B0604020202020204" pitchFamily="34" charset="0"/>
+              <a:buChar char="•"/>
+            </a:pPr>
+            <a:r>
+              <a:rPr lang="en-US" dirty="0">
+                <a:solidFill>
+                  <a:schemeClr val="tx1"/>
+                </a:solidFill>
+              </a:rPr>
+              <a:t>fit()</a:t>
+            </a:r>
+          </a:p>
+          <a:p>
+            <a:pPr marL="285750" indent="-285750">
+              <a:buFont typeface="Arial" panose="020B0604020202020204" pitchFamily="34" charset="0"/>
+              <a:buChar char="•"/>
+            </a:pPr>
+            <a:r>
+              <a:rPr lang="en-US" dirty="0">
+                <a:solidFill>
+                  <a:schemeClr val="tx1"/>
+                </a:solidFill>
+              </a:rPr>
+              <a:t>transform()</a:t>
+            </a:r>
+            <a:endParaRPr lang="en-NL" dirty="0">
+              <a:solidFill>
+                <a:schemeClr val="tx1"/>
+              </a:solidFill>
+            </a:endParaRPr>
+          </a:p>
+        </p:txBody>
+      </p:sp>
+      <p:cxnSp>
+        <p:nvCxnSpPr>
+          <p:cNvPr id="9" name="Straight Arrow Connector 8">
+            <a:extLst>
+              <a:ext uri="{FF2B5EF4-FFF2-40B4-BE49-F238E27FC236}">
+                <a16:creationId xmlns:a16="http://schemas.microsoft.com/office/drawing/2014/main" id="{A53A23B4-4F3D-704D-183A-F13654888F67}"/>
+              </a:ext>
+            </a:extLst>
+          </p:cNvPr>
+          <p:cNvCxnSpPr>
+            <a:cxnSpLocks/>
+            <a:stCxn id="6" idx="2"/>
+            <a:endCxn id="5" idx="0"/>
+          </p:cNvCxnSpPr>
+          <p:nvPr/>
+        </p:nvCxnSpPr>
+        <p:spPr>
+          <a:xfrm>
+            <a:off x="2050192" y="2984158"/>
+            <a:ext cx="0" cy="451020"/>
+          </a:xfrm>
+          <a:prstGeom prst="straightConnector1">
+            <a:avLst/>
+          </a:prstGeom>
+          <a:ln>
+            <a:tailEnd type="triangle"/>
+          </a:ln>
+        </p:spPr>
+        <p:style>
+          <a:lnRef idx="3">
+            <a:schemeClr val="dk1"/>
+          </a:lnRef>
+          <a:fillRef idx="0">
+            <a:schemeClr val="dk1"/>
+          </a:fillRef>
+          <a:effectRef idx="2">
+            <a:schemeClr val="dk1"/>
+          </a:effectRef>
+          <a:fontRef idx="minor">
+            <a:schemeClr val="tx1"/>
+          </a:fontRef>
+        </p:style>
+      </p:cxnSp>
+      <p:sp>
+        <p:nvSpPr>
+          <p:cNvPr id="12" name="Rectangle: Rounded Corners 11">
+            <a:extLst>
+              <a:ext uri="{FF2B5EF4-FFF2-40B4-BE49-F238E27FC236}">
+                <a16:creationId xmlns:a16="http://schemas.microsoft.com/office/drawing/2014/main" id="{9F5FDA7C-9972-E89A-E01D-AD9300872448}"/>
+              </a:ext>
+            </a:extLst>
+          </p:cNvPr>
+          <p:cNvSpPr/>
+          <p:nvPr/>
+        </p:nvSpPr>
+        <p:spPr>
+          <a:xfrm>
+            <a:off x="3724875" y="4549414"/>
+            <a:ext cx="2045043" cy="1062681"/>
+          </a:xfrm>
+          <a:prstGeom prst="roundRect">
+            <a:avLst/>
+          </a:prstGeom>
+          <a:noFill/>
+        </p:spPr>
+        <p:style>
+          <a:lnRef idx="2">
+            <a:schemeClr val="accent1">
+              <a:shade val="50000"/>
+            </a:schemeClr>
+          </a:lnRef>
+          <a:fillRef idx="1">
+            <a:schemeClr val="accent1"/>
+          </a:fillRef>
+          <a:effectRef idx="0">
+            <a:schemeClr val="accent1"/>
+          </a:effectRef>
+          <a:fontRef idx="minor">
+            <a:schemeClr val="lt1"/>
+          </a:fontRef>
+        </p:style>
+        <p:txBody>
+          <a:bodyPr rtlCol="0" anchor="ctr"/>
+          <a:lstStyle/>
+          <a:p>
+            <a:pPr algn="ctr"/>
+            <a:r>
+              <a:rPr lang="en-US" b="1" dirty="0">
+                <a:solidFill>
+                  <a:schemeClr val="tx1"/>
+                </a:solidFill>
+              </a:rPr>
+              <a:t>Estimators</a:t>
+            </a:r>
+          </a:p>
+          <a:p>
+            <a:pPr marL="285750" indent="-285750">
+              <a:buFont typeface="Arial" panose="020B0604020202020204" pitchFamily="34" charset="0"/>
+              <a:buChar char="•"/>
+            </a:pPr>
+            <a:r>
+              <a:rPr lang="en-US" dirty="0">
+                <a:solidFill>
+                  <a:schemeClr val="tx1"/>
+                </a:solidFill>
+              </a:rPr>
+              <a:t>fit()</a:t>
+            </a:r>
+          </a:p>
+          <a:p>
+            <a:pPr marL="285750" indent="-285750">
+              <a:buFont typeface="Arial" panose="020B0604020202020204" pitchFamily="34" charset="0"/>
+              <a:buChar char="•"/>
+            </a:pPr>
+            <a:r>
+              <a:rPr lang="en-US" dirty="0">
+                <a:solidFill>
+                  <a:schemeClr val="tx1"/>
+                </a:solidFill>
+              </a:rPr>
+              <a:t>predict()</a:t>
+            </a:r>
+            <a:endParaRPr lang="en-NL" dirty="0">
+              <a:solidFill>
+                <a:schemeClr val="tx1"/>
+              </a:solidFill>
+            </a:endParaRPr>
+          </a:p>
+        </p:txBody>
+      </p:sp>
+      <p:cxnSp>
+        <p:nvCxnSpPr>
+          <p:cNvPr id="15" name="Straight Arrow Connector 14">
+            <a:extLst>
+              <a:ext uri="{FF2B5EF4-FFF2-40B4-BE49-F238E27FC236}">
+                <a16:creationId xmlns:a16="http://schemas.microsoft.com/office/drawing/2014/main" id="{074E69CA-4CA1-28A4-5D35-5E7AF725DF6D}"/>
+              </a:ext>
+            </a:extLst>
+          </p:cNvPr>
+          <p:cNvCxnSpPr>
+            <a:stCxn id="7" idx="2"/>
+            <a:endCxn id="12" idx="0"/>
+          </p:cNvCxnSpPr>
+          <p:nvPr/>
+        </p:nvCxnSpPr>
+        <p:spPr>
+          <a:xfrm>
+            <a:off x="4747397" y="4118281"/>
+            <a:ext cx="0" cy="431133"/>
+          </a:xfrm>
+          <a:prstGeom prst="straightConnector1">
+            <a:avLst/>
+          </a:prstGeom>
+          <a:ln>
+            <a:tailEnd type="triangle"/>
+          </a:ln>
+        </p:spPr>
+        <p:style>
+          <a:lnRef idx="3">
+            <a:schemeClr val="dk1"/>
+          </a:lnRef>
+          <a:fillRef idx="0">
+            <a:schemeClr val="dk1"/>
+          </a:fillRef>
+          <a:effectRef idx="2">
+            <a:schemeClr val="dk1"/>
+          </a:effectRef>
+          <a:fontRef idx="minor">
+            <a:schemeClr val="tx1"/>
+          </a:fontRef>
+        </p:style>
+      </p:cxnSp>
+    </p:spTree>
+    <p:extLst>
+      <p:ext uri="{BB962C8B-B14F-4D97-AF65-F5344CB8AC3E}">
+        <p14:creationId xmlns:p14="http://schemas.microsoft.com/office/powerpoint/2010/main" val="2417014085"/>
+      </p:ext>
+    </p:extLst>
+  </p:cSld>
+  <p:clrMapOvr>
+    <a:masterClrMapping/>
+  </p:clrMapOvr>
+</p:sld>
+</file>
+
+<file path=ppt/slides/slide7.xml><?xml version="1.0" encoding="utf-8"?>
 <p:sld xmlns:a="http://schemas.openxmlformats.org/drawingml/2006/main" xmlns:r="http://schemas.openxmlformats.org/officeDocument/2006/relationships" xmlns:p="http://schemas.openxmlformats.org/presentationml/2006/main">
   <p:cSld>
     <p:spTree>

--- a/python_trainees/4_scikit_learn/python_traineeship_4.pptx
+++ b/python_trainees/4_scikit_learn/python_traineeship_4.pptx
@@ -7,11 +7,18 @@
   <p:sldIdLst>
     <p:sldId id="334" r:id="rId2"/>
     <p:sldId id="257" r:id="rId3"/>
-    <p:sldId id="335" r:id="rId4"/>
-    <p:sldId id="326" r:id="rId5"/>
-    <p:sldId id="339" r:id="rId6"/>
-    <p:sldId id="340" r:id="rId7"/>
-    <p:sldId id="336" r:id="rId8"/>
+    <p:sldId id="323" r:id="rId4"/>
+    <p:sldId id="335" r:id="rId5"/>
+    <p:sldId id="341" r:id="rId6"/>
+    <p:sldId id="326" r:id="rId7"/>
+    <p:sldId id="339" r:id="rId8"/>
+    <p:sldId id="340" r:id="rId9"/>
+    <p:sldId id="342" r:id="rId10"/>
+    <p:sldId id="343" r:id="rId11"/>
+    <p:sldId id="344" r:id="rId12"/>
+    <p:sldId id="345" r:id="rId13"/>
+    <p:sldId id="346" r:id="rId14"/>
+    <p:sldId id="336" r:id="rId15"/>
   </p:sldIdLst>
   <p:sldSz cx="12192000" cy="6858000"/>
   <p:notesSz cx="6858000" cy="9144000"/>
@@ -267,7 +274,7 @@
           <a:p>
             <a:fld id="{5E9D55AD-DA6B-4A9D-BFE6-D0A1673E6EA9}" type="datetimeFigureOut">
               <a:rPr lang="en-NL" smtClean="0"/>
-              <a:t>20/02/2023</a:t>
+              <a:t>27/02/2023</a:t>
             </a:fld>
             <a:endParaRPr lang="en-NL"/>
           </a:p>
@@ -467,7 +474,7 @@
           <a:p>
             <a:fld id="{5E9D55AD-DA6B-4A9D-BFE6-D0A1673E6EA9}" type="datetimeFigureOut">
               <a:rPr lang="en-NL" smtClean="0"/>
-              <a:t>20/02/2023</a:t>
+              <a:t>27/02/2023</a:t>
             </a:fld>
             <a:endParaRPr lang="en-NL"/>
           </a:p>
@@ -677,7 +684,7 @@
           <a:p>
             <a:fld id="{5E9D55AD-DA6B-4A9D-BFE6-D0A1673E6EA9}" type="datetimeFigureOut">
               <a:rPr lang="en-NL" smtClean="0"/>
-              <a:t>20/02/2023</a:t>
+              <a:t>27/02/2023</a:t>
             </a:fld>
             <a:endParaRPr lang="en-NL"/>
           </a:p>
@@ -877,7 +884,7 @@
           <a:p>
             <a:fld id="{5E9D55AD-DA6B-4A9D-BFE6-D0A1673E6EA9}" type="datetimeFigureOut">
               <a:rPr lang="en-NL" smtClean="0"/>
-              <a:t>20/02/2023</a:t>
+              <a:t>27/02/2023</a:t>
             </a:fld>
             <a:endParaRPr lang="en-NL"/>
           </a:p>
@@ -1153,7 +1160,7 @@
           <a:p>
             <a:fld id="{5E9D55AD-DA6B-4A9D-BFE6-D0A1673E6EA9}" type="datetimeFigureOut">
               <a:rPr lang="en-NL" smtClean="0"/>
-              <a:t>20/02/2023</a:t>
+              <a:t>27/02/2023</a:t>
             </a:fld>
             <a:endParaRPr lang="en-NL"/>
           </a:p>
@@ -1421,7 +1428,7 @@
           <a:p>
             <a:fld id="{5E9D55AD-DA6B-4A9D-BFE6-D0A1673E6EA9}" type="datetimeFigureOut">
               <a:rPr lang="en-NL" smtClean="0"/>
-              <a:t>20/02/2023</a:t>
+              <a:t>27/02/2023</a:t>
             </a:fld>
             <a:endParaRPr lang="en-NL"/>
           </a:p>
@@ -1836,7 +1843,7 @@
           <a:p>
             <a:fld id="{5E9D55AD-DA6B-4A9D-BFE6-D0A1673E6EA9}" type="datetimeFigureOut">
               <a:rPr lang="en-NL" smtClean="0"/>
-              <a:t>20/02/2023</a:t>
+              <a:t>27/02/2023</a:t>
             </a:fld>
             <a:endParaRPr lang="en-NL"/>
           </a:p>
@@ -1978,7 +1985,7 @@
           <a:p>
             <a:fld id="{5E9D55AD-DA6B-4A9D-BFE6-D0A1673E6EA9}" type="datetimeFigureOut">
               <a:rPr lang="en-NL" smtClean="0"/>
-              <a:t>20/02/2023</a:t>
+              <a:t>27/02/2023</a:t>
             </a:fld>
             <a:endParaRPr lang="en-NL"/>
           </a:p>
@@ -2091,7 +2098,7 @@
           <a:p>
             <a:fld id="{5E9D55AD-DA6B-4A9D-BFE6-D0A1673E6EA9}" type="datetimeFigureOut">
               <a:rPr lang="en-NL" smtClean="0"/>
-              <a:t>20/02/2023</a:t>
+              <a:t>27/02/2023</a:t>
             </a:fld>
             <a:endParaRPr lang="en-NL"/>
           </a:p>
@@ -2404,7 +2411,7 @@
           <a:p>
             <a:fld id="{5E9D55AD-DA6B-4A9D-BFE6-D0A1673E6EA9}" type="datetimeFigureOut">
               <a:rPr lang="en-NL" smtClean="0"/>
-              <a:t>20/02/2023</a:t>
+              <a:t>27/02/2023</a:t>
             </a:fld>
             <a:endParaRPr lang="en-NL"/>
           </a:p>
@@ -2693,7 +2700,7 @@
           <a:p>
             <a:fld id="{5E9D55AD-DA6B-4A9D-BFE6-D0A1673E6EA9}" type="datetimeFigureOut">
               <a:rPr lang="en-NL" smtClean="0"/>
-              <a:t>20/02/2023</a:t>
+              <a:t>27/02/2023</a:t>
             </a:fld>
             <a:endParaRPr lang="en-NL"/>
           </a:p>
@@ -2936,7 +2943,7 @@
           <a:p>
             <a:fld id="{5E9D55AD-DA6B-4A9D-BFE6-D0A1673E6EA9}" type="datetimeFigureOut">
               <a:rPr lang="en-NL" smtClean="0"/>
-              <a:t>20/02/2023</a:t>
+              <a:t>27/02/2023</a:t>
             </a:fld>
             <a:endParaRPr lang="en-NL"/>
           </a:p>
@@ -3435,6 +3442,536 @@
 </p:sld>
 </file>
 
+<file path=ppt/slides/slide10.xml><?xml version="1.0" encoding="utf-8"?>
+<p:sld xmlns:a="http://schemas.openxmlformats.org/drawingml/2006/main" xmlns:r="http://schemas.openxmlformats.org/officeDocument/2006/relationships" xmlns:p="http://schemas.openxmlformats.org/presentationml/2006/main">
+  <p:cSld>
+    <p:spTree>
+      <p:nvGrpSpPr>
+        <p:cNvPr id="1" name=""/>
+        <p:cNvGrpSpPr/>
+        <p:nvPr/>
+      </p:nvGrpSpPr>
+      <p:grpSpPr>
+        <a:xfrm>
+          <a:off x="0" y="0"/>
+          <a:ext cx="0" cy="0"/>
+          <a:chOff x="0" y="0"/>
+          <a:chExt cx="0" cy="0"/>
+        </a:xfrm>
+      </p:grpSpPr>
+      <p:sp>
+        <p:nvSpPr>
+          <p:cNvPr id="4" name="Title 3">
+            <a:extLst>
+              <a:ext uri="{FF2B5EF4-FFF2-40B4-BE49-F238E27FC236}">
+                <a16:creationId xmlns:a16="http://schemas.microsoft.com/office/drawing/2014/main" id="{72C925CA-BCA3-3701-E08E-95652380B32E}"/>
+              </a:ext>
+            </a:extLst>
+          </p:cNvPr>
+          <p:cNvSpPr>
+            <a:spLocks noGrp="1"/>
+          </p:cNvSpPr>
+          <p:nvPr>
+            <p:ph type="title"/>
+          </p:nvPr>
+        </p:nvSpPr>
+        <p:spPr/>
+        <p:txBody>
+          <a:bodyPr/>
+          <a:lstStyle/>
+          <a:p>
+            <a:r>
+              <a:rPr lang="nl-NL" noProof="0" dirty="0"/>
+              <a:t>Data Preparatie</a:t>
+            </a:r>
+          </a:p>
+        </p:txBody>
+      </p:sp>
+      <p:sp>
+        <p:nvSpPr>
+          <p:cNvPr id="5" name="Text Placeholder 4">
+            <a:extLst>
+              <a:ext uri="{FF2B5EF4-FFF2-40B4-BE49-F238E27FC236}">
+                <a16:creationId xmlns:a16="http://schemas.microsoft.com/office/drawing/2014/main" id="{1AB31C95-91AF-DF13-FB58-0DA5F2D9F6F7}"/>
+              </a:ext>
+            </a:extLst>
+          </p:cNvPr>
+          <p:cNvSpPr>
+            <a:spLocks noGrp="1"/>
+          </p:cNvSpPr>
+          <p:nvPr>
+            <p:ph type="body" idx="1"/>
+          </p:nvPr>
+        </p:nvSpPr>
+        <p:spPr/>
+        <p:txBody>
+          <a:bodyPr/>
+          <a:lstStyle/>
+          <a:p>
+            <a:endParaRPr lang="en-NL"/>
+          </a:p>
+        </p:txBody>
+      </p:sp>
+    </p:spTree>
+    <p:extLst>
+      <p:ext uri="{BB962C8B-B14F-4D97-AF65-F5344CB8AC3E}">
+        <p14:creationId xmlns:p14="http://schemas.microsoft.com/office/powerpoint/2010/main" val="1377020512"/>
+      </p:ext>
+    </p:extLst>
+  </p:cSld>
+  <p:clrMapOvr>
+    <a:masterClrMapping/>
+  </p:clrMapOvr>
+</p:sld>
+</file>
+
+<file path=ppt/slides/slide11.xml><?xml version="1.0" encoding="utf-8"?>
+<p:sld xmlns:a="http://schemas.openxmlformats.org/drawingml/2006/main" xmlns:r="http://schemas.openxmlformats.org/officeDocument/2006/relationships" xmlns:p="http://schemas.openxmlformats.org/presentationml/2006/main">
+  <p:cSld>
+    <p:spTree>
+      <p:nvGrpSpPr>
+        <p:cNvPr id="1" name=""/>
+        <p:cNvGrpSpPr/>
+        <p:nvPr/>
+      </p:nvGrpSpPr>
+      <p:grpSpPr>
+        <a:xfrm>
+          <a:off x="0" y="0"/>
+          <a:ext cx="0" cy="0"/>
+          <a:chOff x="0" y="0"/>
+          <a:chExt cx="0" cy="0"/>
+        </a:xfrm>
+      </p:grpSpPr>
+      <p:sp>
+        <p:nvSpPr>
+          <p:cNvPr id="4" name="Title 3">
+            <a:extLst>
+              <a:ext uri="{FF2B5EF4-FFF2-40B4-BE49-F238E27FC236}">
+                <a16:creationId xmlns:a16="http://schemas.microsoft.com/office/drawing/2014/main" id="{72C925CA-BCA3-3701-E08E-95652380B32E}"/>
+              </a:ext>
+            </a:extLst>
+          </p:cNvPr>
+          <p:cNvSpPr>
+            <a:spLocks noGrp="1"/>
+          </p:cNvSpPr>
+          <p:nvPr>
+            <p:ph type="title"/>
+          </p:nvPr>
+        </p:nvSpPr>
+        <p:spPr/>
+        <p:txBody>
+          <a:bodyPr/>
+          <a:lstStyle/>
+          <a:p>
+            <a:r>
+              <a:rPr lang="nl-NL" noProof="0" dirty="0"/>
+              <a:t>Modelleren</a:t>
+            </a:r>
+          </a:p>
+        </p:txBody>
+      </p:sp>
+      <p:sp>
+        <p:nvSpPr>
+          <p:cNvPr id="5" name="Text Placeholder 4">
+            <a:extLst>
+              <a:ext uri="{FF2B5EF4-FFF2-40B4-BE49-F238E27FC236}">
+                <a16:creationId xmlns:a16="http://schemas.microsoft.com/office/drawing/2014/main" id="{1AB31C95-91AF-DF13-FB58-0DA5F2D9F6F7}"/>
+              </a:ext>
+            </a:extLst>
+          </p:cNvPr>
+          <p:cNvSpPr>
+            <a:spLocks noGrp="1"/>
+          </p:cNvSpPr>
+          <p:nvPr>
+            <p:ph type="body" idx="1"/>
+          </p:nvPr>
+        </p:nvSpPr>
+        <p:spPr/>
+        <p:txBody>
+          <a:bodyPr/>
+          <a:lstStyle/>
+          <a:p>
+            <a:endParaRPr lang="en-NL"/>
+          </a:p>
+        </p:txBody>
+      </p:sp>
+    </p:spTree>
+    <p:extLst>
+      <p:ext uri="{BB962C8B-B14F-4D97-AF65-F5344CB8AC3E}">
+        <p14:creationId xmlns:p14="http://schemas.microsoft.com/office/powerpoint/2010/main" val="3026547381"/>
+      </p:ext>
+    </p:extLst>
+  </p:cSld>
+  <p:clrMapOvr>
+    <a:masterClrMapping/>
+  </p:clrMapOvr>
+</p:sld>
+</file>
+
+<file path=ppt/slides/slide12.xml><?xml version="1.0" encoding="utf-8"?>
+<p:sld xmlns:a="http://schemas.openxmlformats.org/drawingml/2006/main" xmlns:r="http://schemas.openxmlformats.org/officeDocument/2006/relationships" xmlns:p="http://schemas.openxmlformats.org/presentationml/2006/main">
+  <p:cSld>
+    <p:spTree>
+      <p:nvGrpSpPr>
+        <p:cNvPr id="1" name=""/>
+        <p:cNvGrpSpPr/>
+        <p:nvPr/>
+      </p:nvGrpSpPr>
+      <p:grpSpPr>
+        <a:xfrm>
+          <a:off x="0" y="0"/>
+          <a:ext cx="0" cy="0"/>
+          <a:chOff x="0" y="0"/>
+          <a:chExt cx="0" cy="0"/>
+        </a:xfrm>
+      </p:grpSpPr>
+      <p:sp>
+        <p:nvSpPr>
+          <p:cNvPr id="4" name="Title 3">
+            <a:extLst>
+              <a:ext uri="{FF2B5EF4-FFF2-40B4-BE49-F238E27FC236}">
+                <a16:creationId xmlns:a16="http://schemas.microsoft.com/office/drawing/2014/main" id="{72C925CA-BCA3-3701-E08E-95652380B32E}"/>
+              </a:ext>
+            </a:extLst>
+          </p:cNvPr>
+          <p:cNvSpPr>
+            <a:spLocks noGrp="1"/>
+          </p:cNvSpPr>
+          <p:nvPr>
+            <p:ph type="title"/>
+          </p:nvPr>
+        </p:nvSpPr>
+        <p:spPr/>
+        <p:txBody>
+          <a:bodyPr/>
+          <a:lstStyle/>
+          <a:p>
+            <a:r>
+              <a:rPr lang="nl-NL" noProof="0" dirty="0" err="1"/>
+              <a:t>Validateren</a:t>
+            </a:r>
+            <a:r>
+              <a:rPr lang="nl-NL" noProof="0" dirty="0"/>
+              <a:t> en selecteren</a:t>
+            </a:r>
+          </a:p>
+        </p:txBody>
+      </p:sp>
+      <p:sp>
+        <p:nvSpPr>
+          <p:cNvPr id="5" name="Text Placeholder 4">
+            <a:extLst>
+              <a:ext uri="{FF2B5EF4-FFF2-40B4-BE49-F238E27FC236}">
+                <a16:creationId xmlns:a16="http://schemas.microsoft.com/office/drawing/2014/main" id="{1AB31C95-91AF-DF13-FB58-0DA5F2D9F6F7}"/>
+              </a:ext>
+            </a:extLst>
+          </p:cNvPr>
+          <p:cNvSpPr>
+            <a:spLocks noGrp="1"/>
+          </p:cNvSpPr>
+          <p:nvPr>
+            <p:ph type="body" idx="1"/>
+          </p:nvPr>
+        </p:nvSpPr>
+        <p:spPr/>
+        <p:txBody>
+          <a:bodyPr/>
+          <a:lstStyle/>
+          <a:p>
+            <a:endParaRPr lang="en-NL"/>
+          </a:p>
+        </p:txBody>
+      </p:sp>
+    </p:spTree>
+    <p:extLst>
+      <p:ext uri="{BB962C8B-B14F-4D97-AF65-F5344CB8AC3E}">
+        <p14:creationId xmlns:p14="http://schemas.microsoft.com/office/powerpoint/2010/main" val="3662473669"/>
+      </p:ext>
+    </p:extLst>
+  </p:cSld>
+  <p:clrMapOvr>
+    <a:masterClrMapping/>
+  </p:clrMapOvr>
+</p:sld>
+</file>
+
+<file path=ppt/slides/slide13.xml><?xml version="1.0" encoding="utf-8"?>
+<p:sld xmlns:a="http://schemas.openxmlformats.org/drawingml/2006/main" xmlns:r="http://schemas.openxmlformats.org/officeDocument/2006/relationships" xmlns:p="http://schemas.openxmlformats.org/presentationml/2006/main">
+  <p:cSld>
+    <p:spTree>
+      <p:nvGrpSpPr>
+        <p:cNvPr id="1" name=""/>
+        <p:cNvGrpSpPr/>
+        <p:nvPr/>
+      </p:nvGrpSpPr>
+      <p:grpSpPr>
+        <a:xfrm>
+          <a:off x="0" y="0"/>
+          <a:ext cx="0" cy="0"/>
+          <a:chOff x="0" y="0"/>
+          <a:chExt cx="0" cy="0"/>
+        </a:xfrm>
+      </p:grpSpPr>
+      <p:sp>
+        <p:nvSpPr>
+          <p:cNvPr id="4" name="Title 3">
+            <a:extLst>
+              <a:ext uri="{FF2B5EF4-FFF2-40B4-BE49-F238E27FC236}">
+                <a16:creationId xmlns:a16="http://schemas.microsoft.com/office/drawing/2014/main" id="{72C925CA-BCA3-3701-E08E-95652380B32E}"/>
+              </a:ext>
+            </a:extLst>
+          </p:cNvPr>
+          <p:cNvSpPr>
+            <a:spLocks noGrp="1"/>
+          </p:cNvSpPr>
+          <p:nvPr>
+            <p:ph type="title"/>
+          </p:nvPr>
+        </p:nvSpPr>
+        <p:spPr/>
+        <p:txBody>
+          <a:bodyPr/>
+          <a:lstStyle/>
+          <a:p>
+            <a:r>
+              <a:rPr lang="nl-NL" noProof="0" dirty="0"/>
+              <a:t>Natural Language Processing</a:t>
+            </a:r>
+          </a:p>
+        </p:txBody>
+      </p:sp>
+      <p:sp>
+        <p:nvSpPr>
+          <p:cNvPr id="5" name="Text Placeholder 4">
+            <a:extLst>
+              <a:ext uri="{FF2B5EF4-FFF2-40B4-BE49-F238E27FC236}">
+                <a16:creationId xmlns:a16="http://schemas.microsoft.com/office/drawing/2014/main" id="{1AB31C95-91AF-DF13-FB58-0DA5F2D9F6F7}"/>
+              </a:ext>
+            </a:extLst>
+          </p:cNvPr>
+          <p:cNvSpPr>
+            <a:spLocks noGrp="1"/>
+          </p:cNvSpPr>
+          <p:nvPr>
+            <p:ph type="body" idx="1"/>
+          </p:nvPr>
+        </p:nvSpPr>
+        <p:spPr/>
+        <p:txBody>
+          <a:bodyPr/>
+          <a:lstStyle/>
+          <a:p>
+            <a:endParaRPr lang="en-NL"/>
+          </a:p>
+        </p:txBody>
+      </p:sp>
+    </p:spTree>
+    <p:extLst>
+      <p:ext uri="{BB962C8B-B14F-4D97-AF65-F5344CB8AC3E}">
+        <p14:creationId xmlns:p14="http://schemas.microsoft.com/office/powerpoint/2010/main" val="2675372687"/>
+      </p:ext>
+    </p:extLst>
+  </p:cSld>
+  <p:clrMapOvr>
+    <a:masterClrMapping/>
+  </p:clrMapOvr>
+</p:sld>
+</file>
+
+<file path=ppt/slides/slide14.xml><?xml version="1.0" encoding="utf-8"?>
+<p:sld xmlns:a="http://schemas.openxmlformats.org/drawingml/2006/main" xmlns:r="http://schemas.openxmlformats.org/officeDocument/2006/relationships" xmlns:p="http://schemas.openxmlformats.org/presentationml/2006/main">
+  <p:cSld>
+    <p:spTree>
+      <p:nvGrpSpPr>
+        <p:cNvPr id="1" name=""/>
+        <p:cNvGrpSpPr/>
+        <p:nvPr/>
+      </p:nvGrpSpPr>
+      <p:grpSpPr>
+        <a:xfrm>
+          <a:off x="0" y="0"/>
+          <a:ext cx="0" cy="0"/>
+          <a:chOff x="0" y="0"/>
+          <a:chExt cx="0" cy="0"/>
+        </a:xfrm>
+      </p:grpSpPr>
+      <p:sp>
+        <p:nvSpPr>
+          <p:cNvPr id="2" name="Title 1">
+            <a:extLst>
+              <a:ext uri="{FF2B5EF4-FFF2-40B4-BE49-F238E27FC236}">
+                <a16:creationId xmlns:a16="http://schemas.microsoft.com/office/drawing/2014/main" id="{39A1D606-8DD1-369C-5C09-471CDD551AD5}"/>
+              </a:ext>
+            </a:extLst>
+          </p:cNvPr>
+          <p:cNvSpPr>
+            <a:spLocks noGrp="1"/>
+          </p:cNvSpPr>
+          <p:nvPr>
+            <p:ph type="title"/>
+          </p:nvPr>
+        </p:nvSpPr>
+        <p:spPr>
+          <a:xfrm>
+            <a:off x="838200" y="365126"/>
+            <a:ext cx="10515600" cy="718608"/>
+          </a:xfrm>
+        </p:spPr>
+        <p:txBody>
+          <a:bodyPr>
+            <a:normAutofit/>
+          </a:bodyPr>
+          <a:lstStyle/>
+          <a:p>
+            <a:r>
+              <a:rPr lang="nl-NL" sz="3600" noProof="0" dirty="0"/>
+              <a:t>Waar op te letten?</a:t>
+            </a:r>
+          </a:p>
+        </p:txBody>
+      </p:sp>
+      <p:sp>
+        <p:nvSpPr>
+          <p:cNvPr id="3" name="Content Placeholder 2">
+            <a:extLst>
+              <a:ext uri="{FF2B5EF4-FFF2-40B4-BE49-F238E27FC236}">
+                <a16:creationId xmlns:a16="http://schemas.microsoft.com/office/drawing/2014/main" id="{8F4C0E08-92A4-9F30-EF70-67DFBC8C5B8D}"/>
+              </a:ext>
+            </a:extLst>
+          </p:cNvPr>
+          <p:cNvSpPr>
+            <a:spLocks noGrp="1"/>
+          </p:cNvSpPr>
+          <p:nvPr>
+            <p:ph idx="1"/>
+          </p:nvPr>
+        </p:nvSpPr>
+        <p:spPr>
+          <a:xfrm>
+            <a:off x="838200" y="1456267"/>
+            <a:ext cx="9658865" cy="4720696"/>
+          </a:xfrm>
+        </p:spPr>
+        <p:txBody>
+          <a:bodyPr>
+            <a:normAutofit/>
+          </a:bodyPr>
+          <a:lstStyle/>
+          <a:p>
+            <a:pPr marL="0" indent="0">
+              <a:buNone/>
+            </a:pPr>
+            <a:r>
+              <a:rPr lang="nl-NL" sz="2000" b="1" noProof="0" dirty="0"/>
+              <a:t>Ken je data!</a:t>
+            </a:r>
+          </a:p>
+          <a:p>
+            <a:pPr>
+              <a:buFontTx/>
+              <a:buChar char="-"/>
+            </a:pPr>
+            <a:r>
+              <a:rPr lang="nl-NL" sz="2000" dirty="0"/>
+              <a:t>Data is belangrijkste sleutel voor succes!</a:t>
+            </a:r>
+          </a:p>
+          <a:p>
+            <a:pPr>
+              <a:buFontTx/>
+              <a:buChar char="-"/>
+            </a:pPr>
+            <a:r>
+              <a:rPr lang="nl-NL" sz="2000" dirty="0"/>
+              <a:t>Ken de achterliggende concepten en processen.</a:t>
+            </a:r>
+          </a:p>
+          <a:p>
+            <a:pPr marL="0" indent="0">
+              <a:buNone/>
+            </a:pPr>
+            <a:endParaRPr lang="nl-NL" sz="2000" b="1" noProof="0" dirty="0"/>
+          </a:p>
+          <a:p>
+            <a:pPr marL="0" indent="0">
+              <a:buNone/>
+            </a:pPr>
+            <a:r>
+              <a:rPr lang="nl-NL" sz="2000" b="1" dirty="0"/>
+              <a:t>Wat is het doel?</a:t>
+            </a:r>
+          </a:p>
+          <a:p>
+            <a:pPr>
+              <a:buFontTx/>
+              <a:buChar char="-"/>
+            </a:pPr>
+            <a:r>
+              <a:rPr lang="nl-NL" sz="2000" dirty="0"/>
+              <a:t>Wat wil men bereiken en wat is daarvoor belangrijk?</a:t>
+            </a:r>
+          </a:p>
+          <a:p>
+            <a:pPr>
+              <a:buFontTx/>
+              <a:buChar char="-"/>
+            </a:pPr>
+            <a:r>
+              <a:rPr lang="nl-NL" sz="2000" noProof="0" dirty="0"/>
+              <a:t>Accuratesse, geen fouten maken, uitlegbaarheid?</a:t>
+            </a:r>
+          </a:p>
+          <a:p>
+            <a:pPr>
+              <a:buFontTx/>
+              <a:buChar char="-"/>
+            </a:pPr>
+            <a:r>
+              <a:rPr lang="nl-NL" sz="2000" dirty="0"/>
+              <a:t>ML is niet altijd </a:t>
+            </a:r>
+            <a:r>
+              <a:rPr lang="nl-NL" sz="2000"/>
+              <a:t>de beste </a:t>
+            </a:r>
+            <a:r>
+              <a:rPr lang="nl-NL" sz="2000" dirty="0"/>
+              <a:t>optie…</a:t>
+            </a:r>
+          </a:p>
+          <a:p>
+            <a:pPr marL="0" indent="0">
+              <a:buNone/>
+            </a:pPr>
+            <a:endParaRPr lang="nl-NL" sz="2000" noProof="0" dirty="0"/>
+          </a:p>
+          <a:p>
+            <a:pPr marL="0" indent="0">
+              <a:buNone/>
+            </a:pPr>
+            <a:endParaRPr lang="nl-NL" sz="2000" noProof="0" dirty="0"/>
+          </a:p>
+          <a:p>
+            <a:pPr marL="0" indent="0">
+              <a:buNone/>
+            </a:pPr>
+            <a:endParaRPr lang="nl-NL" sz="2000" dirty="0"/>
+          </a:p>
+        </p:txBody>
+      </p:sp>
+    </p:spTree>
+    <p:extLst>
+      <p:ext uri="{BB962C8B-B14F-4D97-AF65-F5344CB8AC3E}">
+        <p14:creationId xmlns:p14="http://schemas.microsoft.com/office/powerpoint/2010/main" val="1542375319"/>
+      </p:ext>
+    </p:extLst>
+  </p:cSld>
+  <p:clrMapOvr>
+    <a:masterClrMapping/>
+  </p:clrMapOvr>
+</p:sld>
+</file>
+
 <file path=ppt/slides/slide2.xml><?xml version="1.0" encoding="utf-8"?>
 <p:sld xmlns:a="http://schemas.openxmlformats.org/drawingml/2006/main" xmlns:r="http://schemas.openxmlformats.org/officeDocument/2006/relationships" xmlns:p="http://schemas.openxmlformats.org/presentationml/2006/main">
   <p:cSld>
@@ -3522,7 +4059,33 @@
             </a:pPr>
             <a:r>
               <a:rPr lang="nl-NL" sz="2000" noProof="0" dirty="0"/>
+              <a:t>Overzicht:</a:t>
+            </a:r>
+          </a:p>
+          <a:p>
+            <a:pPr lvl="1">
+              <a:spcAft>
+                <a:spcPts val="600"/>
+              </a:spcAft>
+            </a:pPr>
+            <a:r>
+              <a:rPr lang="nl-NL" sz="1600" noProof="0" dirty="0"/>
               <a:t>ML Landschap</a:t>
+            </a:r>
+          </a:p>
+          <a:p>
+            <a:pPr lvl="1">
+              <a:spcAft>
+                <a:spcPts val="600"/>
+              </a:spcAft>
+            </a:pPr>
+            <a:r>
+              <a:rPr lang="nl-NL" sz="1600" noProof="0" dirty="0" err="1"/>
+              <a:t>Scikit-learn</a:t>
+            </a:r>
+            <a:r>
+              <a:rPr lang="nl-NL" sz="1600" noProof="0" dirty="0"/>
+              <a:t> API</a:t>
             </a:r>
           </a:p>
           <a:p>
@@ -3532,16 +4095,52 @@
               </a:spcAft>
             </a:pPr>
             <a:r>
-              <a:rPr lang="nl-NL" sz="2000" noProof="0" dirty="0"/>
-              <a:t>Overzicht </a:t>
-            </a:r>
-            <a:r>
-              <a:rPr lang="nl-NL" sz="2000" noProof="0" dirty="0" err="1"/>
-              <a:t>scikit-learn</a:t>
-            </a:r>
-            <a:r>
-              <a:rPr lang="nl-NL" sz="2000" noProof="0" dirty="0"/>
-              <a:t> API</a:t>
+              <a:rPr lang="nl-NL" sz="2000" dirty="0"/>
+              <a:t>Basis ML proces:</a:t>
+            </a:r>
+          </a:p>
+          <a:p>
+            <a:pPr lvl="1">
+              <a:spcAft>
+                <a:spcPts val="600"/>
+              </a:spcAft>
+            </a:pPr>
+            <a:r>
+              <a:rPr lang="nl-NL" sz="1600" dirty="0"/>
+              <a:t>Data exploratie</a:t>
+            </a:r>
+          </a:p>
+          <a:p>
+            <a:pPr lvl="1">
+              <a:spcAft>
+                <a:spcPts val="600"/>
+              </a:spcAft>
+            </a:pPr>
+            <a:r>
+              <a:rPr lang="nl-NL" sz="1600" dirty="0"/>
+              <a:t>Data preparatie</a:t>
+            </a:r>
+          </a:p>
+          <a:p>
+            <a:pPr lvl="1">
+              <a:spcAft>
+                <a:spcPts val="600"/>
+              </a:spcAft>
+            </a:pPr>
+            <a:r>
+              <a:rPr lang="nl-NL" sz="1600" dirty="0"/>
+              <a:t>Modelleren</a:t>
+            </a:r>
+          </a:p>
+          <a:p>
+            <a:pPr lvl="1">
+              <a:spcAft>
+                <a:spcPts val="600"/>
+              </a:spcAft>
+            </a:pPr>
+            <a:r>
+              <a:rPr lang="nl-NL" sz="1600" dirty="0"/>
+              <a:t>Validatie</a:t>
             </a:r>
           </a:p>
           <a:p>
@@ -3551,69 +4150,8 @@
               </a:spcAft>
             </a:pPr>
             <a:r>
-              <a:rPr lang="nl-NL" sz="2000" dirty="0"/>
-              <a:t>Basis ML proces: </a:t>
-            </a:r>
-            <a:r>
-              <a:rPr lang="nl-NL" sz="2000" dirty="0" err="1"/>
-              <a:t>prep</a:t>
-            </a:r>
-            <a:r>
-              <a:rPr lang="nl-NL" sz="2000" dirty="0"/>
-              <a:t>, model, validatie</a:t>
-            </a:r>
-          </a:p>
-          <a:p>
-            <a:pPr>
-              <a:spcAft>
-                <a:spcPts val="600"/>
-              </a:spcAft>
-            </a:pPr>
-            <a:r>
-              <a:rPr lang="nl-NL" sz="2000" dirty="0"/>
-              <a:t>Learning curve en </a:t>
-            </a:r>
-            <a:r>
-              <a:rPr lang="nl-NL" sz="2000" dirty="0" err="1"/>
-              <a:t>overfitting</a:t>
-            </a:r>
-            <a:endParaRPr lang="nl-NL" sz="2000" dirty="0"/>
-          </a:p>
-          <a:p>
-            <a:pPr>
-              <a:spcAft>
-                <a:spcPts val="600"/>
-              </a:spcAft>
-            </a:pPr>
-            <a:r>
-              <a:rPr lang="nl-NL" sz="2000" dirty="0" err="1"/>
-              <a:t>Imbalanced</a:t>
-            </a:r>
-            <a:r>
-              <a:rPr lang="nl-NL" sz="2000" dirty="0"/>
-              <a:t> data</a:t>
-            </a:r>
-          </a:p>
-          <a:p>
-            <a:pPr>
-              <a:spcAft>
-                <a:spcPts val="600"/>
-              </a:spcAft>
-            </a:pPr>
-            <a:r>
               <a:rPr lang="nl-NL" sz="2000" noProof="0" dirty="0"/>
-              <a:t>Fouten analyse</a:t>
-            </a:r>
-          </a:p>
-          <a:p>
-            <a:pPr>
-              <a:spcAft>
-                <a:spcPts val="600"/>
-              </a:spcAft>
-            </a:pPr>
-            <a:r>
-              <a:rPr lang="nl-NL" sz="2000" noProof="0" dirty="0"/>
-              <a:t>NLP</a:t>
+              <a:t>Natural Language Processing</a:t>
             </a:r>
           </a:p>
           <a:p>
@@ -3701,10 +4239,10 @@
       </p:grpSpPr>
       <p:sp>
         <p:nvSpPr>
-          <p:cNvPr id="2" name="Title 1">
-            <a:extLst>
-              <a:ext uri="{FF2B5EF4-FFF2-40B4-BE49-F238E27FC236}">
-                <a16:creationId xmlns:a16="http://schemas.microsoft.com/office/drawing/2014/main" id="{39A1D606-8DD1-369C-5C09-471CDD551AD5}"/>
+          <p:cNvPr id="4" name="Title 3">
+            <a:extLst>
+              <a:ext uri="{FF2B5EF4-FFF2-40B4-BE49-F238E27FC236}">
+                <a16:creationId xmlns:a16="http://schemas.microsoft.com/office/drawing/2014/main" id="{72C925CA-BCA3-3701-E08E-95652380B32E}"/>
               </a:ext>
             </a:extLst>
           </p:cNvPr>
@@ -3715,616 +4253,52 @@
             <p:ph type="title"/>
           </p:nvPr>
         </p:nvSpPr>
-        <p:spPr>
-          <a:xfrm>
-            <a:off x="838200" y="365126"/>
-            <a:ext cx="10515600" cy="718608"/>
-          </a:xfrm>
-        </p:spPr>
-        <p:txBody>
-          <a:bodyPr>
-            <a:normAutofit/>
-          </a:bodyPr>
-          <a:lstStyle/>
-          <a:p>
-            <a:r>
-              <a:rPr lang="nl-NL" sz="3600" noProof="0" dirty="0"/>
-              <a:t>Overzicht landschap</a:t>
-            </a:r>
-          </a:p>
-        </p:txBody>
-      </p:sp>
-      <p:sp>
-        <p:nvSpPr>
-          <p:cNvPr id="6" name="Rectangle 5">
-            <a:extLst>
-              <a:ext uri="{FF2B5EF4-FFF2-40B4-BE49-F238E27FC236}">
-                <a16:creationId xmlns:a16="http://schemas.microsoft.com/office/drawing/2014/main" id="{1D38F06A-7130-AC87-179C-0C18A1AA4CA8}"/>
-              </a:ext>
-            </a:extLst>
-          </p:cNvPr>
-          <p:cNvSpPr/>
-          <p:nvPr/>
-        </p:nvSpPr>
-        <p:spPr>
-          <a:xfrm>
-            <a:off x="838200" y="2094470"/>
-            <a:ext cx="2756930" cy="1408666"/>
-          </a:xfrm>
-          <a:prstGeom prst="rect">
-            <a:avLst/>
-          </a:prstGeom>
-        </p:spPr>
-        <p:style>
-          <a:lnRef idx="1">
-            <a:schemeClr val="accent3"/>
-          </a:lnRef>
-          <a:fillRef idx="2">
-            <a:schemeClr val="accent3"/>
-          </a:fillRef>
-          <a:effectRef idx="1">
-            <a:schemeClr val="accent3"/>
-          </a:effectRef>
-          <a:fontRef idx="minor">
-            <a:schemeClr val="dk1"/>
-          </a:fontRef>
-        </p:style>
-        <p:txBody>
-          <a:bodyPr rtlCol="0" anchor="ctr"/>
-          <a:lstStyle/>
-          <a:p>
-            <a:pPr algn="ctr"/>
-            <a:r>
-              <a:rPr lang="en-US" dirty="0" err="1"/>
-              <a:t>PyTorch</a:t>
-            </a:r>
-            <a:endParaRPr lang="en-US" dirty="0"/>
-          </a:p>
-          <a:p>
-            <a:pPr algn="ctr"/>
-            <a:r>
-              <a:rPr lang="en-US" dirty="0" err="1"/>
-              <a:t>Keras</a:t>
-            </a:r>
-            <a:endParaRPr lang="en-US" dirty="0"/>
-          </a:p>
-          <a:p>
-            <a:pPr algn="ctr"/>
-            <a:r>
-              <a:rPr lang="en-US" dirty="0"/>
-              <a:t>TensorFlow</a:t>
-            </a:r>
-            <a:endParaRPr lang="en-NL" dirty="0"/>
-          </a:p>
-        </p:txBody>
-      </p:sp>
-      <p:sp>
-        <p:nvSpPr>
-          <p:cNvPr id="7" name="Rectangle 6">
-            <a:extLst>
-              <a:ext uri="{FF2B5EF4-FFF2-40B4-BE49-F238E27FC236}">
-                <a16:creationId xmlns:a16="http://schemas.microsoft.com/office/drawing/2014/main" id="{4FCD6A8C-29D6-E5C6-1838-8B707C443CD5}"/>
-              </a:ext>
-            </a:extLst>
-          </p:cNvPr>
-          <p:cNvSpPr/>
-          <p:nvPr/>
-        </p:nvSpPr>
-        <p:spPr>
-          <a:xfrm>
-            <a:off x="4643394" y="1711412"/>
-            <a:ext cx="2756931" cy="383057"/>
-          </a:xfrm>
-          <a:prstGeom prst="rect">
-            <a:avLst/>
-          </a:prstGeom>
-        </p:spPr>
-        <p:style>
-          <a:lnRef idx="1">
-            <a:schemeClr val="accent6"/>
-          </a:lnRef>
-          <a:fillRef idx="2">
-            <a:schemeClr val="accent6"/>
-          </a:fillRef>
-          <a:effectRef idx="1">
-            <a:schemeClr val="accent6"/>
-          </a:effectRef>
-          <a:fontRef idx="minor">
-            <a:schemeClr val="dk1"/>
-          </a:fontRef>
-        </p:style>
-        <p:txBody>
-          <a:bodyPr rtlCol="0" anchor="t"/>
-          <a:lstStyle/>
-          <a:p>
-            <a:pPr algn="ctr"/>
-            <a:r>
-              <a:rPr lang="en-US" dirty="0"/>
-              <a:t>Machine Learning</a:t>
-            </a:r>
-          </a:p>
-        </p:txBody>
-      </p:sp>
-      <p:sp>
-        <p:nvSpPr>
-          <p:cNvPr id="10" name="Rectangle 9">
-            <a:extLst>
-              <a:ext uri="{FF2B5EF4-FFF2-40B4-BE49-F238E27FC236}">
-                <a16:creationId xmlns:a16="http://schemas.microsoft.com/office/drawing/2014/main" id="{06AA83AA-E066-ABF0-626E-4AF185EBD422}"/>
-              </a:ext>
-            </a:extLst>
-          </p:cNvPr>
-          <p:cNvSpPr/>
-          <p:nvPr/>
-        </p:nvSpPr>
-        <p:spPr>
-          <a:xfrm>
-            <a:off x="8448589" y="1711411"/>
-            <a:ext cx="2756930" cy="383057"/>
-          </a:xfrm>
-          <a:prstGeom prst="rect">
-            <a:avLst/>
-          </a:prstGeom>
-        </p:spPr>
-        <p:style>
-          <a:lnRef idx="1">
-            <a:schemeClr val="accent5"/>
-          </a:lnRef>
-          <a:fillRef idx="2">
-            <a:schemeClr val="accent5"/>
-          </a:fillRef>
-          <a:effectRef idx="1">
-            <a:schemeClr val="accent5"/>
-          </a:effectRef>
-          <a:fontRef idx="minor">
-            <a:schemeClr val="dk1"/>
-          </a:fontRef>
-        </p:style>
-        <p:txBody>
-          <a:bodyPr rtlCol="0" anchor="t"/>
-          <a:lstStyle/>
-          <a:p>
-            <a:pPr algn="ctr"/>
-            <a:r>
-              <a:rPr lang="en-US" dirty="0" err="1"/>
-              <a:t>Statistiek</a:t>
-            </a:r>
-            <a:endParaRPr lang="en-US" dirty="0"/>
-          </a:p>
-        </p:txBody>
-      </p:sp>
-      <p:sp>
-        <p:nvSpPr>
-          <p:cNvPr id="3" name="Rectangle 2">
-            <a:extLst>
-              <a:ext uri="{FF2B5EF4-FFF2-40B4-BE49-F238E27FC236}">
-                <a16:creationId xmlns:a16="http://schemas.microsoft.com/office/drawing/2014/main" id="{0BCC9F7A-27F2-C61D-B926-0E68B6D7DAA4}"/>
-              </a:ext>
-            </a:extLst>
-          </p:cNvPr>
-          <p:cNvSpPr/>
-          <p:nvPr/>
-        </p:nvSpPr>
-        <p:spPr>
-          <a:xfrm>
-            <a:off x="838200" y="1711410"/>
-            <a:ext cx="2756930" cy="383059"/>
-          </a:xfrm>
-          <a:prstGeom prst="rect">
-            <a:avLst/>
-          </a:prstGeom>
-        </p:spPr>
-        <p:style>
-          <a:lnRef idx="1">
-            <a:schemeClr val="accent4"/>
-          </a:lnRef>
-          <a:fillRef idx="2">
-            <a:schemeClr val="accent4"/>
-          </a:fillRef>
-          <a:effectRef idx="1">
-            <a:schemeClr val="accent4"/>
-          </a:effectRef>
-          <a:fontRef idx="minor">
-            <a:schemeClr val="dk1"/>
-          </a:fontRef>
-        </p:style>
-        <p:txBody>
-          <a:bodyPr rtlCol="0" anchor="t"/>
-          <a:lstStyle/>
-          <a:p>
-            <a:pPr algn="ctr"/>
-            <a:r>
-              <a:rPr lang="en-US" b="1" dirty="0"/>
-              <a:t>Deep Learning</a:t>
-            </a:r>
-          </a:p>
-        </p:txBody>
-      </p:sp>
-      <p:sp>
-        <p:nvSpPr>
-          <p:cNvPr id="4" name="Rectangle 3">
-            <a:extLst>
-              <a:ext uri="{FF2B5EF4-FFF2-40B4-BE49-F238E27FC236}">
-                <a16:creationId xmlns:a16="http://schemas.microsoft.com/office/drawing/2014/main" id="{2C38E716-E909-96D4-4449-564CCA453D46}"/>
-              </a:ext>
-            </a:extLst>
-          </p:cNvPr>
-          <p:cNvSpPr/>
-          <p:nvPr/>
-        </p:nvSpPr>
-        <p:spPr>
-          <a:xfrm>
-            <a:off x="4643394" y="2094469"/>
-            <a:ext cx="2756931" cy="1408665"/>
-          </a:xfrm>
-          <a:prstGeom prst="rect">
-            <a:avLst/>
-          </a:prstGeom>
-        </p:spPr>
-        <p:style>
-          <a:lnRef idx="1">
-            <a:schemeClr val="accent3"/>
-          </a:lnRef>
-          <a:fillRef idx="2">
-            <a:schemeClr val="accent3"/>
-          </a:fillRef>
-          <a:effectRef idx="1">
-            <a:schemeClr val="accent3"/>
-          </a:effectRef>
-          <a:fontRef idx="minor">
-            <a:schemeClr val="dk1"/>
-          </a:fontRef>
-        </p:style>
-        <p:txBody>
-          <a:bodyPr rtlCol="0" anchor="ctr"/>
-          <a:lstStyle/>
-          <a:p>
-            <a:pPr algn="ctr"/>
-            <a:r>
-              <a:rPr lang="en-US" dirty="0"/>
+        <p:spPr/>
+        <p:txBody>
+          <a:bodyPr/>
+          <a:lstStyle/>
+          <a:p>
+            <a:r>
+              <a:rPr lang="nl-NL" noProof="0" dirty="0"/>
+              <a:t>Overzicht ML en </a:t>
+            </a:r>
+            <a:r>
+              <a:rPr lang="nl-NL" noProof="0" dirty="0" err="1"/>
               <a:t>scikit-learn</a:t>
             </a:r>
-          </a:p>
-          <a:p>
-            <a:pPr algn="ctr"/>
-            <a:r>
-              <a:rPr lang="en-US" dirty="0" err="1"/>
-              <a:t>LightGBM</a:t>
-            </a:r>
-            <a:endParaRPr lang="en-US" dirty="0"/>
-          </a:p>
-          <a:p>
-            <a:pPr algn="ctr"/>
-            <a:r>
-              <a:rPr lang="en-US" dirty="0" err="1"/>
-              <a:t>xgBoost</a:t>
-            </a:r>
-            <a:endParaRPr lang="en-NL" dirty="0"/>
-          </a:p>
-        </p:txBody>
-      </p:sp>
-      <p:sp>
-        <p:nvSpPr>
-          <p:cNvPr id="9" name="Rectangle 8">
-            <a:extLst>
-              <a:ext uri="{FF2B5EF4-FFF2-40B4-BE49-F238E27FC236}">
-                <a16:creationId xmlns:a16="http://schemas.microsoft.com/office/drawing/2014/main" id="{5812AC52-D6EC-F3C4-889C-01479D3B8644}"/>
-              </a:ext>
-            </a:extLst>
-          </p:cNvPr>
-          <p:cNvSpPr/>
-          <p:nvPr/>
-        </p:nvSpPr>
-        <p:spPr>
-          <a:xfrm>
-            <a:off x="8448589" y="2094468"/>
-            <a:ext cx="2756931" cy="1408665"/>
-          </a:xfrm>
-          <a:prstGeom prst="rect">
-            <a:avLst/>
-          </a:prstGeom>
-        </p:spPr>
-        <p:style>
-          <a:lnRef idx="1">
-            <a:schemeClr val="accent3"/>
-          </a:lnRef>
-          <a:fillRef idx="2">
-            <a:schemeClr val="accent3"/>
-          </a:fillRef>
-          <a:effectRef idx="1">
-            <a:schemeClr val="accent3"/>
-          </a:effectRef>
-          <a:fontRef idx="minor">
-            <a:schemeClr val="dk1"/>
-          </a:fontRef>
-        </p:style>
-        <p:txBody>
-          <a:bodyPr rtlCol="0" anchor="ctr"/>
-          <a:lstStyle/>
-          <a:p>
-            <a:pPr algn="ctr"/>
-            <a:r>
-              <a:rPr lang="en-US" dirty="0" err="1"/>
-              <a:t>statsmodels</a:t>
-            </a:r>
-            <a:endParaRPr lang="en-NL" dirty="0"/>
-          </a:p>
-        </p:txBody>
-      </p:sp>
-      <p:sp>
-        <p:nvSpPr>
-          <p:cNvPr id="12" name="Rectangle 11">
-            <a:extLst>
-              <a:ext uri="{FF2B5EF4-FFF2-40B4-BE49-F238E27FC236}">
-                <a16:creationId xmlns:a16="http://schemas.microsoft.com/office/drawing/2014/main" id="{FA159604-F3DA-ADDC-895E-12151F255570}"/>
-              </a:ext>
-            </a:extLst>
-          </p:cNvPr>
-          <p:cNvSpPr/>
-          <p:nvPr/>
-        </p:nvSpPr>
-        <p:spPr>
-          <a:xfrm>
-            <a:off x="838200" y="3817205"/>
-            <a:ext cx="2756930" cy="1015314"/>
-          </a:xfrm>
-          <a:prstGeom prst="rect">
-            <a:avLst/>
-          </a:prstGeom>
-        </p:spPr>
-        <p:style>
-          <a:lnRef idx="1">
-            <a:schemeClr val="accent3"/>
-          </a:lnRef>
-          <a:fillRef idx="2">
-            <a:schemeClr val="accent3"/>
-          </a:fillRef>
-          <a:effectRef idx="1">
-            <a:schemeClr val="accent3"/>
-          </a:effectRef>
-          <a:fontRef idx="minor">
-            <a:schemeClr val="dk1"/>
-          </a:fontRef>
-        </p:style>
-        <p:txBody>
-          <a:bodyPr rtlCol="0" anchor="ctr"/>
-          <a:lstStyle/>
-          <a:p>
-            <a:pPr algn="ctr"/>
-            <a:r>
-              <a:rPr lang="en-US" dirty="0"/>
-              <a:t>NLTK</a:t>
-            </a:r>
-          </a:p>
-          <a:p>
-            <a:pPr algn="ctr"/>
-            <a:r>
-              <a:rPr lang="en-US" dirty="0"/>
-              <a:t>Spacy</a:t>
-            </a:r>
-            <a:endParaRPr lang="en-NL" dirty="0"/>
-          </a:p>
-        </p:txBody>
-      </p:sp>
-      <p:sp>
-        <p:nvSpPr>
-          <p:cNvPr id="13" name="Rectangle 12">
-            <a:extLst>
-              <a:ext uri="{FF2B5EF4-FFF2-40B4-BE49-F238E27FC236}">
-                <a16:creationId xmlns:a16="http://schemas.microsoft.com/office/drawing/2014/main" id="{B4C63336-5408-1EE1-0DF4-F2B286964A7C}"/>
-              </a:ext>
-            </a:extLst>
-          </p:cNvPr>
-          <p:cNvSpPr/>
-          <p:nvPr/>
-        </p:nvSpPr>
-        <p:spPr>
-          <a:xfrm>
-            <a:off x="838200" y="5146588"/>
-            <a:ext cx="2756930" cy="1015314"/>
-          </a:xfrm>
-          <a:prstGeom prst="rect">
-            <a:avLst/>
-          </a:prstGeom>
-        </p:spPr>
-        <p:style>
-          <a:lnRef idx="1">
-            <a:schemeClr val="accent3"/>
-          </a:lnRef>
-          <a:fillRef idx="2">
-            <a:schemeClr val="accent3"/>
-          </a:fillRef>
-          <a:effectRef idx="1">
-            <a:schemeClr val="accent3"/>
-          </a:effectRef>
-          <a:fontRef idx="minor">
-            <a:schemeClr val="dk1"/>
-          </a:fontRef>
-        </p:style>
-        <p:txBody>
-          <a:bodyPr rtlCol="0" anchor="ctr"/>
-          <a:lstStyle/>
-          <a:p>
-            <a:pPr algn="ctr"/>
-            <a:r>
-              <a:rPr lang="en-US" dirty="0"/>
-              <a:t>scikit-image</a:t>
-            </a:r>
-          </a:p>
-          <a:p>
-            <a:pPr algn="ctr"/>
-            <a:r>
-              <a:rPr lang="en-US" dirty="0"/>
-              <a:t>OpenCV</a:t>
-            </a:r>
-            <a:endParaRPr lang="en-NL" dirty="0"/>
-          </a:p>
-        </p:txBody>
-      </p:sp>
-      <p:sp>
-        <p:nvSpPr>
-          <p:cNvPr id="14" name="Rectangle 13">
-            <a:extLst>
-              <a:ext uri="{FF2B5EF4-FFF2-40B4-BE49-F238E27FC236}">
-                <a16:creationId xmlns:a16="http://schemas.microsoft.com/office/drawing/2014/main" id="{B307C053-2426-947D-E383-ACECDFEE79F2}"/>
-              </a:ext>
-            </a:extLst>
-          </p:cNvPr>
-          <p:cNvSpPr/>
-          <p:nvPr/>
-        </p:nvSpPr>
-        <p:spPr>
-          <a:xfrm>
-            <a:off x="8448589" y="3817205"/>
-            <a:ext cx="2756930" cy="1015314"/>
-          </a:xfrm>
-          <a:prstGeom prst="rect">
-            <a:avLst/>
-          </a:prstGeom>
-        </p:spPr>
-        <p:style>
-          <a:lnRef idx="1">
-            <a:schemeClr val="accent3"/>
-          </a:lnRef>
-          <a:fillRef idx="2">
-            <a:schemeClr val="accent3"/>
-          </a:fillRef>
-          <a:effectRef idx="1">
-            <a:schemeClr val="accent3"/>
-          </a:effectRef>
-          <a:fontRef idx="minor">
-            <a:schemeClr val="dk1"/>
-          </a:fontRef>
-        </p:style>
-        <p:txBody>
-          <a:bodyPr rtlCol="0" anchor="ctr"/>
-          <a:lstStyle/>
-          <a:p>
-            <a:pPr algn="ctr"/>
-            <a:r>
-              <a:rPr lang="en-US" dirty="0"/>
-              <a:t>PyMC3</a:t>
-            </a:r>
-            <a:endParaRPr lang="en-NL" dirty="0"/>
-          </a:p>
-        </p:txBody>
-      </p:sp>
-      <p:sp>
-        <p:nvSpPr>
-          <p:cNvPr id="15" name="Rectangle 14">
-            <a:extLst>
-              <a:ext uri="{FF2B5EF4-FFF2-40B4-BE49-F238E27FC236}">
-                <a16:creationId xmlns:a16="http://schemas.microsoft.com/office/drawing/2014/main" id="{EDEC73B7-142D-00C2-AB34-6DCBD69992A7}"/>
-              </a:ext>
-            </a:extLst>
-          </p:cNvPr>
-          <p:cNvSpPr/>
-          <p:nvPr/>
-        </p:nvSpPr>
-        <p:spPr>
-          <a:xfrm>
-            <a:off x="4643394" y="5146588"/>
-            <a:ext cx="2756930" cy="1015314"/>
-          </a:xfrm>
-          <a:prstGeom prst="rect">
-            <a:avLst/>
-          </a:prstGeom>
-        </p:spPr>
-        <p:style>
-          <a:lnRef idx="1">
-            <a:schemeClr val="accent3"/>
-          </a:lnRef>
-          <a:fillRef idx="2">
-            <a:schemeClr val="accent3"/>
-          </a:fillRef>
-          <a:effectRef idx="1">
-            <a:schemeClr val="accent3"/>
-          </a:effectRef>
-          <a:fontRef idx="minor">
-            <a:schemeClr val="dk1"/>
-          </a:fontRef>
-        </p:style>
-        <p:txBody>
-          <a:bodyPr rtlCol="0" anchor="ctr"/>
-          <a:lstStyle/>
-          <a:p>
-            <a:pPr algn="ctr"/>
-            <a:r>
-              <a:rPr lang="en-US" dirty="0"/>
-              <a:t>Lifelines</a:t>
-            </a:r>
-            <a:endParaRPr lang="en-NL" dirty="0"/>
-          </a:p>
-        </p:txBody>
-      </p:sp>
-      <p:sp>
-        <p:nvSpPr>
-          <p:cNvPr id="17" name="Rectangle 16">
-            <a:extLst>
-              <a:ext uri="{FF2B5EF4-FFF2-40B4-BE49-F238E27FC236}">
-                <a16:creationId xmlns:a16="http://schemas.microsoft.com/office/drawing/2014/main" id="{77E37745-FC9D-D3DA-55D8-645DD2C61F14}"/>
-              </a:ext>
-            </a:extLst>
-          </p:cNvPr>
-          <p:cNvSpPr/>
-          <p:nvPr/>
-        </p:nvSpPr>
-        <p:spPr>
-          <a:xfrm>
-            <a:off x="4643394" y="3817205"/>
-            <a:ext cx="2756930" cy="1015314"/>
-          </a:xfrm>
-          <a:prstGeom prst="rect">
-            <a:avLst/>
-          </a:prstGeom>
-        </p:spPr>
-        <p:style>
-          <a:lnRef idx="1">
-            <a:schemeClr val="accent3"/>
-          </a:lnRef>
-          <a:fillRef idx="2">
-            <a:schemeClr val="accent3"/>
-          </a:fillRef>
-          <a:effectRef idx="1">
-            <a:schemeClr val="accent3"/>
-          </a:effectRef>
-          <a:fontRef idx="minor">
-            <a:schemeClr val="dk1"/>
-          </a:fontRef>
-        </p:style>
-        <p:txBody>
-          <a:bodyPr rtlCol="0" anchor="ctr"/>
-          <a:lstStyle/>
-          <a:p>
-            <a:pPr algn="ctr"/>
-            <a:r>
-              <a:rPr lang="en-US" dirty="0" err="1"/>
-              <a:t>Sktime</a:t>
-            </a:r>
-            <a:endParaRPr lang="en-US" dirty="0"/>
-          </a:p>
-          <a:p>
-            <a:pPr algn="ctr"/>
-            <a:r>
-              <a:rPr lang="en-US" dirty="0" err="1"/>
-              <a:t>PyFlux</a:t>
-            </a:r>
-            <a:endParaRPr lang="en-US" dirty="0"/>
-          </a:p>
-          <a:p>
-            <a:pPr algn="ctr"/>
-            <a:r>
-              <a:rPr lang="en-US" dirty="0"/>
-              <a:t>Prophet</a:t>
-            </a:r>
-            <a:endParaRPr lang="en-NL" dirty="0"/>
+            <a:endParaRPr lang="nl-NL" noProof="0" dirty="0"/>
+          </a:p>
+        </p:txBody>
+      </p:sp>
+      <p:sp>
+        <p:nvSpPr>
+          <p:cNvPr id="5" name="Text Placeholder 4">
+            <a:extLst>
+              <a:ext uri="{FF2B5EF4-FFF2-40B4-BE49-F238E27FC236}">
+                <a16:creationId xmlns:a16="http://schemas.microsoft.com/office/drawing/2014/main" id="{1AB31C95-91AF-DF13-FB58-0DA5F2D9F6F7}"/>
+              </a:ext>
+            </a:extLst>
+          </p:cNvPr>
+          <p:cNvSpPr>
+            <a:spLocks noGrp="1"/>
+          </p:cNvSpPr>
+          <p:nvPr>
+            <p:ph type="body" idx="1"/>
+          </p:nvPr>
+        </p:nvSpPr>
+        <p:spPr/>
+        <p:txBody>
+          <a:bodyPr/>
+          <a:lstStyle/>
+          <a:p>
+            <a:endParaRPr lang="en-NL"/>
           </a:p>
         </p:txBody>
       </p:sp>
     </p:spTree>
     <p:extLst>
       <p:ext uri="{BB962C8B-B14F-4D97-AF65-F5344CB8AC3E}">
-        <p14:creationId xmlns:p14="http://schemas.microsoft.com/office/powerpoint/2010/main" val="2346225741"/>
+        <p14:creationId xmlns:p14="http://schemas.microsoft.com/office/powerpoint/2010/main" val="2018136929"/>
       </p:ext>
     </p:extLst>
   </p:cSld>
@@ -4381,7 +4355,7 @@
           <a:p>
             <a:r>
               <a:rPr lang="nl-NL" sz="3600" noProof="0" dirty="0"/>
-              <a:t>Modelleer proces</a:t>
+              <a:t>Overzicht ML landschap</a:t>
             </a:r>
           </a:p>
         </p:txBody>
@@ -4400,8 +4374,167 @@
         </p:nvSpPr>
         <p:spPr>
           <a:xfrm>
-            <a:off x="838200" y="1373512"/>
-            <a:ext cx="2423984" cy="1610646"/>
+            <a:off x="838200" y="2094470"/>
+            <a:ext cx="2756930" cy="1408666"/>
+          </a:xfrm>
+          <a:prstGeom prst="rect">
+            <a:avLst/>
+          </a:prstGeom>
+        </p:spPr>
+        <p:style>
+          <a:lnRef idx="1">
+            <a:schemeClr val="accent3"/>
+          </a:lnRef>
+          <a:fillRef idx="2">
+            <a:schemeClr val="accent3"/>
+          </a:fillRef>
+          <a:effectRef idx="1">
+            <a:schemeClr val="accent3"/>
+          </a:effectRef>
+          <a:fontRef idx="minor">
+            <a:schemeClr val="dk1"/>
+          </a:fontRef>
+        </p:style>
+        <p:txBody>
+          <a:bodyPr rtlCol="0" anchor="ctr"/>
+          <a:lstStyle/>
+          <a:p>
+            <a:pPr algn="ctr"/>
+            <a:r>
+              <a:rPr lang="en-US" dirty="0" err="1"/>
+              <a:t>PyTorch</a:t>
+            </a:r>
+            <a:endParaRPr lang="en-US" dirty="0"/>
+          </a:p>
+          <a:p>
+            <a:pPr algn="ctr"/>
+            <a:r>
+              <a:rPr lang="en-US" dirty="0" err="1"/>
+              <a:t>Keras</a:t>
+            </a:r>
+            <a:endParaRPr lang="en-US" dirty="0"/>
+          </a:p>
+          <a:p>
+            <a:pPr algn="ctr"/>
+            <a:r>
+              <a:rPr lang="en-US" dirty="0"/>
+              <a:t>TensorFlow</a:t>
+            </a:r>
+            <a:endParaRPr lang="en-NL" dirty="0"/>
+          </a:p>
+        </p:txBody>
+      </p:sp>
+      <p:sp>
+        <p:nvSpPr>
+          <p:cNvPr id="7" name="Rectangle 6">
+            <a:extLst>
+              <a:ext uri="{FF2B5EF4-FFF2-40B4-BE49-F238E27FC236}">
+                <a16:creationId xmlns:a16="http://schemas.microsoft.com/office/drawing/2014/main" id="{4FCD6A8C-29D6-E5C6-1838-8B707C443CD5}"/>
+              </a:ext>
+            </a:extLst>
+          </p:cNvPr>
+          <p:cNvSpPr/>
+          <p:nvPr/>
+        </p:nvSpPr>
+        <p:spPr>
+          <a:xfrm>
+            <a:off x="4643394" y="1711412"/>
+            <a:ext cx="2756931" cy="383057"/>
+          </a:xfrm>
+          <a:prstGeom prst="rect">
+            <a:avLst/>
+          </a:prstGeom>
+        </p:spPr>
+        <p:style>
+          <a:lnRef idx="1">
+            <a:schemeClr val="accent6"/>
+          </a:lnRef>
+          <a:fillRef idx="2">
+            <a:schemeClr val="accent6"/>
+          </a:fillRef>
+          <a:effectRef idx="1">
+            <a:schemeClr val="accent6"/>
+          </a:effectRef>
+          <a:fontRef idx="minor">
+            <a:schemeClr val="dk1"/>
+          </a:fontRef>
+        </p:style>
+        <p:txBody>
+          <a:bodyPr rtlCol="0" anchor="t"/>
+          <a:lstStyle/>
+          <a:p>
+            <a:pPr algn="ctr"/>
+            <a:r>
+              <a:rPr lang="en-US" dirty="0"/>
+              <a:t>Machine Learning</a:t>
+            </a:r>
+          </a:p>
+        </p:txBody>
+      </p:sp>
+      <p:sp>
+        <p:nvSpPr>
+          <p:cNvPr id="10" name="Rectangle 9">
+            <a:extLst>
+              <a:ext uri="{FF2B5EF4-FFF2-40B4-BE49-F238E27FC236}">
+                <a16:creationId xmlns:a16="http://schemas.microsoft.com/office/drawing/2014/main" id="{06AA83AA-E066-ABF0-626E-4AF185EBD422}"/>
+              </a:ext>
+            </a:extLst>
+          </p:cNvPr>
+          <p:cNvSpPr/>
+          <p:nvPr/>
+        </p:nvSpPr>
+        <p:spPr>
+          <a:xfrm>
+            <a:off x="8448589" y="1711411"/>
+            <a:ext cx="2756930" cy="383057"/>
+          </a:xfrm>
+          <a:prstGeom prst="rect">
+            <a:avLst/>
+          </a:prstGeom>
+        </p:spPr>
+        <p:style>
+          <a:lnRef idx="1">
+            <a:schemeClr val="accent5"/>
+          </a:lnRef>
+          <a:fillRef idx="2">
+            <a:schemeClr val="accent5"/>
+          </a:fillRef>
+          <a:effectRef idx="1">
+            <a:schemeClr val="accent5"/>
+          </a:effectRef>
+          <a:fontRef idx="minor">
+            <a:schemeClr val="dk1"/>
+          </a:fontRef>
+        </p:style>
+        <p:txBody>
+          <a:bodyPr rtlCol="0" anchor="t"/>
+          <a:lstStyle/>
+          <a:p>
+            <a:pPr algn="ctr"/>
+            <a:r>
+              <a:rPr lang="en-US" dirty="0" err="1"/>
+              <a:t>Statistiek</a:t>
+            </a:r>
+            <a:endParaRPr lang="en-US" dirty="0"/>
+          </a:p>
+        </p:txBody>
+      </p:sp>
+      <p:sp>
+        <p:nvSpPr>
+          <p:cNvPr id="3" name="Rectangle 2">
+            <a:extLst>
+              <a:ext uri="{FF2B5EF4-FFF2-40B4-BE49-F238E27FC236}">
+                <a16:creationId xmlns:a16="http://schemas.microsoft.com/office/drawing/2014/main" id="{0BCC9F7A-27F2-C61D-B926-0E68B6D7DAA4}"/>
+              </a:ext>
+            </a:extLst>
+          </p:cNvPr>
+          <p:cNvSpPr/>
+          <p:nvPr/>
+        </p:nvSpPr>
+        <p:spPr>
+          <a:xfrm>
+            <a:off x="838200" y="1711410"/>
+            <a:ext cx="2756930" cy="383059"/>
           </a:xfrm>
           <a:prstGeom prst="rect">
             <a:avLst/>
@@ -4428,18 +4561,17 @@
             <a:pPr algn="ctr"/>
             <a:r>
               <a:rPr lang="en-US" b="1" dirty="0"/>
-              <a:t>Data preparation</a:t>
-            </a:r>
-            <a:endParaRPr lang="en-NL" b="1" dirty="0"/>
-          </a:p>
-        </p:txBody>
-      </p:sp>
-      <p:sp>
-        <p:nvSpPr>
-          <p:cNvPr id="7" name="Rectangle 6">
-            <a:extLst>
-              <a:ext uri="{FF2B5EF4-FFF2-40B4-BE49-F238E27FC236}">
-                <a16:creationId xmlns:a16="http://schemas.microsoft.com/office/drawing/2014/main" id="{4FCD6A8C-29D6-E5C6-1838-8B707C443CD5}"/>
+              <a:t>Deep Learning</a:t>
+            </a:r>
+          </a:p>
+        </p:txBody>
+      </p:sp>
+      <p:sp>
+        <p:nvSpPr>
+          <p:cNvPr id="4" name="Rectangle 3">
+            <a:extLst>
+              <a:ext uri="{FF2B5EF4-FFF2-40B4-BE49-F238E27FC236}">
+                <a16:creationId xmlns:a16="http://schemas.microsoft.com/office/drawing/2014/main" id="{2C38E716-E909-96D4-4449-564CCA453D46}"/>
               </a:ext>
             </a:extLst>
           </p:cNvPr>
@@ -4448,8 +4580,8 @@
         </p:nvSpPr>
         <p:spPr>
           <a:xfrm>
-            <a:off x="3535405" y="2507635"/>
-            <a:ext cx="2423984" cy="1610646"/>
+            <a:off x="4643394" y="2094469"/>
+            <a:ext cx="2756931" cy="1408665"/>
           </a:xfrm>
           <a:prstGeom prst="rect">
             <a:avLst/>
@@ -4457,37 +4589,52 @@
         </p:spPr>
         <p:style>
           <a:lnRef idx="1">
-            <a:schemeClr val="accent5"/>
+            <a:schemeClr val="accent3"/>
           </a:lnRef>
           <a:fillRef idx="2">
-            <a:schemeClr val="accent5"/>
+            <a:schemeClr val="accent3"/>
           </a:fillRef>
           <a:effectRef idx="1">
-            <a:schemeClr val="accent5"/>
+            <a:schemeClr val="accent3"/>
           </a:effectRef>
           <a:fontRef idx="minor">
             <a:schemeClr val="dk1"/>
           </a:fontRef>
         </p:style>
         <p:txBody>
-          <a:bodyPr rtlCol="0" anchor="t"/>
+          <a:bodyPr rtlCol="0" anchor="ctr"/>
           <a:lstStyle/>
           <a:p>
             <a:pPr algn="ctr"/>
             <a:r>
-              <a:rPr lang="en-US" b="1" dirty="0"/>
-              <a:t>Model building</a:t>
-            </a:r>
-            <a:endParaRPr lang="en-NL" b="1" dirty="0"/>
-          </a:p>
-        </p:txBody>
-      </p:sp>
-      <p:sp>
-        <p:nvSpPr>
-          <p:cNvPr id="10" name="Rectangle 9">
-            <a:extLst>
-              <a:ext uri="{FF2B5EF4-FFF2-40B4-BE49-F238E27FC236}">
-                <a16:creationId xmlns:a16="http://schemas.microsoft.com/office/drawing/2014/main" id="{06AA83AA-E066-ABF0-626E-4AF185EBD422}"/>
+              <a:rPr lang="en-US" dirty="0"/>
+              <a:t>scikit-learn</a:t>
+            </a:r>
+          </a:p>
+          <a:p>
+            <a:pPr algn="ctr"/>
+            <a:r>
+              <a:rPr lang="en-US" dirty="0" err="1"/>
+              <a:t>LightGBM</a:t>
+            </a:r>
+            <a:endParaRPr lang="en-US" dirty="0"/>
+          </a:p>
+          <a:p>
+            <a:pPr algn="ctr"/>
+            <a:r>
+              <a:rPr lang="en-US" dirty="0" err="1"/>
+              <a:t>xgBoost</a:t>
+            </a:r>
+            <a:endParaRPr lang="en-NL" dirty="0"/>
+          </a:p>
+        </p:txBody>
+      </p:sp>
+      <p:sp>
+        <p:nvSpPr>
+          <p:cNvPr id="9" name="Rectangle 8">
+            <a:extLst>
+              <a:ext uri="{FF2B5EF4-FFF2-40B4-BE49-F238E27FC236}">
+                <a16:creationId xmlns:a16="http://schemas.microsoft.com/office/drawing/2014/main" id="{5812AC52-D6EC-F3C4-889C-01479D3B8644}"/>
               </a:ext>
             </a:extLst>
           </p:cNvPr>
@@ -4496,8 +4643,8 @@
         </p:nvSpPr>
         <p:spPr>
           <a:xfrm>
-            <a:off x="6232610" y="3641758"/>
-            <a:ext cx="2423984" cy="1610646"/>
+            <a:off x="8448589" y="2094468"/>
+            <a:ext cx="2756931" cy="1408665"/>
           </a:xfrm>
           <a:prstGeom prst="rect">
             <a:avLst/>
@@ -4505,83 +4652,43 @@
         </p:spPr>
         <p:style>
           <a:lnRef idx="1">
-            <a:schemeClr val="accent6"/>
+            <a:schemeClr val="accent3"/>
           </a:lnRef>
           <a:fillRef idx="2">
-            <a:schemeClr val="accent6"/>
+            <a:schemeClr val="accent3"/>
           </a:fillRef>
           <a:effectRef idx="1">
-            <a:schemeClr val="accent6"/>
+            <a:schemeClr val="accent3"/>
           </a:effectRef>
           <a:fontRef idx="minor">
             <a:schemeClr val="dk1"/>
           </a:fontRef>
         </p:style>
         <p:txBody>
-          <a:bodyPr rtlCol="0" anchor="t"/>
+          <a:bodyPr rtlCol="0" anchor="ctr"/>
           <a:lstStyle/>
           <a:p>
             <a:pPr algn="ctr"/>
             <a:r>
-              <a:rPr lang="en-US" b="1" dirty="0"/>
-              <a:t>Model validation</a:t>
-            </a:r>
-            <a:endParaRPr lang="en-NL" b="1" dirty="0"/>
-          </a:p>
-        </p:txBody>
-      </p:sp>
-      <p:sp>
-        <p:nvSpPr>
-          <p:cNvPr id="11" name="Rectangle 10">
-            <a:extLst>
-              <a:ext uri="{FF2B5EF4-FFF2-40B4-BE49-F238E27FC236}">
-                <a16:creationId xmlns:a16="http://schemas.microsoft.com/office/drawing/2014/main" id="{B0473AB4-D4AF-9327-400D-5D21E3A4A256}"/>
-              </a:ext>
-            </a:extLst>
-          </p:cNvPr>
-          <p:cNvSpPr/>
-          <p:nvPr/>
-        </p:nvSpPr>
-        <p:spPr>
-          <a:xfrm>
-            <a:off x="8929816" y="4775881"/>
-            <a:ext cx="2423984" cy="1610646"/>
-          </a:xfrm>
-          <a:prstGeom prst="rect">
-            <a:avLst/>
-          </a:prstGeom>
-        </p:spPr>
-        <p:style>
-          <a:lnRef idx="1">
-            <a:schemeClr val="accent2"/>
-          </a:lnRef>
-          <a:fillRef idx="2">
-            <a:schemeClr val="accent2"/>
-          </a:fillRef>
-          <a:effectRef idx="1">
-            <a:schemeClr val="accent2"/>
-          </a:effectRef>
-          <a:fontRef idx="minor">
-            <a:schemeClr val="dk1"/>
-          </a:fontRef>
-        </p:style>
-        <p:txBody>
-          <a:bodyPr rtlCol="0" anchor="t"/>
-          <a:lstStyle/>
+              <a:rPr lang="en-US" dirty="0" err="1"/>
+              <a:t>statsmodels</a:t>
+            </a:r>
+            <a:endParaRPr lang="en-US" dirty="0"/>
+          </a:p>
           <a:p>
             <a:pPr algn="ctr"/>
             <a:r>
-              <a:rPr lang="en-US" b="1" dirty="0"/>
-              <a:t>Model selection</a:t>
-            </a:r>
-            <a:endParaRPr lang="en-NL" b="1" dirty="0"/>
+              <a:rPr lang="en-US" dirty="0"/>
+              <a:t>PyMC3</a:t>
+            </a:r>
+            <a:endParaRPr lang="en-NL" dirty="0"/>
           </a:p>
         </p:txBody>
       </p:sp>
     </p:spTree>
     <p:extLst>
       <p:ext uri="{BB962C8B-B14F-4D97-AF65-F5344CB8AC3E}">
-        <p14:creationId xmlns:p14="http://schemas.microsoft.com/office/powerpoint/2010/main" val="3693740833"/>
+        <p14:creationId xmlns:p14="http://schemas.microsoft.com/office/powerpoint/2010/main" val="2346225741"/>
       </p:ext>
     </p:extLst>
   </p:cSld>
@@ -4638,13 +4745,8 @@
           <a:p>
             <a:r>
               <a:rPr lang="nl-NL" sz="3600" noProof="0" dirty="0"/>
-              <a:t>Overzicht </a:t>
-            </a:r>
-            <a:r>
-              <a:rPr lang="nl-NL" sz="3600" noProof="0" dirty="0" err="1"/>
-              <a:t>scikit-learn</a:t>
-            </a:r>
-            <a:endParaRPr lang="nl-NL" sz="3600" noProof="0" dirty="0"/>
+              <a:t>Overzicht landschap</a:t>
+            </a:r>
           </a:p>
         </p:txBody>
       </p:sp>
@@ -4662,8 +4764,167 @@
         </p:nvSpPr>
         <p:spPr>
           <a:xfrm>
-            <a:off x="838200" y="1373512"/>
-            <a:ext cx="2423984" cy="1610646"/>
+            <a:off x="838200" y="2094470"/>
+            <a:ext cx="2756930" cy="1408666"/>
+          </a:xfrm>
+          <a:prstGeom prst="rect">
+            <a:avLst/>
+          </a:prstGeom>
+        </p:spPr>
+        <p:style>
+          <a:lnRef idx="1">
+            <a:schemeClr val="accent3"/>
+          </a:lnRef>
+          <a:fillRef idx="2">
+            <a:schemeClr val="accent3"/>
+          </a:fillRef>
+          <a:effectRef idx="1">
+            <a:schemeClr val="accent3"/>
+          </a:effectRef>
+          <a:fontRef idx="minor">
+            <a:schemeClr val="dk1"/>
+          </a:fontRef>
+        </p:style>
+        <p:txBody>
+          <a:bodyPr rtlCol="0" anchor="ctr"/>
+          <a:lstStyle/>
+          <a:p>
+            <a:pPr algn="ctr"/>
+            <a:r>
+              <a:rPr lang="en-US" dirty="0" err="1"/>
+              <a:t>PyTorch</a:t>
+            </a:r>
+            <a:endParaRPr lang="en-US" dirty="0"/>
+          </a:p>
+          <a:p>
+            <a:pPr algn="ctr"/>
+            <a:r>
+              <a:rPr lang="en-US" dirty="0" err="1"/>
+              <a:t>Keras</a:t>
+            </a:r>
+            <a:endParaRPr lang="en-US" dirty="0"/>
+          </a:p>
+          <a:p>
+            <a:pPr algn="ctr"/>
+            <a:r>
+              <a:rPr lang="en-US" dirty="0"/>
+              <a:t>TensorFlow</a:t>
+            </a:r>
+            <a:endParaRPr lang="en-NL" dirty="0"/>
+          </a:p>
+        </p:txBody>
+      </p:sp>
+      <p:sp>
+        <p:nvSpPr>
+          <p:cNvPr id="7" name="Rectangle 6">
+            <a:extLst>
+              <a:ext uri="{FF2B5EF4-FFF2-40B4-BE49-F238E27FC236}">
+                <a16:creationId xmlns:a16="http://schemas.microsoft.com/office/drawing/2014/main" id="{4FCD6A8C-29D6-E5C6-1838-8B707C443CD5}"/>
+              </a:ext>
+            </a:extLst>
+          </p:cNvPr>
+          <p:cNvSpPr/>
+          <p:nvPr/>
+        </p:nvSpPr>
+        <p:spPr>
+          <a:xfrm>
+            <a:off x="4643394" y="1711412"/>
+            <a:ext cx="2756931" cy="383057"/>
+          </a:xfrm>
+          <a:prstGeom prst="rect">
+            <a:avLst/>
+          </a:prstGeom>
+        </p:spPr>
+        <p:style>
+          <a:lnRef idx="1">
+            <a:schemeClr val="accent6"/>
+          </a:lnRef>
+          <a:fillRef idx="2">
+            <a:schemeClr val="accent6"/>
+          </a:fillRef>
+          <a:effectRef idx="1">
+            <a:schemeClr val="accent6"/>
+          </a:effectRef>
+          <a:fontRef idx="minor">
+            <a:schemeClr val="dk1"/>
+          </a:fontRef>
+        </p:style>
+        <p:txBody>
+          <a:bodyPr rtlCol="0" anchor="t"/>
+          <a:lstStyle/>
+          <a:p>
+            <a:pPr algn="ctr"/>
+            <a:r>
+              <a:rPr lang="en-US" dirty="0"/>
+              <a:t>Machine Learning</a:t>
+            </a:r>
+          </a:p>
+        </p:txBody>
+      </p:sp>
+      <p:sp>
+        <p:nvSpPr>
+          <p:cNvPr id="10" name="Rectangle 9">
+            <a:extLst>
+              <a:ext uri="{FF2B5EF4-FFF2-40B4-BE49-F238E27FC236}">
+                <a16:creationId xmlns:a16="http://schemas.microsoft.com/office/drawing/2014/main" id="{06AA83AA-E066-ABF0-626E-4AF185EBD422}"/>
+              </a:ext>
+            </a:extLst>
+          </p:cNvPr>
+          <p:cNvSpPr/>
+          <p:nvPr/>
+        </p:nvSpPr>
+        <p:spPr>
+          <a:xfrm>
+            <a:off x="8448589" y="1711411"/>
+            <a:ext cx="2756930" cy="383057"/>
+          </a:xfrm>
+          <a:prstGeom prst="rect">
+            <a:avLst/>
+          </a:prstGeom>
+        </p:spPr>
+        <p:style>
+          <a:lnRef idx="1">
+            <a:schemeClr val="accent5"/>
+          </a:lnRef>
+          <a:fillRef idx="2">
+            <a:schemeClr val="accent5"/>
+          </a:fillRef>
+          <a:effectRef idx="1">
+            <a:schemeClr val="accent5"/>
+          </a:effectRef>
+          <a:fontRef idx="minor">
+            <a:schemeClr val="dk1"/>
+          </a:fontRef>
+        </p:style>
+        <p:txBody>
+          <a:bodyPr rtlCol="0" anchor="t"/>
+          <a:lstStyle/>
+          <a:p>
+            <a:pPr algn="ctr"/>
+            <a:r>
+              <a:rPr lang="en-US" dirty="0" err="1"/>
+              <a:t>Statistiek</a:t>
+            </a:r>
+            <a:endParaRPr lang="en-US" dirty="0"/>
+          </a:p>
+        </p:txBody>
+      </p:sp>
+      <p:sp>
+        <p:nvSpPr>
+          <p:cNvPr id="3" name="Rectangle 2">
+            <a:extLst>
+              <a:ext uri="{FF2B5EF4-FFF2-40B4-BE49-F238E27FC236}">
+                <a16:creationId xmlns:a16="http://schemas.microsoft.com/office/drawing/2014/main" id="{0BCC9F7A-27F2-C61D-B926-0E68B6D7DAA4}"/>
+              </a:ext>
+            </a:extLst>
+          </p:cNvPr>
+          <p:cNvSpPr/>
+          <p:nvPr/>
+        </p:nvSpPr>
+        <p:spPr>
+          <a:xfrm>
+            <a:off x="838200" y="1711410"/>
+            <a:ext cx="2756930" cy="383059"/>
           </a:xfrm>
           <a:prstGeom prst="rect">
             <a:avLst/>
@@ -4690,52 +4951,17 @@
             <a:pPr algn="ctr"/>
             <a:r>
               <a:rPr lang="en-US" b="1" dirty="0"/>
-              <a:t>Data preparation</a:t>
-            </a:r>
-          </a:p>
-          <a:p>
-            <a:pPr algn="ctr"/>
-            <a:endParaRPr lang="en-US" dirty="0"/>
-          </a:p>
-          <a:p>
-            <a:pPr marL="285750" indent="-285750">
-              <a:buFont typeface="Arial" panose="020B0604020202020204" pitchFamily="34" charset="0"/>
-              <a:buChar char="•"/>
-            </a:pPr>
-            <a:r>
-              <a:rPr lang="en-US" dirty="0"/>
-              <a:t>preprocessing</a:t>
-            </a:r>
-          </a:p>
-          <a:p>
-            <a:pPr marL="285750" indent="-285750">
-              <a:buFont typeface="Arial" panose="020B0604020202020204" pitchFamily="34" charset="0"/>
-              <a:buChar char="•"/>
-            </a:pPr>
-            <a:r>
-              <a:rPr lang="en-US" dirty="0" err="1"/>
-              <a:t>feature_extraction</a:t>
-            </a:r>
-            <a:endParaRPr lang="en-US" dirty="0"/>
-          </a:p>
-          <a:p>
-            <a:pPr marL="285750" indent="-285750">
-              <a:buFont typeface="Arial" panose="020B0604020202020204" pitchFamily="34" charset="0"/>
-              <a:buChar char="•"/>
-            </a:pPr>
-            <a:r>
-              <a:rPr lang="en-US" dirty="0"/>
-              <a:t>impute</a:t>
-            </a:r>
-          </a:p>
-        </p:txBody>
-      </p:sp>
-      <p:sp>
-        <p:nvSpPr>
-          <p:cNvPr id="7" name="Rectangle 6">
-            <a:extLst>
-              <a:ext uri="{FF2B5EF4-FFF2-40B4-BE49-F238E27FC236}">
-                <a16:creationId xmlns:a16="http://schemas.microsoft.com/office/drawing/2014/main" id="{4FCD6A8C-29D6-E5C6-1838-8B707C443CD5}"/>
+              <a:t>Deep Learning</a:t>
+            </a:r>
+          </a:p>
+        </p:txBody>
+      </p:sp>
+      <p:sp>
+        <p:nvSpPr>
+          <p:cNvPr id="4" name="Rectangle 3">
+            <a:extLst>
+              <a:ext uri="{FF2B5EF4-FFF2-40B4-BE49-F238E27FC236}">
+                <a16:creationId xmlns:a16="http://schemas.microsoft.com/office/drawing/2014/main" id="{2C38E716-E909-96D4-4449-564CCA453D46}"/>
               </a:ext>
             </a:extLst>
           </p:cNvPr>
@@ -4744,8 +4970,8 @@
         </p:nvSpPr>
         <p:spPr>
           <a:xfrm>
-            <a:off x="3535405" y="2507635"/>
-            <a:ext cx="2423984" cy="1610646"/>
+            <a:off x="4643394" y="2094469"/>
+            <a:ext cx="2756931" cy="1408665"/>
           </a:xfrm>
           <a:prstGeom prst="rect">
             <a:avLst/>
@@ -4753,72 +4979,52 @@
         </p:spPr>
         <p:style>
           <a:lnRef idx="1">
-            <a:schemeClr val="accent5"/>
+            <a:schemeClr val="accent3"/>
           </a:lnRef>
           <a:fillRef idx="2">
-            <a:schemeClr val="accent5"/>
+            <a:schemeClr val="accent3"/>
           </a:fillRef>
           <a:effectRef idx="1">
-            <a:schemeClr val="accent5"/>
+            <a:schemeClr val="accent3"/>
           </a:effectRef>
           <a:fontRef idx="minor">
             <a:schemeClr val="dk1"/>
           </a:fontRef>
         </p:style>
         <p:txBody>
-          <a:bodyPr rtlCol="0" anchor="t"/>
+          <a:bodyPr rtlCol="0" anchor="ctr"/>
           <a:lstStyle/>
           <a:p>
             <a:pPr algn="ctr"/>
             <a:r>
-              <a:rPr lang="en-US" b="1" dirty="0"/>
-              <a:t>Model building</a:t>
+              <a:rPr lang="en-US" dirty="0"/>
+              <a:t>scikit-learn</a:t>
+            </a:r>
+          </a:p>
+          <a:p>
+            <a:pPr algn="ctr"/>
+            <a:r>
+              <a:rPr lang="en-US" dirty="0" err="1"/>
+              <a:t>LightGBM</a:t>
             </a:r>
             <a:endParaRPr lang="en-US" dirty="0"/>
           </a:p>
           <a:p>
             <a:pPr algn="ctr"/>
-            <a:endParaRPr lang="en-US" b="1" dirty="0"/>
-          </a:p>
-          <a:p>
-            <a:pPr marL="285750" indent="-285750">
-              <a:buFont typeface="Arial" panose="020B0604020202020204" pitchFamily="34" charset="0"/>
-              <a:buChar char="•"/>
-            </a:pPr>
             <a:r>
               <a:rPr lang="en-US" dirty="0" err="1"/>
-              <a:t>linear_model</a:t>
-            </a:r>
-            <a:endParaRPr lang="en-US" dirty="0"/>
-          </a:p>
-          <a:p>
-            <a:pPr marL="285750" indent="-285750">
-              <a:buFont typeface="Arial" panose="020B0604020202020204" pitchFamily="34" charset="0"/>
-              <a:buChar char="•"/>
-            </a:pPr>
-            <a:r>
-              <a:rPr lang="en-US" dirty="0"/>
-              <a:t>ensemble</a:t>
-            </a:r>
-          </a:p>
-          <a:p>
-            <a:pPr marL="285750" indent="-285750">
-              <a:buFont typeface="Arial" panose="020B0604020202020204" pitchFamily="34" charset="0"/>
-              <a:buChar char="•"/>
-            </a:pPr>
-            <a:r>
-              <a:rPr lang="en-US" dirty="0"/>
-              <a:t>cluster</a:t>
-            </a:r>
-          </a:p>
-        </p:txBody>
-      </p:sp>
-      <p:sp>
-        <p:nvSpPr>
-          <p:cNvPr id="10" name="Rectangle 9">
-            <a:extLst>
-              <a:ext uri="{FF2B5EF4-FFF2-40B4-BE49-F238E27FC236}">
-                <a16:creationId xmlns:a16="http://schemas.microsoft.com/office/drawing/2014/main" id="{06AA83AA-E066-ABF0-626E-4AF185EBD422}"/>
+              <a:t>xgBoost</a:t>
+            </a:r>
+            <a:endParaRPr lang="en-NL" dirty="0"/>
+          </a:p>
+        </p:txBody>
+      </p:sp>
+      <p:sp>
+        <p:nvSpPr>
+          <p:cNvPr id="9" name="Rectangle 8">
+            <a:extLst>
+              <a:ext uri="{FF2B5EF4-FFF2-40B4-BE49-F238E27FC236}">
+                <a16:creationId xmlns:a16="http://schemas.microsoft.com/office/drawing/2014/main" id="{5812AC52-D6EC-F3C4-889C-01479D3B8644}"/>
               </a:ext>
             </a:extLst>
           </p:cNvPr>
@@ -4827,8 +5033,8 @@
         </p:nvSpPr>
         <p:spPr>
           <a:xfrm>
-            <a:off x="6232610" y="3641758"/>
-            <a:ext cx="2423984" cy="1610646"/>
+            <a:off x="8448589" y="2094468"/>
+            <a:ext cx="2756931" cy="1408665"/>
           </a:xfrm>
           <a:prstGeom prst="rect">
             <a:avLst/>
@@ -4836,51 +5042,44 @@
         </p:spPr>
         <p:style>
           <a:lnRef idx="1">
-            <a:schemeClr val="accent6"/>
+            <a:schemeClr val="accent3"/>
           </a:lnRef>
           <a:fillRef idx="2">
-            <a:schemeClr val="accent6"/>
+            <a:schemeClr val="accent3"/>
           </a:fillRef>
           <a:effectRef idx="1">
-            <a:schemeClr val="accent6"/>
+            <a:schemeClr val="accent3"/>
           </a:effectRef>
           <a:fontRef idx="minor">
             <a:schemeClr val="dk1"/>
           </a:fontRef>
         </p:style>
         <p:txBody>
-          <a:bodyPr rtlCol="0" anchor="t"/>
+          <a:bodyPr rtlCol="0" anchor="ctr"/>
           <a:lstStyle/>
           <a:p>
             <a:pPr algn="ctr"/>
             <a:r>
-              <a:rPr lang="en-US" b="1" dirty="0"/>
-              <a:t>Model validation</a:t>
-            </a:r>
+              <a:rPr lang="en-US" dirty="0" err="1"/>
+              <a:t>statsmodels</a:t>
+            </a:r>
+            <a:endParaRPr lang="en-US" dirty="0"/>
           </a:p>
           <a:p>
             <a:pPr algn="ctr"/>
-            <a:endParaRPr lang="en-US" b="1" dirty="0"/>
-          </a:p>
-          <a:p>
-            <a:pPr marL="285750" indent="-285750">
-              <a:buFont typeface="Arial" panose="020B0604020202020204" pitchFamily="34" charset="0"/>
-              <a:buChar char="•"/>
-            </a:pPr>
             <a:r>
               <a:rPr lang="en-US" dirty="0"/>
-              <a:t>metrics</a:t>
-            </a:r>
-            <a:endParaRPr lang="en-NL" dirty="0"/>
-          </a:p>
-        </p:txBody>
-      </p:sp>
-      <p:sp>
-        <p:nvSpPr>
-          <p:cNvPr id="11" name="Rectangle 10">
-            <a:extLst>
-              <a:ext uri="{FF2B5EF4-FFF2-40B4-BE49-F238E27FC236}">
-                <a16:creationId xmlns:a16="http://schemas.microsoft.com/office/drawing/2014/main" id="{B0473AB4-D4AF-9327-400D-5D21E3A4A256}"/>
+              <a:t>PyMC3</a:t>
+            </a:r>
+          </a:p>
+        </p:txBody>
+      </p:sp>
+      <p:sp>
+        <p:nvSpPr>
+          <p:cNvPr id="12" name="Rectangle 11">
+            <a:extLst>
+              <a:ext uri="{FF2B5EF4-FFF2-40B4-BE49-F238E27FC236}">
+                <a16:creationId xmlns:a16="http://schemas.microsoft.com/office/drawing/2014/main" id="{FA159604-F3DA-ADDC-895E-12151F255570}"/>
               </a:ext>
             </a:extLst>
           </p:cNvPr>
@@ -4889,8 +5088,8 @@
         </p:nvSpPr>
         <p:spPr>
           <a:xfrm>
-            <a:off x="8929816" y="4775881"/>
-            <a:ext cx="2423984" cy="1610646"/>
+            <a:off x="838200" y="3817205"/>
+            <a:ext cx="2756930" cy="1015314"/>
           </a:xfrm>
           <a:prstGeom prst="rect">
             <a:avLst/>
@@ -4898,40 +5097,200 @@
         </p:spPr>
         <p:style>
           <a:lnRef idx="1">
-            <a:schemeClr val="accent2"/>
+            <a:schemeClr val="accent3"/>
           </a:lnRef>
           <a:fillRef idx="2">
-            <a:schemeClr val="accent2"/>
+            <a:schemeClr val="accent3"/>
           </a:fillRef>
           <a:effectRef idx="1">
-            <a:schemeClr val="accent2"/>
+            <a:schemeClr val="accent3"/>
           </a:effectRef>
           <a:fontRef idx="minor">
             <a:schemeClr val="dk1"/>
           </a:fontRef>
         </p:style>
         <p:txBody>
-          <a:bodyPr rtlCol="0" anchor="t"/>
+          <a:bodyPr rtlCol="0" anchor="ctr"/>
           <a:lstStyle/>
           <a:p>
             <a:pPr algn="ctr"/>
             <a:r>
-              <a:rPr lang="en-US" b="1" dirty="0"/>
-              <a:t>Model selection</a:t>
+              <a:rPr lang="en-US" dirty="0"/>
+              <a:t>NLTK</a:t>
             </a:r>
           </a:p>
           <a:p>
             <a:pPr algn="ctr"/>
-            <a:endParaRPr lang="en-US" b="1" dirty="0"/>
-          </a:p>
-          <a:p>
-            <a:pPr marL="285750" indent="-285750" algn="ctr">
-              <a:buFont typeface="Arial" panose="020B0604020202020204" pitchFamily="34" charset="0"/>
-              <a:buChar char="•"/>
-            </a:pPr>
+            <a:r>
+              <a:rPr lang="en-US" dirty="0"/>
+              <a:t>Spacy</a:t>
+            </a:r>
+            <a:endParaRPr lang="en-NL" dirty="0"/>
+          </a:p>
+        </p:txBody>
+      </p:sp>
+      <p:sp>
+        <p:nvSpPr>
+          <p:cNvPr id="13" name="Rectangle 12">
+            <a:extLst>
+              <a:ext uri="{FF2B5EF4-FFF2-40B4-BE49-F238E27FC236}">
+                <a16:creationId xmlns:a16="http://schemas.microsoft.com/office/drawing/2014/main" id="{B4C63336-5408-1EE1-0DF4-F2B286964A7C}"/>
+              </a:ext>
+            </a:extLst>
+          </p:cNvPr>
+          <p:cNvSpPr/>
+          <p:nvPr/>
+        </p:nvSpPr>
+        <p:spPr>
+          <a:xfrm>
+            <a:off x="838200" y="5146588"/>
+            <a:ext cx="2756930" cy="1015314"/>
+          </a:xfrm>
+          <a:prstGeom prst="rect">
+            <a:avLst/>
+          </a:prstGeom>
+        </p:spPr>
+        <p:style>
+          <a:lnRef idx="1">
+            <a:schemeClr val="accent3"/>
+          </a:lnRef>
+          <a:fillRef idx="2">
+            <a:schemeClr val="accent3"/>
+          </a:fillRef>
+          <a:effectRef idx="1">
+            <a:schemeClr val="accent3"/>
+          </a:effectRef>
+          <a:fontRef idx="minor">
+            <a:schemeClr val="dk1"/>
+          </a:fontRef>
+        </p:style>
+        <p:txBody>
+          <a:bodyPr rtlCol="0" anchor="ctr"/>
+          <a:lstStyle/>
+          <a:p>
+            <a:pPr algn="ctr"/>
+            <a:r>
+              <a:rPr lang="en-US" dirty="0"/>
+              <a:t>scikit-image</a:t>
+            </a:r>
+          </a:p>
+          <a:p>
+            <a:pPr algn="ctr"/>
+            <a:r>
+              <a:rPr lang="en-US" dirty="0"/>
+              <a:t>OpenCV</a:t>
+            </a:r>
+            <a:endParaRPr lang="en-NL" dirty="0"/>
+          </a:p>
+        </p:txBody>
+      </p:sp>
+      <p:sp>
+        <p:nvSpPr>
+          <p:cNvPr id="15" name="Rectangle 14">
+            <a:extLst>
+              <a:ext uri="{FF2B5EF4-FFF2-40B4-BE49-F238E27FC236}">
+                <a16:creationId xmlns:a16="http://schemas.microsoft.com/office/drawing/2014/main" id="{EDEC73B7-142D-00C2-AB34-6DCBD69992A7}"/>
+              </a:ext>
+            </a:extLst>
+          </p:cNvPr>
+          <p:cNvSpPr/>
+          <p:nvPr/>
+        </p:nvSpPr>
+        <p:spPr>
+          <a:xfrm>
+            <a:off x="4643394" y="5146588"/>
+            <a:ext cx="2756930" cy="1015314"/>
+          </a:xfrm>
+          <a:prstGeom prst="rect">
+            <a:avLst/>
+          </a:prstGeom>
+        </p:spPr>
+        <p:style>
+          <a:lnRef idx="1">
+            <a:schemeClr val="accent3"/>
+          </a:lnRef>
+          <a:fillRef idx="2">
+            <a:schemeClr val="accent3"/>
+          </a:fillRef>
+          <a:effectRef idx="1">
+            <a:schemeClr val="accent3"/>
+          </a:effectRef>
+          <a:fontRef idx="minor">
+            <a:schemeClr val="dk1"/>
+          </a:fontRef>
+        </p:style>
+        <p:txBody>
+          <a:bodyPr rtlCol="0" anchor="ctr"/>
+          <a:lstStyle/>
+          <a:p>
+            <a:pPr algn="ctr"/>
+            <a:r>
+              <a:rPr lang="en-US" dirty="0"/>
+              <a:t>Lifelines</a:t>
+            </a:r>
+            <a:endParaRPr lang="en-NL" dirty="0"/>
+          </a:p>
+        </p:txBody>
+      </p:sp>
+      <p:sp>
+        <p:nvSpPr>
+          <p:cNvPr id="17" name="Rectangle 16">
+            <a:extLst>
+              <a:ext uri="{FF2B5EF4-FFF2-40B4-BE49-F238E27FC236}">
+                <a16:creationId xmlns:a16="http://schemas.microsoft.com/office/drawing/2014/main" id="{77E37745-FC9D-D3DA-55D8-645DD2C61F14}"/>
+              </a:ext>
+            </a:extLst>
+          </p:cNvPr>
+          <p:cNvSpPr/>
+          <p:nvPr/>
+        </p:nvSpPr>
+        <p:spPr>
+          <a:xfrm>
+            <a:off x="4643394" y="3817205"/>
+            <a:ext cx="2756930" cy="1015314"/>
+          </a:xfrm>
+          <a:prstGeom prst="rect">
+            <a:avLst/>
+          </a:prstGeom>
+        </p:spPr>
+        <p:style>
+          <a:lnRef idx="1">
+            <a:schemeClr val="accent3"/>
+          </a:lnRef>
+          <a:fillRef idx="2">
+            <a:schemeClr val="accent3"/>
+          </a:fillRef>
+          <a:effectRef idx="1">
+            <a:schemeClr val="accent3"/>
+          </a:effectRef>
+          <a:fontRef idx="minor">
+            <a:schemeClr val="dk1"/>
+          </a:fontRef>
+        </p:style>
+        <p:txBody>
+          <a:bodyPr rtlCol="0" anchor="ctr"/>
+          <a:lstStyle/>
+          <a:p>
+            <a:pPr algn="ctr"/>
             <a:r>
               <a:rPr lang="en-US" dirty="0" err="1"/>
-              <a:t>model_selection</a:t>
+              <a:t>Sktime</a:t>
+            </a:r>
+            <a:endParaRPr lang="en-US" dirty="0"/>
+          </a:p>
+          <a:p>
+            <a:pPr algn="ctr"/>
+            <a:r>
+              <a:rPr lang="en-US" dirty="0" err="1"/>
+              <a:t>PyFlux</a:t>
+            </a:r>
+            <a:endParaRPr lang="en-US" dirty="0"/>
+          </a:p>
+          <a:p>
+            <a:pPr algn="ctr"/>
+            <a:r>
+              <a:rPr lang="en-US" dirty="0"/>
+              <a:t>Prophet</a:t>
             </a:r>
             <a:endParaRPr lang="en-NL" dirty="0"/>
           </a:p>
@@ -4940,7 +5299,7 @@
     </p:spTree>
     <p:extLst>
       <p:ext uri="{BB962C8B-B14F-4D97-AF65-F5344CB8AC3E}">
-        <p14:creationId xmlns:p14="http://schemas.microsoft.com/office/powerpoint/2010/main" val="16402976"/>
+        <p14:creationId xmlns:p14="http://schemas.microsoft.com/office/powerpoint/2010/main" val="3874396999"/>
       </p:ext>
     </p:extLst>
   </p:cSld>
@@ -4997,13 +5356,8 @@
           <a:p>
             <a:r>
               <a:rPr lang="nl-NL" sz="3600" noProof="0" dirty="0"/>
-              <a:t>Overzicht </a:t>
-            </a:r>
-            <a:r>
-              <a:rPr lang="nl-NL" sz="3600" noProof="0" dirty="0" err="1"/>
-              <a:t>scikit-learn</a:t>
-            </a:r>
-            <a:endParaRPr lang="nl-NL" sz="3600" noProof="0" dirty="0"/>
+              <a:t>Machine Learning proces</a:t>
+            </a:r>
           </a:p>
         </p:txBody>
       </p:sp>
@@ -5048,43 +5402,8 @@
           <a:p>
             <a:pPr algn="ctr"/>
             <a:r>
-              <a:rPr lang="en-US" b="1" dirty="0"/>
-              <a:t>Data preparation</a:t>
-            </a:r>
-          </a:p>
-          <a:p>
-            <a:pPr algn="ctr"/>
-            <a:endParaRPr lang="en-US" dirty="0"/>
-          </a:p>
-          <a:p>
-            <a:pPr marL="285750" indent="-285750">
-              <a:buFont typeface="Arial" panose="020B0604020202020204" pitchFamily="34" charset="0"/>
-              <a:buChar char="•"/>
-            </a:pPr>
-            <a:r>
-              <a:rPr lang="en-US" dirty="0"/>
-              <a:t>preprocessing</a:t>
-            </a:r>
-          </a:p>
-          <a:p>
-            <a:pPr marL="285750" indent="-285750">
-              <a:buFont typeface="Arial" panose="020B0604020202020204" pitchFamily="34" charset="0"/>
-              <a:buChar char="•"/>
-            </a:pPr>
-            <a:r>
-              <a:rPr lang="en-US" dirty="0" err="1"/>
-              <a:t>feature_extraction</a:t>
-            </a:r>
-            <a:endParaRPr lang="en-US" dirty="0"/>
-          </a:p>
-          <a:p>
-            <a:pPr marL="285750" indent="-285750">
-              <a:buFont typeface="Arial" panose="020B0604020202020204" pitchFamily="34" charset="0"/>
-              <a:buChar char="•"/>
-            </a:pPr>
-            <a:r>
-              <a:rPr lang="en-US" dirty="0"/>
-              <a:t>impute</a:t>
+              <a:rPr lang="nl-NL" b="1"/>
+              <a:t>Data preparatie</a:t>
             </a:r>
           </a:p>
         </p:txBody>
@@ -5130,44 +5449,8 @@
           <a:p>
             <a:pPr algn="ctr"/>
             <a:r>
-              <a:rPr lang="en-US" b="1" dirty="0"/>
-              <a:t>Model building</a:t>
-            </a:r>
-            <a:endParaRPr lang="en-US" dirty="0"/>
-          </a:p>
-          <a:p>
-            <a:pPr algn="ctr"/>
-            <a:endParaRPr lang="en-US" b="1" dirty="0"/>
-          </a:p>
-          <a:p>
-            <a:pPr marL="285750" indent="-285750">
-              <a:buFont typeface="Arial" panose="020B0604020202020204" pitchFamily="34" charset="0"/>
-              <a:buChar char="•"/>
-            </a:pPr>
-            <a:r>
-              <a:rPr lang="en-US" dirty="0" err="1"/>
-              <a:t>linear_model</a:t>
-            </a:r>
-            <a:endParaRPr lang="en-US" dirty="0"/>
-          </a:p>
-          <a:p>
-            <a:pPr marL="285750" indent="-285750">
-              <a:buFont typeface="Arial" panose="020B0604020202020204" pitchFamily="34" charset="0"/>
-              <a:buChar char="•"/>
-            </a:pPr>
-            <a:r>
-              <a:rPr lang="en-US" dirty="0"/>
-              <a:t>ensemble</a:t>
-            </a:r>
-          </a:p>
-          <a:p>
-            <a:pPr marL="285750" indent="-285750">
-              <a:buFont typeface="Arial" panose="020B0604020202020204" pitchFamily="34" charset="0"/>
-              <a:buChar char="•"/>
-            </a:pPr>
-            <a:r>
-              <a:rPr lang="en-US" dirty="0"/>
-              <a:t>cluster</a:t>
+              <a:rPr lang="nl-NL" b="1"/>
+              <a:t>Model trainen</a:t>
             </a:r>
           </a:p>
         </p:txBody>
@@ -5213,24 +5496,9 @@
           <a:p>
             <a:pPr algn="ctr"/>
             <a:r>
-              <a:rPr lang="en-US" b="1" dirty="0"/>
-              <a:t>Model validation</a:t>
-            </a:r>
-          </a:p>
-          <a:p>
-            <a:pPr algn="ctr"/>
-            <a:endParaRPr lang="en-US" b="1" dirty="0"/>
-          </a:p>
-          <a:p>
-            <a:pPr marL="285750" indent="-285750">
-              <a:buFont typeface="Arial" panose="020B0604020202020204" pitchFamily="34" charset="0"/>
-              <a:buChar char="•"/>
-            </a:pPr>
-            <a:r>
-              <a:rPr lang="en-US" dirty="0"/>
-              <a:t>metrics</a:t>
-            </a:r>
-            <a:endParaRPr lang="en-NL" dirty="0"/>
+              <a:rPr lang="nl-NL" b="1"/>
+              <a:t>Model valideren</a:t>
+            </a:r>
           </a:p>
         </p:txBody>
       </p:sp>
@@ -5275,13 +5543,354 @@
           <a:p>
             <a:pPr algn="ctr"/>
             <a:r>
-              <a:rPr lang="en-US" b="1" dirty="0"/>
-              <a:t>Model selection</a:t>
-            </a:r>
-          </a:p>
+              <a:rPr lang="nl-NL" b="1" dirty="0"/>
+              <a:t>Model selecteren</a:t>
+            </a:r>
+          </a:p>
+        </p:txBody>
+      </p:sp>
+    </p:spTree>
+    <p:extLst>
+      <p:ext uri="{BB962C8B-B14F-4D97-AF65-F5344CB8AC3E}">
+        <p14:creationId xmlns:p14="http://schemas.microsoft.com/office/powerpoint/2010/main" val="3693740833"/>
+      </p:ext>
+    </p:extLst>
+  </p:cSld>
+  <p:clrMapOvr>
+    <a:masterClrMapping/>
+  </p:clrMapOvr>
+</p:sld>
+</file>
+
+<file path=ppt/slides/slide7.xml><?xml version="1.0" encoding="utf-8"?>
+<p:sld xmlns:a="http://schemas.openxmlformats.org/drawingml/2006/main" xmlns:r="http://schemas.openxmlformats.org/officeDocument/2006/relationships" xmlns:p="http://schemas.openxmlformats.org/presentationml/2006/main">
+  <p:cSld>
+    <p:spTree>
+      <p:nvGrpSpPr>
+        <p:cNvPr id="1" name=""/>
+        <p:cNvGrpSpPr/>
+        <p:nvPr/>
+      </p:nvGrpSpPr>
+      <p:grpSpPr>
+        <a:xfrm>
+          <a:off x="0" y="0"/>
+          <a:ext cx="0" cy="0"/>
+          <a:chOff x="0" y="0"/>
+          <a:chExt cx="0" cy="0"/>
+        </a:xfrm>
+      </p:grpSpPr>
+      <p:sp>
+        <p:nvSpPr>
+          <p:cNvPr id="2" name="Title 1">
+            <a:extLst>
+              <a:ext uri="{FF2B5EF4-FFF2-40B4-BE49-F238E27FC236}">
+                <a16:creationId xmlns:a16="http://schemas.microsoft.com/office/drawing/2014/main" id="{39A1D606-8DD1-369C-5C09-471CDD551AD5}"/>
+              </a:ext>
+            </a:extLst>
+          </p:cNvPr>
+          <p:cNvSpPr>
+            <a:spLocks noGrp="1"/>
+          </p:cNvSpPr>
+          <p:nvPr>
+            <p:ph type="title"/>
+          </p:nvPr>
+        </p:nvSpPr>
+        <p:spPr>
+          <a:xfrm>
+            <a:off x="838200" y="365126"/>
+            <a:ext cx="10515600" cy="718608"/>
+          </a:xfrm>
+        </p:spPr>
+        <p:txBody>
+          <a:bodyPr>
+            <a:normAutofit/>
+          </a:bodyPr>
+          <a:lstStyle/>
+          <a:p>
+            <a:r>
+              <a:rPr lang="nl-NL" sz="3600" noProof="0" dirty="0"/>
+              <a:t>Overzicht </a:t>
+            </a:r>
+            <a:r>
+              <a:rPr lang="nl-NL" sz="3600" noProof="0" dirty="0" err="1"/>
+              <a:t>scikit-learn</a:t>
+            </a:r>
+            <a:endParaRPr lang="nl-NL" sz="3600" noProof="0" dirty="0"/>
+          </a:p>
+        </p:txBody>
+      </p:sp>
+      <p:sp>
+        <p:nvSpPr>
+          <p:cNvPr id="6" name="Rectangle 5">
+            <a:extLst>
+              <a:ext uri="{FF2B5EF4-FFF2-40B4-BE49-F238E27FC236}">
+                <a16:creationId xmlns:a16="http://schemas.microsoft.com/office/drawing/2014/main" id="{1D38F06A-7130-AC87-179C-0C18A1AA4CA8}"/>
+              </a:ext>
+            </a:extLst>
+          </p:cNvPr>
+          <p:cNvSpPr/>
+          <p:nvPr/>
+        </p:nvSpPr>
+        <p:spPr>
+          <a:xfrm>
+            <a:off x="838200" y="1373512"/>
+            <a:ext cx="2423984" cy="1610646"/>
+          </a:xfrm>
+          <a:prstGeom prst="rect">
+            <a:avLst/>
+          </a:prstGeom>
+        </p:spPr>
+        <p:style>
+          <a:lnRef idx="1">
+            <a:schemeClr val="accent4"/>
+          </a:lnRef>
+          <a:fillRef idx="2">
+            <a:schemeClr val="accent4"/>
+          </a:fillRef>
+          <a:effectRef idx="1">
+            <a:schemeClr val="accent4"/>
+          </a:effectRef>
+          <a:fontRef idx="minor">
+            <a:schemeClr val="dk1"/>
+          </a:fontRef>
+        </p:style>
+        <p:txBody>
+          <a:bodyPr rtlCol="0" anchor="t"/>
+          <a:lstStyle/>
           <a:p>
             <a:pPr algn="ctr"/>
-            <a:endParaRPr lang="en-US" b="1" dirty="0"/>
+            <a:r>
+              <a:rPr lang="nl-NL" b="1"/>
+              <a:t>Data preparatie</a:t>
+            </a:r>
+          </a:p>
+          <a:p>
+            <a:pPr algn="ctr"/>
+            <a:endParaRPr lang="nl-NL"/>
+          </a:p>
+          <a:p>
+            <a:pPr marL="285750" indent="-285750">
+              <a:buFont typeface="Arial" panose="020B0604020202020204" pitchFamily="34" charset="0"/>
+              <a:buChar char="•"/>
+            </a:pPr>
+            <a:r>
+              <a:rPr lang="nl-NL"/>
+              <a:t>preprocessing</a:t>
+            </a:r>
+          </a:p>
+          <a:p>
+            <a:pPr marL="285750" indent="-285750">
+              <a:buFont typeface="Arial" panose="020B0604020202020204" pitchFamily="34" charset="0"/>
+              <a:buChar char="•"/>
+            </a:pPr>
+            <a:r>
+              <a:rPr lang="nl-NL"/>
+              <a:t>feature_extraction</a:t>
+            </a:r>
+          </a:p>
+          <a:p>
+            <a:pPr marL="285750" indent="-285750">
+              <a:buFont typeface="Arial" panose="020B0604020202020204" pitchFamily="34" charset="0"/>
+              <a:buChar char="•"/>
+            </a:pPr>
+            <a:r>
+              <a:rPr lang="nl-NL"/>
+              <a:t>impute</a:t>
+            </a:r>
+          </a:p>
+        </p:txBody>
+      </p:sp>
+      <p:sp>
+        <p:nvSpPr>
+          <p:cNvPr id="7" name="Rectangle 6">
+            <a:extLst>
+              <a:ext uri="{FF2B5EF4-FFF2-40B4-BE49-F238E27FC236}">
+                <a16:creationId xmlns:a16="http://schemas.microsoft.com/office/drawing/2014/main" id="{4FCD6A8C-29D6-E5C6-1838-8B707C443CD5}"/>
+              </a:ext>
+            </a:extLst>
+          </p:cNvPr>
+          <p:cNvSpPr/>
+          <p:nvPr/>
+        </p:nvSpPr>
+        <p:spPr>
+          <a:xfrm>
+            <a:off x="3535405" y="2507635"/>
+            <a:ext cx="2423984" cy="1610646"/>
+          </a:xfrm>
+          <a:prstGeom prst="rect">
+            <a:avLst/>
+          </a:prstGeom>
+        </p:spPr>
+        <p:style>
+          <a:lnRef idx="1">
+            <a:schemeClr val="accent5"/>
+          </a:lnRef>
+          <a:fillRef idx="2">
+            <a:schemeClr val="accent5"/>
+          </a:fillRef>
+          <a:effectRef idx="1">
+            <a:schemeClr val="accent5"/>
+          </a:effectRef>
+          <a:fontRef idx="minor">
+            <a:schemeClr val="dk1"/>
+          </a:fontRef>
+        </p:style>
+        <p:txBody>
+          <a:bodyPr rtlCol="0" anchor="t"/>
+          <a:lstStyle/>
+          <a:p>
+            <a:pPr algn="ctr"/>
+            <a:r>
+              <a:rPr lang="nl-NL" b="1"/>
+              <a:t>Model trainen</a:t>
+            </a:r>
+            <a:endParaRPr lang="nl-NL"/>
+          </a:p>
+          <a:p>
+            <a:pPr algn="ctr"/>
+            <a:endParaRPr lang="nl-NL" b="1"/>
+          </a:p>
+          <a:p>
+            <a:pPr marL="285750" indent="-285750">
+              <a:buFont typeface="Arial" panose="020B0604020202020204" pitchFamily="34" charset="0"/>
+              <a:buChar char="•"/>
+            </a:pPr>
+            <a:r>
+              <a:rPr lang="nl-NL"/>
+              <a:t>linear_model</a:t>
+            </a:r>
+          </a:p>
+          <a:p>
+            <a:pPr marL="285750" indent="-285750">
+              <a:buFont typeface="Arial" panose="020B0604020202020204" pitchFamily="34" charset="0"/>
+              <a:buChar char="•"/>
+            </a:pPr>
+            <a:r>
+              <a:rPr lang="nl-NL"/>
+              <a:t>ensemble</a:t>
+            </a:r>
+          </a:p>
+          <a:p>
+            <a:pPr marL="285750" indent="-285750">
+              <a:buFont typeface="Arial" panose="020B0604020202020204" pitchFamily="34" charset="0"/>
+              <a:buChar char="•"/>
+            </a:pPr>
+            <a:r>
+              <a:rPr lang="nl-NL"/>
+              <a:t>cluster</a:t>
+            </a:r>
+          </a:p>
+        </p:txBody>
+      </p:sp>
+      <p:sp>
+        <p:nvSpPr>
+          <p:cNvPr id="10" name="Rectangle 9">
+            <a:extLst>
+              <a:ext uri="{FF2B5EF4-FFF2-40B4-BE49-F238E27FC236}">
+                <a16:creationId xmlns:a16="http://schemas.microsoft.com/office/drawing/2014/main" id="{06AA83AA-E066-ABF0-626E-4AF185EBD422}"/>
+              </a:ext>
+            </a:extLst>
+          </p:cNvPr>
+          <p:cNvSpPr/>
+          <p:nvPr/>
+        </p:nvSpPr>
+        <p:spPr>
+          <a:xfrm>
+            <a:off x="6232610" y="3641758"/>
+            <a:ext cx="2423984" cy="1610646"/>
+          </a:xfrm>
+          <a:prstGeom prst="rect">
+            <a:avLst/>
+          </a:prstGeom>
+        </p:spPr>
+        <p:style>
+          <a:lnRef idx="1">
+            <a:schemeClr val="accent6"/>
+          </a:lnRef>
+          <a:fillRef idx="2">
+            <a:schemeClr val="accent6"/>
+          </a:fillRef>
+          <a:effectRef idx="1">
+            <a:schemeClr val="accent6"/>
+          </a:effectRef>
+          <a:fontRef idx="minor">
+            <a:schemeClr val="dk1"/>
+          </a:fontRef>
+        </p:style>
+        <p:txBody>
+          <a:bodyPr rtlCol="0" anchor="t"/>
+          <a:lstStyle/>
+          <a:p>
+            <a:pPr algn="ctr"/>
+            <a:r>
+              <a:rPr lang="nl-NL" b="1"/>
+              <a:t>Model valideren</a:t>
+            </a:r>
+          </a:p>
+          <a:p>
+            <a:pPr algn="ctr"/>
+            <a:endParaRPr lang="nl-NL" b="1"/>
+          </a:p>
+          <a:p>
+            <a:pPr marL="285750" indent="-285750">
+              <a:buFont typeface="Arial" panose="020B0604020202020204" pitchFamily="34" charset="0"/>
+              <a:buChar char="•"/>
+            </a:pPr>
+            <a:r>
+              <a:rPr lang="nl-NL"/>
+              <a:t>metrics</a:t>
+            </a:r>
+          </a:p>
+        </p:txBody>
+      </p:sp>
+      <p:sp>
+        <p:nvSpPr>
+          <p:cNvPr id="11" name="Rectangle 10">
+            <a:extLst>
+              <a:ext uri="{FF2B5EF4-FFF2-40B4-BE49-F238E27FC236}">
+                <a16:creationId xmlns:a16="http://schemas.microsoft.com/office/drawing/2014/main" id="{B0473AB4-D4AF-9327-400D-5D21E3A4A256}"/>
+              </a:ext>
+            </a:extLst>
+          </p:cNvPr>
+          <p:cNvSpPr/>
+          <p:nvPr/>
+        </p:nvSpPr>
+        <p:spPr>
+          <a:xfrm>
+            <a:off x="8929816" y="4775881"/>
+            <a:ext cx="2423984" cy="1610646"/>
+          </a:xfrm>
+          <a:prstGeom prst="rect">
+            <a:avLst/>
+          </a:prstGeom>
+        </p:spPr>
+        <p:style>
+          <a:lnRef idx="1">
+            <a:schemeClr val="accent2"/>
+          </a:lnRef>
+          <a:fillRef idx="2">
+            <a:schemeClr val="accent2"/>
+          </a:fillRef>
+          <a:effectRef idx="1">
+            <a:schemeClr val="accent2"/>
+          </a:effectRef>
+          <a:fontRef idx="minor">
+            <a:schemeClr val="dk1"/>
+          </a:fontRef>
+        </p:style>
+        <p:txBody>
+          <a:bodyPr rtlCol="0" anchor="t"/>
+          <a:lstStyle/>
+          <a:p>
+            <a:pPr algn="ctr"/>
+            <a:r>
+              <a:rPr lang="nl-NL" b="1"/>
+              <a:t>Model selecteren</a:t>
+            </a:r>
+          </a:p>
+          <a:p>
+            <a:pPr algn="ctr"/>
+            <a:endParaRPr lang="nl-NL" b="1"/>
           </a:p>
           <a:p>
             <a:pPr marL="285750" indent="-285750" algn="ctr">
@@ -5289,10 +5898,364 @@
               <a:buChar char="•"/>
             </a:pPr>
             <a:r>
-              <a:rPr lang="en-US" dirty="0" err="1"/>
+              <a:rPr lang="nl-NL"/>
               <a:t>model_selection</a:t>
             </a:r>
-            <a:endParaRPr lang="en-NL" dirty="0"/>
+          </a:p>
+        </p:txBody>
+      </p:sp>
+    </p:spTree>
+    <p:extLst>
+      <p:ext uri="{BB962C8B-B14F-4D97-AF65-F5344CB8AC3E}">
+        <p14:creationId xmlns:p14="http://schemas.microsoft.com/office/powerpoint/2010/main" val="16402976"/>
+      </p:ext>
+    </p:extLst>
+  </p:cSld>
+  <p:clrMapOvr>
+    <a:masterClrMapping/>
+  </p:clrMapOvr>
+</p:sld>
+</file>
+
+<file path=ppt/slides/slide8.xml><?xml version="1.0" encoding="utf-8"?>
+<p:sld xmlns:a="http://schemas.openxmlformats.org/drawingml/2006/main" xmlns:r="http://schemas.openxmlformats.org/officeDocument/2006/relationships" xmlns:p="http://schemas.openxmlformats.org/presentationml/2006/main">
+  <p:cSld>
+    <p:spTree>
+      <p:nvGrpSpPr>
+        <p:cNvPr id="1" name=""/>
+        <p:cNvGrpSpPr/>
+        <p:nvPr/>
+      </p:nvGrpSpPr>
+      <p:grpSpPr>
+        <a:xfrm>
+          <a:off x="0" y="0"/>
+          <a:ext cx="0" cy="0"/>
+          <a:chOff x="0" y="0"/>
+          <a:chExt cx="0" cy="0"/>
+        </a:xfrm>
+      </p:grpSpPr>
+      <p:sp>
+        <p:nvSpPr>
+          <p:cNvPr id="2" name="Title 1">
+            <a:extLst>
+              <a:ext uri="{FF2B5EF4-FFF2-40B4-BE49-F238E27FC236}">
+                <a16:creationId xmlns:a16="http://schemas.microsoft.com/office/drawing/2014/main" id="{39A1D606-8DD1-369C-5C09-471CDD551AD5}"/>
+              </a:ext>
+            </a:extLst>
+          </p:cNvPr>
+          <p:cNvSpPr>
+            <a:spLocks noGrp="1"/>
+          </p:cNvSpPr>
+          <p:nvPr>
+            <p:ph type="title"/>
+          </p:nvPr>
+        </p:nvSpPr>
+        <p:spPr>
+          <a:xfrm>
+            <a:off x="838200" y="365126"/>
+            <a:ext cx="10515600" cy="718608"/>
+          </a:xfrm>
+        </p:spPr>
+        <p:txBody>
+          <a:bodyPr>
+            <a:normAutofit/>
+          </a:bodyPr>
+          <a:lstStyle/>
+          <a:p>
+            <a:r>
+              <a:rPr lang="nl-NL" sz="3600" noProof="0" dirty="0"/>
+              <a:t>Overzicht </a:t>
+            </a:r>
+            <a:r>
+              <a:rPr lang="nl-NL" sz="3600" noProof="0" dirty="0" err="1"/>
+              <a:t>scikit-learn</a:t>
+            </a:r>
+            <a:endParaRPr lang="nl-NL" sz="3600" noProof="0" dirty="0"/>
+          </a:p>
+        </p:txBody>
+      </p:sp>
+      <p:sp>
+        <p:nvSpPr>
+          <p:cNvPr id="6" name="Rectangle 5">
+            <a:extLst>
+              <a:ext uri="{FF2B5EF4-FFF2-40B4-BE49-F238E27FC236}">
+                <a16:creationId xmlns:a16="http://schemas.microsoft.com/office/drawing/2014/main" id="{1D38F06A-7130-AC87-179C-0C18A1AA4CA8}"/>
+              </a:ext>
+            </a:extLst>
+          </p:cNvPr>
+          <p:cNvSpPr/>
+          <p:nvPr/>
+        </p:nvSpPr>
+        <p:spPr>
+          <a:xfrm>
+            <a:off x="838200" y="1373512"/>
+            <a:ext cx="2423984" cy="1610646"/>
+          </a:xfrm>
+          <a:prstGeom prst="rect">
+            <a:avLst/>
+          </a:prstGeom>
+        </p:spPr>
+        <p:style>
+          <a:lnRef idx="1">
+            <a:schemeClr val="accent4"/>
+          </a:lnRef>
+          <a:fillRef idx="2">
+            <a:schemeClr val="accent4"/>
+          </a:fillRef>
+          <a:effectRef idx="1">
+            <a:schemeClr val="accent4"/>
+          </a:effectRef>
+          <a:fontRef idx="minor">
+            <a:schemeClr val="dk1"/>
+          </a:fontRef>
+        </p:style>
+        <p:txBody>
+          <a:bodyPr rtlCol="0" anchor="t"/>
+          <a:lstStyle/>
+          <a:p>
+            <a:pPr algn="ctr"/>
+            <a:r>
+              <a:rPr lang="nl-NL" b="1"/>
+              <a:t>Data preparatie</a:t>
+            </a:r>
+          </a:p>
+          <a:p>
+            <a:pPr algn="ctr"/>
+            <a:endParaRPr lang="nl-NL"/>
+          </a:p>
+          <a:p>
+            <a:pPr marL="285750" indent="-285750">
+              <a:buFont typeface="Arial" panose="020B0604020202020204" pitchFamily="34" charset="0"/>
+              <a:buChar char="•"/>
+            </a:pPr>
+            <a:r>
+              <a:rPr lang="nl-NL"/>
+              <a:t>preprocessing</a:t>
+            </a:r>
+          </a:p>
+          <a:p>
+            <a:pPr marL="285750" indent="-285750">
+              <a:buFont typeface="Arial" panose="020B0604020202020204" pitchFamily="34" charset="0"/>
+              <a:buChar char="•"/>
+            </a:pPr>
+            <a:r>
+              <a:rPr lang="nl-NL"/>
+              <a:t>feature_extraction</a:t>
+            </a:r>
+          </a:p>
+          <a:p>
+            <a:pPr marL="285750" indent="-285750">
+              <a:buFont typeface="Arial" panose="020B0604020202020204" pitchFamily="34" charset="0"/>
+              <a:buChar char="•"/>
+            </a:pPr>
+            <a:r>
+              <a:rPr lang="nl-NL"/>
+              <a:t>impute</a:t>
+            </a:r>
+          </a:p>
+        </p:txBody>
+      </p:sp>
+      <p:sp>
+        <p:nvSpPr>
+          <p:cNvPr id="7" name="Rectangle 6">
+            <a:extLst>
+              <a:ext uri="{FF2B5EF4-FFF2-40B4-BE49-F238E27FC236}">
+                <a16:creationId xmlns:a16="http://schemas.microsoft.com/office/drawing/2014/main" id="{4FCD6A8C-29D6-E5C6-1838-8B707C443CD5}"/>
+              </a:ext>
+            </a:extLst>
+          </p:cNvPr>
+          <p:cNvSpPr/>
+          <p:nvPr/>
+        </p:nvSpPr>
+        <p:spPr>
+          <a:xfrm>
+            <a:off x="3535405" y="2507635"/>
+            <a:ext cx="2423984" cy="1610646"/>
+          </a:xfrm>
+          <a:prstGeom prst="rect">
+            <a:avLst/>
+          </a:prstGeom>
+        </p:spPr>
+        <p:style>
+          <a:lnRef idx="1">
+            <a:schemeClr val="accent5"/>
+          </a:lnRef>
+          <a:fillRef idx="2">
+            <a:schemeClr val="accent5"/>
+          </a:fillRef>
+          <a:effectRef idx="1">
+            <a:schemeClr val="accent5"/>
+          </a:effectRef>
+          <a:fontRef idx="minor">
+            <a:schemeClr val="dk1"/>
+          </a:fontRef>
+        </p:style>
+        <p:txBody>
+          <a:bodyPr rtlCol="0" anchor="t"/>
+          <a:lstStyle/>
+          <a:p>
+            <a:pPr algn="ctr"/>
+            <a:r>
+              <a:rPr lang="nl-NL" b="1"/>
+              <a:t>Model trainen</a:t>
+            </a:r>
+            <a:endParaRPr lang="nl-NL"/>
+          </a:p>
+          <a:p>
+            <a:pPr algn="ctr"/>
+            <a:endParaRPr lang="nl-NL" b="1"/>
+          </a:p>
+          <a:p>
+            <a:pPr marL="285750" indent="-285750">
+              <a:buFont typeface="Arial" panose="020B0604020202020204" pitchFamily="34" charset="0"/>
+              <a:buChar char="•"/>
+            </a:pPr>
+            <a:r>
+              <a:rPr lang="nl-NL"/>
+              <a:t>linear_model</a:t>
+            </a:r>
+          </a:p>
+          <a:p>
+            <a:pPr marL="285750" indent="-285750">
+              <a:buFont typeface="Arial" panose="020B0604020202020204" pitchFamily="34" charset="0"/>
+              <a:buChar char="•"/>
+            </a:pPr>
+            <a:r>
+              <a:rPr lang="nl-NL"/>
+              <a:t>ensemble</a:t>
+            </a:r>
+          </a:p>
+          <a:p>
+            <a:pPr marL="285750" indent="-285750">
+              <a:buFont typeface="Arial" panose="020B0604020202020204" pitchFamily="34" charset="0"/>
+              <a:buChar char="•"/>
+            </a:pPr>
+            <a:r>
+              <a:rPr lang="nl-NL"/>
+              <a:t>cluster</a:t>
+            </a:r>
+          </a:p>
+        </p:txBody>
+      </p:sp>
+      <p:sp>
+        <p:nvSpPr>
+          <p:cNvPr id="10" name="Rectangle 9">
+            <a:extLst>
+              <a:ext uri="{FF2B5EF4-FFF2-40B4-BE49-F238E27FC236}">
+                <a16:creationId xmlns:a16="http://schemas.microsoft.com/office/drawing/2014/main" id="{06AA83AA-E066-ABF0-626E-4AF185EBD422}"/>
+              </a:ext>
+            </a:extLst>
+          </p:cNvPr>
+          <p:cNvSpPr/>
+          <p:nvPr/>
+        </p:nvSpPr>
+        <p:spPr>
+          <a:xfrm>
+            <a:off x="6232610" y="3641758"/>
+            <a:ext cx="2423984" cy="1610646"/>
+          </a:xfrm>
+          <a:prstGeom prst="rect">
+            <a:avLst/>
+          </a:prstGeom>
+        </p:spPr>
+        <p:style>
+          <a:lnRef idx="1">
+            <a:schemeClr val="accent6"/>
+          </a:lnRef>
+          <a:fillRef idx="2">
+            <a:schemeClr val="accent6"/>
+          </a:fillRef>
+          <a:effectRef idx="1">
+            <a:schemeClr val="accent6"/>
+          </a:effectRef>
+          <a:fontRef idx="minor">
+            <a:schemeClr val="dk1"/>
+          </a:fontRef>
+        </p:style>
+        <p:txBody>
+          <a:bodyPr rtlCol="0" anchor="t"/>
+          <a:lstStyle/>
+          <a:p>
+            <a:pPr algn="ctr"/>
+            <a:r>
+              <a:rPr lang="nl-NL" b="1"/>
+              <a:t>Model valideren</a:t>
+            </a:r>
+          </a:p>
+          <a:p>
+            <a:pPr algn="ctr"/>
+            <a:endParaRPr lang="nl-NL" b="1"/>
+          </a:p>
+          <a:p>
+            <a:pPr marL="285750" indent="-285750">
+              <a:buFont typeface="Arial" panose="020B0604020202020204" pitchFamily="34" charset="0"/>
+              <a:buChar char="•"/>
+            </a:pPr>
+            <a:r>
+              <a:rPr lang="nl-NL"/>
+              <a:t>metrics</a:t>
+            </a:r>
+          </a:p>
+        </p:txBody>
+      </p:sp>
+      <p:sp>
+        <p:nvSpPr>
+          <p:cNvPr id="11" name="Rectangle 10">
+            <a:extLst>
+              <a:ext uri="{FF2B5EF4-FFF2-40B4-BE49-F238E27FC236}">
+                <a16:creationId xmlns:a16="http://schemas.microsoft.com/office/drawing/2014/main" id="{B0473AB4-D4AF-9327-400D-5D21E3A4A256}"/>
+              </a:ext>
+            </a:extLst>
+          </p:cNvPr>
+          <p:cNvSpPr/>
+          <p:nvPr/>
+        </p:nvSpPr>
+        <p:spPr>
+          <a:xfrm>
+            <a:off x="8929816" y="4775881"/>
+            <a:ext cx="2423984" cy="1610646"/>
+          </a:xfrm>
+          <a:prstGeom prst="rect">
+            <a:avLst/>
+          </a:prstGeom>
+        </p:spPr>
+        <p:style>
+          <a:lnRef idx="1">
+            <a:schemeClr val="accent2"/>
+          </a:lnRef>
+          <a:fillRef idx="2">
+            <a:schemeClr val="accent2"/>
+          </a:fillRef>
+          <a:effectRef idx="1">
+            <a:schemeClr val="accent2"/>
+          </a:effectRef>
+          <a:fontRef idx="minor">
+            <a:schemeClr val="dk1"/>
+          </a:fontRef>
+        </p:style>
+        <p:txBody>
+          <a:bodyPr rtlCol="0" anchor="t"/>
+          <a:lstStyle/>
+          <a:p>
+            <a:pPr algn="ctr"/>
+            <a:r>
+              <a:rPr lang="nl-NL" b="1"/>
+              <a:t>Model selecteren</a:t>
+            </a:r>
+          </a:p>
+          <a:p>
+            <a:pPr algn="ctr"/>
+            <a:endParaRPr lang="nl-NL" b="1"/>
+          </a:p>
+          <a:p>
+            <a:pPr marL="285750" indent="-285750" algn="ctr">
+              <a:buFont typeface="Arial" panose="020B0604020202020204" pitchFamily="34" charset="0"/>
+              <a:buChar char="•"/>
+            </a:pPr>
+            <a:r>
+              <a:rPr lang="nl-NL"/>
+              <a:t>model_selection</a:t>
+            </a:r>
           </a:p>
         </p:txBody>
       </p:sp>
@@ -5338,14 +6301,13 @@
           <a:bodyPr rtlCol="0" anchor="ctr"/>
           <a:lstStyle/>
           <a:p>
-            <a:pPr algn="ctr"/>
             <a:r>
               <a:rPr lang="en-US" b="1" dirty="0">
                 <a:solidFill>
                   <a:schemeClr val="tx1"/>
                 </a:solidFill>
               </a:rPr>
-              <a:t>Transformers</a:t>
+              <a:t>Transformer</a:t>
             </a:r>
           </a:p>
           <a:p>
@@ -5468,14 +6430,13 @@
           <a:bodyPr rtlCol="0" anchor="ctr"/>
           <a:lstStyle/>
           <a:p>
-            <a:pPr algn="ctr"/>
             <a:r>
               <a:rPr lang="en-US" b="1" dirty="0">
                 <a:solidFill>
                   <a:schemeClr val="tx1"/>
                 </a:solidFill>
               </a:rPr>
-              <a:t>Estimators</a:t>
+              <a:t>Estimator</a:t>
             </a:r>
           </a:p>
           <a:p>
@@ -5568,7 +6529,7 @@
 </p:sld>
 </file>
 
-<file path=ppt/slides/slide7.xml><?xml version="1.0" encoding="utf-8"?>
+<file path=ppt/slides/slide9.xml><?xml version="1.0" encoding="utf-8"?>
 <p:sld xmlns:a="http://schemas.openxmlformats.org/drawingml/2006/main" xmlns:r="http://schemas.openxmlformats.org/officeDocument/2006/relationships" xmlns:p="http://schemas.openxmlformats.org/presentationml/2006/main">
   <p:cSld>
     <p:spTree>
@@ -5587,10 +6548,10 @@
       </p:grpSpPr>
       <p:sp>
         <p:nvSpPr>
-          <p:cNvPr id="2" name="Title 1">
-            <a:extLst>
-              <a:ext uri="{FF2B5EF4-FFF2-40B4-BE49-F238E27FC236}">
-                <a16:creationId xmlns:a16="http://schemas.microsoft.com/office/drawing/2014/main" id="{39A1D606-8DD1-369C-5C09-471CDD551AD5}"/>
+          <p:cNvPr id="4" name="Title 3">
+            <a:extLst>
+              <a:ext uri="{FF2B5EF4-FFF2-40B4-BE49-F238E27FC236}">
+                <a16:creationId xmlns:a16="http://schemas.microsoft.com/office/drawing/2014/main" id="{72C925CA-BCA3-3701-E08E-95652380B32E}"/>
               </a:ext>
             </a:extLst>
           </p:cNvPr>
@@ -5601,158 +6562,47 @@
             <p:ph type="title"/>
           </p:nvPr>
         </p:nvSpPr>
-        <p:spPr>
-          <a:xfrm>
-            <a:off x="838200" y="365126"/>
-            <a:ext cx="10515600" cy="718608"/>
-          </a:xfrm>
-        </p:spPr>
-        <p:txBody>
-          <a:bodyPr>
-            <a:normAutofit/>
-          </a:bodyPr>
-          <a:lstStyle/>
-          <a:p>
-            <a:r>
-              <a:rPr lang="nl-NL" sz="3600" noProof="0" dirty="0"/>
-              <a:t>Waar op te letten?</a:t>
-            </a:r>
-          </a:p>
-        </p:txBody>
-      </p:sp>
-      <p:sp>
-        <p:nvSpPr>
-          <p:cNvPr id="3" name="Content Placeholder 2">
-            <a:extLst>
-              <a:ext uri="{FF2B5EF4-FFF2-40B4-BE49-F238E27FC236}">
-                <a16:creationId xmlns:a16="http://schemas.microsoft.com/office/drawing/2014/main" id="{8F4C0E08-92A4-9F30-EF70-67DFBC8C5B8D}"/>
-              </a:ext>
-            </a:extLst>
-          </p:cNvPr>
-          <p:cNvSpPr>
-            <a:spLocks noGrp="1"/>
-          </p:cNvSpPr>
-          <p:nvPr>
-            <p:ph idx="1"/>
-          </p:nvPr>
-        </p:nvSpPr>
-        <p:spPr>
-          <a:xfrm>
-            <a:off x="838200" y="1456267"/>
-            <a:ext cx="9658865" cy="4720696"/>
-          </a:xfrm>
-        </p:spPr>
-        <p:txBody>
-          <a:bodyPr>
-            <a:normAutofit/>
-          </a:bodyPr>
-          <a:lstStyle/>
-          <a:p>
-            <a:pPr marL="0" indent="0">
-              <a:buNone/>
-            </a:pPr>
-            <a:r>
-              <a:rPr lang="nl-NL" sz="2000" b="1" noProof="0" dirty="0"/>
-              <a:t>Ken je data!</a:t>
-            </a:r>
-          </a:p>
-          <a:p>
-            <a:pPr>
-              <a:buFontTx/>
-              <a:buChar char="-"/>
-            </a:pPr>
-            <a:r>
-              <a:rPr lang="nl-NL" sz="2000" dirty="0"/>
-              <a:t>Data is belangrijkste sleutel voor succes!</a:t>
-            </a:r>
-          </a:p>
-          <a:p>
-            <a:pPr>
-              <a:buFontTx/>
-              <a:buChar char="-"/>
-            </a:pPr>
-            <a:r>
-              <a:rPr lang="nl-NL" sz="2000" dirty="0"/>
-              <a:t>Ken de achterliggende concepten en processen.</a:t>
-            </a:r>
-          </a:p>
-          <a:p>
-            <a:pPr marL="0" indent="0">
-              <a:buNone/>
-            </a:pPr>
-            <a:endParaRPr lang="nl-NL" sz="2000" b="1" noProof="0" dirty="0"/>
-          </a:p>
-          <a:p>
-            <a:pPr marL="0" indent="0">
-              <a:buNone/>
-            </a:pPr>
-            <a:r>
-              <a:rPr lang="nl-NL" sz="2000" b="1" dirty="0"/>
-              <a:t>Wat is het doel?</a:t>
-            </a:r>
-          </a:p>
-          <a:p>
-            <a:pPr>
-              <a:buFontTx/>
-              <a:buChar char="-"/>
-            </a:pPr>
-            <a:r>
-              <a:rPr lang="nl-NL" sz="2000" dirty="0"/>
-              <a:t>Wat wil men bereiken en wat is daarvoor belangrijk?</a:t>
-            </a:r>
-          </a:p>
-          <a:p>
-            <a:pPr>
-              <a:buFontTx/>
-              <a:buChar char="-"/>
-            </a:pPr>
-            <a:r>
-              <a:rPr lang="nl-NL" sz="2000" noProof="0" dirty="0"/>
-              <a:t>Accuratesse, geen fouten maken, uitlegbaarheid?</a:t>
-            </a:r>
-          </a:p>
-          <a:p>
-            <a:pPr>
-              <a:buFontTx/>
-              <a:buChar char="-"/>
-            </a:pPr>
-            <a:r>
-              <a:rPr lang="nl-NL" sz="2000" dirty="0"/>
-              <a:t>ML is niet altijd </a:t>
-            </a:r>
-            <a:r>
-              <a:rPr lang="nl-NL" sz="2000"/>
-              <a:t>de beste </a:t>
-            </a:r>
-            <a:r>
-              <a:rPr lang="nl-NL" sz="2000" dirty="0"/>
-              <a:t>optie…</a:t>
-            </a:r>
-          </a:p>
-          <a:p>
-            <a:pPr marL="0" indent="0">
-              <a:buNone/>
-            </a:pPr>
-            <a:endParaRPr lang="nl-NL" sz="2000" noProof="0" dirty="0"/>
-          </a:p>
-          <a:p>
-            <a:pPr marL="0" indent="0">
-              <a:buNone/>
-            </a:pPr>
-            <a:endParaRPr lang="nl-NL" sz="2000" noProof="0" dirty="0"/>
-          </a:p>
-          <a:p>
-            <a:pPr marL="0" indent="0">
-              <a:buNone/>
-            </a:pPr>
-            <a:endParaRPr lang="nl-NL" sz="2000" dirty="0"/>
+        <p:spPr/>
+        <p:txBody>
+          <a:bodyPr/>
+          <a:lstStyle/>
+          <a:p>
+            <a:r>
+              <a:rPr lang="nl-NL" noProof="0" dirty="0"/>
+              <a:t>Data Exploratie</a:t>
+            </a:r>
+          </a:p>
+        </p:txBody>
+      </p:sp>
+      <p:sp>
+        <p:nvSpPr>
+          <p:cNvPr id="5" name="Text Placeholder 4">
+            <a:extLst>
+              <a:ext uri="{FF2B5EF4-FFF2-40B4-BE49-F238E27FC236}">
+                <a16:creationId xmlns:a16="http://schemas.microsoft.com/office/drawing/2014/main" id="{1AB31C95-91AF-DF13-FB58-0DA5F2D9F6F7}"/>
+              </a:ext>
+            </a:extLst>
+          </p:cNvPr>
+          <p:cNvSpPr>
+            <a:spLocks noGrp="1"/>
+          </p:cNvSpPr>
+          <p:nvPr>
+            <p:ph type="body" idx="1"/>
+          </p:nvPr>
+        </p:nvSpPr>
+        <p:spPr/>
+        <p:txBody>
+          <a:bodyPr/>
+          <a:lstStyle/>
+          <a:p>
+            <a:endParaRPr lang="en-NL"/>
           </a:p>
         </p:txBody>
       </p:sp>
     </p:spTree>
     <p:extLst>
       <p:ext uri="{BB962C8B-B14F-4D97-AF65-F5344CB8AC3E}">
-        <p14:creationId xmlns:p14="http://schemas.microsoft.com/office/powerpoint/2010/main" val="1542375319"/>
+        <p14:creationId xmlns:p14="http://schemas.microsoft.com/office/powerpoint/2010/main" val="1251912865"/>
       </p:ext>
     </p:extLst>
   </p:cSld>

--- a/python_trainees/4_scikit_learn/python_traineeship_4.pptx
+++ b/python_trainees/4_scikit_learn/python_traineeship_4.pptx
@@ -9,16 +9,20 @@
     <p:sldId id="257" r:id="rId3"/>
     <p:sldId id="323" r:id="rId4"/>
     <p:sldId id="335" r:id="rId5"/>
-    <p:sldId id="341" r:id="rId6"/>
+    <p:sldId id="347" r:id="rId6"/>
     <p:sldId id="326" r:id="rId7"/>
     <p:sldId id="339" r:id="rId8"/>
     <p:sldId id="340" r:id="rId9"/>
-    <p:sldId id="342" r:id="rId10"/>
-    <p:sldId id="343" r:id="rId11"/>
-    <p:sldId id="344" r:id="rId12"/>
-    <p:sldId id="345" r:id="rId13"/>
-    <p:sldId id="346" r:id="rId14"/>
-    <p:sldId id="336" r:id="rId15"/>
+    <p:sldId id="343" r:id="rId10"/>
+    <p:sldId id="350" r:id="rId11"/>
+    <p:sldId id="351" r:id="rId12"/>
+    <p:sldId id="352" r:id="rId13"/>
+    <p:sldId id="353" r:id="rId14"/>
+    <p:sldId id="354" r:id="rId15"/>
+    <p:sldId id="344" r:id="rId16"/>
+    <p:sldId id="345" r:id="rId17"/>
+    <p:sldId id="346" r:id="rId18"/>
+    <p:sldId id="336" r:id="rId19"/>
   </p:sldIdLst>
   <p:sldSz cx="12192000" cy="6858000"/>
   <p:notesSz cx="6858000" cy="9144000"/>
@@ -274,7 +278,7 @@
           <a:p>
             <a:fld id="{5E9D55AD-DA6B-4A9D-BFE6-D0A1673E6EA9}" type="datetimeFigureOut">
               <a:rPr lang="en-NL" smtClean="0"/>
-              <a:t>27/02/2023</a:t>
+              <a:t>06/04/2023</a:t>
             </a:fld>
             <a:endParaRPr lang="en-NL"/>
           </a:p>
@@ -474,7 +478,7 @@
           <a:p>
             <a:fld id="{5E9D55AD-DA6B-4A9D-BFE6-D0A1673E6EA9}" type="datetimeFigureOut">
               <a:rPr lang="en-NL" smtClean="0"/>
-              <a:t>27/02/2023</a:t>
+              <a:t>06/04/2023</a:t>
             </a:fld>
             <a:endParaRPr lang="en-NL"/>
           </a:p>
@@ -684,7 +688,7 @@
           <a:p>
             <a:fld id="{5E9D55AD-DA6B-4A9D-BFE6-D0A1673E6EA9}" type="datetimeFigureOut">
               <a:rPr lang="en-NL" smtClean="0"/>
-              <a:t>27/02/2023</a:t>
+              <a:t>06/04/2023</a:t>
             </a:fld>
             <a:endParaRPr lang="en-NL"/>
           </a:p>
@@ -884,7 +888,7 @@
           <a:p>
             <a:fld id="{5E9D55AD-DA6B-4A9D-BFE6-D0A1673E6EA9}" type="datetimeFigureOut">
               <a:rPr lang="en-NL" smtClean="0"/>
-              <a:t>27/02/2023</a:t>
+              <a:t>06/04/2023</a:t>
             </a:fld>
             <a:endParaRPr lang="en-NL"/>
           </a:p>
@@ -1160,7 +1164,7 @@
           <a:p>
             <a:fld id="{5E9D55AD-DA6B-4A9D-BFE6-D0A1673E6EA9}" type="datetimeFigureOut">
               <a:rPr lang="en-NL" smtClean="0"/>
-              <a:t>27/02/2023</a:t>
+              <a:t>06/04/2023</a:t>
             </a:fld>
             <a:endParaRPr lang="en-NL"/>
           </a:p>
@@ -1428,7 +1432,7 @@
           <a:p>
             <a:fld id="{5E9D55AD-DA6B-4A9D-BFE6-D0A1673E6EA9}" type="datetimeFigureOut">
               <a:rPr lang="en-NL" smtClean="0"/>
-              <a:t>27/02/2023</a:t>
+              <a:t>06/04/2023</a:t>
             </a:fld>
             <a:endParaRPr lang="en-NL"/>
           </a:p>
@@ -1843,7 +1847,7 @@
           <a:p>
             <a:fld id="{5E9D55AD-DA6B-4A9D-BFE6-D0A1673E6EA9}" type="datetimeFigureOut">
               <a:rPr lang="en-NL" smtClean="0"/>
-              <a:t>27/02/2023</a:t>
+              <a:t>06/04/2023</a:t>
             </a:fld>
             <a:endParaRPr lang="en-NL"/>
           </a:p>
@@ -1985,7 +1989,7 @@
           <a:p>
             <a:fld id="{5E9D55AD-DA6B-4A9D-BFE6-D0A1673E6EA9}" type="datetimeFigureOut">
               <a:rPr lang="en-NL" smtClean="0"/>
-              <a:t>27/02/2023</a:t>
+              <a:t>06/04/2023</a:t>
             </a:fld>
             <a:endParaRPr lang="en-NL"/>
           </a:p>
@@ -2098,7 +2102,7 @@
           <a:p>
             <a:fld id="{5E9D55AD-DA6B-4A9D-BFE6-D0A1673E6EA9}" type="datetimeFigureOut">
               <a:rPr lang="en-NL" smtClean="0"/>
-              <a:t>27/02/2023</a:t>
+              <a:t>06/04/2023</a:t>
             </a:fld>
             <a:endParaRPr lang="en-NL"/>
           </a:p>
@@ -2411,7 +2415,7 @@
           <a:p>
             <a:fld id="{5E9D55AD-DA6B-4A9D-BFE6-D0A1673E6EA9}" type="datetimeFigureOut">
               <a:rPr lang="en-NL" smtClean="0"/>
-              <a:t>27/02/2023</a:t>
+              <a:t>06/04/2023</a:t>
             </a:fld>
             <a:endParaRPr lang="en-NL"/>
           </a:p>
@@ -2700,7 +2704,7 @@
           <a:p>
             <a:fld id="{5E9D55AD-DA6B-4A9D-BFE6-D0A1673E6EA9}" type="datetimeFigureOut">
               <a:rPr lang="en-NL" smtClean="0"/>
-              <a:t>27/02/2023</a:t>
+              <a:t>06/04/2023</a:t>
             </a:fld>
             <a:endParaRPr lang="en-NL"/>
           </a:p>
@@ -2943,7 +2947,7 @@
           <a:p>
             <a:fld id="{5E9D55AD-DA6B-4A9D-BFE6-D0A1673E6EA9}" type="datetimeFigureOut">
               <a:rPr lang="en-NL" smtClean="0"/>
-              <a:t>27/02/2023</a:t>
+              <a:t>06/04/2023</a:t>
             </a:fld>
             <a:endParaRPr lang="en-NL"/>
           </a:p>
@@ -3461,10 +3465,10 @@
       </p:grpSpPr>
       <p:sp>
         <p:nvSpPr>
-          <p:cNvPr id="4" name="Title 3">
-            <a:extLst>
-              <a:ext uri="{FF2B5EF4-FFF2-40B4-BE49-F238E27FC236}">
-                <a16:creationId xmlns:a16="http://schemas.microsoft.com/office/drawing/2014/main" id="{72C925CA-BCA3-3701-E08E-95652380B32E}"/>
+          <p:cNvPr id="2" name="Title 1">
+            <a:extLst>
+              <a:ext uri="{FF2B5EF4-FFF2-40B4-BE49-F238E27FC236}">
+                <a16:creationId xmlns:a16="http://schemas.microsoft.com/office/drawing/2014/main" id="{39A1D606-8DD1-369C-5C09-471CDD551AD5}"/>
               </a:ext>
             </a:extLst>
           </p:cNvPr>
@@ -3475,47 +3479,592 @@
             <p:ph type="title"/>
           </p:nvPr>
         </p:nvSpPr>
-        <p:spPr/>
-        <p:txBody>
-          <a:bodyPr/>
-          <a:lstStyle/>
-          <a:p>
-            <a:r>
-              <a:rPr lang="nl-NL" noProof="0" dirty="0"/>
-              <a:t>Data Preparatie</a:t>
-            </a:r>
-          </a:p>
-        </p:txBody>
-      </p:sp>
-      <p:sp>
-        <p:nvSpPr>
-          <p:cNvPr id="5" name="Text Placeholder 4">
-            <a:extLst>
-              <a:ext uri="{FF2B5EF4-FFF2-40B4-BE49-F238E27FC236}">
-                <a16:creationId xmlns:a16="http://schemas.microsoft.com/office/drawing/2014/main" id="{1AB31C95-91AF-DF13-FB58-0DA5F2D9F6F7}"/>
-              </a:ext>
-            </a:extLst>
-          </p:cNvPr>
-          <p:cNvSpPr>
-            <a:spLocks noGrp="1"/>
+        <p:spPr>
+          <a:xfrm>
+            <a:off x="838200" y="365126"/>
+            <a:ext cx="10515600" cy="718608"/>
+          </a:xfrm>
+        </p:spPr>
+        <p:txBody>
+          <a:bodyPr>
+            <a:normAutofit/>
+          </a:bodyPr>
+          <a:lstStyle/>
+          <a:p>
+            <a:r>
+              <a:rPr lang="nl-NL" sz="3600" noProof="0" dirty="0"/>
+              <a:t>Waarom is preparatie nodig?</a:t>
+            </a:r>
+          </a:p>
+        </p:txBody>
+      </p:sp>
+      <p:sp>
+        <p:nvSpPr>
+          <p:cNvPr id="4" name="TextBox 3">
+            <a:extLst>
+              <a:ext uri="{FF2B5EF4-FFF2-40B4-BE49-F238E27FC236}">
+                <a16:creationId xmlns:a16="http://schemas.microsoft.com/office/drawing/2014/main" id="{B47EA95A-6DDD-ED89-357A-943A5BC87A94}"/>
+              </a:ext>
+            </a:extLst>
+          </p:cNvPr>
+          <p:cNvSpPr txBox="1"/>
+          <p:nvPr/>
+        </p:nvSpPr>
+        <p:spPr>
+          <a:xfrm>
+            <a:off x="6555232" y="2530561"/>
+            <a:ext cx="184731" cy="369332"/>
+          </a:xfrm>
+          <a:prstGeom prst="rect">
+            <a:avLst/>
+          </a:prstGeom>
+          <a:noFill/>
+        </p:spPr>
+        <p:txBody>
+          <a:bodyPr wrap="none" rtlCol="0">
+            <a:spAutoFit/>
+          </a:bodyPr>
+          <a:lstStyle/>
+          <a:p>
+            <a:endParaRPr lang="en-NL" dirty="0"/>
+          </a:p>
+        </p:txBody>
+      </p:sp>
+      <p:sp>
+        <p:nvSpPr>
+          <p:cNvPr id="8" name="Content Placeholder 2">
+            <a:extLst>
+              <a:ext uri="{FF2B5EF4-FFF2-40B4-BE49-F238E27FC236}">
+                <a16:creationId xmlns:a16="http://schemas.microsoft.com/office/drawing/2014/main" id="{2A042A24-9D22-C7B4-C7AD-FC4366050808}"/>
+              </a:ext>
+            </a:extLst>
+          </p:cNvPr>
+          <p:cNvSpPr txBox="1">
+            <a:spLocks/>
           </p:cNvSpPr>
-          <p:nvPr>
-            <p:ph type="body" idx="1"/>
-          </p:nvPr>
-        </p:nvSpPr>
-        <p:spPr/>
-        <p:txBody>
-          <a:bodyPr/>
-          <a:lstStyle/>
-          <a:p>
-            <a:endParaRPr lang="en-NL"/>
-          </a:p>
-        </p:txBody>
-      </p:sp>
+          <p:nvPr/>
+        </p:nvSpPr>
+        <p:spPr>
+          <a:xfrm>
+            <a:off x="6487238" y="1608667"/>
+            <a:ext cx="5099367" cy="4720696"/>
+          </a:xfrm>
+          <a:prstGeom prst="rect">
+            <a:avLst/>
+          </a:prstGeom>
+        </p:spPr>
+        <p:txBody>
+          <a:bodyPr vert="horz" lIns="91440" tIns="45720" rIns="91440" bIns="45720" rtlCol="0">
+            <a:normAutofit/>
+          </a:bodyPr>
+          <a:lstStyle>
+            <a:lvl1pPr marL="228600" indent="-228600" algn="l" defTabSz="914400" rtl="0" eaLnBrk="1" latinLnBrk="0" hangingPunct="1">
+              <a:lnSpc>
+                <a:spcPct val="90000"/>
+              </a:lnSpc>
+              <a:spcBef>
+                <a:spcPts val="1000"/>
+              </a:spcBef>
+              <a:buFont typeface="Arial" panose="020B0604020202020204" pitchFamily="34" charset="0"/>
+              <a:buChar char="•"/>
+              <a:defRPr sz="2800" kern="1200">
+                <a:solidFill>
+                  <a:schemeClr val="tx1"/>
+                </a:solidFill>
+                <a:latin typeface="+mn-lt"/>
+                <a:ea typeface="+mn-ea"/>
+                <a:cs typeface="+mn-cs"/>
+              </a:defRPr>
+            </a:lvl1pPr>
+            <a:lvl2pPr marL="685800" indent="-228600" algn="l" defTabSz="914400" rtl="0" eaLnBrk="1" latinLnBrk="0" hangingPunct="1">
+              <a:lnSpc>
+                <a:spcPct val="90000"/>
+              </a:lnSpc>
+              <a:spcBef>
+                <a:spcPts val="500"/>
+              </a:spcBef>
+              <a:buFont typeface="Arial" panose="020B0604020202020204" pitchFamily="34" charset="0"/>
+              <a:buChar char="•"/>
+              <a:defRPr sz="2400" kern="1200">
+                <a:solidFill>
+                  <a:schemeClr val="tx1"/>
+                </a:solidFill>
+                <a:latin typeface="+mn-lt"/>
+                <a:ea typeface="+mn-ea"/>
+                <a:cs typeface="+mn-cs"/>
+              </a:defRPr>
+            </a:lvl2pPr>
+            <a:lvl3pPr marL="1143000" indent="-228600" algn="l" defTabSz="914400" rtl="0" eaLnBrk="1" latinLnBrk="0" hangingPunct="1">
+              <a:lnSpc>
+                <a:spcPct val="90000"/>
+              </a:lnSpc>
+              <a:spcBef>
+                <a:spcPts val="500"/>
+              </a:spcBef>
+              <a:buFont typeface="Arial" panose="020B0604020202020204" pitchFamily="34" charset="0"/>
+              <a:buChar char="•"/>
+              <a:defRPr sz="2000" kern="1200">
+                <a:solidFill>
+                  <a:schemeClr val="tx1"/>
+                </a:solidFill>
+                <a:latin typeface="+mn-lt"/>
+                <a:ea typeface="+mn-ea"/>
+                <a:cs typeface="+mn-cs"/>
+              </a:defRPr>
+            </a:lvl3pPr>
+            <a:lvl4pPr marL="1600200" indent="-228600" algn="l" defTabSz="914400" rtl="0" eaLnBrk="1" latinLnBrk="0" hangingPunct="1">
+              <a:lnSpc>
+                <a:spcPct val="90000"/>
+              </a:lnSpc>
+              <a:spcBef>
+                <a:spcPts val="500"/>
+              </a:spcBef>
+              <a:buFont typeface="Arial" panose="020B0604020202020204" pitchFamily="34" charset="0"/>
+              <a:buChar char="•"/>
+              <a:defRPr sz="1800" kern="1200">
+                <a:solidFill>
+                  <a:schemeClr val="tx1"/>
+                </a:solidFill>
+                <a:latin typeface="+mn-lt"/>
+                <a:ea typeface="+mn-ea"/>
+                <a:cs typeface="+mn-cs"/>
+              </a:defRPr>
+            </a:lvl4pPr>
+            <a:lvl5pPr marL="2057400" indent="-228600" algn="l" defTabSz="914400" rtl="0" eaLnBrk="1" latinLnBrk="0" hangingPunct="1">
+              <a:lnSpc>
+                <a:spcPct val="90000"/>
+              </a:lnSpc>
+              <a:spcBef>
+                <a:spcPts val="500"/>
+              </a:spcBef>
+              <a:buFont typeface="Arial" panose="020B0604020202020204" pitchFamily="34" charset="0"/>
+              <a:buChar char="•"/>
+              <a:defRPr sz="1800" kern="1200">
+                <a:solidFill>
+                  <a:schemeClr val="tx1"/>
+                </a:solidFill>
+                <a:latin typeface="+mn-lt"/>
+                <a:ea typeface="+mn-ea"/>
+                <a:cs typeface="+mn-cs"/>
+              </a:defRPr>
+            </a:lvl5pPr>
+            <a:lvl6pPr marL="2514600" indent="-228600" algn="l" defTabSz="914400" rtl="0" eaLnBrk="1" latinLnBrk="0" hangingPunct="1">
+              <a:lnSpc>
+                <a:spcPct val="90000"/>
+              </a:lnSpc>
+              <a:spcBef>
+                <a:spcPts val="500"/>
+              </a:spcBef>
+              <a:buFont typeface="Arial" panose="020B0604020202020204" pitchFamily="34" charset="0"/>
+              <a:buChar char="•"/>
+              <a:defRPr sz="1800" kern="1200">
+                <a:solidFill>
+                  <a:schemeClr val="tx1"/>
+                </a:solidFill>
+                <a:latin typeface="+mn-lt"/>
+                <a:ea typeface="+mn-ea"/>
+                <a:cs typeface="+mn-cs"/>
+              </a:defRPr>
+            </a:lvl6pPr>
+            <a:lvl7pPr marL="2971800" indent="-228600" algn="l" defTabSz="914400" rtl="0" eaLnBrk="1" latinLnBrk="0" hangingPunct="1">
+              <a:lnSpc>
+                <a:spcPct val="90000"/>
+              </a:lnSpc>
+              <a:spcBef>
+                <a:spcPts val="500"/>
+              </a:spcBef>
+              <a:buFont typeface="Arial" panose="020B0604020202020204" pitchFamily="34" charset="0"/>
+              <a:buChar char="•"/>
+              <a:defRPr sz="1800" kern="1200">
+                <a:solidFill>
+                  <a:schemeClr val="tx1"/>
+                </a:solidFill>
+                <a:latin typeface="+mn-lt"/>
+                <a:ea typeface="+mn-ea"/>
+                <a:cs typeface="+mn-cs"/>
+              </a:defRPr>
+            </a:lvl7pPr>
+            <a:lvl8pPr marL="3429000" indent="-228600" algn="l" defTabSz="914400" rtl="0" eaLnBrk="1" latinLnBrk="0" hangingPunct="1">
+              <a:lnSpc>
+                <a:spcPct val="90000"/>
+              </a:lnSpc>
+              <a:spcBef>
+                <a:spcPts val="500"/>
+              </a:spcBef>
+              <a:buFont typeface="Arial" panose="020B0604020202020204" pitchFamily="34" charset="0"/>
+              <a:buChar char="•"/>
+              <a:defRPr sz="1800" kern="1200">
+                <a:solidFill>
+                  <a:schemeClr val="tx1"/>
+                </a:solidFill>
+                <a:latin typeface="+mn-lt"/>
+                <a:ea typeface="+mn-ea"/>
+                <a:cs typeface="+mn-cs"/>
+              </a:defRPr>
+            </a:lvl8pPr>
+            <a:lvl9pPr marL="3886200" indent="-228600" algn="l" defTabSz="914400" rtl="0" eaLnBrk="1" latinLnBrk="0" hangingPunct="1">
+              <a:lnSpc>
+                <a:spcPct val="90000"/>
+              </a:lnSpc>
+              <a:spcBef>
+                <a:spcPts val="500"/>
+              </a:spcBef>
+              <a:buFont typeface="Arial" panose="020B0604020202020204" pitchFamily="34" charset="0"/>
+              <a:buChar char="•"/>
+              <a:defRPr sz="1800" kern="1200">
+                <a:solidFill>
+                  <a:schemeClr val="tx1"/>
+                </a:solidFill>
+                <a:latin typeface="+mn-lt"/>
+                <a:ea typeface="+mn-ea"/>
+                <a:cs typeface="+mn-cs"/>
+              </a:defRPr>
+            </a:lvl9pPr>
+          </a:lstStyle>
+          <a:p>
+            <a:pPr>
+              <a:buFontTx/>
+              <a:buChar char="-"/>
+            </a:pPr>
+            <a:r>
+              <a:rPr lang="nl-NL" sz="2000" dirty="0">
+                <a:cs typeface="Courier New" panose="02070309020205020404" pitchFamily="49" charset="0"/>
+              </a:rPr>
+              <a:t>Invullen ontbrekende waardes.</a:t>
+            </a:r>
+          </a:p>
+          <a:p>
+            <a:pPr>
+              <a:buFontTx/>
+              <a:buChar char="-"/>
+            </a:pPr>
+            <a:r>
+              <a:rPr lang="nl-NL" sz="2000" dirty="0">
+                <a:cs typeface="Courier New" panose="02070309020205020404" pitchFamily="49" charset="0"/>
+              </a:rPr>
+              <a:t>Verwijderen extreme waardes.</a:t>
+            </a:r>
+          </a:p>
+          <a:p>
+            <a:pPr marL="0" indent="0">
+              <a:buNone/>
+            </a:pPr>
+            <a:endParaRPr lang="nl-NL" sz="2000" dirty="0">
+              <a:cs typeface="Courier New" panose="02070309020205020404" pitchFamily="49" charset="0"/>
+            </a:endParaRPr>
+          </a:p>
+          <a:p>
+            <a:pPr marL="0" indent="0">
+              <a:buNone/>
+            </a:pPr>
+            <a:endParaRPr lang="nl-NL" sz="2000" dirty="0">
+              <a:cs typeface="Courier New" panose="02070309020205020404" pitchFamily="49" charset="0"/>
+            </a:endParaRPr>
+          </a:p>
+          <a:p>
+            <a:pPr>
+              <a:buFontTx/>
+              <a:buChar char="-"/>
+            </a:pPr>
+            <a:r>
+              <a:rPr lang="nl-NL" sz="2000" dirty="0">
+                <a:cs typeface="Courier New" panose="02070309020205020404" pitchFamily="49" charset="0"/>
+              </a:rPr>
+              <a:t>Datum    =&gt;    Dagen sinds datum.</a:t>
+            </a:r>
+          </a:p>
+          <a:p>
+            <a:pPr>
+              <a:buFontTx/>
+              <a:buChar char="-"/>
+            </a:pPr>
+            <a:r>
+              <a:rPr lang="nl-NL" sz="2000" dirty="0">
+                <a:cs typeface="Courier New" panose="02070309020205020404" pitchFamily="49" charset="0"/>
+              </a:rPr>
+              <a:t>Datum    =&gt; Dag van de week.</a:t>
+            </a:r>
+          </a:p>
+        </p:txBody>
+      </p:sp>
+      <p:sp>
+        <p:nvSpPr>
+          <p:cNvPr id="9" name="Content Placeholder 2">
+            <a:extLst>
+              <a:ext uri="{FF2B5EF4-FFF2-40B4-BE49-F238E27FC236}">
+                <a16:creationId xmlns:a16="http://schemas.microsoft.com/office/drawing/2014/main" id="{859EFECF-ED02-A3B2-D77A-667F104FEDE5}"/>
+              </a:ext>
+            </a:extLst>
+          </p:cNvPr>
+          <p:cNvSpPr txBox="1">
+            <a:spLocks/>
+          </p:cNvSpPr>
+          <p:nvPr/>
+        </p:nvSpPr>
+        <p:spPr>
+          <a:xfrm>
+            <a:off x="990601" y="1608667"/>
+            <a:ext cx="4714163" cy="4720696"/>
+          </a:xfrm>
+          <a:prstGeom prst="rect">
+            <a:avLst/>
+          </a:prstGeom>
+        </p:spPr>
+        <p:txBody>
+          <a:bodyPr vert="horz" lIns="91440" tIns="45720" rIns="91440" bIns="45720" rtlCol="0">
+            <a:normAutofit/>
+          </a:bodyPr>
+          <a:lstStyle>
+            <a:lvl1pPr marL="228600" indent="-228600" algn="l" defTabSz="914400" rtl="0" eaLnBrk="1" latinLnBrk="0" hangingPunct="1">
+              <a:lnSpc>
+                <a:spcPct val="90000"/>
+              </a:lnSpc>
+              <a:spcBef>
+                <a:spcPts val="1000"/>
+              </a:spcBef>
+              <a:buFont typeface="Arial" panose="020B0604020202020204" pitchFamily="34" charset="0"/>
+              <a:buChar char="•"/>
+              <a:defRPr sz="2800" kern="1200">
+                <a:solidFill>
+                  <a:schemeClr val="tx1"/>
+                </a:solidFill>
+                <a:latin typeface="+mn-lt"/>
+                <a:ea typeface="+mn-ea"/>
+                <a:cs typeface="+mn-cs"/>
+              </a:defRPr>
+            </a:lvl1pPr>
+            <a:lvl2pPr marL="685800" indent="-228600" algn="l" defTabSz="914400" rtl="0" eaLnBrk="1" latinLnBrk="0" hangingPunct="1">
+              <a:lnSpc>
+                <a:spcPct val="90000"/>
+              </a:lnSpc>
+              <a:spcBef>
+                <a:spcPts val="500"/>
+              </a:spcBef>
+              <a:buFont typeface="Arial" panose="020B0604020202020204" pitchFamily="34" charset="0"/>
+              <a:buChar char="•"/>
+              <a:defRPr sz="2400" kern="1200">
+                <a:solidFill>
+                  <a:schemeClr val="tx1"/>
+                </a:solidFill>
+                <a:latin typeface="+mn-lt"/>
+                <a:ea typeface="+mn-ea"/>
+                <a:cs typeface="+mn-cs"/>
+              </a:defRPr>
+            </a:lvl2pPr>
+            <a:lvl3pPr marL="1143000" indent="-228600" algn="l" defTabSz="914400" rtl="0" eaLnBrk="1" latinLnBrk="0" hangingPunct="1">
+              <a:lnSpc>
+                <a:spcPct val="90000"/>
+              </a:lnSpc>
+              <a:spcBef>
+                <a:spcPts val="500"/>
+              </a:spcBef>
+              <a:buFont typeface="Arial" panose="020B0604020202020204" pitchFamily="34" charset="0"/>
+              <a:buChar char="•"/>
+              <a:defRPr sz="2000" kern="1200">
+                <a:solidFill>
+                  <a:schemeClr val="tx1"/>
+                </a:solidFill>
+                <a:latin typeface="+mn-lt"/>
+                <a:ea typeface="+mn-ea"/>
+                <a:cs typeface="+mn-cs"/>
+              </a:defRPr>
+            </a:lvl3pPr>
+            <a:lvl4pPr marL="1600200" indent="-228600" algn="l" defTabSz="914400" rtl="0" eaLnBrk="1" latinLnBrk="0" hangingPunct="1">
+              <a:lnSpc>
+                <a:spcPct val="90000"/>
+              </a:lnSpc>
+              <a:spcBef>
+                <a:spcPts val="500"/>
+              </a:spcBef>
+              <a:buFont typeface="Arial" panose="020B0604020202020204" pitchFamily="34" charset="0"/>
+              <a:buChar char="•"/>
+              <a:defRPr sz="1800" kern="1200">
+                <a:solidFill>
+                  <a:schemeClr val="tx1"/>
+                </a:solidFill>
+                <a:latin typeface="+mn-lt"/>
+                <a:ea typeface="+mn-ea"/>
+                <a:cs typeface="+mn-cs"/>
+              </a:defRPr>
+            </a:lvl4pPr>
+            <a:lvl5pPr marL="2057400" indent="-228600" algn="l" defTabSz="914400" rtl="0" eaLnBrk="1" latinLnBrk="0" hangingPunct="1">
+              <a:lnSpc>
+                <a:spcPct val="90000"/>
+              </a:lnSpc>
+              <a:spcBef>
+                <a:spcPts val="500"/>
+              </a:spcBef>
+              <a:buFont typeface="Arial" panose="020B0604020202020204" pitchFamily="34" charset="0"/>
+              <a:buChar char="•"/>
+              <a:defRPr sz="1800" kern="1200">
+                <a:solidFill>
+                  <a:schemeClr val="tx1"/>
+                </a:solidFill>
+                <a:latin typeface="+mn-lt"/>
+                <a:ea typeface="+mn-ea"/>
+                <a:cs typeface="+mn-cs"/>
+              </a:defRPr>
+            </a:lvl5pPr>
+            <a:lvl6pPr marL="2514600" indent="-228600" algn="l" defTabSz="914400" rtl="0" eaLnBrk="1" latinLnBrk="0" hangingPunct="1">
+              <a:lnSpc>
+                <a:spcPct val="90000"/>
+              </a:lnSpc>
+              <a:spcBef>
+                <a:spcPts val="500"/>
+              </a:spcBef>
+              <a:buFont typeface="Arial" panose="020B0604020202020204" pitchFamily="34" charset="0"/>
+              <a:buChar char="•"/>
+              <a:defRPr sz="1800" kern="1200">
+                <a:solidFill>
+                  <a:schemeClr val="tx1"/>
+                </a:solidFill>
+                <a:latin typeface="+mn-lt"/>
+                <a:ea typeface="+mn-ea"/>
+                <a:cs typeface="+mn-cs"/>
+              </a:defRPr>
+            </a:lvl6pPr>
+            <a:lvl7pPr marL="2971800" indent="-228600" algn="l" defTabSz="914400" rtl="0" eaLnBrk="1" latinLnBrk="0" hangingPunct="1">
+              <a:lnSpc>
+                <a:spcPct val="90000"/>
+              </a:lnSpc>
+              <a:spcBef>
+                <a:spcPts val="500"/>
+              </a:spcBef>
+              <a:buFont typeface="Arial" panose="020B0604020202020204" pitchFamily="34" charset="0"/>
+              <a:buChar char="•"/>
+              <a:defRPr sz="1800" kern="1200">
+                <a:solidFill>
+                  <a:schemeClr val="tx1"/>
+                </a:solidFill>
+                <a:latin typeface="+mn-lt"/>
+                <a:ea typeface="+mn-ea"/>
+                <a:cs typeface="+mn-cs"/>
+              </a:defRPr>
+            </a:lvl7pPr>
+            <a:lvl8pPr marL="3429000" indent="-228600" algn="l" defTabSz="914400" rtl="0" eaLnBrk="1" latinLnBrk="0" hangingPunct="1">
+              <a:lnSpc>
+                <a:spcPct val="90000"/>
+              </a:lnSpc>
+              <a:spcBef>
+                <a:spcPts val="500"/>
+              </a:spcBef>
+              <a:buFont typeface="Arial" panose="020B0604020202020204" pitchFamily="34" charset="0"/>
+              <a:buChar char="•"/>
+              <a:defRPr sz="1800" kern="1200">
+                <a:solidFill>
+                  <a:schemeClr val="tx1"/>
+                </a:solidFill>
+                <a:latin typeface="+mn-lt"/>
+                <a:ea typeface="+mn-ea"/>
+                <a:cs typeface="+mn-cs"/>
+              </a:defRPr>
+            </a:lvl8pPr>
+            <a:lvl9pPr marL="3886200" indent="-228600" algn="l" defTabSz="914400" rtl="0" eaLnBrk="1" latinLnBrk="0" hangingPunct="1">
+              <a:lnSpc>
+                <a:spcPct val="90000"/>
+              </a:lnSpc>
+              <a:spcBef>
+                <a:spcPts val="500"/>
+              </a:spcBef>
+              <a:buFont typeface="Arial" panose="020B0604020202020204" pitchFamily="34" charset="0"/>
+              <a:buChar char="•"/>
+              <a:defRPr sz="1800" kern="1200">
+                <a:solidFill>
+                  <a:schemeClr val="tx1"/>
+                </a:solidFill>
+                <a:latin typeface="+mn-lt"/>
+                <a:ea typeface="+mn-ea"/>
+                <a:cs typeface="+mn-cs"/>
+              </a:defRPr>
+            </a:lvl9pPr>
+          </a:lstStyle>
+          <a:p>
+            <a:pPr marL="0" indent="0">
+              <a:buNone/>
+            </a:pPr>
+            <a:r>
+              <a:rPr lang="nl-NL" sz="2000" dirty="0"/>
+              <a:t>Problemen in de data oplossen voor het gekozen model.</a:t>
+            </a:r>
+          </a:p>
+          <a:p>
+            <a:pPr marL="0" indent="0">
+              <a:buNone/>
+            </a:pPr>
+            <a:endParaRPr lang="nl-NL" sz="2000" dirty="0"/>
+          </a:p>
+          <a:p>
+            <a:pPr marL="0" indent="0">
+              <a:buNone/>
+            </a:pPr>
+            <a:endParaRPr lang="nl-NL" sz="2000" dirty="0"/>
+          </a:p>
+          <a:p>
+            <a:pPr marL="0" indent="0">
+              <a:buNone/>
+            </a:pPr>
+            <a:r>
+              <a:rPr lang="nl-NL" sz="2000" dirty="0">
+                <a:cs typeface="Courier New" panose="02070309020205020404" pitchFamily="49" charset="0"/>
+              </a:rPr>
+              <a:t>Patronen beschikbaar maken voor het model.</a:t>
+            </a:r>
+          </a:p>
+          <a:p>
+            <a:pPr>
+              <a:buFontTx/>
+              <a:buChar char="-"/>
+            </a:pPr>
+            <a:endParaRPr lang="nl-NL" sz="2000" dirty="0"/>
+          </a:p>
+          <a:p>
+            <a:pPr marL="0" indent="0">
+              <a:buNone/>
+            </a:pPr>
+            <a:endParaRPr lang="nl-NL" sz="2000" dirty="0"/>
+          </a:p>
+        </p:txBody>
+      </p:sp>
+      <p:cxnSp>
+        <p:nvCxnSpPr>
+          <p:cNvPr id="5" name="Straight Connector 4">
+            <a:extLst>
+              <a:ext uri="{FF2B5EF4-FFF2-40B4-BE49-F238E27FC236}">
+                <a16:creationId xmlns:a16="http://schemas.microsoft.com/office/drawing/2014/main" id="{19C1F9F3-52B0-D980-9D97-1E87250DF311}"/>
+              </a:ext>
+            </a:extLst>
+          </p:cNvPr>
+          <p:cNvCxnSpPr/>
+          <p:nvPr/>
+        </p:nvCxnSpPr>
+        <p:spPr>
+          <a:xfrm>
+            <a:off x="5923129" y="1608667"/>
+            <a:ext cx="0" cy="4720696"/>
+          </a:xfrm>
+          <a:prstGeom prst="line">
+            <a:avLst/>
+          </a:prstGeom>
+        </p:spPr>
+        <p:style>
+          <a:lnRef idx="2">
+            <a:schemeClr val="dk1"/>
+          </a:lnRef>
+          <a:fillRef idx="0">
+            <a:schemeClr val="dk1"/>
+          </a:fillRef>
+          <a:effectRef idx="1">
+            <a:schemeClr val="dk1"/>
+          </a:effectRef>
+          <a:fontRef idx="minor">
+            <a:schemeClr val="tx1"/>
+          </a:fontRef>
+        </p:style>
+      </p:cxnSp>
     </p:spTree>
     <p:extLst>
       <p:ext uri="{BB962C8B-B14F-4D97-AF65-F5344CB8AC3E}">
-        <p14:creationId xmlns:p14="http://schemas.microsoft.com/office/powerpoint/2010/main" val="1377020512"/>
+        <p14:creationId xmlns:p14="http://schemas.microsoft.com/office/powerpoint/2010/main" val="3888835966"/>
       </p:ext>
     </p:extLst>
   </p:cSld>
@@ -3544,10 +4093,10 @@
       </p:grpSpPr>
       <p:sp>
         <p:nvSpPr>
-          <p:cNvPr id="4" name="Title 3">
-            <a:extLst>
-              <a:ext uri="{FF2B5EF4-FFF2-40B4-BE49-F238E27FC236}">
-                <a16:creationId xmlns:a16="http://schemas.microsoft.com/office/drawing/2014/main" id="{72C925CA-BCA3-3701-E08E-95652380B32E}"/>
+          <p:cNvPr id="2" name="Title 1">
+            <a:extLst>
+              <a:ext uri="{FF2B5EF4-FFF2-40B4-BE49-F238E27FC236}">
+                <a16:creationId xmlns:a16="http://schemas.microsoft.com/office/drawing/2014/main" id="{39A1D606-8DD1-369C-5C09-471CDD551AD5}"/>
               </a:ext>
             </a:extLst>
           </p:cNvPr>
@@ -3558,47 +4107,708 @@
             <p:ph type="title"/>
           </p:nvPr>
         </p:nvSpPr>
-        <p:spPr/>
-        <p:txBody>
-          <a:bodyPr/>
-          <a:lstStyle/>
-          <a:p>
-            <a:r>
-              <a:rPr lang="nl-NL" noProof="0" dirty="0"/>
-              <a:t>Modelleren</a:t>
-            </a:r>
-          </a:p>
-        </p:txBody>
-      </p:sp>
-      <p:sp>
-        <p:nvSpPr>
-          <p:cNvPr id="5" name="Text Placeholder 4">
-            <a:extLst>
-              <a:ext uri="{FF2B5EF4-FFF2-40B4-BE49-F238E27FC236}">
-                <a16:creationId xmlns:a16="http://schemas.microsoft.com/office/drawing/2014/main" id="{1AB31C95-91AF-DF13-FB58-0DA5F2D9F6F7}"/>
-              </a:ext>
-            </a:extLst>
-          </p:cNvPr>
-          <p:cNvSpPr>
-            <a:spLocks noGrp="1"/>
+        <p:spPr>
+          <a:xfrm>
+            <a:off x="838200" y="365126"/>
+            <a:ext cx="10515600" cy="718608"/>
+          </a:xfrm>
+        </p:spPr>
+        <p:txBody>
+          <a:bodyPr>
+            <a:normAutofit/>
+          </a:bodyPr>
+          <a:lstStyle/>
+          <a:p>
+            <a:r>
+              <a:rPr lang="nl-NL" sz="3600" noProof="0" dirty="0" err="1"/>
+              <a:t>Stateless</a:t>
+            </a:r>
+            <a:r>
+              <a:rPr lang="nl-NL" sz="3600" noProof="0" dirty="0"/>
+              <a:t> </a:t>
+            </a:r>
+            <a:r>
+              <a:rPr lang="nl-NL" sz="3600" noProof="0" dirty="0" err="1"/>
+              <a:t>vs</a:t>
+            </a:r>
+            <a:r>
+              <a:rPr lang="nl-NL" sz="3600" noProof="0" dirty="0"/>
+              <a:t> </a:t>
+            </a:r>
+            <a:r>
+              <a:rPr lang="nl-NL" sz="3600" noProof="0" dirty="0" err="1"/>
+              <a:t>Stateful</a:t>
+            </a:r>
+            <a:endParaRPr lang="nl-NL" sz="3600" noProof="0" dirty="0"/>
+          </a:p>
+        </p:txBody>
+      </p:sp>
+      <p:sp>
+        <p:nvSpPr>
+          <p:cNvPr id="4" name="TextBox 3">
+            <a:extLst>
+              <a:ext uri="{FF2B5EF4-FFF2-40B4-BE49-F238E27FC236}">
+                <a16:creationId xmlns:a16="http://schemas.microsoft.com/office/drawing/2014/main" id="{B47EA95A-6DDD-ED89-357A-943A5BC87A94}"/>
+              </a:ext>
+            </a:extLst>
+          </p:cNvPr>
+          <p:cNvSpPr txBox="1"/>
+          <p:nvPr/>
+        </p:nvSpPr>
+        <p:spPr>
+          <a:xfrm>
+            <a:off x="6555232" y="2530561"/>
+            <a:ext cx="184731" cy="369332"/>
+          </a:xfrm>
+          <a:prstGeom prst="rect">
+            <a:avLst/>
+          </a:prstGeom>
+          <a:noFill/>
+        </p:spPr>
+        <p:txBody>
+          <a:bodyPr wrap="none" rtlCol="0">
+            <a:spAutoFit/>
+          </a:bodyPr>
+          <a:lstStyle/>
+          <a:p>
+            <a:endParaRPr lang="en-NL" dirty="0"/>
+          </a:p>
+        </p:txBody>
+      </p:sp>
+      <p:sp>
+        <p:nvSpPr>
+          <p:cNvPr id="8" name="Content Placeholder 2">
+            <a:extLst>
+              <a:ext uri="{FF2B5EF4-FFF2-40B4-BE49-F238E27FC236}">
+                <a16:creationId xmlns:a16="http://schemas.microsoft.com/office/drawing/2014/main" id="{2A042A24-9D22-C7B4-C7AD-FC4366050808}"/>
+              </a:ext>
+            </a:extLst>
+          </p:cNvPr>
+          <p:cNvSpPr txBox="1">
+            <a:spLocks/>
           </p:cNvSpPr>
-          <p:nvPr>
-            <p:ph type="body" idx="1"/>
-          </p:nvPr>
-        </p:nvSpPr>
-        <p:spPr/>
-        <p:txBody>
-          <a:bodyPr/>
-          <a:lstStyle/>
-          <a:p>
-            <a:endParaRPr lang="en-NL"/>
-          </a:p>
-        </p:txBody>
-      </p:sp>
+          <p:nvPr/>
+        </p:nvSpPr>
+        <p:spPr>
+          <a:xfrm>
+            <a:off x="6487238" y="1608667"/>
+            <a:ext cx="5099367" cy="4720696"/>
+          </a:xfrm>
+          <a:prstGeom prst="rect">
+            <a:avLst/>
+          </a:prstGeom>
+        </p:spPr>
+        <p:txBody>
+          <a:bodyPr vert="horz" lIns="91440" tIns="45720" rIns="91440" bIns="45720" rtlCol="0">
+            <a:normAutofit/>
+          </a:bodyPr>
+          <a:lstStyle>
+            <a:lvl1pPr marL="228600" indent="-228600" algn="l" defTabSz="914400" rtl="0" eaLnBrk="1" latinLnBrk="0" hangingPunct="1">
+              <a:lnSpc>
+                <a:spcPct val="90000"/>
+              </a:lnSpc>
+              <a:spcBef>
+                <a:spcPts val="1000"/>
+              </a:spcBef>
+              <a:buFont typeface="Arial" panose="020B0604020202020204" pitchFamily="34" charset="0"/>
+              <a:buChar char="•"/>
+              <a:defRPr sz="2800" kern="1200">
+                <a:solidFill>
+                  <a:schemeClr val="tx1"/>
+                </a:solidFill>
+                <a:latin typeface="+mn-lt"/>
+                <a:ea typeface="+mn-ea"/>
+                <a:cs typeface="+mn-cs"/>
+              </a:defRPr>
+            </a:lvl1pPr>
+            <a:lvl2pPr marL="685800" indent="-228600" algn="l" defTabSz="914400" rtl="0" eaLnBrk="1" latinLnBrk="0" hangingPunct="1">
+              <a:lnSpc>
+                <a:spcPct val="90000"/>
+              </a:lnSpc>
+              <a:spcBef>
+                <a:spcPts val="500"/>
+              </a:spcBef>
+              <a:buFont typeface="Arial" panose="020B0604020202020204" pitchFamily="34" charset="0"/>
+              <a:buChar char="•"/>
+              <a:defRPr sz="2400" kern="1200">
+                <a:solidFill>
+                  <a:schemeClr val="tx1"/>
+                </a:solidFill>
+                <a:latin typeface="+mn-lt"/>
+                <a:ea typeface="+mn-ea"/>
+                <a:cs typeface="+mn-cs"/>
+              </a:defRPr>
+            </a:lvl2pPr>
+            <a:lvl3pPr marL="1143000" indent="-228600" algn="l" defTabSz="914400" rtl="0" eaLnBrk="1" latinLnBrk="0" hangingPunct="1">
+              <a:lnSpc>
+                <a:spcPct val="90000"/>
+              </a:lnSpc>
+              <a:spcBef>
+                <a:spcPts val="500"/>
+              </a:spcBef>
+              <a:buFont typeface="Arial" panose="020B0604020202020204" pitchFamily="34" charset="0"/>
+              <a:buChar char="•"/>
+              <a:defRPr sz="2000" kern="1200">
+                <a:solidFill>
+                  <a:schemeClr val="tx1"/>
+                </a:solidFill>
+                <a:latin typeface="+mn-lt"/>
+                <a:ea typeface="+mn-ea"/>
+                <a:cs typeface="+mn-cs"/>
+              </a:defRPr>
+            </a:lvl3pPr>
+            <a:lvl4pPr marL="1600200" indent="-228600" algn="l" defTabSz="914400" rtl="0" eaLnBrk="1" latinLnBrk="0" hangingPunct="1">
+              <a:lnSpc>
+                <a:spcPct val="90000"/>
+              </a:lnSpc>
+              <a:spcBef>
+                <a:spcPts val="500"/>
+              </a:spcBef>
+              <a:buFont typeface="Arial" panose="020B0604020202020204" pitchFamily="34" charset="0"/>
+              <a:buChar char="•"/>
+              <a:defRPr sz="1800" kern="1200">
+                <a:solidFill>
+                  <a:schemeClr val="tx1"/>
+                </a:solidFill>
+                <a:latin typeface="+mn-lt"/>
+                <a:ea typeface="+mn-ea"/>
+                <a:cs typeface="+mn-cs"/>
+              </a:defRPr>
+            </a:lvl4pPr>
+            <a:lvl5pPr marL="2057400" indent="-228600" algn="l" defTabSz="914400" rtl="0" eaLnBrk="1" latinLnBrk="0" hangingPunct="1">
+              <a:lnSpc>
+                <a:spcPct val="90000"/>
+              </a:lnSpc>
+              <a:spcBef>
+                <a:spcPts val="500"/>
+              </a:spcBef>
+              <a:buFont typeface="Arial" panose="020B0604020202020204" pitchFamily="34" charset="0"/>
+              <a:buChar char="•"/>
+              <a:defRPr sz="1800" kern="1200">
+                <a:solidFill>
+                  <a:schemeClr val="tx1"/>
+                </a:solidFill>
+                <a:latin typeface="+mn-lt"/>
+                <a:ea typeface="+mn-ea"/>
+                <a:cs typeface="+mn-cs"/>
+              </a:defRPr>
+            </a:lvl5pPr>
+            <a:lvl6pPr marL="2514600" indent="-228600" algn="l" defTabSz="914400" rtl="0" eaLnBrk="1" latinLnBrk="0" hangingPunct="1">
+              <a:lnSpc>
+                <a:spcPct val="90000"/>
+              </a:lnSpc>
+              <a:spcBef>
+                <a:spcPts val="500"/>
+              </a:spcBef>
+              <a:buFont typeface="Arial" panose="020B0604020202020204" pitchFamily="34" charset="0"/>
+              <a:buChar char="•"/>
+              <a:defRPr sz="1800" kern="1200">
+                <a:solidFill>
+                  <a:schemeClr val="tx1"/>
+                </a:solidFill>
+                <a:latin typeface="+mn-lt"/>
+                <a:ea typeface="+mn-ea"/>
+                <a:cs typeface="+mn-cs"/>
+              </a:defRPr>
+            </a:lvl6pPr>
+            <a:lvl7pPr marL="2971800" indent="-228600" algn="l" defTabSz="914400" rtl="0" eaLnBrk="1" latinLnBrk="0" hangingPunct="1">
+              <a:lnSpc>
+                <a:spcPct val="90000"/>
+              </a:lnSpc>
+              <a:spcBef>
+                <a:spcPts val="500"/>
+              </a:spcBef>
+              <a:buFont typeface="Arial" panose="020B0604020202020204" pitchFamily="34" charset="0"/>
+              <a:buChar char="•"/>
+              <a:defRPr sz="1800" kern="1200">
+                <a:solidFill>
+                  <a:schemeClr val="tx1"/>
+                </a:solidFill>
+                <a:latin typeface="+mn-lt"/>
+                <a:ea typeface="+mn-ea"/>
+                <a:cs typeface="+mn-cs"/>
+              </a:defRPr>
+            </a:lvl7pPr>
+            <a:lvl8pPr marL="3429000" indent="-228600" algn="l" defTabSz="914400" rtl="0" eaLnBrk="1" latinLnBrk="0" hangingPunct="1">
+              <a:lnSpc>
+                <a:spcPct val="90000"/>
+              </a:lnSpc>
+              <a:spcBef>
+                <a:spcPts val="500"/>
+              </a:spcBef>
+              <a:buFont typeface="Arial" panose="020B0604020202020204" pitchFamily="34" charset="0"/>
+              <a:buChar char="•"/>
+              <a:defRPr sz="1800" kern="1200">
+                <a:solidFill>
+                  <a:schemeClr val="tx1"/>
+                </a:solidFill>
+                <a:latin typeface="+mn-lt"/>
+                <a:ea typeface="+mn-ea"/>
+                <a:cs typeface="+mn-cs"/>
+              </a:defRPr>
+            </a:lvl8pPr>
+            <a:lvl9pPr marL="3886200" indent="-228600" algn="l" defTabSz="914400" rtl="0" eaLnBrk="1" latinLnBrk="0" hangingPunct="1">
+              <a:lnSpc>
+                <a:spcPct val="90000"/>
+              </a:lnSpc>
+              <a:spcBef>
+                <a:spcPts val="500"/>
+              </a:spcBef>
+              <a:buFont typeface="Arial" panose="020B0604020202020204" pitchFamily="34" charset="0"/>
+              <a:buChar char="•"/>
+              <a:defRPr sz="1800" kern="1200">
+                <a:solidFill>
+                  <a:schemeClr val="tx1"/>
+                </a:solidFill>
+                <a:latin typeface="+mn-lt"/>
+                <a:ea typeface="+mn-ea"/>
+                <a:cs typeface="+mn-cs"/>
+              </a:defRPr>
+            </a:lvl9pPr>
+          </a:lstStyle>
+          <a:p>
+            <a:pPr marL="0" indent="0">
+              <a:buNone/>
+            </a:pPr>
+            <a:r>
+              <a:rPr lang="nl-NL" sz="2000" dirty="0">
+                <a:cs typeface="Courier New" panose="02070309020205020404" pitchFamily="49" charset="0"/>
+              </a:rPr>
+              <a:t>Transformatie afhankelijk van de data of steekproef.</a:t>
+            </a:r>
+          </a:p>
+          <a:p>
+            <a:pPr marL="0" indent="0">
+              <a:buNone/>
+            </a:pPr>
+            <a:endParaRPr lang="nl-NL" sz="2000" dirty="0">
+              <a:cs typeface="Courier New" panose="02070309020205020404" pitchFamily="49" charset="0"/>
+            </a:endParaRPr>
+          </a:p>
+          <a:p>
+            <a:pPr>
+              <a:buFontTx/>
+              <a:buChar char="-"/>
+            </a:pPr>
+            <a:r>
+              <a:rPr lang="nl-NL" sz="2000" dirty="0">
+                <a:cs typeface="Courier New" panose="02070309020205020404" pitchFamily="49" charset="0"/>
+              </a:rPr>
+              <a:t>Gemiddelde voor ontbrekende waardes.</a:t>
+            </a:r>
+          </a:p>
+          <a:p>
+            <a:pPr>
+              <a:buFontTx/>
+              <a:buChar char="-"/>
+            </a:pPr>
+            <a:endParaRPr lang="nl-NL" sz="2000" dirty="0">
+              <a:cs typeface="Courier New" panose="02070309020205020404" pitchFamily="49" charset="0"/>
+            </a:endParaRPr>
+          </a:p>
+          <a:p>
+            <a:pPr>
+              <a:buFontTx/>
+              <a:buChar char="-"/>
+            </a:pPr>
+            <a:r>
+              <a:rPr lang="nl-NL" sz="2000" dirty="0" err="1">
+                <a:cs typeface="Courier New" panose="02070309020205020404" pitchFamily="49" charset="0"/>
+              </a:rPr>
+              <a:t>Dummies</a:t>
+            </a:r>
+            <a:r>
+              <a:rPr lang="nl-NL" sz="2000" dirty="0">
+                <a:cs typeface="Courier New" panose="02070309020205020404" pitchFamily="49" charset="0"/>
+              </a:rPr>
+              <a:t> voor waardes in de data.</a:t>
+            </a:r>
+          </a:p>
+          <a:p>
+            <a:pPr>
+              <a:buFontTx/>
+              <a:buChar char="-"/>
+            </a:pPr>
+            <a:endParaRPr lang="nl-NL" sz="2000" dirty="0">
+              <a:cs typeface="Courier New" panose="02070309020205020404" pitchFamily="49" charset="0"/>
+            </a:endParaRPr>
+          </a:p>
+          <a:p>
+            <a:pPr>
+              <a:buFontTx/>
+              <a:buChar char="-"/>
+            </a:pPr>
+            <a:r>
+              <a:rPr lang="nl-NL" sz="2000" dirty="0">
+                <a:cs typeface="Courier New" panose="02070309020205020404" pitchFamily="49" charset="0"/>
+              </a:rPr>
+              <a:t>Waardes afkappen 2 SD boven het gemiddelde.</a:t>
+            </a:r>
+          </a:p>
+          <a:p>
+            <a:pPr marL="0" indent="0">
+              <a:buNone/>
+            </a:pPr>
+            <a:endParaRPr lang="nl-NL" sz="2000" dirty="0">
+              <a:cs typeface="Courier New" panose="02070309020205020404" pitchFamily="49" charset="0"/>
+            </a:endParaRPr>
+          </a:p>
+          <a:p>
+            <a:pPr marL="0" indent="0">
+              <a:buNone/>
+            </a:pPr>
+            <a:endParaRPr lang="nl-NL" sz="2000" dirty="0">
+              <a:cs typeface="Courier New" panose="02070309020205020404" pitchFamily="49" charset="0"/>
+            </a:endParaRPr>
+          </a:p>
+          <a:p>
+            <a:pPr marL="0" indent="0">
+              <a:buNone/>
+            </a:pPr>
+            <a:r>
+              <a:rPr lang="nl-NL" sz="2000" b="1" dirty="0">
+                <a:cs typeface="Courier New" panose="02070309020205020404" pitchFamily="49" charset="0"/>
+              </a:rPr>
+              <a:t>&gt;&gt;   Onderdeel van het model.</a:t>
+            </a:r>
+          </a:p>
+          <a:p>
+            <a:pPr marL="0" indent="0">
+              <a:buNone/>
+            </a:pPr>
+            <a:endParaRPr lang="nl-NL" sz="2000" dirty="0">
+              <a:cs typeface="Courier New" panose="02070309020205020404" pitchFamily="49" charset="0"/>
+            </a:endParaRPr>
+          </a:p>
+          <a:p>
+            <a:pPr marL="0" indent="0">
+              <a:buNone/>
+            </a:pPr>
+            <a:endParaRPr lang="nl-NL" sz="2000" dirty="0">
+              <a:cs typeface="Courier New" panose="02070309020205020404" pitchFamily="49" charset="0"/>
+            </a:endParaRPr>
+          </a:p>
+        </p:txBody>
+      </p:sp>
+      <p:sp>
+        <p:nvSpPr>
+          <p:cNvPr id="9" name="Content Placeholder 2">
+            <a:extLst>
+              <a:ext uri="{FF2B5EF4-FFF2-40B4-BE49-F238E27FC236}">
+                <a16:creationId xmlns:a16="http://schemas.microsoft.com/office/drawing/2014/main" id="{859EFECF-ED02-A3B2-D77A-667F104FEDE5}"/>
+              </a:ext>
+            </a:extLst>
+          </p:cNvPr>
+          <p:cNvSpPr txBox="1">
+            <a:spLocks/>
+          </p:cNvSpPr>
+          <p:nvPr/>
+        </p:nvSpPr>
+        <p:spPr>
+          <a:xfrm>
+            <a:off x="990601" y="1608667"/>
+            <a:ext cx="4714163" cy="4720696"/>
+          </a:xfrm>
+          <a:prstGeom prst="rect">
+            <a:avLst/>
+          </a:prstGeom>
+        </p:spPr>
+        <p:txBody>
+          <a:bodyPr vert="horz" lIns="91440" tIns="45720" rIns="91440" bIns="45720" rtlCol="0">
+            <a:normAutofit/>
+          </a:bodyPr>
+          <a:lstStyle>
+            <a:lvl1pPr marL="228600" indent="-228600" algn="l" defTabSz="914400" rtl="0" eaLnBrk="1" latinLnBrk="0" hangingPunct="1">
+              <a:lnSpc>
+                <a:spcPct val="90000"/>
+              </a:lnSpc>
+              <a:spcBef>
+                <a:spcPts val="1000"/>
+              </a:spcBef>
+              <a:buFont typeface="Arial" panose="020B0604020202020204" pitchFamily="34" charset="0"/>
+              <a:buChar char="•"/>
+              <a:defRPr sz="2800" kern="1200">
+                <a:solidFill>
+                  <a:schemeClr val="tx1"/>
+                </a:solidFill>
+                <a:latin typeface="+mn-lt"/>
+                <a:ea typeface="+mn-ea"/>
+                <a:cs typeface="+mn-cs"/>
+              </a:defRPr>
+            </a:lvl1pPr>
+            <a:lvl2pPr marL="685800" indent="-228600" algn="l" defTabSz="914400" rtl="0" eaLnBrk="1" latinLnBrk="0" hangingPunct="1">
+              <a:lnSpc>
+                <a:spcPct val="90000"/>
+              </a:lnSpc>
+              <a:spcBef>
+                <a:spcPts val="500"/>
+              </a:spcBef>
+              <a:buFont typeface="Arial" panose="020B0604020202020204" pitchFamily="34" charset="0"/>
+              <a:buChar char="•"/>
+              <a:defRPr sz="2400" kern="1200">
+                <a:solidFill>
+                  <a:schemeClr val="tx1"/>
+                </a:solidFill>
+                <a:latin typeface="+mn-lt"/>
+                <a:ea typeface="+mn-ea"/>
+                <a:cs typeface="+mn-cs"/>
+              </a:defRPr>
+            </a:lvl2pPr>
+            <a:lvl3pPr marL="1143000" indent="-228600" algn="l" defTabSz="914400" rtl="0" eaLnBrk="1" latinLnBrk="0" hangingPunct="1">
+              <a:lnSpc>
+                <a:spcPct val="90000"/>
+              </a:lnSpc>
+              <a:spcBef>
+                <a:spcPts val="500"/>
+              </a:spcBef>
+              <a:buFont typeface="Arial" panose="020B0604020202020204" pitchFamily="34" charset="0"/>
+              <a:buChar char="•"/>
+              <a:defRPr sz="2000" kern="1200">
+                <a:solidFill>
+                  <a:schemeClr val="tx1"/>
+                </a:solidFill>
+                <a:latin typeface="+mn-lt"/>
+                <a:ea typeface="+mn-ea"/>
+                <a:cs typeface="+mn-cs"/>
+              </a:defRPr>
+            </a:lvl3pPr>
+            <a:lvl4pPr marL="1600200" indent="-228600" algn="l" defTabSz="914400" rtl="0" eaLnBrk="1" latinLnBrk="0" hangingPunct="1">
+              <a:lnSpc>
+                <a:spcPct val="90000"/>
+              </a:lnSpc>
+              <a:spcBef>
+                <a:spcPts val="500"/>
+              </a:spcBef>
+              <a:buFont typeface="Arial" panose="020B0604020202020204" pitchFamily="34" charset="0"/>
+              <a:buChar char="•"/>
+              <a:defRPr sz="1800" kern="1200">
+                <a:solidFill>
+                  <a:schemeClr val="tx1"/>
+                </a:solidFill>
+                <a:latin typeface="+mn-lt"/>
+                <a:ea typeface="+mn-ea"/>
+                <a:cs typeface="+mn-cs"/>
+              </a:defRPr>
+            </a:lvl4pPr>
+            <a:lvl5pPr marL="2057400" indent="-228600" algn="l" defTabSz="914400" rtl="0" eaLnBrk="1" latinLnBrk="0" hangingPunct="1">
+              <a:lnSpc>
+                <a:spcPct val="90000"/>
+              </a:lnSpc>
+              <a:spcBef>
+                <a:spcPts val="500"/>
+              </a:spcBef>
+              <a:buFont typeface="Arial" panose="020B0604020202020204" pitchFamily="34" charset="0"/>
+              <a:buChar char="•"/>
+              <a:defRPr sz="1800" kern="1200">
+                <a:solidFill>
+                  <a:schemeClr val="tx1"/>
+                </a:solidFill>
+                <a:latin typeface="+mn-lt"/>
+                <a:ea typeface="+mn-ea"/>
+                <a:cs typeface="+mn-cs"/>
+              </a:defRPr>
+            </a:lvl5pPr>
+            <a:lvl6pPr marL="2514600" indent="-228600" algn="l" defTabSz="914400" rtl="0" eaLnBrk="1" latinLnBrk="0" hangingPunct="1">
+              <a:lnSpc>
+                <a:spcPct val="90000"/>
+              </a:lnSpc>
+              <a:spcBef>
+                <a:spcPts val="500"/>
+              </a:spcBef>
+              <a:buFont typeface="Arial" panose="020B0604020202020204" pitchFamily="34" charset="0"/>
+              <a:buChar char="•"/>
+              <a:defRPr sz="1800" kern="1200">
+                <a:solidFill>
+                  <a:schemeClr val="tx1"/>
+                </a:solidFill>
+                <a:latin typeface="+mn-lt"/>
+                <a:ea typeface="+mn-ea"/>
+                <a:cs typeface="+mn-cs"/>
+              </a:defRPr>
+            </a:lvl6pPr>
+            <a:lvl7pPr marL="2971800" indent="-228600" algn="l" defTabSz="914400" rtl="0" eaLnBrk="1" latinLnBrk="0" hangingPunct="1">
+              <a:lnSpc>
+                <a:spcPct val="90000"/>
+              </a:lnSpc>
+              <a:spcBef>
+                <a:spcPts val="500"/>
+              </a:spcBef>
+              <a:buFont typeface="Arial" panose="020B0604020202020204" pitchFamily="34" charset="0"/>
+              <a:buChar char="•"/>
+              <a:defRPr sz="1800" kern="1200">
+                <a:solidFill>
+                  <a:schemeClr val="tx1"/>
+                </a:solidFill>
+                <a:latin typeface="+mn-lt"/>
+                <a:ea typeface="+mn-ea"/>
+                <a:cs typeface="+mn-cs"/>
+              </a:defRPr>
+            </a:lvl7pPr>
+            <a:lvl8pPr marL="3429000" indent="-228600" algn="l" defTabSz="914400" rtl="0" eaLnBrk="1" latinLnBrk="0" hangingPunct="1">
+              <a:lnSpc>
+                <a:spcPct val="90000"/>
+              </a:lnSpc>
+              <a:spcBef>
+                <a:spcPts val="500"/>
+              </a:spcBef>
+              <a:buFont typeface="Arial" panose="020B0604020202020204" pitchFamily="34" charset="0"/>
+              <a:buChar char="•"/>
+              <a:defRPr sz="1800" kern="1200">
+                <a:solidFill>
+                  <a:schemeClr val="tx1"/>
+                </a:solidFill>
+                <a:latin typeface="+mn-lt"/>
+                <a:ea typeface="+mn-ea"/>
+                <a:cs typeface="+mn-cs"/>
+              </a:defRPr>
+            </a:lvl8pPr>
+            <a:lvl9pPr marL="3886200" indent="-228600" algn="l" defTabSz="914400" rtl="0" eaLnBrk="1" latinLnBrk="0" hangingPunct="1">
+              <a:lnSpc>
+                <a:spcPct val="90000"/>
+              </a:lnSpc>
+              <a:spcBef>
+                <a:spcPts val="500"/>
+              </a:spcBef>
+              <a:buFont typeface="Arial" panose="020B0604020202020204" pitchFamily="34" charset="0"/>
+              <a:buChar char="•"/>
+              <a:defRPr sz="1800" kern="1200">
+                <a:solidFill>
+                  <a:schemeClr val="tx1"/>
+                </a:solidFill>
+                <a:latin typeface="+mn-lt"/>
+                <a:ea typeface="+mn-ea"/>
+                <a:cs typeface="+mn-cs"/>
+              </a:defRPr>
+            </a:lvl9pPr>
+          </a:lstStyle>
+          <a:p>
+            <a:pPr marL="0" indent="0">
+              <a:buNone/>
+            </a:pPr>
+            <a:r>
+              <a:rPr lang="nl-NL" sz="2000" dirty="0"/>
+              <a:t>Transformatie alleen afhankelijk van definities of theorie.</a:t>
+            </a:r>
+          </a:p>
+          <a:p>
+            <a:pPr marL="0" indent="0">
+              <a:buNone/>
+            </a:pPr>
+            <a:endParaRPr lang="nl-NL" sz="2000" dirty="0"/>
+          </a:p>
+          <a:p>
+            <a:pPr>
+              <a:buFontTx/>
+              <a:buChar char="-"/>
+            </a:pPr>
+            <a:r>
+              <a:rPr lang="nl-NL" sz="2000" dirty="0"/>
+              <a:t>Nul voor ontbrekende waardes. </a:t>
+            </a:r>
+          </a:p>
+          <a:p>
+            <a:pPr>
+              <a:buFontTx/>
+              <a:buChar char="-"/>
+            </a:pPr>
+            <a:endParaRPr lang="nl-NL" sz="2000" dirty="0"/>
+          </a:p>
+          <a:p>
+            <a:pPr>
+              <a:buFontTx/>
+              <a:buChar char="-"/>
+            </a:pPr>
+            <a:r>
+              <a:rPr lang="nl-NL" sz="2000" dirty="0"/>
+              <a:t>Dummy voor volwassen of niet.</a:t>
+            </a:r>
+          </a:p>
+          <a:p>
+            <a:pPr>
+              <a:buFontTx/>
+              <a:buChar char="-"/>
+            </a:pPr>
+            <a:endParaRPr lang="nl-NL" sz="2000" dirty="0"/>
+          </a:p>
+          <a:p>
+            <a:pPr>
+              <a:buFontTx/>
+              <a:buChar char="-"/>
+            </a:pPr>
+            <a:r>
+              <a:rPr lang="nl-NL" sz="2000" dirty="0"/>
+              <a:t>Waardes boven een vaste grens afkappen.</a:t>
+            </a:r>
+          </a:p>
+          <a:p>
+            <a:pPr marL="0" indent="0">
+              <a:buNone/>
+            </a:pPr>
+            <a:endParaRPr lang="nl-NL" sz="2000" dirty="0"/>
+          </a:p>
+          <a:p>
+            <a:pPr marL="0" indent="0">
+              <a:buNone/>
+            </a:pPr>
+            <a:endParaRPr lang="nl-NL" sz="2000" dirty="0"/>
+          </a:p>
+          <a:p>
+            <a:pPr marL="0" indent="0">
+              <a:buNone/>
+            </a:pPr>
+            <a:r>
+              <a:rPr lang="nl-NL" sz="2000" b="1" dirty="0"/>
+              <a:t>&gt;&gt;  Onderdeel van voorbereiding.</a:t>
+            </a:r>
+          </a:p>
+          <a:p>
+            <a:pPr marL="0" indent="0">
+              <a:buNone/>
+            </a:pPr>
+            <a:endParaRPr lang="nl-NL" sz="2000" dirty="0"/>
+          </a:p>
+        </p:txBody>
+      </p:sp>
+      <p:cxnSp>
+        <p:nvCxnSpPr>
+          <p:cNvPr id="5" name="Straight Connector 4">
+            <a:extLst>
+              <a:ext uri="{FF2B5EF4-FFF2-40B4-BE49-F238E27FC236}">
+                <a16:creationId xmlns:a16="http://schemas.microsoft.com/office/drawing/2014/main" id="{19C1F9F3-52B0-D980-9D97-1E87250DF311}"/>
+              </a:ext>
+            </a:extLst>
+          </p:cNvPr>
+          <p:cNvCxnSpPr/>
+          <p:nvPr/>
+        </p:nvCxnSpPr>
+        <p:spPr>
+          <a:xfrm>
+            <a:off x="5923129" y="1608667"/>
+            <a:ext cx="0" cy="4720696"/>
+          </a:xfrm>
+          <a:prstGeom prst="line">
+            <a:avLst/>
+          </a:prstGeom>
+        </p:spPr>
+        <p:style>
+          <a:lnRef idx="2">
+            <a:schemeClr val="dk1"/>
+          </a:lnRef>
+          <a:fillRef idx="0">
+            <a:schemeClr val="dk1"/>
+          </a:fillRef>
+          <a:effectRef idx="1">
+            <a:schemeClr val="dk1"/>
+          </a:effectRef>
+          <a:fontRef idx="minor">
+            <a:schemeClr val="tx1"/>
+          </a:fontRef>
+        </p:style>
+      </p:cxnSp>
     </p:spTree>
     <p:extLst>
       <p:ext uri="{BB962C8B-B14F-4D97-AF65-F5344CB8AC3E}">
-        <p14:creationId xmlns:p14="http://schemas.microsoft.com/office/powerpoint/2010/main" val="3026547381"/>
+        <p14:creationId xmlns:p14="http://schemas.microsoft.com/office/powerpoint/2010/main" val="2418042807"/>
       </p:ext>
     </p:extLst>
   </p:cSld>
@@ -3627,10 +4837,10 @@
       </p:grpSpPr>
       <p:sp>
         <p:nvSpPr>
-          <p:cNvPr id="4" name="Title 3">
-            <a:extLst>
-              <a:ext uri="{FF2B5EF4-FFF2-40B4-BE49-F238E27FC236}">
-                <a16:creationId xmlns:a16="http://schemas.microsoft.com/office/drawing/2014/main" id="{72C925CA-BCA3-3701-E08E-95652380B32E}"/>
+          <p:cNvPr id="2" name="Title 1">
+            <a:extLst>
+              <a:ext uri="{FF2B5EF4-FFF2-40B4-BE49-F238E27FC236}">
+                <a16:creationId xmlns:a16="http://schemas.microsoft.com/office/drawing/2014/main" id="{39A1D606-8DD1-369C-5C09-471CDD551AD5}"/>
               </a:ext>
             </a:extLst>
           </p:cNvPr>
@@ -3641,51 +4851,341 @@
             <p:ph type="title"/>
           </p:nvPr>
         </p:nvSpPr>
-        <p:spPr/>
-        <p:txBody>
-          <a:bodyPr/>
-          <a:lstStyle/>
-          <a:p>
-            <a:r>
-              <a:rPr lang="nl-NL" noProof="0" dirty="0" err="1"/>
-              <a:t>Validateren</a:t>
-            </a:r>
-            <a:r>
-              <a:rPr lang="nl-NL" noProof="0" dirty="0"/>
-              <a:t> en selecteren</a:t>
-            </a:r>
-          </a:p>
-        </p:txBody>
-      </p:sp>
-      <p:sp>
-        <p:nvSpPr>
-          <p:cNvPr id="5" name="Text Placeholder 4">
-            <a:extLst>
-              <a:ext uri="{FF2B5EF4-FFF2-40B4-BE49-F238E27FC236}">
-                <a16:creationId xmlns:a16="http://schemas.microsoft.com/office/drawing/2014/main" id="{1AB31C95-91AF-DF13-FB58-0DA5F2D9F6F7}"/>
-              </a:ext>
-            </a:extLst>
-          </p:cNvPr>
-          <p:cNvSpPr>
-            <a:spLocks noGrp="1"/>
-          </p:cNvSpPr>
-          <p:nvPr>
-            <p:ph type="body" idx="1"/>
-          </p:nvPr>
-        </p:nvSpPr>
-        <p:spPr/>
-        <p:txBody>
-          <a:bodyPr/>
-          <a:lstStyle/>
-          <a:p>
-            <a:endParaRPr lang="en-NL"/>
+        <p:spPr>
+          <a:xfrm>
+            <a:off x="838200" y="365126"/>
+            <a:ext cx="10515600" cy="718608"/>
+          </a:xfrm>
+        </p:spPr>
+        <p:txBody>
+          <a:bodyPr>
+            <a:normAutofit/>
+          </a:bodyPr>
+          <a:lstStyle/>
+          <a:p>
+            <a:r>
+              <a:rPr lang="nl-NL" sz="3600" noProof="0" dirty="0"/>
+              <a:t>Preparatie in </a:t>
+            </a:r>
+            <a:r>
+              <a:rPr lang="nl-NL" sz="3600" noProof="0" dirty="0" err="1"/>
+              <a:t>scikit</a:t>
+            </a:r>
+            <a:r>
+              <a:rPr lang="nl-NL" sz="3600" dirty="0"/>
+              <a:t>-</a:t>
+            </a:r>
+            <a:r>
+              <a:rPr lang="nl-NL" sz="3600" dirty="0" err="1"/>
+              <a:t>learn</a:t>
+            </a:r>
+            <a:endParaRPr lang="nl-NL" sz="3600" noProof="0" dirty="0"/>
+          </a:p>
+        </p:txBody>
+      </p:sp>
+      <p:sp>
+        <p:nvSpPr>
+          <p:cNvPr id="3" name="Rectangle 2">
+            <a:extLst>
+              <a:ext uri="{FF2B5EF4-FFF2-40B4-BE49-F238E27FC236}">
+                <a16:creationId xmlns:a16="http://schemas.microsoft.com/office/drawing/2014/main" id="{D98ECDAC-8F8E-5A33-FF03-91C3D9EE9CAF}"/>
+              </a:ext>
+            </a:extLst>
+          </p:cNvPr>
+          <p:cNvSpPr/>
+          <p:nvPr/>
+        </p:nvSpPr>
+        <p:spPr>
+          <a:xfrm>
+            <a:off x="1295403" y="2548977"/>
+            <a:ext cx="1782170" cy="1409131"/>
+          </a:xfrm>
+          <a:prstGeom prst="rect">
+            <a:avLst/>
+          </a:prstGeom>
+        </p:spPr>
+        <p:style>
+          <a:lnRef idx="1">
+            <a:schemeClr val="accent4"/>
+          </a:lnRef>
+          <a:fillRef idx="2">
+            <a:schemeClr val="accent4"/>
+          </a:fillRef>
+          <a:effectRef idx="1">
+            <a:schemeClr val="accent4"/>
+          </a:effectRef>
+          <a:fontRef idx="minor">
+            <a:schemeClr val="dk1"/>
+          </a:fontRef>
+        </p:style>
+        <p:txBody>
+          <a:bodyPr rtlCol="0" anchor="ctr"/>
+          <a:lstStyle/>
+          <a:p>
+            <a:pPr algn="ctr"/>
+            <a:r>
+              <a:rPr lang="nl-NL" dirty="0"/>
+              <a:t>Bekende</a:t>
+            </a:r>
+          </a:p>
+          <a:p>
+            <a:pPr algn="ctr"/>
+            <a:r>
+              <a:rPr lang="nl-NL" dirty="0"/>
+              <a:t>data</a:t>
+            </a:r>
+          </a:p>
+        </p:txBody>
+      </p:sp>
+      <p:sp>
+        <p:nvSpPr>
+          <p:cNvPr id="10" name="Rectangle 9">
+            <a:extLst>
+              <a:ext uri="{FF2B5EF4-FFF2-40B4-BE49-F238E27FC236}">
+                <a16:creationId xmlns:a16="http://schemas.microsoft.com/office/drawing/2014/main" id="{E2036101-89EC-A3AA-E697-624CB501D0F0}"/>
+              </a:ext>
+            </a:extLst>
+          </p:cNvPr>
+          <p:cNvSpPr/>
+          <p:nvPr/>
+        </p:nvSpPr>
+        <p:spPr>
+          <a:xfrm>
+            <a:off x="4865427" y="2548976"/>
+            <a:ext cx="1782170" cy="1409131"/>
+          </a:xfrm>
+          <a:prstGeom prst="rect">
+            <a:avLst/>
+          </a:prstGeom>
+        </p:spPr>
+        <p:style>
+          <a:lnRef idx="1">
+            <a:schemeClr val="accent5"/>
+          </a:lnRef>
+          <a:fillRef idx="2">
+            <a:schemeClr val="accent5"/>
+          </a:fillRef>
+          <a:effectRef idx="1">
+            <a:schemeClr val="accent5"/>
+          </a:effectRef>
+          <a:fontRef idx="minor">
+            <a:schemeClr val="dk1"/>
+          </a:fontRef>
+        </p:style>
+        <p:txBody>
+          <a:bodyPr rtlCol="0" anchor="ctr"/>
+          <a:lstStyle/>
+          <a:p>
+            <a:pPr algn="ctr"/>
+            <a:r>
+              <a:rPr lang="nl-NL"/>
+              <a:t>Transformer</a:t>
+            </a:r>
+          </a:p>
+        </p:txBody>
+      </p:sp>
+      <p:cxnSp>
+        <p:nvCxnSpPr>
+          <p:cNvPr id="17" name="Straight Arrow Connector 16">
+            <a:extLst>
+              <a:ext uri="{FF2B5EF4-FFF2-40B4-BE49-F238E27FC236}">
+                <a16:creationId xmlns:a16="http://schemas.microsoft.com/office/drawing/2014/main" id="{AFD48089-64A7-95BD-D46C-CCC57775C323}"/>
+              </a:ext>
+            </a:extLst>
+          </p:cNvPr>
+          <p:cNvCxnSpPr>
+            <a:cxnSpLocks/>
+            <a:stCxn id="3" idx="3"/>
+            <a:endCxn id="10" idx="1"/>
+          </p:cNvCxnSpPr>
+          <p:nvPr/>
+        </p:nvCxnSpPr>
+        <p:spPr>
+          <a:xfrm flipV="1">
+            <a:off x="3077573" y="3253542"/>
+            <a:ext cx="1787854" cy="1"/>
+          </a:xfrm>
+          <a:prstGeom prst="straightConnector1">
+            <a:avLst/>
+          </a:prstGeom>
+          <a:ln>
+            <a:tailEnd type="triangle"/>
+          </a:ln>
+        </p:spPr>
+        <p:style>
+          <a:lnRef idx="3">
+            <a:schemeClr val="dk1"/>
+          </a:lnRef>
+          <a:fillRef idx="0">
+            <a:schemeClr val="dk1"/>
+          </a:fillRef>
+          <a:effectRef idx="2">
+            <a:schemeClr val="dk1"/>
+          </a:effectRef>
+          <a:fontRef idx="minor">
+            <a:schemeClr val="tx1"/>
+          </a:fontRef>
+        </p:style>
+      </p:cxnSp>
+      <p:sp>
+        <p:nvSpPr>
+          <p:cNvPr id="19" name="TextBox 18">
+            <a:extLst>
+              <a:ext uri="{FF2B5EF4-FFF2-40B4-BE49-F238E27FC236}">
+                <a16:creationId xmlns:a16="http://schemas.microsoft.com/office/drawing/2014/main" id="{9A855E8B-4925-6186-EBE1-319368505CDA}"/>
+              </a:ext>
+            </a:extLst>
+          </p:cNvPr>
+          <p:cNvSpPr txBox="1"/>
+          <p:nvPr/>
+        </p:nvSpPr>
+        <p:spPr>
+          <a:xfrm>
+            <a:off x="3077573" y="2872597"/>
+            <a:ext cx="1782170" cy="369332"/>
+          </a:xfrm>
+          <a:prstGeom prst="rect">
+            <a:avLst/>
+          </a:prstGeom>
+          <a:noFill/>
+        </p:spPr>
+        <p:txBody>
+          <a:bodyPr wrap="square" rtlCol="0">
+            <a:spAutoFit/>
+          </a:bodyPr>
+          <a:lstStyle/>
+          <a:p>
+            <a:pPr algn="ctr"/>
+            <a:r>
+              <a:rPr lang="en-US" dirty="0">
+                <a:latin typeface="Courier New" panose="02070309020205020404" pitchFamily="49" charset="0"/>
+                <a:cs typeface="Courier New" panose="02070309020205020404" pitchFamily="49" charset="0"/>
+              </a:rPr>
+              <a:t>fit()</a:t>
+            </a:r>
+            <a:endParaRPr lang="en-NL" dirty="0">
+              <a:latin typeface="Courier New" panose="02070309020205020404" pitchFamily="49" charset="0"/>
+              <a:cs typeface="Courier New" panose="02070309020205020404" pitchFamily="49" charset="0"/>
+            </a:endParaRPr>
+          </a:p>
+        </p:txBody>
+      </p:sp>
+      <p:sp>
+        <p:nvSpPr>
+          <p:cNvPr id="23" name="TextBox 22">
+            <a:extLst>
+              <a:ext uri="{FF2B5EF4-FFF2-40B4-BE49-F238E27FC236}">
+                <a16:creationId xmlns:a16="http://schemas.microsoft.com/office/drawing/2014/main" id="{368B7D08-7638-CFCF-E59F-81E608E1F483}"/>
+              </a:ext>
+            </a:extLst>
+          </p:cNvPr>
+          <p:cNvSpPr txBox="1"/>
+          <p:nvPr/>
+        </p:nvSpPr>
+        <p:spPr>
+          <a:xfrm>
+            <a:off x="4886470" y="3958107"/>
+            <a:ext cx="1782169" cy="369332"/>
+          </a:xfrm>
+          <a:prstGeom prst="rect">
+            <a:avLst/>
+          </a:prstGeom>
+          <a:noFill/>
+        </p:spPr>
+        <p:txBody>
+          <a:bodyPr wrap="square" rtlCol="0">
+            <a:spAutoFit/>
+          </a:bodyPr>
+          <a:lstStyle/>
+          <a:p>
+            <a:pPr algn="ctr"/>
+            <a:r>
+              <a:rPr lang="en-US" dirty="0">
+                <a:latin typeface="Courier New" panose="02070309020205020404" pitchFamily="49" charset="0"/>
+                <a:cs typeface="Courier New" panose="02070309020205020404" pitchFamily="49" charset="0"/>
+              </a:rPr>
+              <a:t>mean = 3.5</a:t>
+            </a:r>
+            <a:endParaRPr lang="en-NL" dirty="0">
+              <a:latin typeface="Courier New" panose="02070309020205020404" pitchFamily="49" charset="0"/>
+              <a:cs typeface="Courier New" panose="02070309020205020404" pitchFamily="49" charset="0"/>
+            </a:endParaRPr>
+          </a:p>
+        </p:txBody>
+      </p:sp>
+      <p:sp>
+        <p:nvSpPr>
+          <p:cNvPr id="29" name="TextBox 28">
+            <a:extLst>
+              <a:ext uri="{FF2B5EF4-FFF2-40B4-BE49-F238E27FC236}">
+                <a16:creationId xmlns:a16="http://schemas.microsoft.com/office/drawing/2014/main" id="{3B96C0EB-7058-74D5-FCDE-CF1CE696C866}"/>
+              </a:ext>
+            </a:extLst>
+          </p:cNvPr>
+          <p:cNvSpPr txBox="1"/>
+          <p:nvPr/>
+        </p:nvSpPr>
+        <p:spPr>
+          <a:xfrm>
+            <a:off x="887109" y="2646987"/>
+            <a:ext cx="402609" cy="1200329"/>
+          </a:xfrm>
+          <a:prstGeom prst="rect">
+            <a:avLst/>
+          </a:prstGeom>
+          <a:noFill/>
+        </p:spPr>
+        <p:txBody>
+          <a:bodyPr wrap="square" rtlCol="0">
+            <a:spAutoFit/>
+          </a:bodyPr>
+          <a:lstStyle/>
+          <a:p>
+            <a:r>
+              <a:rPr lang="en-US" dirty="0">
+                <a:latin typeface="Courier New" panose="02070309020205020404" pitchFamily="49" charset="0"/>
+                <a:cs typeface="Courier New" panose="02070309020205020404" pitchFamily="49" charset="0"/>
+              </a:rPr>
+              <a:t>6</a:t>
+            </a:r>
+          </a:p>
+          <a:p>
+            <a:r>
+              <a:rPr lang="en-US" dirty="0">
+                <a:latin typeface="Courier New" panose="02070309020205020404" pitchFamily="49" charset="0"/>
+                <a:cs typeface="Courier New" panose="02070309020205020404" pitchFamily="49" charset="0"/>
+              </a:rPr>
+              <a:t>1</a:t>
+            </a:r>
+          </a:p>
+          <a:p>
+            <a:r>
+              <a:rPr lang="en-US" dirty="0">
+                <a:latin typeface="Courier New" panose="02070309020205020404" pitchFamily="49" charset="0"/>
+                <a:cs typeface="Courier New" panose="02070309020205020404" pitchFamily="49" charset="0"/>
+              </a:rPr>
+              <a:t>4</a:t>
+            </a:r>
+          </a:p>
+          <a:p>
+            <a:r>
+              <a:rPr lang="en-US" dirty="0">
+                <a:latin typeface="Courier New" panose="02070309020205020404" pitchFamily="49" charset="0"/>
+                <a:cs typeface="Courier New" panose="02070309020205020404" pitchFamily="49" charset="0"/>
+              </a:rPr>
+              <a:t>3</a:t>
+            </a:r>
+            <a:endParaRPr lang="en-NL" dirty="0">
+              <a:latin typeface="Courier New" panose="02070309020205020404" pitchFamily="49" charset="0"/>
+              <a:cs typeface="Courier New" panose="02070309020205020404" pitchFamily="49" charset="0"/>
+            </a:endParaRPr>
           </a:p>
         </p:txBody>
       </p:sp>
     </p:spTree>
     <p:extLst>
       <p:ext uri="{BB962C8B-B14F-4D97-AF65-F5344CB8AC3E}">
-        <p14:creationId xmlns:p14="http://schemas.microsoft.com/office/powerpoint/2010/main" val="3662473669"/>
+        <p14:creationId xmlns:p14="http://schemas.microsoft.com/office/powerpoint/2010/main" val="1716289816"/>
       </p:ext>
     </p:extLst>
   </p:cSld>
@@ -3714,6 +5214,1566 @@
       </p:grpSpPr>
       <p:sp>
         <p:nvSpPr>
+          <p:cNvPr id="2" name="Title 1">
+            <a:extLst>
+              <a:ext uri="{FF2B5EF4-FFF2-40B4-BE49-F238E27FC236}">
+                <a16:creationId xmlns:a16="http://schemas.microsoft.com/office/drawing/2014/main" id="{39A1D606-8DD1-369C-5C09-471CDD551AD5}"/>
+              </a:ext>
+            </a:extLst>
+          </p:cNvPr>
+          <p:cNvSpPr>
+            <a:spLocks noGrp="1"/>
+          </p:cNvSpPr>
+          <p:nvPr>
+            <p:ph type="title"/>
+          </p:nvPr>
+        </p:nvSpPr>
+        <p:spPr>
+          <a:xfrm>
+            <a:off x="838200" y="365126"/>
+            <a:ext cx="10515600" cy="718608"/>
+          </a:xfrm>
+        </p:spPr>
+        <p:txBody>
+          <a:bodyPr>
+            <a:normAutofit/>
+          </a:bodyPr>
+          <a:lstStyle/>
+          <a:p>
+            <a:r>
+              <a:rPr lang="nl-NL" sz="3600" noProof="0" dirty="0"/>
+              <a:t>Preparatie in </a:t>
+            </a:r>
+            <a:r>
+              <a:rPr lang="nl-NL" sz="3600" noProof="0" dirty="0" err="1"/>
+              <a:t>scikit</a:t>
+            </a:r>
+            <a:r>
+              <a:rPr lang="nl-NL" sz="3600" dirty="0"/>
+              <a:t>-</a:t>
+            </a:r>
+            <a:r>
+              <a:rPr lang="nl-NL" sz="3600" dirty="0" err="1"/>
+              <a:t>learn</a:t>
+            </a:r>
+            <a:endParaRPr lang="nl-NL" sz="3600" noProof="0" dirty="0"/>
+          </a:p>
+        </p:txBody>
+      </p:sp>
+      <p:sp>
+        <p:nvSpPr>
+          <p:cNvPr id="4" name="TextBox 3">
+            <a:extLst>
+              <a:ext uri="{FF2B5EF4-FFF2-40B4-BE49-F238E27FC236}">
+                <a16:creationId xmlns:a16="http://schemas.microsoft.com/office/drawing/2014/main" id="{B47EA95A-6DDD-ED89-357A-943A5BC87A94}"/>
+              </a:ext>
+            </a:extLst>
+          </p:cNvPr>
+          <p:cNvSpPr txBox="1"/>
+          <p:nvPr/>
+        </p:nvSpPr>
+        <p:spPr>
+          <a:xfrm>
+            <a:off x="6555232" y="2530561"/>
+            <a:ext cx="184731" cy="369332"/>
+          </a:xfrm>
+          <a:prstGeom prst="rect">
+            <a:avLst/>
+          </a:prstGeom>
+          <a:noFill/>
+        </p:spPr>
+        <p:txBody>
+          <a:bodyPr wrap="none" rtlCol="0">
+            <a:spAutoFit/>
+          </a:bodyPr>
+          <a:lstStyle/>
+          <a:p>
+            <a:endParaRPr lang="en-NL" dirty="0"/>
+          </a:p>
+        </p:txBody>
+      </p:sp>
+      <p:sp>
+        <p:nvSpPr>
+          <p:cNvPr id="3" name="Rectangle 2">
+            <a:extLst>
+              <a:ext uri="{FF2B5EF4-FFF2-40B4-BE49-F238E27FC236}">
+                <a16:creationId xmlns:a16="http://schemas.microsoft.com/office/drawing/2014/main" id="{D98ECDAC-8F8E-5A33-FF03-91C3D9EE9CAF}"/>
+              </a:ext>
+            </a:extLst>
+          </p:cNvPr>
+          <p:cNvSpPr/>
+          <p:nvPr/>
+        </p:nvSpPr>
+        <p:spPr>
+          <a:xfrm>
+            <a:off x="1295403" y="2548977"/>
+            <a:ext cx="1782170" cy="1409131"/>
+          </a:xfrm>
+          <a:prstGeom prst="rect">
+            <a:avLst/>
+          </a:prstGeom>
+        </p:spPr>
+        <p:style>
+          <a:lnRef idx="1">
+            <a:schemeClr val="accent4"/>
+          </a:lnRef>
+          <a:fillRef idx="2">
+            <a:schemeClr val="accent4"/>
+          </a:fillRef>
+          <a:effectRef idx="1">
+            <a:schemeClr val="accent4"/>
+          </a:effectRef>
+          <a:fontRef idx="minor">
+            <a:schemeClr val="dk1"/>
+          </a:fontRef>
+        </p:style>
+        <p:txBody>
+          <a:bodyPr rtlCol="0" anchor="ctr"/>
+          <a:lstStyle/>
+          <a:p>
+            <a:pPr algn="ctr"/>
+            <a:r>
+              <a:rPr lang="nl-NL" dirty="0"/>
+              <a:t>Bekende</a:t>
+            </a:r>
+          </a:p>
+          <a:p>
+            <a:pPr algn="ctr"/>
+            <a:r>
+              <a:rPr lang="nl-NL" dirty="0"/>
+              <a:t>data</a:t>
+            </a:r>
+          </a:p>
+        </p:txBody>
+      </p:sp>
+      <p:sp>
+        <p:nvSpPr>
+          <p:cNvPr id="10" name="Rectangle 9">
+            <a:extLst>
+              <a:ext uri="{FF2B5EF4-FFF2-40B4-BE49-F238E27FC236}">
+                <a16:creationId xmlns:a16="http://schemas.microsoft.com/office/drawing/2014/main" id="{E2036101-89EC-A3AA-E697-624CB501D0F0}"/>
+              </a:ext>
+            </a:extLst>
+          </p:cNvPr>
+          <p:cNvSpPr/>
+          <p:nvPr/>
+        </p:nvSpPr>
+        <p:spPr>
+          <a:xfrm>
+            <a:off x="4865427" y="2548976"/>
+            <a:ext cx="1782170" cy="1409131"/>
+          </a:xfrm>
+          <a:prstGeom prst="rect">
+            <a:avLst/>
+          </a:prstGeom>
+        </p:spPr>
+        <p:style>
+          <a:lnRef idx="1">
+            <a:schemeClr val="accent5"/>
+          </a:lnRef>
+          <a:fillRef idx="2">
+            <a:schemeClr val="accent5"/>
+          </a:fillRef>
+          <a:effectRef idx="1">
+            <a:schemeClr val="accent5"/>
+          </a:effectRef>
+          <a:fontRef idx="minor">
+            <a:schemeClr val="dk1"/>
+          </a:fontRef>
+        </p:style>
+        <p:txBody>
+          <a:bodyPr rtlCol="0" anchor="ctr"/>
+          <a:lstStyle/>
+          <a:p>
+            <a:pPr algn="ctr"/>
+            <a:r>
+              <a:rPr lang="nl-NL"/>
+              <a:t>Transformer</a:t>
+            </a:r>
+          </a:p>
+        </p:txBody>
+      </p:sp>
+      <p:sp>
+        <p:nvSpPr>
+          <p:cNvPr id="11" name="Rectangle 10">
+            <a:extLst>
+              <a:ext uri="{FF2B5EF4-FFF2-40B4-BE49-F238E27FC236}">
+                <a16:creationId xmlns:a16="http://schemas.microsoft.com/office/drawing/2014/main" id="{56B6EB72-403B-F8A7-4E28-79AF4C1B0D20}"/>
+              </a:ext>
+            </a:extLst>
+          </p:cNvPr>
+          <p:cNvSpPr/>
+          <p:nvPr/>
+        </p:nvSpPr>
+        <p:spPr>
+          <a:xfrm>
+            <a:off x="8435452" y="1139589"/>
+            <a:ext cx="1782170" cy="1409131"/>
+          </a:xfrm>
+          <a:prstGeom prst="rect">
+            <a:avLst/>
+          </a:prstGeom>
+        </p:spPr>
+        <p:style>
+          <a:lnRef idx="1">
+            <a:schemeClr val="accent2"/>
+          </a:lnRef>
+          <a:fillRef idx="2">
+            <a:schemeClr val="accent2"/>
+          </a:fillRef>
+          <a:effectRef idx="1">
+            <a:schemeClr val="accent2"/>
+          </a:effectRef>
+          <a:fontRef idx="minor">
+            <a:schemeClr val="dk1"/>
+          </a:fontRef>
+        </p:style>
+        <p:txBody>
+          <a:bodyPr rtlCol="0" anchor="ctr"/>
+          <a:lstStyle/>
+          <a:p>
+            <a:pPr algn="ctr"/>
+            <a:r>
+              <a:rPr lang="nl-NL" dirty="0"/>
+              <a:t>Nieuwe</a:t>
+            </a:r>
+          </a:p>
+          <a:p>
+            <a:pPr algn="ctr"/>
+            <a:r>
+              <a:rPr lang="nl-NL" dirty="0"/>
+              <a:t>data</a:t>
+            </a:r>
+          </a:p>
+        </p:txBody>
+      </p:sp>
+      <p:cxnSp>
+        <p:nvCxnSpPr>
+          <p:cNvPr id="17" name="Straight Arrow Connector 16">
+            <a:extLst>
+              <a:ext uri="{FF2B5EF4-FFF2-40B4-BE49-F238E27FC236}">
+                <a16:creationId xmlns:a16="http://schemas.microsoft.com/office/drawing/2014/main" id="{AFD48089-64A7-95BD-D46C-CCC57775C323}"/>
+              </a:ext>
+            </a:extLst>
+          </p:cNvPr>
+          <p:cNvCxnSpPr>
+            <a:cxnSpLocks/>
+            <a:stCxn id="3" idx="3"/>
+            <a:endCxn id="10" idx="1"/>
+          </p:cNvCxnSpPr>
+          <p:nvPr/>
+        </p:nvCxnSpPr>
+        <p:spPr>
+          <a:xfrm flipV="1">
+            <a:off x="3077573" y="3253542"/>
+            <a:ext cx="1787854" cy="1"/>
+          </a:xfrm>
+          <a:prstGeom prst="straightConnector1">
+            <a:avLst/>
+          </a:prstGeom>
+          <a:ln>
+            <a:tailEnd type="triangle"/>
+          </a:ln>
+        </p:spPr>
+        <p:style>
+          <a:lnRef idx="3">
+            <a:schemeClr val="dk1"/>
+          </a:lnRef>
+          <a:fillRef idx="0">
+            <a:schemeClr val="dk1"/>
+          </a:fillRef>
+          <a:effectRef idx="2">
+            <a:schemeClr val="dk1"/>
+          </a:effectRef>
+          <a:fontRef idx="minor">
+            <a:schemeClr val="tx1"/>
+          </a:fontRef>
+        </p:style>
+      </p:cxnSp>
+      <p:sp>
+        <p:nvSpPr>
+          <p:cNvPr id="19" name="TextBox 18">
+            <a:extLst>
+              <a:ext uri="{FF2B5EF4-FFF2-40B4-BE49-F238E27FC236}">
+                <a16:creationId xmlns:a16="http://schemas.microsoft.com/office/drawing/2014/main" id="{9A855E8B-4925-6186-EBE1-319368505CDA}"/>
+              </a:ext>
+            </a:extLst>
+          </p:cNvPr>
+          <p:cNvSpPr txBox="1"/>
+          <p:nvPr/>
+        </p:nvSpPr>
+        <p:spPr>
+          <a:xfrm>
+            <a:off x="3083257" y="2872597"/>
+            <a:ext cx="1761128" cy="369332"/>
+          </a:xfrm>
+          <a:prstGeom prst="rect">
+            <a:avLst/>
+          </a:prstGeom>
+          <a:noFill/>
+        </p:spPr>
+        <p:txBody>
+          <a:bodyPr wrap="square" rtlCol="0">
+            <a:spAutoFit/>
+          </a:bodyPr>
+          <a:lstStyle/>
+          <a:p>
+            <a:pPr algn="ctr"/>
+            <a:r>
+              <a:rPr lang="en-US" dirty="0">
+                <a:latin typeface="Courier New" panose="02070309020205020404" pitchFamily="49" charset="0"/>
+                <a:cs typeface="Courier New" panose="02070309020205020404" pitchFamily="49" charset="0"/>
+              </a:rPr>
+              <a:t>fit()</a:t>
+            </a:r>
+            <a:endParaRPr lang="en-NL" dirty="0">
+              <a:latin typeface="Courier New" panose="02070309020205020404" pitchFamily="49" charset="0"/>
+              <a:cs typeface="Courier New" panose="02070309020205020404" pitchFamily="49" charset="0"/>
+            </a:endParaRPr>
+          </a:p>
+        </p:txBody>
+      </p:sp>
+      <p:sp>
+        <p:nvSpPr>
+          <p:cNvPr id="23" name="TextBox 22">
+            <a:extLst>
+              <a:ext uri="{FF2B5EF4-FFF2-40B4-BE49-F238E27FC236}">
+                <a16:creationId xmlns:a16="http://schemas.microsoft.com/office/drawing/2014/main" id="{368B7D08-7638-CFCF-E59F-81E608E1F483}"/>
+              </a:ext>
+            </a:extLst>
+          </p:cNvPr>
+          <p:cNvSpPr txBox="1"/>
+          <p:nvPr/>
+        </p:nvSpPr>
+        <p:spPr>
+          <a:xfrm>
+            <a:off x="4886470" y="3958107"/>
+            <a:ext cx="1782169" cy="369332"/>
+          </a:xfrm>
+          <a:prstGeom prst="rect">
+            <a:avLst/>
+          </a:prstGeom>
+          <a:noFill/>
+        </p:spPr>
+        <p:txBody>
+          <a:bodyPr wrap="square" rtlCol="0">
+            <a:spAutoFit/>
+          </a:bodyPr>
+          <a:lstStyle/>
+          <a:p>
+            <a:pPr algn="ctr"/>
+            <a:r>
+              <a:rPr lang="en-US" dirty="0">
+                <a:latin typeface="Courier New" panose="02070309020205020404" pitchFamily="49" charset="0"/>
+                <a:cs typeface="Courier New" panose="02070309020205020404" pitchFamily="49" charset="0"/>
+              </a:rPr>
+              <a:t>mean = 3.5</a:t>
+            </a:r>
+            <a:endParaRPr lang="en-NL" dirty="0">
+              <a:latin typeface="Courier New" panose="02070309020205020404" pitchFamily="49" charset="0"/>
+              <a:cs typeface="Courier New" panose="02070309020205020404" pitchFamily="49" charset="0"/>
+            </a:endParaRPr>
+          </a:p>
+        </p:txBody>
+      </p:sp>
+      <p:cxnSp>
+        <p:nvCxnSpPr>
+          <p:cNvPr id="25" name="Straight Arrow Connector 24">
+            <a:extLst>
+              <a:ext uri="{FF2B5EF4-FFF2-40B4-BE49-F238E27FC236}">
+                <a16:creationId xmlns:a16="http://schemas.microsoft.com/office/drawing/2014/main" id="{41C66B95-50EC-FC89-87CD-5C6260FEBF92}"/>
+              </a:ext>
+            </a:extLst>
+          </p:cNvPr>
+          <p:cNvCxnSpPr>
+            <a:stCxn id="11" idx="1"/>
+            <a:endCxn id="10" idx="3"/>
+          </p:cNvCxnSpPr>
+          <p:nvPr/>
+        </p:nvCxnSpPr>
+        <p:spPr>
+          <a:xfrm flipH="1">
+            <a:off x="6647597" y="1844155"/>
+            <a:ext cx="1787855" cy="1409387"/>
+          </a:xfrm>
+          <a:prstGeom prst="straightConnector1">
+            <a:avLst/>
+          </a:prstGeom>
+          <a:ln>
+            <a:tailEnd type="triangle"/>
+          </a:ln>
+        </p:spPr>
+        <p:style>
+          <a:lnRef idx="3">
+            <a:schemeClr val="dk1"/>
+          </a:lnRef>
+          <a:fillRef idx="0">
+            <a:schemeClr val="dk1"/>
+          </a:fillRef>
+          <a:effectRef idx="2">
+            <a:schemeClr val="dk1"/>
+          </a:effectRef>
+          <a:fontRef idx="minor">
+            <a:schemeClr val="tx1"/>
+          </a:fontRef>
+        </p:style>
+      </p:cxnSp>
+      <p:sp>
+        <p:nvSpPr>
+          <p:cNvPr id="26" name="TextBox 25">
+            <a:extLst>
+              <a:ext uri="{FF2B5EF4-FFF2-40B4-BE49-F238E27FC236}">
+                <a16:creationId xmlns:a16="http://schemas.microsoft.com/office/drawing/2014/main" id="{2754FCE4-E189-9943-24CC-9485376AB372}"/>
+              </a:ext>
+            </a:extLst>
+          </p:cNvPr>
+          <p:cNvSpPr txBox="1"/>
+          <p:nvPr/>
+        </p:nvSpPr>
+        <p:spPr>
+          <a:xfrm>
+            <a:off x="6096000" y="1965685"/>
+            <a:ext cx="1701107" cy="369332"/>
+          </a:xfrm>
+          <a:prstGeom prst="rect">
+            <a:avLst/>
+          </a:prstGeom>
+          <a:noFill/>
+        </p:spPr>
+        <p:txBody>
+          <a:bodyPr wrap="none" rtlCol="0">
+            <a:spAutoFit/>
+          </a:bodyPr>
+          <a:lstStyle/>
+          <a:p>
+            <a:r>
+              <a:rPr lang="en-US" dirty="0">
+                <a:latin typeface="Courier New" panose="02070309020205020404" pitchFamily="49" charset="0"/>
+                <a:cs typeface="Courier New" panose="02070309020205020404" pitchFamily="49" charset="0"/>
+              </a:rPr>
+              <a:t>transform()</a:t>
+            </a:r>
+            <a:endParaRPr lang="en-NL" dirty="0">
+              <a:latin typeface="Courier New" panose="02070309020205020404" pitchFamily="49" charset="0"/>
+              <a:cs typeface="Courier New" panose="02070309020205020404" pitchFamily="49" charset="0"/>
+            </a:endParaRPr>
+          </a:p>
+        </p:txBody>
+      </p:sp>
+      <p:sp>
+        <p:nvSpPr>
+          <p:cNvPr id="29" name="TextBox 28">
+            <a:extLst>
+              <a:ext uri="{FF2B5EF4-FFF2-40B4-BE49-F238E27FC236}">
+                <a16:creationId xmlns:a16="http://schemas.microsoft.com/office/drawing/2014/main" id="{3B96C0EB-7058-74D5-FCDE-CF1CE696C866}"/>
+              </a:ext>
+            </a:extLst>
+          </p:cNvPr>
+          <p:cNvSpPr txBox="1"/>
+          <p:nvPr/>
+        </p:nvSpPr>
+        <p:spPr>
+          <a:xfrm>
+            <a:off x="887109" y="2646987"/>
+            <a:ext cx="402609" cy="1200329"/>
+          </a:xfrm>
+          <a:prstGeom prst="rect">
+            <a:avLst/>
+          </a:prstGeom>
+          <a:noFill/>
+        </p:spPr>
+        <p:txBody>
+          <a:bodyPr wrap="square" rtlCol="0">
+            <a:spAutoFit/>
+          </a:bodyPr>
+          <a:lstStyle/>
+          <a:p>
+            <a:r>
+              <a:rPr lang="en-US" dirty="0">
+                <a:latin typeface="Courier New" panose="02070309020205020404" pitchFamily="49" charset="0"/>
+                <a:cs typeface="Courier New" panose="02070309020205020404" pitchFamily="49" charset="0"/>
+              </a:rPr>
+              <a:t>6</a:t>
+            </a:r>
+          </a:p>
+          <a:p>
+            <a:r>
+              <a:rPr lang="en-US" dirty="0">
+                <a:latin typeface="Courier New" panose="02070309020205020404" pitchFamily="49" charset="0"/>
+                <a:cs typeface="Courier New" panose="02070309020205020404" pitchFamily="49" charset="0"/>
+              </a:rPr>
+              <a:t>1</a:t>
+            </a:r>
+          </a:p>
+          <a:p>
+            <a:r>
+              <a:rPr lang="en-US" dirty="0">
+                <a:latin typeface="Courier New" panose="02070309020205020404" pitchFamily="49" charset="0"/>
+                <a:cs typeface="Courier New" panose="02070309020205020404" pitchFamily="49" charset="0"/>
+              </a:rPr>
+              <a:t>4</a:t>
+            </a:r>
+          </a:p>
+          <a:p>
+            <a:r>
+              <a:rPr lang="en-US" dirty="0">
+                <a:latin typeface="Courier New" panose="02070309020205020404" pitchFamily="49" charset="0"/>
+                <a:cs typeface="Courier New" panose="02070309020205020404" pitchFamily="49" charset="0"/>
+              </a:rPr>
+              <a:t>3</a:t>
+            </a:r>
+            <a:endParaRPr lang="en-NL" dirty="0">
+              <a:latin typeface="Courier New" panose="02070309020205020404" pitchFamily="49" charset="0"/>
+              <a:cs typeface="Courier New" panose="02070309020205020404" pitchFamily="49" charset="0"/>
+            </a:endParaRPr>
+          </a:p>
+        </p:txBody>
+      </p:sp>
+      <p:sp>
+        <p:nvSpPr>
+          <p:cNvPr id="30" name="TextBox 29">
+            <a:extLst>
+              <a:ext uri="{FF2B5EF4-FFF2-40B4-BE49-F238E27FC236}">
+                <a16:creationId xmlns:a16="http://schemas.microsoft.com/office/drawing/2014/main" id="{64ECBD68-9822-B3E8-9EA5-61ED479607C7}"/>
+              </a:ext>
+            </a:extLst>
+          </p:cNvPr>
+          <p:cNvSpPr txBox="1"/>
+          <p:nvPr/>
+        </p:nvSpPr>
+        <p:spPr>
+          <a:xfrm>
+            <a:off x="10221155" y="1237670"/>
+            <a:ext cx="634812" cy="1200329"/>
+          </a:xfrm>
+          <a:prstGeom prst="rect">
+            <a:avLst/>
+          </a:prstGeom>
+          <a:noFill/>
+        </p:spPr>
+        <p:txBody>
+          <a:bodyPr wrap="square" rtlCol="0">
+            <a:spAutoFit/>
+          </a:bodyPr>
+          <a:lstStyle/>
+          <a:p>
+            <a:r>
+              <a:rPr lang="en-US" dirty="0">
+                <a:latin typeface="Courier New" panose="02070309020205020404" pitchFamily="49" charset="0"/>
+                <a:cs typeface="Courier New" panose="02070309020205020404" pitchFamily="49" charset="0"/>
+              </a:rPr>
+              <a:t>1</a:t>
+            </a:r>
+          </a:p>
+          <a:p>
+            <a:r>
+              <a:rPr lang="en-US" dirty="0">
+                <a:latin typeface="Courier New" panose="02070309020205020404" pitchFamily="49" charset="0"/>
+                <a:cs typeface="Courier New" panose="02070309020205020404" pitchFamily="49" charset="0"/>
+              </a:rPr>
+              <a:t>9</a:t>
+            </a:r>
+          </a:p>
+          <a:p>
+            <a:r>
+              <a:rPr lang="en-US" dirty="0">
+                <a:latin typeface="Courier New" panose="02070309020205020404" pitchFamily="49" charset="0"/>
+                <a:cs typeface="Courier New" panose="02070309020205020404" pitchFamily="49" charset="0"/>
+              </a:rPr>
+              <a:t>3</a:t>
+            </a:r>
+          </a:p>
+          <a:p>
+            <a:r>
+              <a:rPr lang="en-US" b="1" dirty="0">
+                <a:latin typeface="Courier New" panose="02070309020205020404" pitchFamily="49" charset="0"/>
+                <a:cs typeface="Courier New" panose="02070309020205020404" pitchFamily="49" charset="0"/>
+              </a:rPr>
+              <a:t>NA</a:t>
+            </a:r>
+            <a:endParaRPr lang="en-NL" b="1" dirty="0">
+              <a:latin typeface="Courier New" panose="02070309020205020404" pitchFamily="49" charset="0"/>
+              <a:cs typeface="Courier New" panose="02070309020205020404" pitchFamily="49" charset="0"/>
+            </a:endParaRPr>
+          </a:p>
+        </p:txBody>
+      </p:sp>
+    </p:spTree>
+    <p:extLst>
+      <p:ext uri="{BB962C8B-B14F-4D97-AF65-F5344CB8AC3E}">
+        <p14:creationId xmlns:p14="http://schemas.microsoft.com/office/powerpoint/2010/main" val="2948227826"/>
+      </p:ext>
+    </p:extLst>
+  </p:cSld>
+  <p:clrMapOvr>
+    <a:masterClrMapping/>
+  </p:clrMapOvr>
+</p:sld>
+</file>
+
+<file path=ppt/slides/slide14.xml><?xml version="1.0" encoding="utf-8"?>
+<p:sld xmlns:a="http://schemas.openxmlformats.org/drawingml/2006/main" xmlns:r="http://schemas.openxmlformats.org/officeDocument/2006/relationships" xmlns:p="http://schemas.openxmlformats.org/presentationml/2006/main">
+  <p:cSld>
+    <p:spTree>
+      <p:nvGrpSpPr>
+        <p:cNvPr id="1" name=""/>
+        <p:cNvGrpSpPr/>
+        <p:nvPr/>
+      </p:nvGrpSpPr>
+      <p:grpSpPr>
+        <a:xfrm>
+          <a:off x="0" y="0"/>
+          <a:ext cx="0" cy="0"/>
+          <a:chOff x="0" y="0"/>
+          <a:chExt cx="0" cy="0"/>
+        </a:xfrm>
+      </p:grpSpPr>
+      <p:sp>
+        <p:nvSpPr>
+          <p:cNvPr id="2" name="Title 1">
+            <a:extLst>
+              <a:ext uri="{FF2B5EF4-FFF2-40B4-BE49-F238E27FC236}">
+                <a16:creationId xmlns:a16="http://schemas.microsoft.com/office/drawing/2014/main" id="{39A1D606-8DD1-369C-5C09-471CDD551AD5}"/>
+              </a:ext>
+            </a:extLst>
+          </p:cNvPr>
+          <p:cNvSpPr>
+            <a:spLocks noGrp="1"/>
+          </p:cNvSpPr>
+          <p:nvPr>
+            <p:ph type="title"/>
+          </p:nvPr>
+        </p:nvSpPr>
+        <p:spPr>
+          <a:xfrm>
+            <a:off x="838200" y="365126"/>
+            <a:ext cx="10515600" cy="718608"/>
+          </a:xfrm>
+        </p:spPr>
+        <p:txBody>
+          <a:bodyPr>
+            <a:normAutofit/>
+          </a:bodyPr>
+          <a:lstStyle/>
+          <a:p>
+            <a:r>
+              <a:rPr lang="nl-NL" sz="3600" noProof="0" dirty="0"/>
+              <a:t>Preparatie in </a:t>
+            </a:r>
+            <a:r>
+              <a:rPr lang="nl-NL" sz="3600" noProof="0" dirty="0" err="1"/>
+              <a:t>scikit</a:t>
+            </a:r>
+            <a:r>
+              <a:rPr lang="nl-NL" sz="3600" dirty="0"/>
+              <a:t>-</a:t>
+            </a:r>
+            <a:r>
+              <a:rPr lang="nl-NL" sz="3600" dirty="0" err="1"/>
+              <a:t>learn</a:t>
+            </a:r>
+            <a:endParaRPr lang="nl-NL" sz="3600" noProof="0" dirty="0"/>
+          </a:p>
+        </p:txBody>
+      </p:sp>
+      <p:sp>
+        <p:nvSpPr>
+          <p:cNvPr id="4" name="TextBox 3">
+            <a:extLst>
+              <a:ext uri="{FF2B5EF4-FFF2-40B4-BE49-F238E27FC236}">
+                <a16:creationId xmlns:a16="http://schemas.microsoft.com/office/drawing/2014/main" id="{B47EA95A-6DDD-ED89-357A-943A5BC87A94}"/>
+              </a:ext>
+            </a:extLst>
+          </p:cNvPr>
+          <p:cNvSpPr txBox="1"/>
+          <p:nvPr/>
+        </p:nvSpPr>
+        <p:spPr>
+          <a:xfrm>
+            <a:off x="6555232" y="2530561"/>
+            <a:ext cx="184731" cy="369332"/>
+          </a:xfrm>
+          <a:prstGeom prst="rect">
+            <a:avLst/>
+          </a:prstGeom>
+          <a:noFill/>
+        </p:spPr>
+        <p:txBody>
+          <a:bodyPr wrap="none" rtlCol="0">
+            <a:spAutoFit/>
+          </a:bodyPr>
+          <a:lstStyle/>
+          <a:p>
+            <a:endParaRPr lang="en-NL" dirty="0"/>
+          </a:p>
+        </p:txBody>
+      </p:sp>
+      <p:sp>
+        <p:nvSpPr>
+          <p:cNvPr id="3" name="Rectangle 2">
+            <a:extLst>
+              <a:ext uri="{FF2B5EF4-FFF2-40B4-BE49-F238E27FC236}">
+                <a16:creationId xmlns:a16="http://schemas.microsoft.com/office/drawing/2014/main" id="{D98ECDAC-8F8E-5A33-FF03-91C3D9EE9CAF}"/>
+              </a:ext>
+            </a:extLst>
+          </p:cNvPr>
+          <p:cNvSpPr/>
+          <p:nvPr/>
+        </p:nvSpPr>
+        <p:spPr>
+          <a:xfrm>
+            <a:off x="1295403" y="2548977"/>
+            <a:ext cx="1782170" cy="1409131"/>
+          </a:xfrm>
+          <a:prstGeom prst="rect">
+            <a:avLst/>
+          </a:prstGeom>
+        </p:spPr>
+        <p:style>
+          <a:lnRef idx="1">
+            <a:schemeClr val="accent4"/>
+          </a:lnRef>
+          <a:fillRef idx="2">
+            <a:schemeClr val="accent4"/>
+          </a:fillRef>
+          <a:effectRef idx="1">
+            <a:schemeClr val="accent4"/>
+          </a:effectRef>
+          <a:fontRef idx="minor">
+            <a:schemeClr val="dk1"/>
+          </a:fontRef>
+        </p:style>
+        <p:txBody>
+          <a:bodyPr rtlCol="0" anchor="ctr"/>
+          <a:lstStyle/>
+          <a:p>
+            <a:pPr algn="ctr"/>
+            <a:r>
+              <a:rPr lang="nl-NL" dirty="0"/>
+              <a:t>Bekende</a:t>
+            </a:r>
+          </a:p>
+          <a:p>
+            <a:pPr algn="ctr"/>
+            <a:r>
+              <a:rPr lang="nl-NL" dirty="0"/>
+              <a:t>data</a:t>
+            </a:r>
+          </a:p>
+        </p:txBody>
+      </p:sp>
+      <p:sp>
+        <p:nvSpPr>
+          <p:cNvPr id="10" name="Rectangle 9">
+            <a:extLst>
+              <a:ext uri="{FF2B5EF4-FFF2-40B4-BE49-F238E27FC236}">
+                <a16:creationId xmlns:a16="http://schemas.microsoft.com/office/drawing/2014/main" id="{E2036101-89EC-A3AA-E697-624CB501D0F0}"/>
+              </a:ext>
+            </a:extLst>
+          </p:cNvPr>
+          <p:cNvSpPr/>
+          <p:nvPr/>
+        </p:nvSpPr>
+        <p:spPr>
+          <a:xfrm>
+            <a:off x="4865427" y="2548976"/>
+            <a:ext cx="1782170" cy="1409131"/>
+          </a:xfrm>
+          <a:prstGeom prst="rect">
+            <a:avLst/>
+          </a:prstGeom>
+        </p:spPr>
+        <p:style>
+          <a:lnRef idx="1">
+            <a:schemeClr val="accent5"/>
+          </a:lnRef>
+          <a:fillRef idx="2">
+            <a:schemeClr val="accent5"/>
+          </a:fillRef>
+          <a:effectRef idx="1">
+            <a:schemeClr val="accent5"/>
+          </a:effectRef>
+          <a:fontRef idx="minor">
+            <a:schemeClr val="dk1"/>
+          </a:fontRef>
+        </p:style>
+        <p:txBody>
+          <a:bodyPr rtlCol="0" anchor="ctr"/>
+          <a:lstStyle/>
+          <a:p>
+            <a:pPr algn="ctr"/>
+            <a:r>
+              <a:rPr lang="nl-NL"/>
+              <a:t>Transformer</a:t>
+            </a:r>
+          </a:p>
+        </p:txBody>
+      </p:sp>
+      <p:sp>
+        <p:nvSpPr>
+          <p:cNvPr id="11" name="Rectangle 10">
+            <a:extLst>
+              <a:ext uri="{FF2B5EF4-FFF2-40B4-BE49-F238E27FC236}">
+                <a16:creationId xmlns:a16="http://schemas.microsoft.com/office/drawing/2014/main" id="{56B6EB72-403B-F8A7-4E28-79AF4C1B0D20}"/>
+              </a:ext>
+            </a:extLst>
+          </p:cNvPr>
+          <p:cNvSpPr/>
+          <p:nvPr/>
+        </p:nvSpPr>
+        <p:spPr>
+          <a:xfrm>
+            <a:off x="8435452" y="1139589"/>
+            <a:ext cx="1782170" cy="1409131"/>
+          </a:xfrm>
+          <a:prstGeom prst="rect">
+            <a:avLst/>
+          </a:prstGeom>
+        </p:spPr>
+        <p:style>
+          <a:lnRef idx="1">
+            <a:schemeClr val="accent2"/>
+          </a:lnRef>
+          <a:fillRef idx="2">
+            <a:schemeClr val="accent2"/>
+          </a:fillRef>
+          <a:effectRef idx="1">
+            <a:schemeClr val="accent2"/>
+          </a:effectRef>
+          <a:fontRef idx="minor">
+            <a:schemeClr val="dk1"/>
+          </a:fontRef>
+        </p:style>
+        <p:txBody>
+          <a:bodyPr rtlCol="0" anchor="ctr"/>
+          <a:lstStyle/>
+          <a:p>
+            <a:pPr algn="ctr"/>
+            <a:r>
+              <a:rPr lang="nl-NL" dirty="0"/>
+              <a:t>Nieuwe</a:t>
+            </a:r>
+          </a:p>
+          <a:p>
+            <a:pPr algn="ctr"/>
+            <a:r>
+              <a:rPr lang="nl-NL" dirty="0"/>
+              <a:t>data</a:t>
+            </a:r>
+          </a:p>
+        </p:txBody>
+      </p:sp>
+      <p:sp>
+        <p:nvSpPr>
+          <p:cNvPr id="15" name="Rectangle 14">
+            <a:extLst>
+              <a:ext uri="{FF2B5EF4-FFF2-40B4-BE49-F238E27FC236}">
+                <a16:creationId xmlns:a16="http://schemas.microsoft.com/office/drawing/2014/main" id="{5F19AC63-4E65-C8A0-90B6-155E6458E206}"/>
+              </a:ext>
+            </a:extLst>
+          </p:cNvPr>
+          <p:cNvSpPr/>
+          <p:nvPr/>
+        </p:nvSpPr>
+        <p:spPr>
+          <a:xfrm>
+            <a:off x="8435452" y="3958107"/>
+            <a:ext cx="1782170" cy="1409131"/>
+          </a:xfrm>
+          <a:prstGeom prst="rect">
+            <a:avLst/>
+          </a:prstGeom>
+        </p:spPr>
+        <p:style>
+          <a:lnRef idx="1">
+            <a:schemeClr val="accent6"/>
+          </a:lnRef>
+          <a:fillRef idx="2">
+            <a:schemeClr val="accent6"/>
+          </a:fillRef>
+          <a:effectRef idx="1">
+            <a:schemeClr val="accent6"/>
+          </a:effectRef>
+          <a:fontRef idx="minor">
+            <a:schemeClr val="dk1"/>
+          </a:fontRef>
+        </p:style>
+        <p:txBody>
+          <a:bodyPr rtlCol="0" anchor="ctr"/>
+          <a:lstStyle/>
+          <a:p>
+            <a:pPr algn="ctr"/>
+            <a:r>
+              <a:rPr lang="nl-NL" dirty="0"/>
+              <a:t>Geprepareerde data</a:t>
+            </a:r>
+          </a:p>
+        </p:txBody>
+      </p:sp>
+      <p:cxnSp>
+        <p:nvCxnSpPr>
+          <p:cNvPr id="17" name="Straight Arrow Connector 16">
+            <a:extLst>
+              <a:ext uri="{FF2B5EF4-FFF2-40B4-BE49-F238E27FC236}">
+                <a16:creationId xmlns:a16="http://schemas.microsoft.com/office/drawing/2014/main" id="{AFD48089-64A7-95BD-D46C-CCC57775C323}"/>
+              </a:ext>
+            </a:extLst>
+          </p:cNvPr>
+          <p:cNvCxnSpPr>
+            <a:cxnSpLocks/>
+            <a:stCxn id="3" idx="3"/>
+            <a:endCxn id="10" idx="1"/>
+          </p:cNvCxnSpPr>
+          <p:nvPr/>
+        </p:nvCxnSpPr>
+        <p:spPr>
+          <a:xfrm flipV="1">
+            <a:off x="3077573" y="3253542"/>
+            <a:ext cx="1787854" cy="1"/>
+          </a:xfrm>
+          <a:prstGeom prst="straightConnector1">
+            <a:avLst/>
+          </a:prstGeom>
+          <a:ln>
+            <a:tailEnd type="triangle"/>
+          </a:ln>
+        </p:spPr>
+        <p:style>
+          <a:lnRef idx="3">
+            <a:schemeClr val="dk1"/>
+          </a:lnRef>
+          <a:fillRef idx="0">
+            <a:schemeClr val="dk1"/>
+          </a:fillRef>
+          <a:effectRef idx="2">
+            <a:schemeClr val="dk1"/>
+          </a:effectRef>
+          <a:fontRef idx="minor">
+            <a:schemeClr val="tx1"/>
+          </a:fontRef>
+        </p:style>
+      </p:cxnSp>
+      <p:sp>
+        <p:nvSpPr>
+          <p:cNvPr id="19" name="TextBox 18">
+            <a:extLst>
+              <a:ext uri="{FF2B5EF4-FFF2-40B4-BE49-F238E27FC236}">
+                <a16:creationId xmlns:a16="http://schemas.microsoft.com/office/drawing/2014/main" id="{9A855E8B-4925-6186-EBE1-319368505CDA}"/>
+              </a:ext>
+            </a:extLst>
+          </p:cNvPr>
+          <p:cNvSpPr txBox="1"/>
+          <p:nvPr/>
+        </p:nvSpPr>
+        <p:spPr>
+          <a:xfrm>
+            <a:off x="3083257" y="2872597"/>
+            <a:ext cx="1761128" cy="369332"/>
+          </a:xfrm>
+          <a:prstGeom prst="rect">
+            <a:avLst/>
+          </a:prstGeom>
+          <a:noFill/>
+        </p:spPr>
+        <p:txBody>
+          <a:bodyPr wrap="square" rtlCol="0">
+            <a:spAutoFit/>
+          </a:bodyPr>
+          <a:lstStyle/>
+          <a:p>
+            <a:pPr algn="ctr"/>
+            <a:r>
+              <a:rPr lang="en-US" dirty="0">
+                <a:latin typeface="Courier New" panose="02070309020205020404" pitchFamily="49" charset="0"/>
+                <a:cs typeface="Courier New" panose="02070309020205020404" pitchFamily="49" charset="0"/>
+              </a:rPr>
+              <a:t>fit()</a:t>
+            </a:r>
+            <a:endParaRPr lang="en-NL" dirty="0">
+              <a:latin typeface="Courier New" panose="02070309020205020404" pitchFamily="49" charset="0"/>
+              <a:cs typeface="Courier New" panose="02070309020205020404" pitchFamily="49" charset="0"/>
+            </a:endParaRPr>
+          </a:p>
+        </p:txBody>
+      </p:sp>
+      <p:sp>
+        <p:nvSpPr>
+          <p:cNvPr id="23" name="TextBox 22">
+            <a:extLst>
+              <a:ext uri="{FF2B5EF4-FFF2-40B4-BE49-F238E27FC236}">
+                <a16:creationId xmlns:a16="http://schemas.microsoft.com/office/drawing/2014/main" id="{368B7D08-7638-CFCF-E59F-81E608E1F483}"/>
+              </a:ext>
+            </a:extLst>
+          </p:cNvPr>
+          <p:cNvSpPr txBox="1"/>
+          <p:nvPr/>
+        </p:nvSpPr>
+        <p:spPr>
+          <a:xfrm>
+            <a:off x="4886470" y="3958107"/>
+            <a:ext cx="1782169" cy="369332"/>
+          </a:xfrm>
+          <a:prstGeom prst="rect">
+            <a:avLst/>
+          </a:prstGeom>
+          <a:noFill/>
+        </p:spPr>
+        <p:txBody>
+          <a:bodyPr wrap="square" rtlCol="0">
+            <a:spAutoFit/>
+          </a:bodyPr>
+          <a:lstStyle/>
+          <a:p>
+            <a:pPr algn="ctr"/>
+            <a:r>
+              <a:rPr lang="en-US" dirty="0">
+                <a:latin typeface="Courier New" panose="02070309020205020404" pitchFamily="49" charset="0"/>
+                <a:cs typeface="Courier New" panose="02070309020205020404" pitchFamily="49" charset="0"/>
+              </a:rPr>
+              <a:t>mean = 3.5</a:t>
+            </a:r>
+            <a:endParaRPr lang="en-NL" dirty="0">
+              <a:latin typeface="Courier New" panose="02070309020205020404" pitchFamily="49" charset="0"/>
+              <a:cs typeface="Courier New" panose="02070309020205020404" pitchFamily="49" charset="0"/>
+            </a:endParaRPr>
+          </a:p>
+        </p:txBody>
+      </p:sp>
+      <p:cxnSp>
+        <p:nvCxnSpPr>
+          <p:cNvPr id="25" name="Straight Arrow Connector 24">
+            <a:extLst>
+              <a:ext uri="{FF2B5EF4-FFF2-40B4-BE49-F238E27FC236}">
+                <a16:creationId xmlns:a16="http://schemas.microsoft.com/office/drawing/2014/main" id="{41C66B95-50EC-FC89-87CD-5C6260FEBF92}"/>
+              </a:ext>
+            </a:extLst>
+          </p:cNvPr>
+          <p:cNvCxnSpPr>
+            <a:stCxn id="11" idx="1"/>
+            <a:endCxn id="10" idx="3"/>
+          </p:cNvCxnSpPr>
+          <p:nvPr/>
+        </p:nvCxnSpPr>
+        <p:spPr>
+          <a:xfrm flipH="1">
+            <a:off x="6647597" y="1844155"/>
+            <a:ext cx="1787855" cy="1409387"/>
+          </a:xfrm>
+          <a:prstGeom prst="straightConnector1">
+            <a:avLst/>
+          </a:prstGeom>
+          <a:ln>
+            <a:tailEnd type="triangle"/>
+          </a:ln>
+        </p:spPr>
+        <p:style>
+          <a:lnRef idx="3">
+            <a:schemeClr val="dk1"/>
+          </a:lnRef>
+          <a:fillRef idx="0">
+            <a:schemeClr val="dk1"/>
+          </a:fillRef>
+          <a:effectRef idx="2">
+            <a:schemeClr val="dk1"/>
+          </a:effectRef>
+          <a:fontRef idx="minor">
+            <a:schemeClr val="tx1"/>
+          </a:fontRef>
+        </p:style>
+      </p:cxnSp>
+      <p:sp>
+        <p:nvSpPr>
+          <p:cNvPr id="26" name="TextBox 25">
+            <a:extLst>
+              <a:ext uri="{FF2B5EF4-FFF2-40B4-BE49-F238E27FC236}">
+                <a16:creationId xmlns:a16="http://schemas.microsoft.com/office/drawing/2014/main" id="{2754FCE4-E189-9943-24CC-9485376AB372}"/>
+              </a:ext>
+            </a:extLst>
+          </p:cNvPr>
+          <p:cNvSpPr txBox="1"/>
+          <p:nvPr/>
+        </p:nvSpPr>
+        <p:spPr>
+          <a:xfrm>
+            <a:off x="6096000" y="1965685"/>
+            <a:ext cx="1701107" cy="369332"/>
+          </a:xfrm>
+          <a:prstGeom prst="rect">
+            <a:avLst/>
+          </a:prstGeom>
+          <a:noFill/>
+        </p:spPr>
+        <p:txBody>
+          <a:bodyPr wrap="none" rtlCol="0">
+            <a:spAutoFit/>
+          </a:bodyPr>
+          <a:lstStyle/>
+          <a:p>
+            <a:r>
+              <a:rPr lang="en-US" dirty="0">
+                <a:latin typeface="Courier New" panose="02070309020205020404" pitchFamily="49" charset="0"/>
+                <a:cs typeface="Courier New" panose="02070309020205020404" pitchFamily="49" charset="0"/>
+              </a:rPr>
+              <a:t>transform()</a:t>
+            </a:r>
+            <a:endParaRPr lang="en-NL" dirty="0">
+              <a:latin typeface="Courier New" panose="02070309020205020404" pitchFamily="49" charset="0"/>
+              <a:cs typeface="Courier New" panose="02070309020205020404" pitchFamily="49" charset="0"/>
+            </a:endParaRPr>
+          </a:p>
+        </p:txBody>
+      </p:sp>
+      <p:cxnSp>
+        <p:nvCxnSpPr>
+          <p:cNvPr id="28" name="Straight Arrow Connector 27">
+            <a:extLst>
+              <a:ext uri="{FF2B5EF4-FFF2-40B4-BE49-F238E27FC236}">
+                <a16:creationId xmlns:a16="http://schemas.microsoft.com/office/drawing/2014/main" id="{C5AAE9E9-1CB7-6429-6343-3554A13094E4}"/>
+              </a:ext>
+            </a:extLst>
+          </p:cNvPr>
+          <p:cNvCxnSpPr>
+            <a:stCxn id="10" idx="3"/>
+            <a:endCxn id="15" idx="1"/>
+          </p:cNvCxnSpPr>
+          <p:nvPr/>
+        </p:nvCxnSpPr>
+        <p:spPr>
+          <a:xfrm>
+            <a:off x="6647597" y="3253542"/>
+            <a:ext cx="1787855" cy="1409131"/>
+          </a:xfrm>
+          <a:prstGeom prst="straightConnector1">
+            <a:avLst/>
+          </a:prstGeom>
+          <a:ln>
+            <a:tailEnd type="triangle"/>
+          </a:ln>
+        </p:spPr>
+        <p:style>
+          <a:lnRef idx="3">
+            <a:schemeClr val="dk1"/>
+          </a:lnRef>
+          <a:fillRef idx="0">
+            <a:schemeClr val="dk1"/>
+          </a:fillRef>
+          <a:effectRef idx="2">
+            <a:schemeClr val="dk1"/>
+          </a:effectRef>
+          <a:fontRef idx="minor">
+            <a:schemeClr val="tx1"/>
+          </a:fontRef>
+        </p:style>
+      </p:cxnSp>
+      <p:sp>
+        <p:nvSpPr>
+          <p:cNvPr id="29" name="TextBox 28">
+            <a:extLst>
+              <a:ext uri="{FF2B5EF4-FFF2-40B4-BE49-F238E27FC236}">
+                <a16:creationId xmlns:a16="http://schemas.microsoft.com/office/drawing/2014/main" id="{3B96C0EB-7058-74D5-FCDE-CF1CE696C866}"/>
+              </a:ext>
+            </a:extLst>
+          </p:cNvPr>
+          <p:cNvSpPr txBox="1"/>
+          <p:nvPr/>
+        </p:nvSpPr>
+        <p:spPr>
+          <a:xfrm>
+            <a:off x="887109" y="2646987"/>
+            <a:ext cx="402609" cy="1200329"/>
+          </a:xfrm>
+          <a:prstGeom prst="rect">
+            <a:avLst/>
+          </a:prstGeom>
+          <a:noFill/>
+        </p:spPr>
+        <p:txBody>
+          <a:bodyPr wrap="square" rtlCol="0">
+            <a:spAutoFit/>
+          </a:bodyPr>
+          <a:lstStyle/>
+          <a:p>
+            <a:r>
+              <a:rPr lang="en-US" dirty="0">
+                <a:latin typeface="Courier New" panose="02070309020205020404" pitchFamily="49" charset="0"/>
+                <a:cs typeface="Courier New" panose="02070309020205020404" pitchFamily="49" charset="0"/>
+              </a:rPr>
+              <a:t>6</a:t>
+            </a:r>
+          </a:p>
+          <a:p>
+            <a:r>
+              <a:rPr lang="en-US" dirty="0">
+                <a:latin typeface="Courier New" panose="02070309020205020404" pitchFamily="49" charset="0"/>
+                <a:cs typeface="Courier New" panose="02070309020205020404" pitchFamily="49" charset="0"/>
+              </a:rPr>
+              <a:t>1</a:t>
+            </a:r>
+          </a:p>
+          <a:p>
+            <a:r>
+              <a:rPr lang="en-US" dirty="0">
+                <a:latin typeface="Courier New" panose="02070309020205020404" pitchFamily="49" charset="0"/>
+                <a:cs typeface="Courier New" panose="02070309020205020404" pitchFamily="49" charset="0"/>
+              </a:rPr>
+              <a:t>4</a:t>
+            </a:r>
+          </a:p>
+          <a:p>
+            <a:r>
+              <a:rPr lang="en-US" dirty="0">
+                <a:latin typeface="Courier New" panose="02070309020205020404" pitchFamily="49" charset="0"/>
+                <a:cs typeface="Courier New" panose="02070309020205020404" pitchFamily="49" charset="0"/>
+              </a:rPr>
+              <a:t>3</a:t>
+            </a:r>
+            <a:endParaRPr lang="en-NL" dirty="0">
+              <a:latin typeface="Courier New" panose="02070309020205020404" pitchFamily="49" charset="0"/>
+              <a:cs typeface="Courier New" panose="02070309020205020404" pitchFamily="49" charset="0"/>
+            </a:endParaRPr>
+          </a:p>
+        </p:txBody>
+      </p:sp>
+      <p:sp>
+        <p:nvSpPr>
+          <p:cNvPr id="30" name="TextBox 29">
+            <a:extLst>
+              <a:ext uri="{FF2B5EF4-FFF2-40B4-BE49-F238E27FC236}">
+                <a16:creationId xmlns:a16="http://schemas.microsoft.com/office/drawing/2014/main" id="{64ECBD68-9822-B3E8-9EA5-61ED479607C7}"/>
+              </a:ext>
+            </a:extLst>
+          </p:cNvPr>
+          <p:cNvSpPr txBox="1"/>
+          <p:nvPr/>
+        </p:nvSpPr>
+        <p:spPr>
+          <a:xfrm>
+            <a:off x="10221155" y="1237670"/>
+            <a:ext cx="634812" cy="1200329"/>
+          </a:xfrm>
+          <a:prstGeom prst="rect">
+            <a:avLst/>
+          </a:prstGeom>
+          <a:noFill/>
+        </p:spPr>
+        <p:txBody>
+          <a:bodyPr wrap="square" rtlCol="0">
+            <a:spAutoFit/>
+          </a:bodyPr>
+          <a:lstStyle/>
+          <a:p>
+            <a:r>
+              <a:rPr lang="en-US" dirty="0">
+                <a:latin typeface="Courier New" panose="02070309020205020404" pitchFamily="49" charset="0"/>
+                <a:cs typeface="Courier New" panose="02070309020205020404" pitchFamily="49" charset="0"/>
+              </a:rPr>
+              <a:t>1</a:t>
+            </a:r>
+          </a:p>
+          <a:p>
+            <a:r>
+              <a:rPr lang="en-US" dirty="0">
+                <a:latin typeface="Courier New" panose="02070309020205020404" pitchFamily="49" charset="0"/>
+                <a:cs typeface="Courier New" panose="02070309020205020404" pitchFamily="49" charset="0"/>
+              </a:rPr>
+              <a:t>9</a:t>
+            </a:r>
+          </a:p>
+          <a:p>
+            <a:r>
+              <a:rPr lang="en-US" dirty="0">
+                <a:latin typeface="Courier New" panose="02070309020205020404" pitchFamily="49" charset="0"/>
+                <a:cs typeface="Courier New" panose="02070309020205020404" pitchFamily="49" charset="0"/>
+              </a:rPr>
+              <a:t>3</a:t>
+            </a:r>
+          </a:p>
+          <a:p>
+            <a:r>
+              <a:rPr lang="en-US" b="1" dirty="0">
+                <a:latin typeface="Courier New" panose="02070309020205020404" pitchFamily="49" charset="0"/>
+                <a:cs typeface="Courier New" panose="02070309020205020404" pitchFamily="49" charset="0"/>
+              </a:rPr>
+              <a:t>NA</a:t>
+            </a:r>
+            <a:endParaRPr lang="en-NL" b="1" dirty="0">
+              <a:latin typeface="Courier New" panose="02070309020205020404" pitchFamily="49" charset="0"/>
+              <a:cs typeface="Courier New" panose="02070309020205020404" pitchFamily="49" charset="0"/>
+            </a:endParaRPr>
+          </a:p>
+        </p:txBody>
+      </p:sp>
+      <p:sp>
+        <p:nvSpPr>
+          <p:cNvPr id="31" name="TextBox 30">
+            <a:extLst>
+              <a:ext uri="{FF2B5EF4-FFF2-40B4-BE49-F238E27FC236}">
+                <a16:creationId xmlns:a16="http://schemas.microsoft.com/office/drawing/2014/main" id="{3E6835ED-73FD-3D73-F92A-10434B28712B}"/>
+              </a:ext>
+            </a:extLst>
+          </p:cNvPr>
+          <p:cNvSpPr txBox="1"/>
+          <p:nvPr/>
+        </p:nvSpPr>
+        <p:spPr>
+          <a:xfrm>
+            <a:off x="10230129" y="4062507"/>
+            <a:ext cx="634812" cy="1200329"/>
+          </a:xfrm>
+          <a:prstGeom prst="rect">
+            <a:avLst/>
+          </a:prstGeom>
+          <a:noFill/>
+        </p:spPr>
+        <p:txBody>
+          <a:bodyPr wrap="square" rtlCol="0">
+            <a:spAutoFit/>
+          </a:bodyPr>
+          <a:lstStyle/>
+          <a:p>
+            <a:r>
+              <a:rPr lang="en-US" dirty="0">
+                <a:latin typeface="Courier New" panose="02070309020205020404" pitchFamily="49" charset="0"/>
+                <a:cs typeface="Courier New" panose="02070309020205020404" pitchFamily="49" charset="0"/>
+              </a:rPr>
+              <a:t>1</a:t>
+            </a:r>
+          </a:p>
+          <a:p>
+            <a:r>
+              <a:rPr lang="en-US" dirty="0">
+                <a:latin typeface="Courier New" panose="02070309020205020404" pitchFamily="49" charset="0"/>
+                <a:cs typeface="Courier New" panose="02070309020205020404" pitchFamily="49" charset="0"/>
+              </a:rPr>
+              <a:t>9</a:t>
+            </a:r>
+          </a:p>
+          <a:p>
+            <a:r>
+              <a:rPr lang="en-US" dirty="0">
+                <a:latin typeface="Courier New" panose="02070309020205020404" pitchFamily="49" charset="0"/>
+                <a:cs typeface="Courier New" panose="02070309020205020404" pitchFamily="49" charset="0"/>
+              </a:rPr>
+              <a:t>3</a:t>
+            </a:r>
+          </a:p>
+          <a:p>
+            <a:r>
+              <a:rPr lang="en-US" b="1" dirty="0">
+                <a:latin typeface="Courier New" panose="02070309020205020404" pitchFamily="49" charset="0"/>
+                <a:cs typeface="Courier New" panose="02070309020205020404" pitchFamily="49" charset="0"/>
+              </a:rPr>
+              <a:t>3.5</a:t>
+            </a:r>
+            <a:endParaRPr lang="en-NL" b="1" dirty="0">
+              <a:latin typeface="Courier New" panose="02070309020205020404" pitchFamily="49" charset="0"/>
+              <a:cs typeface="Courier New" panose="02070309020205020404" pitchFamily="49" charset="0"/>
+            </a:endParaRPr>
+          </a:p>
+        </p:txBody>
+      </p:sp>
+    </p:spTree>
+    <p:extLst>
+      <p:ext uri="{BB962C8B-B14F-4D97-AF65-F5344CB8AC3E}">
+        <p14:creationId xmlns:p14="http://schemas.microsoft.com/office/powerpoint/2010/main" val="2268189242"/>
+      </p:ext>
+    </p:extLst>
+  </p:cSld>
+  <p:clrMapOvr>
+    <a:masterClrMapping/>
+  </p:clrMapOvr>
+</p:sld>
+</file>
+
+<file path=ppt/slides/slide15.xml><?xml version="1.0" encoding="utf-8"?>
+<p:sld xmlns:a="http://schemas.openxmlformats.org/drawingml/2006/main" xmlns:r="http://schemas.openxmlformats.org/officeDocument/2006/relationships" xmlns:p="http://schemas.openxmlformats.org/presentationml/2006/main">
+  <p:cSld>
+    <p:spTree>
+      <p:nvGrpSpPr>
+        <p:cNvPr id="1" name=""/>
+        <p:cNvGrpSpPr/>
+        <p:nvPr/>
+      </p:nvGrpSpPr>
+      <p:grpSpPr>
+        <a:xfrm>
+          <a:off x="0" y="0"/>
+          <a:ext cx="0" cy="0"/>
+          <a:chOff x="0" y="0"/>
+          <a:chExt cx="0" cy="0"/>
+        </a:xfrm>
+      </p:grpSpPr>
+      <p:sp>
+        <p:nvSpPr>
+          <p:cNvPr id="4" name="Title 3">
+            <a:extLst>
+              <a:ext uri="{FF2B5EF4-FFF2-40B4-BE49-F238E27FC236}">
+                <a16:creationId xmlns:a16="http://schemas.microsoft.com/office/drawing/2014/main" id="{72C925CA-BCA3-3701-E08E-95652380B32E}"/>
+              </a:ext>
+            </a:extLst>
+          </p:cNvPr>
+          <p:cNvSpPr>
+            <a:spLocks noGrp="1"/>
+          </p:cNvSpPr>
+          <p:nvPr>
+            <p:ph type="title"/>
+          </p:nvPr>
+        </p:nvSpPr>
+        <p:spPr/>
+        <p:txBody>
+          <a:bodyPr/>
+          <a:lstStyle/>
+          <a:p>
+            <a:r>
+              <a:rPr lang="nl-NL" noProof="0" dirty="0"/>
+              <a:t>Modelleren</a:t>
+            </a:r>
+          </a:p>
+        </p:txBody>
+      </p:sp>
+      <p:sp>
+        <p:nvSpPr>
+          <p:cNvPr id="5" name="Text Placeholder 4">
+            <a:extLst>
+              <a:ext uri="{FF2B5EF4-FFF2-40B4-BE49-F238E27FC236}">
+                <a16:creationId xmlns:a16="http://schemas.microsoft.com/office/drawing/2014/main" id="{1AB31C95-91AF-DF13-FB58-0DA5F2D9F6F7}"/>
+              </a:ext>
+            </a:extLst>
+          </p:cNvPr>
+          <p:cNvSpPr>
+            <a:spLocks noGrp="1"/>
+          </p:cNvSpPr>
+          <p:nvPr>
+            <p:ph type="body" idx="1"/>
+          </p:nvPr>
+        </p:nvSpPr>
+        <p:spPr/>
+        <p:txBody>
+          <a:bodyPr/>
+          <a:lstStyle/>
+          <a:p>
+            <a:endParaRPr lang="en-NL"/>
+          </a:p>
+        </p:txBody>
+      </p:sp>
+    </p:spTree>
+    <p:extLst>
+      <p:ext uri="{BB962C8B-B14F-4D97-AF65-F5344CB8AC3E}">
+        <p14:creationId xmlns:p14="http://schemas.microsoft.com/office/powerpoint/2010/main" val="3026547381"/>
+      </p:ext>
+    </p:extLst>
+  </p:cSld>
+  <p:clrMapOvr>
+    <a:masterClrMapping/>
+  </p:clrMapOvr>
+</p:sld>
+</file>
+
+<file path=ppt/slides/slide16.xml><?xml version="1.0" encoding="utf-8"?>
+<p:sld xmlns:a="http://schemas.openxmlformats.org/drawingml/2006/main" xmlns:r="http://schemas.openxmlformats.org/officeDocument/2006/relationships" xmlns:p="http://schemas.openxmlformats.org/presentationml/2006/main">
+  <p:cSld>
+    <p:spTree>
+      <p:nvGrpSpPr>
+        <p:cNvPr id="1" name=""/>
+        <p:cNvGrpSpPr/>
+        <p:nvPr/>
+      </p:nvGrpSpPr>
+      <p:grpSpPr>
+        <a:xfrm>
+          <a:off x="0" y="0"/>
+          <a:ext cx="0" cy="0"/>
+          <a:chOff x="0" y="0"/>
+          <a:chExt cx="0" cy="0"/>
+        </a:xfrm>
+      </p:grpSpPr>
+      <p:sp>
+        <p:nvSpPr>
+          <p:cNvPr id="4" name="Title 3">
+            <a:extLst>
+              <a:ext uri="{FF2B5EF4-FFF2-40B4-BE49-F238E27FC236}">
+                <a16:creationId xmlns:a16="http://schemas.microsoft.com/office/drawing/2014/main" id="{72C925CA-BCA3-3701-E08E-95652380B32E}"/>
+              </a:ext>
+            </a:extLst>
+          </p:cNvPr>
+          <p:cNvSpPr>
+            <a:spLocks noGrp="1"/>
+          </p:cNvSpPr>
+          <p:nvPr>
+            <p:ph type="title"/>
+          </p:nvPr>
+        </p:nvSpPr>
+        <p:spPr/>
+        <p:txBody>
+          <a:bodyPr/>
+          <a:lstStyle/>
+          <a:p>
+            <a:r>
+              <a:rPr lang="nl-NL" noProof="0" dirty="0" err="1"/>
+              <a:t>Validateren</a:t>
+            </a:r>
+            <a:r>
+              <a:rPr lang="nl-NL" noProof="0" dirty="0"/>
+              <a:t> en selecteren</a:t>
+            </a:r>
+          </a:p>
+        </p:txBody>
+      </p:sp>
+      <p:sp>
+        <p:nvSpPr>
+          <p:cNvPr id="5" name="Text Placeholder 4">
+            <a:extLst>
+              <a:ext uri="{FF2B5EF4-FFF2-40B4-BE49-F238E27FC236}">
+                <a16:creationId xmlns:a16="http://schemas.microsoft.com/office/drawing/2014/main" id="{1AB31C95-91AF-DF13-FB58-0DA5F2D9F6F7}"/>
+              </a:ext>
+            </a:extLst>
+          </p:cNvPr>
+          <p:cNvSpPr>
+            <a:spLocks noGrp="1"/>
+          </p:cNvSpPr>
+          <p:nvPr>
+            <p:ph type="body" idx="1"/>
+          </p:nvPr>
+        </p:nvSpPr>
+        <p:spPr/>
+        <p:txBody>
+          <a:bodyPr/>
+          <a:lstStyle/>
+          <a:p>
+            <a:endParaRPr lang="en-NL"/>
+          </a:p>
+        </p:txBody>
+      </p:sp>
+    </p:spTree>
+    <p:extLst>
+      <p:ext uri="{BB962C8B-B14F-4D97-AF65-F5344CB8AC3E}">
+        <p14:creationId xmlns:p14="http://schemas.microsoft.com/office/powerpoint/2010/main" val="3662473669"/>
+      </p:ext>
+    </p:extLst>
+  </p:cSld>
+  <p:clrMapOvr>
+    <a:masterClrMapping/>
+  </p:clrMapOvr>
+</p:sld>
+</file>
+
+<file path=ppt/slides/slide17.xml><?xml version="1.0" encoding="utf-8"?>
+<p:sld xmlns:a="http://schemas.openxmlformats.org/drawingml/2006/main" xmlns:r="http://schemas.openxmlformats.org/officeDocument/2006/relationships" xmlns:p="http://schemas.openxmlformats.org/presentationml/2006/main">
+  <p:cSld>
+    <p:spTree>
+      <p:nvGrpSpPr>
+        <p:cNvPr id="1" name=""/>
+        <p:cNvGrpSpPr/>
+        <p:nvPr/>
+      </p:nvGrpSpPr>
+      <p:grpSpPr>
+        <a:xfrm>
+          <a:off x="0" y="0"/>
+          <a:ext cx="0" cy="0"/>
+          <a:chOff x="0" y="0"/>
+          <a:chExt cx="0" cy="0"/>
+        </a:xfrm>
+      </p:grpSpPr>
+      <p:sp>
+        <p:nvSpPr>
           <p:cNvPr id="4" name="Title 3">
             <a:extLst>
               <a:ext uri="{FF2B5EF4-FFF2-40B4-BE49-F238E27FC236}">
@@ -3778,7 +6838,7 @@
 </p:sld>
 </file>
 
-<file path=ppt/slides/slide14.xml><?xml version="1.0" encoding="utf-8"?>
+<file path=ppt/slides/slide18.xml><?xml version="1.0" encoding="utf-8"?>
 <p:sld xmlns:a="http://schemas.openxmlformats.org/drawingml/2006/main" xmlns:r="http://schemas.openxmlformats.org/officeDocument/2006/relationships" xmlns:p="http://schemas.openxmlformats.org/presentationml/2006/main">
   <p:cSld>
     <p:spTree>
@@ -4260,13 +7320,8 @@
           <a:p>
             <a:r>
               <a:rPr lang="nl-NL" noProof="0" dirty="0"/>
-              <a:t>Overzicht ML en </a:t>
-            </a:r>
-            <a:r>
-              <a:rPr lang="nl-NL" noProof="0" dirty="0" err="1"/>
-              <a:t>scikit-learn</a:t>
-            </a:r>
-            <a:endParaRPr lang="nl-NL" noProof="0" dirty="0"/>
+              <a:t>Overzicht Machine Learning</a:t>
+            </a:r>
           </a:p>
         </p:txBody>
       </p:sp>
@@ -4360,65 +7415,452 @@
           </a:p>
         </p:txBody>
       </p:sp>
-      <p:sp>
-        <p:nvSpPr>
-          <p:cNvPr id="6" name="Rectangle 5">
-            <a:extLst>
-              <a:ext uri="{FF2B5EF4-FFF2-40B4-BE49-F238E27FC236}">
-                <a16:creationId xmlns:a16="http://schemas.microsoft.com/office/drawing/2014/main" id="{1D38F06A-7130-AC87-179C-0C18A1AA4CA8}"/>
-              </a:ext>
-            </a:extLst>
-          </p:cNvPr>
-          <p:cNvSpPr/>
+      <p:grpSp>
+        <p:nvGrpSpPr>
+          <p:cNvPr id="16" name="Group 15">
+            <a:extLst>
+              <a:ext uri="{FF2B5EF4-FFF2-40B4-BE49-F238E27FC236}">
+                <a16:creationId xmlns:a16="http://schemas.microsoft.com/office/drawing/2014/main" id="{BA1E66AA-A0A7-747F-3295-B5E6F5220E04}"/>
+              </a:ext>
+            </a:extLst>
+          </p:cNvPr>
+          <p:cNvGrpSpPr/>
           <p:nvPr/>
-        </p:nvSpPr>
+        </p:nvGrpSpPr>
+        <p:grpSpPr>
+          <a:xfrm>
+            <a:off x="8076049" y="1711412"/>
+            <a:ext cx="2756930" cy="1791726"/>
+            <a:chOff x="838200" y="1711410"/>
+            <a:chExt cx="2756930" cy="1791726"/>
+          </a:xfrm>
+        </p:grpSpPr>
+        <p:sp>
+          <p:nvSpPr>
+            <p:cNvPr id="6" name="Rectangle 5">
+              <a:extLst>
+                <a:ext uri="{FF2B5EF4-FFF2-40B4-BE49-F238E27FC236}">
+                  <a16:creationId xmlns:a16="http://schemas.microsoft.com/office/drawing/2014/main" id="{1D38F06A-7130-AC87-179C-0C18A1AA4CA8}"/>
+                </a:ext>
+              </a:extLst>
+            </p:cNvPr>
+            <p:cNvSpPr/>
+            <p:nvPr/>
+          </p:nvSpPr>
+          <p:spPr>
+            <a:xfrm>
+              <a:off x="838200" y="2094470"/>
+              <a:ext cx="2756930" cy="1408666"/>
+            </a:xfrm>
+            <a:prstGeom prst="rect">
+              <a:avLst/>
+            </a:prstGeom>
+          </p:spPr>
+          <p:style>
+            <a:lnRef idx="1">
+              <a:schemeClr val="accent3"/>
+            </a:lnRef>
+            <a:fillRef idx="2">
+              <a:schemeClr val="accent3"/>
+            </a:fillRef>
+            <a:effectRef idx="1">
+              <a:schemeClr val="accent3"/>
+            </a:effectRef>
+            <a:fontRef idx="minor">
+              <a:schemeClr val="dk1"/>
+            </a:fontRef>
+          </p:style>
+          <p:txBody>
+            <a:bodyPr rtlCol="0" anchor="ctr"/>
+            <a:lstStyle/>
+            <a:p>
+              <a:pPr algn="ctr"/>
+              <a:r>
+                <a:rPr lang="en-US" dirty="0" err="1"/>
+                <a:t>PyTorch</a:t>
+              </a:r>
+              <a:endParaRPr lang="en-US" dirty="0"/>
+            </a:p>
+            <a:p>
+              <a:pPr algn="ctr"/>
+              <a:r>
+                <a:rPr lang="en-US" dirty="0" err="1"/>
+                <a:t>Keras</a:t>
+              </a:r>
+              <a:endParaRPr lang="en-US" dirty="0"/>
+            </a:p>
+          </p:txBody>
+        </p:sp>
+        <p:sp>
+          <p:nvSpPr>
+            <p:cNvPr id="3" name="Rectangle 2">
+              <a:extLst>
+                <a:ext uri="{FF2B5EF4-FFF2-40B4-BE49-F238E27FC236}">
+                  <a16:creationId xmlns:a16="http://schemas.microsoft.com/office/drawing/2014/main" id="{0BCC9F7A-27F2-C61D-B926-0E68B6D7DAA4}"/>
+                </a:ext>
+              </a:extLst>
+            </p:cNvPr>
+            <p:cNvSpPr/>
+            <p:nvPr/>
+          </p:nvSpPr>
+          <p:spPr>
+            <a:xfrm>
+              <a:off x="838200" y="1711410"/>
+              <a:ext cx="2756930" cy="383059"/>
+            </a:xfrm>
+            <a:prstGeom prst="rect">
+              <a:avLst/>
+            </a:prstGeom>
+          </p:spPr>
+          <p:style>
+            <a:lnRef idx="1">
+              <a:schemeClr val="accent4"/>
+            </a:lnRef>
+            <a:fillRef idx="2">
+              <a:schemeClr val="accent4"/>
+            </a:fillRef>
+            <a:effectRef idx="1">
+              <a:schemeClr val="accent4"/>
+            </a:effectRef>
+            <a:fontRef idx="minor">
+              <a:schemeClr val="dk1"/>
+            </a:fontRef>
+          </p:style>
+          <p:txBody>
+            <a:bodyPr rtlCol="0" anchor="t"/>
+            <a:lstStyle/>
+            <a:p>
+              <a:pPr algn="ctr"/>
+              <a:r>
+                <a:rPr lang="en-US" b="1" dirty="0"/>
+                <a:t>Deep Learning</a:t>
+              </a:r>
+            </a:p>
+          </p:txBody>
+        </p:sp>
+      </p:grpSp>
+      <p:grpSp>
+        <p:nvGrpSpPr>
+          <p:cNvPr id="17" name="Group 16">
+            <a:extLst>
+              <a:ext uri="{FF2B5EF4-FFF2-40B4-BE49-F238E27FC236}">
+                <a16:creationId xmlns:a16="http://schemas.microsoft.com/office/drawing/2014/main" id="{E0DF0368-47EB-A9DC-B3CC-1B3CA1E64867}"/>
+              </a:ext>
+            </a:extLst>
+          </p:cNvPr>
+          <p:cNvGrpSpPr/>
+          <p:nvPr/>
+        </p:nvGrpSpPr>
+        <p:grpSpPr>
+          <a:xfrm>
+            <a:off x="4643394" y="1711412"/>
+            <a:ext cx="2756931" cy="1791722"/>
+            <a:chOff x="4643394" y="1711412"/>
+            <a:chExt cx="2756931" cy="1791722"/>
+          </a:xfrm>
+        </p:grpSpPr>
+        <p:sp>
+          <p:nvSpPr>
+            <p:cNvPr id="7" name="Rectangle 6">
+              <a:extLst>
+                <a:ext uri="{FF2B5EF4-FFF2-40B4-BE49-F238E27FC236}">
+                  <a16:creationId xmlns:a16="http://schemas.microsoft.com/office/drawing/2014/main" id="{4FCD6A8C-29D6-E5C6-1838-8B707C443CD5}"/>
+                </a:ext>
+              </a:extLst>
+            </p:cNvPr>
+            <p:cNvSpPr/>
+            <p:nvPr/>
+          </p:nvSpPr>
+          <p:spPr>
+            <a:xfrm>
+              <a:off x="4643394" y="1711412"/>
+              <a:ext cx="2756931" cy="383057"/>
+            </a:xfrm>
+            <a:prstGeom prst="rect">
+              <a:avLst/>
+            </a:prstGeom>
+          </p:spPr>
+          <p:style>
+            <a:lnRef idx="1">
+              <a:schemeClr val="accent6"/>
+            </a:lnRef>
+            <a:fillRef idx="2">
+              <a:schemeClr val="accent6"/>
+            </a:fillRef>
+            <a:effectRef idx="1">
+              <a:schemeClr val="accent6"/>
+            </a:effectRef>
+            <a:fontRef idx="minor">
+              <a:schemeClr val="dk1"/>
+            </a:fontRef>
+          </p:style>
+          <p:txBody>
+            <a:bodyPr rtlCol="0" anchor="t"/>
+            <a:lstStyle/>
+            <a:p>
+              <a:pPr algn="ctr"/>
+              <a:r>
+                <a:rPr lang="en-US" dirty="0"/>
+                <a:t>Machine Learning</a:t>
+              </a:r>
+            </a:p>
+          </p:txBody>
+        </p:sp>
+        <p:sp>
+          <p:nvSpPr>
+            <p:cNvPr id="4" name="Rectangle 3">
+              <a:extLst>
+                <a:ext uri="{FF2B5EF4-FFF2-40B4-BE49-F238E27FC236}">
+                  <a16:creationId xmlns:a16="http://schemas.microsoft.com/office/drawing/2014/main" id="{2C38E716-E909-96D4-4449-564CCA453D46}"/>
+                </a:ext>
+              </a:extLst>
+            </p:cNvPr>
+            <p:cNvSpPr/>
+            <p:nvPr/>
+          </p:nvSpPr>
+          <p:spPr>
+            <a:xfrm>
+              <a:off x="4643394" y="2094469"/>
+              <a:ext cx="2756931" cy="1408665"/>
+            </a:xfrm>
+            <a:prstGeom prst="rect">
+              <a:avLst/>
+            </a:prstGeom>
+          </p:spPr>
+          <p:style>
+            <a:lnRef idx="1">
+              <a:schemeClr val="accent3"/>
+            </a:lnRef>
+            <a:fillRef idx="2">
+              <a:schemeClr val="accent3"/>
+            </a:fillRef>
+            <a:effectRef idx="1">
+              <a:schemeClr val="accent3"/>
+            </a:effectRef>
+            <a:fontRef idx="minor">
+              <a:schemeClr val="dk1"/>
+            </a:fontRef>
+          </p:style>
+          <p:txBody>
+            <a:bodyPr rtlCol="0" anchor="ctr"/>
+            <a:lstStyle/>
+            <a:p>
+              <a:pPr algn="ctr"/>
+              <a:r>
+                <a:rPr lang="en-US" dirty="0"/>
+                <a:t>scikit-learn</a:t>
+              </a:r>
+            </a:p>
+            <a:p>
+              <a:pPr algn="ctr"/>
+              <a:r>
+                <a:rPr lang="en-US" dirty="0" err="1"/>
+                <a:t>LightGBM</a:t>
+              </a:r>
+              <a:endParaRPr lang="en-US" dirty="0"/>
+            </a:p>
+          </p:txBody>
+        </p:sp>
+      </p:grpSp>
+      <p:grpSp>
+        <p:nvGrpSpPr>
+          <p:cNvPr id="18" name="Group 17">
+            <a:extLst>
+              <a:ext uri="{FF2B5EF4-FFF2-40B4-BE49-F238E27FC236}">
+                <a16:creationId xmlns:a16="http://schemas.microsoft.com/office/drawing/2014/main" id="{90991C0E-5769-BE9C-7A45-FF1D2E979AAF}"/>
+              </a:ext>
+            </a:extLst>
+          </p:cNvPr>
+          <p:cNvGrpSpPr/>
+          <p:nvPr/>
+        </p:nvGrpSpPr>
+        <p:grpSpPr>
+          <a:xfrm>
+            <a:off x="1210739" y="1711412"/>
+            <a:ext cx="2756931" cy="1791722"/>
+            <a:chOff x="8448589" y="1711411"/>
+            <a:chExt cx="2756931" cy="1791722"/>
+          </a:xfrm>
+        </p:grpSpPr>
+        <p:sp>
+          <p:nvSpPr>
+            <p:cNvPr id="10" name="Rectangle 9">
+              <a:extLst>
+                <a:ext uri="{FF2B5EF4-FFF2-40B4-BE49-F238E27FC236}">
+                  <a16:creationId xmlns:a16="http://schemas.microsoft.com/office/drawing/2014/main" id="{06AA83AA-E066-ABF0-626E-4AF185EBD422}"/>
+                </a:ext>
+              </a:extLst>
+            </p:cNvPr>
+            <p:cNvSpPr/>
+            <p:nvPr/>
+          </p:nvSpPr>
+          <p:spPr>
+            <a:xfrm>
+              <a:off x="8448589" y="1711411"/>
+              <a:ext cx="2756930" cy="383057"/>
+            </a:xfrm>
+            <a:prstGeom prst="rect">
+              <a:avLst/>
+            </a:prstGeom>
+          </p:spPr>
+          <p:style>
+            <a:lnRef idx="1">
+              <a:schemeClr val="accent5"/>
+            </a:lnRef>
+            <a:fillRef idx="2">
+              <a:schemeClr val="accent5"/>
+            </a:fillRef>
+            <a:effectRef idx="1">
+              <a:schemeClr val="accent5"/>
+            </a:effectRef>
+            <a:fontRef idx="minor">
+              <a:schemeClr val="dk1"/>
+            </a:fontRef>
+          </p:style>
+          <p:txBody>
+            <a:bodyPr rtlCol="0" anchor="t"/>
+            <a:lstStyle/>
+            <a:p>
+              <a:pPr algn="ctr"/>
+              <a:r>
+                <a:rPr lang="en-US" dirty="0" err="1"/>
+                <a:t>Statistiek</a:t>
+              </a:r>
+              <a:endParaRPr lang="en-US" dirty="0"/>
+            </a:p>
+          </p:txBody>
+        </p:sp>
+        <p:sp>
+          <p:nvSpPr>
+            <p:cNvPr id="9" name="Rectangle 8">
+              <a:extLst>
+                <a:ext uri="{FF2B5EF4-FFF2-40B4-BE49-F238E27FC236}">
+                  <a16:creationId xmlns:a16="http://schemas.microsoft.com/office/drawing/2014/main" id="{5812AC52-D6EC-F3C4-889C-01479D3B8644}"/>
+                </a:ext>
+              </a:extLst>
+            </p:cNvPr>
+            <p:cNvSpPr/>
+            <p:nvPr/>
+          </p:nvSpPr>
+          <p:spPr>
+            <a:xfrm>
+              <a:off x="8448589" y="2094468"/>
+              <a:ext cx="2756931" cy="1408665"/>
+            </a:xfrm>
+            <a:prstGeom prst="rect">
+              <a:avLst/>
+            </a:prstGeom>
+          </p:spPr>
+          <p:style>
+            <a:lnRef idx="1">
+              <a:schemeClr val="accent3"/>
+            </a:lnRef>
+            <a:fillRef idx="2">
+              <a:schemeClr val="accent3"/>
+            </a:fillRef>
+            <a:effectRef idx="1">
+              <a:schemeClr val="accent3"/>
+            </a:effectRef>
+            <a:fontRef idx="minor">
+              <a:schemeClr val="dk1"/>
+            </a:fontRef>
+          </p:style>
+          <p:txBody>
+            <a:bodyPr rtlCol="0" anchor="ctr"/>
+            <a:lstStyle/>
+            <a:p>
+              <a:pPr algn="ctr"/>
+              <a:r>
+                <a:rPr lang="en-US" dirty="0" err="1"/>
+                <a:t>statsmodels</a:t>
+              </a:r>
+              <a:endParaRPr lang="en-US" dirty="0"/>
+            </a:p>
+          </p:txBody>
+        </p:sp>
+      </p:grpSp>
+      <p:cxnSp>
+        <p:nvCxnSpPr>
+          <p:cNvPr id="8" name="Straight Arrow Connector 7">
+            <a:extLst>
+              <a:ext uri="{FF2B5EF4-FFF2-40B4-BE49-F238E27FC236}">
+                <a16:creationId xmlns:a16="http://schemas.microsoft.com/office/drawing/2014/main" id="{6375CAA6-3461-D17A-D9A6-2304019D8466}"/>
+              </a:ext>
+            </a:extLst>
+          </p:cNvPr>
+          <p:cNvCxnSpPr>
+            <a:cxnSpLocks/>
+          </p:cNvCxnSpPr>
+          <p:nvPr/>
+        </p:nvCxnSpPr>
         <p:spPr>
           <a:xfrm>
-            <a:off x="838200" y="2094470"/>
-            <a:ext cx="2756930" cy="1408666"/>
+            <a:off x="1210739" y="4588930"/>
+            <a:ext cx="9622240" cy="0"/>
+          </a:xfrm>
+          <a:prstGeom prst="straightConnector1">
+            <a:avLst/>
+          </a:prstGeom>
+          <a:ln>
+            <a:headEnd type="none" w="lg" len="lg"/>
+            <a:tailEnd type="triangle" w="lg" len="lg"/>
+          </a:ln>
+        </p:spPr>
+        <p:style>
+          <a:lnRef idx="2">
+            <a:schemeClr val="dk1"/>
+          </a:lnRef>
+          <a:fillRef idx="0">
+            <a:schemeClr val="dk1"/>
+          </a:fillRef>
+          <a:effectRef idx="1">
+            <a:schemeClr val="dk1"/>
+          </a:effectRef>
+          <a:fontRef idx="minor">
+            <a:schemeClr val="tx1"/>
+          </a:fontRef>
+        </p:style>
+      </p:cxnSp>
+      <p:sp>
+        <p:nvSpPr>
+          <p:cNvPr id="19" name="TextBox 18">
+            <a:extLst>
+              <a:ext uri="{FF2B5EF4-FFF2-40B4-BE49-F238E27FC236}">
+                <a16:creationId xmlns:a16="http://schemas.microsoft.com/office/drawing/2014/main" id="{72F1BCE1-B698-3A93-E90A-113B364B3AFE}"/>
+              </a:ext>
+            </a:extLst>
+          </p:cNvPr>
+          <p:cNvSpPr txBox="1"/>
+          <p:nvPr/>
+        </p:nvSpPr>
+        <p:spPr>
+          <a:xfrm>
+            <a:off x="1210738" y="4155743"/>
+            <a:ext cx="9622240" cy="369332"/>
           </a:xfrm>
           <a:prstGeom prst="rect">
             <a:avLst/>
           </a:prstGeom>
+          <a:noFill/>
         </p:spPr>
-        <p:style>
-          <a:lnRef idx="1">
-            <a:schemeClr val="accent3"/>
-          </a:lnRef>
-          <a:fillRef idx="2">
-            <a:schemeClr val="accent3"/>
-          </a:fillRef>
-          <a:effectRef idx="1">
-            <a:schemeClr val="accent3"/>
-          </a:effectRef>
-          <a:fontRef idx="minor">
-            <a:schemeClr val="dk1"/>
-          </a:fontRef>
-        </p:style>
-        <p:txBody>
-          <a:bodyPr rtlCol="0" anchor="ctr"/>
+        <p:txBody>
+          <a:bodyPr wrap="square" rtlCol="0">
+            <a:spAutoFit/>
+          </a:bodyPr>
           <a:lstStyle/>
           <a:p>
             <a:pPr algn="ctr"/>
             <a:r>
               <a:rPr lang="en-US" dirty="0" err="1"/>
-              <a:t>PyTorch</a:t>
-            </a:r>
-            <a:endParaRPr lang="en-US" dirty="0"/>
-          </a:p>
-          <a:p>
-            <a:pPr algn="ctr"/>
+              <a:t>Complexiteit</a:t>
+            </a:r>
+            <a:r>
+              <a:rPr lang="en-US" dirty="0"/>
+              <a:t> </a:t>
+            </a:r>
             <a:r>
               <a:rPr lang="en-US" dirty="0" err="1"/>
-              <a:t>Keras</a:t>
-            </a:r>
-            <a:endParaRPr lang="en-US" dirty="0"/>
-          </a:p>
-          <a:p>
-            <a:pPr algn="ctr"/>
-            <a:r>
-              <a:rPr lang="en-US" dirty="0"/>
-              <a:t>TensorFlow</a:t>
+              <a:t>modellen</a:t>
             </a:r>
             <a:endParaRPr lang="en-NL" dirty="0"/>
           </a:p>
@@ -4426,260 +7868,101 @@
       </p:sp>
       <p:sp>
         <p:nvSpPr>
-          <p:cNvPr id="7" name="Rectangle 6">
-            <a:extLst>
-              <a:ext uri="{FF2B5EF4-FFF2-40B4-BE49-F238E27FC236}">
-                <a16:creationId xmlns:a16="http://schemas.microsoft.com/office/drawing/2014/main" id="{4FCD6A8C-29D6-E5C6-1838-8B707C443CD5}"/>
-              </a:ext>
-            </a:extLst>
-          </p:cNvPr>
-          <p:cNvSpPr/>
+          <p:cNvPr id="20" name="TextBox 19">
+            <a:extLst>
+              <a:ext uri="{FF2B5EF4-FFF2-40B4-BE49-F238E27FC236}">
+                <a16:creationId xmlns:a16="http://schemas.microsoft.com/office/drawing/2014/main" id="{2922F921-723B-5393-646C-CAC75091C053}"/>
+              </a:ext>
+            </a:extLst>
+          </p:cNvPr>
+          <p:cNvSpPr txBox="1"/>
           <p:nvPr/>
         </p:nvSpPr>
         <p:spPr>
           <a:xfrm>
-            <a:off x="4643394" y="1711412"/>
-            <a:ext cx="2756931" cy="383057"/>
+            <a:off x="1205737" y="4774650"/>
+            <a:ext cx="2208810" cy="923330"/>
           </a:xfrm>
           <a:prstGeom prst="rect">
             <a:avLst/>
           </a:prstGeom>
+          <a:noFill/>
         </p:spPr>
-        <p:style>
-          <a:lnRef idx="1">
-            <a:schemeClr val="accent6"/>
-          </a:lnRef>
-          <a:fillRef idx="2">
-            <a:schemeClr val="accent6"/>
-          </a:fillRef>
-          <a:effectRef idx="1">
-            <a:schemeClr val="accent6"/>
-          </a:effectRef>
-          <a:fontRef idx="minor">
-            <a:schemeClr val="dk1"/>
-          </a:fontRef>
-        </p:style>
-        <p:txBody>
-          <a:bodyPr rtlCol="0" anchor="t"/>
+        <p:txBody>
+          <a:bodyPr wrap="none" rtlCol="0">
+            <a:spAutoFit/>
+          </a:bodyPr>
           <a:lstStyle/>
           <a:p>
             <a:pPr algn="ctr"/>
             <a:r>
+              <a:rPr lang="en-US" dirty="0" err="1"/>
+              <a:t>Gestructureerde</a:t>
+            </a:r>
+            <a:r>
               <a:rPr lang="en-US" dirty="0"/>
-              <a:t>Machine Learning</a:t>
-            </a:r>
-          </a:p>
-        </p:txBody>
-      </p:sp>
-      <p:sp>
-        <p:nvSpPr>
-          <p:cNvPr id="10" name="Rectangle 9">
-            <a:extLst>
-              <a:ext uri="{FF2B5EF4-FFF2-40B4-BE49-F238E27FC236}">
-                <a16:creationId xmlns:a16="http://schemas.microsoft.com/office/drawing/2014/main" id="{06AA83AA-E066-ABF0-626E-4AF185EBD422}"/>
-              </a:ext>
-            </a:extLst>
-          </p:cNvPr>
-          <p:cNvSpPr/>
+              <a:t> data</a:t>
+            </a:r>
+          </a:p>
+          <a:p>
+            <a:endParaRPr lang="en-US" dirty="0"/>
+          </a:p>
+          <a:p>
+            <a:r>
+              <a:rPr lang="en-US" dirty="0" err="1"/>
+              <a:t>Begrijpelijk</a:t>
+            </a:r>
+            <a:endParaRPr lang="en-NL" dirty="0"/>
+          </a:p>
+        </p:txBody>
+      </p:sp>
+      <p:sp>
+        <p:nvSpPr>
+          <p:cNvPr id="21" name="TextBox 20">
+            <a:extLst>
+              <a:ext uri="{FF2B5EF4-FFF2-40B4-BE49-F238E27FC236}">
+                <a16:creationId xmlns:a16="http://schemas.microsoft.com/office/drawing/2014/main" id="{3D2123A2-80E5-F3E7-1C0B-8C21DBE90121}"/>
+              </a:ext>
+            </a:extLst>
+          </p:cNvPr>
+          <p:cNvSpPr txBox="1"/>
           <p:nvPr/>
         </p:nvSpPr>
         <p:spPr>
           <a:xfrm>
-            <a:off x="8448589" y="1711411"/>
-            <a:ext cx="2756930" cy="383057"/>
+            <a:off x="8392918" y="4777256"/>
+            <a:ext cx="2445991" cy="923330"/>
           </a:xfrm>
           <a:prstGeom prst="rect">
             <a:avLst/>
           </a:prstGeom>
+          <a:noFill/>
         </p:spPr>
-        <p:style>
-          <a:lnRef idx="1">
-            <a:schemeClr val="accent5"/>
-          </a:lnRef>
-          <a:fillRef idx="2">
-            <a:schemeClr val="accent5"/>
-          </a:fillRef>
-          <a:effectRef idx="1">
-            <a:schemeClr val="accent5"/>
-          </a:effectRef>
-          <a:fontRef idx="minor">
-            <a:schemeClr val="dk1"/>
-          </a:fontRef>
-        </p:style>
-        <p:txBody>
-          <a:bodyPr rtlCol="0" anchor="t"/>
+        <p:txBody>
+          <a:bodyPr wrap="none" rtlCol="0">
+            <a:spAutoFit/>
+          </a:bodyPr>
           <a:lstStyle/>
           <a:p>
             <a:pPr algn="ctr"/>
             <a:r>
               <a:rPr lang="en-US" dirty="0" err="1"/>
-              <a:t>Statistiek</a:t>
-            </a:r>
+              <a:t>Ongestructureerde</a:t>
+            </a:r>
+            <a:r>
+              <a:rPr lang="en-US" dirty="0"/>
+              <a:t> data</a:t>
+            </a:r>
+          </a:p>
+          <a:p>
+            <a:pPr algn="r"/>
             <a:endParaRPr lang="en-US" dirty="0"/>
           </a:p>
-        </p:txBody>
-      </p:sp>
-      <p:sp>
-        <p:nvSpPr>
-          <p:cNvPr id="3" name="Rectangle 2">
-            <a:extLst>
-              <a:ext uri="{FF2B5EF4-FFF2-40B4-BE49-F238E27FC236}">
-                <a16:creationId xmlns:a16="http://schemas.microsoft.com/office/drawing/2014/main" id="{0BCC9F7A-27F2-C61D-B926-0E68B6D7DAA4}"/>
-              </a:ext>
-            </a:extLst>
-          </p:cNvPr>
-          <p:cNvSpPr/>
-          <p:nvPr/>
-        </p:nvSpPr>
-        <p:spPr>
-          <a:xfrm>
-            <a:off x="838200" y="1711410"/>
-            <a:ext cx="2756930" cy="383059"/>
-          </a:xfrm>
-          <a:prstGeom prst="rect">
-            <a:avLst/>
-          </a:prstGeom>
-        </p:spPr>
-        <p:style>
-          <a:lnRef idx="1">
-            <a:schemeClr val="accent4"/>
-          </a:lnRef>
-          <a:fillRef idx="2">
-            <a:schemeClr val="accent4"/>
-          </a:fillRef>
-          <a:effectRef idx="1">
-            <a:schemeClr val="accent4"/>
-          </a:effectRef>
-          <a:fontRef idx="minor">
-            <a:schemeClr val="dk1"/>
-          </a:fontRef>
-        </p:style>
-        <p:txBody>
-          <a:bodyPr rtlCol="0" anchor="t"/>
-          <a:lstStyle/>
-          <a:p>
-            <a:pPr algn="ctr"/>
-            <a:r>
-              <a:rPr lang="en-US" b="1" dirty="0"/>
-              <a:t>Deep Learning</a:t>
-            </a:r>
-          </a:p>
-        </p:txBody>
-      </p:sp>
-      <p:sp>
-        <p:nvSpPr>
-          <p:cNvPr id="4" name="Rectangle 3">
-            <a:extLst>
-              <a:ext uri="{FF2B5EF4-FFF2-40B4-BE49-F238E27FC236}">
-                <a16:creationId xmlns:a16="http://schemas.microsoft.com/office/drawing/2014/main" id="{2C38E716-E909-96D4-4449-564CCA453D46}"/>
-              </a:ext>
-            </a:extLst>
-          </p:cNvPr>
-          <p:cNvSpPr/>
-          <p:nvPr/>
-        </p:nvSpPr>
-        <p:spPr>
-          <a:xfrm>
-            <a:off x="4643394" y="2094469"/>
-            <a:ext cx="2756931" cy="1408665"/>
-          </a:xfrm>
-          <a:prstGeom prst="rect">
-            <a:avLst/>
-          </a:prstGeom>
-        </p:spPr>
-        <p:style>
-          <a:lnRef idx="1">
-            <a:schemeClr val="accent3"/>
-          </a:lnRef>
-          <a:fillRef idx="2">
-            <a:schemeClr val="accent3"/>
-          </a:fillRef>
-          <a:effectRef idx="1">
-            <a:schemeClr val="accent3"/>
-          </a:effectRef>
-          <a:fontRef idx="minor">
-            <a:schemeClr val="dk1"/>
-          </a:fontRef>
-        </p:style>
-        <p:txBody>
-          <a:bodyPr rtlCol="0" anchor="ctr"/>
-          <a:lstStyle/>
-          <a:p>
-            <a:pPr algn="ctr"/>
+          <a:p>
+            <a:pPr algn="r"/>
             <a:r>
               <a:rPr lang="en-US" dirty="0"/>
-              <a:t>scikit-learn</a:t>
-            </a:r>
-          </a:p>
-          <a:p>
-            <a:pPr algn="ctr"/>
-            <a:r>
-              <a:rPr lang="en-US" dirty="0" err="1"/>
-              <a:t>LightGBM</a:t>
-            </a:r>
-            <a:endParaRPr lang="en-US" dirty="0"/>
-          </a:p>
-          <a:p>
-            <a:pPr algn="ctr"/>
-            <a:r>
-              <a:rPr lang="en-US" dirty="0" err="1"/>
-              <a:t>xgBoost</a:t>
-            </a:r>
-            <a:endParaRPr lang="en-NL" dirty="0"/>
-          </a:p>
-        </p:txBody>
-      </p:sp>
-      <p:sp>
-        <p:nvSpPr>
-          <p:cNvPr id="9" name="Rectangle 8">
-            <a:extLst>
-              <a:ext uri="{FF2B5EF4-FFF2-40B4-BE49-F238E27FC236}">
-                <a16:creationId xmlns:a16="http://schemas.microsoft.com/office/drawing/2014/main" id="{5812AC52-D6EC-F3C4-889C-01479D3B8644}"/>
-              </a:ext>
-            </a:extLst>
-          </p:cNvPr>
-          <p:cNvSpPr/>
-          <p:nvPr/>
-        </p:nvSpPr>
-        <p:spPr>
-          <a:xfrm>
-            <a:off x="8448589" y="2094468"/>
-            <a:ext cx="2756931" cy="1408665"/>
-          </a:xfrm>
-          <a:prstGeom prst="rect">
-            <a:avLst/>
-          </a:prstGeom>
-        </p:spPr>
-        <p:style>
-          <a:lnRef idx="1">
-            <a:schemeClr val="accent3"/>
-          </a:lnRef>
-          <a:fillRef idx="2">
-            <a:schemeClr val="accent3"/>
-          </a:fillRef>
-          <a:effectRef idx="1">
-            <a:schemeClr val="accent3"/>
-          </a:effectRef>
-          <a:fontRef idx="minor">
-            <a:schemeClr val="dk1"/>
-          </a:fontRef>
-        </p:style>
-        <p:txBody>
-          <a:bodyPr rtlCol="0" anchor="ctr"/>
-          <a:lstStyle/>
-          <a:p>
-            <a:pPr algn="ctr"/>
-            <a:r>
-              <a:rPr lang="en-US" dirty="0" err="1"/>
-              <a:t>statsmodels</a:t>
-            </a:r>
-            <a:endParaRPr lang="en-US" dirty="0"/>
-          </a:p>
-          <a:p>
-            <a:pPr algn="ctr"/>
-            <a:r>
-              <a:rPr lang="en-US" dirty="0"/>
-              <a:t>PyMC3</a:t>
+              <a:t>"Black box"</a:t>
             </a:r>
             <a:endParaRPr lang="en-NL" dirty="0"/>
           </a:p>
@@ -4745,561 +8028,757 @@
           <a:p>
             <a:r>
               <a:rPr lang="nl-NL" sz="3600" noProof="0" dirty="0"/>
-              <a:t>Overzicht landschap</a:t>
-            </a:r>
-          </a:p>
-        </p:txBody>
-      </p:sp>
-      <p:sp>
-        <p:nvSpPr>
-          <p:cNvPr id="6" name="Rectangle 5">
-            <a:extLst>
-              <a:ext uri="{FF2B5EF4-FFF2-40B4-BE49-F238E27FC236}">
-                <a16:creationId xmlns:a16="http://schemas.microsoft.com/office/drawing/2014/main" id="{1D38F06A-7130-AC87-179C-0C18A1AA4CA8}"/>
-              </a:ext>
-            </a:extLst>
-          </p:cNvPr>
-          <p:cNvSpPr/>
+              <a:t>Overzicht ML landschap</a:t>
+            </a:r>
+          </a:p>
+        </p:txBody>
+      </p:sp>
+      <p:grpSp>
+        <p:nvGrpSpPr>
+          <p:cNvPr id="16" name="Group 15">
+            <a:extLst>
+              <a:ext uri="{FF2B5EF4-FFF2-40B4-BE49-F238E27FC236}">
+                <a16:creationId xmlns:a16="http://schemas.microsoft.com/office/drawing/2014/main" id="{BA1E66AA-A0A7-747F-3295-B5E6F5220E04}"/>
+              </a:ext>
+            </a:extLst>
+          </p:cNvPr>
+          <p:cNvGrpSpPr/>
           <p:nvPr/>
-        </p:nvSpPr>
-        <p:spPr>
+        </p:nvGrpSpPr>
+        <p:grpSpPr>
           <a:xfrm>
-            <a:off x="838200" y="2094470"/>
-            <a:ext cx="2756930" cy="1408666"/>
-          </a:xfrm>
-          <a:prstGeom prst="rect">
-            <a:avLst/>
-          </a:prstGeom>
-        </p:spPr>
-        <p:style>
-          <a:lnRef idx="1">
-            <a:schemeClr val="accent3"/>
-          </a:lnRef>
-          <a:fillRef idx="2">
-            <a:schemeClr val="accent3"/>
-          </a:fillRef>
-          <a:effectRef idx="1">
-            <a:schemeClr val="accent3"/>
-          </a:effectRef>
-          <a:fontRef idx="minor">
-            <a:schemeClr val="dk1"/>
-          </a:fontRef>
-        </p:style>
-        <p:txBody>
-          <a:bodyPr rtlCol="0" anchor="ctr"/>
-          <a:lstStyle/>
-          <a:p>
-            <a:pPr algn="ctr"/>
-            <a:r>
-              <a:rPr lang="en-US" dirty="0" err="1"/>
-              <a:t>PyTorch</a:t>
-            </a:r>
-            <a:endParaRPr lang="en-US" dirty="0"/>
-          </a:p>
-          <a:p>
-            <a:pPr algn="ctr"/>
-            <a:r>
-              <a:rPr lang="en-US" dirty="0" err="1"/>
-              <a:t>Keras</a:t>
-            </a:r>
-            <a:endParaRPr lang="en-US" dirty="0"/>
-          </a:p>
-          <a:p>
-            <a:pPr algn="ctr"/>
-            <a:r>
-              <a:rPr lang="en-US" dirty="0"/>
-              <a:t>TensorFlow</a:t>
-            </a:r>
-            <a:endParaRPr lang="en-NL" dirty="0"/>
-          </a:p>
-        </p:txBody>
-      </p:sp>
-      <p:sp>
-        <p:nvSpPr>
-          <p:cNvPr id="7" name="Rectangle 6">
-            <a:extLst>
-              <a:ext uri="{FF2B5EF4-FFF2-40B4-BE49-F238E27FC236}">
-                <a16:creationId xmlns:a16="http://schemas.microsoft.com/office/drawing/2014/main" id="{4FCD6A8C-29D6-E5C6-1838-8B707C443CD5}"/>
-              </a:ext>
-            </a:extLst>
-          </p:cNvPr>
-          <p:cNvSpPr/>
+            <a:off x="8076049" y="1711412"/>
+            <a:ext cx="2756930" cy="1791726"/>
+            <a:chOff x="838200" y="1711410"/>
+            <a:chExt cx="2756930" cy="1791726"/>
+          </a:xfrm>
+        </p:grpSpPr>
+        <p:sp>
+          <p:nvSpPr>
+            <p:cNvPr id="6" name="Rectangle 5">
+              <a:extLst>
+                <a:ext uri="{FF2B5EF4-FFF2-40B4-BE49-F238E27FC236}">
+                  <a16:creationId xmlns:a16="http://schemas.microsoft.com/office/drawing/2014/main" id="{1D38F06A-7130-AC87-179C-0C18A1AA4CA8}"/>
+                </a:ext>
+              </a:extLst>
+            </p:cNvPr>
+            <p:cNvSpPr/>
+            <p:nvPr/>
+          </p:nvSpPr>
+          <p:spPr>
+            <a:xfrm>
+              <a:off x="838200" y="2094470"/>
+              <a:ext cx="2756930" cy="1408666"/>
+            </a:xfrm>
+            <a:prstGeom prst="rect">
+              <a:avLst/>
+            </a:prstGeom>
+          </p:spPr>
+          <p:style>
+            <a:lnRef idx="1">
+              <a:schemeClr val="accent3"/>
+            </a:lnRef>
+            <a:fillRef idx="2">
+              <a:schemeClr val="accent3"/>
+            </a:fillRef>
+            <a:effectRef idx="1">
+              <a:schemeClr val="accent3"/>
+            </a:effectRef>
+            <a:fontRef idx="minor">
+              <a:schemeClr val="dk1"/>
+            </a:fontRef>
+          </p:style>
+          <p:txBody>
+            <a:bodyPr rtlCol="0" anchor="ctr"/>
+            <a:lstStyle/>
+            <a:p>
+              <a:pPr algn="ctr"/>
+              <a:r>
+                <a:rPr lang="en-US" dirty="0" err="1"/>
+                <a:t>PyTorch</a:t>
+              </a:r>
+              <a:endParaRPr lang="en-US" dirty="0"/>
+            </a:p>
+            <a:p>
+              <a:pPr algn="ctr"/>
+              <a:r>
+                <a:rPr lang="en-US" dirty="0" err="1"/>
+                <a:t>Keras</a:t>
+              </a:r>
+              <a:endParaRPr lang="en-US" dirty="0"/>
+            </a:p>
+          </p:txBody>
+        </p:sp>
+        <p:sp>
+          <p:nvSpPr>
+            <p:cNvPr id="3" name="Rectangle 2">
+              <a:extLst>
+                <a:ext uri="{FF2B5EF4-FFF2-40B4-BE49-F238E27FC236}">
+                  <a16:creationId xmlns:a16="http://schemas.microsoft.com/office/drawing/2014/main" id="{0BCC9F7A-27F2-C61D-B926-0E68B6D7DAA4}"/>
+                </a:ext>
+              </a:extLst>
+            </p:cNvPr>
+            <p:cNvSpPr/>
+            <p:nvPr/>
+          </p:nvSpPr>
+          <p:spPr>
+            <a:xfrm>
+              <a:off x="838200" y="1711410"/>
+              <a:ext cx="2756930" cy="383059"/>
+            </a:xfrm>
+            <a:prstGeom prst="rect">
+              <a:avLst/>
+            </a:prstGeom>
+          </p:spPr>
+          <p:style>
+            <a:lnRef idx="1">
+              <a:schemeClr val="accent4"/>
+            </a:lnRef>
+            <a:fillRef idx="2">
+              <a:schemeClr val="accent4"/>
+            </a:fillRef>
+            <a:effectRef idx="1">
+              <a:schemeClr val="accent4"/>
+            </a:effectRef>
+            <a:fontRef idx="minor">
+              <a:schemeClr val="dk1"/>
+            </a:fontRef>
+          </p:style>
+          <p:txBody>
+            <a:bodyPr rtlCol="0" anchor="t"/>
+            <a:lstStyle/>
+            <a:p>
+              <a:pPr algn="ctr"/>
+              <a:r>
+                <a:rPr lang="en-US" b="1" dirty="0"/>
+                <a:t>Deep Learning</a:t>
+              </a:r>
+            </a:p>
+          </p:txBody>
+        </p:sp>
+      </p:grpSp>
+      <p:grpSp>
+        <p:nvGrpSpPr>
+          <p:cNvPr id="17" name="Group 16">
+            <a:extLst>
+              <a:ext uri="{FF2B5EF4-FFF2-40B4-BE49-F238E27FC236}">
+                <a16:creationId xmlns:a16="http://schemas.microsoft.com/office/drawing/2014/main" id="{E0DF0368-47EB-A9DC-B3CC-1B3CA1E64867}"/>
+              </a:ext>
+            </a:extLst>
+          </p:cNvPr>
+          <p:cNvGrpSpPr/>
           <p:nvPr/>
-        </p:nvSpPr>
-        <p:spPr>
+        </p:nvGrpSpPr>
+        <p:grpSpPr>
           <a:xfrm>
             <a:off x="4643394" y="1711412"/>
-            <a:ext cx="2756931" cy="383057"/>
-          </a:xfrm>
-          <a:prstGeom prst="rect">
-            <a:avLst/>
-          </a:prstGeom>
-        </p:spPr>
-        <p:style>
-          <a:lnRef idx="1">
-            <a:schemeClr val="accent6"/>
-          </a:lnRef>
-          <a:fillRef idx="2">
-            <a:schemeClr val="accent6"/>
-          </a:fillRef>
-          <a:effectRef idx="1">
-            <a:schemeClr val="accent6"/>
-          </a:effectRef>
-          <a:fontRef idx="minor">
-            <a:schemeClr val="dk1"/>
-          </a:fontRef>
-        </p:style>
-        <p:txBody>
-          <a:bodyPr rtlCol="0" anchor="t"/>
-          <a:lstStyle/>
-          <a:p>
-            <a:pPr algn="ctr"/>
-            <a:r>
-              <a:rPr lang="en-US" dirty="0"/>
-              <a:t>Machine Learning</a:t>
-            </a:r>
-          </a:p>
-        </p:txBody>
-      </p:sp>
-      <p:sp>
-        <p:nvSpPr>
-          <p:cNvPr id="10" name="Rectangle 9">
-            <a:extLst>
-              <a:ext uri="{FF2B5EF4-FFF2-40B4-BE49-F238E27FC236}">
-                <a16:creationId xmlns:a16="http://schemas.microsoft.com/office/drawing/2014/main" id="{06AA83AA-E066-ABF0-626E-4AF185EBD422}"/>
-              </a:ext>
-            </a:extLst>
-          </p:cNvPr>
-          <p:cNvSpPr/>
+            <a:ext cx="2756931" cy="1791722"/>
+            <a:chOff x="4643394" y="1711412"/>
+            <a:chExt cx="2756931" cy="1791722"/>
+          </a:xfrm>
+        </p:grpSpPr>
+        <p:sp>
+          <p:nvSpPr>
+            <p:cNvPr id="7" name="Rectangle 6">
+              <a:extLst>
+                <a:ext uri="{FF2B5EF4-FFF2-40B4-BE49-F238E27FC236}">
+                  <a16:creationId xmlns:a16="http://schemas.microsoft.com/office/drawing/2014/main" id="{4FCD6A8C-29D6-E5C6-1838-8B707C443CD5}"/>
+                </a:ext>
+              </a:extLst>
+            </p:cNvPr>
+            <p:cNvSpPr/>
+            <p:nvPr/>
+          </p:nvSpPr>
+          <p:spPr>
+            <a:xfrm>
+              <a:off x="4643394" y="1711412"/>
+              <a:ext cx="2756931" cy="383057"/>
+            </a:xfrm>
+            <a:prstGeom prst="rect">
+              <a:avLst/>
+            </a:prstGeom>
+          </p:spPr>
+          <p:style>
+            <a:lnRef idx="1">
+              <a:schemeClr val="accent6"/>
+            </a:lnRef>
+            <a:fillRef idx="2">
+              <a:schemeClr val="accent6"/>
+            </a:fillRef>
+            <a:effectRef idx="1">
+              <a:schemeClr val="accent6"/>
+            </a:effectRef>
+            <a:fontRef idx="minor">
+              <a:schemeClr val="dk1"/>
+            </a:fontRef>
+          </p:style>
+          <p:txBody>
+            <a:bodyPr rtlCol="0" anchor="t"/>
+            <a:lstStyle/>
+            <a:p>
+              <a:pPr algn="ctr"/>
+              <a:r>
+                <a:rPr lang="en-US" dirty="0"/>
+                <a:t>Machine Learning</a:t>
+              </a:r>
+            </a:p>
+          </p:txBody>
+        </p:sp>
+        <p:sp>
+          <p:nvSpPr>
+            <p:cNvPr id="4" name="Rectangle 3">
+              <a:extLst>
+                <a:ext uri="{FF2B5EF4-FFF2-40B4-BE49-F238E27FC236}">
+                  <a16:creationId xmlns:a16="http://schemas.microsoft.com/office/drawing/2014/main" id="{2C38E716-E909-96D4-4449-564CCA453D46}"/>
+                </a:ext>
+              </a:extLst>
+            </p:cNvPr>
+            <p:cNvSpPr/>
+            <p:nvPr/>
+          </p:nvSpPr>
+          <p:spPr>
+            <a:xfrm>
+              <a:off x="4643394" y="2094469"/>
+              <a:ext cx="2756931" cy="1408665"/>
+            </a:xfrm>
+            <a:prstGeom prst="rect">
+              <a:avLst/>
+            </a:prstGeom>
+          </p:spPr>
+          <p:style>
+            <a:lnRef idx="1">
+              <a:schemeClr val="accent3"/>
+            </a:lnRef>
+            <a:fillRef idx="2">
+              <a:schemeClr val="accent3"/>
+            </a:fillRef>
+            <a:effectRef idx="1">
+              <a:schemeClr val="accent3"/>
+            </a:effectRef>
+            <a:fontRef idx="minor">
+              <a:schemeClr val="dk1"/>
+            </a:fontRef>
+          </p:style>
+          <p:txBody>
+            <a:bodyPr rtlCol="0" anchor="ctr"/>
+            <a:lstStyle/>
+            <a:p>
+              <a:pPr algn="ctr"/>
+              <a:r>
+                <a:rPr lang="en-US" dirty="0"/>
+                <a:t>scikit-learn</a:t>
+              </a:r>
+            </a:p>
+            <a:p>
+              <a:pPr algn="ctr"/>
+              <a:r>
+                <a:rPr lang="en-US" dirty="0" err="1"/>
+                <a:t>LightGBM</a:t>
+              </a:r>
+              <a:endParaRPr lang="en-US" dirty="0"/>
+            </a:p>
+          </p:txBody>
+        </p:sp>
+      </p:grpSp>
+      <p:grpSp>
+        <p:nvGrpSpPr>
+          <p:cNvPr id="18" name="Group 17">
+            <a:extLst>
+              <a:ext uri="{FF2B5EF4-FFF2-40B4-BE49-F238E27FC236}">
+                <a16:creationId xmlns:a16="http://schemas.microsoft.com/office/drawing/2014/main" id="{90991C0E-5769-BE9C-7A45-FF1D2E979AAF}"/>
+              </a:ext>
+            </a:extLst>
+          </p:cNvPr>
+          <p:cNvGrpSpPr/>
           <p:nvPr/>
-        </p:nvSpPr>
-        <p:spPr>
+        </p:nvGrpSpPr>
+        <p:grpSpPr>
           <a:xfrm>
-            <a:off x="8448589" y="1711411"/>
-            <a:ext cx="2756930" cy="383057"/>
-          </a:xfrm>
-          <a:prstGeom prst="rect">
-            <a:avLst/>
-          </a:prstGeom>
-        </p:spPr>
-        <p:style>
-          <a:lnRef idx="1">
-            <a:schemeClr val="accent5"/>
-          </a:lnRef>
-          <a:fillRef idx="2">
-            <a:schemeClr val="accent5"/>
-          </a:fillRef>
-          <a:effectRef idx="1">
-            <a:schemeClr val="accent5"/>
-          </a:effectRef>
-          <a:fontRef idx="minor">
-            <a:schemeClr val="dk1"/>
-          </a:fontRef>
-        </p:style>
-        <p:txBody>
-          <a:bodyPr rtlCol="0" anchor="t"/>
-          <a:lstStyle/>
-          <a:p>
-            <a:pPr algn="ctr"/>
-            <a:r>
-              <a:rPr lang="en-US" dirty="0" err="1"/>
-              <a:t>Statistiek</a:t>
-            </a:r>
-            <a:endParaRPr lang="en-US" dirty="0"/>
-          </a:p>
-        </p:txBody>
-      </p:sp>
-      <p:sp>
-        <p:nvSpPr>
-          <p:cNvPr id="3" name="Rectangle 2">
-            <a:extLst>
-              <a:ext uri="{FF2B5EF4-FFF2-40B4-BE49-F238E27FC236}">
-                <a16:creationId xmlns:a16="http://schemas.microsoft.com/office/drawing/2014/main" id="{0BCC9F7A-27F2-C61D-B926-0E68B6D7DAA4}"/>
-              </a:ext>
-            </a:extLst>
-          </p:cNvPr>
-          <p:cNvSpPr/>
+            <a:off x="1210739" y="1711412"/>
+            <a:ext cx="2756931" cy="1791722"/>
+            <a:chOff x="8448589" y="1711411"/>
+            <a:chExt cx="2756931" cy="1791722"/>
+          </a:xfrm>
+        </p:grpSpPr>
+        <p:sp>
+          <p:nvSpPr>
+            <p:cNvPr id="10" name="Rectangle 9">
+              <a:extLst>
+                <a:ext uri="{FF2B5EF4-FFF2-40B4-BE49-F238E27FC236}">
+                  <a16:creationId xmlns:a16="http://schemas.microsoft.com/office/drawing/2014/main" id="{06AA83AA-E066-ABF0-626E-4AF185EBD422}"/>
+                </a:ext>
+              </a:extLst>
+            </p:cNvPr>
+            <p:cNvSpPr/>
+            <p:nvPr/>
+          </p:nvSpPr>
+          <p:spPr>
+            <a:xfrm>
+              <a:off x="8448589" y="1711411"/>
+              <a:ext cx="2756930" cy="383057"/>
+            </a:xfrm>
+            <a:prstGeom prst="rect">
+              <a:avLst/>
+            </a:prstGeom>
+          </p:spPr>
+          <p:style>
+            <a:lnRef idx="1">
+              <a:schemeClr val="accent5"/>
+            </a:lnRef>
+            <a:fillRef idx="2">
+              <a:schemeClr val="accent5"/>
+            </a:fillRef>
+            <a:effectRef idx="1">
+              <a:schemeClr val="accent5"/>
+            </a:effectRef>
+            <a:fontRef idx="minor">
+              <a:schemeClr val="dk1"/>
+            </a:fontRef>
+          </p:style>
+          <p:txBody>
+            <a:bodyPr rtlCol="0" anchor="t"/>
+            <a:lstStyle/>
+            <a:p>
+              <a:pPr algn="ctr"/>
+              <a:r>
+                <a:rPr lang="en-US" dirty="0" err="1"/>
+                <a:t>Statistiek</a:t>
+              </a:r>
+              <a:endParaRPr lang="en-US" dirty="0"/>
+            </a:p>
+          </p:txBody>
+        </p:sp>
+        <p:sp>
+          <p:nvSpPr>
+            <p:cNvPr id="9" name="Rectangle 8">
+              <a:extLst>
+                <a:ext uri="{FF2B5EF4-FFF2-40B4-BE49-F238E27FC236}">
+                  <a16:creationId xmlns:a16="http://schemas.microsoft.com/office/drawing/2014/main" id="{5812AC52-D6EC-F3C4-889C-01479D3B8644}"/>
+                </a:ext>
+              </a:extLst>
+            </p:cNvPr>
+            <p:cNvSpPr/>
+            <p:nvPr/>
+          </p:nvSpPr>
+          <p:spPr>
+            <a:xfrm>
+              <a:off x="8448589" y="2094468"/>
+              <a:ext cx="2756931" cy="1408665"/>
+            </a:xfrm>
+            <a:prstGeom prst="rect">
+              <a:avLst/>
+            </a:prstGeom>
+          </p:spPr>
+          <p:style>
+            <a:lnRef idx="1">
+              <a:schemeClr val="accent3"/>
+            </a:lnRef>
+            <a:fillRef idx="2">
+              <a:schemeClr val="accent3"/>
+            </a:fillRef>
+            <a:effectRef idx="1">
+              <a:schemeClr val="accent3"/>
+            </a:effectRef>
+            <a:fontRef idx="minor">
+              <a:schemeClr val="dk1"/>
+            </a:fontRef>
+          </p:style>
+          <p:txBody>
+            <a:bodyPr rtlCol="0" anchor="ctr"/>
+            <a:lstStyle/>
+            <a:p>
+              <a:pPr algn="ctr"/>
+              <a:r>
+                <a:rPr lang="en-US" dirty="0" err="1"/>
+                <a:t>statsmodels</a:t>
+              </a:r>
+              <a:endParaRPr lang="en-US" dirty="0"/>
+            </a:p>
+          </p:txBody>
+        </p:sp>
+      </p:grpSp>
+      <p:grpSp>
+        <p:nvGrpSpPr>
+          <p:cNvPr id="12" name="Group 11">
+            <a:extLst>
+              <a:ext uri="{FF2B5EF4-FFF2-40B4-BE49-F238E27FC236}">
+                <a16:creationId xmlns:a16="http://schemas.microsoft.com/office/drawing/2014/main" id="{FBE57A9A-AFC4-C498-3A54-914F85369A61}"/>
+              </a:ext>
+            </a:extLst>
+          </p:cNvPr>
+          <p:cNvGrpSpPr/>
           <p:nvPr/>
-        </p:nvSpPr>
-        <p:spPr>
+        </p:nvGrpSpPr>
+        <p:grpSpPr>
           <a:xfrm>
-            <a:off x="838200" y="1711410"/>
-            <a:ext cx="2756930" cy="383059"/>
-          </a:xfrm>
-          <a:prstGeom prst="rect">
-            <a:avLst/>
-          </a:prstGeom>
-        </p:spPr>
-        <p:style>
-          <a:lnRef idx="1">
-            <a:schemeClr val="accent4"/>
-          </a:lnRef>
-          <a:fillRef idx="2">
-            <a:schemeClr val="accent4"/>
-          </a:fillRef>
-          <a:effectRef idx="1">
-            <a:schemeClr val="accent4"/>
-          </a:effectRef>
-          <a:fontRef idx="minor">
-            <a:schemeClr val="dk1"/>
-          </a:fontRef>
-        </p:style>
-        <p:txBody>
-          <a:bodyPr rtlCol="0" anchor="t"/>
-          <a:lstStyle/>
-          <a:p>
-            <a:pPr algn="ctr"/>
-            <a:r>
-              <a:rPr lang="en-US" b="1" dirty="0"/>
-              <a:t>Deep Learning</a:t>
-            </a:r>
-          </a:p>
-        </p:txBody>
-      </p:sp>
-      <p:sp>
-        <p:nvSpPr>
-          <p:cNvPr id="4" name="Rectangle 3">
-            <a:extLst>
-              <a:ext uri="{FF2B5EF4-FFF2-40B4-BE49-F238E27FC236}">
-                <a16:creationId xmlns:a16="http://schemas.microsoft.com/office/drawing/2014/main" id="{2C38E716-E909-96D4-4449-564CCA453D46}"/>
-              </a:ext>
-            </a:extLst>
-          </p:cNvPr>
-          <p:cNvSpPr/>
+            <a:off x="8076049" y="4223553"/>
+            <a:ext cx="1869824" cy="1398377"/>
+            <a:chOff x="7293591" y="4314423"/>
+            <a:chExt cx="2756930" cy="1398377"/>
+          </a:xfrm>
+        </p:grpSpPr>
+        <p:sp>
+          <p:nvSpPr>
+            <p:cNvPr id="5" name="Rectangle 4">
+              <a:extLst>
+                <a:ext uri="{FF2B5EF4-FFF2-40B4-BE49-F238E27FC236}">
+                  <a16:creationId xmlns:a16="http://schemas.microsoft.com/office/drawing/2014/main" id="{84488DC3-6414-14BB-E1C6-3BE9AFCE377B}"/>
+                </a:ext>
+              </a:extLst>
+            </p:cNvPr>
+            <p:cNvSpPr/>
+            <p:nvPr/>
+          </p:nvSpPr>
+          <p:spPr>
+            <a:xfrm>
+              <a:off x="7293591" y="4697486"/>
+              <a:ext cx="2756930" cy="1015314"/>
+            </a:xfrm>
+            <a:prstGeom prst="rect">
+              <a:avLst/>
+            </a:prstGeom>
+          </p:spPr>
+          <p:style>
+            <a:lnRef idx="1">
+              <a:schemeClr val="accent3"/>
+            </a:lnRef>
+            <a:fillRef idx="2">
+              <a:schemeClr val="accent3"/>
+            </a:fillRef>
+            <a:effectRef idx="1">
+              <a:schemeClr val="accent3"/>
+            </a:effectRef>
+            <a:fontRef idx="minor">
+              <a:schemeClr val="dk1"/>
+            </a:fontRef>
+          </p:style>
+          <p:txBody>
+            <a:bodyPr rtlCol="0" anchor="ctr"/>
+            <a:lstStyle/>
+            <a:p>
+              <a:pPr algn="ctr"/>
+              <a:r>
+                <a:rPr lang="en-US" dirty="0"/>
+                <a:t>Spacy </a:t>
+              </a:r>
+            </a:p>
+            <a:p>
+              <a:pPr algn="ctr"/>
+              <a:r>
+                <a:rPr lang="en-US" dirty="0"/>
+                <a:t>NLTK</a:t>
+              </a:r>
+            </a:p>
+          </p:txBody>
+        </p:sp>
+        <p:sp>
+          <p:nvSpPr>
+            <p:cNvPr id="11" name="Rectangle 10">
+              <a:extLst>
+                <a:ext uri="{FF2B5EF4-FFF2-40B4-BE49-F238E27FC236}">
+                  <a16:creationId xmlns:a16="http://schemas.microsoft.com/office/drawing/2014/main" id="{F6ED25AF-3F94-656D-09F2-3C2F6177585D}"/>
+                </a:ext>
+              </a:extLst>
+            </p:cNvPr>
+            <p:cNvSpPr/>
+            <p:nvPr/>
+          </p:nvSpPr>
+          <p:spPr>
+            <a:xfrm>
+              <a:off x="7293591" y="4314423"/>
+              <a:ext cx="2756930" cy="383059"/>
+            </a:xfrm>
+            <a:prstGeom prst="rect">
+              <a:avLst/>
+            </a:prstGeom>
+          </p:spPr>
+          <p:style>
+            <a:lnRef idx="1">
+              <a:schemeClr val="accent4"/>
+            </a:lnRef>
+            <a:fillRef idx="2">
+              <a:schemeClr val="accent4"/>
+            </a:fillRef>
+            <a:effectRef idx="1">
+              <a:schemeClr val="accent4"/>
+            </a:effectRef>
+            <a:fontRef idx="minor">
+              <a:schemeClr val="dk1"/>
+            </a:fontRef>
+          </p:style>
+          <p:txBody>
+            <a:bodyPr rtlCol="0" anchor="t"/>
+            <a:lstStyle/>
+            <a:p>
+              <a:pPr algn="ctr"/>
+              <a:r>
+                <a:rPr lang="en-US" b="1" dirty="0"/>
+                <a:t>NLP</a:t>
+              </a:r>
+            </a:p>
+          </p:txBody>
+        </p:sp>
+      </p:grpSp>
+      <p:grpSp>
+        <p:nvGrpSpPr>
+          <p:cNvPr id="15" name="Group 14">
+            <a:extLst>
+              <a:ext uri="{FF2B5EF4-FFF2-40B4-BE49-F238E27FC236}">
+                <a16:creationId xmlns:a16="http://schemas.microsoft.com/office/drawing/2014/main" id="{175D64CE-1FB0-2D19-C119-42342A9C5153}"/>
+              </a:ext>
+            </a:extLst>
+          </p:cNvPr>
+          <p:cNvGrpSpPr/>
           <p:nvPr/>
-        </p:nvSpPr>
-        <p:spPr>
+        </p:nvGrpSpPr>
+        <p:grpSpPr>
           <a:xfrm>
-            <a:off x="4643394" y="2094469"/>
-            <a:ext cx="2756931" cy="1408665"/>
-          </a:xfrm>
-          <a:prstGeom prst="rect">
-            <a:avLst/>
-          </a:prstGeom>
-        </p:spPr>
-        <p:style>
-          <a:lnRef idx="1">
-            <a:schemeClr val="accent3"/>
-          </a:lnRef>
-          <a:fillRef idx="2">
-            <a:schemeClr val="accent3"/>
-          </a:fillRef>
-          <a:effectRef idx="1">
-            <a:schemeClr val="accent3"/>
-          </a:effectRef>
-          <a:fontRef idx="minor">
-            <a:schemeClr val="dk1"/>
-          </a:fontRef>
-        </p:style>
-        <p:txBody>
-          <a:bodyPr rtlCol="0" anchor="ctr"/>
-          <a:lstStyle/>
-          <a:p>
-            <a:pPr algn="ctr"/>
-            <a:r>
-              <a:rPr lang="en-US" dirty="0"/>
-              <a:t>scikit-learn</a:t>
-            </a:r>
-          </a:p>
-          <a:p>
-            <a:pPr algn="ctr"/>
-            <a:r>
-              <a:rPr lang="en-US" dirty="0" err="1"/>
-              <a:t>LightGBM</a:t>
-            </a:r>
-            <a:endParaRPr lang="en-US" dirty="0"/>
-          </a:p>
-          <a:p>
-            <a:pPr algn="ctr"/>
-            <a:r>
-              <a:rPr lang="en-US" dirty="0" err="1"/>
-              <a:t>xgBoost</a:t>
-            </a:r>
-            <a:endParaRPr lang="en-NL" dirty="0"/>
-          </a:p>
-        </p:txBody>
-      </p:sp>
-      <p:sp>
-        <p:nvSpPr>
-          <p:cNvPr id="9" name="Rectangle 8">
-            <a:extLst>
-              <a:ext uri="{FF2B5EF4-FFF2-40B4-BE49-F238E27FC236}">
-                <a16:creationId xmlns:a16="http://schemas.microsoft.com/office/drawing/2014/main" id="{5812AC52-D6EC-F3C4-889C-01479D3B8644}"/>
-              </a:ext>
-            </a:extLst>
-          </p:cNvPr>
-          <p:cNvSpPr/>
+            <a:off x="5161087" y="4223553"/>
+            <a:ext cx="1869825" cy="1398373"/>
+            <a:chOff x="3756288" y="4314423"/>
+            <a:chExt cx="2756931" cy="1398373"/>
+          </a:xfrm>
+        </p:grpSpPr>
+        <p:sp>
+          <p:nvSpPr>
+            <p:cNvPr id="13" name="Rectangle 12">
+              <a:extLst>
+                <a:ext uri="{FF2B5EF4-FFF2-40B4-BE49-F238E27FC236}">
+                  <a16:creationId xmlns:a16="http://schemas.microsoft.com/office/drawing/2014/main" id="{DE70765D-3A84-BC81-EE9C-61DA59F9A0DD}"/>
+                </a:ext>
+              </a:extLst>
+            </p:cNvPr>
+            <p:cNvSpPr/>
+            <p:nvPr/>
+          </p:nvSpPr>
+          <p:spPr>
+            <a:xfrm>
+              <a:off x="3756289" y="4697482"/>
+              <a:ext cx="2756930" cy="1015314"/>
+            </a:xfrm>
+            <a:prstGeom prst="rect">
+              <a:avLst/>
+            </a:prstGeom>
+          </p:spPr>
+          <p:style>
+            <a:lnRef idx="1">
+              <a:schemeClr val="accent3"/>
+            </a:lnRef>
+            <a:fillRef idx="2">
+              <a:schemeClr val="accent3"/>
+            </a:fillRef>
+            <a:effectRef idx="1">
+              <a:schemeClr val="accent3"/>
+            </a:effectRef>
+            <a:fontRef idx="minor">
+              <a:schemeClr val="dk1"/>
+            </a:fontRef>
+          </p:style>
+          <p:txBody>
+            <a:bodyPr rtlCol="0" anchor="ctr"/>
+            <a:lstStyle/>
+            <a:p>
+              <a:pPr algn="ctr"/>
+              <a:r>
+                <a:rPr lang="en-US" dirty="0" err="1"/>
+                <a:t>Sktime</a:t>
+              </a:r>
+              <a:endParaRPr lang="en-US" dirty="0"/>
+            </a:p>
+            <a:p>
+              <a:pPr algn="ctr"/>
+              <a:r>
+                <a:rPr lang="en-US" dirty="0" err="1"/>
+                <a:t>PyFlux</a:t>
+              </a:r>
+              <a:endParaRPr lang="en-US" dirty="0"/>
+            </a:p>
+            <a:p>
+              <a:pPr algn="ctr"/>
+              <a:r>
+                <a:rPr lang="en-US" dirty="0"/>
+                <a:t>Prophet</a:t>
+              </a:r>
+              <a:endParaRPr lang="en-NL" dirty="0"/>
+            </a:p>
+          </p:txBody>
+        </p:sp>
+        <p:sp>
+          <p:nvSpPr>
+            <p:cNvPr id="14" name="Rectangle 13">
+              <a:extLst>
+                <a:ext uri="{FF2B5EF4-FFF2-40B4-BE49-F238E27FC236}">
+                  <a16:creationId xmlns:a16="http://schemas.microsoft.com/office/drawing/2014/main" id="{3447C395-6417-FE82-93FC-AE20CEE356A1}"/>
+                </a:ext>
+              </a:extLst>
+            </p:cNvPr>
+            <p:cNvSpPr/>
+            <p:nvPr/>
+          </p:nvSpPr>
+          <p:spPr>
+            <a:xfrm>
+              <a:off x="3756288" y="4314423"/>
+              <a:ext cx="2756931" cy="383057"/>
+            </a:xfrm>
+            <a:prstGeom prst="rect">
+              <a:avLst/>
+            </a:prstGeom>
+          </p:spPr>
+          <p:style>
+            <a:lnRef idx="1">
+              <a:schemeClr val="accent6"/>
+            </a:lnRef>
+            <a:fillRef idx="2">
+              <a:schemeClr val="accent6"/>
+            </a:fillRef>
+            <a:effectRef idx="1">
+              <a:schemeClr val="accent6"/>
+            </a:effectRef>
+            <a:fontRef idx="minor">
+              <a:schemeClr val="dk1"/>
+            </a:fontRef>
+          </p:style>
+          <p:txBody>
+            <a:bodyPr rtlCol="0" anchor="t"/>
+            <a:lstStyle/>
+            <a:p>
+              <a:pPr algn="ctr"/>
+              <a:r>
+                <a:rPr lang="en-US" dirty="0"/>
+                <a:t>Time Series</a:t>
+              </a:r>
+            </a:p>
+          </p:txBody>
+        </p:sp>
+      </p:grpSp>
+      <p:grpSp>
+        <p:nvGrpSpPr>
+          <p:cNvPr id="22" name="Group 21">
+            <a:extLst>
+              <a:ext uri="{FF2B5EF4-FFF2-40B4-BE49-F238E27FC236}">
+                <a16:creationId xmlns:a16="http://schemas.microsoft.com/office/drawing/2014/main" id="{3C1079BF-1AB1-F78C-A525-47DC26228534}"/>
+              </a:ext>
+            </a:extLst>
+          </p:cNvPr>
+          <p:cNvGrpSpPr/>
           <p:nvPr/>
-        </p:nvSpPr>
-        <p:spPr>
+        </p:nvGrpSpPr>
+        <p:grpSpPr>
           <a:xfrm>
-            <a:off x="8448589" y="2094468"/>
-            <a:ext cx="2756931" cy="1408665"/>
-          </a:xfrm>
-          <a:prstGeom prst="rect">
-            <a:avLst/>
-          </a:prstGeom>
-        </p:spPr>
-        <p:style>
-          <a:lnRef idx="1">
-            <a:schemeClr val="accent3"/>
-          </a:lnRef>
-          <a:fillRef idx="2">
-            <a:schemeClr val="accent3"/>
-          </a:fillRef>
-          <a:effectRef idx="1">
-            <a:schemeClr val="accent3"/>
-          </a:effectRef>
-          <a:fontRef idx="minor">
-            <a:schemeClr val="dk1"/>
-          </a:fontRef>
-        </p:style>
-        <p:txBody>
-          <a:bodyPr rtlCol="0" anchor="ctr"/>
-          <a:lstStyle/>
-          <a:p>
-            <a:pPr algn="ctr"/>
-            <a:r>
-              <a:rPr lang="en-US" dirty="0" err="1"/>
-              <a:t>statsmodels</a:t>
-            </a:r>
-            <a:endParaRPr lang="en-US" dirty="0"/>
-          </a:p>
-          <a:p>
-            <a:pPr algn="ctr"/>
-            <a:r>
-              <a:rPr lang="en-US" dirty="0"/>
-              <a:t>PyMC3</a:t>
-            </a:r>
-          </a:p>
-        </p:txBody>
-      </p:sp>
-      <p:sp>
-        <p:nvSpPr>
-          <p:cNvPr id="12" name="Rectangle 11">
-            <a:extLst>
-              <a:ext uri="{FF2B5EF4-FFF2-40B4-BE49-F238E27FC236}">
-                <a16:creationId xmlns:a16="http://schemas.microsoft.com/office/drawing/2014/main" id="{FA159604-F3DA-ADDC-895E-12151F255570}"/>
-              </a:ext>
-            </a:extLst>
-          </p:cNvPr>
-          <p:cNvSpPr/>
-          <p:nvPr/>
-        </p:nvSpPr>
-        <p:spPr>
-          <a:xfrm>
-            <a:off x="838200" y="3817205"/>
-            <a:ext cx="2756930" cy="1015314"/>
-          </a:xfrm>
-          <a:prstGeom prst="rect">
-            <a:avLst/>
-          </a:prstGeom>
-        </p:spPr>
-        <p:style>
-          <a:lnRef idx="1">
-            <a:schemeClr val="accent3"/>
-          </a:lnRef>
-          <a:fillRef idx="2">
-            <a:schemeClr val="accent3"/>
-          </a:fillRef>
-          <a:effectRef idx="1">
-            <a:schemeClr val="accent3"/>
-          </a:effectRef>
-          <a:fontRef idx="minor">
-            <a:schemeClr val="dk1"/>
-          </a:fontRef>
-        </p:style>
-        <p:txBody>
-          <a:bodyPr rtlCol="0" anchor="ctr"/>
-          <a:lstStyle/>
-          <a:p>
-            <a:pPr algn="ctr"/>
-            <a:r>
-              <a:rPr lang="en-US" dirty="0"/>
-              <a:t>NLTK</a:t>
-            </a:r>
-          </a:p>
-          <a:p>
-            <a:pPr algn="ctr"/>
-            <a:r>
-              <a:rPr lang="en-US" dirty="0"/>
-              <a:t>Spacy</a:t>
-            </a:r>
-            <a:endParaRPr lang="en-NL" dirty="0"/>
-          </a:p>
-        </p:txBody>
-      </p:sp>
-      <p:sp>
-        <p:nvSpPr>
-          <p:cNvPr id="13" name="Rectangle 12">
-            <a:extLst>
-              <a:ext uri="{FF2B5EF4-FFF2-40B4-BE49-F238E27FC236}">
-                <a16:creationId xmlns:a16="http://schemas.microsoft.com/office/drawing/2014/main" id="{B4C63336-5408-1EE1-0DF4-F2B286964A7C}"/>
-              </a:ext>
-            </a:extLst>
-          </p:cNvPr>
-          <p:cNvSpPr/>
-          <p:nvPr/>
-        </p:nvSpPr>
-        <p:spPr>
-          <a:xfrm>
-            <a:off x="838200" y="5146588"/>
-            <a:ext cx="2756930" cy="1015314"/>
-          </a:xfrm>
-          <a:prstGeom prst="rect">
-            <a:avLst/>
-          </a:prstGeom>
-        </p:spPr>
-        <p:style>
-          <a:lnRef idx="1">
-            <a:schemeClr val="accent3"/>
-          </a:lnRef>
-          <a:fillRef idx="2">
-            <a:schemeClr val="accent3"/>
-          </a:fillRef>
-          <a:effectRef idx="1">
-            <a:schemeClr val="accent3"/>
-          </a:effectRef>
-          <a:fontRef idx="minor">
-            <a:schemeClr val="dk1"/>
-          </a:fontRef>
-        </p:style>
-        <p:txBody>
-          <a:bodyPr rtlCol="0" anchor="ctr"/>
-          <a:lstStyle/>
-          <a:p>
-            <a:pPr algn="ctr"/>
-            <a:r>
-              <a:rPr lang="en-US" dirty="0"/>
-              <a:t>scikit-image</a:t>
-            </a:r>
-          </a:p>
-          <a:p>
-            <a:pPr algn="ctr"/>
-            <a:r>
-              <a:rPr lang="en-US" dirty="0"/>
-              <a:t>OpenCV</a:t>
-            </a:r>
-            <a:endParaRPr lang="en-NL" dirty="0"/>
-          </a:p>
-        </p:txBody>
-      </p:sp>
-      <p:sp>
-        <p:nvSpPr>
-          <p:cNvPr id="15" name="Rectangle 14">
-            <a:extLst>
-              <a:ext uri="{FF2B5EF4-FFF2-40B4-BE49-F238E27FC236}">
-                <a16:creationId xmlns:a16="http://schemas.microsoft.com/office/drawing/2014/main" id="{EDEC73B7-142D-00C2-AB34-6DCBD69992A7}"/>
-              </a:ext>
-            </a:extLst>
-          </p:cNvPr>
-          <p:cNvSpPr/>
-          <p:nvPr/>
-        </p:nvSpPr>
-        <p:spPr>
-          <a:xfrm>
-            <a:off x="4643394" y="5146588"/>
-            <a:ext cx="2756930" cy="1015314"/>
-          </a:xfrm>
-          <a:prstGeom prst="rect">
-            <a:avLst/>
-          </a:prstGeom>
-        </p:spPr>
-        <p:style>
-          <a:lnRef idx="1">
-            <a:schemeClr val="accent3"/>
-          </a:lnRef>
-          <a:fillRef idx="2">
-            <a:schemeClr val="accent3"/>
-          </a:fillRef>
-          <a:effectRef idx="1">
-            <a:schemeClr val="accent3"/>
-          </a:effectRef>
-          <a:fontRef idx="minor">
-            <a:schemeClr val="dk1"/>
-          </a:fontRef>
-        </p:style>
-        <p:txBody>
-          <a:bodyPr rtlCol="0" anchor="ctr"/>
-          <a:lstStyle/>
-          <a:p>
-            <a:pPr algn="ctr"/>
-            <a:r>
-              <a:rPr lang="en-US" dirty="0"/>
-              <a:t>Lifelines</a:t>
-            </a:r>
-            <a:endParaRPr lang="en-NL" dirty="0"/>
-          </a:p>
-        </p:txBody>
-      </p:sp>
-      <p:sp>
-        <p:nvSpPr>
-          <p:cNvPr id="17" name="Rectangle 16">
-            <a:extLst>
-              <a:ext uri="{FF2B5EF4-FFF2-40B4-BE49-F238E27FC236}">
-                <a16:creationId xmlns:a16="http://schemas.microsoft.com/office/drawing/2014/main" id="{77E37745-FC9D-D3DA-55D8-645DD2C61F14}"/>
-              </a:ext>
-            </a:extLst>
-          </p:cNvPr>
-          <p:cNvSpPr/>
-          <p:nvPr/>
-        </p:nvSpPr>
-        <p:spPr>
-          <a:xfrm>
-            <a:off x="4643394" y="3817205"/>
-            <a:ext cx="2756930" cy="1015314"/>
-          </a:xfrm>
-          <a:prstGeom prst="rect">
-            <a:avLst/>
-          </a:prstGeom>
-        </p:spPr>
-        <p:style>
-          <a:lnRef idx="1">
-            <a:schemeClr val="accent3"/>
-          </a:lnRef>
-          <a:fillRef idx="2">
-            <a:schemeClr val="accent3"/>
-          </a:fillRef>
-          <a:effectRef idx="1">
-            <a:schemeClr val="accent3"/>
-          </a:effectRef>
-          <a:fontRef idx="minor">
-            <a:schemeClr val="dk1"/>
-          </a:fontRef>
-        </p:style>
-        <p:txBody>
-          <a:bodyPr rtlCol="0" anchor="ctr"/>
-          <a:lstStyle/>
-          <a:p>
-            <a:pPr algn="ctr"/>
-            <a:r>
-              <a:rPr lang="en-US" dirty="0" err="1"/>
-              <a:t>Sktime</a:t>
-            </a:r>
-            <a:endParaRPr lang="en-US" dirty="0"/>
-          </a:p>
-          <a:p>
-            <a:pPr algn="ctr"/>
-            <a:r>
-              <a:rPr lang="en-US" dirty="0" err="1"/>
-              <a:t>PyFlux</a:t>
-            </a:r>
-            <a:endParaRPr lang="en-US" dirty="0"/>
-          </a:p>
-          <a:p>
-            <a:pPr algn="ctr"/>
-            <a:r>
-              <a:rPr lang="en-US" dirty="0"/>
-              <a:t>Prophet</a:t>
-            </a:r>
-            <a:endParaRPr lang="en-NL" dirty="0"/>
-          </a:p>
-        </p:txBody>
-      </p:sp>
+            <a:off x="2097844" y="4223553"/>
+            <a:ext cx="1869825" cy="1398373"/>
+            <a:chOff x="3756288" y="4314423"/>
+            <a:chExt cx="2756931" cy="1398373"/>
+          </a:xfrm>
+        </p:grpSpPr>
+        <p:sp>
+          <p:nvSpPr>
+            <p:cNvPr id="23" name="Rectangle 22">
+              <a:extLst>
+                <a:ext uri="{FF2B5EF4-FFF2-40B4-BE49-F238E27FC236}">
+                  <a16:creationId xmlns:a16="http://schemas.microsoft.com/office/drawing/2014/main" id="{632CDF7F-FA3A-CB88-2FA2-22FED616A9FF}"/>
+                </a:ext>
+              </a:extLst>
+            </p:cNvPr>
+            <p:cNvSpPr/>
+            <p:nvPr/>
+          </p:nvSpPr>
+          <p:spPr>
+            <a:xfrm>
+              <a:off x="3756289" y="4697482"/>
+              <a:ext cx="2756930" cy="1015314"/>
+            </a:xfrm>
+            <a:prstGeom prst="rect">
+              <a:avLst/>
+            </a:prstGeom>
+          </p:spPr>
+          <p:style>
+            <a:lnRef idx="1">
+              <a:schemeClr val="accent3"/>
+            </a:lnRef>
+            <a:fillRef idx="2">
+              <a:schemeClr val="accent3"/>
+            </a:fillRef>
+            <a:effectRef idx="1">
+              <a:schemeClr val="accent3"/>
+            </a:effectRef>
+            <a:fontRef idx="minor">
+              <a:schemeClr val="dk1"/>
+            </a:fontRef>
+          </p:style>
+          <p:txBody>
+            <a:bodyPr rtlCol="0" anchor="ctr"/>
+            <a:lstStyle/>
+            <a:p>
+              <a:pPr algn="ctr"/>
+              <a:r>
+                <a:rPr lang="en-US" dirty="0" err="1"/>
+                <a:t>PyMC</a:t>
+              </a:r>
+              <a:endParaRPr lang="en-US" dirty="0"/>
+            </a:p>
+            <a:p>
+              <a:pPr algn="ctr"/>
+              <a:r>
+                <a:rPr lang="en-US" dirty="0"/>
+                <a:t>Pyro</a:t>
+              </a:r>
+              <a:endParaRPr lang="en-NL" dirty="0"/>
+            </a:p>
+          </p:txBody>
+        </p:sp>
+        <p:sp>
+          <p:nvSpPr>
+            <p:cNvPr id="24" name="Rectangle 23">
+              <a:extLst>
+                <a:ext uri="{FF2B5EF4-FFF2-40B4-BE49-F238E27FC236}">
+                  <a16:creationId xmlns:a16="http://schemas.microsoft.com/office/drawing/2014/main" id="{5ABAF762-DD5C-74F3-9DB8-43FF78C3E92C}"/>
+                </a:ext>
+              </a:extLst>
+            </p:cNvPr>
+            <p:cNvSpPr/>
+            <p:nvPr/>
+          </p:nvSpPr>
+          <p:spPr>
+            <a:xfrm>
+              <a:off x="3756288" y="4314423"/>
+              <a:ext cx="2756931" cy="383057"/>
+            </a:xfrm>
+            <a:prstGeom prst="rect">
+              <a:avLst/>
+            </a:prstGeom>
+          </p:spPr>
+          <p:style>
+            <a:lnRef idx="1">
+              <a:schemeClr val="accent5"/>
+            </a:lnRef>
+            <a:fillRef idx="2">
+              <a:schemeClr val="accent5"/>
+            </a:fillRef>
+            <a:effectRef idx="1">
+              <a:schemeClr val="accent5"/>
+            </a:effectRef>
+            <a:fontRef idx="minor">
+              <a:schemeClr val="dk1"/>
+            </a:fontRef>
+          </p:style>
+          <p:txBody>
+            <a:bodyPr rtlCol="0" anchor="t"/>
+            <a:lstStyle/>
+            <a:p>
+              <a:pPr algn="ctr"/>
+              <a:r>
+                <a:rPr lang="en-US" dirty="0"/>
+                <a:t>Bayesian</a:t>
+              </a:r>
+            </a:p>
+          </p:txBody>
+        </p:sp>
+      </p:grpSp>
     </p:spTree>
     <p:extLst>
       <p:ext uri="{BB962C8B-B14F-4D97-AF65-F5344CB8AC3E}">
-        <p14:creationId xmlns:p14="http://schemas.microsoft.com/office/powerpoint/2010/main" val="3874396999"/>
+        <p14:creationId xmlns:p14="http://schemas.microsoft.com/office/powerpoint/2010/main" val="338114652"/>
       </p:ext>
     </p:extLst>
   </p:cSld>
@@ -5355,8 +8834,12 @@
           <a:lstStyle/>
           <a:p>
             <a:r>
+              <a:rPr lang="nl-NL" sz="3600" dirty="0"/>
+              <a:t>Wekwijze </a:t>
+            </a:r>
+            <a:r>
               <a:rPr lang="nl-NL" sz="3600" noProof="0" dirty="0"/>
-              <a:t>Machine Learning proces</a:t>
+              <a:t>Machine Learning</a:t>
             </a:r>
           </a:p>
         </p:txBody>
@@ -5397,7 +8880,7 @@
           </a:fontRef>
         </p:style>
         <p:txBody>
-          <a:bodyPr rtlCol="0" anchor="t"/>
+          <a:bodyPr rtlCol="0" anchor="ctr"/>
           <a:lstStyle/>
           <a:p>
             <a:pPr algn="ctr"/>
@@ -5444,7 +8927,7 @@
           </a:fontRef>
         </p:style>
         <p:txBody>
-          <a:bodyPr rtlCol="0" anchor="t"/>
+          <a:bodyPr rtlCol="0" anchor="ctr"/>
           <a:lstStyle/>
           <a:p>
             <a:pPr algn="ctr"/>
@@ -5491,7 +8974,7 @@
           </a:fontRef>
         </p:style>
         <p:txBody>
-          <a:bodyPr rtlCol="0" anchor="t"/>
+          <a:bodyPr rtlCol="0" anchor="ctr"/>
           <a:lstStyle/>
           <a:p>
             <a:pPr algn="ctr"/>
@@ -5538,7 +9021,7 @@
           </a:fontRef>
         </p:style>
         <p:txBody>
-          <a:bodyPr rtlCol="0" anchor="t"/>
+          <a:bodyPr rtlCol="0" anchor="ctr"/>
           <a:lstStyle/>
           <a:p>
             <a:pPr algn="ctr"/>
@@ -5608,14 +9091,13 @@
           <a:lstStyle/>
           <a:p>
             <a:r>
+              <a:rPr lang="nl-NL" sz="3600" noProof="0" dirty="0" err="1"/>
+              <a:t>Scikit-learn</a:t>
+            </a:r>
+            <a:r>
               <a:rPr lang="nl-NL" sz="3600" noProof="0" dirty="0"/>
-              <a:t>Overzicht </a:t>
-            </a:r>
-            <a:r>
-              <a:rPr lang="nl-NL" sz="3600" noProof="0" dirty="0" err="1"/>
-              <a:t>scikit-learn</a:t>
-            </a:r>
-            <a:endParaRPr lang="nl-NL" sz="3600" noProof="0" dirty="0"/>
+              <a:t> API</a:t>
+            </a:r>
           </a:p>
         </p:txBody>
       </p:sp>
@@ -5918,7 +9400,7 @@
 </file>
 
 <file path=ppt/slides/slide8.xml><?xml version="1.0" encoding="utf-8"?>
-<p:sld xmlns:a="http://schemas.openxmlformats.org/drawingml/2006/main" xmlns:r="http://schemas.openxmlformats.org/officeDocument/2006/relationships" xmlns:p="http://schemas.openxmlformats.org/presentationml/2006/main">
+<p:sld xmlns:a="http://schemas.openxmlformats.org/drawingml/2006/main" xmlns:r="http://schemas.openxmlformats.org/officeDocument/2006/relationships" xmlns:p="http://schemas.openxmlformats.org/presentationml/2006/main" show="0">
   <p:cSld>
     <p:spTree>
       <p:nvGrpSpPr>
@@ -5963,14 +9445,13 @@
           <a:lstStyle/>
           <a:p>
             <a:r>
+              <a:rPr lang="nl-NL" sz="3600" noProof="0" dirty="0" err="1"/>
+              <a:t>Scikit-learn</a:t>
+            </a:r>
+            <a:r>
               <a:rPr lang="nl-NL" sz="3600" noProof="0" dirty="0"/>
-              <a:t>Overzicht </a:t>
-            </a:r>
-            <a:r>
-              <a:rPr lang="nl-NL" sz="3600" noProof="0" dirty="0" err="1"/>
-              <a:t>scikit-learn</a:t>
-            </a:r>
-            <a:endParaRPr lang="nl-NL" sz="3600" noProof="0" dirty="0"/>
+              <a:t> API</a:t>
+            </a:r>
           </a:p>
         </p:txBody>
       </p:sp>
@@ -6569,7 +10050,7 @@
           <a:p>
             <a:r>
               <a:rPr lang="nl-NL" noProof="0" dirty="0"/>
-              <a:t>Data Exploratie</a:t>
+              <a:t>Data Preparatie</a:t>
             </a:r>
           </a:p>
         </p:txBody>
@@ -6602,7 +10083,7 @@
     </p:spTree>
     <p:extLst>
       <p:ext uri="{BB962C8B-B14F-4D97-AF65-F5344CB8AC3E}">
-        <p14:creationId xmlns:p14="http://schemas.microsoft.com/office/powerpoint/2010/main" val="1251912865"/>
+        <p14:creationId xmlns:p14="http://schemas.microsoft.com/office/powerpoint/2010/main" val="1377020512"/>
       </p:ext>
     </p:extLst>
   </p:cSld>

--- a/python_trainees/4_scikit_learn/python_traineeship_4.pptx
+++ b/python_trainees/4_scikit_learn/python_traineeship_4.pptx
@@ -20,9 +20,15 @@
     <p:sldId id="353" r:id="rId14"/>
     <p:sldId id="354" r:id="rId15"/>
     <p:sldId id="344" r:id="rId16"/>
-    <p:sldId id="345" r:id="rId17"/>
-    <p:sldId id="346" r:id="rId18"/>
-    <p:sldId id="336" r:id="rId19"/>
+    <p:sldId id="355" r:id="rId17"/>
+    <p:sldId id="356" r:id="rId18"/>
+    <p:sldId id="357" r:id="rId19"/>
+    <p:sldId id="345" r:id="rId20"/>
+    <p:sldId id="358" r:id="rId21"/>
+    <p:sldId id="359" r:id="rId22"/>
+    <p:sldId id="360" r:id="rId23"/>
+    <p:sldId id="346" r:id="rId24"/>
+    <p:sldId id="336" r:id="rId25"/>
   </p:sldIdLst>
   <p:sldSz cx="12192000" cy="6858000"/>
   <p:notesSz cx="6858000" cy="9144000"/>
@@ -278,7 +284,7 @@
           <a:p>
             <a:fld id="{5E9D55AD-DA6B-4A9D-BFE6-D0A1673E6EA9}" type="datetimeFigureOut">
               <a:rPr lang="en-NL" smtClean="0"/>
-              <a:t>06/04/2023</a:t>
+              <a:t>07/04/2023</a:t>
             </a:fld>
             <a:endParaRPr lang="en-NL"/>
           </a:p>
@@ -478,7 +484,7 @@
           <a:p>
             <a:fld id="{5E9D55AD-DA6B-4A9D-BFE6-D0A1673E6EA9}" type="datetimeFigureOut">
               <a:rPr lang="en-NL" smtClean="0"/>
-              <a:t>06/04/2023</a:t>
+              <a:t>07/04/2023</a:t>
             </a:fld>
             <a:endParaRPr lang="en-NL"/>
           </a:p>
@@ -688,7 +694,7 @@
           <a:p>
             <a:fld id="{5E9D55AD-DA6B-4A9D-BFE6-D0A1673E6EA9}" type="datetimeFigureOut">
               <a:rPr lang="en-NL" smtClean="0"/>
-              <a:t>06/04/2023</a:t>
+              <a:t>07/04/2023</a:t>
             </a:fld>
             <a:endParaRPr lang="en-NL"/>
           </a:p>
@@ -888,7 +894,7 @@
           <a:p>
             <a:fld id="{5E9D55AD-DA6B-4A9D-BFE6-D0A1673E6EA9}" type="datetimeFigureOut">
               <a:rPr lang="en-NL" smtClean="0"/>
-              <a:t>06/04/2023</a:t>
+              <a:t>07/04/2023</a:t>
             </a:fld>
             <a:endParaRPr lang="en-NL"/>
           </a:p>
@@ -1164,7 +1170,7 @@
           <a:p>
             <a:fld id="{5E9D55AD-DA6B-4A9D-BFE6-D0A1673E6EA9}" type="datetimeFigureOut">
               <a:rPr lang="en-NL" smtClean="0"/>
-              <a:t>06/04/2023</a:t>
+              <a:t>07/04/2023</a:t>
             </a:fld>
             <a:endParaRPr lang="en-NL"/>
           </a:p>
@@ -1432,7 +1438,7 @@
           <a:p>
             <a:fld id="{5E9D55AD-DA6B-4A9D-BFE6-D0A1673E6EA9}" type="datetimeFigureOut">
               <a:rPr lang="en-NL" smtClean="0"/>
-              <a:t>06/04/2023</a:t>
+              <a:t>07/04/2023</a:t>
             </a:fld>
             <a:endParaRPr lang="en-NL"/>
           </a:p>
@@ -1847,7 +1853,7 @@
           <a:p>
             <a:fld id="{5E9D55AD-DA6B-4A9D-BFE6-D0A1673E6EA9}" type="datetimeFigureOut">
               <a:rPr lang="en-NL" smtClean="0"/>
-              <a:t>06/04/2023</a:t>
+              <a:t>07/04/2023</a:t>
             </a:fld>
             <a:endParaRPr lang="en-NL"/>
           </a:p>
@@ -1989,7 +1995,7 @@
           <a:p>
             <a:fld id="{5E9D55AD-DA6B-4A9D-BFE6-D0A1673E6EA9}" type="datetimeFigureOut">
               <a:rPr lang="en-NL" smtClean="0"/>
-              <a:t>06/04/2023</a:t>
+              <a:t>07/04/2023</a:t>
             </a:fld>
             <a:endParaRPr lang="en-NL"/>
           </a:p>
@@ -2102,7 +2108,7 @@
           <a:p>
             <a:fld id="{5E9D55AD-DA6B-4A9D-BFE6-D0A1673E6EA9}" type="datetimeFigureOut">
               <a:rPr lang="en-NL" smtClean="0"/>
-              <a:t>06/04/2023</a:t>
+              <a:t>07/04/2023</a:t>
             </a:fld>
             <a:endParaRPr lang="en-NL"/>
           </a:p>
@@ -2415,7 +2421,7 @@
           <a:p>
             <a:fld id="{5E9D55AD-DA6B-4A9D-BFE6-D0A1673E6EA9}" type="datetimeFigureOut">
               <a:rPr lang="en-NL" smtClean="0"/>
-              <a:t>06/04/2023</a:t>
+              <a:t>07/04/2023</a:t>
             </a:fld>
             <a:endParaRPr lang="en-NL"/>
           </a:p>
@@ -2704,7 +2710,7 @@
           <a:p>
             <a:fld id="{5E9D55AD-DA6B-4A9D-BFE6-D0A1673E6EA9}" type="datetimeFigureOut">
               <a:rPr lang="en-NL" smtClean="0"/>
-              <a:t>06/04/2023</a:t>
+              <a:t>07/04/2023</a:t>
             </a:fld>
             <a:endParaRPr lang="en-NL"/>
           </a:p>
@@ -2947,7 +2953,7 @@
           <a:p>
             <a:fld id="{5E9D55AD-DA6B-4A9D-BFE6-D0A1673E6EA9}" type="datetimeFigureOut">
               <a:rPr lang="en-NL" smtClean="0"/>
-              <a:t>06/04/2023</a:t>
+              <a:t>07/04/2023</a:t>
             </a:fld>
             <a:endParaRPr lang="en-NL"/>
           </a:p>
@@ -5504,7 +5510,7 @@
         </p:nvSpPr>
         <p:spPr>
           <a:xfrm>
-            <a:off x="3083257" y="2872597"/>
+            <a:off x="3083257" y="2877819"/>
             <a:ext cx="1761128" cy="369332"/>
           </a:xfrm>
           <a:prstGeom prst="rect">
@@ -6687,10 +6693,10 @@
       </p:grpSpPr>
       <p:sp>
         <p:nvSpPr>
-          <p:cNvPr id="4" name="Title 3">
-            <a:extLst>
-              <a:ext uri="{FF2B5EF4-FFF2-40B4-BE49-F238E27FC236}">
-                <a16:creationId xmlns:a16="http://schemas.microsoft.com/office/drawing/2014/main" id="{72C925CA-BCA3-3701-E08E-95652380B32E}"/>
+          <p:cNvPr id="2" name="Title 1">
+            <a:extLst>
+              <a:ext uri="{FF2B5EF4-FFF2-40B4-BE49-F238E27FC236}">
+                <a16:creationId xmlns:a16="http://schemas.microsoft.com/office/drawing/2014/main" id="{39A1D606-8DD1-369C-5C09-471CDD551AD5}"/>
               </a:ext>
             </a:extLst>
           </p:cNvPr>
@@ -6701,51 +6707,551 @@
             <p:ph type="title"/>
           </p:nvPr>
         </p:nvSpPr>
-        <p:spPr/>
-        <p:txBody>
-          <a:bodyPr/>
-          <a:lstStyle/>
-          <a:p>
-            <a:r>
-              <a:rPr lang="nl-NL" noProof="0" dirty="0" err="1"/>
-              <a:t>Validateren</a:t>
-            </a:r>
-            <a:r>
-              <a:rPr lang="nl-NL" noProof="0" dirty="0"/>
-              <a:t> en selecteren</a:t>
-            </a:r>
-          </a:p>
-        </p:txBody>
-      </p:sp>
-      <p:sp>
-        <p:nvSpPr>
-          <p:cNvPr id="5" name="Text Placeholder 4">
-            <a:extLst>
-              <a:ext uri="{FF2B5EF4-FFF2-40B4-BE49-F238E27FC236}">
-                <a16:creationId xmlns:a16="http://schemas.microsoft.com/office/drawing/2014/main" id="{1AB31C95-91AF-DF13-FB58-0DA5F2D9F6F7}"/>
-              </a:ext>
-            </a:extLst>
-          </p:cNvPr>
-          <p:cNvSpPr>
-            <a:spLocks noGrp="1"/>
-          </p:cNvSpPr>
-          <p:nvPr>
-            <p:ph type="body" idx="1"/>
-          </p:nvPr>
-        </p:nvSpPr>
-        <p:spPr/>
-        <p:txBody>
-          <a:bodyPr/>
-          <a:lstStyle/>
-          <a:p>
-            <a:endParaRPr lang="en-NL"/>
+        <p:spPr>
+          <a:xfrm>
+            <a:off x="838200" y="365126"/>
+            <a:ext cx="10515600" cy="718608"/>
+          </a:xfrm>
+        </p:spPr>
+        <p:txBody>
+          <a:bodyPr>
+            <a:normAutofit/>
+          </a:bodyPr>
+          <a:lstStyle/>
+          <a:p>
+            <a:r>
+              <a:rPr lang="nl-NL" sz="3600" noProof="0" dirty="0"/>
+              <a:t>Modelleren in </a:t>
+            </a:r>
+            <a:r>
+              <a:rPr lang="nl-NL" sz="3600" noProof="0" dirty="0" err="1"/>
+              <a:t>scikit</a:t>
+            </a:r>
+            <a:r>
+              <a:rPr lang="nl-NL" sz="3600" dirty="0"/>
+              <a:t>-</a:t>
+            </a:r>
+            <a:r>
+              <a:rPr lang="nl-NL" sz="3600" dirty="0" err="1"/>
+              <a:t>learn</a:t>
+            </a:r>
+            <a:endParaRPr lang="nl-NL" sz="3600" noProof="0" dirty="0"/>
+          </a:p>
+        </p:txBody>
+      </p:sp>
+      <p:sp>
+        <p:nvSpPr>
+          <p:cNvPr id="3" name="Rectangle 2">
+            <a:extLst>
+              <a:ext uri="{FF2B5EF4-FFF2-40B4-BE49-F238E27FC236}">
+                <a16:creationId xmlns:a16="http://schemas.microsoft.com/office/drawing/2014/main" id="{D98ECDAC-8F8E-5A33-FF03-91C3D9EE9CAF}"/>
+              </a:ext>
+            </a:extLst>
+          </p:cNvPr>
+          <p:cNvSpPr/>
+          <p:nvPr/>
+        </p:nvSpPr>
+        <p:spPr>
+          <a:xfrm>
+            <a:off x="1289718" y="2590853"/>
+            <a:ext cx="1782170" cy="718608"/>
+          </a:xfrm>
+          <a:prstGeom prst="rect">
+            <a:avLst/>
+          </a:prstGeom>
+        </p:spPr>
+        <p:style>
+          <a:lnRef idx="1">
+            <a:schemeClr val="accent4"/>
+          </a:lnRef>
+          <a:fillRef idx="2">
+            <a:schemeClr val="accent4"/>
+          </a:fillRef>
+          <a:effectRef idx="1">
+            <a:schemeClr val="accent4"/>
+          </a:effectRef>
+          <a:fontRef idx="minor">
+            <a:schemeClr val="dk1"/>
+          </a:fontRef>
+        </p:style>
+        <p:txBody>
+          <a:bodyPr rtlCol="0" anchor="ctr"/>
+          <a:lstStyle/>
+          <a:p>
+            <a:pPr algn="ctr"/>
+            <a:r>
+              <a:rPr lang="nl-NL" dirty="0"/>
+              <a:t>Train data</a:t>
+            </a:r>
+          </a:p>
+        </p:txBody>
+      </p:sp>
+      <p:sp>
+        <p:nvSpPr>
+          <p:cNvPr id="10" name="Rectangle 9">
+            <a:extLst>
+              <a:ext uri="{FF2B5EF4-FFF2-40B4-BE49-F238E27FC236}">
+                <a16:creationId xmlns:a16="http://schemas.microsoft.com/office/drawing/2014/main" id="{E2036101-89EC-A3AA-E697-624CB501D0F0}"/>
+              </a:ext>
+            </a:extLst>
+          </p:cNvPr>
+          <p:cNvSpPr/>
+          <p:nvPr/>
+        </p:nvSpPr>
+        <p:spPr>
+          <a:xfrm>
+            <a:off x="4886469" y="2590854"/>
+            <a:ext cx="1782170" cy="718608"/>
+          </a:xfrm>
+          <a:prstGeom prst="rect">
+            <a:avLst/>
+          </a:prstGeom>
+        </p:spPr>
+        <p:style>
+          <a:lnRef idx="1">
+            <a:schemeClr val="accent5"/>
+          </a:lnRef>
+          <a:fillRef idx="2">
+            <a:schemeClr val="accent5"/>
+          </a:fillRef>
+          <a:effectRef idx="1">
+            <a:schemeClr val="accent5"/>
+          </a:effectRef>
+          <a:fontRef idx="minor">
+            <a:schemeClr val="dk1"/>
+          </a:fontRef>
+        </p:style>
+        <p:txBody>
+          <a:bodyPr rtlCol="0" anchor="ctr"/>
+          <a:lstStyle/>
+          <a:p>
+            <a:pPr algn="ctr"/>
+            <a:r>
+              <a:rPr lang="nl-NL" dirty="0" err="1"/>
+              <a:t>Estimator</a:t>
+            </a:r>
+            <a:endParaRPr lang="nl-NL" dirty="0"/>
+          </a:p>
+        </p:txBody>
+      </p:sp>
+      <p:sp>
+        <p:nvSpPr>
+          <p:cNvPr id="29" name="TextBox 28">
+            <a:extLst>
+              <a:ext uri="{FF2B5EF4-FFF2-40B4-BE49-F238E27FC236}">
+                <a16:creationId xmlns:a16="http://schemas.microsoft.com/office/drawing/2014/main" id="{3B96C0EB-7058-74D5-FCDE-CF1CE696C866}"/>
+              </a:ext>
+            </a:extLst>
+          </p:cNvPr>
+          <p:cNvSpPr txBox="1"/>
+          <p:nvPr/>
+        </p:nvSpPr>
+        <p:spPr>
+          <a:xfrm>
+            <a:off x="1289718" y="3472830"/>
+            <a:ext cx="1210886" cy="1754326"/>
+          </a:xfrm>
+          <a:prstGeom prst="rect">
+            <a:avLst/>
+          </a:prstGeom>
+        </p:spPr>
+        <p:style>
+          <a:lnRef idx="2">
+            <a:schemeClr val="accent4"/>
+          </a:lnRef>
+          <a:fillRef idx="1">
+            <a:schemeClr val="lt1"/>
+          </a:fillRef>
+          <a:effectRef idx="0">
+            <a:schemeClr val="accent4"/>
+          </a:effectRef>
+          <a:fontRef idx="minor">
+            <a:schemeClr val="dk1"/>
+          </a:fontRef>
+        </p:style>
+        <p:txBody>
+          <a:bodyPr wrap="square" rtlCol="0">
+            <a:spAutoFit/>
+          </a:bodyPr>
+          <a:lstStyle/>
+          <a:p>
+            <a:pPr algn="ctr"/>
+            <a:r>
+              <a:rPr lang="en-US" b="1" dirty="0">
+                <a:latin typeface="Courier New" panose="02070309020205020404" pitchFamily="49" charset="0"/>
+                <a:cs typeface="Courier New" panose="02070309020205020404" pitchFamily="49" charset="0"/>
+              </a:rPr>
+              <a:t>X</a:t>
+            </a:r>
+          </a:p>
+          <a:p>
+            <a:pPr algn="ctr"/>
+            <a:endParaRPr lang="en-US" dirty="0">
+              <a:latin typeface="Courier New" panose="02070309020205020404" pitchFamily="49" charset="0"/>
+              <a:cs typeface="Courier New" panose="02070309020205020404" pitchFamily="49" charset="0"/>
+            </a:endParaRPr>
+          </a:p>
+          <a:p>
+            <a:pPr algn="ctr"/>
+            <a:r>
+              <a:rPr lang="en-US" dirty="0">
+                <a:latin typeface="Courier New" panose="02070309020205020404" pitchFamily="49" charset="0"/>
+                <a:cs typeface="Courier New" panose="02070309020205020404" pitchFamily="49" charset="0"/>
+              </a:rPr>
+              <a:t>6, A, 1</a:t>
+            </a:r>
+          </a:p>
+          <a:p>
+            <a:pPr algn="ctr"/>
+            <a:r>
+              <a:rPr lang="en-US" dirty="0">
+                <a:latin typeface="Courier New" panose="02070309020205020404" pitchFamily="49" charset="0"/>
+                <a:cs typeface="Courier New" panose="02070309020205020404" pitchFamily="49" charset="0"/>
+              </a:rPr>
+              <a:t>1, C, 1</a:t>
+            </a:r>
+          </a:p>
+          <a:p>
+            <a:pPr algn="ctr"/>
+            <a:r>
+              <a:rPr lang="en-US" dirty="0">
+                <a:latin typeface="Courier New" panose="02070309020205020404" pitchFamily="49" charset="0"/>
+                <a:cs typeface="Courier New" panose="02070309020205020404" pitchFamily="49" charset="0"/>
+              </a:rPr>
+              <a:t>4, B, 0</a:t>
+            </a:r>
+          </a:p>
+          <a:p>
+            <a:pPr algn="ctr"/>
+            <a:r>
+              <a:rPr lang="en-US" dirty="0">
+                <a:latin typeface="Courier New" panose="02070309020205020404" pitchFamily="49" charset="0"/>
+                <a:cs typeface="Courier New" panose="02070309020205020404" pitchFamily="49" charset="0"/>
+              </a:rPr>
+              <a:t>3, A, 0</a:t>
+            </a:r>
+            <a:endParaRPr lang="en-NL" dirty="0">
+              <a:latin typeface="Courier New" panose="02070309020205020404" pitchFamily="49" charset="0"/>
+              <a:cs typeface="Courier New" panose="02070309020205020404" pitchFamily="49" charset="0"/>
+            </a:endParaRPr>
+          </a:p>
+        </p:txBody>
+      </p:sp>
+      <p:sp>
+        <p:nvSpPr>
+          <p:cNvPr id="7" name="TextBox 6">
+            <a:extLst>
+              <a:ext uri="{FF2B5EF4-FFF2-40B4-BE49-F238E27FC236}">
+                <a16:creationId xmlns:a16="http://schemas.microsoft.com/office/drawing/2014/main" id="{A2091BC9-C0DB-3B30-0368-576E4207D09A}"/>
+              </a:ext>
+            </a:extLst>
+          </p:cNvPr>
+          <p:cNvSpPr txBox="1"/>
+          <p:nvPr/>
+        </p:nvSpPr>
+        <p:spPr>
+          <a:xfrm>
+            <a:off x="2733869" y="3472830"/>
+            <a:ext cx="338019" cy="1754326"/>
+          </a:xfrm>
+          <a:prstGeom prst="rect">
+            <a:avLst/>
+          </a:prstGeom>
+        </p:spPr>
+        <p:style>
+          <a:lnRef idx="2">
+            <a:schemeClr val="accent4"/>
+          </a:lnRef>
+          <a:fillRef idx="1">
+            <a:schemeClr val="lt1"/>
+          </a:fillRef>
+          <a:effectRef idx="0">
+            <a:schemeClr val="accent4"/>
+          </a:effectRef>
+          <a:fontRef idx="minor">
+            <a:schemeClr val="dk1"/>
+          </a:fontRef>
+        </p:style>
+        <p:txBody>
+          <a:bodyPr wrap="square" rtlCol="0">
+            <a:spAutoFit/>
+          </a:bodyPr>
+          <a:lstStyle/>
+          <a:p>
+            <a:pPr algn="ctr"/>
+            <a:r>
+              <a:rPr lang="en-US" b="1" dirty="0">
+                <a:latin typeface="Courier New" panose="02070309020205020404" pitchFamily="49" charset="0"/>
+                <a:cs typeface="Courier New" panose="02070309020205020404" pitchFamily="49" charset="0"/>
+              </a:rPr>
+              <a:t>y</a:t>
+            </a:r>
+          </a:p>
+          <a:p>
+            <a:pPr algn="ctr"/>
+            <a:endParaRPr lang="en-US" dirty="0">
+              <a:latin typeface="Courier New" panose="02070309020205020404" pitchFamily="49" charset="0"/>
+              <a:cs typeface="Courier New" panose="02070309020205020404" pitchFamily="49" charset="0"/>
+            </a:endParaRPr>
+          </a:p>
+          <a:p>
+            <a:pPr algn="ctr"/>
+            <a:r>
+              <a:rPr lang="en-US" dirty="0">
+                <a:latin typeface="Courier New" panose="02070309020205020404" pitchFamily="49" charset="0"/>
+                <a:cs typeface="Courier New" panose="02070309020205020404" pitchFamily="49" charset="0"/>
+              </a:rPr>
+              <a:t>J</a:t>
+            </a:r>
+          </a:p>
+          <a:p>
+            <a:pPr algn="ctr"/>
+            <a:r>
+              <a:rPr lang="en-US" dirty="0">
+                <a:latin typeface="Courier New" panose="02070309020205020404" pitchFamily="49" charset="0"/>
+                <a:cs typeface="Courier New" panose="02070309020205020404" pitchFamily="49" charset="0"/>
+              </a:rPr>
+              <a:t>N</a:t>
+            </a:r>
+          </a:p>
+          <a:p>
+            <a:pPr algn="ctr"/>
+            <a:r>
+              <a:rPr lang="en-US" dirty="0">
+                <a:latin typeface="Courier New" panose="02070309020205020404" pitchFamily="49" charset="0"/>
+                <a:cs typeface="Courier New" panose="02070309020205020404" pitchFamily="49" charset="0"/>
+              </a:rPr>
+              <a:t>J</a:t>
+            </a:r>
+          </a:p>
+          <a:p>
+            <a:pPr algn="ctr"/>
+            <a:r>
+              <a:rPr lang="en-US" dirty="0">
+                <a:latin typeface="Courier New" panose="02070309020205020404" pitchFamily="49" charset="0"/>
+                <a:cs typeface="Courier New" panose="02070309020205020404" pitchFamily="49" charset="0"/>
+              </a:rPr>
+              <a:t>J</a:t>
+            </a:r>
+          </a:p>
+        </p:txBody>
+      </p:sp>
+      <p:sp>
+        <p:nvSpPr>
+          <p:cNvPr id="8" name="TextBox 7">
+            <a:extLst>
+              <a:ext uri="{FF2B5EF4-FFF2-40B4-BE49-F238E27FC236}">
+                <a16:creationId xmlns:a16="http://schemas.microsoft.com/office/drawing/2014/main" id="{3B6B8D84-9DE4-9A64-6F1F-72B18AE69461}"/>
+              </a:ext>
+            </a:extLst>
+          </p:cNvPr>
+          <p:cNvSpPr txBox="1"/>
+          <p:nvPr/>
+        </p:nvSpPr>
+        <p:spPr>
+          <a:xfrm>
+            <a:off x="4886469" y="3472830"/>
+            <a:ext cx="1782169" cy="1754326"/>
+          </a:xfrm>
+          <a:prstGeom prst="rect">
+            <a:avLst/>
+          </a:prstGeom>
+        </p:spPr>
+        <p:style>
+          <a:lnRef idx="2">
+            <a:schemeClr val="accent1"/>
+          </a:lnRef>
+          <a:fillRef idx="1">
+            <a:schemeClr val="lt1"/>
+          </a:fillRef>
+          <a:effectRef idx="0">
+            <a:schemeClr val="accent1"/>
+          </a:effectRef>
+          <a:fontRef idx="minor">
+            <a:schemeClr val="dk1"/>
+          </a:fontRef>
+        </p:style>
+        <p:txBody>
+          <a:bodyPr wrap="square" rtlCol="0">
+            <a:spAutoFit/>
+          </a:bodyPr>
+          <a:lstStyle/>
+          <a:p>
+            <a:pPr algn="ctr"/>
+            <a:r>
+              <a:rPr lang="en-US" b="1" dirty="0">
+                <a:latin typeface="Courier New" panose="02070309020205020404" pitchFamily="49" charset="0"/>
+                <a:cs typeface="Courier New" panose="02070309020205020404" pitchFamily="49" charset="0"/>
+              </a:rPr>
+              <a:t>Weights</a:t>
+            </a:r>
+          </a:p>
+          <a:p>
+            <a:pPr algn="ctr"/>
+            <a:endParaRPr lang="en-US" b="1" dirty="0">
+              <a:latin typeface="Courier New" panose="02070309020205020404" pitchFamily="49" charset="0"/>
+              <a:cs typeface="Courier New" panose="02070309020205020404" pitchFamily="49" charset="0"/>
+            </a:endParaRPr>
+          </a:p>
+          <a:p>
+            <a:pPr algn="ctr"/>
+            <a:r>
+              <a:rPr lang="el-GR" dirty="0">
+                <a:latin typeface="Courier New" panose="02070309020205020404" pitchFamily="49" charset="0"/>
+                <a:cs typeface="Courier New" panose="02070309020205020404" pitchFamily="49" charset="0"/>
+              </a:rPr>
+              <a:t>β</a:t>
+            </a:r>
+            <a:r>
+              <a:rPr lang="en-US" dirty="0">
+                <a:latin typeface="Courier New" panose="02070309020205020404" pitchFamily="49" charset="0"/>
+                <a:cs typeface="Courier New" panose="02070309020205020404" pitchFamily="49" charset="0"/>
+              </a:rPr>
+              <a:t>0 = 20.0</a:t>
+            </a:r>
+          </a:p>
+          <a:p>
+            <a:pPr algn="ctr"/>
+            <a:r>
+              <a:rPr lang="el-GR" dirty="0">
+                <a:latin typeface="Courier New" panose="02070309020205020404" pitchFamily="49" charset="0"/>
+                <a:cs typeface="Courier New" panose="02070309020205020404" pitchFamily="49" charset="0"/>
+              </a:rPr>
+              <a:t>β</a:t>
+            </a:r>
+            <a:r>
+              <a:rPr lang="en-US" dirty="0">
+                <a:latin typeface="Courier New" panose="02070309020205020404" pitchFamily="49" charset="0"/>
+                <a:cs typeface="Courier New" panose="02070309020205020404" pitchFamily="49" charset="0"/>
+              </a:rPr>
+              <a:t>1 = -0.5</a:t>
+            </a:r>
+          </a:p>
+          <a:p>
+            <a:pPr algn="ctr"/>
+            <a:r>
+              <a:rPr lang="el-GR" dirty="0">
+                <a:latin typeface="Courier New" panose="02070309020205020404" pitchFamily="49" charset="0"/>
+                <a:cs typeface="Courier New" panose="02070309020205020404" pitchFamily="49" charset="0"/>
+              </a:rPr>
+              <a:t>β</a:t>
+            </a:r>
+            <a:r>
+              <a:rPr lang="en-US" dirty="0">
+                <a:latin typeface="Courier New" panose="02070309020205020404" pitchFamily="49" charset="0"/>
+                <a:cs typeface="Courier New" panose="02070309020205020404" pitchFamily="49" charset="0"/>
+              </a:rPr>
+              <a:t>2 =  5.3</a:t>
+            </a:r>
+          </a:p>
+          <a:p>
+            <a:pPr algn="ctr"/>
+            <a:r>
+              <a:rPr lang="el-GR" dirty="0">
+                <a:latin typeface="Courier New" panose="02070309020205020404" pitchFamily="49" charset="0"/>
+                <a:cs typeface="Courier New" panose="02070309020205020404" pitchFamily="49" charset="0"/>
+              </a:rPr>
+              <a:t>β</a:t>
+            </a:r>
+            <a:r>
+              <a:rPr lang="en-US" dirty="0">
+                <a:latin typeface="Courier New" panose="02070309020205020404" pitchFamily="49" charset="0"/>
+                <a:cs typeface="Courier New" panose="02070309020205020404" pitchFamily="49" charset="0"/>
+              </a:rPr>
+              <a:t>3 = -3.0</a:t>
+            </a:r>
+          </a:p>
+        </p:txBody>
+      </p:sp>
+      <p:cxnSp>
+        <p:nvCxnSpPr>
+          <p:cNvPr id="11" name="Straight Arrow Connector 10">
+            <a:extLst>
+              <a:ext uri="{FF2B5EF4-FFF2-40B4-BE49-F238E27FC236}">
+                <a16:creationId xmlns:a16="http://schemas.microsoft.com/office/drawing/2014/main" id="{FF3D3B16-050A-E0DC-7795-6CE8D1254478}"/>
+              </a:ext>
+            </a:extLst>
+          </p:cNvPr>
+          <p:cNvCxnSpPr>
+            <a:stCxn id="3" idx="3"/>
+            <a:endCxn id="10" idx="1"/>
+          </p:cNvCxnSpPr>
+          <p:nvPr/>
+        </p:nvCxnSpPr>
+        <p:spPr>
+          <a:xfrm>
+            <a:off x="3071888" y="2950157"/>
+            <a:ext cx="1814581" cy="1"/>
+          </a:xfrm>
+          <a:prstGeom prst="straightConnector1">
+            <a:avLst/>
+          </a:prstGeom>
+          <a:ln>
+            <a:tailEnd type="triangle"/>
+          </a:ln>
+        </p:spPr>
+        <p:style>
+          <a:lnRef idx="3">
+            <a:schemeClr val="dk1"/>
+          </a:lnRef>
+          <a:fillRef idx="0">
+            <a:schemeClr val="dk1"/>
+          </a:fillRef>
+          <a:effectRef idx="2">
+            <a:schemeClr val="dk1"/>
+          </a:effectRef>
+          <a:fontRef idx="minor">
+            <a:schemeClr val="tx1"/>
+          </a:fontRef>
+        </p:style>
+      </p:cxnSp>
+      <p:sp>
+        <p:nvSpPr>
+          <p:cNvPr id="12" name="TextBox 11">
+            <a:extLst>
+              <a:ext uri="{FF2B5EF4-FFF2-40B4-BE49-F238E27FC236}">
+                <a16:creationId xmlns:a16="http://schemas.microsoft.com/office/drawing/2014/main" id="{C4399471-B6CB-1D73-E6A7-76E4359793F7}"/>
+              </a:ext>
+            </a:extLst>
+          </p:cNvPr>
+          <p:cNvSpPr txBox="1"/>
+          <p:nvPr/>
+        </p:nvSpPr>
+        <p:spPr>
+          <a:xfrm>
+            <a:off x="3071888" y="2590853"/>
+            <a:ext cx="1761128" cy="369332"/>
+          </a:xfrm>
+          <a:prstGeom prst="rect">
+            <a:avLst/>
+          </a:prstGeom>
+          <a:noFill/>
+        </p:spPr>
+        <p:txBody>
+          <a:bodyPr wrap="square" rtlCol="0">
+            <a:spAutoFit/>
+          </a:bodyPr>
+          <a:lstStyle/>
+          <a:p>
+            <a:pPr algn="ctr"/>
+            <a:r>
+              <a:rPr lang="en-US" dirty="0">
+                <a:latin typeface="Courier New" panose="02070309020205020404" pitchFamily="49" charset="0"/>
+                <a:cs typeface="Courier New" panose="02070309020205020404" pitchFamily="49" charset="0"/>
+              </a:rPr>
+              <a:t>fit()</a:t>
+            </a:r>
+            <a:endParaRPr lang="en-NL" dirty="0">
+              <a:latin typeface="Courier New" panose="02070309020205020404" pitchFamily="49" charset="0"/>
+              <a:cs typeface="Courier New" panose="02070309020205020404" pitchFamily="49" charset="0"/>
+            </a:endParaRPr>
           </a:p>
         </p:txBody>
       </p:sp>
     </p:spTree>
     <p:extLst>
       <p:ext uri="{BB962C8B-B14F-4D97-AF65-F5344CB8AC3E}">
-        <p14:creationId xmlns:p14="http://schemas.microsoft.com/office/powerpoint/2010/main" val="3662473669"/>
+        <p14:creationId xmlns:p14="http://schemas.microsoft.com/office/powerpoint/2010/main" val="355802705"/>
       </p:ext>
     </p:extLst>
   </p:cSld>
@@ -6774,10 +7280,10 @@
       </p:grpSpPr>
       <p:sp>
         <p:nvSpPr>
-          <p:cNvPr id="4" name="Title 3">
-            <a:extLst>
-              <a:ext uri="{FF2B5EF4-FFF2-40B4-BE49-F238E27FC236}">
-                <a16:creationId xmlns:a16="http://schemas.microsoft.com/office/drawing/2014/main" id="{72C925CA-BCA3-3701-E08E-95652380B32E}"/>
+          <p:cNvPr id="2" name="Title 1">
+            <a:extLst>
+              <a:ext uri="{FF2B5EF4-FFF2-40B4-BE49-F238E27FC236}">
+                <a16:creationId xmlns:a16="http://schemas.microsoft.com/office/drawing/2014/main" id="{39A1D606-8DD1-369C-5C09-471CDD551AD5}"/>
               </a:ext>
             </a:extLst>
           </p:cNvPr>
@@ -6788,47 +7294,761 @@
             <p:ph type="title"/>
           </p:nvPr>
         </p:nvSpPr>
-        <p:spPr/>
-        <p:txBody>
-          <a:bodyPr/>
-          <a:lstStyle/>
-          <a:p>
-            <a:r>
-              <a:rPr lang="nl-NL" noProof="0" dirty="0"/>
-              <a:t>Natural Language Processing</a:t>
-            </a:r>
-          </a:p>
-        </p:txBody>
-      </p:sp>
-      <p:sp>
-        <p:nvSpPr>
-          <p:cNvPr id="5" name="Text Placeholder 4">
-            <a:extLst>
-              <a:ext uri="{FF2B5EF4-FFF2-40B4-BE49-F238E27FC236}">
-                <a16:creationId xmlns:a16="http://schemas.microsoft.com/office/drawing/2014/main" id="{1AB31C95-91AF-DF13-FB58-0DA5F2D9F6F7}"/>
-              </a:ext>
-            </a:extLst>
-          </p:cNvPr>
-          <p:cNvSpPr>
-            <a:spLocks noGrp="1"/>
-          </p:cNvSpPr>
-          <p:nvPr>
-            <p:ph type="body" idx="1"/>
-          </p:nvPr>
-        </p:nvSpPr>
-        <p:spPr/>
-        <p:txBody>
-          <a:bodyPr/>
-          <a:lstStyle/>
-          <a:p>
-            <a:endParaRPr lang="en-NL"/>
+        <p:spPr>
+          <a:xfrm>
+            <a:off x="838200" y="365126"/>
+            <a:ext cx="10515600" cy="718608"/>
+          </a:xfrm>
+        </p:spPr>
+        <p:txBody>
+          <a:bodyPr>
+            <a:normAutofit/>
+          </a:bodyPr>
+          <a:lstStyle/>
+          <a:p>
+            <a:r>
+              <a:rPr lang="nl-NL" sz="3600" noProof="0" dirty="0"/>
+              <a:t>Modelleren in </a:t>
+            </a:r>
+            <a:r>
+              <a:rPr lang="nl-NL" sz="3600" noProof="0" dirty="0" err="1"/>
+              <a:t>scikit</a:t>
+            </a:r>
+            <a:r>
+              <a:rPr lang="nl-NL" sz="3600" dirty="0"/>
+              <a:t>-</a:t>
+            </a:r>
+            <a:r>
+              <a:rPr lang="nl-NL" sz="3600" dirty="0" err="1"/>
+              <a:t>learn</a:t>
+            </a:r>
+            <a:endParaRPr lang="nl-NL" sz="3600" noProof="0" dirty="0"/>
+          </a:p>
+        </p:txBody>
+      </p:sp>
+      <p:sp>
+        <p:nvSpPr>
+          <p:cNvPr id="3" name="Rectangle 2">
+            <a:extLst>
+              <a:ext uri="{FF2B5EF4-FFF2-40B4-BE49-F238E27FC236}">
+                <a16:creationId xmlns:a16="http://schemas.microsoft.com/office/drawing/2014/main" id="{D98ECDAC-8F8E-5A33-FF03-91C3D9EE9CAF}"/>
+              </a:ext>
+            </a:extLst>
+          </p:cNvPr>
+          <p:cNvSpPr/>
+          <p:nvPr/>
+        </p:nvSpPr>
+        <p:spPr>
+          <a:xfrm>
+            <a:off x="1289718" y="2590853"/>
+            <a:ext cx="1782170" cy="718608"/>
+          </a:xfrm>
+          <a:prstGeom prst="rect">
+            <a:avLst/>
+          </a:prstGeom>
+        </p:spPr>
+        <p:style>
+          <a:lnRef idx="1">
+            <a:schemeClr val="accent4"/>
+          </a:lnRef>
+          <a:fillRef idx="2">
+            <a:schemeClr val="accent4"/>
+          </a:fillRef>
+          <a:effectRef idx="1">
+            <a:schemeClr val="accent4"/>
+          </a:effectRef>
+          <a:fontRef idx="minor">
+            <a:schemeClr val="dk1"/>
+          </a:fontRef>
+        </p:style>
+        <p:txBody>
+          <a:bodyPr rtlCol="0" anchor="ctr"/>
+          <a:lstStyle/>
+          <a:p>
+            <a:pPr algn="ctr"/>
+            <a:r>
+              <a:rPr lang="nl-NL" dirty="0"/>
+              <a:t>Train data</a:t>
+            </a:r>
+          </a:p>
+        </p:txBody>
+      </p:sp>
+      <p:sp>
+        <p:nvSpPr>
+          <p:cNvPr id="10" name="Rectangle 9">
+            <a:extLst>
+              <a:ext uri="{FF2B5EF4-FFF2-40B4-BE49-F238E27FC236}">
+                <a16:creationId xmlns:a16="http://schemas.microsoft.com/office/drawing/2014/main" id="{E2036101-89EC-A3AA-E697-624CB501D0F0}"/>
+              </a:ext>
+            </a:extLst>
+          </p:cNvPr>
+          <p:cNvSpPr/>
+          <p:nvPr/>
+        </p:nvSpPr>
+        <p:spPr>
+          <a:xfrm>
+            <a:off x="4886469" y="2590854"/>
+            <a:ext cx="1782170" cy="718608"/>
+          </a:xfrm>
+          <a:prstGeom prst="rect">
+            <a:avLst/>
+          </a:prstGeom>
+        </p:spPr>
+        <p:style>
+          <a:lnRef idx="1">
+            <a:schemeClr val="accent5"/>
+          </a:lnRef>
+          <a:fillRef idx="2">
+            <a:schemeClr val="accent5"/>
+          </a:fillRef>
+          <a:effectRef idx="1">
+            <a:schemeClr val="accent5"/>
+          </a:effectRef>
+          <a:fontRef idx="minor">
+            <a:schemeClr val="dk1"/>
+          </a:fontRef>
+        </p:style>
+        <p:txBody>
+          <a:bodyPr rtlCol="0" anchor="ctr"/>
+          <a:lstStyle/>
+          <a:p>
+            <a:pPr algn="ctr"/>
+            <a:r>
+              <a:rPr lang="nl-NL" dirty="0" err="1"/>
+              <a:t>Estimator</a:t>
+            </a:r>
+            <a:endParaRPr lang="nl-NL" dirty="0"/>
+          </a:p>
+        </p:txBody>
+      </p:sp>
+      <p:sp>
+        <p:nvSpPr>
+          <p:cNvPr id="29" name="TextBox 28">
+            <a:extLst>
+              <a:ext uri="{FF2B5EF4-FFF2-40B4-BE49-F238E27FC236}">
+                <a16:creationId xmlns:a16="http://schemas.microsoft.com/office/drawing/2014/main" id="{3B96C0EB-7058-74D5-FCDE-CF1CE696C866}"/>
+              </a:ext>
+            </a:extLst>
+          </p:cNvPr>
+          <p:cNvSpPr txBox="1"/>
+          <p:nvPr/>
+        </p:nvSpPr>
+        <p:spPr>
+          <a:xfrm>
+            <a:off x="1289718" y="3472830"/>
+            <a:ext cx="1210886" cy="1754326"/>
+          </a:xfrm>
+          <a:prstGeom prst="rect">
+            <a:avLst/>
+          </a:prstGeom>
+        </p:spPr>
+        <p:style>
+          <a:lnRef idx="2">
+            <a:schemeClr val="accent4"/>
+          </a:lnRef>
+          <a:fillRef idx="1">
+            <a:schemeClr val="lt1"/>
+          </a:fillRef>
+          <a:effectRef idx="0">
+            <a:schemeClr val="accent4"/>
+          </a:effectRef>
+          <a:fontRef idx="minor">
+            <a:schemeClr val="dk1"/>
+          </a:fontRef>
+        </p:style>
+        <p:txBody>
+          <a:bodyPr wrap="square" rtlCol="0">
+            <a:spAutoFit/>
+          </a:bodyPr>
+          <a:lstStyle/>
+          <a:p>
+            <a:pPr algn="ctr"/>
+            <a:r>
+              <a:rPr lang="en-US" b="1" dirty="0">
+                <a:latin typeface="Courier New" panose="02070309020205020404" pitchFamily="49" charset="0"/>
+                <a:cs typeface="Courier New" panose="02070309020205020404" pitchFamily="49" charset="0"/>
+              </a:rPr>
+              <a:t>X</a:t>
+            </a:r>
+          </a:p>
+          <a:p>
+            <a:pPr algn="ctr"/>
+            <a:endParaRPr lang="en-US" dirty="0">
+              <a:latin typeface="Courier New" panose="02070309020205020404" pitchFamily="49" charset="0"/>
+              <a:cs typeface="Courier New" panose="02070309020205020404" pitchFamily="49" charset="0"/>
+            </a:endParaRPr>
+          </a:p>
+          <a:p>
+            <a:pPr algn="ctr"/>
+            <a:r>
+              <a:rPr lang="en-US" dirty="0">
+                <a:latin typeface="Courier New" panose="02070309020205020404" pitchFamily="49" charset="0"/>
+                <a:cs typeface="Courier New" panose="02070309020205020404" pitchFamily="49" charset="0"/>
+              </a:rPr>
+              <a:t>6, A, 1</a:t>
+            </a:r>
+          </a:p>
+          <a:p>
+            <a:pPr algn="ctr"/>
+            <a:r>
+              <a:rPr lang="en-US" dirty="0">
+                <a:latin typeface="Courier New" panose="02070309020205020404" pitchFamily="49" charset="0"/>
+                <a:cs typeface="Courier New" panose="02070309020205020404" pitchFamily="49" charset="0"/>
+              </a:rPr>
+              <a:t>1, C, 1</a:t>
+            </a:r>
+          </a:p>
+          <a:p>
+            <a:pPr algn="ctr"/>
+            <a:r>
+              <a:rPr lang="en-US" dirty="0">
+                <a:latin typeface="Courier New" panose="02070309020205020404" pitchFamily="49" charset="0"/>
+                <a:cs typeface="Courier New" panose="02070309020205020404" pitchFamily="49" charset="0"/>
+              </a:rPr>
+              <a:t>4, B, 0</a:t>
+            </a:r>
+          </a:p>
+          <a:p>
+            <a:pPr algn="ctr"/>
+            <a:r>
+              <a:rPr lang="en-US" dirty="0">
+                <a:latin typeface="Courier New" panose="02070309020205020404" pitchFamily="49" charset="0"/>
+                <a:cs typeface="Courier New" panose="02070309020205020404" pitchFamily="49" charset="0"/>
+              </a:rPr>
+              <a:t>3, A, 0</a:t>
+            </a:r>
+            <a:endParaRPr lang="en-NL" dirty="0">
+              <a:latin typeface="Courier New" panose="02070309020205020404" pitchFamily="49" charset="0"/>
+              <a:cs typeface="Courier New" panose="02070309020205020404" pitchFamily="49" charset="0"/>
+            </a:endParaRPr>
+          </a:p>
+        </p:txBody>
+      </p:sp>
+      <p:sp>
+        <p:nvSpPr>
+          <p:cNvPr id="7" name="TextBox 6">
+            <a:extLst>
+              <a:ext uri="{FF2B5EF4-FFF2-40B4-BE49-F238E27FC236}">
+                <a16:creationId xmlns:a16="http://schemas.microsoft.com/office/drawing/2014/main" id="{A2091BC9-C0DB-3B30-0368-576E4207D09A}"/>
+              </a:ext>
+            </a:extLst>
+          </p:cNvPr>
+          <p:cNvSpPr txBox="1"/>
+          <p:nvPr/>
+        </p:nvSpPr>
+        <p:spPr>
+          <a:xfrm>
+            <a:off x="2733869" y="3472830"/>
+            <a:ext cx="338019" cy="1754326"/>
+          </a:xfrm>
+          <a:prstGeom prst="rect">
+            <a:avLst/>
+          </a:prstGeom>
+        </p:spPr>
+        <p:style>
+          <a:lnRef idx="2">
+            <a:schemeClr val="accent4"/>
+          </a:lnRef>
+          <a:fillRef idx="1">
+            <a:schemeClr val="lt1"/>
+          </a:fillRef>
+          <a:effectRef idx="0">
+            <a:schemeClr val="accent4"/>
+          </a:effectRef>
+          <a:fontRef idx="minor">
+            <a:schemeClr val="dk1"/>
+          </a:fontRef>
+        </p:style>
+        <p:txBody>
+          <a:bodyPr wrap="square" rtlCol="0">
+            <a:spAutoFit/>
+          </a:bodyPr>
+          <a:lstStyle/>
+          <a:p>
+            <a:pPr algn="ctr"/>
+            <a:r>
+              <a:rPr lang="en-US" b="1" dirty="0">
+                <a:latin typeface="Courier New" panose="02070309020205020404" pitchFamily="49" charset="0"/>
+                <a:cs typeface="Courier New" panose="02070309020205020404" pitchFamily="49" charset="0"/>
+              </a:rPr>
+              <a:t>y</a:t>
+            </a:r>
+          </a:p>
+          <a:p>
+            <a:pPr algn="ctr"/>
+            <a:endParaRPr lang="en-US" dirty="0">
+              <a:latin typeface="Courier New" panose="02070309020205020404" pitchFamily="49" charset="0"/>
+              <a:cs typeface="Courier New" panose="02070309020205020404" pitchFamily="49" charset="0"/>
+            </a:endParaRPr>
+          </a:p>
+          <a:p>
+            <a:pPr algn="ctr"/>
+            <a:r>
+              <a:rPr lang="en-US" dirty="0">
+                <a:latin typeface="Courier New" panose="02070309020205020404" pitchFamily="49" charset="0"/>
+                <a:cs typeface="Courier New" panose="02070309020205020404" pitchFamily="49" charset="0"/>
+              </a:rPr>
+              <a:t>J</a:t>
+            </a:r>
+          </a:p>
+          <a:p>
+            <a:pPr algn="ctr"/>
+            <a:r>
+              <a:rPr lang="en-US" dirty="0">
+                <a:latin typeface="Courier New" panose="02070309020205020404" pitchFamily="49" charset="0"/>
+                <a:cs typeface="Courier New" panose="02070309020205020404" pitchFamily="49" charset="0"/>
+              </a:rPr>
+              <a:t>N</a:t>
+            </a:r>
+          </a:p>
+          <a:p>
+            <a:pPr algn="ctr"/>
+            <a:r>
+              <a:rPr lang="en-US" dirty="0">
+                <a:latin typeface="Courier New" panose="02070309020205020404" pitchFamily="49" charset="0"/>
+                <a:cs typeface="Courier New" panose="02070309020205020404" pitchFamily="49" charset="0"/>
+              </a:rPr>
+              <a:t>J</a:t>
+            </a:r>
+          </a:p>
+          <a:p>
+            <a:pPr algn="ctr"/>
+            <a:r>
+              <a:rPr lang="en-US" dirty="0">
+                <a:latin typeface="Courier New" panose="02070309020205020404" pitchFamily="49" charset="0"/>
+                <a:cs typeface="Courier New" panose="02070309020205020404" pitchFamily="49" charset="0"/>
+              </a:rPr>
+              <a:t>J</a:t>
+            </a:r>
+          </a:p>
+        </p:txBody>
+      </p:sp>
+      <p:sp>
+        <p:nvSpPr>
+          <p:cNvPr id="8" name="TextBox 7">
+            <a:extLst>
+              <a:ext uri="{FF2B5EF4-FFF2-40B4-BE49-F238E27FC236}">
+                <a16:creationId xmlns:a16="http://schemas.microsoft.com/office/drawing/2014/main" id="{3B6B8D84-9DE4-9A64-6F1F-72B18AE69461}"/>
+              </a:ext>
+            </a:extLst>
+          </p:cNvPr>
+          <p:cNvSpPr txBox="1"/>
+          <p:nvPr/>
+        </p:nvSpPr>
+        <p:spPr>
+          <a:xfrm>
+            <a:off x="4886467" y="3472830"/>
+            <a:ext cx="1782169" cy="1754326"/>
+          </a:xfrm>
+          <a:prstGeom prst="rect">
+            <a:avLst/>
+          </a:prstGeom>
+        </p:spPr>
+        <p:style>
+          <a:lnRef idx="2">
+            <a:schemeClr val="accent1"/>
+          </a:lnRef>
+          <a:fillRef idx="1">
+            <a:schemeClr val="lt1"/>
+          </a:fillRef>
+          <a:effectRef idx="0">
+            <a:schemeClr val="accent1"/>
+          </a:effectRef>
+          <a:fontRef idx="minor">
+            <a:schemeClr val="dk1"/>
+          </a:fontRef>
+        </p:style>
+        <p:txBody>
+          <a:bodyPr wrap="square" rtlCol="0">
+            <a:spAutoFit/>
+          </a:bodyPr>
+          <a:lstStyle/>
+          <a:p>
+            <a:pPr algn="ctr"/>
+            <a:r>
+              <a:rPr lang="en-US" b="1" dirty="0">
+                <a:latin typeface="Courier New" panose="02070309020205020404" pitchFamily="49" charset="0"/>
+                <a:cs typeface="Courier New" panose="02070309020205020404" pitchFamily="49" charset="0"/>
+              </a:rPr>
+              <a:t>Weights</a:t>
+            </a:r>
+          </a:p>
+          <a:p>
+            <a:pPr algn="ctr"/>
+            <a:endParaRPr lang="en-US" b="1" dirty="0">
+              <a:latin typeface="Courier New" panose="02070309020205020404" pitchFamily="49" charset="0"/>
+              <a:cs typeface="Courier New" panose="02070309020205020404" pitchFamily="49" charset="0"/>
+            </a:endParaRPr>
+          </a:p>
+          <a:p>
+            <a:pPr algn="ctr"/>
+            <a:r>
+              <a:rPr lang="el-GR" dirty="0">
+                <a:latin typeface="Courier New" panose="02070309020205020404" pitchFamily="49" charset="0"/>
+                <a:cs typeface="Courier New" panose="02070309020205020404" pitchFamily="49" charset="0"/>
+              </a:rPr>
+              <a:t>β</a:t>
+            </a:r>
+            <a:r>
+              <a:rPr lang="en-US" dirty="0">
+                <a:latin typeface="Courier New" panose="02070309020205020404" pitchFamily="49" charset="0"/>
+                <a:cs typeface="Courier New" panose="02070309020205020404" pitchFamily="49" charset="0"/>
+              </a:rPr>
+              <a:t>0 = 20.0</a:t>
+            </a:r>
+          </a:p>
+          <a:p>
+            <a:pPr algn="ctr"/>
+            <a:r>
+              <a:rPr lang="el-GR" dirty="0">
+                <a:latin typeface="Courier New" panose="02070309020205020404" pitchFamily="49" charset="0"/>
+                <a:cs typeface="Courier New" panose="02070309020205020404" pitchFamily="49" charset="0"/>
+              </a:rPr>
+              <a:t>β</a:t>
+            </a:r>
+            <a:r>
+              <a:rPr lang="en-US" dirty="0">
+                <a:latin typeface="Courier New" panose="02070309020205020404" pitchFamily="49" charset="0"/>
+                <a:cs typeface="Courier New" panose="02070309020205020404" pitchFamily="49" charset="0"/>
+              </a:rPr>
+              <a:t>1 = -0.5</a:t>
+            </a:r>
+          </a:p>
+          <a:p>
+            <a:pPr algn="ctr"/>
+            <a:r>
+              <a:rPr lang="el-GR" dirty="0">
+                <a:latin typeface="Courier New" panose="02070309020205020404" pitchFamily="49" charset="0"/>
+                <a:cs typeface="Courier New" panose="02070309020205020404" pitchFamily="49" charset="0"/>
+              </a:rPr>
+              <a:t>β</a:t>
+            </a:r>
+            <a:r>
+              <a:rPr lang="en-US" dirty="0">
+                <a:latin typeface="Courier New" panose="02070309020205020404" pitchFamily="49" charset="0"/>
+                <a:cs typeface="Courier New" panose="02070309020205020404" pitchFamily="49" charset="0"/>
+              </a:rPr>
+              <a:t>2 =  5.3</a:t>
+            </a:r>
+          </a:p>
+          <a:p>
+            <a:pPr algn="ctr"/>
+            <a:r>
+              <a:rPr lang="el-GR" dirty="0">
+                <a:latin typeface="Courier New" panose="02070309020205020404" pitchFamily="49" charset="0"/>
+                <a:cs typeface="Courier New" panose="02070309020205020404" pitchFamily="49" charset="0"/>
+              </a:rPr>
+              <a:t>β</a:t>
+            </a:r>
+            <a:r>
+              <a:rPr lang="en-US" dirty="0">
+                <a:latin typeface="Courier New" panose="02070309020205020404" pitchFamily="49" charset="0"/>
+                <a:cs typeface="Courier New" panose="02070309020205020404" pitchFamily="49" charset="0"/>
+              </a:rPr>
+              <a:t>3 = -3.0</a:t>
+            </a:r>
+          </a:p>
+        </p:txBody>
+      </p:sp>
+      <p:cxnSp>
+        <p:nvCxnSpPr>
+          <p:cNvPr id="11" name="Straight Arrow Connector 10">
+            <a:extLst>
+              <a:ext uri="{FF2B5EF4-FFF2-40B4-BE49-F238E27FC236}">
+                <a16:creationId xmlns:a16="http://schemas.microsoft.com/office/drawing/2014/main" id="{FF3D3B16-050A-E0DC-7795-6CE8D1254478}"/>
+              </a:ext>
+            </a:extLst>
+          </p:cNvPr>
+          <p:cNvCxnSpPr>
+            <a:stCxn id="3" idx="3"/>
+            <a:endCxn id="10" idx="1"/>
+          </p:cNvCxnSpPr>
+          <p:nvPr/>
+        </p:nvCxnSpPr>
+        <p:spPr>
+          <a:xfrm>
+            <a:off x="3071888" y="2950157"/>
+            <a:ext cx="1814581" cy="1"/>
+          </a:xfrm>
+          <a:prstGeom prst="straightConnector1">
+            <a:avLst/>
+          </a:prstGeom>
+          <a:ln>
+            <a:tailEnd type="triangle"/>
+          </a:ln>
+        </p:spPr>
+        <p:style>
+          <a:lnRef idx="3">
+            <a:schemeClr val="dk1"/>
+          </a:lnRef>
+          <a:fillRef idx="0">
+            <a:schemeClr val="dk1"/>
+          </a:fillRef>
+          <a:effectRef idx="2">
+            <a:schemeClr val="dk1"/>
+          </a:effectRef>
+          <a:fontRef idx="minor">
+            <a:schemeClr val="tx1"/>
+          </a:fontRef>
+        </p:style>
+      </p:cxnSp>
+      <p:sp>
+        <p:nvSpPr>
+          <p:cNvPr id="12" name="TextBox 11">
+            <a:extLst>
+              <a:ext uri="{FF2B5EF4-FFF2-40B4-BE49-F238E27FC236}">
+                <a16:creationId xmlns:a16="http://schemas.microsoft.com/office/drawing/2014/main" id="{C4399471-B6CB-1D73-E6A7-76E4359793F7}"/>
+              </a:ext>
+            </a:extLst>
+          </p:cNvPr>
+          <p:cNvSpPr txBox="1"/>
+          <p:nvPr/>
+        </p:nvSpPr>
+        <p:spPr>
+          <a:xfrm>
+            <a:off x="3071888" y="2590853"/>
+            <a:ext cx="1761128" cy="369332"/>
+          </a:xfrm>
+          <a:prstGeom prst="rect">
+            <a:avLst/>
+          </a:prstGeom>
+          <a:noFill/>
+        </p:spPr>
+        <p:txBody>
+          <a:bodyPr wrap="square" rtlCol="0">
+            <a:spAutoFit/>
+          </a:bodyPr>
+          <a:lstStyle/>
+          <a:p>
+            <a:pPr algn="ctr"/>
+            <a:r>
+              <a:rPr lang="en-US" dirty="0">
+                <a:latin typeface="Courier New" panose="02070309020205020404" pitchFamily="49" charset="0"/>
+                <a:cs typeface="Courier New" panose="02070309020205020404" pitchFamily="49" charset="0"/>
+              </a:rPr>
+              <a:t>fit()</a:t>
+            </a:r>
+            <a:endParaRPr lang="en-NL" dirty="0">
+              <a:latin typeface="Courier New" panose="02070309020205020404" pitchFamily="49" charset="0"/>
+              <a:cs typeface="Courier New" panose="02070309020205020404" pitchFamily="49" charset="0"/>
+            </a:endParaRPr>
+          </a:p>
+        </p:txBody>
+      </p:sp>
+      <p:sp>
+        <p:nvSpPr>
+          <p:cNvPr id="4" name="Rectangle 3">
+            <a:extLst>
+              <a:ext uri="{FF2B5EF4-FFF2-40B4-BE49-F238E27FC236}">
+                <a16:creationId xmlns:a16="http://schemas.microsoft.com/office/drawing/2014/main" id="{B3C955DC-C8B4-639C-2E09-15849F6B59CF}"/>
+              </a:ext>
+            </a:extLst>
+          </p:cNvPr>
+          <p:cNvSpPr/>
+          <p:nvPr/>
+        </p:nvSpPr>
+        <p:spPr>
+          <a:xfrm>
+            <a:off x="8483215" y="1083734"/>
+            <a:ext cx="1782170" cy="718608"/>
+          </a:xfrm>
+          <a:prstGeom prst="rect">
+            <a:avLst/>
+          </a:prstGeom>
+        </p:spPr>
+        <p:style>
+          <a:lnRef idx="1">
+            <a:schemeClr val="accent2"/>
+          </a:lnRef>
+          <a:fillRef idx="2">
+            <a:schemeClr val="accent2"/>
+          </a:fillRef>
+          <a:effectRef idx="1">
+            <a:schemeClr val="accent2"/>
+          </a:effectRef>
+          <a:fontRef idx="minor">
+            <a:schemeClr val="dk1"/>
+          </a:fontRef>
+        </p:style>
+        <p:txBody>
+          <a:bodyPr rtlCol="0" anchor="ctr"/>
+          <a:lstStyle/>
+          <a:p>
+            <a:pPr algn="ctr"/>
+            <a:r>
+              <a:rPr lang="nl-NL" dirty="0"/>
+              <a:t>Score data</a:t>
+            </a:r>
+          </a:p>
+        </p:txBody>
+      </p:sp>
+      <p:sp>
+        <p:nvSpPr>
+          <p:cNvPr id="5" name="TextBox 4">
+            <a:extLst>
+              <a:ext uri="{FF2B5EF4-FFF2-40B4-BE49-F238E27FC236}">
+                <a16:creationId xmlns:a16="http://schemas.microsoft.com/office/drawing/2014/main" id="{2EA6F49D-F163-06F2-D31F-58F7CDFBDC52}"/>
+              </a:ext>
+            </a:extLst>
+          </p:cNvPr>
+          <p:cNvSpPr txBox="1"/>
+          <p:nvPr/>
+        </p:nvSpPr>
+        <p:spPr>
+          <a:xfrm>
+            <a:off x="8483216" y="1963860"/>
+            <a:ext cx="1782169" cy="1200329"/>
+          </a:xfrm>
+          <a:prstGeom prst="rect">
+            <a:avLst/>
+          </a:prstGeom>
+        </p:spPr>
+        <p:style>
+          <a:lnRef idx="2">
+            <a:schemeClr val="accent2"/>
+          </a:lnRef>
+          <a:fillRef idx="1">
+            <a:schemeClr val="lt1"/>
+          </a:fillRef>
+          <a:effectRef idx="0">
+            <a:schemeClr val="accent2"/>
+          </a:effectRef>
+          <a:fontRef idx="minor">
+            <a:schemeClr val="dk1"/>
+          </a:fontRef>
+        </p:style>
+        <p:txBody>
+          <a:bodyPr wrap="square" rtlCol="0">
+            <a:spAutoFit/>
+          </a:bodyPr>
+          <a:lstStyle/>
+          <a:p>
+            <a:pPr algn="ctr"/>
+            <a:r>
+              <a:rPr lang="en-US" b="1" dirty="0">
+                <a:latin typeface="Courier New" panose="02070309020205020404" pitchFamily="49" charset="0"/>
+                <a:cs typeface="Courier New" panose="02070309020205020404" pitchFamily="49" charset="0"/>
+              </a:rPr>
+              <a:t>X</a:t>
+            </a:r>
+          </a:p>
+          <a:p>
+            <a:pPr algn="ctr"/>
+            <a:endParaRPr lang="en-US" dirty="0">
+              <a:latin typeface="Courier New" panose="02070309020205020404" pitchFamily="49" charset="0"/>
+              <a:cs typeface="Courier New" panose="02070309020205020404" pitchFamily="49" charset="0"/>
+            </a:endParaRPr>
+          </a:p>
+          <a:p>
+            <a:pPr algn="ctr"/>
+            <a:r>
+              <a:rPr lang="en-US" dirty="0">
+                <a:latin typeface="Courier New" panose="02070309020205020404" pitchFamily="49" charset="0"/>
+                <a:cs typeface="Courier New" panose="02070309020205020404" pitchFamily="49" charset="0"/>
+              </a:rPr>
+              <a:t>7, A, 0</a:t>
+            </a:r>
+          </a:p>
+          <a:p>
+            <a:pPr algn="ctr"/>
+            <a:r>
+              <a:rPr lang="en-US" dirty="0">
+                <a:latin typeface="Courier New" panose="02070309020205020404" pitchFamily="49" charset="0"/>
+                <a:cs typeface="Courier New" panose="02070309020205020404" pitchFamily="49" charset="0"/>
+              </a:rPr>
+              <a:t>3, B, 0</a:t>
+            </a:r>
+          </a:p>
+        </p:txBody>
+      </p:sp>
+      <p:cxnSp>
+        <p:nvCxnSpPr>
+          <p:cNvPr id="13" name="Straight Arrow Connector 12">
+            <a:extLst>
+              <a:ext uri="{FF2B5EF4-FFF2-40B4-BE49-F238E27FC236}">
+                <a16:creationId xmlns:a16="http://schemas.microsoft.com/office/drawing/2014/main" id="{7530C0B6-FD4C-1189-A454-41C537622827}"/>
+              </a:ext>
+            </a:extLst>
+          </p:cNvPr>
+          <p:cNvCxnSpPr>
+            <a:stCxn id="4" idx="1"/>
+            <a:endCxn id="10" idx="3"/>
+          </p:cNvCxnSpPr>
+          <p:nvPr/>
+        </p:nvCxnSpPr>
+        <p:spPr>
+          <a:xfrm flipH="1">
+            <a:off x="6668639" y="1443038"/>
+            <a:ext cx="1814576" cy="1507120"/>
+          </a:xfrm>
+          <a:prstGeom prst="straightConnector1">
+            <a:avLst/>
+          </a:prstGeom>
+          <a:ln>
+            <a:tailEnd type="triangle"/>
+          </a:ln>
+        </p:spPr>
+        <p:style>
+          <a:lnRef idx="3">
+            <a:schemeClr val="dk1"/>
+          </a:lnRef>
+          <a:fillRef idx="0">
+            <a:schemeClr val="dk1"/>
+          </a:fillRef>
+          <a:effectRef idx="2">
+            <a:schemeClr val="dk1"/>
+          </a:effectRef>
+          <a:fontRef idx="minor">
+            <a:schemeClr val="tx1"/>
+          </a:fontRef>
+        </p:style>
+      </p:cxnSp>
+      <p:sp>
+        <p:nvSpPr>
+          <p:cNvPr id="14" name="TextBox 13">
+            <a:extLst>
+              <a:ext uri="{FF2B5EF4-FFF2-40B4-BE49-F238E27FC236}">
+                <a16:creationId xmlns:a16="http://schemas.microsoft.com/office/drawing/2014/main" id="{A9E7BF65-0C3A-1972-D427-56AC78BD677E}"/>
+              </a:ext>
+            </a:extLst>
+          </p:cNvPr>
+          <p:cNvSpPr txBox="1"/>
+          <p:nvPr/>
+        </p:nvSpPr>
+        <p:spPr>
+          <a:xfrm>
+            <a:off x="6096000" y="1779194"/>
+            <a:ext cx="1425390" cy="369332"/>
+          </a:xfrm>
+          <a:prstGeom prst="rect">
+            <a:avLst/>
+          </a:prstGeom>
+          <a:noFill/>
+        </p:spPr>
+        <p:txBody>
+          <a:bodyPr wrap="none" rtlCol="0">
+            <a:spAutoFit/>
+          </a:bodyPr>
+          <a:lstStyle/>
+          <a:p>
+            <a:r>
+              <a:rPr lang="en-US" dirty="0">
+                <a:latin typeface="Courier New" panose="02070309020205020404" pitchFamily="49" charset="0"/>
+                <a:cs typeface="Courier New" panose="02070309020205020404" pitchFamily="49" charset="0"/>
+              </a:rPr>
+              <a:t>predict()</a:t>
+            </a:r>
+            <a:endParaRPr lang="en-NL" dirty="0">
+              <a:latin typeface="Courier New" panose="02070309020205020404" pitchFamily="49" charset="0"/>
+              <a:cs typeface="Courier New" panose="02070309020205020404" pitchFamily="49" charset="0"/>
+            </a:endParaRPr>
           </a:p>
         </p:txBody>
       </p:sp>
     </p:spTree>
     <p:extLst>
       <p:ext uri="{BB962C8B-B14F-4D97-AF65-F5344CB8AC3E}">
-        <p14:creationId xmlns:p14="http://schemas.microsoft.com/office/powerpoint/2010/main" val="2675372687"/>
+        <p14:creationId xmlns:p14="http://schemas.microsoft.com/office/powerpoint/2010/main" val="3668002465"/>
       </p:ext>
     </p:extLst>
   </p:cSld>
@@ -6885,17 +8105,920 @@
           <a:p>
             <a:r>
               <a:rPr lang="nl-NL" sz="3600" noProof="0" dirty="0"/>
-              <a:t>Waar op te letten?</a:t>
-            </a:r>
-          </a:p>
-        </p:txBody>
-      </p:sp>
-      <p:sp>
-        <p:nvSpPr>
-          <p:cNvPr id="3" name="Content Placeholder 2">
-            <a:extLst>
-              <a:ext uri="{FF2B5EF4-FFF2-40B4-BE49-F238E27FC236}">
-                <a16:creationId xmlns:a16="http://schemas.microsoft.com/office/drawing/2014/main" id="{8F4C0E08-92A4-9F30-EF70-67DFBC8C5B8D}"/>
+              <a:t>Modelleren in </a:t>
+            </a:r>
+            <a:r>
+              <a:rPr lang="nl-NL" sz="3600" noProof="0" dirty="0" err="1"/>
+              <a:t>scikit</a:t>
+            </a:r>
+            <a:r>
+              <a:rPr lang="nl-NL" sz="3600" dirty="0"/>
+              <a:t>-</a:t>
+            </a:r>
+            <a:r>
+              <a:rPr lang="nl-NL" sz="3600" dirty="0" err="1"/>
+              <a:t>learn</a:t>
+            </a:r>
+            <a:endParaRPr lang="nl-NL" sz="3600" noProof="0" dirty="0"/>
+          </a:p>
+        </p:txBody>
+      </p:sp>
+      <p:sp>
+        <p:nvSpPr>
+          <p:cNvPr id="3" name="Rectangle 2">
+            <a:extLst>
+              <a:ext uri="{FF2B5EF4-FFF2-40B4-BE49-F238E27FC236}">
+                <a16:creationId xmlns:a16="http://schemas.microsoft.com/office/drawing/2014/main" id="{D98ECDAC-8F8E-5A33-FF03-91C3D9EE9CAF}"/>
+              </a:ext>
+            </a:extLst>
+          </p:cNvPr>
+          <p:cNvSpPr/>
+          <p:nvPr/>
+        </p:nvSpPr>
+        <p:spPr>
+          <a:xfrm>
+            <a:off x="1289718" y="2590853"/>
+            <a:ext cx="1782170" cy="718608"/>
+          </a:xfrm>
+          <a:prstGeom prst="rect">
+            <a:avLst/>
+          </a:prstGeom>
+        </p:spPr>
+        <p:style>
+          <a:lnRef idx="1">
+            <a:schemeClr val="accent4"/>
+          </a:lnRef>
+          <a:fillRef idx="2">
+            <a:schemeClr val="accent4"/>
+          </a:fillRef>
+          <a:effectRef idx="1">
+            <a:schemeClr val="accent4"/>
+          </a:effectRef>
+          <a:fontRef idx="minor">
+            <a:schemeClr val="dk1"/>
+          </a:fontRef>
+        </p:style>
+        <p:txBody>
+          <a:bodyPr rtlCol="0" anchor="ctr"/>
+          <a:lstStyle/>
+          <a:p>
+            <a:pPr algn="ctr"/>
+            <a:r>
+              <a:rPr lang="nl-NL" dirty="0"/>
+              <a:t>Train data</a:t>
+            </a:r>
+          </a:p>
+        </p:txBody>
+      </p:sp>
+      <p:sp>
+        <p:nvSpPr>
+          <p:cNvPr id="10" name="Rectangle 9">
+            <a:extLst>
+              <a:ext uri="{FF2B5EF4-FFF2-40B4-BE49-F238E27FC236}">
+                <a16:creationId xmlns:a16="http://schemas.microsoft.com/office/drawing/2014/main" id="{E2036101-89EC-A3AA-E697-624CB501D0F0}"/>
+              </a:ext>
+            </a:extLst>
+          </p:cNvPr>
+          <p:cNvSpPr/>
+          <p:nvPr/>
+        </p:nvSpPr>
+        <p:spPr>
+          <a:xfrm>
+            <a:off x="4886469" y="2590854"/>
+            <a:ext cx="1782170" cy="718608"/>
+          </a:xfrm>
+          <a:prstGeom prst="rect">
+            <a:avLst/>
+          </a:prstGeom>
+        </p:spPr>
+        <p:style>
+          <a:lnRef idx="1">
+            <a:schemeClr val="accent5"/>
+          </a:lnRef>
+          <a:fillRef idx="2">
+            <a:schemeClr val="accent5"/>
+          </a:fillRef>
+          <a:effectRef idx="1">
+            <a:schemeClr val="accent5"/>
+          </a:effectRef>
+          <a:fontRef idx="minor">
+            <a:schemeClr val="dk1"/>
+          </a:fontRef>
+        </p:style>
+        <p:txBody>
+          <a:bodyPr rtlCol="0" anchor="ctr"/>
+          <a:lstStyle/>
+          <a:p>
+            <a:pPr algn="ctr"/>
+            <a:r>
+              <a:rPr lang="nl-NL" dirty="0" err="1"/>
+              <a:t>Estimator</a:t>
+            </a:r>
+            <a:endParaRPr lang="nl-NL" dirty="0"/>
+          </a:p>
+        </p:txBody>
+      </p:sp>
+      <p:sp>
+        <p:nvSpPr>
+          <p:cNvPr id="29" name="TextBox 28">
+            <a:extLst>
+              <a:ext uri="{FF2B5EF4-FFF2-40B4-BE49-F238E27FC236}">
+                <a16:creationId xmlns:a16="http://schemas.microsoft.com/office/drawing/2014/main" id="{3B96C0EB-7058-74D5-FCDE-CF1CE696C866}"/>
+              </a:ext>
+            </a:extLst>
+          </p:cNvPr>
+          <p:cNvSpPr txBox="1"/>
+          <p:nvPr/>
+        </p:nvSpPr>
+        <p:spPr>
+          <a:xfrm>
+            <a:off x="1289718" y="3472830"/>
+            <a:ext cx="1210886" cy="1754326"/>
+          </a:xfrm>
+          <a:prstGeom prst="rect">
+            <a:avLst/>
+          </a:prstGeom>
+        </p:spPr>
+        <p:style>
+          <a:lnRef idx="2">
+            <a:schemeClr val="accent4"/>
+          </a:lnRef>
+          <a:fillRef idx="1">
+            <a:schemeClr val="lt1"/>
+          </a:fillRef>
+          <a:effectRef idx="0">
+            <a:schemeClr val="accent4"/>
+          </a:effectRef>
+          <a:fontRef idx="minor">
+            <a:schemeClr val="dk1"/>
+          </a:fontRef>
+        </p:style>
+        <p:txBody>
+          <a:bodyPr wrap="square" rtlCol="0">
+            <a:spAutoFit/>
+          </a:bodyPr>
+          <a:lstStyle/>
+          <a:p>
+            <a:pPr algn="ctr"/>
+            <a:r>
+              <a:rPr lang="en-US" b="1" dirty="0">
+                <a:latin typeface="Courier New" panose="02070309020205020404" pitchFamily="49" charset="0"/>
+                <a:cs typeface="Courier New" panose="02070309020205020404" pitchFamily="49" charset="0"/>
+              </a:rPr>
+              <a:t>X</a:t>
+            </a:r>
+          </a:p>
+          <a:p>
+            <a:pPr algn="ctr"/>
+            <a:endParaRPr lang="en-US" dirty="0">
+              <a:latin typeface="Courier New" panose="02070309020205020404" pitchFamily="49" charset="0"/>
+              <a:cs typeface="Courier New" panose="02070309020205020404" pitchFamily="49" charset="0"/>
+            </a:endParaRPr>
+          </a:p>
+          <a:p>
+            <a:pPr algn="ctr"/>
+            <a:r>
+              <a:rPr lang="en-US" dirty="0">
+                <a:latin typeface="Courier New" panose="02070309020205020404" pitchFamily="49" charset="0"/>
+                <a:cs typeface="Courier New" panose="02070309020205020404" pitchFamily="49" charset="0"/>
+              </a:rPr>
+              <a:t>6, A, 1</a:t>
+            </a:r>
+          </a:p>
+          <a:p>
+            <a:pPr algn="ctr"/>
+            <a:r>
+              <a:rPr lang="en-US" dirty="0">
+                <a:latin typeface="Courier New" panose="02070309020205020404" pitchFamily="49" charset="0"/>
+                <a:cs typeface="Courier New" panose="02070309020205020404" pitchFamily="49" charset="0"/>
+              </a:rPr>
+              <a:t>1, C, 1</a:t>
+            </a:r>
+          </a:p>
+          <a:p>
+            <a:pPr algn="ctr"/>
+            <a:r>
+              <a:rPr lang="en-US" dirty="0">
+                <a:latin typeface="Courier New" panose="02070309020205020404" pitchFamily="49" charset="0"/>
+                <a:cs typeface="Courier New" panose="02070309020205020404" pitchFamily="49" charset="0"/>
+              </a:rPr>
+              <a:t>4, B, 0</a:t>
+            </a:r>
+          </a:p>
+          <a:p>
+            <a:pPr algn="ctr"/>
+            <a:r>
+              <a:rPr lang="en-US" dirty="0">
+                <a:latin typeface="Courier New" panose="02070309020205020404" pitchFamily="49" charset="0"/>
+                <a:cs typeface="Courier New" panose="02070309020205020404" pitchFamily="49" charset="0"/>
+              </a:rPr>
+              <a:t>3, A, 0</a:t>
+            </a:r>
+            <a:endParaRPr lang="en-NL" dirty="0">
+              <a:latin typeface="Courier New" panose="02070309020205020404" pitchFamily="49" charset="0"/>
+              <a:cs typeface="Courier New" panose="02070309020205020404" pitchFamily="49" charset="0"/>
+            </a:endParaRPr>
+          </a:p>
+        </p:txBody>
+      </p:sp>
+      <p:sp>
+        <p:nvSpPr>
+          <p:cNvPr id="7" name="TextBox 6">
+            <a:extLst>
+              <a:ext uri="{FF2B5EF4-FFF2-40B4-BE49-F238E27FC236}">
+                <a16:creationId xmlns:a16="http://schemas.microsoft.com/office/drawing/2014/main" id="{A2091BC9-C0DB-3B30-0368-576E4207D09A}"/>
+              </a:ext>
+            </a:extLst>
+          </p:cNvPr>
+          <p:cNvSpPr txBox="1"/>
+          <p:nvPr/>
+        </p:nvSpPr>
+        <p:spPr>
+          <a:xfrm>
+            <a:off x="2733869" y="3472830"/>
+            <a:ext cx="338019" cy="1754326"/>
+          </a:xfrm>
+          <a:prstGeom prst="rect">
+            <a:avLst/>
+          </a:prstGeom>
+        </p:spPr>
+        <p:style>
+          <a:lnRef idx="2">
+            <a:schemeClr val="accent4"/>
+          </a:lnRef>
+          <a:fillRef idx="1">
+            <a:schemeClr val="lt1"/>
+          </a:fillRef>
+          <a:effectRef idx="0">
+            <a:schemeClr val="accent4"/>
+          </a:effectRef>
+          <a:fontRef idx="minor">
+            <a:schemeClr val="dk1"/>
+          </a:fontRef>
+        </p:style>
+        <p:txBody>
+          <a:bodyPr wrap="square" rtlCol="0">
+            <a:spAutoFit/>
+          </a:bodyPr>
+          <a:lstStyle/>
+          <a:p>
+            <a:pPr algn="ctr"/>
+            <a:r>
+              <a:rPr lang="en-US" b="1" dirty="0">
+                <a:latin typeface="Courier New" panose="02070309020205020404" pitchFamily="49" charset="0"/>
+                <a:cs typeface="Courier New" panose="02070309020205020404" pitchFamily="49" charset="0"/>
+              </a:rPr>
+              <a:t>y</a:t>
+            </a:r>
+          </a:p>
+          <a:p>
+            <a:pPr algn="ctr"/>
+            <a:endParaRPr lang="en-US" dirty="0">
+              <a:latin typeface="Courier New" panose="02070309020205020404" pitchFamily="49" charset="0"/>
+              <a:cs typeface="Courier New" panose="02070309020205020404" pitchFamily="49" charset="0"/>
+            </a:endParaRPr>
+          </a:p>
+          <a:p>
+            <a:pPr algn="ctr"/>
+            <a:r>
+              <a:rPr lang="en-US" dirty="0">
+                <a:latin typeface="Courier New" panose="02070309020205020404" pitchFamily="49" charset="0"/>
+                <a:cs typeface="Courier New" panose="02070309020205020404" pitchFamily="49" charset="0"/>
+              </a:rPr>
+              <a:t>J</a:t>
+            </a:r>
+          </a:p>
+          <a:p>
+            <a:pPr algn="ctr"/>
+            <a:r>
+              <a:rPr lang="en-US" dirty="0">
+                <a:latin typeface="Courier New" panose="02070309020205020404" pitchFamily="49" charset="0"/>
+                <a:cs typeface="Courier New" panose="02070309020205020404" pitchFamily="49" charset="0"/>
+              </a:rPr>
+              <a:t>N</a:t>
+            </a:r>
+          </a:p>
+          <a:p>
+            <a:pPr algn="ctr"/>
+            <a:r>
+              <a:rPr lang="en-US" dirty="0">
+                <a:latin typeface="Courier New" panose="02070309020205020404" pitchFamily="49" charset="0"/>
+                <a:cs typeface="Courier New" panose="02070309020205020404" pitchFamily="49" charset="0"/>
+              </a:rPr>
+              <a:t>J</a:t>
+            </a:r>
+          </a:p>
+          <a:p>
+            <a:pPr algn="ctr"/>
+            <a:r>
+              <a:rPr lang="en-US" dirty="0">
+                <a:latin typeface="Courier New" panose="02070309020205020404" pitchFamily="49" charset="0"/>
+                <a:cs typeface="Courier New" panose="02070309020205020404" pitchFamily="49" charset="0"/>
+              </a:rPr>
+              <a:t>J</a:t>
+            </a:r>
+          </a:p>
+        </p:txBody>
+      </p:sp>
+      <p:sp>
+        <p:nvSpPr>
+          <p:cNvPr id="8" name="TextBox 7">
+            <a:extLst>
+              <a:ext uri="{FF2B5EF4-FFF2-40B4-BE49-F238E27FC236}">
+                <a16:creationId xmlns:a16="http://schemas.microsoft.com/office/drawing/2014/main" id="{3B6B8D84-9DE4-9A64-6F1F-72B18AE69461}"/>
+              </a:ext>
+            </a:extLst>
+          </p:cNvPr>
+          <p:cNvSpPr txBox="1"/>
+          <p:nvPr/>
+        </p:nvSpPr>
+        <p:spPr>
+          <a:xfrm>
+            <a:off x="4886467" y="3472830"/>
+            <a:ext cx="1782169" cy="1754326"/>
+          </a:xfrm>
+          <a:prstGeom prst="rect">
+            <a:avLst/>
+          </a:prstGeom>
+        </p:spPr>
+        <p:style>
+          <a:lnRef idx="2">
+            <a:schemeClr val="accent1"/>
+          </a:lnRef>
+          <a:fillRef idx="1">
+            <a:schemeClr val="lt1"/>
+          </a:fillRef>
+          <a:effectRef idx="0">
+            <a:schemeClr val="accent1"/>
+          </a:effectRef>
+          <a:fontRef idx="minor">
+            <a:schemeClr val="dk1"/>
+          </a:fontRef>
+        </p:style>
+        <p:txBody>
+          <a:bodyPr wrap="square" rtlCol="0">
+            <a:spAutoFit/>
+          </a:bodyPr>
+          <a:lstStyle/>
+          <a:p>
+            <a:pPr algn="ctr"/>
+            <a:r>
+              <a:rPr lang="en-US" b="1" dirty="0">
+                <a:latin typeface="Courier New" panose="02070309020205020404" pitchFamily="49" charset="0"/>
+                <a:cs typeface="Courier New" panose="02070309020205020404" pitchFamily="49" charset="0"/>
+              </a:rPr>
+              <a:t>Weights</a:t>
+            </a:r>
+          </a:p>
+          <a:p>
+            <a:pPr algn="ctr"/>
+            <a:endParaRPr lang="en-US" b="1" dirty="0">
+              <a:latin typeface="Courier New" panose="02070309020205020404" pitchFamily="49" charset="0"/>
+              <a:cs typeface="Courier New" panose="02070309020205020404" pitchFamily="49" charset="0"/>
+            </a:endParaRPr>
+          </a:p>
+          <a:p>
+            <a:pPr algn="ctr"/>
+            <a:r>
+              <a:rPr lang="el-GR" dirty="0">
+                <a:latin typeface="Courier New" panose="02070309020205020404" pitchFamily="49" charset="0"/>
+                <a:cs typeface="Courier New" panose="02070309020205020404" pitchFamily="49" charset="0"/>
+              </a:rPr>
+              <a:t>β</a:t>
+            </a:r>
+            <a:r>
+              <a:rPr lang="en-US" dirty="0">
+                <a:latin typeface="Courier New" panose="02070309020205020404" pitchFamily="49" charset="0"/>
+                <a:cs typeface="Courier New" panose="02070309020205020404" pitchFamily="49" charset="0"/>
+              </a:rPr>
+              <a:t>0 = 20.0</a:t>
+            </a:r>
+          </a:p>
+          <a:p>
+            <a:pPr algn="ctr"/>
+            <a:r>
+              <a:rPr lang="el-GR" dirty="0">
+                <a:latin typeface="Courier New" panose="02070309020205020404" pitchFamily="49" charset="0"/>
+                <a:cs typeface="Courier New" panose="02070309020205020404" pitchFamily="49" charset="0"/>
+              </a:rPr>
+              <a:t>β</a:t>
+            </a:r>
+            <a:r>
+              <a:rPr lang="en-US" dirty="0">
+                <a:latin typeface="Courier New" panose="02070309020205020404" pitchFamily="49" charset="0"/>
+                <a:cs typeface="Courier New" panose="02070309020205020404" pitchFamily="49" charset="0"/>
+              </a:rPr>
+              <a:t>1 = -0.5</a:t>
+            </a:r>
+          </a:p>
+          <a:p>
+            <a:pPr algn="ctr"/>
+            <a:r>
+              <a:rPr lang="el-GR" dirty="0">
+                <a:latin typeface="Courier New" panose="02070309020205020404" pitchFamily="49" charset="0"/>
+                <a:cs typeface="Courier New" panose="02070309020205020404" pitchFamily="49" charset="0"/>
+              </a:rPr>
+              <a:t>β</a:t>
+            </a:r>
+            <a:r>
+              <a:rPr lang="en-US" dirty="0">
+                <a:latin typeface="Courier New" panose="02070309020205020404" pitchFamily="49" charset="0"/>
+                <a:cs typeface="Courier New" panose="02070309020205020404" pitchFamily="49" charset="0"/>
+              </a:rPr>
+              <a:t>2 =  5.3</a:t>
+            </a:r>
+          </a:p>
+          <a:p>
+            <a:pPr algn="ctr"/>
+            <a:r>
+              <a:rPr lang="el-GR" dirty="0">
+                <a:latin typeface="Courier New" panose="02070309020205020404" pitchFamily="49" charset="0"/>
+                <a:cs typeface="Courier New" panose="02070309020205020404" pitchFamily="49" charset="0"/>
+              </a:rPr>
+              <a:t>β</a:t>
+            </a:r>
+            <a:r>
+              <a:rPr lang="en-US" dirty="0">
+                <a:latin typeface="Courier New" panose="02070309020205020404" pitchFamily="49" charset="0"/>
+                <a:cs typeface="Courier New" panose="02070309020205020404" pitchFamily="49" charset="0"/>
+              </a:rPr>
+              <a:t>3 = -3.0</a:t>
+            </a:r>
+          </a:p>
+        </p:txBody>
+      </p:sp>
+      <p:cxnSp>
+        <p:nvCxnSpPr>
+          <p:cNvPr id="11" name="Straight Arrow Connector 10">
+            <a:extLst>
+              <a:ext uri="{FF2B5EF4-FFF2-40B4-BE49-F238E27FC236}">
+                <a16:creationId xmlns:a16="http://schemas.microsoft.com/office/drawing/2014/main" id="{FF3D3B16-050A-E0DC-7795-6CE8D1254478}"/>
+              </a:ext>
+            </a:extLst>
+          </p:cNvPr>
+          <p:cNvCxnSpPr>
+            <a:stCxn id="3" idx="3"/>
+            <a:endCxn id="10" idx="1"/>
+          </p:cNvCxnSpPr>
+          <p:nvPr/>
+        </p:nvCxnSpPr>
+        <p:spPr>
+          <a:xfrm>
+            <a:off x="3071888" y="2950157"/>
+            <a:ext cx="1814581" cy="1"/>
+          </a:xfrm>
+          <a:prstGeom prst="straightConnector1">
+            <a:avLst/>
+          </a:prstGeom>
+          <a:ln>
+            <a:tailEnd type="triangle"/>
+          </a:ln>
+        </p:spPr>
+        <p:style>
+          <a:lnRef idx="3">
+            <a:schemeClr val="dk1"/>
+          </a:lnRef>
+          <a:fillRef idx="0">
+            <a:schemeClr val="dk1"/>
+          </a:fillRef>
+          <a:effectRef idx="2">
+            <a:schemeClr val="dk1"/>
+          </a:effectRef>
+          <a:fontRef idx="minor">
+            <a:schemeClr val="tx1"/>
+          </a:fontRef>
+        </p:style>
+      </p:cxnSp>
+      <p:sp>
+        <p:nvSpPr>
+          <p:cNvPr id="12" name="TextBox 11">
+            <a:extLst>
+              <a:ext uri="{FF2B5EF4-FFF2-40B4-BE49-F238E27FC236}">
+                <a16:creationId xmlns:a16="http://schemas.microsoft.com/office/drawing/2014/main" id="{C4399471-B6CB-1D73-E6A7-76E4359793F7}"/>
+              </a:ext>
+            </a:extLst>
+          </p:cNvPr>
+          <p:cNvSpPr txBox="1"/>
+          <p:nvPr/>
+        </p:nvSpPr>
+        <p:spPr>
+          <a:xfrm>
+            <a:off x="3071888" y="2590853"/>
+            <a:ext cx="1761128" cy="369332"/>
+          </a:xfrm>
+          <a:prstGeom prst="rect">
+            <a:avLst/>
+          </a:prstGeom>
+          <a:noFill/>
+        </p:spPr>
+        <p:txBody>
+          <a:bodyPr wrap="square" rtlCol="0">
+            <a:spAutoFit/>
+          </a:bodyPr>
+          <a:lstStyle/>
+          <a:p>
+            <a:pPr algn="ctr"/>
+            <a:r>
+              <a:rPr lang="en-US" dirty="0">
+                <a:latin typeface="Courier New" panose="02070309020205020404" pitchFamily="49" charset="0"/>
+                <a:cs typeface="Courier New" panose="02070309020205020404" pitchFamily="49" charset="0"/>
+              </a:rPr>
+              <a:t>fit()</a:t>
+            </a:r>
+            <a:endParaRPr lang="en-NL" dirty="0">
+              <a:latin typeface="Courier New" panose="02070309020205020404" pitchFamily="49" charset="0"/>
+              <a:cs typeface="Courier New" panose="02070309020205020404" pitchFamily="49" charset="0"/>
+            </a:endParaRPr>
+          </a:p>
+        </p:txBody>
+      </p:sp>
+      <p:sp>
+        <p:nvSpPr>
+          <p:cNvPr id="4" name="Rectangle 3">
+            <a:extLst>
+              <a:ext uri="{FF2B5EF4-FFF2-40B4-BE49-F238E27FC236}">
+                <a16:creationId xmlns:a16="http://schemas.microsoft.com/office/drawing/2014/main" id="{B3C955DC-C8B4-639C-2E09-15849F6B59CF}"/>
+              </a:ext>
+            </a:extLst>
+          </p:cNvPr>
+          <p:cNvSpPr/>
+          <p:nvPr/>
+        </p:nvSpPr>
+        <p:spPr>
+          <a:xfrm>
+            <a:off x="8483215" y="1083734"/>
+            <a:ext cx="1782170" cy="718608"/>
+          </a:xfrm>
+          <a:prstGeom prst="rect">
+            <a:avLst/>
+          </a:prstGeom>
+        </p:spPr>
+        <p:style>
+          <a:lnRef idx="1">
+            <a:schemeClr val="accent2"/>
+          </a:lnRef>
+          <a:fillRef idx="2">
+            <a:schemeClr val="accent2"/>
+          </a:fillRef>
+          <a:effectRef idx="1">
+            <a:schemeClr val="accent2"/>
+          </a:effectRef>
+          <a:fontRef idx="minor">
+            <a:schemeClr val="dk1"/>
+          </a:fontRef>
+        </p:style>
+        <p:txBody>
+          <a:bodyPr rtlCol="0" anchor="ctr"/>
+          <a:lstStyle/>
+          <a:p>
+            <a:pPr algn="ctr"/>
+            <a:r>
+              <a:rPr lang="nl-NL" dirty="0"/>
+              <a:t>Score data</a:t>
+            </a:r>
+          </a:p>
+        </p:txBody>
+      </p:sp>
+      <p:sp>
+        <p:nvSpPr>
+          <p:cNvPr id="5" name="TextBox 4">
+            <a:extLst>
+              <a:ext uri="{FF2B5EF4-FFF2-40B4-BE49-F238E27FC236}">
+                <a16:creationId xmlns:a16="http://schemas.microsoft.com/office/drawing/2014/main" id="{2EA6F49D-F163-06F2-D31F-58F7CDFBDC52}"/>
+              </a:ext>
+            </a:extLst>
+          </p:cNvPr>
+          <p:cNvSpPr txBox="1"/>
+          <p:nvPr/>
+        </p:nvSpPr>
+        <p:spPr>
+          <a:xfrm>
+            <a:off x="8483216" y="1963860"/>
+            <a:ext cx="1782169" cy="1200329"/>
+          </a:xfrm>
+          <a:prstGeom prst="rect">
+            <a:avLst/>
+          </a:prstGeom>
+        </p:spPr>
+        <p:style>
+          <a:lnRef idx="2">
+            <a:schemeClr val="accent2"/>
+          </a:lnRef>
+          <a:fillRef idx="1">
+            <a:schemeClr val="lt1"/>
+          </a:fillRef>
+          <a:effectRef idx="0">
+            <a:schemeClr val="accent2"/>
+          </a:effectRef>
+          <a:fontRef idx="minor">
+            <a:schemeClr val="dk1"/>
+          </a:fontRef>
+        </p:style>
+        <p:txBody>
+          <a:bodyPr wrap="square" rtlCol="0">
+            <a:spAutoFit/>
+          </a:bodyPr>
+          <a:lstStyle/>
+          <a:p>
+            <a:pPr algn="ctr"/>
+            <a:r>
+              <a:rPr lang="en-US" b="1" dirty="0">
+                <a:latin typeface="Courier New" panose="02070309020205020404" pitchFamily="49" charset="0"/>
+                <a:cs typeface="Courier New" panose="02070309020205020404" pitchFamily="49" charset="0"/>
+              </a:rPr>
+              <a:t>X</a:t>
+            </a:r>
+          </a:p>
+          <a:p>
+            <a:pPr algn="ctr"/>
+            <a:endParaRPr lang="en-US" dirty="0">
+              <a:latin typeface="Courier New" panose="02070309020205020404" pitchFamily="49" charset="0"/>
+              <a:cs typeface="Courier New" panose="02070309020205020404" pitchFamily="49" charset="0"/>
+            </a:endParaRPr>
+          </a:p>
+          <a:p>
+            <a:pPr algn="ctr"/>
+            <a:r>
+              <a:rPr lang="en-US" dirty="0">
+                <a:latin typeface="Courier New" panose="02070309020205020404" pitchFamily="49" charset="0"/>
+                <a:cs typeface="Courier New" panose="02070309020205020404" pitchFamily="49" charset="0"/>
+              </a:rPr>
+              <a:t>7, A, 0</a:t>
+            </a:r>
+          </a:p>
+          <a:p>
+            <a:pPr algn="ctr"/>
+            <a:r>
+              <a:rPr lang="en-US" dirty="0">
+                <a:latin typeface="Courier New" panose="02070309020205020404" pitchFamily="49" charset="0"/>
+                <a:cs typeface="Courier New" panose="02070309020205020404" pitchFamily="49" charset="0"/>
+              </a:rPr>
+              <a:t>3, B, 0</a:t>
+            </a:r>
+          </a:p>
+        </p:txBody>
+      </p:sp>
+      <p:cxnSp>
+        <p:nvCxnSpPr>
+          <p:cNvPr id="13" name="Straight Arrow Connector 12">
+            <a:extLst>
+              <a:ext uri="{FF2B5EF4-FFF2-40B4-BE49-F238E27FC236}">
+                <a16:creationId xmlns:a16="http://schemas.microsoft.com/office/drawing/2014/main" id="{7530C0B6-FD4C-1189-A454-41C537622827}"/>
+              </a:ext>
+            </a:extLst>
+          </p:cNvPr>
+          <p:cNvCxnSpPr>
+            <a:stCxn id="4" idx="1"/>
+            <a:endCxn id="10" idx="3"/>
+          </p:cNvCxnSpPr>
+          <p:nvPr/>
+        </p:nvCxnSpPr>
+        <p:spPr>
+          <a:xfrm flipH="1">
+            <a:off x="6668639" y="1443038"/>
+            <a:ext cx="1814576" cy="1507120"/>
+          </a:xfrm>
+          <a:prstGeom prst="straightConnector1">
+            <a:avLst/>
+          </a:prstGeom>
+          <a:ln>
+            <a:tailEnd type="triangle"/>
+          </a:ln>
+        </p:spPr>
+        <p:style>
+          <a:lnRef idx="3">
+            <a:schemeClr val="dk1"/>
+          </a:lnRef>
+          <a:fillRef idx="0">
+            <a:schemeClr val="dk1"/>
+          </a:fillRef>
+          <a:effectRef idx="2">
+            <a:schemeClr val="dk1"/>
+          </a:effectRef>
+          <a:fontRef idx="minor">
+            <a:schemeClr val="tx1"/>
+          </a:fontRef>
+        </p:style>
+      </p:cxnSp>
+      <p:sp>
+        <p:nvSpPr>
+          <p:cNvPr id="14" name="TextBox 13">
+            <a:extLst>
+              <a:ext uri="{FF2B5EF4-FFF2-40B4-BE49-F238E27FC236}">
+                <a16:creationId xmlns:a16="http://schemas.microsoft.com/office/drawing/2014/main" id="{A9E7BF65-0C3A-1972-D427-56AC78BD677E}"/>
+              </a:ext>
+            </a:extLst>
+          </p:cNvPr>
+          <p:cNvSpPr txBox="1"/>
+          <p:nvPr/>
+        </p:nvSpPr>
+        <p:spPr>
+          <a:xfrm>
+            <a:off x="6096000" y="1779194"/>
+            <a:ext cx="1425390" cy="369332"/>
+          </a:xfrm>
+          <a:prstGeom prst="rect">
+            <a:avLst/>
+          </a:prstGeom>
+          <a:noFill/>
+        </p:spPr>
+        <p:txBody>
+          <a:bodyPr wrap="none" rtlCol="0">
+            <a:spAutoFit/>
+          </a:bodyPr>
+          <a:lstStyle/>
+          <a:p>
+            <a:r>
+              <a:rPr lang="en-US" dirty="0">
+                <a:latin typeface="Courier New" panose="02070309020205020404" pitchFamily="49" charset="0"/>
+                <a:cs typeface="Courier New" panose="02070309020205020404" pitchFamily="49" charset="0"/>
+              </a:rPr>
+              <a:t>predict()</a:t>
+            </a:r>
+            <a:endParaRPr lang="en-NL" dirty="0">
+              <a:latin typeface="Courier New" panose="02070309020205020404" pitchFamily="49" charset="0"/>
+              <a:cs typeface="Courier New" panose="02070309020205020404" pitchFamily="49" charset="0"/>
+            </a:endParaRPr>
+          </a:p>
+        </p:txBody>
+      </p:sp>
+      <p:sp>
+        <p:nvSpPr>
+          <p:cNvPr id="16" name="Rectangle 15">
+            <a:extLst>
+              <a:ext uri="{FF2B5EF4-FFF2-40B4-BE49-F238E27FC236}">
+                <a16:creationId xmlns:a16="http://schemas.microsoft.com/office/drawing/2014/main" id="{F5ABB64D-683B-AAF5-7B5D-3BDC7106FC76}"/>
+              </a:ext>
+            </a:extLst>
+          </p:cNvPr>
+          <p:cNvSpPr/>
+          <p:nvPr/>
+        </p:nvSpPr>
+        <p:spPr>
+          <a:xfrm>
+            <a:off x="8483215" y="3990689"/>
+            <a:ext cx="1782170" cy="718608"/>
+          </a:xfrm>
+          <a:prstGeom prst="rect">
+            <a:avLst/>
+          </a:prstGeom>
+        </p:spPr>
+        <p:style>
+          <a:lnRef idx="1">
+            <a:schemeClr val="accent6"/>
+          </a:lnRef>
+          <a:fillRef idx="2">
+            <a:schemeClr val="accent6"/>
+          </a:fillRef>
+          <a:effectRef idx="1">
+            <a:schemeClr val="accent6"/>
+          </a:effectRef>
+          <a:fontRef idx="minor">
+            <a:schemeClr val="dk1"/>
+          </a:fontRef>
+        </p:style>
+        <p:txBody>
+          <a:bodyPr rtlCol="0" anchor="ctr"/>
+          <a:lstStyle/>
+          <a:p>
+            <a:pPr algn="ctr"/>
+            <a:r>
+              <a:rPr lang="nl-NL" dirty="0"/>
+              <a:t>Voorspellingen</a:t>
+            </a:r>
+          </a:p>
+        </p:txBody>
+      </p:sp>
+      <p:sp>
+        <p:nvSpPr>
+          <p:cNvPr id="17" name="TextBox 16">
+            <a:extLst>
+              <a:ext uri="{FF2B5EF4-FFF2-40B4-BE49-F238E27FC236}">
+                <a16:creationId xmlns:a16="http://schemas.microsoft.com/office/drawing/2014/main" id="{F4A24288-901E-B22C-41E6-AA18A6F1E4E7}"/>
+              </a:ext>
+            </a:extLst>
+          </p:cNvPr>
+          <p:cNvSpPr txBox="1"/>
+          <p:nvPr/>
+        </p:nvSpPr>
+        <p:spPr>
+          <a:xfrm>
+            <a:off x="8483216" y="4857824"/>
+            <a:ext cx="1782169" cy="369332"/>
+          </a:xfrm>
+          <a:prstGeom prst="rect">
+            <a:avLst/>
+          </a:prstGeom>
+        </p:spPr>
+        <p:style>
+          <a:lnRef idx="2">
+            <a:schemeClr val="accent6"/>
+          </a:lnRef>
+          <a:fillRef idx="1">
+            <a:schemeClr val="lt1"/>
+          </a:fillRef>
+          <a:effectRef idx="0">
+            <a:schemeClr val="accent6"/>
+          </a:effectRef>
+          <a:fontRef idx="minor">
+            <a:schemeClr val="dk1"/>
+          </a:fontRef>
+        </p:style>
+        <p:txBody>
+          <a:bodyPr wrap="square" rtlCol="0">
+            <a:spAutoFit/>
+          </a:bodyPr>
+          <a:lstStyle/>
+          <a:p>
+            <a:pPr algn="ctr"/>
+            <a:r>
+              <a:rPr lang="en-US" dirty="0">
+                <a:latin typeface="Courier New" panose="02070309020205020404" pitchFamily="49" charset="0"/>
+                <a:cs typeface="Courier New" panose="02070309020205020404" pitchFamily="49" charset="0"/>
+              </a:rPr>
+              <a:t>J N</a:t>
+            </a:r>
+          </a:p>
+        </p:txBody>
+      </p:sp>
+      <p:cxnSp>
+        <p:nvCxnSpPr>
+          <p:cNvPr id="20" name="Straight Arrow Connector 19">
+            <a:extLst>
+              <a:ext uri="{FF2B5EF4-FFF2-40B4-BE49-F238E27FC236}">
+                <a16:creationId xmlns:a16="http://schemas.microsoft.com/office/drawing/2014/main" id="{C55C79AD-9AB7-1B6D-FEE5-E67C596001E0}"/>
+              </a:ext>
+            </a:extLst>
+          </p:cNvPr>
+          <p:cNvCxnSpPr>
+            <a:stCxn id="10" idx="3"/>
+            <a:endCxn id="16" idx="1"/>
+          </p:cNvCxnSpPr>
+          <p:nvPr/>
+        </p:nvCxnSpPr>
+        <p:spPr>
+          <a:xfrm>
+            <a:off x="6668639" y="2950158"/>
+            <a:ext cx="1814576" cy="1399835"/>
+          </a:xfrm>
+          <a:prstGeom prst="straightConnector1">
+            <a:avLst/>
+          </a:prstGeom>
+          <a:ln>
+            <a:tailEnd type="triangle"/>
+          </a:ln>
+        </p:spPr>
+        <p:style>
+          <a:lnRef idx="3">
+            <a:schemeClr val="dk1"/>
+          </a:lnRef>
+          <a:fillRef idx="0">
+            <a:schemeClr val="dk1"/>
+          </a:fillRef>
+          <a:effectRef idx="2">
+            <a:schemeClr val="dk1"/>
+          </a:effectRef>
+          <a:fontRef idx="minor">
+            <a:schemeClr val="tx1"/>
+          </a:fontRef>
+        </p:style>
+      </p:cxnSp>
+    </p:spTree>
+    <p:extLst>
+      <p:ext uri="{BB962C8B-B14F-4D97-AF65-F5344CB8AC3E}">
+        <p14:creationId xmlns:p14="http://schemas.microsoft.com/office/powerpoint/2010/main" val="3732690073"/>
+      </p:ext>
+    </p:extLst>
+  </p:cSld>
+  <p:clrMapOvr>
+    <a:masterClrMapping/>
+  </p:clrMapOvr>
+</p:sld>
+</file>
+
+<file path=ppt/slides/slide19.xml><?xml version="1.0" encoding="utf-8"?>
+<p:sld xmlns:a="http://schemas.openxmlformats.org/drawingml/2006/main" xmlns:r="http://schemas.openxmlformats.org/officeDocument/2006/relationships" xmlns:p="http://schemas.openxmlformats.org/presentationml/2006/main">
+  <p:cSld>
+    <p:spTree>
+      <p:nvGrpSpPr>
+        <p:cNvPr id="1" name=""/>
+        <p:cNvGrpSpPr/>
+        <p:nvPr/>
+      </p:nvGrpSpPr>
+      <p:grpSpPr>
+        <a:xfrm>
+          <a:off x="0" y="0"/>
+          <a:ext cx="0" cy="0"/>
+          <a:chOff x="0" y="0"/>
+          <a:chExt cx="0" cy="0"/>
+        </a:xfrm>
+      </p:grpSpPr>
+      <p:sp>
+        <p:nvSpPr>
+          <p:cNvPr id="4" name="Title 3">
+            <a:extLst>
+              <a:ext uri="{FF2B5EF4-FFF2-40B4-BE49-F238E27FC236}">
+                <a16:creationId xmlns:a16="http://schemas.microsoft.com/office/drawing/2014/main" id="{72C925CA-BCA3-3701-E08E-95652380B32E}"/>
               </a:ext>
             </a:extLst>
           </p:cNvPr>
@@ -6903,126 +9026,50 @@
             <a:spLocks noGrp="1"/>
           </p:cNvSpPr>
           <p:nvPr>
-            <p:ph idx="1"/>
+            <p:ph type="title"/>
           </p:nvPr>
         </p:nvSpPr>
-        <p:spPr>
-          <a:xfrm>
-            <a:off x="838200" y="1456267"/>
-            <a:ext cx="9658865" cy="4720696"/>
-          </a:xfrm>
-        </p:spPr>
-        <p:txBody>
-          <a:bodyPr>
-            <a:normAutofit/>
-          </a:bodyPr>
-          <a:lstStyle/>
-          <a:p>
-            <a:pPr marL="0" indent="0">
-              <a:buNone/>
-            </a:pPr>
-            <a:r>
-              <a:rPr lang="nl-NL" sz="2000" b="1" noProof="0" dirty="0"/>
-              <a:t>Ken je data!</a:t>
-            </a:r>
-          </a:p>
-          <a:p>
-            <a:pPr>
-              <a:buFontTx/>
-              <a:buChar char="-"/>
-            </a:pPr>
-            <a:r>
-              <a:rPr lang="nl-NL" sz="2000" dirty="0"/>
-              <a:t>Data is belangrijkste sleutel voor succes!</a:t>
-            </a:r>
-          </a:p>
-          <a:p>
-            <a:pPr>
-              <a:buFontTx/>
-              <a:buChar char="-"/>
-            </a:pPr>
-            <a:r>
-              <a:rPr lang="nl-NL" sz="2000" dirty="0"/>
-              <a:t>Ken de achterliggende concepten en processen.</a:t>
-            </a:r>
-          </a:p>
-          <a:p>
-            <a:pPr marL="0" indent="0">
-              <a:buNone/>
-            </a:pPr>
-            <a:endParaRPr lang="nl-NL" sz="2000" b="1" noProof="0" dirty="0"/>
-          </a:p>
-          <a:p>
-            <a:pPr marL="0" indent="0">
-              <a:buNone/>
-            </a:pPr>
-            <a:r>
-              <a:rPr lang="nl-NL" sz="2000" b="1" dirty="0"/>
-              <a:t>Wat is het doel?</a:t>
-            </a:r>
-          </a:p>
-          <a:p>
-            <a:pPr>
-              <a:buFontTx/>
-              <a:buChar char="-"/>
-            </a:pPr>
-            <a:r>
-              <a:rPr lang="nl-NL" sz="2000" dirty="0"/>
-              <a:t>Wat wil men bereiken en wat is daarvoor belangrijk?</a:t>
-            </a:r>
-          </a:p>
-          <a:p>
-            <a:pPr>
-              <a:buFontTx/>
-              <a:buChar char="-"/>
-            </a:pPr>
-            <a:r>
-              <a:rPr lang="nl-NL" sz="2000" noProof="0" dirty="0"/>
-              <a:t>Accuratesse, geen fouten maken, uitlegbaarheid?</a:t>
-            </a:r>
-          </a:p>
-          <a:p>
-            <a:pPr>
-              <a:buFontTx/>
-              <a:buChar char="-"/>
-            </a:pPr>
-            <a:r>
-              <a:rPr lang="nl-NL" sz="2000" dirty="0"/>
-              <a:t>ML is niet altijd </a:t>
-            </a:r>
-            <a:r>
-              <a:rPr lang="nl-NL" sz="2000"/>
-              <a:t>de beste </a:t>
-            </a:r>
-            <a:r>
-              <a:rPr lang="nl-NL" sz="2000" dirty="0"/>
-              <a:t>optie…</a:t>
-            </a:r>
-          </a:p>
-          <a:p>
-            <a:pPr marL="0" indent="0">
-              <a:buNone/>
-            </a:pPr>
-            <a:endParaRPr lang="nl-NL" sz="2000" noProof="0" dirty="0"/>
-          </a:p>
-          <a:p>
-            <a:pPr marL="0" indent="0">
-              <a:buNone/>
-            </a:pPr>
-            <a:endParaRPr lang="nl-NL" sz="2000" noProof="0" dirty="0"/>
-          </a:p>
-          <a:p>
-            <a:pPr marL="0" indent="0">
-              <a:buNone/>
-            </a:pPr>
-            <a:endParaRPr lang="nl-NL" sz="2000" dirty="0"/>
+        <p:spPr/>
+        <p:txBody>
+          <a:bodyPr/>
+          <a:lstStyle/>
+          <a:p>
+            <a:r>
+              <a:rPr lang="nl-NL" noProof="0" dirty="0"/>
+              <a:t>Valideren</a:t>
+            </a:r>
+          </a:p>
+        </p:txBody>
+      </p:sp>
+      <p:sp>
+        <p:nvSpPr>
+          <p:cNvPr id="5" name="Text Placeholder 4">
+            <a:extLst>
+              <a:ext uri="{FF2B5EF4-FFF2-40B4-BE49-F238E27FC236}">
+                <a16:creationId xmlns:a16="http://schemas.microsoft.com/office/drawing/2014/main" id="{1AB31C95-91AF-DF13-FB58-0DA5F2D9F6F7}"/>
+              </a:ext>
+            </a:extLst>
+          </p:cNvPr>
+          <p:cNvSpPr>
+            <a:spLocks noGrp="1"/>
+          </p:cNvSpPr>
+          <p:nvPr>
+            <p:ph type="body" idx="1"/>
+          </p:nvPr>
+        </p:nvSpPr>
+        <p:spPr/>
+        <p:txBody>
+          <a:bodyPr/>
+          <a:lstStyle/>
+          <a:p>
+            <a:endParaRPr lang="en-NL"/>
           </a:p>
         </p:txBody>
       </p:sp>
     </p:spTree>
     <p:extLst>
       <p:ext uri="{BB962C8B-B14F-4D97-AF65-F5344CB8AC3E}">
-        <p14:creationId xmlns:p14="http://schemas.microsoft.com/office/powerpoint/2010/main" val="1542375319"/>
+        <p14:creationId xmlns:p14="http://schemas.microsoft.com/office/powerpoint/2010/main" val="3662473669"/>
       </p:ext>
     </p:extLst>
   </p:cSld>
@@ -7271,6 +9318,1874 @@
     <p:extLst>
       <p:ext uri="{BB962C8B-B14F-4D97-AF65-F5344CB8AC3E}">
         <p14:creationId xmlns:p14="http://schemas.microsoft.com/office/powerpoint/2010/main" val="1265611121"/>
+      </p:ext>
+    </p:extLst>
+  </p:cSld>
+  <p:clrMapOvr>
+    <a:masterClrMapping/>
+  </p:clrMapOvr>
+</p:sld>
+</file>
+
+<file path=ppt/slides/slide20.xml><?xml version="1.0" encoding="utf-8"?>
+<p:sld xmlns:a="http://schemas.openxmlformats.org/drawingml/2006/main" xmlns:r="http://schemas.openxmlformats.org/officeDocument/2006/relationships" xmlns:p="http://schemas.openxmlformats.org/presentationml/2006/main">
+  <p:cSld>
+    <p:spTree>
+      <p:nvGrpSpPr>
+        <p:cNvPr id="1" name=""/>
+        <p:cNvGrpSpPr/>
+        <p:nvPr/>
+      </p:nvGrpSpPr>
+      <p:grpSpPr>
+        <a:xfrm>
+          <a:off x="0" y="0"/>
+          <a:ext cx="0" cy="0"/>
+          <a:chOff x="0" y="0"/>
+          <a:chExt cx="0" cy="0"/>
+        </a:xfrm>
+      </p:grpSpPr>
+      <p:sp>
+        <p:nvSpPr>
+          <p:cNvPr id="2" name="Title 1">
+            <a:extLst>
+              <a:ext uri="{FF2B5EF4-FFF2-40B4-BE49-F238E27FC236}">
+                <a16:creationId xmlns:a16="http://schemas.microsoft.com/office/drawing/2014/main" id="{39A1D606-8DD1-369C-5C09-471CDD551AD5}"/>
+              </a:ext>
+            </a:extLst>
+          </p:cNvPr>
+          <p:cNvSpPr>
+            <a:spLocks noGrp="1"/>
+          </p:cNvSpPr>
+          <p:nvPr>
+            <p:ph type="title"/>
+          </p:nvPr>
+        </p:nvSpPr>
+        <p:spPr>
+          <a:xfrm>
+            <a:off x="838200" y="365126"/>
+            <a:ext cx="10515600" cy="718608"/>
+          </a:xfrm>
+        </p:spPr>
+        <p:txBody>
+          <a:bodyPr>
+            <a:normAutofit/>
+          </a:bodyPr>
+          <a:lstStyle/>
+          <a:p>
+            <a:r>
+              <a:rPr lang="nl-NL" sz="3600" noProof="0" dirty="0"/>
+              <a:t>Valideren van een model</a:t>
+            </a:r>
+          </a:p>
+        </p:txBody>
+      </p:sp>
+      <p:sp>
+        <p:nvSpPr>
+          <p:cNvPr id="4" name="TextBox 3">
+            <a:extLst>
+              <a:ext uri="{FF2B5EF4-FFF2-40B4-BE49-F238E27FC236}">
+                <a16:creationId xmlns:a16="http://schemas.microsoft.com/office/drawing/2014/main" id="{B47EA95A-6DDD-ED89-357A-943A5BC87A94}"/>
+              </a:ext>
+            </a:extLst>
+          </p:cNvPr>
+          <p:cNvSpPr txBox="1"/>
+          <p:nvPr/>
+        </p:nvSpPr>
+        <p:spPr>
+          <a:xfrm>
+            <a:off x="6555232" y="2530561"/>
+            <a:ext cx="184731" cy="369332"/>
+          </a:xfrm>
+          <a:prstGeom prst="rect">
+            <a:avLst/>
+          </a:prstGeom>
+          <a:noFill/>
+        </p:spPr>
+        <p:txBody>
+          <a:bodyPr wrap="none" rtlCol="0">
+            <a:spAutoFit/>
+          </a:bodyPr>
+          <a:lstStyle/>
+          <a:p>
+            <a:endParaRPr lang="en-NL" dirty="0"/>
+          </a:p>
+        </p:txBody>
+      </p:sp>
+      <p:sp>
+        <p:nvSpPr>
+          <p:cNvPr id="9" name="Content Placeholder 2">
+            <a:extLst>
+              <a:ext uri="{FF2B5EF4-FFF2-40B4-BE49-F238E27FC236}">
+                <a16:creationId xmlns:a16="http://schemas.microsoft.com/office/drawing/2014/main" id="{859EFECF-ED02-A3B2-D77A-667F104FEDE5}"/>
+              </a:ext>
+            </a:extLst>
+          </p:cNvPr>
+          <p:cNvSpPr txBox="1">
+            <a:spLocks/>
+          </p:cNvSpPr>
+          <p:nvPr/>
+        </p:nvSpPr>
+        <p:spPr>
+          <a:xfrm>
+            <a:off x="990601" y="1608667"/>
+            <a:ext cx="6996403" cy="4720696"/>
+          </a:xfrm>
+          <a:prstGeom prst="rect">
+            <a:avLst/>
+          </a:prstGeom>
+        </p:spPr>
+        <p:txBody>
+          <a:bodyPr vert="horz" lIns="91440" tIns="45720" rIns="91440" bIns="45720" rtlCol="0">
+            <a:normAutofit/>
+          </a:bodyPr>
+          <a:lstStyle>
+            <a:lvl1pPr marL="228600" indent="-228600" algn="l" defTabSz="914400" rtl="0" eaLnBrk="1" latinLnBrk="0" hangingPunct="1">
+              <a:lnSpc>
+                <a:spcPct val="90000"/>
+              </a:lnSpc>
+              <a:spcBef>
+                <a:spcPts val="1000"/>
+              </a:spcBef>
+              <a:buFont typeface="Arial" panose="020B0604020202020204" pitchFamily="34" charset="0"/>
+              <a:buChar char="•"/>
+              <a:defRPr sz="2800" kern="1200">
+                <a:solidFill>
+                  <a:schemeClr val="tx1"/>
+                </a:solidFill>
+                <a:latin typeface="+mn-lt"/>
+                <a:ea typeface="+mn-ea"/>
+                <a:cs typeface="+mn-cs"/>
+              </a:defRPr>
+            </a:lvl1pPr>
+            <a:lvl2pPr marL="685800" indent="-228600" algn="l" defTabSz="914400" rtl="0" eaLnBrk="1" latinLnBrk="0" hangingPunct="1">
+              <a:lnSpc>
+                <a:spcPct val="90000"/>
+              </a:lnSpc>
+              <a:spcBef>
+                <a:spcPts val="500"/>
+              </a:spcBef>
+              <a:buFont typeface="Arial" panose="020B0604020202020204" pitchFamily="34" charset="0"/>
+              <a:buChar char="•"/>
+              <a:defRPr sz="2400" kern="1200">
+                <a:solidFill>
+                  <a:schemeClr val="tx1"/>
+                </a:solidFill>
+                <a:latin typeface="+mn-lt"/>
+                <a:ea typeface="+mn-ea"/>
+                <a:cs typeface="+mn-cs"/>
+              </a:defRPr>
+            </a:lvl2pPr>
+            <a:lvl3pPr marL="1143000" indent="-228600" algn="l" defTabSz="914400" rtl="0" eaLnBrk="1" latinLnBrk="0" hangingPunct="1">
+              <a:lnSpc>
+                <a:spcPct val="90000"/>
+              </a:lnSpc>
+              <a:spcBef>
+                <a:spcPts val="500"/>
+              </a:spcBef>
+              <a:buFont typeface="Arial" panose="020B0604020202020204" pitchFamily="34" charset="0"/>
+              <a:buChar char="•"/>
+              <a:defRPr sz="2000" kern="1200">
+                <a:solidFill>
+                  <a:schemeClr val="tx1"/>
+                </a:solidFill>
+                <a:latin typeface="+mn-lt"/>
+                <a:ea typeface="+mn-ea"/>
+                <a:cs typeface="+mn-cs"/>
+              </a:defRPr>
+            </a:lvl3pPr>
+            <a:lvl4pPr marL="1600200" indent="-228600" algn="l" defTabSz="914400" rtl="0" eaLnBrk="1" latinLnBrk="0" hangingPunct="1">
+              <a:lnSpc>
+                <a:spcPct val="90000"/>
+              </a:lnSpc>
+              <a:spcBef>
+                <a:spcPts val="500"/>
+              </a:spcBef>
+              <a:buFont typeface="Arial" panose="020B0604020202020204" pitchFamily="34" charset="0"/>
+              <a:buChar char="•"/>
+              <a:defRPr sz="1800" kern="1200">
+                <a:solidFill>
+                  <a:schemeClr val="tx1"/>
+                </a:solidFill>
+                <a:latin typeface="+mn-lt"/>
+                <a:ea typeface="+mn-ea"/>
+                <a:cs typeface="+mn-cs"/>
+              </a:defRPr>
+            </a:lvl4pPr>
+            <a:lvl5pPr marL="2057400" indent="-228600" algn="l" defTabSz="914400" rtl="0" eaLnBrk="1" latinLnBrk="0" hangingPunct="1">
+              <a:lnSpc>
+                <a:spcPct val="90000"/>
+              </a:lnSpc>
+              <a:spcBef>
+                <a:spcPts val="500"/>
+              </a:spcBef>
+              <a:buFont typeface="Arial" panose="020B0604020202020204" pitchFamily="34" charset="0"/>
+              <a:buChar char="•"/>
+              <a:defRPr sz="1800" kern="1200">
+                <a:solidFill>
+                  <a:schemeClr val="tx1"/>
+                </a:solidFill>
+                <a:latin typeface="+mn-lt"/>
+                <a:ea typeface="+mn-ea"/>
+                <a:cs typeface="+mn-cs"/>
+              </a:defRPr>
+            </a:lvl5pPr>
+            <a:lvl6pPr marL="2514600" indent="-228600" algn="l" defTabSz="914400" rtl="0" eaLnBrk="1" latinLnBrk="0" hangingPunct="1">
+              <a:lnSpc>
+                <a:spcPct val="90000"/>
+              </a:lnSpc>
+              <a:spcBef>
+                <a:spcPts val="500"/>
+              </a:spcBef>
+              <a:buFont typeface="Arial" panose="020B0604020202020204" pitchFamily="34" charset="0"/>
+              <a:buChar char="•"/>
+              <a:defRPr sz="1800" kern="1200">
+                <a:solidFill>
+                  <a:schemeClr val="tx1"/>
+                </a:solidFill>
+                <a:latin typeface="+mn-lt"/>
+                <a:ea typeface="+mn-ea"/>
+                <a:cs typeface="+mn-cs"/>
+              </a:defRPr>
+            </a:lvl6pPr>
+            <a:lvl7pPr marL="2971800" indent="-228600" algn="l" defTabSz="914400" rtl="0" eaLnBrk="1" latinLnBrk="0" hangingPunct="1">
+              <a:lnSpc>
+                <a:spcPct val="90000"/>
+              </a:lnSpc>
+              <a:spcBef>
+                <a:spcPts val="500"/>
+              </a:spcBef>
+              <a:buFont typeface="Arial" panose="020B0604020202020204" pitchFamily="34" charset="0"/>
+              <a:buChar char="•"/>
+              <a:defRPr sz="1800" kern="1200">
+                <a:solidFill>
+                  <a:schemeClr val="tx1"/>
+                </a:solidFill>
+                <a:latin typeface="+mn-lt"/>
+                <a:ea typeface="+mn-ea"/>
+                <a:cs typeface="+mn-cs"/>
+              </a:defRPr>
+            </a:lvl7pPr>
+            <a:lvl8pPr marL="3429000" indent="-228600" algn="l" defTabSz="914400" rtl="0" eaLnBrk="1" latinLnBrk="0" hangingPunct="1">
+              <a:lnSpc>
+                <a:spcPct val="90000"/>
+              </a:lnSpc>
+              <a:spcBef>
+                <a:spcPts val="500"/>
+              </a:spcBef>
+              <a:buFont typeface="Arial" panose="020B0604020202020204" pitchFamily="34" charset="0"/>
+              <a:buChar char="•"/>
+              <a:defRPr sz="1800" kern="1200">
+                <a:solidFill>
+                  <a:schemeClr val="tx1"/>
+                </a:solidFill>
+                <a:latin typeface="+mn-lt"/>
+                <a:ea typeface="+mn-ea"/>
+                <a:cs typeface="+mn-cs"/>
+              </a:defRPr>
+            </a:lvl8pPr>
+            <a:lvl9pPr marL="3886200" indent="-228600" algn="l" defTabSz="914400" rtl="0" eaLnBrk="1" latinLnBrk="0" hangingPunct="1">
+              <a:lnSpc>
+                <a:spcPct val="90000"/>
+              </a:lnSpc>
+              <a:spcBef>
+                <a:spcPts val="500"/>
+              </a:spcBef>
+              <a:buFont typeface="Arial" panose="020B0604020202020204" pitchFamily="34" charset="0"/>
+              <a:buChar char="•"/>
+              <a:defRPr sz="1800" kern="1200">
+                <a:solidFill>
+                  <a:schemeClr val="tx1"/>
+                </a:solidFill>
+                <a:latin typeface="+mn-lt"/>
+                <a:ea typeface="+mn-ea"/>
+                <a:cs typeface="+mn-cs"/>
+              </a:defRPr>
+            </a:lvl9pPr>
+          </a:lstStyle>
+          <a:p>
+            <a:pPr marL="0" indent="0">
+              <a:buNone/>
+            </a:pPr>
+            <a:r>
+              <a:rPr lang="en-US" sz="2000" dirty="0"/>
+              <a:t>Maten </a:t>
+            </a:r>
+            <a:r>
+              <a:rPr lang="en-US" sz="2000" dirty="0" err="1"/>
+              <a:t>voor</a:t>
+            </a:r>
+            <a:r>
+              <a:rPr lang="en-US" sz="2000" dirty="0"/>
+              <a:t> </a:t>
+            </a:r>
+            <a:r>
+              <a:rPr lang="en-US" sz="2000" dirty="0" err="1"/>
+              <a:t>kwaliteit</a:t>
+            </a:r>
+            <a:r>
+              <a:rPr lang="en-US" sz="2000" dirty="0"/>
+              <a:t> van </a:t>
+            </a:r>
+            <a:r>
+              <a:rPr lang="en-US" sz="2000" dirty="0" err="1"/>
+              <a:t>een</a:t>
+            </a:r>
+            <a:r>
+              <a:rPr lang="en-US" sz="2000" dirty="0"/>
+              <a:t> model:</a:t>
+            </a:r>
+          </a:p>
+          <a:p>
+            <a:pPr>
+              <a:buFontTx/>
+              <a:buChar char="-"/>
+            </a:pPr>
+            <a:r>
+              <a:rPr lang="en-US" sz="2000" dirty="0"/>
+              <a:t>Continue:	RMSE, mean absolute error, etc.</a:t>
+            </a:r>
+          </a:p>
+          <a:p>
+            <a:pPr>
+              <a:buFontTx/>
+              <a:buChar char="-"/>
+            </a:pPr>
+            <a:r>
+              <a:rPr lang="en-US" sz="2000" dirty="0" err="1"/>
+              <a:t>Categorisch</a:t>
+            </a:r>
+            <a:r>
+              <a:rPr lang="en-US" sz="2000" dirty="0"/>
+              <a:t>:	Accuracy, precision, recall, log loss, etc.</a:t>
+            </a:r>
+          </a:p>
+          <a:p>
+            <a:pPr marL="0" indent="0">
+              <a:buNone/>
+            </a:pPr>
+            <a:endParaRPr lang="nl-NL" sz="2000" dirty="0"/>
+          </a:p>
+          <a:p>
+            <a:pPr marL="0" indent="0">
+              <a:buNone/>
+            </a:pPr>
+            <a:r>
+              <a:rPr lang="nl-NL" sz="2000" dirty="0"/>
+              <a:t>Maar: waar vergelijk je mee?</a:t>
+            </a:r>
+            <a:endParaRPr lang="en-US" sz="2000" dirty="0"/>
+          </a:p>
+          <a:p>
+            <a:pPr>
+              <a:buFontTx/>
+              <a:buChar char="-"/>
+            </a:pPr>
+            <a:r>
+              <a:rPr lang="en-US" sz="2000" dirty="0" err="1"/>
+              <a:t>Kies</a:t>
+            </a:r>
+            <a:r>
+              <a:rPr lang="en-US" sz="2000" dirty="0"/>
+              <a:t> </a:t>
+            </a:r>
+            <a:r>
+              <a:rPr lang="en-US" sz="2000" dirty="0" err="1"/>
+              <a:t>altijd</a:t>
+            </a:r>
+            <a:r>
+              <a:rPr lang="en-US" sz="2000" dirty="0"/>
+              <a:t> </a:t>
+            </a:r>
+            <a:r>
+              <a:rPr lang="en-US" sz="2000" dirty="0" err="1"/>
+              <a:t>een</a:t>
+            </a:r>
+            <a:r>
+              <a:rPr lang="en-US" sz="2000" dirty="0"/>
+              <a:t> baseline model!</a:t>
+            </a:r>
+          </a:p>
+          <a:p>
+            <a:pPr>
+              <a:buFontTx/>
+              <a:buChar char="-"/>
+            </a:pPr>
+            <a:r>
+              <a:rPr lang="en-US" sz="2000" dirty="0" err="1"/>
+              <a:t>Gebruik</a:t>
+            </a:r>
+            <a:r>
+              <a:rPr lang="en-US" sz="2000" dirty="0"/>
+              <a:t> </a:t>
+            </a:r>
+            <a:r>
+              <a:rPr lang="en-US" sz="2000" dirty="0" err="1"/>
+              <a:t>een</a:t>
+            </a:r>
+            <a:r>
+              <a:rPr lang="en-US" sz="2000" dirty="0"/>
+              <a:t> </a:t>
+            </a:r>
+            <a:r>
+              <a:rPr lang="en-US" sz="2000" dirty="0" err="1"/>
+              <a:t>DummyRegressor</a:t>
+            </a:r>
+            <a:r>
+              <a:rPr lang="en-US" sz="2000" dirty="0"/>
+              <a:t> of </a:t>
+            </a:r>
+            <a:r>
+              <a:rPr lang="en-US" sz="2000" dirty="0" err="1"/>
+              <a:t>DummyClassifier</a:t>
+            </a:r>
+            <a:r>
+              <a:rPr lang="en-US" sz="2000" dirty="0"/>
+              <a:t>.</a:t>
+            </a:r>
+          </a:p>
+          <a:p>
+            <a:pPr marL="0" indent="0">
+              <a:buNone/>
+            </a:pPr>
+            <a:endParaRPr lang="nl-NL" sz="2000" dirty="0"/>
+          </a:p>
+          <a:p>
+            <a:pPr marL="0" indent="0">
+              <a:buNone/>
+            </a:pPr>
+            <a:r>
+              <a:rPr lang="en-US" sz="2000" dirty="0"/>
+              <a:t>Tot slot:</a:t>
+            </a:r>
+          </a:p>
+          <a:p>
+            <a:pPr>
+              <a:buFontTx/>
+              <a:buChar char="-"/>
+            </a:pPr>
+            <a:r>
+              <a:rPr lang="en-US" sz="2000" dirty="0" err="1"/>
+              <a:t>Valideer</a:t>
+            </a:r>
+            <a:r>
+              <a:rPr lang="en-US" sz="2000" dirty="0"/>
+              <a:t> of de </a:t>
+            </a:r>
+            <a:r>
+              <a:rPr lang="en-US" sz="2000" dirty="0" err="1"/>
+              <a:t>uitkomsten</a:t>
+            </a:r>
+            <a:r>
+              <a:rPr lang="en-US" sz="2000" dirty="0"/>
+              <a:t> </a:t>
+            </a:r>
+            <a:r>
+              <a:rPr lang="en-US" sz="2000" dirty="0" err="1"/>
+              <a:t>overeenkomen</a:t>
+            </a:r>
+            <a:r>
+              <a:rPr lang="en-US" sz="2000" dirty="0"/>
+              <a:t> met de </a:t>
+            </a:r>
+            <a:r>
+              <a:rPr lang="en-US" sz="2000" dirty="0" err="1"/>
+              <a:t>theorie</a:t>
+            </a:r>
+            <a:r>
+              <a:rPr lang="en-US" sz="2000" dirty="0"/>
+              <a:t>!</a:t>
+            </a:r>
+          </a:p>
+          <a:p>
+            <a:pPr marL="0" indent="0">
+              <a:buNone/>
+            </a:pPr>
+            <a:endParaRPr lang="nl-NL" sz="2000" dirty="0"/>
+          </a:p>
+        </p:txBody>
+      </p:sp>
+      <p:pic>
+        <p:nvPicPr>
+          <p:cNvPr id="11" name="Picture 10">
+            <a:extLst>
+              <a:ext uri="{FF2B5EF4-FFF2-40B4-BE49-F238E27FC236}">
+                <a16:creationId xmlns:a16="http://schemas.microsoft.com/office/drawing/2014/main" id="{5294E80B-3BA2-38FB-B257-7FFE439D227E}"/>
+              </a:ext>
+            </a:extLst>
+          </p:cNvPr>
+          <p:cNvPicPr>
+            <a:picLocks noChangeAspect="1"/>
+          </p:cNvPicPr>
+          <p:nvPr/>
+        </p:nvPicPr>
+        <p:blipFill>
+          <a:blip r:embed="rId2"/>
+          <a:stretch>
+            <a:fillRect/>
+          </a:stretch>
+        </p:blipFill>
+        <p:spPr>
+          <a:xfrm>
+            <a:off x="8727169" y="1035154"/>
+            <a:ext cx="2850566" cy="2779139"/>
+          </a:xfrm>
+          <a:prstGeom prst="rect">
+            <a:avLst/>
+          </a:prstGeom>
+        </p:spPr>
+      </p:pic>
+      <p:graphicFrame>
+        <p:nvGraphicFramePr>
+          <p:cNvPr id="12" name="Table 12">
+            <a:extLst>
+              <a:ext uri="{FF2B5EF4-FFF2-40B4-BE49-F238E27FC236}">
+                <a16:creationId xmlns:a16="http://schemas.microsoft.com/office/drawing/2014/main" id="{9032A68B-98A6-3019-038E-C9215620CE97}"/>
+              </a:ext>
+            </a:extLst>
+          </p:cNvPr>
+          <p:cNvGraphicFramePr>
+            <a:graphicFrameLocks noGrp="1"/>
+          </p:cNvGraphicFramePr>
+          <p:nvPr>
+            <p:extLst>
+              <p:ext uri="{D42A27DB-BD31-4B8C-83A1-F6EECF244321}">
+                <p14:modId xmlns:p14="http://schemas.microsoft.com/office/powerpoint/2010/main" val="2844657728"/>
+              </p:ext>
+            </p:extLst>
+          </p:nvPr>
+        </p:nvGraphicFramePr>
+        <p:xfrm>
+          <a:off x="8948058" y="4582537"/>
+          <a:ext cx="2537925" cy="1709144"/>
+        </p:xfrm>
+        <a:graphic>
+          <a:graphicData uri="http://schemas.openxmlformats.org/drawingml/2006/table">
+            <a:tbl>
+              <a:tblPr firstRow="1" bandRow="1">
+                <a:tableStyleId>{5940675A-B579-460E-94D1-54222C63F5DA}</a:tableStyleId>
+              </a:tblPr>
+              <a:tblGrid>
+                <a:gridCol w="447869">
+                  <a:extLst>
+                    <a:ext uri="{9D8B030D-6E8A-4147-A177-3AD203B41FA5}">
+                      <a16:colId xmlns:a16="http://schemas.microsoft.com/office/drawing/2014/main" val="842927131"/>
+                    </a:ext>
+                  </a:extLst>
+                </a:gridCol>
+                <a:gridCol w="1073020">
+                  <a:extLst>
+                    <a:ext uri="{9D8B030D-6E8A-4147-A177-3AD203B41FA5}">
+                      <a16:colId xmlns:a16="http://schemas.microsoft.com/office/drawing/2014/main" val="1663509690"/>
+                    </a:ext>
+                  </a:extLst>
+                </a:gridCol>
+                <a:gridCol w="1017036">
+                  <a:extLst>
+                    <a:ext uri="{9D8B030D-6E8A-4147-A177-3AD203B41FA5}">
+                      <a16:colId xmlns:a16="http://schemas.microsoft.com/office/drawing/2014/main" val="963932423"/>
+                    </a:ext>
+                  </a:extLst>
+                </a:gridCol>
+              </a:tblGrid>
+              <a:tr h="400010">
+                <a:tc>
+                  <a:txBody>
+                    <a:bodyPr/>
+                    <a:lstStyle/>
+                    <a:p>
+                      <a:pPr algn="ctr"/>
+                      <a:endParaRPr lang="nl-NL" dirty="0"/>
+                    </a:p>
+                  </a:txBody>
+                  <a:tcPr anchor="ctr"/>
+                </a:tc>
+                <a:tc>
+                  <a:txBody>
+                    <a:bodyPr/>
+                    <a:lstStyle/>
+                    <a:p>
+                      <a:pPr algn="ctr"/>
+                      <a:r>
+                        <a:rPr lang="en-US" dirty="0"/>
+                        <a:t>Y</a:t>
+                      </a:r>
+                      <a:endParaRPr lang="nl-NL" dirty="0"/>
+                    </a:p>
+                  </a:txBody>
+                  <a:tcPr anchor="ctr"/>
+                </a:tc>
+                <a:tc>
+                  <a:txBody>
+                    <a:bodyPr/>
+                    <a:lstStyle/>
+                    <a:p>
+                      <a:pPr algn="ctr"/>
+                      <a:r>
+                        <a:rPr lang="en-US" dirty="0"/>
+                        <a:t>N</a:t>
+                      </a:r>
+                      <a:endParaRPr lang="nl-NL" dirty="0"/>
+                    </a:p>
+                  </a:txBody>
+                  <a:tcPr anchor="ctr"/>
+                </a:tc>
+                <a:extLst>
+                  <a:ext uri="{0D108BD9-81ED-4DB2-BD59-A6C34878D82A}">
+                    <a16:rowId xmlns:a16="http://schemas.microsoft.com/office/drawing/2014/main" val="782275975"/>
+                  </a:ext>
+                </a:extLst>
+              </a:tr>
+              <a:tr h="654567">
+                <a:tc>
+                  <a:txBody>
+                    <a:bodyPr/>
+                    <a:lstStyle/>
+                    <a:p>
+                      <a:pPr algn="ctr"/>
+                      <a:r>
+                        <a:rPr lang="en-US" dirty="0"/>
+                        <a:t>Y</a:t>
+                      </a:r>
+                      <a:endParaRPr lang="nl-NL" dirty="0"/>
+                    </a:p>
+                  </a:txBody>
+                  <a:tcPr anchor="ctr"/>
+                </a:tc>
+                <a:tc>
+                  <a:txBody>
+                    <a:bodyPr/>
+                    <a:lstStyle/>
+                    <a:p>
+                      <a:pPr algn="ctr"/>
+                      <a:r>
+                        <a:rPr lang="en-US" dirty="0"/>
+                        <a:t>80</a:t>
+                      </a:r>
+                      <a:endParaRPr lang="nl-NL" dirty="0"/>
+                    </a:p>
+                  </a:txBody>
+                  <a:tcPr anchor="ctr">
+                    <a:solidFill>
+                      <a:schemeClr val="accent6">
+                        <a:lumMod val="40000"/>
+                        <a:lumOff val="60000"/>
+                      </a:schemeClr>
+                    </a:solidFill>
+                  </a:tcPr>
+                </a:tc>
+                <a:tc>
+                  <a:txBody>
+                    <a:bodyPr/>
+                    <a:lstStyle/>
+                    <a:p>
+                      <a:pPr algn="ctr"/>
+                      <a:r>
+                        <a:rPr lang="en-US" dirty="0"/>
+                        <a:t>5</a:t>
+                      </a:r>
+                      <a:endParaRPr lang="nl-NL" dirty="0"/>
+                    </a:p>
+                  </a:txBody>
+                  <a:tcPr anchor="ctr">
+                    <a:solidFill>
+                      <a:schemeClr val="accent2">
+                        <a:lumMod val="40000"/>
+                        <a:lumOff val="60000"/>
+                      </a:schemeClr>
+                    </a:solidFill>
+                  </a:tcPr>
+                </a:tc>
+                <a:extLst>
+                  <a:ext uri="{0D108BD9-81ED-4DB2-BD59-A6C34878D82A}">
+                    <a16:rowId xmlns:a16="http://schemas.microsoft.com/office/drawing/2014/main" val="393789912"/>
+                  </a:ext>
+                </a:extLst>
+              </a:tr>
+              <a:tr h="654567">
+                <a:tc>
+                  <a:txBody>
+                    <a:bodyPr/>
+                    <a:lstStyle/>
+                    <a:p>
+                      <a:pPr algn="ctr"/>
+                      <a:r>
+                        <a:rPr lang="en-US" dirty="0"/>
+                        <a:t>N</a:t>
+                      </a:r>
+                      <a:endParaRPr lang="nl-NL" dirty="0"/>
+                    </a:p>
+                  </a:txBody>
+                  <a:tcPr anchor="ctr"/>
+                </a:tc>
+                <a:tc>
+                  <a:txBody>
+                    <a:bodyPr/>
+                    <a:lstStyle/>
+                    <a:p>
+                      <a:pPr algn="ctr"/>
+                      <a:r>
+                        <a:rPr lang="en-US" dirty="0"/>
+                        <a:t>15</a:t>
+                      </a:r>
+                      <a:endParaRPr lang="nl-NL" dirty="0"/>
+                    </a:p>
+                  </a:txBody>
+                  <a:tcPr anchor="ctr">
+                    <a:solidFill>
+                      <a:schemeClr val="accent2">
+                        <a:lumMod val="40000"/>
+                        <a:lumOff val="60000"/>
+                      </a:schemeClr>
+                    </a:solidFill>
+                  </a:tcPr>
+                </a:tc>
+                <a:tc>
+                  <a:txBody>
+                    <a:bodyPr/>
+                    <a:lstStyle/>
+                    <a:p>
+                      <a:pPr algn="ctr"/>
+                      <a:r>
+                        <a:rPr lang="en-US" dirty="0"/>
+                        <a:t>400</a:t>
+                      </a:r>
+                      <a:endParaRPr lang="nl-NL" dirty="0"/>
+                    </a:p>
+                  </a:txBody>
+                  <a:tcPr anchor="ctr">
+                    <a:solidFill>
+                      <a:schemeClr val="accent6">
+                        <a:lumMod val="40000"/>
+                        <a:lumOff val="60000"/>
+                      </a:schemeClr>
+                    </a:solidFill>
+                  </a:tcPr>
+                </a:tc>
+                <a:extLst>
+                  <a:ext uri="{0D108BD9-81ED-4DB2-BD59-A6C34878D82A}">
+                    <a16:rowId xmlns:a16="http://schemas.microsoft.com/office/drawing/2014/main" val="780340197"/>
+                  </a:ext>
+                </a:extLst>
+              </a:tr>
+            </a:tbl>
+          </a:graphicData>
+        </a:graphic>
+      </p:graphicFrame>
+    </p:spTree>
+    <p:extLst>
+      <p:ext uri="{BB962C8B-B14F-4D97-AF65-F5344CB8AC3E}">
+        <p14:creationId xmlns:p14="http://schemas.microsoft.com/office/powerpoint/2010/main" val="2607966123"/>
+      </p:ext>
+    </p:extLst>
+  </p:cSld>
+  <p:clrMapOvr>
+    <a:masterClrMapping/>
+  </p:clrMapOvr>
+</p:sld>
+</file>
+
+<file path=ppt/slides/slide21.xml><?xml version="1.0" encoding="utf-8"?>
+<p:sld xmlns:a="http://schemas.openxmlformats.org/drawingml/2006/main" xmlns:r="http://schemas.openxmlformats.org/officeDocument/2006/relationships" xmlns:p="http://schemas.openxmlformats.org/presentationml/2006/main">
+  <p:cSld>
+    <p:spTree>
+      <p:nvGrpSpPr>
+        <p:cNvPr id="1" name=""/>
+        <p:cNvGrpSpPr/>
+        <p:nvPr/>
+      </p:nvGrpSpPr>
+      <p:grpSpPr>
+        <a:xfrm>
+          <a:off x="0" y="0"/>
+          <a:ext cx="0" cy="0"/>
+          <a:chOff x="0" y="0"/>
+          <a:chExt cx="0" cy="0"/>
+        </a:xfrm>
+      </p:grpSpPr>
+      <p:sp>
+        <p:nvSpPr>
+          <p:cNvPr id="4" name="Title 3">
+            <a:extLst>
+              <a:ext uri="{FF2B5EF4-FFF2-40B4-BE49-F238E27FC236}">
+                <a16:creationId xmlns:a16="http://schemas.microsoft.com/office/drawing/2014/main" id="{72C925CA-BCA3-3701-E08E-95652380B32E}"/>
+              </a:ext>
+            </a:extLst>
+          </p:cNvPr>
+          <p:cNvSpPr>
+            <a:spLocks noGrp="1"/>
+          </p:cNvSpPr>
+          <p:nvPr>
+            <p:ph type="title"/>
+          </p:nvPr>
+        </p:nvSpPr>
+        <p:spPr/>
+        <p:txBody>
+          <a:bodyPr/>
+          <a:lstStyle/>
+          <a:p>
+            <a:r>
+              <a:rPr lang="nl-NL" noProof="0" dirty="0"/>
+              <a:t>Selecteren</a:t>
+            </a:r>
+          </a:p>
+        </p:txBody>
+      </p:sp>
+      <p:sp>
+        <p:nvSpPr>
+          <p:cNvPr id="5" name="Text Placeholder 4">
+            <a:extLst>
+              <a:ext uri="{FF2B5EF4-FFF2-40B4-BE49-F238E27FC236}">
+                <a16:creationId xmlns:a16="http://schemas.microsoft.com/office/drawing/2014/main" id="{1AB31C95-91AF-DF13-FB58-0DA5F2D9F6F7}"/>
+              </a:ext>
+            </a:extLst>
+          </p:cNvPr>
+          <p:cNvSpPr>
+            <a:spLocks noGrp="1"/>
+          </p:cNvSpPr>
+          <p:nvPr>
+            <p:ph type="body" idx="1"/>
+          </p:nvPr>
+        </p:nvSpPr>
+        <p:spPr/>
+        <p:txBody>
+          <a:bodyPr/>
+          <a:lstStyle/>
+          <a:p>
+            <a:endParaRPr lang="en-NL"/>
+          </a:p>
+        </p:txBody>
+      </p:sp>
+    </p:spTree>
+    <p:extLst>
+      <p:ext uri="{BB962C8B-B14F-4D97-AF65-F5344CB8AC3E}">
+        <p14:creationId xmlns:p14="http://schemas.microsoft.com/office/powerpoint/2010/main" val="3009350591"/>
+      </p:ext>
+    </p:extLst>
+  </p:cSld>
+  <p:clrMapOvr>
+    <a:masterClrMapping/>
+  </p:clrMapOvr>
+</p:sld>
+</file>
+
+<file path=ppt/slides/slide22.xml><?xml version="1.0" encoding="utf-8"?>
+<p:sld xmlns:a="http://schemas.openxmlformats.org/drawingml/2006/main" xmlns:r="http://schemas.openxmlformats.org/officeDocument/2006/relationships" xmlns:p="http://schemas.openxmlformats.org/presentationml/2006/main">
+  <p:cSld>
+    <p:spTree>
+      <p:nvGrpSpPr>
+        <p:cNvPr id="1" name=""/>
+        <p:cNvGrpSpPr/>
+        <p:nvPr/>
+      </p:nvGrpSpPr>
+      <p:grpSpPr>
+        <a:xfrm>
+          <a:off x="0" y="0"/>
+          <a:ext cx="0" cy="0"/>
+          <a:chOff x="0" y="0"/>
+          <a:chExt cx="0" cy="0"/>
+        </a:xfrm>
+      </p:grpSpPr>
+      <p:sp>
+        <p:nvSpPr>
+          <p:cNvPr id="2" name="Title 1">
+            <a:extLst>
+              <a:ext uri="{FF2B5EF4-FFF2-40B4-BE49-F238E27FC236}">
+                <a16:creationId xmlns:a16="http://schemas.microsoft.com/office/drawing/2014/main" id="{39A1D606-8DD1-369C-5C09-471CDD551AD5}"/>
+              </a:ext>
+            </a:extLst>
+          </p:cNvPr>
+          <p:cNvSpPr>
+            <a:spLocks noGrp="1"/>
+          </p:cNvSpPr>
+          <p:nvPr>
+            <p:ph type="title"/>
+          </p:nvPr>
+        </p:nvSpPr>
+        <p:spPr>
+          <a:xfrm>
+            <a:off x="838200" y="365126"/>
+            <a:ext cx="10515600" cy="718608"/>
+          </a:xfrm>
+        </p:spPr>
+        <p:txBody>
+          <a:bodyPr>
+            <a:normAutofit/>
+          </a:bodyPr>
+          <a:lstStyle/>
+          <a:p>
+            <a:r>
+              <a:rPr lang="nl-NL" sz="3600" noProof="0" dirty="0"/>
+              <a:t>Valideren van een model</a:t>
+            </a:r>
+          </a:p>
+        </p:txBody>
+      </p:sp>
+      <p:sp>
+        <p:nvSpPr>
+          <p:cNvPr id="4" name="TextBox 3">
+            <a:extLst>
+              <a:ext uri="{FF2B5EF4-FFF2-40B4-BE49-F238E27FC236}">
+                <a16:creationId xmlns:a16="http://schemas.microsoft.com/office/drawing/2014/main" id="{B47EA95A-6DDD-ED89-357A-943A5BC87A94}"/>
+              </a:ext>
+            </a:extLst>
+          </p:cNvPr>
+          <p:cNvSpPr txBox="1"/>
+          <p:nvPr/>
+        </p:nvSpPr>
+        <p:spPr>
+          <a:xfrm>
+            <a:off x="6555232" y="2530561"/>
+            <a:ext cx="184731" cy="369332"/>
+          </a:xfrm>
+          <a:prstGeom prst="rect">
+            <a:avLst/>
+          </a:prstGeom>
+          <a:noFill/>
+        </p:spPr>
+        <p:txBody>
+          <a:bodyPr wrap="none" rtlCol="0">
+            <a:spAutoFit/>
+          </a:bodyPr>
+          <a:lstStyle/>
+          <a:p>
+            <a:endParaRPr lang="en-NL" dirty="0"/>
+          </a:p>
+        </p:txBody>
+      </p:sp>
+      <p:sp>
+        <p:nvSpPr>
+          <p:cNvPr id="9" name="Content Placeholder 2">
+            <a:extLst>
+              <a:ext uri="{FF2B5EF4-FFF2-40B4-BE49-F238E27FC236}">
+                <a16:creationId xmlns:a16="http://schemas.microsoft.com/office/drawing/2014/main" id="{859EFECF-ED02-A3B2-D77A-667F104FEDE5}"/>
+              </a:ext>
+            </a:extLst>
+          </p:cNvPr>
+          <p:cNvSpPr txBox="1">
+            <a:spLocks/>
+          </p:cNvSpPr>
+          <p:nvPr/>
+        </p:nvSpPr>
+        <p:spPr>
+          <a:xfrm>
+            <a:off x="990601" y="1608667"/>
+            <a:ext cx="6996403" cy="4720696"/>
+          </a:xfrm>
+          <a:prstGeom prst="rect">
+            <a:avLst/>
+          </a:prstGeom>
+        </p:spPr>
+        <p:txBody>
+          <a:bodyPr vert="horz" lIns="91440" tIns="45720" rIns="91440" bIns="45720" rtlCol="0">
+            <a:normAutofit/>
+          </a:bodyPr>
+          <a:lstStyle>
+            <a:lvl1pPr marL="228600" indent="-228600" algn="l" defTabSz="914400" rtl="0" eaLnBrk="1" latinLnBrk="0" hangingPunct="1">
+              <a:lnSpc>
+                <a:spcPct val="90000"/>
+              </a:lnSpc>
+              <a:spcBef>
+                <a:spcPts val="1000"/>
+              </a:spcBef>
+              <a:buFont typeface="Arial" panose="020B0604020202020204" pitchFamily="34" charset="0"/>
+              <a:buChar char="•"/>
+              <a:defRPr sz="2800" kern="1200">
+                <a:solidFill>
+                  <a:schemeClr val="tx1"/>
+                </a:solidFill>
+                <a:latin typeface="+mn-lt"/>
+                <a:ea typeface="+mn-ea"/>
+                <a:cs typeface="+mn-cs"/>
+              </a:defRPr>
+            </a:lvl1pPr>
+            <a:lvl2pPr marL="685800" indent="-228600" algn="l" defTabSz="914400" rtl="0" eaLnBrk="1" latinLnBrk="0" hangingPunct="1">
+              <a:lnSpc>
+                <a:spcPct val="90000"/>
+              </a:lnSpc>
+              <a:spcBef>
+                <a:spcPts val="500"/>
+              </a:spcBef>
+              <a:buFont typeface="Arial" panose="020B0604020202020204" pitchFamily="34" charset="0"/>
+              <a:buChar char="•"/>
+              <a:defRPr sz="2400" kern="1200">
+                <a:solidFill>
+                  <a:schemeClr val="tx1"/>
+                </a:solidFill>
+                <a:latin typeface="+mn-lt"/>
+                <a:ea typeface="+mn-ea"/>
+                <a:cs typeface="+mn-cs"/>
+              </a:defRPr>
+            </a:lvl2pPr>
+            <a:lvl3pPr marL="1143000" indent="-228600" algn="l" defTabSz="914400" rtl="0" eaLnBrk="1" latinLnBrk="0" hangingPunct="1">
+              <a:lnSpc>
+                <a:spcPct val="90000"/>
+              </a:lnSpc>
+              <a:spcBef>
+                <a:spcPts val="500"/>
+              </a:spcBef>
+              <a:buFont typeface="Arial" panose="020B0604020202020204" pitchFamily="34" charset="0"/>
+              <a:buChar char="•"/>
+              <a:defRPr sz="2000" kern="1200">
+                <a:solidFill>
+                  <a:schemeClr val="tx1"/>
+                </a:solidFill>
+                <a:latin typeface="+mn-lt"/>
+                <a:ea typeface="+mn-ea"/>
+                <a:cs typeface="+mn-cs"/>
+              </a:defRPr>
+            </a:lvl3pPr>
+            <a:lvl4pPr marL="1600200" indent="-228600" algn="l" defTabSz="914400" rtl="0" eaLnBrk="1" latinLnBrk="0" hangingPunct="1">
+              <a:lnSpc>
+                <a:spcPct val="90000"/>
+              </a:lnSpc>
+              <a:spcBef>
+                <a:spcPts val="500"/>
+              </a:spcBef>
+              <a:buFont typeface="Arial" panose="020B0604020202020204" pitchFamily="34" charset="0"/>
+              <a:buChar char="•"/>
+              <a:defRPr sz="1800" kern="1200">
+                <a:solidFill>
+                  <a:schemeClr val="tx1"/>
+                </a:solidFill>
+                <a:latin typeface="+mn-lt"/>
+                <a:ea typeface="+mn-ea"/>
+                <a:cs typeface="+mn-cs"/>
+              </a:defRPr>
+            </a:lvl4pPr>
+            <a:lvl5pPr marL="2057400" indent="-228600" algn="l" defTabSz="914400" rtl="0" eaLnBrk="1" latinLnBrk="0" hangingPunct="1">
+              <a:lnSpc>
+                <a:spcPct val="90000"/>
+              </a:lnSpc>
+              <a:spcBef>
+                <a:spcPts val="500"/>
+              </a:spcBef>
+              <a:buFont typeface="Arial" panose="020B0604020202020204" pitchFamily="34" charset="0"/>
+              <a:buChar char="•"/>
+              <a:defRPr sz="1800" kern="1200">
+                <a:solidFill>
+                  <a:schemeClr val="tx1"/>
+                </a:solidFill>
+                <a:latin typeface="+mn-lt"/>
+                <a:ea typeface="+mn-ea"/>
+                <a:cs typeface="+mn-cs"/>
+              </a:defRPr>
+            </a:lvl5pPr>
+            <a:lvl6pPr marL="2514600" indent="-228600" algn="l" defTabSz="914400" rtl="0" eaLnBrk="1" latinLnBrk="0" hangingPunct="1">
+              <a:lnSpc>
+                <a:spcPct val="90000"/>
+              </a:lnSpc>
+              <a:spcBef>
+                <a:spcPts val="500"/>
+              </a:spcBef>
+              <a:buFont typeface="Arial" panose="020B0604020202020204" pitchFamily="34" charset="0"/>
+              <a:buChar char="•"/>
+              <a:defRPr sz="1800" kern="1200">
+                <a:solidFill>
+                  <a:schemeClr val="tx1"/>
+                </a:solidFill>
+                <a:latin typeface="+mn-lt"/>
+                <a:ea typeface="+mn-ea"/>
+                <a:cs typeface="+mn-cs"/>
+              </a:defRPr>
+            </a:lvl6pPr>
+            <a:lvl7pPr marL="2971800" indent="-228600" algn="l" defTabSz="914400" rtl="0" eaLnBrk="1" latinLnBrk="0" hangingPunct="1">
+              <a:lnSpc>
+                <a:spcPct val="90000"/>
+              </a:lnSpc>
+              <a:spcBef>
+                <a:spcPts val="500"/>
+              </a:spcBef>
+              <a:buFont typeface="Arial" panose="020B0604020202020204" pitchFamily="34" charset="0"/>
+              <a:buChar char="•"/>
+              <a:defRPr sz="1800" kern="1200">
+                <a:solidFill>
+                  <a:schemeClr val="tx1"/>
+                </a:solidFill>
+                <a:latin typeface="+mn-lt"/>
+                <a:ea typeface="+mn-ea"/>
+                <a:cs typeface="+mn-cs"/>
+              </a:defRPr>
+            </a:lvl7pPr>
+            <a:lvl8pPr marL="3429000" indent="-228600" algn="l" defTabSz="914400" rtl="0" eaLnBrk="1" latinLnBrk="0" hangingPunct="1">
+              <a:lnSpc>
+                <a:spcPct val="90000"/>
+              </a:lnSpc>
+              <a:spcBef>
+                <a:spcPts val="500"/>
+              </a:spcBef>
+              <a:buFont typeface="Arial" panose="020B0604020202020204" pitchFamily="34" charset="0"/>
+              <a:buChar char="•"/>
+              <a:defRPr sz="1800" kern="1200">
+                <a:solidFill>
+                  <a:schemeClr val="tx1"/>
+                </a:solidFill>
+                <a:latin typeface="+mn-lt"/>
+                <a:ea typeface="+mn-ea"/>
+                <a:cs typeface="+mn-cs"/>
+              </a:defRPr>
+            </a:lvl8pPr>
+            <a:lvl9pPr marL="3886200" indent="-228600" algn="l" defTabSz="914400" rtl="0" eaLnBrk="1" latinLnBrk="0" hangingPunct="1">
+              <a:lnSpc>
+                <a:spcPct val="90000"/>
+              </a:lnSpc>
+              <a:spcBef>
+                <a:spcPts val="500"/>
+              </a:spcBef>
+              <a:buFont typeface="Arial" panose="020B0604020202020204" pitchFamily="34" charset="0"/>
+              <a:buChar char="•"/>
+              <a:defRPr sz="1800" kern="1200">
+                <a:solidFill>
+                  <a:schemeClr val="tx1"/>
+                </a:solidFill>
+                <a:latin typeface="+mn-lt"/>
+                <a:ea typeface="+mn-ea"/>
+                <a:cs typeface="+mn-cs"/>
+              </a:defRPr>
+            </a:lvl9pPr>
+          </a:lstStyle>
+          <a:p>
+            <a:pPr marL="0" indent="0">
+              <a:buNone/>
+            </a:pPr>
+            <a:r>
+              <a:rPr lang="en-US" sz="2000" dirty="0"/>
+              <a:t>Maten </a:t>
+            </a:r>
+            <a:r>
+              <a:rPr lang="en-US" sz="2000" dirty="0" err="1"/>
+              <a:t>voor</a:t>
+            </a:r>
+            <a:r>
+              <a:rPr lang="en-US" sz="2000" dirty="0"/>
+              <a:t> </a:t>
+            </a:r>
+            <a:r>
+              <a:rPr lang="en-US" sz="2000" dirty="0" err="1"/>
+              <a:t>kwaliteit</a:t>
+            </a:r>
+            <a:r>
+              <a:rPr lang="en-US" sz="2000" dirty="0"/>
+              <a:t> van </a:t>
+            </a:r>
+            <a:r>
+              <a:rPr lang="en-US" sz="2000" dirty="0" err="1"/>
+              <a:t>een</a:t>
+            </a:r>
+            <a:r>
+              <a:rPr lang="en-US" sz="2000" dirty="0"/>
+              <a:t> model:</a:t>
+            </a:r>
+          </a:p>
+          <a:p>
+            <a:pPr>
+              <a:buFontTx/>
+              <a:buChar char="-"/>
+            </a:pPr>
+            <a:r>
+              <a:rPr lang="en-US" sz="2000" dirty="0"/>
+              <a:t>Continue:	RMSE, mean absolute error, etc.</a:t>
+            </a:r>
+          </a:p>
+          <a:p>
+            <a:pPr>
+              <a:buFontTx/>
+              <a:buChar char="-"/>
+            </a:pPr>
+            <a:r>
+              <a:rPr lang="en-US" sz="2000" dirty="0" err="1"/>
+              <a:t>Categorisch</a:t>
+            </a:r>
+            <a:r>
+              <a:rPr lang="en-US" sz="2000" dirty="0"/>
+              <a:t>:	Accuracy, precision, recall, log loss, etc.</a:t>
+            </a:r>
+          </a:p>
+          <a:p>
+            <a:pPr marL="0" indent="0">
+              <a:buNone/>
+            </a:pPr>
+            <a:endParaRPr lang="nl-NL" sz="2000" dirty="0"/>
+          </a:p>
+          <a:p>
+            <a:pPr marL="0" indent="0">
+              <a:buNone/>
+            </a:pPr>
+            <a:r>
+              <a:rPr lang="nl-NL" sz="2000" dirty="0"/>
+              <a:t>Maar: waar vergelijk je mee?</a:t>
+            </a:r>
+            <a:endParaRPr lang="en-US" sz="2000" dirty="0"/>
+          </a:p>
+          <a:p>
+            <a:pPr>
+              <a:buFontTx/>
+              <a:buChar char="-"/>
+            </a:pPr>
+            <a:r>
+              <a:rPr lang="en-US" sz="2000" dirty="0" err="1"/>
+              <a:t>Kies</a:t>
+            </a:r>
+            <a:r>
+              <a:rPr lang="en-US" sz="2000" dirty="0"/>
+              <a:t> </a:t>
+            </a:r>
+            <a:r>
+              <a:rPr lang="en-US" sz="2000" dirty="0" err="1"/>
+              <a:t>altijd</a:t>
+            </a:r>
+            <a:r>
+              <a:rPr lang="en-US" sz="2000" dirty="0"/>
+              <a:t> </a:t>
+            </a:r>
+            <a:r>
+              <a:rPr lang="en-US" sz="2000" dirty="0" err="1"/>
+              <a:t>een</a:t>
+            </a:r>
+            <a:r>
+              <a:rPr lang="en-US" sz="2000" dirty="0"/>
+              <a:t> baseline model!</a:t>
+            </a:r>
+          </a:p>
+          <a:p>
+            <a:pPr>
+              <a:buFontTx/>
+              <a:buChar char="-"/>
+            </a:pPr>
+            <a:r>
+              <a:rPr lang="en-US" sz="2000" dirty="0" err="1"/>
+              <a:t>Gebruik</a:t>
+            </a:r>
+            <a:r>
+              <a:rPr lang="en-US" sz="2000" dirty="0"/>
+              <a:t> </a:t>
+            </a:r>
+            <a:r>
+              <a:rPr lang="en-US" sz="2000" dirty="0" err="1"/>
+              <a:t>een</a:t>
+            </a:r>
+            <a:r>
+              <a:rPr lang="en-US" sz="2000" dirty="0"/>
+              <a:t> </a:t>
+            </a:r>
+            <a:r>
+              <a:rPr lang="en-US" sz="2000" dirty="0" err="1"/>
+              <a:t>DummyRegressor</a:t>
+            </a:r>
+            <a:r>
+              <a:rPr lang="en-US" sz="2000" dirty="0"/>
+              <a:t> of </a:t>
+            </a:r>
+            <a:r>
+              <a:rPr lang="en-US" sz="2000" dirty="0" err="1"/>
+              <a:t>DummyClassifier</a:t>
+            </a:r>
+            <a:r>
+              <a:rPr lang="en-US" sz="2000" dirty="0"/>
+              <a:t>.</a:t>
+            </a:r>
+          </a:p>
+          <a:p>
+            <a:pPr marL="0" indent="0">
+              <a:buNone/>
+            </a:pPr>
+            <a:endParaRPr lang="nl-NL" sz="2000" dirty="0"/>
+          </a:p>
+          <a:p>
+            <a:pPr marL="0" indent="0">
+              <a:buNone/>
+            </a:pPr>
+            <a:r>
+              <a:rPr lang="en-US" sz="2000" dirty="0"/>
+              <a:t>Tot slot:</a:t>
+            </a:r>
+          </a:p>
+          <a:p>
+            <a:pPr>
+              <a:buFontTx/>
+              <a:buChar char="-"/>
+            </a:pPr>
+            <a:r>
+              <a:rPr lang="en-US" sz="2000" dirty="0" err="1"/>
+              <a:t>Valideer</a:t>
+            </a:r>
+            <a:r>
+              <a:rPr lang="en-US" sz="2000" dirty="0"/>
+              <a:t> of de </a:t>
+            </a:r>
+            <a:r>
+              <a:rPr lang="en-US" sz="2000" dirty="0" err="1"/>
+              <a:t>uitkomsten</a:t>
+            </a:r>
+            <a:r>
+              <a:rPr lang="en-US" sz="2000" dirty="0"/>
+              <a:t> </a:t>
+            </a:r>
+            <a:r>
+              <a:rPr lang="en-US" sz="2000" dirty="0" err="1"/>
+              <a:t>overeenkomen</a:t>
+            </a:r>
+            <a:r>
+              <a:rPr lang="en-US" sz="2000" dirty="0"/>
+              <a:t> met de </a:t>
+            </a:r>
+            <a:r>
+              <a:rPr lang="en-US" sz="2000" dirty="0" err="1"/>
+              <a:t>theorie</a:t>
+            </a:r>
+            <a:r>
+              <a:rPr lang="en-US" sz="2000" dirty="0"/>
+              <a:t>!</a:t>
+            </a:r>
+          </a:p>
+          <a:p>
+            <a:pPr marL="0" indent="0">
+              <a:buNone/>
+            </a:pPr>
+            <a:endParaRPr lang="nl-NL" sz="2000" dirty="0"/>
+          </a:p>
+        </p:txBody>
+      </p:sp>
+      <p:pic>
+        <p:nvPicPr>
+          <p:cNvPr id="11" name="Picture 10">
+            <a:extLst>
+              <a:ext uri="{FF2B5EF4-FFF2-40B4-BE49-F238E27FC236}">
+                <a16:creationId xmlns:a16="http://schemas.microsoft.com/office/drawing/2014/main" id="{5294E80B-3BA2-38FB-B257-7FFE439D227E}"/>
+              </a:ext>
+            </a:extLst>
+          </p:cNvPr>
+          <p:cNvPicPr>
+            <a:picLocks noChangeAspect="1"/>
+          </p:cNvPicPr>
+          <p:nvPr/>
+        </p:nvPicPr>
+        <p:blipFill>
+          <a:blip r:embed="rId2"/>
+          <a:stretch>
+            <a:fillRect/>
+          </a:stretch>
+        </p:blipFill>
+        <p:spPr>
+          <a:xfrm>
+            <a:off x="8727169" y="1035154"/>
+            <a:ext cx="2850566" cy="2779139"/>
+          </a:xfrm>
+          <a:prstGeom prst="rect">
+            <a:avLst/>
+          </a:prstGeom>
+        </p:spPr>
+      </p:pic>
+      <p:graphicFrame>
+        <p:nvGraphicFramePr>
+          <p:cNvPr id="12" name="Table 12">
+            <a:extLst>
+              <a:ext uri="{FF2B5EF4-FFF2-40B4-BE49-F238E27FC236}">
+                <a16:creationId xmlns:a16="http://schemas.microsoft.com/office/drawing/2014/main" id="{9032A68B-98A6-3019-038E-C9215620CE97}"/>
+              </a:ext>
+            </a:extLst>
+          </p:cNvPr>
+          <p:cNvGraphicFramePr>
+            <a:graphicFrameLocks noGrp="1"/>
+          </p:cNvGraphicFramePr>
+          <p:nvPr/>
+        </p:nvGraphicFramePr>
+        <p:xfrm>
+          <a:off x="8948058" y="4582537"/>
+          <a:ext cx="2537925" cy="1709144"/>
+        </p:xfrm>
+        <a:graphic>
+          <a:graphicData uri="http://schemas.openxmlformats.org/drawingml/2006/table">
+            <a:tbl>
+              <a:tblPr firstRow="1" bandRow="1">
+                <a:tableStyleId>{5940675A-B579-460E-94D1-54222C63F5DA}</a:tableStyleId>
+              </a:tblPr>
+              <a:tblGrid>
+                <a:gridCol w="447869">
+                  <a:extLst>
+                    <a:ext uri="{9D8B030D-6E8A-4147-A177-3AD203B41FA5}">
+                      <a16:colId xmlns:a16="http://schemas.microsoft.com/office/drawing/2014/main" val="842927131"/>
+                    </a:ext>
+                  </a:extLst>
+                </a:gridCol>
+                <a:gridCol w="1073020">
+                  <a:extLst>
+                    <a:ext uri="{9D8B030D-6E8A-4147-A177-3AD203B41FA5}">
+                      <a16:colId xmlns:a16="http://schemas.microsoft.com/office/drawing/2014/main" val="1663509690"/>
+                    </a:ext>
+                  </a:extLst>
+                </a:gridCol>
+                <a:gridCol w="1017036">
+                  <a:extLst>
+                    <a:ext uri="{9D8B030D-6E8A-4147-A177-3AD203B41FA5}">
+                      <a16:colId xmlns:a16="http://schemas.microsoft.com/office/drawing/2014/main" val="963932423"/>
+                    </a:ext>
+                  </a:extLst>
+                </a:gridCol>
+              </a:tblGrid>
+              <a:tr h="400010">
+                <a:tc>
+                  <a:txBody>
+                    <a:bodyPr/>
+                    <a:lstStyle/>
+                    <a:p>
+                      <a:pPr algn="ctr"/>
+                      <a:endParaRPr lang="nl-NL" dirty="0"/>
+                    </a:p>
+                  </a:txBody>
+                  <a:tcPr anchor="ctr"/>
+                </a:tc>
+                <a:tc>
+                  <a:txBody>
+                    <a:bodyPr/>
+                    <a:lstStyle/>
+                    <a:p>
+                      <a:pPr algn="ctr"/>
+                      <a:r>
+                        <a:rPr lang="en-US" dirty="0"/>
+                        <a:t>Y</a:t>
+                      </a:r>
+                      <a:endParaRPr lang="nl-NL" dirty="0"/>
+                    </a:p>
+                  </a:txBody>
+                  <a:tcPr anchor="ctr"/>
+                </a:tc>
+                <a:tc>
+                  <a:txBody>
+                    <a:bodyPr/>
+                    <a:lstStyle/>
+                    <a:p>
+                      <a:pPr algn="ctr"/>
+                      <a:r>
+                        <a:rPr lang="en-US" dirty="0"/>
+                        <a:t>N</a:t>
+                      </a:r>
+                      <a:endParaRPr lang="nl-NL" dirty="0"/>
+                    </a:p>
+                  </a:txBody>
+                  <a:tcPr anchor="ctr"/>
+                </a:tc>
+                <a:extLst>
+                  <a:ext uri="{0D108BD9-81ED-4DB2-BD59-A6C34878D82A}">
+                    <a16:rowId xmlns:a16="http://schemas.microsoft.com/office/drawing/2014/main" val="782275975"/>
+                  </a:ext>
+                </a:extLst>
+              </a:tr>
+              <a:tr h="654567">
+                <a:tc>
+                  <a:txBody>
+                    <a:bodyPr/>
+                    <a:lstStyle/>
+                    <a:p>
+                      <a:pPr algn="ctr"/>
+                      <a:r>
+                        <a:rPr lang="en-US" dirty="0"/>
+                        <a:t>Y</a:t>
+                      </a:r>
+                      <a:endParaRPr lang="nl-NL" dirty="0"/>
+                    </a:p>
+                  </a:txBody>
+                  <a:tcPr anchor="ctr"/>
+                </a:tc>
+                <a:tc>
+                  <a:txBody>
+                    <a:bodyPr/>
+                    <a:lstStyle/>
+                    <a:p>
+                      <a:pPr algn="ctr"/>
+                      <a:r>
+                        <a:rPr lang="en-US" dirty="0"/>
+                        <a:t>80</a:t>
+                      </a:r>
+                      <a:endParaRPr lang="nl-NL" dirty="0"/>
+                    </a:p>
+                  </a:txBody>
+                  <a:tcPr anchor="ctr">
+                    <a:solidFill>
+                      <a:schemeClr val="accent6">
+                        <a:lumMod val="40000"/>
+                        <a:lumOff val="60000"/>
+                      </a:schemeClr>
+                    </a:solidFill>
+                  </a:tcPr>
+                </a:tc>
+                <a:tc>
+                  <a:txBody>
+                    <a:bodyPr/>
+                    <a:lstStyle/>
+                    <a:p>
+                      <a:pPr algn="ctr"/>
+                      <a:r>
+                        <a:rPr lang="en-US" dirty="0"/>
+                        <a:t>5</a:t>
+                      </a:r>
+                      <a:endParaRPr lang="nl-NL" dirty="0"/>
+                    </a:p>
+                  </a:txBody>
+                  <a:tcPr anchor="ctr">
+                    <a:solidFill>
+                      <a:schemeClr val="accent2">
+                        <a:lumMod val="40000"/>
+                        <a:lumOff val="60000"/>
+                      </a:schemeClr>
+                    </a:solidFill>
+                  </a:tcPr>
+                </a:tc>
+                <a:extLst>
+                  <a:ext uri="{0D108BD9-81ED-4DB2-BD59-A6C34878D82A}">
+                    <a16:rowId xmlns:a16="http://schemas.microsoft.com/office/drawing/2014/main" val="393789912"/>
+                  </a:ext>
+                </a:extLst>
+              </a:tr>
+              <a:tr h="654567">
+                <a:tc>
+                  <a:txBody>
+                    <a:bodyPr/>
+                    <a:lstStyle/>
+                    <a:p>
+                      <a:pPr algn="ctr"/>
+                      <a:r>
+                        <a:rPr lang="en-US" dirty="0"/>
+                        <a:t>N</a:t>
+                      </a:r>
+                      <a:endParaRPr lang="nl-NL" dirty="0"/>
+                    </a:p>
+                  </a:txBody>
+                  <a:tcPr anchor="ctr"/>
+                </a:tc>
+                <a:tc>
+                  <a:txBody>
+                    <a:bodyPr/>
+                    <a:lstStyle/>
+                    <a:p>
+                      <a:pPr algn="ctr"/>
+                      <a:r>
+                        <a:rPr lang="en-US" dirty="0"/>
+                        <a:t>15</a:t>
+                      </a:r>
+                      <a:endParaRPr lang="nl-NL" dirty="0"/>
+                    </a:p>
+                  </a:txBody>
+                  <a:tcPr anchor="ctr">
+                    <a:solidFill>
+                      <a:schemeClr val="accent2">
+                        <a:lumMod val="40000"/>
+                        <a:lumOff val="60000"/>
+                      </a:schemeClr>
+                    </a:solidFill>
+                  </a:tcPr>
+                </a:tc>
+                <a:tc>
+                  <a:txBody>
+                    <a:bodyPr/>
+                    <a:lstStyle/>
+                    <a:p>
+                      <a:pPr algn="ctr"/>
+                      <a:r>
+                        <a:rPr lang="en-US" dirty="0"/>
+                        <a:t>400</a:t>
+                      </a:r>
+                      <a:endParaRPr lang="nl-NL" dirty="0"/>
+                    </a:p>
+                  </a:txBody>
+                  <a:tcPr anchor="ctr">
+                    <a:solidFill>
+                      <a:schemeClr val="accent6">
+                        <a:lumMod val="40000"/>
+                        <a:lumOff val="60000"/>
+                      </a:schemeClr>
+                    </a:solidFill>
+                  </a:tcPr>
+                </a:tc>
+                <a:extLst>
+                  <a:ext uri="{0D108BD9-81ED-4DB2-BD59-A6C34878D82A}">
+                    <a16:rowId xmlns:a16="http://schemas.microsoft.com/office/drawing/2014/main" val="780340197"/>
+                  </a:ext>
+                </a:extLst>
+              </a:tr>
+            </a:tbl>
+          </a:graphicData>
+        </a:graphic>
+      </p:graphicFrame>
+    </p:spTree>
+    <p:extLst>
+      <p:ext uri="{BB962C8B-B14F-4D97-AF65-F5344CB8AC3E}">
+        <p14:creationId xmlns:p14="http://schemas.microsoft.com/office/powerpoint/2010/main" val="2167907100"/>
+      </p:ext>
+    </p:extLst>
+  </p:cSld>
+  <p:clrMapOvr>
+    <a:masterClrMapping/>
+  </p:clrMapOvr>
+</p:sld>
+</file>
+
+<file path=ppt/slides/slide23.xml><?xml version="1.0" encoding="utf-8"?>
+<p:sld xmlns:a="http://schemas.openxmlformats.org/drawingml/2006/main" xmlns:r="http://schemas.openxmlformats.org/officeDocument/2006/relationships" xmlns:p="http://schemas.openxmlformats.org/presentationml/2006/main">
+  <p:cSld>
+    <p:spTree>
+      <p:nvGrpSpPr>
+        <p:cNvPr id="1" name=""/>
+        <p:cNvGrpSpPr/>
+        <p:nvPr/>
+      </p:nvGrpSpPr>
+      <p:grpSpPr>
+        <a:xfrm>
+          <a:off x="0" y="0"/>
+          <a:ext cx="0" cy="0"/>
+          <a:chOff x="0" y="0"/>
+          <a:chExt cx="0" cy="0"/>
+        </a:xfrm>
+      </p:grpSpPr>
+      <p:sp>
+        <p:nvSpPr>
+          <p:cNvPr id="4" name="Title 3">
+            <a:extLst>
+              <a:ext uri="{FF2B5EF4-FFF2-40B4-BE49-F238E27FC236}">
+                <a16:creationId xmlns:a16="http://schemas.microsoft.com/office/drawing/2014/main" id="{72C925CA-BCA3-3701-E08E-95652380B32E}"/>
+              </a:ext>
+            </a:extLst>
+          </p:cNvPr>
+          <p:cNvSpPr>
+            <a:spLocks noGrp="1"/>
+          </p:cNvSpPr>
+          <p:nvPr>
+            <p:ph type="title"/>
+          </p:nvPr>
+        </p:nvSpPr>
+        <p:spPr/>
+        <p:txBody>
+          <a:bodyPr/>
+          <a:lstStyle/>
+          <a:p>
+            <a:r>
+              <a:rPr lang="nl-NL" noProof="0" dirty="0"/>
+              <a:t>Natural Language Processing</a:t>
+            </a:r>
+          </a:p>
+        </p:txBody>
+      </p:sp>
+      <p:sp>
+        <p:nvSpPr>
+          <p:cNvPr id="5" name="Text Placeholder 4">
+            <a:extLst>
+              <a:ext uri="{FF2B5EF4-FFF2-40B4-BE49-F238E27FC236}">
+                <a16:creationId xmlns:a16="http://schemas.microsoft.com/office/drawing/2014/main" id="{1AB31C95-91AF-DF13-FB58-0DA5F2D9F6F7}"/>
+              </a:ext>
+            </a:extLst>
+          </p:cNvPr>
+          <p:cNvSpPr>
+            <a:spLocks noGrp="1"/>
+          </p:cNvSpPr>
+          <p:nvPr>
+            <p:ph type="body" idx="1"/>
+          </p:nvPr>
+        </p:nvSpPr>
+        <p:spPr/>
+        <p:txBody>
+          <a:bodyPr/>
+          <a:lstStyle/>
+          <a:p>
+            <a:endParaRPr lang="en-NL"/>
+          </a:p>
+        </p:txBody>
+      </p:sp>
+    </p:spTree>
+    <p:extLst>
+      <p:ext uri="{BB962C8B-B14F-4D97-AF65-F5344CB8AC3E}">
+        <p14:creationId xmlns:p14="http://schemas.microsoft.com/office/powerpoint/2010/main" val="2675372687"/>
+      </p:ext>
+    </p:extLst>
+  </p:cSld>
+  <p:clrMapOvr>
+    <a:masterClrMapping/>
+  </p:clrMapOvr>
+</p:sld>
+</file>
+
+<file path=ppt/slides/slide24.xml><?xml version="1.0" encoding="utf-8"?>
+<p:sld xmlns:a="http://schemas.openxmlformats.org/drawingml/2006/main" xmlns:r="http://schemas.openxmlformats.org/officeDocument/2006/relationships" xmlns:p="http://schemas.openxmlformats.org/presentationml/2006/main">
+  <p:cSld>
+    <p:spTree>
+      <p:nvGrpSpPr>
+        <p:cNvPr id="1" name=""/>
+        <p:cNvGrpSpPr/>
+        <p:nvPr/>
+      </p:nvGrpSpPr>
+      <p:grpSpPr>
+        <a:xfrm>
+          <a:off x="0" y="0"/>
+          <a:ext cx="0" cy="0"/>
+          <a:chOff x="0" y="0"/>
+          <a:chExt cx="0" cy="0"/>
+        </a:xfrm>
+      </p:grpSpPr>
+      <p:sp>
+        <p:nvSpPr>
+          <p:cNvPr id="2" name="Title 1">
+            <a:extLst>
+              <a:ext uri="{FF2B5EF4-FFF2-40B4-BE49-F238E27FC236}">
+                <a16:creationId xmlns:a16="http://schemas.microsoft.com/office/drawing/2014/main" id="{39A1D606-8DD1-369C-5C09-471CDD551AD5}"/>
+              </a:ext>
+            </a:extLst>
+          </p:cNvPr>
+          <p:cNvSpPr>
+            <a:spLocks noGrp="1"/>
+          </p:cNvSpPr>
+          <p:nvPr>
+            <p:ph type="title"/>
+          </p:nvPr>
+        </p:nvSpPr>
+        <p:spPr>
+          <a:xfrm>
+            <a:off x="838200" y="365126"/>
+            <a:ext cx="10515600" cy="718608"/>
+          </a:xfrm>
+        </p:spPr>
+        <p:txBody>
+          <a:bodyPr>
+            <a:normAutofit/>
+          </a:bodyPr>
+          <a:lstStyle/>
+          <a:p>
+            <a:r>
+              <a:rPr lang="nl-NL" sz="3600" noProof="0" dirty="0"/>
+              <a:t>Waar op te letten?</a:t>
+            </a:r>
+          </a:p>
+        </p:txBody>
+      </p:sp>
+      <p:sp>
+        <p:nvSpPr>
+          <p:cNvPr id="3" name="Content Placeholder 2">
+            <a:extLst>
+              <a:ext uri="{FF2B5EF4-FFF2-40B4-BE49-F238E27FC236}">
+                <a16:creationId xmlns:a16="http://schemas.microsoft.com/office/drawing/2014/main" id="{8F4C0E08-92A4-9F30-EF70-67DFBC8C5B8D}"/>
+              </a:ext>
+            </a:extLst>
+          </p:cNvPr>
+          <p:cNvSpPr>
+            <a:spLocks noGrp="1"/>
+          </p:cNvSpPr>
+          <p:nvPr>
+            <p:ph idx="1"/>
+          </p:nvPr>
+        </p:nvSpPr>
+        <p:spPr>
+          <a:xfrm>
+            <a:off x="838200" y="1456267"/>
+            <a:ext cx="9658865" cy="4720696"/>
+          </a:xfrm>
+        </p:spPr>
+        <p:txBody>
+          <a:bodyPr>
+            <a:normAutofit/>
+          </a:bodyPr>
+          <a:lstStyle/>
+          <a:p>
+            <a:pPr marL="0" indent="0">
+              <a:buNone/>
+            </a:pPr>
+            <a:r>
+              <a:rPr lang="nl-NL" sz="2000" b="1" noProof="0" dirty="0"/>
+              <a:t>Ken je data!</a:t>
+            </a:r>
+          </a:p>
+          <a:p>
+            <a:pPr>
+              <a:buFontTx/>
+              <a:buChar char="-"/>
+            </a:pPr>
+            <a:r>
+              <a:rPr lang="nl-NL" sz="2000" dirty="0"/>
+              <a:t>Data is belangrijkste sleutel voor succes!</a:t>
+            </a:r>
+          </a:p>
+          <a:p>
+            <a:pPr>
+              <a:buFontTx/>
+              <a:buChar char="-"/>
+            </a:pPr>
+            <a:r>
+              <a:rPr lang="nl-NL" sz="2000" dirty="0"/>
+              <a:t>Ken de achterliggende concepten en processen.</a:t>
+            </a:r>
+          </a:p>
+          <a:p>
+            <a:pPr marL="0" indent="0">
+              <a:buNone/>
+            </a:pPr>
+            <a:endParaRPr lang="nl-NL" sz="2000" b="1" noProof="0" dirty="0"/>
+          </a:p>
+          <a:p>
+            <a:pPr marL="0" indent="0">
+              <a:buNone/>
+            </a:pPr>
+            <a:r>
+              <a:rPr lang="nl-NL" sz="2000" b="1" dirty="0"/>
+              <a:t>Wat is het doel?</a:t>
+            </a:r>
+          </a:p>
+          <a:p>
+            <a:pPr>
+              <a:buFontTx/>
+              <a:buChar char="-"/>
+            </a:pPr>
+            <a:r>
+              <a:rPr lang="nl-NL" sz="2000" dirty="0"/>
+              <a:t>Wat wil men bereiken en wat is daarvoor belangrijk?</a:t>
+            </a:r>
+          </a:p>
+          <a:p>
+            <a:pPr>
+              <a:buFontTx/>
+              <a:buChar char="-"/>
+            </a:pPr>
+            <a:r>
+              <a:rPr lang="nl-NL" sz="2000" noProof="0" dirty="0"/>
+              <a:t>Accuratesse, geen fouten maken, uitlegbaarheid?</a:t>
+            </a:r>
+          </a:p>
+          <a:p>
+            <a:pPr>
+              <a:buFontTx/>
+              <a:buChar char="-"/>
+            </a:pPr>
+            <a:r>
+              <a:rPr lang="nl-NL" sz="2000" dirty="0"/>
+              <a:t>ML is niet altijd </a:t>
+            </a:r>
+            <a:r>
+              <a:rPr lang="nl-NL" sz="2000"/>
+              <a:t>de beste </a:t>
+            </a:r>
+            <a:r>
+              <a:rPr lang="nl-NL" sz="2000" dirty="0"/>
+              <a:t>optie…</a:t>
+            </a:r>
+          </a:p>
+          <a:p>
+            <a:pPr marL="0" indent="0">
+              <a:buNone/>
+            </a:pPr>
+            <a:endParaRPr lang="nl-NL" sz="2000" noProof="0" dirty="0"/>
+          </a:p>
+          <a:p>
+            <a:pPr marL="0" indent="0">
+              <a:buNone/>
+            </a:pPr>
+            <a:endParaRPr lang="nl-NL" sz="2000" noProof="0" dirty="0"/>
+          </a:p>
+          <a:p>
+            <a:pPr marL="0" indent="0">
+              <a:buNone/>
+            </a:pPr>
+            <a:endParaRPr lang="nl-NL" sz="2000" dirty="0"/>
+          </a:p>
+        </p:txBody>
+      </p:sp>
+    </p:spTree>
+    <p:extLst>
+      <p:ext uri="{BB962C8B-B14F-4D97-AF65-F5344CB8AC3E}">
+        <p14:creationId xmlns:p14="http://schemas.microsoft.com/office/powerpoint/2010/main" val="1542375319"/>
       </p:ext>
     </p:extLst>
   </p:cSld>

--- a/python_trainees/4_scikit_learn/python_traineeship_4.pptx
+++ b/python_trainees/4_scikit_learn/python_traineeship_4.pptx
@@ -13,22 +13,29 @@
     <p:sldId id="326" r:id="rId7"/>
     <p:sldId id="339" r:id="rId8"/>
     <p:sldId id="340" r:id="rId9"/>
-    <p:sldId id="343" r:id="rId10"/>
-    <p:sldId id="350" r:id="rId11"/>
-    <p:sldId id="351" r:id="rId12"/>
-    <p:sldId id="352" r:id="rId13"/>
-    <p:sldId id="353" r:id="rId14"/>
-    <p:sldId id="354" r:id="rId15"/>
-    <p:sldId id="344" r:id="rId16"/>
-    <p:sldId id="355" r:id="rId17"/>
-    <p:sldId id="356" r:id="rId18"/>
-    <p:sldId id="357" r:id="rId19"/>
-    <p:sldId id="345" r:id="rId20"/>
-    <p:sldId id="358" r:id="rId21"/>
-    <p:sldId id="359" r:id="rId22"/>
-    <p:sldId id="360" r:id="rId23"/>
-    <p:sldId id="346" r:id="rId24"/>
-    <p:sldId id="336" r:id="rId25"/>
+    <p:sldId id="351" r:id="rId10"/>
+    <p:sldId id="365" r:id="rId11"/>
+    <p:sldId id="343" r:id="rId12"/>
+    <p:sldId id="350" r:id="rId13"/>
+    <p:sldId id="363" r:id="rId14"/>
+    <p:sldId id="352" r:id="rId15"/>
+    <p:sldId id="353" r:id="rId16"/>
+    <p:sldId id="354" r:id="rId17"/>
+    <p:sldId id="364" r:id="rId18"/>
+    <p:sldId id="367" r:id="rId19"/>
+    <p:sldId id="344" r:id="rId20"/>
+    <p:sldId id="366" r:id="rId21"/>
+    <p:sldId id="355" r:id="rId22"/>
+    <p:sldId id="356" r:id="rId23"/>
+    <p:sldId id="357" r:id="rId24"/>
+    <p:sldId id="345" r:id="rId25"/>
+    <p:sldId id="358" r:id="rId26"/>
+    <p:sldId id="361" r:id="rId27"/>
+    <p:sldId id="362" r:id="rId28"/>
+    <p:sldId id="359" r:id="rId29"/>
+    <p:sldId id="360" r:id="rId30"/>
+    <p:sldId id="346" r:id="rId31"/>
+    <p:sldId id="336" r:id="rId32"/>
   </p:sldIdLst>
   <p:sldSz cx="12192000" cy="6858000"/>
   <p:notesSz cx="6858000" cy="9144000"/>
@@ -284,7 +291,7 @@
           <a:p>
             <a:fld id="{5E9D55AD-DA6B-4A9D-BFE6-D0A1673E6EA9}" type="datetimeFigureOut">
               <a:rPr lang="en-NL" smtClean="0"/>
-              <a:t>07/04/2023</a:t>
+              <a:t>12/04/2023</a:t>
             </a:fld>
             <a:endParaRPr lang="en-NL"/>
           </a:p>
@@ -484,7 +491,7 @@
           <a:p>
             <a:fld id="{5E9D55AD-DA6B-4A9D-BFE6-D0A1673E6EA9}" type="datetimeFigureOut">
               <a:rPr lang="en-NL" smtClean="0"/>
-              <a:t>07/04/2023</a:t>
+              <a:t>12/04/2023</a:t>
             </a:fld>
             <a:endParaRPr lang="en-NL"/>
           </a:p>
@@ -694,7 +701,7 @@
           <a:p>
             <a:fld id="{5E9D55AD-DA6B-4A9D-BFE6-D0A1673E6EA9}" type="datetimeFigureOut">
               <a:rPr lang="en-NL" smtClean="0"/>
-              <a:t>07/04/2023</a:t>
+              <a:t>12/04/2023</a:t>
             </a:fld>
             <a:endParaRPr lang="en-NL"/>
           </a:p>
@@ -894,7 +901,7 @@
           <a:p>
             <a:fld id="{5E9D55AD-DA6B-4A9D-BFE6-D0A1673E6EA9}" type="datetimeFigureOut">
               <a:rPr lang="en-NL" smtClean="0"/>
-              <a:t>07/04/2023</a:t>
+              <a:t>12/04/2023</a:t>
             </a:fld>
             <a:endParaRPr lang="en-NL"/>
           </a:p>
@@ -1170,7 +1177,7 @@
           <a:p>
             <a:fld id="{5E9D55AD-DA6B-4A9D-BFE6-D0A1673E6EA9}" type="datetimeFigureOut">
               <a:rPr lang="en-NL" smtClean="0"/>
-              <a:t>07/04/2023</a:t>
+              <a:t>12/04/2023</a:t>
             </a:fld>
             <a:endParaRPr lang="en-NL"/>
           </a:p>
@@ -1438,7 +1445,7 @@
           <a:p>
             <a:fld id="{5E9D55AD-DA6B-4A9D-BFE6-D0A1673E6EA9}" type="datetimeFigureOut">
               <a:rPr lang="en-NL" smtClean="0"/>
-              <a:t>07/04/2023</a:t>
+              <a:t>12/04/2023</a:t>
             </a:fld>
             <a:endParaRPr lang="en-NL"/>
           </a:p>
@@ -1853,7 +1860,7 @@
           <a:p>
             <a:fld id="{5E9D55AD-DA6B-4A9D-BFE6-D0A1673E6EA9}" type="datetimeFigureOut">
               <a:rPr lang="en-NL" smtClean="0"/>
-              <a:t>07/04/2023</a:t>
+              <a:t>12/04/2023</a:t>
             </a:fld>
             <a:endParaRPr lang="en-NL"/>
           </a:p>
@@ -1995,7 +2002,7 @@
           <a:p>
             <a:fld id="{5E9D55AD-DA6B-4A9D-BFE6-D0A1673E6EA9}" type="datetimeFigureOut">
               <a:rPr lang="en-NL" smtClean="0"/>
-              <a:t>07/04/2023</a:t>
+              <a:t>12/04/2023</a:t>
             </a:fld>
             <a:endParaRPr lang="en-NL"/>
           </a:p>
@@ -2108,7 +2115,7 @@
           <a:p>
             <a:fld id="{5E9D55AD-DA6B-4A9D-BFE6-D0A1673E6EA9}" type="datetimeFigureOut">
               <a:rPr lang="en-NL" smtClean="0"/>
-              <a:t>07/04/2023</a:t>
+              <a:t>12/04/2023</a:t>
             </a:fld>
             <a:endParaRPr lang="en-NL"/>
           </a:p>
@@ -2421,7 +2428,7 @@
           <a:p>
             <a:fld id="{5E9D55AD-DA6B-4A9D-BFE6-D0A1673E6EA9}" type="datetimeFigureOut">
               <a:rPr lang="en-NL" smtClean="0"/>
-              <a:t>07/04/2023</a:t>
+              <a:t>12/04/2023</a:t>
             </a:fld>
             <a:endParaRPr lang="en-NL"/>
           </a:p>
@@ -2710,7 +2717,7 @@
           <a:p>
             <a:fld id="{5E9D55AD-DA6B-4A9D-BFE6-D0A1673E6EA9}" type="datetimeFigureOut">
               <a:rPr lang="en-NL" smtClean="0"/>
-              <a:t>07/04/2023</a:t>
+              <a:t>12/04/2023</a:t>
             </a:fld>
             <a:endParaRPr lang="en-NL"/>
           </a:p>
@@ -2953,7 +2960,7 @@
           <a:p>
             <a:fld id="{5E9D55AD-DA6B-4A9D-BFE6-D0A1673E6EA9}" type="datetimeFigureOut">
               <a:rPr lang="en-NL" smtClean="0"/>
-              <a:t>07/04/2023</a:t>
+              <a:t>12/04/2023</a:t>
             </a:fld>
             <a:endParaRPr lang="en-NL"/>
           </a:p>
@@ -3499,6 +3506,250 @@
           <a:p>
             <a:r>
               <a:rPr lang="nl-NL" sz="3600" noProof="0" dirty="0"/>
+              <a:t>Oefeningen </a:t>
+            </a:r>
+            <a:r>
+              <a:rPr lang="nl-NL" sz="3600" dirty="0"/>
+              <a:t>I</a:t>
+            </a:r>
+            <a:endParaRPr lang="nl-NL" sz="3600" noProof="0" dirty="0"/>
+          </a:p>
+        </p:txBody>
+      </p:sp>
+      <p:sp>
+        <p:nvSpPr>
+          <p:cNvPr id="3" name="Content Placeholder 2">
+            <a:extLst>
+              <a:ext uri="{FF2B5EF4-FFF2-40B4-BE49-F238E27FC236}">
+                <a16:creationId xmlns:a16="http://schemas.microsoft.com/office/drawing/2014/main" id="{F4C2D286-E049-0AAB-1360-B7157E11AD7E}"/>
+              </a:ext>
+            </a:extLst>
+          </p:cNvPr>
+          <p:cNvSpPr>
+            <a:spLocks noGrp="1"/>
+          </p:cNvSpPr>
+          <p:nvPr>
+            <p:ph idx="1"/>
+          </p:nvPr>
+        </p:nvSpPr>
+        <p:spPr>
+          <a:xfrm>
+            <a:off x="838200" y="1456267"/>
+            <a:ext cx="10375900" cy="4720696"/>
+          </a:xfrm>
+        </p:spPr>
+        <p:txBody>
+          <a:bodyPr>
+            <a:normAutofit/>
+          </a:bodyPr>
+          <a:lstStyle/>
+          <a:p>
+            <a:pPr marL="457200" indent="-457200">
+              <a:buFont typeface="Arial" panose="020B0604020202020204" pitchFamily="34" charset="0"/>
+              <a:buAutoNum type="arabicPeriod"/>
+            </a:pPr>
+            <a:r>
+              <a:rPr lang="nl-NL" sz="2000" dirty="0"/>
+              <a:t>Open dataset: </a:t>
+            </a:r>
+            <a:r>
+              <a:rPr lang="nl-NL" sz="2000" dirty="0">
+                <a:latin typeface="Courier New" panose="02070309020205020404" pitchFamily="49" charset="0"/>
+                <a:cs typeface="Courier New" panose="02070309020205020404" pitchFamily="49" charset="0"/>
+              </a:rPr>
+              <a:t>0_data/banking/bank-additional-full.csv</a:t>
+            </a:r>
+          </a:p>
+          <a:p>
+            <a:pPr marL="457200" indent="-457200">
+              <a:buAutoNum type="arabicPeriod"/>
+            </a:pPr>
+            <a:endParaRPr lang="nl-NL" sz="2000" dirty="0"/>
+          </a:p>
+          <a:p>
+            <a:pPr marL="457200" indent="-457200">
+              <a:buFont typeface="Arial" panose="020B0604020202020204" pitchFamily="34" charset="0"/>
+              <a:buAutoNum type="arabicPeriod"/>
+            </a:pPr>
+            <a:r>
+              <a:rPr lang="nl-NL" sz="2000" dirty="0"/>
+              <a:t>Lees </a:t>
+            </a:r>
+            <a:r>
+              <a:rPr lang="nl-NL" sz="2000" dirty="0">
+                <a:latin typeface="Courier New" panose="02070309020205020404" pitchFamily="49" charset="0"/>
+                <a:cs typeface="Courier New" panose="02070309020205020404" pitchFamily="49" charset="0"/>
+              </a:rPr>
+              <a:t>_description.md</a:t>
+            </a:r>
+            <a:r>
+              <a:rPr lang="nl-NL" sz="2000" dirty="0"/>
+              <a:t> voor een beschrijving van de data.</a:t>
+            </a:r>
+          </a:p>
+          <a:p>
+            <a:pPr marL="457200" indent="-457200">
+              <a:buFont typeface="Arial" panose="020B0604020202020204" pitchFamily="34" charset="0"/>
+              <a:buAutoNum type="arabicPeriod"/>
+            </a:pPr>
+            <a:endParaRPr lang="nl-NL" sz="2000" noProof="0" dirty="0"/>
+          </a:p>
+          <a:p>
+            <a:pPr marL="457200" indent="-457200">
+              <a:buFont typeface="Arial" panose="020B0604020202020204" pitchFamily="34" charset="0"/>
+              <a:buAutoNum type="arabicPeriod"/>
+            </a:pPr>
+            <a:r>
+              <a:rPr lang="nl-NL" sz="2000" dirty="0"/>
+              <a:t>Exploreer de data op jouw manier!</a:t>
+            </a:r>
+            <a:endParaRPr lang="nl-NL" sz="1600" noProof="0" dirty="0"/>
+          </a:p>
+        </p:txBody>
+      </p:sp>
+    </p:spTree>
+    <p:extLst>
+      <p:ext uri="{BB962C8B-B14F-4D97-AF65-F5344CB8AC3E}">
+        <p14:creationId xmlns:p14="http://schemas.microsoft.com/office/powerpoint/2010/main" val="2058347695"/>
+      </p:ext>
+    </p:extLst>
+  </p:cSld>
+  <p:clrMapOvr>
+    <a:masterClrMapping/>
+  </p:clrMapOvr>
+</p:sld>
+</file>
+
+<file path=ppt/slides/slide11.xml><?xml version="1.0" encoding="utf-8"?>
+<p:sld xmlns:a="http://schemas.openxmlformats.org/drawingml/2006/main" xmlns:r="http://schemas.openxmlformats.org/officeDocument/2006/relationships" xmlns:p="http://schemas.openxmlformats.org/presentationml/2006/main">
+  <p:cSld>
+    <p:spTree>
+      <p:nvGrpSpPr>
+        <p:cNvPr id="1" name=""/>
+        <p:cNvGrpSpPr/>
+        <p:nvPr/>
+      </p:nvGrpSpPr>
+      <p:grpSpPr>
+        <a:xfrm>
+          <a:off x="0" y="0"/>
+          <a:ext cx="0" cy="0"/>
+          <a:chOff x="0" y="0"/>
+          <a:chExt cx="0" cy="0"/>
+        </a:xfrm>
+      </p:grpSpPr>
+      <p:sp>
+        <p:nvSpPr>
+          <p:cNvPr id="4" name="Title 3">
+            <a:extLst>
+              <a:ext uri="{FF2B5EF4-FFF2-40B4-BE49-F238E27FC236}">
+                <a16:creationId xmlns:a16="http://schemas.microsoft.com/office/drawing/2014/main" id="{72C925CA-BCA3-3701-E08E-95652380B32E}"/>
+              </a:ext>
+            </a:extLst>
+          </p:cNvPr>
+          <p:cNvSpPr>
+            <a:spLocks noGrp="1"/>
+          </p:cNvSpPr>
+          <p:nvPr>
+            <p:ph type="title"/>
+          </p:nvPr>
+        </p:nvSpPr>
+        <p:spPr/>
+        <p:txBody>
+          <a:bodyPr/>
+          <a:lstStyle/>
+          <a:p>
+            <a:r>
+              <a:rPr lang="nl-NL" noProof="0" dirty="0"/>
+              <a:t>Data Preparatie</a:t>
+            </a:r>
+          </a:p>
+        </p:txBody>
+      </p:sp>
+      <p:sp>
+        <p:nvSpPr>
+          <p:cNvPr id="5" name="Text Placeholder 4">
+            <a:extLst>
+              <a:ext uri="{FF2B5EF4-FFF2-40B4-BE49-F238E27FC236}">
+                <a16:creationId xmlns:a16="http://schemas.microsoft.com/office/drawing/2014/main" id="{1AB31C95-91AF-DF13-FB58-0DA5F2D9F6F7}"/>
+              </a:ext>
+            </a:extLst>
+          </p:cNvPr>
+          <p:cNvSpPr>
+            <a:spLocks noGrp="1"/>
+          </p:cNvSpPr>
+          <p:nvPr>
+            <p:ph type="body" idx="1"/>
+          </p:nvPr>
+        </p:nvSpPr>
+        <p:spPr/>
+        <p:txBody>
+          <a:bodyPr/>
+          <a:lstStyle/>
+          <a:p>
+            <a:endParaRPr lang="en-NL"/>
+          </a:p>
+        </p:txBody>
+      </p:sp>
+    </p:spTree>
+    <p:extLst>
+      <p:ext uri="{BB962C8B-B14F-4D97-AF65-F5344CB8AC3E}">
+        <p14:creationId xmlns:p14="http://schemas.microsoft.com/office/powerpoint/2010/main" val="1377020512"/>
+      </p:ext>
+    </p:extLst>
+  </p:cSld>
+  <p:clrMapOvr>
+    <a:masterClrMapping/>
+  </p:clrMapOvr>
+</p:sld>
+</file>
+
+<file path=ppt/slides/slide12.xml><?xml version="1.0" encoding="utf-8"?>
+<p:sld xmlns:a="http://schemas.openxmlformats.org/drawingml/2006/main" xmlns:r="http://schemas.openxmlformats.org/officeDocument/2006/relationships" xmlns:p="http://schemas.openxmlformats.org/presentationml/2006/main">
+  <p:cSld>
+    <p:spTree>
+      <p:nvGrpSpPr>
+        <p:cNvPr id="1" name=""/>
+        <p:cNvGrpSpPr/>
+        <p:nvPr/>
+      </p:nvGrpSpPr>
+      <p:grpSpPr>
+        <a:xfrm>
+          <a:off x="0" y="0"/>
+          <a:ext cx="0" cy="0"/>
+          <a:chOff x="0" y="0"/>
+          <a:chExt cx="0" cy="0"/>
+        </a:xfrm>
+      </p:grpSpPr>
+      <p:sp>
+        <p:nvSpPr>
+          <p:cNvPr id="2" name="Title 1">
+            <a:extLst>
+              <a:ext uri="{FF2B5EF4-FFF2-40B4-BE49-F238E27FC236}">
+                <a16:creationId xmlns:a16="http://schemas.microsoft.com/office/drawing/2014/main" id="{39A1D606-8DD1-369C-5C09-471CDD551AD5}"/>
+              </a:ext>
+            </a:extLst>
+          </p:cNvPr>
+          <p:cNvSpPr>
+            <a:spLocks noGrp="1"/>
+          </p:cNvSpPr>
+          <p:nvPr>
+            <p:ph type="title"/>
+          </p:nvPr>
+        </p:nvSpPr>
+        <p:spPr>
+          <a:xfrm>
+            <a:off x="838200" y="365126"/>
+            <a:ext cx="10515600" cy="718608"/>
+          </a:xfrm>
+        </p:spPr>
+        <p:txBody>
+          <a:bodyPr>
+            <a:normAutofit/>
+          </a:bodyPr>
+          <a:lstStyle/>
+          <a:p>
+            <a:r>
+              <a:rPr lang="nl-NL" sz="3600" noProof="0" dirty="0"/>
               <a:t>Waarom is preparatie nodig?</a:t>
             </a:r>
           </a:p>
@@ -3729,6 +3980,12 @@
           </a:lstStyle>
           <a:p>
             <a:pPr>
+              <a:lnSpc>
+                <a:spcPct val="130000"/>
+              </a:lnSpc>
+              <a:spcBef>
+                <a:spcPts val="0"/>
+              </a:spcBef>
               <a:buFontTx/>
               <a:buChar char="-"/>
             </a:pPr>
@@ -3741,6 +3998,12 @@
           </a:p>
           <a:p>
             <a:pPr>
+              <a:lnSpc>
+                <a:spcPct val="130000"/>
+              </a:lnSpc>
+              <a:spcBef>
+                <a:spcPts val="0"/>
+              </a:spcBef>
               <a:buFontTx/>
               <a:buChar char="-"/>
             </a:pPr>
@@ -3753,6 +4016,12 @@
           </a:p>
           <a:p>
             <a:pPr marL="0" indent="0">
+              <a:lnSpc>
+                <a:spcPct val="130000"/>
+              </a:lnSpc>
+              <a:spcBef>
+                <a:spcPts val="0"/>
+              </a:spcBef>
               <a:buNone/>
             </a:pPr>
             <a:endParaRPr lang="nl-NL" sz="2000" dirty="0">
@@ -3761,6 +4030,12 @@
           </a:p>
           <a:p>
             <a:pPr marL="0" indent="0">
+              <a:lnSpc>
+                <a:spcPct val="130000"/>
+              </a:lnSpc>
+              <a:spcBef>
+                <a:spcPts val="0"/>
+              </a:spcBef>
               <a:buNone/>
             </a:pPr>
             <a:endParaRPr lang="nl-NL" sz="2000" dirty="0">
@@ -3769,6 +4044,12 @@
           </a:p>
           <a:p>
             <a:pPr>
+              <a:lnSpc>
+                <a:spcPct val="130000"/>
+              </a:lnSpc>
+              <a:spcBef>
+                <a:spcPts val="0"/>
+              </a:spcBef>
               <a:buFontTx/>
               <a:buChar char="-"/>
             </a:pPr>
@@ -3781,6 +4062,12 @@
           </a:p>
           <a:p>
             <a:pPr>
+              <a:lnSpc>
+                <a:spcPct val="130000"/>
+              </a:lnSpc>
+              <a:spcBef>
+                <a:spcPts val="0"/>
+              </a:spcBef>
               <a:buFontTx/>
               <a:buChar char="-"/>
             </a:pPr>
@@ -3788,7 +4075,71 @@
               <a:rPr lang="nl-NL" sz="2000" dirty="0">
                 <a:cs typeface="Courier New" panose="02070309020205020404" pitchFamily="49" charset="0"/>
               </a:rPr>
-              <a:t>Datum    =&gt; Dag van de week.</a:t>
+              <a:t>Datum    =&gt;    Dag van de week.</a:t>
+            </a:r>
+          </a:p>
+          <a:p>
+            <a:pPr marL="0" indent="0">
+              <a:lnSpc>
+                <a:spcPct val="130000"/>
+              </a:lnSpc>
+              <a:spcBef>
+                <a:spcPts val="0"/>
+              </a:spcBef>
+              <a:buNone/>
+            </a:pPr>
+            <a:endParaRPr lang="nl-NL" sz="2000" dirty="0">
+              <a:cs typeface="Courier New" panose="02070309020205020404" pitchFamily="49" charset="0"/>
+            </a:endParaRPr>
+          </a:p>
+          <a:p>
+            <a:pPr marL="0" indent="0">
+              <a:lnSpc>
+                <a:spcPct val="130000"/>
+              </a:lnSpc>
+              <a:spcBef>
+                <a:spcPts val="0"/>
+              </a:spcBef>
+              <a:buNone/>
+            </a:pPr>
+            <a:endParaRPr lang="nl-NL" sz="2000" dirty="0">
+              <a:cs typeface="Courier New" panose="02070309020205020404" pitchFamily="49" charset="0"/>
+            </a:endParaRPr>
+          </a:p>
+          <a:p>
+            <a:pPr>
+              <a:lnSpc>
+                <a:spcPct val="130000"/>
+              </a:lnSpc>
+              <a:spcBef>
+                <a:spcPts val="0"/>
+              </a:spcBef>
+              <a:buFontTx/>
+              <a:buChar char="-"/>
+            </a:pPr>
+            <a:r>
+              <a:rPr lang="nl-NL" sz="2000" dirty="0">
+                <a:cs typeface="Courier New" panose="02070309020205020404" pitchFamily="49" charset="0"/>
+              </a:rPr>
+              <a:t>Categorieën omzetten in dummy variabelen.</a:t>
+            </a:r>
+          </a:p>
+          <a:p>
+            <a:pPr>
+              <a:lnSpc>
+                <a:spcPct val="130000"/>
+              </a:lnSpc>
+              <a:spcBef>
+                <a:spcPts val="0"/>
+              </a:spcBef>
+              <a:buFontTx/>
+              <a:buChar char="-"/>
+            </a:pPr>
+            <a:r>
+              <a:rPr lang="nl-NL" sz="2000" dirty="0">
+                <a:cs typeface="Courier New" panose="02070309020205020404" pitchFamily="49" charset="0"/>
+              </a:rPr>
+              <a:t>Tekst omzetten in tellingen van woorden.</a:t>
             </a:r>
           </a:p>
         </p:txBody>
@@ -3986,6 +4337,12 @@
           </a:lstStyle>
           <a:p>
             <a:pPr marL="0" indent="0">
+              <a:lnSpc>
+                <a:spcPct val="130000"/>
+              </a:lnSpc>
+              <a:spcBef>
+                <a:spcPts val="0"/>
+              </a:spcBef>
               <a:buNone/>
             </a:pPr>
             <a:r>
@@ -3995,36 +4352,92 @@
           </a:p>
           <a:p>
             <a:pPr marL="0" indent="0">
+              <a:lnSpc>
+                <a:spcPct val="130000"/>
+              </a:lnSpc>
+              <a:spcBef>
+                <a:spcPts val="0"/>
+              </a:spcBef>
               <a:buNone/>
             </a:pPr>
             <a:endParaRPr lang="nl-NL" sz="2000" dirty="0"/>
           </a:p>
           <a:p>
             <a:pPr marL="0" indent="0">
+              <a:lnSpc>
+                <a:spcPct val="130000"/>
+              </a:lnSpc>
+              <a:spcBef>
+                <a:spcPts val="0"/>
+              </a:spcBef>
               <a:buNone/>
             </a:pPr>
             <a:endParaRPr lang="nl-NL" sz="2000" dirty="0"/>
           </a:p>
           <a:p>
             <a:pPr marL="0" indent="0">
+              <a:lnSpc>
+                <a:spcPct val="130000"/>
+              </a:lnSpc>
+              <a:spcBef>
+                <a:spcPts val="0"/>
+              </a:spcBef>
               <a:buNone/>
             </a:pPr>
             <a:r>
               <a:rPr lang="nl-NL" sz="2000" dirty="0">
                 <a:cs typeface="Courier New" panose="02070309020205020404" pitchFamily="49" charset="0"/>
               </a:rPr>
-              <a:t>Patronen beschikbaar maken voor het model.</a:t>
-            </a:r>
-          </a:p>
-          <a:p>
-            <a:pPr>
-              <a:buFontTx/>
-              <a:buChar char="-"/>
+              <a:t>Patronen beschikbaar maken voor het gekozen model.</a:t>
+            </a:r>
+          </a:p>
+          <a:p>
+            <a:pPr marL="0" indent="0">
+              <a:lnSpc>
+                <a:spcPct val="130000"/>
+              </a:lnSpc>
+              <a:spcBef>
+                <a:spcPts val="0"/>
+              </a:spcBef>
+              <a:buNone/>
             </a:pPr>
             <a:endParaRPr lang="nl-NL" sz="2000" dirty="0"/>
           </a:p>
           <a:p>
             <a:pPr marL="0" indent="0">
+              <a:lnSpc>
+                <a:spcPct val="130000"/>
+              </a:lnSpc>
+              <a:spcBef>
+                <a:spcPts val="0"/>
+              </a:spcBef>
+              <a:buNone/>
+            </a:pPr>
+            <a:endParaRPr lang="nl-NL" sz="2000" dirty="0"/>
+          </a:p>
+          <a:p>
+            <a:pPr marL="0" indent="0">
+              <a:lnSpc>
+                <a:spcPct val="130000"/>
+              </a:lnSpc>
+              <a:spcBef>
+                <a:spcPts val="0"/>
+              </a:spcBef>
+              <a:buNone/>
+            </a:pPr>
+            <a:r>
+              <a:rPr lang="nl-NL" sz="2000" dirty="0"/>
+              <a:t>Tekst omzetten in numerieke data.</a:t>
+            </a:r>
+          </a:p>
+          <a:p>
+            <a:pPr marL="0" indent="0">
+              <a:lnSpc>
+                <a:spcPct val="130000"/>
+              </a:lnSpc>
+              <a:spcBef>
+                <a:spcPts val="0"/>
+              </a:spcBef>
               <a:buNone/>
             </a:pPr>
             <a:endParaRPr lang="nl-NL" sz="2000" dirty="0"/>
@@ -4080,7 +4493,7 @@
 </p:sld>
 </file>
 
-<file path=ppt/slides/slide11.xml><?xml version="1.0" encoding="utf-8"?>
+<file path=ppt/slides/slide13.xml><?xml version="1.0" encoding="utf-8"?>
 <p:sld xmlns:a="http://schemas.openxmlformats.org/drawingml/2006/main" xmlns:r="http://schemas.openxmlformats.org/officeDocument/2006/relationships" xmlns:p="http://schemas.openxmlformats.org/presentationml/2006/main">
   <p:cSld>
     <p:spTree>
@@ -4814,7 +5227,7 @@
     </p:spTree>
     <p:extLst>
       <p:ext uri="{BB962C8B-B14F-4D97-AF65-F5344CB8AC3E}">
-        <p14:creationId xmlns:p14="http://schemas.microsoft.com/office/powerpoint/2010/main" val="2418042807"/>
+        <p14:creationId xmlns:p14="http://schemas.microsoft.com/office/powerpoint/2010/main" val="2294542370"/>
       </p:ext>
     </p:extLst>
   </p:cSld>
@@ -4824,7 +5237,7 @@
 </p:sld>
 </file>
 
-<file path=ppt/slides/slide12.xml><?xml version="1.0" encoding="utf-8"?>
+<file path=ppt/slides/slide14.xml><?xml version="1.0" encoding="utf-8"?>
 <p:sld xmlns:a="http://schemas.openxmlformats.org/drawingml/2006/main" xmlns:r="http://schemas.openxmlformats.org/officeDocument/2006/relationships" xmlns:p="http://schemas.openxmlformats.org/presentationml/2006/main">
   <p:cSld>
     <p:spTree>
@@ -5201,7 +5614,7 @@
 </p:sld>
 </file>
 
-<file path=ppt/slides/slide13.xml><?xml version="1.0" encoding="utf-8"?>
+<file path=ppt/slides/slide15.xml><?xml version="1.0" encoding="utf-8"?>
 <p:sld xmlns:a="http://schemas.openxmlformats.org/drawingml/2006/main" xmlns:r="http://schemas.openxmlformats.org/officeDocument/2006/relationships" xmlns:p="http://schemas.openxmlformats.org/presentationml/2006/main">
   <p:cSld>
     <p:spTree>
@@ -5817,7 +6230,7 @@
 </p:sld>
 </file>
 
-<file path=ppt/slides/slide14.xml><?xml version="1.0" encoding="utf-8"?>
+<file path=ppt/slides/slide16.xml><?xml version="1.0" encoding="utf-8"?>
 <p:sld xmlns:a="http://schemas.openxmlformats.org/drawingml/2006/main" xmlns:r="http://schemas.openxmlformats.org/officeDocument/2006/relationships" xmlns:p="http://schemas.openxmlformats.org/presentationml/2006/main">
   <p:cSld>
     <p:spTree>
@@ -6591,7 +7004,7 @@
 </p:sld>
 </file>
 
-<file path=ppt/slides/slide15.xml><?xml version="1.0" encoding="utf-8"?>
+<file path=ppt/slides/slide17.xml><?xml version="1.0" encoding="utf-8"?>
 <p:sld xmlns:a="http://schemas.openxmlformats.org/drawingml/2006/main" xmlns:r="http://schemas.openxmlformats.org/officeDocument/2006/relationships" xmlns:p="http://schemas.openxmlformats.org/presentationml/2006/main">
   <p:cSld>
     <p:spTree>
@@ -6610,6 +7023,928 @@
       </p:grpSpPr>
       <p:sp>
         <p:nvSpPr>
+          <p:cNvPr id="2" name="Title 1">
+            <a:extLst>
+              <a:ext uri="{FF2B5EF4-FFF2-40B4-BE49-F238E27FC236}">
+                <a16:creationId xmlns:a16="http://schemas.microsoft.com/office/drawing/2014/main" id="{39A1D606-8DD1-369C-5C09-471CDD551AD5}"/>
+              </a:ext>
+            </a:extLst>
+          </p:cNvPr>
+          <p:cNvSpPr>
+            <a:spLocks noGrp="1"/>
+          </p:cNvSpPr>
+          <p:nvPr>
+            <p:ph type="title"/>
+          </p:nvPr>
+        </p:nvSpPr>
+        <p:spPr>
+          <a:xfrm>
+            <a:off x="838200" y="365126"/>
+            <a:ext cx="10515600" cy="718608"/>
+          </a:xfrm>
+        </p:spPr>
+        <p:txBody>
+          <a:bodyPr>
+            <a:normAutofit/>
+          </a:bodyPr>
+          <a:lstStyle/>
+          <a:p>
+            <a:r>
+              <a:rPr lang="nl-NL" sz="3600" noProof="0" dirty="0"/>
+              <a:t>Modules in </a:t>
+            </a:r>
+            <a:r>
+              <a:rPr lang="nl-NL" sz="3600" noProof="0" dirty="0" err="1"/>
+              <a:t>scikit-learn</a:t>
+            </a:r>
+            <a:endParaRPr lang="nl-NL" sz="3600" noProof="0" dirty="0"/>
+          </a:p>
+        </p:txBody>
+      </p:sp>
+      <p:sp>
+        <p:nvSpPr>
+          <p:cNvPr id="4" name="TextBox 3">
+            <a:extLst>
+              <a:ext uri="{FF2B5EF4-FFF2-40B4-BE49-F238E27FC236}">
+                <a16:creationId xmlns:a16="http://schemas.microsoft.com/office/drawing/2014/main" id="{B47EA95A-6DDD-ED89-357A-943A5BC87A94}"/>
+              </a:ext>
+            </a:extLst>
+          </p:cNvPr>
+          <p:cNvSpPr txBox="1"/>
+          <p:nvPr/>
+        </p:nvSpPr>
+        <p:spPr>
+          <a:xfrm>
+            <a:off x="6555232" y="2530561"/>
+            <a:ext cx="184731" cy="369332"/>
+          </a:xfrm>
+          <a:prstGeom prst="rect">
+            <a:avLst/>
+          </a:prstGeom>
+          <a:noFill/>
+        </p:spPr>
+        <p:txBody>
+          <a:bodyPr wrap="none" rtlCol="0">
+            <a:spAutoFit/>
+          </a:bodyPr>
+          <a:lstStyle/>
+          <a:p>
+            <a:endParaRPr lang="en-NL" dirty="0"/>
+          </a:p>
+        </p:txBody>
+      </p:sp>
+      <p:sp>
+        <p:nvSpPr>
+          <p:cNvPr id="3" name="Rectangle 2">
+            <a:extLst>
+              <a:ext uri="{FF2B5EF4-FFF2-40B4-BE49-F238E27FC236}">
+                <a16:creationId xmlns:a16="http://schemas.microsoft.com/office/drawing/2014/main" id="{6022DA1A-13D9-F357-3CBD-600CDB414D0D}"/>
+              </a:ext>
+            </a:extLst>
+          </p:cNvPr>
+          <p:cNvSpPr/>
+          <p:nvPr/>
+        </p:nvSpPr>
+        <p:spPr>
+          <a:xfrm>
+            <a:off x="838200" y="1698170"/>
+            <a:ext cx="3224350" cy="4611189"/>
+          </a:xfrm>
+          <a:prstGeom prst="rect">
+            <a:avLst/>
+          </a:prstGeom>
+          <a:solidFill>
+            <a:schemeClr val="bg1">
+              <a:lumMod val="95000"/>
+            </a:schemeClr>
+          </a:solidFill>
+          <a:ln>
+            <a:solidFill>
+              <a:schemeClr val="tx1">
+                <a:lumMod val="95000"/>
+                <a:lumOff val="5000"/>
+              </a:schemeClr>
+            </a:solidFill>
+          </a:ln>
+        </p:spPr>
+        <p:style>
+          <a:lnRef idx="1">
+            <a:schemeClr val="accent6"/>
+          </a:lnRef>
+          <a:fillRef idx="2">
+            <a:schemeClr val="accent6"/>
+          </a:fillRef>
+          <a:effectRef idx="1">
+            <a:schemeClr val="accent6"/>
+          </a:effectRef>
+          <a:fontRef idx="minor">
+            <a:schemeClr val="dk1"/>
+          </a:fontRef>
+        </p:style>
+        <p:txBody>
+          <a:bodyPr lIns="180000" tIns="180000" rIns="180000" bIns="180000" rtlCol="0" anchor="t"/>
+          <a:lstStyle/>
+          <a:p>
+            <a:r>
+              <a:rPr lang="en-US" b="1" dirty="0" err="1"/>
+              <a:t>sklearn.impute</a:t>
+            </a:r>
+            <a:endParaRPr lang="en-US" b="1" dirty="0"/>
+          </a:p>
+          <a:p>
+            <a:r>
+              <a:rPr lang="en-US" dirty="0" err="1"/>
+              <a:t>Invullen</a:t>
+            </a:r>
+            <a:r>
+              <a:rPr lang="en-US" dirty="0"/>
+              <a:t> van </a:t>
+            </a:r>
+            <a:r>
+              <a:rPr lang="en-US" dirty="0" err="1"/>
+              <a:t>ontbrekende</a:t>
+            </a:r>
+            <a:r>
+              <a:rPr lang="en-US" dirty="0"/>
+              <a:t> </a:t>
+            </a:r>
+            <a:r>
+              <a:rPr lang="en-US" dirty="0" err="1"/>
+              <a:t>waardes</a:t>
+            </a:r>
+            <a:r>
+              <a:rPr lang="en-US" dirty="0"/>
+              <a:t>.</a:t>
+            </a:r>
+          </a:p>
+          <a:p>
+            <a:endParaRPr lang="en-US" dirty="0"/>
+          </a:p>
+          <a:p>
+            <a:endParaRPr lang="en-US" b="1" dirty="0"/>
+          </a:p>
+          <a:p>
+            <a:r>
+              <a:rPr lang="en-US" b="1" dirty="0" err="1"/>
+              <a:t>Voorbeelden</a:t>
+            </a:r>
+            <a:r>
+              <a:rPr lang="en-US" b="1" dirty="0"/>
+              <a:t>:</a:t>
+            </a:r>
+          </a:p>
+          <a:p>
+            <a:r>
+              <a:rPr lang="nl-NL" noProof="0" dirty="0">
+                <a:latin typeface="Courier New" panose="02070309020205020404" pitchFamily="49" charset="0"/>
+                <a:cs typeface="Courier New" panose="02070309020205020404" pitchFamily="49" charset="0"/>
+              </a:rPr>
+              <a:t>S</a:t>
+            </a:r>
+            <a:r>
+              <a:rPr lang="nl-NL" dirty="0" err="1">
+                <a:latin typeface="Courier New" panose="02070309020205020404" pitchFamily="49" charset="0"/>
+                <a:cs typeface="Courier New" panose="02070309020205020404" pitchFamily="49" charset="0"/>
+              </a:rPr>
+              <a:t>impleImputer</a:t>
+            </a:r>
+            <a:endParaRPr lang="nl-NL" dirty="0">
+              <a:latin typeface="Courier New" panose="02070309020205020404" pitchFamily="49" charset="0"/>
+              <a:cs typeface="Courier New" panose="02070309020205020404" pitchFamily="49" charset="0"/>
+            </a:endParaRPr>
+          </a:p>
+          <a:p>
+            <a:r>
+              <a:rPr lang="nl-NL" dirty="0" err="1">
+                <a:latin typeface="Courier New" panose="02070309020205020404" pitchFamily="49" charset="0"/>
+                <a:cs typeface="Courier New" panose="02070309020205020404" pitchFamily="49" charset="0"/>
+              </a:rPr>
+              <a:t>KNNImputer</a:t>
+            </a:r>
+            <a:endParaRPr lang="nl-NL" dirty="0">
+              <a:latin typeface="Courier New" panose="02070309020205020404" pitchFamily="49" charset="0"/>
+              <a:cs typeface="Courier New" panose="02070309020205020404" pitchFamily="49" charset="0"/>
+            </a:endParaRPr>
+          </a:p>
+          <a:p>
+            <a:endParaRPr lang="en-US" dirty="0"/>
+          </a:p>
+          <a:p>
+            <a:endParaRPr lang="en-NL" dirty="0"/>
+          </a:p>
+        </p:txBody>
+      </p:sp>
+      <p:sp>
+        <p:nvSpPr>
+          <p:cNvPr id="6" name="Rectangle 5">
+            <a:extLst>
+              <a:ext uri="{FF2B5EF4-FFF2-40B4-BE49-F238E27FC236}">
+                <a16:creationId xmlns:a16="http://schemas.microsoft.com/office/drawing/2014/main" id="{2AD4811C-ADA0-FE20-68F3-AFDF14D921AA}"/>
+              </a:ext>
+            </a:extLst>
+          </p:cNvPr>
+          <p:cNvSpPr/>
+          <p:nvPr/>
+        </p:nvSpPr>
+        <p:spPr>
+          <a:xfrm>
+            <a:off x="4483826" y="1698169"/>
+            <a:ext cx="3224350" cy="4611189"/>
+          </a:xfrm>
+          <a:prstGeom prst="rect">
+            <a:avLst/>
+          </a:prstGeom>
+          <a:solidFill>
+            <a:schemeClr val="bg1">
+              <a:lumMod val="95000"/>
+            </a:schemeClr>
+          </a:solidFill>
+          <a:ln>
+            <a:solidFill>
+              <a:schemeClr val="tx1">
+                <a:lumMod val="95000"/>
+                <a:lumOff val="5000"/>
+              </a:schemeClr>
+            </a:solidFill>
+          </a:ln>
+        </p:spPr>
+        <p:style>
+          <a:lnRef idx="1">
+            <a:schemeClr val="accent4"/>
+          </a:lnRef>
+          <a:fillRef idx="2">
+            <a:schemeClr val="accent4"/>
+          </a:fillRef>
+          <a:effectRef idx="1">
+            <a:schemeClr val="accent4"/>
+          </a:effectRef>
+          <a:fontRef idx="minor">
+            <a:schemeClr val="dk1"/>
+          </a:fontRef>
+        </p:style>
+        <p:txBody>
+          <a:bodyPr lIns="180000" tIns="180000" rIns="180000" bIns="180000" rtlCol="0" anchor="t"/>
+          <a:lstStyle/>
+          <a:p>
+            <a:r>
+              <a:rPr lang="en-US" b="1" dirty="0" err="1"/>
+              <a:t>sklearn.preprocessing</a:t>
+            </a:r>
+            <a:endParaRPr lang="en-US" b="1" dirty="0"/>
+          </a:p>
+          <a:p>
+            <a:pPr marL="0" indent="0">
+              <a:buNone/>
+            </a:pPr>
+            <a:r>
+              <a:rPr lang="nl-NL" sz="1800" noProof="0" dirty="0"/>
+              <a:t>Categorische en numerieke transformaties.</a:t>
+            </a:r>
+          </a:p>
+          <a:p>
+            <a:endParaRPr lang="en-US" dirty="0"/>
+          </a:p>
+          <a:p>
+            <a:endParaRPr lang="en-US" b="1" dirty="0"/>
+          </a:p>
+          <a:p>
+            <a:r>
+              <a:rPr lang="en-US" b="1" dirty="0" err="1"/>
+              <a:t>Categorisch</a:t>
+            </a:r>
+            <a:r>
+              <a:rPr lang="en-US" b="1" dirty="0"/>
+              <a:t>:</a:t>
+            </a:r>
+          </a:p>
+          <a:p>
+            <a:pPr marL="0" indent="0">
+              <a:buNone/>
+            </a:pPr>
+            <a:r>
+              <a:rPr lang="nl-NL" sz="1800" dirty="0" err="1">
+                <a:latin typeface="Courier New" panose="02070309020205020404" pitchFamily="49" charset="0"/>
+                <a:cs typeface="Courier New" panose="02070309020205020404" pitchFamily="49" charset="0"/>
+              </a:rPr>
+              <a:t>OneHotEncoder</a:t>
+            </a:r>
+            <a:endParaRPr lang="nl-NL" sz="1800" dirty="0">
+              <a:latin typeface="Courier New" panose="02070309020205020404" pitchFamily="49" charset="0"/>
+              <a:cs typeface="Courier New" panose="02070309020205020404" pitchFamily="49" charset="0"/>
+            </a:endParaRPr>
+          </a:p>
+          <a:p>
+            <a:pPr marL="0" indent="0">
+              <a:buNone/>
+            </a:pPr>
+            <a:r>
+              <a:rPr lang="nl-NL" sz="1800" dirty="0" err="1">
+                <a:latin typeface="Courier New" panose="02070309020205020404" pitchFamily="49" charset="0"/>
+                <a:cs typeface="Courier New" panose="02070309020205020404" pitchFamily="49" charset="0"/>
+              </a:rPr>
+              <a:t>LabelEncoder</a:t>
+            </a:r>
+            <a:endParaRPr lang="nl-NL" sz="1800" dirty="0">
+              <a:latin typeface="Courier New" panose="02070309020205020404" pitchFamily="49" charset="0"/>
+              <a:cs typeface="Courier New" panose="02070309020205020404" pitchFamily="49" charset="0"/>
+            </a:endParaRPr>
+          </a:p>
+          <a:p>
+            <a:r>
+              <a:rPr lang="nl-NL" dirty="0" err="1">
+                <a:latin typeface="Courier New" panose="02070309020205020404" pitchFamily="49" charset="0"/>
+                <a:cs typeface="Courier New" panose="02070309020205020404" pitchFamily="49" charset="0"/>
+              </a:rPr>
+              <a:t>OrdinalEncoder</a:t>
+            </a:r>
+            <a:endParaRPr lang="nl-NL" dirty="0">
+              <a:latin typeface="Courier New" panose="02070309020205020404" pitchFamily="49" charset="0"/>
+              <a:cs typeface="Courier New" panose="02070309020205020404" pitchFamily="49" charset="0"/>
+            </a:endParaRPr>
+          </a:p>
+          <a:p>
+            <a:endParaRPr lang="nl-NL" dirty="0"/>
+          </a:p>
+          <a:p>
+            <a:r>
+              <a:rPr lang="nl-NL" sz="1800" b="1" dirty="0"/>
+              <a:t>Numeriek:</a:t>
+            </a:r>
+          </a:p>
+          <a:p>
+            <a:r>
+              <a:rPr lang="nl-NL" sz="1800" noProof="0" dirty="0" err="1">
+                <a:latin typeface="Courier New" panose="02070309020205020404" pitchFamily="49" charset="0"/>
+                <a:cs typeface="Courier New" panose="02070309020205020404" pitchFamily="49" charset="0"/>
+              </a:rPr>
+              <a:t>Standa</a:t>
+            </a:r>
+            <a:r>
+              <a:rPr lang="nl-NL" sz="1800" dirty="0" err="1">
+                <a:latin typeface="Courier New" panose="02070309020205020404" pitchFamily="49" charset="0"/>
+                <a:cs typeface="Courier New" panose="02070309020205020404" pitchFamily="49" charset="0"/>
+              </a:rPr>
+              <a:t>rdScaler</a:t>
+            </a:r>
+            <a:endParaRPr lang="nl-NL" sz="1800" dirty="0">
+              <a:latin typeface="Courier New" panose="02070309020205020404" pitchFamily="49" charset="0"/>
+              <a:cs typeface="Courier New" panose="02070309020205020404" pitchFamily="49" charset="0"/>
+            </a:endParaRPr>
+          </a:p>
+          <a:p>
+            <a:r>
+              <a:rPr lang="nl-NL" sz="1800" dirty="0" err="1">
+                <a:latin typeface="Courier New" panose="02070309020205020404" pitchFamily="49" charset="0"/>
+                <a:cs typeface="Courier New" panose="02070309020205020404" pitchFamily="49" charset="0"/>
+              </a:rPr>
+              <a:t>MinMaxScaler</a:t>
+            </a:r>
+            <a:r>
+              <a:rPr lang="nl-NL" sz="1800" dirty="0">
+                <a:latin typeface="Courier New" panose="02070309020205020404" pitchFamily="49" charset="0"/>
+                <a:cs typeface="Courier New" panose="02070309020205020404" pitchFamily="49" charset="0"/>
+              </a:rPr>
+              <a:t> </a:t>
+            </a:r>
+            <a:r>
+              <a:rPr lang="nl-NL" sz="1800" dirty="0" err="1">
+                <a:latin typeface="Courier New" panose="02070309020205020404" pitchFamily="49" charset="0"/>
+                <a:cs typeface="Courier New" panose="02070309020205020404" pitchFamily="49" charset="0"/>
+              </a:rPr>
+              <a:t>QuantileTransformer</a:t>
+            </a:r>
+            <a:endParaRPr lang="nl-NL" dirty="0">
+              <a:latin typeface="Courier New" panose="02070309020205020404" pitchFamily="49" charset="0"/>
+              <a:cs typeface="Courier New" panose="02070309020205020404" pitchFamily="49" charset="0"/>
+            </a:endParaRPr>
+          </a:p>
+          <a:p>
+            <a:r>
+              <a:rPr lang="nl-NL" sz="1800" dirty="0" err="1">
+                <a:latin typeface="Courier New" panose="02070309020205020404" pitchFamily="49" charset="0"/>
+                <a:cs typeface="Courier New" panose="02070309020205020404" pitchFamily="49" charset="0"/>
+              </a:rPr>
+              <a:t>PolynomialFeatures</a:t>
+            </a:r>
+            <a:endParaRPr lang="nl-NL" sz="1800" dirty="0">
+              <a:latin typeface="Courier New" panose="02070309020205020404" pitchFamily="49" charset="0"/>
+              <a:cs typeface="Courier New" panose="02070309020205020404" pitchFamily="49" charset="0"/>
+            </a:endParaRPr>
+          </a:p>
+          <a:p>
+            <a:endParaRPr lang="en-US" dirty="0"/>
+          </a:p>
+          <a:p>
+            <a:endParaRPr lang="en-NL" dirty="0"/>
+          </a:p>
+        </p:txBody>
+      </p:sp>
+      <p:sp>
+        <p:nvSpPr>
+          <p:cNvPr id="7" name="Rectangle 6">
+            <a:extLst>
+              <a:ext uri="{FF2B5EF4-FFF2-40B4-BE49-F238E27FC236}">
+                <a16:creationId xmlns:a16="http://schemas.microsoft.com/office/drawing/2014/main" id="{90828567-5FC3-B5C8-044F-DEBA0A1A7DF0}"/>
+              </a:ext>
+            </a:extLst>
+          </p:cNvPr>
+          <p:cNvSpPr/>
+          <p:nvPr/>
+        </p:nvSpPr>
+        <p:spPr>
+          <a:xfrm>
+            <a:off x="8129450" y="1698169"/>
+            <a:ext cx="3224350" cy="4611189"/>
+          </a:xfrm>
+          <a:prstGeom prst="rect">
+            <a:avLst/>
+          </a:prstGeom>
+          <a:solidFill>
+            <a:schemeClr val="bg1">
+              <a:lumMod val="95000"/>
+            </a:schemeClr>
+          </a:solidFill>
+          <a:ln>
+            <a:solidFill>
+              <a:schemeClr val="tx1">
+                <a:lumMod val="95000"/>
+                <a:lumOff val="5000"/>
+              </a:schemeClr>
+            </a:solidFill>
+          </a:ln>
+        </p:spPr>
+        <p:style>
+          <a:lnRef idx="1">
+            <a:schemeClr val="accent5"/>
+          </a:lnRef>
+          <a:fillRef idx="2">
+            <a:schemeClr val="accent5"/>
+          </a:fillRef>
+          <a:effectRef idx="1">
+            <a:schemeClr val="accent5"/>
+          </a:effectRef>
+          <a:fontRef idx="minor">
+            <a:schemeClr val="dk1"/>
+          </a:fontRef>
+        </p:style>
+        <p:txBody>
+          <a:bodyPr lIns="180000" tIns="180000" rIns="180000" bIns="180000" rtlCol="0" anchor="t"/>
+          <a:lstStyle/>
+          <a:p>
+            <a:r>
+              <a:rPr lang="en-US" b="1" dirty="0" err="1"/>
+              <a:t>sklearn.feature_extraction</a:t>
+            </a:r>
+            <a:endParaRPr lang="en-US" b="1" dirty="0"/>
+          </a:p>
+          <a:p>
+            <a:pPr marL="0" indent="0">
+              <a:buNone/>
+            </a:pPr>
+            <a:r>
+              <a:rPr lang="nl-NL" sz="1800" noProof="0" dirty="0"/>
+              <a:t>Omzetten ongestructureerde (tekst) data.</a:t>
+            </a:r>
+          </a:p>
+          <a:p>
+            <a:endParaRPr lang="en-US" dirty="0"/>
+          </a:p>
+          <a:p>
+            <a:endParaRPr lang="en-US" b="1" dirty="0"/>
+          </a:p>
+          <a:p>
+            <a:r>
+              <a:rPr lang="en-US" b="1" dirty="0" err="1"/>
+              <a:t>Voorbeelden</a:t>
+            </a:r>
+            <a:r>
+              <a:rPr lang="en-US" b="1" dirty="0"/>
+              <a:t>:</a:t>
+            </a:r>
+          </a:p>
+          <a:p>
+            <a:pPr marL="0" indent="0">
+              <a:buNone/>
+            </a:pPr>
+            <a:r>
+              <a:rPr lang="nl-NL" sz="1800" dirty="0" err="1">
+                <a:latin typeface="Courier New" panose="02070309020205020404" pitchFamily="49" charset="0"/>
+                <a:cs typeface="Courier New" panose="02070309020205020404" pitchFamily="49" charset="0"/>
+              </a:rPr>
+              <a:t>CountVectorizer</a:t>
+            </a:r>
+            <a:endParaRPr lang="nl-NL" dirty="0">
+              <a:latin typeface="Courier New" panose="02070309020205020404" pitchFamily="49" charset="0"/>
+              <a:cs typeface="Courier New" panose="02070309020205020404" pitchFamily="49" charset="0"/>
+            </a:endParaRPr>
+          </a:p>
+          <a:p>
+            <a:pPr marL="0" indent="0">
+              <a:buNone/>
+            </a:pPr>
+            <a:r>
+              <a:rPr lang="nl-NL" sz="1800" dirty="0" err="1">
+                <a:latin typeface="Courier New" panose="02070309020205020404" pitchFamily="49" charset="0"/>
+                <a:cs typeface="Courier New" panose="02070309020205020404" pitchFamily="49" charset="0"/>
+              </a:rPr>
+              <a:t>TfidfVectorizer</a:t>
+            </a:r>
+            <a:endParaRPr lang="en-US" dirty="0">
+              <a:latin typeface="Courier New" panose="02070309020205020404" pitchFamily="49" charset="0"/>
+              <a:cs typeface="Courier New" panose="02070309020205020404" pitchFamily="49" charset="0"/>
+            </a:endParaRPr>
+          </a:p>
+          <a:p>
+            <a:endParaRPr lang="en-NL" dirty="0"/>
+          </a:p>
+        </p:txBody>
+      </p:sp>
+    </p:spTree>
+    <p:extLst>
+      <p:ext uri="{BB962C8B-B14F-4D97-AF65-F5344CB8AC3E}">
+        <p14:creationId xmlns:p14="http://schemas.microsoft.com/office/powerpoint/2010/main" val="2751034910"/>
+      </p:ext>
+    </p:extLst>
+  </p:cSld>
+  <p:clrMapOvr>
+    <a:masterClrMapping/>
+  </p:clrMapOvr>
+</p:sld>
+</file>
+
+<file path=ppt/slides/slide18.xml><?xml version="1.0" encoding="utf-8"?>
+<p:sld xmlns:a="http://schemas.openxmlformats.org/drawingml/2006/main" xmlns:r="http://schemas.openxmlformats.org/officeDocument/2006/relationships" xmlns:p="http://schemas.openxmlformats.org/presentationml/2006/main">
+  <p:cSld>
+    <p:spTree>
+      <p:nvGrpSpPr>
+        <p:cNvPr id="1" name=""/>
+        <p:cNvGrpSpPr/>
+        <p:nvPr/>
+      </p:nvGrpSpPr>
+      <p:grpSpPr>
+        <a:xfrm>
+          <a:off x="0" y="0"/>
+          <a:ext cx="0" cy="0"/>
+          <a:chOff x="0" y="0"/>
+          <a:chExt cx="0" cy="0"/>
+        </a:xfrm>
+      </p:grpSpPr>
+      <p:sp>
+        <p:nvSpPr>
+          <p:cNvPr id="2" name="Title 1">
+            <a:extLst>
+              <a:ext uri="{FF2B5EF4-FFF2-40B4-BE49-F238E27FC236}">
+                <a16:creationId xmlns:a16="http://schemas.microsoft.com/office/drawing/2014/main" id="{39A1D606-8DD1-369C-5C09-471CDD551AD5}"/>
+              </a:ext>
+            </a:extLst>
+          </p:cNvPr>
+          <p:cNvSpPr>
+            <a:spLocks noGrp="1"/>
+          </p:cNvSpPr>
+          <p:nvPr>
+            <p:ph type="title"/>
+          </p:nvPr>
+        </p:nvSpPr>
+        <p:spPr>
+          <a:xfrm>
+            <a:off x="838200" y="365126"/>
+            <a:ext cx="10515600" cy="718608"/>
+          </a:xfrm>
+        </p:spPr>
+        <p:txBody>
+          <a:bodyPr>
+            <a:normAutofit/>
+          </a:bodyPr>
+          <a:lstStyle/>
+          <a:p>
+            <a:r>
+              <a:rPr lang="nl-NL" sz="3600" noProof="0" dirty="0"/>
+              <a:t>Oefeningen II</a:t>
+            </a:r>
+          </a:p>
+        </p:txBody>
+      </p:sp>
+      <p:sp>
+        <p:nvSpPr>
+          <p:cNvPr id="3" name="Content Placeholder 2">
+            <a:extLst>
+              <a:ext uri="{FF2B5EF4-FFF2-40B4-BE49-F238E27FC236}">
+                <a16:creationId xmlns:a16="http://schemas.microsoft.com/office/drawing/2014/main" id="{F4C2D286-E049-0AAB-1360-B7157E11AD7E}"/>
+              </a:ext>
+            </a:extLst>
+          </p:cNvPr>
+          <p:cNvSpPr>
+            <a:spLocks noGrp="1"/>
+          </p:cNvSpPr>
+          <p:nvPr>
+            <p:ph idx="1"/>
+          </p:nvPr>
+        </p:nvSpPr>
+        <p:spPr>
+          <a:xfrm>
+            <a:off x="838200" y="1456267"/>
+            <a:ext cx="10375900" cy="4720696"/>
+          </a:xfrm>
+        </p:spPr>
+        <p:txBody>
+          <a:bodyPr>
+            <a:normAutofit/>
+          </a:bodyPr>
+          <a:lstStyle/>
+          <a:p>
+            <a:pPr marL="457200" indent="-457200">
+              <a:buFont typeface="Arial" panose="020B0604020202020204" pitchFamily="34" charset="0"/>
+              <a:buAutoNum type="arabicPeriod"/>
+            </a:pPr>
+            <a:r>
+              <a:rPr lang="nl-NL" sz="2000" dirty="0"/>
+              <a:t>Open Notebook: </a:t>
+            </a:r>
+            <a:r>
+              <a:rPr lang="nl-NL" sz="2000" dirty="0" err="1">
+                <a:latin typeface="Courier New" panose="02070309020205020404" pitchFamily="49" charset="0"/>
+                <a:cs typeface="Courier New" panose="02070309020205020404" pitchFamily="49" charset="0"/>
+              </a:rPr>
+              <a:t>exercises</a:t>
+            </a:r>
+            <a:r>
+              <a:rPr lang="nl-NL" sz="2000" dirty="0">
+                <a:latin typeface="Courier New" panose="02070309020205020404" pitchFamily="49" charset="0"/>
+                <a:cs typeface="Courier New" panose="02070309020205020404" pitchFamily="49" charset="0"/>
+              </a:rPr>
+              <a:t>/2_preparation.ipynb</a:t>
+            </a:r>
+          </a:p>
+          <a:p>
+            <a:pPr marL="457200" indent="-457200">
+              <a:buAutoNum type="arabicPeriod"/>
+            </a:pPr>
+            <a:endParaRPr lang="nl-NL" sz="2000" dirty="0"/>
+          </a:p>
+          <a:p>
+            <a:pPr marL="457200" indent="-457200">
+              <a:buFont typeface="Arial" panose="020B0604020202020204" pitchFamily="34" charset="0"/>
+              <a:buAutoNum type="arabicPeriod"/>
+            </a:pPr>
+            <a:r>
+              <a:rPr lang="nl-NL" sz="2000" dirty="0"/>
+              <a:t>Maak dummy variabelen met een </a:t>
+            </a:r>
+            <a:r>
+              <a:rPr lang="nl-NL" sz="2000" dirty="0" err="1"/>
+              <a:t>OneHotEncoder</a:t>
+            </a:r>
+            <a:r>
+              <a:rPr lang="nl-NL" sz="2000" dirty="0"/>
+              <a:t>.</a:t>
+            </a:r>
+          </a:p>
+          <a:p>
+            <a:pPr lvl="1"/>
+            <a:r>
+              <a:rPr lang="nl-NL" sz="1600" dirty="0"/>
+              <a:t>Pas de encoder toe op de </a:t>
+            </a:r>
+            <a:r>
+              <a:rPr lang="nl-NL" sz="1600" dirty="0">
+                <a:latin typeface="Courier New" panose="02070309020205020404" pitchFamily="49" charset="0"/>
+                <a:cs typeface="Courier New" panose="02070309020205020404" pitchFamily="49" charset="0"/>
+              </a:rPr>
+              <a:t>job</a:t>
+            </a:r>
+            <a:r>
+              <a:rPr lang="nl-NL" sz="1600" dirty="0"/>
+              <a:t> kolom uit de data.</a:t>
+            </a:r>
+          </a:p>
+          <a:p>
+            <a:pPr lvl="1"/>
+            <a:r>
+              <a:rPr lang="nl-NL" sz="1600" dirty="0"/>
+              <a:t>Welke variabelen worden aangemaakt door de encoder?</a:t>
+            </a:r>
+          </a:p>
+          <a:p>
+            <a:pPr marL="0" indent="0">
+              <a:buNone/>
+            </a:pPr>
+            <a:endParaRPr lang="nl-NL" sz="2000" dirty="0"/>
+          </a:p>
+          <a:p>
+            <a:pPr marL="457200" indent="-457200">
+              <a:buAutoNum type="arabicPeriod" startAt="3"/>
+            </a:pPr>
+            <a:r>
+              <a:rPr lang="nl-NL" sz="2000" noProof="0" dirty="0"/>
+              <a:t>Gebruik een </a:t>
+            </a:r>
+            <a:r>
+              <a:rPr lang="nl-NL" sz="2000" noProof="0" dirty="0" err="1">
+                <a:latin typeface="Courier New" panose="02070309020205020404" pitchFamily="49" charset="0"/>
+                <a:cs typeface="Courier New" panose="02070309020205020404" pitchFamily="49" charset="0"/>
+              </a:rPr>
+              <a:t>ColumnTransformer</a:t>
+            </a:r>
+            <a:r>
+              <a:rPr lang="nl-NL" sz="2000" noProof="0" dirty="0"/>
+              <a:t> voor:</a:t>
+            </a:r>
+          </a:p>
+          <a:p>
+            <a:pPr lvl="1"/>
+            <a:r>
+              <a:rPr lang="nl-NL" sz="1600" dirty="0"/>
+              <a:t>Pas op </a:t>
+            </a:r>
+            <a:r>
+              <a:rPr lang="nl-NL" sz="1600" u="sng" dirty="0"/>
+              <a:t>categorische</a:t>
+            </a:r>
+            <a:r>
+              <a:rPr lang="nl-NL" sz="1600" dirty="0"/>
+              <a:t> kolommen een </a:t>
+            </a:r>
+            <a:r>
+              <a:rPr lang="nl-NL" sz="1600" dirty="0" err="1">
+                <a:latin typeface="Courier New" panose="02070309020205020404" pitchFamily="49" charset="0"/>
+                <a:cs typeface="Courier New" panose="02070309020205020404" pitchFamily="49" charset="0"/>
+              </a:rPr>
+              <a:t>OneHotEncoder</a:t>
+            </a:r>
+            <a:r>
+              <a:rPr lang="nl-NL" sz="1600" dirty="0"/>
+              <a:t> toe.</a:t>
+            </a:r>
+          </a:p>
+          <a:p>
+            <a:pPr lvl="1"/>
+            <a:r>
+              <a:rPr lang="nl-NL" sz="1600" noProof="0" dirty="0"/>
+              <a:t>Pas op </a:t>
+            </a:r>
+            <a:r>
+              <a:rPr lang="nl-NL" sz="1600" u="sng" noProof="0" dirty="0"/>
+              <a:t>numerieke</a:t>
+            </a:r>
+            <a:r>
+              <a:rPr lang="nl-NL" sz="1600" noProof="0" dirty="0"/>
+              <a:t> kolommen een </a:t>
+            </a:r>
+            <a:r>
+              <a:rPr lang="nl-NL" sz="1600" noProof="0" dirty="0" err="1">
+                <a:latin typeface="Courier New" panose="02070309020205020404" pitchFamily="49" charset="0"/>
+                <a:cs typeface="Courier New" panose="02070309020205020404" pitchFamily="49" charset="0"/>
+              </a:rPr>
+              <a:t>StandardScaler</a:t>
+            </a:r>
+            <a:r>
+              <a:rPr lang="nl-NL" sz="1600" noProof="0" dirty="0"/>
+              <a:t> toe.</a:t>
+            </a:r>
+          </a:p>
+          <a:p>
+            <a:pPr marL="457200" indent="-457200">
+              <a:buAutoNum type="arabicPeriod" startAt="3"/>
+            </a:pPr>
+            <a:endParaRPr lang="nl-NL" sz="2000" dirty="0"/>
+          </a:p>
+          <a:p>
+            <a:pPr marL="457200" indent="-457200">
+              <a:buAutoNum type="arabicPeriod" startAt="3"/>
+            </a:pPr>
+            <a:r>
+              <a:rPr lang="nl-NL" sz="2000" noProof="0" dirty="0"/>
+              <a:t>Schrijf een </a:t>
+            </a:r>
+            <a:r>
+              <a:rPr lang="nl-NL" sz="2000" noProof="0" dirty="0" err="1"/>
+              <a:t>Transformer</a:t>
+            </a:r>
+            <a:r>
+              <a:rPr lang="nl-NL" sz="2000" noProof="0" dirty="0"/>
+              <a:t> om data te "</a:t>
+            </a:r>
+            <a:r>
+              <a:rPr lang="nl-NL" sz="2000" dirty="0" err="1"/>
+              <a:t>Winsorizen</a:t>
+            </a:r>
+            <a:r>
+              <a:rPr lang="nl-NL" sz="2000" dirty="0"/>
+              <a:t>"</a:t>
+            </a:r>
+            <a:r>
+              <a:rPr lang="nl-NL" sz="2000" noProof="0" dirty="0"/>
+              <a:t>.</a:t>
+            </a:r>
+          </a:p>
+          <a:p>
+            <a:pPr lvl="1"/>
+            <a:r>
+              <a:rPr lang="nl-NL" sz="1600" noProof="0" dirty="0"/>
+              <a:t>Gebruik </a:t>
+            </a:r>
+            <a:r>
+              <a:rPr lang="nl-NL" sz="1600" noProof="0" dirty="0">
+                <a:latin typeface="Courier New" panose="02070309020205020404" pitchFamily="49" charset="0"/>
+                <a:cs typeface="Courier New" panose="02070309020205020404" pitchFamily="49" charset="0"/>
+              </a:rPr>
+              <a:t>clip()</a:t>
+            </a:r>
+            <a:r>
+              <a:rPr lang="nl-NL" sz="1600" noProof="0" dirty="0"/>
+              <a:t> voor het verplaatsen van extreme waardes.</a:t>
+            </a:r>
+          </a:p>
+          <a:p>
+            <a:pPr lvl="1"/>
+            <a:r>
+              <a:rPr lang="nl-NL" sz="1600" noProof="0" dirty="0"/>
+              <a:t>Ga uit van een </a:t>
+            </a:r>
+            <a:r>
+              <a:rPr lang="nl-NL" sz="1600" noProof="0" dirty="0" err="1"/>
+              <a:t>pandas</a:t>
+            </a:r>
+            <a:r>
+              <a:rPr lang="nl-NL" sz="1600" noProof="0" dirty="0"/>
+              <a:t> </a:t>
+            </a:r>
+            <a:r>
+              <a:rPr lang="nl-NL" sz="1600" noProof="0" dirty="0" err="1">
+                <a:latin typeface="Courier New" panose="02070309020205020404" pitchFamily="49" charset="0"/>
+                <a:cs typeface="Courier New" panose="02070309020205020404" pitchFamily="49" charset="0"/>
+              </a:rPr>
+              <a:t>DataFrame</a:t>
+            </a:r>
+            <a:r>
+              <a:rPr lang="nl-NL" sz="1600" noProof="0" dirty="0"/>
+              <a:t> als invoer / uitvoer.</a:t>
+            </a:r>
+          </a:p>
+        </p:txBody>
+      </p:sp>
+      <p:pic>
+        <p:nvPicPr>
+          <p:cNvPr id="4" name="Picture 3">
+            <a:extLst>
+              <a:ext uri="{FF2B5EF4-FFF2-40B4-BE49-F238E27FC236}">
+                <a16:creationId xmlns:a16="http://schemas.microsoft.com/office/drawing/2014/main" id="{31E6CCD8-9BC5-C553-2F9C-65EB1B9FD09A}"/>
+              </a:ext>
+            </a:extLst>
+          </p:cNvPr>
+          <p:cNvPicPr>
+            <a:picLocks noChangeAspect="1"/>
+          </p:cNvPicPr>
+          <p:nvPr/>
+        </p:nvPicPr>
+        <p:blipFill>
+          <a:blip r:embed="rId2"/>
+          <a:stretch>
+            <a:fillRect/>
+          </a:stretch>
+        </p:blipFill>
+        <p:spPr>
+          <a:xfrm>
+            <a:off x="8076790" y="2899953"/>
+            <a:ext cx="3277009" cy="3277009"/>
+          </a:xfrm>
+          <a:prstGeom prst="rect">
+            <a:avLst/>
+          </a:prstGeom>
+        </p:spPr>
+      </p:pic>
+    </p:spTree>
+    <p:extLst>
+      <p:ext uri="{BB962C8B-B14F-4D97-AF65-F5344CB8AC3E}">
+        <p14:creationId xmlns:p14="http://schemas.microsoft.com/office/powerpoint/2010/main" val="706226968"/>
+      </p:ext>
+    </p:extLst>
+  </p:cSld>
+  <p:clrMapOvr>
+    <a:masterClrMapping/>
+  </p:clrMapOvr>
+</p:sld>
+</file>
+
+<file path=ppt/slides/slide19.xml><?xml version="1.0" encoding="utf-8"?>
+<p:sld xmlns:a="http://schemas.openxmlformats.org/drawingml/2006/main" xmlns:r="http://schemas.openxmlformats.org/officeDocument/2006/relationships" xmlns:p="http://schemas.openxmlformats.org/presentationml/2006/main">
+  <p:cSld>
+    <p:spTree>
+      <p:nvGrpSpPr>
+        <p:cNvPr id="1" name=""/>
+        <p:cNvGrpSpPr/>
+        <p:nvPr/>
+      </p:nvGrpSpPr>
+      <p:grpSpPr>
+        <a:xfrm>
+          <a:off x="0" y="0"/>
+          <a:ext cx="0" cy="0"/>
+          <a:chOff x="0" y="0"/>
+          <a:chExt cx="0" cy="0"/>
+        </a:xfrm>
+      </p:grpSpPr>
+      <p:sp>
+        <p:nvSpPr>
           <p:cNvPr id="4" name="Title 3">
             <a:extLst>
               <a:ext uri="{FF2B5EF4-FFF2-40B4-BE49-F238E27FC236}">
@@ -6674,7 +8009,823 @@
 </p:sld>
 </file>
 
-<file path=ppt/slides/slide16.xml><?xml version="1.0" encoding="utf-8"?>
+<file path=ppt/slides/slide2.xml><?xml version="1.0" encoding="utf-8"?>
+<p:sld xmlns:a="http://schemas.openxmlformats.org/drawingml/2006/main" xmlns:r="http://schemas.openxmlformats.org/officeDocument/2006/relationships" xmlns:p="http://schemas.openxmlformats.org/presentationml/2006/main">
+  <p:cSld>
+    <p:spTree>
+      <p:nvGrpSpPr>
+        <p:cNvPr id="1" name=""/>
+        <p:cNvGrpSpPr/>
+        <p:nvPr/>
+      </p:nvGrpSpPr>
+      <p:grpSpPr>
+        <a:xfrm>
+          <a:off x="0" y="0"/>
+          <a:ext cx="0" cy="0"/>
+          <a:chOff x="0" y="0"/>
+          <a:chExt cx="0" cy="0"/>
+        </a:xfrm>
+      </p:grpSpPr>
+      <p:sp>
+        <p:nvSpPr>
+          <p:cNvPr id="2" name="Title 1">
+            <a:extLst>
+              <a:ext uri="{FF2B5EF4-FFF2-40B4-BE49-F238E27FC236}">
+                <a16:creationId xmlns:a16="http://schemas.microsoft.com/office/drawing/2014/main" id="{39A1D606-8DD1-369C-5C09-471CDD551AD5}"/>
+              </a:ext>
+            </a:extLst>
+          </p:cNvPr>
+          <p:cNvSpPr>
+            <a:spLocks noGrp="1"/>
+          </p:cNvSpPr>
+          <p:nvPr>
+            <p:ph type="title"/>
+          </p:nvPr>
+        </p:nvSpPr>
+        <p:spPr>
+          <a:xfrm>
+            <a:off x="838200" y="365126"/>
+            <a:ext cx="10515600" cy="718608"/>
+          </a:xfrm>
+        </p:spPr>
+        <p:txBody>
+          <a:bodyPr>
+            <a:normAutofit/>
+          </a:bodyPr>
+          <a:lstStyle/>
+          <a:p>
+            <a:r>
+              <a:rPr lang="nl-NL" sz="3600" noProof="0" dirty="0"/>
+              <a:t>Agenda</a:t>
+            </a:r>
+          </a:p>
+        </p:txBody>
+      </p:sp>
+      <p:sp>
+        <p:nvSpPr>
+          <p:cNvPr id="3" name="Content Placeholder 2">
+            <a:extLst>
+              <a:ext uri="{FF2B5EF4-FFF2-40B4-BE49-F238E27FC236}">
+                <a16:creationId xmlns:a16="http://schemas.microsoft.com/office/drawing/2014/main" id="{F4C2D286-E049-0AAB-1360-B7157E11AD7E}"/>
+              </a:ext>
+            </a:extLst>
+          </p:cNvPr>
+          <p:cNvSpPr>
+            <a:spLocks noGrp="1"/>
+          </p:cNvSpPr>
+          <p:nvPr>
+            <p:ph idx="1"/>
+          </p:nvPr>
+        </p:nvSpPr>
+        <p:spPr>
+          <a:xfrm>
+            <a:off x="838200" y="1456267"/>
+            <a:ext cx="10515600" cy="4720696"/>
+          </a:xfrm>
+        </p:spPr>
+        <p:txBody>
+          <a:bodyPr>
+            <a:normAutofit/>
+          </a:bodyPr>
+          <a:lstStyle/>
+          <a:p>
+            <a:pPr>
+              <a:spcAft>
+                <a:spcPts val="600"/>
+              </a:spcAft>
+            </a:pPr>
+            <a:r>
+              <a:rPr lang="nl-NL" sz="2000" noProof="0" dirty="0"/>
+              <a:t>Overzicht:</a:t>
+            </a:r>
+          </a:p>
+          <a:p>
+            <a:pPr lvl="1">
+              <a:spcAft>
+                <a:spcPts val="600"/>
+              </a:spcAft>
+            </a:pPr>
+            <a:r>
+              <a:rPr lang="nl-NL" sz="1600" noProof="0" dirty="0"/>
+              <a:t>ML Landschap</a:t>
+            </a:r>
+          </a:p>
+          <a:p>
+            <a:pPr lvl="1">
+              <a:spcAft>
+                <a:spcPts val="600"/>
+              </a:spcAft>
+            </a:pPr>
+            <a:r>
+              <a:rPr lang="nl-NL" sz="1600" noProof="0" dirty="0" err="1"/>
+              <a:t>Scikit-learn</a:t>
+            </a:r>
+            <a:r>
+              <a:rPr lang="nl-NL" sz="1600" noProof="0" dirty="0"/>
+              <a:t> API</a:t>
+            </a:r>
+          </a:p>
+          <a:p>
+            <a:pPr>
+              <a:spcAft>
+                <a:spcPts val="600"/>
+              </a:spcAft>
+            </a:pPr>
+            <a:r>
+              <a:rPr lang="nl-NL" sz="2000" dirty="0"/>
+              <a:t>Basis ML proces:</a:t>
+            </a:r>
+          </a:p>
+          <a:p>
+            <a:pPr lvl="1">
+              <a:spcAft>
+                <a:spcPts val="600"/>
+              </a:spcAft>
+            </a:pPr>
+            <a:r>
+              <a:rPr lang="nl-NL" sz="1600" dirty="0"/>
+              <a:t>Data exploratie</a:t>
+            </a:r>
+          </a:p>
+          <a:p>
+            <a:pPr lvl="1">
+              <a:spcAft>
+                <a:spcPts val="600"/>
+              </a:spcAft>
+            </a:pPr>
+            <a:r>
+              <a:rPr lang="nl-NL" sz="1600" dirty="0"/>
+              <a:t>Data preparatie</a:t>
+            </a:r>
+          </a:p>
+          <a:p>
+            <a:pPr lvl="1">
+              <a:spcAft>
+                <a:spcPts val="600"/>
+              </a:spcAft>
+            </a:pPr>
+            <a:r>
+              <a:rPr lang="nl-NL" sz="1600" dirty="0"/>
+              <a:t>Modelleren</a:t>
+            </a:r>
+          </a:p>
+          <a:p>
+            <a:pPr lvl="1">
+              <a:spcAft>
+                <a:spcPts val="600"/>
+              </a:spcAft>
+            </a:pPr>
+            <a:r>
+              <a:rPr lang="nl-NL" sz="1600" dirty="0"/>
+              <a:t>Validatie</a:t>
+            </a:r>
+          </a:p>
+          <a:p>
+            <a:pPr>
+              <a:spcAft>
+                <a:spcPts val="600"/>
+              </a:spcAft>
+            </a:pPr>
+            <a:r>
+              <a:rPr lang="nl-NL" sz="2000" noProof="0" dirty="0"/>
+              <a:t>Natural Language Processing</a:t>
+            </a:r>
+          </a:p>
+          <a:p>
+            <a:pPr>
+              <a:spcAft>
+                <a:spcPts val="600"/>
+              </a:spcAft>
+            </a:pPr>
+            <a:r>
+              <a:rPr lang="nl-NL" sz="2000" dirty="0"/>
+              <a:t>Waar op te letten?</a:t>
+            </a:r>
+            <a:endParaRPr lang="nl-NL" sz="2000" noProof="0" dirty="0"/>
+          </a:p>
+          <a:p>
+            <a:pPr marL="0" indent="0">
+              <a:spcAft>
+                <a:spcPts val="600"/>
+              </a:spcAft>
+              <a:buNone/>
+            </a:pPr>
+            <a:endParaRPr lang="nl-NL" sz="2000" dirty="0"/>
+          </a:p>
+        </p:txBody>
+      </p:sp>
+      <p:pic>
+        <p:nvPicPr>
+          <p:cNvPr id="4" name="Picture 3">
+            <a:extLst>
+              <a:ext uri="{FF2B5EF4-FFF2-40B4-BE49-F238E27FC236}">
+                <a16:creationId xmlns:a16="http://schemas.microsoft.com/office/drawing/2014/main" id="{10F1785D-DBAB-C34E-4C20-A2078BA9DAEA}"/>
+              </a:ext>
+            </a:extLst>
+          </p:cNvPr>
+          <p:cNvPicPr>
+            <a:picLocks noChangeAspect="1"/>
+          </p:cNvPicPr>
+          <p:nvPr/>
+        </p:nvPicPr>
+        <p:blipFill>
+          <a:blip r:embed="rId2"/>
+          <a:stretch>
+            <a:fillRect/>
+          </a:stretch>
+        </p:blipFill>
+        <p:spPr>
+          <a:xfrm rot="1217736">
+            <a:off x="8321964" y="3685187"/>
+            <a:ext cx="2694468" cy="2415360"/>
+          </a:xfrm>
+          <a:prstGeom prst="rect">
+            <a:avLst/>
+          </a:prstGeom>
+        </p:spPr>
+      </p:pic>
+    </p:spTree>
+    <p:extLst>
+      <p:ext uri="{BB962C8B-B14F-4D97-AF65-F5344CB8AC3E}">
+        <p14:creationId xmlns:p14="http://schemas.microsoft.com/office/powerpoint/2010/main" val="1265611121"/>
+      </p:ext>
+    </p:extLst>
+  </p:cSld>
+  <p:clrMapOvr>
+    <a:masterClrMapping/>
+  </p:clrMapOvr>
+</p:sld>
+</file>
+
+<file path=ppt/slides/slide20.xml><?xml version="1.0" encoding="utf-8"?>
+<p:sld xmlns:a="http://schemas.openxmlformats.org/drawingml/2006/main" xmlns:r="http://schemas.openxmlformats.org/officeDocument/2006/relationships" xmlns:p="http://schemas.openxmlformats.org/presentationml/2006/main">
+  <p:cSld>
+    <p:spTree>
+      <p:nvGrpSpPr>
+        <p:cNvPr id="1" name=""/>
+        <p:cNvGrpSpPr/>
+        <p:nvPr/>
+      </p:nvGrpSpPr>
+      <p:grpSpPr>
+        <a:xfrm>
+          <a:off x="0" y="0"/>
+          <a:ext cx="0" cy="0"/>
+          <a:chOff x="0" y="0"/>
+          <a:chExt cx="0" cy="0"/>
+        </a:xfrm>
+      </p:grpSpPr>
+      <p:sp>
+        <p:nvSpPr>
+          <p:cNvPr id="2" name="Title 1">
+            <a:extLst>
+              <a:ext uri="{FF2B5EF4-FFF2-40B4-BE49-F238E27FC236}">
+                <a16:creationId xmlns:a16="http://schemas.microsoft.com/office/drawing/2014/main" id="{39A1D606-8DD1-369C-5C09-471CDD551AD5}"/>
+              </a:ext>
+            </a:extLst>
+          </p:cNvPr>
+          <p:cNvSpPr>
+            <a:spLocks noGrp="1"/>
+          </p:cNvSpPr>
+          <p:nvPr>
+            <p:ph type="title"/>
+          </p:nvPr>
+        </p:nvSpPr>
+        <p:spPr>
+          <a:xfrm>
+            <a:off x="838200" y="365126"/>
+            <a:ext cx="10515600" cy="718608"/>
+          </a:xfrm>
+        </p:spPr>
+        <p:txBody>
+          <a:bodyPr>
+            <a:normAutofit/>
+          </a:bodyPr>
+          <a:lstStyle/>
+          <a:p>
+            <a:r>
+              <a:rPr lang="nl-NL" sz="3600" noProof="0" dirty="0"/>
+              <a:t>Modules in </a:t>
+            </a:r>
+            <a:r>
+              <a:rPr lang="nl-NL" sz="3600" noProof="0" dirty="0" err="1"/>
+              <a:t>scikit-learn</a:t>
+            </a:r>
+            <a:endParaRPr lang="nl-NL" sz="3600" noProof="0" dirty="0"/>
+          </a:p>
+        </p:txBody>
+      </p:sp>
+      <p:sp>
+        <p:nvSpPr>
+          <p:cNvPr id="4" name="TextBox 3">
+            <a:extLst>
+              <a:ext uri="{FF2B5EF4-FFF2-40B4-BE49-F238E27FC236}">
+                <a16:creationId xmlns:a16="http://schemas.microsoft.com/office/drawing/2014/main" id="{B47EA95A-6DDD-ED89-357A-943A5BC87A94}"/>
+              </a:ext>
+            </a:extLst>
+          </p:cNvPr>
+          <p:cNvSpPr txBox="1"/>
+          <p:nvPr/>
+        </p:nvSpPr>
+        <p:spPr>
+          <a:xfrm>
+            <a:off x="6555232" y="2530561"/>
+            <a:ext cx="184731" cy="369332"/>
+          </a:xfrm>
+          <a:prstGeom prst="rect">
+            <a:avLst/>
+          </a:prstGeom>
+          <a:noFill/>
+        </p:spPr>
+        <p:txBody>
+          <a:bodyPr wrap="none" rtlCol="0">
+            <a:spAutoFit/>
+          </a:bodyPr>
+          <a:lstStyle/>
+          <a:p>
+            <a:endParaRPr lang="en-NL" dirty="0"/>
+          </a:p>
+        </p:txBody>
+      </p:sp>
+      <p:sp>
+        <p:nvSpPr>
+          <p:cNvPr id="3" name="Rectangle 2">
+            <a:extLst>
+              <a:ext uri="{FF2B5EF4-FFF2-40B4-BE49-F238E27FC236}">
+                <a16:creationId xmlns:a16="http://schemas.microsoft.com/office/drawing/2014/main" id="{6022DA1A-13D9-F357-3CBD-600CDB414D0D}"/>
+              </a:ext>
+            </a:extLst>
+          </p:cNvPr>
+          <p:cNvSpPr/>
+          <p:nvPr/>
+        </p:nvSpPr>
+        <p:spPr>
+          <a:xfrm>
+            <a:off x="838200" y="1698170"/>
+            <a:ext cx="3224350" cy="4611189"/>
+          </a:xfrm>
+          <a:prstGeom prst="rect">
+            <a:avLst/>
+          </a:prstGeom>
+          <a:solidFill>
+            <a:schemeClr val="bg1">
+              <a:lumMod val="95000"/>
+            </a:schemeClr>
+          </a:solidFill>
+          <a:ln>
+            <a:solidFill>
+              <a:schemeClr val="tx1">
+                <a:lumMod val="95000"/>
+                <a:lumOff val="5000"/>
+              </a:schemeClr>
+            </a:solidFill>
+          </a:ln>
+        </p:spPr>
+        <p:style>
+          <a:lnRef idx="1">
+            <a:schemeClr val="accent6"/>
+          </a:lnRef>
+          <a:fillRef idx="2">
+            <a:schemeClr val="accent6"/>
+          </a:fillRef>
+          <a:effectRef idx="1">
+            <a:schemeClr val="accent6"/>
+          </a:effectRef>
+          <a:fontRef idx="minor">
+            <a:schemeClr val="dk1"/>
+          </a:fontRef>
+        </p:style>
+        <p:txBody>
+          <a:bodyPr lIns="180000" tIns="180000" rIns="180000" bIns="180000" rtlCol="0" anchor="t"/>
+          <a:lstStyle/>
+          <a:p>
+            <a:r>
+              <a:rPr lang="en-US" b="1" dirty="0" err="1"/>
+              <a:t>sklearn.impute</a:t>
+            </a:r>
+            <a:endParaRPr lang="en-US" b="1" dirty="0"/>
+          </a:p>
+          <a:p>
+            <a:r>
+              <a:rPr lang="en-US" dirty="0" err="1"/>
+              <a:t>Invullen</a:t>
+            </a:r>
+            <a:r>
+              <a:rPr lang="en-US" dirty="0"/>
+              <a:t> van </a:t>
+            </a:r>
+            <a:r>
+              <a:rPr lang="en-US" dirty="0" err="1"/>
+              <a:t>ontbrekende</a:t>
+            </a:r>
+            <a:r>
+              <a:rPr lang="en-US" dirty="0"/>
+              <a:t> </a:t>
+            </a:r>
+            <a:r>
+              <a:rPr lang="en-US" dirty="0" err="1"/>
+              <a:t>waardes</a:t>
+            </a:r>
+            <a:r>
+              <a:rPr lang="en-US" dirty="0"/>
+              <a:t>.</a:t>
+            </a:r>
+          </a:p>
+          <a:p>
+            <a:endParaRPr lang="en-US" dirty="0"/>
+          </a:p>
+          <a:p>
+            <a:endParaRPr lang="en-US" b="1" dirty="0"/>
+          </a:p>
+          <a:p>
+            <a:r>
+              <a:rPr lang="en-US" b="1" dirty="0" err="1"/>
+              <a:t>Voorbeelden</a:t>
+            </a:r>
+            <a:r>
+              <a:rPr lang="en-US" b="1" dirty="0"/>
+              <a:t>:</a:t>
+            </a:r>
+          </a:p>
+          <a:p>
+            <a:r>
+              <a:rPr lang="nl-NL" noProof="0" dirty="0">
+                <a:latin typeface="Courier New" panose="02070309020205020404" pitchFamily="49" charset="0"/>
+                <a:cs typeface="Courier New" panose="02070309020205020404" pitchFamily="49" charset="0"/>
+              </a:rPr>
+              <a:t>S</a:t>
+            </a:r>
+            <a:r>
+              <a:rPr lang="nl-NL" dirty="0" err="1">
+                <a:latin typeface="Courier New" panose="02070309020205020404" pitchFamily="49" charset="0"/>
+                <a:cs typeface="Courier New" panose="02070309020205020404" pitchFamily="49" charset="0"/>
+              </a:rPr>
+              <a:t>impleImputer</a:t>
+            </a:r>
+            <a:endParaRPr lang="nl-NL" dirty="0">
+              <a:latin typeface="Courier New" panose="02070309020205020404" pitchFamily="49" charset="0"/>
+              <a:cs typeface="Courier New" panose="02070309020205020404" pitchFamily="49" charset="0"/>
+            </a:endParaRPr>
+          </a:p>
+          <a:p>
+            <a:r>
+              <a:rPr lang="nl-NL" dirty="0" err="1">
+                <a:latin typeface="Courier New" panose="02070309020205020404" pitchFamily="49" charset="0"/>
+                <a:cs typeface="Courier New" panose="02070309020205020404" pitchFamily="49" charset="0"/>
+              </a:rPr>
+              <a:t>KNNImputer</a:t>
+            </a:r>
+            <a:endParaRPr lang="nl-NL" dirty="0">
+              <a:latin typeface="Courier New" panose="02070309020205020404" pitchFamily="49" charset="0"/>
+              <a:cs typeface="Courier New" panose="02070309020205020404" pitchFamily="49" charset="0"/>
+            </a:endParaRPr>
+          </a:p>
+          <a:p>
+            <a:endParaRPr lang="en-US" dirty="0"/>
+          </a:p>
+          <a:p>
+            <a:endParaRPr lang="en-NL" dirty="0"/>
+          </a:p>
+        </p:txBody>
+      </p:sp>
+      <p:sp>
+        <p:nvSpPr>
+          <p:cNvPr id="6" name="Rectangle 5">
+            <a:extLst>
+              <a:ext uri="{FF2B5EF4-FFF2-40B4-BE49-F238E27FC236}">
+                <a16:creationId xmlns:a16="http://schemas.microsoft.com/office/drawing/2014/main" id="{2AD4811C-ADA0-FE20-68F3-AFDF14D921AA}"/>
+              </a:ext>
+            </a:extLst>
+          </p:cNvPr>
+          <p:cNvSpPr/>
+          <p:nvPr/>
+        </p:nvSpPr>
+        <p:spPr>
+          <a:xfrm>
+            <a:off x="4483826" y="1698169"/>
+            <a:ext cx="3224350" cy="4611189"/>
+          </a:xfrm>
+          <a:prstGeom prst="rect">
+            <a:avLst/>
+          </a:prstGeom>
+          <a:solidFill>
+            <a:schemeClr val="bg1">
+              <a:lumMod val="95000"/>
+            </a:schemeClr>
+          </a:solidFill>
+          <a:ln>
+            <a:solidFill>
+              <a:schemeClr val="tx1">
+                <a:lumMod val="95000"/>
+                <a:lumOff val="5000"/>
+              </a:schemeClr>
+            </a:solidFill>
+          </a:ln>
+        </p:spPr>
+        <p:style>
+          <a:lnRef idx="1">
+            <a:schemeClr val="accent4"/>
+          </a:lnRef>
+          <a:fillRef idx="2">
+            <a:schemeClr val="accent4"/>
+          </a:fillRef>
+          <a:effectRef idx="1">
+            <a:schemeClr val="accent4"/>
+          </a:effectRef>
+          <a:fontRef idx="minor">
+            <a:schemeClr val="dk1"/>
+          </a:fontRef>
+        </p:style>
+        <p:txBody>
+          <a:bodyPr lIns="180000" tIns="180000" rIns="180000" bIns="180000" rtlCol="0" anchor="t"/>
+          <a:lstStyle/>
+          <a:p>
+            <a:r>
+              <a:rPr lang="en-US" b="1" dirty="0" err="1"/>
+              <a:t>sklearn.preprocessing</a:t>
+            </a:r>
+            <a:endParaRPr lang="en-US" b="1" dirty="0"/>
+          </a:p>
+          <a:p>
+            <a:pPr marL="0" indent="0">
+              <a:buNone/>
+            </a:pPr>
+            <a:r>
+              <a:rPr lang="nl-NL" sz="1800" noProof="0" dirty="0"/>
+              <a:t>Categorische en numerieke transformaties.</a:t>
+            </a:r>
+          </a:p>
+          <a:p>
+            <a:endParaRPr lang="en-US" dirty="0"/>
+          </a:p>
+          <a:p>
+            <a:endParaRPr lang="en-US" b="1" dirty="0"/>
+          </a:p>
+          <a:p>
+            <a:r>
+              <a:rPr lang="en-US" b="1" dirty="0" err="1"/>
+              <a:t>Categorisch</a:t>
+            </a:r>
+            <a:r>
+              <a:rPr lang="en-US" b="1" dirty="0"/>
+              <a:t>:</a:t>
+            </a:r>
+          </a:p>
+          <a:p>
+            <a:pPr marL="0" indent="0">
+              <a:buNone/>
+            </a:pPr>
+            <a:r>
+              <a:rPr lang="nl-NL" sz="1800" dirty="0" err="1">
+                <a:latin typeface="Courier New" panose="02070309020205020404" pitchFamily="49" charset="0"/>
+                <a:cs typeface="Courier New" panose="02070309020205020404" pitchFamily="49" charset="0"/>
+              </a:rPr>
+              <a:t>OneHotEncoder</a:t>
+            </a:r>
+            <a:endParaRPr lang="nl-NL" sz="1800" dirty="0">
+              <a:latin typeface="Courier New" panose="02070309020205020404" pitchFamily="49" charset="0"/>
+              <a:cs typeface="Courier New" panose="02070309020205020404" pitchFamily="49" charset="0"/>
+            </a:endParaRPr>
+          </a:p>
+          <a:p>
+            <a:pPr marL="0" indent="0">
+              <a:buNone/>
+            </a:pPr>
+            <a:r>
+              <a:rPr lang="nl-NL" sz="1800" dirty="0" err="1">
+                <a:latin typeface="Courier New" panose="02070309020205020404" pitchFamily="49" charset="0"/>
+                <a:cs typeface="Courier New" panose="02070309020205020404" pitchFamily="49" charset="0"/>
+              </a:rPr>
+              <a:t>LabelEncoder</a:t>
+            </a:r>
+            <a:endParaRPr lang="nl-NL" sz="1800" dirty="0">
+              <a:latin typeface="Courier New" panose="02070309020205020404" pitchFamily="49" charset="0"/>
+              <a:cs typeface="Courier New" panose="02070309020205020404" pitchFamily="49" charset="0"/>
+            </a:endParaRPr>
+          </a:p>
+          <a:p>
+            <a:r>
+              <a:rPr lang="nl-NL" dirty="0" err="1">
+                <a:latin typeface="Courier New" panose="02070309020205020404" pitchFamily="49" charset="0"/>
+                <a:cs typeface="Courier New" panose="02070309020205020404" pitchFamily="49" charset="0"/>
+              </a:rPr>
+              <a:t>OrdinalEncoder</a:t>
+            </a:r>
+            <a:endParaRPr lang="nl-NL" dirty="0">
+              <a:latin typeface="Courier New" panose="02070309020205020404" pitchFamily="49" charset="0"/>
+              <a:cs typeface="Courier New" panose="02070309020205020404" pitchFamily="49" charset="0"/>
+            </a:endParaRPr>
+          </a:p>
+          <a:p>
+            <a:endParaRPr lang="nl-NL" dirty="0"/>
+          </a:p>
+          <a:p>
+            <a:r>
+              <a:rPr lang="nl-NL" sz="1800" b="1" dirty="0"/>
+              <a:t>Numeriek:</a:t>
+            </a:r>
+          </a:p>
+          <a:p>
+            <a:r>
+              <a:rPr lang="nl-NL" sz="1800" noProof="0" dirty="0" err="1">
+                <a:latin typeface="Courier New" panose="02070309020205020404" pitchFamily="49" charset="0"/>
+                <a:cs typeface="Courier New" panose="02070309020205020404" pitchFamily="49" charset="0"/>
+              </a:rPr>
+              <a:t>Standa</a:t>
+            </a:r>
+            <a:r>
+              <a:rPr lang="nl-NL" sz="1800" dirty="0" err="1">
+                <a:latin typeface="Courier New" panose="02070309020205020404" pitchFamily="49" charset="0"/>
+                <a:cs typeface="Courier New" panose="02070309020205020404" pitchFamily="49" charset="0"/>
+              </a:rPr>
+              <a:t>rdScaler</a:t>
+            </a:r>
+            <a:endParaRPr lang="nl-NL" sz="1800" dirty="0">
+              <a:latin typeface="Courier New" panose="02070309020205020404" pitchFamily="49" charset="0"/>
+              <a:cs typeface="Courier New" panose="02070309020205020404" pitchFamily="49" charset="0"/>
+            </a:endParaRPr>
+          </a:p>
+          <a:p>
+            <a:r>
+              <a:rPr lang="nl-NL" sz="1800" dirty="0" err="1">
+                <a:latin typeface="Courier New" panose="02070309020205020404" pitchFamily="49" charset="0"/>
+                <a:cs typeface="Courier New" panose="02070309020205020404" pitchFamily="49" charset="0"/>
+              </a:rPr>
+              <a:t>MinMaxScaler</a:t>
+            </a:r>
+            <a:r>
+              <a:rPr lang="nl-NL" sz="1800" dirty="0">
+                <a:latin typeface="Courier New" panose="02070309020205020404" pitchFamily="49" charset="0"/>
+                <a:cs typeface="Courier New" panose="02070309020205020404" pitchFamily="49" charset="0"/>
+              </a:rPr>
+              <a:t> </a:t>
+            </a:r>
+            <a:r>
+              <a:rPr lang="nl-NL" sz="1800" dirty="0" err="1">
+                <a:latin typeface="Courier New" panose="02070309020205020404" pitchFamily="49" charset="0"/>
+                <a:cs typeface="Courier New" panose="02070309020205020404" pitchFamily="49" charset="0"/>
+              </a:rPr>
+              <a:t>QuantileTransformer</a:t>
+            </a:r>
+            <a:endParaRPr lang="nl-NL" dirty="0">
+              <a:latin typeface="Courier New" panose="02070309020205020404" pitchFamily="49" charset="0"/>
+              <a:cs typeface="Courier New" panose="02070309020205020404" pitchFamily="49" charset="0"/>
+            </a:endParaRPr>
+          </a:p>
+          <a:p>
+            <a:r>
+              <a:rPr lang="nl-NL" sz="1800" dirty="0" err="1">
+                <a:latin typeface="Courier New" panose="02070309020205020404" pitchFamily="49" charset="0"/>
+                <a:cs typeface="Courier New" panose="02070309020205020404" pitchFamily="49" charset="0"/>
+              </a:rPr>
+              <a:t>PolynomialFeatures</a:t>
+            </a:r>
+            <a:endParaRPr lang="nl-NL" sz="1800" dirty="0">
+              <a:latin typeface="Courier New" panose="02070309020205020404" pitchFamily="49" charset="0"/>
+              <a:cs typeface="Courier New" panose="02070309020205020404" pitchFamily="49" charset="0"/>
+            </a:endParaRPr>
+          </a:p>
+          <a:p>
+            <a:endParaRPr lang="en-US" dirty="0"/>
+          </a:p>
+          <a:p>
+            <a:endParaRPr lang="en-NL" dirty="0"/>
+          </a:p>
+        </p:txBody>
+      </p:sp>
+      <p:sp>
+        <p:nvSpPr>
+          <p:cNvPr id="7" name="Rectangle 6">
+            <a:extLst>
+              <a:ext uri="{FF2B5EF4-FFF2-40B4-BE49-F238E27FC236}">
+                <a16:creationId xmlns:a16="http://schemas.microsoft.com/office/drawing/2014/main" id="{90828567-5FC3-B5C8-044F-DEBA0A1A7DF0}"/>
+              </a:ext>
+            </a:extLst>
+          </p:cNvPr>
+          <p:cNvSpPr/>
+          <p:nvPr/>
+        </p:nvSpPr>
+        <p:spPr>
+          <a:xfrm>
+            <a:off x="8129450" y="1698169"/>
+            <a:ext cx="3224350" cy="4611189"/>
+          </a:xfrm>
+          <a:prstGeom prst="rect">
+            <a:avLst/>
+          </a:prstGeom>
+          <a:solidFill>
+            <a:schemeClr val="bg1">
+              <a:lumMod val="95000"/>
+            </a:schemeClr>
+          </a:solidFill>
+          <a:ln>
+            <a:solidFill>
+              <a:schemeClr val="tx1">
+                <a:lumMod val="95000"/>
+                <a:lumOff val="5000"/>
+              </a:schemeClr>
+            </a:solidFill>
+          </a:ln>
+        </p:spPr>
+        <p:style>
+          <a:lnRef idx="1">
+            <a:schemeClr val="accent5"/>
+          </a:lnRef>
+          <a:fillRef idx="2">
+            <a:schemeClr val="accent5"/>
+          </a:fillRef>
+          <a:effectRef idx="1">
+            <a:schemeClr val="accent5"/>
+          </a:effectRef>
+          <a:fontRef idx="minor">
+            <a:schemeClr val="dk1"/>
+          </a:fontRef>
+        </p:style>
+        <p:txBody>
+          <a:bodyPr lIns="180000" tIns="180000" rIns="180000" bIns="180000" rtlCol="0" anchor="t"/>
+          <a:lstStyle/>
+          <a:p>
+            <a:r>
+              <a:rPr lang="en-US" b="1" dirty="0" err="1"/>
+              <a:t>sklearn.feature_extraction</a:t>
+            </a:r>
+            <a:endParaRPr lang="en-US" b="1" dirty="0"/>
+          </a:p>
+          <a:p>
+            <a:pPr marL="0" indent="0">
+              <a:buNone/>
+            </a:pPr>
+            <a:r>
+              <a:rPr lang="nl-NL" sz="1800" noProof="0" dirty="0"/>
+              <a:t>Omzetten ongestructureerde (tekst) data.</a:t>
+            </a:r>
+          </a:p>
+          <a:p>
+            <a:endParaRPr lang="en-US" dirty="0"/>
+          </a:p>
+          <a:p>
+            <a:endParaRPr lang="en-US" b="1" dirty="0"/>
+          </a:p>
+          <a:p>
+            <a:r>
+              <a:rPr lang="en-US" b="1" dirty="0" err="1"/>
+              <a:t>Voorbeelden</a:t>
+            </a:r>
+            <a:r>
+              <a:rPr lang="en-US" b="1" dirty="0"/>
+              <a:t>:</a:t>
+            </a:r>
+          </a:p>
+          <a:p>
+            <a:pPr marL="0" indent="0">
+              <a:buNone/>
+            </a:pPr>
+            <a:r>
+              <a:rPr lang="nl-NL" sz="1800" dirty="0" err="1">
+                <a:latin typeface="Courier New" panose="02070309020205020404" pitchFamily="49" charset="0"/>
+                <a:cs typeface="Courier New" panose="02070309020205020404" pitchFamily="49" charset="0"/>
+              </a:rPr>
+              <a:t>CountVectorizer</a:t>
+            </a:r>
+            <a:endParaRPr lang="nl-NL" dirty="0">
+              <a:latin typeface="Courier New" panose="02070309020205020404" pitchFamily="49" charset="0"/>
+              <a:cs typeface="Courier New" panose="02070309020205020404" pitchFamily="49" charset="0"/>
+            </a:endParaRPr>
+          </a:p>
+          <a:p>
+            <a:pPr marL="0" indent="0">
+              <a:buNone/>
+            </a:pPr>
+            <a:r>
+              <a:rPr lang="nl-NL" sz="1800" dirty="0" err="1">
+                <a:latin typeface="Courier New" panose="02070309020205020404" pitchFamily="49" charset="0"/>
+                <a:cs typeface="Courier New" panose="02070309020205020404" pitchFamily="49" charset="0"/>
+              </a:rPr>
+              <a:t>TfidfVectorizer</a:t>
+            </a:r>
+            <a:endParaRPr lang="en-US" dirty="0">
+              <a:latin typeface="Courier New" panose="02070309020205020404" pitchFamily="49" charset="0"/>
+              <a:cs typeface="Courier New" panose="02070309020205020404" pitchFamily="49" charset="0"/>
+            </a:endParaRPr>
+          </a:p>
+          <a:p>
+            <a:endParaRPr lang="en-NL" dirty="0"/>
+          </a:p>
+        </p:txBody>
+      </p:sp>
+    </p:spTree>
+    <p:extLst>
+      <p:ext uri="{BB962C8B-B14F-4D97-AF65-F5344CB8AC3E}">
+        <p14:creationId xmlns:p14="http://schemas.microsoft.com/office/powerpoint/2010/main" val="1659487272"/>
+      </p:ext>
+    </p:extLst>
+  </p:cSld>
+  <p:clrMapOvr>
+    <a:masterClrMapping/>
+  </p:clrMapOvr>
+</p:sld>
+</file>
+
+<file path=ppt/slides/slide21.xml><?xml version="1.0" encoding="utf-8"?>
 <p:sld xmlns:a="http://schemas.openxmlformats.org/drawingml/2006/main" xmlns:r="http://schemas.openxmlformats.org/officeDocument/2006/relationships" xmlns:p="http://schemas.openxmlformats.org/presentationml/2006/main">
   <p:cSld>
     <p:spTree>
@@ -7261,7 +9412,7 @@
 </p:sld>
 </file>
 
-<file path=ppt/slides/slide17.xml><?xml version="1.0" encoding="utf-8"?>
+<file path=ppt/slides/slide22.xml><?xml version="1.0" encoding="utf-8"?>
 <p:sld xmlns:a="http://schemas.openxmlformats.org/drawingml/2006/main" xmlns:r="http://schemas.openxmlformats.org/officeDocument/2006/relationships" xmlns:p="http://schemas.openxmlformats.org/presentationml/2006/main">
   <p:cSld>
     <p:spTree>
@@ -8058,7 +10209,7 @@
 </p:sld>
 </file>
 
-<file path=ppt/slides/slide18.xml><?xml version="1.0" encoding="utf-8"?>
+<file path=ppt/slides/slide23.xml><?xml version="1.0" encoding="utf-8"?>
 <p:sld xmlns:a="http://schemas.openxmlformats.org/drawingml/2006/main" xmlns:r="http://schemas.openxmlformats.org/officeDocument/2006/relationships" xmlns:p="http://schemas.openxmlformats.org/presentationml/2006/main">
   <p:cSld>
     <p:spTree>
@@ -8996,7 +11147,7 @@
 </p:sld>
 </file>
 
-<file path=ppt/slides/slide19.xml><?xml version="1.0" encoding="utf-8"?>
+<file path=ppt/slides/slide24.xml><?xml version="1.0" encoding="utf-8"?>
 <p:sld xmlns:a="http://schemas.openxmlformats.org/drawingml/2006/main" xmlns:r="http://schemas.openxmlformats.org/officeDocument/2006/relationships" xmlns:p="http://schemas.openxmlformats.org/presentationml/2006/main">
   <p:cSld>
     <p:spTree>
@@ -9079,255 +11230,7 @@
 </p:sld>
 </file>
 
-<file path=ppt/slides/slide2.xml><?xml version="1.0" encoding="utf-8"?>
-<p:sld xmlns:a="http://schemas.openxmlformats.org/drawingml/2006/main" xmlns:r="http://schemas.openxmlformats.org/officeDocument/2006/relationships" xmlns:p="http://schemas.openxmlformats.org/presentationml/2006/main">
-  <p:cSld>
-    <p:spTree>
-      <p:nvGrpSpPr>
-        <p:cNvPr id="1" name=""/>
-        <p:cNvGrpSpPr/>
-        <p:nvPr/>
-      </p:nvGrpSpPr>
-      <p:grpSpPr>
-        <a:xfrm>
-          <a:off x="0" y="0"/>
-          <a:ext cx="0" cy="0"/>
-          <a:chOff x="0" y="0"/>
-          <a:chExt cx="0" cy="0"/>
-        </a:xfrm>
-      </p:grpSpPr>
-      <p:sp>
-        <p:nvSpPr>
-          <p:cNvPr id="2" name="Title 1">
-            <a:extLst>
-              <a:ext uri="{FF2B5EF4-FFF2-40B4-BE49-F238E27FC236}">
-                <a16:creationId xmlns:a16="http://schemas.microsoft.com/office/drawing/2014/main" id="{39A1D606-8DD1-369C-5C09-471CDD551AD5}"/>
-              </a:ext>
-            </a:extLst>
-          </p:cNvPr>
-          <p:cNvSpPr>
-            <a:spLocks noGrp="1"/>
-          </p:cNvSpPr>
-          <p:nvPr>
-            <p:ph type="title"/>
-          </p:nvPr>
-        </p:nvSpPr>
-        <p:spPr>
-          <a:xfrm>
-            <a:off x="838200" y="365126"/>
-            <a:ext cx="10515600" cy="718608"/>
-          </a:xfrm>
-        </p:spPr>
-        <p:txBody>
-          <a:bodyPr>
-            <a:normAutofit/>
-          </a:bodyPr>
-          <a:lstStyle/>
-          <a:p>
-            <a:r>
-              <a:rPr lang="nl-NL" sz="3600" noProof="0" dirty="0"/>
-              <a:t>Agenda</a:t>
-            </a:r>
-          </a:p>
-        </p:txBody>
-      </p:sp>
-      <p:sp>
-        <p:nvSpPr>
-          <p:cNvPr id="3" name="Content Placeholder 2">
-            <a:extLst>
-              <a:ext uri="{FF2B5EF4-FFF2-40B4-BE49-F238E27FC236}">
-                <a16:creationId xmlns:a16="http://schemas.microsoft.com/office/drawing/2014/main" id="{F4C2D286-E049-0AAB-1360-B7157E11AD7E}"/>
-              </a:ext>
-            </a:extLst>
-          </p:cNvPr>
-          <p:cNvSpPr>
-            <a:spLocks noGrp="1"/>
-          </p:cNvSpPr>
-          <p:nvPr>
-            <p:ph idx="1"/>
-          </p:nvPr>
-        </p:nvSpPr>
-        <p:spPr>
-          <a:xfrm>
-            <a:off x="838200" y="1456267"/>
-            <a:ext cx="10515600" cy="4720696"/>
-          </a:xfrm>
-        </p:spPr>
-        <p:txBody>
-          <a:bodyPr>
-            <a:normAutofit/>
-          </a:bodyPr>
-          <a:lstStyle/>
-          <a:p>
-            <a:pPr>
-              <a:spcAft>
-                <a:spcPts val="600"/>
-              </a:spcAft>
-            </a:pPr>
-            <a:r>
-              <a:rPr lang="nl-NL" sz="2000" noProof="0" dirty="0"/>
-              <a:t>Overzicht:</a:t>
-            </a:r>
-          </a:p>
-          <a:p>
-            <a:pPr lvl="1">
-              <a:spcAft>
-                <a:spcPts val="600"/>
-              </a:spcAft>
-            </a:pPr>
-            <a:r>
-              <a:rPr lang="nl-NL" sz="1600" noProof="0" dirty="0"/>
-              <a:t>ML Landschap</a:t>
-            </a:r>
-          </a:p>
-          <a:p>
-            <a:pPr lvl="1">
-              <a:spcAft>
-                <a:spcPts val="600"/>
-              </a:spcAft>
-            </a:pPr>
-            <a:r>
-              <a:rPr lang="nl-NL" sz="1600" noProof="0" dirty="0" err="1"/>
-              <a:t>Scikit-learn</a:t>
-            </a:r>
-            <a:r>
-              <a:rPr lang="nl-NL" sz="1600" noProof="0" dirty="0"/>
-              <a:t> API</a:t>
-            </a:r>
-          </a:p>
-          <a:p>
-            <a:pPr>
-              <a:spcAft>
-                <a:spcPts val="600"/>
-              </a:spcAft>
-            </a:pPr>
-            <a:r>
-              <a:rPr lang="nl-NL" sz="2000" dirty="0"/>
-              <a:t>Basis ML proces:</a:t>
-            </a:r>
-          </a:p>
-          <a:p>
-            <a:pPr lvl="1">
-              <a:spcAft>
-                <a:spcPts val="600"/>
-              </a:spcAft>
-            </a:pPr>
-            <a:r>
-              <a:rPr lang="nl-NL" sz="1600" dirty="0"/>
-              <a:t>Data exploratie</a:t>
-            </a:r>
-          </a:p>
-          <a:p>
-            <a:pPr lvl="1">
-              <a:spcAft>
-                <a:spcPts val="600"/>
-              </a:spcAft>
-            </a:pPr>
-            <a:r>
-              <a:rPr lang="nl-NL" sz="1600" dirty="0"/>
-              <a:t>Data preparatie</a:t>
-            </a:r>
-          </a:p>
-          <a:p>
-            <a:pPr lvl="1">
-              <a:spcAft>
-                <a:spcPts val="600"/>
-              </a:spcAft>
-            </a:pPr>
-            <a:r>
-              <a:rPr lang="nl-NL" sz="1600" dirty="0"/>
-              <a:t>Modelleren</a:t>
-            </a:r>
-          </a:p>
-          <a:p>
-            <a:pPr lvl="1">
-              <a:spcAft>
-                <a:spcPts val="600"/>
-              </a:spcAft>
-            </a:pPr>
-            <a:r>
-              <a:rPr lang="nl-NL" sz="1600" dirty="0"/>
-              <a:t>Validatie</a:t>
-            </a:r>
-          </a:p>
-          <a:p>
-            <a:pPr>
-              <a:spcAft>
-                <a:spcPts val="600"/>
-              </a:spcAft>
-            </a:pPr>
-            <a:r>
-              <a:rPr lang="nl-NL" sz="2000" noProof="0" dirty="0"/>
-              <a:t>Natural Language Processing</a:t>
-            </a:r>
-          </a:p>
-          <a:p>
-            <a:pPr>
-              <a:spcAft>
-                <a:spcPts val="600"/>
-              </a:spcAft>
-            </a:pPr>
-            <a:r>
-              <a:rPr lang="nl-NL" sz="2000" dirty="0"/>
-              <a:t>Waar op te letten?</a:t>
-            </a:r>
-            <a:endParaRPr lang="nl-NL" sz="2000" noProof="0" dirty="0"/>
-          </a:p>
-          <a:p>
-            <a:pPr marL="0" indent="0">
-              <a:spcAft>
-                <a:spcPts val="600"/>
-              </a:spcAft>
-              <a:buNone/>
-            </a:pPr>
-            <a:endParaRPr lang="nl-NL" sz="2000" dirty="0"/>
-          </a:p>
-        </p:txBody>
-      </p:sp>
-      <p:pic>
-        <p:nvPicPr>
-          <p:cNvPr id="4" name="Picture 3">
-            <a:extLst>
-              <a:ext uri="{FF2B5EF4-FFF2-40B4-BE49-F238E27FC236}">
-                <a16:creationId xmlns:a16="http://schemas.microsoft.com/office/drawing/2014/main" id="{10F1785D-DBAB-C34E-4C20-A2078BA9DAEA}"/>
-              </a:ext>
-            </a:extLst>
-          </p:cNvPr>
-          <p:cNvPicPr>
-            <a:picLocks noChangeAspect="1"/>
-          </p:cNvPicPr>
-          <p:nvPr/>
-        </p:nvPicPr>
-        <p:blipFill>
-          <a:blip r:embed="rId2"/>
-          <a:stretch>
-            <a:fillRect/>
-          </a:stretch>
-        </p:blipFill>
-        <p:spPr>
-          <a:xfrm rot="1217736">
-            <a:off x="8321964" y="3685187"/>
-            <a:ext cx="2694468" cy="2415360"/>
-          </a:xfrm>
-          <a:prstGeom prst="rect">
-            <a:avLst/>
-          </a:prstGeom>
-        </p:spPr>
-      </p:pic>
-    </p:spTree>
-    <p:extLst>
-      <p:ext uri="{BB962C8B-B14F-4D97-AF65-F5344CB8AC3E}">
-        <p14:creationId xmlns:p14="http://schemas.microsoft.com/office/powerpoint/2010/main" val="1265611121"/>
-      </p:ext>
-    </p:extLst>
-  </p:cSld>
-  <p:clrMapOvr>
-    <a:masterClrMapping/>
-  </p:clrMapOvr>
-</p:sld>
-</file>
-
-<file path=ppt/slides/slide20.xml><?xml version="1.0" encoding="utf-8"?>
+<file path=ppt/slides/slide25.xml><?xml version="1.0" encoding="utf-8"?>
 <p:sld xmlns:a="http://schemas.openxmlformats.org/drawingml/2006/main" xmlns:r="http://schemas.openxmlformats.org/officeDocument/2006/relationships" xmlns:p="http://schemas.openxmlformats.org/presentationml/2006/main">
   <p:cSld>
     <p:spTree>
@@ -9607,32 +11510,8 @@
               <a:buNone/>
             </a:pPr>
             <a:r>
-              <a:rPr lang="en-US" sz="2000" dirty="0"/>
-              <a:t>Maten </a:t>
-            </a:r>
-            <a:r>
-              <a:rPr lang="en-US" sz="2000" dirty="0" err="1"/>
-              <a:t>voor</a:t>
-            </a:r>
-            <a:r>
-              <a:rPr lang="en-US" sz="2000" dirty="0"/>
-              <a:t> </a:t>
-            </a:r>
-            <a:r>
-              <a:rPr lang="en-US" sz="2000" dirty="0" err="1"/>
-              <a:t>kwaliteit</a:t>
-            </a:r>
-            <a:r>
-              <a:rPr lang="en-US" sz="2000" dirty="0"/>
-              <a:t> van </a:t>
-            </a:r>
-            <a:r>
-              <a:rPr lang="en-US" sz="2000" dirty="0" err="1"/>
-              <a:t>een</a:t>
-            </a:r>
-            <a:r>
-              <a:rPr lang="en-US" sz="2000" dirty="0"/>
-              <a:t> model:</a:t>
+              <a:rPr lang="nl-NL" sz="2000" dirty="0"/>
+              <a:t>Maten voor kwaliteit van een model:</a:t>
             </a:r>
           </a:p>
           <a:p>
@@ -9641,8 +11520,16 @@
               <a:buChar char="-"/>
             </a:pPr>
             <a:r>
-              <a:rPr lang="en-US" sz="2000" dirty="0"/>
-              <a:t>Continue:	RMSE, mean absolute error, etc.</a:t>
+              <a:rPr lang="nl-NL" sz="2000" dirty="0"/>
+              <a:t>Continue:	RMSE, </a:t>
+            </a:r>
+            <a:r>
+              <a:rPr lang="nl-NL" sz="2000" dirty="0" err="1"/>
+              <a:t>mean</a:t>
+            </a:r>
+            <a:r>
+              <a:rPr lang="nl-NL" sz="2000" dirty="0"/>
+              <a:t> absolute error, etc.</a:t>
             </a:r>
           </a:p>
           <a:p>
@@ -9651,12 +11538,40 @@
               <a:buChar char="-"/>
             </a:pPr>
             <a:r>
-              <a:rPr lang="en-US" sz="2000" dirty="0" err="1"/>
-              <a:t>Categorisch</a:t>
-            </a:r>
-            <a:r>
-              <a:rPr lang="en-US" sz="2000" dirty="0"/>
-              <a:t>:	Accuracy, precision, recall, log loss, etc.</a:t>
+              <a:rPr lang="nl-NL" sz="2000" dirty="0"/>
+              <a:t>Categorisch:	</a:t>
+            </a:r>
+            <a:r>
+              <a:rPr lang="nl-NL" sz="2000" dirty="0" err="1"/>
+              <a:t>Accuracy</a:t>
+            </a:r>
+            <a:r>
+              <a:rPr lang="nl-NL" sz="2000" dirty="0"/>
+              <a:t>, </a:t>
+            </a:r>
+            <a:r>
+              <a:rPr lang="nl-NL" sz="2000" dirty="0" err="1"/>
+              <a:t>precision</a:t>
+            </a:r>
+            <a:r>
+              <a:rPr lang="nl-NL" sz="2000" dirty="0"/>
+              <a:t>, </a:t>
+            </a:r>
+            <a:r>
+              <a:rPr lang="nl-NL" sz="2000" dirty="0" err="1"/>
+              <a:t>recall</a:t>
+            </a:r>
+            <a:r>
+              <a:rPr lang="nl-NL" sz="2000" dirty="0"/>
+              <a:t>, log </a:t>
+            </a:r>
+            <a:r>
+              <a:rPr lang="nl-NL" sz="2000" dirty="0" err="1"/>
+              <a:t>loss</a:t>
+            </a:r>
+            <a:r>
+              <a:rPr lang="nl-NL" sz="2000" dirty="0"/>
+              <a:t>, etc.</a:t>
             </a:r>
           </a:p>
           <a:p>
@@ -9673,7 +11588,6 @@
               <a:rPr lang="nl-NL" sz="2000" dirty="0"/>
               <a:t>Maar: waar vergelijk je mee?</a:t>
             </a:r>
-            <a:endParaRPr lang="en-US" sz="2000" dirty="0"/>
           </a:p>
           <a:p>
             <a:pPr>
@@ -9681,28 +11595,8 @@
               <a:buChar char="-"/>
             </a:pPr>
             <a:r>
-              <a:rPr lang="en-US" sz="2000" dirty="0" err="1"/>
-              <a:t>Kies</a:t>
-            </a:r>
-            <a:r>
-              <a:rPr lang="en-US" sz="2000" dirty="0"/>
-              <a:t> </a:t>
-            </a:r>
-            <a:r>
-              <a:rPr lang="en-US" sz="2000" dirty="0" err="1"/>
-              <a:t>altijd</a:t>
-            </a:r>
-            <a:r>
-              <a:rPr lang="en-US" sz="2000" dirty="0"/>
-              <a:t> </a:t>
-            </a:r>
-            <a:r>
-              <a:rPr lang="en-US" sz="2000" dirty="0" err="1"/>
-              <a:t>een</a:t>
-            </a:r>
-            <a:r>
-              <a:rPr lang="en-US" sz="2000" dirty="0"/>
-              <a:t> baseline model!</a:t>
+              <a:rPr lang="nl-NL" sz="2000" dirty="0"/>
+              <a:t>Kies altijd een baseline model!</a:t>
             </a:r>
           </a:p>
           <a:p>
@@ -9711,35 +11605,23 @@
               <a:buChar char="-"/>
             </a:pPr>
             <a:r>
-              <a:rPr lang="en-US" sz="2000" dirty="0" err="1"/>
-              <a:t>Gebruik</a:t>
-            </a:r>
-            <a:r>
-              <a:rPr lang="en-US" sz="2000" dirty="0"/>
-              <a:t> </a:t>
-            </a:r>
-            <a:r>
-              <a:rPr lang="en-US" sz="2000" dirty="0" err="1"/>
-              <a:t>een</a:t>
-            </a:r>
-            <a:r>
-              <a:rPr lang="en-US" sz="2000" dirty="0"/>
-              <a:t> </a:t>
-            </a:r>
-            <a:r>
-              <a:rPr lang="en-US" sz="2000" dirty="0" err="1"/>
+              <a:rPr lang="nl-NL" sz="2000" dirty="0"/>
+              <a:t>Gebruik </a:t>
+            </a:r>
+            <a:r>
+              <a:rPr lang="nl-NL" sz="2000" dirty="0" err="1"/>
               <a:t>DummyRegressor</a:t>
             </a:r>
             <a:r>
-              <a:rPr lang="en-US" sz="2000" dirty="0"/>
+              <a:rPr lang="nl-NL" sz="2000" dirty="0"/>
               <a:t> of </a:t>
             </a:r>
             <a:r>
-              <a:rPr lang="en-US" sz="2000" dirty="0" err="1"/>
+              <a:rPr lang="nl-NL" sz="2000" dirty="0" err="1"/>
               <a:t>DummyClassifier</a:t>
             </a:r>
             <a:r>
-              <a:rPr lang="en-US" sz="2000" dirty="0"/>
+              <a:rPr lang="nl-NL" sz="2000" dirty="0"/>
               <a:t>.</a:t>
             </a:r>
           </a:p>
@@ -9754,7 +11636,7 @@
               <a:buNone/>
             </a:pPr>
             <a:r>
-              <a:rPr lang="en-US" sz="2000" dirty="0"/>
+              <a:rPr lang="nl-NL" sz="2000" dirty="0"/>
               <a:t>Tot slot:</a:t>
             </a:r>
           </a:p>
@@ -9764,36 +11646,8 @@
               <a:buChar char="-"/>
             </a:pPr>
             <a:r>
-              <a:rPr lang="en-US" sz="2000" dirty="0" err="1"/>
-              <a:t>Valideer</a:t>
-            </a:r>
-            <a:r>
-              <a:rPr lang="en-US" sz="2000" dirty="0"/>
-              <a:t> of de </a:t>
-            </a:r>
-            <a:r>
-              <a:rPr lang="en-US" sz="2000" dirty="0" err="1"/>
-              <a:t>uitkomsten</a:t>
-            </a:r>
-            <a:r>
-              <a:rPr lang="en-US" sz="2000" dirty="0"/>
-              <a:t> </a:t>
-            </a:r>
-            <a:r>
-              <a:rPr lang="en-US" sz="2000" dirty="0" err="1"/>
-              <a:t>overeenkomen</a:t>
-            </a:r>
-            <a:r>
-              <a:rPr lang="en-US" sz="2000" dirty="0"/>
-              <a:t> met de </a:t>
-            </a:r>
-            <a:r>
-              <a:rPr lang="en-US" sz="2000" dirty="0" err="1"/>
-              <a:t>theorie</a:t>
-            </a:r>
-            <a:r>
-              <a:rPr lang="en-US" sz="2000" dirty="0"/>
-              <a:t>!</a:t>
+              <a:rPr lang="nl-NL" sz="2000" dirty="0"/>
+              <a:t>Valideer of de uitkomsten overeenkomen met de theorie!</a:t>
             </a:r>
           </a:p>
           <a:p>
@@ -10084,7 +11938,7 @@
 </p:sld>
 </file>
 
-<file path=ppt/slides/slide21.xml><?xml version="1.0" encoding="utf-8"?>
+<file path=ppt/slides/slide26.xml><?xml version="1.0" encoding="utf-8"?>
 <p:sld xmlns:a="http://schemas.openxmlformats.org/drawingml/2006/main" xmlns:r="http://schemas.openxmlformats.org/officeDocument/2006/relationships" xmlns:p="http://schemas.openxmlformats.org/presentationml/2006/main">
   <p:cSld>
     <p:spTree>
@@ -10103,6 +11957,1360 @@
       </p:grpSpPr>
       <p:sp>
         <p:nvSpPr>
+          <p:cNvPr id="2" name="Title 1">
+            <a:extLst>
+              <a:ext uri="{FF2B5EF4-FFF2-40B4-BE49-F238E27FC236}">
+                <a16:creationId xmlns:a16="http://schemas.microsoft.com/office/drawing/2014/main" id="{39A1D606-8DD1-369C-5C09-471CDD551AD5}"/>
+              </a:ext>
+            </a:extLst>
+          </p:cNvPr>
+          <p:cNvSpPr>
+            <a:spLocks noGrp="1"/>
+          </p:cNvSpPr>
+          <p:nvPr>
+            <p:ph type="title"/>
+          </p:nvPr>
+        </p:nvSpPr>
+        <p:spPr>
+          <a:xfrm>
+            <a:off x="838200" y="365126"/>
+            <a:ext cx="10515600" cy="718608"/>
+          </a:xfrm>
+        </p:spPr>
+        <p:txBody>
+          <a:bodyPr>
+            <a:normAutofit/>
+          </a:bodyPr>
+          <a:lstStyle/>
+          <a:p>
+            <a:r>
+              <a:rPr lang="nl-NL" sz="3600" noProof="0" dirty="0" err="1"/>
+              <a:t>Metrics</a:t>
+            </a:r>
+            <a:r>
+              <a:rPr lang="nl-NL" sz="3600" dirty="0"/>
+              <a:t> in </a:t>
+            </a:r>
+            <a:r>
+              <a:rPr lang="nl-NL" sz="3600" dirty="0" err="1"/>
+              <a:t>scikit-learn</a:t>
+            </a:r>
+            <a:endParaRPr lang="nl-NL" sz="3600" noProof="0" dirty="0"/>
+          </a:p>
+        </p:txBody>
+      </p:sp>
+      <p:sp>
+        <p:nvSpPr>
+          <p:cNvPr id="4" name="TextBox 3">
+            <a:extLst>
+              <a:ext uri="{FF2B5EF4-FFF2-40B4-BE49-F238E27FC236}">
+                <a16:creationId xmlns:a16="http://schemas.microsoft.com/office/drawing/2014/main" id="{B47EA95A-6DDD-ED89-357A-943A5BC87A94}"/>
+              </a:ext>
+            </a:extLst>
+          </p:cNvPr>
+          <p:cNvSpPr txBox="1"/>
+          <p:nvPr/>
+        </p:nvSpPr>
+        <p:spPr>
+          <a:xfrm>
+            <a:off x="6555232" y="2530561"/>
+            <a:ext cx="184731" cy="369332"/>
+          </a:xfrm>
+          <a:prstGeom prst="rect">
+            <a:avLst/>
+          </a:prstGeom>
+          <a:noFill/>
+        </p:spPr>
+        <p:txBody>
+          <a:bodyPr wrap="none" rtlCol="0">
+            <a:spAutoFit/>
+          </a:bodyPr>
+          <a:lstStyle/>
+          <a:p>
+            <a:endParaRPr lang="en-NL" dirty="0"/>
+          </a:p>
+        </p:txBody>
+      </p:sp>
+      <p:sp>
+        <p:nvSpPr>
+          <p:cNvPr id="9" name="Content Placeholder 2">
+            <a:extLst>
+              <a:ext uri="{FF2B5EF4-FFF2-40B4-BE49-F238E27FC236}">
+                <a16:creationId xmlns:a16="http://schemas.microsoft.com/office/drawing/2014/main" id="{859EFECF-ED02-A3B2-D77A-667F104FEDE5}"/>
+              </a:ext>
+            </a:extLst>
+          </p:cNvPr>
+          <p:cNvSpPr txBox="1">
+            <a:spLocks/>
+          </p:cNvSpPr>
+          <p:nvPr/>
+        </p:nvSpPr>
+        <p:spPr>
+          <a:xfrm>
+            <a:off x="990602" y="1608667"/>
+            <a:ext cx="6109061" cy="4720696"/>
+          </a:xfrm>
+          <a:prstGeom prst="rect">
+            <a:avLst/>
+          </a:prstGeom>
+        </p:spPr>
+        <p:txBody>
+          <a:bodyPr vert="horz" lIns="91440" tIns="45720" rIns="91440" bIns="45720" rtlCol="0">
+            <a:normAutofit/>
+          </a:bodyPr>
+          <a:lstStyle>
+            <a:lvl1pPr marL="228600" indent="-228600" algn="l" defTabSz="914400" rtl="0" eaLnBrk="1" latinLnBrk="0" hangingPunct="1">
+              <a:lnSpc>
+                <a:spcPct val="90000"/>
+              </a:lnSpc>
+              <a:spcBef>
+                <a:spcPts val="1000"/>
+              </a:spcBef>
+              <a:buFont typeface="Arial" panose="020B0604020202020204" pitchFamily="34" charset="0"/>
+              <a:buChar char="•"/>
+              <a:defRPr sz="2800" kern="1200">
+                <a:solidFill>
+                  <a:schemeClr val="tx1"/>
+                </a:solidFill>
+                <a:latin typeface="+mn-lt"/>
+                <a:ea typeface="+mn-ea"/>
+                <a:cs typeface="+mn-cs"/>
+              </a:defRPr>
+            </a:lvl1pPr>
+            <a:lvl2pPr marL="685800" indent="-228600" algn="l" defTabSz="914400" rtl="0" eaLnBrk="1" latinLnBrk="0" hangingPunct="1">
+              <a:lnSpc>
+                <a:spcPct val="90000"/>
+              </a:lnSpc>
+              <a:spcBef>
+                <a:spcPts val="500"/>
+              </a:spcBef>
+              <a:buFont typeface="Arial" panose="020B0604020202020204" pitchFamily="34" charset="0"/>
+              <a:buChar char="•"/>
+              <a:defRPr sz="2400" kern="1200">
+                <a:solidFill>
+                  <a:schemeClr val="tx1"/>
+                </a:solidFill>
+                <a:latin typeface="+mn-lt"/>
+                <a:ea typeface="+mn-ea"/>
+                <a:cs typeface="+mn-cs"/>
+              </a:defRPr>
+            </a:lvl2pPr>
+            <a:lvl3pPr marL="1143000" indent="-228600" algn="l" defTabSz="914400" rtl="0" eaLnBrk="1" latinLnBrk="0" hangingPunct="1">
+              <a:lnSpc>
+                <a:spcPct val="90000"/>
+              </a:lnSpc>
+              <a:spcBef>
+                <a:spcPts val="500"/>
+              </a:spcBef>
+              <a:buFont typeface="Arial" panose="020B0604020202020204" pitchFamily="34" charset="0"/>
+              <a:buChar char="•"/>
+              <a:defRPr sz="2000" kern="1200">
+                <a:solidFill>
+                  <a:schemeClr val="tx1"/>
+                </a:solidFill>
+                <a:latin typeface="+mn-lt"/>
+                <a:ea typeface="+mn-ea"/>
+                <a:cs typeface="+mn-cs"/>
+              </a:defRPr>
+            </a:lvl3pPr>
+            <a:lvl4pPr marL="1600200" indent="-228600" algn="l" defTabSz="914400" rtl="0" eaLnBrk="1" latinLnBrk="0" hangingPunct="1">
+              <a:lnSpc>
+                <a:spcPct val="90000"/>
+              </a:lnSpc>
+              <a:spcBef>
+                <a:spcPts val="500"/>
+              </a:spcBef>
+              <a:buFont typeface="Arial" panose="020B0604020202020204" pitchFamily="34" charset="0"/>
+              <a:buChar char="•"/>
+              <a:defRPr sz="1800" kern="1200">
+                <a:solidFill>
+                  <a:schemeClr val="tx1"/>
+                </a:solidFill>
+                <a:latin typeface="+mn-lt"/>
+                <a:ea typeface="+mn-ea"/>
+                <a:cs typeface="+mn-cs"/>
+              </a:defRPr>
+            </a:lvl4pPr>
+            <a:lvl5pPr marL="2057400" indent="-228600" algn="l" defTabSz="914400" rtl="0" eaLnBrk="1" latinLnBrk="0" hangingPunct="1">
+              <a:lnSpc>
+                <a:spcPct val="90000"/>
+              </a:lnSpc>
+              <a:spcBef>
+                <a:spcPts val="500"/>
+              </a:spcBef>
+              <a:buFont typeface="Arial" panose="020B0604020202020204" pitchFamily="34" charset="0"/>
+              <a:buChar char="•"/>
+              <a:defRPr sz="1800" kern="1200">
+                <a:solidFill>
+                  <a:schemeClr val="tx1"/>
+                </a:solidFill>
+                <a:latin typeface="+mn-lt"/>
+                <a:ea typeface="+mn-ea"/>
+                <a:cs typeface="+mn-cs"/>
+              </a:defRPr>
+            </a:lvl5pPr>
+            <a:lvl6pPr marL="2514600" indent="-228600" algn="l" defTabSz="914400" rtl="0" eaLnBrk="1" latinLnBrk="0" hangingPunct="1">
+              <a:lnSpc>
+                <a:spcPct val="90000"/>
+              </a:lnSpc>
+              <a:spcBef>
+                <a:spcPts val="500"/>
+              </a:spcBef>
+              <a:buFont typeface="Arial" panose="020B0604020202020204" pitchFamily="34" charset="0"/>
+              <a:buChar char="•"/>
+              <a:defRPr sz="1800" kern="1200">
+                <a:solidFill>
+                  <a:schemeClr val="tx1"/>
+                </a:solidFill>
+                <a:latin typeface="+mn-lt"/>
+                <a:ea typeface="+mn-ea"/>
+                <a:cs typeface="+mn-cs"/>
+              </a:defRPr>
+            </a:lvl6pPr>
+            <a:lvl7pPr marL="2971800" indent="-228600" algn="l" defTabSz="914400" rtl="0" eaLnBrk="1" latinLnBrk="0" hangingPunct="1">
+              <a:lnSpc>
+                <a:spcPct val="90000"/>
+              </a:lnSpc>
+              <a:spcBef>
+                <a:spcPts val="500"/>
+              </a:spcBef>
+              <a:buFont typeface="Arial" panose="020B0604020202020204" pitchFamily="34" charset="0"/>
+              <a:buChar char="•"/>
+              <a:defRPr sz="1800" kern="1200">
+                <a:solidFill>
+                  <a:schemeClr val="tx1"/>
+                </a:solidFill>
+                <a:latin typeface="+mn-lt"/>
+                <a:ea typeface="+mn-ea"/>
+                <a:cs typeface="+mn-cs"/>
+              </a:defRPr>
+            </a:lvl7pPr>
+            <a:lvl8pPr marL="3429000" indent="-228600" algn="l" defTabSz="914400" rtl="0" eaLnBrk="1" latinLnBrk="0" hangingPunct="1">
+              <a:lnSpc>
+                <a:spcPct val="90000"/>
+              </a:lnSpc>
+              <a:spcBef>
+                <a:spcPts val="500"/>
+              </a:spcBef>
+              <a:buFont typeface="Arial" panose="020B0604020202020204" pitchFamily="34" charset="0"/>
+              <a:buChar char="•"/>
+              <a:defRPr sz="1800" kern="1200">
+                <a:solidFill>
+                  <a:schemeClr val="tx1"/>
+                </a:solidFill>
+                <a:latin typeface="+mn-lt"/>
+                <a:ea typeface="+mn-ea"/>
+                <a:cs typeface="+mn-cs"/>
+              </a:defRPr>
+            </a:lvl8pPr>
+            <a:lvl9pPr marL="3886200" indent="-228600" algn="l" defTabSz="914400" rtl="0" eaLnBrk="1" latinLnBrk="0" hangingPunct="1">
+              <a:lnSpc>
+                <a:spcPct val="90000"/>
+              </a:lnSpc>
+              <a:spcBef>
+                <a:spcPts val="500"/>
+              </a:spcBef>
+              <a:buFont typeface="Arial" panose="020B0604020202020204" pitchFamily="34" charset="0"/>
+              <a:buChar char="•"/>
+              <a:defRPr sz="1800" kern="1200">
+                <a:solidFill>
+                  <a:schemeClr val="tx1"/>
+                </a:solidFill>
+                <a:latin typeface="+mn-lt"/>
+                <a:ea typeface="+mn-ea"/>
+                <a:cs typeface="+mn-cs"/>
+              </a:defRPr>
+            </a:lvl9pPr>
+          </a:lstStyle>
+          <a:p>
+            <a:pPr marL="0" indent="0">
+              <a:buNone/>
+            </a:pPr>
+            <a:r>
+              <a:rPr lang="nl-NL" sz="1800" dirty="0"/>
+              <a:t>In </a:t>
+            </a:r>
+            <a:r>
+              <a:rPr lang="nl-NL" sz="1800" dirty="0" err="1"/>
+              <a:t>sklearn.metrics</a:t>
+            </a:r>
+            <a:r>
+              <a:rPr lang="nl-NL" sz="1800" dirty="0"/>
+              <a:t> vind je prestatie maten voor modellen:</a:t>
+            </a:r>
+          </a:p>
+          <a:p>
+            <a:pPr marL="0" indent="0">
+              <a:buNone/>
+            </a:pPr>
+            <a:r>
+              <a:rPr lang="nl-NL" sz="1800" dirty="0">
+                <a:hlinkClick r:id="rId2"/>
+              </a:rPr>
+              <a:t>https://scikit-learn.org/stable/modules/model_evaluation.html</a:t>
+            </a:r>
+            <a:endParaRPr lang="nl-NL" sz="1800" dirty="0"/>
+          </a:p>
+          <a:p>
+            <a:pPr marL="0" indent="0">
+              <a:buNone/>
+            </a:pPr>
+            <a:endParaRPr lang="nl-NL" sz="1800" dirty="0"/>
+          </a:p>
+          <a:p>
+            <a:pPr marL="0" indent="0">
+              <a:buNone/>
+            </a:pPr>
+            <a:r>
+              <a:rPr lang="nl-NL" sz="1800" dirty="0"/>
+              <a:t>Twee argumenten:</a:t>
+            </a:r>
+          </a:p>
+          <a:p>
+            <a:pPr marL="457200" indent="-457200">
+              <a:buAutoNum type="arabicPeriod"/>
+            </a:pPr>
+            <a:r>
+              <a:rPr lang="nl-NL" sz="1800" dirty="0" err="1">
+                <a:latin typeface="Courier New" panose="02070309020205020404" pitchFamily="49" charset="0"/>
+                <a:cs typeface="Courier New" panose="02070309020205020404" pitchFamily="49" charset="0"/>
+              </a:rPr>
+              <a:t>y_true</a:t>
+            </a:r>
+            <a:r>
+              <a:rPr lang="nl-NL" sz="1800" dirty="0"/>
+              <a:t>	Daadwerkelijke score uit training data.</a:t>
+            </a:r>
+          </a:p>
+          <a:p>
+            <a:pPr marL="457200" indent="-457200">
+              <a:buAutoNum type="arabicPeriod"/>
+            </a:pPr>
+            <a:r>
+              <a:rPr lang="nl-NL" sz="1800" dirty="0" err="1">
+                <a:latin typeface="Courier New" panose="02070309020205020404" pitchFamily="49" charset="0"/>
+                <a:cs typeface="Courier New" panose="02070309020205020404" pitchFamily="49" charset="0"/>
+              </a:rPr>
+              <a:t>y_pred</a:t>
+            </a:r>
+            <a:r>
+              <a:rPr lang="nl-NL" sz="1800" dirty="0"/>
+              <a:t>	Voorspelling van het model.</a:t>
+            </a:r>
+          </a:p>
+          <a:p>
+            <a:pPr marL="0" indent="0">
+              <a:buNone/>
+            </a:pPr>
+            <a:endParaRPr lang="nl-NL" sz="1800" dirty="0"/>
+          </a:p>
+          <a:p>
+            <a:pPr marL="0" indent="0">
+              <a:buNone/>
+            </a:pPr>
+            <a:r>
+              <a:rPr lang="nl-NL" sz="1800" dirty="0"/>
+              <a:t>Retourwaarde:</a:t>
+            </a:r>
+          </a:p>
+          <a:p>
+            <a:pPr marL="0" indent="0">
+              <a:buNone/>
+            </a:pPr>
+            <a:r>
+              <a:rPr lang="nl-NL" sz="1800" dirty="0"/>
+              <a:t>Een enkele prestatie score voor het model.</a:t>
+            </a:r>
+          </a:p>
+        </p:txBody>
+      </p:sp>
+      <p:sp>
+        <p:nvSpPr>
+          <p:cNvPr id="3" name="TextBox 2">
+            <a:extLst>
+              <a:ext uri="{FF2B5EF4-FFF2-40B4-BE49-F238E27FC236}">
+                <a16:creationId xmlns:a16="http://schemas.microsoft.com/office/drawing/2014/main" id="{F665CE7E-418E-CA1E-D7F1-E288EA9DC5CF}"/>
+              </a:ext>
+            </a:extLst>
+          </p:cNvPr>
+          <p:cNvSpPr txBox="1"/>
+          <p:nvPr/>
+        </p:nvSpPr>
+        <p:spPr>
+          <a:xfrm>
+            <a:off x="8092440" y="1608667"/>
+            <a:ext cx="3657600" cy="2246769"/>
+          </a:xfrm>
+          <a:prstGeom prst="rect">
+            <a:avLst/>
+          </a:prstGeom>
+          <a:noFill/>
+        </p:spPr>
+        <p:txBody>
+          <a:bodyPr wrap="square" rtlCol="0">
+            <a:spAutoFit/>
+          </a:bodyPr>
+          <a:lstStyle/>
+          <a:p>
+            <a:r>
+              <a:rPr lang="en-US" sz="1400" dirty="0">
+                <a:latin typeface="Courier New" panose="02070309020205020404" pitchFamily="49" charset="0"/>
+                <a:cs typeface="Courier New" panose="02070309020205020404" pitchFamily="49" charset="0"/>
+              </a:rPr>
+              <a:t>from </a:t>
+            </a:r>
+            <a:r>
+              <a:rPr lang="en-US" sz="1400" dirty="0" err="1">
+                <a:latin typeface="Courier New" panose="02070309020205020404" pitchFamily="49" charset="0"/>
+                <a:cs typeface="Courier New" panose="02070309020205020404" pitchFamily="49" charset="0"/>
+              </a:rPr>
+              <a:t>sklearn.metrics</a:t>
+            </a:r>
+            <a:r>
+              <a:rPr lang="en-US" sz="1400" dirty="0">
+                <a:latin typeface="Courier New" panose="02070309020205020404" pitchFamily="49" charset="0"/>
+                <a:cs typeface="Courier New" panose="02070309020205020404" pitchFamily="49" charset="0"/>
+              </a:rPr>
+              <a:t> import \</a:t>
+            </a:r>
+          </a:p>
+          <a:p>
+            <a:r>
+              <a:rPr lang="en-US" sz="1400" dirty="0">
+                <a:latin typeface="Courier New" panose="02070309020205020404" pitchFamily="49" charset="0"/>
+                <a:cs typeface="Courier New" panose="02070309020205020404" pitchFamily="49" charset="0"/>
+              </a:rPr>
+              <a:t>  </a:t>
+            </a:r>
+            <a:r>
+              <a:rPr lang="en-US" sz="1400" dirty="0" err="1">
+                <a:latin typeface="Courier New" panose="02070309020205020404" pitchFamily="49" charset="0"/>
+                <a:cs typeface="Courier New" panose="02070309020205020404" pitchFamily="49" charset="0"/>
+              </a:rPr>
+              <a:t>accuracy_score</a:t>
+            </a:r>
+            <a:endParaRPr lang="en-US" sz="1400" dirty="0">
+              <a:latin typeface="Courier New" panose="02070309020205020404" pitchFamily="49" charset="0"/>
+              <a:cs typeface="Courier New" panose="02070309020205020404" pitchFamily="49" charset="0"/>
+            </a:endParaRPr>
+          </a:p>
+          <a:p>
+            <a:endParaRPr lang="en-US" sz="1400" dirty="0">
+              <a:latin typeface="Courier New" panose="02070309020205020404" pitchFamily="49" charset="0"/>
+              <a:cs typeface="Courier New" panose="02070309020205020404" pitchFamily="49" charset="0"/>
+            </a:endParaRPr>
+          </a:p>
+          <a:p>
+            <a:endParaRPr lang="en-US" sz="1400" dirty="0">
+              <a:latin typeface="Courier New" panose="02070309020205020404" pitchFamily="49" charset="0"/>
+              <a:cs typeface="Courier New" panose="02070309020205020404" pitchFamily="49" charset="0"/>
+            </a:endParaRPr>
+          </a:p>
+          <a:p>
+            <a:r>
+              <a:rPr lang="en-US" sz="1400" dirty="0" err="1">
+                <a:latin typeface="Courier New" panose="02070309020205020404" pitchFamily="49" charset="0"/>
+                <a:cs typeface="Courier New" panose="02070309020205020404" pitchFamily="49" charset="0"/>
+              </a:rPr>
+              <a:t>y_true</a:t>
+            </a:r>
+            <a:r>
+              <a:rPr lang="en-US" sz="1400" dirty="0">
+                <a:latin typeface="Courier New" panose="02070309020205020404" pitchFamily="49" charset="0"/>
+                <a:cs typeface="Courier New" panose="02070309020205020404" pitchFamily="49" charset="0"/>
+              </a:rPr>
+              <a:t> = [0, 1, 2, 3]</a:t>
+            </a:r>
+          </a:p>
+          <a:p>
+            <a:r>
+              <a:rPr lang="en-US" sz="1400" dirty="0" err="1">
+                <a:latin typeface="Courier New" panose="02070309020205020404" pitchFamily="49" charset="0"/>
+                <a:cs typeface="Courier New" panose="02070309020205020404" pitchFamily="49" charset="0"/>
+              </a:rPr>
+              <a:t>y_pred</a:t>
+            </a:r>
+            <a:r>
+              <a:rPr lang="en-US" sz="1400" dirty="0">
+                <a:latin typeface="Courier New" panose="02070309020205020404" pitchFamily="49" charset="0"/>
+                <a:cs typeface="Courier New" panose="02070309020205020404" pitchFamily="49" charset="0"/>
+              </a:rPr>
+              <a:t> = [0, 1, 3, 2]</a:t>
+            </a:r>
+          </a:p>
+          <a:p>
+            <a:endParaRPr lang="en-US" sz="1400" dirty="0">
+              <a:latin typeface="Courier New" panose="02070309020205020404" pitchFamily="49" charset="0"/>
+              <a:cs typeface="Courier New" panose="02070309020205020404" pitchFamily="49" charset="0"/>
+            </a:endParaRPr>
+          </a:p>
+          <a:p>
+            <a:endParaRPr lang="en-US" sz="1400" dirty="0">
+              <a:latin typeface="Courier New" panose="02070309020205020404" pitchFamily="49" charset="0"/>
+              <a:cs typeface="Courier New" panose="02070309020205020404" pitchFamily="49" charset="0"/>
+            </a:endParaRPr>
+          </a:p>
+          <a:p>
+            <a:r>
+              <a:rPr lang="en-US" sz="1400" dirty="0" err="1">
+                <a:latin typeface="Courier New" panose="02070309020205020404" pitchFamily="49" charset="0"/>
+                <a:cs typeface="Courier New" panose="02070309020205020404" pitchFamily="49" charset="0"/>
+              </a:rPr>
+              <a:t>accuracy_score</a:t>
+            </a:r>
+            <a:r>
+              <a:rPr lang="en-US" sz="1400" dirty="0">
+                <a:latin typeface="Courier New" panose="02070309020205020404" pitchFamily="49" charset="0"/>
+                <a:cs typeface="Courier New" panose="02070309020205020404" pitchFamily="49" charset="0"/>
+              </a:rPr>
+              <a:t>(</a:t>
+            </a:r>
+            <a:r>
+              <a:rPr lang="en-US" sz="1400" dirty="0" err="1">
+                <a:latin typeface="Courier New" panose="02070309020205020404" pitchFamily="49" charset="0"/>
+                <a:cs typeface="Courier New" panose="02070309020205020404" pitchFamily="49" charset="0"/>
+              </a:rPr>
+              <a:t>y_true</a:t>
+            </a:r>
+            <a:r>
+              <a:rPr lang="en-US" sz="1400" dirty="0">
+                <a:latin typeface="Courier New" panose="02070309020205020404" pitchFamily="49" charset="0"/>
+                <a:cs typeface="Courier New" panose="02070309020205020404" pitchFamily="49" charset="0"/>
+              </a:rPr>
+              <a:t>, </a:t>
+            </a:r>
+            <a:r>
+              <a:rPr lang="en-US" sz="1400" dirty="0" err="1">
+                <a:latin typeface="Courier New" panose="02070309020205020404" pitchFamily="49" charset="0"/>
+                <a:cs typeface="Courier New" panose="02070309020205020404" pitchFamily="49" charset="0"/>
+              </a:rPr>
+              <a:t>y_pred</a:t>
+            </a:r>
+            <a:r>
+              <a:rPr lang="en-US" sz="1400" dirty="0">
+                <a:latin typeface="Courier New" panose="02070309020205020404" pitchFamily="49" charset="0"/>
+                <a:cs typeface="Courier New" panose="02070309020205020404" pitchFamily="49" charset="0"/>
+              </a:rPr>
+              <a:t>)</a:t>
+            </a:r>
+          </a:p>
+          <a:p>
+            <a:r>
+              <a:rPr lang="en-US" sz="1400" dirty="0">
+                <a:latin typeface="Courier New" panose="02070309020205020404" pitchFamily="49" charset="0"/>
+                <a:cs typeface="Courier New" panose="02070309020205020404" pitchFamily="49" charset="0"/>
+              </a:rPr>
+              <a:t># returns 0.5</a:t>
+            </a:r>
+            <a:endParaRPr lang="en-NL" sz="1400" dirty="0">
+              <a:latin typeface="Courier New" panose="02070309020205020404" pitchFamily="49" charset="0"/>
+              <a:cs typeface="Courier New" panose="02070309020205020404" pitchFamily="49" charset="0"/>
+            </a:endParaRPr>
+          </a:p>
+        </p:txBody>
+      </p:sp>
+      <p:cxnSp>
+        <p:nvCxnSpPr>
+          <p:cNvPr id="6" name="Straight Connector 5">
+            <a:extLst>
+              <a:ext uri="{FF2B5EF4-FFF2-40B4-BE49-F238E27FC236}">
+                <a16:creationId xmlns:a16="http://schemas.microsoft.com/office/drawing/2014/main" id="{B506F0B0-302C-0F2B-BCF4-350934C95DC4}"/>
+              </a:ext>
+            </a:extLst>
+          </p:cNvPr>
+          <p:cNvCxnSpPr/>
+          <p:nvPr/>
+        </p:nvCxnSpPr>
+        <p:spPr>
+          <a:xfrm>
+            <a:off x="7543800" y="1608667"/>
+            <a:ext cx="0" cy="4694162"/>
+          </a:xfrm>
+          <a:prstGeom prst="line">
+            <a:avLst/>
+          </a:prstGeom>
+        </p:spPr>
+        <p:style>
+          <a:lnRef idx="2">
+            <a:schemeClr val="dk1"/>
+          </a:lnRef>
+          <a:fillRef idx="0">
+            <a:schemeClr val="dk1"/>
+          </a:fillRef>
+          <a:effectRef idx="1">
+            <a:schemeClr val="dk1"/>
+          </a:effectRef>
+          <a:fontRef idx="minor">
+            <a:schemeClr val="tx1"/>
+          </a:fontRef>
+        </p:style>
+      </p:cxnSp>
+    </p:spTree>
+    <p:extLst>
+      <p:ext uri="{BB962C8B-B14F-4D97-AF65-F5344CB8AC3E}">
+        <p14:creationId xmlns:p14="http://schemas.microsoft.com/office/powerpoint/2010/main" val="1455309134"/>
+      </p:ext>
+    </p:extLst>
+  </p:cSld>
+  <p:clrMapOvr>
+    <a:masterClrMapping/>
+  </p:clrMapOvr>
+</p:sld>
+</file>
+
+<file path=ppt/slides/slide27.xml><?xml version="1.0" encoding="utf-8"?>
+<p:sld xmlns:a="http://schemas.openxmlformats.org/drawingml/2006/main" xmlns:r="http://schemas.openxmlformats.org/officeDocument/2006/relationships" xmlns:p="http://schemas.openxmlformats.org/presentationml/2006/main">
+  <p:cSld>
+    <p:spTree>
+      <p:nvGrpSpPr>
+        <p:cNvPr id="1" name=""/>
+        <p:cNvGrpSpPr/>
+        <p:nvPr/>
+      </p:nvGrpSpPr>
+      <p:grpSpPr>
+        <a:xfrm>
+          <a:off x="0" y="0"/>
+          <a:ext cx="0" cy="0"/>
+          <a:chOff x="0" y="0"/>
+          <a:chExt cx="0" cy="0"/>
+        </a:xfrm>
+      </p:grpSpPr>
+      <p:sp>
+        <p:nvSpPr>
+          <p:cNvPr id="2" name="Title 1">
+            <a:extLst>
+              <a:ext uri="{FF2B5EF4-FFF2-40B4-BE49-F238E27FC236}">
+                <a16:creationId xmlns:a16="http://schemas.microsoft.com/office/drawing/2014/main" id="{39A1D606-8DD1-369C-5C09-471CDD551AD5}"/>
+              </a:ext>
+            </a:extLst>
+          </p:cNvPr>
+          <p:cNvSpPr>
+            <a:spLocks noGrp="1"/>
+          </p:cNvSpPr>
+          <p:nvPr>
+            <p:ph type="title"/>
+          </p:nvPr>
+        </p:nvSpPr>
+        <p:spPr>
+          <a:xfrm>
+            <a:off x="838200" y="365126"/>
+            <a:ext cx="10515600" cy="718608"/>
+          </a:xfrm>
+        </p:spPr>
+        <p:txBody>
+          <a:bodyPr>
+            <a:normAutofit/>
+          </a:bodyPr>
+          <a:lstStyle/>
+          <a:p>
+            <a:r>
+              <a:rPr lang="nl-NL" sz="3600" noProof="0" dirty="0"/>
+              <a:t>Dummy modellen</a:t>
+            </a:r>
+          </a:p>
+        </p:txBody>
+      </p:sp>
+      <p:sp>
+        <p:nvSpPr>
+          <p:cNvPr id="4" name="TextBox 3">
+            <a:extLst>
+              <a:ext uri="{FF2B5EF4-FFF2-40B4-BE49-F238E27FC236}">
+                <a16:creationId xmlns:a16="http://schemas.microsoft.com/office/drawing/2014/main" id="{B47EA95A-6DDD-ED89-357A-943A5BC87A94}"/>
+              </a:ext>
+            </a:extLst>
+          </p:cNvPr>
+          <p:cNvSpPr txBox="1"/>
+          <p:nvPr/>
+        </p:nvSpPr>
+        <p:spPr>
+          <a:xfrm>
+            <a:off x="6555232" y="2530561"/>
+            <a:ext cx="184731" cy="369332"/>
+          </a:xfrm>
+          <a:prstGeom prst="rect">
+            <a:avLst/>
+          </a:prstGeom>
+          <a:noFill/>
+        </p:spPr>
+        <p:txBody>
+          <a:bodyPr wrap="none" rtlCol="0">
+            <a:spAutoFit/>
+          </a:bodyPr>
+          <a:lstStyle/>
+          <a:p>
+            <a:endParaRPr lang="en-NL" dirty="0"/>
+          </a:p>
+        </p:txBody>
+      </p:sp>
+      <p:sp>
+        <p:nvSpPr>
+          <p:cNvPr id="9" name="Content Placeholder 2">
+            <a:extLst>
+              <a:ext uri="{FF2B5EF4-FFF2-40B4-BE49-F238E27FC236}">
+                <a16:creationId xmlns:a16="http://schemas.microsoft.com/office/drawing/2014/main" id="{859EFECF-ED02-A3B2-D77A-667F104FEDE5}"/>
+              </a:ext>
+            </a:extLst>
+          </p:cNvPr>
+          <p:cNvSpPr txBox="1">
+            <a:spLocks/>
+          </p:cNvSpPr>
+          <p:nvPr/>
+        </p:nvSpPr>
+        <p:spPr>
+          <a:xfrm>
+            <a:off x="990602" y="1608667"/>
+            <a:ext cx="6109061" cy="4720696"/>
+          </a:xfrm>
+          <a:prstGeom prst="rect">
+            <a:avLst/>
+          </a:prstGeom>
+        </p:spPr>
+        <p:txBody>
+          <a:bodyPr vert="horz" lIns="91440" tIns="45720" rIns="91440" bIns="45720" rtlCol="0">
+            <a:normAutofit fontScale="85000" lnSpcReduction="20000"/>
+          </a:bodyPr>
+          <a:lstStyle>
+            <a:lvl1pPr marL="228600" indent="-228600" algn="l" defTabSz="914400" rtl="0" eaLnBrk="1" latinLnBrk="0" hangingPunct="1">
+              <a:lnSpc>
+                <a:spcPct val="90000"/>
+              </a:lnSpc>
+              <a:spcBef>
+                <a:spcPts val="1000"/>
+              </a:spcBef>
+              <a:buFont typeface="Arial" panose="020B0604020202020204" pitchFamily="34" charset="0"/>
+              <a:buChar char="•"/>
+              <a:defRPr sz="2800" kern="1200">
+                <a:solidFill>
+                  <a:schemeClr val="tx1"/>
+                </a:solidFill>
+                <a:latin typeface="+mn-lt"/>
+                <a:ea typeface="+mn-ea"/>
+                <a:cs typeface="+mn-cs"/>
+              </a:defRPr>
+            </a:lvl1pPr>
+            <a:lvl2pPr marL="685800" indent="-228600" algn="l" defTabSz="914400" rtl="0" eaLnBrk="1" latinLnBrk="0" hangingPunct="1">
+              <a:lnSpc>
+                <a:spcPct val="90000"/>
+              </a:lnSpc>
+              <a:spcBef>
+                <a:spcPts val="500"/>
+              </a:spcBef>
+              <a:buFont typeface="Arial" panose="020B0604020202020204" pitchFamily="34" charset="0"/>
+              <a:buChar char="•"/>
+              <a:defRPr sz="2400" kern="1200">
+                <a:solidFill>
+                  <a:schemeClr val="tx1"/>
+                </a:solidFill>
+                <a:latin typeface="+mn-lt"/>
+                <a:ea typeface="+mn-ea"/>
+                <a:cs typeface="+mn-cs"/>
+              </a:defRPr>
+            </a:lvl2pPr>
+            <a:lvl3pPr marL="1143000" indent="-228600" algn="l" defTabSz="914400" rtl="0" eaLnBrk="1" latinLnBrk="0" hangingPunct="1">
+              <a:lnSpc>
+                <a:spcPct val="90000"/>
+              </a:lnSpc>
+              <a:spcBef>
+                <a:spcPts val="500"/>
+              </a:spcBef>
+              <a:buFont typeface="Arial" panose="020B0604020202020204" pitchFamily="34" charset="0"/>
+              <a:buChar char="•"/>
+              <a:defRPr sz="2000" kern="1200">
+                <a:solidFill>
+                  <a:schemeClr val="tx1"/>
+                </a:solidFill>
+                <a:latin typeface="+mn-lt"/>
+                <a:ea typeface="+mn-ea"/>
+                <a:cs typeface="+mn-cs"/>
+              </a:defRPr>
+            </a:lvl3pPr>
+            <a:lvl4pPr marL="1600200" indent="-228600" algn="l" defTabSz="914400" rtl="0" eaLnBrk="1" latinLnBrk="0" hangingPunct="1">
+              <a:lnSpc>
+                <a:spcPct val="90000"/>
+              </a:lnSpc>
+              <a:spcBef>
+                <a:spcPts val="500"/>
+              </a:spcBef>
+              <a:buFont typeface="Arial" panose="020B0604020202020204" pitchFamily="34" charset="0"/>
+              <a:buChar char="•"/>
+              <a:defRPr sz="1800" kern="1200">
+                <a:solidFill>
+                  <a:schemeClr val="tx1"/>
+                </a:solidFill>
+                <a:latin typeface="+mn-lt"/>
+                <a:ea typeface="+mn-ea"/>
+                <a:cs typeface="+mn-cs"/>
+              </a:defRPr>
+            </a:lvl4pPr>
+            <a:lvl5pPr marL="2057400" indent="-228600" algn="l" defTabSz="914400" rtl="0" eaLnBrk="1" latinLnBrk="0" hangingPunct="1">
+              <a:lnSpc>
+                <a:spcPct val="90000"/>
+              </a:lnSpc>
+              <a:spcBef>
+                <a:spcPts val="500"/>
+              </a:spcBef>
+              <a:buFont typeface="Arial" panose="020B0604020202020204" pitchFamily="34" charset="0"/>
+              <a:buChar char="•"/>
+              <a:defRPr sz="1800" kern="1200">
+                <a:solidFill>
+                  <a:schemeClr val="tx1"/>
+                </a:solidFill>
+                <a:latin typeface="+mn-lt"/>
+                <a:ea typeface="+mn-ea"/>
+                <a:cs typeface="+mn-cs"/>
+              </a:defRPr>
+            </a:lvl5pPr>
+            <a:lvl6pPr marL="2514600" indent="-228600" algn="l" defTabSz="914400" rtl="0" eaLnBrk="1" latinLnBrk="0" hangingPunct="1">
+              <a:lnSpc>
+                <a:spcPct val="90000"/>
+              </a:lnSpc>
+              <a:spcBef>
+                <a:spcPts val="500"/>
+              </a:spcBef>
+              <a:buFont typeface="Arial" panose="020B0604020202020204" pitchFamily="34" charset="0"/>
+              <a:buChar char="•"/>
+              <a:defRPr sz="1800" kern="1200">
+                <a:solidFill>
+                  <a:schemeClr val="tx1"/>
+                </a:solidFill>
+                <a:latin typeface="+mn-lt"/>
+                <a:ea typeface="+mn-ea"/>
+                <a:cs typeface="+mn-cs"/>
+              </a:defRPr>
+            </a:lvl6pPr>
+            <a:lvl7pPr marL="2971800" indent="-228600" algn="l" defTabSz="914400" rtl="0" eaLnBrk="1" latinLnBrk="0" hangingPunct="1">
+              <a:lnSpc>
+                <a:spcPct val="90000"/>
+              </a:lnSpc>
+              <a:spcBef>
+                <a:spcPts val="500"/>
+              </a:spcBef>
+              <a:buFont typeface="Arial" panose="020B0604020202020204" pitchFamily="34" charset="0"/>
+              <a:buChar char="•"/>
+              <a:defRPr sz="1800" kern="1200">
+                <a:solidFill>
+                  <a:schemeClr val="tx1"/>
+                </a:solidFill>
+                <a:latin typeface="+mn-lt"/>
+                <a:ea typeface="+mn-ea"/>
+                <a:cs typeface="+mn-cs"/>
+              </a:defRPr>
+            </a:lvl7pPr>
+            <a:lvl8pPr marL="3429000" indent="-228600" algn="l" defTabSz="914400" rtl="0" eaLnBrk="1" latinLnBrk="0" hangingPunct="1">
+              <a:lnSpc>
+                <a:spcPct val="90000"/>
+              </a:lnSpc>
+              <a:spcBef>
+                <a:spcPts val="500"/>
+              </a:spcBef>
+              <a:buFont typeface="Arial" panose="020B0604020202020204" pitchFamily="34" charset="0"/>
+              <a:buChar char="•"/>
+              <a:defRPr sz="1800" kern="1200">
+                <a:solidFill>
+                  <a:schemeClr val="tx1"/>
+                </a:solidFill>
+                <a:latin typeface="+mn-lt"/>
+                <a:ea typeface="+mn-ea"/>
+                <a:cs typeface="+mn-cs"/>
+              </a:defRPr>
+            </a:lvl8pPr>
+            <a:lvl9pPr marL="3886200" indent="-228600" algn="l" defTabSz="914400" rtl="0" eaLnBrk="1" latinLnBrk="0" hangingPunct="1">
+              <a:lnSpc>
+                <a:spcPct val="90000"/>
+              </a:lnSpc>
+              <a:spcBef>
+                <a:spcPts val="500"/>
+              </a:spcBef>
+              <a:buFont typeface="Arial" panose="020B0604020202020204" pitchFamily="34" charset="0"/>
+              <a:buChar char="•"/>
+              <a:defRPr sz="1800" kern="1200">
+                <a:solidFill>
+                  <a:schemeClr val="tx1"/>
+                </a:solidFill>
+                <a:latin typeface="+mn-lt"/>
+                <a:ea typeface="+mn-ea"/>
+                <a:cs typeface="+mn-cs"/>
+              </a:defRPr>
+            </a:lvl9pPr>
+          </a:lstStyle>
+          <a:p>
+            <a:pPr marL="0" indent="0">
+              <a:buNone/>
+            </a:pPr>
+            <a:r>
+              <a:rPr lang="nl-NL" sz="1800" dirty="0"/>
+              <a:t>Een dummy model kan een goede benchmark zijn om prestaties mee te vergelijken.</a:t>
+            </a:r>
+          </a:p>
+          <a:p>
+            <a:pPr marL="0" indent="0">
+              <a:buNone/>
+            </a:pPr>
+            <a:endParaRPr lang="nl-NL" sz="1800" dirty="0"/>
+          </a:p>
+          <a:p>
+            <a:pPr marL="0" indent="0">
+              <a:buNone/>
+            </a:pPr>
+            <a:r>
+              <a:rPr lang="nl-NL" sz="1800" dirty="0"/>
+              <a:t>Dummy modellen voor continue en categorische uitkomsten:</a:t>
+            </a:r>
+          </a:p>
+          <a:p>
+            <a:pPr marL="0" indent="0">
+              <a:buNone/>
+            </a:pPr>
+            <a:endParaRPr lang="nl-NL" sz="1800" dirty="0"/>
+          </a:p>
+          <a:p>
+            <a:pPr marL="0" indent="0">
+              <a:buNone/>
+            </a:pPr>
+            <a:r>
+              <a:rPr lang="nl-NL" sz="1800" b="1" dirty="0" err="1"/>
+              <a:t>sklearn.dummy.DummyRegressor</a:t>
+            </a:r>
+            <a:endParaRPr lang="nl-NL" sz="1800" b="1" dirty="0"/>
+          </a:p>
+          <a:p>
+            <a:pPr>
+              <a:buFontTx/>
+              <a:buChar char="-"/>
+            </a:pPr>
+            <a:r>
+              <a:rPr lang="nl-NL" sz="1800" dirty="0" err="1">
+                <a:latin typeface="Courier New" panose="02070309020205020404" pitchFamily="49" charset="0"/>
+                <a:cs typeface="Courier New" panose="02070309020205020404" pitchFamily="49" charset="0"/>
+              </a:rPr>
+              <a:t>mean</a:t>
+            </a:r>
+            <a:r>
+              <a:rPr lang="nl-NL" sz="1800" dirty="0"/>
+              <a:t> 			Voorspel gemiddelde waarde.</a:t>
+            </a:r>
+          </a:p>
+          <a:p>
+            <a:pPr>
+              <a:buFontTx/>
+              <a:buChar char="-"/>
+            </a:pPr>
+            <a:r>
+              <a:rPr lang="nl-NL" sz="1800" dirty="0" err="1">
+                <a:latin typeface="Courier New" panose="02070309020205020404" pitchFamily="49" charset="0"/>
+                <a:cs typeface="Courier New" panose="02070309020205020404" pitchFamily="49" charset="0"/>
+              </a:rPr>
+              <a:t>median</a:t>
+            </a:r>
+            <a:r>
+              <a:rPr lang="nl-NL" sz="1800" dirty="0">
+                <a:latin typeface="Courier New" panose="02070309020205020404" pitchFamily="49" charset="0"/>
+                <a:cs typeface="Courier New" panose="02070309020205020404" pitchFamily="49" charset="0"/>
+              </a:rPr>
+              <a:t>/</a:t>
+            </a:r>
+            <a:r>
+              <a:rPr lang="nl-NL" sz="1800" dirty="0" err="1">
+                <a:latin typeface="Courier New" panose="02070309020205020404" pitchFamily="49" charset="0"/>
+                <a:cs typeface="Courier New" panose="02070309020205020404" pitchFamily="49" charset="0"/>
+              </a:rPr>
+              <a:t>quantile</a:t>
+            </a:r>
+            <a:r>
+              <a:rPr lang="nl-NL" sz="1800" dirty="0"/>
+              <a:t> 	Voorspel een bepaald kwantiel.</a:t>
+            </a:r>
+          </a:p>
+          <a:p>
+            <a:pPr>
+              <a:buFontTx/>
+              <a:buChar char="-"/>
+            </a:pPr>
+            <a:r>
+              <a:rPr lang="nl-NL" sz="1800" dirty="0">
+                <a:latin typeface="Courier New" panose="02070309020205020404" pitchFamily="49" charset="0"/>
+                <a:cs typeface="Courier New" panose="02070309020205020404" pitchFamily="49" charset="0"/>
+              </a:rPr>
+              <a:t>constant</a:t>
+            </a:r>
+            <a:r>
+              <a:rPr lang="nl-NL" sz="1800" dirty="0"/>
+              <a:t>		Voorspel constante waarde.</a:t>
+            </a:r>
+          </a:p>
+          <a:p>
+            <a:pPr marL="0" indent="0">
+              <a:buNone/>
+            </a:pPr>
+            <a:endParaRPr lang="nl-NL" sz="1800" dirty="0"/>
+          </a:p>
+          <a:p>
+            <a:pPr marL="0" indent="0">
+              <a:buNone/>
+            </a:pPr>
+            <a:endParaRPr lang="nl-NL" sz="1800" dirty="0"/>
+          </a:p>
+          <a:p>
+            <a:pPr marL="0" indent="0">
+              <a:buNone/>
+            </a:pPr>
+            <a:r>
+              <a:rPr lang="nl-NL" sz="1800" b="1" dirty="0" err="1"/>
+              <a:t>sklearn.dummy.DummyClassifier</a:t>
+            </a:r>
+            <a:endParaRPr lang="nl-NL" sz="1800" b="1" dirty="0"/>
+          </a:p>
+          <a:p>
+            <a:pPr>
+              <a:buFontTx/>
+              <a:buChar char="-"/>
+            </a:pPr>
+            <a:r>
+              <a:rPr lang="nl-NL" sz="1800" dirty="0" err="1">
+                <a:latin typeface="Courier New" panose="02070309020205020404" pitchFamily="49" charset="0"/>
+                <a:cs typeface="Courier New" panose="02070309020205020404" pitchFamily="49" charset="0"/>
+              </a:rPr>
+              <a:t>most_frequent</a:t>
+            </a:r>
+            <a:r>
+              <a:rPr lang="nl-NL" sz="1800" dirty="0">
+                <a:latin typeface="Courier New" panose="02070309020205020404" pitchFamily="49" charset="0"/>
+                <a:cs typeface="Courier New" panose="02070309020205020404" pitchFamily="49" charset="0"/>
+              </a:rPr>
+              <a:t>/prior</a:t>
+            </a:r>
+            <a:r>
+              <a:rPr lang="nl-NL" sz="1800" dirty="0"/>
+              <a:t>	Voorspel meest voorkomende waarde.</a:t>
+            </a:r>
+          </a:p>
+          <a:p>
+            <a:pPr>
+              <a:buFontTx/>
+              <a:buChar char="-"/>
+            </a:pPr>
+            <a:r>
+              <a:rPr lang="nl-NL" sz="1800" dirty="0" err="1">
+                <a:latin typeface="Courier New" panose="02070309020205020404" pitchFamily="49" charset="0"/>
+                <a:cs typeface="Courier New" panose="02070309020205020404" pitchFamily="49" charset="0"/>
+              </a:rPr>
+              <a:t>stratified</a:t>
+            </a:r>
+            <a:r>
+              <a:rPr lang="nl-NL" sz="1800" dirty="0"/>
+              <a:t> 		Trek waarde uit vergelijkbare verdeling.</a:t>
+            </a:r>
+          </a:p>
+          <a:p>
+            <a:pPr>
+              <a:buFontTx/>
+              <a:buChar char="-"/>
+            </a:pPr>
+            <a:r>
+              <a:rPr lang="nl-NL" sz="1800" dirty="0">
+                <a:latin typeface="Courier New" panose="02070309020205020404" pitchFamily="49" charset="0"/>
+                <a:cs typeface="Courier New" panose="02070309020205020404" pitchFamily="49" charset="0"/>
+              </a:rPr>
+              <a:t>uniform</a:t>
+            </a:r>
+            <a:r>
+              <a:rPr lang="nl-NL" sz="1800" dirty="0"/>
+              <a:t>		Trek waarde uit uniforme verdeling.</a:t>
+            </a:r>
+          </a:p>
+          <a:p>
+            <a:pPr>
+              <a:buFontTx/>
+              <a:buChar char="-"/>
+            </a:pPr>
+            <a:r>
+              <a:rPr lang="nl-NL" sz="1800" dirty="0">
+                <a:latin typeface="Courier New" panose="02070309020205020404" pitchFamily="49" charset="0"/>
+                <a:cs typeface="Courier New" panose="02070309020205020404" pitchFamily="49" charset="0"/>
+              </a:rPr>
+              <a:t>constant</a:t>
+            </a:r>
+            <a:r>
+              <a:rPr lang="nl-NL" sz="1800" dirty="0"/>
+              <a:t>		Voorspel constante waarde.</a:t>
+            </a:r>
+          </a:p>
+        </p:txBody>
+      </p:sp>
+      <p:sp>
+        <p:nvSpPr>
+          <p:cNvPr id="3" name="TextBox 2">
+            <a:extLst>
+              <a:ext uri="{FF2B5EF4-FFF2-40B4-BE49-F238E27FC236}">
+                <a16:creationId xmlns:a16="http://schemas.microsoft.com/office/drawing/2014/main" id="{F665CE7E-418E-CA1E-D7F1-E288EA9DC5CF}"/>
+              </a:ext>
+            </a:extLst>
+          </p:cNvPr>
+          <p:cNvSpPr txBox="1"/>
+          <p:nvPr/>
+        </p:nvSpPr>
+        <p:spPr>
+          <a:xfrm>
+            <a:off x="8092440" y="1608667"/>
+            <a:ext cx="3657600" cy="3323987"/>
+          </a:xfrm>
+          <a:prstGeom prst="rect">
+            <a:avLst/>
+          </a:prstGeom>
+          <a:noFill/>
+        </p:spPr>
+        <p:txBody>
+          <a:bodyPr wrap="square" rtlCol="0">
+            <a:spAutoFit/>
+          </a:bodyPr>
+          <a:lstStyle/>
+          <a:p>
+            <a:r>
+              <a:rPr lang="en-US" sz="1400" dirty="0">
+                <a:latin typeface="Courier New" panose="02070309020205020404" pitchFamily="49" charset="0"/>
+                <a:cs typeface="Courier New" panose="02070309020205020404" pitchFamily="49" charset="0"/>
+              </a:rPr>
+              <a:t>from </a:t>
+            </a:r>
+            <a:r>
+              <a:rPr lang="en-US" sz="1400" dirty="0" err="1">
+                <a:latin typeface="Courier New" panose="02070309020205020404" pitchFamily="49" charset="0"/>
+                <a:cs typeface="Courier New" panose="02070309020205020404" pitchFamily="49" charset="0"/>
+              </a:rPr>
+              <a:t>sklearn.dummy</a:t>
+            </a:r>
+            <a:r>
+              <a:rPr lang="en-US" sz="1400" dirty="0">
+                <a:latin typeface="Courier New" panose="02070309020205020404" pitchFamily="49" charset="0"/>
+                <a:cs typeface="Courier New" panose="02070309020205020404" pitchFamily="49" charset="0"/>
+              </a:rPr>
+              <a:t> import \</a:t>
+            </a:r>
+          </a:p>
+          <a:p>
+            <a:r>
+              <a:rPr lang="en-US" sz="1400" dirty="0">
+                <a:latin typeface="Courier New" panose="02070309020205020404" pitchFamily="49" charset="0"/>
+                <a:cs typeface="Courier New" panose="02070309020205020404" pitchFamily="49" charset="0"/>
+              </a:rPr>
+              <a:t>  </a:t>
+            </a:r>
+            <a:r>
+              <a:rPr lang="en-US" sz="1400" dirty="0" err="1">
+                <a:latin typeface="Courier New" panose="02070309020205020404" pitchFamily="49" charset="0"/>
+                <a:cs typeface="Courier New" panose="02070309020205020404" pitchFamily="49" charset="0"/>
+              </a:rPr>
+              <a:t>DummyRegressor</a:t>
+            </a:r>
+            <a:endParaRPr lang="en-US" sz="1400" dirty="0">
+              <a:latin typeface="Courier New" panose="02070309020205020404" pitchFamily="49" charset="0"/>
+              <a:cs typeface="Courier New" panose="02070309020205020404" pitchFamily="49" charset="0"/>
+            </a:endParaRPr>
+          </a:p>
+          <a:p>
+            <a:endParaRPr lang="en-US" sz="1400" dirty="0">
+              <a:latin typeface="Courier New" panose="02070309020205020404" pitchFamily="49" charset="0"/>
+              <a:cs typeface="Courier New" panose="02070309020205020404" pitchFamily="49" charset="0"/>
+            </a:endParaRPr>
+          </a:p>
+          <a:p>
+            <a:endParaRPr lang="en-US" sz="1400" dirty="0">
+              <a:latin typeface="Courier New" panose="02070309020205020404" pitchFamily="49" charset="0"/>
+              <a:cs typeface="Courier New" panose="02070309020205020404" pitchFamily="49" charset="0"/>
+            </a:endParaRPr>
+          </a:p>
+          <a:p>
+            <a:r>
+              <a:rPr lang="en-US" sz="1400" dirty="0">
+                <a:latin typeface="Courier New" panose="02070309020205020404" pitchFamily="49" charset="0"/>
+                <a:cs typeface="Courier New" panose="02070309020205020404" pitchFamily="49" charset="0"/>
+              </a:rPr>
+              <a:t>X = [[25, 25], [50, 50]]</a:t>
+            </a:r>
+          </a:p>
+          <a:p>
+            <a:r>
+              <a:rPr lang="en-US" sz="1400" dirty="0">
+                <a:latin typeface="Courier New" panose="02070309020205020404" pitchFamily="49" charset="0"/>
+                <a:cs typeface="Courier New" panose="02070309020205020404" pitchFamily="49" charset="0"/>
+              </a:rPr>
+              <a:t>y = [50, 100]</a:t>
+            </a:r>
+          </a:p>
+          <a:p>
+            <a:endParaRPr lang="en-US" sz="1400" dirty="0">
+              <a:latin typeface="Courier New" panose="02070309020205020404" pitchFamily="49" charset="0"/>
+              <a:cs typeface="Courier New" panose="02070309020205020404" pitchFamily="49" charset="0"/>
+            </a:endParaRPr>
+          </a:p>
+          <a:p>
+            <a:endParaRPr lang="en-US" sz="1400" dirty="0">
+              <a:latin typeface="Courier New" panose="02070309020205020404" pitchFamily="49" charset="0"/>
+              <a:cs typeface="Courier New" panose="02070309020205020404" pitchFamily="49" charset="0"/>
+            </a:endParaRPr>
+          </a:p>
+          <a:p>
+            <a:r>
+              <a:rPr lang="en-US" sz="1400" dirty="0">
+                <a:latin typeface="Courier New" panose="02070309020205020404" pitchFamily="49" charset="0"/>
+                <a:cs typeface="Courier New" panose="02070309020205020404" pitchFamily="49" charset="0"/>
+              </a:rPr>
+              <a:t>dummy = </a:t>
+            </a:r>
+            <a:r>
+              <a:rPr lang="en-US" sz="1400" dirty="0" err="1">
+                <a:latin typeface="Courier New" panose="02070309020205020404" pitchFamily="49" charset="0"/>
+                <a:cs typeface="Courier New" panose="02070309020205020404" pitchFamily="49" charset="0"/>
+              </a:rPr>
+              <a:t>DummyRegressor</a:t>
+            </a:r>
+            <a:r>
+              <a:rPr lang="en-US" sz="1400" dirty="0">
+                <a:latin typeface="Courier New" panose="02070309020205020404" pitchFamily="49" charset="0"/>
+                <a:cs typeface="Courier New" panose="02070309020205020404" pitchFamily="49" charset="0"/>
+              </a:rPr>
+              <a:t>(</a:t>
+            </a:r>
+          </a:p>
+          <a:p>
+            <a:r>
+              <a:rPr lang="en-US" sz="1400" dirty="0">
+                <a:latin typeface="Courier New" panose="02070309020205020404" pitchFamily="49" charset="0"/>
+                <a:cs typeface="Courier New" panose="02070309020205020404" pitchFamily="49" charset="0"/>
+              </a:rPr>
+              <a:t>  strategy="mean"</a:t>
+            </a:r>
+          </a:p>
+          <a:p>
+            <a:r>
+              <a:rPr lang="en-US" sz="1400" dirty="0">
+                <a:latin typeface="Courier New" panose="02070309020205020404" pitchFamily="49" charset="0"/>
+                <a:cs typeface="Courier New" panose="02070309020205020404" pitchFamily="49" charset="0"/>
+              </a:rPr>
+              <a:t>)</a:t>
+            </a:r>
+          </a:p>
+          <a:p>
+            <a:r>
+              <a:rPr lang="en-US" sz="1400" dirty="0" err="1">
+                <a:latin typeface="Courier New" panose="02070309020205020404" pitchFamily="49" charset="0"/>
+                <a:cs typeface="Courier New" panose="02070309020205020404" pitchFamily="49" charset="0"/>
+              </a:rPr>
+              <a:t>dummy.fit</a:t>
+            </a:r>
+            <a:r>
+              <a:rPr lang="en-US" sz="1400" dirty="0">
+                <a:latin typeface="Courier New" panose="02070309020205020404" pitchFamily="49" charset="0"/>
+                <a:cs typeface="Courier New" panose="02070309020205020404" pitchFamily="49" charset="0"/>
+              </a:rPr>
+              <a:t>(X, y)</a:t>
+            </a:r>
+          </a:p>
+          <a:p>
+            <a:endParaRPr lang="en-US" sz="1400" dirty="0">
+              <a:latin typeface="Courier New" panose="02070309020205020404" pitchFamily="49" charset="0"/>
+              <a:cs typeface="Courier New" panose="02070309020205020404" pitchFamily="49" charset="0"/>
+            </a:endParaRPr>
+          </a:p>
+          <a:p>
+            <a:r>
+              <a:rPr lang="en-US" sz="1400" dirty="0" err="1">
+                <a:latin typeface="Courier New" panose="02070309020205020404" pitchFamily="49" charset="0"/>
+                <a:cs typeface="Courier New" panose="02070309020205020404" pitchFamily="49" charset="0"/>
+              </a:rPr>
+              <a:t>dummy.predict</a:t>
+            </a:r>
+            <a:r>
+              <a:rPr lang="en-US" sz="1400" dirty="0">
+                <a:latin typeface="Courier New" panose="02070309020205020404" pitchFamily="49" charset="0"/>
+                <a:cs typeface="Courier New" panose="02070309020205020404" pitchFamily="49" charset="0"/>
+              </a:rPr>
+              <a:t>(X)</a:t>
+            </a:r>
+          </a:p>
+          <a:p>
+            <a:r>
+              <a:rPr lang="en-US" sz="1400" dirty="0">
+                <a:latin typeface="Courier New" panose="02070309020205020404" pitchFamily="49" charset="0"/>
+                <a:cs typeface="Courier New" panose="02070309020205020404" pitchFamily="49" charset="0"/>
+              </a:rPr>
+              <a:t># returns [75, 75]</a:t>
+            </a:r>
+            <a:endParaRPr lang="en-NL" sz="1400" dirty="0">
+              <a:latin typeface="Courier New" panose="02070309020205020404" pitchFamily="49" charset="0"/>
+              <a:cs typeface="Courier New" panose="02070309020205020404" pitchFamily="49" charset="0"/>
+            </a:endParaRPr>
+          </a:p>
+        </p:txBody>
+      </p:sp>
+      <p:cxnSp>
+        <p:nvCxnSpPr>
+          <p:cNvPr id="6" name="Straight Connector 5">
+            <a:extLst>
+              <a:ext uri="{FF2B5EF4-FFF2-40B4-BE49-F238E27FC236}">
+                <a16:creationId xmlns:a16="http://schemas.microsoft.com/office/drawing/2014/main" id="{B506F0B0-302C-0F2B-BCF4-350934C95DC4}"/>
+              </a:ext>
+            </a:extLst>
+          </p:cNvPr>
+          <p:cNvCxnSpPr/>
+          <p:nvPr/>
+        </p:nvCxnSpPr>
+        <p:spPr>
+          <a:xfrm>
+            <a:off x="7543800" y="1608667"/>
+            <a:ext cx="0" cy="4694162"/>
+          </a:xfrm>
+          <a:prstGeom prst="line">
+            <a:avLst/>
+          </a:prstGeom>
+        </p:spPr>
+        <p:style>
+          <a:lnRef idx="2">
+            <a:schemeClr val="dk1"/>
+          </a:lnRef>
+          <a:fillRef idx="0">
+            <a:schemeClr val="dk1"/>
+          </a:fillRef>
+          <a:effectRef idx="1">
+            <a:schemeClr val="dk1"/>
+          </a:effectRef>
+          <a:fontRef idx="minor">
+            <a:schemeClr val="tx1"/>
+          </a:fontRef>
+        </p:style>
+      </p:cxnSp>
+    </p:spTree>
+    <p:extLst>
+      <p:ext uri="{BB962C8B-B14F-4D97-AF65-F5344CB8AC3E}">
+        <p14:creationId xmlns:p14="http://schemas.microsoft.com/office/powerpoint/2010/main" val="3387491440"/>
+      </p:ext>
+    </p:extLst>
+  </p:cSld>
+  <p:clrMapOvr>
+    <a:masterClrMapping/>
+  </p:clrMapOvr>
+</p:sld>
+</file>
+
+<file path=ppt/slides/slide28.xml><?xml version="1.0" encoding="utf-8"?>
+<p:sld xmlns:a="http://schemas.openxmlformats.org/drawingml/2006/main" xmlns:r="http://schemas.openxmlformats.org/officeDocument/2006/relationships" xmlns:p="http://schemas.openxmlformats.org/presentationml/2006/main">
+  <p:cSld>
+    <p:spTree>
+      <p:nvGrpSpPr>
+        <p:cNvPr id="1" name=""/>
+        <p:cNvGrpSpPr/>
+        <p:nvPr/>
+      </p:nvGrpSpPr>
+      <p:grpSpPr>
+        <a:xfrm>
+          <a:off x="0" y="0"/>
+          <a:ext cx="0" cy="0"/>
+          <a:chOff x="0" y="0"/>
+          <a:chExt cx="0" cy="0"/>
+        </a:xfrm>
+      </p:grpSpPr>
+      <p:sp>
+        <p:nvSpPr>
           <p:cNvPr id="4" name="Title 3">
             <a:extLst>
               <a:ext uri="{FF2B5EF4-FFF2-40B4-BE49-F238E27FC236}">
@@ -10167,7 +13375,7 @@
 </p:sld>
 </file>
 
-<file path=ppt/slides/slide22.xml><?xml version="1.0" encoding="utf-8"?>
+<file path=ppt/slides/slide29.xml><?xml version="1.0" encoding="utf-8"?>
 <p:sld xmlns:a="http://schemas.openxmlformats.org/drawingml/2006/main" xmlns:r="http://schemas.openxmlformats.org/officeDocument/2006/relationships" xmlns:p="http://schemas.openxmlformats.org/presentationml/2006/main">
   <p:cSld>
     <p:spTree>
@@ -10918,283 +14126,6 @@
 </p:sld>
 </file>
 
-<file path=ppt/slides/slide23.xml><?xml version="1.0" encoding="utf-8"?>
-<p:sld xmlns:a="http://schemas.openxmlformats.org/drawingml/2006/main" xmlns:r="http://schemas.openxmlformats.org/officeDocument/2006/relationships" xmlns:p="http://schemas.openxmlformats.org/presentationml/2006/main">
-  <p:cSld>
-    <p:spTree>
-      <p:nvGrpSpPr>
-        <p:cNvPr id="1" name=""/>
-        <p:cNvGrpSpPr/>
-        <p:nvPr/>
-      </p:nvGrpSpPr>
-      <p:grpSpPr>
-        <a:xfrm>
-          <a:off x="0" y="0"/>
-          <a:ext cx="0" cy="0"/>
-          <a:chOff x="0" y="0"/>
-          <a:chExt cx="0" cy="0"/>
-        </a:xfrm>
-      </p:grpSpPr>
-      <p:sp>
-        <p:nvSpPr>
-          <p:cNvPr id="4" name="Title 3">
-            <a:extLst>
-              <a:ext uri="{FF2B5EF4-FFF2-40B4-BE49-F238E27FC236}">
-                <a16:creationId xmlns:a16="http://schemas.microsoft.com/office/drawing/2014/main" id="{72C925CA-BCA3-3701-E08E-95652380B32E}"/>
-              </a:ext>
-            </a:extLst>
-          </p:cNvPr>
-          <p:cNvSpPr>
-            <a:spLocks noGrp="1"/>
-          </p:cNvSpPr>
-          <p:nvPr>
-            <p:ph type="title"/>
-          </p:nvPr>
-        </p:nvSpPr>
-        <p:spPr/>
-        <p:txBody>
-          <a:bodyPr/>
-          <a:lstStyle/>
-          <a:p>
-            <a:r>
-              <a:rPr lang="nl-NL" noProof="0" dirty="0"/>
-              <a:t>Natural Language Processing</a:t>
-            </a:r>
-          </a:p>
-        </p:txBody>
-      </p:sp>
-      <p:sp>
-        <p:nvSpPr>
-          <p:cNvPr id="5" name="Text Placeholder 4">
-            <a:extLst>
-              <a:ext uri="{FF2B5EF4-FFF2-40B4-BE49-F238E27FC236}">
-                <a16:creationId xmlns:a16="http://schemas.microsoft.com/office/drawing/2014/main" id="{1AB31C95-91AF-DF13-FB58-0DA5F2D9F6F7}"/>
-              </a:ext>
-            </a:extLst>
-          </p:cNvPr>
-          <p:cNvSpPr>
-            <a:spLocks noGrp="1"/>
-          </p:cNvSpPr>
-          <p:nvPr>
-            <p:ph type="body" idx="1"/>
-          </p:nvPr>
-        </p:nvSpPr>
-        <p:spPr/>
-        <p:txBody>
-          <a:bodyPr/>
-          <a:lstStyle/>
-          <a:p>
-            <a:endParaRPr lang="en-NL"/>
-          </a:p>
-        </p:txBody>
-      </p:sp>
-    </p:spTree>
-    <p:extLst>
-      <p:ext uri="{BB962C8B-B14F-4D97-AF65-F5344CB8AC3E}">
-        <p14:creationId xmlns:p14="http://schemas.microsoft.com/office/powerpoint/2010/main" val="2675372687"/>
-      </p:ext>
-    </p:extLst>
-  </p:cSld>
-  <p:clrMapOvr>
-    <a:masterClrMapping/>
-  </p:clrMapOvr>
-</p:sld>
-</file>
-
-<file path=ppt/slides/slide24.xml><?xml version="1.0" encoding="utf-8"?>
-<p:sld xmlns:a="http://schemas.openxmlformats.org/drawingml/2006/main" xmlns:r="http://schemas.openxmlformats.org/officeDocument/2006/relationships" xmlns:p="http://schemas.openxmlformats.org/presentationml/2006/main">
-  <p:cSld>
-    <p:spTree>
-      <p:nvGrpSpPr>
-        <p:cNvPr id="1" name=""/>
-        <p:cNvGrpSpPr/>
-        <p:nvPr/>
-      </p:nvGrpSpPr>
-      <p:grpSpPr>
-        <a:xfrm>
-          <a:off x="0" y="0"/>
-          <a:ext cx="0" cy="0"/>
-          <a:chOff x="0" y="0"/>
-          <a:chExt cx="0" cy="0"/>
-        </a:xfrm>
-      </p:grpSpPr>
-      <p:sp>
-        <p:nvSpPr>
-          <p:cNvPr id="2" name="Title 1">
-            <a:extLst>
-              <a:ext uri="{FF2B5EF4-FFF2-40B4-BE49-F238E27FC236}">
-                <a16:creationId xmlns:a16="http://schemas.microsoft.com/office/drawing/2014/main" id="{39A1D606-8DD1-369C-5C09-471CDD551AD5}"/>
-              </a:ext>
-            </a:extLst>
-          </p:cNvPr>
-          <p:cNvSpPr>
-            <a:spLocks noGrp="1"/>
-          </p:cNvSpPr>
-          <p:nvPr>
-            <p:ph type="title"/>
-          </p:nvPr>
-        </p:nvSpPr>
-        <p:spPr>
-          <a:xfrm>
-            <a:off x="838200" y="365126"/>
-            <a:ext cx="10515600" cy="718608"/>
-          </a:xfrm>
-        </p:spPr>
-        <p:txBody>
-          <a:bodyPr>
-            <a:normAutofit/>
-          </a:bodyPr>
-          <a:lstStyle/>
-          <a:p>
-            <a:r>
-              <a:rPr lang="nl-NL" sz="3600" noProof="0" dirty="0"/>
-              <a:t>Waar op te letten?</a:t>
-            </a:r>
-          </a:p>
-        </p:txBody>
-      </p:sp>
-      <p:sp>
-        <p:nvSpPr>
-          <p:cNvPr id="3" name="Content Placeholder 2">
-            <a:extLst>
-              <a:ext uri="{FF2B5EF4-FFF2-40B4-BE49-F238E27FC236}">
-                <a16:creationId xmlns:a16="http://schemas.microsoft.com/office/drawing/2014/main" id="{8F4C0E08-92A4-9F30-EF70-67DFBC8C5B8D}"/>
-              </a:ext>
-            </a:extLst>
-          </p:cNvPr>
-          <p:cNvSpPr>
-            <a:spLocks noGrp="1"/>
-          </p:cNvSpPr>
-          <p:nvPr>
-            <p:ph idx="1"/>
-          </p:nvPr>
-        </p:nvSpPr>
-        <p:spPr>
-          <a:xfrm>
-            <a:off x="838200" y="1456267"/>
-            <a:ext cx="9658865" cy="4720696"/>
-          </a:xfrm>
-        </p:spPr>
-        <p:txBody>
-          <a:bodyPr>
-            <a:normAutofit/>
-          </a:bodyPr>
-          <a:lstStyle/>
-          <a:p>
-            <a:pPr marL="0" indent="0">
-              <a:buNone/>
-            </a:pPr>
-            <a:r>
-              <a:rPr lang="nl-NL" sz="2000" b="1" noProof="0" dirty="0"/>
-              <a:t>Ken je data!</a:t>
-            </a:r>
-          </a:p>
-          <a:p>
-            <a:pPr>
-              <a:buFontTx/>
-              <a:buChar char="-"/>
-            </a:pPr>
-            <a:r>
-              <a:rPr lang="nl-NL" sz="2000" dirty="0"/>
-              <a:t>Data is belangrijkste sleutel voor succes!</a:t>
-            </a:r>
-          </a:p>
-          <a:p>
-            <a:pPr>
-              <a:buFontTx/>
-              <a:buChar char="-"/>
-            </a:pPr>
-            <a:r>
-              <a:rPr lang="nl-NL" sz="2000" dirty="0"/>
-              <a:t>Ken de achterliggende concepten en processen.</a:t>
-            </a:r>
-          </a:p>
-          <a:p>
-            <a:pPr marL="0" indent="0">
-              <a:buNone/>
-            </a:pPr>
-            <a:endParaRPr lang="nl-NL" sz="2000" b="1" noProof="0" dirty="0"/>
-          </a:p>
-          <a:p>
-            <a:pPr marL="0" indent="0">
-              <a:buNone/>
-            </a:pPr>
-            <a:r>
-              <a:rPr lang="nl-NL" sz="2000" b="1" dirty="0"/>
-              <a:t>Wat is het doel?</a:t>
-            </a:r>
-          </a:p>
-          <a:p>
-            <a:pPr>
-              <a:buFontTx/>
-              <a:buChar char="-"/>
-            </a:pPr>
-            <a:r>
-              <a:rPr lang="nl-NL" sz="2000" dirty="0"/>
-              <a:t>Wat wil men bereiken en wat is daarvoor belangrijk?</a:t>
-            </a:r>
-          </a:p>
-          <a:p>
-            <a:pPr>
-              <a:buFontTx/>
-              <a:buChar char="-"/>
-            </a:pPr>
-            <a:r>
-              <a:rPr lang="nl-NL" sz="2000" noProof="0" dirty="0"/>
-              <a:t>Accuratesse, geen fouten maken, uitlegbaarheid?</a:t>
-            </a:r>
-          </a:p>
-          <a:p>
-            <a:pPr>
-              <a:buFontTx/>
-              <a:buChar char="-"/>
-            </a:pPr>
-            <a:r>
-              <a:rPr lang="nl-NL" sz="2000" dirty="0"/>
-              <a:t>ML is niet altijd </a:t>
-            </a:r>
-            <a:r>
-              <a:rPr lang="nl-NL" sz="2000"/>
-              <a:t>de beste </a:t>
-            </a:r>
-            <a:r>
-              <a:rPr lang="nl-NL" sz="2000" dirty="0"/>
-              <a:t>optie…</a:t>
-            </a:r>
-          </a:p>
-          <a:p>
-            <a:pPr marL="0" indent="0">
-              <a:buNone/>
-            </a:pPr>
-            <a:endParaRPr lang="nl-NL" sz="2000" noProof="0" dirty="0"/>
-          </a:p>
-          <a:p>
-            <a:pPr marL="0" indent="0">
-              <a:buNone/>
-            </a:pPr>
-            <a:endParaRPr lang="nl-NL" sz="2000" noProof="0" dirty="0"/>
-          </a:p>
-          <a:p>
-            <a:pPr marL="0" indent="0">
-              <a:buNone/>
-            </a:pPr>
-            <a:endParaRPr lang="nl-NL" sz="2000" dirty="0"/>
-          </a:p>
-        </p:txBody>
-      </p:sp>
-    </p:spTree>
-    <p:extLst>
-      <p:ext uri="{BB962C8B-B14F-4D97-AF65-F5344CB8AC3E}">
-        <p14:creationId xmlns:p14="http://schemas.microsoft.com/office/powerpoint/2010/main" val="1542375319"/>
-      </p:ext>
-    </p:extLst>
-  </p:cSld>
-  <p:clrMapOvr>
-    <a:masterClrMapping/>
-  </p:clrMapOvr>
-</p:sld>
-</file>
-
 <file path=ppt/slides/slide3.xml><?xml version="1.0" encoding="utf-8"?>
 <p:sld xmlns:a="http://schemas.openxmlformats.org/drawingml/2006/main" xmlns:r="http://schemas.openxmlformats.org/officeDocument/2006/relationships" xmlns:p="http://schemas.openxmlformats.org/presentationml/2006/main">
   <p:cSld>
@@ -11269,6 +14200,283 @@
     <p:extLst>
       <p:ext uri="{BB962C8B-B14F-4D97-AF65-F5344CB8AC3E}">
         <p14:creationId xmlns:p14="http://schemas.microsoft.com/office/powerpoint/2010/main" val="2018136929"/>
+      </p:ext>
+    </p:extLst>
+  </p:cSld>
+  <p:clrMapOvr>
+    <a:masterClrMapping/>
+  </p:clrMapOvr>
+</p:sld>
+</file>
+
+<file path=ppt/slides/slide30.xml><?xml version="1.0" encoding="utf-8"?>
+<p:sld xmlns:a="http://schemas.openxmlformats.org/drawingml/2006/main" xmlns:r="http://schemas.openxmlformats.org/officeDocument/2006/relationships" xmlns:p="http://schemas.openxmlformats.org/presentationml/2006/main">
+  <p:cSld>
+    <p:spTree>
+      <p:nvGrpSpPr>
+        <p:cNvPr id="1" name=""/>
+        <p:cNvGrpSpPr/>
+        <p:nvPr/>
+      </p:nvGrpSpPr>
+      <p:grpSpPr>
+        <a:xfrm>
+          <a:off x="0" y="0"/>
+          <a:ext cx="0" cy="0"/>
+          <a:chOff x="0" y="0"/>
+          <a:chExt cx="0" cy="0"/>
+        </a:xfrm>
+      </p:grpSpPr>
+      <p:sp>
+        <p:nvSpPr>
+          <p:cNvPr id="4" name="Title 3">
+            <a:extLst>
+              <a:ext uri="{FF2B5EF4-FFF2-40B4-BE49-F238E27FC236}">
+                <a16:creationId xmlns:a16="http://schemas.microsoft.com/office/drawing/2014/main" id="{72C925CA-BCA3-3701-E08E-95652380B32E}"/>
+              </a:ext>
+            </a:extLst>
+          </p:cNvPr>
+          <p:cNvSpPr>
+            <a:spLocks noGrp="1"/>
+          </p:cNvSpPr>
+          <p:nvPr>
+            <p:ph type="title"/>
+          </p:nvPr>
+        </p:nvSpPr>
+        <p:spPr/>
+        <p:txBody>
+          <a:bodyPr/>
+          <a:lstStyle/>
+          <a:p>
+            <a:r>
+              <a:rPr lang="nl-NL" noProof="0" dirty="0"/>
+              <a:t>Natural Language Processing</a:t>
+            </a:r>
+          </a:p>
+        </p:txBody>
+      </p:sp>
+      <p:sp>
+        <p:nvSpPr>
+          <p:cNvPr id="5" name="Text Placeholder 4">
+            <a:extLst>
+              <a:ext uri="{FF2B5EF4-FFF2-40B4-BE49-F238E27FC236}">
+                <a16:creationId xmlns:a16="http://schemas.microsoft.com/office/drawing/2014/main" id="{1AB31C95-91AF-DF13-FB58-0DA5F2D9F6F7}"/>
+              </a:ext>
+            </a:extLst>
+          </p:cNvPr>
+          <p:cNvSpPr>
+            <a:spLocks noGrp="1"/>
+          </p:cNvSpPr>
+          <p:nvPr>
+            <p:ph type="body" idx="1"/>
+          </p:nvPr>
+        </p:nvSpPr>
+        <p:spPr/>
+        <p:txBody>
+          <a:bodyPr/>
+          <a:lstStyle/>
+          <a:p>
+            <a:endParaRPr lang="en-NL"/>
+          </a:p>
+        </p:txBody>
+      </p:sp>
+    </p:spTree>
+    <p:extLst>
+      <p:ext uri="{BB962C8B-B14F-4D97-AF65-F5344CB8AC3E}">
+        <p14:creationId xmlns:p14="http://schemas.microsoft.com/office/powerpoint/2010/main" val="2675372687"/>
+      </p:ext>
+    </p:extLst>
+  </p:cSld>
+  <p:clrMapOvr>
+    <a:masterClrMapping/>
+  </p:clrMapOvr>
+</p:sld>
+</file>
+
+<file path=ppt/slides/slide31.xml><?xml version="1.0" encoding="utf-8"?>
+<p:sld xmlns:a="http://schemas.openxmlformats.org/drawingml/2006/main" xmlns:r="http://schemas.openxmlformats.org/officeDocument/2006/relationships" xmlns:p="http://schemas.openxmlformats.org/presentationml/2006/main">
+  <p:cSld>
+    <p:spTree>
+      <p:nvGrpSpPr>
+        <p:cNvPr id="1" name=""/>
+        <p:cNvGrpSpPr/>
+        <p:nvPr/>
+      </p:nvGrpSpPr>
+      <p:grpSpPr>
+        <a:xfrm>
+          <a:off x="0" y="0"/>
+          <a:ext cx="0" cy="0"/>
+          <a:chOff x="0" y="0"/>
+          <a:chExt cx="0" cy="0"/>
+        </a:xfrm>
+      </p:grpSpPr>
+      <p:sp>
+        <p:nvSpPr>
+          <p:cNvPr id="2" name="Title 1">
+            <a:extLst>
+              <a:ext uri="{FF2B5EF4-FFF2-40B4-BE49-F238E27FC236}">
+                <a16:creationId xmlns:a16="http://schemas.microsoft.com/office/drawing/2014/main" id="{39A1D606-8DD1-369C-5C09-471CDD551AD5}"/>
+              </a:ext>
+            </a:extLst>
+          </p:cNvPr>
+          <p:cNvSpPr>
+            <a:spLocks noGrp="1"/>
+          </p:cNvSpPr>
+          <p:nvPr>
+            <p:ph type="title"/>
+          </p:nvPr>
+        </p:nvSpPr>
+        <p:spPr>
+          <a:xfrm>
+            <a:off x="838200" y="365126"/>
+            <a:ext cx="10515600" cy="718608"/>
+          </a:xfrm>
+        </p:spPr>
+        <p:txBody>
+          <a:bodyPr>
+            <a:normAutofit/>
+          </a:bodyPr>
+          <a:lstStyle/>
+          <a:p>
+            <a:r>
+              <a:rPr lang="nl-NL" sz="3600" noProof="0" dirty="0"/>
+              <a:t>Waar op te letten?</a:t>
+            </a:r>
+          </a:p>
+        </p:txBody>
+      </p:sp>
+      <p:sp>
+        <p:nvSpPr>
+          <p:cNvPr id="3" name="Content Placeholder 2">
+            <a:extLst>
+              <a:ext uri="{FF2B5EF4-FFF2-40B4-BE49-F238E27FC236}">
+                <a16:creationId xmlns:a16="http://schemas.microsoft.com/office/drawing/2014/main" id="{8F4C0E08-92A4-9F30-EF70-67DFBC8C5B8D}"/>
+              </a:ext>
+            </a:extLst>
+          </p:cNvPr>
+          <p:cNvSpPr>
+            <a:spLocks noGrp="1"/>
+          </p:cNvSpPr>
+          <p:nvPr>
+            <p:ph idx="1"/>
+          </p:nvPr>
+        </p:nvSpPr>
+        <p:spPr>
+          <a:xfrm>
+            <a:off x="838200" y="1456267"/>
+            <a:ext cx="9658865" cy="4720696"/>
+          </a:xfrm>
+        </p:spPr>
+        <p:txBody>
+          <a:bodyPr>
+            <a:normAutofit/>
+          </a:bodyPr>
+          <a:lstStyle/>
+          <a:p>
+            <a:pPr marL="0" indent="0">
+              <a:buNone/>
+            </a:pPr>
+            <a:r>
+              <a:rPr lang="nl-NL" sz="2000" b="1" noProof="0" dirty="0"/>
+              <a:t>Ken je data!</a:t>
+            </a:r>
+          </a:p>
+          <a:p>
+            <a:pPr>
+              <a:buFontTx/>
+              <a:buChar char="-"/>
+            </a:pPr>
+            <a:r>
+              <a:rPr lang="nl-NL" sz="2000" dirty="0"/>
+              <a:t>Data is belangrijkste sleutel voor succes!</a:t>
+            </a:r>
+          </a:p>
+          <a:p>
+            <a:pPr>
+              <a:buFontTx/>
+              <a:buChar char="-"/>
+            </a:pPr>
+            <a:r>
+              <a:rPr lang="nl-NL" sz="2000" dirty="0"/>
+              <a:t>Ken de achterliggende concepten en processen.</a:t>
+            </a:r>
+          </a:p>
+          <a:p>
+            <a:pPr marL="0" indent="0">
+              <a:buNone/>
+            </a:pPr>
+            <a:endParaRPr lang="nl-NL" sz="2000" b="1" noProof="0" dirty="0"/>
+          </a:p>
+          <a:p>
+            <a:pPr marL="0" indent="0">
+              <a:buNone/>
+            </a:pPr>
+            <a:r>
+              <a:rPr lang="nl-NL" sz="2000" b="1" dirty="0"/>
+              <a:t>Wat is het doel?</a:t>
+            </a:r>
+          </a:p>
+          <a:p>
+            <a:pPr>
+              <a:buFontTx/>
+              <a:buChar char="-"/>
+            </a:pPr>
+            <a:r>
+              <a:rPr lang="nl-NL" sz="2000" dirty="0"/>
+              <a:t>Wat wil men bereiken en wat is daarvoor belangrijk?</a:t>
+            </a:r>
+          </a:p>
+          <a:p>
+            <a:pPr>
+              <a:buFontTx/>
+              <a:buChar char="-"/>
+            </a:pPr>
+            <a:r>
+              <a:rPr lang="nl-NL" sz="2000" noProof="0" dirty="0"/>
+              <a:t>Accuratesse, geen fouten maken, uitlegbaarheid?</a:t>
+            </a:r>
+          </a:p>
+          <a:p>
+            <a:pPr>
+              <a:buFontTx/>
+              <a:buChar char="-"/>
+            </a:pPr>
+            <a:r>
+              <a:rPr lang="nl-NL" sz="2000" dirty="0"/>
+              <a:t>ML is niet altijd </a:t>
+            </a:r>
+            <a:r>
+              <a:rPr lang="nl-NL" sz="2000"/>
+              <a:t>de beste </a:t>
+            </a:r>
+            <a:r>
+              <a:rPr lang="nl-NL" sz="2000" dirty="0"/>
+              <a:t>optie…</a:t>
+            </a:r>
+          </a:p>
+          <a:p>
+            <a:pPr marL="0" indent="0">
+              <a:buNone/>
+            </a:pPr>
+            <a:endParaRPr lang="nl-NL" sz="2000" noProof="0" dirty="0"/>
+          </a:p>
+          <a:p>
+            <a:pPr marL="0" indent="0">
+              <a:buNone/>
+            </a:pPr>
+            <a:endParaRPr lang="nl-NL" sz="2000" noProof="0" dirty="0"/>
+          </a:p>
+          <a:p>
+            <a:pPr marL="0" indent="0">
+              <a:buNone/>
+            </a:pPr>
+            <a:endParaRPr lang="nl-NL" sz="2000" dirty="0"/>
+          </a:p>
+        </p:txBody>
+      </p:sp>
+    </p:spTree>
+    <p:extLst>
+      <p:ext uri="{BB962C8B-B14F-4D97-AF65-F5344CB8AC3E}">
+        <p14:creationId xmlns:p14="http://schemas.microsoft.com/office/powerpoint/2010/main" val="1542375319"/>
       </p:ext>
     </p:extLst>
   </p:cSld>
@@ -13006,8 +16214,12 @@
           <a:lstStyle/>
           <a:p>
             <a:r>
+              <a:rPr lang="nl-NL" sz="3600" noProof="0" dirty="0"/>
+              <a:t>Het </a:t>
+            </a:r>
+            <a:r>
               <a:rPr lang="nl-NL" sz="3600" noProof="0" dirty="0" err="1"/>
-              <a:t>Scikit-learn</a:t>
+              <a:t>scikit-learn</a:t>
             </a:r>
             <a:r>
               <a:rPr lang="nl-NL" sz="3600" noProof="0" dirty="0"/>
@@ -13057,13 +16269,13 @@
           <a:p>
             <a:pPr algn="ctr"/>
             <a:r>
-              <a:rPr lang="nl-NL" b="1"/>
+              <a:rPr lang="nl-NL" b="1" dirty="0"/>
               <a:t>Data preparatie</a:t>
             </a:r>
           </a:p>
           <a:p>
             <a:pPr algn="ctr"/>
-            <a:endParaRPr lang="nl-NL"/>
+            <a:endParaRPr lang="nl-NL" dirty="0"/>
           </a:p>
           <a:p>
             <a:pPr marL="285750" indent="-285750">
@@ -13071,9 +16283,10 @@
               <a:buChar char="•"/>
             </a:pPr>
             <a:r>
-              <a:rPr lang="nl-NL"/>
-              <a:t>preprocessing</a:t>
-            </a:r>
+              <a:rPr lang="nl-NL" dirty="0" err="1"/>
+              <a:t>impute</a:t>
+            </a:r>
+            <a:endParaRPr lang="nl-NL" dirty="0"/>
           </a:p>
           <a:p>
             <a:pPr marL="285750" indent="-285750">
@@ -13081,8 +16294,8 @@
               <a:buChar char="•"/>
             </a:pPr>
             <a:r>
-              <a:rPr lang="nl-NL"/>
-              <a:t>feature_extraction</a:t>
+              <a:rPr lang="nl-NL" dirty="0"/>
+              <a:t>preprocessing</a:t>
             </a:r>
           </a:p>
           <a:p>
@@ -13091,9 +16304,13 @@
               <a:buChar char="•"/>
             </a:pPr>
             <a:r>
-              <a:rPr lang="nl-NL"/>
-              <a:t>impute</a:t>
-            </a:r>
+              <a:rPr lang="nl-NL" dirty="0" err="1"/>
+              <a:t>feature_extraction</a:t>
+            </a:r>
+            <a:endParaRPr lang="nl-NL" dirty="0"/>
+          </a:p>
+          <a:p>
+            <a:endParaRPr lang="nl-NL" dirty="0"/>
           </a:p>
         </p:txBody>
       </p:sp>
@@ -13944,10 +17161,10 @@
       </p:grpSpPr>
       <p:sp>
         <p:nvSpPr>
-          <p:cNvPr id="4" name="Title 3">
-            <a:extLst>
-              <a:ext uri="{FF2B5EF4-FFF2-40B4-BE49-F238E27FC236}">
-                <a16:creationId xmlns:a16="http://schemas.microsoft.com/office/drawing/2014/main" id="{72C925CA-BCA3-3701-E08E-95652380B32E}"/>
+          <p:cNvPr id="2" name="Title 1">
+            <a:extLst>
+              <a:ext uri="{FF2B5EF4-FFF2-40B4-BE49-F238E27FC236}">
+                <a16:creationId xmlns:a16="http://schemas.microsoft.com/office/drawing/2014/main" id="{39A1D606-8DD1-369C-5C09-471CDD551AD5}"/>
               </a:ext>
             </a:extLst>
           </p:cNvPr>
@@ -13958,47 +17175,938 @@
             <p:ph type="title"/>
           </p:nvPr>
         </p:nvSpPr>
-        <p:spPr/>
-        <p:txBody>
-          <a:bodyPr/>
+        <p:spPr>
+          <a:xfrm>
+            <a:off x="838200" y="365126"/>
+            <a:ext cx="10515600" cy="718608"/>
+          </a:xfrm>
+        </p:spPr>
+        <p:txBody>
+          <a:bodyPr>
+            <a:normAutofit/>
+          </a:bodyPr>
           <a:lstStyle/>
           <a:p>
             <a:r>
-              <a:rPr lang="nl-NL" noProof="0" dirty="0"/>
-              <a:t>Data Preparatie</a:t>
-            </a:r>
-          </a:p>
-        </p:txBody>
-      </p:sp>
-      <p:sp>
-        <p:nvSpPr>
-          <p:cNvPr id="5" name="Text Placeholder 4">
-            <a:extLst>
-              <a:ext uri="{FF2B5EF4-FFF2-40B4-BE49-F238E27FC236}">
-                <a16:creationId xmlns:a16="http://schemas.microsoft.com/office/drawing/2014/main" id="{1AB31C95-91AF-DF13-FB58-0DA5F2D9F6F7}"/>
-              </a:ext>
-            </a:extLst>
-          </p:cNvPr>
-          <p:cNvSpPr>
-            <a:spLocks noGrp="1"/>
+              <a:rPr lang="nl-NL" sz="3600" noProof="0" dirty="0"/>
+              <a:t>Het </a:t>
+            </a:r>
+            <a:r>
+              <a:rPr lang="nl-NL" sz="3600" noProof="0" dirty="0" err="1"/>
+              <a:t>scikit-learn</a:t>
+            </a:r>
+            <a:r>
+              <a:rPr lang="nl-NL" sz="3600" noProof="0" dirty="0"/>
+              <a:t> API</a:t>
+            </a:r>
+          </a:p>
+        </p:txBody>
+      </p:sp>
+      <p:sp>
+        <p:nvSpPr>
+          <p:cNvPr id="4" name="TextBox 3">
+            <a:extLst>
+              <a:ext uri="{FF2B5EF4-FFF2-40B4-BE49-F238E27FC236}">
+                <a16:creationId xmlns:a16="http://schemas.microsoft.com/office/drawing/2014/main" id="{B47EA95A-6DDD-ED89-357A-943A5BC87A94}"/>
+              </a:ext>
+            </a:extLst>
+          </p:cNvPr>
+          <p:cNvSpPr txBox="1"/>
+          <p:nvPr/>
+        </p:nvSpPr>
+        <p:spPr>
+          <a:xfrm>
+            <a:off x="6555232" y="2530561"/>
+            <a:ext cx="184731" cy="369332"/>
+          </a:xfrm>
+          <a:prstGeom prst="rect">
+            <a:avLst/>
+          </a:prstGeom>
+          <a:noFill/>
+        </p:spPr>
+        <p:txBody>
+          <a:bodyPr wrap="none" rtlCol="0">
+            <a:spAutoFit/>
+          </a:bodyPr>
+          <a:lstStyle/>
+          <a:p>
+            <a:endParaRPr lang="en-NL" dirty="0"/>
+          </a:p>
+        </p:txBody>
+      </p:sp>
+      <p:sp>
+        <p:nvSpPr>
+          <p:cNvPr id="8" name="Content Placeholder 2">
+            <a:extLst>
+              <a:ext uri="{FF2B5EF4-FFF2-40B4-BE49-F238E27FC236}">
+                <a16:creationId xmlns:a16="http://schemas.microsoft.com/office/drawing/2014/main" id="{2A042A24-9D22-C7B4-C7AD-FC4366050808}"/>
+              </a:ext>
+            </a:extLst>
+          </p:cNvPr>
+          <p:cNvSpPr txBox="1">
+            <a:spLocks/>
           </p:cNvSpPr>
-          <p:nvPr>
-            <p:ph type="body" idx="1"/>
-          </p:nvPr>
-        </p:nvSpPr>
-        <p:spPr/>
-        <p:txBody>
-          <a:bodyPr/>
-          <a:lstStyle/>
-          <a:p>
-            <a:endParaRPr lang="en-NL"/>
-          </a:p>
-        </p:txBody>
-      </p:sp>
+          <p:nvPr/>
+        </p:nvSpPr>
+        <p:spPr>
+          <a:xfrm>
+            <a:off x="6487238" y="1608667"/>
+            <a:ext cx="5099367" cy="4720696"/>
+          </a:xfrm>
+          <a:prstGeom prst="rect">
+            <a:avLst/>
+          </a:prstGeom>
+        </p:spPr>
+        <p:txBody>
+          <a:bodyPr vert="horz" lIns="91440" tIns="45720" rIns="91440" bIns="45720" rtlCol="0">
+            <a:normAutofit/>
+          </a:bodyPr>
+          <a:lstStyle>
+            <a:lvl1pPr marL="228600" indent="-228600" algn="l" defTabSz="914400" rtl="0" eaLnBrk="1" latinLnBrk="0" hangingPunct="1">
+              <a:lnSpc>
+                <a:spcPct val="90000"/>
+              </a:lnSpc>
+              <a:spcBef>
+                <a:spcPts val="1000"/>
+              </a:spcBef>
+              <a:buFont typeface="Arial" panose="020B0604020202020204" pitchFamily="34" charset="0"/>
+              <a:buChar char="•"/>
+              <a:defRPr sz="2800" kern="1200">
+                <a:solidFill>
+                  <a:schemeClr val="tx1"/>
+                </a:solidFill>
+                <a:latin typeface="+mn-lt"/>
+                <a:ea typeface="+mn-ea"/>
+                <a:cs typeface="+mn-cs"/>
+              </a:defRPr>
+            </a:lvl1pPr>
+            <a:lvl2pPr marL="685800" indent="-228600" algn="l" defTabSz="914400" rtl="0" eaLnBrk="1" latinLnBrk="0" hangingPunct="1">
+              <a:lnSpc>
+                <a:spcPct val="90000"/>
+              </a:lnSpc>
+              <a:spcBef>
+                <a:spcPts val="500"/>
+              </a:spcBef>
+              <a:buFont typeface="Arial" panose="020B0604020202020204" pitchFamily="34" charset="0"/>
+              <a:buChar char="•"/>
+              <a:defRPr sz="2400" kern="1200">
+                <a:solidFill>
+                  <a:schemeClr val="tx1"/>
+                </a:solidFill>
+                <a:latin typeface="+mn-lt"/>
+                <a:ea typeface="+mn-ea"/>
+                <a:cs typeface="+mn-cs"/>
+              </a:defRPr>
+            </a:lvl2pPr>
+            <a:lvl3pPr marL="1143000" indent="-228600" algn="l" defTabSz="914400" rtl="0" eaLnBrk="1" latinLnBrk="0" hangingPunct="1">
+              <a:lnSpc>
+                <a:spcPct val="90000"/>
+              </a:lnSpc>
+              <a:spcBef>
+                <a:spcPts val="500"/>
+              </a:spcBef>
+              <a:buFont typeface="Arial" panose="020B0604020202020204" pitchFamily="34" charset="0"/>
+              <a:buChar char="•"/>
+              <a:defRPr sz="2000" kern="1200">
+                <a:solidFill>
+                  <a:schemeClr val="tx1"/>
+                </a:solidFill>
+                <a:latin typeface="+mn-lt"/>
+                <a:ea typeface="+mn-ea"/>
+                <a:cs typeface="+mn-cs"/>
+              </a:defRPr>
+            </a:lvl3pPr>
+            <a:lvl4pPr marL="1600200" indent="-228600" algn="l" defTabSz="914400" rtl="0" eaLnBrk="1" latinLnBrk="0" hangingPunct="1">
+              <a:lnSpc>
+                <a:spcPct val="90000"/>
+              </a:lnSpc>
+              <a:spcBef>
+                <a:spcPts val="500"/>
+              </a:spcBef>
+              <a:buFont typeface="Arial" panose="020B0604020202020204" pitchFamily="34" charset="0"/>
+              <a:buChar char="•"/>
+              <a:defRPr sz="1800" kern="1200">
+                <a:solidFill>
+                  <a:schemeClr val="tx1"/>
+                </a:solidFill>
+                <a:latin typeface="+mn-lt"/>
+                <a:ea typeface="+mn-ea"/>
+                <a:cs typeface="+mn-cs"/>
+              </a:defRPr>
+            </a:lvl4pPr>
+            <a:lvl5pPr marL="2057400" indent="-228600" algn="l" defTabSz="914400" rtl="0" eaLnBrk="1" latinLnBrk="0" hangingPunct="1">
+              <a:lnSpc>
+                <a:spcPct val="90000"/>
+              </a:lnSpc>
+              <a:spcBef>
+                <a:spcPts val="500"/>
+              </a:spcBef>
+              <a:buFont typeface="Arial" panose="020B0604020202020204" pitchFamily="34" charset="0"/>
+              <a:buChar char="•"/>
+              <a:defRPr sz="1800" kern="1200">
+                <a:solidFill>
+                  <a:schemeClr val="tx1"/>
+                </a:solidFill>
+                <a:latin typeface="+mn-lt"/>
+                <a:ea typeface="+mn-ea"/>
+                <a:cs typeface="+mn-cs"/>
+              </a:defRPr>
+            </a:lvl5pPr>
+            <a:lvl6pPr marL="2514600" indent="-228600" algn="l" defTabSz="914400" rtl="0" eaLnBrk="1" latinLnBrk="0" hangingPunct="1">
+              <a:lnSpc>
+                <a:spcPct val="90000"/>
+              </a:lnSpc>
+              <a:spcBef>
+                <a:spcPts val="500"/>
+              </a:spcBef>
+              <a:buFont typeface="Arial" panose="020B0604020202020204" pitchFamily="34" charset="0"/>
+              <a:buChar char="•"/>
+              <a:defRPr sz="1800" kern="1200">
+                <a:solidFill>
+                  <a:schemeClr val="tx1"/>
+                </a:solidFill>
+                <a:latin typeface="+mn-lt"/>
+                <a:ea typeface="+mn-ea"/>
+                <a:cs typeface="+mn-cs"/>
+              </a:defRPr>
+            </a:lvl6pPr>
+            <a:lvl7pPr marL="2971800" indent="-228600" algn="l" defTabSz="914400" rtl="0" eaLnBrk="1" latinLnBrk="0" hangingPunct="1">
+              <a:lnSpc>
+                <a:spcPct val="90000"/>
+              </a:lnSpc>
+              <a:spcBef>
+                <a:spcPts val="500"/>
+              </a:spcBef>
+              <a:buFont typeface="Arial" panose="020B0604020202020204" pitchFamily="34" charset="0"/>
+              <a:buChar char="•"/>
+              <a:defRPr sz="1800" kern="1200">
+                <a:solidFill>
+                  <a:schemeClr val="tx1"/>
+                </a:solidFill>
+                <a:latin typeface="+mn-lt"/>
+                <a:ea typeface="+mn-ea"/>
+                <a:cs typeface="+mn-cs"/>
+              </a:defRPr>
+            </a:lvl7pPr>
+            <a:lvl8pPr marL="3429000" indent="-228600" algn="l" defTabSz="914400" rtl="0" eaLnBrk="1" latinLnBrk="0" hangingPunct="1">
+              <a:lnSpc>
+                <a:spcPct val="90000"/>
+              </a:lnSpc>
+              <a:spcBef>
+                <a:spcPts val="500"/>
+              </a:spcBef>
+              <a:buFont typeface="Arial" panose="020B0604020202020204" pitchFamily="34" charset="0"/>
+              <a:buChar char="•"/>
+              <a:defRPr sz="1800" kern="1200">
+                <a:solidFill>
+                  <a:schemeClr val="tx1"/>
+                </a:solidFill>
+                <a:latin typeface="+mn-lt"/>
+                <a:ea typeface="+mn-ea"/>
+                <a:cs typeface="+mn-cs"/>
+              </a:defRPr>
+            </a:lvl8pPr>
+            <a:lvl9pPr marL="3886200" indent="-228600" algn="l" defTabSz="914400" rtl="0" eaLnBrk="1" latinLnBrk="0" hangingPunct="1">
+              <a:lnSpc>
+                <a:spcPct val="90000"/>
+              </a:lnSpc>
+              <a:spcBef>
+                <a:spcPts val="500"/>
+              </a:spcBef>
+              <a:buFont typeface="Arial" panose="020B0604020202020204" pitchFamily="34" charset="0"/>
+              <a:buChar char="•"/>
+              <a:defRPr sz="1800" kern="1200">
+                <a:solidFill>
+                  <a:schemeClr val="tx1"/>
+                </a:solidFill>
+                <a:latin typeface="+mn-lt"/>
+                <a:ea typeface="+mn-ea"/>
+                <a:cs typeface="+mn-cs"/>
+              </a:defRPr>
+            </a:lvl9pPr>
+          </a:lstStyle>
+          <a:p>
+            <a:pPr marL="0" indent="0">
+              <a:buNone/>
+            </a:pPr>
+            <a:r>
+              <a:rPr lang="nl-NL" sz="1600" dirty="0">
+                <a:solidFill>
+                  <a:schemeClr val="accent6">
+                    <a:lumMod val="75000"/>
+                  </a:schemeClr>
+                </a:solidFill>
+                <a:latin typeface="Courier New" panose="02070309020205020404" pitchFamily="49" charset="0"/>
+                <a:cs typeface="Courier New" panose="02070309020205020404" pitchFamily="49" charset="0"/>
+              </a:rPr>
+              <a:t># Input is a </a:t>
+            </a:r>
+            <a:r>
+              <a:rPr lang="nl-NL" sz="1600" dirty="0" err="1">
+                <a:solidFill>
+                  <a:schemeClr val="accent6">
+                    <a:lumMod val="75000"/>
+                  </a:schemeClr>
+                </a:solidFill>
+                <a:latin typeface="Courier New" panose="02070309020205020404" pitchFamily="49" charset="0"/>
+                <a:cs typeface="Courier New" panose="02070309020205020404" pitchFamily="49" charset="0"/>
+              </a:rPr>
+              <a:t>pandas</a:t>
+            </a:r>
+            <a:r>
+              <a:rPr lang="nl-NL" sz="1600" dirty="0">
+                <a:solidFill>
+                  <a:schemeClr val="accent6">
+                    <a:lumMod val="75000"/>
+                  </a:schemeClr>
+                </a:solidFill>
+                <a:latin typeface="Courier New" panose="02070309020205020404" pitchFamily="49" charset="0"/>
+                <a:cs typeface="Courier New" panose="02070309020205020404" pitchFamily="49" charset="0"/>
+              </a:rPr>
+              <a:t> </a:t>
+            </a:r>
+            <a:r>
+              <a:rPr lang="nl-NL" sz="1600" dirty="0" err="1">
+                <a:solidFill>
+                  <a:schemeClr val="accent6">
+                    <a:lumMod val="75000"/>
+                  </a:schemeClr>
+                </a:solidFill>
+                <a:latin typeface="Courier New" panose="02070309020205020404" pitchFamily="49" charset="0"/>
+                <a:cs typeface="Courier New" panose="02070309020205020404" pitchFamily="49" charset="0"/>
+              </a:rPr>
+              <a:t>DataFrame</a:t>
+            </a:r>
+            <a:endParaRPr lang="nl-NL" sz="1600" dirty="0">
+              <a:solidFill>
+                <a:schemeClr val="accent6">
+                  <a:lumMod val="75000"/>
+                </a:schemeClr>
+              </a:solidFill>
+              <a:latin typeface="Courier New" panose="02070309020205020404" pitchFamily="49" charset="0"/>
+              <a:cs typeface="Courier New" panose="02070309020205020404" pitchFamily="49" charset="0"/>
+            </a:endParaRPr>
+          </a:p>
+          <a:p>
+            <a:pPr marL="0" indent="0">
+              <a:buNone/>
+            </a:pPr>
+            <a:r>
+              <a:rPr lang="nl-NL" sz="1600" dirty="0" err="1">
+                <a:latin typeface="Courier New" panose="02070309020205020404" pitchFamily="49" charset="0"/>
+                <a:cs typeface="Courier New" panose="02070309020205020404" pitchFamily="49" charset="0"/>
+              </a:rPr>
+              <a:t>df</a:t>
+            </a:r>
+            <a:r>
+              <a:rPr lang="nl-NL" sz="1600" dirty="0">
+                <a:latin typeface="Courier New" panose="02070309020205020404" pitchFamily="49" charset="0"/>
+                <a:cs typeface="Courier New" panose="02070309020205020404" pitchFamily="49" charset="0"/>
+              </a:rPr>
+              <a:t> = </a:t>
+            </a:r>
+            <a:r>
+              <a:rPr lang="nl-NL" sz="1600" dirty="0" err="1">
+                <a:latin typeface="Courier New" panose="02070309020205020404" pitchFamily="49" charset="0"/>
+                <a:cs typeface="Courier New" panose="02070309020205020404" pitchFamily="49" charset="0"/>
+              </a:rPr>
+              <a:t>pd.DataFrame</a:t>
+            </a:r>
+            <a:r>
+              <a:rPr lang="nl-NL" sz="1600" dirty="0">
+                <a:latin typeface="Courier New" panose="02070309020205020404" pitchFamily="49" charset="0"/>
+                <a:cs typeface="Courier New" panose="02070309020205020404" pitchFamily="49" charset="0"/>
+              </a:rPr>
+              <a:t>( {"x": [1, 2, 3]})</a:t>
+            </a:r>
+            <a:endParaRPr lang="en-US" sz="1600" dirty="0">
+              <a:latin typeface="Courier New" panose="02070309020205020404" pitchFamily="49" charset="0"/>
+              <a:cs typeface="Courier New" panose="02070309020205020404" pitchFamily="49" charset="0"/>
+            </a:endParaRPr>
+          </a:p>
+          <a:p>
+            <a:pPr marL="0" indent="0">
+              <a:buNone/>
+            </a:pPr>
+            <a:endParaRPr lang="nl-NL" sz="1600" dirty="0">
+              <a:latin typeface="Courier New" panose="02070309020205020404" pitchFamily="49" charset="0"/>
+              <a:cs typeface="Courier New" panose="02070309020205020404" pitchFamily="49" charset="0"/>
+            </a:endParaRPr>
+          </a:p>
+          <a:p>
+            <a:pPr marL="0" indent="0">
+              <a:buNone/>
+            </a:pPr>
+            <a:r>
+              <a:rPr lang="nl-NL" sz="1600" dirty="0">
+                <a:solidFill>
+                  <a:schemeClr val="accent6">
+                    <a:lumMod val="75000"/>
+                  </a:schemeClr>
+                </a:solidFill>
+                <a:latin typeface="Courier New" panose="02070309020205020404" pitchFamily="49" charset="0"/>
+                <a:cs typeface="Courier New" panose="02070309020205020404" pitchFamily="49" charset="0"/>
+              </a:rPr>
+              <a:t># </a:t>
+            </a:r>
+            <a:r>
+              <a:rPr lang="nl-NL" sz="1600" dirty="0" err="1">
+                <a:solidFill>
+                  <a:schemeClr val="accent6">
+                    <a:lumMod val="75000"/>
+                  </a:schemeClr>
+                </a:solidFill>
+                <a:latin typeface="Courier New" panose="02070309020205020404" pitchFamily="49" charset="0"/>
+                <a:cs typeface="Courier New" panose="02070309020205020404" pitchFamily="49" charset="0"/>
+              </a:rPr>
+              <a:t>Apply</a:t>
+            </a:r>
+            <a:r>
+              <a:rPr lang="nl-NL" sz="1600" dirty="0">
+                <a:solidFill>
+                  <a:schemeClr val="accent6">
+                    <a:lumMod val="75000"/>
+                  </a:schemeClr>
+                </a:solidFill>
+                <a:latin typeface="Courier New" panose="02070309020205020404" pitchFamily="49" charset="0"/>
+                <a:cs typeface="Courier New" panose="02070309020205020404" pitchFamily="49" charset="0"/>
+              </a:rPr>
+              <a:t> </a:t>
+            </a:r>
+            <a:r>
+              <a:rPr lang="nl-NL" sz="1600" dirty="0" err="1">
+                <a:solidFill>
+                  <a:schemeClr val="accent6">
+                    <a:lumMod val="75000"/>
+                  </a:schemeClr>
+                </a:solidFill>
+                <a:latin typeface="Courier New" panose="02070309020205020404" pitchFamily="49" charset="0"/>
+                <a:cs typeface="Courier New" panose="02070309020205020404" pitchFamily="49" charset="0"/>
+              </a:rPr>
+              <a:t>transformation</a:t>
+            </a:r>
+            <a:endParaRPr lang="nl-NL" sz="1600" dirty="0">
+              <a:solidFill>
+                <a:schemeClr val="accent6">
+                  <a:lumMod val="75000"/>
+                </a:schemeClr>
+              </a:solidFill>
+              <a:latin typeface="Courier New" panose="02070309020205020404" pitchFamily="49" charset="0"/>
+              <a:cs typeface="Courier New" panose="02070309020205020404" pitchFamily="49" charset="0"/>
+            </a:endParaRPr>
+          </a:p>
+          <a:p>
+            <a:pPr marL="0" indent="0">
+              <a:buNone/>
+            </a:pPr>
+            <a:r>
+              <a:rPr lang="nl-NL" sz="1600" dirty="0" err="1">
+                <a:latin typeface="Courier New" panose="02070309020205020404" pitchFamily="49" charset="0"/>
+                <a:cs typeface="Courier New" panose="02070309020205020404" pitchFamily="49" charset="0"/>
+              </a:rPr>
+              <a:t>StandardScaler</a:t>
+            </a:r>
+            <a:r>
+              <a:rPr lang="nl-NL" sz="1600" dirty="0">
+                <a:latin typeface="Courier New" panose="02070309020205020404" pitchFamily="49" charset="0"/>
+                <a:cs typeface="Courier New" panose="02070309020205020404" pitchFamily="49" charset="0"/>
+              </a:rPr>
+              <a:t>().</a:t>
+            </a:r>
+            <a:r>
+              <a:rPr lang="nl-NL" sz="1600" dirty="0" err="1">
+                <a:latin typeface="Courier New" panose="02070309020205020404" pitchFamily="49" charset="0"/>
+                <a:cs typeface="Courier New" panose="02070309020205020404" pitchFamily="49" charset="0"/>
+              </a:rPr>
+              <a:t>fit_transform</a:t>
+            </a:r>
+            <a:r>
+              <a:rPr lang="nl-NL" sz="1600" dirty="0">
+                <a:latin typeface="Courier New" panose="02070309020205020404" pitchFamily="49" charset="0"/>
+                <a:cs typeface="Courier New" panose="02070309020205020404" pitchFamily="49" charset="0"/>
+              </a:rPr>
+              <a:t>(</a:t>
+            </a:r>
+            <a:r>
+              <a:rPr lang="nl-NL" sz="1600" dirty="0" err="1">
+                <a:latin typeface="Courier New" panose="02070309020205020404" pitchFamily="49" charset="0"/>
+                <a:cs typeface="Courier New" panose="02070309020205020404" pitchFamily="49" charset="0"/>
+              </a:rPr>
+              <a:t>df</a:t>
+            </a:r>
+            <a:r>
+              <a:rPr lang="nl-NL" sz="1600" dirty="0">
+                <a:latin typeface="Courier New" panose="02070309020205020404" pitchFamily="49" charset="0"/>
+                <a:cs typeface="Courier New" panose="02070309020205020404" pitchFamily="49" charset="0"/>
+              </a:rPr>
+              <a:t>)</a:t>
+            </a:r>
+          </a:p>
+          <a:p>
+            <a:pPr marL="0" indent="0">
+              <a:buNone/>
+            </a:pPr>
+            <a:endParaRPr lang="nl-NL" sz="1600" dirty="0">
+              <a:latin typeface="Courier New" panose="02070309020205020404" pitchFamily="49" charset="0"/>
+              <a:cs typeface="Courier New" panose="02070309020205020404" pitchFamily="49" charset="0"/>
+            </a:endParaRPr>
+          </a:p>
+          <a:p>
+            <a:pPr marL="0" indent="0">
+              <a:buNone/>
+            </a:pPr>
+            <a:r>
+              <a:rPr lang="nl-NL" sz="1600" dirty="0">
+                <a:solidFill>
+                  <a:schemeClr val="accent6">
+                    <a:lumMod val="75000"/>
+                  </a:schemeClr>
+                </a:solidFill>
+                <a:latin typeface="Courier New" panose="02070309020205020404" pitchFamily="49" charset="0"/>
+                <a:cs typeface="Courier New" panose="02070309020205020404" pitchFamily="49" charset="0"/>
+              </a:rPr>
+              <a:t># Output is </a:t>
+            </a:r>
+            <a:r>
+              <a:rPr lang="nl-NL" sz="1600" dirty="0" err="1">
+                <a:solidFill>
+                  <a:schemeClr val="accent6">
+                    <a:lumMod val="75000"/>
+                  </a:schemeClr>
+                </a:solidFill>
+                <a:latin typeface="Courier New" panose="02070309020205020404" pitchFamily="49" charset="0"/>
+                <a:cs typeface="Courier New" panose="02070309020205020404" pitchFamily="49" charset="0"/>
+              </a:rPr>
+              <a:t>numpy.ndarray</a:t>
+            </a:r>
+            <a:endParaRPr lang="nl-NL" sz="1600" dirty="0">
+              <a:solidFill>
+                <a:schemeClr val="accent6">
+                  <a:lumMod val="75000"/>
+                </a:schemeClr>
+              </a:solidFill>
+              <a:latin typeface="Courier New" panose="02070309020205020404" pitchFamily="49" charset="0"/>
+              <a:cs typeface="Courier New" panose="02070309020205020404" pitchFamily="49" charset="0"/>
+            </a:endParaRPr>
+          </a:p>
+          <a:p>
+            <a:pPr marL="0" indent="0">
+              <a:buNone/>
+            </a:pPr>
+            <a:r>
+              <a:rPr lang="en-US" sz="1600" dirty="0">
+                <a:latin typeface="Courier New" panose="02070309020205020404" pitchFamily="49" charset="0"/>
+                <a:cs typeface="Courier New" panose="02070309020205020404" pitchFamily="49" charset="0"/>
+              </a:rPr>
+              <a:t>array(</a:t>
+            </a:r>
+          </a:p>
+          <a:p>
+            <a:pPr marL="0" indent="0">
+              <a:buNone/>
+            </a:pPr>
+            <a:r>
+              <a:rPr lang="en-US" sz="1600" dirty="0">
+                <a:latin typeface="Courier New" panose="02070309020205020404" pitchFamily="49" charset="0"/>
+                <a:cs typeface="Courier New" panose="02070309020205020404" pitchFamily="49" charset="0"/>
+              </a:rPr>
+              <a:t>  [ [-1.22474487],</a:t>
+            </a:r>
+          </a:p>
+          <a:p>
+            <a:pPr marL="0" indent="0">
+              <a:buNone/>
+            </a:pPr>
+            <a:r>
+              <a:rPr lang="en-US" sz="1600" dirty="0">
+                <a:latin typeface="Courier New" panose="02070309020205020404" pitchFamily="49" charset="0"/>
+                <a:cs typeface="Courier New" panose="02070309020205020404" pitchFamily="49" charset="0"/>
+              </a:rPr>
+              <a:t>    [ 0.        ],</a:t>
+            </a:r>
+          </a:p>
+          <a:p>
+            <a:pPr marL="0" indent="0">
+              <a:buNone/>
+            </a:pPr>
+            <a:r>
+              <a:rPr lang="en-US" sz="1600" dirty="0">
+                <a:latin typeface="Courier New" panose="02070309020205020404" pitchFamily="49" charset="0"/>
+                <a:cs typeface="Courier New" panose="02070309020205020404" pitchFamily="49" charset="0"/>
+              </a:rPr>
+              <a:t>    [ 1.22474487] ]</a:t>
+            </a:r>
+          </a:p>
+          <a:p>
+            <a:pPr marL="0" indent="0">
+              <a:buNone/>
+            </a:pPr>
+            <a:r>
+              <a:rPr lang="en-US" sz="1600" dirty="0">
+                <a:latin typeface="Courier New" panose="02070309020205020404" pitchFamily="49" charset="0"/>
+                <a:cs typeface="Courier New" panose="02070309020205020404" pitchFamily="49" charset="0"/>
+              </a:rPr>
+              <a:t>)</a:t>
+            </a:r>
+          </a:p>
+        </p:txBody>
+      </p:sp>
+      <p:sp>
+        <p:nvSpPr>
+          <p:cNvPr id="9" name="Content Placeholder 2">
+            <a:extLst>
+              <a:ext uri="{FF2B5EF4-FFF2-40B4-BE49-F238E27FC236}">
+                <a16:creationId xmlns:a16="http://schemas.microsoft.com/office/drawing/2014/main" id="{859EFECF-ED02-A3B2-D77A-667F104FEDE5}"/>
+              </a:ext>
+            </a:extLst>
+          </p:cNvPr>
+          <p:cNvSpPr txBox="1">
+            <a:spLocks/>
+          </p:cNvSpPr>
+          <p:nvPr/>
+        </p:nvSpPr>
+        <p:spPr>
+          <a:xfrm>
+            <a:off x="990601" y="1608667"/>
+            <a:ext cx="4714163" cy="4720696"/>
+          </a:xfrm>
+          <a:prstGeom prst="rect">
+            <a:avLst/>
+          </a:prstGeom>
+        </p:spPr>
+        <p:txBody>
+          <a:bodyPr vert="horz" lIns="91440" tIns="45720" rIns="91440" bIns="45720" rtlCol="0">
+            <a:normAutofit/>
+          </a:bodyPr>
+          <a:lstStyle>
+            <a:lvl1pPr marL="228600" indent="-228600" algn="l" defTabSz="914400" rtl="0" eaLnBrk="1" latinLnBrk="0" hangingPunct="1">
+              <a:lnSpc>
+                <a:spcPct val="90000"/>
+              </a:lnSpc>
+              <a:spcBef>
+                <a:spcPts val="1000"/>
+              </a:spcBef>
+              <a:buFont typeface="Arial" panose="020B0604020202020204" pitchFamily="34" charset="0"/>
+              <a:buChar char="•"/>
+              <a:defRPr sz="2800" kern="1200">
+                <a:solidFill>
+                  <a:schemeClr val="tx1"/>
+                </a:solidFill>
+                <a:latin typeface="+mn-lt"/>
+                <a:ea typeface="+mn-ea"/>
+                <a:cs typeface="+mn-cs"/>
+              </a:defRPr>
+            </a:lvl1pPr>
+            <a:lvl2pPr marL="685800" indent="-228600" algn="l" defTabSz="914400" rtl="0" eaLnBrk="1" latinLnBrk="0" hangingPunct="1">
+              <a:lnSpc>
+                <a:spcPct val="90000"/>
+              </a:lnSpc>
+              <a:spcBef>
+                <a:spcPts val="500"/>
+              </a:spcBef>
+              <a:buFont typeface="Arial" panose="020B0604020202020204" pitchFamily="34" charset="0"/>
+              <a:buChar char="•"/>
+              <a:defRPr sz="2400" kern="1200">
+                <a:solidFill>
+                  <a:schemeClr val="tx1"/>
+                </a:solidFill>
+                <a:latin typeface="+mn-lt"/>
+                <a:ea typeface="+mn-ea"/>
+                <a:cs typeface="+mn-cs"/>
+              </a:defRPr>
+            </a:lvl2pPr>
+            <a:lvl3pPr marL="1143000" indent="-228600" algn="l" defTabSz="914400" rtl="0" eaLnBrk="1" latinLnBrk="0" hangingPunct="1">
+              <a:lnSpc>
+                <a:spcPct val="90000"/>
+              </a:lnSpc>
+              <a:spcBef>
+                <a:spcPts val="500"/>
+              </a:spcBef>
+              <a:buFont typeface="Arial" panose="020B0604020202020204" pitchFamily="34" charset="0"/>
+              <a:buChar char="•"/>
+              <a:defRPr sz="2000" kern="1200">
+                <a:solidFill>
+                  <a:schemeClr val="tx1"/>
+                </a:solidFill>
+                <a:latin typeface="+mn-lt"/>
+                <a:ea typeface="+mn-ea"/>
+                <a:cs typeface="+mn-cs"/>
+              </a:defRPr>
+            </a:lvl3pPr>
+            <a:lvl4pPr marL="1600200" indent="-228600" algn="l" defTabSz="914400" rtl="0" eaLnBrk="1" latinLnBrk="0" hangingPunct="1">
+              <a:lnSpc>
+                <a:spcPct val="90000"/>
+              </a:lnSpc>
+              <a:spcBef>
+                <a:spcPts val="500"/>
+              </a:spcBef>
+              <a:buFont typeface="Arial" panose="020B0604020202020204" pitchFamily="34" charset="0"/>
+              <a:buChar char="•"/>
+              <a:defRPr sz="1800" kern="1200">
+                <a:solidFill>
+                  <a:schemeClr val="tx1"/>
+                </a:solidFill>
+                <a:latin typeface="+mn-lt"/>
+                <a:ea typeface="+mn-ea"/>
+                <a:cs typeface="+mn-cs"/>
+              </a:defRPr>
+            </a:lvl4pPr>
+            <a:lvl5pPr marL="2057400" indent="-228600" algn="l" defTabSz="914400" rtl="0" eaLnBrk="1" latinLnBrk="0" hangingPunct="1">
+              <a:lnSpc>
+                <a:spcPct val="90000"/>
+              </a:lnSpc>
+              <a:spcBef>
+                <a:spcPts val="500"/>
+              </a:spcBef>
+              <a:buFont typeface="Arial" panose="020B0604020202020204" pitchFamily="34" charset="0"/>
+              <a:buChar char="•"/>
+              <a:defRPr sz="1800" kern="1200">
+                <a:solidFill>
+                  <a:schemeClr val="tx1"/>
+                </a:solidFill>
+                <a:latin typeface="+mn-lt"/>
+                <a:ea typeface="+mn-ea"/>
+                <a:cs typeface="+mn-cs"/>
+              </a:defRPr>
+            </a:lvl5pPr>
+            <a:lvl6pPr marL="2514600" indent="-228600" algn="l" defTabSz="914400" rtl="0" eaLnBrk="1" latinLnBrk="0" hangingPunct="1">
+              <a:lnSpc>
+                <a:spcPct val="90000"/>
+              </a:lnSpc>
+              <a:spcBef>
+                <a:spcPts val="500"/>
+              </a:spcBef>
+              <a:buFont typeface="Arial" panose="020B0604020202020204" pitchFamily="34" charset="0"/>
+              <a:buChar char="•"/>
+              <a:defRPr sz="1800" kern="1200">
+                <a:solidFill>
+                  <a:schemeClr val="tx1"/>
+                </a:solidFill>
+                <a:latin typeface="+mn-lt"/>
+                <a:ea typeface="+mn-ea"/>
+                <a:cs typeface="+mn-cs"/>
+              </a:defRPr>
+            </a:lvl6pPr>
+            <a:lvl7pPr marL="2971800" indent="-228600" algn="l" defTabSz="914400" rtl="0" eaLnBrk="1" latinLnBrk="0" hangingPunct="1">
+              <a:lnSpc>
+                <a:spcPct val="90000"/>
+              </a:lnSpc>
+              <a:spcBef>
+                <a:spcPts val="500"/>
+              </a:spcBef>
+              <a:buFont typeface="Arial" panose="020B0604020202020204" pitchFamily="34" charset="0"/>
+              <a:buChar char="•"/>
+              <a:defRPr sz="1800" kern="1200">
+                <a:solidFill>
+                  <a:schemeClr val="tx1"/>
+                </a:solidFill>
+                <a:latin typeface="+mn-lt"/>
+                <a:ea typeface="+mn-ea"/>
+                <a:cs typeface="+mn-cs"/>
+              </a:defRPr>
+            </a:lvl7pPr>
+            <a:lvl8pPr marL="3429000" indent="-228600" algn="l" defTabSz="914400" rtl="0" eaLnBrk="1" latinLnBrk="0" hangingPunct="1">
+              <a:lnSpc>
+                <a:spcPct val="90000"/>
+              </a:lnSpc>
+              <a:spcBef>
+                <a:spcPts val="500"/>
+              </a:spcBef>
+              <a:buFont typeface="Arial" panose="020B0604020202020204" pitchFamily="34" charset="0"/>
+              <a:buChar char="•"/>
+              <a:defRPr sz="1800" kern="1200">
+                <a:solidFill>
+                  <a:schemeClr val="tx1"/>
+                </a:solidFill>
+                <a:latin typeface="+mn-lt"/>
+                <a:ea typeface="+mn-ea"/>
+                <a:cs typeface="+mn-cs"/>
+              </a:defRPr>
+            </a:lvl8pPr>
+            <a:lvl9pPr marL="3886200" indent="-228600" algn="l" defTabSz="914400" rtl="0" eaLnBrk="1" latinLnBrk="0" hangingPunct="1">
+              <a:lnSpc>
+                <a:spcPct val="90000"/>
+              </a:lnSpc>
+              <a:spcBef>
+                <a:spcPts val="500"/>
+              </a:spcBef>
+              <a:buFont typeface="Arial" panose="020B0604020202020204" pitchFamily="34" charset="0"/>
+              <a:buChar char="•"/>
+              <a:defRPr sz="1800" kern="1200">
+                <a:solidFill>
+                  <a:schemeClr val="tx1"/>
+                </a:solidFill>
+                <a:latin typeface="+mn-lt"/>
+                <a:ea typeface="+mn-ea"/>
+                <a:cs typeface="+mn-cs"/>
+              </a:defRPr>
+            </a:lvl9pPr>
+          </a:lstStyle>
+          <a:p>
+            <a:pPr marL="0" indent="0">
+              <a:buNone/>
+            </a:pPr>
+            <a:r>
+              <a:rPr lang="nl-NL" sz="2000" dirty="0"/>
+              <a:t>Gebaseerd op </a:t>
+            </a:r>
+            <a:r>
+              <a:rPr lang="nl-NL" sz="2000" dirty="0" err="1">
+                <a:latin typeface="Courier New" panose="02070309020205020404" pitchFamily="49" charset="0"/>
+                <a:cs typeface="Courier New" panose="02070309020205020404" pitchFamily="49" charset="0"/>
+              </a:rPr>
+              <a:t>numpy</a:t>
+            </a:r>
+            <a:r>
+              <a:rPr lang="nl-NL" sz="2000" dirty="0"/>
+              <a:t> en niet op </a:t>
+            </a:r>
+            <a:r>
+              <a:rPr lang="nl-NL" sz="2000" dirty="0" err="1">
+                <a:latin typeface="Courier New" panose="02070309020205020404" pitchFamily="49" charset="0"/>
+                <a:cs typeface="Courier New" panose="02070309020205020404" pitchFamily="49" charset="0"/>
+              </a:rPr>
+              <a:t>pandas</a:t>
+            </a:r>
+            <a:r>
+              <a:rPr lang="nl-NL" sz="2000" dirty="0"/>
+              <a:t>.</a:t>
+            </a:r>
+          </a:p>
+          <a:p>
+            <a:pPr marL="0" indent="0">
+              <a:buNone/>
+            </a:pPr>
+            <a:endParaRPr lang="nl-NL" sz="2000" dirty="0"/>
+          </a:p>
+          <a:p>
+            <a:pPr marL="0" indent="0">
+              <a:buNone/>
+            </a:pPr>
+            <a:r>
+              <a:rPr lang="nl-NL" sz="2000" dirty="0"/>
+              <a:t>Ondersteuning </a:t>
+            </a:r>
+            <a:r>
+              <a:rPr lang="nl-NL" sz="2000" dirty="0" err="1">
+                <a:latin typeface="Courier New" panose="02070309020205020404" pitchFamily="49" charset="0"/>
+                <a:cs typeface="Courier New" panose="02070309020205020404" pitchFamily="49" charset="0"/>
+              </a:rPr>
+              <a:t>pandas</a:t>
+            </a:r>
+            <a:r>
+              <a:rPr lang="nl-NL" sz="2000" dirty="0"/>
+              <a:t> wordt beter:</a:t>
+            </a:r>
+          </a:p>
+          <a:p>
+            <a:pPr marL="0" indent="0">
+              <a:buNone/>
+            </a:pPr>
+            <a:endParaRPr lang="nl-NL" sz="2000" dirty="0"/>
+          </a:p>
+          <a:p>
+            <a:pPr>
+              <a:buFontTx/>
+              <a:buChar char="-"/>
+            </a:pPr>
+            <a:r>
+              <a:rPr lang="nl-NL" sz="2000" dirty="0" err="1">
+                <a:latin typeface="Courier New" panose="02070309020205020404" pitchFamily="49" charset="0"/>
+                <a:cs typeface="Courier New" panose="02070309020205020404" pitchFamily="49" charset="0"/>
+              </a:rPr>
+              <a:t>DataFrame</a:t>
+            </a:r>
+            <a:r>
+              <a:rPr lang="nl-NL" sz="2000" dirty="0"/>
+              <a:t> geldig als invoer.</a:t>
+            </a:r>
+          </a:p>
+          <a:p>
+            <a:pPr marL="0" indent="0">
+              <a:buNone/>
+            </a:pPr>
+            <a:endParaRPr lang="nl-NL" sz="2000" dirty="0"/>
+          </a:p>
+          <a:p>
+            <a:pPr>
+              <a:buFontTx/>
+              <a:buChar char="-"/>
+            </a:pPr>
+            <a:r>
+              <a:rPr lang="nl-NL" sz="2000" dirty="0"/>
+              <a:t>Functies om kolomnamen te herleiden.</a:t>
+            </a:r>
+          </a:p>
+          <a:p>
+            <a:pPr marL="0" indent="0">
+              <a:buNone/>
+            </a:pPr>
+            <a:endParaRPr lang="nl-NL" sz="2000" dirty="0"/>
+          </a:p>
+          <a:p>
+            <a:pPr>
+              <a:buFontTx/>
+              <a:buChar char="-"/>
+            </a:pPr>
+            <a:r>
+              <a:rPr lang="nl-NL" sz="2000" dirty="0"/>
+              <a:t>Uitvoer converteren naar </a:t>
+            </a:r>
+            <a:r>
+              <a:rPr lang="nl-NL" sz="2000" dirty="0" err="1">
+                <a:latin typeface="Courier New" panose="02070309020205020404" pitchFamily="49" charset="0"/>
+                <a:cs typeface="Courier New" panose="02070309020205020404" pitchFamily="49" charset="0"/>
+              </a:rPr>
+              <a:t>DataFrame</a:t>
+            </a:r>
+            <a:r>
+              <a:rPr lang="nl-NL" sz="2000" dirty="0"/>
+              <a:t>.</a:t>
+            </a:r>
+          </a:p>
+        </p:txBody>
+      </p:sp>
+      <p:cxnSp>
+        <p:nvCxnSpPr>
+          <p:cNvPr id="5" name="Straight Connector 4">
+            <a:extLst>
+              <a:ext uri="{FF2B5EF4-FFF2-40B4-BE49-F238E27FC236}">
+                <a16:creationId xmlns:a16="http://schemas.microsoft.com/office/drawing/2014/main" id="{19C1F9F3-52B0-D980-9D97-1E87250DF311}"/>
+              </a:ext>
+            </a:extLst>
+          </p:cNvPr>
+          <p:cNvCxnSpPr/>
+          <p:nvPr/>
+        </p:nvCxnSpPr>
+        <p:spPr>
+          <a:xfrm>
+            <a:off x="5923129" y="1608667"/>
+            <a:ext cx="0" cy="4720696"/>
+          </a:xfrm>
+          <a:prstGeom prst="line">
+            <a:avLst/>
+          </a:prstGeom>
+        </p:spPr>
+        <p:style>
+          <a:lnRef idx="2">
+            <a:schemeClr val="dk1"/>
+          </a:lnRef>
+          <a:fillRef idx="0">
+            <a:schemeClr val="dk1"/>
+          </a:fillRef>
+          <a:effectRef idx="1">
+            <a:schemeClr val="dk1"/>
+          </a:effectRef>
+          <a:fontRef idx="minor">
+            <a:schemeClr val="tx1"/>
+          </a:fontRef>
+        </p:style>
+      </p:cxnSp>
     </p:spTree>
     <p:extLst>
       <p:ext uri="{BB962C8B-B14F-4D97-AF65-F5344CB8AC3E}">
-        <p14:creationId xmlns:p14="http://schemas.microsoft.com/office/powerpoint/2010/main" val="1377020512"/>
+        <p14:creationId xmlns:p14="http://schemas.microsoft.com/office/powerpoint/2010/main" val="2418042807"/>
       </p:ext>
     </p:extLst>
   </p:cSld>

--- a/python_trainees/4_scikit_learn/python_traineeship_4.pptx
+++ b/python_trainees/4_scikit_learn/python_traineeship_4.pptx
@@ -34,8 +34,10 @@
     <p:sldId id="362" r:id="rId28"/>
     <p:sldId id="359" r:id="rId29"/>
     <p:sldId id="360" r:id="rId30"/>
-    <p:sldId id="346" r:id="rId31"/>
-    <p:sldId id="336" r:id="rId32"/>
+    <p:sldId id="368" r:id="rId31"/>
+    <p:sldId id="369" r:id="rId32"/>
+    <p:sldId id="370" r:id="rId33"/>
+    <p:sldId id="336" r:id="rId34"/>
   </p:sldIdLst>
   <p:sldSz cx="12192000" cy="6858000"/>
   <p:notesSz cx="6858000" cy="9144000"/>
@@ -291,7 +293,7 @@
           <a:p>
             <a:fld id="{5E9D55AD-DA6B-4A9D-BFE6-D0A1673E6EA9}" type="datetimeFigureOut">
               <a:rPr lang="en-NL" smtClean="0"/>
-              <a:t>12/04/2023</a:t>
+              <a:t>14/04/2023</a:t>
             </a:fld>
             <a:endParaRPr lang="en-NL"/>
           </a:p>
@@ -491,7 +493,7 @@
           <a:p>
             <a:fld id="{5E9D55AD-DA6B-4A9D-BFE6-D0A1673E6EA9}" type="datetimeFigureOut">
               <a:rPr lang="en-NL" smtClean="0"/>
-              <a:t>12/04/2023</a:t>
+              <a:t>14/04/2023</a:t>
             </a:fld>
             <a:endParaRPr lang="en-NL"/>
           </a:p>
@@ -701,7 +703,7 @@
           <a:p>
             <a:fld id="{5E9D55AD-DA6B-4A9D-BFE6-D0A1673E6EA9}" type="datetimeFigureOut">
               <a:rPr lang="en-NL" smtClean="0"/>
-              <a:t>12/04/2023</a:t>
+              <a:t>14/04/2023</a:t>
             </a:fld>
             <a:endParaRPr lang="en-NL"/>
           </a:p>
@@ -901,7 +903,7 @@
           <a:p>
             <a:fld id="{5E9D55AD-DA6B-4A9D-BFE6-D0A1673E6EA9}" type="datetimeFigureOut">
               <a:rPr lang="en-NL" smtClean="0"/>
-              <a:t>12/04/2023</a:t>
+              <a:t>14/04/2023</a:t>
             </a:fld>
             <a:endParaRPr lang="en-NL"/>
           </a:p>
@@ -1177,7 +1179,7 @@
           <a:p>
             <a:fld id="{5E9D55AD-DA6B-4A9D-BFE6-D0A1673E6EA9}" type="datetimeFigureOut">
               <a:rPr lang="en-NL" smtClean="0"/>
-              <a:t>12/04/2023</a:t>
+              <a:t>14/04/2023</a:t>
             </a:fld>
             <a:endParaRPr lang="en-NL"/>
           </a:p>
@@ -1445,7 +1447,7 @@
           <a:p>
             <a:fld id="{5E9D55AD-DA6B-4A9D-BFE6-D0A1673E6EA9}" type="datetimeFigureOut">
               <a:rPr lang="en-NL" smtClean="0"/>
-              <a:t>12/04/2023</a:t>
+              <a:t>14/04/2023</a:t>
             </a:fld>
             <a:endParaRPr lang="en-NL"/>
           </a:p>
@@ -1860,7 +1862,7 @@
           <a:p>
             <a:fld id="{5E9D55AD-DA6B-4A9D-BFE6-D0A1673E6EA9}" type="datetimeFigureOut">
               <a:rPr lang="en-NL" smtClean="0"/>
-              <a:t>12/04/2023</a:t>
+              <a:t>14/04/2023</a:t>
             </a:fld>
             <a:endParaRPr lang="en-NL"/>
           </a:p>
@@ -2002,7 +2004,7 @@
           <a:p>
             <a:fld id="{5E9D55AD-DA6B-4A9D-BFE6-D0A1673E6EA9}" type="datetimeFigureOut">
               <a:rPr lang="en-NL" smtClean="0"/>
-              <a:t>12/04/2023</a:t>
+              <a:t>14/04/2023</a:t>
             </a:fld>
             <a:endParaRPr lang="en-NL"/>
           </a:p>
@@ -2115,7 +2117,7 @@
           <a:p>
             <a:fld id="{5E9D55AD-DA6B-4A9D-BFE6-D0A1673E6EA9}" type="datetimeFigureOut">
               <a:rPr lang="en-NL" smtClean="0"/>
-              <a:t>12/04/2023</a:t>
+              <a:t>14/04/2023</a:t>
             </a:fld>
             <a:endParaRPr lang="en-NL"/>
           </a:p>
@@ -2428,7 +2430,7 @@
           <a:p>
             <a:fld id="{5E9D55AD-DA6B-4A9D-BFE6-D0A1673E6EA9}" type="datetimeFigureOut">
               <a:rPr lang="en-NL" smtClean="0"/>
-              <a:t>12/04/2023</a:t>
+              <a:t>14/04/2023</a:t>
             </a:fld>
             <a:endParaRPr lang="en-NL"/>
           </a:p>
@@ -2717,7 +2719,7 @@
           <a:p>
             <a:fld id="{5E9D55AD-DA6B-4A9D-BFE6-D0A1673E6EA9}" type="datetimeFigureOut">
               <a:rPr lang="en-NL" smtClean="0"/>
-              <a:t>12/04/2023</a:t>
+              <a:t>14/04/2023</a:t>
             </a:fld>
             <a:endParaRPr lang="en-NL"/>
           </a:p>
@@ -2960,7 +2962,7 @@
           <a:p>
             <a:fld id="{5E9D55AD-DA6B-4A9D-BFE6-D0A1673E6EA9}" type="datetimeFigureOut">
               <a:rPr lang="en-NL" smtClean="0"/>
-              <a:t>12/04/2023</a:t>
+              <a:t>14/04/2023</a:t>
             </a:fld>
             <a:endParaRPr lang="en-NL"/>
           </a:p>
@@ -8399,91 +8401,128 @@
           <a:lstStyle/>
           <a:p>
             <a:r>
-              <a:rPr lang="en-US" b="1" dirty="0" err="1"/>
-              <a:t>sklearn.impute</a:t>
-            </a:r>
-            <a:endParaRPr lang="en-US" b="1" dirty="0"/>
-          </a:p>
-          <a:p>
-            <a:r>
-              <a:rPr lang="en-US" dirty="0" err="1"/>
-              <a:t>Invullen</a:t>
-            </a:r>
-            <a:r>
-              <a:rPr lang="en-US" dirty="0"/>
-              <a:t> van </a:t>
-            </a:r>
-            <a:r>
-              <a:rPr lang="en-US" dirty="0" err="1"/>
-              <a:t>ontbrekende</a:t>
-            </a:r>
-            <a:r>
-              <a:rPr lang="en-US" dirty="0"/>
+              <a:rPr lang="en-US" sz="1600" b="1" dirty="0" err="1"/>
+              <a:t>sklearn.linear_model</a:t>
+            </a:r>
+            <a:endParaRPr lang="en-US" sz="1600" b="1" dirty="0"/>
+          </a:p>
+          <a:p>
+            <a:endParaRPr lang="en-US" sz="1600" dirty="0"/>
+          </a:p>
+          <a:p>
+            <a:r>
+              <a:rPr lang="en-US" sz="1600" dirty="0" err="1"/>
+              <a:t>Verschillende</a:t>
+            </a:r>
+            <a:r>
+              <a:rPr lang="en-US" sz="1600" dirty="0"/>
               <a:t> </a:t>
             </a:r>
             <a:r>
-              <a:rPr lang="en-US" dirty="0" err="1"/>
-              <a:t>waardes</a:t>
-            </a:r>
-            <a:r>
-              <a:rPr lang="en-US" dirty="0"/>
+              <a:rPr lang="en-US" sz="1600" dirty="0" err="1"/>
+              <a:t>soorten</a:t>
+            </a:r>
+            <a:r>
+              <a:rPr lang="en-US" sz="1600" dirty="0"/>
+              <a:t> </a:t>
+            </a:r>
+            <a:r>
+              <a:rPr lang="en-US" sz="1600" dirty="0" err="1"/>
+              <a:t>lineaire</a:t>
+            </a:r>
+            <a:r>
+              <a:rPr lang="en-US" sz="1600" dirty="0"/>
+              <a:t> </a:t>
+            </a:r>
+            <a:r>
+              <a:rPr lang="en-US" sz="1600" dirty="0" err="1"/>
+              <a:t>modellen</a:t>
+            </a:r>
+            <a:r>
+              <a:rPr lang="en-US" sz="1600" dirty="0"/>
               <a:t>.</a:t>
             </a:r>
           </a:p>
           <a:p>
-            <a:endParaRPr lang="en-US" dirty="0"/>
-          </a:p>
-          <a:p>
-            <a:endParaRPr lang="en-US" b="1" dirty="0"/>
-          </a:p>
-          <a:p>
-            <a:r>
-              <a:rPr lang="en-US" b="1" dirty="0" err="1"/>
-              <a:t>Voorbeelden</a:t>
-            </a:r>
-            <a:r>
-              <a:rPr lang="en-US" b="1" dirty="0"/>
+            <a:endParaRPr lang="en-US" sz="1600" dirty="0"/>
+          </a:p>
+          <a:p>
+            <a:endParaRPr lang="en-US" sz="1600" b="1" dirty="0"/>
+          </a:p>
+          <a:p>
+            <a:r>
+              <a:rPr lang="en-US" sz="1600" b="1" dirty="0" err="1"/>
+              <a:t>Regressie</a:t>
+            </a:r>
+            <a:r>
+              <a:rPr lang="en-US" sz="1600" b="1" dirty="0"/>
               <a:t>:</a:t>
             </a:r>
           </a:p>
           <a:p>
             <a:r>
-              <a:rPr lang="nl-NL" noProof="0" dirty="0">
-                <a:latin typeface="Courier New" panose="02070309020205020404" pitchFamily="49" charset="0"/>
-                <a:cs typeface="Courier New" panose="02070309020205020404" pitchFamily="49" charset="0"/>
-              </a:rPr>
-              <a:t>S</a:t>
-            </a:r>
-            <a:r>
-              <a:rPr lang="nl-NL" dirty="0" err="1">
-                <a:latin typeface="Courier New" panose="02070309020205020404" pitchFamily="49" charset="0"/>
-                <a:cs typeface="Courier New" panose="02070309020205020404" pitchFamily="49" charset="0"/>
-              </a:rPr>
-              <a:t>impleImputer</a:t>
-            </a:r>
-            <a:endParaRPr lang="nl-NL" dirty="0">
+              <a:rPr lang="en-US" sz="1400" dirty="0" err="1">
+                <a:latin typeface="Courier New" panose="02070309020205020404" pitchFamily="49" charset="0"/>
+                <a:cs typeface="Courier New" panose="02070309020205020404" pitchFamily="49" charset="0"/>
+              </a:rPr>
+              <a:t>LinearRegression</a:t>
+            </a:r>
+            <a:endParaRPr lang="en-US" sz="1400" dirty="0">
               <a:latin typeface="Courier New" panose="02070309020205020404" pitchFamily="49" charset="0"/>
               <a:cs typeface="Courier New" panose="02070309020205020404" pitchFamily="49" charset="0"/>
             </a:endParaRPr>
           </a:p>
           <a:p>
             <a:r>
-              <a:rPr lang="nl-NL" dirty="0" err="1">
-                <a:latin typeface="Courier New" panose="02070309020205020404" pitchFamily="49" charset="0"/>
-                <a:cs typeface="Courier New" panose="02070309020205020404" pitchFamily="49" charset="0"/>
-              </a:rPr>
-              <a:t>KNNImputer</a:t>
-            </a:r>
-            <a:endParaRPr lang="nl-NL" dirty="0">
+              <a:rPr lang="en-US" sz="1400" dirty="0" err="1">
+                <a:latin typeface="Courier New" panose="02070309020205020404" pitchFamily="49" charset="0"/>
+                <a:cs typeface="Courier New" panose="02070309020205020404" pitchFamily="49" charset="0"/>
+              </a:rPr>
+              <a:t>ElasticNet</a:t>
+            </a:r>
+            <a:endParaRPr lang="en-US" sz="1400" dirty="0">
               <a:latin typeface="Courier New" panose="02070309020205020404" pitchFamily="49" charset="0"/>
               <a:cs typeface="Courier New" panose="02070309020205020404" pitchFamily="49" charset="0"/>
             </a:endParaRPr>
           </a:p>
           <a:p>
-            <a:endParaRPr lang="en-US" dirty="0"/>
-          </a:p>
-          <a:p>
-            <a:endParaRPr lang="en-NL" dirty="0"/>
+            <a:r>
+              <a:rPr lang="en-US" sz="1400" dirty="0" err="1">
+                <a:latin typeface="Courier New" panose="02070309020205020404" pitchFamily="49" charset="0"/>
+                <a:cs typeface="Courier New" panose="02070309020205020404" pitchFamily="49" charset="0"/>
+              </a:rPr>
+              <a:t>GammaRegressor</a:t>
+            </a:r>
+            <a:endParaRPr lang="en-US" sz="1400" dirty="0">
+              <a:latin typeface="Courier New" panose="02070309020205020404" pitchFamily="49" charset="0"/>
+              <a:cs typeface="Courier New" panose="02070309020205020404" pitchFamily="49" charset="0"/>
+            </a:endParaRPr>
+          </a:p>
+          <a:p>
+            <a:endParaRPr lang="en-US" sz="1600" dirty="0"/>
+          </a:p>
+          <a:p>
+            <a:r>
+              <a:rPr lang="en-US" sz="1600" b="1" dirty="0" err="1"/>
+              <a:t>Classificatie</a:t>
+            </a:r>
+            <a:r>
+              <a:rPr lang="en-US" sz="1600" b="1" dirty="0"/>
+              <a:t>:</a:t>
+            </a:r>
+          </a:p>
+          <a:p>
+            <a:r>
+              <a:rPr lang="en-US" sz="1400" dirty="0" err="1">
+                <a:latin typeface="Courier New" panose="02070309020205020404" pitchFamily="49" charset="0"/>
+                <a:cs typeface="Courier New" panose="02070309020205020404" pitchFamily="49" charset="0"/>
+              </a:rPr>
+              <a:t>LogisticRegression</a:t>
+            </a:r>
+            <a:endParaRPr lang="en-NL" sz="1400" dirty="0">
+              <a:latin typeface="Courier New" panose="02070309020205020404" pitchFamily="49" charset="0"/>
+              <a:cs typeface="Courier New" panose="02070309020205020404" pitchFamily="49" charset="0"/>
+            </a:endParaRPr>
           </a:p>
         </p:txBody>
       </p:sp>
@@ -8540,155 +8579,125 @@
           <a:lstStyle/>
           <a:p>
             <a:r>
-              <a:rPr lang="en-US" b="1" dirty="0" err="1"/>
-              <a:t>sklearn.preprocessing</a:t>
-            </a:r>
-            <a:endParaRPr lang="en-US" b="1" dirty="0"/>
+              <a:rPr lang="en-US" sz="1600" b="1" dirty="0" err="1"/>
+              <a:t>sklearn.ensemble</a:t>
+            </a:r>
+            <a:endParaRPr lang="en-US" sz="1600" b="1" dirty="0"/>
           </a:p>
           <a:p>
             <a:pPr marL="0" indent="0">
               <a:buNone/>
             </a:pPr>
-            <a:r>
-              <a:rPr lang="nl-NL" sz="1800" noProof="0" dirty="0"/>
-              <a:t>Categorische en numerieke transformaties.</a:t>
-            </a:r>
-          </a:p>
-          <a:p>
-            <a:endParaRPr lang="en-US" dirty="0"/>
-          </a:p>
-          <a:p>
-            <a:endParaRPr lang="en-US" b="1" dirty="0"/>
-          </a:p>
-          <a:p>
-            <a:r>
-              <a:rPr lang="en-US" b="1" dirty="0" err="1"/>
-              <a:t>Categorisch</a:t>
-            </a:r>
-            <a:r>
-              <a:rPr lang="en-US" b="1" dirty="0"/>
-              <a:t>:</a:t>
-            </a:r>
+            <a:endParaRPr lang="nl-NL" sz="1600" dirty="0"/>
           </a:p>
           <a:p>
             <a:pPr marL="0" indent="0">
               <a:buNone/>
             </a:pPr>
             <a:r>
-              <a:rPr lang="nl-NL" sz="1800" dirty="0" err="1">
-                <a:latin typeface="Courier New" panose="02070309020205020404" pitchFamily="49" charset="0"/>
-                <a:cs typeface="Courier New" panose="02070309020205020404" pitchFamily="49" charset="0"/>
-              </a:rPr>
-              <a:t>OneHotEncoder</a:t>
-            </a:r>
-            <a:endParaRPr lang="nl-NL" sz="1800" dirty="0">
+              <a:rPr lang="nl-NL" sz="1600" dirty="0"/>
+              <a:t>Modellen samengesteld uit beslisbomen</a:t>
+            </a:r>
+            <a:r>
+              <a:rPr lang="nl-NL" sz="1600" noProof="0" dirty="0"/>
+              <a:t>.</a:t>
+            </a:r>
+          </a:p>
+          <a:p>
+            <a:endParaRPr lang="en-US" sz="1600" dirty="0"/>
+          </a:p>
+          <a:p>
+            <a:endParaRPr lang="en-US" sz="1600" b="1" dirty="0"/>
+          </a:p>
+          <a:p>
+            <a:r>
+              <a:rPr lang="en-US" sz="1600" b="1" dirty="0" err="1"/>
+              <a:t>Regressie</a:t>
+            </a:r>
+            <a:r>
+              <a:rPr lang="en-US" sz="1600" b="1" dirty="0"/>
+              <a:t>:</a:t>
+            </a:r>
+          </a:p>
+          <a:p>
+            <a:r>
+              <a:rPr lang="nl-NL" sz="1200" dirty="0" err="1">
+                <a:latin typeface="Courier New" panose="02070309020205020404" pitchFamily="49" charset="0"/>
+                <a:cs typeface="Courier New" panose="02070309020205020404" pitchFamily="49" charset="0"/>
+              </a:rPr>
+              <a:t>RandomForestRegressor</a:t>
+            </a:r>
+            <a:endParaRPr lang="nl-NL" sz="1200" dirty="0">
               <a:latin typeface="Courier New" panose="02070309020205020404" pitchFamily="49" charset="0"/>
               <a:cs typeface="Courier New" panose="02070309020205020404" pitchFamily="49" charset="0"/>
             </a:endParaRPr>
           </a:p>
           <a:p>
-            <a:pPr marL="0" indent="0">
-              <a:buNone/>
-            </a:pPr>
-            <a:r>
-              <a:rPr lang="nl-NL" sz="1800" dirty="0" err="1">
-                <a:latin typeface="Courier New" panose="02070309020205020404" pitchFamily="49" charset="0"/>
-                <a:cs typeface="Courier New" panose="02070309020205020404" pitchFamily="49" charset="0"/>
-              </a:rPr>
-              <a:t>LabelEncoder</a:t>
-            </a:r>
-            <a:endParaRPr lang="nl-NL" sz="1800" dirty="0">
+            <a:r>
+              <a:rPr lang="nl-NL" sz="1200" dirty="0" err="1">
+                <a:latin typeface="Courier New" panose="02070309020205020404" pitchFamily="49" charset="0"/>
+                <a:cs typeface="Courier New" panose="02070309020205020404" pitchFamily="49" charset="0"/>
+              </a:rPr>
+              <a:t>HistGradientBoostingRegressor</a:t>
+            </a:r>
+            <a:endParaRPr lang="nl-NL" sz="1200" dirty="0">
               <a:latin typeface="Courier New" panose="02070309020205020404" pitchFamily="49" charset="0"/>
               <a:cs typeface="Courier New" panose="02070309020205020404" pitchFamily="49" charset="0"/>
             </a:endParaRPr>
           </a:p>
           <a:p>
-            <a:r>
-              <a:rPr lang="nl-NL" dirty="0" err="1">
-                <a:latin typeface="Courier New" panose="02070309020205020404" pitchFamily="49" charset="0"/>
-                <a:cs typeface="Courier New" panose="02070309020205020404" pitchFamily="49" charset="0"/>
-              </a:rPr>
-              <a:t>OrdinalEncoder</a:t>
-            </a:r>
-            <a:endParaRPr lang="nl-NL" dirty="0">
+            <a:endParaRPr lang="nl-NL" sz="1600" b="1" dirty="0"/>
+          </a:p>
+          <a:p>
+            <a:r>
+              <a:rPr lang="nl-NL" sz="1600" b="1" dirty="0"/>
+              <a:t>Classificatie:</a:t>
+            </a:r>
+          </a:p>
+          <a:p>
+            <a:r>
+              <a:rPr lang="nl-NL" sz="1200" dirty="0" err="1">
+                <a:latin typeface="Courier New" panose="02070309020205020404" pitchFamily="49" charset="0"/>
+                <a:cs typeface="Courier New" panose="02070309020205020404" pitchFamily="49" charset="0"/>
+              </a:rPr>
+              <a:t>RandomForestClassifier</a:t>
+            </a:r>
+            <a:endParaRPr lang="nl-NL" sz="1200" dirty="0">
               <a:latin typeface="Courier New" panose="02070309020205020404" pitchFamily="49" charset="0"/>
               <a:cs typeface="Courier New" panose="02070309020205020404" pitchFamily="49" charset="0"/>
             </a:endParaRPr>
           </a:p>
           <a:p>
-            <a:endParaRPr lang="nl-NL" dirty="0"/>
-          </a:p>
-          <a:p>
-            <a:r>
-              <a:rPr lang="nl-NL" sz="1800" b="1" dirty="0"/>
-              <a:t>Numeriek:</a:t>
-            </a:r>
-          </a:p>
-          <a:p>
-            <a:r>
-              <a:rPr lang="nl-NL" sz="1800" noProof="0" dirty="0" err="1">
-                <a:latin typeface="Courier New" panose="02070309020205020404" pitchFamily="49" charset="0"/>
-                <a:cs typeface="Courier New" panose="02070309020205020404" pitchFamily="49" charset="0"/>
-              </a:rPr>
-              <a:t>Standa</a:t>
-            </a:r>
-            <a:r>
-              <a:rPr lang="nl-NL" sz="1800" dirty="0" err="1">
-                <a:latin typeface="Courier New" panose="02070309020205020404" pitchFamily="49" charset="0"/>
-                <a:cs typeface="Courier New" panose="02070309020205020404" pitchFamily="49" charset="0"/>
-              </a:rPr>
-              <a:t>rdScaler</a:t>
-            </a:r>
-            <a:endParaRPr lang="nl-NL" sz="1800" dirty="0">
+            <a:r>
+              <a:rPr lang="nl-NL" sz="1200" dirty="0" err="1">
+                <a:latin typeface="Courier New" panose="02070309020205020404" pitchFamily="49" charset="0"/>
+                <a:cs typeface="Courier New" panose="02070309020205020404" pitchFamily="49" charset="0"/>
+              </a:rPr>
+              <a:t>HistGradientBoostingClassifier</a:t>
+            </a:r>
+            <a:endParaRPr lang="nl-NL" sz="1200" dirty="0">
               <a:latin typeface="Courier New" panose="02070309020205020404" pitchFamily="49" charset="0"/>
               <a:cs typeface="Courier New" panose="02070309020205020404" pitchFamily="49" charset="0"/>
             </a:endParaRPr>
           </a:p>
           <a:p>
             <a:r>
-              <a:rPr lang="nl-NL" sz="1800" dirty="0" err="1">
-                <a:latin typeface="Courier New" panose="02070309020205020404" pitchFamily="49" charset="0"/>
-                <a:cs typeface="Courier New" panose="02070309020205020404" pitchFamily="49" charset="0"/>
-              </a:rPr>
-              <a:t>MinMaxScaler</a:t>
-            </a:r>
-            <a:r>
-              <a:rPr lang="nl-NL" sz="1800" dirty="0">
-                <a:latin typeface="Courier New" panose="02070309020205020404" pitchFamily="49" charset="0"/>
-                <a:cs typeface="Courier New" panose="02070309020205020404" pitchFamily="49" charset="0"/>
-              </a:rPr>
-              <a:t> </a:t>
-            </a:r>
-            <a:r>
-              <a:rPr lang="nl-NL" sz="1800" dirty="0" err="1">
-                <a:latin typeface="Courier New" panose="02070309020205020404" pitchFamily="49" charset="0"/>
-                <a:cs typeface="Courier New" panose="02070309020205020404" pitchFamily="49" charset="0"/>
-              </a:rPr>
-              <a:t>QuantileTransformer</a:t>
-            </a:r>
-            <a:endParaRPr lang="nl-NL" dirty="0">
+              <a:rPr lang="nl-NL" sz="1200" dirty="0" err="1">
+                <a:latin typeface="Courier New" panose="02070309020205020404" pitchFamily="49" charset="0"/>
+                <a:cs typeface="Courier New" panose="02070309020205020404" pitchFamily="49" charset="0"/>
+              </a:rPr>
+              <a:t>IsolationForest</a:t>
+            </a:r>
+            <a:endParaRPr lang="nl-NL" sz="1200" dirty="0">
               <a:latin typeface="Courier New" panose="02070309020205020404" pitchFamily="49" charset="0"/>
               <a:cs typeface="Courier New" panose="02070309020205020404" pitchFamily="49" charset="0"/>
             </a:endParaRPr>
           </a:p>
           <a:p>
-            <a:r>
-              <a:rPr lang="nl-NL" sz="1800" dirty="0" err="1">
-                <a:latin typeface="Courier New" panose="02070309020205020404" pitchFamily="49" charset="0"/>
-                <a:cs typeface="Courier New" panose="02070309020205020404" pitchFamily="49" charset="0"/>
-              </a:rPr>
-              <a:t>PolynomialFeatures</a:t>
-            </a:r>
-            <a:endParaRPr lang="nl-NL" sz="1800" dirty="0">
-              <a:latin typeface="Courier New" panose="02070309020205020404" pitchFamily="49" charset="0"/>
-              <a:cs typeface="Courier New" panose="02070309020205020404" pitchFamily="49" charset="0"/>
-            </a:endParaRPr>
-          </a:p>
-          <a:p>
-            <a:endParaRPr lang="en-US" dirty="0"/>
-          </a:p>
-          <a:p>
-            <a:endParaRPr lang="en-NL" dirty="0"/>
+            <a:endParaRPr lang="en-US" sz="1600" dirty="0"/>
+          </a:p>
+          <a:p>
+            <a:endParaRPr lang="en-NL" sz="1600" dirty="0"/>
           </a:p>
         </p:txBody>
       </p:sp>
@@ -8745,48 +8754,109 @@
           <a:lstStyle/>
           <a:p>
             <a:r>
-              <a:rPr lang="en-US" b="1" dirty="0" err="1"/>
-              <a:t>sklearn.feature_extraction</a:t>
-            </a:r>
-            <a:endParaRPr lang="en-US" b="1" dirty="0"/>
+              <a:rPr lang="en-US" sz="1600" b="1" dirty="0" err="1"/>
+              <a:t>sklearn.neighbors</a:t>
+            </a:r>
+            <a:endParaRPr lang="en-US" sz="1600" b="1" dirty="0"/>
+          </a:p>
+          <a:p>
+            <a:endParaRPr lang="nl-NL" sz="1600" noProof="0" dirty="0">
+              <a:latin typeface="Courier New" panose="02070309020205020404" pitchFamily="49" charset="0"/>
+              <a:cs typeface="Courier New" panose="02070309020205020404" pitchFamily="49" charset="0"/>
+            </a:endParaRPr>
+          </a:p>
+          <a:p>
+            <a:r>
+              <a:rPr lang="nl-NL" sz="1400" b="1" noProof="0" dirty="0">
+                <a:latin typeface="Courier New" panose="02070309020205020404" pitchFamily="49" charset="0"/>
+                <a:cs typeface="Courier New" panose="02070309020205020404" pitchFamily="49" charset="0"/>
+              </a:rPr>
+              <a:t>R</a:t>
+            </a:r>
+            <a:r>
+              <a:rPr lang="nl-NL" sz="1400" noProof="0" dirty="0">
+                <a:latin typeface="Courier New" panose="02070309020205020404" pitchFamily="49" charset="0"/>
+                <a:cs typeface="Courier New" panose="02070309020205020404" pitchFamily="49" charset="0"/>
+              </a:rPr>
+              <a:t>: </a:t>
+            </a:r>
+            <a:r>
+              <a:rPr lang="nl-NL" sz="1400" noProof="0" dirty="0" err="1">
+                <a:latin typeface="Courier New" panose="02070309020205020404" pitchFamily="49" charset="0"/>
+                <a:cs typeface="Courier New" panose="02070309020205020404" pitchFamily="49" charset="0"/>
+              </a:rPr>
+              <a:t>KNeighborsRegressor</a:t>
+            </a:r>
+            <a:endParaRPr lang="en-US" sz="1400" dirty="0">
+              <a:latin typeface="Courier New" panose="02070309020205020404" pitchFamily="49" charset="0"/>
+              <a:cs typeface="Courier New" panose="02070309020205020404" pitchFamily="49" charset="0"/>
+            </a:endParaRPr>
           </a:p>
           <a:p>
             <a:pPr marL="0" indent="0">
               <a:buNone/>
             </a:pPr>
             <a:r>
-              <a:rPr lang="nl-NL" sz="1800" noProof="0" dirty="0"/>
-              <a:t>Omzetten ongestructureerde (tekst) data.</a:t>
-            </a:r>
-          </a:p>
-          <a:p>
-            <a:endParaRPr lang="en-US" dirty="0"/>
-          </a:p>
-          <a:p>
-            <a:endParaRPr lang="en-US" b="1" dirty="0"/>
-          </a:p>
-          <a:p>
-            <a:r>
-              <a:rPr lang="en-US" b="1" dirty="0" err="1"/>
-              <a:t>Voorbeelden</a:t>
-            </a:r>
-            <a:r>
-              <a:rPr lang="en-US" b="1" dirty="0"/>
-              <a:t>:</a:t>
-            </a:r>
+              <a:rPr lang="nl-NL" sz="1400" b="1" noProof="0" dirty="0">
+                <a:latin typeface="Courier New" panose="02070309020205020404" pitchFamily="49" charset="0"/>
+                <a:cs typeface="Courier New" panose="02070309020205020404" pitchFamily="49" charset="0"/>
+              </a:rPr>
+              <a:t>C</a:t>
+            </a:r>
+            <a:r>
+              <a:rPr lang="nl-NL" sz="1400" noProof="0" dirty="0">
+                <a:latin typeface="Courier New" panose="02070309020205020404" pitchFamily="49" charset="0"/>
+                <a:cs typeface="Courier New" panose="02070309020205020404" pitchFamily="49" charset="0"/>
+              </a:rPr>
+              <a:t>: KNeighborsClassifier</a:t>
+            </a:r>
+            <a:endParaRPr lang="en-US" sz="1400" dirty="0">
+              <a:latin typeface="Courier New" panose="02070309020205020404" pitchFamily="49" charset="0"/>
+              <a:cs typeface="Courier New" panose="02070309020205020404" pitchFamily="49" charset="0"/>
+            </a:endParaRPr>
+          </a:p>
+          <a:p>
+            <a:endParaRPr lang="en-US" sz="1600" b="1" dirty="0"/>
+          </a:p>
+          <a:p>
+            <a:endParaRPr lang="en-US" sz="1600" b="1" dirty="0"/>
+          </a:p>
+          <a:p>
+            <a:r>
+              <a:rPr lang="en-US" sz="1600" b="1" dirty="0" err="1"/>
+              <a:t>sklearn.naive_bayes</a:t>
+            </a:r>
+            <a:endParaRPr lang="en-US" sz="1600" b="1" dirty="0"/>
+          </a:p>
+          <a:p>
+            <a:endParaRPr lang="en-US" sz="1600" dirty="0"/>
           </a:p>
           <a:p>
             <a:pPr marL="0" indent="0">
               <a:buNone/>
             </a:pPr>
             <a:r>
-              <a:rPr lang="nl-NL" sz="1800" dirty="0" err="1">
-                <a:latin typeface="Courier New" panose="02070309020205020404" pitchFamily="49" charset="0"/>
-                <a:cs typeface="Courier New" panose="02070309020205020404" pitchFamily="49" charset="0"/>
-              </a:rPr>
-              <a:t>CountVectorizer</a:t>
-            </a:r>
-            <a:endParaRPr lang="nl-NL" dirty="0">
+              <a:rPr lang="nl-NL" sz="1400" b="1" noProof="0" dirty="0">
+                <a:latin typeface="Courier New" panose="02070309020205020404" pitchFamily="49" charset="0"/>
+                <a:cs typeface="Courier New" panose="02070309020205020404" pitchFamily="49" charset="0"/>
+              </a:rPr>
+              <a:t>C</a:t>
+            </a:r>
+            <a:r>
+              <a:rPr lang="nl-NL" sz="1400" noProof="0" dirty="0">
+                <a:latin typeface="Courier New" panose="02070309020205020404" pitchFamily="49" charset="0"/>
+                <a:cs typeface="Courier New" panose="02070309020205020404" pitchFamily="49" charset="0"/>
+              </a:rPr>
+              <a:t>: </a:t>
+            </a:r>
+            <a:r>
+              <a:rPr lang="nl-NL" sz="1400" noProof="0" dirty="0" err="1">
+                <a:latin typeface="Courier New" panose="02070309020205020404" pitchFamily="49" charset="0"/>
+                <a:cs typeface="Courier New" panose="02070309020205020404" pitchFamily="49" charset="0"/>
+              </a:rPr>
+              <a:t>GaussianNB</a:t>
+            </a:r>
+            <a:endParaRPr lang="nl-NL" sz="1400" noProof="0" dirty="0">
               <a:latin typeface="Courier New" panose="02070309020205020404" pitchFamily="49" charset="0"/>
               <a:cs typeface="Courier New" panose="02070309020205020404" pitchFamily="49" charset="0"/>
             </a:endParaRPr>
@@ -8796,19 +8866,109 @@
               <a:buNone/>
             </a:pPr>
             <a:r>
-              <a:rPr lang="nl-NL" sz="1800" dirty="0" err="1">
-                <a:latin typeface="Courier New" panose="02070309020205020404" pitchFamily="49" charset="0"/>
-                <a:cs typeface="Courier New" panose="02070309020205020404" pitchFamily="49" charset="0"/>
-              </a:rPr>
-              <a:t>TfidfVectorizer</a:t>
-            </a:r>
-            <a:endParaRPr lang="en-US" dirty="0">
+              <a:rPr lang="nl-NL" sz="1400" b="1" dirty="0">
+                <a:latin typeface="Courier New" panose="02070309020205020404" pitchFamily="49" charset="0"/>
+                <a:cs typeface="Courier New" panose="02070309020205020404" pitchFamily="49" charset="0"/>
+              </a:rPr>
+              <a:t>C</a:t>
+            </a:r>
+            <a:r>
+              <a:rPr lang="nl-NL" sz="1400" dirty="0">
+                <a:latin typeface="Courier New" panose="02070309020205020404" pitchFamily="49" charset="0"/>
+                <a:cs typeface="Courier New" panose="02070309020205020404" pitchFamily="49" charset="0"/>
+              </a:rPr>
+              <a:t>: </a:t>
+            </a:r>
+            <a:r>
+              <a:rPr lang="nl-NL" sz="1400" dirty="0" err="1">
+                <a:latin typeface="Courier New" panose="02070309020205020404" pitchFamily="49" charset="0"/>
+                <a:cs typeface="Courier New" panose="02070309020205020404" pitchFamily="49" charset="0"/>
+              </a:rPr>
+              <a:t>MultinomialNB</a:t>
+            </a:r>
+            <a:endParaRPr lang="en-US" sz="1400" dirty="0">
               <a:latin typeface="Courier New" panose="02070309020205020404" pitchFamily="49" charset="0"/>
               <a:cs typeface="Courier New" panose="02070309020205020404" pitchFamily="49" charset="0"/>
             </a:endParaRPr>
           </a:p>
           <a:p>
-            <a:endParaRPr lang="en-NL" dirty="0"/>
+            <a:endParaRPr lang="en-US" sz="1600" b="1" dirty="0"/>
+          </a:p>
+          <a:p>
+            <a:endParaRPr lang="en-US" sz="1600" b="1" dirty="0"/>
+          </a:p>
+          <a:p>
+            <a:r>
+              <a:rPr lang="en-US" sz="1600" b="1" dirty="0" err="1"/>
+              <a:t>sklearn.svm</a:t>
+            </a:r>
+            <a:endParaRPr lang="en-US" sz="1600" b="1" dirty="0"/>
+          </a:p>
+          <a:p>
+            <a:endParaRPr lang="en-US" sz="1400" b="1" dirty="0"/>
+          </a:p>
+          <a:p>
+            <a:r>
+              <a:rPr lang="nl-NL" sz="1400" b="1" noProof="0" dirty="0">
+                <a:latin typeface="Courier New" panose="02070309020205020404" pitchFamily="49" charset="0"/>
+                <a:cs typeface="Courier New" panose="02070309020205020404" pitchFamily="49" charset="0"/>
+              </a:rPr>
+              <a:t>R</a:t>
+            </a:r>
+            <a:r>
+              <a:rPr lang="nl-NL" sz="1400" noProof="0" dirty="0">
+                <a:latin typeface="Courier New" panose="02070309020205020404" pitchFamily="49" charset="0"/>
+                <a:cs typeface="Courier New" panose="02070309020205020404" pitchFamily="49" charset="0"/>
+              </a:rPr>
+              <a:t>: </a:t>
+            </a:r>
+            <a:r>
+              <a:rPr lang="nl-NL" sz="1400" noProof="0" dirty="0" err="1">
+                <a:latin typeface="Courier New" panose="02070309020205020404" pitchFamily="49" charset="0"/>
+                <a:cs typeface="Courier New" panose="02070309020205020404" pitchFamily="49" charset="0"/>
+              </a:rPr>
+              <a:t>LinearSVR</a:t>
+            </a:r>
+            <a:endParaRPr lang="en-US" sz="1400" dirty="0">
+              <a:latin typeface="Courier New" panose="02070309020205020404" pitchFamily="49" charset="0"/>
+              <a:cs typeface="Courier New" panose="02070309020205020404" pitchFamily="49" charset="0"/>
+            </a:endParaRPr>
+          </a:p>
+          <a:p>
+            <a:pPr marL="0" indent="0">
+              <a:buNone/>
+            </a:pPr>
+            <a:r>
+              <a:rPr lang="nl-NL" sz="1400" b="1" noProof="0" dirty="0">
+                <a:latin typeface="Courier New" panose="02070309020205020404" pitchFamily="49" charset="0"/>
+                <a:cs typeface="Courier New" panose="02070309020205020404" pitchFamily="49" charset="0"/>
+              </a:rPr>
+              <a:t>C</a:t>
+            </a:r>
+            <a:r>
+              <a:rPr lang="nl-NL" sz="1400" noProof="0" dirty="0">
+                <a:latin typeface="Courier New" panose="02070309020205020404" pitchFamily="49" charset="0"/>
+                <a:cs typeface="Courier New" panose="02070309020205020404" pitchFamily="49" charset="0"/>
+              </a:rPr>
+              <a:t>: </a:t>
+            </a:r>
+            <a:r>
+              <a:rPr lang="en-US" sz="1400" noProof="0" dirty="0" err="1">
+                <a:latin typeface="Courier New" panose="02070309020205020404" pitchFamily="49" charset="0"/>
+                <a:cs typeface="Courier New" panose="02070309020205020404" pitchFamily="49" charset="0"/>
+              </a:rPr>
+              <a:t>LinearSVC</a:t>
+            </a:r>
+            <a:endParaRPr lang="en-US" sz="1400" dirty="0">
+              <a:latin typeface="Courier New" panose="02070309020205020404" pitchFamily="49" charset="0"/>
+              <a:cs typeface="Courier New" panose="02070309020205020404" pitchFamily="49" charset="0"/>
+            </a:endParaRPr>
+          </a:p>
+          <a:p>
+            <a:endParaRPr lang="en-US" sz="1600" b="1" dirty="0"/>
+          </a:p>
+          <a:p>
+            <a:endParaRPr lang="en-NL" sz="1600" dirty="0"/>
           </a:p>
         </p:txBody>
       </p:sp>
@@ -14228,10 +14388,10 @@
       </p:grpSpPr>
       <p:sp>
         <p:nvSpPr>
-          <p:cNvPr id="4" name="Title 3">
-            <a:extLst>
-              <a:ext uri="{FF2B5EF4-FFF2-40B4-BE49-F238E27FC236}">
-                <a16:creationId xmlns:a16="http://schemas.microsoft.com/office/drawing/2014/main" id="{72C925CA-BCA3-3701-E08E-95652380B32E}"/>
+          <p:cNvPr id="2" name="Title 1">
+            <a:extLst>
+              <a:ext uri="{FF2B5EF4-FFF2-40B4-BE49-F238E27FC236}">
+                <a16:creationId xmlns:a16="http://schemas.microsoft.com/office/drawing/2014/main" id="{39A1D606-8DD1-369C-5C09-471CDD551AD5}"/>
               </a:ext>
             </a:extLst>
           </p:cNvPr>
@@ -14242,47 +14402,370 @@
             <p:ph type="title"/>
           </p:nvPr>
         </p:nvSpPr>
-        <p:spPr/>
-        <p:txBody>
-          <a:bodyPr/>
+        <p:spPr>
+          <a:xfrm>
+            <a:off x="838200" y="365126"/>
+            <a:ext cx="10515600" cy="718608"/>
+          </a:xfrm>
+        </p:spPr>
+        <p:txBody>
+          <a:bodyPr>
+            <a:normAutofit/>
+          </a:bodyPr>
           <a:lstStyle/>
           <a:p>
             <a:r>
-              <a:rPr lang="nl-NL" noProof="0" dirty="0"/>
-              <a:t>Natural Language Processing</a:t>
-            </a:r>
-          </a:p>
-        </p:txBody>
-      </p:sp>
-      <p:sp>
-        <p:nvSpPr>
-          <p:cNvPr id="5" name="Text Placeholder 4">
-            <a:extLst>
-              <a:ext uri="{FF2B5EF4-FFF2-40B4-BE49-F238E27FC236}">
-                <a16:creationId xmlns:a16="http://schemas.microsoft.com/office/drawing/2014/main" id="{1AB31C95-91AF-DF13-FB58-0DA5F2D9F6F7}"/>
-              </a:ext>
-            </a:extLst>
-          </p:cNvPr>
-          <p:cNvSpPr>
-            <a:spLocks noGrp="1"/>
+              <a:rPr lang="nl-NL" sz="3600" dirty="0"/>
+              <a:t>Train versus test data</a:t>
+            </a:r>
+            <a:endParaRPr lang="nl-NL" sz="3600" noProof="0" dirty="0"/>
+          </a:p>
+        </p:txBody>
+      </p:sp>
+      <p:sp>
+        <p:nvSpPr>
+          <p:cNvPr id="4" name="TextBox 3">
+            <a:extLst>
+              <a:ext uri="{FF2B5EF4-FFF2-40B4-BE49-F238E27FC236}">
+                <a16:creationId xmlns:a16="http://schemas.microsoft.com/office/drawing/2014/main" id="{B47EA95A-6DDD-ED89-357A-943A5BC87A94}"/>
+              </a:ext>
+            </a:extLst>
+          </p:cNvPr>
+          <p:cNvSpPr txBox="1"/>
+          <p:nvPr/>
+        </p:nvSpPr>
+        <p:spPr>
+          <a:xfrm>
+            <a:off x="6555232" y="2530561"/>
+            <a:ext cx="184731" cy="369332"/>
+          </a:xfrm>
+          <a:prstGeom prst="rect">
+            <a:avLst/>
+          </a:prstGeom>
+          <a:noFill/>
+        </p:spPr>
+        <p:txBody>
+          <a:bodyPr wrap="none" rtlCol="0">
+            <a:spAutoFit/>
+          </a:bodyPr>
+          <a:lstStyle/>
+          <a:p>
+            <a:endParaRPr lang="en-NL" dirty="0"/>
+          </a:p>
+        </p:txBody>
+      </p:sp>
+      <p:sp>
+        <p:nvSpPr>
+          <p:cNvPr id="9" name="Content Placeholder 2">
+            <a:extLst>
+              <a:ext uri="{FF2B5EF4-FFF2-40B4-BE49-F238E27FC236}">
+                <a16:creationId xmlns:a16="http://schemas.microsoft.com/office/drawing/2014/main" id="{859EFECF-ED02-A3B2-D77A-667F104FEDE5}"/>
+              </a:ext>
+            </a:extLst>
+          </p:cNvPr>
+          <p:cNvSpPr txBox="1">
+            <a:spLocks/>
           </p:cNvSpPr>
-          <p:nvPr>
-            <p:ph type="body" idx="1"/>
-          </p:nvPr>
-        </p:nvSpPr>
-        <p:spPr/>
-        <p:txBody>
-          <a:bodyPr/>
-          <a:lstStyle/>
-          <a:p>
-            <a:endParaRPr lang="en-NL"/>
-          </a:p>
-        </p:txBody>
-      </p:sp>
+          <p:nvPr/>
+        </p:nvSpPr>
+        <p:spPr>
+          <a:xfrm>
+            <a:off x="990601" y="1608667"/>
+            <a:ext cx="6996403" cy="4720696"/>
+          </a:xfrm>
+          <a:prstGeom prst="rect">
+            <a:avLst/>
+          </a:prstGeom>
+        </p:spPr>
+        <p:txBody>
+          <a:bodyPr vert="horz" lIns="91440" tIns="45720" rIns="91440" bIns="45720" rtlCol="0">
+            <a:normAutofit/>
+          </a:bodyPr>
+          <a:lstStyle>
+            <a:lvl1pPr marL="228600" indent="-228600" algn="l" defTabSz="914400" rtl="0" eaLnBrk="1" latinLnBrk="0" hangingPunct="1">
+              <a:lnSpc>
+                <a:spcPct val="90000"/>
+              </a:lnSpc>
+              <a:spcBef>
+                <a:spcPts val="1000"/>
+              </a:spcBef>
+              <a:buFont typeface="Arial" panose="020B0604020202020204" pitchFamily="34" charset="0"/>
+              <a:buChar char="•"/>
+              <a:defRPr sz="2800" kern="1200">
+                <a:solidFill>
+                  <a:schemeClr val="tx1"/>
+                </a:solidFill>
+                <a:latin typeface="+mn-lt"/>
+                <a:ea typeface="+mn-ea"/>
+                <a:cs typeface="+mn-cs"/>
+              </a:defRPr>
+            </a:lvl1pPr>
+            <a:lvl2pPr marL="685800" indent="-228600" algn="l" defTabSz="914400" rtl="0" eaLnBrk="1" latinLnBrk="0" hangingPunct="1">
+              <a:lnSpc>
+                <a:spcPct val="90000"/>
+              </a:lnSpc>
+              <a:spcBef>
+                <a:spcPts val="500"/>
+              </a:spcBef>
+              <a:buFont typeface="Arial" panose="020B0604020202020204" pitchFamily="34" charset="0"/>
+              <a:buChar char="•"/>
+              <a:defRPr sz="2400" kern="1200">
+                <a:solidFill>
+                  <a:schemeClr val="tx1"/>
+                </a:solidFill>
+                <a:latin typeface="+mn-lt"/>
+                <a:ea typeface="+mn-ea"/>
+                <a:cs typeface="+mn-cs"/>
+              </a:defRPr>
+            </a:lvl2pPr>
+            <a:lvl3pPr marL="1143000" indent="-228600" algn="l" defTabSz="914400" rtl="0" eaLnBrk="1" latinLnBrk="0" hangingPunct="1">
+              <a:lnSpc>
+                <a:spcPct val="90000"/>
+              </a:lnSpc>
+              <a:spcBef>
+                <a:spcPts val="500"/>
+              </a:spcBef>
+              <a:buFont typeface="Arial" panose="020B0604020202020204" pitchFamily="34" charset="0"/>
+              <a:buChar char="•"/>
+              <a:defRPr sz="2000" kern="1200">
+                <a:solidFill>
+                  <a:schemeClr val="tx1"/>
+                </a:solidFill>
+                <a:latin typeface="+mn-lt"/>
+                <a:ea typeface="+mn-ea"/>
+                <a:cs typeface="+mn-cs"/>
+              </a:defRPr>
+            </a:lvl3pPr>
+            <a:lvl4pPr marL="1600200" indent="-228600" algn="l" defTabSz="914400" rtl="0" eaLnBrk="1" latinLnBrk="0" hangingPunct="1">
+              <a:lnSpc>
+                <a:spcPct val="90000"/>
+              </a:lnSpc>
+              <a:spcBef>
+                <a:spcPts val="500"/>
+              </a:spcBef>
+              <a:buFont typeface="Arial" panose="020B0604020202020204" pitchFamily="34" charset="0"/>
+              <a:buChar char="•"/>
+              <a:defRPr sz="1800" kern="1200">
+                <a:solidFill>
+                  <a:schemeClr val="tx1"/>
+                </a:solidFill>
+                <a:latin typeface="+mn-lt"/>
+                <a:ea typeface="+mn-ea"/>
+                <a:cs typeface="+mn-cs"/>
+              </a:defRPr>
+            </a:lvl4pPr>
+            <a:lvl5pPr marL="2057400" indent="-228600" algn="l" defTabSz="914400" rtl="0" eaLnBrk="1" latinLnBrk="0" hangingPunct="1">
+              <a:lnSpc>
+                <a:spcPct val="90000"/>
+              </a:lnSpc>
+              <a:spcBef>
+                <a:spcPts val="500"/>
+              </a:spcBef>
+              <a:buFont typeface="Arial" panose="020B0604020202020204" pitchFamily="34" charset="0"/>
+              <a:buChar char="•"/>
+              <a:defRPr sz="1800" kern="1200">
+                <a:solidFill>
+                  <a:schemeClr val="tx1"/>
+                </a:solidFill>
+                <a:latin typeface="+mn-lt"/>
+                <a:ea typeface="+mn-ea"/>
+                <a:cs typeface="+mn-cs"/>
+              </a:defRPr>
+            </a:lvl5pPr>
+            <a:lvl6pPr marL="2514600" indent="-228600" algn="l" defTabSz="914400" rtl="0" eaLnBrk="1" latinLnBrk="0" hangingPunct="1">
+              <a:lnSpc>
+                <a:spcPct val="90000"/>
+              </a:lnSpc>
+              <a:spcBef>
+                <a:spcPts val="500"/>
+              </a:spcBef>
+              <a:buFont typeface="Arial" panose="020B0604020202020204" pitchFamily="34" charset="0"/>
+              <a:buChar char="•"/>
+              <a:defRPr sz="1800" kern="1200">
+                <a:solidFill>
+                  <a:schemeClr val="tx1"/>
+                </a:solidFill>
+                <a:latin typeface="+mn-lt"/>
+                <a:ea typeface="+mn-ea"/>
+                <a:cs typeface="+mn-cs"/>
+              </a:defRPr>
+            </a:lvl6pPr>
+            <a:lvl7pPr marL="2971800" indent="-228600" algn="l" defTabSz="914400" rtl="0" eaLnBrk="1" latinLnBrk="0" hangingPunct="1">
+              <a:lnSpc>
+                <a:spcPct val="90000"/>
+              </a:lnSpc>
+              <a:spcBef>
+                <a:spcPts val="500"/>
+              </a:spcBef>
+              <a:buFont typeface="Arial" panose="020B0604020202020204" pitchFamily="34" charset="0"/>
+              <a:buChar char="•"/>
+              <a:defRPr sz="1800" kern="1200">
+                <a:solidFill>
+                  <a:schemeClr val="tx1"/>
+                </a:solidFill>
+                <a:latin typeface="+mn-lt"/>
+                <a:ea typeface="+mn-ea"/>
+                <a:cs typeface="+mn-cs"/>
+              </a:defRPr>
+            </a:lvl7pPr>
+            <a:lvl8pPr marL="3429000" indent="-228600" algn="l" defTabSz="914400" rtl="0" eaLnBrk="1" latinLnBrk="0" hangingPunct="1">
+              <a:lnSpc>
+                <a:spcPct val="90000"/>
+              </a:lnSpc>
+              <a:spcBef>
+                <a:spcPts val="500"/>
+              </a:spcBef>
+              <a:buFont typeface="Arial" panose="020B0604020202020204" pitchFamily="34" charset="0"/>
+              <a:buChar char="•"/>
+              <a:defRPr sz="1800" kern="1200">
+                <a:solidFill>
+                  <a:schemeClr val="tx1"/>
+                </a:solidFill>
+                <a:latin typeface="+mn-lt"/>
+                <a:ea typeface="+mn-ea"/>
+                <a:cs typeface="+mn-cs"/>
+              </a:defRPr>
+            </a:lvl8pPr>
+            <a:lvl9pPr marL="3886200" indent="-228600" algn="l" defTabSz="914400" rtl="0" eaLnBrk="1" latinLnBrk="0" hangingPunct="1">
+              <a:lnSpc>
+                <a:spcPct val="90000"/>
+              </a:lnSpc>
+              <a:spcBef>
+                <a:spcPts val="500"/>
+              </a:spcBef>
+              <a:buFont typeface="Arial" panose="020B0604020202020204" pitchFamily="34" charset="0"/>
+              <a:buChar char="•"/>
+              <a:defRPr sz="1800" kern="1200">
+                <a:solidFill>
+                  <a:schemeClr val="tx1"/>
+                </a:solidFill>
+                <a:latin typeface="+mn-lt"/>
+                <a:ea typeface="+mn-ea"/>
+                <a:cs typeface="+mn-cs"/>
+              </a:defRPr>
+            </a:lvl9pPr>
+          </a:lstStyle>
+          <a:p>
+            <a:pPr marL="0" indent="0">
+              <a:buNone/>
+            </a:pPr>
+            <a:r>
+              <a:rPr lang="nl-NL" sz="2000" dirty="0"/>
+              <a:t>Modellen minimaliseren foutmarge op de </a:t>
+            </a:r>
+            <a:r>
+              <a:rPr lang="nl-NL" sz="2000" u="sng" dirty="0"/>
+              <a:t>gegeven</a:t>
+            </a:r>
+            <a:r>
+              <a:rPr lang="nl-NL" sz="2000" dirty="0"/>
+              <a:t> data.</a:t>
+            </a:r>
+          </a:p>
+          <a:p>
+            <a:pPr marL="0" indent="0">
+              <a:buNone/>
+            </a:pPr>
+            <a:endParaRPr lang="nl-NL" sz="2000" dirty="0"/>
+          </a:p>
+          <a:p>
+            <a:pPr marL="0" indent="0">
+              <a:buNone/>
+            </a:pPr>
+            <a:r>
+              <a:rPr lang="nl-NL" sz="2000" dirty="0"/>
+              <a:t>Deze optimalisatie kan te ver doorschieten; dit heet "overfitting".</a:t>
+            </a:r>
+          </a:p>
+          <a:p>
+            <a:pPr marL="0" indent="0">
+              <a:buNone/>
+            </a:pPr>
+            <a:endParaRPr lang="nl-NL" sz="2000" dirty="0"/>
+          </a:p>
+          <a:p>
+            <a:pPr marL="0" indent="0">
+              <a:buNone/>
+            </a:pPr>
+            <a:r>
+              <a:rPr lang="nl-NL" sz="2000" dirty="0"/>
+              <a:t>Door overfitting generaliseert het model niet goed naar de populatie.</a:t>
+            </a:r>
+          </a:p>
+          <a:p>
+            <a:pPr marL="0" indent="0">
+              <a:buNone/>
+            </a:pPr>
+            <a:endParaRPr lang="nl-NL" sz="2000" dirty="0"/>
+          </a:p>
+          <a:p>
+            <a:pPr marL="0" indent="0">
+              <a:buNone/>
+            </a:pPr>
+            <a:r>
+              <a:rPr lang="nl-NL" sz="2000" dirty="0"/>
+              <a:t>Test modellen altijd op data die </a:t>
+            </a:r>
+            <a:r>
+              <a:rPr lang="nl-NL" sz="2000" u="sng" dirty="0"/>
+              <a:t>niet</a:t>
+            </a:r>
+            <a:r>
+              <a:rPr lang="nl-NL" sz="2000" dirty="0"/>
+              <a:t> gebruikt is bij het trainen; een test set.</a:t>
+            </a:r>
+          </a:p>
+          <a:p>
+            <a:pPr marL="0" indent="0">
+              <a:buNone/>
+            </a:pPr>
+            <a:endParaRPr lang="nl-NL" sz="2000" dirty="0"/>
+          </a:p>
+          <a:p>
+            <a:pPr marL="0" indent="0">
+              <a:buNone/>
+            </a:pPr>
+            <a:r>
+              <a:rPr lang="nl-NL" sz="2000" dirty="0"/>
+              <a:t>Er is sprake van overfitting als prestaties op de train set veel beter zijn dan op de test set.</a:t>
+            </a:r>
+          </a:p>
+        </p:txBody>
+      </p:sp>
+      <p:pic>
+        <p:nvPicPr>
+          <p:cNvPr id="6" name="Picture 5">
+            <a:extLst>
+              <a:ext uri="{FF2B5EF4-FFF2-40B4-BE49-F238E27FC236}">
+                <a16:creationId xmlns:a16="http://schemas.microsoft.com/office/drawing/2014/main" id="{F408C5FC-6B4D-E548-CE0D-FE6EF961BE3B}"/>
+              </a:ext>
+            </a:extLst>
+          </p:cNvPr>
+          <p:cNvPicPr>
+            <a:picLocks noChangeAspect="1"/>
+          </p:cNvPicPr>
+          <p:nvPr/>
+        </p:nvPicPr>
+        <p:blipFill>
+          <a:blip r:embed="rId2"/>
+          <a:stretch>
+            <a:fillRect/>
+          </a:stretch>
+        </p:blipFill>
+        <p:spPr>
+          <a:xfrm>
+            <a:off x="8777805" y="1188235"/>
+            <a:ext cx="2575995" cy="5033554"/>
+          </a:xfrm>
+          <a:prstGeom prst="rect">
+            <a:avLst/>
+          </a:prstGeom>
+        </p:spPr>
+      </p:pic>
     </p:spTree>
     <p:extLst>
       <p:ext uri="{BB962C8B-B14F-4D97-AF65-F5344CB8AC3E}">
-        <p14:creationId xmlns:p14="http://schemas.microsoft.com/office/powerpoint/2010/main" val="2675372687"/>
+        <p14:creationId xmlns:p14="http://schemas.microsoft.com/office/powerpoint/2010/main" val="2736180966"/>
       </p:ext>
     </p:extLst>
   </p:cSld>
@@ -14293,6 +14776,2021 @@
 </file>
 
 <file path=ppt/slides/slide31.xml><?xml version="1.0" encoding="utf-8"?>
+<p:sld xmlns:a="http://schemas.openxmlformats.org/drawingml/2006/main" xmlns:r="http://schemas.openxmlformats.org/officeDocument/2006/relationships" xmlns:p="http://schemas.openxmlformats.org/presentationml/2006/main">
+  <p:cSld>
+    <p:spTree>
+      <p:nvGrpSpPr>
+        <p:cNvPr id="1" name=""/>
+        <p:cNvGrpSpPr/>
+        <p:nvPr/>
+      </p:nvGrpSpPr>
+      <p:grpSpPr>
+        <a:xfrm>
+          <a:off x="0" y="0"/>
+          <a:ext cx="0" cy="0"/>
+          <a:chOff x="0" y="0"/>
+          <a:chExt cx="0" cy="0"/>
+        </a:xfrm>
+      </p:grpSpPr>
+      <p:sp>
+        <p:nvSpPr>
+          <p:cNvPr id="2" name="Title 1">
+            <a:extLst>
+              <a:ext uri="{FF2B5EF4-FFF2-40B4-BE49-F238E27FC236}">
+                <a16:creationId xmlns:a16="http://schemas.microsoft.com/office/drawing/2014/main" id="{39A1D606-8DD1-369C-5C09-471CDD551AD5}"/>
+              </a:ext>
+            </a:extLst>
+          </p:cNvPr>
+          <p:cNvSpPr>
+            <a:spLocks noGrp="1"/>
+          </p:cNvSpPr>
+          <p:nvPr>
+            <p:ph type="title"/>
+          </p:nvPr>
+        </p:nvSpPr>
+        <p:spPr>
+          <a:xfrm>
+            <a:off x="838200" y="365126"/>
+            <a:ext cx="10515600" cy="718608"/>
+          </a:xfrm>
+        </p:spPr>
+        <p:txBody>
+          <a:bodyPr>
+            <a:normAutofit/>
+          </a:bodyPr>
+          <a:lstStyle/>
+          <a:p>
+            <a:r>
+              <a:rPr lang="nl-NL" sz="3600" dirty="0"/>
+              <a:t>Cross-</a:t>
+            </a:r>
+            <a:r>
+              <a:rPr lang="nl-NL" sz="3600" dirty="0" err="1"/>
+              <a:t>validation</a:t>
+            </a:r>
+            <a:endParaRPr lang="nl-NL" sz="3600" noProof="0" dirty="0"/>
+          </a:p>
+        </p:txBody>
+      </p:sp>
+      <p:sp>
+        <p:nvSpPr>
+          <p:cNvPr id="4" name="TextBox 3">
+            <a:extLst>
+              <a:ext uri="{FF2B5EF4-FFF2-40B4-BE49-F238E27FC236}">
+                <a16:creationId xmlns:a16="http://schemas.microsoft.com/office/drawing/2014/main" id="{B47EA95A-6DDD-ED89-357A-943A5BC87A94}"/>
+              </a:ext>
+            </a:extLst>
+          </p:cNvPr>
+          <p:cNvSpPr txBox="1"/>
+          <p:nvPr/>
+        </p:nvSpPr>
+        <p:spPr>
+          <a:xfrm>
+            <a:off x="6555232" y="2530561"/>
+            <a:ext cx="184731" cy="369332"/>
+          </a:xfrm>
+          <a:prstGeom prst="rect">
+            <a:avLst/>
+          </a:prstGeom>
+          <a:noFill/>
+        </p:spPr>
+        <p:txBody>
+          <a:bodyPr wrap="none" rtlCol="0">
+            <a:spAutoFit/>
+          </a:bodyPr>
+          <a:lstStyle/>
+          <a:p>
+            <a:endParaRPr lang="en-NL" dirty="0"/>
+          </a:p>
+        </p:txBody>
+      </p:sp>
+      <p:graphicFrame>
+        <p:nvGraphicFramePr>
+          <p:cNvPr id="3" name="Table 4">
+            <a:extLst>
+              <a:ext uri="{FF2B5EF4-FFF2-40B4-BE49-F238E27FC236}">
+                <a16:creationId xmlns:a16="http://schemas.microsoft.com/office/drawing/2014/main" id="{0408A2A4-E22C-57CD-A15A-3BE581161F35}"/>
+              </a:ext>
+            </a:extLst>
+          </p:cNvPr>
+          <p:cNvGraphicFramePr>
+            <a:graphicFrameLocks noGrp="1"/>
+          </p:cNvGraphicFramePr>
+          <p:nvPr>
+            <p:extLst>
+              <p:ext uri="{D42A27DB-BD31-4B8C-83A1-F6EECF244321}">
+                <p14:modId xmlns:p14="http://schemas.microsoft.com/office/powerpoint/2010/main" val="3010546399"/>
+              </p:ext>
+            </p:extLst>
+          </p:nvPr>
+        </p:nvGraphicFramePr>
+        <p:xfrm>
+          <a:off x="990600" y="2765692"/>
+          <a:ext cx="9949542" cy="3445694"/>
+        </p:xfrm>
+        <a:graphic>
+          <a:graphicData uri="http://schemas.openxmlformats.org/drawingml/2006/table">
+            <a:tbl>
+              <a:tblPr firstRow="1" bandRow="1">
+                <a:tableStyleId>{5940675A-B579-460E-94D1-54222C63F5DA}</a:tableStyleId>
+              </a:tblPr>
+              <a:tblGrid>
+                <a:gridCol w="782637">
+                  <a:extLst>
+                    <a:ext uri="{9D8B030D-6E8A-4147-A177-3AD203B41FA5}">
+                      <a16:colId xmlns:a16="http://schemas.microsoft.com/office/drawing/2014/main" val="2365246139"/>
+                    </a:ext>
+                  </a:extLst>
+                </a:gridCol>
+                <a:gridCol w="1151305">
+                  <a:extLst>
+                    <a:ext uri="{9D8B030D-6E8A-4147-A177-3AD203B41FA5}">
+                      <a16:colId xmlns:a16="http://schemas.microsoft.com/office/drawing/2014/main" val="1865416860"/>
+                    </a:ext>
+                  </a:extLst>
+                </a:gridCol>
+                <a:gridCol w="1603120">
+                  <a:extLst>
+                    <a:ext uri="{9D8B030D-6E8A-4147-A177-3AD203B41FA5}">
+                      <a16:colId xmlns:a16="http://schemas.microsoft.com/office/drawing/2014/main" val="2438186123"/>
+                    </a:ext>
+                  </a:extLst>
+                </a:gridCol>
+                <a:gridCol w="1603120">
+                  <a:extLst>
+                    <a:ext uri="{9D8B030D-6E8A-4147-A177-3AD203B41FA5}">
+                      <a16:colId xmlns:a16="http://schemas.microsoft.com/office/drawing/2014/main" val="1686534602"/>
+                    </a:ext>
+                  </a:extLst>
+                </a:gridCol>
+                <a:gridCol w="1603120">
+                  <a:extLst>
+                    <a:ext uri="{9D8B030D-6E8A-4147-A177-3AD203B41FA5}">
+                      <a16:colId xmlns:a16="http://schemas.microsoft.com/office/drawing/2014/main" val="940577431"/>
+                    </a:ext>
+                  </a:extLst>
+                </a:gridCol>
+                <a:gridCol w="1603120">
+                  <a:extLst>
+                    <a:ext uri="{9D8B030D-6E8A-4147-A177-3AD203B41FA5}">
+                      <a16:colId xmlns:a16="http://schemas.microsoft.com/office/drawing/2014/main" val="247526330"/>
+                    </a:ext>
+                  </a:extLst>
+                </a:gridCol>
+                <a:gridCol w="1603120">
+                  <a:extLst>
+                    <a:ext uri="{9D8B030D-6E8A-4147-A177-3AD203B41FA5}">
+                      <a16:colId xmlns:a16="http://schemas.microsoft.com/office/drawing/2014/main" val="3505697190"/>
+                    </a:ext>
+                  </a:extLst>
+                </a:gridCol>
+              </a:tblGrid>
+              <a:tr h="492242">
+                <a:tc>
+                  <a:txBody>
+                    <a:bodyPr/>
+                    <a:lstStyle/>
+                    <a:p>
+                      <a:endParaRPr lang="en-NL" dirty="0"/>
+                    </a:p>
+                  </a:txBody>
+                  <a:tcPr anchor="ctr">
+                    <a:lnL w="12700" cmpd="sng">
+                      <a:noFill/>
+                    </a:lnL>
+                    <a:lnR w="12700" cmpd="sng">
+                      <a:noFill/>
+                    </a:lnR>
+                    <a:lnT w="12700" cmpd="sng">
+                      <a:noFill/>
+                    </a:lnT>
+                    <a:lnB w="12700" cmpd="sng">
+                      <a:noFill/>
+                    </a:lnB>
+                    <a:lnTlToBr w="12700" cmpd="sng">
+                      <a:noFill/>
+                      <a:prstDash val="solid"/>
+                    </a:lnTlToBr>
+                    <a:lnBlToTr w="12700" cmpd="sng">
+                      <a:noFill/>
+                      <a:prstDash val="solid"/>
+                    </a:lnBlToTr>
+                  </a:tcPr>
+                </a:tc>
+                <a:tc>
+                  <a:txBody>
+                    <a:bodyPr/>
+                    <a:lstStyle/>
+                    <a:p>
+                      <a:pPr algn="ctr"/>
+                      <a:endParaRPr lang="en-NL" dirty="0"/>
+                    </a:p>
+                  </a:txBody>
+                  <a:tcPr anchor="ctr">
+                    <a:lnL w="12700" cmpd="sng">
+                      <a:noFill/>
+                    </a:lnL>
+                    <a:lnR w="12700" cap="flat" cmpd="sng" algn="ctr">
+                      <a:solidFill>
+                        <a:schemeClr val="tx1"/>
+                      </a:solidFill>
+                      <a:prstDash val="solid"/>
+                      <a:round/>
+                      <a:headEnd type="none" w="med" len="med"/>
+                      <a:tailEnd type="none" w="med" len="med"/>
+                    </a:lnR>
+                    <a:lnT w="12700" cmpd="sng">
+                      <a:noFill/>
+                    </a:lnT>
+                    <a:lnB w="12700" cmpd="sng">
+                      <a:noFill/>
+                    </a:lnB>
+                    <a:lnTlToBr w="12700" cmpd="sng">
+                      <a:noFill/>
+                      <a:prstDash val="solid"/>
+                    </a:lnTlToBr>
+                    <a:lnBlToTr w="12700" cmpd="sng">
+                      <a:noFill/>
+                      <a:prstDash val="solid"/>
+                    </a:lnBlToTr>
+                  </a:tcPr>
+                </a:tc>
+                <a:tc gridSpan="5">
+                  <a:txBody>
+                    <a:bodyPr/>
+                    <a:lstStyle/>
+                    <a:p>
+                      <a:pPr algn="ctr"/>
+                      <a:r>
+                        <a:rPr lang="en-US" b="1" dirty="0"/>
+                        <a:t>Records</a:t>
+                      </a:r>
+                      <a:endParaRPr lang="en-NL" b="1" dirty="0"/>
+                    </a:p>
+                  </a:txBody>
+                  <a:tcPr anchor="ctr">
+                    <a:lnL w="12700" cap="flat" cmpd="sng" algn="ctr">
+                      <a:solidFill>
+                        <a:schemeClr val="tx1"/>
+                      </a:solidFill>
+                      <a:prstDash val="solid"/>
+                      <a:round/>
+                      <a:headEnd type="none" w="med" len="med"/>
+                      <a:tailEnd type="none" w="med" len="med"/>
+                    </a:lnL>
+                    <a:solidFill>
+                      <a:schemeClr val="accent6">
+                        <a:lumMod val="40000"/>
+                        <a:lumOff val="60000"/>
+                      </a:schemeClr>
+                    </a:solidFill>
+                  </a:tcPr>
+                </a:tc>
+                <a:tc hMerge="1">
+                  <a:txBody>
+                    <a:bodyPr/>
+                    <a:lstStyle/>
+                    <a:p>
+                      <a:endParaRPr lang="en-NL" dirty="0"/>
+                    </a:p>
+                  </a:txBody>
+                  <a:tcPr/>
+                </a:tc>
+                <a:tc hMerge="1">
+                  <a:txBody>
+                    <a:bodyPr/>
+                    <a:lstStyle/>
+                    <a:p>
+                      <a:endParaRPr lang="en-NL" dirty="0"/>
+                    </a:p>
+                  </a:txBody>
+                  <a:tcPr/>
+                </a:tc>
+                <a:tc hMerge="1">
+                  <a:txBody>
+                    <a:bodyPr/>
+                    <a:lstStyle/>
+                    <a:p>
+                      <a:endParaRPr lang="en-NL" dirty="0"/>
+                    </a:p>
+                  </a:txBody>
+                  <a:tcPr/>
+                </a:tc>
+                <a:tc hMerge="1">
+                  <a:txBody>
+                    <a:bodyPr/>
+                    <a:lstStyle/>
+                    <a:p>
+                      <a:endParaRPr lang="en-NL" dirty="0"/>
+                    </a:p>
+                  </a:txBody>
+                  <a:tcPr/>
+                </a:tc>
+                <a:extLst>
+                  <a:ext uri="{0D108BD9-81ED-4DB2-BD59-A6C34878D82A}">
+                    <a16:rowId xmlns:a16="http://schemas.microsoft.com/office/drawing/2014/main" val="2595353408"/>
+                  </a:ext>
+                </a:extLst>
+              </a:tr>
+              <a:tr h="492242">
+                <a:tc>
+                  <a:txBody>
+                    <a:bodyPr/>
+                    <a:lstStyle/>
+                    <a:p>
+                      <a:endParaRPr lang="en-NL" dirty="0"/>
+                    </a:p>
+                  </a:txBody>
+                  <a:tcPr anchor="ctr">
+                    <a:lnL w="12700" cmpd="sng">
+                      <a:noFill/>
+                    </a:lnL>
+                    <a:lnR w="12700" cmpd="sng">
+                      <a:noFill/>
+                    </a:lnR>
+                    <a:lnT w="12700" cmpd="sng">
+                      <a:noFill/>
+                    </a:lnT>
+                    <a:lnB w="12700" cap="flat" cmpd="sng" algn="ctr">
+                      <a:solidFill>
+                        <a:schemeClr val="tx1"/>
+                      </a:solidFill>
+                      <a:prstDash val="solid"/>
+                      <a:round/>
+                      <a:headEnd type="none" w="med" len="med"/>
+                      <a:tailEnd type="none" w="med" len="med"/>
+                    </a:lnB>
+                    <a:lnTlToBr w="12700" cmpd="sng">
+                      <a:noFill/>
+                      <a:prstDash val="solid"/>
+                    </a:lnTlToBr>
+                    <a:lnBlToTr w="12700" cmpd="sng">
+                      <a:noFill/>
+                      <a:prstDash val="solid"/>
+                    </a:lnBlToTr>
+                  </a:tcPr>
+                </a:tc>
+                <a:tc>
+                  <a:txBody>
+                    <a:bodyPr/>
+                    <a:lstStyle/>
+                    <a:p>
+                      <a:pPr algn="ctr"/>
+                      <a:endParaRPr lang="en-NL" dirty="0"/>
+                    </a:p>
+                  </a:txBody>
+                  <a:tcPr anchor="ctr">
+                    <a:lnL w="12700" cmpd="sng">
+                      <a:noFill/>
+                    </a:lnL>
+                    <a:lnR w="12700" cap="flat" cmpd="sng" algn="ctr">
+                      <a:solidFill>
+                        <a:schemeClr val="tx1"/>
+                      </a:solidFill>
+                      <a:prstDash val="solid"/>
+                      <a:round/>
+                      <a:headEnd type="none" w="med" len="med"/>
+                      <a:tailEnd type="none" w="med" len="med"/>
+                    </a:lnR>
+                    <a:lnT w="12700" cmpd="sng">
+                      <a:noFill/>
+                    </a:lnT>
+                    <a:lnB w="12700" cap="flat" cmpd="sng" algn="ctr">
+                      <a:solidFill>
+                        <a:schemeClr val="tx1"/>
+                      </a:solidFill>
+                      <a:prstDash val="solid"/>
+                      <a:round/>
+                      <a:headEnd type="none" w="med" len="med"/>
+                      <a:tailEnd type="none" w="med" len="med"/>
+                    </a:lnB>
+                    <a:lnTlToBr w="12700" cmpd="sng">
+                      <a:noFill/>
+                      <a:prstDash val="solid"/>
+                    </a:lnTlToBr>
+                    <a:lnBlToTr w="12700" cmpd="sng">
+                      <a:noFill/>
+                      <a:prstDash val="solid"/>
+                    </a:lnBlToTr>
+                  </a:tcPr>
+                </a:tc>
+                <a:tc>
+                  <a:txBody>
+                    <a:bodyPr/>
+                    <a:lstStyle/>
+                    <a:p>
+                      <a:pPr algn="ctr"/>
+                      <a:r>
+                        <a:rPr lang="en-US" dirty="0"/>
+                        <a:t>1 - 20</a:t>
+                      </a:r>
+                      <a:endParaRPr lang="en-NL" dirty="0"/>
+                    </a:p>
+                  </a:txBody>
+                  <a:tcPr anchor="ctr">
+                    <a:lnL w="12700" cap="flat" cmpd="sng" algn="ctr">
+                      <a:solidFill>
+                        <a:schemeClr val="tx1"/>
+                      </a:solidFill>
+                      <a:prstDash val="solid"/>
+                      <a:round/>
+                      <a:headEnd type="none" w="med" len="med"/>
+                      <a:tailEnd type="none" w="med" len="med"/>
+                    </a:lnL>
+                    <a:solidFill>
+                      <a:schemeClr val="accent6">
+                        <a:lumMod val="20000"/>
+                        <a:lumOff val="80000"/>
+                      </a:schemeClr>
+                    </a:solidFill>
+                  </a:tcPr>
+                </a:tc>
+                <a:tc>
+                  <a:txBody>
+                    <a:bodyPr/>
+                    <a:lstStyle/>
+                    <a:p>
+                      <a:pPr algn="ctr"/>
+                      <a:r>
+                        <a:rPr lang="en-US" dirty="0"/>
+                        <a:t>21 - 40</a:t>
+                      </a:r>
+                      <a:endParaRPr lang="en-NL" dirty="0"/>
+                    </a:p>
+                  </a:txBody>
+                  <a:tcPr anchor="ctr">
+                    <a:solidFill>
+                      <a:schemeClr val="accent6">
+                        <a:lumMod val="20000"/>
+                        <a:lumOff val="80000"/>
+                      </a:schemeClr>
+                    </a:solidFill>
+                  </a:tcPr>
+                </a:tc>
+                <a:tc>
+                  <a:txBody>
+                    <a:bodyPr/>
+                    <a:lstStyle/>
+                    <a:p>
+                      <a:pPr algn="ctr"/>
+                      <a:r>
+                        <a:rPr lang="en-US" dirty="0"/>
+                        <a:t>41 - 60</a:t>
+                      </a:r>
+                      <a:endParaRPr lang="en-NL" dirty="0"/>
+                    </a:p>
+                  </a:txBody>
+                  <a:tcPr anchor="ctr">
+                    <a:solidFill>
+                      <a:schemeClr val="accent6">
+                        <a:lumMod val="20000"/>
+                        <a:lumOff val="80000"/>
+                      </a:schemeClr>
+                    </a:solidFill>
+                  </a:tcPr>
+                </a:tc>
+                <a:tc>
+                  <a:txBody>
+                    <a:bodyPr/>
+                    <a:lstStyle/>
+                    <a:p>
+                      <a:pPr algn="ctr"/>
+                      <a:r>
+                        <a:rPr lang="en-US" dirty="0"/>
+                        <a:t>61 - 80</a:t>
+                      </a:r>
+                      <a:endParaRPr lang="en-NL" dirty="0"/>
+                    </a:p>
+                  </a:txBody>
+                  <a:tcPr anchor="ctr">
+                    <a:solidFill>
+                      <a:schemeClr val="accent6">
+                        <a:lumMod val="20000"/>
+                        <a:lumOff val="80000"/>
+                      </a:schemeClr>
+                    </a:solidFill>
+                  </a:tcPr>
+                </a:tc>
+                <a:tc>
+                  <a:txBody>
+                    <a:bodyPr/>
+                    <a:lstStyle/>
+                    <a:p>
+                      <a:pPr algn="ctr"/>
+                      <a:r>
+                        <a:rPr lang="en-US" dirty="0"/>
+                        <a:t>81 - 100</a:t>
+                      </a:r>
+                      <a:endParaRPr lang="en-NL" dirty="0"/>
+                    </a:p>
+                  </a:txBody>
+                  <a:tcPr anchor="ctr">
+                    <a:solidFill>
+                      <a:schemeClr val="accent6">
+                        <a:lumMod val="20000"/>
+                        <a:lumOff val="80000"/>
+                      </a:schemeClr>
+                    </a:solidFill>
+                  </a:tcPr>
+                </a:tc>
+                <a:extLst>
+                  <a:ext uri="{0D108BD9-81ED-4DB2-BD59-A6C34878D82A}">
+                    <a16:rowId xmlns:a16="http://schemas.microsoft.com/office/drawing/2014/main" val="575539422"/>
+                  </a:ext>
+                </a:extLst>
+              </a:tr>
+              <a:tr h="492242">
+                <a:tc rowSpan="5">
+                  <a:txBody>
+                    <a:bodyPr/>
+                    <a:lstStyle/>
+                    <a:p>
+                      <a:pPr algn="ctr"/>
+                      <a:r>
+                        <a:rPr lang="en-US" b="1" dirty="0"/>
+                        <a:t>Split</a:t>
+                      </a:r>
+                      <a:endParaRPr lang="en-NL" b="1" dirty="0"/>
+                    </a:p>
+                  </a:txBody>
+                  <a:tcPr vert="vert270" anchor="ctr">
+                    <a:lnT w="12700" cap="flat" cmpd="sng" algn="ctr">
+                      <a:solidFill>
+                        <a:schemeClr val="tx1"/>
+                      </a:solidFill>
+                      <a:prstDash val="solid"/>
+                      <a:round/>
+                      <a:headEnd type="none" w="med" len="med"/>
+                      <a:tailEnd type="none" w="med" len="med"/>
+                    </a:lnT>
+                    <a:solidFill>
+                      <a:schemeClr val="accent2">
+                        <a:lumMod val="60000"/>
+                        <a:lumOff val="40000"/>
+                      </a:schemeClr>
+                    </a:solidFill>
+                  </a:tcPr>
+                </a:tc>
+                <a:tc>
+                  <a:txBody>
+                    <a:bodyPr/>
+                    <a:lstStyle/>
+                    <a:p>
+                      <a:pPr algn="ctr"/>
+                      <a:r>
+                        <a:rPr lang="en-US" dirty="0"/>
+                        <a:t>1</a:t>
+                      </a:r>
+                      <a:endParaRPr lang="en-NL" dirty="0"/>
+                    </a:p>
+                  </a:txBody>
+                  <a:tcPr anchor="ctr">
+                    <a:lnT w="12700" cap="flat" cmpd="sng" algn="ctr">
+                      <a:solidFill>
+                        <a:schemeClr val="tx1"/>
+                      </a:solidFill>
+                      <a:prstDash val="solid"/>
+                      <a:round/>
+                      <a:headEnd type="none" w="med" len="med"/>
+                      <a:tailEnd type="none" w="med" len="med"/>
+                    </a:lnT>
+                    <a:solidFill>
+                      <a:schemeClr val="accent2">
+                        <a:lumMod val="40000"/>
+                        <a:lumOff val="60000"/>
+                      </a:schemeClr>
+                    </a:solidFill>
+                  </a:tcPr>
+                </a:tc>
+                <a:tc>
+                  <a:txBody>
+                    <a:bodyPr/>
+                    <a:lstStyle/>
+                    <a:p>
+                      <a:pPr algn="ctr"/>
+                      <a:r>
+                        <a:rPr lang="en-US" dirty="0"/>
+                        <a:t>Test</a:t>
+                      </a:r>
+                      <a:endParaRPr lang="en-NL" dirty="0"/>
+                    </a:p>
+                  </a:txBody>
+                  <a:tcPr anchor="ctr">
+                    <a:solidFill>
+                      <a:schemeClr val="accent5">
+                        <a:lumMod val="60000"/>
+                        <a:lumOff val="40000"/>
+                      </a:schemeClr>
+                    </a:solidFill>
+                  </a:tcPr>
+                </a:tc>
+                <a:tc>
+                  <a:txBody>
+                    <a:bodyPr/>
+                    <a:lstStyle/>
+                    <a:p>
+                      <a:pPr algn="ctr"/>
+                      <a:endParaRPr lang="en-NL" dirty="0"/>
+                    </a:p>
+                  </a:txBody>
+                  <a:tcPr anchor="ctr">
+                    <a:solidFill>
+                      <a:schemeClr val="accent4">
+                        <a:lumMod val="40000"/>
+                        <a:lumOff val="60000"/>
+                      </a:schemeClr>
+                    </a:solidFill>
+                  </a:tcPr>
+                </a:tc>
+                <a:tc>
+                  <a:txBody>
+                    <a:bodyPr/>
+                    <a:lstStyle/>
+                    <a:p>
+                      <a:pPr algn="ctr"/>
+                      <a:endParaRPr lang="en-NL" dirty="0"/>
+                    </a:p>
+                  </a:txBody>
+                  <a:tcPr anchor="ctr">
+                    <a:solidFill>
+                      <a:schemeClr val="accent4">
+                        <a:lumMod val="40000"/>
+                        <a:lumOff val="60000"/>
+                      </a:schemeClr>
+                    </a:solidFill>
+                  </a:tcPr>
+                </a:tc>
+                <a:tc>
+                  <a:txBody>
+                    <a:bodyPr/>
+                    <a:lstStyle/>
+                    <a:p>
+                      <a:pPr algn="ctr"/>
+                      <a:endParaRPr lang="en-NL" dirty="0"/>
+                    </a:p>
+                  </a:txBody>
+                  <a:tcPr anchor="ctr">
+                    <a:solidFill>
+                      <a:schemeClr val="accent4">
+                        <a:lumMod val="40000"/>
+                        <a:lumOff val="60000"/>
+                      </a:schemeClr>
+                    </a:solidFill>
+                  </a:tcPr>
+                </a:tc>
+                <a:tc>
+                  <a:txBody>
+                    <a:bodyPr/>
+                    <a:lstStyle/>
+                    <a:p>
+                      <a:pPr algn="ctr"/>
+                      <a:endParaRPr lang="en-NL" dirty="0"/>
+                    </a:p>
+                  </a:txBody>
+                  <a:tcPr anchor="ctr">
+                    <a:solidFill>
+                      <a:schemeClr val="accent4">
+                        <a:lumMod val="40000"/>
+                        <a:lumOff val="60000"/>
+                      </a:schemeClr>
+                    </a:solidFill>
+                  </a:tcPr>
+                </a:tc>
+                <a:extLst>
+                  <a:ext uri="{0D108BD9-81ED-4DB2-BD59-A6C34878D82A}">
+                    <a16:rowId xmlns:a16="http://schemas.microsoft.com/office/drawing/2014/main" val="2643503451"/>
+                  </a:ext>
+                </a:extLst>
+              </a:tr>
+              <a:tr h="492242">
+                <a:tc vMerge="1">
+                  <a:txBody>
+                    <a:bodyPr/>
+                    <a:lstStyle/>
+                    <a:p>
+                      <a:endParaRPr lang="en-NL" dirty="0"/>
+                    </a:p>
+                  </a:txBody>
+                  <a:tcPr/>
+                </a:tc>
+                <a:tc>
+                  <a:txBody>
+                    <a:bodyPr/>
+                    <a:lstStyle/>
+                    <a:p>
+                      <a:pPr algn="ctr"/>
+                      <a:r>
+                        <a:rPr lang="en-US" dirty="0"/>
+                        <a:t>2</a:t>
+                      </a:r>
+                      <a:endParaRPr lang="en-NL" dirty="0"/>
+                    </a:p>
+                  </a:txBody>
+                  <a:tcPr anchor="ctr">
+                    <a:solidFill>
+                      <a:schemeClr val="accent2">
+                        <a:lumMod val="20000"/>
+                        <a:lumOff val="80000"/>
+                      </a:schemeClr>
+                    </a:solidFill>
+                  </a:tcPr>
+                </a:tc>
+                <a:tc>
+                  <a:txBody>
+                    <a:bodyPr/>
+                    <a:lstStyle/>
+                    <a:p>
+                      <a:pPr algn="ctr"/>
+                      <a:endParaRPr lang="en-NL" dirty="0"/>
+                    </a:p>
+                  </a:txBody>
+                  <a:tcPr anchor="ctr">
+                    <a:solidFill>
+                      <a:schemeClr val="accent4">
+                        <a:lumMod val="20000"/>
+                        <a:lumOff val="80000"/>
+                      </a:schemeClr>
+                    </a:solidFill>
+                  </a:tcPr>
+                </a:tc>
+                <a:tc>
+                  <a:txBody>
+                    <a:bodyPr/>
+                    <a:lstStyle/>
+                    <a:p>
+                      <a:pPr algn="ctr"/>
+                      <a:r>
+                        <a:rPr lang="en-US" dirty="0"/>
+                        <a:t>Test</a:t>
+                      </a:r>
+                      <a:endParaRPr lang="en-NL" dirty="0"/>
+                    </a:p>
+                  </a:txBody>
+                  <a:tcPr anchor="ctr">
+                    <a:solidFill>
+                      <a:schemeClr val="accent5">
+                        <a:lumMod val="60000"/>
+                        <a:lumOff val="40000"/>
+                      </a:schemeClr>
+                    </a:solidFill>
+                  </a:tcPr>
+                </a:tc>
+                <a:tc>
+                  <a:txBody>
+                    <a:bodyPr/>
+                    <a:lstStyle/>
+                    <a:p>
+                      <a:pPr algn="ctr"/>
+                      <a:endParaRPr lang="en-NL" dirty="0"/>
+                    </a:p>
+                  </a:txBody>
+                  <a:tcPr anchor="ctr">
+                    <a:solidFill>
+                      <a:schemeClr val="accent4">
+                        <a:lumMod val="20000"/>
+                        <a:lumOff val="80000"/>
+                      </a:schemeClr>
+                    </a:solidFill>
+                  </a:tcPr>
+                </a:tc>
+                <a:tc>
+                  <a:txBody>
+                    <a:bodyPr/>
+                    <a:lstStyle/>
+                    <a:p>
+                      <a:pPr algn="ctr"/>
+                      <a:endParaRPr lang="en-NL" dirty="0"/>
+                    </a:p>
+                  </a:txBody>
+                  <a:tcPr anchor="ctr">
+                    <a:solidFill>
+                      <a:schemeClr val="accent4">
+                        <a:lumMod val="20000"/>
+                        <a:lumOff val="80000"/>
+                      </a:schemeClr>
+                    </a:solidFill>
+                  </a:tcPr>
+                </a:tc>
+                <a:tc>
+                  <a:txBody>
+                    <a:bodyPr/>
+                    <a:lstStyle/>
+                    <a:p>
+                      <a:pPr algn="ctr"/>
+                      <a:endParaRPr lang="en-NL" dirty="0"/>
+                    </a:p>
+                  </a:txBody>
+                  <a:tcPr anchor="ctr">
+                    <a:solidFill>
+                      <a:schemeClr val="accent4">
+                        <a:lumMod val="20000"/>
+                        <a:lumOff val="80000"/>
+                      </a:schemeClr>
+                    </a:solidFill>
+                  </a:tcPr>
+                </a:tc>
+                <a:extLst>
+                  <a:ext uri="{0D108BD9-81ED-4DB2-BD59-A6C34878D82A}">
+                    <a16:rowId xmlns:a16="http://schemas.microsoft.com/office/drawing/2014/main" val="2345517752"/>
+                  </a:ext>
+                </a:extLst>
+              </a:tr>
+              <a:tr h="492242">
+                <a:tc vMerge="1">
+                  <a:txBody>
+                    <a:bodyPr/>
+                    <a:lstStyle/>
+                    <a:p>
+                      <a:endParaRPr lang="en-NL" dirty="0"/>
+                    </a:p>
+                  </a:txBody>
+                  <a:tcPr/>
+                </a:tc>
+                <a:tc>
+                  <a:txBody>
+                    <a:bodyPr/>
+                    <a:lstStyle/>
+                    <a:p>
+                      <a:pPr algn="ctr"/>
+                      <a:r>
+                        <a:rPr lang="en-US" dirty="0"/>
+                        <a:t>3</a:t>
+                      </a:r>
+                      <a:endParaRPr lang="en-NL" dirty="0"/>
+                    </a:p>
+                  </a:txBody>
+                  <a:tcPr anchor="ctr">
+                    <a:solidFill>
+                      <a:schemeClr val="accent2">
+                        <a:lumMod val="40000"/>
+                        <a:lumOff val="60000"/>
+                      </a:schemeClr>
+                    </a:solidFill>
+                  </a:tcPr>
+                </a:tc>
+                <a:tc>
+                  <a:txBody>
+                    <a:bodyPr/>
+                    <a:lstStyle/>
+                    <a:p>
+                      <a:pPr algn="ctr"/>
+                      <a:endParaRPr lang="en-NL" dirty="0"/>
+                    </a:p>
+                  </a:txBody>
+                  <a:tcPr anchor="ctr">
+                    <a:solidFill>
+                      <a:schemeClr val="accent4">
+                        <a:lumMod val="40000"/>
+                        <a:lumOff val="60000"/>
+                      </a:schemeClr>
+                    </a:solidFill>
+                  </a:tcPr>
+                </a:tc>
+                <a:tc>
+                  <a:txBody>
+                    <a:bodyPr/>
+                    <a:lstStyle/>
+                    <a:p>
+                      <a:pPr algn="ctr"/>
+                      <a:endParaRPr lang="en-NL" dirty="0"/>
+                    </a:p>
+                  </a:txBody>
+                  <a:tcPr anchor="ctr">
+                    <a:solidFill>
+                      <a:schemeClr val="accent4">
+                        <a:lumMod val="40000"/>
+                        <a:lumOff val="60000"/>
+                      </a:schemeClr>
+                    </a:solidFill>
+                  </a:tcPr>
+                </a:tc>
+                <a:tc>
+                  <a:txBody>
+                    <a:bodyPr/>
+                    <a:lstStyle/>
+                    <a:p>
+                      <a:pPr algn="ctr"/>
+                      <a:r>
+                        <a:rPr lang="en-US" dirty="0"/>
+                        <a:t>Test</a:t>
+                      </a:r>
+                      <a:endParaRPr lang="en-NL" dirty="0"/>
+                    </a:p>
+                  </a:txBody>
+                  <a:tcPr anchor="ctr">
+                    <a:solidFill>
+                      <a:schemeClr val="accent5">
+                        <a:lumMod val="60000"/>
+                        <a:lumOff val="40000"/>
+                      </a:schemeClr>
+                    </a:solidFill>
+                  </a:tcPr>
+                </a:tc>
+                <a:tc>
+                  <a:txBody>
+                    <a:bodyPr/>
+                    <a:lstStyle/>
+                    <a:p>
+                      <a:pPr algn="ctr"/>
+                      <a:endParaRPr lang="en-NL" dirty="0"/>
+                    </a:p>
+                  </a:txBody>
+                  <a:tcPr anchor="ctr">
+                    <a:solidFill>
+                      <a:schemeClr val="accent4">
+                        <a:lumMod val="40000"/>
+                        <a:lumOff val="60000"/>
+                      </a:schemeClr>
+                    </a:solidFill>
+                  </a:tcPr>
+                </a:tc>
+                <a:tc>
+                  <a:txBody>
+                    <a:bodyPr/>
+                    <a:lstStyle/>
+                    <a:p>
+                      <a:pPr algn="ctr"/>
+                      <a:endParaRPr lang="en-NL" dirty="0"/>
+                    </a:p>
+                  </a:txBody>
+                  <a:tcPr anchor="ctr">
+                    <a:solidFill>
+                      <a:schemeClr val="accent4">
+                        <a:lumMod val="40000"/>
+                        <a:lumOff val="60000"/>
+                      </a:schemeClr>
+                    </a:solidFill>
+                  </a:tcPr>
+                </a:tc>
+                <a:extLst>
+                  <a:ext uri="{0D108BD9-81ED-4DB2-BD59-A6C34878D82A}">
+                    <a16:rowId xmlns:a16="http://schemas.microsoft.com/office/drawing/2014/main" val="3624517214"/>
+                  </a:ext>
+                </a:extLst>
+              </a:tr>
+              <a:tr h="492242">
+                <a:tc vMerge="1">
+                  <a:txBody>
+                    <a:bodyPr/>
+                    <a:lstStyle/>
+                    <a:p>
+                      <a:endParaRPr lang="en-NL" dirty="0"/>
+                    </a:p>
+                  </a:txBody>
+                  <a:tcPr/>
+                </a:tc>
+                <a:tc>
+                  <a:txBody>
+                    <a:bodyPr/>
+                    <a:lstStyle/>
+                    <a:p>
+                      <a:pPr algn="ctr"/>
+                      <a:r>
+                        <a:rPr lang="en-US" dirty="0"/>
+                        <a:t>4</a:t>
+                      </a:r>
+                      <a:endParaRPr lang="en-NL" dirty="0"/>
+                    </a:p>
+                  </a:txBody>
+                  <a:tcPr anchor="ctr">
+                    <a:solidFill>
+                      <a:schemeClr val="accent2">
+                        <a:lumMod val="20000"/>
+                        <a:lumOff val="80000"/>
+                      </a:schemeClr>
+                    </a:solidFill>
+                  </a:tcPr>
+                </a:tc>
+                <a:tc>
+                  <a:txBody>
+                    <a:bodyPr/>
+                    <a:lstStyle/>
+                    <a:p>
+                      <a:pPr algn="ctr"/>
+                      <a:endParaRPr lang="en-NL" dirty="0"/>
+                    </a:p>
+                  </a:txBody>
+                  <a:tcPr anchor="ctr">
+                    <a:solidFill>
+                      <a:schemeClr val="accent4">
+                        <a:lumMod val="20000"/>
+                        <a:lumOff val="80000"/>
+                      </a:schemeClr>
+                    </a:solidFill>
+                  </a:tcPr>
+                </a:tc>
+                <a:tc>
+                  <a:txBody>
+                    <a:bodyPr/>
+                    <a:lstStyle/>
+                    <a:p>
+                      <a:pPr algn="ctr"/>
+                      <a:endParaRPr lang="en-NL" dirty="0"/>
+                    </a:p>
+                  </a:txBody>
+                  <a:tcPr anchor="ctr">
+                    <a:solidFill>
+                      <a:schemeClr val="accent4">
+                        <a:lumMod val="20000"/>
+                        <a:lumOff val="80000"/>
+                      </a:schemeClr>
+                    </a:solidFill>
+                  </a:tcPr>
+                </a:tc>
+                <a:tc>
+                  <a:txBody>
+                    <a:bodyPr/>
+                    <a:lstStyle/>
+                    <a:p>
+                      <a:pPr algn="ctr"/>
+                      <a:endParaRPr lang="en-NL" dirty="0"/>
+                    </a:p>
+                  </a:txBody>
+                  <a:tcPr anchor="ctr">
+                    <a:solidFill>
+                      <a:schemeClr val="accent4">
+                        <a:lumMod val="20000"/>
+                        <a:lumOff val="80000"/>
+                      </a:schemeClr>
+                    </a:solidFill>
+                  </a:tcPr>
+                </a:tc>
+                <a:tc>
+                  <a:txBody>
+                    <a:bodyPr/>
+                    <a:lstStyle/>
+                    <a:p>
+                      <a:pPr algn="ctr"/>
+                      <a:r>
+                        <a:rPr lang="en-US" dirty="0"/>
+                        <a:t>Test</a:t>
+                      </a:r>
+                      <a:endParaRPr lang="en-NL" dirty="0"/>
+                    </a:p>
+                  </a:txBody>
+                  <a:tcPr anchor="ctr">
+                    <a:solidFill>
+                      <a:schemeClr val="accent5">
+                        <a:lumMod val="60000"/>
+                        <a:lumOff val="40000"/>
+                      </a:schemeClr>
+                    </a:solidFill>
+                  </a:tcPr>
+                </a:tc>
+                <a:tc>
+                  <a:txBody>
+                    <a:bodyPr/>
+                    <a:lstStyle/>
+                    <a:p>
+                      <a:pPr algn="ctr"/>
+                      <a:endParaRPr lang="en-NL" dirty="0"/>
+                    </a:p>
+                  </a:txBody>
+                  <a:tcPr anchor="ctr">
+                    <a:solidFill>
+                      <a:schemeClr val="accent4">
+                        <a:lumMod val="20000"/>
+                        <a:lumOff val="80000"/>
+                      </a:schemeClr>
+                    </a:solidFill>
+                  </a:tcPr>
+                </a:tc>
+                <a:extLst>
+                  <a:ext uri="{0D108BD9-81ED-4DB2-BD59-A6C34878D82A}">
+                    <a16:rowId xmlns:a16="http://schemas.microsoft.com/office/drawing/2014/main" val="910911374"/>
+                  </a:ext>
+                </a:extLst>
+              </a:tr>
+              <a:tr h="492242">
+                <a:tc vMerge="1">
+                  <a:txBody>
+                    <a:bodyPr/>
+                    <a:lstStyle/>
+                    <a:p>
+                      <a:endParaRPr lang="en-NL" dirty="0"/>
+                    </a:p>
+                  </a:txBody>
+                  <a:tcPr/>
+                </a:tc>
+                <a:tc>
+                  <a:txBody>
+                    <a:bodyPr/>
+                    <a:lstStyle/>
+                    <a:p>
+                      <a:pPr algn="ctr"/>
+                      <a:r>
+                        <a:rPr lang="en-US" dirty="0"/>
+                        <a:t>5</a:t>
+                      </a:r>
+                      <a:endParaRPr lang="en-NL" dirty="0"/>
+                    </a:p>
+                  </a:txBody>
+                  <a:tcPr anchor="ctr">
+                    <a:solidFill>
+                      <a:schemeClr val="accent2">
+                        <a:lumMod val="40000"/>
+                        <a:lumOff val="60000"/>
+                      </a:schemeClr>
+                    </a:solidFill>
+                  </a:tcPr>
+                </a:tc>
+                <a:tc>
+                  <a:txBody>
+                    <a:bodyPr/>
+                    <a:lstStyle/>
+                    <a:p>
+                      <a:pPr algn="ctr"/>
+                      <a:endParaRPr lang="en-NL" dirty="0"/>
+                    </a:p>
+                  </a:txBody>
+                  <a:tcPr anchor="ctr">
+                    <a:solidFill>
+                      <a:schemeClr val="accent4">
+                        <a:lumMod val="40000"/>
+                        <a:lumOff val="60000"/>
+                      </a:schemeClr>
+                    </a:solidFill>
+                  </a:tcPr>
+                </a:tc>
+                <a:tc>
+                  <a:txBody>
+                    <a:bodyPr/>
+                    <a:lstStyle/>
+                    <a:p>
+                      <a:pPr algn="ctr"/>
+                      <a:endParaRPr lang="en-NL" dirty="0"/>
+                    </a:p>
+                  </a:txBody>
+                  <a:tcPr anchor="ctr">
+                    <a:solidFill>
+                      <a:schemeClr val="accent4">
+                        <a:lumMod val="40000"/>
+                        <a:lumOff val="60000"/>
+                      </a:schemeClr>
+                    </a:solidFill>
+                  </a:tcPr>
+                </a:tc>
+                <a:tc>
+                  <a:txBody>
+                    <a:bodyPr/>
+                    <a:lstStyle/>
+                    <a:p>
+                      <a:pPr algn="ctr"/>
+                      <a:endParaRPr lang="en-NL" dirty="0"/>
+                    </a:p>
+                  </a:txBody>
+                  <a:tcPr anchor="ctr">
+                    <a:solidFill>
+                      <a:schemeClr val="accent4">
+                        <a:lumMod val="40000"/>
+                        <a:lumOff val="60000"/>
+                      </a:schemeClr>
+                    </a:solidFill>
+                  </a:tcPr>
+                </a:tc>
+                <a:tc>
+                  <a:txBody>
+                    <a:bodyPr/>
+                    <a:lstStyle/>
+                    <a:p>
+                      <a:pPr algn="ctr"/>
+                      <a:endParaRPr lang="en-NL" dirty="0"/>
+                    </a:p>
+                  </a:txBody>
+                  <a:tcPr anchor="ctr">
+                    <a:solidFill>
+                      <a:schemeClr val="accent4">
+                        <a:lumMod val="40000"/>
+                        <a:lumOff val="60000"/>
+                      </a:schemeClr>
+                    </a:solidFill>
+                  </a:tcPr>
+                </a:tc>
+                <a:tc>
+                  <a:txBody>
+                    <a:bodyPr/>
+                    <a:lstStyle/>
+                    <a:p>
+                      <a:pPr algn="ctr"/>
+                      <a:r>
+                        <a:rPr lang="en-US" dirty="0"/>
+                        <a:t>Test</a:t>
+                      </a:r>
+                      <a:endParaRPr lang="en-NL" dirty="0"/>
+                    </a:p>
+                  </a:txBody>
+                  <a:tcPr anchor="ctr">
+                    <a:solidFill>
+                      <a:schemeClr val="accent5">
+                        <a:lumMod val="60000"/>
+                        <a:lumOff val="40000"/>
+                      </a:schemeClr>
+                    </a:solidFill>
+                  </a:tcPr>
+                </a:tc>
+                <a:extLst>
+                  <a:ext uri="{0D108BD9-81ED-4DB2-BD59-A6C34878D82A}">
+                    <a16:rowId xmlns:a16="http://schemas.microsoft.com/office/drawing/2014/main" val="637366020"/>
+                  </a:ext>
+                </a:extLst>
+              </a:tr>
+            </a:tbl>
+          </a:graphicData>
+        </a:graphic>
+      </p:graphicFrame>
+      <p:sp>
+        <p:nvSpPr>
+          <p:cNvPr id="5" name="Content Placeholder 2">
+            <a:extLst>
+              <a:ext uri="{FF2B5EF4-FFF2-40B4-BE49-F238E27FC236}">
+                <a16:creationId xmlns:a16="http://schemas.microsoft.com/office/drawing/2014/main" id="{C0C9B175-1295-12B2-9AD0-5C333CB73832}"/>
+              </a:ext>
+            </a:extLst>
+          </p:cNvPr>
+          <p:cNvSpPr txBox="1">
+            <a:spLocks/>
+          </p:cNvSpPr>
+          <p:nvPr/>
+        </p:nvSpPr>
+        <p:spPr>
+          <a:xfrm>
+            <a:off x="990601" y="1608667"/>
+            <a:ext cx="9949542" cy="4720696"/>
+          </a:xfrm>
+          <a:prstGeom prst="rect">
+            <a:avLst/>
+          </a:prstGeom>
+        </p:spPr>
+        <p:txBody>
+          <a:bodyPr vert="horz" lIns="91440" tIns="45720" rIns="91440" bIns="45720" rtlCol="0">
+            <a:normAutofit/>
+          </a:bodyPr>
+          <a:lstStyle>
+            <a:lvl1pPr marL="228600" indent="-228600" algn="l" defTabSz="914400" rtl="0" eaLnBrk="1" latinLnBrk="0" hangingPunct="1">
+              <a:lnSpc>
+                <a:spcPct val="90000"/>
+              </a:lnSpc>
+              <a:spcBef>
+                <a:spcPts val="1000"/>
+              </a:spcBef>
+              <a:buFont typeface="Arial" panose="020B0604020202020204" pitchFamily="34" charset="0"/>
+              <a:buChar char="•"/>
+              <a:defRPr sz="2800" kern="1200">
+                <a:solidFill>
+                  <a:schemeClr val="tx1"/>
+                </a:solidFill>
+                <a:latin typeface="+mn-lt"/>
+                <a:ea typeface="+mn-ea"/>
+                <a:cs typeface="+mn-cs"/>
+              </a:defRPr>
+            </a:lvl1pPr>
+            <a:lvl2pPr marL="685800" indent="-228600" algn="l" defTabSz="914400" rtl="0" eaLnBrk="1" latinLnBrk="0" hangingPunct="1">
+              <a:lnSpc>
+                <a:spcPct val="90000"/>
+              </a:lnSpc>
+              <a:spcBef>
+                <a:spcPts val="500"/>
+              </a:spcBef>
+              <a:buFont typeface="Arial" panose="020B0604020202020204" pitchFamily="34" charset="0"/>
+              <a:buChar char="•"/>
+              <a:defRPr sz="2400" kern="1200">
+                <a:solidFill>
+                  <a:schemeClr val="tx1"/>
+                </a:solidFill>
+                <a:latin typeface="+mn-lt"/>
+                <a:ea typeface="+mn-ea"/>
+                <a:cs typeface="+mn-cs"/>
+              </a:defRPr>
+            </a:lvl2pPr>
+            <a:lvl3pPr marL="1143000" indent="-228600" algn="l" defTabSz="914400" rtl="0" eaLnBrk="1" latinLnBrk="0" hangingPunct="1">
+              <a:lnSpc>
+                <a:spcPct val="90000"/>
+              </a:lnSpc>
+              <a:spcBef>
+                <a:spcPts val="500"/>
+              </a:spcBef>
+              <a:buFont typeface="Arial" panose="020B0604020202020204" pitchFamily="34" charset="0"/>
+              <a:buChar char="•"/>
+              <a:defRPr sz="2000" kern="1200">
+                <a:solidFill>
+                  <a:schemeClr val="tx1"/>
+                </a:solidFill>
+                <a:latin typeface="+mn-lt"/>
+                <a:ea typeface="+mn-ea"/>
+                <a:cs typeface="+mn-cs"/>
+              </a:defRPr>
+            </a:lvl3pPr>
+            <a:lvl4pPr marL="1600200" indent="-228600" algn="l" defTabSz="914400" rtl="0" eaLnBrk="1" latinLnBrk="0" hangingPunct="1">
+              <a:lnSpc>
+                <a:spcPct val="90000"/>
+              </a:lnSpc>
+              <a:spcBef>
+                <a:spcPts val="500"/>
+              </a:spcBef>
+              <a:buFont typeface="Arial" panose="020B0604020202020204" pitchFamily="34" charset="0"/>
+              <a:buChar char="•"/>
+              <a:defRPr sz="1800" kern="1200">
+                <a:solidFill>
+                  <a:schemeClr val="tx1"/>
+                </a:solidFill>
+                <a:latin typeface="+mn-lt"/>
+                <a:ea typeface="+mn-ea"/>
+                <a:cs typeface="+mn-cs"/>
+              </a:defRPr>
+            </a:lvl4pPr>
+            <a:lvl5pPr marL="2057400" indent="-228600" algn="l" defTabSz="914400" rtl="0" eaLnBrk="1" latinLnBrk="0" hangingPunct="1">
+              <a:lnSpc>
+                <a:spcPct val="90000"/>
+              </a:lnSpc>
+              <a:spcBef>
+                <a:spcPts val="500"/>
+              </a:spcBef>
+              <a:buFont typeface="Arial" panose="020B0604020202020204" pitchFamily="34" charset="0"/>
+              <a:buChar char="•"/>
+              <a:defRPr sz="1800" kern="1200">
+                <a:solidFill>
+                  <a:schemeClr val="tx1"/>
+                </a:solidFill>
+                <a:latin typeface="+mn-lt"/>
+                <a:ea typeface="+mn-ea"/>
+                <a:cs typeface="+mn-cs"/>
+              </a:defRPr>
+            </a:lvl5pPr>
+            <a:lvl6pPr marL="2514600" indent="-228600" algn="l" defTabSz="914400" rtl="0" eaLnBrk="1" latinLnBrk="0" hangingPunct="1">
+              <a:lnSpc>
+                <a:spcPct val="90000"/>
+              </a:lnSpc>
+              <a:spcBef>
+                <a:spcPts val="500"/>
+              </a:spcBef>
+              <a:buFont typeface="Arial" panose="020B0604020202020204" pitchFamily="34" charset="0"/>
+              <a:buChar char="•"/>
+              <a:defRPr sz="1800" kern="1200">
+                <a:solidFill>
+                  <a:schemeClr val="tx1"/>
+                </a:solidFill>
+                <a:latin typeface="+mn-lt"/>
+                <a:ea typeface="+mn-ea"/>
+                <a:cs typeface="+mn-cs"/>
+              </a:defRPr>
+            </a:lvl6pPr>
+            <a:lvl7pPr marL="2971800" indent="-228600" algn="l" defTabSz="914400" rtl="0" eaLnBrk="1" latinLnBrk="0" hangingPunct="1">
+              <a:lnSpc>
+                <a:spcPct val="90000"/>
+              </a:lnSpc>
+              <a:spcBef>
+                <a:spcPts val="500"/>
+              </a:spcBef>
+              <a:buFont typeface="Arial" panose="020B0604020202020204" pitchFamily="34" charset="0"/>
+              <a:buChar char="•"/>
+              <a:defRPr sz="1800" kern="1200">
+                <a:solidFill>
+                  <a:schemeClr val="tx1"/>
+                </a:solidFill>
+                <a:latin typeface="+mn-lt"/>
+                <a:ea typeface="+mn-ea"/>
+                <a:cs typeface="+mn-cs"/>
+              </a:defRPr>
+            </a:lvl7pPr>
+            <a:lvl8pPr marL="3429000" indent="-228600" algn="l" defTabSz="914400" rtl="0" eaLnBrk="1" latinLnBrk="0" hangingPunct="1">
+              <a:lnSpc>
+                <a:spcPct val="90000"/>
+              </a:lnSpc>
+              <a:spcBef>
+                <a:spcPts val="500"/>
+              </a:spcBef>
+              <a:buFont typeface="Arial" panose="020B0604020202020204" pitchFamily="34" charset="0"/>
+              <a:buChar char="•"/>
+              <a:defRPr sz="1800" kern="1200">
+                <a:solidFill>
+                  <a:schemeClr val="tx1"/>
+                </a:solidFill>
+                <a:latin typeface="+mn-lt"/>
+                <a:ea typeface="+mn-ea"/>
+                <a:cs typeface="+mn-cs"/>
+              </a:defRPr>
+            </a:lvl8pPr>
+            <a:lvl9pPr marL="3886200" indent="-228600" algn="l" defTabSz="914400" rtl="0" eaLnBrk="1" latinLnBrk="0" hangingPunct="1">
+              <a:lnSpc>
+                <a:spcPct val="90000"/>
+              </a:lnSpc>
+              <a:spcBef>
+                <a:spcPts val="500"/>
+              </a:spcBef>
+              <a:buFont typeface="Arial" panose="020B0604020202020204" pitchFamily="34" charset="0"/>
+              <a:buChar char="•"/>
+              <a:defRPr sz="1800" kern="1200">
+                <a:solidFill>
+                  <a:schemeClr val="tx1"/>
+                </a:solidFill>
+                <a:latin typeface="+mn-lt"/>
+                <a:ea typeface="+mn-ea"/>
+                <a:cs typeface="+mn-cs"/>
+              </a:defRPr>
+            </a:lvl9pPr>
+          </a:lstStyle>
+          <a:p>
+            <a:pPr marL="0" indent="0">
+              <a:buNone/>
+            </a:pPr>
+            <a:r>
+              <a:rPr lang="nl-NL" sz="2000" dirty="0"/>
+              <a:t>Met cross-</a:t>
+            </a:r>
+            <a:r>
+              <a:rPr lang="nl-NL" sz="2000" dirty="0" err="1"/>
+              <a:t>validation</a:t>
+            </a:r>
+            <a:r>
+              <a:rPr lang="nl-NL" sz="2000" dirty="0"/>
+              <a:t> splits je de data meerdere keren in een train en test set.</a:t>
+            </a:r>
+          </a:p>
+          <a:p>
+            <a:pPr marL="0" indent="0">
+              <a:buNone/>
+            </a:pPr>
+            <a:r>
+              <a:rPr lang="nl-NL" sz="2000" dirty="0"/>
+              <a:t>De test verschuift per split en bevat dus steeds andere records.</a:t>
+            </a:r>
+          </a:p>
+        </p:txBody>
+      </p:sp>
+    </p:spTree>
+    <p:extLst>
+      <p:ext uri="{BB962C8B-B14F-4D97-AF65-F5344CB8AC3E}">
+        <p14:creationId xmlns:p14="http://schemas.microsoft.com/office/powerpoint/2010/main" val="1598424735"/>
+      </p:ext>
+    </p:extLst>
+  </p:cSld>
+  <p:clrMapOvr>
+    <a:masterClrMapping/>
+  </p:clrMapOvr>
+</p:sld>
+</file>
+
+<file path=ppt/slides/slide32.xml><?xml version="1.0" encoding="utf-8"?>
+<p:sld xmlns:a="http://schemas.openxmlformats.org/drawingml/2006/main" xmlns:r="http://schemas.openxmlformats.org/officeDocument/2006/relationships" xmlns:p="http://schemas.openxmlformats.org/presentationml/2006/main">
+  <p:cSld>
+    <p:spTree>
+      <p:nvGrpSpPr>
+        <p:cNvPr id="1" name=""/>
+        <p:cNvGrpSpPr/>
+        <p:nvPr/>
+      </p:nvGrpSpPr>
+      <p:grpSpPr>
+        <a:xfrm>
+          <a:off x="0" y="0"/>
+          <a:ext cx="0" cy="0"/>
+          <a:chOff x="0" y="0"/>
+          <a:chExt cx="0" cy="0"/>
+        </a:xfrm>
+      </p:grpSpPr>
+      <p:sp>
+        <p:nvSpPr>
+          <p:cNvPr id="2" name="Title 1">
+            <a:extLst>
+              <a:ext uri="{FF2B5EF4-FFF2-40B4-BE49-F238E27FC236}">
+                <a16:creationId xmlns:a16="http://schemas.microsoft.com/office/drawing/2014/main" id="{39A1D606-8DD1-369C-5C09-471CDD551AD5}"/>
+              </a:ext>
+            </a:extLst>
+          </p:cNvPr>
+          <p:cNvSpPr>
+            <a:spLocks noGrp="1"/>
+          </p:cNvSpPr>
+          <p:nvPr>
+            <p:ph type="title"/>
+          </p:nvPr>
+        </p:nvSpPr>
+        <p:spPr>
+          <a:xfrm>
+            <a:off x="838200" y="365126"/>
+            <a:ext cx="10515600" cy="718608"/>
+          </a:xfrm>
+        </p:spPr>
+        <p:txBody>
+          <a:bodyPr>
+            <a:normAutofit/>
+          </a:bodyPr>
+          <a:lstStyle/>
+          <a:p>
+            <a:r>
+              <a:rPr lang="nl-NL" sz="3600" dirty="0"/>
+              <a:t>Naar productie!</a:t>
+            </a:r>
+            <a:endParaRPr lang="nl-NL" sz="3600" noProof="0" dirty="0"/>
+          </a:p>
+        </p:txBody>
+      </p:sp>
+      <p:sp>
+        <p:nvSpPr>
+          <p:cNvPr id="6" name="Rectangle 5">
+            <a:extLst>
+              <a:ext uri="{FF2B5EF4-FFF2-40B4-BE49-F238E27FC236}">
+                <a16:creationId xmlns:a16="http://schemas.microsoft.com/office/drawing/2014/main" id="{B32E2B49-6A16-A1DE-7F5E-041E6F9732FF}"/>
+              </a:ext>
+            </a:extLst>
+          </p:cNvPr>
+          <p:cNvSpPr/>
+          <p:nvPr/>
+        </p:nvSpPr>
+        <p:spPr>
+          <a:xfrm>
+            <a:off x="1119052" y="3494312"/>
+            <a:ext cx="2440577" cy="2070463"/>
+          </a:xfrm>
+          <a:prstGeom prst="rect">
+            <a:avLst/>
+          </a:prstGeom>
+        </p:spPr>
+        <p:style>
+          <a:lnRef idx="1">
+            <a:schemeClr val="accent6"/>
+          </a:lnRef>
+          <a:fillRef idx="2">
+            <a:schemeClr val="accent6"/>
+          </a:fillRef>
+          <a:effectRef idx="1">
+            <a:schemeClr val="accent6"/>
+          </a:effectRef>
+          <a:fontRef idx="minor">
+            <a:schemeClr val="dk1"/>
+          </a:fontRef>
+        </p:style>
+        <p:txBody>
+          <a:bodyPr rtlCol="0" anchor="ctr"/>
+          <a:lstStyle/>
+          <a:p>
+            <a:pPr algn="ctr"/>
+            <a:r>
+              <a:rPr lang="nl-NL"/>
+              <a:t>Training omgeving</a:t>
+            </a:r>
+          </a:p>
+        </p:txBody>
+      </p:sp>
+      <p:sp>
+        <p:nvSpPr>
+          <p:cNvPr id="7" name="Rectangle 6">
+            <a:extLst>
+              <a:ext uri="{FF2B5EF4-FFF2-40B4-BE49-F238E27FC236}">
+                <a16:creationId xmlns:a16="http://schemas.microsoft.com/office/drawing/2014/main" id="{D7AC7AB4-D61A-0671-093A-D3C8149D6127}"/>
+              </a:ext>
+            </a:extLst>
+          </p:cNvPr>
+          <p:cNvSpPr/>
+          <p:nvPr/>
+        </p:nvSpPr>
+        <p:spPr>
+          <a:xfrm>
+            <a:off x="6510750" y="3494313"/>
+            <a:ext cx="2440577" cy="2070463"/>
+          </a:xfrm>
+          <a:prstGeom prst="rect">
+            <a:avLst/>
+          </a:prstGeom>
+        </p:spPr>
+        <p:style>
+          <a:lnRef idx="1">
+            <a:schemeClr val="accent5"/>
+          </a:lnRef>
+          <a:fillRef idx="2">
+            <a:schemeClr val="accent5"/>
+          </a:fillRef>
+          <a:effectRef idx="1">
+            <a:schemeClr val="accent5"/>
+          </a:effectRef>
+          <a:fontRef idx="minor">
+            <a:schemeClr val="dk1"/>
+          </a:fontRef>
+        </p:style>
+        <p:txBody>
+          <a:bodyPr rtlCol="0" anchor="ctr"/>
+          <a:lstStyle/>
+          <a:p>
+            <a:pPr algn="ctr"/>
+            <a:r>
+              <a:rPr lang="nl-NL" dirty="0"/>
+              <a:t>Scoring omgeving</a:t>
+            </a:r>
+          </a:p>
+        </p:txBody>
+      </p:sp>
+      <p:sp>
+        <p:nvSpPr>
+          <p:cNvPr id="8" name="Rectangle 7">
+            <a:extLst>
+              <a:ext uri="{FF2B5EF4-FFF2-40B4-BE49-F238E27FC236}">
+                <a16:creationId xmlns:a16="http://schemas.microsoft.com/office/drawing/2014/main" id="{21BF7B99-FC60-5852-E264-562437EEA80E}"/>
+              </a:ext>
+            </a:extLst>
+          </p:cNvPr>
+          <p:cNvSpPr/>
+          <p:nvPr/>
+        </p:nvSpPr>
+        <p:spPr>
+          <a:xfrm>
+            <a:off x="1119052" y="1774459"/>
+            <a:ext cx="2440577" cy="947057"/>
+          </a:xfrm>
+          <a:prstGeom prst="rect">
+            <a:avLst/>
+          </a:prstGeom>
+        </p:spPr>
+        <p:style>
+          <a:lnRef idx="1">
+            <a:schemeClr val="accent4"/>
+          </a:lnRef>
+          <a:fillRef idx="2">
+            <a:schemeClr val="accent4"/>
+          </a:fillRef>
+          <a:effectRef idx="1">
+            <a:schemeClr val="accent4"/>
+          </a:effectRef>
+          <a:fontRef idx="minor">
+            <a:schemeClr val="dk1"/>
+          </a:fontRef>
+        </p:style>
+        <p:txBody>
+          <a:bodyPr rtlCol="0" anchor="ctr"/>
+          <a:lstStyle/>
+          <a:p>
+            <a:pPr algn="ctr"/>
+            <a:r>
+              <a:rPr lang="nl-NL"/>
+              <a:t>Training Data</a:t>
+            </a:r>
+          </a:p>
+        </p:txBody>
+      </p:sp>
+      <p:sp>
+        <p:nvSpPr>
+          <p:cNvPr id="9" name="Rectangle 8">
+            <a:extLst>
+              <a:ext uri="{FF2B5EF4-FFF2-40B4-BE49-F238E27FC236}">
+                <a16:creationId xmlns:a16="http://schemas.microsoft.com/office/drawing/2014/main" id="{2ABCA7DB-5B45-060C-B58D-6E39BE3475FB}"/>
+              </a:ext>
+            </a:extLst>
+          </p:cNvPr>
+          <p:cNvSpPr/>
+          <p:nvPr/>
+        </p:nvSpPr>
+        <p:spPr>
+          <a:xfrm>
+            <a:off x="6510749" y="1774459"/>
+            <a:ext cx="2440577" cy="947057"/>
+          </a:xfrm>
+          <a:prstGeom prst="rect">
+            <a:avLst/>
+          </a:prstGeom>
+        </p:spPr>
+        <p:style>
+          <a:lnRef idx="1">
+            <a:schemeClr val="accent4"/>
+          </a:lnRef>
+          <a:fillRef idx="2">
+            <a:schemeClr val="accent4"/>
+          </a:fillRef>
+          <a:effectRef idx="1">
+            <a:schemeClr val="accent4"/>
+          </a:effectRef>
+          <a:fontRef idx="minor">
+            <a:schemeClr val="dk1"/>
+          </a:fontRef>
+        </p:style>
+        <p:txBody>
+          <a:bodyPr rtlCol="0" anchor="ctr"/>
+          <a:lstStyle/>
+          <a:p>
+            <a:pPr algn="ctr"/>
+            <a:r>
+              <a:rPr lang="nl-NL"/>
+              <a:t>Scoring Data</a:t>
+            </a:r>
+          </a:p>
+        </p:txBody>
+      </p:sp>
+      <p:sp>
+        <p:nvSpPr>
+          <p:cNvPr id="14" name="Rectangle: Rounded Corners 13">
+            <a:extLst>
+              <a:ext uri="{FF2B5EF4-FFF2-40B4-BE49-F238E27FC236}">
+                <a16:creationId xmlns:a16="http://schemas.microsoft.com/office/drawing/2014/main" id="{09717716-BF59-0EB3-97A8-9968CA5A1E00}"/>
+              </a:ext>
+            </a:extLst>
+          </p:cNvPr>
+          <p:cNvSpPr/>
+          <p:nvPr/>
+        </p:nvSpPr>
+        <p:spPr>
+          <a:xfrm>
+            <a:off x="9639850" y="4139222"/>
+            <a:ext cx="1574074" cy="777240"/>
+          </a:xfrm>
+          <a:prstGeom prst="roundRect">
+            <a:avLst/>
+          </a:prstGeom>
+        </p:spPr>
+        <p:style>
+          <a:lnRef idx="1">
+            <a:schemeClr val="accent2"/>
+          </a:lnRef>
+          <a:fillRef idx="2">
+            <a:schemeClr val="accent2"/>
+          </a:fillRef>
+          <a:effectRef idx="1">
+            <a:schemeClr val="accent2"/>
+          </a:effectRef>
+          <a:fontRef idx="minor">
+            <a:schemeClr val="dk1"/>
+          </a:fontRef>
+        </p:style>
+        <p:txBody>
+          <a:bodyPr rtlCol="0" anchor="ctr"/>
+          <a:lstStyle/>
+          <a:p>
+            <a:pPr algn="ctr"/>
+            <a:r>
+              <a:rPr lang="nl-NL" dirty="0"/>
+              <a:t>Voorspelling</a:t>
+            </a:r>
+          </a:p>
+        </p:txBody>
+      </p:sp>
+      <p:cxnSp>
+        <p:nvCxnSpPr>
+          <p:cNvPr id="17" name="Straight Arrow Connector 16">
+            <a:extLst>
+              <a:ext uri="{FF2B5EF4-FFF2-40B4-BE49-F238E27FC236}">
+                <a16:creationId xmlns:a16="http://schemas.microsoft.com/office/drawing/2014/main" id="{9AA1BFE4-AECF-A957-D0D5-5B89FE926C2D}"/>
+              </a:ext>
+            </a:extLst>
+          </p:cNvPr>
+          <p:cNvCxnSpPr>
+            <a:cxnSpLocks/>
+            <a:stCxn id="6" idx="3"/>
+            <a:endCxn id="29" idx="1"/>
+          </p:cNvCxnSpPr>
+          <p:nvPr/>
+        </p:nvCxnSpPr>
+        <p:spPr>
+          <a:xfrm flipV="1">
+            <a:off x="3559629" y="4527841"/>
+            <a:ext cx="688523" cy="1703"/>
+          </a:xfrm>
+          <a:prstGeom prst="straightConnector1">
+            <a:avLst/>
+          </a:prstGeom>
+          <a:ln>
+            <a:tailEnd type="triangle"/>
+          </a:ln>
+        </p:spPr>
+        <p:style>
+          <a:lnRef idx="3">
+            <a:schemeClr val="dk1"/>
+          </a:lnRef>
+          <a:fillRef idx="0">
+            <a:schemeClr val="dk1"/>
+          </a:fillRef>
+          <a:effectRef idx="2">
+            <a:schemeClr val="dk1"/>
+          </a:effectRef>
+          <a:fontRef idx="minor">
+            <a:schemeClr val="tx1"/>
+          </a:fontRef>
+        </p:style>
+      </p:cxnSp>
+      <p:cxnSp>
+        <p:nvCxnSpPr>
+          <p:cNvPr id="19" name="Straight Arrow Connector 18">
+            <a:extLst>
+              <a:ext uri="{FF2B5EF4-FFF2-40B4-BE49-F238E27FC236}">
+                <a16:creationId xmlns:a16="http://schemas.microsoft.com/office/drawing/2014/main" id="{732D8E31-4E5A-53C3-967E-9B05BD33FA82}"/>
+              </a:ext>
+            </a:extLst>
+          </p:cNvPr>
+          <p:cNvCxnSpPr>
+            <a:cxnSpLocks/>
+            <a:stCxn id="29" idx="3"/>
+            <a:endCxn id="7" idx="1"/>
+          </p:cNvCxnSpPr>
+          <p:nvPr/>
+        </p:nvCxnSpPr>
+        <p:spPr>
+          <a:xfrm>
+            <a:off x="5822226" y="4527841"/>
+            <a:ext cx="688524" cy="1704"/>
+          </a:xfrm>
+          <a:prstGeom prst="straightConnector1">
+            <a:avLst/>
+          </a:prstGeom>
+          <a:ln>
+            <a:tailEnd type="triangle"/>
+          </a:ln>
+        </p:spPr>
+        <p:style>
+          <a:lnRef idx="3">
+            <a:schemeClr val="dk1"/>
+          </a:lnRef>
+          <a:fillRef idx="0">
+            <a:schemeClr val="dk1"/>
+          </a:fillRef>
+          <a:effectRef idx="2">
+            <a:schemeClr val="dk1"/>
+          </a:effectRef>
+          <a:fontRef idx="minor">
+            <a:schemeClr val="tx1"/>
+          </a:fontRef>
+        </p:style>
+      </p:cxnSp>
+      <p:cxnSp>
+        <p:nvCxnSpPr>
+          <p:cNvPr id="22" name="Straight Arrow Connector 21">
+            <a:extLst>
+              <a:ext uri="{FF2B5EF4-FFF2-40B4-BE49-F238E27FC236}">
+                <a16:creationId xmlns:a16="http://schemas.microsoft.com/office/drawing/2014/main" id="{BD591FEB-E40A-5883-527D-5C938694ACFB}"/>
+              </a:ext>
+            </a:extLst>
+          </p:cNvPr>
+          <p:cNvCxnSpPr>
+            <a:stCxn id="7" idx="3"/>
+            <a:endCxn id="14" idx="1"/>
+          </p:cNvCxnSpPr>
+          <p:nvPr/>
+        </p:nvCxnSpPr>
+        <p:spPr>
+          <a:xfrm flipV="1">
+            <a:off x="8951327" y="4527842"/>
+            <a:ext cx="688523" cy="1703"/>
+          </a:xfrm>
+          <a:prstGeom prst="straightConnector1">
+            <a:avLst/>
+          </a:prstGeom>
+          <a:ln>
+            <a:tailEnd type="triangle"/>
+          </a:ln>
+        </p:spPr>
+        <p:style>
+          <a:lnRef idx="3">
+            <a:schemeClr val="dk1"/>
+          </a:lnRef>
+          <a:fillRef idx="0">
+            <a:schemeClr val="dk1"/>
+          </a:fillRef>
+          <a:effectRef idx="2">
+            <a:schemeClr val="dk1"/>
+          </a:effectRef>
+          <a:fontRef idx="minor">
+            <a:schemeClr val="tx1"/>
+          </a:fontRef>
+        </p:style>
+      </p:cxnSp>
+      <p:cxnSp>
+        <p:nvCxnSpPr>
+          <p:cNvPr id="24" name="Straight Arrow Connector 23">
+            <a:extLst>
+              <a:ext uri="{FF2B5EF4-FFF2-40B4-BE49-F238E27FC236}">
+                <a16:creationId xmlns:a16="http://schemas.microsoft.com/office/drawing/2014/main" id="{926D003C-9F25-39B0-F989-A5E70674A1AA}"/>
+              </a:ext>
+            </a:extLst>
+          </p:cNvPr>
+          <p:cNvCxnSpPr>
+            <a:stCxn id="8" idx="2"/>
+            <a:endCxn id="6" idx="0"/>
+          </p:cNvCxnSpPr>
+          <p:nvPr/>
+        </p:nvCxnSpPr>
+        <p:spPr>
+          <a:xfrm>
+            <a:off x="2339341" y="2721516"/>
+            <a:ext cx="0" cy="772796"/>
+          </a:xfrm>
+          <a:prstGeom prst="straightConnector1">
+            <a:avLst/>
+          </a:prstGeom>
+          <a:ln>
+            <a:tailEnd type="triangle"/>
+          </a:ln>
+        </p:spPr>
+        <p:style>
+          <a:lnRef idx="3">
+            <a:schemeClr val="dk1"/>
+          </a:lnRef>
+          <a:fillRef idx="0">
+            <a:schemeClr val="dk1"/>
+          </a:fillRef>
+          <a:effectRef idx="2">
+            <a:schemeClr val="dk1"/>
+          </a:effectRef>
+          <a:fontRef idx="minor">
+            <a:schemeClr val="tx1"/>
+          </a:fontRef>
+        </p:style>
+      </p:cxnSp>
+      <p:cxnSp>
+        <p:nvCxnSpPr>
+          <p:cNvPr id="26" name="Straight Arrow Connector 25">
+            <a:extLst>
+              <a:ext uri="{FF2B5EF4-FFF2-40B4-BE49-F238E27FC236}">
+                <a16:creationId xmlns:a16="http://schemas.microsoft.com/office/drawing/2014/main" id="{53338556-318B-747A-4F1C-21E738F16174}"/>
+              </a:ext>
+            </a:extLst>
+          </p:cNvPr>
+          <p:cNvCxnSpPr>
+            <a:stCxn id="9" idx="2"/>
+            <a:endCxn id="7" idx="0"/>
+          </p:cNvCxnSpPr>
+          <p:nvPr/>
+        </p:nvCxnSpPr>
+        <p:spPr>
+          <a:xfrm>
+            <a:off x="7731038" y="2721516"/>
+            <a:ext cx="1" cy="772797"/>
+          </a:xfrm>
+          <a:prstGeom prst="straightConnector1">
+            <a:avLst/>
+          </a:prstGeom>
+          <a:ln>
+            <a:tailEnd type="triangle"/>
+          </a:ln>
+        </p:spPr>
+        <p:style>
+          <a:lnRef idx="3">
+            <a:schemeClr val="dk1"/>
+          </a:lnRef>
+          <a:fillRef idx="0">
+            <a:schemeClr val="dk1"/>
+          </a:fillRef>
+          <a:effectRef idx="2">
+            <a:schemeClr val="dk1"/>
+          </a:effectRef>
+          <a:fontRef idx="minor">
+            <a:schemeClr val="tx1"/>
+          </a:fontRef>
+        </p:style>
+      </p:cxnSp>
+      <p:sp>
+        <p:nvSpPr>
+          <p:cNvPr id="29" name="Rectangle: Rounded Corners 28">
+            <a:extLst>
+              <a:ext uri="{FF2B5EF4-FFF2-40B4-BE49-F238E27FC236}">
+                <a16:creationId xmlns:a16="http://schemas.microsoft.com/office/drawing/2014/main" id="{863D9589-CDB7-2989-9954-8509CA1E905A}"/>
+              </a:ext>
+            </a:extLst>
+          </p:cNvPr>
+          <p:cNvSpPr/>
+          <p:nvPr/>
+        </p:nvSpPr>
+        <p:spPr>
+          <a:xfrm>
+            <a:off x="4248152" y="4139221"/>
+            <a:ext cx="1574074" cy="777240"/>
+          </a:xfrm>
+          <a:prstGeom prst="roundRect">
+            <a:avLst/>
+          </a:prstGeom>
+        </p:spPr>
+        <p:style>
+          <a:lnRef idx="1">
+            <a:schemeClr val="accent2"/>
+          </a:lnRef>
+          <a:fillRef idx="2">
+            <a:schemeClr val="accent2"/>
+          </a:fillRef>
+          <a:effectRef idx="1">
+            <a:schemeClr val="accent2"/>
+          </a:effectRef>
+          <a:fontRef idx="minor">
+            <a:schemeClr val="dk1"/>
+          </a:fontRef>
+        </p:style>
+        <p:txBody>
+          <a:bodyPr rtlCol="0" anchor="ctr"/>
+          <a:lstStyle/>
+          <a:p>
+            <a:pPr algn="ctr"/>
+            <a:r>
+              <a:rPr lang="nl-NL" dirty="0"/>
+              <a:t>Model</a:t>
+            </a:r>
+          </a:p>
+        </p:txBody>
+      </p:sp>
+    </p:spTree>
+    <p:extLst>
+      <p:ext uri="{BB962C8B-B14F-4D97-AF65-F5344CB8AC3E}">
+        <p14:creationId xmlns:p14="http://schemas.microsoft.com/office/powerpoint/2010/main" val="1524292868"/>
+      </p:ext>
+    </p:extLst>
+  </p:cSld>
+  <p:clrMapOvr>
+    <a:masterClrMapping/>
+  </p:clrMapOvr>
+</p:sld>
+</file>
+
+<file path=ppt/slides/slide33.xml><?xml version="1.0" encoding="utf-8"?>
 <p:sld xmlns:a="http://schemas.openxmlformats.org/drawingml/2006/main" xmlns:r="http://schemas.openxmlformats.org/officeDocument/2006/relationships" xmlns:p="http://schemas.openxmlformats.org/presentationml/2006/main">
   <p:cSld>
     <p:spTree>

--- a/python_trainees/4_scikit_learn/python_traineeship_4.pptx
+++ b/python_trainees/4_scikit_learn/python_traineeship_4.pptx
@@ -37,7 +37,17 @@
     <p:sldId id="368" r:id="rId31"/>
     <p:sldId id="369" r:id="rId32"/>
     <p:sldId id="370" r:id="rId33"/>
-    <p:sldId id="336" r:id="rId34"/>
+    <p:sldId id="377" r:id="rId34"/>
+    <p:sldId id="371" r:id="rId35"/>
+    <p:sldId id="372" r:id="rId36"/>
+    <p:sldId id="373" r:id="rId37"/>
+    <p:sldId id="374" r:id="rId38"/>
+    <p:sldId id="375" r:id="rId39"/>
+    <p:sldId id="336" r:id="rId40"/>
+    <p:sldId id="378" r:id="rId41"/>
+    <p:sldId id="380" r:id="rId42"/>
+    <p:sldId id="381" r:id="rId43"/>
+    <p:sldId id="379" r:id="rId44"/>
   </p:sldIdLst>
   <p:sldSz cx="12192000" cy="6858000"/>
   <p:notesSz cx="6858000" cy="9144000"/>
@@ -293,7 +303,7 @@
           <a:p>
             <a:fld id="{5E9D55AD-DA6B-4A9D-BFE6-D0A1673E6EA9}" type="datetimeFigureOut">
               <a:rPr lang="en-NL" smtClean="0"/>
-              <a:t>14/04/2023</a:t>
+              <a:t>18/04/2023</a:t>
             </a:fld>
             <a:endParaRPr lang="en-NL"/>
           </a:p>
@@ -493,7 +503,7 @@
           <a:p>
             <a:fld id="{5E9D55AD-DA6B-4A9D-BFE6-D0A1673E6EA9}" type="datetimeFigureOut">
               <a:rPr lang="en-NL" smtClean="0"/>
-              <a:t>14/04/2023</a:t>
+              <a:t>18/04/2023</a:t>
             </a:fld>
             <a:endParaRPr lang="en-NL"/>
           </a:p>
@@ -703,7 +713,7 @@
           <a:p>
             <a:fld id="{5E9D55AD-DA6B-4A9D-BFE6-D0A1673E6EA9}" type="datetimeFigureOut">
               <a:rPr lang="en-NL" smtClean="0"/>
-              <a:t>14/04/2023</a:t>
+              <a:t>18/04/2023</a:t>
             </a:fld>
             <a:endParaRPr lang="en-NL"/>
           </a:p>
@@ -903,7 +913,7 @@
           <a:p>
             <a:fld id="{5E9D55AD-DA6B-4A9D-BFE6-D0A1673E6EA9}" type="datetimeFigureOut">
               <a:rPr lang="en-NL" smtClean="0"/>
-              <a:t>14/04/2023</a:t>
+              <a:t>18/04/2023</a:t>
             </a:fld>
             <a:endParaRPr lang="en-NL"/>
           </a:p>
@@ -1179,7 +1189,7 @@
           <a:p>
             <a:fld id="{5E9D55AD-DA6B-4A9D-BFE6-D0A1673E6EA9}" type="datetimeFigureOut">
               <a:rPr lang="en-NL" smtClean="0"/>
-              <a:t>14/04/2023</a:t>
+              <a:t>18/04/2023</a:t>
             </a:fld>
             <a:endParaRPr lang="en-NL"/>
           </a:p>
@@ -1447,7 +1457,7 @@
           <a:p>
             <a:fld id="{5E9D55AD-DA6B-4A9D-BFE6-D0A1673E6EA9}" type="datetimeFigureOut">
               <a:rPr lang="en-NL" smtClean="0"/>
-              <a:t>14/04/2023</a:t>
+              <a:t>18/04/2023</a:t>
             </a:fld>
             <a:endParaRPr lang="en-NL"/>
           </a:p>
@@ -1862,7 +1872,7 @@
           <a:p>
             <a:fld id="{5E9D55AD-DA6B-4A9D-BFE6-D0A1673E6EA9}" type="datetimeFigureOut">
               <a:rPr lang="en-NL" smtClean="0"/>
-              <a:t>14/04/2023</a:t>
+              <a:t>18/04/2023</a:t>
             </a:fld>
             <a:endParaRPr lang="en-NL"/>
           </a:p>
@@ -2004,7 +2014,7 @@
           <a:p>
             <a:fld id="{5E9D55AD-DA6B-4A9D-BFE6-D0A1673E6EA9}" type="datetimeFigureOut">
               <a:rPr lang="en-NL" smtClean="0"/>
-              <a:t>14/04/2023</a:t>
+              <a:t>18/04/2023</a:t>
             </a:fld>
             <a:endParaRPr lang="en-NL"/>
           </a:p>
@@ -2117,7 +2127,7 @@
           <a:p>
             <a:fld id="{5E9D55AD-DA6B-4A9D-BFE6-D0A1673E6EA9}" type="datetimeFigureOut">
               <a:rPr lang="en-NL" smtClean="0"/>
-              <a:t>14/04/2023</a:t>
+              <a:t>18/04/2023</a:t>
             </a:fld>
             <a:endParaRPr lang="en-NL"/>
           </a:p>
@@ -2430,7 +2440,7 @@
           <a:p>
             <a:fld id="{5E9D55AD-DA6B-4A9D-BFE6-D0A1673E6EA9}" type="datetimeFigureOut">
               <a:rPr lang="en-NL" smtClean="0"/>
-              <a:t>14/04/2023</a:t>
+              <a:t>18/04/2023</a:t>
             </a:fld>
             <a:endParaRPr lang="en-NL"/>
           </a:p>
@@ -2719,7 +2729,7 @@
           <a:p>
             <a:fld id="{5E9D55AD-DA6B-4A9D-BFE6-D0A1673E6EA9}" type="datetimeFigureOut">
               <a:rPr lang="en-NL" smtClean="0"/>
-              <a:t>14/04/2023</a:t>
+              <a:t>18/04/2023</a:t>
             </a:fld>
             <a:endParaRPr lang="en-NL"/>
           </a:p>
@@ -2962,7 +2972,7 @@
           <a:p>
             <a:fld id="{5E9D55AD-DA6B-4A9D-BFE6-D0A1673E6EA9}" type="datetimeFigureOut">
               <a:rPr lang="en-NL" smtClean="0"/>
-              <a:t>14/04/2023</a:t>
+              <a:t>18/04/2023</a:t>
             </a:fld>
             <a:endParaRPr lang="en-NL"/>
           </a:p>
@@ -8135,7 +8145,7 @@
             </a:pPr>
             <a:r>
               <a:rPr lang="nl-NL" sz="2000" dirty="0"/>
-              <a:t>Basis ML proces:</a:t>
+              <a:t>ML proces:</a:t>
             </a:r>
           </a:p>
           <a:p>
@@ -8189,19 +8199,8 @@
               </a:spcAft>
             </a:pPr>
             <a:r>
-              <a:rPr lang="nl-NL" sz="2000" noProof="0" dirty="0"/>
-              <a:t>Natural Language Processing</a:t>
-            </a:r>
-          </a:p>
-          <a:p>
-            <a:pPr>
-              <a:spcAft>
-                <a:spcPts val="600"/>
-              </a:spcAft>
-            </a:pPr>
-            <a:r>
               <a:rPr lang="nl-NL" sz="2000" dirty="0"/>
-              <a:t>Waar op te letten?</a:t>
+              <a:t>Naar productie!</a:t>
             </a:r>
             <a:endParaRPr lang="nl-NL" sz="2000" noProof="0" dirty="0"/>
           </a:p>
@@ -13492,7 +13491,7 @@
           <a:p>
             <a:r>
               <a:rPr lang="nl-NL" noProof="0" dirty="0"/>
-              <a:t>Selecteren</a:t>
+              <a:t>Valideren / Selecteren</a:t>
             </a:r>
           </a:p>
         </p:txBody>
@@ -16285,10 +16284,10 @@
       </p:sp>
       <p:sp>
         <p:nvSpPr>
-          <p:cNvPr id="6" name="Rectangle 5">
-            <a:extLst>
-              <a:ext uri="{FF2B5EF4-FFF2-40B4-BE49-F238E27FC236}">
-                <a16:creationId xmlns:a16="http://schemas.microsoft.com/office/drawing/2014/main" id="{B32E2B49-6A16-A1DE-7F5E-041E6F9732FF}"/>
+          <p:cNvPr id="3" name="Rectangle 2">
+            <a:extLst>
+              <a:ext uri="{FF2B5EF4-FFF2-40B4-BE49-F238E27FC236}">
+                <a16:creationId xmlns:a16="http://schemas.microsoft.com/office/drawing/2014/main" id="{CC9A2C42-5C7C-8DA1-D81E-2E20B336CB22}"/>
               </a:ext>
             </a:extLst>
           </p:cNvPr>
@@ -16297,10 +16296,295 @@
         </p:nvSpPr>
         <p:spPr>
           <a:xfrm>
-            <a:off x="1119052" y="3494312"/>
-            <a:ext cx="2440577" cy="2070463"/>
+            <a:off x="838200" y="1972101"/>
+            <a:ext cx="2834640" cy="3749674"/>
           </a:xfrm>
           <a:prstGeom prst="rect">
+            <a:avLst/>
+          </a:prstGeom>
+        </p:spPr>
+        <p:style>
+          <a:lnRef idx="1">
+            <a:schemeClr val="accent6"/>
+          </a:lnRef>
+          <a:fillRef idx="2">
+            <a:schemeClr val="accent6"/>
+          </a:fillRef>
+          <a:effectRef idx="1">
+            <a:schemeClr val="accent6"/>
+          </a:effectRef>
+          <a:fontRef idx="minor">
+            <a:schemeClr val="dk1"/>
+          </a:fontRef>
+        </p:style>
+        <p:txBody>
+          <a:bodyPr lIns="180000" tIns="180000" rIns="180000" bIns="180000" rtlCol="0" anchor="t"/>
+          <a:lstStyle/>
+          <a:p>
+            <a:pPr algn="ctr"/>
+            <a:r>
+              <a:rPr lang="nl-NL" b="1" dirty="0"/>
+              <a:t>Validatie / Selectie</a:t>
+            </a:r>
+          </a:p>
+          <a:p>
+            <a:pPr algn="ctr"/>
+            <a:endParaRPr lang="nl-NL" b="1" dirty="0"/>
+          </a:p>
+          <a:p>
+            <a:r>
+              <a:rPr lang="nl-NL" dirty="0"/>
+              <a:t>Optimaliseer specificatie van je model:</a:t>
+            </a:r>
+          </a:p>
+          <a:p>
+            <a:pPr marL="285750" indent="-285750">
+              <a:buFontTx/>
+              <a:buChar char="-"/>
+            </a:pPr>
+            <a:endParaRPr lang="nl-NL" dirty="0"/>
+          </a:p>
+          <a:p>
+            <a:pPr marL="285750" indent="-285750">
+              <a:buFontTx/>
+              <a:buChar char="-"/>
+            </a:pPr>
+            <a:r>
+              <a:rPr lang="nl-NL" dirty="0"/>
+              <a:t>data preparatie</a:t>
+            </a:r>
+          </a:p>
+          <a:p>
+            <a:pPr marL="285750" indent="-285750">
+              <a:buFontTx/>
+              <a:buChar char="-"/>
+            </a:pPr>
+            <a:r>
+              <a:rPr lang="nl-NL" dirty="0"/>
+              <a:t>features</a:t>
+            </a:r>
+          </a:p>
+          <a:p>
+            <a:pPr marL="285750" indent="-285750">
+              <a:buFontTx/>
+              <a:buChar char="-"/>
+            </a:pPr>
+            <a:r>
+              <a:rPr lang="nl-NL" dirty="0"/>
+              <a:t>algoritme</a:t>
+            </a:r>
+          </a:p>
+          <a:p>
+            <a:pPr marL="285750" indent="-285750">
+              <a:buFontTx/>
+              <a:buChar char="-"/>
+            </a:pPr>
+            <a:r>
+              <a:rPr lang="nl-NL" dirty="0"/>
+              <a:t>instellingen</a:t>
+            </a:r>
+          </a:p>
+          <a:p>
+            <a:pPr marL="285750" indent="-285750">
+              <a:buFontTx/>
+              <a:buChar char="-"/>
+            </a:pPr>
+            <a:endParaRPr lang="nl-NL" dirty="0"/>
+          </a:p>
+          <a:p>
+            <a:pPr algn="ctr"/>
+            <a:endParaRPr lang="nl-NL" dirty="0"/>
+          </a:p>
+        </p:txBody>
+      </p:sp>
+      <p:sp>
+        <p:nvSpPr>
+          <p:cNvPr id="4" name="Rectangle 3">
+            <a:extLst>
+              <a:ext uri="{FF2B5EF4-FFF2-40B4-BE49-F238E27FC236}">
+                <a16:creationId xmlns:a16="http://schemas.microsoft.com/office/drawing/2014/main" id="{2AC933C2-3D5A-0ACA-5AFE-5351303887C6}"/>
+              </a:ext>
+            </a:extLst>
+          </p:cNvPr>
+          <p:cNvSpPr/>
+          <p:nvPr/>
+        </p:nvSpPr>
+        <p:spPr>
+          <a:xfrm>
+            <a:off x="4678680" y="1972100"/>
+            <a:ext cx="2834640" cy="3749674"/>
+          </a:xfrm>
+          <a:prstGeom prst="rect">
+            <a:avLst/>
+          </a:prstGeom>
+        </p:spPr>
+        <p:style>
+          <a:lnRef idx="1">
+            <a:schemeClr val="accent5"/>
+          </a:lnRef>
+          <a:fillRef idx="2">
+            <a:schemeClr val="accent5"/>
+          </a:fillRef>
+          <a:effectRef idx="1">
+            <a:schemeClr val="accent5"/>
+          </a:effectRef>
+          <a:fontRef idx="minor">
+            <a:schemeClr val="dk1"/>
+          </a:fontRef>
+        </p:style>
+        <p:txBody>
+          <a:bodyPr lIns="180000" tIns="180000" rIns="180000" bIns="180000" rtlCol="0" anchor="t"/>
+          <a:lstStyle/>
+          <a:p>
+            <a:pPr algn="ctr"/>
+            <a:r>
+              <a:rPr lang="nl-NL" b="1" dirty="0"/>
+              <a:t>Finale training</a:t>
+            </a:r>
+          </a:p>
+          <a:p>
+            <a:pPr algn="ctr"/>
+            <a:endParaRPr lang="nl-NL" b="1" dirty="0"/>
+          </a:p>
+          <a:p>
+            <a:r>
+              <a:rPr lang="nl-NL" dirty="0"/>
+              <a:t>Optimaliseer de gewichten / parameters van je model.</a:t>
+            </a:r>
+          </a:p>
+          <a:p>
+            <a:endParaRPr lang="nl-NL" dirty="0"/>
+          </a:p>
+          <a:p>
+            <a:r>
+              <a:rPr lang="nl-NL" dirty="0"/>
+              <a:t>Train je model op </a:t>
+            </a:r>
+            <a:r>
+              <a:rPr lang="nl-NL" u="sng" dirty="0"/>
+              <a:t>alle beschikbare data</a:t>
+            </a:r>
+            <a:r>
+              <a:rPr lang="nl-NL" dirty="0"/>
+              <a:t> om zoveel mogelijk patronen te vangen.</a:t>
+            </a:r>
+          </a:p>
+        </p:txBody>
+      </p:sp>
+      <p:sp>
+        <p:nvSpPr>
+          <p:cNvPr id="5" name="Rectangle 4">
+            <a:extLst>
+              <a:ext uri="{FF2B5EF4-FFF2-40B4-BE49-F238E27FC236}">
+                <a16:creationId xmlns:a16="http://schemas.microsoft.com/office/drawing/2014/main" id="{789364A3-4528-7390-21E7-3B1FEFCDC7BA}"/>
+              </a:ext>
+            </a:extLst>
+          </p:cNvPr>
+          <p:cNvSpPr/>
+          <p:nvPr/>
+        </p:nvSpPr>
+        <p:spPr>
+          <a:xfrm>
+            <a:off x="8519160" y="1972100"/>
+            <a:ext cx="2834640" cy="3749674"/>
+          </a:xfrm>
+          <a:prstGeom prst="rect">
+            <a:avLst/>
+          </a:prstGeom>
+        </p:spPr>
+        <p:style>
+          <a:lnRef idx="1">
+            <a:schemeClr val="accent4"/>
+          </a:lnRef>
+          <a:fillRef idx="2">
+            <a:schemeClr val="accent4"/>
+          </a:fillRef>
+          <a:effectRef idx="1">
+            <a:schemeClr val="accent4"/>
+          </a:effectRef>
+          <a:fontRef idx="minor">
+            <a:schemeClr val="dk1"/>
+          </a:fontRef>
+        </p:style>
+        <p:txBody>
+          <a:bodyPr lIns="180000" tIns="180000" rIns="180000" bIns="180000" rtlCol="0" anchor="t"/>
+          <a:lstStyle/>
+          <a:p>
+            <a:pPr algn="ctr"/>
+            <a:r>
+              <a:rPr lang="nl-NL" b="1" dirty="0"/>
+              <a:t>Uitrol</a:t>
+            </a:r>
+          </a:p>
+          <a:p>
+            <a:pPr algn="ctr"/>
+            <a:endParaRPr lang="nl-NL" b="1" dirty="0"/>
+          </a:p>
+          <a:p>
+            <a:r>
+              <a:rPr lang="nl-NL" dirty="0"/>
+              <a:t>Gebruik het finale model in het bedrijfsproces.</a:t>
+            </a:r>
+          </a:p>
+          <a:p>
+            <a:endParaRPr lang="nl-NL" dirty="0"/>
+          </a:p>
+          <a:p>
+            <a:r>
+              <a:rPr lang="nl-NL" dirty="0"/>
+              <a:t>Uitdagingen qua:</a:t>
+            </a:r>
+          </a:p>
+          <a:p>
+            <a:pPr marL="285750" indent="-285750">
+              <a:buFontTx/>
+              <a:buChar char="-"/>
+            </a:pPr>
+            <a:r>
+              <a:rPr lang="nl-NL" dirty="0"/>
+              <a:t>Techniek</a:t>
+            </a:r>
+          </a:p>
+          <a:p>
+            <a:pPr marL="285750" indent="-285750">
+              <a:buFontTx/>
+              <a:buChar char="-"/>
+            </a:pPr>
+            <a:r>
+              <a:rPr lang="nl-NL" dirty="0"/>
+              <a:t>Gebruik</a:t>
+            </a:r>
+          </a:p>
+          <a:p>
+            <a:pPr marL="285750" indent="-285750">
+              <a:buFontTx/>
+              <a:buChar char="-"/>
+            </a:pPr>
+            <a:r>
+              <a:rPr lang="nl-NL" dirty="0"/>
+              <a:t>Duurzaamheid</a:t>
+            </a:r>
+          </a:p>
+        </p:txBody>
+      </p:sp>
+      <p:sp>
+        <p:nvSpPr>
+          <p:cNvPr id="10" name="Arrow: Right 9">
+            <a:extLst>
+              <a:ext uri="{FF2B5EF4-FFF2-40B4-BE49-F238E27FC236}">
+                <a16:creationId xmlns:a16="http://schemas.microsoft.com/office/drawing/2014/main" id="{4A21C4F3-49E6-41AF-A714-DA2393DC82DA}"/>
+              </a:ext>
+            </a:extLst>
+          </p:cNvPr>
+          <p:cNvSpPr/>
+          <p:nvPr/>
+        </p:nvSpPr>
+        <p:spPr>
+          <a:xfrm>
+            <a:off x="3921880" y="3616657"/>
+            <a:ext cx="506364" cy="462712"/>
+          </a:xfrm>
+          <a:prstGeom prst="rightArrow">
             <a:avLst/>
           </a:prstGeom>
         </p:spPr>
@@ -16323,19 +16607,16 @@
           <a:lstStyle/>
           <a:p>
             <a:pPr algn="ctr"/>
-            <a:r>
-              <a:rPr lang="nl-NL"/>
-              <a:t>Training omgeving</a:t>
-            </a:r>
+            <a:endParaRPr lang="en-NL"/>
           </a:p>
         </p:txBody>
       </p:sp>
       <p:sp>
         <p:nvSpPr>
-          <p:cNvPr id="7" name="Rectangle 6">
-            <a:extLst>
-              <a:ext uri="{FF2B5EF4-FFF2-40B4-BE49-F238E27FC236}">
-                <a16:creationId xmlns:a16="http://schemas.microsoft.com/office/drawing/2014/main" id="{D7AC7AB4-D61A-0671-093A-D3C8149D6127}"/>
+          <p:cNvPr id="12" name="Arrow: Right 11">
+            <a:extLst>
+              <a:ext uri="{FF2B5EF4-FFF2-40B4-BE49-F238E27FC236}">
+                <a16:creationId xmlns:a16="http://schemas.microsoft.com/office/drawing/2014/main" id="{8DAE0CBB-182F-60CC-5E30-302DBE0D772C}"/>
               </a:ext>
             </a:extLst>
           </p:cNvPr>
@@ -16344,10 +16625,10 @@
         </p:nvSpPr>
         <p:spPr>
           <a:xfrm>
-            <a:off x="6510750" y="3494313"/>
-            <a:ext cx="2440577" cy="2070463"/>
-          </a:xfrm>
-          <a:prstGeom prst="rect">
+            <a:off x="7763058" y="3616657"/>
+            <a:ext cx="506364" cy="462712"/>
+          </a:xfrm>
+          <a:prstGeom prst="rightArrow">
             <a:avLst/>
           </a:prstGeom>
         </p:spPr>
@@ -16370,410 +16651,7 @@
           <a:lstStyle/>
           <a:p>
             <a:pPr algn="ctr"/>
-            <a:r>
-              <a:rPr lang="nl-NL" dirty="0"/>
-              <a:t>Scoring omgeving</a:t>
-            </a:r>
-          </a:p>
-        </p:txBody>
-      </p:sp>
-      <p:sp>
-        <p:nvSpPr>
-          <p:cNvPr id="8" name="Rectangle 7">
-            <a:extLst>
-              <a:ext uri="{FF2B5EF4-FFF2-40B4-BE49-F238E27FC236}">
-                <a16:creationId xmlns:a16="http://schemas.microsoft.com/office/drawing/2014/main" id="{21BF7B99-FC60-5852-E264-562437EEA80E}"/>
-              </a:ext>
-            </a:extLst>
-          </p:cNvPr>
-          <p:cNvSpPr/>
-          <p:nvPr/>
-        </p:nvSpPr>
-        <p:spPr>
-          <a:xfrm>
-            <a:off x="1119052" y="1774459"/>
-            <a:ext cx="2440577" cy="947057"/>
-          </a:xfrm>
-          <a:prstGeom prst="rect">
-            <a:avLst/>
-          </a:prstGeom>
-        </p:spPr>
-        <p:style>
-          <a:lnRef idx="1">
-            <a:schemeClr val="accent4"/>
-          </a:lnRef>
-          <a:fillRef idx="2">
-            <a:schemeClr val="accent4"/>
-          </a:fillRef>
-          <a:effectRef idx="1">
-            <a:schemeClr val="accent4"/>
-          </a:effectRef>
-          <a:fontRef idx="minor">
-            <a:schemeClr val="dk1"/>
-          </a:fontRef>
-        </p:style>
-        <p:txBody>
-          <a:bodyPr rtlCol="0" anchor="ctr"/>
-          <a:lstStyle/>
-          <a:p>
-            <a:pPr algn="ctr"/>
-            <a:r>
-              <a:rPr lang="nl-NL"/>
-              <a:t>Training Data</a:t>
-            </a:r>
-          </a:p>
-        </p:txBody>
-      </p:sp>
-      <p:sp>
-        <p:nvSpPr>
-          <p:cNvPr id="9" name="Rectangle 8">
-            <a:extLst>
-              <a:ext uri="{FF2B5EF4-FFF2-40B4-BE49-F238E27FC236}">
-                <a16:creationId xmlns:a16="http://schemas.microsoft.com/office/drawing/2014/main" id="{2ABCA7DB-5B45-060C-B58D-6E39BE3475FB}"/>
-              </a:ext>
-            </a:extLst>
-          </p:cNvPr>
-          <p:cNvSpPr/>
-          <p:nvPr/>
-        </p:nvSpPr>
-        <p:spPr>
-          <a:xfrm>
-            <a:off x="6510749" y="1774459"/>
-            <a:ext cx="2440577" cy="947057"/>
-          </a:xfrm>
-          <a:prstGeom prst="rect">
-            <a:avLst/>
-          </a:prstGeom>
-        </p:spPr>
-        <p:style>
-          <a:lnRef idx="1">
-            <a:schemeClr val="accent4"/>
-          </a:lnRef>
-          <a:fillRef idx="2">
-            <a:schemeClr val="accent4"/>
-          </a:fillRef>
-          <a:effectRef idx="1">
-            <a:schemeClr val="accent4"/>
-          </a:effectRef>
-          <a:fontRef idx="minor">
-            <a:schemeClr val="dk1"/>
-          </a:fontRef>
-        </p:style>
-        <p:txBody>
-          <a:bodyPr rtlCol="0" anchor="ctr"/>
-          <a:lstStyle/>
-          <a:p>
-            <a:pPr algn="ctr"/>
-            <a:r>
-              <a:rPr lang="nl-NL"/>
-              <a:t>Scoring Data</a:t>
-            </a:r>
-          </a:p>
-        </p:txBody>
-      </p:sp>
-      <p:sp>
-        <p:nvSpPr>
-          <p:cNvPr id="14" name="Rectangle: Rounded Corners 13">
-            <a:extLst>
-              <a:ext uri="{FF2B5EF4-FFF2-40B4-BE49-F238E27FC236}">
-                <a16:creationId xmlns:a16="http://schemas.microsoft.com/office/drawing/2014/main" id="{09717716-BF59-0EB3-97A8-9968CA5A1E00}"/>
-              </a:ext>
-            </a:extLst>
-          </p:cNvPr>
-          <p:cNvSpPr/>
-          <p:nvPr/>
-        </p:nvSpPr>
-        <p:spPr>
-          <a:xfrm>
-            <a:off x="9639850" y="4139222"/>
-            <a:ext cx="1574074" cy="777240"/>
-          </a:xfrm>
-          <a:prstGeom prst="roundRect">
-            <a:avLst/>
-          </a:prstGeom>
-        </p:spPr>
-        <p:style>
-          <a:lnRef idx="1">
-            <a:schemeClr val="accent2"/>
-          </a:lnRef>
-          <a:fillRef idx="2">
-            <a:schemeClr val="accent2"/>
-          </a:fillRef>
-          <a:effectRef idx="1">
-            <a:schemeClr val="accent2"/>
-          </a:effectRef>
-          <a:fontRef idx="minor">
-            <a:schemeClr val="dk1"/>
-          </a:fontRef>
-        </p:style>
-        <p:txBody>
-          <a:bodyPr rtlCol="0" anchor="ctr"/>
-          <a:lstStyle/>
-          <a:p>
-            <a:pPr algn="ctr"/>
-            <a:r>
-              <a:rPr lang="nl-NL" dirty="0"/>
-              <a:t>Voorspelling</a:t>
-            </a:r>
-          </a:p>
-        </p:txBody>
-      </p:sp>
-      <p:cxnSp>
-        <p:nvCxnSpPr>
-          <p:cNvPr id="17" name="Straight Arrow Connector 16">
-            <a:extLst>
-              <a:ext uri="{FF2B5EF4-FFF2-40B4-BE49-F238E27FC236}">
-                <a16:creationId xmlns:a16="http://schemas.microsoft.com/office/drawing/2014/main" id="{9AA1BFE4-AECF-A957-D0D5-5B89FE926C2D}"/>
-              </a:ext>
-            </a:extLst>
-          </p:cNvPr>
-          <p:cNvCxnSpPr>
-            <a:cxnSpLocks/>
-            <a:stCxn id="6" idx="3"/>
-            <a:endCxn id="29" idx="1"/>
-          </p:cNvCxnSpPr>
-          <p:nvPr/>
-        </p:nvCxnSpPr>
-        <p:spPr>
-          <a:xfrm flipV="1">
-            <a:off x="3559629" y="4527841"/>
-            <a:ext cx="688523" cy="1703"/>
-          </a:xfrm>
-          <a:prstGeom prst="straightConnector1">
-            <a:avLst/>
-          </a:prstGeom>
-          <a:ln>
-            <a:tailEnd type="triangle"/>
-          </a:ln>
-        </p:spPr>
-        <p:style>
-          <a:lnRef idx="3">
-            <a:schemeClr val="dk1"/>
-          </a:lnRef>
-          <a:fillRef idx="0">
-            <a:schemeClr val="dk1"/>
-          </a:fillRef>
-          <a:effectRef idx="2">
-            <a:schemeClr val="dk1"/>
-          </a:effectRef>
-          <a:fontRef idx="minor">
-            <a:schemeClr val="tx1"/>
-          </a:fontRef>
-        </p:style>
-      </p:cxnSp>
-      <p:cxnSp>
-        <p:nvCxnSpPr>
-          <p:cNvPr id="19" name="Straight Arrow Connector 18">
-            <a:extLst>
-              <a:ext uri="{FF2B5EF4-FFF2-40B4-BE49-F238E27FC236}">
-                <a16:creationId xmlns:a16="http://schemas.microsoft.com/office/drawing/2014/main" id="{732D8E31-4E5A-53C3-967E-9B05BD33FA82}"/>
-              </a:ext>
-            </a:extLst>
-          </p:cNvPr>
-          <p:cNvCxnSpPr>
-            <a:cxnSpLocks/>
-            <a:stCxn id="29" idx="3"/>
-            <a:endCxn id="7" idx="1"/>
-          </p:cNvCxnSpPr>
-          <p:nvPr/>
-        </p:nvCxnSpPr>
-        <p:spPr>
-          <a:xfrm>
-            <a:off x="5822226" y="4527841"/>
-            <a:ext cx="688524" cy="1704"/>
-          </a:xfrm>
-          <a:prstGeom prst="straightConnector1">
-            <a:avLst/>
-          </a:prstGeom>
-          <a:ln>
-            <a:tailEnd type="triangle"/>
-          </a:ln>
-        </p:spPr>
-        <p:style>
-          <a:lnRef idx="3">
-            <a:schemeClr val="dk1"/>
-          </a:lnRef>
-          <a:fillRef idx="0">
-            <a:schemeClr val="dk1"/>
-          </a:fillRef>
-          <a:effectRef idx="2">
-            <a:schemeClr val="dk1"/>
-          </a:effectRef>
-          <a:fontRef idx="minor">
-            <a:schemeClr val="tx1"/>
-          </a:fontRef>
-        </p:style>
-      </p:cxnSp>
-      <p:cxnSp>
-        <p:nvCxnSpPr>
-          <p:cNvPr id="22" name="Straight Arrow Connector 21">
-            <a:extLst>
-              <a:ext uri="{FF2B5EF4-FFF2-40B4-BE49-F238E27FC236}">
-                <a16:creationId xmlns:a16="http://schemas.microsoft.com/office/drawing/2014/main" id="{BD591FEB-E40A-5883-527D-5C938694ACFB}"/>
-              </a:ext>
-            </a:extLst>
-          </p:cNvPr>
-          <p:cNvCxnSpPr>
-            <a:stCxn id="7" idx="3"/>
-            <a:endCxn id="14" idx="1"/>
-          </p:cNvCxnSpPr>
-          <p:nvPr/>
-        </p:nvCxnSpPr>
-        <p:spPr>
-          <a:xfrm flipV="1">
-            <a:off x="8951327" y="4527842"/>
-            <a:ext cx="688523" cy="1703"/>
-          </a:xfrm>
-          <a:prstGeom prst="straightConnector1">
-            <a:avLst/>
-          </a:prstGeom>
-          <a:ln>
-            <a:tailEnd type="triangle"/>
-          </a:ln>
-        </p:spPr>
-        <p:style>
-          <a:lnRef idx="3">
-            <a:schemeClr val="dk1"/>
-          </a:lnRef>
-          <a:fillRef idx="0">
-            <a:schemeClr val="dk1"/>
-          </a:fillRef>
-          <a:effectRef idx="2">
-            <a:schemeClr val="dk1"/>
-          </a:effectRef>
-          <a:fontRef idx="minor">
-            <a:schemeClr val="tx1"/>
-          </a:fontRef>
-        </p:style>
-      </p:cxnSp>
-      <p:cxnSp>
-        <p:nvCxnSpPr>
-          <p:cNvPr id="24" name="Straight Arrow Connector 23">
-            <a:extLst>
-              <a:ext uri="{FF2B5EF4-FFF2-40B4-BE49-F238E27FC236}">
-                <a16:creationId xmlns:a16="http://schemas.microsoft.com/office/drawing/2014/main" id="{926D003C-9F25-39B0-F989-A5E70674A1AA}"/>
-              </a:ext>
-            </a:extLst>
-          </p:cNvPr>
-          <p:cNvCxnSpPr>
-            <a:stCxn id="8" idx="2"/>
-            <a:endCxn id="6" idx="0"/>
-          </p:cNvCxnSpPr>
-          <p:nvPr/>
-        </p:nvCxnSpPr>
-        <p:spPr>
-          <a:xfrm>
-            <a:off x="2339341" y="2721516"/>
-            <a:ext cx="0" cy="772796"/>
-          </a:xfrm>
-          <a:prstGeom prst="straightConnector1">
-            <a:avLst/>
-          </a:prstGeom>
-          <a:ln>
-            <a:tailEnd type="triangle"/>
-          </a:ln>
-        </p:spPr>
-        <p:style>
-          <a:lnRef idx="3">
-            <a:schemeClr val="dk1"/>
-          </a:lnRef>
-          <a:fillRef idx="0">
-            <a:schemeClr val="dk1"/>
-          </a:fillRef>
-          <a:effectRef idx="2">
-            <a:schemeClr val="dk1"/>
-          </a:effectRef>
-          <a:fontRef idx="minor">
-            <a:schemeClr val="tx1"/>
-          </a:fontRef>
-        </p:style>
-      </p:cxnSp>
-      <p:cxnSp>
-        <p:nvCxnSpPr>
-          <p:cNvPr id="26" name="Straight Arrow Connector 25">
-            <a:extLst>
-              <a:ext uri="{FF2B5EF4-FFF2-40B4-BE49-F238E27FC236}">
-                <a16:creationId xmlns:a16="http://schemas.microsoft.com/office/drawing/2014/main" id="{53338556-318B-747A-4F1C-21E738F16174}"/>
-              </a:ext>
-            </a:extLst>
-          </p:cNvPr>
-          <p:cNvCxnSpPr>
-            <a:stCxn id="9" idx="2"/>
-            <a:endCxn id="7" idx="0"/>
-          </p:cNvCxnSpPr>
-          <p:nvPr/>
-        </p:nvCxnSpPr>
-        <p:spPr>
-          <a:xfrm>
-            <a:off x="7731038" y="2721516"/>
-            <a:ext cx="1" cy="772797"/>
-          </a:xfrm>
-          <a:prstGeom prst="straightConnector1">
-            <a:avLst/>
-          </a:prstGeom>
-          <a:ln>
-            <a:tailEnd type="triangle"/>
-          </a:ln>
-        </p:spPr>
-        <p:style>
-          <a:lnRef idx="3">
-            <a:schemeClr val="dk1"/>
-          </a:lnRef>
-          <a:fillRef idx="0">
-            <a:schemeClr val="dk1"/>
-          </a:fillRef>
-          <a:effectRef idx="2">
-            <a:schemeClr val="dk1"/>
-          </a:effectRef>
-          <a:fontRef idx="minor">
-            <a:schemeClr val="tx1"/>
-          </a:fontRef>
-        </p:style>
-      </p:cxnSp>
-      <p:sp>
-        <p:nvSpPr>
-          <p:cNvPr id="29" name="Rectangle: Rounded Corners 28">
-            <a:extLst>
-              <a:ext uri="{FF2B5EF4-FFF2-40B4-BE49-F238E27FC236}">
-                <a16:creationId xmlns:a16="http://schemas.microsoft.com/office/drawing/2014/main" id="{863D9589-CDB7-2989-9954-8509CA1E905A}"/>
-              </a:ext>
-            </a:extLst>
-          </p:cNvPr>
-          <p:cNvSpPr/>
-          <p:nvPr/>
-        </p:nvSpPr>
-        <p:spPr>
-          <a:xfrm>
-            <a:off x="4248152" y="4139221"/>
-            <a:ext cx="1574074" cy="777240"/>
-          </a:xfrm>
-          <a:prstGeom prst="roundRect">
-            <a:avLst/>
-          </a:prstGeom>
-        </p:spPr>
-        <p:style>
-          <a:lnRef idx="1">
-            <a:schemeClr val="accent2"/>
-          </a:lnRef>
-          <a:fillRef idx="2">
-            <a:schemeClr val="accent2"/>
-          </a:fillRef>
-          <a:effectRef idx="1">
-            <a:schemeClr val="accent2"/>
-          </a:effectRef>
-          <a:fontRef idx="minor">
-            <a:schemeClr val="dk1"/>
-          </a:fontRef>
-        </p:style>
-        <p:txBody>
-          <a:bodyPr rtlCol="0" anchor="ctr"/>
-          <a:lstStyle/>
-          <a:p>
-            <a:pPr algn="ctr"/>
-            <a:r>
-              <a:rPr lang="nl-NL" dirty="0"/>
-              <a:t>Model</a:t>
-            </a:r>
+            <a:endParaRPr lang="en-NL"/>
           </a:p>
         </p:txBody>
       </p:sp>
@@ -16836,8 +16714,4613 @@
           <a:lstStyle/>
           <a:p>
             <a:r>
+              <a:rPr lang="nl-NL" sz="3600" noProof="0" dirty="0" err="1"/>
+              <a:t>MLOps</a:t>
+            </a:r>
+            <a:r>
               <a:rPr lang="nl-NL" sz="3600" noProof="0" dirty="0"/>
-              <a:t>Waar op te letten?</a:t>
+              <a:t> cyclus</a:t>
+            </a:r>
+          </a:p>
+        </p:txBody>
+      </p:sp>
+      <p:pic>
+        <p:nvPicPr>
+          <p:cNvPr id="10" name="Picture 9">
+            <a:extLst>
+              <a:ext uri="{FF2B5EF4-FFF2-40B4-BE49-F238E27FC236}">
+                <a16:creationId xmlns:a16="http://schemas.microsoft.com/office/drawing/2014/main" id="{687C3E92-5216-597F-6D18-5A36D8DB7E4C}"/>
+              </a:ext>
+            </a:extLst>
+          </p:cNvPr>
+          <p:cNvPicPr>
+            <a:picLocks noChangeAspect="1"/>
+          </p:cNvPicPr>
+          <p:nvPr/>
+        </p:nvPicPr>
+        <p:blipFill>
+          <a:blip r:embed="rId2">
+            <a:extLst>
+              <a:ext uri="{28A0092B-C50C-407E-A947-70E740481C1C}">
+                <a14:useLocalDpi xmlns:a14="http://schemas.microsoft.com/office/drawing/2010/main" val="0"/>
+              </a:ext>
+            </a:extLst>
+          </a:blip>
+          <a:stretch>
+            <a:fillRect/>
+          </a:stretch>
+        </p:blipFill>
+        <p:spPr>
+          <a:xfrm>
+            <a:off x="2235720" y="1687460"/>
+            <a:ext cx="7720559" cy="3920328"/>
+          </a:xfrm>
+          <a:prstGeom prst="rect">
+            <a:avLst/>
+          </a:prstGeom>
+        </p:spPr>
+      </p:pic>
+    </p:spTree>
+    <p:extLst>
+      <p:ext uri="{BB962C8B-B14F-4D97-AF65-F5344CB8AC3E}">
+        <p14:creationId xmlns:p14="http://schemas.microsoft.com/office/powerpoint/2010/main" val="4164616908"/>
+      </p:ext>
+    </p:extLst>
+  </p:cSld>
+  <p:clrMapOvr>
+    <a:masterClrMapping/>
+  </p:clrMapOvr>
+</p:sld>
+</file>
+
+<file path=ppt/slides/slide34.xml><?xml version="1.0" encoding="utf-8"?>
+<p:sld xmlns:a="http://schemas.openxmlformats.org/drawingml/2006/main" xmlns:r="http://schemas.openxmlformats.org/officeDocument/2006/relationships" xmlns:p="http://schemas.openxmlformats.org/presentationml/2006/main">
+  <p:cSld>
+    <p:spTree>
+      <p:nvGrpSpPr>
+        <p:cNvPr id="1" name=""/>
+        <p:cNvGrpSpPr/>
+        <p:nvPr/>
+      </p:nvGrpSpPr>
+      <p:grpSpPr>
+        <a:xfrm>
+          <a:off x="0" y="0"/>
+          <a:ext cx="0" cy="0"/>
+          <a:chOff x="0" y="0"/>
+          <a:chExt cx="0" cy="0"/>
+        </a:xfrm>
+      </p:grpSpPr>
+      <p:sp>
+        <p:nvSpPr>
+          <p:cNvPr id="2" name="Title 1">
+            <a:extLst>
+              <a:ext uri="{FF2B5EF4-FFF2-40B4-BE49-F238E27FC236}">
+                <a16:creationId xmlns:a16="http://schemas.microsoft.com/office/drawing/2014/main" id="{39A1D606-8DD1-369C-5C09-471CDD551AD5}"/>
+              </a:ext>
+            </a:extLst>
+          </p:cNvPr>
+          <p:cNvSpPr>
+            <a:spLocks noGrp="1"/>
+          </p:cNvSpPr>
+          <p:nvPr>
+            <p:ph type="title"/>
+          </p:nvPr>
+        </p:nvSpPr>
+        <p:spPr>
+          <a:xfrm>
+            <a:off x="838200" y="365126"/>
+            <a:ext cx="10515600" cy="718608"/>
+          </a:xfrm>
+        </p:spPr>
+        <p:txBody>
+          <a:bodyPr>
+            <a:normAutofit/>
+          </a:bodyPr>
+          <a:lstStyle/>
+          <a:p>
+            <a:r>
+              <a:rPr lang="nl-NL" sz="3600" dirty="0"/>
+              <a:t>Naar productie!</a:t>
+            </a:r>
+            <a:endParaRPr lang="nl-NL" sz="3600" noProof="0" dirty="0"/>
+          </a:p>
+        </p:txBody>
+      </p:sp>
+      <p:sp>
+        <p:nvSpPr>
+          <p:cNvPr id="6" name="Rectangle 5">
+            <a:extLst>
+              <a:ext uri="{FF2B5EF4-FFF2-40B4-BE49-F238E27FC236}">
+                <a16:creationId xmlns:a16="http://schemas.microsoft.com/office/drawing/2014/main" id="{B32E2B49-6A16-A1DE-7F5E-041E6F9732FF}"/>
+              </a:ext>
+            </a:extLst>
+          </p:cNvPr>
+          <p:cNvSpPr/>
+          <p:nvPr/>
+        </p:nvSpPr>
+        <p:spPr>
+          <a:xfrm>
+            <a:off x="1119052" y="3494312"/>
+            <a:ext cx="2440577" cy="2070463"/>
+          </a:xfrm>
+          <a:prstGeom prst="rect">
+            <a:avLst/>
+          </a:prstGeom>
+        </p:spPr>
+        <p:style>
+          <a:lnRef idx="1">
+            <a:schemeClr val="accent6"/>
+          </a:lnRef>
+          <a:fillRef idx="2">
+            <a:schemeClr val="accent6"/>
+          </a:fillRef>
+          <a:effectRef idx="1">
+            <a:schemeClr val="accent6"/>
+          </a:effectRef>
+          <a:fontRef idx="minor">
+            <a:schemeClr val="dk1"/>
+          </a:fontRef>
+        </p:style>
+        <p:txBody>
+          <a:bodyPr rtlCol="0" anchor="ctr"/>
+          <a:lstStyle/>
+          <a:p>
+            <a:pPr algn="ctr"/>
+            <a:r>
+              <a:rPr lang="nl-NL"/>
+              <a:t>Training omgeving</a:t>
+            </a:r>
+          </a:p>
+        </p:txBody>
+      </p:sp>
+      <p:sp>
+        <p:nvSpPr>
+          <p:cNvPr id="7" name="Rectangle 6">
+            <a:extLst>
+              <a:ext uri="{FF2B5EF4-FFF2-40B4-BE49-F238E27FC236}">
+                <a16:creationId xmlns:a16="http://schemas.microsoft.com/office/drawing/2014/main" id="{D7AC7AB4-D61A-0671-093A-D3C8149D6127}"/>
+              </a:ext>
+            </a:extLst>
+          </p:cNvPr>
+          <p:cNvSpPr/>
+          <p:nvPr/>
+        </p:nvSpPr>
+        <p:spPr>
+          <a:xfrm>
+            <a:off x="6510750" y="3494313"/>
+            <a:ext cx="2440577" cy="2070463"/>
+          </a:xfrm>
+          <a:prstGeom prst="rect">
+            <a:avLst/>
+          </a:prstGeom>
+        </p:spPr>
+        <p:style>
+          <a:lnRef idx="1">
+            <a:schemeClr val="accent5"/>
+          </a:lnRef>
+          <a:fillRef idx="2">
+            <a:schemeClr val="accent5"/>
+          </a:fillRef>
+          <a:effectRef idx="1">
+            <a:schemeClr val="accent5"/>
+          </a:effectRef>
+          <a:fontRef idx="minor">
+            <a:schemeClr val="dk1"/>
+          </a:fontRef>
+        </p:style>
+        <p:txBody>
+          <a:bodyPr rtlCol="0" anchor="ctr"/>
+          <a:lstStyle/>
+          <a:p>
+            <a:pPr algn="ctr"/>
+            <a:r>
+              <a:rPr lang="nl-NL" dirty="0"/>
+              <a:t>Scoring omgeving</a:t>
+            </a:r>
+          </a:p>
+        </p:txBody>
+      </p:sp>
+      <p:sp>
+        <p:nvSpPr>
+          <p:cNvPr id="8" name="Rectangle 7">
+            <a:extLst>
+              <a:ext uri="{FF2B5EF4-FFF2-40B4-BE49-F238E27FC236}">
+                <a16:creationId xmlns:a16="http://schemas.microsoft.com/office/drawing/2014/main" id="{21BF7B99-FC60-5852-E264-562437EEA80E}"/>
+              </a:ext>
+            </a:extLst>
+          </p:cNvPr>
+          <p:cNvSpPr/>
+          <p:nvPr/>
+        </p:nvSpPr>
+        <p:spPr>
+          <a:xfrm>
+            <a:off x="1119052" y="1774459"/>
+            <a:ext cx="2440577" cy="947057"/>
+          </a:xfrm>
+          <a:prstGeom prst="rect">
+            <a:avLst/>
+          </a:prstGeom>
+        </p:spPr>
+        <p:style>
+          <a:lnRef idx="1">
+            <a:schemeClr val="accent4"/>
+          </a:lnRef>
+          <a:fillRef idx="2">
+            <a:schemeClr val="accent4"/>
+          </a:fillRef>
+          <a:effectRef idx="1">
+            <a:schemeClr val="accent4"/>
+          </a:effectRef>
+          <a:fontRef idx="minor">
+            <a:schemeClr val="dk1"/>
+          </a:fontRef>
+        </p:style>
+        <p:txBody>
+          <a:bodyPr rtlCol="0" anchor="ctr"/>
+          <a:lstStyle/>
+          <a:p>
+            <a:pPr algn="ctr"/>
+            <a:r>
+              <a:rPr lang="nl-NL"/>
+              <a:t>Training Data</a:t>
+            </a:r>
+          </a:p>
+        </p:txBody>
+      </p:sp>
+      <p:sp>
+        <p:nvSpPr>
+          <p:cNvPr id="9" name="Rectangle 8">
+            <a:extLst>
+              <a:ext uri="{FF2B5EF4-FFF2-40B4-BE49-F238E27FC236}">
+                <a16:creationId xmlns:a16="http://schemas.microsoft.com/office/drawing/2014/main" id="{2ABCA7DB-5B45-060C-B58D-6E39BE3475FB}"/>
+              </a:ext>
+            </a:extLst>
+          </p:cNvPr>
+          <p:cNvSpPr/>
+          <p:nvPr/>
+        </p:nvSpPr>
+        <p:spPr>
+          <a:xfrm>
+            <a:off x="6510749" y="1774459"/>
+            <a:ext cx="2440577" cy="947057"/>
+          </a:xfrm>
+          <a:prstGeom prst="rect">
+            <a:avLst/>
+          </a:prstGeom>
+        </p:spPr>
+        <p:style>
+          <a:lnRef idx="1">
+            <a:schemeClr val="accent4"/>
+          </a:lnRef>
+          <a:fillRef idx="2">
+            <a:schemeClr val="accent4"/>
+          </a:fillRef>
+          <a:effectRef idx="1">
+            <a:schemeClr val="accent4"/>
+          </a:effectRef>
+          <a:fontRef idx="minor">
+            <a:schemeClr val="dk1"/>
+          </a:fontRef>
+        </p:style>
+        <p:txBody>
+          <a:bodyPr rtlCol="0" anchor="ctr"/>
+          <a:lstStyle/>
+          <a:p>
+            <a:pPr algn="ctr"/>
+            <a:r>
+              <a:rPr lang="nl-NL"/>
+              <a:t>Scoring Data</a:t>
+            </a:r>
+          </a:p>
+        </p:txBody>
+      </p:sp>
+      <p:sp>
+        <p:nvSpPr>
+          <p:cNvPr id="14" name="Rectangle: Rounded Corners 13">
+            <a:extLst>
+              <a:ext uri="{FF2B5EF4-FFF2-40B4-BE49-F238E27FC236}">
+                <a16:creationId xmlns:a16="http://schemas.microsoft.com/office/drawing/2014/main" id="{09717716-BF59-0EB3-97A8-9968CA5A1E00}"/>
+              </a:ext>
+            </a:extLst>
+          </p:cNvPr>
+          <p:cNvSpPr/>
+          <p:nvPr/>
+        </p:nvSpPr>
+        <p:spPr>
+          <a:xfrm>
+            <a:off x="9639850" y="4139222"/>
+            <a:ext cx="1574074" cy="777240"/>
+          </a:xfrm>
+          <a:prstGeom prst="roundRect">
+            <a:avLst/>
+          </a:prstGeom>
+        </p:spPr>
+        <p:style>
+          <a:lnRef idx="1">
+            <a:schemeClr val="accent5"/>
+          </a:lnRef>
+          <a:fillRef idx="2">
+            <a:schemeClr val="accent5"/>
+          </a:fillRef>
+          <a:effectRef idx="1">
+            <a:schemeClr val="accent5"/>
+          </a:effectRef>
+          <a:fontRef idx="minor">
+            <a:schemeClr val="dk1"/>
+          </a:fontRef>
+        </p:style>
+        <p:txBody>
+          <a:bodyPr rtlCol="0" anchor="ctr"/>
+          <a:lstStyle/>
+          <a:p>
+            <a:pPr algn="ctr"/>
+            <a:r>
+              <a:rPr lang="nl-NL" dirty="0"/>
+              <a:t>Voorspelling</a:t>
+            </a:r>
+          </a:p>
+        </p:txBody>
+      </p:sp>
+      <p:cxnSp>
+        <p:nvCxnSpPr>
+          <p:cNvPr id="17" name="Straight Arrow Connector 16">
+            <a:extLst>
+              <a:ext uri="{FF2B5EF4-FFF2-40B4-BE49-F238E27FC236}">
+                <a16:creationId xmlns:a16="http://schemas.microsoft.com/office/drawing/2014/main" id="{9AA1BFE4-AECF-A957-D0D5-5B89FE926C2D}"/>
+              </a:ext>
+            </a:extLst>
+          </p:cNvPr>
+          <p:cNvCxnSpPr>
+            <a:cxnSpLocks/>
+            <a:stCxn id="6" idx="3"/>
+            <a:endCxn id="29" idx="1"/>
+          </p:cNvCxnSpPr>
+          <p:nvPr/>
+        </p:nvCxnSpPr>
+        <p:spPr>
+          <a:xfrm flipV="1">
+            <a:off x="3559629" y="4527841"/>
+            <a:ext cx="688523" cy="1703"/>
+          </a:xfrm>
+          <a:prstGeom prst="straightConnector1">
+            <a:avLst/>
+          </a:prstGeom>
+          <a:ln>
+            <a:tailEnd type="triangle"/>
+          </a:ln>
+        </p:spPr>
+        <p:style>
+          <a:lnRef idx="3">
+            <a:schemeClr val="dk1"/>
+          </a:lnRef>
+          <a:fillRef idx="0">
+            <a:schemeClr val="dk1"/>
+          </a:fillRef>
+          <a:effectRef idx="2">
+            <a:schemeClr val="dk1"/>
+          </a:effectRef>
+          <a:fontRef idx="minor">
+            <a:schemeClr val="tx1"/>
+          </a:fontRef>
+        </p:style>
+      </p:cxnSp>
+      <p:cxnSp>
+        <p:nvCxnSpPr>
+          <p:cNvPr id="19" name="Straight Arrow Connector 18">
+            <a:extLst>
+              <a:ext uri="{FF2B5EF4-FFF2-40B4-BE49-F238E27FC236}">
+                <a16:creationId xmlns:a16="http://schemas.microsoft.com/office/drawing/2014/main" id="{732D8E31-4E5A-53C3-967E-9B05BD33FA82}"/>
+              </a:ext>
+            </a:extLst>
+          </p:cNvPr>
+          <p:cNvCxnSpPr>
+            <a:cxnSpLocks/>
+            <a:stCxn id="29" idx="3"/>
+            <a:endCxn id="7" idx="1"/>
+          </p:cNvCxnSpPr>
+          <p:nvPr/>
+        </p:nvCxnSpPr>
+        <p:spPr>
+          <a:xfrm>
+            <a:off x="5822226" y="4527841"/>
+            <a:ext cx="688524" cy="1704"/>
+          </a:xfrm>
+          <a:prstGeom prst="straightConnector1">
+            <a:avLst/>
+          </a:prstGeom>
+          <a:ln>
+            <a:tailEnd type="triangle"/>
+          </a:ln>
+        </p:spPr>
+        <p:style>
+          <a:lnRef idx="3">
+            <a:schemeClr val="dk1"/>
+          </a:lnRef>
+          <a:fillRef idx="0">
+            <a:schemeClr val="dk1"/>
+          </a:fillRef>
+          <a:effectRef idx="2">
+            <a:schemeClr val="dk1"/>
+          </a:effectRef>
+          <a:fontRef idx="minor">
+            <a:schemeClr val="tx1"/>
+          </a:fontRef>
+        </p:style>
+      </p:cxnSp>
+      <p:cxnSp>
+        <p:nvCxnSpPr>
+          <p:cNvPr id="22" name="Straight Arrow Connector 21">
+            <a:extLst>
+              <a:ext uri="{FF2B5EF4-FFF2-40B4-BE49-F238E27FC236}">
+                <a16:creationId xmlns:a16="http://schemas.microsoft.com/office/drawing/2014/main" id="{BD591FEB-E40A-5883-527D-5C938694ACFB}"/>
+              </a:ext>
+            </a:extLst>
+          </p:cNvPr>
+          <p:cNvCxnSpPr>
+            <a:stCxn id="7" idx="3"/>
+            <a:endCxn id="14" idx="1"/>
+          </p:cNvCxnSpPr>
+          <p:nvPr/>
+        </p:nvCxnSpPr>
+        <p:spPr>
+          <a:xfrm flipV="1">
+            <a:off x="8951327" y="4527842"/>
+            <a:ext cx="688523" cy="1703"/>
+          </a:xfrm>
+          <a:prstGeom prst="straightConnector1">
+            <a:avLst/>
+          </a:prstGeom>
+          <a:ln>
+            <a:tailEnd type="triangle"/>
+          </a:ln>
+        </p:spPr>
+        <p:style>
+          <a:lnRef idx="3">
+            <a:schemeClr val="dk1"/>
+          </a:lnRef>
+          <a:fillRef idx="0">
+            <a:schemeClr val="dk1"/>
+          </a:fillRef>
+          <a:effectRef idx="2">
+            <a:schemeClr val="dk1"/>
+          </a:effectRef>
+          <a:fontRef idx="minor">
+            <a:schemeClr val="tx1"/>
+          </a:fontRef>
+        </p:style>
+      </p:cxnSp>
+      <p:cxnSp>
+        <p:nvCxnSpPr>
+          <p:cNvPr id="24" name="Straight Arrow Connector 23">
+            <a:extLst>
+              <a:ext uri="{FF2B5EF4-FFF2-40B4-BE49-F238E27FC236}">
+                <a16:creationId xmlns:a16="http://schemas.microsoft.com/office/drawing/2014/main" id="{926D003C-9F25-39B0-F989-A5E70674A1AA}"/>
+              </a:ext>
+            </a:extLst>
+          </p:cNvPr>
+          <p:cNvCxnSpPr>
+            <a:stCxn id="8" idx="2"/>
+            <a:endCxn id="6" idx="0"/>
+          </p:cNvCxnSpPr>
+          <p:nvPr/>
+        </p:nvCxnSpPr>
+        <p:spPr>
+          <a:xfrm>
+            <a:off x="2339341" y="2721516"/>
+            <a:ext cx="0" cy="772796"/>
+          </a:xfrm>
+          <a:prstGeom prst="straightConnector1">
+            <a:avLst/>
+          </a:prstGeom>
+          <a:ln>
+            <a:tailEnd type="triangle"/>
+          </a:ln>
+        </p:spPr>
+        <p:style>
+          <a:lnRef idx="3">
+            <a:schemeClr val="dk1"/>
+          </a:lnRef>
+          <a:fillRef idx="0">
+            <a:schemeClr val="dk1"/>
+          </a:fillRef>
+          <a:effectRef idx="2">
+            <a:schemeClr val="dk1"/>
+          </a:effectRef>
+          <a:fontRef idx="minor">
+            <a:schemeClr val="tx1"/>
+          </a:fontRef>
+        </p:style>
+      </p:cxnSp>
+      <p:cxnSp>
+        <p:nvCxnSpPr>
+          <p:cNvPr id="26" name="Straight Arrow Connector 25">
+            <a:extLst>
+              <a:ext uri="{FF2B5EF4-FFF2-40B4-BE49-F238E27FC236}">
+                <a16:creationId xmlns:a16="http://schemas.microsoft.com/office/drawing/2014/main" id="{53338556-318B-747A-4F1C-21E738F16174}"/>
+              </a:ext>
+            </a:extLst>
+          </p:cNvPr>
+          <p:cNvCxnSpPr>
+            <a:stCxn id="9" idx="2"/>
+            <a:endCxn id="7" idx="0"/>
+          </p:cNvCxnSpPr>
+          <p:nvPr/>
+        </p:nvCxnSpPr>
+        <p:spPr>
+          <a:xfrm>
+            <a:off x="7731038" y="2721516"/>
+            <a:ext cx="1" cy="772797"/>
+          </a:xfrm>
+          <a:prstGeom prst="straightConnector1">
+            <a:avLst/>
+          </a:prstGeom>
+          <a:ln>
+            <a:tailEnd type="triangle"/>
+          </a:ln>
+        </p:spPr>
+        <p:style>
+          <a:lnRef idx="3">
+            <a:schemeClr val="dk1"/>
+          </a:lnRef>
+          <a:fillRef idx="0">
+            <a:schemeClr val="dk1"/>
+          </a:fillRef>
+          <a:effectRef idx="2">
+            <a:schemeClr val="dk1"/>
+          </a:effectRef>
+          <a:fontRef idx="minor">
+            <a:schemeClr val="tx1"/>
+          </a:fontRef>
+        </p:style>
+      </p:cxnSp>
+      <p:sp>
+        <p:nvSpPr>
+          <p:cNvPr id="29" name="Rectangle: Rounded Corners 28">
+            <a:extLst>
+              <a:ext uri="{FF2B5EF4-FFF2-40B4-BE49-F238E27FC236}">
+                <a16:creationId xmlns:a16="http://schemas.microsoft.com/office/drawing/2014/main" id="{863D9589-CDB7-2989-9954-8509CA1E905A}"/>
+              </a:ext>
+            </a:extLst>
+          </p:cNvPr>
+          <p:cNvSpPr/>
+          <p:nvPr/>
+        </p:nvSpPr>
+        <p:spPr>
+          <a:xfrm>
+            <a:off x="4248152" y="4139221"/>
+            <a:ext cx="1574074" cy="777240"/>
+          </a:xfrm>
+          <a:prstGeom prst="roundRect">
+            <a:avLst/>
+          </a:prstGeom>
+        </p:spPr>
+        <p:style>
+          <a:lnRef idx="1">
+            <a:schemeClr val="accent6"/>
+          </a:lnRef>
+          <a:fillRef idx="2">
+            <a:schemeClr val="accent6"/>
+          </a:fillRef>
+          <a:effectRef idx="1">
+            <a:schemeClr val="accent6"/>
+          </a:effectRef>
+          <a:fontRef idx="minor">
+            <a:schemeClr val="dk1"/>
+          </a:fontRef>
+        </p:style>
+        <p:txBody>
+          <a:bodyPr rtlCol="0" anchor="ctr"/>
+          <a:lstStyle/>
+          <a:p>
+            <a:pPr algn="ctr"/>
+            <a:r>
+              <a:rPr lang="nl-NL" dirty="0"/>
+              <a:t>Model</a:t>
+            </a:r>
+          </a:p>
+        </p:txBody>
+      </p:sp>
+      <p:grpSp>
+        <p:nvGrpSpPr>
+          <p:cNvPr id="11" name="Group 10">
+            <a:extLst>
+              <a:ext uri="{FF2B5EF4-FFF2-40B4-BE49-F238E27FC236}">
+                <a16:creationId xmlns:a16="http://schemas.microsoft.com/office/drawing/2014/main" id="{765F7BFA-C6F7-340C-2E64-ABBE0EEF3BB6}"/>
+              </a:ext>
+            </a:extLst>
+          </p:cNvPr>
+          <p:cNvGrpSpPr/>
+          <p:nvPr/>
+        </p:nvGrpSpPr>
+        <p:grpSpPr>
+          <a:xfrm>
+            <a:off x="4518768" y="1631858"/>
+            <a:ext cx="1032841" cy="1232258"/>
+            <a:chOff x="4518061" y="1732274"/>
+            <a:chExt cx="1032841" cy="1232258"/>
+          </a:xfrm>
+        </p:grpSpPr>
+        <p:pic>
+          <p:nvPicPr>
+            <p:cNvPr id="4" name="Graphic 3" descr="Scientist">
+              <a:extLst>
+                <a:ext uri="{FF2B5EF4-FFF2-40B4-BE49-F238E27FC236}">
+                  <a16:creationId xmlns:a16="http://schemas.microsoft.com/office/drawing/2014/main" id="{1FDE4056-6A38-A8B7-FCDF-CFF4414F3C34}"/>
+                </a:ext>
+              </a:extLst>
+            </p:cNvPr>
+            <p:cNvPicPr>
+              <a:picLocks noChangeAspect="1"/>
+            </p:cNvPicPr>
+            <p:nvPr/>
+          </p:nvPicPr>
+          <p:blipFill>
+            <a:blip r:embed="rId2">
+              <a:extLst>
+                <a:ext uri="{28A0092B-C50C-407E-A947-70E740481C1C}">
+                  <a14:useLocalDpi xmlns:a14="http://schemas.microsoft.com/office/drawing/2010/main" val="0"/>
+                </a:ext>
+                <a:ext uri="{96DAC541-7B7A-43D3-8B79-37D633B846F1}">
+                  <asvg:svgBlip xmlns:asvg="http://schemas.microsoft.com/office/drawing/2016/SVG/main" r:embed="rId3"/>
+                </a:ext>
+              </a:extLst>
+            </a:blip>
+            <a:stretch>
+              <a:fillRect/>
+            </a:stretch>
+          </p:blipFill>
+          <p:spPr>
+            <a:xfrm>
+              <a:off x="4519476" y="1732274"/>
+              <a:ext cx="1031426" cy="1031426"/>
+            </a:xfrm>
+            <a:prstGeom prst="rect">
+              <a:avLst/>
+            </a:prstGeom>
+          </p:spPr>
+        </p:pic>
+        <p:sp>
+          <p:nvSpPr>
+            <p:cNvPr id="5" name="TextBox 4">
+              <a:extLst>
+                <a:ext uri="{FF2B5EF4-FFF2-40B4-BE49-F238E27FC236}">
+                  <a16:creationId xmlns:a16="http://schemas.microsoft.com/office/drawing/2014/main" id="{185A75EE-B2B1-0DEB-BF43-9307B82D8785}"/>
+                </a:ext>
+              </a:extLst>
+            </p:cNvPr>
+            <p:cNvSpPr txBox="1"/>
+            <p:nvPr/>
+          </p:nvSpPr>
+          <p:spPr>
+            <a:xfrm>
+              <a:off x="4518061" y="2687533"/>
+              <a:ext cx="1024639" cy="276999"/>
+            </a:xfrm>
+            <a:prstGeom prst="rect">
+              <a:avLst/>
+            </a:prstGeom>
+            <a:noFill/>
+          </p:spPr>
+          <p:txBody>
+            <a:bodyPr wrap="none" rtlCol="0">
+              <a:spAutoFit/>
+            </a:bodyPr>
+            <a:lstStyle/>
+            <a:p>
+              <a:r>
+                <a:rPr lang="en-US" sz="1200" dirty="0"/>
+                <a:t>Data Scientist</a:t>
+              </a:r>
+              <a:endParaRPr lang="en-NL" sz="1200" dirty="0"/>
+            </a:p>
+          </p:txBody>
+        </p:sp>
+      </p:grpSp>
+      <p:cxnSp>
+        <p:nvCxnSpPr>
+          <p:cNvPr id="13" name="Straight Arrow Connector 12">
+            <a:extLst>
+              <a:ext uri="{FF2B5EF4-FFF2-40B4-BE49-F238E27FC236}">
+                <a16:creationId xmlns:a16="http://schemas.microsoft.com/office/drawing/2014/main" id="{E78001DC-506D-2869-D6A8-9379D514B144}"/>
+              </a:ext>
+            </a:extLst>
+          </p:cNvPr>
+          <p:cNvCxnSpPr>
+            <a:endCxn id="8" idx="3"/>
+          </p:cNvCxnSpPr>
+          <p:nvPr/>
+        </p:nvCxnSpPr>
+        <p:spPr>
+          <a:xfrm flipH="1">
+            <a:off x="3559629" y="2247987"/>
+            <a:ext cx="901334" cy="1"/>
+          </a:xfrm>
+          <a:prstGeom prst="straightConnector1">
+            <a:avLst/>
+          </a:prstGeom>
+          <a:ln>
+            <a:tailEnd type="triangle"/>
+          </a:ln>
+        </p:spPr>
+        <p:style>
+          <a:lnRef idx="3">
+            <a:schemeClr val="dk1"/>
+          </a:lnRef>
+          <a:fillRef idx="0">
+            <a:schemeClr val="dk1"/>
+          </a:fillRef>
+          <a:effectRef idx="2">
+            <a:schemeClr val="dk1"/>
+          </a:effectRef>
+          <a:fontRef idx="minor">
+            <a:schemeClr val="tx1"/>
+          </a:fontRef>
+        </p:style>
+      </p:cxnSp>
+      <p:cxnSp>
+        <p:nvCxnSpPr>
+          <p:cNvPr id="16" name="Straight Arrow Connector 15">
+            <a:extLst>
+              <a:ext uri="{FF2B5EF4-FFF2-40B4-BE49-F238E27FC236}">
+                <a16:creationId xmlns:a16="http://schemas.microsoft.com/office/drawing/2014/main" id="{5D29F043-07F8-B8F8-CD83-6489E6E77DA7}"/>
+              </a:ext>
+            </a:extLst>
+          </p:cNvPr>
+          <p:cNvCxnSpPr/>
+          <p:nvPr/>
+        </p:nvCxnSpPr>
+        <p:spPr>
+          <a:xfrm flipH="1">
+            <a:off x="3559629" y="2289022"/>
+            <a:ext cx="959139" cy="1203588"/>
+          </a:xfrm>
+          <a:prstGeom prst="straightConnector1">
+            <a:avLst/>
+          </a:prstGeom>
+          <a:ln>
+            <a:tailEnd type="triangle"/>
+          </a:ln>
+        </p:spPr>
+        <p:style>
+          <a:lnRef idx="3">
+            <a:schemeClr val="dk1"/>
+          </a:lnRef>
+          <a:fillRef idx="0">
+            <a:schemeClr val="dk1"/>
+          </a:fillRef>
+          <a:effectRef idx="2">
+            <a:schemeClr val="dk1"/>
+          </a:effectRef>
+          <a:fontRef idx="minor">
+            <a:schemeClr val="tx1"/>
+          </a:fontRef>
+        </p:style>
+      </p:cxnSp>
+      <p:grpSp>
+        <p:nvGrpSpPr>
+          <p:cNvPr id="23" name="Group 22">
+            <a:extLst>
+              <a:ext uri="{FF2B5EF4-FFF2-40B4-BE49-F238E27FC236}">
+                <a16:creationId xmlns:a16="http://schemas.microsoft.com/office/drawing/2014/main" id="{CD0AA6A3-911D-66EB-13A6-831A34F5841C}"/>
+              </a:ext>
+            </a:extLst>
+          </p:cNvPr>
+          <p:cNvGrpSpPr/>
+          <p:nvPr/>
+        </p:nvGrpSpPr>
+        <p:grpSpPr>
+          <a:xfrm>
+            <a:off x="9910033" y="1680049"/>
+            <a:ext cx="1033272" cy="1125738"/>
+            <a:chOff x="10039676" y="1605738"/>
+            <a:chExt cx="1033272" cy="1125738"/>
+          </a:xfrm>
+        </p:grpSpPr>
+        <p:pic>
+          <p:nvPicPr>
+            <p:cNvPr id="20" name="Graphic 19" descr="Users">
+              <a:extLst>
+                <a:ext uri="{FF2B5EF4-FFF2-40B4-BE49-F238E27FC236}">
+                  <a16:creationId xmlns:a16="http://schemas.microsoft.com/office/drawing/2014/main" id="{C81F13C8-A21B-E783-BB1E-DCEF71DE4855}"/>
+                </a:ext>
+              </a:extLst>
+            </p:cNvPr>
+            <p:cNvPicPr>
+              <a:picLocks noChangeAspect="1"/>
+            </p:cNvPicPr>
+            <p:nvPr/>
+          </p:nvPicPr>
+          <p:blipFill>
+            <a:blip r:embed="rId4">
+              <a:extLst>
+                <a:ext uri="{28A0092B-C50C-407E-A947-70E740481C1C}">
+                  <a14:useLocalDpi xmlns:a14="http://schemas.microsoft.com/office/drawing/2010/main" val="0"/>
+                </a:ext>
+                <a:ext uri="{96DAC541-7B7A-43D3-8B79-37D633B846F1}">
+                  <asvg:svgBlip xmlns:asvg="http://schemas.microsoft.com/office/drawing/2016/SVG/main" r:embed="rId5"/>
+                </a:ext>
+              </a:extLst>
+            </a:blip>
+            <a:stretch>
+              <a:fillRect/>
+            </a:stretch>
+          </p:blipFill>
+          <p:spPr>
+            <a:xfrm>
+              <a:off x="10039676" y="1605738"/>
+              <a:ext cx="1033272" cy="1033272"/>
+            </a:xfrm>
+            <a:prstGeom prst="rect">
+              <a:avLst/>
+            </a:prstGeom>
+          </p:spPr>
+        </p:pic>
+        <p:sp>
+          <p:nvSpPr>
+            <p:cNvPr id="21" name="TextBox 20">
+              <a:extLst>
+                <a:ext uri="{FF2B5EF4-FFF2-40B4-BE49-F238E27FC236}">
+                  <a16:creationId xmlns:a16="http://schemas.microsoft.com/office/drawing/2014/main" id="{FE0557EE-51C2-C27B-629A-C2C49E0A0069}"/>
+                </a:ext>
+              </a:extLst>
+            </p:cNvPr>
+            <p:cNvSpPr txBox="1"/>
+            <p:nvPr/>
+          </p:nvSpPr>
+          <p:spPr>
+            <a:xfrm>
+              <a:off x="10138986" y="2454477"/>
+              <a:ext cx="861583" cy="276999"/>
+            </a:xfrm>
+            <a:prstGeom prst="rect">
+              <a:avLst/>
+            </a:prstGeom>
+            <a:noFill/>
+          </p:spPr>
+          <p:txBody>
+            <a:bodyPr wrap="none" rtlCol="0">
+              <a:spAutoFit/>
+            </a:bodyPr>
+            <a:lstStyle/>
+            <a:p>
+              <a:r>
+                <a:rPr lang="en-US" sz="1200" dirty="0" err="1"/>
+                <a:t>Gebruikers</a:t>
+              </a:r>
+              <a:endParaRPr lang="en-NL" sz="1200" dirty="0"/>
+            </a:p>
+          </p:txBody>
+        </p:sp>
+      </p:grpSp>
+      <p:cxnSp>
+        <p:nvCxnSpPr>
+          <p:cNvPr id="30" name="Straight Arrow Connector 29">
+            <a:extLst>
+              <a:ext uri="{FF2B5EF4-FFF2-40B4-BE49-F238E27FC236}">
+                <a16:creationId xmlns:a16="http://schemas.microsoft.com/office/drawing/2014/main" id="{D79DA817-2FD0-8B66-B34D-1BD9480EEF1F}"/>
+              </a:ext>
+            </a:extLst>
+          </p:cNvPr>
+          <p:cNvCxnSpPr>
+            <a:endCxn id="9" idx="3"/>
+          </p:cNvCxnSpPr>
+          <p:nvPr/>
+        </p:nvCxnSpPr>
+        <p:spPr>
+          <a:xfrm flipH="1">
+            <a:off x="8951326" y="2242918"/>
+            <a:ext cx="901333" cy="5070"/>
+          </a:xfrm>
+          <a:prstGeom prst="straightConnector1">
+            <a:avLst/>
+          </a:prstGeom>
+          <a:ln>
+            <a:tailEnd type="triangle"/>
+          </a:ln>
+        </p:spPr>
+        <p:style>
+          <a:lnRef idx="3">
+            <a:schemeClr val="dk1"/>
+          </a:lnRef>
+          <a:fillRef idx="0">
+            <a:schemeClr val="dk1"/>
+          </a:fillRef>
+          <a:effectRef idx="2">
+            <a:schemeClr val="dk1"/>
+          </a:effectRef>
+          <a:fontRef idx="minor">
+            <a:schemeClr val="tx1"/>
+          </a:fontRef>
+        </p:style>
+      </p:cxnSp>
+      <p:cxnSp>
+        <p:nvCxnSpPr>
+          <p:cNvPr id="32" name="Straight Arrow Connector 31">
+            <a:extLst>
+              <a:ext uri="{FF2B5EF4-FFF2-40B4-BE49-F238E27FC236}">
+                <a16:creationId xmlns:a16="http://schemas.microsoft.com/office/drawing/2014/main" id="{CD99A209-B0FF-CF20-021E-FE29DED8E91F}"/>
+              </a:ext>
+            </a:extLst>
+          </p:cNvPr>
+          <p:cNvCxnSpPr>
+            <a:endCxn id="21" idx="2"/>
+          </p:cNvCxnSpPr>
+          <p:nvPr/>
+        </p:nvCxnSpPr>
+        <p:spPr>
+          <a:xfrm flipV="1">
+            <a:off x="10426669" y="2805787"/>
+            <a:ext cx="13466" cy="1249164"/>
+          </a:xfrm>
+          <a:prstGeom prst="straightConnector1">
+            <a:avLst/>
+          </a:prstGeom>
+          <a:ln>
+            <a:tailEnd type="triangle"/>
+          </a:ln>
+        </p:spPr>
+        <p:style>
+          <a:lnRef idx="3">
+            <a:schemeClr val="dk1"/>
+          </a:lnRef>
+          <a:fillRef idx="0">
+            <a:schemeClr val="dk1"/>
+          </a:fillRef>
+          <a:effectRef idx="2">
+            <a:schemeClr val="dk1"/>
+          </a:effectRef>
+          <a:fontRef idx="minor">
+            <a:schemeClr val="tx1"/>
+          </a:fontRef>
+        </p:style>
+      </p:cxnSp>
+    </p:spTree>
+    <p:extLst>
+      <p:ext uri="{BB962C8B-B14F-4D97-AF65-F5344CB8AC3E}">
+        <p14:creationId xmlns:p14="http://schemas.microsoft.com/office/powerpoint/2010/main" val="756041438"/>
+      </p:ext>
+    </p:extLst>
+  </p:cSld>
+  <p:clrMapOvr>
+    <a:masterClrMapping/>
+  </p:clrMapOvr>
+</p:sld>
+</file>
+
+<file path=ppt/slides/slide35.xml><?xml version="1.0" encoding="utf-8"?>
+<p:sld xmlns:a="http://schemas.openxmlformats.org/drawingml/2006/main" xmlns:r="http://schemas.openxmlformats.org/officeDocument/2006/relationships" xmlns:p="http://schemas.openxmlformats.org/presentationml/2006/main">
+  <p:cSld>
+    <p:spTree>
+      <p:nvGrpSpPr>
+        <p:cNvPr id="1" name=""/>
+        <p:cNvGrpSpPr/>
+        <p:nvPr/>
+      </p:nvGrpSpPr>
+      <p:grpSpPr>
+        <a:xfrm>
+          <a:off x="0" y="0"/>
+          <a:ext cx="0" cy="0"/>
+          <a:chOff x="0" y="0"/>
+          <a:chExt cx="0" cy="0"/>
+        </a:xfrm>
+      </p:grpSpPr>
+      <p:sp>
+        <p:nvSpPr>
+          <p:cNvPr id="2" name="Title 1">
+            <a:extLst>
+              <a:ext uri="{FF2B5EF4-FFF2-40B4-BE49-F238E27FC236}">
+                <a16:creationId xmlns:a16="http://schemas.microsoft.com/office/drawing/2014/main" id="{39A1D606-8DD1-369C-5C09-471CDD551AD5}"/>
+              </a:ext>
+            </a:extLst>
+          </p:cNvPr>
+          <p:cNvSpPr>
+            <a:spLocks noGrp="1"/>
+          </p:cNvSpPr>
+          <p:nvPr>
+            <p:ph type="title"/>
+          </p:nvPr>
+        </p:nvSpPr>
+        <p:spPr>
+          <a:xfrm>
+            <a:off x="838200" y="365126"/>
+            <a:ext cx="10515600" cy="718608"/>
+          </a:xfrm>
+        </p:spPr>
+        <p:txBody>
+          <a:bodyPr>
+            <a:normAutofit/>
+          </a:bodyPr>
+          <a:lstStyle/>
+          <a:p>
+            <a:r>
+              <a:rPr lang="nl-NL" sz="3600" dirty="0"/>
+              <a:t>Productie problemen</a:t>
+            </a:r>
+            <a:endParaRPr lang="nl-NL" sz="3600" noProof="0" dirty="0"/>
+          </a:p>
+        </p:txBody>
+      </p:sp>
+      <p:sp>
+        <p:nvSpPr>
+          <p:cNvPr id="6" name="Rectangle 5">
+            <a:extLst>
+              <a:ext uri="{FF2B5EF4-FFF2-40B4-BE49-F238E27FC236}">
+                <a16:creationId xmlns:a16="http://schemas.microsoft.com/office/drawing/2014/main" id="{B32E2B49-6A16-A1DE-7F5E-041E6F9732FF}"/>
+              </a:ext>
+            </a:extLst>
+          </p:cNvPr>
+          <p:cNvSpPr/>
+          <p:nvPr/>
+        </p:nvSpPr>
+        <p:spPr>
+          <a:xfrm>
+            <a:off x="1119052" y="3494312"/>
+            <a:ext cx="2440577" cy="2070463"/>
+          </a:xfrm>
+          <a:prstGeom prst="rect">
+            <a:avLst/>
+          </a:prstGeom>
+        </p:spPr>
+        <p:style>
+          <a:lnRef idx="1">
+            <a:schemeClr val="accent6"/>
+          </a:lnRef>
+          <a:fillRef idx="2">
+            <a:schemeClr val="accent6"/>
+          </a:fillRef>
+          <a:effectRef idx="1">
+            <a:schemeClr val="accent6"/>
+          </a:effectRef>
+          <a:fontRef idx="minor">
+            <a:schemeClr val="dk1"/>
+          </a:fontRef>
+        </p:style>
+        <p:txBody>
+          <a:bodyPr rtlCol="0" anchor="ctr"/>
+          <a:lstStyle/>
+          <a:p>
+            <a:pPr algn="ctr"/>
+            <a:r>
+              <a:rPr lang="nl-NL"/>
+              <a:t>Training omgeving</a:t>
+            </a:r>
+          </a:p>
+        </p:txBody>
+      </p:sp>
+      <p:sp>
+        <p:nvSpPr>
+          <p:cNvPr id="7" name="Rectangle 6">
+            <a:extLst>
+              <a:ext uri="{FF2B5EF4-FFF2-40B4-BE49-F238E27FC236}">
+                <a16:creationId xmlns:a16="http://schemas.microsoft.com/office/drawing/2014/main" id="{D7AC7AB4-D61A-0671-093A-D3C8149D6127}"/>
+              </a:ext>
+            </a:extLst>
+          </p:cNvPr>
+          <p:cNvSpPr/>
+          <p:nvPr/>
+        </p:nvSpPr>
+        <p:spPr>
+          <a:xfrm>
+            <a:off x="6510750" y="3494313"/>
+            <a:ext cx="2440577" cy="2070463"/>
+          </a:xfrm>
+          <a:prstGeom prst="rect">
+            <a:avLst/>
+          </a:prstGeom>
+        </p:spPr>
+        <p:style>
+          <a:lnRef idx="1">
+            <a:schemeClr val="accent5"/>
+          </a:lnRef>
+          <a:fillRef idx="2">
+            <a:schemeClr val="accent5"/>
+          </a:fillRef>
+          <a:effectRef idx="1">
+            <a:schemeClr val="accent5"/>
+          </a:effectRef>
+          <a:fontRef idx="minor">
+            <a:schemeClr val="dk1"/>
+          </a:fontRef>
+        </p:style>
+        <p:txBody>
+          <a:bodyPr rtlCol="0" anchor="ctr"/>
+          <a:lstStyle/>
+          <a:p>
+            <a:pPr algn="ctr"/>
+            <a:r>
+              <a:rPr lang="nl-NL" dirty="0"/>
+              <a:t>Scoring omgeving</a:t>
+            </a:r>
+          </a:p>
+        </p:txBody>
+      </p:sp>
+      <p:sp>
+        <p:nvSpPr>
+          <p:cNvPr id="8" name="Rectangle 7">
+            <a:extLst>
+              <a:ext uri="{FF2B5EF4-FFF2-40B4-BE49-F238E27FC236}">
+                <a16:creationId xmlns:a16="http://schemas.microsoft.com/office/drawing/2014/main" id="{21BF7B99-FC60-5852-E264-562437EEA80E}"/>
+              </a:ext>
+            </a:extLst>
+          </p:cNvPr>
+          <p:cNvSpPr/>
+          <p:nvPr/>
+        </p:nvSpPr>
+        <p:spPr>
+          <a:xfrm>
+            <a:off x="1119052" y="1774459"/>
+            <a:ext cx="2440577" cy="947057"/>
+          </a:xfrm>
+          <a:prstGeom prst="rect">
+            <a:avLst/>
+          </a:prstGeom>
+        </p:spPr>
+        <p:style>
+          <a:lnRef idx="1">
+            <a:schemeClr val="accent4"/>
+          </a:lnRef>
+          <a:fillRef idx="2">
+            <a:schemeClr val="accent4"/>
+          </a:fillRef>
+          <a:effectRef idx="1">
+            <a:schemeClr val="accent4"/>
+          </a:effectRef>
+          <a:fontRef idx="minor">
+            <a:schemeClr val="dk1"/>
+          </a:fontRef>
+        </p:style>
+        <p:txBody>
+          <a:bodyPr rtlCol="0" anchor="ctr"/>
+          <a:lstStyle/>
+          <a:p>
+            <a:pPr algn="ctr"/>
+            <a:r>
+              <a:rPr lang="nl-NL"/>
+              <a:t>Training Data</a:t>
+            </a:r>
+          </a:p>
+        </p:txBody>
+      </p:sp>
+      <p:sp>
+        <p:nvSpPr>
+          <p:cNvPr id="9" name="Rectangle 8">
+            <a:extLst>
+              <a:ext uri="{FF2B5EF4-FFF2-40B4-BE49-F238E27FC236}">
+                <a16:creationId xmlns:a16="http://schemas.microsoft.com/office/drawing/2014/main" id="{2ABCA7DB-5B45-060C-B58D-6E39BE3475FB}"/>
+              </a:ext>
+            </a:extLst>
+          </p:cNvPr>
+          <p:cNvSpPr/>
+          <p:nvPr/>
+        </p:nvSpPr>
+        <p:spPr>
+          <a:xfrm>
+            <a:off x="6510749" y="1774459"/>
+            <a:ext cx="2440577" cy="947057"/>
+          </a:xfrm>
+          <a:prstGeom prst="rect">
+            <a:avLst/>
+          </a:prstGeom>
+        </p:spPr>
+        <p:style>
+          <a:lnRef idx="1">
+            <a:schemeClr val="accent4"/>
+          </a:lnRef>
+          <a:fillRef idx="2">
+            <a:schemeClr val="accent4"/>
+          </a:fillRef>
+          <a:effectRef idx="1">
+            <a:schemeClr val="accent4"/>
+          </a:effectRef>
+          <a:fontRef idx="minor">
+            <a:schemeClr val="dk1"/>
+          </a:fontRef>
+        </p:style>
+        <p:txBody>
+          <a:bodyPr rtlCol="0" anchor="ctr"/>
+          <a:lstStyle/>
+          <a:p>
+            <a:pPr algn="ctr"/>
+            <a:r>
+              <a:rPr lang="nl-NL"/>
+              <a:t>Scoring Data</a:t>
+            </a:r>
+          </a:p>
+        </p:txBody>
+      </p:sp>
+      <p:sp>
+        <p:nvSpPr>
+          <p:cNvPr id="14" name="Rectangle: Rounded Corners 13">
+            <a:extLst>
+              <a:ext uri="{FF2B5EF4-FFF2-40B4-BE49-F238E27FC236}">
+                <a16:creationId xmlns:a16="http://schemas.microsoft.com/office/drawing/2014/main" id="{09717716-BF59-0EB3-97A8-9968CA5A1E00}"/>
+              </a:ext>
+            </a:extLst>
+          </p:cNvPr>
+          <p:cNvSpPr/>
+          <p:nvPr/>
+        </p:nvSpPr>
+        <p:spPr>
+          <a:xfrm>
+            <a:off x="9639850" y="4139222"/>
+            <a:ext cx="1574074" cy="777240"/>
+          </a:xfrm>
+          <a:prstGeom prst="roundRect">
+            <a:avLst/>
+          </a:prstGeom>
+        </p:spPr>
+        <p:style>
+          <a:lnRef idx="1">
+            <a:schemeClr val="accent5"/>
+          </a:lnRef>
+          <a:fillRef idx="2">
+            <a:schemeClr val="accent5"/>
+          </a:fillRef>
+          <a:effectRef idx="1">
+            <a:schemeClr val="accent5"/>
+          </a:effectRef>
+          <a:fontRef idx="minor">
+            <a:schemeClr val="dk1"/>
+          </a:fontRef>
+        </p:style>
+        <p:txBody>
+          <a:bodyPr rtlCol="0" anchor="ctr"/>
+          <a:lstStyle/>
+          <a:p>
+            <a:pPr algn="ctr"/>
+            <a:r>
+              <a:rPr lang="nl-NL" dirty="0"/>
+              <a:t>Voorspelling</a:t>
+            </a:r>
+          </a:p>
+        </p:txBody>
+      </p:sp>
+      <p:cxnSp>
+        <p:nvCxnSpPr>
+          <p:cNvPr id="17" name="Straight Arrow Connector 16">
+            <a:extLst>
+              <a:ext uri="{FF2B5EF4-FFF2-40B4-BE49-F238E27FC236}">
+                <a16:creationId xmlns:a16="http://schemas.microsoft.com/office/drawing/2014/main" id="{9AA1BFE4-AECF-A957-D0D5-5B89FE926C2D}"/>
+              </a:ext>
+            </a:extLst>
+          </p:cNvPr>
+          <p:cNvCxnSpPr>
+            <a:cxnSpLocks/>
+            <a:stCxn id="6" idx="3"/>
+            <a:endCxn id="29" idx="1"/>
+          </p:cNvCxnSpPr>
+          <p:nvPr/>
+        </p:nvCxnSpPr>
+        <p:spPr>
+          <a:xfrm flipV="1">
+            <a:off x="3559629" y="4527841"/>
+            <a:ext cx="688523" cy="1703"/>
+          </a:xfrm>
+          <a:prstGeom prst="straightConnector1">
+            <a:avLst/>
+          </a:prstGeom>
+          <a:ln>
+            <a:tailEnd type="triangle"/>
+          </a:ln>
+        </p:spPr>
+        <p:style>
+          <a:lnRef idx="3">
+            <a:schemeClr val="dk1"/>
+          </a:lnRef>
+          <a:fillRef idx="0">
+            <a:schemeClr val="dk1"/>
+          </a:fillRef>
+          <a:effectRef idx="2">
+            <a:schemeClr val="dk1"/>
+          </a:effectRef>
+          <a:fontRef idx="minor">
+            <a:schemeClr val="tx1"/>
+          </a:fontRef>
+        </p:style>
+      </p:cxnSp>
+      <p:cxnSp>
+        <p:nvCxnSpPr>
+          <p:cNvPr id="19" name="Straight Arrow Connector 18">
+            <a:extLst>
+              <a:ext uri="{FF2B5EF4-FFF2-40B4-BE49-F238E27FC236}">
+                <a16:creationId xmlns:a16="http://schemas.microsoft.com/office/drawing/2014/main" id="{732D8E31-4E5A-53C3-967E-9B05BD33FA82}"/>
+              </a:ext>
+            </a:extLst>
+          </p:cNvPr>
+          <p:cNvCxnSpPr>
+            <a:cxnSpLocks/>
+            <a:stCxn id="29" idx="3"/>
+            <a:endCxn id="7" idx="1"/>
+          </p:cNvCxnSpPr>
+          <p:nvPr/>
+        </p:nvCxnSpPr>
+        <p:spPr>
+          <a:xfrm>
+            <a:off x="5822226" y="4527841"/>
+            <a:ext cx="688524" cy="1704"/>
+          </a:xfrm>
+          <a:prstGeom prst="straightConnector1">
+            <a:avLst/>
+          </a:prstGeom>
+          <a:ln>
+            <a:tailEnd type="triangle"/>
+          </a:ln>
+        </p:spPr>
+        <p:style>
+          <a:lnRef idx="3">
+            <a:schemeClr val="dk1"/>
+          </a:lnRef>
+          <a:fillRef idx="0">
+            <a:schemeClr val="dk1"/>
+          </a:fillRef>
+          <a:effectRef idx="2">
+            <a:schemeClr val="dk1"/>
+          </a:effectRef>
+          <a:fontRef idx="minor">
+            <a:schemeClr val="tx1"/>
+          </a:fontRef>
+        </p:style>
+      </p:cxnSp>
+      <p:cxnSp>
+        <p:nvCxnSpPr>
+          <p:cNvPr id="22" name="Straight Arrow Connector 21">
+            <a:extLst>
+              <a:ext uri="{FF2B5EF4-FFF2-40B4-BE49-F238E27FC236}">
+                <a16:creationId xmlns:a16="http://schemas.microsoft.com/office/drawing/2014/main" id="{BD591FEB-E40A-5883-527D-5C938694ACFB}"/>
+              </a:ext>
+            </a:extLst>
+          </p:cNvPr>
+          <p:cNvCxnSpPr>
+            <a:stCxn id="7" idx="3"/>
+            <a:endCxn id="14" idx="1"/>
+          </p:cNvCxnSpPr>
+          <p:nvPr/>
+        </p:nvCxnSpPr>
+        <p:spPr>
+          <a:xfrm flipV="1">
+            <a:off x="8951327" y="4527842"/>
+            <a:ext cx="688523" cy="1703"/>
+          </a:xfrm>
+          <a:prstGeom prst="straightConnector1">
+            <a:avLst/>
+          </a:prstGeom>
+          <a:ln>
+            <a:tailEnd type="triangle"/>
+          </a:ln>
+        </p:spPr>
+        <p:style>
+          <a:lnRef idx="3">
+            <a:schemeClr val="dk1"/>
+          </a:lnRef>
+          <a:fillRef idx="0">
+            <a:schemeClr val="dk1"/>
+          </a:fillRef>
+          <a:effectRef idx="2">
+            <a:schemeClr val="dk1"/>
+          </a:effectRef>
+          <a:fontRef idx="minor">
+            <a:schemeClr val="tx1"/>
+          </a:fontRef>
+        </p:style>
+      </p:cxnSp>
+      <p:cxnSp>
+        <p:nvCxnSpPr>
+          <p:cNvPr id="24" name="Straight Arrow Connector 23">
+            <a:extLst>
+              <a:ext uri="{FF2B5EF4-FFF2-40B4-BE49-F238E27FC236}">
+                <a16:creationId xmlns:a16="http://schemas.microsoft.com/office/drawing/2014/main" id="{926D003C-9F25-39B0-F989-A5E70674A1AA}"/>
+              </a:ext>
+            </a:extLst>
+          </p:cNvPr>
+          <p:cNvCxnSpPr>
+            <a:stCxn id="8" idx="2"/>
+            <a:endCxn id="6" idx="0"/>
+          </p:cNvCxnSpPr>
+          <p:nvPr/>
+        </p:nvCxnSpPr>
+        <p:spPr>
+          <a:xfrm>
+            <a:off x="2339341" y="2721516"/>
+            <a:ext cx="0" cy="772796"/>
+          </a:xfrm>
+          <a:prstGeom prst="straightConnector1">
+            <a:avLst/>
+          </a:prstGeom>
+          <a:ln>
+            <a:tailEnd type="triangle"/>
+          </a:ln>
+        </p:spPr>
+        <p:style>
+          <a:lnRef idx="3">
+            <a:schemeClr val="dk1"/>
+          </a:lnRef>
+          <a:fillRef idx="0">
+            <a:schemeClr val="dk1"/>
+          </a:fillRef>
+          <a:effectRef idx="2">
+            <a:schemeClr val="dk1"/>
+          </a:effectRef>
+          <a:fontRef idx="minor">
+            <a:schemeClr val="tx1"/>
+          </a:fontRef>
+        </p:style>
+      </p:cxnSp>
+      <p:cxnSp>
+        <p:nvCxnSpPr>
+          <p:cNvPr id="26" name="Straight Arrow Connector 25">
+            <a:extLst>
+              <a:ext uri="{FF2B5EF4-FFF2-40B4-BE49-F238E27FC236}">
+                <a16:creationId xmlns:a16="http://schemas.microsoft.com/office/drawing/2014/main" id="{53338556-318B-747A-4F1C-21E738F16174}"/>
+              </a:ext>
+            </a:extLst>
+          </p:cNvPr>
+          <p:cNvCxnSpPr>
+            <a:stCxn id="9" idx="2"/>
+            <a:endCxn id="7" idx="0"/>
+          </p:cNvCxnSpPr>
+          <p:nvPr/>
+        </p:nvCxnSpPr>
+        <p:spPr>
+          <a:xfrm>
+            <a:off x="7731038" y="2721516"/>
+            <a:ext cx="1" cy="772797"/>
+          </a:xfrm>
+          <a:prstGeom prst="straightConnector1">
+            <a:avLst/>
+          </a:prstGeom>
+          <a:ln>
+            <a:tailEnd type="triangle"/>
+          </a:ln>
+        </p:spPr>
+        <p:style>
+          <a:lnRef idx="3">
+            <a:schemeClr val="dk1"/>
+          </a:lnRef>
+          <a:fillRef idx="0">
+            <a:schemeClr val="dk1"/>
+          </a:fillRef>
+          <a:effectRef idx="2">
+            <a:schemeClr val="dk1"/>
+          </a:effectRef>
+          <a:fontRef idx="minor">
+            <a:schemeClr val="tx1"/>
+          </a:fontRef>
+        </p:style>
+      </p:cxnSp>
+      <p:sp>
+        <p:nvSpPr>
+          <p:cNvPr id="29" name="Rectangle: Rounded Corners 28">
+            <a:extLst>
+              <a:ext uri="{FF2B5EF4-FFF2-40B4-BE49-F238E27FC236}">
+                <a16:creationId xmlns:a16="http://schemas.microsoft.com/office/drawing/2014/main" id="{863D9589-CDB7-2989-9954-8509CA1E905A}"/>
+              </a:ext>
+            </a:extLst>
+          </p:cNvPr>
+          <p:cNvSpPr/>
+          <p:nvPr/>
+        </p:nvSpPr>
+        <p:spPr>
+          <a:xfrm>
+            <a:off x="4248152" y="4139221"/>
+            <a:ext cx="1574074" cy="777240"/>
+          </a:xfrm>
+          <a:prstGeom prst="roundRect">
+            <a:avLst/>
+          </a:prstGeom>
+        </p:spPr>
+        <p:style>
+          <a:lnRef idx="1">
+            <a:schemeClr val="accent6"/>
+          </a:lnRef>
+          <a:fillRef idx="2">
+            <a:schemeClr val="accent6"/>
+          </a:fillRef>
+          <a:effectRef idx="1">
+            <a:schemeClr val="accent6"/>
+          </a:effectRef>
+          <a:fontRef idx="minor">
+            <a:schemeClr val="dk1"/>
+          </a:fontRef>
+        </p:style>
+        <p:txBody>
+          <a:bodyPr rtlCol="0" anchor="ctr"/>
+          <a:lstStyle/>
+          <a:p>
+            <a:pPr algn="ctr"/>
+            <a:r>
+              <a:rPr lang="nl-NL" dirty="0"/>
+              <a:t>Model</a:t>
+            </a:r>
+          </a:p>
+        </p:txBody>
+      </p:sp>
+      <p:grpSp>
+        <p:nvGrpSpPr>
+          <p:cNvPr id="13" name="Group 12">
+            <a:extLst>
+              <a:ext uri="{FF2B5EF4-FFF2-40B4-BE49-F238E27FC236}">
+                <a16:creationId xmlns:a16="http://schemas.microsoft.com/office/drawing/2014/main" id="{B7D37394-7E54-1E1F-2844-414DE1963AE2}"/>
+              </a:ext>
+            </a:extLst>
+          </p:cNvPr>
+          <p:cNvGrpSpPr/>
+          <p:nvPr/>
+        </p:nvGrpSpPr>
+        <p:grpSpPr>
+          <a:xfrm>
+            <a:off x="3559629" y="2002327"/>
+            <a:ext cx="2951120" cy="491320"/>
+            <a:chOff x="3559629" y="2002327"/>
+            <a:chExt cx="2951120" cy="491320"/>
+          </a:xfrm>
+        </p:grpSpPr>
+        <p:sp>
+          <p:nvSpPr>
+            <p:cNvPr id="4" name="Rectangle: Rounded Corners 3">
+              <a:extLst>
+                <a:ext uri="{FF2B5EF4-FFF2-40B4-BE49-F238E27FC236}">
+                  <a16:creationId xmlns:a16="http://schemas.microsoft.com/office/drawing/2014/main" id="{B8AFF28A-C1BB-B8B4-D6FC-49147E0DAFC9}"/>
+                </a:ext>
+              </a:extLst>
+            </p:cNvPr>
+            <p:cNvSpPr/>
+            <p:nvPr/>
+          </p:nvSpPr>
+          <p:spPr>
+            <a:xfrm>
+              <a:off x="4066615" y="2002327"/>
+              <a:ext cx="1937147" cy="491320"/>
+            </a:xfrm>
+            <a:prstGeom prst="roundRect">
+              <a:avLst/>
+            </a:prstGeom>
+          </p:spPr>
+          <p:style>
+            <a:lnRef idx="1">
+              <a:schemeClr val="accent2"/>
+            </a:lnRef>
+            <a:fillRef idx="2">
+              <a:schemeClr val="accent2"/>
+            </a:fillRef>
+            <a:effectRef idx="1">
+              <a:schemeClr val="accent2"/>
+            </a:effectRef>
+            <a:fontRef idx="minor">
+              <a:schemeClr val="dk1"/>
+            </a:fontRef>
+          </p:style>
+          <p:txBody>
+            <a:bodyPr rtlCol="0" anchor="ctr"/>
+            <a:lstStyle/>
+            <a:p>
+              <a:pPr algn="ctr"/>
+              <a:r>
+                <a:rPr lang="en-US" dirty="0"/>
+                <a:t>incompatible</a:t>
+              </a:r>
+              <a:endParaRPr lang="en-NL" dirty="0"/>
+            </a:p>
+          </p:txBody>
+        </p:sp>
+        <p:cxnSp>
+          <p:nvCxnSpPr>
+            <p:cNvPr id="10" name="Straight Arrow Connector 9">
+              <a:extLst>
+                <a:ext uri="{FF2B5EF4-FFF2-40B4-BE49-F238E27FC236}">
+                  <a16:creationId xmlns:a16="http://schemas.microsoft.com/office/drawing/2014/main" id="{6A0DFF0A-A0AA-FA5B-9CA8-816CB911BDBC}"/>
+                </a:ext>
+              </a:extLst>
+            </p:cNvPr>
+            <p:cNvCxnSpPr>
+              <a:endCxn id="8" idx="3"/>
+            </p:cNvCxnSpPr>
+            <p:nvPr/>
+          </p:nvCxnSpPr>
+          <p:spPr>
+            <a:xfrm flipH="1">
+              <a:off x="3559629" y="2247987"/>
+              <a:ext cx="506986" cy="1"/>
+            </a:xfrm>
+            <a:prstGeom prst="straightConnector1">
+              <a:avLst/>
+            </a:prstGeom>
+            <a:ln>
+              <a:tailEnd type="triangle"/>
+            </a:ln>
+          </p:spPr>
+          <p:style>
+            <a:lnRef idx="3">
+              <a:schemeClr val="accent2"/>
+            </a:lnRef>
+            <a:fillRef idx="0">
+              <a:schemeClr val="accent2"/>
+            </a:fillRef>
+            <a:effectRef idx="2">
+              <a:schemeClr val="accent2"/>
+            </a:effectRef>
+            <a:fontRef idx="minor">
+              <a:schemeClr val="tx1"/>
+            </a:fontRef>
+          </p:style>
+        </p:cxnSp>
+        <p:cxnSp>
+          <p:nvCxnSpPr>
+            <p:cNvPr id="12" name="Straight Arrow Connector 11">
+              <a:extLst>
+                <a:ext uri="{FF2B5EF4-FFF2-40B4-BE49-F238E27FC236}">
+                  <a16:creationId xmlns:a16="http://schemas.microsoft.com/office/drawing/2014/main" id="{E80C47D3-4310-5994-1A0B-FF7CBF6C5021}"/>
+                </a:ext>
+              </a:extLst>
+            </p:cNvPr>
+            <p:cNvCxnSpPr>
+              <a:stCxn id="4" idx="3"/>
+              <a:endCxn id="9" idx="1"/>
+            </p:cNvCxnSpPr>
+            <p:nvPr/>
+          </p:nvCxnSpPr>
+          <p:spPr>
+            <a:xfrm>
+              <a:off x="6003762" y="2247987"/>
+              <a:ext cx="506987" cy="1"/>
+            </a:xfrm>
+            <a:prstGeom prst="straightConnector1">
+              <a:avLst/>
+            </a:prstGeom>
+            <a:ln>
+              <a:tailEnd type="triangle"/>
+            </a:ln>
+          </p:spPr>
+          <p:style>
+            <a:lnRef idx="3">
+              <a:schemeClr val="accent2"/>
+            </a:lnRef>
+            <a:fillRef idx="0">
+              <a:schemeClr val="accent2"/>
+            </a:fillRef>
+            <a:effectRef idx="2">
+              <a:schemeClr val="accent2"/>
+            </a:effectRef>
+            <a:fontRef idx="minor">
+              <a:schemeClr val="tx1"/>
+            </a:fontRef>
+          </p:style>
+        </p:cxnSp>
+      </p:grpSp>
+    </p:spTree>
+    <p:extLst>
+      <p:ext uri="{BB962C8B-B14F-4D97-AF65-F5344CB8AC3E}">
+        <p14:creationId xmlns:p14="http://schemas.microsoft.com/office/powerpoint/2010/main" val="49563331"/>
+      </p:ext>
+    </p:extLst>
+  </p:cSld>
+  <p:clrMapOvr>
+    <a:masterClrMapping/>
+  </p:clrMapOvr>
+</p:sld>
+</file>
+
+<file path=ppt/slides/slide36.xml><?xml version="1.0" encoding="utf-8"?>
+<p:sld xmlns:a="http://schemas.openxmlformats.org/drawingml/2006/main" xmlns:r="http://schemas.openxmlformats.org/officeDocument/2006/relationships" xmlns:p="http://schemas.openxmlformats.org/presentationml/2006/main">
+  <p:cSld>
+    <p:spTree>
+      <p:nvGrpSpPr>
+        <p:cNvPr id="1" name=""/>
+        <p:cNvGrpSpPr/>
+        <p:nvPr/>
+      </p:nvGrpSpPr>
+      <p:grpSpPr>
+        <a:xfrm>
+          <a:off x="0" y="0"/>
+          <a:ext cx="0" cy="0"/>
+          <a:chOff x="0" y="0"/>
+          <a:chExt cx="0" cy="0"/>
+        </a:xfrm>
+      </p:grpSpPr>
+      <p:sp>
+        <p:nvSpPr>
+          <p:cNvPr id="2" name="Title 1">
+            <a:extLst>
+              <a:ext uri="{FF2B5EF4-FFF2-40B4-BE49-F238E27FC236}">
+                <a16:creationId xmlns:a16="http://schemas.microsoft.com/office/drawing/2014/main" id="{39A1D606-8DD1-369C-5C09-471CDD551AD5}"/>
+              </a:ext>
+            </a:extLst>
+          </p:cNvPr>
+          <p:cNvSpPr>
+            <a:spLocks noGrp="1"/>
+          </p:cNvSpPr>
+          <p:nvPr>
+            <p:ph type="title"/>
+          </p:nvPr>
+        </p:nvSpPr>
+        <p:spPr>
+          <a:xfrm>
+            <a:off x="838200" y="365126"/>
+            <a:ext cx="10515600" cy="718608"/>
+          </a:xfrm>
+        </p:spPr>
+        <p:txBody>
+          <a:bodyPr>
+            <a:normAutofit/>
+          </a:bodyPr>
+          <a:lstStyle/>
+          <a:p>
+            <a:r>
+              <a:rPr lang="nl-NL" sz="3600" dirty="0"/>
+              <a:t>Productie problemen</a:t>
+            </a:r>
+            <a:endParaRPr lang="nl-NL" sz="3600" noProof="0" dirty="0"/>
+          </a:p>
+        </p:txBody>
+      </p:sp>
+      <p:sp>
+        <p:nvSpPr>
+          <p:cNvPr id="6" name="Rectangle 5">
+            <a:extLst>
+              <a:ext uri="{FF2B5EF4-FFF2-40B4-BE49-F238E27FC236}">
+                <a16:creationId xmlns:a16="http://schemas.microsoft.com/office/drawing/2014/main" id="{B32E2B49-6A16-A1DE-7F5E-041E6F9732FF}"/>
+              </a:ext>
+            </a:extLst>
+          </p:cNvPr>
+          <p:cNvSpPr/>
+          <p:nvPr/>
+        </p:nvSpPr>
+        <p:spPr>
+          <a:xfrm>
+            <a:off x="1119052" y="3494312"/>
+            <a:ext cx="2440577" cy="2070463"/>
+          </a:xfrm>
+          <a:prstGeom prst="rect">
+            <a:avLst/>
+          </a:prstGeom>
+        </p:spPr>
+        <p:style>
+          <a:lnRef idx="1">
+            <a:schemeClr val="accent6"/>
+          </a:lnRef>
+          <a:fillRef idx="2">
+            <a:schemeClr val="accent6"/>
+          </a:fillRef>
+          <a:effectRef idx="1">
+            <a:schemeClr val="accent6"/>
+          </a:effectRef>
+          <a:fontRef idx="minor">
+            <a:schemeClr val="dk1"/>
+          </a:fontRef>
+        </p:style>
+        <p:txBody>
+          <a:bodyPr rtlCol="0" anchor="ctr"/>
+          <a:lstStyle/>
+          <a:p>
+            <a:pPr algn="ctr"/>
+            <a:r>
+              <a:rPr lang="nl-NL"/>
+              <a:t>Training omgeving</a:t>
+            </a:r>
+          </a:p>
+        </p:txBody>
+      </p:sp>
+      <p:sp>
+        <p:nvSpPr>
+          <p:cNvPr id="7" name="Rectangle 6">
+            <a:extLst>
+              <a:ext uri="{FF2B5EF4-FFF2-40B4-BE49-F238E27FC236}">
+                <a16:creationId xmlns:a16="http://schemas.microsoft.com/office/drawing/2014/main" id="{D7AC7AB4-D61A-0671-093A-D3C8149D6127}"/>
+              </a:ext>
+            </a:extLst>
+          </p:cNvPr>
+          <p:cNvSpPr/>
+          <p:nvPr/>
+        </p:nvSpPr>
+        <p:spPr>
+          <a:xfrm>
+            <a:off x="6510750" y="3494313"/>
+            <a:ext cx="2440577" cy="2070463"/>
+          </a:xfrm>
+          <a:prstGeom prst="rect">
+            <a:avLst/>
+          </a:prstGeom>
+        </p:spPr>
+        <p:style>
+          <a:lnRef idx="1">
+            <a:schemeClr val="accent5"/>
+          </a:lnRef>
+          <a:fillRef idx="2">
+            <a:schemeClr val="accent5"/>
+          </a:fillRef>
+          <a:effectRef idx="1">
+            <a:schemeClr val="accent5"/>
+          </a:effectRef>
+          <a:fontRef idx="minor">
+            <a:schemeClr val="dk1"/>
+          </a:fontRef>
+        </p:style>
+        <p:txBody>
+          <a:bodyPr rtlCol="0" anchor="ctr"/>
+          <a:lstStyle/>
+          <a:p>
+            <a:pPr algn="ctr"/>
+            <a:r>
+              <a:rPr lang="nl-NL" dirty="0"/>
+              <a:t>Scoring omgeving</a:t>
+            </a:r>
+          </a:p>
+        </p:txBody>
+      </p:sp>
+      <p:sp>
+        <p:nvSpPr>
+          <p:cNvPr id="8" name="Rectangle 7">
+            <a:extLst>
+              <a:ext uri="{FF2B5EF4-FFF2-40B4-BE49-F238E27FC236}">
+                <a16:creationId xmlns:a16="http://schemas.microsoft.com/office/drawing/2014/main" id="{21BF7B99-FC60-5852-E264-562437EEA80E}"/>
+              </a:ext>
+            </a:extLst>
+          </p:cNvPr>
+          <p:cNvSpPr/>
+          <p:nvPr/>
+        </p:nvSpPr>
+        <p:spPr>
+          <a:xfrm>
+            <a:off x="1119052" y="1774459"/>
+            <a:ext cx="2440577" cy="947057"/>
+          </a:xfrm>
+          <a:prstGeom prst="rect">
+            <a:avLst/>
+          </a:prstGeom>
+        </p:spPr>
+        <p:style>
+          <a:lnRef idx="1">
+            <a:schemeClr val="accent4"/>
+          </a:lnRef>
+          <a:fillRef idx="2">
+            <a:schemeClr val="accent4"/>
+          </a:fillRef>
+          <a:effectRef idx="1">
+            <a:schemeClr val="accent4"/>
+          </a:effectRef>
+          <a:fontRef idx="minor">
+            <a:schemeClr val="dk1"/>
+          </a:fontRef>
+        </p:style>
+        <p:txBody>
+          <a:bodyPr rtlCol="0" anchor="ctr"/>
+          <a:lstStyle/>
+          <a:p>
+            <a:pPr algn="ctr"/>
+            <a:r>
+              <a:rPr lang="nl-NL"/>
+              <a:t>Training Data</a:t>
+            </a:r>
+          </a:p>
+        </p:txBody>
+      </p:sp>
+      <p:sp>
+        <p:nvSpPr>
+          <p:cNvPr id="9" name="Rectangle 8">
+            <a:extLst>
+              <a:ext uri="{FF2B5EF4-FFF2-40B4-BE49-F238E27FC236}">
+                <a16:creationId xmlns:a16="http://schemas.microsoft.com/office/drawing/2014/main" id="{2ABCA7DB-5B45-060C-B58D-6E39BE3475FB}"/>
+              </a:ext>
+            </a:extLst>
+          </p:cNvPr>
+          <p:cNvSpPr/>
+          <p:nvPr/>
+        </p:nvSpPr>
+        <p:spPr>
+          <a:xfrm>
+            <a:off x="6510749" y="1774459"/>
+            <a:ext cx="2440577" cy="947057"/>
+          </a:xfrm>
+          <a:prstGeom prst="rect">
+            <a:avLst/>
+          </a:prstGeom>
+        </p:spPr>
+        <p:style>
+          <a:lnRef idx="1">
+            <a:schemeClr val="accent4"/>
+          </a:lnRef>
+          <a:fillRef idx="2">
+            <a:schemeClr val="accent4"/>
+          </a:fillRef>
+          <a:effectRef idx="1">
+            <a:schemeClr val="accent4"/>
+          </a:effectRef>
+          <a:fontRef idx="minor">
+            <a:schemeClr val="dk1"/>
+          </a:fontRef>
+        </p:style>
+        <p:txBody>
+          <a:bodyPr rtlCol="0" anchor="ctr"/>
+          <a:lstStyle/>
+          <a:p>
+            <a:pPr algn="ctr"/>
+            <a:r>
+              <a:rPr lang="nl-NL"/>
+              <a:t>Scoring Data</a:t>
+            </a:r>
+          </a:p>
+        </p:txBody>
+      </p:sp>
+      <p:sp>
+        <p:nvSpPr>
+          <p:cNvPr id="14" name="Rectangle: Rounded Corners 13">
+            <a:extLst>
+              <a:ext uri="{FF2B5EF4-FFF2-40B4-BE49-F238E27FC236}">
+                <a16:creationId xmlns:a16="http://schemas.microsoft.com/office/drawing/2014/main" id="{09717716-BF59-0EB3-97A8-9968CA5A1E00}"/>
+              </a:ext>
+            </a:extLst>
+          </p:cNvPr>
+          <p:cNvSpPr/>
+          <p:nvPr/>
+        </p:nvSpPr>
+        <p:spPr>
+          <a:xfrm>
+            <a:off x="9639850" y="4139222"/>
+            <a:ext cx="1574074" cy="777240"/>
+          </a:xfrm>
+          <a:prstGeom prst="roundRect">
+            <a:avLst/>
+          </a:prstGeom>
+        </p:spPr>
+        <p:style>
+          <a:lnRef idx="1">
+            <a:schemeClr val="accent5"/>
+          </a:lnRef>
+          <a:fillRef idx="2">
+            <a:schemeClr val="accent5"/>
+          </a:fillRef>
+          <a:effectRef idx="1">
+            <a:schemeClr val="accent5"/>
+          </a:effectRef>
+          <a:fontRef idx="minor">
+            <a:schemeClr val="dk1"/>
+          </a:fontRef>
+        </p:style>
+        <p:txBody>
+          <a:bodyPr rtlCol="0" anchor="ctr"/>
+          <a:lstStyle/>
+          <a:p>
+            <a:pPr algn="ctr"/>
+            <a:r>
+              <a:rPr lang="nl-NL" dirty="0"/>
+              <a:t>Voorspelling</a:t>
+            </a:r>
+          </a:p>
+        </p:txBody>
+      </p:sp>
+      <p:cxnSp>
+        <p:nvCxnSpPr>
+          <p:cNvPr id="17" name="Straight Arrow Connector 16">
+            <a:extLst>
+              <a:ext uri="{FF2B5EF4-FFF2-40B4-BE49-F238E27FC236}">
+                <a16:creationId xmlns:a16="http://schemas.microsoft.com/office/drawing/2014/main" id="{9AA1BFE4-AECF-A957-D0D5-5B89FE926C2D}"/>
+              </a:ext>
+            </a:extLst>
+          </p:cNvPr>
+          <p:cNvCxnSpPr>
+            <a:cxnSpLocks/>
+            <a:stCxn id="6" idx="3"/>
+            <a:endCxn id="29" idx="1"/>
+          </p:cNvCxnSpPr>
+          <p:nvPr/>
+        </p:nvCxnSpPr>
+        <p:spPr>
+          <a:xfrm flipV="1">
+            <a:off x="3559629" y="4527841"/>
+            <a:ext cx="688523" cy="1703"/>
+          </a:xfrm>
+          <a:prstGeom prst="straightConnector1">
+            <a:avLst/>
+          </a:prstGeom>
+          <a:ln>
+            <a:tailEnd type="triangle"/>
+          </a:ln>
+        </p:spPr>
+        <p:style>
+          <a:lnRef idx="3">
+            <a:schemeClr val="dk1"/>
+          </a:lnRef>
+          <a:fillRef idx="0">
+            <a:schemeClr val="dk1"/>
+          </a:fillRef>
+          <a:effectRef idx="2">
+            <a:schemeClr val="dk1"/>
+          </a:effectRef>
+          <a:fontRef idx="minor">
+            <a:schemeClr val="tx1"/>
+          </a:fontRef>
+        </p:style>
+      </p:cxnSp>
+      <p:cxnSp>
+        <p:nvCxnSpPr>
+          <p:cNvPr id="19" name="Straight Arrow Connector 18">
+            <a:extLst>
+              <a:ext uri="{FF2B5EF4-FFF2-40B4-BE49-F238E27FC236}">
+                <a16:creationId xmlns:a16="http://schemas.microsoft.com/office/drawing/2014/main" id="{732D8E31-4E5A-53C3-967E-9B05BD33FA82}"/>
+              </a:ext>
+            </a:extLst>
+          </p:cNvPr>
+          <p:cNvCxnSpPr>
+            <a:cxnSpLocks/>
+            <a:stCxn id="29" idx="3"/>
+            <a:endCxn id="7" idx="1"/>
+          </p:cNvCxnSpPr>
+          <p:nvPr/>
+        </p:nvCxnSpPr>
+        <p:spPr>
+          <a:xfrm>
+            <a:off x="5822226" y="4527841"/>
+            <a:ext cx="688524" cy="1704"/>
+          </a:xfrm>
+          <a:prstGeom prst="straightConnector1">
+            <a:avLst/>
+          </a:prstGeom>
+          <a:ln>
+            <a:tailEnd type="triangle"/>
+          </a:ln>
+        </p:spPr>
+        <p:style>
+          <a:lnRef idx="3">
+            <a:schemeClr val="dk1"/>
+          </a:lnRef>
+          <a:fillRef idx="0">
+            <a:schemeClr val="dk1"/>
+          </a:fillRef>
+          <a:effectRef idx="2">
+            <a:schemeClr val="dk1"/>
+          </a:effectRef>
+          <a:fontRef idx="minor">
+            <a:schemeClr val="tx1"/>
+          </a:fontRef>
+        </p:style>
+      </p:cxnSp>
+      <p:cxnSp>
+        <p:nvCxnSpPr>
+          <p:cNvPr id="22" name="Straight Arrow Connector 21">
+            <a:extLst>
+              <a:ext uri="{FF2B5EF4-FFF2-40B4-BE49-F238E27FC236}">
+                <a16:creationId xmlns:a16="http://schemas.microsoft.com/office/drawing/2014/main" id="{BD591FEB-E40A-5883-527D-5C938694ACFB}"/>
+              </a:ext>
+            </a:extLst>
+          </p:cNvPr>
+          <p:cNvCxnSpPr>
+            <a:stCxn id="7" idx="3"/>
+            <a:endCxn id="14" idx="1"/>
+          </p:cNvCxnSpPr>
+          <p:nvPr/>
+        </p:nvCxnSpPr>
+        <p:spPr>
+          <a:xfrm flipV="1">
+            <a:off x="8951327" y="4527842"/>
+            <a:ext cx="688523" cy="1703"/>
+          </a:xfrm>
+          <a:prstGeom prst="straightConnector1">
+            <a:avLst/>
+          </a:prstGeom>
+          <a:ln>
+            <a:tailEnd type="triangle"/>
+          </a:ln>
+        </p:spPr>
+        <p:style>
+          <a:lnRef idx="3">
+            <a:schemeClr val="dk1"/>
+          </a:lnRef>
+          <a:fillRef idx="0">
+            <a:schemeClr val="dk1"/>
+          </a:fillRef>
+          <a:effectRef idx="2">
+            <a:schemeClr val="dk1"/>
+          </a:effectRef>
+          <a:fontRef idx="minor">
+            <a:schemeClr val="tx1"/>
+          </a:fontRef>
+        </p:style>
+      </p:cxnSp>
+      <p:cxnSp>
+        <p:nvCxnSpPr>
+          <p:cNvPr id="24" name="Straight Arrow Connector 23">
+            <a:extLst>
+              <a:ext uri="{FF2B5EF4-FFF2-40B4-BE49-F238E27FC236}">
+                <a16:creationId xmlns:a16="http://schemas.microsoft.com/office/drawing/2014/main" id="{926D003C-9F25-39B0-F989-A5E70674A1AA}"/>
+              </a:ext>
+            </a:extLst>
+          </p:cNvPr>
+          <p:cNvCxnSpPr>
+            <a:stCxn id="8" idx="2"/>
+            <a:endCxn id="6" idx="0"/>
+          </p:cNvCxnSpPr>
+          <p:nvPr/>
+        </p:nvCxnSpPr>
+        <p:spPr>
+          <a:xfrm>
+            <a:off x="2339341" y="2721516"/>
+            <a:ext cx="0" cy="772796"/>
+          </a:xfrm>
+          <a:prstGeom prst="straightConnector1">
+            <a:avLst/>
+          </a:prstGeom>
+          <a:ln>
+            <a:tailEnd type="triangle"/>
+          </a:ln>
+        </p:spPr>
+        <p:style>
+          <a:lnRef idx="3">
+            <a:schemeClr val="dk1"/>
+          </a:lnRef>
+          <a:fillRef idx="0">
+            <a:schemeClr val="dk1"/>
+          </a:fillRef>
+          <a:effectRef idx="2">
+            <a:schemeClr val="dk1"/>
+          </a:effectRef>
+          <a:fontRef idx="minor">
+            <a:schemeClr val="tx1"/>
+          </a:fontRef>
+        </p:style>
+      </p:cxnSp>
+      <p:cxnSp>
+        <p:nvCxnSpPr>
+          <p:cNvPr id="26" name="Straight Arrow Connector 25">
+            <a:extLst>
+              <a:ext uri="{FF2B5EF4-FFF2-40B4-BE49-F238E27FC236}">
+                <a16:creationId xmlns:a16="http://schemas.microsoft.com/office/drawing/2014/main" id="{53338556-318B-747A-4F1C-21E738F16174}"/>
+              </a:ext>
+            </a:extLst>
+          </p:cNvPr>
+          <p:cNvCxnSpPr>
+            <a:stCxn id="9" idx="2"/>
+            <a:endCxn id="7" idx="0"/>
+          </p:cNvCxnSpPr>
+          <p:nvPr/>
+        </p:nvCxnSpPr>
+        <p:spPr>
+          <a:xfrm>
+            <a:off x="7731038" y="2721516"/>
+            <a:ext cx="1" cy="772797"/>
+          </a:xfrm>
+          <a:prstGeom prst="straightConnector1">
+            <a:avLst/>
+          </a:prstGeom>
+          <a:ln>
+            <a:tailEnd type="triangle"/>
+          </a:ln>
+        </p:spPr>
+        <p:style>
+          <a:lnRef idx="3">
+            <a:schemeClr val="dk1"/>
+          </a:lnRef>
+          <a:fillRef idx="0">
+            <a:schemeClr val="dk1"/>
+          </a:fillRef>
+          <a:effectRef idx="2">
+            <a:schemeClr val="dk1"/>
+          </a:effectRef>
+          <a:fontRef idx="minor">
+            <a:schemeClr val="tx1"/>
+          </a:fontRef>
+        </p:style>
+      </p:cxnSp>
+      <p:sp>
+        <p:nvSpPr>
+          <p:cNvPr id="29" name="Rectangle: Rounded Corners 28">
+            <a:extLst>
+              <a:ext uri="{FF2B5EF4-FFF2-40B4-BE49-F238E27FC236}">
+                <a16:creationId xmlns:a16="http://schemas.microsoft.com/office/drawing/2014/main" id="{863D9589-CDB7-2989-9954-8509CA1E905A}"/>
+              </a:ext>
+            </a:extLst>
+          </p:cNvPr>
+          <p:cNvSpPr/>
+          <p:nvPr/>
+        </p:nvSpPr>
+        <p:spPr>
+          <a:xfrm>
+            <a:off x="4248152" y="4139221"/>
+            <a:ext cx="1574074" cy="777240"/>
+          </a:xfrm>
+          <a:prstGeom prst="roundRect">
+            <a:avLst/>
+          </a:prstGeom>
+        </p:spPr>
+        <p:style>
+          <a:lnRef idx="1">
+            <a:schemeClr val="accent6"/>
+          </a:lnRef>
+          <a:fillRef idx="2">
+            <a:schemeClr val="accent6"/>
+          </a:fillRef>
+          <a:effectRef idx="1">
+            <a:schemeClr val="accent6"/>
+          </a:effectRef>
+          <a:fontRef idx="minor">
+            <a:schemeClr val="dk1"/>
+          </a:fontRef>
+        </p:style>
+        <p:txBody>
+          <a:bodyPr rtlCol="0" anchor="ctr"/>
+          <a:lstStyle/>
+          <a:p>
+            <a:pPr algn="ctr"/>
+            <a:r>
+              <a:rPr lang="nl-NL" dirty="0"/>
+              <a:t>Model</a:t>
+            </a:r>
+          </a:p>
+        </p:txBody>
+      </p:sp>
+      <p:grpSp>
+        <p:nvGrpSpPr>
+          <p:cNvPr id="13" name="Group 12">
+            <a:extLst>
+              <a:ext uri="{FF2B5EF4-FFF2-40B4-BE49-F238E27FC236}">
+                <a16:creationId xmlns:a16="http://schemas.microsoft.com/office/drawing/2014/main" id="{B7D37394-7E54-1E1F-2844-414DE1963AE2}"/>
+              </a:ext>
+            </a:extLst>
+          </p:cNvPr>
+          <p:cNvGrpSpPr/>
+          <p:nvPr/>
+        </p:nvGrpSpPr>
+        <p:grpSpPr>
+          <a:xfrm>
+            <a:off x="3559629" y="2002327"/>
+            <a:ext cx="2951120" cy="491320"/>
+            <a:chOff x="3559629" y="2002327"/>
+            <a:chExt cx="2951120" cy="491320"/>
+          </a:xfrm>
+        </p:grpSpPr>
+        <p:sp>
+          <p:nvSpPr>
+            <p:cNvPr id="4" name="Rectangle: Rounded Corners 3">
+              <a:extLst>
+                <a:ext uri="{FF2B5EF4-FFF2-40B4-BE49-F238E27FC236}">
+                  <a16:creationId xmlns:a16="http://schemas.microsoft.com/office/drawing/2014/main" id="{B8AFF28A-C1BB-B8B4-D6FC-49147E0DAFC9}"/>
+                </a:ext>
+              </a:extLst>
+            </p:cNvPr>
+            <p:cNvSpPr/>
+            <p:nvPr/>
+          </p:nvSpPr>
+          <p:spPr>
+            <a:xfrm>
+              <a:off x="4066615" y="2002327"/>
+              <a:ext cx="1937147" cy="491320"/>
+            </a:xfrm>
+            <a:prstGeom prst="roundRect">
+              <a:avLst/>
+            </a:prstGeom>
+          </p:spPr>
+          <p:style>
+            <a:lnRef idx="1">
+              <a:schemeClr val="accent2"/>
+            </a:lnRef>
+            <a:fillRef idx="2">
+              <a:schemeClr val="accent2"/>
+            </a:fillRef>
+            <a:effectRef idx="1">
+              <a:schemeClr val="accent2"/>
+            </a:effectRef>
+            <a:fontRef idx="minor">
+              <a:schemeClr val="dk1"/>
+            </a:fontRef>
+          </p:style>
+          <p:txBody>
+            <a:bodyPr rtlCol="0" anchor="ctr"/>
+            <a:lstStyle/>
+            <a:p>
+              <a:pPr algn="ctr"/>
+              <a:r>
+                <a:rPr lang="en-US" dirty="0"/>
+                <a:t>incompatible</a:t>
+              </a:r>
+              <a:endParaRPr lang="en-NL" dirty="0"/>
+            </a:p>
+          </p:txBody>
+        </p:sp>
+        <p:cxnSp>
+          <p:nvCxnSpPr>
+            <p:cNvPr id="10" name="Straight Arrow Connector 9">
+              <a:extLst>
+                <a:ext uri="{FF2B5EF4-FFF2-40B4-BE49-F238E27FC236}">
+                  <a16:creationId xmlns:a16="http://schemas.microsoft.com/office/drawing/2014/main" id="{6A0DFF0A-A0AA-FA5B-9CA8-816CB911BDBC}"/>
+                </a:ext>
+              </a:extLst>
+            </p:cNvPr>
+            <p:cNvCxnSpPr>
+              <a:endCxn id="8" idx="3"/>
+            </p:cNvCxnSpPr>
+            <p:nvPr/>
+          </p:nvCxnSpPr>
+          <p:spPr>
+            <a:xfrm flipH="1">
+              <a:off x="3559629" y="2247987"/>
+              <a:ext cx="506986" cy="1"/>
+            </a:xfrm>
+            <a:prstGeom prst="straightConnector1">
+              <a:avLst/>
+            </a:prstGeom>
+            <a:ln>
+              <a:tailEnd type="triangle"/>
+            </a:ln>
+          </p:spPr>
+          <p:style>
+            <a:lnRef idx="3">
+              <a:schemeClr val="accent2"/>
+            </a:lnRef>
+            <a:fillRef idx="0">
+              <a:schemeClr val="accent2"/>
+            </a:fillRef>
+            <a:effectRef idx="2">
+              <a:schemeClr val="accent2"/>
+            </a:effectRef>
+            <a:fontRef idx="minor">
+              <a:schemeClr val="tx1"/>
+            </a:fontRef>
+          </p:style>
+        </p:cxnSp>
+        <p:cxnSp>
+          <p:nvCxnSpPr>
+            <p:cNvPr id="12" name="Straight Arrow Connector 11">
+              <a:extLst>
+                <a:ext uri="{FF2B5EF4-FFF2-40B4-BE49-F238E27FC236}">
+                  <a16:creationId xmlns:a16="http://schemas.microsoft.com/office/drawing/2014/main" id="{E80C47D3-4310-5994-1A0B-FF7CBF6C5021}"/>
+                </a:ext>
+              </a:extLst>
+            </p:cNvPr>
+            <p:cNvCxnSpPr>
+              <a:stCxn id="4" idx="3"/>
+              <a:endCxn id="9" idx="1"/>
+            </p:cNvCxnSpPr>
+            <p:nvPr/>
+          </p:nvCxnSpPr>
+          <p:spPr>
+            <a:xfrm>
+              <a:off x="6003762" y="2247987"/>
+              <a:ext cx="506987" cy="1"/>
+            </a:xfrm>
+            <a:prstGeom prst="straightConnector1">
+              <a:avLst/>
+            </a:prstGeom>
+            <a:ln>
+              <a:tailEnd type="triangle"/>
+            </a:ln>
+          </p:spPr>
+          <p:style>
+            <a:lnRef idx="3">
+              <a:schemeClr val="accent2"/>
+            </a:lnRef>
+            <a:fillRef idx="0">
+              <a:schemeClr val="accent2"/>
+            </a:fillRef>
+            <a:effectRef idx="2">
+              <a:schemeClr val="accent2"/>
+            </a:effectRef>
+            <a:fontRef idx="minor">
+              <a:schemeClr val="tx1"/>
+            </a:fontRef>
+          </p:style>
+        </p:cxnSp>
+      </p:grpSp>
+      <p:grpSp>
+        <p:nvGrpSpPr>
+          <p:cNvPr id="15" name="Group 14">
+            <a:extLst>
+              <a:ext uri="{FF2B5EF4-FFF2-40B4-BE49-F238E27FC236}">
+                <a16:creationId xmlns:a16="http://schemas.microsoft.com/office/drawing/2014/main" id="{6B1ADA3F-DB9B-63D0-B8BC-48CC68177A55}"/>
+              </a:ext>
+            </a:extLst>
+          </p:cNvPr>
+          <p:cNvGrpSpPr/>
+          <p:nvPr/>
+        </p:nvGrpSpPr>
+        <p:grpSpPr>
+          <a:xfrm>
+            <a:off x="3559629" y="2860578"/>
+            <a:ext cx="2951119" cy="632032"/>
+            <a:chOff x="3559629" y="2002327"/>
+            <a:chExt cx="2951119" cy="632032"/>
+          </a:xfrm>
+        </p:grpSpPr>
+        <p:sp>
+          <p:nvSpPr>
+            <p:cNvPr id="16" name="Rectangle: Rounded Corners 15">
+              <a:extLst>
+                <a:ext uri="{FF2B5EF4-FFF2-40B4-BE49-F238E27FC236}">
+                  <a16:creationId xmlns:a16="http://schemas.microsoft.com/office/drawing/2014/main" id="{3164D936-7CEE-8BD6-3AEB-7FEFF65A8CD0}"/>
+                </a:ext>
+              </a:extLst>
+            </p:cNvPr>
+            <p:cNvSpPr/>
+            <p:nvPr/>
+          </p:nvSpPr>
+          <p:spPr>
+            <a:xfrm>
+              <a:off x="4066615" y="2002327"/>
+              <a:ext cx="1937147" cy="491320"/>
+            </a:xfrm>
+            <a:prstGeom prst="roundRect">
+              <a:avLst/>
+            </a:prstGeom>
+          </p:spPr>
+          <p:style>
+            <a:lnRef idx="1">
+              <a:schemeClr val="accent2"/>
+            </a:lnRef>
+            <a:fillRef idx="2">
+              <a:schemeClr val="accent2"/>
+            </a:fillRef>
+            <a:effectRef idx="1">
+              <a:schemeClr val="accent2"/>
+            </a:effectRef>
+            <a:fontRef idx="minor">
+              <a:schemeClr val="dk1"/>
+            </a:fontRef>
+          </p:style>
+          <p:txBody>
+            <a:bodyPr rtlCol="0" anchor="ctr"/>
+            <a:lstStyle/>
+            <a:p>
+              <a:pPr algn="ctr"/>
+              <a:r>
+                <a:rPr lang="en-US" dirty="0"/>
+                <a:t>incompatible</a:t>
+              </a:r>
+              <a:endParaRPr lang="en-NL" dirty="0"/>
+            </a:p>
+          </p:txBody>
+        </p:sp>
+        <p:cxnSp>
+          <p:nvCxnSpPr>
+            <p:cNvPr id="18" name="Straight Arrow Connector 17">
+              <a:extLst>
+                <a:ext uri="{FF2B5EF4-FFF2-40B4-BE49-F238E27FC236}">
+                  <a16:creationId xmlns:a16="http://schemas.microsoft.com/office/drawing/2014/main" id="{CD6CDEF9-2153-5F50-B07B-4CF42FD66496}"/>
+                </a:ext>
+              </a:extLst>
+            </p:cNvPr>
+            <p:cNvCxnSpPr>
+              <a:cxnSpLocks/>
+            </p:cNvCxnSpPr>
+            <p:nvPr/>
+          </p:nvCxnSpPr>
+          <p:spPr>
+            <a:xfrm flipH="1">
+              <a:off x="3559629" y="2247987"/>
+              <a:ext cx="506986" cy="386372"/>
+            </a:xfrm>
+            <a:prstGeom prst="straightConnector1">
+              <a:avLst/>
+            </a:prstGeom>
+            <a:ln>
+              <a:tailEnd type="triangle"/>
+            </a:ln>
+          </p:spPr>
+          <p:style>
+            <a:lnRef idx="3">
+              <a:schemeClr val="accent2"/>
+            </a:lnRef>
+            <a:fillRef idx="0">
+              <a:schemeClr val="accent2"/>
+            </a:fillRef>
+            <a:effectRef idx="2">
+              <a:schemeClr val="accent2"/>
+            </a:effectRef>
+            <a:fontRef idx="minor">
+              <a:schemeClr val="tx1"/>
+            </a:fontRef>
+          </p:style>
+        </p:cxnSp>
+        <p:cxnSp>
+          <p:nvCxnSpPr>
+            <p:cNvPr id="20" name="Straight Arrow Connector 19">
+              <a:extLst>
+                <a:ext uri="{FF2B5EF4-FFF2-40B4-BE49-F238E27FC236}">
+                  <a16:creationId xmlns:a16="http://schemas.microsoft.com/office/drawing/2014/main" id="{3F186183-0BBE-EA1D-2E5B-042176837AC6}"/>
+                </a:ext>
+              </a:extLst>
+            </p:cNvPr>
+            <p:cNvCxnSpPr>
+              <a:cxnSpLocks/>
+              <a:stCxn id="16" idx="3"/>
+            </p:cNvCxnSpPr>
+            <p:nvPr/>
+          </p:nvCxnSpPr>
+          <p:spPr>
+            <a:xfrm>
+              <a:off x="6003762" y="2247987"/>
+              <a:ext cx="506986" cy="386372"/>
+            </a:xfrm>
+            <a:prstGeom prst="straightConnector1">
+              <a:avLst/>
+            </a:prstGeom>
+            <a:ln>
+              <a:tailEnd type="triangle"/>
+            </a:ln>
+          </p:spPr>
+          <p:style>
+            <a:lnRef idx="3">
+              <a:schemeClr val="accent2"/>
+            </a:lnRef>
+            <a:fillRef idx="0">
+              <a:schemeClr val="accent2"/>
+            </a:fillRef>
+            <a:effectRef idx="2">
+              <a:schemeClr val="accent2"/>
+            </a:effectRef>
+            <a:fontRef idx="minor">
+              <a:schemeClr val="tx1"/>
+            </a:fontRef>
+          </p:style>
+        </p:cxnSp>
+      </p:grpSp>
+    </p:spTree>
+    <p:extLst>
+      <p:ext uri="{BB962C8B-B14F-4D97-AF65-F5344CB8AC3E}">
+        <p14:creationId xmlns:p14="http://schemas.microsoft.com/office/powerpoint/2010/main" val="988709269"/>
+      </p:ext>
+    </p:extLst>
+  </p:cSld>
+  <p:clrMapOvr>
+    <a:masterClrMapping/>
+  </p:clrMapOvr>
+</p:sld>
+</file>
+
+<file path=ppt/slides/slide37.xml><?xml version="1.0" encoding="utf-8"?>
+<p:sld xmlns:a="http://schemas.openxmlformats.org/drawingml/2006/main" xmlns:r="http://schemas.openxmlformats.org/officeDocument/2006/relationships" xmlns:p="http://schemas.openxmlformats.org/presentationml/2006/main">
+  <p:cSld>
+    <p:spTree>
+      <p:nvGrpSpPr>
+        <p:cNvPr id="1" name=""/>
+        <p:cNvGrpSpPr/>
+        <p:nvPr/>
+      </p:nvGrpSpPr>
+      <p:grpSpPr>
+        <a:xfrm>
+          <a:off x="0" y="0"/>
+          <a:ext cx="0" cy="0"/>
+          <a:chOff x="0" y="0"/>
+          <a:chExt cx="0" cy="0"/>
+        </a:xfrm>
+      </p:grpSpPr>
+      <p:sp>
+        <p:nvSpPr>
+          <p:cNvPr id="2" name="Title 1">
+            <a:extLst>
+              <a:ext uri="{FF2B5EF4-FFF2-40B4-BE49-F238E27FC236}">
+                <a16:creationId xmlns:a16="http://schemas.microsoft.com/office/drawing/2014/main" id="{39A1D606-8DD1-369C-5C09-471CDD551AD5}"/>
+              </a:ext>
+            </a:extLst>
+          </p:cNvPr>
+          <p:cNvSpPr>
+            <a:spLocks noGrp="1"/>
+          </p:cNvSpPr>
+          <p:nvPr>
+            <p:ph type="title"/>
+          </p:nvPr>
+        </p:nvSpPr>
+        <p:spPr>
+          <a:xfrm>
+            <a:off x="838200" y="365126"/>
+            <a:ext cx="10515600" cy="718608"/>
+          </a:xfrm>
+        </p:spPr>
+        <p:txBody>
+          <a:bodyPr>
+            <a:normAutofit/>
+          </a:bodyPr>
+          <a:lstStyle/>
+          <a:p>
+            <a:r>
+              <a:rPr lang="nl-NL" sz="3600" dirty="0"/>
+              <a:t>Productie problemen</a:t>
+            </a:r>
+            <a:endParaRPr lang="nl-NL" sz="3600" noProof="0" dirty="0"/>
+          </a:p>
+        </p:txBody>
+      </p:sp>
+      <p:sp>
+        <p:nvSpPr>
+          <p:cNvPr id="6" name="Rectangle 5">
+            <a:extLst>
+              <a:ext uri="{FF2B5EF4-FFF2-40B4-BE49-F238E27FC236}">
+                <a16:creationId xmlns:a16="http://schemas.microsoft.com/office/drawing/2014/main" id="{B32E2B49-6A16-A1DE-7F5E-041E6F9732FF}"/>
+              </a:ext>
+            </a:extLst>
+          </p:cNvPr>
+          <p:cNvSpPr/>
+          <p:nvPr/>
+        </p:nvSpPr>
+        <p:spPr>
+          <a:xfrm>
+            <a:off x="1119052" y="3494312"/>
+            <a:ext cx="2440577" cy="2070463"/>
+          </a:xfrm>
+          <a:prstGeom prst="rect">
+            <a:avLst/>
+          </a:prstGeom>
+        </p:spPr>
+        <p:style>
+          <a:lnRef idx="1">
+            <a:schemeClr val="accent6"/>
+          </a:lnRef>
+          <a:fillRef idx="2">
+            <a:schemeClr val="accent6"/>
+          </a:fillRef>
+          <a:effectRef idx="1">
+            <a:schemeClr val="accent6"/>
+          </a:effectRef>
+          <a:fontRef idx="minor">
+            <a:schemeClr val="dk1"/>
+          </a:fontRef>
+        </p:style>
+        <p:txBody>
+          <a:bodyPr rtlCol="0" anchor="ctr"/>
+          <a:lstStyle/>
+          <a:p>
+            <a:pPr algn="ctr"/>
+            <a:r>
+              <a:rPr lang="nl-NL"/>
+              <a:t>Training omgeving</a:t>
+            </a:r>
+          </a:p>
+        </p:txBody>
+      </p:sp>
+      <p:sp>
+        <p:nvSpPr>
+          <p:cNvPr id="7" name="Rectangle 6">
+            <a:extLst>
+              <a:ext uri="{FF2B5EF4-FFF2-40B4-BE49-F238E27FC236}">
+                <a16:creationId xmlns:a16="http://schemas.microsoft.com/office/drawing/2014/main" id="{D7AC7AB4-D61A-0671-093A-D3C8149D6127}"/>
+              </a:ext>
+            </a:extLst>
+          </p:cNvPr>
+          <p:cNvSpPr/>
+          <p:nvPr/>
+        </p:nvSpPr>
+        <p:spPr>
+          <a:xfrm>
+            <a:off x="6510750" y="3494313"/>
+            <a:ext cx="2440577" cy="2070463"/>
+          </a:xfrm>
+          <a:prstGeom prst="rect">
+            <a:avLst/>
+          </a:prstGeom>
+        </p:spPr>
+        <p:style>
+          <a:lnRef idx="1">
+            <a:schemeClr val="accent5"/>
+          </a:lnRef>
+          <a:fillRef idx="2">
+            <a:schemeClr val="accent5"/>
+          </a:fillRef>
+          <a:effectRef idx="1">
+            <a:schemeClr val="accent5"/>
+          </a:effectRef>
+          <a:fontRef idx="minor">
+            <a:schemeClr val="dk1"/>
+          </a:fontRef>
+        </p:style>
+        <p:txBody>
+          <a:bodyPr rtlCol="0" anchor="ctr"/>
+          <a:lstStyle/>
+          <a:p>
+            <a:pPr algn="ctr"/>
+            <a:r>
+              <a:rPr lang="nl-NL" dirty="0"/>
+              <a:t>Scoring omgeving</a:t>
+            </a:r>
+          </a:p>
+        </p:txBody>
+      </p:sp>
+      <p:sp>
+        <p:nvSpPr>
+          <p:cNvPr id="8" name="Rectangle 7">
+            <a:extLst>
+              <a:ext uri="{FF2B5EF4-FFF2-40B4-BE49-F238E27FC236}">
+                <a16:creationId xmlns:a16="http://schemas.microsoft.com/office/drawing/2014/main" id="{21BF7B99-FC60-5852-E264-562437EEA80E}"/>
+              </a:ext>
+            </a:extLst>
+          </p:cNvPr>
+          <p:cNvSpPr/>
+          <p:nvPr/>
+        </p:nvSpPr>
+        <p:spPr>
+          <a:xfrm>
+            <a:off x="1119052" y="1774459"/>
+            <a:ext cx="2440577" cy="947057"/>
+          </a:xfrm>
+          <a:prstGeom prst="rect">
+            <a:avLst/>
+          </a:prstGeom>
+        </p:spPr>
+        <p:style>
+          <a:lnRef idx="1">
+            <a:schemeClr val="accent4"/>
+          </a:lnRef>
+          <a:fillRef idx="2">
+            <a:schemeClr val="accent4"/>
+          </a:fillRef>
+          <a:effectRef idx="1">
+            <a:schemeClr val="accent4"/>
+          </a:effectRef>
+          <a:fontRef idx="minor">
+            <a:schemeClr val="dk1"/>
+          </a:fontRef>
+        </p:style>
+        <p:txBody>
+          <a:bodyPr rtlCol="0" anchor="ctr"/>
+          <a:lstStyle/>
+          <a:p>
+            <a:pPr algn="ctr"/>
+            <a:r>
+              <a:rPr lang="nl-NL"/>
+              <a:t>Training Data</a:t>
+            </a:r>
+          </a:p>
+        </p:txBody>
+      </p:sp>
+      <p:sp>
+        <p:nvSpPr>
+          <p:cNvPr id="9" name="Rectangle 8">
+            <a:extLst>
+              <a:ext uri="{FF2B5EF4-FFF2-40B4-BE49-F238E27FC236}">
+                <a16:creationId xmlns:a16="http://schemas.microsoft.com/office/drawing/2014/main" id="{2ABCA7DB-5B45-060C-B58D-6E39BE3475FB}"/>
+              </a:ext>
+            </a:extLst>
+          </p:cNvPr>
+          <p:cNvSpPr/>
+          <p:nvPr/>
+        </p:nvSpPr>
+        <p:spPr>
+          <a:xfrm>
+            <a:off x="6510749" y="1774459"/>
+            <a:ext cx="2440577" cy="947057"/>
+          </a:xfrm>
+          <a:prstGeom prst="rect">
+            <a:avLst/>
+          </a:prstGeom>
+        </p:spPr>
+        <p:style>
+          <a:lnRef idx="1">
+            <a:schemeClr val="accent4"/>
+          </a:lnRef>
+          <a:fillRef idx="2">
+            <a:schemeClr val="accent4"/>
+          </a:fillRef>
+          <a:effectRef idx="1">
+            <a:schemeClr val="accent4"/>
+          </a:effectRef>
+          <a:fontRef idx="minor">
+            <a:schemeClr val="dk1"/>
+          </a:fontRef>
+        </p:style>
+        <p:txBody>
+          <a:bodyPr rtlCol="0" anchor="ctr"/>
+          <a:lstStyle/>
+          <a:p>
+            <a:pPr algn="ctr"/>
+            <a:r>
+              <a:rPr lang="nl-NL"/>
+              <a:t>Scoring Data</a:t>
+            </a:r>
+          </a:p>
+        </p:txBody>
+      </p:sp>
+      <p:sp>
+        <p:nvSpPr>
+          <p:cNvPr id="14" name="Rectangle: Rounded Corners 13">
+            <a:extLst>
+              <a:ext uri="{FF2B5EF4-FFF2-40B4-BE49-F238E27FC236}">
+                <a16:creationId xmlns:a16="http://schemas.microsoft.com/office/drawing/2014/main" id="{09717716-BF59-0EB3-97A8-9968CA5A1E00}"/>
+              </a:ext>
+            </a:extLst>
+          </p:cNvPr>
+          <p:cNvSpPr/>
+          <p:nvPr/>
+        </p:nvSpPr>
+        <p:spPr>
+          <a:xfrm>
+            <a:off x="9639850" y="4139222"/>
+            <a:ext cx="1574074" cy="777240"/>
+          </a:xfrm>
+          <a:prstGeom prst="roundRect">
+            <a:avLst/>
+          </a:prstGeom>
+        </p:spPr>
+        <p:style>
+          <a:lnRef idx="1">
+            <a:schemeClr val="accent5"/>
+          </a:lnRef>
+          <a:fillRef idx="2">
+            <a:schemeClr val="accent5"/>
+          </a:fillRef>
+          <a:effectRef idx="1">
+            <a:schemeClr val="accent5"/>
+          </a:effectRef>
+          <a:fontRef idx="minor">
+            <a:schemeClr val="dk1"/>
+          </a:fontRef>
+        </p:style>
+        <p:txBody>
+          <a:bodyPr rtlCol="0" anchor="ctr"/>
+          <a:lstStyle/>
+          <a:p>
+            <a:pPr algn="ctr"/>
+            <a:r>
+              <a:rPr lang="nl-NL" dirty="0"/>
+              <a:t>Voorspelling</a:t>
+            </a:r>
+          </a:p>
+        </p:txBody>
+      </p:sp>
+      <p:cxnSp>
+        <p:nvCxnSpPr>
+          <p:cNvPr id="17" name="Straight Arrow Connector 16">
+            <a:extLst>
+              <a:ext uri="{FF2B5EF4-FFF2-40B4-BE49-F238E27FC236}">
+                <a16:creationId xmlns:a16="http://schemas.microsoft.com/office/drawing/2014/main" id="{9AA1BFE4-AECF-A957-D0D5-5B89FE926C2D}"/>
+              </a:ext>
+            </a:extLst>
+          </p:cNvPr>
+          <p:cNvCxnSpPr>
+            <a:cxnSpLocks/>
+            <a:stCxn id="6" idx="3"/>
+            <a:endCxn id="29" idx="1"/>
+          </p:cNvCxnSpPr>
+          <p:nvPr/>
+        </p:nvCxnSpPr>
+        <p:spPr>
+          <a:xfrm flipV="1">
+            <a:off x="3559629" y="4527841"/>
+            <a:ext cx="688523" cy="1703"/>
+          </a:xfrm>
+          <a:prstGeom prst="straightConnector1">
+            <a:avLst/>
+          </a:prstGeom>
+          <a:ln>
+            <a:tailEnd type="triangle"/>
+          </a:ln>
+        </p:spPr>
+        <p:style>
+          <a:lnRef idx="3">
+            <a:schemeClr val="dk1"/>
+          </a:lnRef>
+          <a:fillRef idx="0">
+            <a:schemeClr val="dk1"/>
+          </a:fillRef>
+          <a:effectRef idx="2">
+            <a:schemeClr val="dk1"/>
+          </a:effectRef>
+          <a:fontRef idx="minor">
+            <a:schemeClr val="tx1"/>
+          </a:fontRef>
+        </p:style>
+      </p:cxnSp>
+      <p:cxnSp>
+        <p:nvCxnSpPr>
+          <p:cNvPr id="19" name="Straight Arrow Connector 18">
+            <a:extLst>
+              <a:ext uri="{FF2B5EF4-FFF2-40B4-BE49-F238E27FC236}">
+                <a16:creationId xmlns:a16="http://schemas.microsoft.com/office/drawing/2014/main" id="{732D8E31-4E5A-53C3-967E-9B05BD33FA82}"/>
+              </a:ext>
+            </a:extLst>
+          </p:cNvPr>
+          <p:cNvCxnSpPr>
+            <a:cxnSpLocks/>
+            <a:stCxn id="29" idx="3"/>
+            <a:endCxn id="7" idx="1"/>
+          </p:cNvCxnSpPr>
+          <p:nvPr/>
+        </p:nvCxnSpPr>
+        <p:spPr>
+          <a:xfrm>
+            <a:off x="5822226" y="4527841"/>
+            <a:ext cx="688524" cy="1704"/>
+          </a:xfrm>
+          <a:prstGeom prst="straightConnector1">
+            <a:avLst/>
+          </a:prstGeom>
+          <a:ln>
+            <a:tailEnd type="triangle"/>
+          </a:ln>
+        </p:spPr>
+        <p:style>
+          <a:lnRef idx="3">
+            <a:schemeClr val="dk1"/>
+          </a:lnRef>
+          <a:fillRef idx="0">
+            <a:schemeClr val="dk1"/>
+          </a:fillRef>
+          <a:effectRef idx="2">
+            <a:schemeClr val="dk1"/>
+          </a:effectRef>
+          <a:fontRef idx="minor">
+            <a:schemeClr val="tx1"/>
+          </a:fontRef>
+        </p:style>
+      </p:cxnSp>
+      <p:cxnSp>
+        <p:nvCxnSpPr>
+          <p:cNvPr id="22" name="Straight Arrow Connector 21">
+            <a:extLst>
+              <a:ext uri="{FF2B5EF4-FFF2-40B4-BE49-F238E27FC236}">
+                <a16:creationId xmlns:a16="http://schemas.microsoft.com/office/drawing/2014/main" id="{BD591FEB-E40A-5883-527D-5C938694ACFB}"/>
+              </a:ext>
+            </a:extLst>
+          </p:cNvPr>
+          <p:cNvCxnSpPr>
+            <a:stCxn id="7" idx="3"/>
+            <a:endCxn id="14" idx="1"/>
+          </p:cNvCxnSpPr>
+          <p:nvPr/>
+        </p:nvCxnSpPr>
+        <p:spPr>
+          <a:xfrm flipV="1">
+            <a:off x="8951327" y="4527842"/>
+            <a:ext cx="688523" cy="1703"/>
+          </a:xfrm>
+          <a:prstGeom prst="straightConnector1">
+            <a:avLst/>
+          </a:prstGeom>
+          <a:ln>
+            <a:tailEnd type="triangle"/>
+          </a:ln>
+        </p:spPr>
+        <p:style>
+          <a:lnRef idx="3">
+            <a:schemeClr val="dk1"/>
+          </a:lnRef>
+          <a:fillRef idx="0">
+            <a:schemeClr val="dk1"/>
+          </a:fillRef>
+          <a:effectRef idx="2">
+            <a:schemeClr val="dk1"/>
+          </a:effectRef>
+          <a:fontRef idx="minor">
+            <a:schemeClr val="tx1"/>
+          </a:fontRef>
+        </p:style>
+      </p:cxnSp>
+      <p:cxnSp>
+        <p:nvCxnSpPr>
+          <p:cNvPr id="24" name="Straight Arrow Connector 23">
+            <a:extLst>
+              <a:ext uri="{FF2B5EF4-FFF2-40B4-BE49-F238E27FC236}">
+                <a16:creationId xmlns:a16="http://schemas.microsoft.com/office/drawing/2014/main" id="{926D003C-9F25-39B0-F989-A5E70674A1AA}"/>
+              </a:ext>
+            </a:extLst>
+          </p:cNvPr>
+          <p:cNvCxnSpPr>
+            <a:stCxn id="8" idx="2"/>
+            <a:endCxn id="6" idx="0"/>
+          </p:cNvCxnSpPr>
+          <p:nvPr/>
+        </p:nvCxnSpPr>
+        <p:spPr>
+          <a:xfrm>
+            <a:off x="2339341" y="2721516"/>
+            <a:ext cx="0" cy="772796"/>
+          </a:xfrm>
+          <a:prstGeom prst="straightConnector1">
+            <a:avLst/>
+          </a:prstGeom>
+          <a:ln>
+            <a:tailEnd type="triangle"/>
+          </a:ln>
+        </p:spPr>
+        <p:style>
+          <a:lnRef idx="3">
+            <a:schemeClr val="dk1"/>
+          </a:lnRef>
+          <a:fillRef idx="0">
+            <a:schemeClr val="dk1"/>
+          </a:fillRef>
+          <a:effectRef idx="2">
+            <a:schemeClr val="dk1"/>
+          </a:effectRef>
+          <a:fontRef idx="minor">
+            <a:schemeClr val="tx1"/>
+          </a:fontRef>
+        </p:style>
+      </p:cxnSp>
+      <p:cxnSp>
+        <p:nvCxnSpPr>
+          <p:cNvPr id="26" name="Straight Arrow Connector 25">
+            <a:extLst>
+              <a:ext uri="{FF2B5EF4-FFF2-40B4-BE49-F238E27FC236}">
+                <a16:creationId xmlns:a16="http://schemas.microsoft.com/office/drawing/2014/main" id="{53338556-318B-747A-4F1C-21E738F16174}"/>
+              </a:ext>
+            </a:extLst>
+          </p:cNvPr>
+          <p:cNvCxnSpPr>
+            <a:stCxn id="9" idx="2"/>
+            <a:endCxn id="7" idx="0"/>
+          </p:cNvCxnSpPr>
+          <p:nvPr/>
+        </p:nvCxnSpPr>
+        <p:spPr>
+          <a:xfrm>
+            <a:off x="7731038" y="2721516"/>
+            <a:ext cx="1" cy="772797"/>
+          </a:xfrm>
+          <a:prstGeom prst="straightConnector1">
+            <a:avLst/>
+          </a:prstGeom>
+          <a:ln>
+            <a:tailEnd type="triangle"/>
+          </a:ln>
+        </p:spPr>
+        <p:style>
+          <a:lnRef idx="3">
+            <a:schemeClr val="dk1"/>
+          </a:lnRef>
+          <a:fillRef idx="0">
+            <a:schemeClr val="dk1"/>
+          </a:fillRef>
+          <a:effectRef idx="2">
+            <a:schemeClr val="dk1"/>
+          </a:effectRef>
+          <a:fontRef idx="minor">
+            <a:schemeClr val="tx1"/>
+          </a:fontRef>
+        </p:style>
+      </p:cxnSp>
+      <p:sp>
+        <p:nvSpPr>
+          <p:cNvPr id="29" name="Rectangle: Rounded Corners 28">
+            <a:extLst>
+              <a:ext uri="{FF2B5EF4-FFF2-40B4-BE49-F238E27FC236}">
+                <a16:creationId xmlns:a16="http://schemas.microsoft.com/office/drawing/2014/main" id="{863D9589-CDB7-2989-9954-8509CA1E905A}"/>
+              </a:ext>
+            </a:extLst>
+          </p:cNvPr>
+          <p:cNvSpPr/>
+          <p:nvPr/>
+        </p:nvSpPr>
+        <p:spPr>
+          <a:xfrm>
+            <a:off x="4248152" y="4139221"/>
+            <a:ext cx="1574074" cy="777240"/>
+          </a:xfrm>
+          <a:prstGeom prst="roundRect">
+            <a:avLst/>
+          </a:prstGeom>
+        </p:spPr>
+        <p:style>
+          <a:lnRef idx="1">
+            <a:schemeClr val="accent6"/>
+          </a:lnRef>
+          <a:fillRef idx="2">
+            <a:schemeClr val="accent6"/>
+          </a:fillRef>
+          <a:effectRef idx="1">
+            <a:schemeClr val="accent6"/>
+          </a:effectRef>
+          <a:fontRef idx="minor">
+            <a:schemeClr val="dk1"/>
+          </a:fontRef>
+        </p:style>
+        <p:txBody>
+          <a:bodyPr rtlCol="0" anchor="ctr"/>
+          <a:lstStyle/>
+          <a:p>
+            <a:pPr algn="ctr"/>
+            <a:r>
+              <a:rPr lang="nl-NL" dirty="0"/>
+              <a:t>Model</a:t>
+            </a:r>
+          </a:p>
+        </p:txBody>
+      </p:sp>
+      <p:grpSp>
+        <p:nvGrpSpPr>
+          <p:cNvPr id="13" name="Group 12">
+            <a:extLst>
+              <a:ext uri="{FF2B5EF4-FFF2-40B4-BE49-F238E27FC236}">
+                <a16:creationId xmlns:a16="http://schemas.microsoft.com/office/drawing/2014/main" id="{B7D37394-7E54-1E1F-2844-414DE1963AE2}"/>
+              </a:ext>
+            </a:extLst>
+          </p:cNvPr>
+          <p:cNvGrpSpPr/>
+          <p:nvPr/>
+        </p:nvGrpSpPr>
+        <p:grpSpPr>
+          <a:xfrm>
+            <a:off x="3559629" y="2002327"/>
+            <a:ext cx="2951120" cy="491320"/>
+            <a:chOff x="3559629" y="2002327"/>
+            <a:chExt cx="2951120" cy="491320"/>
+          </a:xfrm>
+        </p:grpSpPr>
+        <p:sp>
+          <p:nvSpPr>
+            <p:cNvPr id="4" name="Rectangle: Rounded Corners 3">
+              <a:extLst>
+                <a:ext uri="{FF2B5EF4-FFF2-40B4-BE49-F238E27FC236}">
+                  <a16:creationId xmlns:a16="http://schemas.microsoft.com/office/drawing/2014/main" id="{B8AFF28A-C1BB-B8B4-D6FC-49147E0DAFC9}"/>
+                </a:ext>
+              </a:extLst>
+            </p:cNvPr>
+            <p:cNvSpPr/>
+            <p:nvPr/>
+          </p:nvSpPr>
+          <p:spPr>
+            <a:xfrm>
+              <a:off x="4066615" y="2002327"/>
+              <a:ext cx="1937147" cy="491320"/>
+            </a:xfrm>
+            <a:prstGeom prst="roundRect">
+              <a:avLst/>
+            </a:prstGeom>
+          </p:spPr>
+          <p:style>
+            <a:lnRef idx="1">
+              <a:schemeClr val="accent2"/>
+            </a:lnRef>
+            <a:fillRef idx="2">
+              <a:schemeClr val="accent2"/>
+            </a:fillRef>
+            <a:effectRef idx="1">
+              <a:schemeClr val="accent2"/>
+            </a:effectRef>
+            <a:fontRef idx="minor">
+              <a:schemeClr val="dk1"/>
+            </a:fontRef>
+          </p:style>
+          <p:txBody>
+            <a:bodyPr rtlCol="0" anchor="ctr"/>
+            <a:lstStyle/>
+            <a:p>
+              <a:pPr algn="ctr"/>
+              <a:r>
+                <a:rPr lang="en-US" dirty="0"/>
+                <a:t>incompatible</a:t>
+              </a:r>
+              <a:endParaRPr lang="en-NL" dirty="0"/>
+            </a:p>
+          </p:txBody>
+        </p:sp>
+        <p:cxnSp>
+          <p:nvCxnSpPr>
+            <p:cNvPr id="10" name="Straight Arrow Connector 9">
+              <a:extLst>
+                <a:ext uri="{FF2B5EF4-FFF2-40B4-BE49-F238E27FC236}">
+                  <a16:creationId xmlns:a16="http://schemas.microsoft.com/office/drawing/2014/main" id="{6A0DFF0A-A0AA-FA5B-9CA8-816CB911BDBC}"/>
+                </a:ext>
+              </a:extLst>
+            </p:cNvPr>
+            <p:cNvCxnSpPr>
+              <a:endCxn id="8" idx="3"/>
+            </p:cNvCxnSpPr>
+            <p:nvPr/>
+          </p:nvCxnSpPr>
+          <p:spPr>
+            <a:xfrm flipH="1">
+              <a:off x="3559629" y="2247987"/>
+              <a:ext cx="506986" cy="1"/>
+            </a:xfrm>
+            <a:prstGeom prst="straightConnector1">
+              <a:avLst/>
+            </a:prstGeom>
+            <a:ln>
+              <a:tailEnd type="triangle"/>
+            </a:ln>
+          </p:spPr>
+          <p:style>
+            <a:lnRef idx="3">
+              <a:schemeClr val="accent2"/>
+            </a:lnRef>
+            <a:fillRef idx="0">
+              <a:schemeClr val="accent2"/>
+            </a:fillRef>
+            <a:effectRef idx="2">
+              <a:schemeClr val="accent2"/>
+            </a:effectRef>
+            <a:fontRef idx="minor">
+              <a:schemeClr val="tx1"/>
+            </a:fontRef>
+          </p:style>
+        </p:cxnSp>
+        <p:cxnSp>
+          <p:nvCxnSpPr>
+            <p:cNvPr id="12" name="Straight Arrow Connector 11">
+              <a:extLst>
+                <a:ext uri="{FF2B5EF4-FFF2-40B4-BE49-F238E27FC236}">
+                  <a16:creationId xmlns:a16="http://schemas.microsoft.com/office/drawing/2014/main" id="{E80C47D3-4310-5994-1A0B-FF7CBF6C5021}"/>
+                </a:ext>
+              </a:extLst>
+            </p:cNvPr>
+            <p:cNvCxnSpPr>
+              <a:stCxn id="4" idx="3"/>
+              <a:endCxn id="9" idx="1"/>
+            </p:cNvCxnSpPr>
+            <p:nvPr/>
+          </p:nvCxnSpPr>
+          <p:spPr>
+            <a:xfrm>
+              <a:off x="6003762" y="2247987"/>
+              <a:ext cx="506987" cy="1"/>
+            </a:xfrm>
+            <a:prstGeom prst="straightConnector1">
+              <a:avLst/>
+            </a:prstGeom>
+            <a:ln>
+              <a:tailEnd type="triangle"/>
+            </a:ln>
+          </p:spPr>
+          <p:style>
+            <a:lnRef idx="3">
+              <a:schemeClr val="accent2"/>
+            </a:lnRef>
+            <a:fillRef idx="0">
+              <a:schemeClr val="accent2"/>
+            </a:fillRef>
+            <a:effectRef idx="2">
+              <a:schemeClr val="accent2"/>
+            </a:effectRef>
+            <a:fontRef idx="minor">
+              <a:schemeClr val="tx1"/>
+            </a:fontRef>
+          </p:style>
+        </p:cxnSp>
+      </p:grpSp>
+      <p:grpSp>
+        <p:nvGrpSpPr>
+          <p:cNvPr id="15" name="Group 14">
+            <a:extLst>
+              <a:ext uri="{FF2B5EF4-FFF2-40B4-BE49-F238E27FC236}">
+                <a16:creationId xmlns:a16="http://schemas.microsoft.com/office/drawing/2014/main" id="{6B1ADA3F-DB9B-63D0-B8BC-48CC68177A55}"/>
+              </a:ext>
+            </a:extLst>
+          </p:cNvPr>
+          <p:cNvGrpSpPr/>
+          <p:nvPr/>
+        </p:nvGrpSpPr>
+        <p:grpSpPr>
+          <a:xfrm>
+            <a:off x="3559629" y="2860578"/>
+            <a:ext cx="2951119" cy="632032"/>
+            <a:chOff x="3559629" y="2002327"/>
+            <a:chExt cx="2951119" cy="632032"/>
+          </a:xfrm>
+        </p:grpSpPr>
+        <p:sp>
+          <p:nvSpPr>
+            <p:cNvPr id="16" name="Rectangle: Rounded Corners 15">
+              <a:extLst>
+                <a:ext uri="{FF2B5EF4-FFF2-40B4-BE49-F238E27FC236}">
+                  <a16:creationId xmlns:a16="http://schemas.microsoft.com/office/drawing/2014/main" id="{3164D936-7CEE-8BD6-3AEB-7FEFF65A8CD0}"/>
+                </a:ext>
+              </a:extLst>
+            </p:cNvPr>
+            <p:cNvSpPr/>
+            <p:nvPr/>
+          </p:nvSpPr>
+          <p:spPr>
+            <a:xfrm>
+              <a:off x="4066615" y="2002327"/>
+              <a:ext cx="1937147" cy="491320"/>
+            </a:xfrm>
+            <a:prstGeom prst="roundRect">
+              <a:avLst/>
+            </a:prstGeom>
+          </p:spPr>
+          <p:style>
+            <a:lnRef idx="1">
+              <a:schemeClr val="accent2"/>
+            </a:lnRef>
+            <a:fillRef idx="2">
+              <a:schemeClr val="accent2"/>
+            </a:fillRef>
+            <a:effectRef idx="1">
+              <a:schemeClr val="accent2"/>
+            </a:effectRef>
+            <a:fontRef idx="minor">
+              <a:schemeClr val="dk1"/>
+            </a:fontRef>
+          </p:style>
+          <p:txBody>
+            <a:bodyPr rtlCol="0" anchor="ctr"/>
+            <a:lstStyle/>
+            <a:p>
+              <a:pPr algn="ctr"/>
+              <a:r>
+                <a:rPr lang="en-US" dirty="0"/>
+                <a:t>incompatible</a:t>
+              </a:r>
+              <a:endParaRPr lang="en-NL" dirty="0"/>
+            </a:p>
+          </p:txBody>
+        </p:sp>
+        <p:cxnSp>
+          <p:nvCxnSpPr>
+            <p:cNvPr id="18" name="Straight Arrow Connector 17">
+              <a:extLst>
+                <a:ext uri="{FF2B5EF4-FFF2-40B4-BE49-F238E27FC236}">
+                  <a16:creationId xmlns:a16="http://schemas.microsoft.com/office/drawing/2014/main" id="{CD6CDEF9-2153-5F50-B07B-4CF42FD66496}"/>
+                </a:ext>
+              </a:extLst>
+            </p:cNvPr>
+            <p:cNvCxnSpPr>
+              <a:cxnSpLocks/>
+            </p:cNvCxnSpPr>
+            <p:nvPr/>
+          </p:nvCxnSpPr>
+          <p:spPr>
+            <a:xfrm flipH="1">
+              <a:off x="3559629" y="2247987"/>
+              <a:ext cx="506986" cy="386372"/>
+            </a:xfrm>
+            <a:prstGeom prst="straightConnector1">
+              <a:avLst/>
+            </a:prstGeom>
+            <a:ln>
+              <a:tailEnd type="triangle"/>
+            </a:ln>
+          </p:spPr>
+          <p:style>
+            <a:lnRef idx="3">
+              <a:schemeClr val="accent2"/>
+            </a:lnRef>
+            <a:fillRef idx="0">
+              <a:schemeClr val="accent2"/>
+            </a:fillRef>
+            <a:effectRef idx="2">
+              <a:schemeClr val="accent2"/>
+            </a:effectRef>
+            <a:fontRef idx="minor">
+              <a:schemeClr val="tx1"/>
+            </a:fontRef>
+          </p:style>
+        </p:cxnSp>
+        <p:cxnSp>
+          <p:nvCxnSpPr>
+            <p:cNvPr id="20" name="Straight Arrow Connector 19">
+              <a:extLst>
+                <a:ext uri="{FF2B5EF4-FFF2-40B4-BE49-F238E27FC236}">
+                  <a16:creationId xmlns:a16="http://schemas.microsoft.com/office/drawing/2014/main" id="{3F186183-0BBE-EA1D-2E5B-042176837AC6}"/>
+                </a:ext>
+              </a:extLst>
+            </p:cNvPr>
+            <p:cNvCxnSpPr>
+              <a:cxnSpLocks/>
+              <a:stCxn id="16" idx="3"/>
+            </p:cNvCxnSpPr>
+            <p:nvPr/>
+          </p:nvCxnSpPr>
+          <p:spPr>
+            <a:xfrm>
+              <a:off x="6003762" y="2247987"/>
+              <a:ext cx="506986" cy="386372"/>
+            </a:xfrm>
+            <a:prstGeom prst="straightConnector1">
+              <a:avLst/>
+            </a:prstGeom>
+            <a:ln>
+              <a:tailEnd type="triangle"/>
+            </a:ln>
+          </p:spPr>
+          <p:style>
+            <a:lnRef idx="3">
+              <a:schemeClr val="accent2"/>
+            </a:lnRef>
+            <a:fillRef idx="0">
+              <a:schemeClr val="accent2"/>
+            </a:fillRef>
+            <a:effectRef idx="2">
+              <a:schemeClr val="accent2"/>
+            </a:effectRef>
+            <a:fontRef idx="minor">
+              <a:schemeClr val="tx1"/>
+            </a:fontRef>
+          </p:style>
+        </p:cxnSp>
+      </p:grpSp>
+      <p:sp>
+        <p:nvSpPr>
+          <p:cNvPr id="25" name="Rectangle: Rounded Corners 24">
+            <a:extLst>
+              <a:ext uri="{FF2B5EF4-FFF2-40B4-BE49-F238E27FC236}">
+                <a16:creationId xmlns:a16="http://schemas.microsoft.com/office/drawing/2014/main" id="{B069D86B-E436-970C-BD01-18CA0BB51E1A}"/>
+              </a:ext>
+            </a:extLst>
+          </p:cNvPr>
+          <p:cNvSpPr/>
+          <p:nvPr/>
+        </p:nvSpPr>
+        <p:spPr>
+          <a:xfrm>
+            <a:off x="4070619" y="5813741"/>
+            <a:ext cx="1933143" cy="491321"/>
+          </a:xfrm>
+          <a:prstGeom prst="roundRect">
+            <a:avLst/>
+          </a:prstGeom>
+        </p:spPr>
+        <p:style>
+          <a:lnRef idx="1">
+            <a:schemeClr val="accent2"/>
+          </a:lnRef>
+          <a:fillRef idx="2">
+            <a:schemeClr val="accent2"/>
+          </a:fillRef>
+          <a:effectRef idx="1">
+            <a:schemeClr val="accent2"/>
+          </a:effectRef>
+          <a:fontRef idx="minor">
+            <a:schemeClr val="dk1"/>
+          </a:fontRef>
+        </p:style>
+        <p:txBody>
+          <a:bodyPr rtlCol="0" anchor="ctr"/>
+          <a:lstStyle/>
+          <a:p>
+            <a:pPr algn="ctr"/>
+            <a:r>
+              <a:rPr lang="en-US" dirty="0" err="1"/>
+              <a:t>versies</a:t>
+            </a:r>
+            <a:r>
+              <a:rPr lang="en-US" dirty="0"/>
+              <a:t>?</a:t>
+            </a:r>
+            <a:endParaRPr lang="en-NL" dirty="0"/>
+          </a:p>
+        </p:txBody>
+      </p:sp>
+      <p:cxnSp>
+        <p:nvCxnSpPr>
+          <p:cNvPr id="28" name="Straight Arrow Connector 27">
+            <a:extLst>
+              <a:ext uri="{FF2B5EF4-FFF2-40B4-BE49-F238E27FC236}">
+                <a16:creationId xmlns:a16="http://schemas.microsoft.com/office/drawing/2014/main" id="{C5E64489-1A93-9151-FE15-5B4142628006}"/>
+              </a:ext>
+            </a:extLst>
+          </p:cNvPr>
+          <p:cNvCxnSpPr>
+            <a:stCxn id="25" idx="0"/>
+            <a:endCxn id="29" idx="2"/>
+          </p:cNvCxnSpPr>
+          <p:nvPr/>
+        </p:nvCxnSpPr>
+        <p:spPr>
+          <a:xfrm flipH="1" flipV="1">
+            <a:off x="5035189" y="4916461"/>
+            <a:ext cx="2002" cy="897280"/>
+          </a:xfrm>
+          <a:prstGeom prst="straightConnector1">
+            <a:avLst/>
+          </a:prstGeom>
+          <a:ln>
+            <a:tailEnd type="triangle"/>
+          </a:ln>
+        </p:spPr>
+        <p:style>
+          <a:lnRef idx="3">
+            <a:schemeClr val="accent2"/>
+          </a:lnRef>
+          <a:fillRef idx="0">
+            <a:schemeClr val="accent2"/>
+          </a:fillRef>
+          <a:effectRef idx="2">
+            <a:schemeClr val="accent2"/>
+          </a:effectRef>
+          <a:fontRef idx="minor">
+            <a:schemeClr val="tx1"/>
+          </a:fontRef>
+        </p:style>
+      </p:cxnSp>
+    </p:spTree>
+    <p:extLst>
+      <p:ext uri="{BB962C8B-B14F-4D97-AF65-F5344CB8AC3E}">
+        <p14:creationId xmlns:p14="http://schemas.microsoft.com/office/powerpoint/2010/main" val="3845860861"/>
+      </p:ext>
+    </p:extLst>
+  </p:cSld>
+  <p:clrMapOvr>
+    <a:masterClrMapping/>
+  </p:clrMapOvr>
+</p:sld>
+</file>
+
+<file path=ppt/slides/slide38.xml><?xml version="1.0" encoding="utf-8"?>
+<p:sld xmlns:a="http://schemas.openxmlformats.org/drawingml/2006/main" xmlns:r="http://schemas.openxmlformats.org/officeDocument/2006/relationships" xmlns:p="http://schemas.openxmlformats.org/presentationml/2006/main">
+  <p:cSld>
+    <p:spTree>
+      <p:nvGrpSpPr>
+        <p:cNvPr id="1" name=""/>
+        <p:cNvGrpSpPr/>
+        <p:nvPr/>
+      </p:nvGrpSpPr>
+      <p:grpSpPr>
+        <a:xfrm>
+          <a:off x="0" y="0"/>
+          <a:ext cx="0" cy="0"/>
+          <a:chOff x="0" y="0"/>
+          <a:chExt cx="0" cy="0"/>
+        </a:xfrm>
+      </p:grpSpPr>
+      <p:sp>
+        <p:nvSpPr>
+          <p:cNvPr id="2" name="Title 1">
+            <a:extLst>
+              <a:ext uri="{FF2B5EF4-FFF2-40B4-BE49-F238E27FC236}">
+                <a16:creationId xmlns:a16="http://schemas.microsoft.com/office/drawing/2014/main" id="{39A1D606-8DD1-369C-5C09-471CDD551AD5}"/>
+              </a:ext>
+            </a:extLst>
+          </p:cNvPr>
+          <p:cNvSpPr>
+            <a:spLocks noGrp="1"/>
+          </p:cNvSpPr>
+          <p:nvPr>
+            <p:ph type="title"/>
+          </p:nvPr>
+        </p:nvSpPr>
+        <p:spPr>
+          <a:xfrm>
+            <a:off x="838200" y="365126"/>
+            <a:ext cx="10515600" cy="718608"/>
+          </a:xfrm>
+        </p:spPr>
+        <p:txBody>
+          <a:bodyPr>
+            <a:normAutofit/>
+          </a:bodyPr>
+          <a:lstStyle/>
+          <a:p>
+            <a:r>
+              <a:rPr lang="nl-NL" sz="3600" dirty="0"/>
+              <a:t>Productie problemen</a:t>
+            </a:r>
+            <a:endParaRPr lang="nl-NL" sz="3600" noProof="0" dirty="0"/>
+          </a:p>
+        </p:txBody>
+      </p:sp>
+      <p:sp>
+        <p:nvSpPr>
+          <p:cNvPr id="6" name="Rectangle 5">
+            <a:extLst>
+              <a:ext uri="{FF2B5EF4-FFF2-40B4-BE49-F238E27FC236}">
+                <a16:creationId xmlns:a16="http://schemas.microsoft.com/office/drawing/2014/main" id="{B32E2B49-6A16-A1DE-7F5E-041E6F9732FF}"/>
+              </a:ext>
+            </a:extLst>
+          </p:cNvPr>
+          <p:cNvSpPr/>
+          <p:nvPr/>
+        </p:nvSpPr>
+        <p:spPr>
+          <a:xfrm>
+            <a:off x="1119052" y="3494312"/>
+            <a:ext cx="2440577" cy="2070463"/>
+          </a:xfrm>
+          <a:prstGeom prst="rect">
+            <a:avLst/>
+          </a:prstGeom>
+        </p:spPr>
+        <p:style>
+          <a:lnRef idx="1">
+            <a:schemeClr val="accent6"/>
+          </a:lnRef>
+          <a:fillRef idx="2">
+            <a:schemeClr val="accent6"/>
+          </a:fillRef>
+          <a:effectRef idx="1">
+            <a:schemeClr val="accent6"/>
+          </a:effectRef>
+          <a:fontRef idx="minor">
+            <a:schemeClr val="dk1"/>
+          </a:fontRef>
+        </p:style>
+        <p:txBody>
+          <a:bodyPr rtlCol="0" anchor="ctr"/>
+          <a:lstStyle/>
+          <a:p>
+            <a:pPr algn="ctr"/>
+            <a:r>
+              <a:rPr lang="nl-NL"/>
+              <a:t>Training omgeving</a:t>
+            </a:r>
+          </a:p>
+        </p:txBody>
+      </p:sp>
+      <p:sp>
+        <p:nvSpPr>
+          <p:cNvPr id="7" name="Rectangle 6">
+            <a:extLst>
+              <a:ext uri="{FF2B5EF4-FFF2-40B4-BE49-F238E27FC236}">
+                <a16:creationId xmlns:a16="http://schemas.microsoft.com/office/drawing/2014/main" id="{D7AC7AB4-D61A-0671-093A-D3C8149D6127}"/>
+              </a:ext>
+            </a:extLst>
+          </p:cNvPr>
+          <p:cNvSpPr/>
+          <p:nvPr/>
+        </p:nvSpPr>
+        <p:spPr>
+          <a:xfrm>
+            <a:off x="6510750" y="3494313"/>
+            <a:ext cx="2440577" cy="2070463"/>
+          </a:xfrm>
+          <a:prstGeom prst="rect">
+            <a:avLst/>
+          </a:prstGeom>
+        </p:spPr>
+        <p:style>
+          <a:lnRef idx="1">
+            <a:schemeClr val="accent5"/>
+          </a:lnRef>
+          <a:fillRef idx="2">
+            <a:schemeClr val="accent5"/>
+          </a:fillRef>
+          <a:effectRef idx="1">
+            <a:schemeClr val="accent5"/>
+          </a:effectRef>
+          <a:fontRef idx="minor">
+            <a:schemeClr val="dk1"/>
+          </a:fontRef>
+        </p:style>
+        <p:txBody>
+          <a:bodyPr rtlCol="0" anchor="ctr"/>
+          <a:lstStyle/>
+          <a:p>
+            <a:pPr algn="ctr"/>
+            <a:r>
+              <a:rPr lang="nl-NL" dirty="0"/>
+              <a:t>Scoring omgeving</a:t>
+            </a:r>
+          </a:p>
+        </p:txBody>
+      </p:sp>
+      <p:sp>
+        <p:nvSpPr>
+          <p:cNvPr id="8" name="Rectangle 7">
+            <a:extLst>
+              <a:ext uri="{FF2B5EF4-FFF2-40B4-BE49-F238E27FC236}">
+                <a16:creationId xmlns:a16="http://schemas.microsoft.com/office/drawing/2014/main" id="{21BF7B99-FC60-5852-E264-562437EEA80E}"/>
+              </a:ext>
+            </a:extLst>
+          </p:cNvPr>
+          <p:cNvSpPr/>
+          <p:nvPr/>
+        </p:nvSpPr>
+        <p:spPr>
+          <a:xfrm>
+            <a:off x="1119052" y="1774459"/>
+            <a:ext cx="2440577" cy="947057"/>
+          </a:xfrm>
+          <a:prstGeom prst="rect">
+            <a:avLst/>
+          </a:prstGeom>
+        </p:spPr>
+        <p:style>
+          <a:lnRef idx="1">
+            <a:schemeClr val="accent4"/>
+          </a:lnRef>
+          <a:fillRef idx="2">
+            <a:schemeClr val="accent4"/>
+          </a:fillRef>
+          <a:effectRef idx="1">
+            <a:schemeClr val="accent4"/>
+          </a:effectRef>
+          <a:fontRef idx="minor">
+            <a:schemeClr val="dk1"/>
+          </a:fontRef>
+        </p:style>
+        <p:txBody>
+          <a:bodyPr rtlCol="0" anchor="ctr"/>
+          <a:lstStyle/>
+          <a:p>
+            <a:pPr algn="ctr"/>
+            <a:r>
+              <a:rPr lang="nl-NL"/>
+              <a:t>Training Data</a:t>
+            </a:r>
+          </a:p>
+        </p:txBody>
+      </p:sp>
+      <p:sp>
+        <p:nvSpPr>
+          <p:cNvPr id="9" name="Rectangle 8">
+            <a:extLst>
+              <a:ext uri="{FF2B5EF4-FFF2-40B4-BE49-F238E27FC236}">
+                <a16:creationId xmlns:a16="http://schemas.microsoft.com/office/drawing/2014/main" id="{2ABCA7DB-5B45-060C-B58D-6E39BE3475FB}"/>
+              </a:ext>
+            </a:extLst>
+          </p:cNvPr>
+          <p:cNvSpPr/>
+          <p:nvPr/>
+        </p:nvSpPr>
+        <p:spPr>
+          <a:xfrm>
+            <a:off x="6510749" y="1774459"/>
+            <a:ext cx="2440577" cy="947057"/>
+          </a:xfrm>
+          <a:prstGeom prst="rect">
+            <a:avLst/>
+          </a:prstGeom>
+        </p:spPr>
+        <p:style>
+          <a:lnRef idx="1">
+            <a:schemeClr val="accent4"/>
+          </a:lnRef>
+          <a:fillRef idx="2">
+            <a:schemeClr val="accent4"/>
+          </a:fillRef>
+          <a:effectRef idx="1">
+            <a:schemeClr val="accent4"/>
+          </a:effectRef>
+          <a:fontRef idx="minor">
+            <a:schemeClr val="dk1"/>
+          </a:fontRef>
+        </p:style>
+        <p:txBody>
+          <a:bodyPr rtlCol="0" anchor="ctr"/>
+          <a:lstStyle/>
+          <a:p>
+            <a:pPr algn="ctr"/>
+            <a:r>
+              <a:rPr lang="nl-NL"/>
+              <a:t>Scoring Data</a:t>
+            </a:r>
+          </a:p>
+        </p:txBody>
+      </p:sp>
+      <p:sp>
+        <p:nvSpPr>
+          <p:cNvPr id="14" name="Rectangle: Rounded Corners 13">
+            <a:extLst>
+              <a:ext uri="{FF2B5EF4-FFF2-40B4-BE49-F238E27FC236}">
+                <a16:creationId xmlns:a16="http://schemas.microsoft.com/office/drawing/2014/main" id="{09717716-BF59-0EB3-97A8-9968CA5A1E00}"/>
+              </a:ext>
+            </a:extLst>
+          </p:cNvPr>
+          <p:cNvSpPr/>
+          <p:nvPr/>
+        </p:nvSpPr>
+        <p:spPr>
+          <a:xfrm>
+            <a:off x="9639850" y="4139222"/>
+            <a:ext cx="1574074" cy="777240"/>
+          </a:xfrm>
+          <a:prstGeom prst="roundRect">
+            <a:avLst/>
+          </a:prstGeom>
+        </p:spPr>
+        <p:style>
+          <a:lnRef idx="1">
+            <a:schemeClr val="accent5"/>
+          </a:lnRef>
+          <a:fillRef idx="2">
+            <a:schemeClr val="accent5"/>
+          </a:fillRef>
+          <a:effectRef idx="1">
+            <a:schemeClr val="accent5"/>
+          </a:effectRef>
+          <a:fontRef idx="minor">
+            <a:schemeClr val="dk1"/>
+          </a:fontRef>
+        </p:style>
+        <p:txBody>
+          <a:bodyPr rtlCol="0" anchor="ctr"/>
+          <a:lstStyle/>
+          <a:p>
+            <a:pPr algn="ctr"/>
+            <a:r>
+              <a:rPr lang="nl-NL" dirty="0"/>
+              <a:t>Voorspelling</a:t>
+            </a:r>
+          </a:p>
+        </p:txBody>
+      </p:sp>
+      <p:cxnSp>
+        <p:nvCxnSpPr>
+          <p:cNvPr id="17" name="Straight Arrow Connector 16">
+            <a:extLst>
+              <a:ext uri="{FF2B5EF4-FFF2-40B4-BE49-F238E27FC236}">
+                <a16:creationId xmlns:a16="http://schemas.microsoft.com/office/drawing/2014/main" id="{9AA1BFE4-AECF-A957-D0D5-5B89FE926C2D}"/>
+              </a:ext>
+            </a:extLst>
+          </p:cNvPr>
+          <p:cNvCxnSpPr>
+            <a:cxnSpLocks/>
+            <a:stCxn id="6" idx="3"/>
+            <a:endCxn id="29" idx="1"/>
+          </p:cNvCxnSpPr>
+          <p:nvPr/>
+        </p:nvCxnSpPr>
+        <p:spPr>
+          <a:xfrm flipV="1">
+            <a:off x="3559629" y="4527841"/>
+            <a:ext cx="688523" cy="1703"/>
+          </a:xfrm>
+          <a:prstGeom prst="straightConnector1">
+            <a:avLst/>
+          </a:prstGeom>
+          <a:ln>
+            <a:tailEnd type="triangle"/>
+          </a:ln>
+        </p:spPr>
+        <p:style>
+          <a:lnRef idx="3">
+            <a:schemeClr val="dk1"/>
+          </a:lnRef>
+          <a:fillRef idx="0">
+            <a:schemeClr val="dk1"/>
+          </a:fillRef>
+          <a:effectRef idx="2">
+            <a:schemeClr val="dk1"/>
+          </a:effectRef>
+          <a:fontRef idx="minor">
+            <a:schemeClr val="tx1"/>
+          </a:fontRef>
+        </p:style>
+      </p:cxnSp>
+      <p:cxnSp>
+        <p:nvCxnSpPr>
+          <p:cNvPr id="19" name="Straight Arrow Connector 18">
+            <a:extLst>
+              <a:ext uri="{FF2B5EF4-FFF2-40B4-BE49-F238E27FC236}">
+                <a16:creationId xmlns:a16="http://schemas.microsoft.com/office/drawing/2014/main" id="{732D8E31-4E5A-53C3-967E-9B05BD33FA82}"/>
+              </a:ext>
+            </a:extLst>
+          </p:cNvPr>
+          <p:cNvCxnSpPr>
+            <a:cxnSpLocks/>
+            <a:stCxn id="29" idx="3"/>
+            <a:endCxn id="7" idx="1"/>
+          </p:cNvCxnSpPr>
+          <p:nvPr/>
+        </p:nvCxnSpPr>
+        <p:spPr>
+          <a:xfrm>
+            <a:off x="5822226" y="4527841"/>
+            <a:ext cx="688524" cy="1704"/>
+          </a:xfrm>
+          <a:prstGeom prst="straightConnector1">
+            <a:avLst/>
+          </a:prstGeom>
+          <a:ln>
+            <a:tailEnd type="triangle"/>
+          </a:ln>
+        </p:spPr>
+        <p:style>
+          <a:lnRef idx="3">
+            <a:schemeClr val="dk1"/>
+          </a:lnRef>
+          <a:fillRef idx="0">
+            <a:schemeClr val="dk1"/>
+          </a:fillRef>
+          <a:effectRef idx="2">
+            <a:schemeClr val="dk1"/>
+          </a:effectRef>
+          <a:fontRef idx="minor">
+            <a:schemeClr val="tx1"/>
+          </a:fontRef>
+        </p:style>
+      </p:cxnSp>
+      <p:cxnSp>
+        <p:nvCxnSpPr>
+          <p:cNvPr id="22" name="Straight Arrow Connector 21">
+            <a:extLst>
+              <a:ext uri="{FF2B5EF4-FFF2-40B4-BE49-F238E27FC236}">
+                <a16:creationId xmlns:a16="http://schemas.microsoft.com/office/drawing/2014/main" id="{BD591FEB-E40A-5883-527D-5C938694ACFB}"/>
+              </a:ext>
+            </a:extLst>
+          </p:cNvPr>
+          <p:cNvCxnSpPr>
+            <a:stCxn id="7" idx="3"/>
+            <a:endCxn id="14" idx="1"/>
+          </p:cNvCxnSpPr>
+          <p:nvPr/>
+        </p:nvCxnSpPr>
+        <p:spPr>
+          <a:xfrm flipV="1">
+            <a:off x="8951327" y="4527842"/>
+            <a:ext cx="688523" cy="1703"/>
+          </a:xfrm>
+          <a:prstGeom prst="straightConnector1">
+            <a:avLst/>
+          </a:prstGeom>
+          <a:ln>
+            <a:tailEnd type="triangle"/>
+          </a:ln>
+        </p:spPr>
+        <p:style>
+          <a:lnRef idx="3">
+            <a:schemeClr val="dk1"/>
+          </a:lnRef>
+          <a:fillRef idx="0">
+            <a:schemeClr val="dk1"/>
+          </a:fillRef>
+          <a:effectRef idx="2">
+            <a:schemeClr val="dk1"/>
+          </a:effectRef>
+          <a:fontRef idx="minor">
+            <a:schemeClr val="tx1"/>
+          </a:fontRef>
+        </p:style>
+      </p:cxnSp>
+      <p:cxnSp>
+        <p:nvCxnSpPr>
+          <p:cNvPr id="24" name="Straight Arrow Connector 23">
+            <a:extLst>
+              <a:ext uri="{FF2B5EF4-FFF2-40B4-BE49-F238E27FC236}">
+                <a16:creationId xmlns:a16="http://schemas.microsoft.com/office/drawing/2014/main" id="{926D003C-9F25-39B0-F989-A5E70674A1AA}"/>
+              </a:ext>
+            </a:extLst>
+          </p:cNvPr>
+          <p:cNvCxnSpPr>
+            <a:stCxn id="8" idx="2"/>
+            <a:endCxn id="6" idx="0"/>
+          </p:cNvCxnSpPr>
+          <p:nvPr/>
+        </p:nvCxnSpPr>
+        <p:spPr>
+          <a:xfrm>
+            <a:off x="2339341" y="2721516"/>
+            <a:ext cx="0" cy="772796"/>
+          </a:xfrm>
+          <a:prstGeom prst="straightConnector1">
+            <a:avLst/>
+          </a:prstGeom>
+          <a:ln>
+            <a:tailEnd type="triangle"/>
+          </a:ln>
+        </p:spPr>
+        <p:style>
+          <a:lnRef idx="3">
+            <a:schemeClr val="dk1"/>
+          </a:lnRef>
+          <a:fillRef idx="0">
+            <a:schemeClr val="dk1"/>
+          </a:fillRef>
+          <a:effectRef idx="2">
+            <a:schemeClr val="dk1"/>
+          </a:effectRef>
+          <a:fontRef idx="minor">
+            <a:schemeClr val="tx1"/>
+          </a:fontRef>
+        </p:style>
+      </p:cxnSp>
+      <p:cxnSp>
+        <p:nvCxnSpPr>
+          <p:cNvPr id="26" name="Straight Arrow Connector 25">
+            <a:extLst>
+              <a:ext uri="{FF2B5EF4-FFF2-40B4-BE49-F238E27FC236}">
+                <a16:creationId xmlns:a16="http://schemas.microsoft.com/office/drawing/2014/main" id="{53338556-318B-747A-4F1C-21E738F16174}"/>
+              </a:ext>
+            </a:extLst>
+          </p:cNvPr>
+          <p:cNvCxnSpPr>
+            <a:stCxn id="9" idx="2"/>
+            <a:endCxn id="7" idx="0"/>
+          </p:cNvCxnSpPr>
+          <p:nvPr/>
+        </p:nvCxnSpPr>
+        <p:spPr>
+          <a:xfrm>
+            <a:off x="7731038" y="2721516"/>
+            <a:ext cx="1" cy="772797"/>
+          </a:xfrm>
+          <a:prstGeom prst="straightConnector1">
+            <a:avLst/>
+          </a:prstGeom>
+          <a:ln>
+            <a:tailEnd type="triangle"/>
+          </a:ln>
+        </p:spPr>
+        <p:style>
+          <a:lnRef idx="3">
+            <a:schemeClr val="dk1"/>
+          </a:lnRef>
+          <a:fillRef idx="0">
+            <a:schemeClr val="dk1"/>
+          </a:fillRef>
+          <a:effectRef idx="2">
+            <a:schemeClr val="dk1"/>
+          </a:effectRef>
+          <a:fontRef idx="minor">
+            <a:schemeClr val="tx1"/>
+          </a:fontRef>
+        </p:style>
+      </p:cxnSp>
+      <p:sp>
+        <p:nvSpPr>
+          <p:cNvPr id="29" name="Rectangle: Rounded Corners 28">
+            <a:extLst>
+              <a:ext uri="{FF2B5EF4-FFF2-40B4-BE49-F238E27FC236}">
+                <a16:creationId xmlns:a16="http://schemas.microsoft.com/office/drawing/2014/main" id="{863D9589-CDB7-2989-9954-8509CA1E905A}"/>
+              </a:ext>
+            </a:extLst>
+          </p:cNvPr>
+          <p:cNvSpPr/>
+          <p:nvPr/>
+        </p:nvSpPr>
+        <p:spPr>
+          <a:xfrm>
+            <a:off x="4248152" y="4139221"/>
+            <a:ext cx="1574074" cy="777240"/>
+          </a:xfrm>
+          <a:prstGeom prst="roundRect">
+            <a:avLst/>
+          </a:prstGeom>
+        </p:spPr>
+        <p:style>
+          <a:lnRef idx="1">
+            <a:schemeClr val="accent6"/>
+          </a:lnRef>
+          <a:fillRef idx="2">
+            <a:schemeClr val="accent6"/>
+          </a:fillRef>
+          <a:effectRef idx="1">
+            <a:schemeClr val="accent6"/>
+          </a:effectRef>
+          <a:fontRef idx="minor">
+            <a:schemeClr val="dk1"/>
+          </a:fontRef>
+        </p:style>
+        <p:txBody>
+          <a:bodyPr rtlCol="0" anchor="ctr"/>
+          <a:lstStyle/>
+          <a:p>
+            <a:pPr algn="ctr"/>
+            <a:r>
+              <a:rPr lang="nl-NL" dirty="0"/>
+              <a:t>Model</a:t>
+            </a:r>
+          </a:p>
+        </p:txBody>
+      </p:sp>
+      <p:grpSp>
+        <p:nvGrpSpPr>
+          <p:cNvPr id="13" name="Group 12">
+            <a:extLst>
+              <a:ext uri="{FF2B5EF4-FFF2-40B4-BE49-F238E27FC236}">
+                <a16:creationId xmlns:a16="http://schemas.microsoft.com/office/drawing/2014/main" id="{B7D37394-7E54-1E1F-2844-414DE1963AE2}"/>
+              </a:ext>
+            </a:extLst>
+          </p:cNvPr>
+          <p:cNvGrpSpPr/>
+          <p:nvPr/>
+        </p:nvGrpSpPr>
+        <p:grpSpPr>
+          <a:xfrm>
+            <a:off x="3559629" y="2002327"/>
+            <a:ext cx="2951120" cy="491320"/>
+            <a:chOff x="3559629" y="2002327"/>
+            <a:chExt cx="2951120" cy="491320"/>
+          </a:xfrm>
+        </p:grpSpPr>
+        <p:sp>
+          <p:nvSpPr>
+            <p:cNvPr id="4" name="Rectangle: Rounded Corners 3">
+              <a:extLst>
+                <a:ext uri="{FF2B5EF4-FFF2-40B4-BE49-F238E27FC236}">
+                  <a16:creationId xmlns:a16="http://schemas.microsoft.com/office/drawing/2014/main" id="{B8AFF28A-C1BB-B8B4-D6FC-49147E0DAFC9}"/>
+                </a:ext>
+              </a:extLst>
+            </p:cNvPr>
+            <p:cNvSpPr/>
+            <p:nvPr/>
+          </p:nvSpPr>
+          <p:spPr>
+            <a:xfrm>
+              <a:off x="4066615" y="2002327"/>
+              <a:ext cx="1937147" cy="491320"/>
+            </a:xfrm>
+            <a:prstGeom prst="roundRect">
+              <a:avLst/>
+            </a:prstGeom>
+          </p:spPr>
+          <p:style>
+            <a:lnRef idx="1">
+              <a:schemeClr val="accent2"/>
+            </a:lnRef>
+            <a:fillRef idx="2">
+              <a:schemeClr val="accent2"/>
+            </a:fillRef>
+            <a:effectRef idx="1">
+              <a:schemeClr val="accent2"/>
+            </a:effectRef>
+            <a:fontRef idx="minor">
+              <a:schemeClr val="dk1"/>
+            </a:fontRef>
+          </p:style>
+          <p:txBody>
+            <a:bodyPr rtlCol="0" anchor="ctr"/>
+            <a:lstStyle/>
+            <a:p>
+              <a:pPr algn="ctr"/>
+              <a:r>
+                <a:rPr lang="en-US" dirty="0"/>
+                <a:t>incompatible</a:t>
+              </a:r>
+              <a:endParaRPr lang="en-NL" dirty="0"/>
+            </a:p>
+          </p:txBody>
+        </p:sp>
+        <p:cxnSp>
+          <p:nvCxnSpPr>
+            <p:cNvPr id="10" name="Straight Arrow Connector 9">
+              <a:extLst>
+                <a:ext uri="{FF2B5EF4-FFF2-40B4-BE49-F238E27FC236}">
+                  <a16:creationId xmlns:a16="http://schemas.microsoft.com/office/drawing/2014/main" id="{6A0DFF0A-A0AA-FA5B-9CA8-816CB911BDBC}"/>
+                </a:ext>
+              </a:extLst>
+            </p:cNvPr>
+            <p:cNvCxnSpPr>
+              <a:endCxn id="8" idx="3"/>
+            </p:cNvCxnSpPr>
+            <p:nvPr/>
+          </p:nvCxnSpPr>
+          <p:spPr>
+            <a:xfrm flipH="1">
+              <a:off x="3559629" y="2247987"/>
+              <a:ext cx="506986" cy="1"/>
+            </a:xfrm>
+            <a:prstGeom prst="straightConnector1">
+              <a:avLst/>
+            </a:prstGeom>
+            <a:ln>
+              <a:tailEnd type="triangle"/>
+            </a:ln>
+          </p:spPr>
+          <p:style>
+            <a:lnRef idx="3">
+              <a:schemeClr val="accent2"/>
+            </a:lnRef>
+            <a:fillRef idx="0">
+              <a:schemeClr val="accent2"/>
+            </a:fillRef>
+            <a:effectRef idx="2">
+              <a:schemeClr val="accent2"/>
+            </a:effectRef>
+            <a:fontRef idx="minor">
+              <a:schemeClr val="tx1"/>
+            </a:fontRef>
+          </p:style>
+        </p:cxnSp>
+        <p:cxnSp>
+          <p:nvCxnSpPr>
+            <p:cNvPr id="12" name="Straight Arrow Connector 11">
+              <a:extLst>
+                <a:ext uri="{FF2B5EF4-FFF2-40B4-BE49-F238E27FC236}">
+                  <a16:creationId xmlns:a16="http://schemas.microsoft.com/office/drawing/2014/main" id="{E80C47D3-4310-5994-1A0B-FF7CBF6C5021}"/>
+                </a:ext>
+              </a:extLst>
+            </p:cNvPr>
+            <p:cNvCxnSpPr>
+              <a:stCxn id="4" idx="3"/>
+              <a:endCxn id="9" idx="1"/>
+            </p:cNvCxnSpPr>
+            <p:nvPr/>
+          </p:nvCxnSpPr>
+          <p:spPr>
+            <a:xfrm>
+              <a:off x="6003762" y="2247987"/>
+              <a:ext cx="506987" cy="1"/>
+            </a:xfrm>
+            <a:prstGeom prst="straightConnector1">
+              <a:avLst/>
+            </a:prstGeom>
+            <a:ln>
+              <a:tailEnd type="triangle"/>
+            </a:ln>
+          </p:spPr>
+          <p:style>
+            <a:lnRef idx="3">
+              <a:schemeClr val="accent2"/>
+            </a:lnRef>
+            <a:fillRef idx="0">
+              <a:schemeClr val="accent2"/>
+            </a:fillRef>
+            <a:effectRef idx="2">
+              <a:schemeClr val="accent2"/>
+            </a:effectRef>
+            <a:fontRef idx="minor">
+              <a:schemeClr val="tx1"/>
+            </a:fontRef>
+          </p:style>
+        </p:cxnSp>
+      </p:grpSp>
+      <p:grpSp>
+        <p:nvGrpSpPr>
+          <p:cNvPr id="15" name="Group 14">
+            <a:extLst>
+              <a:ext uri="{FF2B5EF4-FFF2-40B4-BE49-F238E27FC236}">
+                <a16:creationId xmlns:a16="http://schemas.microsoft.com/office/drawing/2014/main" id="{6B1ADA3F-DB9B-63D0-B8BC-48CC68177A55}"/>
+              </a:ext>
+            </a:extLst>
+          </p:cNvPr>
+          <p:cNvGrpSpPr/>
+          <p:nvPr/>
+        </p:nvGrpSpPr>
+        <p:grpSpPr>
+          <a:xfrm>
+            <a:off x="3559629" y="2860578"/>
+            <a:ext cx="2951119" cy="632032"/>
+            <a:chOff x="3559629" y="2002327"/>
+            <a:chExt cx="2951119" cy="632032"/>
+          </a:xfrm>
+        </p:grpSpPr>
+        <p:sp>
+          <p:nvSpPr>
+            <p:cNvPr id="16" name="Rectangle: Rounded Corners 15">
+              <a:extLst>
+                <a:ext uri="{FF2B5EF4-FFF2-40B4-BE49-F238E27FC236}">
+                  <a16:creationId xmlns:a16="http://schemas.microsoft.com/office/drawing/2014/main" id="{3164D936-7CEE-8BD6-3AEB-7FEFF65A8CD0}"/>
+                </a:ext>
+              </a:extLst>
+            </p:cNvPr>
+            <p:cNvSpPr/>
+            <p:nvPr/>
+          </p:nvSpPr>
+          <p:spPr>
+            <a:xfrm>
+              <a:off x="4066615" y="2002327"/>
+              <a:ext cx="1937147" cy="491320"/>
+            </a:xfrm>
+            <a:prstGeom prst="roundRect">
+              <a:avLst/>
+            </a:prstGeom>
+          </p:spPr>
+          <p:style>
+            <a:lnRef idx="1">
+              <a:schemeClr val="accent2"/>
+            </a:lnRef>
+            <a:fillRef idx="2">
+              <a:schemeClr val="accent2"/>
+            </a:fillRef>
+            <a:effectRef idx="1">
+              <a:schemeClr val="accent2"/>
+            </a:effectRef>
+            <a:fontRef idx="minor">
+              <a:schemeClr val="dk1"/>
+            </a:fontRef>
+          </p:style>
+          <p:txBody>
+            <a:bodyPr rtlCol="0" anchor="ctr"/>
+            <a:lstStyle/>
+            <a:p>
+              <a:pPr algn="ctr"/>
+              <a:r>
+                <a:rPr lang="en-US" dirty="0"/>
+                <a:t>incompatible</a:t>
+              </a:r>
+              <a:endParaRPr lang="en-NL" dirty="0"/>
+            </a:p>
+          </p:txBody>
+        </p:sp>
+        <p:cxnSp>
+          <p:nvCxnSpPr>
+            <p:cNvPr id="18" name="Straight Arrow Connector 17">
+              <a:extLst>
+                <a:ext uri="{FF2B5EF4-FFF2-40B4-BE49-F238E27FC236}">
+                  <a16:creationId xmlns:a16="http://schemas.microsoft.com/office/drawing/2014/main" id="{CD6CDEF9-2153-5F50-B07B-4CF42FD66496}"/>
+                </a:ext>
+              </a:extLst>
+            </p:cNvPr>
+            <p:cNvCxnSpPr>
+              <a:cxnSpLocks/>
+            </p:cNvCxnSpPr>
+            <p:nvPr/>
+          </p:nvCxnSpPr>
+          <p:spPr>
+            <a:xfrm flipH="1">
+              <a:off x="3559629" y="2247987"/>
+              <a:ext cx="506986" cy="386372"/>
+            </a:xfrm>
+            <a:prstGeom prst="straightConnector1">
+              <a:avLst/>
+            </a:prstGeom>
+            <a:ln>
+              <a:tailEnd type="triangle"/>
+            </a:ln>
+          </p:spPr>
+          <p:style>
+            <a:lnRef idx="3">
+              <a:schemeClr val="accent2"/>
+            </a:lnRef>
+            <a:fillRef idx="0">
+              <a:schemeClr val="accent2"/>
+            </a:fillRef>
+            <a:effectRef idx="2">
+              <a:schemeClr val="accent2"/>
+            </a:effectRef>
+            <a:fontRef idx="minor">
+              <a:schemeClr val="tx1"/>
+            </a:fontRef>
+          </p:style>
+        </p:cxnSp>
+        <p:cxnSp>
+          <p:nvCxnSpPr>
+            <p:cNvPr id="20" name="Straight Arrow Connector 19">
+              <a:extLst>
+                <a:ext uri="{FF2B5EF4-FFF2-40B4-BE49-F238E27FC236}">
+                  <a16:creationId xmlns:a16="http://schemas.microsoft.com/office/drawing/2014/main" id="{3F186183-0BBE-EA1D-2E5B-042176837AC6}"/>
+                </a:ext>
+              </a:extLst>
+            </p:cNvPr>
+            <p:cNvCxnSpPr>
+              <a:cxnSpLocks/>
+              <a:stCxn id="16" idx="3"/>
+            </p:cNvCxnSpPr>
+            <p:nvPr/>
+          </p:nvCxnSpPr>
+          <p:spPr>
+            <a:xfrm>
+              <a:off x="6003762" y="2247987"/>
+              <a:ext cx="506986" cy="386372"/>
+            </a:xfrm>
+            <a:prstGeom prst="straightConnector1">
+              <a:avLst/>
+            </a:prstGeom>
+            <a:ln>
+              <a:tailEnd type="triangle"/>
+            </a:ln>
+          </p:spPr>
+          <p:style>
+            <a:lnRef idx="3">
+              <a:schemeClr val="accent2"/>
+            </a:lnRef>
+            <a:fillRef idx="0">
+              <a:schemeClr val="accent2"/>
+            </a:fillRef>
+            <a:effectRef idx="2">
+              <a:schemeClr val="accent2"/>
+            </a:effectRef>
+            <a:fontRef idx="minor">
+              <a:schemeClr val="tx1"/>
+            </a:fontRef>
+          </p:style>
+        </p:cxnSp>
+      </p:grpSp>
+      <p:sp>
+        <p:nvSpPr>
+          <p:cNvPr id="25" name="Rectangle: Rounded Corners 24">
+            <a:extLst>
+              <a:ext uri="{FF2B5EF4-FFF2-40B4-BE49-F238E27FC236}">
+                <a16:creationId xmlns:a16="http://schemas.microsoft.com/office/drawing/2014/main" id="{B069D86B-E436-970C-BD01-18CA0BB51E1A}"/>
+              </a:ext>
+            </a:extLst>
+          </p:cNvPr>
+          <p:cNvSpPr/>
+          <p:nvPr/>
+        </p:nvSpPr>
+        <p:spPr>
+          <a:xfrm>
+            <a:off x="4070619" y="5813741"/>
+            <a:ext cx="1933143" cy="491321"/>
+          </a:xfrm>
+          <a:prstGeom prst="roundRect">
+            <a:avLst/>
+          </a:prstGeom>
+        </p:spPr>
+        <p:style>
+          <a:lnRef idx="1">
+            <a:schemeClr val="accent2"/>
+          </a:lnRef>
+          <a:fillRef idx="2">
+            <a:schemeClr val="accent2"/>
+          </a:fillRef>
+          <a:effectRef idx="1">
+            <a:schemeClr val="accent2"/>
+          </a:effectRef>
+          <a:fontRef idx="minor">
+            <a:schemeClr val="dk1"/>
+          </a:fontRef>
+        </p:style>
+        <p:txBody>
+          <a:bodyPr rtlCol="0" anchor="ctr"/>
+          <a:lstStyle/>
+          <a:p>
+            <a:pPr algn="ctr"/>
+            <a:r>
+              <a:rPr lang="en-US" dirty="0" err="1"/>
+              <a:t>versies</a:t>
+            </a:r>
+            <a:r>
+              <a:rPr lang="en-US" dirty="0"/>
+              <a:t>?</a:t>
+            </a:r>
+            <a:endParaRPr lang="en-NL" dirty="0"/>
+          </a:p>
+        </p:txBody>
+      </p:sp>
+      <p:cxnSp>
+        <p:nvCxnSpPr>
+          <p:cNvPr id="28" name="Straight Arrow Connector 27">
+            <a:extLst>
+              <a:ext uri="{FF2B5EF4-FFF2-40B4-BE49-F238E27FC236}">
+                <a16:creationId xmlns:a16="http://schemas.microsoft.com/office/drawing/2014/main" id="{C5E64489-1A93-9151-FE15-5B4142628006}"/>
+              </a:ext>
+            </a:extLst>
+          </p:cNvPr>
+          <p:cNvCxnSpPr>
+            <a:stCxn id="25" idx="0"/>
+            <a:endCxn id="29" idx="2"/>
+          </p:cNvCxnSpPr>
+          <p:nvPr/>
+        </p:nvCxnSpPr>
+        <p:spPr>
+          <a:xfrm flipH="1" flipV="1">
+            <a:off x="5035189" y="4916461"/>
+            <a:ext cx="2002" cy="897280"/>
+          </a:xfrm>
+          <a:prstGeom prst="straightConnector1">
+            <a:avLst/>
+          </a:prstGeom>
+          <a:ln>
+            <a:tailEnd type="triangle"/>
+          </a:ln>
+        </p:spPr>
+        <p:style>
+          <a:lnRef idx="3">
+            <a:schemeClr val="accent2"/>
+          </a:lnRef>
+          <a:fillRef idx="0">
+            <a:schemeClr val="accent2"/>
+          </a:fillRef>
+          <a:effectRef idx="2">
+            <a:schemeClr val="accent2"/>
+          </a:effectRef>
+          <a:fontRef idx="minor">
+            <a:schemeClr val="tx1"/>
+          </a:fontRef>
+        </p:style>
+      </p:cxnSp>
+      <p:sp>
+        <p:nvSpPr>
+          <p:cNvPr id="30" name="Rectangle: Rounded Corners 29">
+            <a:extLst>
+              <a:ext uri="{FF2B5EF4-FFF2-40B4-BE49-F238E27FC236}">
+                <a16:creationId xmlns:a16="http://schemas.microsoft.com/office/drawing/2014/main" id="{DC4E1512-B176-C987-55F0-450AC67257BB}"/>
+              </a:ext>
+            </a:extLst>
+          </p:cNvPr>
+          <p:cNvSpPr/>
+          <p:nvPr/>
+        </p:nvSpPr>
+        <p:spPr>
+          <a:xfrm>
+            <a:off x="9460315" y="5813741"/>
+            <a:ext cx="1933143" cy="491321"/>
+          </a:xfrm>
+          <a:prstGeom prst="roundRect">
+            <a:avLst/>
+          </a:prstGeom>
+        </p:spPr>
+        <p:style>
+          <a:lnRef idx="1">
+            <a:schemeClr val="accent2"/>
+          </a:lnRef>
+          <a:fillRef idx="2">
+            <a:schemeClr val="accent2"/>
+          </a:fillRef>
+          <a:effectRef idx="1">
+            <a:schemeClr val="accent2"/>
+          </a:effectRef>
+          <a:fontRef idx="minor">
+            <a:schemeClr val="dk1"/>
+          </a:fontRef>
+        </p:style>
+        <p:txBody>
+          <a:bodyPr rtlCol="0" anchor="ctr"/>
+          <a:lstStyle/>
+          <a:p>
+            <a:pPr algn="ctr"/>
+            <a:r>
+              <a:rPr lang="en-US" dirty="0" err="1"/>
+              <a:t>bruikbaar</a:t>
+            </a:r>
+            <a:r>
+              <a:rPr lang="en-US" dirty="0"/>
+              <a:t>?</a:t>
+            </a:r>
+            <a:endParaRPr lang="en-NL" dirty="0"/>
+          </a:p>
+        </p:txBody>
+      </p:sp>
+      <p:cxnSp>
+        <p:nvCxnSpPr>
+          <p:cNvPr id="33" name="Straight Arrow Connector 32">
+            <a:extLst>
+              <a:ext uri="{FF2B5EF4-FFF2-40B4-BE49-F238E27FC236}">
+                <a16:creationId xmlns:a16="http://schemas.microsoft.com/office/drawing/2014/main" id="{E5663AF7-537D-1621-4A0E-8B0A76613855}"/>
+              </a:ext>
+            </a:extLst>
+          </p:cNvPr>
+          <p:cNvCxnSpPr>
+            <a:stCxn id="30" idx="0"/>
+            <a:endCxn id="14" idx="2"/>
+          </p:cNvCxnSpPr>
+          <p:nvPr/>
+        </p:nvCxnSpPr>
+        <p:spPr>
+          <a:xfrm flipV="1">
+            <a:off x="10426887" y="4916462"/>
+            <a:ext cx="0" cy="897279"/>
+          </a:xfrm>
+          <a:prstGeom prst="straightConnector1">
+            <a:avLst/>
+          </a:prstGeom>
+          <a:ln>
+            <a:tailEnd type="triangle"/>
+          </a:ln>
+        </p:spPr>
+        <p:style>
+          <a:lnRef idx="3">
+            <a:schemeClr val="accent2"/>
+          </a:lnRef>
+          <a:fillRef idx="0">
+            <a:schemeClr val="accent2"/>
+          </a:fillRef>
+          <a:effectRef idx="2">
+            <a:schemeClr val="accent2"/>
+          </a:effectRef>
+          <a:fontRef idx="minor">
+            <a:schemeClr val="tx1"/>
+          </a:fontRef>
+        </p:style>
+      </p:cxnSp>
+    </p:spTree>
+    <p:extLst>
+      <p:ext uri="{BB962C8B-B14F-4D97-AF65-F5344CB8AC3E}">
+        <p14:creationId xmlns:p14="http://schemas.microsoft.com/office/powerpoint/2010/main" val="1085144680"/>
+      </p:ext>
+    </p:extLst>
+  </p:cSld>
+  <p:clrMapOvr>
+    <a:masterClrMapping/>
+  </p:clrMapOvr>
+</p:sld>
+</file>
+
+<file path=ppt/slides/slide39.xml><?xml version="1.0" encoding="utf-8"?>
+<p:sld xmlns:a="http://schemas.openxmlformats.org/drawingml/2006/main" xmlns:r="http://schemas.openxmlformats.org/officeDocument/2006/relationships" xmlns:p="http://schemas.openxmlformats.org/presentationml/2006/main">
+  <p:cSld>
+    <p:spTree>
+      <p:nvGrpSpPr>
+        <p:cNvPr id="1" name=""/>
+        <p:cNvGrpSpPr/>
+        <p:nvPr/>
+      </p:nvGrpSpPr>
+      <p:grpSpPr>
+        <a:xfrm>
+          <a:off x="0" y="0"/>
+          <a:ext cx="0" cy="0"/>
+          <a:chOff x="0" y="0"/>
+          <a:chExt cx="0" cy="0"/>
+        </a:xfrm>
+      </p:grpSpPr>
+      <p:sp>
+        <p:nvSpPr>
+          <p:cNvPr id="2" name="Title 1">
+            <a:extLst>
+              <a:ext uri="{FF2B5EF4-FFF2-40B4-BE49-F238E27FC236}">
+                <a16:creationId xmlns:a16="http://schemas.microsoft.com/office/drawing/2014/main" id="{39A1D606-8DD1-369C-5C09-471CDD551AD5}"/>
+              </a:ext>
+            </a:extLst>
+          </p:cNvPr>
+          <p:cNvSpPr>
+            <a:spLocks noGrp="1"/>
+          </p:cNvSpPr>
+          <p:nvPr>
+            <p:ph type="title"/>
+          </p:nvPr>
+        </p:nvSpPr>
+        <p:spPr>
+          <a:xfrm>
+            <a:off x="838200" y="365126"/>
+            <a:ext cx="10515600" cy="718608"/>
+          </a:xfrm>
+        </p:spPr>
+        <p:txBody>
+          <a:bodyPr>
+            <a:normAutofit/>
+          </a:bodyPr>
+          <a:lstStyle/>
+          <a:p>
+            <a:r>
+              <a:rPr lang="nl-NL" sz="3600" noProof="0" dirty="0"/>
+              <a:t>Wat zijn bruikbare voorspellingen?</a:t>
             </a:r>
           </a:p>
         </p:txBody>
@@ -16860,8 +21343,8 @@
         </p:nvSpPr>
         <p:spPr>
           <a:xfrm>
-            <a:off x="838200" y="1456267"/>
-            <a:ext cx="9658865" cy="4720696"/>
+            <a:off x="838201" y="1456267"/>
+            <a:ext cx="6756778" cy="4720696"/>
           </a:xfrm>
         </p:spPr>
         <p:txBody>
@@ -16874,8 +21357,8 @@
               <a:buNone/>
             </a:pPr>
             <a:r>
-              <a:rPr lang="nl-NL" sz="2000" b="1" noProof="0" dirty="0"/>
-              <a:t>Ken je data!</a:t>
+              <a:rPr lang="nl-NL" sz="2000" dirty="0"/>
+              <a:t>Wat is het doel:</a:t>
             </a:r>
           </a:p>
           <a:p>
@@ -16884,8 +21367,8 @@
               <a:buChar char="-"/>
             </a:pPr>
             <a:r>
-              <a:rPr lang="nl-NL" sz="2000" dirty="0"/>
-              <a:t>Data is belangrijkste sleutel voor succes!</a:t>
+              <a:rPr lang="nl-NL" sz="2000" noProof="0" dirty="0"/>
+              <a:t>Accuratesse:		Zo goed mogelijk voorspellen.</a:t>
             </a:r>
           </a:p>
           <a:p>
@@ -16894,61 +21377,43 @@
               <a:buChar char="-"/>
             </a:pPr>
             <a:r>
+              <a:rPr lang="nl-NL" sz="2000" noProof="0" dirty="0"/>
+              <a:t>Uitlegbaarheid:</a:t>
+            </a:r>
+            <a:r>
               <a:rPr lang="nl-NL" sz="2000" dirty="0"/>
-              <a:t>Ken de achterliggende concepten en processen.</a:t>
-            </a:r>
+              <a:t>	Voorspellingen kunnen begrijpen.</a:t>
+            </a:r>
+            <a:endParaRPr lang="nl-NL" sz="2000" noProof="0" dirty="0"/>
           </a:p>
           <a:p>
             <a:pPr marL="0" indent="0">
               <a:buNone/>
             </a:pPr>
-            <a:endParaRPr lang="nl-NL" sz="2000" b="1" noProof="0" dirty="0"/>
+            <a:endParaRPr lang="nl-NL" sz="2000" dirty="0"/>
           </a:p>
           <a:p>
             <a:pPr marL="0" indent="0">
               <a:buNone/>
             </a:pPr>
             <a:r>
-              <a:rPr lang="nl-NL" sz="2000" b="1" dirty="0"/>
-              <a:t>Wat is het doel?</a:t>
-            </a:r>
-          </a:p>
-          <a:p>
-            <a:pPr>
-              <a:buFontTx/>
-              <a:buChar char="-"/>
+              <a:rPr lang="nl-NL" sz="2000" dirty="0"/>
+              <a:t>Complexe modellen voorspellen vaak beter, maar zijn lastiger te doorgronden.</a:t>
+            </a:r>
+          </a:p>
+          <a:p>
+            <a:pPr marL="0" indent="0">
+              <a:buNone/>
             </a:pPr>
+            <a:endParaRPr lang="nl-NL" sz="2000" dirty="0"/>
+          </a:p>
+          <a:p>
+            <a:pPr marL="0" indent="0">
+              <a:buNone/>
+            </a:pPr>
             <a:r>
               <a:rPr lang="nl-NL" sz="2000" dirty="0"/>
-              <a:t>Wat wil men bereiken en wat is daarvoor belangrijk?</a:t>
-            </a:r>
-          </a:p>
-          <a:p>
-            <a:pPr>
-              <a:buFontTx/>
-              <a:buChar char="-"/>
-            </a:pPr>
-            <a:r>
-              <a:rPr lang="nl-NL" sz="2000" noProof="0" dirty="0"/>
-              <a:t>Accuratesse, geen fouten maken, uitlegbaarheid?</a:t>
-            </a:r>
-          </a:p>
-          <a:p>
-            <a:pPr>
-              <a:buFontTx/>
-              <a:buChar char="-"/>
-            </a:pPr>
-            <a:r>
-              <a:rPr lang="nl-NL" sz="2000" dirty="0"/>
-              <a:t>ML is niet altijd </a:t>
-            </a:r>
-            <a:r>
-              <a:rPr lang="nl-NL" sz="2000"/>
-              <a:t>de beste </a:t>
-            </a:r>
-            <a:r>
-              <a:rPr lang="nl-NL" sz="2000" dirty="0"/>
-              <a:t>optie…</a:t>
+              <a:t>Machine Learning is zeker niet altijd de beste oplossing…</a:t>
             </a:r>
           </a:p>
           <a:p>
@@ -16961,6 +21426,16 @@
             <a:pPr marL="0" indent="0">
               <a:buNone/>
             </a:pPr>
+            <a:r>
+              <a:rPr lang="nl-NL" sz="2000" dirty="0"/>
+              <a:t>Combinatie ML en menselijke expertise vaak als beste gezien.</a:t>
+            </a:r>
+            <a:endParaRPr lang="nl-NL" sz="2000" noProof="0" dirty="0"/>
+          </a:p>
+          <a:p>
+            <a:pPr marL="0" indent="0">
+              <a:buNone/>
+            </a:pPr>
             <a:endParaRPr lang="nl-NL" sz="2000" noProof="0" dirty="0"/>
           </a:p>
           <a:p>
@@ -16971,6 +21446,410 @@
           </a:p>
         </p:txBody>
       </p:sp>
+      <p:grpSp>
+        <p:nvGrpSpPr>
+          <p:cNvPr id="18" name="Group 17">
+            <a:extLst>
+              <a:ext uri="{FF2B5EF4-FFF2-40B4-BE49-F238E27FC236}">
+                <a16:creationId xmlns:a16="http://schemas.microsoft.com/office/drawing/2014/main" id="{C6ACE177-C83D-970C-108C-637B28AF0FC4}"/>
+              </a:ext>
+            </a:extLst>
+          </p:cNvPr>
+          <p:cNvGrpSpPr/>
+          <p:nvPr/>
+        </p:nvGrpSpPr>
+        <p:grpSpPr>
+          <a:xfrm>
+            <a:off x="8753900" y="1456267"/>
+            <a:ext cx="2599899" cy="4476705"/>
+            <a:chOff x="8215952" y="1456267"/>
+            <a:chExt cx="2599899" cy="4476705"/>
+          </a:xfrm>
+        </p:grpSpPr>
+        <p:sp>
+          <p:nvSpPr>
+            <p:cNvPr id="4" name="Rectangle: Rounded Corners 3">
+              <a:extLst>
+                <a:ext uri="{FF2B5EF4-FFF2-40B4-BE49-F238E27FC236}">
+                  <a16:creationId xmlns:a16="http://schemas.microsoft.com/office/drawing/2014/main" id="{DE08C088-3339-E008-7FF9-2949D03D0AF4}"/>
+                </a:ext>
+              </a:extLst>
+            </p:cNvPr>
+            <p:cNvSpPr/>
+            <p:nvPr/>
+          </p:nvSpPr>
+          <p:spPr>
+            <a:xfrm>
+              <a:off x="9082585" y="1456267"/>
+              <a:ext cx="1733265" cy="718608"/>
+            </a:xfrm>
+            <a:prstGeom prst="roundRect">
+              <a:avLst/>
+            </a:prstGeom>
+          </p:spPr>
+          <p:style>
+            <a:lnRef idx="1">
+              <a:schemeClr val="accent5"/>
+            </a:lnRef>
+            <a:fillRef idx="2">
+              <a:schemeClr val="accent5"/>
+            </a:fillRef>
+            <a:effectRef idx="1">
+              <a:schemeClr val="accent5"/>
+            </a:effectRef>
+            <a:fontRef idx="minor">
+              <a:schemeClr val="dk1"/>
+            </a:fontRef>
+          </p:style>
+          <p:txBody>
+            <a:bodyPr rtlCol="0" anchor="ctr"/>
+            <a:lstStyle/>
+            <a:p>
+              <a:pPr algn="ctr"/>
+              <a:r>
+                <a:rPr lang="nl-NL"/>
+                <a:t>ML Model</a:t>
+              </a:r>
+            </a:p>
+          </p:txBody>
+        </p:sp>
+        <p:sp>
+          <p:nvSpPr>
+            <p:cNvPr id="5" name="Rectangle: Rounded Corners 4">
+              <a:extLst>
+                <a:ext uri="{FF2B5EF4-FFF2-40B4-BE49-F238E27FC236}">
+                  <a16:creationId xmlns:a16="http://schemas.microsoft.com/office/drawing/2014/main" id="{73C0EE75-99B5-4598-4A0D-4155D6E69AEF}"/>
+                </a:ext>
+              </a:extLst>
+            </p:cNvPr>
+            <p:cNvSpPr/>
+            <p:nvPr/>
+          </p:nvSpPr>
+          <p:spPr>
+            <a:xfrm>
+              <a:off x="9082586" y="2547410"/>
+              <a:ext cx="1733265" cy="718608"/>
+            </a:xfrm>
+            <a:prstGeom prst="roundRect">
+              <a:avLst/>
+            </a:prstGeom>
+          </p:spPr>
+          <p:style>
+            <a:lnRef idx="1">
+              <a:schemeClr val="accent2"/>
+            </a:lnRef>
+            <a:fillRef idx="2">
+              <a:schemeClr val="accent2"/>
+            </a:fillRef>
+            <a:effectRef idx="1">
+              <a:schemeClr val="accent2"/>
+            </a:effectRef>
+            <a:fontRef idx="minor">
+              <a:schemeClr val="dk1"/>
+            </a:fontRef>
+          </p:style>
+          <p:txBody>
+            <a:bodyPr rtlCol="0" anchor="ctr"/>
+            <a:lstStyle/>
+            <a:p>
+              <a:pPr algn="ctr"/>
+              <a:r>
+                <a:rPr lang="nl-NL" dirty="0"/>
+                <a:t>Voorspelling</a:t>
+              </a:r>
+            </a:p>
+          </p:txBody>
+        </p:sp>
+        <p:sp>
+          <p:nvSpPr>
+            <p:cNvPr id="6" name="Rectangle: Rounded Corners 5">
+              <a:extLst>
+                <a:ext uri="{FF2B5EF4-FFF2-40B4-BE49-F238E27FC236}">
+                  <a16:creationId xmlns:a16="http://schemas.microsoft.com/office/drawing/2014/main" id="{17448841-6F2A-FCE5-BFD4-3EAF7BEF3429}"/>
+                </a:ext>
+              </a:extLst>
+            </p:cNvPr>
+            <p:cNvSpPr/>
+            <p:nvPr/>
+          </p:nvSpPr>
+          <p:spPr>
+            <a:xfrm>
+              <a:off x="8215952" y="3880156"/>
+              <a:ext cx="1733265" cy="718608"/>
+            </a:xfrm>
+            <a:prstGeom prst="roundRect">
+              <a:avLst/>
+            </a:prstGeom>
+          </p:spPr>
+          <p:style>
+            <a:lnRef idx="1">
+              <a:schemeClr val="accent6"/>
+            </a:lnRef>
+            <a:fillRef idx="2">
+              <a:schemeClr val="accent6"/>
+            </a:fillRef>
+            <a:effectRef idx="1">
+              <a:schemeClr val="accent6"/>
+            </a:effectRef>
+            <a:fontRef idx="minor">
+              <a:schemeClr val="dk1"/>
+            </a:fontRef>
+          </p:style>
+          <p:txBody>
+            <a:bodyPr rtlCol="0" anchor="ctr"/>
+            <a:lstStyle/>
+            <a:p>
+              <a:pPr algn="ctr"/>
+              <a:r>
+                <a:rPr lang="nl-NL"/>
+                <a:t>Beoordelaar</a:t>
+              </a:r>
+            </a:p>
+          </p:txBody>
+        </p:sp>
+        <p:sp>
+          <p:nvSpPr>
+            <p:cNvPr id="7" name="Rectangle: Rounded Corners 6">
+              <a:extLst>
+                <a:ext uri="{FF2B5EF4-FFF2-40B4-BE49-F238E27FC236}">
+                  <a16:creationId xmlns:a16="http://schemas.microsoft.com/office/drawing/2014/main" id="{1E000946-0C0B-4212-E065-7CA4B0B8A498}"/>
+                </a:ext>
+              </a:extLst>
+            </p:cNvPr>
+            <p:cNvSpPr/>
+            <p:nvPr/>
+          </p:nvSpPr>
+          <p:spPr>
+            <a:xfrm>
+              <a:off x="9082585" y="5214364"/>
+              <a:ext cx="1733265" cy="718608"/>
+            </a:xfrm>
+            <a:prstGeom prst="roundRect">
+              <a:avLst/>
+            </a:prstGeom>
+          </p:spPr>
+          <p:style>
+            <a:lnRef idx="1">
+              <a:schemeClr val="accent4"/>
+            </a:lnRef>
+            <a:fillRef idx="2">
+              <a:schemeClr val="accent4"/>
+            </a:fillRef>
+            <a:effectRef idx="1">
+              <a:schemeClr val="accent4"/>
+            </a:effectRef>
+            <a:fontRef idx="minor">
+              <a:schemeClr val="dk1"/>
+            </a:fontRef>
+          </p:style>
+          <p:txBody>
+            <a:bodyPr rtlCol="0" anchor="ctr"/>
+            <a:lstStyle/>
+            <a:p>
+              <a:pPr algn="ctr"/>
+              <a:r>
+                <a:rPr lang="nl-NL"/>
+                <a:t>Beslissing</a:t>
+              </a:r>
+            </a:p>
+          </p:txBody>
+        </p:sp>
+        <p:cxnSp>
+          <p:nvCxnSpPr>
+            <p:cNvPr id="9" name="Straight Arrow Connector 8">
+              <a:extLst>
+                <a:ext uri="{FF2B5EF4-FFF2-40B4-BE49-F238E27FC236}">
+                  <a16:creationId xmlns:a16="http://schemas.microsoft.com/office/drawing/2014/main" id="{DF5196E5-3199-0E92-9DF7-FDB28E865F1E}"/>
+                </a:ext>
+              </a:extLst>
+            </p:cNvPr>
+            <p:cNvCxnSpPr/>
+            <p:nvPr/>
+          </p:nvCxnSpPr>
+          <p:spPr>
+            <a:xfrm>
+              <a:off x="10437744" y="3266018"/>
+              <a:ext cx="0" cy="1948346"/>
+            </a:xfrm>
+            <a:prstGeom prst="straightConnector1">
+              <a:avLst/>
+            </a:prstGeom>
+            <a:ln>
+              <a:tailEnd type="triangle"/>
+            </a:ln>
+          </p:spPr>
+          <p:style>
+            <a:lnRef idx="3">
+              <a:schemeClr val="dk1"/>
+            </a:lnRef>
+            <a:fillRef idx="0">
+              <a:schemeClr val="dk1"/>
+            </a:fillRef>
+            <a:effectRef idx="2">
+              <a:schemeClr val="dk1"/>
+            </a:effectRef>
+            <a:fontRef idx="minor">
+              <a:schemeClr val="tx1"/>
+            </a:fontRef>
+          </p:style>
+        </p:cxnSp>
+        <p:sp>
+          <p:nvSpPr>
+            <p:cNvPr id="10" name="TextBox 9">
+              <a:extLst>
+                <a:ext uri="{FF2B5EF4-FFF2-40B4-BE49-F238E27FC236}">
+                  <a16:creationId xmlns:a16="http://schemas.microsoft.com/office/drawing/2014/main" id="{7F8FA404-95A0-593C-5402-77D6EE835493}"/>
+                </a:ext>
+              </a:extLst>
+            </p:cNvPr>
+            <p:cNvSpPr txBox="1"/>
+            <p:nvPr/>
+          </p:nvSpPr>
+          <p:spPr>
+            <a:xfrm>
+              <a:off x="9082585" y="3252160"/>
+              <a:ext cx="1733265" cy="369332"/>
+            </a:xfrm>
+            <a:prstGeom prst="rect">
+              <a:avLst/>
+            </a:prstGeom>
+            <a:noFill/>
+          </p:spPr>
+          <p:txBody>
+            <a:bodyPr wrap="square" rtlCol="0">
+              <a:spAutoFit/>
+            </a:bodyPr>
+            <a:lstStyle/>
+            <a:p>
+              <a:pPr algn="ctr"/>
+              <a:r>
+                <a:rPr lang="nl-NL"/>
+                <a:t>zeker?</a:t>
+              </a:r>
+            </a:p>
+          </p:txBody>
+        </p:sp>
+        <p:cxnSp>
+          <p:nvCxnSpPr>
+            <p:cNvPr id="12" name="Straight Arrow Connector 11">
+              <a:extLst>
+                <a:ext uri="{FF2B5EF4-FFF2-40B4-BE49-F238E27FC236}">
+                  <a16:creationId xmlns:a16="http://schemas.microsoft.com/office/drawing/2014/main" id="{08D34123-1D53-02CF-88D6-5128BA7C3974}"/>
+                </a:ext>
+              </a:extLst>
+            </p:cNvPr>
+            <p:cNvCxnSpPr>
+              <a:stCxn id="4" idx="2"/>
+              <a:endCxn id="5" idx="0"/>
+            </p:cNvCxnSpPr>
+            <p:nvPr/>
+          </p:nvCxnSpPr>
+          <p:spPr>
+            <a:xfrm>
+              <a:off x="9949218" y="2174875"/>
+              <a:ext cx="1" cy="372535"/>
+            </a:xfrm>
+            <a:prstGeom prst="straightConnector1">
+              <a:avLst/>
+            </a:prstGeom>
+            <a:ln>
+              <a:tailEnd type="triangle"/>
+            </a:ln>
+          </p:spPr>
+          <p:style>
+            <a:lnRef idx="3">
+              <a:schemeClr val="dk1"/>
+            </a:lnRef>
+            <a:fillRef idx="0">
+              <a:schemeClr val="dk1"/>
+            </a:fillRef>
+            <a:effectRef idx="2">
+              <a:schemeClr val="dk1"/>
+            </a:effectRef>
+            <a:fontRef idx="minor">
+              <a:schemeClr val="tx1"/>
+            </a:fontRef>
+          </p:style>
+        </p:cxnSp>
+        <p:cxnSp>
+          <p:nvCxnSpPr>
+            <p:cNvPr id="16" name="Straight Arrow Connector 15">
+              <a:extLst>
+                <a:ext uri="{FF2B5EF4-FFF2-40B4-BE49-F238E27FC236}">
+                  <a16:creationId xmlns:a16="http://schemas.microsoft.com/office/drawing/2014/main" id="{EE571E1D-765B-E75A-D722-541B6FCC6E2B}"/>
+                </a:ext>
+              </a:extLst>
+            </p:cNvPr>
+            <p:cNvCxnSpPr/>
+            <p:nvPr/>
+          </p:nvCxnSpPr>
+          <p:spPr>
+            <a:xfrm>
+              <a:off x="9444249" y="3266018"/>
+              <a:ext cx="0" cy="614869"/>
+            </a:xfrm>
+            <a:prstGeom prst="straightConnector1">
+              <a:avLst/>
+            </a:prstGeom>
+            <a:ln>
+              <a:tailEnd type="triangle"/>
+            </a:ln>
+          </p:spPr>
+          <p:style>
+            <a:lnRef idx="3">
+              <a:schemeClr val="dk1"/>
+            </a:lnRef>
+            <a:fillRef idx="0">
+              <a:schemeClr val="dk1"/>
+            </a:fillRef>
+            <a:effectRef idx="2">
+              <a:schemeClr val="dk1"/>
+            </a:effectRef>
+            <a:fontRef idx="minor">
+              <a:schemeClr val="tx1"/>
+            </a:fontRef>
+          </p:style>
+        </p:cxnSp>
+        <p:cxnSp>
+          <p:nvCxnSpPr>
+            <p:cNvPr id="17" name="Straight Arrow Connector 16">
+              <a:extLst>
+                <a:ext uri="{FF2B5EF4-FFF2-40B4-BE49-F238E27FC236}">
+                  <a16:creationId xmlns:a16="http://schemas.microsoft.com/office/drawing/2014/main" id="{F48B8A80-A904-F0C1-CAEF-FC2F9555D76D}"/>
+                </a:ext>
+              </a:extLst>
+            </p:cNvPr>
+            <p:cNvCxnSpPr/>
+            <p:nvPr/>
+          </p:nvCxnSpPr>
+          <p:spPr>
+            <a:xfrm>
+              <a:off x="9444249" y="4599495"/>
+              <a:ext cx="0" cy="614869"/>
+            </a:xfrm>
+            <a:prstGeom prst="straightConnector1">
+              <a:avLst/>
+            </a:prstGeom>
+            <a:ln>
+              <a:tailEnd type="triangle"/>
+            </a:ln>
+          </p:spPr>
+          <p:style>
+            <a:lnRef idx="3">
+              <a:schemeClr val="dk1"/>
+            </a:lnRef>
+            <a:fillRef idx="0">
+              <a:schemeClr val="dk1"/>
+            </a:fillRef>
+            <a:effectRef idx="2">
+              <a:schemeClr val="dk1"/>
+            </a:effectRef>
+            <a:fontRef idx="minor">
+              <a:schemeClr val="tx1"/>
+            </a:fontRef>
+          </p:style>
+        </p:cxnSp>
+      </p:grpSp>
     </p:spTree>
     <p:extLst>
       <p:ext uri="{BB962C8B-B14F-4D97-AF65-F5344CB8AC3E}">
@@ -17097,18 +21976,18 @@
             <a:p>
               <a:pPr algn="ctr"/>
               <a:r>
-                <a:rPr lang="en-US" dirty="0" err="1"/>
+                <a:rPr lang="nl-NL" dirty="0" err="1"/>
                 <a:t>PyTorch</a:t>
               </a:r>
-              <a:endParaRPr lang="en-US" dirty="0"/>
+              <a:endParaRPr lang="nl-NL" dirty="0"/>
             </a:p>
             <a:p>
               <a:pPr algn="ctr"/>
               <a:r>
-                <a:rPr lang="en-US" dirty="0" err="1"/>
+                <a:rPr lang="nl-NL" dirty="0" err="1"/>
                 <a:t>Keras</a:t>
               </a:r>
-              <a:endParaRPr lang="en-US" dirty="0"/>
+              <a:endParaRPr lang="nl-NL" dirty="0"/>
             </a:p>
           </p:txBody>
         </p:sp>
@@ -17153,8 +22032,12 @@
             <a:p>
               <a:pPr algn="ctr"/>
               <a:r>
-                <a:rPr lang="en-US" b="1" dirty="0"/>
-                <a:t>Deep Learning</a:t>
+                <a:rPr lang="nl-NL" b="1" dirty="0" err="1"/>
+                <a:t>Deep</a:t>
+              </a:r>
+              <a:r>
+                <a:rPr lang="nl-NL" b="1" dirty="0"/>
+                <a:t> Learning</a:t>
               </a:r>
             </a:p>
           </p:txBody>
@@ -17221,7 +22104,7 @@
             <a:p>
               <a:pPr algn="ctr"/>
               <a:r>
-                <a:rPr lang="en-US" dirty="0"/>
+                <a:rPr lang="nl-NL" dirty="0"/>
                 <a:t>Machine Learning</a:t>
               </a:r>
             </a:p>
@@ -17268,17 +22151,18 @@
             <a:p>
               <a:pPr algn="ctr"/>
               <a:r>
-                <a:rPr lang="en-US" dirty="0"/>
+                <a:rPr lang="nl-NL" dirty="0" err="1"/>
                 <a:t>scikit-learn</a:t>
               </a:r>
+              <a:endParaRPr lang="nl-NL" dirty="0"/>
             </a:p>
             <a:p>
               <a:pPr algn="ctr"/>
               <a:r>
-                <a:rPr lang="en-US" dirty="0" err="1"/>
+                <a:rPr lang="nl-NL" dirty="0" err="1"/>
                 <a:t>LightGBM</a:t>
               </a:r>
-              <a:endParaRPr lang="en-US" dirty="0"/>
+              <a:endParaRPr lang="nl-NL" dirty="0"/>
             </a:p>
           </p:txBody>
         </p:sp>
@@ -17344,10 +22228,9 @@
             <a:p>
               <a:pPr algn="ctr"/>
               <a:r>
-                <a:rPr lang="en-US" dirty="0" err="1"/>
+                <a:rPr lang="nl-NL" dirty="0"/>
                 <a:t>Statistiek</a:t>
               </a:r>
-              <a:endParaRPr lang="en-US" dirty="0"/>
             </a:p>
           </p:txBody>
         </p:sp>
@@ -17392,10 +22275,18 @@
             <a:p>
               <a:pPr algn="ctr"/>
               <a:r>
-                <a:rPr lang="en-US" dirty="0" err="1"/>
+                <a:rPr lang="nl-NL" dirty="0" err="1"/>
                 <a:t>statsmodels</a:t>
               </a:r>
-              <a:endParaRPr lang="en-US" dirty="0"/>
+              <a:endParaRPr lang="nl-NL" dirty="0"/>
+            </a:p>
+            <a:p>
+              <a:pPr algn="ctr"/>
+              <a:r>
+                <a:rPr lang="nl-NL" dirty="0" err="1"/>
+                <a:t>scipy</a:t>
+              </a:r>
+              <a:endParaRPr lang="nl-NL" dirty="0"/>
             </a:p>
           </p:txBody>
         </p:sp>
@@ -17472,18 +22363,9 @@
           <a:p>
             <a:pPr algn="ctr"/>
             <a:r>
-              <a:rPr lang="en-US" dirty="0" err="1"/>
-              <a:t>Complexiteit</a:t>
-            </a:r>
-            <a:r>
-              <a:rPr lang="en-US" dirty="0"/>
-              <a:t> </a:t>
-            </a:r>
-            <a:r>
-              <a:rPr lang="en-US" dirty="0" err="1"/>
-              <a:t>modellen</a:t>
-            </a:r>
-            <a:endParaRPr lang="en-NL" dirty="0"/>
+              <a:rPr lang="nl-NL" dirty="0"/>
+              <a:t>Complexiteit modellen</a:t>
+            </a:r>
           </a:p>
         </p:txBody>
       </p:sp>
@@ -17501,8 +22383,8 @@
         </p:nvSpPr>
         <p:spPr>
           <a:xfrm>
-            <a:off x="1205737" y="4774650"/>
-            <a:ext cx="2208810" cy="923330"/>
+            <a:off x="1201730" y="4774650"/>
+            <a:ext cx="2216825" cy="1477328"/>
           </a:xfrm>
           <a:prstGeom prst="rect">
             <a:avLst/>
@@ -17515,25 +22397,28 @@
           </a:bodyPr>
           <a:lstStyle/>
           <a:p>
-            <a:pPr algn="ctr"/>
-            <a:r>
-              <a:rPr lang="en-US" dirty="0" err="1"/>
-              <a:t>Gestructureerde</a:t>
-            </a:r>
-            <a:r>
-              <a:rPr lang="en-US" dirty="0"/>
-              <a:t> data</a:t>
-            </a:r>
-          </a:p>
-          <a:p>
-            <a:endParaRPr lang="en-US" dirty="0"/>
-          </a:p>
-          <a:p>
-            <a:r>
-              <a:rPr lang="en-US" dirty="0" err="1"/>
+            <a:r>
+              <a:rPr lang="nl-NL" dirty="0"/>
+              <a:t>Kleine datasets</a:t>
+            </a:r>
+          </a:p>
+          <a:p>
+            <a:endParaRPr lang="nl-NL" dirty="0"/>
+          </a:p>
+          <a:p>
+            <a:r>
+              <a:rPr lang="nl-NL" dirty="0"/>
+              <a:t>Gestructureerde data</a:t>
+            </a:r>
+          </a:p>
+          <a:p>
+            <a:endParaRPr lang="nl-NL" dirty="0"/>
+          </a:p>
+          <a:p>
+            <a:r>
+              <a:rPr lang="nl-NL" dirty="0"/>
               <a:t>Begrijpelijk</a:t>
             </a:r>
-            <a:endParaRPr lang="en-NL" dirty="0"/>
           </a:p>
         </p:txBody>
       </p:sp>
@@ -17551,8 +22436,8 @@
         </p:nvSpPr>
         <p:spPr>
           <a:xfrm>
-            <a:off x="8392918" y="4777256"/>
-            <a:ext cx="2445991" cy="923330"/>
+            <a:off x="8388495" y="4777256"/>
+            <a:ext cx="2454838" cy="1477328"/>
           </a:xfrm>
           <a:prstGeom prst="rect">
             <a:avLst/>
@@ -17565,27 +22450,33 @@
           </a:bodyPr>
           <a:lstStyle/>
           <a:p>
-            <a:pPr algn="ctr"/>
-            <a:r>
-              <a:rPr lang="en-US" dirty="0" err="1"/>
-              <a:t>Ongestructureerde</a:t>
-            </a:r>
-            <a:r>
-              <a:rPr lang="en-US" dirty="0"/>
-              <a:t> data</a:t>
-            </a:r>
-          </a:p>
-          <a:p>
             <a:pPr algn="r"/>
-            <a:endParaRPr lang="en-US" dirty="0"/>
+            <a:r>
+              <a:rPr lang="nl-NL" dirty="0"/>
+              <a:t>Grote datasets</a:t>
+            </a:r>
           </a:p>
           <a:p>
             <a:pPr algn="r"/>
-            <a:r>
-              <a:rPr lang="en-US" dirty="0"/>
+            <a:endParaRPr lang="nl-NL" dirty="0"/>
+          </a:p>
+          <a:p>
+            <a:pPr algn="r"/>
+            <a:r>
+              <a:rPr lang="nl-NL" dirty="0"/>
+              <a:t>Ongestructureerde data</a:t>
+            </a:r>
+          </a:p>
+          <a:p>
+            <a:pPr algn="r"/>
+            <a:endParaRPr lang="nl-NL" dirty="0"/>
+          </a:p>
+          <a:p>
+            <a:pPr algn="r"/>
+            <a:r>
+              <a:rPr lang="nl-NL" dirty="0"/>
               <a:t>"Black box"</a:t>
             </a:r>
-            <a:endParaRPr lang="en-NL" dirty="0"/>
           </a:p>
         </p:txBody>
       </p:sp>
@@ -17593,6 +22484,2002 @@
     <p:extLst>
       <p:ext uri="{BB962C8B-B14F-4D97-AF65-F5344CB8AC3E}">
         <p14:creationId xmlns:p14="http://schemas.microsoft.com/office/powerpoint/2010/main" val="2346225741"/>
+      </p:ext>
+    </p:extLst>
+  </p:cSld>
+  <p:clrMapOvr>
+    <a:masterClrMapping/>
+  </p:clrMapOvr>
+</p:sld>
+</file>
+
+<file path=ppt/slides/slide40.xml><?xml version="1.0" encoding="utf-8"?>
+<p:sld xmlns:a="http://schemas.openxmlformats.org/drawingml/2006/main" xmlns:r="http://schemas.openxmlformats.org/officeDocument/2006/relationships" xmlns:p="http://schemas.openxmlformats.org/presentationml/2006/main">
+  <p:cSld>
+    <p:spTree>
+      <p:nvGrpSpPr>
+        <p:cNvPr id="1" name=""/>
+        <p:cNvGrpSpPr/>
+        <p:nvPr/>
+      </p:nvGrpSpPr>
+      <p:grpSpPr>
+        <a:xfrm>
+          <a:off x="0" y="0"/>
+          <a:ext cx="0" cy="0"/>
+          <a:chOff x="0" y="0"/>
+          <a:chExt cx="0" cy="0"/>
+        </a:xfrm>
+      </p:grpSpPr>
+      <p:sp>
+        <p:nvSpPr>
+          <p:cNvPr id="2" name="Title 1">
+            <a:extLst>
+              <a:ext uri="{FF2B5EF4-FFF2-40B4-BE49-F238E27FC236}">
+                <a16:creationId xmlns:a16="http://schemas.microsoft.com/office/drawing/2014/main" id="{39A1D606-8DD1-369C-5C09-471CDD551AD5}"/>
+              </a:ext>
+            </a:extLst>
+          </p:cNvPr>
+          <p:cNvSpPr>
+            <a:spLocks noGrp="1"/>
+          </p:cNvSpPr>
+          <p:nvPr>
+            <p:ph type="title"/>
+          </p:nvPr>
+        </p:nvSpPr>
+        <p:spPr>
+          <a:xfrm>
+            <a:off x="838200" y="365126"/>
+            <a:ext cx="10515600" cy="718608"/>
+          </a:xfrm>
+        </p:spPr>
+        <p:txBody>
+          <a:bodyPr>
+            <a:normAutofit/>
+          </a:bodyPr>
+          <a:lstStyle/>
+          <a:p>
+            <a:r>
+              <a:rPr lang="nl-NL" sz="3600" noProof="0" dirty="0"/>
+              <a:t>Uitlegbaarheid: model en voorspelling</a:t>
+            </a:r>
+          </a:p>
+        </p:txBody>
+      </p:sp>
+      <p:sp>
+        <p:nvSpPr>
+          <p:cNvPr id="4" name="Content Placeholder 2">
+            <a:extLst>
+              <a:ext uri="{FF2B5EF4-FFF2-40B4-BE49-F238E27FC236}">
+                <a16:creationId xmlns:a16="http://schemas.microsoft.com/office/drawing/2014/main" id="{AC422D07-85B1-AD56-723C-68A212DFB7BF}"/>
+              </a:ext>
+            </a:extLst>
+          </p:cNvPr>
+          <p:cNvSpPr>
+            <a:spLocks noGrp="1"/>
+          </p:cNvSpPr>
+          <p:nvPr>
+            <p:ph idx="1"/>
+          </p:nvPr>
+        </p:nvSpPr>
+        <p:spPr>
+          <a:xfrm>
+            <a:off x="838201" y="1456267"/>
+            <a:ext cx="6756778" cy="4720696"/>
+          </a:xfrm>
+        </p:spPr>
+        <p:txBody>
+          <a:bodyPr>
+            <a:normAutofit/>
+          </a:bodyPr>
+          <a:lstStyle/>
+          <a:p>
+            <a:pPr marL="0" indent="0">
+              <a:buNone/>
+            </a:pPr>
+            <a:r>
+              <a:rPr lang="nl-NL" sz="2000" b="1" dirty="0"/>
+              <a:t>Lineaire modellen:</a:t>
+            </a:r>
+          </a:p>
+          <a:p>
+            <a:pPr>
+              <a:buFontTx/>
+              <a:buChar char="-"/>
+            </a:pPr>
+            <a:r>
+              <a:rPr lang="nl-NL" sz="2000" dirty="0"/>
+              <a:t>Optelsom van de (individuele) variabelen.</a:t>
+            </a:r>
+          </a:p>
+          <a:p>
+            <a:pPr>
+              <a:buFontTx/>
+              <a:buChar char="-"/>
+            </a:pPr>
+            <a:r>
+              <a:rPr lang="nl-NL" sz="2000" dirty="0"/>
+              <a:t>Gewichten geven richting en impact aan.</a:t>
+            </a:r>
+          </a:p>
+          <a:p>
+            <a:pPr>
+              <a:buFontTx/>
+              <a:buChar char="-"/>
+            </a:pPr>
+            <a:r>
+              <a:rPr lang="nl-NL" sz="2000" dirty="0"/>
+              <a:t>Model als geheel redelijk goed te overzien.</a:t>
+            </a:r>
+          </a:p>
+          <a:p>
+            <a:pPr>
+              <a:buFontTx/>
+              <a:buChar char="-"/>
+            </a:pPr>
+            <a:endParaRPr lang="nl-NL" sz="2000" dirty="0"/>
+          </a:p>
+          <a:p>
+            <a:pPr marL="0" indent="0">
+              <a:buNone/>
+            </a:pPr>
+            <a:r>
+              <a:rPr lang="nl-NL" sz="2000" b="1" dirty="0"/>
+              <a:t>Voorspellingen:</a:t>
+            </a:r>
+          </a:p>
+          <a:p>
+            <a:pPr>
+              <a:buFontTx/>
+              <a:buChar char="-"/>
+            </a:pPr>
+            <a:r>
+              <a:rPr lang="nl-NL" sz="2000" dirty="0"/>
+              <a:t>Optelsom model gewicht * individuele waarde.</a:t>
+            </a:r>
+          </a:p>
+          <a:p>
+            <a:pPr>
+              <a:buFontTx/>
+              <a:buChar char="-"/>
+            </a:pPr>
+            <a:r>
+              <a:rPr lang="nl-NL" sz="2000" dirty="0"/>
+              <a:t>Goed uitlegbaar hoe voorspelling tot stand kwam.</a:t>
+            </a:r>
+          </a:p>
+        </p:txBody>
+      </p:sp>
+      <p:pic>
+        <p:nvPicPr>
+          <p:cNvPr id="5" name="Picture 4">
+            <a:extLst>
+              <a:ext uri="{FF2B5EF4-FFF2-40B4-BE49-F238E27FC236}">
+                <a16:creationId xmlns:a16="http://schemas.microsoft.com/office/drawing/2014/main" id="{9D0E7C3A-6BB2-D6F9-3862-7117D352D685}"/>
+              </a:ext>
+            </a:extLst>
+          </p:cNvPr>
+          <p:cNvPicPr>
+            <a:picLocks noChangeAspect="1"/>
+          </p:cNvPicPr>
+          <p:nvPr/>
+        </p:nvPicPr>
+        <p:blipFill>
+          <a:blip r:embed="rId2"/>
+          <a:stretch>
+            <a:fillRect/>
+          </a:stretch>
+        </p:blipFill>
+        <p:spPr>
+          <a:xfrm>
+            <a:off x="7791994" y="1456267"/>
+            <a:ext cx="3561805" cy="1732050"/>
+          </a:xfrm>
+          <a:prstGeom prst="rect">
+            <a:avLst/>
+          </a:prstGeom>
+        </p:spPr>
+      </p:pic>
+      <p:pic>
+        <p:nvPicPr>
+          <p:cNvPr id="7" name="Picture 6">
+            <a:extLst>
+              <a:ext uri="{FF2B5EF4-FFF2-40B4-BE49-F238E27FC236}">
+                <a16:creationId xmlns:a16="http://schemas.microsoft.com/office/drawing/2014/main" id="{0BFD077A-7822-FAA5-5287-C596CC3C1893}"/>
+              </a:ext>
+            </a:extLst>
+          </p:cNvPr>
+          <p:cNvPicPr>
+            <a:picLocks noChangeAspect="1"/>
+          </p:cNvPicPr>
+          <p:nvPr/>
+        </p:nvPicPr>
+        <p:blipFill>
+          <a:blip r:embed="rId3"/>
+          <a:stretch>
+            <a:fillRect/>
+          </a:stretch>
+        </p:blipFill>
+        <p:spPr>
+          <a:xfrm>
+            <a:off x="8614954" y="3503459"/>
+            <a:ext cx="2738845" cy="2673504"/>
+          </a:xfrm>
+          <a:prstGeom prst="rect">
+            <a:avLst/>
+          </a:prstGeom>
+        </p:spPr>
+      </p:pic>
+    </p:spTree>
+    <p:extLst>
+      <p:ext uri="{BB962C8B-B14F-4D97-AF65-F5344CB8AC3E}">
+        <p14:creationId xmlns:p14="http://schemas.microsoft.com/office/powerpoint/2010/main" val="1956703650"/>
+      </p:ext>
+    </p:extLst>
+  </p:cSld>
+  <p:clrMapOvr>
+    <a:masterClrMapping/>
+  </p:clrMapOvr>
+</p:sld>
+</file>
+
+<file path=ppt/slides/slide41.xml><?xml version="1.0" encoding="utf-8"?>
+<p:sld xmlns:a="http://schemas.openxmlformats.org/drawingml/2006/main" xmlns:r="http://schemas.openxmlformats.org/officeDocument/2006/relationships" xmlns:p="http://schemas.openxmlformats.org/presentationml/2006/main">
+  <p:cSld>
+    <p:spTree>
+      <p:nvGrpSpPr>
+        <p:cNvPr id="1" name=""/>
+        <p:cNvGrpSpPr/>
+        <p:nvPr/>
+      </p:nvGrpSpPr>
+      <p:grpSpPr>
+        <a:xfrm>
+          <a:off x="0" y="0"/>
+          <a:ext cx="0" cy="0"/>
+          <a:chOff x="0" y="0"/>
+          <a:chExt cx="0" cy="0"/>
+        </a:xfrm>
+      </p:grpSpPr>
+      <p:sp>
+        <p:nvSpPr>
+          <p:cNvPr id="2" name="Title 1">
+            <a:extLst>
+              <a:ext uri="{FF2B5EF4-FFF2-40B4-BE49-F238E27FC236}">
+                <a16:creationId xmlns:a16="http://schemas.microsoft.com/office/drawing/2014/main" id="{39A1D606-8DD1-369C-5C09-471CDD551AD5}"/>
+              </a:ext>
+            </a:extLst>
+          </p:cNvPr>
+          <p:cNvSpPr>
+            <a:spLocks noGrp="1"/>
+          </p:cNvSpPr>
+          <p:nvPr>
+            <p:ph type="title"/>
+          </p:nvPr>
+        </p:nvSpPr>
+        <p:spPr>
+          <a:xfrm>
+            <a:off x="838200" y="365126"/>
+            <a:ext cx="10515600" cy="718608"/>
+          </a:xfrm>
+        </p:spPr>
+        <p:txBody>
+          <a:bodyPr>
+            <a:normAutofit/>
+          </a:bodyPr>
+          <a:lstStyle/>
+          <a:p>
+            <a:r>
+              <a:rPr lang="nl-NL" sz="3600" noProof="0" dirty="0"/>
+              <a:t>Uitlegbaarheid: model en voorspelling</a:t>
+            </a:r>
+          </a:p>
+        </p:txBody>
+      </p:sp>
+      <p:sp>
+        <p:nvSpPr>
+          <p:cNvPr id="4" name="Content Placeholder 2">
+            <a:extLst>
+              <a:ext uri="{FF2B5EF4-FFF2-40B4-BE49-F238E27FC236}">
+                <a16:creationId xmlns:a16="http://schemas.microsoft.com/office/drawing/2014/main" id="{AC422D07-85B1-AD56-723C-68A212DFB7BF}"/>
+              </a:ext>
+            </a:extLst>
+          </p:cNvPr>
+          <p:cNvSpPr>
+            <a:spLocks noGrp="1"/>
+          </p:cNvSpPr>
+          <p:nvPr>
+            <p:ph idx="1"/>
+          </p:nvPr>
+        </p:nvSpPr>
+        <p:spPr>
+          <a:xfrm>
+            <a:off x="838201" y="1456267"/>
+            <a:ext cx="6756778" cy="4720696"/>
+          </a:xfrm>
+        </p:spPr>
+        <p:txBody>
+          <a:bodyPr>
+            <a:normAutofit/>
+          </a:bodyPr>
+          <a:lstStyle/>
+          <a:p>
+            <a:pPr marL="0" indent="0">
+              <a:buNone/>
+            </a:pPr>
+            <a:r>
+              <a:rPr lang="nl-NL" sz="2000" b="1" dirty="0" err="1"/>
+              <a:t>RandomForest</a:t>
+            </a:r>
+            <a:r>
+              <a:rPr lang="nl-NL" sz="2000" b="1" dirty="0"/>
+              <a:t> modellen:</a:t>
+            </a:r>
+          </a:p>
+          <a:p>
+            <a:pPr>
+              <a:buFontTx/>
+              <a:buChar char="-"/>
+            </a:pPr>
+            <a:r>
+              <a:rPr lang="nl-NL" sz="2000" dirty="0"/>
+              <a:t>Combinatie van veel (eenvoudige) modellen.</a:t>
+            </a:r>
+          </a:p>
+          <a:p>
+            <a:pPr>
+              <a:buFontTx/>
+              <a:buChar char="-"/>
+            </a:pPr>
+            <a:r>
+              <a:rPr lang="nl-NL" sz="2000" dirty="0"/>
+              <a:t>Complex samenspel tussen variabelen.</a:t>
+            </a:r>
+          </a:p>
+          <a:p>
+            <a:pPr>
+              <a:buFontTx/>
+              <a:buChar char="-"/>
+            </a:pPr>
+            <a:r>
+              <a:rPr lang="nl-NL" sz="2000" dirty="0"/>
+              <a:t>Model als geheel niet goed te overzien.</a:t>
+            </a:r>
+          </a:p>
+          <a:p>
+            <a:pPr>
+              <a:buFontTx/>
+              <a:buChar char="-"/>
+            </a:pPr>
+            <a:endParaRPr lang="nl-NL" sz="2000" dirty="0"/>
+          </a:p>
+          <a:p>
+            <a:pPr marL="0" indent="0">
+              <a:buNone/>
+            </a:pPr>
+            <a:r>
+              <a:rPr lang="nl-NL" sz="2000" b="1" dirty="0"/>
+              <a:t>Voorspellingen:</a:t>
+            </a:r>
+          </a:p>
+          <a:p>
+            <a:pPr>
+              <a:buFontTx/>
+              <a:buChar char="-"/>
+            </a:pPr>
+            <a:r>
+              <a:rPr lang="nl-NL" sz="2000" dirty="0"/>
+              <a:t>Bijdragen van variabelen niet uit te rekenen.</a:t>
+            </a:r>
+          </a:p>
+          <a:p>
+            <a:pPr>
+              <a:buFontTx/>
+              <a:buChar char="-"/>
+            </a:pPr>
+            <a:r>
+              <a:rPr lang="nl-NL" sz="2000" dirty="0"/>
+              <a:t>Via wat-als-scenario's zou je impact kunnen meten.</a:t>
+            </a:r>
+          </a:p>
+          <a:p>
+            <a:pPr>
+              <a:buFontTx/>
+              <a:buChar char="-"/>
+            </a:pPr>
+            <a:r>
+              <a:rPr lang="nl-NL" sz="2000" dirty="0"/>
+              <a:t>Lastig vanwege vele splitsingen en </a:t>
+            </a:r>
+            <a:r>
+              <a:rPr lang="nl-NL" sz="2000" dirty="0" err="1"/>
+              <a:t>submodellen</a:t>
+            </a:r>
+            <a:r>
+              <a:rPr lang="nl-NL" sz="2000" dirty="0"/>
+              <a:t>.</a:t>
+            </a:r>
+          </a:p>
+        </p:txBody>
+      </p:sp>
+      <p:grpSp>
+        <p:nvGrpSpPr>
+          <p:cNvPr id="43" name="Group 42">
+            <a:extLst>
+              <a:ext uri="{FF2B5EF4-FFF2-40B4-BE49-F238E27FC236}">
+                <a16:creationId xmlns:a16="http://schemas.microsoft.com/office/drawing/2014/main" id="{C3D06B62-AC6F-1BE4-CE49-A0CB9084B63B}"/>
+              </a:ext>
+            </a:extLst>
+          </p:cNvPr>
+          <p:cNvGrpSpPr/>
+          <p:nvPr/>
+        </p:nvGrpSpPr>
+        <p:grpSpPr>
+          <a:xfrm>
+            <a:off x="8497436" y="1603613"/>
+            <a:ext cx="2608433" cy="3939888"/>
+            <a:chOff x="8715800" y="1378425"/>
+            <a:chExt cx="2608433" cy="3939888"/>
+          </a:xfrm>
+        </p:grpSpPr>
+        <p:sp>
+          <p:nvSpPr>
+            <p:cNvPr id="3" name="Rectangle 2">
+              <a:extLst>
+                <a:ext uri="{FF2B5EF4-FFF2-40B4-BE49-F238E27FC236}">
+                  <a16:creationId xmlns:a16="http://schemas.microsoft.com/office/drawing/2014/main" id="{EF47CDB6-4ABA-37DB-58FC-3D19EF834A62}"/>
+                </a:ext>
+              </a:extLst>
+            </p:cNvPr>
+            <p:cNvSpPr/>
+            <p:nvPr/>
+          </p:nvSpPr>
+          <p:spPr>
+            <a:xfrm>
+              <a:off x="9451075" y="1378425"/>
+              <a:ext cx="1139588" cy="600501"/>
+            </a:xfrm>
+            <a:prstGeom prst="rect">
+              <a:avLst/>
+            </a:prstGeom>
+          </p:spPr>
+          <p:style>
+            <a:lnRef idx="1">
+              <a:schemeClr val="accent6"/>
+            </a:lnRef>
+            <a:fillRef idx="2">
+              <a:schemeClr val="accent6"/>
+            </a:fillRef>
+            <a:effectRef idx="1">
+              <a:schemeClr val="accent6"/>
+            </a:effectRef>
+            <a:fontRef idx="minor">
+              <a:schemeClr val="dk1"/>
+            </a:fontRef>
+          </p:style>
+          <p:txBody>
+            <a:bodyPr rtlCol="0" anchor="ctr"/>
+            <a:lstStyle/>
+            <a:p>
+              <a:pPr algn="ctr"/>
+              <a:r>
+                <a:rPr lang="nl-NL" sz="1200"/>
+                <a:t>Leeftijd &gt; 75</a:t>
+              </a:r>
+            </a:p>
+          </p:txBody>
+        </p:sp>
+        <p:sp>
+          <p:nvSpPr>
+            <p:cNvPr id="5" name="Rectangle 4">
+              <a:extLst>
+                <a:ext uri="{FF2B5EF4-FFF2-40B4-BE49-F238E27FC236}">
+                  <a16:creationId xmlns:a16="http://schemas.microsoft.com/office/drawing/2014/main" id="{511734C9-2CF5-64D0-ABA6-04294807C316}"/>
+                </a:ext>
+              </a:extLst>
+            </p:cNvPr>
+            <p:cNvSpPr/>
+            <p:nvPr/>
+          </p:nvSpPr>
+          <p:spPr>
+            <a:xfrm>
+              <a:off x="8799393" y="2495261"/>
+              <a:ext cx="1139588" cy="600501"/>
+            </a:xfrm>
+            <a:prstGeom prst="rect">
+              <a:avLst/>
+            </a:prstGeom>
+          </p:spPr>
+          <p:style>
+            <a:lnRef idx="1">
+              <a:schemeClr val="accent5"/>
+            </a:lnRef>
+            <a:fillRef idx="2">
+              <a:schemeClr val="accent5"/>
+            </a:fillRef>
+            <a:effectRef idx="1">
+              <a:schemeClr val="accent5"/>
+            </a:effectRef>
+            <a:fontRef idx="minor">
+              <a:schemeClr val="dk1"/>
+            </a:fontRef>
+          </p:style>
+          <p:txBody>
+            <a:bodyPr rtlCol="0" anchor="ctr"/>
+            <a:lstStyle/>
+            <a:p>
+              <a:pPr algn="ctr"/>
+              <a:r>
+                <a:rPr lang="nl-NL" sz="1200"/>
+                <a:t>Inkomen &lt; 30K</a:t>
+              </a:r>
+            </a:p>
+          </p:txBody>
+        </p:sp>
+        <p:sp>
+          <p:nvSpPr>
+            <p:cNvPr id="6" name="Rectangle 5">
+              <a:extLst>
+                <a:ext uri="{FF2B5EF4-FFF2-40B4-BE49-F238E27FC236}">
+                  <a16:creationId xmlns:a16="http://schemas.microsoft.com/office/drawing/2014/main" id="{2CFFFAF3-EB1D-C5CA-62A4-5333782547DC}"/>
+                </a:ext>
+              </a:extLst>
+            </p:cNvPr>
+            <p:cNvSpPr/>
+            <p:nvPr/>
+          </p:nvSpPr>
+          <p:spPr>
+            <a:xfrm>
+              <a:off x="10184645" y="2495261"/>
+              <a:ext cx="1139588" cy="600501"/>
+            </a:xfrm>
+            <a:prstGeom prst="rect">
+              <a:avLst/>
+            </a:prstGeom>
+          </p:spPr>
+          <p:style>
+            <a:lnRef idx="1">
+              <a:schemeClr val="accent4"/>
+            </a:lnRef>
+            <a:fillRef idx="2">
+              <a:schemeClr val="accent4"/>
+            </a:fillRef>
+            <a:effectRef idx="1">
+              <a:schemeClr val="accent4"/>
+            </a:effectRef>
+            <a:fontRef idx="minor">
+              <a:schemeClr val="dk1"/>
+            </a:fontRef>
+          </p:style>
+          <p:txBody>
+            <a:bodyPr rtlCol="0" anchor="ctr"/>
+            <a:lstStyle/>
+            <a:p>
+              <a:pPr algn="ctr"/>
+              <a:r>
+                <a:rPr lang="nl-NL" sz="1200"/>
+                <a:t>Risico = 0.75</a:t>
+              </a:r>
+            </a:p>
+          </p:txBody>
+        </p:sp>
+        <p:sp>
+          <p:nvSpPr>
+            <p:cNvPr id="7" name="Rectangle 6">
+              <a:extLst>
+                <a:ext uri="{FF2B5EF4-FFF2-40B4-BE49-F238E27FC236}">
+                  <a16:creationId xmlns:a16="http://schemas.microsoft.com/office/drawing/2014/main" id="{570BD938-5769-F7C4-8A16-F7902439B9DB}"/>
+                </a:ext>
+              </a:extLst>
+            </p:cNvPr>
+            <p:cNvSpPr/>
+            <p:nvPr/>
+          </p:nvSpPr>
+          <p:spPr>
+            <a:xfrm>
+              <a:off x="9451075" y="3600976"/>
+              <a:ext cx="1139588" cy="600501"/>
+            </a:xfrm>
+            <a:prstGeom prst="rect">
+              <a:avLst/>
+            </a:prstGeom>
+          </p:spPr>
+          <p:style>
+            <a:lnRef idx="1">
+              <a:schemeClr val="accent6"/>
+            </a:lnRef>
+            <a:fillRef idx="2">
+              <a:schemeClr val="accent6"/>
+            </a:fillRef>
+            <a:effectRef idx="1">
+              <a:schemeClr val="accent6"/>
+            </a:effectRef>
+            <a:fontRef idx="minor">
+              <a:schemeClr val="dk1"/>
+            </a:fontRef>
+          </p:style>
+          <p:txBody>
+            <a:bodyPr rtlCol="0" anchor="ctr"/>
+            <a:lstStyle/>
+            <a:p>
+              <a:pPr algn="ctr"/>
+              <a:r>
+                <a:rPr lang="nl-NL" sz="1200"/>
+                <a:t>Leeftijd &lt; 35</a:t>
+              </a:r>
+            </a:p>
+          </p:txBody>
+        </p:sp>
+        <p:cxnSp>
+          <p:nvCxnSpPr>
+            <p:cNvPr id="9" name="Straight Arrow Connector 8">
+              <a:extLst>
+                <a:ext uri="{FF2B5EF4-FFF2-40B4-BE49-F238E27FC236}">
+                  <a16:creationId xmlns:a16="http://schemas.microsoft.com/office/drawing/2014/main" id="{C80FFEF3-B524-F405-EBA5-80BD1C90E731}"/>
+                </a:ext>
+              </a:extLst>
+            </p:cNvPr>
+            <p:cNvCxnSpPr>
+              <a:cxnSpLocks/>
+              <a:stCxn id="3" idx="2"/>
+              <a:endCxn id="5" idx="0"/>
+            </p:cNvCxnSpPr>
+            <p:nvPr/>
+          </p:nvCxnSpPr>
+          <p:spPr>
+            <a:xfrm flipH="1">
+              <a:off x="9369187" y="1978926"/>
+              <a:ext cx="651682" cy="516335"/>
+            </a:xfrm>
+            <a:prstGeom prst="straightConnector1">
+              <a:avLst/>
+            </a:prstGeom>
+            <a:ln>
+              <a:tailEnd type="triangle"/>
+            </a:ln>
+          </p:spPr>
+          <p:style>
+            <a:lnRef idx="2">
+              <a:schemeClr val="dk1"/>
+            </a:lnRef>
+            <a:fillRef idx="0">
+              <a:schemeClr val="dk1"/>
+            </a:fillRef>
+            <a:effectRef idx="1">
+              <a:schemeClr val="dk1"/>
+            </a:effectRef>
+            <a:fontRef idx="minor">
+              <a:schemeClr val="tx1"/>
+            </a:fontRef>
+          </p:style>
+        </p:cxnSp>
+        <p:cxnSp>
+          <p:nvCxnSpPr>
+            <p:cNvPr id="12" name="Straight Arrow Connector 11">
+              <a:extLst>
+                <a:ext uri="{FF2B5EF4-FFF2-40B4-BE49-F238E27FC236}">
+                  <a16:creationId xmlns:a16="http://schemas.microsoft.com/office/drawing/2014/main" id="{66145B51-624D-3813-B915-DCC0BBCF4E96}"/>
+                </a:ext>
+              </a:extLst>
+            </p:cNvPr>
+            <p:cNvCxnSpPr>
+              <a:stCxn id="3" idx="2"/>
+              <a:endCxn id="6" idx="0"/>
+            </p:cNvCxnSpPr>
+            <p:nvPr/>
+          </p:nvCxnSpPr>
+          <p:spPr>
+            <a:xfrm>
+              <a:off x="10020869" y="1978926"/>
+              <a:ext cx="733570" cy="516335"/>
+            </a:xfrm>
+            <a:prstGeom prst="straightConnector1">
+              <a:avLst/>
+            </a:prstGeom>
+            <a:ln>
+              <a:tailEnd type="triangle"/>
+            </a:ln>
+          </p:spPr>
+          <p:style>
+            <a:lnRef idx="2">
+              <a:schemeClr val="dk1"/>
+            </a:lnRef>
+            <a:fillRef idx="0">
+              <a:schemeClr val="dk1"/>
+            </a:fillRef>
+            <a:effectRef idx="1">
+              <a:schemeClr val="dk1"/>
+            </a:effectRef>
+            <a:fontRef idx="minor">
+              <a:schemeClr val="tx1"/>
+            </a:fontRef>
+          </p:style>
+        </p:cxnSp>
+        <p:cxnSp>
+          <p:nvCxnSpPr>
+            <p:cNvPr id="14" name="Straight Arrow Connector 13">
+              <a:extLst>
+                <a:ext uri="{FF2B5EF4-FFF2-40B4-BE49-F238E27FC236}">
+                  <a16:creationId xmlns:a16="http://schemas.microsoft.com/office/drawing/2014/main" id="{68FF00F6-9C9B-B0E6-4984-A8D0590CCA16}"/>
+                </a:ext>
+              </a:extLst>
+            </p:cNvPr>
+            <p:cNvCxnSpPr>
+              <a:cxnSpLocks/>
+              <a:stCxn id="5" idx="2"/>
+              <a:endCxn id="7" idx="0"/>
+            </p:cNvCxnSpPr>
+            <p:nvPr/>
+          </p:nvCxnSpPr>
+          <p:spPr>
+            <a:xfrm>
+              <a:off x="9369187" y="3095762"/>
+              <a:ext cx="651682" cy="505214"/>
+            </a:xfrm>
+            <a:prstGeom prst="straightConnector1">
+              <a:avLst/>
+            </a:prstGeom>
+            <a:ln>
+              <a:tailEnd type="triangle"/>
+            </a:ln>
+          </p:spPr>
+          <p:style>
+            <a:lnRef idx="2">
+              <a:schemeClr val="dk1"/>
+            </a:lnRef>
+            <a:fillRef idx="0">
+              <a:schemeClr val="dk1"/>
+            </a:fillRef>
+            <a:effectRef idx="1">
+              <a:schemeClr val="dk1"/>
+            </a:effectRef>
+            <a:fontRef idx="minor">
+              <a:schemeClr val="tx1"/>
+            </a:fontRef>
+          </p:style>
+        </p:cxnSp>
+        <p:cxnSp>
+          <p:nvCxnSpPr>
+            <p:cNvPr id="32" name="Straight Arrow Connector 31">
+              <a:extLst>
+                <a:ext uri="{FF2B5EF4-FFF2-40B4-BE49-F238E27FC236}">
+                  <a16:creationId xmlns:a16="http://schemas.microsoft.com/office/drawing/2014/main" id="{DB069EEB-C286-5961-200F-E013C8B63F54}"/>
+                </a:ext>
+              </a:extLst>
+            </p:cNvPr>
+            <p:cNvCxnSpPr>
+              <a:cxnSpLocks/>
+            </p:cNvCxnSpPr>
+            <p:nvPr/>
+          </p:nvCxnSpPr>
+          <p:spPr>
+            <a:xfrm flipH="1">
+              <a:off x="8715800" y="3092982"/>
+              <a:ext cx="651682" cy="516335"/>
+            </a:xfrm>
+            <a:prstGeom prst="straightConnector1">
+              <a:avLst/>
+            </a:prstGeom>
+            <a:ln>
+              <a:tailEnd type="triangle"/>
+            </a:ln>
+          </p:spPr>
+          <p:style>
+            <a:lnRef idx="2">
+              <a:schemeClr val="dk1"/>
+            </a:lnRef>
+            <a:fillRef idx="0">
+              <a:schemeClr val="dk1"/>
+            </a:fillRef>
+            <a:effectRef idx="1">
+              <a:schemeClr val="dk1"/>
+            </a:effectRef>
+            <a:fontRef idx="minor">
+              <a:schemeClr val="tx1"/>
+            </a:fontRef>
+          </p:style>
+        </p:cxnSp>
+        <p:sp>
+          <p:nvSpPr>
+            <p:cNvPr id="35" name="Rectangle 34">
+              <a:extLst>
+                <a:ext uri="{FF2B5EF4-FFF2-40B4-BE49-F238E27FC236}">
+                  <a16:creationId xmlns:a16="http://schemas.microsoft.com/office/drawing/2014/main" id="{B1C749AF-EE07-48E4-2D6A-E8265E3A333E}"/>
+                </a:ext>
+              </a:extLst>
+            </p:cNvPr>
+            <p:cNvSpPr/>
+            <p:nvPr/>
+          </p:nvSpPr>
+          <p:spPr>
+            <a:xfrm>
+              <a:off x="8799393" y="4717812"/>
+              <a:ext cx="1139588" cy="600501"/>
+            </a:xfrm>
+            <a:prstGeom prst="rect">
+              <a:avLst/>
+            </a:prstGeom>
+          </p:spPr>
+          <p:style>
+            <a:lnRef idx="1">
+              <a:schemeClr val="accent4"/>
+            </a:lnRef>
+            <a:fillRef idx="2">
+              <a:schemeClr val="accent4"/>
+            </a:fillRef>
+            <a:effectRef idx="1">
+              <a:schemeClr val="accent4"/>
+            </a:effectRef>
+            <a:fontRef idx="minor">
+              <a:schemeClr val="dk1"/>
+            </a:fontRef>
+          </p:style>
+          <p:txBody>
+            <a:bodyPr rtlCol="0" anchor="ctr"/>
+            <a:lstStyle/>
+            <a:p>
+              <a:pPr algn="ctr"/>
+              <a:r>
+                <a:rPr lang="nl-NL" sz="1200"/>
+                <a:t>Risico = 2.1</a:t>
+              </a:r>
+            </a:p>
+          </p:txBody>
+        </p:sp>
+        <p:sp>
+          <p:nvSpPr>
+            <p:cNvPr id="36" name="Rectangle 35">
+              <a:extLst>
+                <a:ext uri="{FF2B5EF4-FFF2-40B4-BE49-F238E27FC236}">
+                  <a16:creationId xmlns:a16="http://schemas.microsoft.com/office/drawing/2014/main" id="{3127CCA3-47A7-64A1-4E06-BC6B82BF8A37}"/>
+                </a:ext>
+              </a:extLst>
+            </p:cNvPr>
+            <p:cNvSpPr/>
+            <p:nvPr/>
+          </p:nvSpPr>
+          <p:spPr>
+            <a:xfrm>
+              <a:off x="10184645" y="4717812"/>
+              <a:ext cx="1139588" cy="600501"/>
+            </a:xfrm>
+            <a:prstGeom prst="rect">
+              <a:avLst/>
+            </a:prstGeom>
+          </p:spPr>
+          <p:style>
+            <a:lnRef idx="1">
+              <a:schemeClr val="accent4"/>
+            </a:lnRef>
+            <a:fillRef idx="2">
+              <a:schemeClr val="accent4"/>
+            </a:fillRef>
+            <a:effectRef idx="1">
+              <a:schemeClr val="accent4"/>
+            </a:effectRef>
+            <a:fontRef idx="minor">
+              <a:schemeClr val="dk1"/>
+            </a:fontRef>
+          </p:style>
+          <p:txBody>
+            <a:bodyPr rtlCol="0" anchor="ctr"/>
+            <a:lstStyle/>
+            <a:p>
+              <a:pPr algn="ctr"/>
+              <a:r>
+                <a:rPr lang="nl-NL" sz="1200"/>
+                <a:t>Risico = 4.5</a:t>
+              </a:r>
+            </a:p>
+          </p:txBody>
+        </p:sp>
+        <p:cxnSp>
+          <p:nvCxnSpPr>
+            <p:cNvPr id="39" name="Straight Arrow Connector 38">
+              <a:extLst>
+                <a:ext uri="{FF2B5EF4-FFF2-40B4-BE49-F238E27FC236}">
+                  <a16:creationId xmlns:a16="http://schemas.microsoft.com/office/drawing/2014/main" id="{710E3395-E21F-CA68-67B5-8F62191E5A9E}"/>
+                </a:ext>
+              </a:extLst>
+            </p:cNvPr>
+            <p:cNvCxnSpPr>
+              <a:stCxn id="7" idx="2"/>
+              <a:endCxn id="35" idx="0"/>
+            </p:cNvCxnSpPr>
+            <p:nvPr/>
+          </p:nvCxnSpPr>
+          <p:spPr>
+            <a:xfrm flipH="1">
+              <a:off x="9369187" y="4201477"/>
+              <a:ext cx="651682" cy="516335"/>
+            </a:xfrm>
+            <a:prstGeom prst="straightConnector1">
+              <a:avLst/>
+            </a:prstGeom>
+            <a:ln>
+              <a:tailEnd type="triangle"/>
+            </a:ln>
+          </p:spPr>
+          <p:style>
+            <a:lnRef idx="2">
+              <a:schemeClr val="dk1"/>
+            </a:lnRef>
+            <a:fillRef idx="0">
+              <a:schemeClr val="dk1"/>
+            </a:fillRef>
+            <a:effectRef idx="1">
+              <a:schemeClr val="dk1"/>
+            </a:effectRef>
+            <a:fontRef idx="minor">
+              <a:schemeClr val="tx1"/>
+            </a:fontRef>
+          </p:style>
+        </p:cxnSp>
+        <p:cxnSp>
+          <p:nvCxnSpPr>
+            <p:cNvPr id="41" name="Straight Arrow Connector 40">
+              <a:extLst>
+                <a:ext uri="{FF2B5EF4-FFF2-40B4-BE49-F238E27FC236}">
+                  <a16:creationId xmlns:a16="http://schemas.microsoft.com/office/drawing/2014/main" id="{7DA737A8-403E-B8E4-430C-9456400393A8}"/>
+                </a:ext>
+              </a:extLst>
+            </p:cNvPr>
+            <p:cNvCxnSpPr>
+              <a:cxnSpLocks/>
+              <a:stCxn id="7" idx="2"/>
+              <a:endCxn id="36" idx="0"/>
+            </p:cNvCxnSpPr>
+            <p:nvPr/>
+          </p:nvCxnSpPr>
+          <p:spPr>
+            <a:xfrm>
+              <a:off x="10020869" y="4201477"/>
+              <a:ext cx="733570" cy="516335"/>
+            </a:xfrm>
+            <a:prstGeom prst="straightConnector1">
+              <a:avLst/>
+            </a:prstGeom>
+            <a:ln>
+              <a:tailEnd type="triangle"/>
+            </a:ln>
+          </p:spPr>
+          <p:style>
+            <a:lnRef idx="2">
+              <a:schemeClr val="dk1"/>
+            </a:lnRef>
+            <a:fillRef idx="0">
+              <a:schemeClr val="dk1"/>
+            </a:fillRef>
+            <a:effectRef idx="1">
+              <a:schemeClr val="dk1"/>
+            </a:effectRef>
+            <a:fontRef idx="minor">
+              <a:schemeClr val="tx1"/>
+            </a:fontRef>
+          </p:style>
+        </p:cxnSp>
+      </p:grpSp>
+    </p:spTree>
+    <p:extLst>
+      <p:ext uri="{BB962C8B-B14F-4D97-AF65-F5344CB8AC3E}">
+        <p14:creationId xmlns:p14="http://schemas.microsoft.com/office/powerpoint/2010/main" val="1805869897"/>
+      </p:ext>
+    </p:extLst>
+  </p:cSld>
+  <p:clrMapOvr>
+    <a:masterClrMapping/>
+  </p:clrMapOvr>
+</p:sld>
+</file>
+
+<file path=ppt/slides/slide42.xml><?xml version="1.0" encoding="utf-8"?>
+<p:sld xmlns:a="http://schemas.openxmlformats.org/drawingml/2006/main" xmlns:r="http://schemas.openxmlformats.org/officeDocument/2006/relationships" xmlns:p="http://schemas.openxmlformats.org/presentationml/2006/main">
+  <p:cSld>
+    <p:spTree>
+      <p:nvGrpSpPr>
+        <p:cNvPr id="1" name=""/>
+        <p:cNvGrpSpPr/>
+        <p:nvPr/>
+      </p:nvGrpSpPr>
+      <p:grpSpPr>
+        <a:xfrm>
+          <a:off x="0" y="0"/>
+          <a:ext cx="0" cy="0"/>
+          <a:chOff x="0" y="0"/>
+          <a:chExt cx="0" cy="0"/>
+        </a:xfrm>
+      </p:grpSpPr>
+      <p:sp>
+        <p:nvSpPr>
+          <p:cNvPr id="2" name="Title 1">
+            <a:extLst>
+              <a:ext uri="{FF2B5EF4-FFF2-40B4-BE49-F238E27FC236}">
+                <a16:creationId xmlns:a16="http://schemas.microsoft.com/office/drawing/2014/main" id="{39A1D606-8DD1-369C-5C09-471CDD551AD5}"/>
+              </a:ext>
+            </a:extLst>
+          </p:cNvPr>
+          <p:cNvSpPr>
+            <a:spLocks noGrp="1"/>
+          </p:cNvSpPr>
+          <p:nvPr>
+            <p:ph type="title"/>
+          </p:nvPr>
+        </p:nvSpPr>
+        <p:spPr>
+          <a:xfrm>
+            <a:off x="838200" y="365126"/>
+            <a:ext cx="10515600" cy="718608"/>
+          </a:xfrm>
+        </p:spPr>
+        <p:txBody>
+          <a:bodyPr>
+            <a:normAutofit/>
+          </a:bodyPr>
+          <a:lstStyle/>
+          <a:p>
+            <a:r>
+              <a:rPr lang="nl-NL" sz="3600" noProof="0" dirty="0"/>
+              <a:t>Uitlegbaarheid: model en voorspelling</a:t>
+            </a:r>
+          </a:p>
+        </p:txBody>
+      </p:sp>
+      <p:sp>
+        <p:nvSpPr>
+          <p:cNvPr id="4" name="Content Placeholder 2">
+            <a:extLst>
+              <a:ext uri="{FF2B5EF4-FFF2-40B4-BE49-F238E27FC236}">
+                <a16:creationId xmlns:a16="http://schemas.microsoft.com/office/drawing/2014/main" id="{AC422D07-85B1-AD56-723C-68A212DFB7BF}"/>
+              </a:ext>
+            </a:extLst>
+          </p:cNvPr>
+          <p:cNvSpPr>
+            <a:spLocks noGrp="1"/>
+          </p:cNvSpPr>
+          <p:nvPr>
+            <p:ph idx="1"/>
+          </p:nvPr>
+        </p:nvSpPr>
+        <p:spPr>
+          <a:xfrm>
+            <a:off x="838201" y="1456267"/>
+            <a:ext cx="6756778" cy="4720696"/>
+          </a:xfrm>
+        </p:spPr>
+        <p:txBody>
+          <a:bodyPr>
+            <a:normAutofit/>
+          </a:bodyPr>
+          <a:lstStyle/>
+          <a:p>
+            <a:pPr marL="0" indent="0">
+              <a:buNone/>
+            </a:pPr>
+            <a:r>
+              <a:rPr lang="nl-NL" sz="2000" b="1" dirty="0" err="1"/>
+              <a:t>Shapley</a:t>
+            </a:r>
+            <a:r>
+              <a:rPr lang="nl-NL" sz="2000" b="1" dirty="0"/>
+              <a:t> </a:t>
+            </a:r>
+            <a:r>
+              <a:rPr lang="nl-NL" sz="2000" b="1" dirty="0" err="1"/>
+              <a:t>Values</a:t>
+            </a:r>
+            <a:r>
+              <a:rPr lang="nl-NL" sz="2000" b="1" dirty="0"/>
+              <a:t>  / SHAP</a:t>
+            </a:r>
+          </a:p>
+          <a:p>
+            <a:pPr>
+              <a:buFontTx/>
+              <a:buChar char="-"/>
+            </a:pPr>
+            <a:r>
+              <a:rPr lang="nl-NL" sz="2000" dirty="0"/>
+              <a:t>Bijdrage score proportioneel over features verdelen.</a:t>
+            </a:r>
+          </a:p>
+          <a:p>
+            <a:pPr>
+              <a:buFontTx/>
+              <a:buChar char="-"/>
+            </a:pPr>
+            <a:r>
+              <a:rPr lang="nl-NL" sz="2000" dirty="0"/>
+              <a:t>Bereken score voor alle mogelijke feature combinaties.</a:t>
+            </a:r>
+          </a:p>
+          <a:p>
+            <a:pPr>
+              <a:buFontTx/>
+              <a:buChar char="-"/>
+            </a:pPr>
+            <a:r>
+              <a:rPr lang="nl-NL" sz="2000" dirty="0"/>
+              <a:t>Vergelijk combinaties met en zonder feature.</a:t>
+            </a:r>
+          </a:p>
+          <a:p>
+            <a:pPr>
+              <a:buFontTx/>
+              <a:buChar char="-"/>
+            </a:pPr>
+            <a:endParaRPr lang="nl-NL" sz="2000" dirty="0"/>
+          </a:p>
+          <a:p>
+            <a:pPr marL="0" indent="0">
+              <a:buNone/>
+            </a:pPr>
+            <a:endParaRPr lang="nl-NL" sz="2000" dirty="0"/>
+          </a:p>
+        </p:txBody>
+      </p:sp>
+      <p:grpSp>
+        <p:nvGrpSpPr>
+          <p:cNvPr id="34" name="Group 33">
+            <a:extLst>
+              <a:ext uri="{FF2B5EF4-FFF2-40B4-BE49-F238E27FC236}">
+                <a16:creationId xmlns:a16="http://schemas.microsoft.com/office/drawing/2014/main" id="{68ABE375-5952-92B1-0A37-1343D03FC961}"/>
+              </a:ext>
+            </a:extLst>
+          </p:cNvPr>
+          <p:cNvGrpSpPr/>
+          <p:nvPr/>
+        </p:nvGrpSpPr>
+        <p:grpSpPr>
+          <a:xfrm>
+            <a:off x="7847462" y="1431682"/>
+            <a:ext cx="3428032" cy="1997318"/>
+            <a:chOff x="7440223" y="1456265"/>
+            <a:chExt cx="4368057" cy="2545016"/>
+          </a:xfrm>
+        </p:grpSpPr>
+        <p:sp>
+          <p:nvSpPr>
+            <p:cNvPr id="3" name="Rectangle 2">
+              <a:extLst>
+                <a:ext uri="{FF2B5EF4-FFF2-40B4-BE49-F238E27FC236}">
+                  <a16:creationId xmlns:a16="http://schemas.microsoft.com/office/drawing/2014/main" id="{EF47CDB6-4ABA-37DB-58FC-3D19EF834A62}"/>
+                </a:ext>
+              </a:extLst>
+            </p:cNvPr>
+            <p:cNvSpPr/>
+            <p:nvPr/>
+          </p:nvSpPr>
+          <p:spPr>
+            <a:xfrm>
+              <a:off x="8680462" y="1456265"/>
+              <a:ext cx="1139588" cy="600501"/>
+            </a:xfrm>
+            <a:prstGeom prst="rect">
+              <a:avLst/>
+            </a:prstGeom>
+          </p:spPr>
+          <p:style>
+            <a:lnRef idx="1">
+              <a:schemeClr val="accent6"/>
+            </a:lnRef>
+            <a:fillRef idx="2">
+              <a:schemeClr val="accent6"/>
+            </a:fillRef>
+            <a:effectRef idx="1">
+              <a:schemeClr val="accent6"/>
+            </a:effectRef>
+            <a:fontRef idx="minor">
+              <a:schemeClr val="dk1"/>
+            </a:fontRef>
+          </p:style>
+          <p:txBody>
+            <a:bodyPr rtlCol="0" anchor="ctr"/>
+            <a:lstStyle/>
+            <a:p>
+              <a:pPr algn="ctr"/>
+              <a:r>
+                <a:rPr lang="nl-NL" sz="1200" dirty="0"/>
+                <a:t>Leeftijd</a:t>
+              </a:r>
+            </a:p>
+            <a:p>
+              <a:pPr algn="ctr"/>
+              <a:r>
+                <a:rPr lang="nl-NL" sz="1200" dirty="0"/>
+                <a:t>45</a:t>
+              </a:r>
+            </a:p>
+          </p:txBody>
+        </p:sp>
+        <p:sp>
+          <p:nvSpPr>
+            <p:cNvPr id="5" name="Rectangle 4">
+              <a:extLst>
+                <a:ext uri="{FF2B5EF4-FFF2-40B4-BE49-F238E27FC236}">
+                  <a16:creationId xmlns:a16="http://schemas.microsoft.com/office/drawing/2014/main" id="{511734C9-2CF5-64D0-ABA6-04294807C316}"/>
+                </a:ext>
+              </a:extLst>
+            </p:cNvPr>
+            <p:cNvSpPr/>
+            <p:nvPr/>
+          </p:nvSpPr>
+          <p:spPr>
+            <a:xfrm>
+              <a:off x="7440223" y="1456265"/>
+              <a:ext cx="1139588" cy="600501"/>
+            </a:xfrm>
+            <a:prstGeom prst="rect">
+              <a:avLst/>
+            </a:prstGeom>
+          </p:spPr>
+          <p:style>
+            <a:lnRef idx="1">
+              <a:schemeClr val="accent5"/>
+            </a:lnRef>
+            <a:fillRef idx="2">
+              <a:schemeClr val="accent5"/>
+            </a:fillRef>
+            <a:effectRef idx="1">
+              <a:schemeClr val="accent5"/>
+            </a:effectRef>
+            <a:fontRef idx="minor">
+              <a:schemeClr val="dk1"/>
+            </a:fontRef>
+          </p:style>
+          <p:txBody>
+            <a:bodyPr rtlCol="0" anchor="ctr"/>
+            <a:lstStyle/>
+            <a:p>
+              <a:pPr algn="ctr"/>
+              <a:r>
+                <a:rPr lang="nl-NL" sz="1200" dirty="0"/>
+                <a:t>Inkomen</a:t>
+              </a:r>
+            </a:p>
+            <a:p>
+              <a:pPr algn="ctr"/>
+              <a:r>
+                <a:rPr lang="nl-NL" sz="1200" dirty="0"/>
+                <a:t>30K</a:t>
+              </a:r>
+            </a:p>
+          </p:txBody>
+        </p:sp>
+        <p:sp>
+          <p:nvSpPr>
+            <p:cNvPr id="6" name="Rectangle 5">
+              <a:extLst>
+                <a:ext uri="{FF2B5EF4-FFF2-40B4-BE49-F238E27FC236}">
+                  <a16:creationId xmlns:a16="http://schemas.microsoft.com/office/drawing/2014/main" id="{2CFFFAF3-EB1D-C5CA-62A4-5333782547DC}"/>
+                </a:ext>
+              </a:extLst>
+            </p:cNvPr>
+            <p:cNvSpPr/>
+            <p:nvPr/>
+          </p:nvSpPr>
+          <p:spPr>
+            <a:xfrm>
+              <a:off x="9920701" y="1456265"/>
+              <a:ext cx="1139588" cy="600501"/>
+            </a:xfrm>
+            <a:prstGeom prst="rect">
+              <a:avLst/>
+            </a:prstGeom>
+          </p:spPr>
+          <p:style>
+            <a:lnRef idx="1">
+              <a:schemeClr val="accent4"/>
+            </a:lnRef>
+            <a:fillRef idx="2">
+              <a:schemeClr val="accent4"/>
+            </a:fillRef>
+            <a:effectRef idx="1">
+              <a:schemeClr val="accent4"/>
+            </a:effectRef>
+            <a:fontRef idx="minor">
+              <a:schemeClr val="dk1"/>
+            </a:fontRef>
+          </p:style>
+          <p:txBody>
+            <a:bodyPr rtlCol="0" anchor="ctr"/>
+            <a:lstStyle/>
+            <a:p>
+              <a:pPr algn="ctr"/>
+              <a:r>
+                <a:rPr lang="nl-NL" sz="1200" dirty="0"/>
+                <a:t>Geslacht</a:t>
+              </a:r>
+            </a:p>
+            <a:p>
+              <a:pPr algn="ctr"/>
+              <a:r>
+                <a:rPr lang="nl-NL" sz="1200" dirty="0"/>
+                <a:t>Vrouw</a:t>
+              </a:r>
+            </a:p>
+          </p:txBody>
+        </p:sp>
+        <p:sp>
+          <p:nvSpPr>
+            <p:cNvPr id="13" name="TextBox 12">
+              <a:extLst>
+                <a:ext uri="{FF2B5EF4-FFF2-40B4-BE49-F238E27FC236}">
+                  <a16:creationId xmlns:a16="http://schemas.microsoft.com/office/drawing/2014/main" id="{EB05DFB2-4DF7-EDBB-0955-1249E13A3103}"/>
+                </a:ext>
+              </a:extLst>
+            </p:cNvPr>
+            <p:cNvSpPr txBox="1"/>
+            <p:nvPr/>
+          </p:nvSpPr>
+          <p:spPr>
+            <a:xfrm>
+              <a:off x="11060289" y="1571849"/>
+              <a:ext cx="747991" cy="470609"/>
+            </a:xfrm>
+            <a:prstGeom prst="rect">
+              <a:avLst/>
+            </a:prstGeom>
+            <a:noFill/>
+          </p:spPr>
+          <p:txBody>
+            <a:bodyPr wrap="none" rtlCol="0">
+              <a:spAutoFit/>
+            </a:bodyPr>
+            <a:lstStyle/>
+            <a:p>
+              <a:r>
+                <a:rPr lang="en-US" dirty="0"/>
+                <a:t>= 75</a:t>
+              </a:r>
+              <a:endParaRPr lang="en-NL" dirty="0"/>
+            </a:p>
+          </p:txBody>
+        </p:sp>
+        <p:sp>
+          <p:nvSpPr>
+            <p:cNvPr id="15" name="Rectangle 14">
+              <a:extLst>
+                <a:ext uri="{FF2B5EF4-FFF2-40B4-BE49-F238E27FC236}">
+                  <a16:creationId xmlns:a16="http://schemas.microsoft.com/office/drawing/2014/main" id="{E03E36A4-02C1-DFA4-45DB-A9526F597178}"/>
+                </a:ext>
+              </a:extLst>
+            </p:cNvPr>
+            <p:cNvSpPr/>
+            <p:nvPr/>
+          </p:nvSpPr>
+          <p:spPr>
+            <a:xfrm>
+              <a:off x="7440223" y="2142788"/>
+              <a:ext cx="1139588" cy="600501"/>
+            </a:xfrm>
+            <a:prstGeom prst="rect">
+              <a:avLst/>
+            </a:prstGeom>
+          </p:spPr>
+          <p:style>
+            <a:lnRef idx="1">
+              <a:schemeClr val="accent5"/>
+            </a:lnRef>
+            <a:fillRef idx="2">
+              <a:schemeClr val="accent5"/>
+            </a:fillRef>
+            <a:effectRef idx="1">
+              <a:schemeClr val="accent5"/>
+            </a:effectRef>
+            <a:fontRef idx="minor">
+              <a:schemeClr val="dk1"/>
+            </a:fontRef>
+          </p:style>
+          <p:txBody>
+            <a:bodyPr rtlCol="0" anchor="ctr"/>
+            <a:lstStyle/>
+            <a:p>
+              <a:pPr algn="ctr"/>
+              <a:r>
+                <a:rPr lang="nl-NL" sz="1200" dirty="0"/>
+                <a:t>Inkomen</a:t>
+              </a:r>
+            </a:p>
+            <a:p>
+              <a:pPr algn="ctr"/>
+              <a:r>
+                <a:rPr lang="nl-NL" sz="1200" dirty="0"/>
+                <a:t>30K</a:t>
+              </a:r>
+            </a:p>
+          </p:txBody>
+        </p:sp>
+        <p:sp>
+          <p:nvSpPr>
+            <p:cNvPr id="17" name="TextBox 16">
+              <a:extLst>
+                <a:ext uri="{FF2B5EF4-FFF2-40B4-BE49-F238E27FC236}">
+                  <a16:creationId xmlns:a16="http://schemas.microsoft.com/office/drawing/2014/main" id="{3F223868-C2E9-FC50-16F9-BB342026D0A0}"/>
+                </a:ext>
+              </a:extLst>
+            </p:cNvPr>
+            <p:cNvSpPr txBox="1"/>
+            <p:nvPr/>
+          </p:nvSpPr>
+          <p:spPr>
+            <a:xfrm>
+              <a:off x="11060289" y="2258372"/>
+              <a:ext cx="747991" cy="470609"/>
+            </a:xfrm>
+            <a:prstGeom prst="rect">
+              <a:avLst/>
+            </a:prstGeom>
+            <a:noFill/>
+          </p:spPr>
+          <p:txBody>
+            <a:bodyPr wrap="none" rtlCol="0">
+              <a:spAutoFit/>
+            </a:bodyPr>
+            <a:lstStyle/>
+            <a:p>
+              <a:r>
+                <a:rPr lang="en-US" dirty="0"/>
+                <a:t>= 45</a:t>
+              </a:r>
+              <a:endParaRPr lang="en-NL" dirty="0"/>
+            </a:p>
+          </p:txBody>
+        </p:sp>
+        <p:sp>
+          <p:nvSpPr>
+            <p:cNvPr id="19" name="TextBox 18">
+              <a:extLst>
+                <a:ext uri="{FF2B5EF4-FFF2-40B4-BE49-F238E27FC236}">
+                  <a16:creationId xmlns:a16="http://schemas.microsoft.com/office/drawing/2014/main" id="{85FCB823-6804-1191-9AE9-317E4D1173A5}"/>
+                </a:ext>
+              </a:extLst>
+            </p:cNvPr>
+            <p:cNvSpPr txBox="1"/>
+            <p:nvPr/>
+          </p:nvSpPr>
+          <p:spPr>
+            <a:xfrm>
+              <a:off x="11060289" y="2944895"/>
+              <a:ext cx="747991" cy="470609"/>
+            </a:xfrm>
+            <a:prstGeom prst="rect">
+              <a:avLst/>
+            </a:prstGeom>
+            <a:noFill/>
+          </p:spPr>
+          <p:txBody>
+            <a:bodyPr wrap="none" rtlCol="0">
+              <a:spAutoFit/>
+            </a:bodyPr>
+            <a:lstStyle/>
+            <a:p>
+              <a:r>
+                <a:rPr lang="en-US" dirty="0"/>
+                <a:t>= 55</a:t>
+              </a:r>
+              <a:endParaRPr lang="en-NL" dirty="0"/>
+            </a:p>
+          </p:txBody>
+        </p:sp>
+        <p:sp>
+          <p:nvSpPr>
+            <p:cNvPr id="20" name="Rectangle 19">
+              <a:extLst>
+                <a:ext uri="{FF2B5EF4-FFF2-40B4-BE49-F238E27FC236}">
+                  <a16:creationId xmlns:a16="http://schemas.microsoft.com/office/drawing/2014/main" id="{3A270FDB-1E2C-EABF-6627-927FD47D074A}"/>
+                </a:ext>
+              </a:extLst>
+            </p:cNvPr>
+            <p:cNvSpPr/>
+            <p:nvPr/>
+          </p:nvSpPr>
+          <p:spPr>
+            <a:xfrm>
+              <a:off x="8680462" y="2142788"/>
+              <a:ext cx="1139588" cy="600501"/>
+            </a:xfrm>
+            <a:prstGeom prst="rect">
+              <a:avLst/>
+            </a:prstGeom>
+          </p:spPr>
+          <p:style>
+            <a:lnRef idx="1">
+              <a:schemeClr val="accent6"/>
+            </a:lnRef>
+            <a:fillRef idx="2">
+              <a:schemeClr val="accent6"/>
+            </a:fillRef>
+            <a:effectRef idx="1">
+              <a:schemeClr val="accent6"/>
+            </a:effectRef>
+            <a:fontRef idx="minor">
+              <a:schemeClr val="dk1"/>
+            </a:fontRef>
+          </p:style>
+          <p:txBody>
+            <a:bodyPr rtlCol="0" anchor="ctr"/>
+            <a:lstStyle/>
+            <a:p>
+              <a:pPr algn="ctr"/>
+              <a:r>
+                <a:rPr lang="nl-NL" sz="1200" dirty="0"/>
+                <a:t>Leeftijd</a:t>
+              </a:r>
+            </a:p>
+            <a:p>
+              <a:pPr algn="ctr"/>
+              <a:r>
+                <a:rPr lang="nl-NL" sz="1200" dirty="0"/>
+                <a:t>45</a:t>
+              </a:r>
+            </a:p>
+          </p:txBody>
+        </p:sp>
+        <p:sp>
+          <p:nvSpPr>
+            <p:cNvPr id="21" name="Rectangle 20">
+              <a:extLst>
+                <a:ext uri="{FF2B5EF4-FFF2-40B4-BE49-F238E27FC236}">
+                  <a16:creationId xmlns:a16="http://schemas.microsoft.com/office/drawing/2014/main" id="{EF577CE1-85D2-8A98-FDA1-23DDD61AA4B4}"/>
+                </a:ext>
+              </a:extLst>
+            </p:cNvPr>
+            <p:cNvSpPr/>
+            <p:nvPr/>
+          </p:nvSpPr>
+          <p:spPr>
+            <a:xfrm>
+              <a:off x="7440223" y="2829311"/>
+              <a:ext cx="1139588" cy="600501"/>
+            </a:xfrm>
+            <a:prstGeom prst="rect">
+              <a:avLst/>
+            </a:prstGeom>
+          </p:spPr>
+          <p:style>
+            <a:lnRef idx="1">
+              <a:schemeClr val="accent5"/>
+            </a:lnRef>
+            <a:fillRef idx="2">
+              <a:schemeClr val="accent5"/>
+            </a:fillRef>
+            <a:effectRef idx="1">
+              <a:schemeClr val="accent5"/>
+            </a:effectRef>
+            <a:fontRef idx="minor">
+              <a:schemeClr val="dk1"/>
+            </a:fontRef>
+          </p:style>
+          <p:txBody>
+            <a:bodyPr rtlCol="0" anchor="ctr"/>
+            <a:lstStyle/>
+            <a:p>
+              <a:pPr algn="ctr"/>
+              <a:r>
+                <a:rPr lang="nl-NL" sz="1200" dirty="0"/>
+                <a:t>Inkomen</a:t>
+              </a:r>
+            </a:p>
+            <a:p>
+              <a:pPr algn="ctr"/>
+              <a:r>
+                <a:rPr lang="nl-NL" sz="1200" dirty="0"/>
+                <a:t>30K</a:t>
+              </a:r>
+            </a:p>
+          </p:txBody>
+        </p:sp>
+        <p:sp>
+          <p:nvSpPr>
+            <p:cNvPr id="22" name="TextBox 21">
+              <a:extLst>
+                <a:ext uri="{FF2B5EF4-FFF2-40B4-BE49-F238E27FC236}">
+                  <a16:creationId xmlns:a16="http://schemas.microsoft.com/office/drawing/2014/main" id="{3C234AA7-27C5-6D04-A28B-76AAA1F2051A}"/>
+                </a:ext>
+              </a:extLst>
+            </p:cNvPr>
+            <p:cNvSpPr txBox="1"/>
+            <p:nvPr/>
+          </p:nvSpPr>
+          <p:spPr>
+            <a:xfrm>
+              <a:off x="11060289" y="3631949"/>
+              <a:ext cx="587020" cy="369332"/>
+            </a:xfrm>
+            <a:prstGeom prst="rect">
+              <a:avLst/>
+            </a:prstGeom>
+            <a:noFill/>
+          </p:spPr>
+          <p:txBody>
+            <a:bodyPr wrap="none" rtlCol="0">
+              <a:spAutoFit/>
+            </a:bodyPr>
+            <a:lstStyle/>
+            <a:p>
+              <a:r>
+                <a:rPr lang="en-US" dirty="0"/>
+                <a:t>= 25</a:t>
+              </a:r>
+              <a:endParaRPr lang="en-NL" dirty="0"/>
+            </a:p>
+          </p:txBody>
+        </p:sp>
+        <p:pic>
+          <p:nvPicPr>
+            <p:cNvPr id="27" name="Graphic 26" descr="Close">
+              <a:extLst>
+                <a:ext uri="{FF2B5EF4-FFF2-40B4-BE49-F238E27FC236}">
+                  <a16:creationId xmlns:a16="http://schemas.microsoft.com/office/drawing/2014/main" id="{C43825B5-7748-81AF-50FF-950520B9B3D3}"/>
+                </a:ext>
+              </a:extLst>
+            </p:cNvPr>
+            <p:cNvPicPr>
+              <a:picLocks noChangeAspect="1"/>
+            </p:cNvPicPr>
+            <p:nvPr/>
+          </p:nvPicPr>
+          <p:blipFill>
+            <a:blip r:embed="rId2">
+              <a:extLst>
+                <a:ext uri="{28A0092B-C50C-407E-A947-70E740481C1C}">
+                  <a14:useLocalDpi xmlns:a14="http://schemas.microsoft.com/office/drawing/2010/main" val="0"/>
+                </a:ext>
+                <a:ext uri="{96DAC541-7B7A-43D3-8B79-37D633B846F1}">
+                  <asvg:svgBlip xmlns:asvg="http://schemas.microsoft.com/office/drawing/2016/SVG/main" r:embed="rId3"/>
+                </a:ext>
+              </a:extLst>
+            </a:blip>
+            <a:stretch>
+              <a:fillRect/>
+            </a:stretch>
+          </p:blipFill>
+          <p:spPr>
+            <a:xfrm>
+              <a:off x="7827732" y="3631949"/>
+              <a:ext cx="369332" cy="369332"/>
+            </a:xfrm>
+            <a:prstGeom prst="rect">
+              <a:avLst/>
+            </a:prstGeom>
+          </p:spPr>
+        </p:pic>
+        <p:pic>
+          <p:nvPicPr>
+            <p:cNvPr id="28" name="Graphic 27" descr="Close">
+              <a:extLst>
+                <a:ext uri="{FF2B5EF4-FFF2-40B4-BE49-F238E27FC236}">
+                  <a16:creationId xmlns:a16="http://schemas.microsoft.com/office/drawing/2014/main" id="{34AF1D44-1B95-FF91-6CBE-C6B9105B8D89}"/>
+                </a:ext>
+              </a:extLst>
+            </p:cNvPr>
+            <p:cNvPicPr>
+              <a:picLocks noChangeAspect="1"/>
+            </p:cNvPicPr>
+            <p:nvPr/>
+          </p:nvPicPr>
+          <p:blipFill>
+            <a:blip r:embed="rId2">
+              <a:extLst>
+                <a:ext uri="{28A0092B-C50C-407E-A947-70E740481C1C}">
+                  <a14:useLocalDpi xmlns:a14="http://schemas.microsoft.com/office/drawing/2010/main" val="0"/>
+                </a:ext>
+                <a:ext uri="{96DAC541-7B7A-43D3-8B79-37D633B846F1}">
+                  <asvg:svgBlip xmlns:asvg="http://schemas.microsoft.com/office/drawing/2016/SVG/main" r:embed="rId3"/>
+                </a:ext>
+              </a:extLst>
+            </a:blip>
+            <a:stretch>
+              <a:fillRect/>
+            </a:stretch>
+          </p:blipFill>
+          <p:spPr>
+            <a:xfrm>
+              <a:off x="9080217" y="3631949"/>
+              <a:ext cx="369332" cy="369332"/>
+            </a:xfrm>
+            <a:prstGeom prst="rect">
+              <a:avLst/>
+            </a:prstGeom>
+          </p:spPr>
+        </p:pic>
+        <p:pic>
+          <p:nvPicPr>
+            <p:cNvPr id="29" name="Graphic 28" descr="Close">
+              <a:extLst>
+                <a:ext uri="{FF2B5EF4-FFF2-40B4-BE49-F238E27FC236}">
+                  <a16:creationId xmlns:a16="http://schemas.microsoft.com/office/drawing/2014/main" id="{3B592BB8-496B-C201-C6C1-B444C5F7E379}"/>
+                </a:ext>
+              </a:extLst>
+            </p:cNvPr>
+            <p:cNvPicPr>
+              <a:picLocks noChangeAspect="1"/>
+            </p:cNvPicPr>
+            <p:nvPr/>
+          </p:nvPicPr>
+          <p:blipFill>
+            <a:blip r:embed="rId2">
+              <a:extLst>
+                <a:ext uri="{28A0092B-C50C-407E-A947-70E740481C1C}">
+                  <a14:useLocalDpi xmlns:a14="http://schemas.microsoft.com/office/drawing/2010/main" val="0"/>
+                </a:ext>
+                <a:ext uri="{96DAC541-7B7A-43D3-8B79-37D633B846F1}">
+                  <asvg:svgBlip xmlns:asvg="http://schemas.microsoft.com/office/drawing/2016/SVG/main" r:embed="rId3"/>
+                </a:ext>
+              </a:extLst>
+            </a:blip>
+            <a:stretch>
+              <a:fillRect/>
+            </a:stretch>
+          </p:blipFill>
+          <p:spPr>
+            <a:xfrm>
+              <a:off x="10332703" y="3631949"/>
+              <a:ext cx="369332" cy="369332"/>
+            </a:xfrm>
+            <a:prstGeom prst="rect">
+              <a:avLst/>
+            </a:prstGeom>
+          </p:spPr>
+        </p:pic>
+        <p:pic>
+          <p:nvPicPr>
+            <p:cNvPr id="30" name="Graphic 29" descr="Close">
+              <a:extLst>
+                <a:ext uri="{FF2B5EF4-FFF2-40B4-BE49-F238E27FC236}">
+                  <a16:creationId xmlns:a16="http://schemas.microsoft.com/office/drawing/2014/main" id="{864683EA-D664-5BF2-0446-EA4A20188F74}"/>
+                </a:ext>
+              </a:extLst>
+            </p:cNvPr>
+            <p:cNvPicPr>
+              <a:picLocks noChangeAspect="1"/>
+            </p:cNvPicPr>
+            <p:nvPr/>
+          </p:nvPicPr>
+          <p:blipFill>
+            <a:blip r:embed="rId2">
+              <a:extLst>
+                <a:ext uri="{28A0092B-C50C-407E-A947-70E740481C1C}">
+                  <a14:useLocalDpi xmlns:a14="http://schemas.microsoft.com/office/drawing/2010/main" val="0"/>
+                </a:ext>
+                <a:ext uri="{96DAC541-7B7A-43D3-8B79-37D633B846F1}">
+                  <asvg:svgBlip xmlns:asvg="http://schemas.microsoft.com/office/drawing/2016/SVG/main" r:embed="rId3"/>
+                </a:ext>
+              </a:extLst>
+            </a:blip>
+            <a:stretch>
+              <a:fillRect/>
+            </a:stretch>
+          </p:blipFill>
+          <p:spPr>
+            <a:xfrm>
+              <a:off x="9065590" y="2944895"/>
+              <a:ext cx="369332" cy="369332"/>
+            </a:xfrm>
+            <a:prstGeom prst="rect">
+              <a:avLst/>
+            </a:prstGeom>
+          </p:spPr>
+        </p:pic>
+        <p:pic>
+          <p:nvPicPr>
+            <p:cNvPr id="33" name="Graphic 32" descr="Close">
+              <a:extLst>
+                <a:ext uri="{FF2B5EF4-FFF2-40B4-BE49-F238E27FC236}">
+                  <a16:creationId xmlns:a16="http://schemas.microsoft.com/office/drawing/2014/main" id="{6E5D6306-61F0-EB1C-1153-71E91701DC25}"/>
+                </a:ext>
+              </a:extLst>
+            </p:cNvPr>
+            <p:cNvPicPr>
+              <a:picLocks noChangeAspect="1"/>
+            </p:cNvPicPr>
+            <p:nvPr/>
+          </p:nvPicPr>
+          <p:blipFill>
+            <a:blip r:embed="rId2">
+              <a:extLst>
+                <a:ext uri="{28A0092B-C50C-407E-A947-70E740481C1C}">
+                  <a14:useLocalDpi xmlns:a14="http://schemas.microsoft.com/office/drawing/2010/main" val="0"/>
+                </a:ext>
+                <a:ext uri="{96DAC541-7B7A-43D3-8B79-37D633B846F1}">
+                  <asvg:svgBlip xmlns:asvg="http://schemas.microsoft.com/office/drawing/2016/SVG/main" r:embed="rId3"/>
+                </a:ext>
+              </a:extLst>
+            </a:blip>
+            <a:stretch>
+              <a:fillRect/>
+            </a:stretch>
+          </p:blipFill>
+          <p:spPr>
+            <a:xfrm>
+              <a:off x="10305829" y="2258372"/>
+              <a:ext cx="369332" cy="369332"/>
+            </a:xfrm>
+            <a:prstGeom prst="rect">
+              <a:avLst/>
+            </a:prstGeom>
+          </p:spPr>
+        </p:pic>
+      </p:grpSp>
+      <p:sp>
+        <p:nvSpPr>
+          <p:cNvPr id="7" name="Rectangle 6">
+            <a:extLst>
+              <a:ext uri="{FF2B5EF4-FFF2-40B4-BE49-F238E27FC236}">
+                <a16:creationId xmlns:a16="http://schemas.microsoft.com/office/drawing/2014/main" id="{99B30939-1164-7837-DD6D-E8F908DDAD35}"/>
+              </a:ext>
+            </a:extLst>
+          </p:cNvPr>
+          <p:cNvSpPr/>
+          <p:nvPr/>
+        </p:nvSpPr>
+        <p:spPr>
+          <a:xfrm>
+            <a:off x="9794130" y="2509243"/>
+            <a:ext cx="894344" cy="471271"/>
+          </a:xfrm>
+          <a:prstGeom prst="rect">
+            <a:avLst/>
+          </a:prstGeom>
+        </p:spPr>
+        <p:style>
+          <a:lnRef idx="1">
+            <a:schemeClr val="accent4"/>
+          </a:lnRef>
+          <a:fillRef idx="2">
+            <a:schemeClr val="accent4"/>
+          </a:fillRef>
+          <a:effectRef idx="1">
+            <a:schemeClr val="accent4"/>
+          </a:effectRef>
+          <a:fontRef idx="minor">
+            <a:schemeClr val="dk1"/>
+          </a:fontRef>
+        </p:style>
+        <p:txBody>
+          <a:bodyPr rtlCol="0" anchor="ctr"/>
+          <a:lstStyle/>
+          <a:p>
+            <a:pPr algn="ctr"/>
+            <a:r>
+              <a:rPr lang="nl-NL" sz="1200" dirty="0"/>
+              <a:t>Geslacht</a:t>
+            </a:r>
+          </a:p>
+          <a:p>
+            <a:pPr algn="ctr"/>
+            <a:r>
+              <a:rPr lang="nl-NL" sz="1200" dirty="0"/>
+              <a:t>Vrouw</a:t>
+            </a:r>
+          </a:p>
+        </p:txBody>
+      </p:sp>
+      <p:pic>
+        <p:nvPicPr>
+          <p:cNvPr id="8" name="Picture 7">
+            <a:extLst>
+              <a:ext uri="{FF2B5EF4-FFF2-40B4-BE49-F238E27FC236}">
+                <a16:creationId xmlns:a16="http://schemas.microsoft.com/office/drawing/2014/main" id="{C21680B9-C923-B7F1-296D-14AAEA1995B0}"/>
+              </a:ext>
+            </a:extLst>
+          </p:cNvPr>
+          <p:cNvPicPr>
+            <a:picLocks noChangeAspect="1"/>
+          </p:cNvPicPr>
+          <p:nvPr/>
+        </p:nvPicPr>
+        <p:blipFill rotWithShape="1">
+          <a:blip r:embed="rId4"/>
+          <a:srcRect l="17566" t="22858" r="4774"/>
+          <a:stretch/>
+        </p:blipFill>
+        <p:spPr>
+          <a:xfrm>
+            <a:off x="6096000" y="4491802"/>
+            <a:ext cx="5120640" cy="934516"/>
+          </a:xfrm>
+          <a:prstGeom prst="rect">
+            <a:avLst/>
+          </a:prstGeom>
+        </p:spPr>
+      </p:pic>
+      <p:pic>
+        <p:nvPicPr>
+          <p:cNvPr id="9" name="Picture 8">
+            <a:extLst>
+              <a:ext uri="{FF2B5EF4-FFF2-40B4-BE49-F238E27FC236}">
+                <a16:creationId xmlns:a16="http://schemas.microsoft.com/office/drawing/2014/main" id="{9FE8E6F0-B8C2-0981-26CB-9C768136A329}"/>
+              </a:ext>
+            </a:extLst>
+          </p:cNvPr>
+          <p:cNvPicPr>
+            <a:picLocks noChangeAspect="1"/>
+          </p:cNvPicPr>
+          <p:nvPr/>
+        </p:nvPicPr>
+        <p:blipFill rotWithShape="1">
+          <a:blip r:embed="rId5"/>
+          <a:srcRect r="15372" b="2246"/>
+          <a:stretch/>
+        </p:blipFill>
+        <p:spPr>
+          <a:xfrm>
+            <a:off x="1156876" y="3560894"/>
+            <a:ext cx="3630601" cy="2747161"/>
+          </a:xfrm>
+          <a:prstGeom prst="rect">
+            <a:avLst/>
+          </a:prstGeom>
+        </p:spPr>
+      </p:pic>
+    </p:spTree>
+    <p:extLst>
+      <p:ext uri="{BB962C8B-B14F-4D97-AF65-F5344CB8AC3E}">
+        <p14:creationId xmlns:p14="http://schemas.microsoft.com/office/powerpoint/2010/main" val="2541626968"/>
+      </p:ext>
+    </p:extLst>
+  </p:cSld>
+  <p:clrMapOvr>
+    <a:masterClrMapping/>
+  </p:clrMapOvr>
+</p:sld>
+</file>
+
+<file path=ppt/slides/slide43.xml><?xml version="1.0" encoding="utf-8"?>
+<p:sld xmlns:a="http://schemas.openxmlformats.org/drawingml/2006/main" xmlns:r="http://schemas.openxmlformats.org/officeDocument/2006/relationships" xmlns:p="http://schemas.openxmlformats.org/presentationml/2006/main">
+  <p:cSld>
+    <p:spTree>
+      <p:nvGrpSpPr>
+        <p:cNvPr id="1" name=""/>
+        <p:cNvGrpSpPr/>
+        <p:nvPr/>
+      </p:nvGrpSpPr>
+      <p:grpSpPr>
+        <a:xfrm>
+          <a:off x="0" y="0"/>
+          <a:ext cx="0" cy="0"/>
+          <a:chOff x="0" y="0"/>
+          <a:chExt cx="0" cy="0"/>
+        </a:xfrm>
+      </p:grpSpPr>
+      <p:sp>
+        <p:nvSpPr>
+          <p:cNvPr id="2" name="Title 1">
+            <a:extLst>
+              <a:ext uri="{FF2B5EF4-FFF2-40B4-BE49-F238E27FC236}">
+                <a16:creationId xmlns:a16="http://schemas.microsoft.com/office/drawing/2014/main" id="{39A1D606-8DD1-369C-5C09-471CDD551AD5}"/>
+              </a:ext>
+            </a:extLst>
+          </p:cNvPr>
+          <p:cNvSpPr>
+            <a:spLocks noGrp="1"/>
+          </p:cNvSpPr>
+          <p:nvPr>
+            <p:ph type="title"/>
+          </p:nvPr>
+        </p:nvSpPr>
+        <p:spPr>
+          <a:xfrm>
+            <a:off x="838200" y="365126"/>
+            <a:ext cx="10515600" cy="718608"/>
+          </a:xfrm>
+        </p:spPr>
+        <p:txBody>
+          <a:bodyPr>
+            <a:normAutofit/>
+          </a:bodyPr>
+          <a:lstStyle/>
+          <a:p>
+            <a:r>
+              <a:rPr lang="nl-NL" sz="3600" noProof="0" dirty="0"/>
+              <a:t>Eerlijke modellen</a:t>
+            </a:r>
+          </a:p>
+        </p:txBody>
+      </p:sp>
+    </p:spTree>
+    <p:extLst>
+      <p:ext uri="{BB962C8B-B14F-4D97-AF65-F5344CB8AC3E}">
+        <p14:creationId xmlns:p14="http://schemas.microsoft.com/office/powerpoint/2010/main" val="2066240224"/>
       </p:ext>
     </p:extLst>
   </p:cSld>

--- a/python_trainees/4_scikit_learn/python_traineeship_4.pptx
+++ b/python_trainees/4_scikit_learn/python_traineeship_4.pptx
@@ -24,30 +24,33 @@
     <p:sldId id="364" r:id="rId18"/>
     <p:sldId id="367" r:id="rId19"/>
     <p:sldId id="344" r:id="rId20"/>
-    <p:sldId id="366" r:id="rId21"/>
-    <p:sldId id="355" r:id="rId22"/>
-    <p:sldId id="356" r:id="rId23"/>
-    <p:sldId id="357" r:id="rId24"/>
-    <p:sldId id="345" r:id="rId25"/>
-    <p:sldId id="358" r:id="rId26"/>
-    <p:sldId id="361" r:id="rId27"/>
-    <p:sldId id="362" r:id="rId28"/>
-    <p:sldId id="359" r:id="rId29"/>
-    <p:sldId id="360" r:id="rId30"/>
-    <p:sldId id="368" r:id="rId31"/>
-    <p:sldId id="369" r:id="rId32"/>
-    <p:sldId id="370" r:id="rId33"/>
-    <p:sldId id="377" r:id="rId34"/>
-    <p:sldId id="371" r:id="rId35"/>
-    <p:sldId id="372" r:id="rId36"/>
-    <p:sldId id="373" r:id="rId37"/>
-    <p:sldId id="374" r:id="rId38"/>
-    <p:sldId id="375" r:id="rId39"/>
-    <p:sldId id="336" r:id="rId40"/>
-    <p:sldId id="378" r:id="rId41"/>
-    <p:sldId id="380" r:id="rId42"/>
-    <p:sldId id="381" r:id="rId43"/>
-    <p:sldId id="379" r:id="rId44"/>
+    <p:sldId id="355" r:id="rId21"/>
+    <p:sldId id="356" r:id="rId22"/>
+    <p:sldId id="357" r:id="rId23"/>
+    <p:sldId id="366" r:id="rId24"/>
+    <p:sldId id="382" r:id="rId25"/>
+    <p:sldId id="345" r:id="rId26"/>
+    <p:sldId id="358" r:id="rId27"/>
+    <p:sldId id="361" r:id="rId28"/>
+    <p:sldId id="383" r:id="rId29"/>
+    <p:sldId id="362" r:id="rId30"/>
+    <p:sldId id="359" r:id="rId31"/>
+    <p:sldId id="368" r:id="rId32"/>
+    <p:sldId id="369" r:id="rId33"/>
+    <p:sldId id="385" r:id="rId34"/>
+    <p:sldId id="384" r:id="rId35"/>
+    <p:sldId id="370" r:id="rId36"/>
+    <p:sldId id="377" r:id="rId37"/>
+    <p:sldId id="371" r:id="rId38"/>
+    <p:sldId id="372" r:id="rId39"/>
+    <p:sldId id="373" r:id="rId40"/>
+    <p:sldId id="374" r:id="rId41"/>
+    <p:sldId id="375" r:id="rId42"/>
+    <p:sldId id="336" r:id="rId43"/>
+    <p:sldId id="378" r:id="rId44"/>
+    <p:sldId id="380" r:id="rId45"/>
+    <p:sldId id="381" r:id="rId46"/>
+    <p:sldId id="379" r:id="rId47"/>
   </p:sldIdLst>
   <p:sldSz cx="12192000" cy="6858000"/>
   <p:notesSz cx="6858000" cy="9144000"/>
@@ -154,6 +157,903 @@
 </p:presentation>
 </file>
 
+<file path=ppt/charts/chart1.xml><?xml version="1.0" encoding="utf-8"?>
+<c:chartSpace xmlns:c="http://schemas.openxmlformats.org/drawingml/2006/chart" xmlns:a="http://schemas.openxmlformats.org/drawingml/2006/main" xmlns:r="http://schemas.openxmlformats.org/officeDocument/2006/relationships" xmlns:c16r2="http://schemas.microsoft.com/office/drawing/2015/06/chart">
+  <c:date1904 val="0"/>
+  <c:lang val="en-US"/>
+  <c:roundedCorners val="0"/>
+  <mc:AlternateContent xmlns:mc="http://schemas.openxmlformats.org/markup-compatibility/2006">
+    <mc:Choice xmlns:c14="http://schemas.microsoft.com/office/drawing/2007/8/2/chart" Requires="c14">
+      <c14:style val="102"/>
+    </mc:Choice>
+    <mc:Fallback>
+      <c:style val="2"/>
+    </mc:Fallback>
+  </mc:AlternateContent>
+  <c:chart>
+    <c:title>
+      <c:tx>
+        <c:rich>
+          <a:bodyPr rot="0" spcFirstLastPara="1" vertOverflow="ellipsis" vert="horz" wrap="square" anchor="ctr" anchorCtr="1"/>
+          <a:lstStyle/>
+          <a:p>
+            <a:pPr>
+              <a:defRPr sz="1400" b="0" i="0" u="none" strike="noStrike" kern="1200" spc="0" baseline="0">
+                <a:solidFill>
+                  <a:schemeClr val="tx1">
+                    <a:lumMod val="65000"/>
+                    <a:lumOff val="35000"/>
+                  </a:schemeClr>
+                </a:solidFill>
+                <a:latin typeface="+mn-lt"/>
+                <a:ea typeface="+mn-ea"/>
+                <a:cs typeface="+mn-cs"/>
+              </a:defRPr>
+            </a:pPr>
+            <a:r>
+              <a:rPr lang="en-US"/>
+              <a:t>Verdeling labels</a:t>
+            </a:r>
+          </a:p>
+        </c:rich>
+      </c:tx>
+      <c:overlay val="0"/>
+      <c:spPr>
+        <a:noFill/>
+        <a:ln>
+          <a:noFill/>
+        </a:ln>
+        <a:effectLst/>
+      </c:spPr>
+      <c:txPr>
+        <a:bodyPr rot="0" spcFirstLastPara="1" vertOverflow="ellipsis" vert="horz" wrap="square" anchor="ctr" anchorCtr="1"/>
+        <a:lstStyle/>
+        <a:p>
+          <a:pPr>
+            <a:defRPr sz="1400" b="0" i="0" u="none" strike="noStrike" kern="1200" spc="0" baseline="0">
+              <a:solidFill>
+                <a:schemeClr val="tx1">
+                  <a:lumMod val="65000"/>
+                  <a:lumOff val="35000"/>
+                </a:schemeClr>
+              </a:solidFill>
+              <a:latin typeface="+mn-lt"/>
+              <a:ea typeface="+mn-ea"/>
+              <a:cs typeface="+mn-cs"/>
+            </a:defRPr>
+          </a:pPr>
+          <a:endParaRPr lang="en-NL"/>
+        </a:p>
+      </c:txPr>
+    </c:title>
+    <c:autoTitleDeleted val="0"/>
+    <c:plotArea>
+      <c:layout/>
+      <c:barChart>
+        <c:barDir val="col"/>
+        <c:grouping val="clustered"/>
+        <c:varyColors val="0"/>
+        <c:ser>
+          <c:idx val="0"/>
+          <c:order val="0"/>
+          <c:tx>
+            <c:strRef>
+              <c:f>Sheet1!$H$8</c:f>
+              <c:strCache>
+                <c:ptCount val="1"/>
+                <c:pt idx="0">
+                  <c:v>Frequency</c:v>
+                </c:pt>
+              </c:strCache>
+            </c:strRef>
+          </c:tx>
+          <c:spPr>
+            <a:solidFill>
+              <a:schemeClr val="accent2">
+                <a:lumMod val="60000"/>
+                <a:lumOff val="40000"/>
+              </a:schemeClr>
+            </a:solidFill>
+            <a:ln>
+              <a:noFill/>
+            </a:ln>
+            <a:effectLst/>
+          </c:spPr>
+          <c:invertIfNegative val="0"/>
+          <c:dPt>
+            <c:idx val="0"/>
+            <c:invertIfNegative val="0"/>
+            <c:bubble3D val="0"/>
+            <c:spPr>
+              <a:solidFill>
+                <a:schemeClr val="accent2">
+                  <a:lumMod val="60000"/>
+                  <a:lumOff val="40000"/>
+                </a:schemeClr>
+              </a:solidFill>
+              <a:ln>
+                <a:solidFill>
+                  <a:schemeClr val="accent2">
+                    <a:lumMod val="50000"/>
+                  </a:schemeClr>
+                </a:solidFill>
+              </a:ln>
+              <a:effectLst/>
+            </c:spPr>
+            <c:extLst>
+              <c:ext xmlns:c16="http://schemas.microsoft.com/office/drawing/2014/chart" uri="{C3380CC4-5D6E-409C-BE32-E72D297353CC}">
+                <c16:uniqueId val="{00000001-6C10-4AC1-BEDF-E77D5517C21C}"/>
+              </c:ext>
+            </c:extLst>
+          </c:dPt>
+          <c:dPt>
+            <c:idx val="1"/>
+            <c:invertIfNegative val="0"/>
+            <c:bubble3D val="0"/>
+            <c:spPr>
+              <a:solidFill>
+                <a:schemeClr val="accent6">
+                  <a:lumMod val="60000"/>
+                  <a:lumOff val="40000"/>
+                </a:schemeClr>
+              </a:solidFill>
+              <a:ln>
+                <a:solidFill>
+                  <a:schemeClr val="accent2">
+                    <a:lumMod val="50000"/>
+                  </a:schemeClr>
+                </a:solidFill>
+              </a:ln>
+              <a:effectLst/>
+            </c:spPr>
+            <c:extLst>
+              <c:ext xmlns:c16="http://schemas.microsoft.com/office/drawing/2014/chart" uri="{C3380CC4-5D6E-409C-BE32-E72D297353CC}">
+                <c16:uniqueId val="{00000003-6C10-4AC1-BEDF-E77D5517C21C}"/>
+              </c:ext>
+            </c:extLst>
+          </c:dPt>
+          <c:cat>
+            <c:strRef>
+              <c:f>Sheet1!$G$9:$G$10</c:f>
+              <c:strCache>
+                <c:ptCount val="2"/>
+                <c:pt idx="0">
+                  <c:v>Nee</c:v>
+                </c:pt>
+                <c:pt idx="1">
+                  <c:v>Ja</c:v>
+                </c:pt>
+              </c:strCache>
+            </c:strRef>
+          </c:cat>
+          <c:val>
+            <c:numRef>
+              <c:f>Sheet1!$H$9:$H$10</c:f>
+              <c:numCache>
+                <c:formatCode>0%</c:formatCode>
+                <c:ptCount val="2"/>
+                <c:pt idx="0">
+                  <c:v>0.95</c:v>
+                </c:pt>
+                <c:pt idx="1">
+                  <c:v>0.05</c:v>
+                </c:pt>
+              </c:numCache>
+            </c:numRef>
+          </c:val>
+          <c:extLst>
+            <c:ext xmlns:c16="http://schemas.microsoft.com/office/drawing/2014/chart" uri="{C3380CC4-5D6E-409C-BE32-E72D297353CC}">
+              <c16:uniqueId val="{00000004-6C10-4AC1-BEDF-E77D5517C21C}"/>
+            </c:ext>
+          </c:extLst>
+        </c:ser>
+        <c:dLbls>
+          <c:showLegendKey val="0"/>
+          <c:showVal val="0"/>
+          <c:showCatName val="0"/>
+          <c:showSerName val="0"/>
+          <c:showPercent val="0"/>
+          <c:showBubbleSize val="0"/>
+        </c:dLbls>
+        <c:gapWidth val="35"/>
+        <c:overlap val="-10"/>
+        <c:axId val="817693456"/>
+        <c:axId val="817693096"/>
+      </c:barChart>
+      <c:catAx>
+        <c:axId val="817693456"/>
+        <c:scaling>
+          <c:orientation val="minMax"/>
+        </c:scaling>
+        <c:delete val="0"/>
+        <c:axPos val="b"/>
+        <c:numFmt formatCode="General" sourceLinked="1"/>
+        <c:majorTickMark val="none"/>
+        <c:minorTickMark val="none"/>
+        <c:tickLblPos val="nextTo"/>
+        <c:spPr>
+          <a:noFill/>
+          <a:ln w="9525" cap="flat" cmpd="sng" algn="ctr">
+            <a:solidFill>
+              <a:schemeClr val="tx1">
+                <a:lumMod val="15000"/>
+                <a:lumOff val="85000"/>
+              </a:schemeClr>
+            </a:solidFill>
+            <a:round/>
+          </a:ln>
+          <a:effectLst/>
+        </c:spPr>
+        <c:txPr>
+          <a:bodyPr rot="-60000000" spcFirstLastPara="1" vertOverflow="ellipsis" vert="horz" wrap="square" anchor="ctr" anchorCtr="1"/>
+          <a:lstStyle/>
+          <a:p>
+            <a:pPr>
+              <a:defRPr sz="900" b="0" i="0" u="none" strike="noStrike" kern="1200" baseline="0">
+                <a:solidFill>
+                  <a:schemeClr val="tx1">
+                    <a:lumMod val="65000"/>
+                    <a:lumOff val="35000"/>
+                  </a:schemeClr>
+                </a:solidFill>
+                <a:latin typeface="+mn-lt"/>
+                <a:ea typeface="+mn-ea"/>
+                <a:cs typeface="+mn-cs"/>
+              </a:defRPr>
+            </a:pPr>
+            <a:endParaRPr lang="en-NL"/>
+          </a:p>
+        </c:txPr>
+        <c:crossAx val="817693096"/>
+        <c:crosses val="autoZero"/>
+        <c:auto val="1"/>
+        <c:lblAlgn val="ctr"/>
+        <c:lblOffset val="100"/>
+        <c:noMultiLvlLbl val="0"/>
+      </c:catAx>
+      <c:valAx>
+        <c:axId val="817693096"/>
+        <c:scaling>
+          <c:orientation val="minMax"/>
+        </c:scaling>
+        <c:delete val="0"/>
+        <c:axPos val="l"/>
+        <c:majorGridlines>
+          <c:spPr>
+            <a:ln w="9525" cap="flat" cmpd="sng" algn="ctr">
+              <a:solidFill>
+                <a:schemeClr val="tx1">
+                  <a:lumMod val="15000"/>
+                  <a:lumOff val="85000"/>
+                </a:schemeClr>
+              </a:solidFill>
+              <a:round/>
+            </a:ln>
+            <a:effectLst/>
+          </c:spPr>
+        </c:majorGridlines>
+        <c:numFmt formatCode="0%" sourceLinked="1"/>
+        <c:majorTickMark val="none"/>
+        <c:minorTickMark val="none"/>
+        <c:tickLblPos val="nextTo"/>
+        <c:spPr>
+          <a:noFill/>
+          <a:ln>
+            <a:noFill/>
+          </a:ln>
+          <a:effectLst/>
+        </c:spPr>
+        <c:txPr>
+          <a:bodyPr rot="-60000000" spcFirstLastPara="1" vertOverflow="ellipsis" vert="horz" wrap="square" anchor="ctr" anchorCtr="1"/>
+          <a:lstStyle/>
+          <a:p>
+            <a:pPr>
+              <a:defRPr sz="900" b="0" i="0" u="none" strike="noStrike" kern="1200" baseline="0">
+                <a:solidFill>
+                  <a:schemeClr val="tx1">
+                    <a:lumMod val="65000"/>
+                    <a:lumOff val="35000"/>
+                  </a:schemeClr>
+                </a:solidFill>
+                <a:latin typeface="+mn-lt"/>
+                <a:ea typeface="+mn-ea"/>
+                <a:cs typeface="+mn-cs"/>
+              </a:defRPr>
+            </a:pPr>
+            <a:endParaRPr lang="en-NL"/>
+          </a:p>
+        </c:txPr>
+        <c:crossAx val="817693456"/>
+        <c:crosses val="autoZero"/>
+        <c:crossBetween val="between"/>
+      </c:valAx>
+      <c:spPr>
+        <a:noFill/>
+        <a:ln>
+          <a:noFill/>
+        </a:ln>
+        <a:effectLst/>
+      </c:spPr>
+    </c:plotArea>
+    <c:plotVisOnly val="1"/>
+    <c:dispBlanksAs val="gap"/>
+    <c:extLst>
+      <c:ext xmlns:c16r3="http://schemas.microsoft.com/office/drawing/2017/03/chart" uri="{56B9EC1D-385E-4148-901F-78D8002777C0}">
+        <c16r3:dataDisplayOptions16>
+          <c16r3:dispNaAsBlank val="1"/>
+        </c16r3:dataDisplayOptions16>
+      </c:ext>
+    </c:extLst>
+    <c:showDLblsOverMax val="0"/>
+  </c:chart>
+  <c:spPr>
+    <a:noFill/>
+    <a:ln w="12700">
+      <a:solidFill>
+        <a:schemeClr val="tx1"/>
+      </a:solidFill>
+    </a:ln>
+    <a:effectLst/>
+  </c:spPr>
+  <c:txPr>
+    <a:bodyPr/>
+    <a:lstStyle/>
+    <a:p>
+      <a:pPr>
+        <a:defRPr/>
+      </a:pPr>
+      <a:endParaRPr lang="en-NL"/>
+    </a:p>
+  </c:txPr>
+  <c:externalData r:id="rId3">
+    <c:autoUpdate val="0"/>
+  </c:externalData>
+</c:chartSpace>
+</file>
+
+<file path=ppt/charts/colors1.xml><?xml version="1.0" encoding="utf-8"?>
+<cs:colorStyle xmlns:cs="http://schemas.microsoft.com/office/drawing/2012/chartStyle" xmlns:a="http://schemas.openxmlformats.org/drawingml/2006/main" meth="cycle" id="10">
+  <a:schemeClr val="accent1"/>
+  <a:schemeClr val="accent2"/>
+  <a:schemeClr val="accent3"/>
+  <a:schemeClr val="accent4"/>
+  <a:schemeClr val="accent5"/>
+  <a:schemeClr val="accent6"/>
+  <cs:variation/>
+  <cs:variation>
+    <a:lumMod val="60000"/>
+  </cs:variation>
+  <cs:variation>
+    <a:lumMod val="80000"/>
+    <a:lumOff val="20000"/>
+  </cs:variation>
+  <cs:variation>
+    <a:lumMod val="80000"/>
+  </cs:variation>
+  <cs:variation>
+    <a:lumMod val="60000"/>
+    <a:lumOff val="40000"/>
+  </cs:variation>
+  <cs:variation>
+    <a:lumMod val="50000"/>
+  </cs:variation>
+  <cs:variation>
+    <a:lumMod val="70000"/>
+    <a:lumOff val="30000"/>
+  </cs:variation>
+  <cs:variation>
+    <a:lumMod val="70000"/>
+  </cs:variation>
+  <cs:variation>
+    <a:lumMod val="50000"/>
+    <a:lumOff val="50000"/>
+  </cs:variation>
+</cs:colorStyle>
+</file>
+
+<file path=ppt/charts/style1.xml><?xml version="1.0" encoding="utf-8"?>
+<cs:chartStyle xmlns:cs="http://schemas.microsoft.com/office/drawing/2012/chartStyle" xmlns:a="http://schemas.openxmlformats.org/drawingml/2006/main" id="201">
+  <cs:axisTitle>
+    <cs:lnRef idx="0"/>
+    <cs:fillRef idx="0"/>
+    <cs:effectRef idx="0"/>
+    <cs:fontRef idx="minor">
+      <a:schemeClr val="tx1">
+        <a:lumMod val="65000"/>
+        <a:lumOff val="35000"/>
+      </a:schemeClr>
+    </cs:fontRef>
+    <cs:defRPr sz="1000" kern="1200"/>
+  </cs:axisTitle>
+  <cs:categoryAxis>
+    <cs:lnRef idx="0"/>
+    <cs:fillRef idx="0"/>
+    <cs:effectRef idx="0"/>
+    <cs:fontRef idx="minor">
+      <a:schemeClr val="tx1">
+        <a:lumMod val="65000"/>
+        <a:lumOff val="35000"/>
+      </a:schemeClr>
+    </cs:fontRef>
+    <cs:spPr>
+      <a:ln w="9525" cap="flat" cmpd="sng" algn="ctr">
+        <a:solidFill>
+          <a:schemeClr val="tx1">
+            <a:lumMod val="15000"/>
+            <a:lumOff val="85000"/>
+          </a:schemeClr>
+        </a:solidFill>
+        <a:round/>
+      </a:ln>
+    </cs:spPr>
+    <cs:defRPr sz="900" kern="1200"/>
+  </cs:categoryAxis>
+  <cs:chartArea mods="allowNoFillOverride allowNoLineOverride">
+    <cs:lnRef idx="0"/>
+    <cs:fillRef idx="0"/>
+    <cs:effectRef idx="0"/>
+    <cs:fontRef idx="minor">
+      <a:schemeClr val="tx1"/>
+    </cs:fontRef>
+    <cs:spPr>
+      <a:solidFill>
+        <a:schemeClr val="bg1"/>
+      </a:solidFill>
+      <a:ln w="9525" cap="flat" cmpd="sng" algn="ctr">
+        <a:solidFill>
+          <a:schemeClr val="tx1">
+            <a:lumMod val="15000"/>
+            <a:lumOff val="85000"/>
+          </a:schemeClr>
+        </a:solidFill>
+        <a:round/>
+      </a:ln>
+    </cs:spPr>
+    <cs:defRPr sz="1000" kern="1200"/>
+  </cs:chartArea>
+  <cs:dataLabel>
+    <cs:lnRef idx="0"/>
+    <cs:fillRef idx="0"/>
+    <cs:effectRef idx="0"/>
+    <cs:fontRef idx="minor">
+      <a:schemeClr val="tx1">
+        <a:lumMod val="75000"/>
+        <a:lumOff val="25000"/>
+      </a:schemeClr>
+    </cs:fontRef>
+    <cs:defRPr sz="900" kern="1200"/>
+  </cs:dataLabel>
+  <cs:dataLabelCallout>
+    <cs:lnRef idx="0"/>
+    <cs:fillRef idx="0"/>
+    <cs:effectRef idx="0"/>
+    <cs:fontRef idx="minor">
+      <a:schemeClr val="dk1">
+        <a:lumMod val="65000"/>
+        <a:lumOff val="35000"/>
+      </a:schemeClr>
+    </cs:fontRef>
+    <cs:spPr>
+      <a:solidFill>
+        <a:schemeClr val="lt1"/>
+      </a:solidFill>
+      <a:ln>
+        <a:solidFill>
+          <a:schemeClr val="dk1">
+            <a:lumMod val="25000"/>
+            <a:lumOff val="75000"/>
+          </a:schemeClr>
+        </a:solidFill>
+      </a:ln>
+    </cs:spPr>
+    <cs:defRPr sz="900" kern="1200"/>
+    <cs:bodyPr rot="0" spcFirstLastPara="1" vertOverflow="clip" horzOverflow="clip" vert="horz" wrap="square" lIns="36576" tIns="18288" rIns="36576" bIns="18288" anchor="ctr" anchorCtr="1">
+      <a:spAutoFit/>
+    </cs:bodyPr>
+  </cs:dataLabelCallout>
+  <cs:dataPoint>
+    <cs:lnRef idx="0"/>
+    <cs:fillRef idx="1">
+      <cs:styleClr val="auto"/>
+    </cs:fillRef>
+    <cs:effectRef idx="0"/>
+    <cs:fontRef idx="minor">
+      <a:schemeClr val="tx1"/>
+    </cs:fontRef>
+  </cs:dataPoint>
+  <cs:dataPoint3D>
+    <cs:lnRef idx="0"/>
+    <cs:fillRef idx="1">
+      <cs:styleClr val="auto"/>
+    </cs:fillRef>
+    <cs:effectRef idx="0"/>
+    <cs:fontRef idx="minor">
+      <a:schemeClr val="tx1"/>
+    </cs:fontRef>
+  </cs:dataPoint3D>
+  <cs:dataPointLine>
+    <cs:lnRef idx="0">
+      <cs:styleClr val="auto"/>
+    </cs:lnRef>
+    <cs:fillRef idx="1"/>
+    <cs:effectRef idx="0"/>
+    <cs:fontRef idx="minor">
+      <a:schemeClr val="tx1"/>
+    </cs:fontRef>
+    <cs:spPr>
+      <a:ln w="28575" cap="rnd">
+        <a:solidFill>
+          <a:schemeClr val="phClr"/>
+        </a:solidFill>
+        <a:round/>
+      </a:ln>
+    </cs:spPr>
+  </cs:dataPointLine>
+  <cs:dataPointMarker>
+    <cs:lnRef idx="0">
+      <cs:styleClr val="auto"/>
+    </cs:lnRef>
+    <cs:fillRef idx="1">
+      <cs:styleClr val="auto"/>
+    </cs:fillRef>
+    <cs:effectRef idx="0"/>
+    <cs:fontRef idx="minor">
+      <a:schemeClr val="tx1"/>
+    </cs:fontRef>
+    <cs:spPr>
+      <a:ln w="9525">
+        <a:solidFill>
+          <a:schemeClr val="phClr"/>
+        </a:solidFill>
+      </a:ln>
+    </cs:spPr>
+  </cs:dataPointMarker>
+  <cs:dataPointMarkerLayout symbol="circle" size="5"/>
+  <cs:dataPointWireframe>
+    <cs:lnRef idx="0">
+      <cs:styleClr val="auto"/>
+    </cs:lnRef>
+    <cs:fillRef idx="1"/>
+    <cs:effectRef idx="0"/>
+    <cs:fontRef idx="minor">
+      <a:schemeClr val="tx1"/>
+    </cs:fontRef>
+    <cs:spPr>
+      <a:ln w="9525" cap="rnd">
+        <a:solidFill>
+          <a:schemeClr val="phClr"/>
+        </a:solidFill>
+        <a:round/>
+      </a:ln>
+    </cs:spPr>
+  </cs:dataPointWireframe>
+  <cs:dataTable>
+    <cs:lnRef idx="0"/>
+    <cs:fillRef idx="0"/>
+    <cs:effectRef idx="0"/>
+    <cs:fontRef idx="minor">
+      <a:schemeClr val="tx1">
+        <a:lumMod val="65000"/>
+        <a:lumOff val="35000"/>
+      </a:schemeClr>
+    </cs:fontRef>
+    <cs:spPr>
+      <a:noFill/>
+      <a:ln w="9525" cap="flat" cmpd="sng" algn="ctr">
+        <a:solidFill>
+          <a:schemeClr val="tx1">
+            <a:lumMod val="15000"/>
+            <a:lumOff val="85000"/>
+          </a:schemeClr>
+        </a:solidFill>
+        <a:round/>
+      </a:ln>
+    </cs:spPr>
+    <cs:defRPr sz="900" kern="1200"/>
+  </cs:dataTable>
+  <cs:downBar>
+    <cs:lnRef idx="0"/>
+    <cs:fillRef idx="0"/>
+    <cs:effectRef idx="0"/>
+    <cs:fontRef idx="minor">
+      <a:schemeClr val="dk1"/>
+    </cs:fontRef>
+    <cs:spPr>
+      <a:solidFill>
+        <a:schemeClr val="dk1">
+          <a:lumMod val="65000"/>
+          <a:lumOff val="35000"/>
+        </a:schemeClr>
+      </a:solidFill>
+      <a:ln w="9525">
+        <a:solidFill>
+          <a:schemeClr val="tx1">
+            <a:lumMod val="65000"/>
+            <a:lumOff val="35000"/>
+          </a:schemeClr>
+        </a:solidFill>
+      </a:ln>
+    </cs:spPr>
+  </cs:downBar>
+  <cs:dropLine>
+    <cs:lnRef idx="0"/>
+    <cs:fillRef idx="0"/>
+    <cs:effectRef idx="0"/>
+    <cs:fontRef idx="minor">
+      <a:schemeClr val="tx1"/>
+    </cs:fontRef>
+    <cs:spPr>
+      <a:ln w="9525" cap="flat" cmpd="sng" algn="ctr">
+        <a:solidFill>
+          <a:schemeClr val="tx1">
+            <a:lumMod val="35000"/>
+            <a:lumOff val="65000"/>
+          </a:schemeClr>
+        </a:solidFill>
+        <a:round/>
+      </a:ln>
+    </cs:spPr>
+  </cs:dropLine>
+  <cs:errorBar>
+    <cs:lnRef idx="0"/>
+    <cs:fillRef idx="0"/>
+    <cs:effectRef idx="0"/>
+    <cs:fontRef idx="minor">
+      <a:schemeClr val="tx1"/>
+    </cs:fontRef>
+    <cs:spPr>
+      <a:ln w="9525" cap="flat" cmpd="sng" algn="ctr">
+        <a:solidFill>
+          <a:schemeClr val="tx1">
+            <a:lumMod val="65000"/>
+            <a:lumOff val="35000"/>
+          </a:schemeClr>
+        </a:solidFill>
+        <a:round/>
+      </a:ln>
+    </cs:spPr>
+  </cs:errorBar>
+  <cs:floor>
+    <cs:lnRef idx="0"/>
+    <cs:fillRef idx="0"/>
+    <cs:effectRef idx="0"/>
+    <cs:fontRef idx="minor">
+      <a:schemeClr val="tx1"/>
+    </cs:fontRef>
+    <cs:spPr>
+      <a:noFill/>
+      <a:ln>
+        <a:noFill/>
+      </a:ln>
+    </cs:spPr>
+  </cs:floor>
+  <cs:gridlineMajor>
+    <cs:lnRef idx="0"/>
+    <cs:fillRef idx="0"/>
+    <cs:effectRef idx="0"/>
+    <cs:fontRef idx="minor">
+      <a:schemeClr val="tx1"/>
+    </cs:fontRef>
+    <cs:spPr>
+      <a:ln w="9525" cap="flat" cmpd="sng" algn="ctr">
+        <a:solidFill>
+          <a:schemeClr val="tx1">
+            <a:lumMod val="15000"/>
+            <a:lumOff val="85000"/>
+          </a:schemeClr>
+        </a:solidFill>
+        <a:round/>
+      </a:ln>
+    </cs:spPr>
+  </cs:gridlineMajor>
+  <cs:gridlineMinor>
+    <cs:lnRef idx="0"/>
+    <cs:fillRef idx="0"/>
+    <cs:effectRef idx="0"/>
+    <cs:fontRef idx="minor">
+      <a:schemeClr val="tx1"/>
+    </cs:fontRef>
+    <cs:spPr>
+      <a:ln w="9525" cap="flat" cmpd="sng" algn="ctr">
+        <a:solidFill>
+          <a:schemeClr val="tx1">
+            <a:lumMod val="5000"/>
+            <a:lumOff val="95000"/>
+          </a:schemeClr>
+        </a:solidFill>
+        <a:round/>
+      </a:ln>
+    </cs:spPr>
+  </cs:gridlineMinor>
+  <cs:hiLoLine>
+    <cs:lnRef idx="0"/>
+    <cs:fillRef idx="0"/>
+    <cs:effectRef idx="0"/>
+    <cs:fontRef idx="minor">
+      <a:schemeClr val="tx1"/>
+    </cs:fontRef>
+    <cs:spPr>
+      <a:ln w="9525" cap="flat" cmpd="sng" algn="ctr">
+        <a:solidFill>
+          <a:schemeClr val="tx1">
+            <a:lumMod val="75000"/>
+            <a:lumOff val="25000"/>
+          </a:schemeClr>
+        </a:solidFill>
+        <a:round/>
+      </a:ln>
+    </cs:spPr>
+  </cs:hiLoLine>
+  <cs:leaderLine>
+    <cs:lnRef idx="0"/>
+    <cs:fillRef idx="0"/>
+    <cs:effectRef idx="0"/>
+    <cs:fontRef idx="minor">
+      <a:schemeClr val="tx1"/>
+    </cs:fontRef>
+    <cs:spPr>
+      <a:ln w="9525" cap="flat" cmpd="sng" algn="ctr">
+        <a:solidFill>
+          <a:schemeClr val="tx1">
+            <a:lumMod val="35000"/>
+            <a:lumOff val="65000"/>
+          </a:schemeClr>
+        </a:solidFill>
+        <a:round/>
+      </a:ln>
+    </cs:spPr>
+  </cs:leaderLine>
+  <cs:legend>
+    <cs:lnRef idx="0"/>
+    <cs:fillRef idx="0"/>
+    <cs:effectRef idx="0"/>
+    <cs:fontRef idx="minor">
+      <a:schemeClr val="tx1">
+        <a:lumMod val="65000"/>
+        <a:lumOff val="35000"/>
+      </a:schemeClr>
+    </cs:fontRef>
+    <cs:defRPr sz="900" kern="1200"/>
+  </cs:legend>
+  <cs:plotArea mods="allowNoFillOverride allowNoLineOverride">
+    <cs:lnRef idx="0"/>
+    <cs:fillRef idx="0"/>
+    <cs:effectRef idx="0"/>
+    <cs:fontRef idx="minor">
+      <a:schemeClr val="tx1"/>
+    </cs:fontRef>
+  </cs:plotArea>
+  <cs:plotArea3D mods="allowNoFillOverride allowNoLineOverride">
+    <cs:lnRef idx="0"/>
+    <cs:fillRef idx="0"/>
+    <cs:effectRef idx="0"/>
+    <cs:fontRef idx="minor">
+      <a:schemeClr val="tx1"/>
+    </cs:fontRef>
+  </cs:plotArea3D>
+  <cs:seriesAxis>
+    <cs:lnRef idx="0"/>
+    <cs:fillRef idx="0"/>
+    <cs:effectRef idx="0"/>
+    <cs:fontRef idx="minor">
+      <a:schemeClr val="tx1">
+        <a:lumMod val="65000"/>
+        <a:lumOff val="35000"/>
+      </a:schemeClr>
+    </cs:fontRef>
+    <cs:defRPr sz="900" kern="1200"/>
+  </cs:seriesAxis>
+  <cs:seriesLine>
+    <cs:lnRef idx="0"/>
+    <cs:fillRef idx="0"/>
+    <cs:effectRef idx="0"/>
+    <cs:fontRef idx="minor">
+      <a:schemeClr val="tx1"/>
+    </cs:fontRef>
+    <cs:spPr>
+      <a:ln w="9525" cap="flat" cmpd="sng" algn="ctr">
+        <a:solidFill>
+          <a:schemeClr val="tx1">
+            <a:lumMod val="35000"/>
+            <a:lumOff val="65000"/>
+          </a:schemeClr>
+        </a:solidFill>
+        <a:round/>
+      </a:ln>
+    </cs:spPr>
+  </cs:seriesLine>
+  <cs:title>
+    <cs:lnRef idx="0"/>
+    <cs:fillRef idx="0"/>
+    <cs:effectRef idx="0"/>
+    <cs:fontRef idx="minor">
+      <a:schemeClr val="tx1">
+        <a:lumMod val="65000"/>
+        <a:lumOff val="35000"/>
+      </a:schemeClr>
+    </cs:fontRef>
+    <cs:defRPr sz="1400" b="0" kern="1200" spc="0" baseline="0"/>
+  </cs:title>
+  <cs:trendline>
+    <cs:lnRef idx="0">
+      <cs:styleClr val="auto"/>
+    </cs:lnRef>
+    <cs:fillRef idx="0"/>
+    <cs:effectRef idx="0"/>
+    <cs:fontRef idx="minor">
+      <a:schemeClr val="tx1"/>
+    </cs:fontRef>
+    <cs:spPr>
+      <a:ln w="19050" cap="rnd">
+        <a:solidFill>
+          <a:schemeClr val="phClr"/>
+        </a:solidFill>
+        <a:prstDash val="sysDot"/>
+      </a:ln>
+    </cs:spPr>
+  </cs:trendline>
+  <cs:trendlineLabel>
+    <cs:lnRef idx="0"/>
+    <cs:fillRef idx="0"/>
+    <cs:effectRef idx="0"/>
+    <cs:fontRef idx="minor">
+      <a:schemeClr val="tx1">
+        <a:lumMod val="65000"/>
+        <a:lumOff val="35000"/>
+      </a:schemeClr>
+    </cs:fontRef>
+    <cs:defRPr sz="900" kern="1200"/>
+  </cs:trendlineLabel>
+  <cs:upBar>
+    <cs:lnRef idx="0"/>
+    <cs:fillRef idx="0"/>
+    <cs:effectRef idx="0"/>
+    <cs:fontRef idx="minor">
+      <a:schemeClr val="dk1"/>
+    </cs:fontRef>
+    <cs:spPr>
+      <a:solidFill>
+        <a:schemeClr val="lt1"/>
+      </a:solidFill>
+      <a:ln w="9525">
+        <a:solidFill>
+          <a:schemeClr val="tx1">
+            <a:lumMod val="15000"/>
+            <a:lumOff val="85000"/>
+          </a:schemeClr>
+        </a:solidFill>
+      </a:ln>
+    </cs:spPr>
+  </cs:upBar>
+  <cs:valueAxis>
+    <cs:lnRef idx="0"/>
+    <cs:fillRef idx="0"/>
+    <cs:effectRef idx="0"/>
+    <cs:fontRef idx="minor">
+      <a:schemeClr val="tx1">
+        <a:lumMod val="65000"/>
+        <a:lumOff val="35000"/>
+      </a:schemeClr>
+    </cs:fontRef>
+    <cs:defRPr sz="900" kern="1200"/>
+  </cs:valueAxis>
+  <cs:wall>
+    <cs:lnRef idx="0"/>
+    <cs:fillRef idx="0"/>
+    <cs:effectRef idx="0"/>
+    <cs:fontRef idx="minor">
+      <a:schemeClr val="tx1"/>
+    </cs:fontRef>
+    <cs:spPr>
+      <a:noFill/>
+      <a:ln>
+        <a:noFill/>
+      </a:ln>
+    </cs:spPr>
+  </cs:wall>
+</cs:chartStyle>
+</file>
+
 <file path=ppt/slideLayouts/slideLayout1.xml><?xml version="1.0" encoding="utf-8"?>
 <p:sldLayout xmlns:a="http://schemas.openxmlformats.org/drawingml/2006/main" xmlns:r="http://schemas.openxmlformats.org/officeDocument/2006/relationships" xmlns:p="http://schemas.openxmlformats.org/presentationml/2006/main" type="title" preserve="1">
   <p:cSld name="Title Slide">
@@ -303,7 +1203,7 @@
           <a:p>
             <a:fld id="{5E9D55AD-DA6B-4A9D-BFE6-D0A1673E6EA9}" type="datetimeFigureOut">
               <a:rPr lang="en-NL" smtClean="0"/>
-              <a:t>18/04/2023</a:t>
+              <a:t>19/04/2023</a:t>
             </a:fld>
             <a:endParaRPr lang="en-NL"/>
           </a:p>
@@ -503,7 +1403,7 @@
           <a:p>
             <a:fld id="{5E9D55AD-DA6B-4A9D-BFE6-D0A1673E6EA9}" type="datetimeFigureOut">
               <a:rPr lang="en-NL" smtClean="0"/>
-              <a:t>18/04/2023</a:t>
+              <a:t>19/04/2023</a:t>
             </a:fld>
             <a:endParaRPr lang="en-NL"/>
           </a:p>
@@ -713,7 +1613,7 @@
           <a:p>
             <a:fld id="{5E9D55AD-DA6B-4A9D-BFE6-D0A1673E6EA9}" type="datetimeFigureOut">
               <a:rPr lang="en-NL" smtClean="0"/>
-              <a:t>18/04/2023</a:t>
+              <a:t>19/04/2023</a:t>
             </a:fld>
             <a:endParaRPr lang="en-NL"/>
           </a:p>
@@ -913,7 +1813,7 @@
           <a:p>
             <a:fld id="{5E9D55AD-DA6B-4A9D-BFE6-D0A1673E6EA9}" type="datetimeFigureOut">
               <a:rPr lang="en-NL" smtClean="0"/>
-              <a:t>18/04/2023</a:t>
+              <a:t>19/04/2023</a:t>
             </a:fld>
             <a:endParaRPr lang="en-NL"/>
           </a:p>
@@ -1189,7 +2089,7 @@
           <a:p>
             <a:fld id="{5E9D55AD-DA6B-4A9D-BFE6-D0A1673E6EA9}" type="datetimeFigureOut">
               <a:rPr lang="en-NL" smtClean="0"/>
-              <a:t>18/04/2023</a:t>
+              <a:t>19/04/2023</a:t>
             </a:fld>
             <a:endParaRPr lang="en-NL"/>
           </a:p>
@@ -1457,7 +2357,7 @@
           <a:p>
             <a:fld id="{5E9D55AD-DA6B-4A9D-BFE6-D0A1673E6EA9}" type="datetimeFigureOut">
               <a:rPr lang="en-NL" smtClean="0"/>
-              <a:t>18/04/2023</a:t>
+              <a:t>19/04/2023</a:t>
             </a:fld>
             <a:endParaRPr lang="en-NL"/>
           </a:p>
@@ -1872,7 +2772,7 @@
           <a:p>
             <a:fld id="{5E9D55AD-DA6B-4A9D-BFE6-D0A1673E6EA9}" type="datetimeFigureOut">
               <a:rPr lang="en-NL" smtClean="0"/>
-              <a:t>18/04/2023</a:t>
+              <a:t>19/04/2023</a:t>
             </a:fld>
             <a:endParaRPr lang="en-NL"/>
           </a:p>
@@ -2014,7 +2914,7 @@
           <a:p>
             <a:fld id="{5E9D55AD-DA6B-4A9D-BFE6-D0A1673E6EA9}" type="datetimeFigureOut">
               <a:rPr lang="en-NL" smtClean="0"/>
-              <a:t>18/04/2023</a:t>
+              <a:t>19/04/2023</a:t>
             </a:fld>
             <a:endParaRPr lang="en-NL"/>
           </a:p>
@@ -2127,7 +3027,7 @@
           <a:p>
             <a:fld id="{5E9D55AD-DA6B-4A9D-BFE6-D0A1673E6EA9}" type="datetimeFigureOut">
               <a:rPr lang="en-NL" smtClean="0"/>
-              <a:t>18/04/2023</a:t>
+              <a:t>19/04/2023</a:t>
             </a:fld>
             <a:endParaRPr lang="en-NL"/>
           </a:p>
@@ -2440,7 +3340,7 @@
           <a:p>
             <a:fld id="{5E9D55AD-DA6B-4A9D-BFE6-D0A1673E6EA9}" type="datetimeFigureOut">
               <a:rPr lang="en-NL" smtClean="0"/>
-              <a:t>18/04/2023</a:t>
+              <a:t>19/04/2023</a:t>
             </a:fld>
             <a:endParaRPr lang="en-NL"/>
           </a:p>
@@ -2729,7 +3629,7 @@
           <a:p>
             <a:fld id="{5E9D55AD-DA6B-4A9D-BFE6-D0A1673E6EA9}" type="datetimeFigureOut">
               <a:rPr lang="en-NL" smtClean="0"/>
-              <a:t>18/04/2023</a:t>
+              <a:t>19/04/2023</a:t>
             </a:fld>
             <a:endParaRPr lang="en-NL"/>
           </a:p>
@@ -2972,7 +3872,7 @@
           <a:p>
             <a:fld id="{5E9D55AD-DA6B-4A9D-BFE6-D0A1673E6EA9}" type="datetimeFigureOut">
               <a:rPr lang="en-NL" smtClean="0"/>
-              <a:t>18/04/2023</a:t>
+              <a:t>19/04/2023</a:t>
             </a:fld>
             <a:endParaRPr lang="en-NL"/>
           </a:p>
@@ -4540,8 +5440,8 @@
         </p:nvSpPr>
         <p:spPr>
           <a:xfrm>
-            <a:off x="838200" y="365126"/>
-            <a:ext cx="10515600" cy="718608"/>
+            <a:off x="990600" y="365126"/>
+            <a:ext cx="4441205" cy="718608"/>
           </a:xfrm>
         </p:spPr>
         <p:txBody>
@@ -4550,25 +5450,10 @@
           </a:bodyPr>
           <a:lstStyle/>
           <a:p>
+            <a:pPr algn="ctr"/>
             <a:r>
               <a:rPr lang="nl-NL" sz="3600" noProof="0" dirty="0" err="1"/>
               <a:t>Stateless</a:t>
-            </a:r>
-            <a:r>
-              <a:rPr lang="nl-NL" sz="3600" noProof="0" dirty="0"/>
-              <a:t> </a:t>
-            </a:r>
-            <a:r>
-              <a:rPr lang="nl-NL" sz="3600" noProof="0" dirty="0" err="1"/>
-              <a:t>vs</a:t>
-            </a:r>
-            <a:r>
-              <a:rPr lang="nl-NL" sz="3600" noProof="0" dirty="0"/>
-              <a:t> </a:t>
-            </a:r>
-            <a:r>
-              <a:rPr lang="nl-NL" sz="3600" noProof="0" dirty="0" err="1"/>
-              <a:t>Stateful</a:t>
             </a:r>
             <a:endParaRPr lang="nl-NL" sz="3600" noProof="0" dirty="0"/>
           </a:p>
@@ -4937,8 +5822,8 @@
         </p:nvSpPr>
         <p:spPr>
           <a:xfrm>
-            <a:off x="990601" y="1608667"/>
-            <a:ext cx="4714163" cy="4720696"/>
+            <a:off x="990602" y="1608667"/>
+            <a:ext cx="4441205" cy="4720696"/>
           </a:xfrm>
           <a:prstGeom prst="rect">
             <a:avLst/>
@@ -5236,6 +6121,117 @@
           </a:fontRef>
         </p:style>
       </p:cxnSp>
+      <p:sp>
+        <p:nvSpPr>
+          <p:cNvPr id="3" name="Title 1">
+            <a:extLst>
+              <a:ext uri="{FF2B5EF4-FFF2-40B4-BE49-F238E27FC236}">
+                <a16:creationId xmlns:a16="http://schemas.microsoft.com/office/drawing/2014/main" id="{E7DBDF13-98F2-0B6C-3AF3-FE0724A380AB}"/>
+              </a:ext>
+            </a:extLst>
+          </p:cNvPr>
+          <p:cNvSpPr txBox="1">
+            <a:spLocks/>
+          </p:cNvSpPr>
+          <p:nvPr/>
+        </p:nvSpPr>
+        <p:spPr>
+          <a:xfrm>
+            <a:off x="6487238" y="310244"/>
+            <a:ext cx="5099366" cy="718608"/>
+          </a:xfrm>
+          <a:prstGeom prst="rect">
+            <a:avLst/>
+          </a:prstGeom>
+        </p:spPr>
+        <p:txBody>
+          <a:bodyPr vert="horz" lIns="91440" tIns="45720" rIns="91440" bIns="45720" rtlCol="0" anchor="ctr">
+            <a:normAutofit/>
+          </a:bodyPr>
+          <a:lstStyle>
+            <a:lvl1pPr algn="l" defTabSz="914400" rtl="0" eaLnBrk="1" latinLnBrk="0" hangingPunct="1">
+              <a:lnSpc>
+                <a:spcPct val="90000"/>
+              </a:lnSpc>
+              <a:spcBef>
+                <a:spcPct val="0"/>
+              </a:spcBef>
+              <a:buNone/>
+              <a:defRPr sz="4400" kern="1200">
+                <a:solidFill>
+                  <a:schemeClr val="tx1"/>
+                </a:solidFill>
+                <a:latin typeface="+mj-lt"/>
+                <a:ea typeface="+mj-ea"/>
+                <a:cs typeface="+mj-cs"/>
+              </a:defRPr>
+            </a:lvl1pPr>
+          </a:lstStyle>
+          <a:p>
+            <a:pPr algn="ctr"/>
+            <a:r>
+              <a:rPr lang="nl-NL" sz="3600" dirty="0" err="1"/>
+              <a:t>Stateful</a:t>
+            </a:r>
+            <a:endParaRPr lang="nl-NL" sz="3600" dirty="0"/>
+          </a:p>
+        </p:txBody>
+      </p:sp>
+      <p:sp>
+        <p:nvSpPr>
+          <p:cNvPr id="6" name="Title 1">
+            <a:extLst>
+              <a:ext uri="{FF2B5EF4-FFF2-40B4-BE49-F238E27FC236}">
+                <a16:creationId xmlns:a16="http://schemas.microsoft.com/office/drawing/2014/main" id="{8A4045B1-FECD-B0E8-DB41-04BC29D142B0}"/>
+              </a:ext>
+            </a:extLst>
+          </p:cNvPr>
+          <p:cNvSpPr txBox="1">
+            <a:spLocks/>
+          </p:cNvSpPr>
+          <p:nvPr/>
+        </p:nvSpPr>
+        <p:spPr>
+          <a:xfrm>
+            <a:off x="5614348" y="311256"/>
+            <a:ext cx="617561" cy="718608"/>
+          </a:xfrm>
+          <a:prstGeom prst="rect">
+            <a:avLst/>
+          </a:prstGeom>
+        </p:spPr>
+        <p:txBody>
+          <a:bodyPr vert="horz" lIns="91440" tIns="45720" rIns="91440" bIns="45720" rtlCol="0" anchor="ctr">
+            <a:normAutofit/>
+          </a:bodyPr>
+          <a:lstStyle>
+            <a:lvl1pPr algn="l" defTabSz="914400" rtl="0" eaLnBrk="1" latinLnBrk="0" hangingPunct="1">
+              <a:lnSpc>
+                <a:spcPct val="90000"/>
+              </a:lnSpc>
+              <a:spcBef>
+                <a:spcPct val="0"/>
+              </a:spcBef>
+              <a:buNone/>
+              <a:defRPr sz="4400" kern="1200">
+                <a:solidFill>
+                  <a:schemeClr val="tx1"/>
+                </a:solidFill>
+                <a:latin typeface="+mj-lt"/>
+                <a:ea typeface="+mj-ea"/>
+                <a:cs typeface="+mj-cs"/>
+              </a:defRPr>
+            </a:lvl1pPr>
+          </a:lstStyle>
+          <a:p>
+            <a:r>
+              <a:rPr lang="nl-NL" sz="3600" dirty="0" err="1"/>
+              <a:t>vs</a:t>
+            </a:r>
+            <a:endParaRPr lang="nl-NL" sz="3600" dirty="0"/>
+          </a:p>
+        </p:txBody>
+      </p:sp>
     </p:spTree>
     <p:extLst>
       <p:ext uri="{BB962C8B-B14F-4D97-AF65-F5344CB8AC3E}">
@@ -5296,7 +6292,7 @@
           <a:p>
             <a:r>
               <a:rPr lang="nl-NL" sz="3600" noProof="0" dirty="0"/>
-              <a:t>Preparatie in </a:t>
+              <a:t>Transformaties in </a:t>
             </a:r>
             <a:r>
               <a:rPr lang="nl-NL" sz="3600" noProof="0" dirty="0" err="1"/>
@@ -5531,13 +6527,13 @@
           <a:p>
             <a:pPr algn="ctr"/>
             <a:r>
-              <a:rPr lang="en-US" dirty="0">
+              <a:rPr lang="en-US" b="1" dirty="0">
                 <a:latin typeface="Courier New" panose="02070309020205020404" pitchFamily="49" charset="0"/>
                 <a:cs typeface="Courier New" panose="02070309020205020404" pitchFamily="49" charset="0"/>
               </a:rPr>
               <a:t>mean = 3.5</a:t>
             </a:r>
-            <a:endParaRPr lang="en-NL" dirty="0">
+            <a:endParaRPr lang="en-NL" b="1" dirty="0">
               <a:latin typeface="Courier New" panose="02070309020205020404" pitchFamily="49" charset="0"/>
               <a:cs typeface="Courier New" panose="02070309020205020404" pitchFamily="49" charset="0"/>
             </a:endParaRPr>
@@ -5673,7 +6669,7 @@
           <a:p>
             <a:r>
               <a:rPr lang="nl-NL" sz="3600" noProof="0" dirty="0"/>
-              <a:t>Preparatie in </a:t>
+              <a:t>Transformaties in </a:t>
             </a:r>
             <a:r>
               <a:rPr lang="nl-NL" sz="3600" noProof="0" dirty="0" err="1"/>
@@ -5994,13 +6990,13 @@
           <a:p>
             <a:pPr algn="ctr"/>
             <a:r>
-              <a:rPr lang="en-US" dirty="0">
+              <a:rPr lang="en-US" b="1" dirty="0">
                 <a:latin typeface="Courier New" panose="02070309020205020404" pitchFamily="49" charset="0"/>
                 <a:cs typeface="Courier New" panose="02070309020205020404" pitchFamily="49" charset="0"/>
               </a:rPr>
               <a:t>mean = 3.5</a:t>
             </a:r>
-            <a:endParaRPr lang="en-NL" dirty="0">
+            <a:endParaRPr lang="en-NL" b="1" dirty="0">
               <a:latin typeface="Courier New" panose="02070309020205020404" pitchFamily="49" charset="0"/>
               <a:cs typeface="Courier New" panose="02070309020205020404" pitchFamily="49" charset="0"/>
             </a:endParaRPr>
@@ -6289,7 +7285,7 @@
           <a:p>
             <a:r>
               <a:rPr lang="nl-NL" sz="3600" noProof="0" dirty="0"/>
-              <a:t>Preparatie in </a:t>
+              <a:t>Transformaties in </a:t>
             </a:r>
             <a:r>
               <a:rPr lang="nl-NL" sz="3600" noProof="0" dirty="0" err="1"/>
@@ -6657,13 +7653,13 @@
           <a:p>
             <a:pPr algn="ctr"/>
             <a:r>
-              <a:rPr lang="en-US" dirty="0">
+              <a:rPr lang="en-US" b="1" dirty="0">
                 <a:latin typeface="Courier New" panose="02070309020205020404" pitchFamily="49" charset="0"/>
                 <a:cs typeface="Courier New" panose="02070309020205020404" pitchFamily="49" charset="0"/>
               </a:rPr>
               <a:t>mean = 3.5</a:t>
             </a:r>
-            <a:endParaRPr lang="en-NL" dirty="0">
+            <a:endParaRPr lang="en-NL" b="1" dirty="0">
               <a:latin typeface="Courier New" panose="02070309020205020404" pitchFamily="49" charset="0"/>
               <a:cs typeface="Courier New" panose="02070309020205020404" pitchFamily="49" charset="0"/>
             </a:endParaRPr>
@@ -7346,9 +8342,19 @@
             </a:endParaRPr>
           </a:p>
           <a:p>
-            <a:pPr marL="0" indent="0">
-              <a:buNone/>
-            </a:pPr>
+            <a:r>
+              <a:rPr lang="nl-NL" dirty="0" err="1">
+                <a:latin typeface="Courier New" panose="02070309020205020404" pitchFamily="49" charset="0"/>
+                <a:cs typeface="Courier New" panose="02070309020205020404" pitchFamily="49" charset="0"/>
+              </a:rPr>
+              <a:t>OrdinalEncoder</a:t>
+            </a:r>
+            <a:endParaRPr lang="nl-NL" dirty="0">
+              <a:latin typeface="Courier New" panose="02070309020205020404" pitchFamily="49" charset="0"/>
+              <a:cs typeface="Courier New" panose="02070309020205020404" pitchFamily="49" charset="0"/>
+            </a:endParaRPr>
+          </a:p>
+          <a:p>
             <a:r>
               <a:rPr lang="nl-NL" sz="1800" dirty="0" err="1">
                 <a:latin typeface="Courier New" panose="02070309020205020404" pitchFamily="49" charset="0"/>
@@ -7357,19 +8363,6 @@
               <a:t>LabelEncoder</a:t>
             </a:r>
             <a:endParaRPr lang="nl-NL" sz="1800" dirty="0">
-              <a:latin typeface="Courier New" panose="02070309020205020404" pitchFamily="49" charset="0"/>
-              <a:cs typeface="Courier New" panose="02070309020205020404" pitchFamily="49" charset="0"/>
-            </a:endParaRPr>
-          </a:p>
-          <a:p>
-            <a:r>
-              <a:rPr lang="nl-NL" dirty="0" err="1">
-                <a:latin typeface="Courier New" panose="02070309020205020404" pitchFamily="49" charset="0"/>
-                <a:cs typeface="Courier New" panose="02070309020205020404" pitchFamily="49" charset="0"/>
-              </a:rPr>
-              <a:t>OrdinalEncoder</a:t>
-            </a:r>
-            <a:endParaRPr lang="nl-NL" dirty="0">
               <a:latin typeface="Courier New" panose="02070309020205020404" pitchFamily="49" charset="0"/>
               <a:cs typeface="Courier New" panose="02070309020205020404" pitchFamily="49" charset="0"/>
             </a:endParaRPr>
@@ -8145,7 +9138,7 @@
             </a:pPr>
             <a:r>
               <a:rPr lang="nl-NL" sz="2000" dirty="0"/>
-              <a:t>ML proces:</a:t>
+              <a:t>Werkwijze ML:</a:t>
             </a:r>
           </a:p>
           <a:p>
@@ -8156,7 +9149,7 @@
             </a:pPr>
             <a:r>
               <a:rPr lang="nl-NL" sz="1600" dirty="0"/>
-              <a:t>Data exploratie</a:t>
+              <a:t>Exploratie</a:t>
             </a:r>
           </a:p>
           <a:p>
@@ -8167,7 +9160,7 @@
             </a:pPr>
             <a:r>
               <a:rPr lang="nl-NL" sz="1600" dirty="0"/>
-              <a:t>Data preparatie</a:t>
+              <a:t>Preparatie</a:t>
             </a:r>
           </a:p>
           <a:p>
@@ -8189,7 +9182,18 @@
             </a:pPr>
             <a:r>
               <a:rPr lang="nl-NL" sz="1600" dirty="0"/>
-              <a:t>Validatie</a:t>
+              <a:t>Valideren</a:t>
+            </a:r>
+          </a:p>
+          <a:p>
+            <a:pPr lvl="1">
+              <a:spcAft>
+                <a:spcPts val="600"/>
+              </a:spcAft>
+            </a:pPr>
+            <a:r>
+              <a:rPr lang="nl-NL" sz="1600" dirty="0"/>
+              <a:t>Selecteren</a:t>
             </a:r>
           </a:p>
           <a:p>
@@ -8305,45 +9309,21 @@
           <a:p>
             <a:r>
               <a:rPr lang="nl-NL" sz="3600" noProof="0" dirty="0"/>
-              <a:t>Modules in </a:t>
+              <a:t>Modelleren in </a:t>
             </a:r>
             <a:r>
               <a:rPr lang="nl-NL" sz="3600" noProof="0" dirty="0" err="1"/>
-              <a:t>scikit-learn</a:t>
+              <a:t>scikit</a:t>
+            </a:r>
+            <a:r>
+              <a:rPr lang="nl-NL" sz="3600" dirty="0"/>
+              <a:t>-</a:t>
+            </a:r>
+            <a:r>
+              <a:rPr lang="nl-NL" sz="3600" dirty="0" err="1"/>
+              <a:t>learn</a:t>
             </a:r>
             <a:endParaRPr lang="nl-NL" sz="3600" noProof="0" dirty="0"/>
-          </a:p>
-        </p:txBody>
-      </p:sp>
-      <p:sp>
-        <p:nvSpPr>
-          <p:cNvPr id="4" name="TextBox 3">
-            <a:extLst>
-              <a:ext uri="{FF2B5EF4-FFF2-40B4-BE49-F238E27FC236}">
-                <a16:creationId xmlns:a16="http://schemas.microsoft.com/office/drawing/2014/main" id="{B47EA95A-6DDD-ED89-357A-943A5BC87A94}"/>
-              </a:ext>
-            </a:extLst>
-          </p:cNvPr>
-          <p:cNvSpPr txBox="1"/>
-          <p:nvPr/>
-        </p:nvSpPr>
-        <p:spPr>
-          <a:xfrm>
-            <a:off x="6555232" y="2530561"/>
-            <a:ext cx="184731" cy="369332"/>
-          </a:xfrm>
-          <a:prstGeom prst="rect">
-            <a:avLst/>
-          </a:prstGeom>
-          <a:noFill/>
-        </p:spPr>
-        <p:txBody>
-          <a:bodyPr wrap="none" rtlCol="0">
-            <a:spAutoFit/>
-          </a:bodyPr>
-          <a:lstStyle/>
-          <a:p>
-            <a:endParaRPr lang="en-NL" dirty="0"/>
           </a:p>
         </p:txBody>
       </p:sp>
@@ -8352,7 +9332,7 @@
           <p:cNvPr id="3" name="Rectangle 2">
             <a:extLst>
               <a:ext uri="{FF2B5EF4-FFF2-40B4-BE49-F238E27FC236}">
-                <a16:creationId xmlns:a16="http://schemas.microsoft.com/office/drawing/2014/main" id="{6022DA1A-13D9-F357-3CBD-600CDB414D0D}"/>
+                <a16:creationId xmlns:a16="http://schemas.microsoft.com/office/drawing/2014/main" id="{D98ECDAC-8F8E-5A33-FF03-91C3D9EE9CAF}"/>
               </a:ext>
             </a:extLst>
           </p:cNvPr>
@@ -8361,203 +9341,12 @@
         </p:nvSpPr>
         <p:spPr>
           <a:xfrm>
-            <a:off x="838200" y="1698170"/>
-            <a:ext cx="3224350" cy="4611189"/>
+            <a:off x="1289718" y="2590853"/>
+            <a:ext cx="1782170" cy="718608"/>
           </a:xfrm>
           <a:prstGeom prst="rect">
             <a:avLst/>
           </a:prstGeom>
-          <a:solidFill>
-            <a:schemeClr val="bg1">
-              <a:lumMod val="95000"/>
-            </a:schemeClr>
-          </a:solidFill>
-          <a:ln>
-            <a:solidFill>
-              <a:schemeClr val="tx1">
-                <a:lumMod val="95000"/>
-                <a:lumOff val="5000"/>
-              </a:schemeClr>
-            </a:solidFill>
-          </a:ln>
-        </p:spPr>
-        <p:style>
-          <a:lnRef idx="1">
-            <a:schemeClr val="accent6"/>
-          </a:lnRef>
-          <a:fillRef idx="2">
-            <a:schemeClr val="accent6"/>
-          </a:fillRef>
-          <a:effectRef idx="1">
-            <a:schemeClr val="accent6"/>
-          </a:effectRef>
-          <a:fontRef idx="minor">
-            <a:schemeClr val="dk1"/>
-          </a:fontRef>
-        </p:style>
-        <p:txBody>
-          <a:bodyPr lIns="180000" tIns="180000" rIns="180000" bIns="180000" rtlCol="0" anchor="t"/>
-          <a:lstStyle/>
-          <a:p>
-            <a:r>
-              <a:rPr lang="en-US" sz="1600" b="1" dirty="0" err="1"/>
-              <a:t>sklearn.linear_model</a:t>
-            </a:r>
-            <a:endParaRPr lang="en-US" sz="1600" b="1" dirty="0"/>
-          </a:p>
-          <a:p>
-            <a:endParaRPr lang="en-US" sz="1600" dirty="0"/>
-          </a:p>
-          <a:p>
-            <a:r>
-              <a:rPr lang="en-US" sz="1600" dirty="0" err="1"/>
-              <a:t>Verschillende</a:t>
-            </a:r>
-            <a:r>
-              <a:rPr lang="en-US" sz="1600" dirty="0"/>
-              <a:t> </a:t>
-            </a:r>
-            <a:r>
-              <a:rPr lang="en-US" sz="1600" dirty="0" err="1"/>
-              <a:t>soorten</a:t>
-            </a:r>
-            <a:r>
-              <a:rPr lang="en-US" sz="1600" dirty="0"/>
-              <a:t> </a:t>
-            </a:r>
-            <a:r>
-              <a:rPr lang="en-US" sz="1600" dirty="0" err="1"/>
-              <a:t>lineaire</a:t>
-            </a:r>
-            <a:r>
-              <a:rPr lang="en-US" sz="1600" dirty="0"/>
-              <a:t> </a:t>
-            </a:r>
-            <a:r>
-              <a:rPr lang="en-US" sz="1600" dirty="0" err="1"/>
-              <a:t>modellen</a:t>
-            </a:r>
-            <a:r>
-              <a:rPr lang="en-US" sz="1600" dirty="0"/>
-              <a:t>.</a:t>
-            </a:r>
-          </a:p>
-          <a:p>
-            <a:endParaRPr lang="en-US" sz="1600" dirty="0"/>
-          </a:p>
-          <a:p>
-            <a:endParaRPr lang="en-US" sz="1600" b="1" dirty="0"/>
-          </a:p>
-          <a:p>
-            <a:r>
-              <a:rPr lang="en-US" sz="1600" b="1" dirty="0" err="1"/>
-              <a:t>Regressie</a:t>
-            </a:r>
-            <a:r>
-              <a:rPr lang="en-US" sz="1600" b="1" dirty="0"/>
-              <a:t>:</a:t>
-            </a:r>
-          </a:p>
-          <a:p>
-            <a:r>
-              <a:rPr lang="en-US" sz="1400" dirty="0" err="1">
-                <a:latin typeface="Courier New" panose="02070309020205020404" pitchFamily="49" charset="0"/>
-                <a:cs typeface="Courier New" panose="02070309020205020404" pitchFamily="49" charset="0"/>
-              </a:rPr>
-              <a:t>LinearRegression</a:t>
-            </a:r>
-            <a:endParaRPr lang="en-US" sz="1400" dirty="0">
-              <a:latin typeface="Courier New" panose="02070309020205020404" pitchFamily="49" charset="0"/>
-              <a:cs typeface="Courier New" panose="02070309020205020404" pitchFamily="49" charset="0"/>
-            </a:endParaRPr>
-          </a:p>
-          <a:p>
-            <a:r>
-              <a:rPr lang="en-US" sz="1400" dirty="0" err="1">
-                <a:latin typeface="Courier New" panose="02070309020205020404" pitchFamily="49" charset="0"/>
-                <a:cs typeface="Courier New" panose="02070309020205020404" pitchFamily="49" charset="0"/>
-              </a:rPr>
-              <a:t>ElasticNet</a:t>
-            </a:r>
-            <a:endParaRPr lang="en-US" sz="1400" dirty="0">
-              <a:latin typeface="Courier New" panose="02070309020205020404" pitchFamily="49" charset="0"/>
-              <a:cs typeface="Courier New" panose="02070309020205020404" pitchFamily="49" charset="0"/>
-            </a:endParaRPr>
-          </a:p>
-          <a:p>
-            <a:r>
-              <a:rPr lang="en-US" sz="1400" dirty="0" err="1">
-                <a:latin typeface="Courier New" panose="02070309020205020404" pitchFamily="49" charset="0"/>
-                <a:cs typeface="Courier New" panose="02070309020205020404" pitchFamily="49" charset="0"/>
-              </a:rPr>
-              <a:t>GammaRegressor</a:t>
-            </a:r>
-            <a:endParaRPr lang="en-US" sz="1400" dirty="0">
-              <a:latin typeface="Courier New" panose="02070309020205020404" pitchFamily="49" charset="0"/>
-              <a:cs typeface="Courier New" panose="02070309020205020404" pitchFamily="49" charset="0"/>
-            </a:endParaRPr>
-          </a:p>
-          <a:p>
-            <a:endParaRPr lang="en-US" sz="1600" dirty="0"/>
-          </a:p>
-          <a:p>
-            <a:r>
-              <a:rPr lang="en-US" sz="1600" b="1" dirty="0" err="1"/>
-              <a:t>Classificatie</a:t>
-            </a:r>
-            <a:r>
-              <a:rPr lang="en-US" sz="1600" b="1" dirty="0"/>
-              <a:t>:</a:t>
-            </a:r>
-          </a:p>
-          <a:p>
-            <a:r>
-              <a:rPr lang="en-US" sz="1400" dirty="0" err="1">
-                <a:latin typeface="Courier New" panose="02070309020205020404" pitchFamily="49" charset="0"/>
-                <a:cs typeface="Courier New" panose="02070309020205020404" pitchFamily="49" charset="0"/>
-              </a:rPr>
-              <a:t>LogisticRegression</a:t>
-            </a:r>
-            <a:endParaRPr lang="en-NL" sz="1400" dirty="0">
-              <a:latin typeface="Courier New" panose="02070309020205020404" pitchFamily="49" charset="0"/>
-              <a:cs typeface="Courier New" panose="02070309020205020404" pitchFamily="49" charset="0"/>
-            </a:endParaRPr>
-          </a:p>
-        </p:txBody>
-      </p:sp>
-      <p:sp>
-        <p:nvSpPr>
-          <p:cNvPr id="6" name="Rectangle 5">
-            <a:extLst>
-              <a:ext uri="{FF2B5EF4-FFF2-40B4-BE49-F238E27FC236}">
-                <a16:creationId xmlns:a16="http://schemas.microsoft.com/office/drawing/2014/main" id="{2AD4811C-ADA0-FE20-68F3-AFDF14D921AA}"/>
-              </a:ext>
-            </a:extLst>
-          </p:cNvPr>
-          <p:cNvSpPr/>
-          <p:nvPr/>
-        </p:nvSpPr>
-        <p:spPr>
-          <a:xfrm>
-            <a:off x="4483826" y="1698169"/>
-            <a:ext cx="3224350" cy="4611189"/>
-          </a:xfrm>
-          <a:prstGeom prst="rect">
-            <a:avLst/>
-          </a:prstGeom>
-          <a:solidFill>
-            <a:schemeClr val="bg1">
-              <a:lumMod val="95000"/>
-            </a:schemeClr>
-          </a:solidFill>
-          <a:ln>
-            <a:solidFill>
-              <a:schemeClr val="tx1">
-                <a:lumMod val="95000"/>
-                <a:lumOff val="5000"/>
-              </a:schemeClr>
-            </a:solidFill>
-          </a:ln>
         </p:spPr>
         <p:style>
           <a:lnRef idx="1">
@@ -8574,138 +9363,23 @@
           </a:fontRef>
         </p:style>
         <p:txBody>
-          <a:bodyPr lIns="180000" tIns="180000" rIns="180000" bIns="180000" rtlCol="0" anchor="t"/>
+          <a:bodyPr rtlCol="0" anchor="ctr"/>
           <a:lstStyle/>
           <a:p>
-            <a:r>
-              <a:rPr lang="en-US" sz="1600" b="1" dirty="0" err="1"/>
-              <a:t>sklearn.ensemble</a:t>
-            </a:r>
-            <a:endParaRPr lang="en-US" sz="1600" b="1" dirty="0"/>
-          </a:p>
-          <a:p>
-            <a:pPr marL="0" indent="0">
-              <a:buNone/>
-            </a:pPr>
-            <a:endParaRPr lang="nl-NL" sz="1600" dirty="0"/>
-          </a:p>
-          <a:p>
-            <a:pPr marL="0" indent="0">
-              <a:buNone/>
-            </a:pPr>
-            <a:r>
-              <a:rPr lang="nl-NL" sz="1600" dirty="0"/>
-              <a:t>Modellen samengesteld uit beslisbomen</a:t>
-            </a:r>
-            <a:r>
-              <a:rPr lang="nl-NL" sz="1600" noProof="0" dirty="0"/>
-              <a:t>.</a:t>
-            </a:r>
-          </a:p>
-          <a:p>
-            <a:endParaRPr lang="en-US" sz="1600" dirty="0"/>
-          </a:p>
-          <a:p>
-            <a:endParaRPr lang="en-US" sz="1600" b="1" dirty="0"/>
-          </a:p>
-          <a:p>
-            <a:r>
-              <a:rPr lang="en-US" sz="1600" b="1" dirty="0" err="1"/>
-              <a:t>Regressie</a:t>
-            </a:r>
-            <a:r>
-              <a:rPr lang="en-US" sz="1600" b="1" dirty="0"/>
-              <a:t>:</a:t>
-            </a:r>
-          </a:p>
-          <a:p>
-            <a:r>
-              <a:rPr lang="nl-NL" sz="1200" dirty="0" err="1">
-                <a:latin typeface="Courier New" panose="02070309020205020404" pitchFamily="49" charset="0"/>
-                <a:cs typeface="Courier New" panose="02070309020205020404" pitchFamily="49" charset="0"/>
-              </a:rPr>
-              <a:t>RandomForestRegressor</a:t>
-            </a:r>
-            <a:endParaRPr lang="nl-NL" sz="1200" dirty="0">
-              <a:latin typeface="Courier New" panose="02070309020205020404" pitchFamily="49" charset="0"/>
-              <a:cs typeface="Courier New" panose="02070309020205020404" pitchFamily="49" charset="0"/>
-            </a:endParaRPr>
-          </a:p>
-          <a:p>
-            <a:r>
-              <a:rPr lang="nl-NL" sz="1200" dirty="0" err="1">
-                <a:latin typeface="Courier New" panose="02070309020205020404" pitchFamily="49" charset="0"/>
-                <a:cs typeface="Courier New" panose="02070309020205020404" pitchFamily="49" charset="0"/>
-              </a:rPr>
-              <a:t>HistGradientBoostingRegressor</a:t>
-            </a:r>
-            <a:endParaRPr lang="nl-NL" sz="1200" dirty="0">
-              <a:latin typeface="Courier New" panose="02070309020205020404" pitchFamily="49" charset="0"/>
-              <a:cs typeface="Courier New" panose="02070309020205020404" pitchFamily="49" charset="0"/>
-            </a:endParaRPr>
-          </a:p>
-          <a:p>
-            <a:endParaRPr lang="nl-NL" sz="1600" b="1" dirty="0"/>
-          </a:p>
-          <a:p>
-            <a:r>
-              <a:rPr lang="nl-NL" sz="1600" b="1" dirty="0"/>
-              <a:t>Classificatie:</a:t>
-            </a:r>
-          </a:p>
-          <a:p>
-            <a:r>
-              <a:rPr lang="nl-NL" sz="1200" dirty="0" err="1">
-                <a:latin typeface="Courier New" panose="02070309020205020404" pitchFamily="49" charset="0"/>
-                <a:cs typeface="Courier New" panose="02070309020205020404" pitchFamily="49" charset="0"/>
-              </a:rPr>
-              <a:t>RandomForestClassifier</a:t>
-            </a:r>
-            <a:endParaRPr lang="nl-NL" sz="1200" dirty="0">
-              <a:latin typeface="Courier New" panose="02070309020205020404" pitchFamily="49" charset="0"/>
-              <a:cs typeface="Courier New" panose="02070309020205020404" pitchFamily="49" charset="0"/>
-            </a:endParaRPr>
-          </a:p>
-          <a:p>
-            <a:r>
-              <a:rPr lang="nl-NL" sz="1200" dirty="0" err="1">
-                <a:latin typeface="Courier New" panose="02070309020205020404" pitchFamily="49" charset="0"/>
-                <a:cs typeface="Courier New" panose="02070309020205020404" pitchFamily="49" charset="0"/>
-              </a:rPr>
-              <a:t>HistGradientBoostingClassifier</a:t>
-            </a:r>
-            <a:endParaRPr lang="nl-NL" sz="1200" dirty="0">
-              <a:latin typeface="Courier New" panose="02070309020205020404" pitchFamily="49" charset="0"/>
-              <a:cs typeface="Courier New" panose="02070309020205020404" pitchFamily="49" charset="0"/>
-            </a:endParaRPr>
-          </a:p>
-          <a:p>
-            <a:r>
-              <a:rPr lang="nl-NL" sz="1200" dirty="0" err="1">
-                <a:latin typeface="Courier New" panose="02070309020205020404" pitchFamily="49" charset="0"/>
-                <a:cs typeface="Courier New" panose="02070309020205020404" pitchFamily="49" charset="0"/>
-              </a:rPr>
-              <a:t>IsolationForest</a:t>
-            </a:r>
-            <a:endParaRPr lang="nl-NL" sz="1200" dirty="0">
-              <a:latin typeface="Courier New" panose="02070309020205020404" pitchFamily="49" charset="0"/>
-              <a:cs typeface="Courier New" panose="02070309020205020404" pitchFamily="49" charset="0"/>
-            </a:endParaRPr>
-          </a:p>
-          <a:p>
-            <a:endParaRPr lang="en-US" sz="1600" dirty="0"/>
-          </a:p>
-          <a:p>
-            <a:endParaRPr lang="en-NL" sz="1600" dirty="0"/>
+            <a:pPr algn="ctr"/>
+            <a:r>
+              <a:rPr lang="nl-NL" dirty="0"/>
+              <a:t>Train data</a:t>
+            </a:r>
           </a:p>
         </p:txBody>
       </p:sp>
       <p:sp>
         <p:nvSpPr>
-          <p:cNvPr id="7" name="Rectangle 6">
-            <a:extLst>
-              <a:ext uri="{FF2B5EF4-FFF2-40B4-BE49-F238E27FC236}">
-                <a16:creationId xmlns:a16="http://schemas.microsoft.com/office/drawing/2014/main" id="{90828567-5FC3-B5C8-044F-DEBA0A1A7DF0}"/>
+          <p:cNvPr id="10" name="Rectangle 9">
+            <a:extLst>
+              <a:ext uri="{FF2B5EF4-FFF2-40B4-BE49-F238E27FC236}">
+                <a16:creationId xmlns:a16="http://schemas.microsoft.com/office/drawing/2014/main" id="{E2036101-89EC-A3AA-E697-624CB501D0F0}"/>
               </a:ext>
             </a:extLst>
           </p:cNvPr>
@@ -8714,25 +9388,12 @@
         </p:nvSpPr>
         <p:spPr>
           <a:xfrm>
-            <a:off x="8129450" y="1698169"/>
-            <a:ext cx="3224350" cy="4611189"/>
+            <a:off x="4886469" y="2590854"/>
+            <a:ext cx="1782170" cy="718608"/>
           </a:xfrm>
           <a:prstGeom prst="rect">
             <a:avLst/>
           </a:prstGeom>
-          <a:solidFill>
-            <a:schemeClr val="bg1">
-              <a:lumMod val="95000"/>
-            </a:schemeClr>
-          </a:solidFill>
-          <a:ln>
-            <a:solidFill>
-              <a:schemeClr val="tx1">
-                <a:lumMod val="95000"/>
-                <a:lumOff val="5000"/>
-              </a:schemeClr>
-            </a:solidFill>
-          </a:ln>
         </p:spPr>
         <p:style>
           <a:lnRef idx="1">
@@ -8749,232 +9410,436 @@
           </a:fontRef>
         </p:style>
         <p:txBody>
-          <a:bodyPr lIns="180000" tIns="180000" rIns="180000" bIns="180000" rtlCol="0" anchor="t"/>
+          <a:bodyPr rtlCol="0" anchor="ctr"/>
           <a:lstStyle/>
           <a:p>
-            <a:r>
-              <a:rPr lang="en-US" sz="1600" b="1" dirty="0" err="1"/>
-              <a:t>sklearn.neighbors</a:t>
-            </a:r>
-            <a:endParaRPr lang="en-US" sz="1600" b="1" dirty="0"/>
-          </a:p>
-          <a:p>
-            <a:endParaRPr lang="nl-NL" sz="1600" noProof="0" dirty="0">
+            <a:pPr algn="ctr"/>
+            <a:r>
+              <a:rPr lang="nl-NL" dirty="0" err="1"/>
+              <a:t>Estimator</a:t>
+            </a:r>
+            <a:endParaRPr lang="nl-NL" dirty="0"/>
+          </a:p>
+        </p:txBody>
+      </p:sp>
+      <p:sp>
+        <p:nvSpPr>
+          <p:cNvPr id="29" name="TextBox 28">
+            <a:extLst>
+              <a:ext uri="{FF2B5EF4-FFF2-40B4-BE49-F238E27FC236}">
+                <a16:creationId xmlns:a16="http://schemas.microsoft.com/office/drawing/2014/main" id="{3B96C0EB-7058-74D5-FCDE-CF1CE696C866}"/>
+              </a:ext>
+            </a:extLst>
+          </p:cNvPr>
+          <p:cNvSpPr txBox="1"/>
+          <p:nvPr/>
+        </p:nvSpPr>
+        <p:spPr>
+          <a:xfrm>
+            <a:off x="1289718" y="3472830"/>
+            <a:ext cx="1210886" cy="1754326"/>
+          </a:xfrm>
+          <a:prstGeom prst="rect">
+            <a:avLst/>
+          </a:prstGeom>
+        </p:spPr>
+        <p:style>
+          <a:lnRef idx="2">
+            <a:schemeClr val="accent4"/>
+          </a:lnRef>
+          <a:fillRef idx="1">
+            <a:schemeClr val="lt1"/>
+          </a:fillRef>
+          <a:effectRef idx="0">
+            <a:schemeClr val="accent4"/>
+          </a:effectRef>
+          <a:fontRef idx="minor">
+            <a:schemeClr val="dk1"/>
+          </a:fontRef>
+        </p:style>
+        <p:txBody>
+          <a:bodyPr wrap="square" rtlCol="0">
+            <a:spAutoFit/>
+          </a:bodyPr>
+          <a:lstStyle/>
+          <a:p>
+            <a:pPr algn="ctr"/>
+            <a:r>
+              <a:rPr lang="en-US" b="1" dirty="0">
+                <a:latin typeface="Courier New" panose="02070309020205020404" pitchFamily="49" charset="0"/>
+                <a:cs typeface="Courier New" panose="02070309020205020404" pitchFamily="49" charset="0"/>
+              </a:rPr>
+              <a:t>X</a:t>
+            </a:r>
+          </a:p>
+          <a:p>
+            <a:pPr algn="ctr"/>
+            <a:endParaRPr lang="en-US" dirty="0">
               <a:latin typeface="Courier New" panose="02070309020205020404" pitchFamily="49" charset="0"/>
               <a:cs typeface="Courier New" panose="02070309020205020404" pitchFamily="49" charset="0"/>
             </a:endParaRPr>
           </a:p>
           <a:p>
-            <a:r>
-              <a:rPr lang="nl-NL" sz="1400" b="1" noProof="0" dirty="0">
+            <a:pPr algn="ctr"/>
+            <a:r>
+              <a:rPr lang="en-US" dirty="0">
                 <a:latin typeface="Courier New" panose="02070309020205020404" pitchFamily="49" charset="0"/>
                 <a:cs typeface="Courier New" panose="02070309020205020404" pitchFamily="49" charset="0"/>
               </a:rPr>
-              <a:t>R</a:t>
-            </a:r>
-            <a:r>
-              <a:rPr lang="nl-NL" sz="1400" noProof="0" dirty="0">
+              <a:t>6, A, 1</a:t>
+            </a:r>
+          </a:p>
+          <a:p>
+            <a:pPr algn="ctr"/>
+            <a:r>
+              <a:rPr lang="en-US" dirty="0">
                 <a:latin typeface="Courier New" panose="02070309020205020404" pitchFamily="49" charset="0"/>
                 <a:cs typeface="Courier New" panose="02070309020205020404" pitchFamily="49" charset="0"/>
               </a:rPr>
-              <a:t>: </a:t>
-            </a:r>
-            <a:r>
-              <a:rPr lang="nl-NL" sz="1400" noProof="0" dirty="0" err="1">
+              <a:t>1, C, 1</a:t>
+            </a:r>
+          </a:p>
+          <a:p>
+            <a:pPr algn="ctr"/>
+            <a:r>
+              <a:rPr lang="en-US" dirty="0">
                 <a:latin typeface="Courier New" panose="02070309020205020404" pitchFamily="49" charset="0"/>
                 <a:cs typeface="Courier New" panose="02070309020205020404" pitchFamily="49" charset="0"/>
               </a:rPr>
-              <a:t>KNeighborsRegressor</a:t>
-            </a:r>
-            <a:endParaRPr lang="en-US" sz="1400" dirty="0">
+              <a:t>4, B, 0</a:t>
+            </a:r>
+          </a:p>
+          <a:p>
+            <a:pPr algn="ctr"/>
+            <a:r>
+              <a:rPr lang="en-US" dirty="0">
+                <a:latin typeface="Courier New" panose="02070309020205020404" pitchFamily="49" charset="0"/>
+                <a:cs typeface="Courier New" panose="02070309020205020404" pitchFamily="49" charset="0"/>
+              </a:rPr>
+              <a:t>3, A, 0</a:t>
+            </a:r>
+            <a:endParaRPr lang="en-NL" dirty="0">
               <a:latin typeface="Courier New" panose="02070309020205020404" pitchFamily="49" charset="0"/>
               <a:cs typeface="Courier New" panose="02070309020205020404" pitchFamily="49" charset="0"/>
             </a:endParaRPr>
           </a:p>
-          <a:p>
-            <a:pPr marL="0" indent="0">
-              <a:buNone/>
-            </a:pPr>
-            <a:r>
-              <a:rPr lang="nl-NL" sz="1400" b="1" noProof="0" dirty="0">
+        </p:txBody>
+      </p:sp>
+      <p:sp>
+        <p:nvSpPr>
+          <p:cNvPr id="7" name="TextBox 6">
+            <a:extLst>
+              <a:ext uri="{FF2B5EF4-FFF2-40B4-BE49-F238E27FC236}">
+                <a16:creationId xmlns:a16="http://schemas.microsoft.com/office/drawing/2014/main" id="{A2091BC9-C0DB-3B30-0368-576E4207D09A}"/>
+              </a:ext>
+            </a:extLst>
+          </p:cNvPr>
+          <p:cNvSpPr txBox="1"/>
+          <p:nvPr/>
+        </p:nvSpPr>
+        <p:spPr>
+          <a:xfrm>
+            <a:off x="2733869" y="3472830"/>
+            <a:ext cx="338019" cy="1754326"/>
+          </a:xfrm>
+          <a:prstGeom prst="rect">
+            <a:avLst/>
+          </a:prstGeom>
+        </p:spPr>
+        <p:style>
+          <a:lnRef idx="2">
+            <a:schemeClr val="accent4"/>
+          </a:lnRef>
+          <a:fillRef idx="1">
+            <a:schemeClr val="lt1"/>
+          </a:fillRef>
+          <a:effectRef idx="0">
+            <a:schemeClr val="accent4"/>
+          </a:effectRef>
+          <a:fontRef idx="minor">
+            <a:schemeClr val="dk1"/>
+          </a:fontRef>
+        </p:style>
+        <p:txBody>
+          <a:bodyPr wrap="square" rtlCol="0">
+            <a:spAutoFit/>
+          </a:bodyPr>
+          <a:lstStyle/>
+          <a:p>
+            <a:pPr algn="ctr"/>
+            <a:r>
+              <a:rPr lang="en-US" b="1" dirty="0">
                 <a:latin typeface="Courier New" panose="02070309020205020404" pitchFamily="49" charset="0"/>
                 <a:cs typeface="Courier New" panose="02070309020205020404" pitchFamily="49" charset="0"/>
               </a:rPr>
-              <a:t>C</a:t>
-            </a:r>
-            <a:r>
-              <a:rPr lang="nl-NL" sz="1400" noProof="0" dirty="0">
+              <a:t>y</a:t>
+            </a:r>
+          </a:p>
+          <a:p>
+            <a:pPr algn="ctr"/>
+            <a:endParaRPr lang="en-US" dirty="0">
+              <a:latin typeface="Courier New" panose="02070309020205020404" pitchFamily="49" charset="0"/>
+              <a:cs typeface="Courier New" panose="02070309020205020404" pitchFamily="49" charset="0"/>
+            </a:endParaRPr>
+          </a:p>
+          <a:p>
+            <a:pPr algn="ctr"/>
+            <a:r>
+              <a:rPr lang="en-US" dirty="0">
                 <a:latin typeface="Courier New" panose="02070309020205020404" pitchFamily="49" charset="0"/>
                 <a:cs typeface="Courier New" panose="02070309020205020404" pitchFamily="49" charset="0"/>
               </a:rPr>
-              <a:t>: KNeighborsClassifier</a:t>
-            </a:r>
-            <a:endParaRPr lang="en-US" sz="1400" dirty="0">
+              <a:t>J</a:t>
+            </a:r>
+          </a:p>
+          <a:p>
+            <a:pPr algn="ctr"/>
+            <a:r>
+              <a:rPr lang="en-US" dirty="0">
+                <a:latin typeface="Courier New" panose="02070309020205020404" pitchFamily="49" charset="0"/>
+                <a:cs typeface="Courier New" panose="02070309020205020404" pitchFamily="49" charset="0"/>
+              </a:rPr>
+              <a:t>N</a:t>
+            </a:r>
+          </a:p>
+          <a:p>
+            <a:pPr algn="ctr"/>
+            <a:r>
+              <a:rPr lang="en-US" dirty="0">
+                <a:latin typeface="Courier New" panose="02070309020205020404" pitchFamily="49" charset="0"/>
+                <a:cs typeface="Courier New" panose="02070309020205020404" pitchFamily="49" charset="0"/>
+              </a:rPr>
+              <a:t>J</a:t>
+            </a:r>
+          </a:p>
+          <a:p>
+            <a:pPr algn="ctr"/>
+            <a:r>
+              <a:rPr lang="en-US" dirty="0">
+                <a:latin typeface="Courier New" panose="02070309020205020404" pitchFamily="49" charset="0"/>
+                <a:cs typeface="Courier New" panose="02070309020205020404" pitchFamily="49" charset="0"/>
+              </a:rPr>
+              <a:t>J</a:t>
+            </a:r>
+          </a:p>
+        </p:txBody>
+      </p:sp>
+      <p:sp>
+        <p:nvSpPr>
+          <p:cNvPr id="8" name="TextBox 7">
+            <a:extLst>
+              <a:ext uri="{FF2B5EF4-FFF2-40B4-BE49-F238E27FC236}">
+                <a16:creationId xmlns:a16="http://schemas.microsoft.com/office/drawing/2014/main" id="{3B6B8D84-9DE4-9A64-6F1F-72B18AE69461}"/>
+              </a:ext>
+            </a:extLst>
+          </p:cNvPr>
+          <p:cNvSpPr txBox="1"/>
+          <p:nvPr/>
+        </p:nvSpPr>
+        <p:spPr>
+          <a:xfrm>
+            <a:off x="4886469" y="3472830"/>
+            <a:ext cx="1782169" cy="1754326"/>
+          </a:xfrm>
+          <a:prstGeom prst="rect">
+            <a:avLst/>
+          </a:prstGeom>
+        </p:spPr>
+        <p:style>
+          <a:lnRef idx="2">
+            <a:schemeClr val="accent1"/>
+          </a:lnRef>
+          <a:fillRef idx="1">
+            <a:schemeClr val="lt1"/>
+          </a:fillRef>
+          <a:effectRef idx="0">
+            <a:schemeClr val="accent1"/>
+          </a:effectRef>
+          <a:fontRef idx="minor">
+            <a:schemeClr val="dk1"/>
+          </a:fontRef>
+        </p:style>
+        <p:txBody>
+          <a:bodyPr wrap="square" rtlCol="0">
+            <a:spAutoFit/>
+          </a:bodyPr>
+          <a:lstStyle/>
+          <a:p>
+            <a:pPr algn="ctr"/>
+            <a:r>
+              <a:rPr lang="en-US" b="1" dirty="0">
+                <a:latin typeface="Courier New" panose="02070309020205020404" pitchFamily="49" charset="0"/>
+                <a:cs typeface="Courier New" panose="02070309020205020404" pitchFamily="49" charset="0"/>
+              </a:rPr>
+              <a:t>Weights</a:t>
+            </a:r>
+          </a:p>
+          <a:p>
+            <a:pPr algn="ctr"/>
+            <a:endParaRPr lang="en-US" b="1" dirty="0">
               <a:latin typeface="Courier New" panose="02070309020205020404" pitchFamily="49" charset="0"/>
               <a:cs typeface="Courier New" panose="02070309020205020404" pitchFamily="49" charset="0"/>
             </a:endParaRPr>
           </a:p>
           <a:p>
-            <a:endParaRPr lang="en-US" sz="1600" b="1" dirty="0"/>
-          </a:p>
-          <a:p>
-            <a:endParaRPr lang="en-US" sz="1600" b="1" dirty="0"/>
-          </a:p>
-          <a:p>
-            <a:r>
-              <a:rPr lang="en-US" sz="1600" b="1" dirty="0" err="1"/>
-              <a:t>sklearn.naive_bayes</a:t>
-            </a:r>
-            <a:endParaRPr lang="en-US" sz="1600" b="1" dirty="0"/>
-          </a:p>
-          <a:p>
-            <a:endParaRPr lang="en-US" sz="1600" dirty="0"/>
-          </a:p>
-          <a:p>
-            <a:pPr marL="0" indent="0">
-              <a:buNone/>
-            </a:pPr>
-            <a:r>
-              <a:rPr lang="nl-NL" sz="1400" b="1" noProof="0" dirty="0">
+            <a:pPr algn="ctr"/>
+            <a:r>
+              <a:rPr lang="el-GR" dirty="0">
                 <a:latin typeface="Courier New" panose="02070309020205020404" pitchFamily="49" charset="0"/>
                 <a:cs typeface="Courier New" panose="02070309020205020404" pitchFamily="49" charset="0"/>
               </a:rPr>
-              <a:t>C</a:t>
-            </a:r>
-            <a:r>
-              <a:rPr lang="nl-NL" sz="1400" noProof="0" dirty="0">
+              <a:t>β</a:t>
+            </a:r>
+            <a:r>
+              <a:rPr lang="en-US" dirty="0">
                 <a:latin typeface="Courier New" panose="02070309020205020404" pitchFamily="49" charset="0"/>
                 <a:cs typeface="Courier New" panose="02070309020205020404" pitchFamily="49" charset="0"/>
               </a:rPr>
-              <a:t>: </a:t>
-            </a:r>
-            <a:r>
-              <a:rPr lang="nl-NL" sz="1400" noProof="0" dirty="0" err="1">
+              <a:t>0 = 20.0</a:t>
+            </a:r>
+          </a:p>
+          <a:p>
+            <a:pPr algn="ctr"/>
+            <a:r>
+              <a:rPr lang="el-GR" dirty="0">
                 <a:latin typeface="Courier New" panose="02070309020205020404" pitchFamily="49" charset="0"/>
                 <a:cs typeface="Courier New" panose="02070309020205020404" pitchFamily="49" charset="0"/>
               </a:rPr>
-              <a:t>GaussianNB</a:t>
-            </a:r>
-            <a:endParaRPr lang="nl-NL" sz="1400" noProof="0" dirty="0">
+              <a:t>β</a:t>
+            </a:r>
+            <a:r>
+              <a:rPr lang="en-US" dirty="0">
+                <a:latin typeface="Courier New" panose="02070309020205020404" pitchFamily="49" charset="0"/>
+                <a:cs typeface="Courier New" panose="02070309020205020404" pitchFamily="49" charset="0"/>
+              </a:rPr>
+              <a:t>1 = -0.5</a:t>
+            </a:r>
+          </a:p>
+          <a:p>
+            <a:pPr algn="ctr"/>
+            <a:r>
+              <a:rPr lang="el-GR" dirty="0">
+                <a:latin typeface="Courier New" panose="02070309020205020404" pitchFamily="49" charset="0"/>
+                <a:cs typeface="Courier New" panose="02070309020205020404" pitchFamily="49" charset="0"/>
+              </a:rPr>
+              <a:t>β</a:t>
+            </a:r>
+            <a:r>
+              <a:rPr lang="en-US" dirty="0">
+                <a:latin typeface="Courier New" panose="02070309020205020404" pitchFamily="49" charset="0"/>
+                <a:cs typeface="Courier New" panose="02070309020205020404" pitchFamily="49" charset="0"/>
+              </a:rPr>
+              <a:t>2 =  5.3</a:t>
+            </a:r>
+          </a:p>
+          <a:p>
+            <a:pPr algn="ctr"/>
+            <a:r>
+              <a:rPr lang="el-GR" dirty="0">
+                <a:latin typeface="Courier New" panose="02070309020205020404" pitchFamily="49" charset="0"/>
+                <a:cs typeface="Courier New" panose="02070309020205020404" pitchFamily="49" charset="0"/>
+              </a:rPr>
+              <a:t>β</a:t>
+            </a:r>
+            <a:r>
+              <a:rPr lang="en-US" dirty="0">
+                <a:latin typeface="Courier New" panose="02070309020205020404" pitchFamily="49" charset="0"/>
+                <a:cs typeface="Courier New" panose="02070309020205020404" pitchFamily="49" charset="0"/>
+              </a:rPr>
+              <a:t>3 = -3.0</a:t>
+            </a:r>
+          </a:p>
+        </p:txBody>
+      </p:sp>
+      <p:cxnSp>
+        <p:nvCxnSpPr>
+          <p:cNvPr id="11" name="Straight Arrow Connector 10">
+            <a:extLst>
+              <a:ext uri="{FF2B5EF4-FFF2-40B4-BE49-F238E27FC236}">
+                <a16:creationId xmlns:a16="http://schemas.microsoft.com/office/drawing/2014/main" id="{FF3D3B16-050A-E0DC-7795-6CE8D1254478}"/>
+              </a:ext>
+            </a:extLst>
+          </p:cNvPr>
+          <p:cNvCxnSpPr>
+            <a:stCxn id="3" idx="3"/>
+            <a:endCxn id="10" idx="1"/>
+          </p:cNvCxnSpPr>
+          <p:nvPr/>
+        </p:nvCxnSpPr>
+        <p:spPr>
+          <a:xfrm>
+            <a:off x="3071888" y="2950157"/>
+            <a:ext cx="1814581" cy="1"/>
+          </a:xfrm>
+          <a:prstGeom prst="straightConnector1">
+            <a:avLst/>
+          </a:prstGeom>
+          <a:ln>
+            <a:tailEnd type="triangle"/>
+          </a:ln>
+        </p:spPr>
+        <p:style>
+          <a:lnRef idx="3">
+            <a:schemeClr val="dk1"/>
+          </a:lnRef>
+          <a:fillRef idx="0">
+            <a:schemeClr val="dk1"/>
+          </a:fillRef>
+          <a:effectRef idx="2">
+            <a:schemeClr val="dk1"/>
+          </a:effectRef>
+          <a:fontRef idx="minor">
+            <a:schemeClr val="tx1"/>
+          </a:fontRef>
+        </p:style>
+      </p:cxnSp>
+      <p:sp>
+        <p:nvSpPr>
+          <p:cNvPr id="12" name="TextBox 11">
+            <a:extLst>
+              <a:ext uri="{FF2B5EF4-FFF2-40B4-BE49-F238E27FC236}">
+                <a16:creationId xmlns:a16="http://schemas.microsoft.com/office/drawing/2014/main" id="{C4399471-B6CB-1D73-E6A7-76E4359793F7}"/>
+              </a:ext>
+            </a:extLst>
+          </p:cNvPr>
+          <p:cNvSpPr txBox="1"/>
+          <p:nvPr/>
+        </p:nvSpPr>
+        <p:spPr>
+          <a:xfrm>
+            <a:off x="3071888" y="2590853"/>
+            <a:ext cx="1761128" cy="369332"/>
+          </a:xfrm>
+          <a:prstGeom prst="rect">
+            <a:avLst/>
+          </a:prstGeom>
+          <a:noFill/>
+        </p:spPr>
+        <p:txBody>
+          <a:bodyPr wrap="square" rtlCol="0">
+            <a:spAutoFit/>
+          </a:bodyPr>
+          <a:lstStyle/>
+          <a:p>
+            <a:pPr algn="ctr"/>
+            <a:r>
+              <a:rPr lang="en-US" dirty="0">
+                <a:latin typeface="Courier New" panose="02070309020205020404" pitchFamily="49" charset="0"/>
+                <a:cs typeface="Courier New" panose="02070309020205020404" pitchFamily="49" charset="0"/>
+              </a:rPr>
+              <a:t>fit()</a:t>
+            </a:r>
+            <a:endParaRPr lang="en-NL" dirty="0">
               <a:latin typeface="Courier New" panose="02070309020205020404" pitchFamily="49" charset="0"/>
               <a:cs typeface="Courier New" panose="02070309020205020404" pitchFamily="49" charset="0"/>
             </a:endParaRPr>
-          </a:p>
-          <a:p>
-            <a:pPr marL="0" indent="0">
-              <a:buNone/>
-            </a:pPr>
-            <a:r>
-              <a:rPr lang="nl-NL" sz="1400" b="1" dirty="0">
-                <a:latin typeface="Courier New" panose="02070309020205020404" pitchFamily="49" charset="0"/>
-                <a:cs typeface="Courier New" panose="02070309020205020404" pitchFamily="49" charset="0"/>
-              </a:rPr>
-              <a:t>C</a:t>
-            </a:r>
-            <a:r>
-              <a:rPr lang="nl-NL" sz="1400" dirty="0">
-                <a:latin typeface="Courier New" panose="02070309020205020404" pitchFamily="49" charset="0"/>
-                <a:cs typeface="Courier New" panose="02070309020205020404" pitchFamily="49" charset="0"/>
-              </a:rPr>
-              <a:t>: </a:t>
-            </a:r>
-            <a:r>
-              <a:rPr lang="nl-NL" sz="1400" dirty="0" err="1">
-                <a:latin typeface="Courier New" panose="02070309020205020404" pitchFamily="49" charset="0"/>
-                <a:cs typeface="Courier New" panose="02070309020205020404" pitchFamily="49" charset="0"/>
-              </a:rPr>
-              <a:t>MultinomialNB</a:t>
-            </a:r>
-            <a:endParaRPr lang="en-US" sz="1400" dirty="0">
-              <a:latin typeface="Courier New" panose="02070309020205020404" pitchFamily="49" charset="0"/>
-              <a:cs typeface="Courier New" panose="02070309020205020404" pitchFamily="49" charset="0"/>
-            </a:endParaRPr>
-          </a:p>
-          <a:p>
-            <a:endParaRPr lang="en-US" sz="1600" b="1" dirty="0"/>
-          </a:p>
-          <a:p>
-            <a:endParaRPr lang="en-US" sz="1600" b="1" dirty="0"/>
-          </a:p>
-          <a:p>
-            <a:r>
-              <a:rPr lang="en-US" sz="1600" b="1" dirty="0" err="1"/>
-              <a:t>sklearn.svm</a:t>
-            </a:r>
-            <a:endParaRPr lang="en-US" sz="1600" b="1" dirty="0"/>
-          </a:p>
-          <a:p>
-            <a:endParaRPr lang="en-US" sz="1400" b="1" dirty="0"/>
-          </a:p>
-          <a:p>
-            <a:r>
-              <a:rPr lang="nl-NL" sz="1400" b="1" noProof="0" dirty="0">
-                <a:latin typeface="Courier New" panose="02070309020205020404" pitchFamily="49" charset="0"/>
-                <a:cs typeface="Courier New" panose="02070309020205020404" pitchFamily="49" charset="0"/>
-              </a:rPr>
-              <a:t>R</a:t>
-            </a:r>
-            <a:r>
-              <a:rPr lang="nl-NL" sz="1400" noProof="0" dirty="0">
-                <a:latin typeface="Courier New" panose="02070309020205020404" pitchFamily="49" charset="0"/>
-                <a:cs typeface="Courier New" panose="02070309020205020404" pitchFamily="49" charset="0"/>
-              </a:rPr>
-              <a:t>: </a:t>
-            </a:r>
-            <a:r>
-              <a:rPr lang="nl-NL" sz="1400" noProof="0" dirty="0" err="1">
-                <a:latin typeface="Courier New" panose="02070309020205020404" pitchFamily="49" charset="0"/>
-                <a:cs typeface="Courier New" panose="02070309020205020404" pitchFamily="49" charset="0"/>
-              </a:rPr>
-              <a:t>LinearSVR</a:t>
-            </a:r>
-            <a:endParaRPr lang="en-US" sz="1400" dirty="0">
-              <a:latin typeface="Courier New" panose="02070309020205020404" pitchFamily="49" charset="0"/>
-              <a:cs typeface="Courier New" panose="02070309020205020404" pitchFamily="49" charset="0"/>
-            </a:endParaRPr>
-          </a:p>
-          <a:p>
-            <a:pPr marL="0" indent="0">
-              <a:buNone/>
-            </a:pPr>
-            <a:r>
-              <a:rPr lang="nl-NL" sz="1400" b="1" noProof="0" dirty="0">
-                <a:latin typeface="Courier New" panose="02070309020205020404" pitchFamily="49" charset="0"/>
-                <a:cs typeface="Courier New" panose="02070309020205020404" pitchFamily="49" charset="0"/>
-              </a:rPr>
-              <a:t>C</a:t>
-            </a:r>
-            <a:r>
-              <a:rPr lang="nl-NL" sz="1400" noProof="0" dirty="0">
-                <a:latin typeface="Courier New" panose="02070309020205020404" pitchFamily="49" charset="0"/>
-                <a:cs typeface="Courier New" panose="02070309020205020404" pitchFamily="49" charset="0"/>
-              </a:rPr>
-              <a:t>: </a:t>
-            </a:r>
-            <a:r>
-              <a:rPr lang="en-US" sz="1400" noProof="0" dirty="0" err="1">
-                <a:latin typeface="Courier New" panose="02070309020205020404" pitchFamily="49" charset="0"/>
-                <a:cs typeface="Courier New" panose="02070309020205020404" pitchFamily="49" charset="0"/>
-              </a:rPr>
-              <a:t>LinearSVC</a:t>
-            </a:r>
-            <a:endParaRPr lang="en-US" sz="1400" dirty="0">
-              <a:latin typeface="Courier New" panose="02070309020205020404" pitchFamily="49" charset="0"/>
-              <a:cs typeface="Courier New" panose="02070309020205020404" pitchFamily="49" charset="0"/>
-            </a:endParaRPr>
-          </a:p>
-          <a:p>
-            <a:endParaRPr lang="en-US" sz="1600" b="1" dirty="0"/>
-          </a:p>
-          <a:p>
-            <a:endParaRPr lang="en-NL" sz="1600" dirty="0"/>
           </a:p>
         </p:txBody>
       </p:sp>
     </p:spTree>
     <p:extLst>
       <p:ext uri="{BB962C8B-B14F-4D97-AF65-F5344CB8AC3E}">
-        <p14:creationId xmlns:p14="http://schemas.microsoft.com/office/powerpoint/2010/main" val="1659487272"/>
+        <p14:creationId xmlns:p14="http://schemas.microsoft.com/office/powerpoint/2010/main" val="355802705"/>
       </p:ext>
     </p:extLst>
   </p:cSld>
@@ -9360,7 +10225,7 @@
         </p:nvSpPr>
         <p:spPr>
           <a:xfrm>
-            <a:off x="4886469" y="3472830"/>
+            <a:off x="4886467" y="3472830"/>
             <a:ext cx="1782169" cy="1754326"/>
           </a:xfrm>
           <a:prstGeom prst="rect">
@@ -9558,593 +10423,6 @@
           </a:p>
         </p:txBody>
       </p:sp>
-    </p:spTree>
-    <p:extLst>
-      <p:ext uri="{BB962C8B-B14F-4D97-AF65-F5344CB8AC3E}">
-        <p14:creationId xmlns:p14="http://schemas.microsoft.com/office/powerpoint/2010/main" val="355802705"/>
-      </p:ext>
-    </p:extLst>
-  </p:cSld>
-  <p:clrMapOvr>
-    <a:masterClrMapping/>
-  </p:clrMapOvr>
-</p:sld>
-</file>
-
-<file path=ppt/slides/slide22.xml><?xml version="1.0" encoding="utf-8"?>
-<p:sld xmlns:a="http://schemas.openxmlformats.org/drawingml/2006/main" xmlns:r="http://schemas.openxmlformats.org/officeDocument/2006/relationships" xmlns:p="http://schemas.openxmlformats.org/presentationml/2006/main">
-  <p:cSld>
-    <p:spTree>
-      <p:nvGrpSpPr>
-        <p:cNvPr id="1" name=""/>
-        <p:cNvGrpSpPr/>
-        <p:nvPr/>
-      </p:nvGrpSpPr>
-      <p:grpSpPr>
-        <a:xfrm>
-          <a:off x="0" y="0"/>
-          <a:ext cx="0" cy="0"/>
-          <a:chOff x="0" y="0"/>
-          <a:chExt cx="0" cy="0"/>
-        </a:xfrm>
-      </p:grpSpPr>
-      <p:sp>
-        <p:nvSpPr>
-          <p:cNvPr id="2" name="Title 1">
-            <a:extLst>
-              <a:ext uri="{FF2B5EF4-FFF2-40B4-BE49-F238E27FC236}">
-                <a16:creationId xmlns:a16="http://schemas.microsoft.com/office/drawing/2014/main" id="{39A1D606-8DD1-369C-5C09-471CDD551AD5}"/>
-              </a:ext>
-            </a:extLst>
-          </p:cNvPr>
-          <p:cNvSpPr>
-            <a:spLocks noGrp="1"/>
-          </p:cNvSpPr>
-          <p:nvPr>
-            <p:ph type="title"/>
-          </p:nvPr>
-        </p:nvSpPr>
-        <p:spPr>
-          <a:xfrm>
-            <a:off x="838200" y="365126"/>
-            <a:ext cx="10515600" cy="718608"/>
-          </a:xfrm>
-        </p:spPr>
-        <p:txBody>
-          <a:bodyPr>
-            <a:normAutofit/>
-          </a:bodyPr>
-          <a:lstStyle/>
-          <a:p>
-            <a:r>
-              <a:rPr lang="nl-NL" sz="3600" noProof="0" dirty="0"/>
-              <a:t>Modelleren in </a:t>
-            </a:r>
-            <a:r>
-              <a:rPr lang="nl-NL" sz="3600" noProof="0" dirty="0" err="1"/>
-              <a:t>scikit</a:t>
-            </a:r>
-            <a:r>
-              <a:rPr lang="nl-NL" sz="3600" dirty="0"/>
-              <a:t>-</a:t>
-            </a:r>
-            <a:r>
-              <a:rPr lang="nl-NL" sz="3600" dirty="0" err="1"/>
-              <a:t>learn</a:t>
-            </a:r>
-            <a:endParaRPr lang="nl-NL" sz="3600" noProof="0" dirty="0"/>
-          </a:p>
-        </p:txBody>
-      </p:sp>
-      <p:sp>
-        <p:nvSpPr>
-          <p:cNvPr id="3" name="Rectangle 2">
-            <a:extLst>
-              <a:ext uri="{FF2B5EF4-FFF2-40B4-BE49-F238E27FC236}">
-                <a16:creationId xmlns:a16="http://schemas.microsoft.com/office/drawing/2014/main" id="{D98ECDAC-8F8E-5A33-FF03-91C3D9EE9CAF}"/>
-              </a:ext>
-            </a:extLst>
-          </p:cNvPr>
-          <p:cNvSpPr/>
-          <p:nvPr/>
-        </p:nvSpPr>
-        <p:spPr>
-          <a:xfrm>
-            <a:off x="1289718" y="2590853"/>
-            <a:ext cx="1782170" cy="718608"/>
-          </a:xfrm>
-          <a:prstGeom prst="rect">
-            <a:avLst/>
-          </a:prstGeom>
-        </p:spPr>
-        <p:style>
-          <a:lnRef idx="1">
-            <a:schemeClr val="accent4"/>
-          </a:lnRef>
-          <a:fillRef idx="2">
-            <a:schemeClr val="accent4"/>
-          </a:fillRef>
-          <a:effectRef idx="1">
-            <a:schemeClr val="accent4"/>
-          </a:effectRef>
-          <a:fontRef idx="minor">
-            <a:schemeClr val="dk1"/>
-          </a:fontRef>
-        </p:style>
-        <p:txBody>
-          <a:bodyPr rtlCol="0" anchor="ctr"/>
-          <a:lstStyle/>
-          <a:p>
-            <a:pPr algn="ctr"/>
-            <a:r>
-              <a:rPr lang="nl-NL" dirty="0"/>
-              <a:t>Train data</a:t>
-            </a:r>
-          </a:p>
-        </p:txBody>
-      </p:sp>
-      <p:sp>
-        <p:nvSpPr>
-          <p:cNvPr id="10" name="Rectangle 9">
-            <a:extLst>
-              <a:ext uri="{FF2B5EF4-FFF2-40B4-BE49-F238E27FC236}">
-                <a16:creationId xmlns:a16="http://schemas.microsoft.com/office/drawing/2014/main" id="{E2036101-89EC-A3AA-E697-624CB501D0F0}"/>
-              </a:ext>
-            </a:extLst>
-          </p:cNvPr>
-          <p:cNvSpPr/>
-          <p:nvPr/>
-        </p:nvSpPr>
-        <p:spPr>
-          <a:xfrm>
-            <a:off x="4886469" y="2590854"/>
-            <a:ext cx="1782170" cy="718608"/>
-          </a:xfrm>
-          <a:prstGeom prst="rect">
-            <a:avLst/>
-          </a:prstGeom>
-        </p:spPr>
-        <p:style>
-          <a:lnRef idx="1">
-            <a:schemeClr val="accent5"/>
-          </a:lnRef>
-          <a:fillRef idx="2">
-            <a:schemeClr val="accent5"/>
-          </a:fillRef>
-          <a:effectRef idx="1">
-            <a:schemeClr val="accent5"/>
-          </a:effectRef>
-          <a:fontRef idx="minor">
-            <a:schemeClr val="dk1"/>
-          </a:fontRef>
-        </p:style>
-        <p:txBody>
-          <a:bodyPr rtlCol="0" anchor="ctr"/>
-          <a:lstStyle/>
-          <a:p>
-            <a:pPr algn="ctr"/>
-            <a:r>
-              <a:rPr lang="nl-NL" dirty="0" err="1"/>
-              <a:t>Estimator</a:t>
-            </a:r>
-            <a:endParaRPr lang="nl-NL" dirty="0"/>
-          </a:p>
-        </p:txBody>
-      </p:sp>
-      <p:sp>
-        <p:nvSpPr>
-          <p:cNvPr id="29" name="TextBox 28">
-            <a:extLst>
-              <a:ext uri="{FF2B5EF4-FFF2-40B4-BE49-F238E27FC236}">
-                <a16:creationId xmlns:a16="http://schemas.microsoft.com/office/drawing/2014/main" id="{3B96C0EB-7058-74D5-FCDE-CF1CE696C866}"/>
-              </a:ext>
-            </a:extLst>
-          </p:cNvPr>
-          <p:cNvSpPr txBox="1"/>
-          <p:nvPr/>
-        </p:nvSpPr>
-        <p:spPr>
-          <a:xfrm>
-            <a:off x="1289718" y="3472830"/>
-            <a:ext cx="1210886" cy="1754326"/>
-          </a:xfrm>
-          <a:prstGeom prst="rect">
-            <a:avLst/>
-          </a:prstGeom>
-        </p:spPr>
-        <p:style>
-          <a:lnRef idx="2">
-            <a:schemeClr val="accent4"/>
-          </a:lnRef>
-          <a:fillRef idx="1">
-            <a:schemeClr val="lt1"/>
-          </a:fillRef>
-          <a:effectRef idx="0">
-            <a:schemeClr val="accent4"/>
-          </a:effectRef>
-          <a:fontRef idx="minor">
-            <a:schemeClr val="dk1"/>
-          </a:fontRef>
-        </p:style>
-        <p:txBody>
-          <a:bodyPr wrap="square" rtlCol="0">
-            <a:spAutoFit/>
-          </a:bodyPr>
-          <a:lstStyle/>
-          <a:p>
-            <a:pPr algn="ctr"/>
-            <a:r>
-              <a:rPr lang="en-US" b="1" dirty="0">
-                <a:latin typeface="Courier New" panose="02070309020205020404" pitchFamily="49" charset="0"/>
-                <a:cs typeface="Courier New" panose="02070309020205020404" pitchFamily="49" charset="0"/>
-              </a:rPr>
-              <a:t>X</a:t>
-            </a:r>
-          </a:p>
-          <a:p>
-            <a:pPr algn="ctr"/>
-            <a:endParaRPr lang="en-US" dirty="0">
-              <a:latin typeface="Courier New" panose="02070309020205020404" pitchFamily="49" charset="0"/>
-              <a:cs typeface="Courier New" panose="02070309020205020404" pitchFamily="49" charset="0"/>
-            </a:endParaRPr>
-          </a:p>
-          <a:p>
-            <a:pPr algn="ctr"/>
-            <a:r>
-              <a:rPr lang="en-US" dirty="0">
-                <a:latin typeface="Courier New" panose="02070309020205020404" pitchFamily="49" charset="0"/>
-                <a:cs typeface="Courier New" panose="02070309020205020404" pitchFamily="49" charset="0"/>
-              </a:rPr>
-              <a:t>6, A, 1</a:t>
-            </a:r>
-          </a:p>
-          <a:p>
-            <a:pPr algn="ctr"/>
-            <a:r>
-              <a:rPr lang="en-US" dirty="0">
-                <a:latin typeface="Courier New" panose="02070309020205020404" pitchFamily="49" charset="0"/>
-                <a:cs typeface="Courier New" panose="02070309020205020404" pitchFamily="49" charset="0"/>
-              </a:rPr>
-              <a:t>1, C, 1</a:t>
-            </a:r>
-          </a:p>
-          <a:p>
-            <a:pPr algn="ctr"/>
-            <a:r>
-              <a:rPr lang="en-US" dirty="0">
-                <a:latin typeface="Courier New" panose="02070309020205020404" pitchFamily="49" charset="0"/>
-                <a:cs typeface="Courier New" panose="02070309020205020404" pitchFamily="49" charset="0"/>
-              </a:rPr>
-              <a:t>4, B, 0</a:t>
-            </a:r>
-          </a:p>
-          <a:p>
-            <a:pPr algn="ctr"/>
-            <a:r>
-              <a:rPr lang="en-US" dirty="0">
-                <a:latin typeface="Courier New" panose="02070309020205020404" pitchFamily="49" charset="0"/>
-                <a:cs typeface="Courier New" panose="02070309020205020404" pitchFamily="49" charset="0"/>
-              </a:rPr>
-              <a:t>3, A, 0</a:t>
-            </a:r>
-            <a:endParaRPr lang="en-NL" dirty="0">
-              <a:latin typeface="Courier New" panose="02070309020205020404" pitchFamily="49" charset="0"/>
-              <a:cs typeface="Courier New" panose="02070309020205020404" pitchFamily="49" charset="0"/>
-            </a:endParaRPr>
-          </a:p>
-        </p:txBody>
-      </p:sp>
-      <p:sp>
-        <p:nvSpPr>
-          <p:cNvPr id="7" name="TextBox 6">
-            <a:extLst>
-              <a:ext uri="{FF2B5EF4-FFF2-40B4-BE49-F238E27FC236}">
-                <a16:creationId xmlns:a16="http://schemas.microsoft.com/office/drawing/2014/main" id="{A2091BC9-C0DB-3B30-0368-576E4207D09A}"/>
-              </a:ext>
-            </a:extLst>
-          </p:cNvPr>
-          <p:cNvSpPr txBox="1"/>
-          <p:nvPr/>
-        </p:nvSpPr>
-        <p:spPr>
-          <a:xfrm>
-            <a:off x="2733869" y="3472830"/>
-            <a:ext cx="338019" cy="1754326"/>
-          </a:xfrm>
-          <a:prstGeom prst="rect">
-            <a:avLst/>
-          </a:prstGeom>
-        </p:spPr>
-        <p:style>
-          <a:lnRef idx="2">
-            <a:schemeClr val="accent4"/>
-          </a:lnRef>
-          <a:fillRef idx="1">
-            <a:schemeClr val="lt1"/>
-          </a:fillRef>
-          <a:effectRef idx="0">
-            <a:schemeClr val="accent4"/>
-          </a:effectRef>
-          <a:fontRef idx="minor">
-            <a:schemeClr val="dk1"/>
-          </a:fontRef>
-        </p:style>
-        <p:txBody>
-          <a:bodyPr wrap="square" rtlCol="0">
-            <a:spAutoFit/>
-          </a:bodyPr>
-          <a:lstStyle/>
-          <a:p>
-            <a:pPr algn="ctr"/>
-            <a:r>
-              <a:rPr lang="en-US" b="1" dirty="0">
-                <a:latin typeface="Courier New" panose="02070309020205020404" pitchFamily="49" charset="0"/>
-                <a:cs typeface="Courier New" panose="02070309020205020404" pitchFamily="49" charset="0"/>
-              </a:rPr>
-              <a:t>y</a:t>
-            </a:r>
-          </a:p>
-          <a:p>
-            <a:pPr algn="ctr"/>
-            <a:endParaRPr lang="en-US" dirty="0">
-              <a:latin typeface="Courier New" panose="02070309020205020404" pitchFamily="49" charset="0"/>
-              <a:cs typeface="Courier New" panose="02070309020205020404" pitchFamily="49" charset="0"/>
-            </a:endParaRPr>
-          </a:p>
-          <a:p>
-            <a:pPr algn="ctr"/>
-            <a:r>
-              <a:rPr lang="en-US" dirty="0">
-                <a:latin typeface="Courier New" panose="02070309020205020404" pitchFamily="49" charset="0"/>
-                <a:cs typeface="Courier New" panose="02070309020205020404" pitchFamily="49" charset="0"/>
-              </a:rPr>
-              <a:t>J</a:t>
-            </a:r>
-          </a:p>
-          <a:p>
-            <a:pPr algn="ctr"/>
-            <a:r>
-              <a:rPr lang="en-US" dirty="0">
-                <a:latin typeface="Courier New" panose="02070309020205020404" pitchFamily="49" charset="0"/>
-                <a:cs typeface="Courier New" panose="02070309020205020404" pitchFamily="49" charset="0"/>
-              </a:rPr>
-              <a:t>N</a:t>
-            </a:r>
-          </a:p>
-          <a:p>
-            <a:pPr algn="ctr"/>
-            <a:r>
-              <a:rPr lang="en-US" dirty="0">
-                <a:latin typeface="Courier New" panose="02070309020205020404" pitchFamily="49" charset="0"/>
-                <a:cs typeface="Courier New" panose="02070309020205020404" pitchFamily="49" charset="0"/>
-              </a:rPr>
-              <a:t>J</a:t>
-            </a:r>
-          </a:p>
-          <a:p>
-            <a:pPr algn="ctr"/>
-            <a:r>
-              <a:rPr lang="en-US" dirty="0">
-                <a:latin typeface="Courier New" panose="02070309020205020404" pitchFamily="49" charset="0"/>
-                <a:cs typeface="Courier New" panose="02070309020205020404" pitchFamily="49" charset="0"/>
-              </a:rPr>
-              <a:t>J</a:t>
-            </a:r>
-          </a:p>
-        </p:txBody>
-      </p:sp>
-      <p:sp>
-        <p:nvSpPr>
-          <p:cNvPr id="8" name="TextBox 7">
-            <a:extLst>
-              <a:ext uri="{FF2B5EF4-FFF2-40B4-BE49-F238E27FC236}">
-                <a16:creationId xmlns:a16="http://schemas.microsoft.com/office/drawing/2014/main" id="{3B6B8D84-9DE4-9A64-6F1F-72B18AE69461}"/>
-              </a:ext>
-            </a:extLst>
-          </p:cNvPr>
-          <p:cNvSpPr txBox="1"/>
-          <p:nvPr/>
-        </p:nvSpPr>
-        <p:spPr>
-          <a:xfrm>
-            <a:off x="4886467" y="3472830"/>
-            <a:ext cx="1782169" cy="1754326"/>
-          </a:xfrm>
-          <a:prstGeom prst="rect">
-            <a:avLst/>
-          </a:prstGeom>
-        </p:spPr>
-        <p:style>
-          <a:lnRef idx="2">
-            <a:schemeClr val="accent1"/>
-          </a:lnRef>
-          <a:fillRef idx="1">
-            <a:schemeClr val="lt1"/>
-          </a:fillRef>
-          <a:effectRef idx="0">
-            <a:schemeClr val="accent1"/>
-          </a:effectRef>
-          <a:fontRef idx="minor">
-            <a:schemeClr val="dk1"/>
-          </a:fontRef>
-        </p:style>
-        <p:txBody>
-          <a:bodyPr wrap="square" rtlCol="0">
-            <a:spAutoFit/>
-          </a:bodyPr>
-          <a:lstStyle/>
-          <a:p>
-            <a:pPr algn="ctr"/>
-            <a:r>
-              <a:rPr lang="en-US" b="1" dirty="0">
-                <a:latin typeface="Courier New" panose="02070309020205020404" pitchFamily="49" charset="0"/>
-                <a:cs typeface="Courier New" panose="02070309020205020404" pitchFamily="49" charset="0"/>
-              </a:rPr>
-              <a:t>Weights</a:t>
-            </a:r>
-          </a:p>
-          <a:p>
-            <a:pPr algn="ctr"/>
-            <a:endParaRPr lang="en-US" b="1" dirty="0">
-              <a:latin typeface="Courier New" panose="02070309020205020404" pitchFamily="49" charset="0"/>
-              <a:cs typeface="Courier New" panose="02070309020205020404" pitchFamily="49" charset="0"/>
-            </a:endParaRPr>
-          </a:p>
-          <a:p>
-            <a:pPr algn="ctr"/>
-            <a:r>
-              <a:rPr lang="el-GR" dirty="0">
-                <a:latin typeface="Courier New" panose="02070309020205020404" pitchFamily="49" charset="0"/>
-                <a:cs typeface="Courier New" panose="02070309020205020404" pitchFamily="49" charset="0"/>
-              </a:rPr>
-              <a:t>β</a:t>
-            </a:r>
-            <a:r>
-              <a:rPr lang="en-US" dirty="0">
-                <a:latin typeface="Courier New" panose="02070309020205020404" pitchFamily="49" charset="0"/>
-                <a:cs typeface="Courier New" panose="02070309020205020404" pitchFamily="49" charset="0"/>
-              </a:rPr>
-              <a:t>0 = 20.0</a:t>
-            </a:r>
-          </a:p>
-          <a:p>
-            <a:pPr algn="ctr"/>
-            <a:r>
-              <a:rPr lang="el-GR" dirty="0">
-                <a:latin typeface="Courier New" panose="02070309020205020404" pitchFamily="49" charset="0"/>
-                <a:cs typeface="Courier New" panose="02070309020205020404" pitchFamily="49" charset="0"/>
-              </a:rPr>
-              <a:t>β</a:t>
-            </a:r>
-            <a:r>
-              <a:rPr lang="en-US" dirty="0">
-                <a:latin typeface="Courier New" panose="02070309020205020404" pitchFamily="49" charset="0"/>
-                <a:cs typeface="Courier New" panose="02070309020205020404" pitchFamily="49" charset="0"/>
-              </a:rPr>
-              <a:t>1 = -0.5</a:t>
-            </a:r>
-          </a:p>
-          <a:p>
-            <a:pPr algn="ctr"/>
-            <a:r>
-              <a:rPr lang="el-GR" dirty="0">
-                <a:latin typeface="Courier New" panose="02070309020205020404" pitchFamily="49" charset="0"/>
-                <a:cs typeface="Courier New" panose="02070309020205020404" pitchFamily="49" charset="0"/>
-              </a:rPr>
-              <a:t>β</a:t>
-            </a:r>
-            <a:r>
-              <a:rPr lang="en-US" dirty="0">
-                <a:latin typeface="Courier New" panose="02070309020205020404" pitchFamily="49" charset="0"/>
-                <a:cs typeface="Courier New" panose="02070309020205020404" pitchFamily="49" charset="0"/>
-              </a:rPr>
-              <a:t>2 =  5.3</a:t>
-            </a:r>
-          </a:p>
-          <a:p>
-            <a:pPr algn="ctr"/>
-            <a:r>
-              <a:rPr lang="el-GR" dirty="0">
-                <a:latin typeface="Courier New" panose="02070309020205020404" pitchFamily="49" charset="0"/>
-                <a:cs typeface="Courier New" panose="02070309020205020404" pitchFamily="49" charset="0"/>
-              </a:rPr>
-              <a:t>β</a:t>
-            </a:r>
-            <a:r>
-              <a:rPr lang="en-US" dirty="0">
-                <a:latin typeface="Courier New" panose="02070309020205020404" pitchFamily="49" charset="0"/>
-                <a:cs typeface="Courier New" panose="02070309020205020404" pitchFamily="49" charset="0"/>
-              </a:rPr>
-              <a:t>3 = -3.0</a:t>
-            </a:r>
-          </a:p>
-        </p:txBody>
-      </p:sp>
-      <p:cxnSp>
-        <p:nvCxnSpPr>
-          <p:cNvPr id="11" name="Straight Arrow Connector 10">
-            <a:extLst>
-              <a:ext uri="{FF2B5EF4-FFF2-40B4-BE49-F238E27FC236}">
-                <a16:creationId xmlns:a16="http://schemas.microsoft.com/office/drawing/2014/main" id="{FF3D3B16-050A-E0DC-7795-6CE8D1254478}"/>
-              </a:ext>
-            </a:extLst>
-          </p:cNvPr>
-          <p:cNvCxnSpPr>
-            <a:stCxn id="3" idx="3"/>
-            <a:endCxn id="10" idx="1"/>
-          </p:cNvCxnSpPr>
-          <p:nvPr/>
-        </p:nvCxnSpPr>
-        <p:spPr>
-          <a:xfrm>
-            <a:off x="3071888" y="2950157"/>
-            <a:ext cx="1814581" cy="1"/>
-          </a:xfrm>
-          <a:prstGeom prst="straightConnector1">
-            <a:avLst/>
-          </a:prstGeom>
-          <a:ln>
-            <a:tailEnd type="triangle"/>
-          </a:ln>
-        </p:spPr>
-        <p:style>
-          <a:lnRef idx="3">
-            <a:schemeClr val="dk1"/>
-          </a:lnRef>
-          <a:fillRef idx="0">
-            <a:schemeClr val="dk1"/>
-          </a:fillRef>
-          <a:effectRef idx="2">
-            <a:schemeClr val="dk1"/>
-          </a:effectRef>
-          <a:fontRef idx="minor">
-            <a:schemeClr val="tx1"/>
-          </a:fontRef>
-        </p:style>
-      </p:cxnSp>
-      <p:sp>
-        <p:nvSpPr>
-          <p:cNvPr id="12" name="TextBox 11">
-            <a:extLst>
-              <a:ext uri="{FF2B5EF4-FFF2-40B4-BE49-F238E27FC236}">
-                <a16:creationId xmlns:a16="http://schemas.microsoft.com/office/drawing/2014/main" id="{C4399471-B6CB-1D73-E6A7-76E4359793F7}"/>
-              </a:ext>
-            </a:extLst>
-          </p:cNvPr>
-          <p:cNvSpPr txBox="1"/>
-          <p:nvPr/>
-        </p:nvSpPr>
-        <p:spPr>
-          <a:xfrm>
-            <a:off x="3071888" y="2590853"/>
-            <a:ext cx="1761128" cy="369332"/>
-          </a:xfrm>
-          <a:prstGeom prst="rect">
-            <a:avLst/>
-          </a:prstGeom>
-          <a:noFill/>
-        </p:spPr>
-        <p:txBody>
-          <a:bodyPr wrap="square" rtlCol="0">
-            <a:spAutoFit/>
-          </a:bodyPr>
-          <a:lstStyle/>
-          <a:p>
-            <a:pPr algn="ctr"/>
-            <a:r>
-              <a:rPr lang="en-US" dirty="0">
-                <a:latin typeface="Courier New" panose="02070309020205020404" pitchFamily="49" charset="0"/>
-                <a:cs typeface="Courier New" panose="02070309020205020404" pitchFamily="49" charset="0"/>
-              </a:rPr>
-              <a:t>fit()</a:t>
-            </a:r>
-            <a:endParaRPr lang="en-NL" dirty="0">
-              <a:latin typeface="Courier New" panose="02070309020205020404" pitchFamily="49" charset="0"/>
-              <a:cs typeface="Courier New" panose="02070309020205020404" pitchFamily="49" charset="0"/>
-            </a:endParaRPr>
-          </a:p>
-        </p:txBody>
-      </p:sp>
       <p:sp>
         <p:nvSpPr>
           <p:cNvPr id="4" name="Rectangle 3">
@@ -10368,7 +10646,7 @@
 </p:sld>
 </file>
 
-<file path=ppt/slides/slide23.xml><?xml version="1.0" encoding="utf-8"?>
+<file path=ppt/slides/slide22.xml><?xml version="1.0" encoding="utf-8"?>
 <p:sld xmlns:a="http://schemas.openxmlformats.org/drawingml/2006/main" xmlns:r="http://schemas.openxmlformats.org/officeDocument/2006/relationships" xmlns:p="http://schemas.openxmlformats.org/presentationml/2006/main">
   <p:cSld>
     <p:spTree>
@@ -11306,6 +11584,732 @@
 </p:sld>
 </file>
 
+<file path=ppt/slides/slide23.xml><?xml version="1.0" encoding="utf-8"?>
+<p:sld xmlns:a="http://schemas.openxmlformats.org/drawingml/2006/main" xmlns:r="http://schemas.openxmlformats.org/officeDocument/2006/relationships" xmlns:p="http://schemas.openxmlformats.org/presentationml/2006/main">
+  <p:cSld>
+    <p:spTree>
+      <p:nvGrpSpPr>
+        <p:cNvPr id="1" name=""/>
+        <p:cNvGrpSpPr/>
+        <p:nvPr/>
+      </p:nvGrpSpPr>
+      <p:grpSpPr>
+        <a:xfrm>
+          <a:off x="0" y="0"/>
+          <a:ext cx="0" cy="0"/>
+          <a:chOff x="0" y="0"/>
+          <a:chExt cx="0" cy="0"/>
+        </a:xfrm>
+      </p:grpSpPr>
+      <p:sp>
+        <p:nvSpPr>
+          <p:cNvPr id="2" name="Title 1">
+            <a:extLst>
+              <a:ext uri="{FF2B5EF4-FFF2-40B4-BE49-F238E27FC236}">
+                <a16:creationId xmlns:a16="http://schemas.microsoft.com/office/drawing/2014/main" id="{39A1D606-8DD1-369C-5C09-471CDD551AD5}"/>
+              </a:ext>
+            </a:extLst>
+          </p:cNvPr>
+          <p:cNvSpPr>
+            <a:spLocks noGrp="1"/>
+          </p:cNvSpPr>
+          <p:nvPr>
+            <p:ph type="title"/>
+          </p:nvPr>
+        </p:nvSpPr>
+        <p:spPr>
+          <a:xfrm>
+            <a:off x="838200" y="365126"/>
+            <a:ext cx="10515600" cy="718608"/>
+          </a:xfrm>
+        </p:spPr>
+        <p:txBody>
+          <a:bodyPr>
+            <a:normAutofit/>
+          </a:bodyPr>
+          <a:lstStyle/>
+          <a:p>
+            <a:r>
+              <a:rPr lang="nl-NL" sz="3600" noProof="0" dirty="0"/>
+              <a:t>Modules in </a:t>
+            </a:r>
+            <a:r>
+              <a:rPr lang="nl-NL" sz="3600" noProof="0" dirty="0" err="1"/>
+              <a:t>scikit-learn</a:t>
+            </a:r>
+            <a:endParaRPr lang="nl-NL" sz="3600" noProof="0" dirty="0"/>
+          </a:p>
+        </p:txBody>
+      </p:sp>
+      <p:sp>
+        <p:nvSpPr>
+          <p:cNvPr id="4" name="TextBox 3">
+            <a:extLst>
+              <a:ext uri="{FF2B5EF4-FFF2-40B4-BE49-F238E27FC236}">
+                <a16:creationId xmlns:a16="http://schemas.microsoft.com/office/drawing/2014/main" id="{B47EA95A-6DDD-ED89-357A-943A5BC87A94}"/>
+              </a:ext>
+            </a:extLst>
+          </p:cNvPr>
+          <p:cNvSpPr txBox="1"/>
+          <p:nvPr/>
+        </p:nvSpPr>
+        <p:spPr>
+          <a:xfrm>
+            <a:off x="6555232" y="2530561"/>
+            <a:ext cx="184731" cy="369332"/>
+          </a:xfrm>
+          <a:prstGeom prst="rect">
+            <a:avLst/>
+          </a:prstGeom>
+          <a:noFill/>
+        </p:spPr>
+        <p:txBody>
+          <a:bodyPr wrap="none" rtlCol="0">
+            <a:spAutoFit/>
+          </a:bodyPr>
+          <a:lstStyle/>
+          <a:p>
+            <a:endParaRPr lang="en-NL" dirty="0"/>
+          </a:p>
+        </p:txBody>
+      </p:sp>
+      <p:sp>
+        <p:nvSpPr>
+          <p:cNvPr id="3" name="Rectangle 2">
+            <a:extLst>
+              <a:ext uri="{FF2B5EF4-FFF2-40B4-BE49-F238E27FC236}">
+                <a16:creationId xmlns:a16="http://schemas.microsoft.com/office/drawing/2014/main" id="{6022DA1A-13D9-F357-3CBD-600CDB414D0D}"/>
+              </a:ext>
+            </a:extLst>
+          </p:cNvPr>
+          <p:cNvSpPr/>
+          <p:nvPr/>
+        </p:nvSpPr>
+        <p:spPr>
+          <a:xfrm>
+            <a:off x="838200" y="1698170"/>
+            <a:ext cx="3224350" cy="4611189"/>
+          </a:xfrm>
+          <a:prstGeom prst="rect">
+            <a:avLst/>
+          </a:prstGeom>
+          <a:solidFill>
+            <a:schemeClr val="bg1">
+              <a:lumMod val="95000"/>
+            </a:schemeClr>
+          </a:solidFill>
+          <a:ln>
+            <a:solidFill>
+              <a:schemeClr val="tx1">
+                <a:lumMod val="95000"/>
+                <a:lumOff val="5000"/>
+              </a:schemeClr>
+            </a:solidFill>
+          </a:ln>
+        </p:spPr>
+        <p:style>
+          <a:lnRef idx="1">
+            <a:schemeClr val="accent6"/>
+          </a:lnRef>
+          <a:fillRef idx="2">
+            <a:schemeClr val="accent6"/>
+          </a:fillRef>
+          <a:effectRef idx="1">
+            <a:schemeClr val="accent6"/>
+          </a:effectRef>
+          <a:fontRef idx="minor">
+            <a:schemeClr val="dk1"/>
+          </a:fontRef>
+        </p:style>
+        <p:txBody>
+          <a:bodyPr lIns="180000" tIns="180000" rIns="180000" bIns="180000" rtlCol="0" anchor="t"/>
+          <a:lstStyle/>
+          <a:p>
+            <a:r>
+              <a:rPr lang="en-US" sz="1600" b="1" dirty="0" err="1"/>
+              <a:t>sklearn.linear_model</a:t>
+            </a:r>
+            <a:endParaRPr lang="en-US" sz="1600" b="1" dirty="0"/>
+          </a:p>
+          <a:p>
+            <a:endParaRPr lang="en-US" sz="1600" dirty="0"/>
+          </a:p>
+          <a:p>
+            <a:r>
+              <a:rPr lang="en-US" sz="1600" dirty="0" err="1"/>
+              <a:t>Verschillende</a:t>
+            </a:r>
+            <a:r>
+              <a:rPr lang="en-US" sz="1600" dirty="0"/>
+              <a:t> </a:t>
+            </a:r>
+            <a:r>
+              <a:rPr lang="en-US" sz="1600" dirty="0" err="1"/>
+              <a:t>soorten</a:t>
+            </a:r>
+            <a:r>
+              <a:rPr lang="en-US" sz="1600" dirty="0"/>
+              <a:t> </a:t>
+            </a:r>
+            <a:r>
+              <a:rPr lang="en-US" sz="1600" dirty="0" err="1"/>
+              <a:t>lineaire</a:t>
+            </a:r>
+            <a:r>
+              <a:rPr lang="en-US" sz="1600" dirty="0"/>
+              <a:t> </a:t>
+            </a:r>
+            <a:r>
+              <a:rPr lang="en-US" sz="1600" dirty="0" err="1"/>
+              <a:t>modellen</a:t>
+            </a:r>
+            <a:r>
+              <a:rPr lang="en-US" sz="1600" dirty="0"/>
+              <a:t>.</a:t>
+            </a:r>
+          </a:p>
+          <a:p>
+            <a:endParaRPr lang="en-US" sz="1600" dirty="0"/>
+          </a:p>
+          <a:p>
+            <a:endParaRPr lang="en-US" sz="1600" b="1" dirty="0"/>
+          </a:p>
+          <a:p>
+            <a:r>
+              <a:rPr lang="en-US" sz="1600" b="1" dirty="0" err="1"/>
+              <a:t>Regressie</a:t>
+            </a:r>
+            <a:r>
+              <a:rPr lang="en-US" sz="1600" b="1" dirty="0"/>
+              <a:t>:</a:t>
+            </a:r>
+          </a:p>
+          <a:p>
+            <a:r>
+              <a:rPr lang="en-US" sz="1400" dirty="0" err="1">
+                <a:latin typeface="Courier New" panose="02070309020205020404" pitchFamily="49" charset="0"/>
+                <a:cs typeface="Courier New" panose="02070309020205020404" pitchFamily="49" charset="0"/>
+              </a:rPr>
+              <a:t>LinearRegression</a:t>
+            </a:r>
+            <a:endParaRPr lang="en-US" sz="1400" dirty="0">
+              <a:latin typeface="Courier New" panose="02070309020205020404" pitchFamily="49" charset="0"/>
+              <a:cs typeface="Courier New" panose="02070309020205020404" pitchFamily="49" charset="0"/>
+            </a:endParaRPr>
+          </a:p>
+          <a:p>
+            <a:r>
+              <a:rPr lang="en-US" sz="1400" dirty="0" err="1">
+                <a:latin typeface="Courier New" panose="02070309020205020404" pitchFamily="49" charset="0"/>
+                <a:cs typeface="Courier New" panose="02070309020205020404" pitchFamily="49" charset="0"/>
+              </a:rPr>
+              <a:t>ElasticNet</a:t>
+            </a:r>
+            <a:endParaRPr lang="en-US" sz="1400" dirty="0">
+              <a:latin typeface="Courier New" panose="02070309020205020404" pitchFamily="49" charset="0"/>
+              <a:cs typeface="Courier New" panose="02070309020205020404" pitchFamily="49" charset="0"/>
+            </a:endParaRPr>
+          </a:p>
+          <a:p>
+            <a:r>
+              <a:rPr lang="en-US" sz="1400" dirty="0" err="1">
+                <a:latin typeface="Courier New" panose="02070309020205020404" pitchFamily="49" charset="0"/>
+                <a:cs typeface="Courier New" panose="02070309020205020404" pitchFamily="49" charset="0"/>
+              </a:rPr>
+              <a:t>GammaRegressor</a:t>
+            </a:r>
+            <a:endParaRPr lang="en-US" sz="1400" dirty="0">
+              <a:latin typeface="Courier New" panose="02070309020205020404" pitchFamily="49" charset="0"/>
+              <a:cs typeface="Courier New" panose="02070309020205020404" pitchFamily="49" charset="0"/>
+            </a:endParaRPr>
+          </a:p>
+          <a:p>
+            <a:endParaRPr lang="en-US" sz="1600" dirty="0"/>
+          </a:p>
+          <a:p>
+            <a:r>
+              <a:rPr lang="en-US" sz="1600" b="1" dirty="0" err="1"/>
+              <a:t>Classificatie</a:t>
+            </a:r>
+            <a:r>
+              <a:rPr lang="en-US" sz="1600" b="1" dirty="0"/>
+              <a:t>:</a:t>
+            </a:r>
+          </a:p>
+          <a:p>
+            <a:r>
+              <a:rPr lang="en-US" sz="1400" dirty="0" err="1">
+                <a:latin typeface="Courier New" panose="02070309020205020404" pitchFamily="49" charset="0"/>
+                <a:cs typeface="Courier New" panose="02070309020205020404" pitchFamily="49" charset="0"/>
+              </a:rPr>
+              <a:t>LogisticRegression</a:t>
+            </a:r>
+            <a:endParaRPr lang="en-NL" sz="1400" dirty="0">
+              <a:latin typeface="Courier New" panose="02070309020205020404" pitchFamily="49" charset="0"/>
+              <a:cs typeface="Courier New" panose="02070309020205020404" pitchFamily="49" charset="0"/>
+            </a:endParaRPr>
+          </a:p>
+        </p:txBody>
+      </p:sp>
+      <p:sp>
+        <p:nvSpPr>
+          <p:cNvPr id="6" name="Rectangle 5">
+            <a:extLst>
+              <a:ext uri="{FF2B5EF4-FFF2-40B4-BE49-F238E27FC236}">
+                <a16:creationId xmlns:a16="http://schemas.microsoft.com/office/drawing/2014/main" id="{2AD4811C-ADA0-FE20-68F3-AFDF14D921AA}"/>
+              </a:ext>
+            </a:extLst>
+          </p:cNvPr>
+          <p:cNvSpPr/>
+          <p:nvPr/>
+        </p:nvSpPr>
+        <p:spPr>
+          <a:xfrm>
+            <a:off x="4483826" y="1698169"/>
+            <a:ext cx="3224350" cy="4611189"/>
+          </a:xfrm>
+          <a:prstGeom prst="rect">
+            <a:avLst/>
+          </a:prstGeom>
+          <a:solidFill>
+            <a:schemeClr val="bg1">
+              <a:lumMod val="95000"/>
+            </a:schemeClr>
+          </a:solidFill>
+          <a:ln>
+            <a:solidFill>
+              <a:schemeClr val="tx1">
+                <a:lumMod val="95000"/>
+                <a:lumOff val="5000"/>
+              </a:schemeClr>
+            </a:solidFill>
+          </a:ln>
+        </p:spPr>
+        <p:style>
+          <a:lnRef idx="1">
+            <a:schemeClr val="accent4"/>
+          </a:lnRef>
+          <a:fillRef idx="2">
+            <a:schemeClr val="accent4"/>
+          </a:fillRef>
+          <a:effectRef idx="1">
+            <a:schemeClr val="accent4"/>
+          </a:effectRef>
+          <a:fontRef idx="minor">
+            <a:schemeClr val="dk1"/>
+          </a:fontRef>
+        </p:style>
+        <p:txBody>
+          <a:bodyPr lIns="180000" tIns="180000" rIns="180000" bIns="180000" rtlCol="0" anchor="t"/>
+          <a:lstStyle/>
+          <a:p>
+            <a:r>
+              <a:rPr lang="en-US" sz="1600" b="1" dirty="0" err="1"/>
+              <a:t>sklearn.ensemble</a:t>
+            </a:r>
+            <a:endParaRPr lang="en-US" sz="1600" b="1" dirty="0"/>
+          </a:p>
+          <a:p>
+            <a:pPr marL="0" indent="0">
+              <a:buNone/>
+            </a:pPr>
+            <a:endParaRPr lang="nl-NL" sz="1600" dirty="0"/>
+          </a:p>
+          <a:p>
+            <a:pPr marL="0" indent="0">
+              <a:buNone/>
+            </a:pPr>
+            <a:r>
+              <a:rPr lang="nl-NL" sz="1600" dirty="0"/>
+              <a:t>Modellen samengesteld uit beslisbomen</a:t>
+            </a:r>
+            <a:r>
+              <a:rPr lang="nl-NL" sz="1600" noProof="0" dirty="0"/>
+              <a:t>.</a:t>
+            </a:r>
+          </a:p>
+          <a:p>
+            <a:endParaRPr lang="en-US" sz="1600" dirty="0"/>
+          </a:p>
+          <a:p>
+            <a:endParaRPr lang="en-US" sz="1600" b="1" dirty="0"/>
+          </a:p>
+          <a:p>
+            <a:r>
+              <a:rPr lang="en-US" sz="1600" b="1" dirty="0" err="1"/>
+              <a:t>Regressie</a:t>
+            </a:r>
+            <a:r>
+              <a:rPr lang="en-US" sz="1600" b="1" dirty="0"/>
+              <a:t>:</a:t>
+            </a:r>
+          </a:p>
+          <a:p>
+            <a:r>
+              <a:rPr lang="nl-NL" sz="1200" dirty="0" err="1">
+                <a:latin typeface="Courier New" panose="02070309020205020404" pitchFamily="49" charset="0"/>
+                <a:cs typeface="Courier New" panose="02070309020205020404" pitchFamily="49" charset="0"/>
+              </a:rPr>
+              <a:t>RandomForestRegressor</a:t>
+            </a:r>
+            <a:endParaRPr lang="nl-NL" sz="1200" dirty="0">
+              <a:latin typeface="Courier New" panose="02070309020205020404" pitchFamily="49" charset="0"/>
+              <a:cs typeface="Courier New" panose="02070309020205020404" pitchFamily="49" charset="0"/>
+            </a:endParaRPr>
+          </a:p>
+          <a:p>
+            <a:r>
+              <a:rPr lang="nl-NL" sz="1200" dirty="0" err="1">
+                <a:latin typeface="Courier New" panose="02070309020205020404" pitchFamily="49" charset="0"/>
+                <a:cs typeface="Courier New" panose="02070309020205020404" pitchFamily="49" charset="0"/>
+              </a:rPr>
+              <a:t>HistGradientBoostingRegressor</a:t>
+            </a:r>
+            <a:endParaRPr lang="nl-NL" sz="1200" dirty="0">
+              <a:latin typeface="Courier New" panose="02070309020205020404" pitchFamily="49" charset="0"/>
+              <a:cs typeface="Courier New" panose="02070309020205020404" pitchFamily="49" charset="0"/>
+            </a:endParaRPr>
+          </a:p>
+          <a:p>
+            <a:endParaRPr lang="nl-NL" sz="1600" b="1" dirty="0"/>
+          </a:p>
+          <a:p>
+            <a:r>
+              <a:rPr lang="nl-NL" sz="1600" b="1" dirty="0"/>
+              <a:t>Classificatie:</a:t>
+            </a:r>
+          </a:p>
+          <a:p>
+            <a:r>
+              <a:rPr lang="nl-NL" sz="1200" dirty="0" err="1">
+                <a:latin typeface="Courier New" panose="02070309020205020404" pitchFamily="49" charset="0"/>
+                <a:cs typeface="Courier New" panose="02070309020205020404" pitchFamily="49" charset="0"/>
+              </a:rPr>
+              <a:t>RandomForestClassifier</a:t>
+            </a:r>
+            <a:endParaRPr lang="nl-NL" sz="1200" dirty="0">
+              <a:latin typeface="Courier New" panose="02070309020205020404" pitchFamily="49" charset="0"/>
+              <a:cs typeface="Courier New" panose="02070309020205020404" pitchFamily="49" charset="0"/>
+            </a:endParaRPr>
+          </a:p>
+          <a:p>
+            <a:r>
+              <a:rPr lang="nl-NL" sz="1200" dirty="0" err="1">
+                <a:latin typeface="Courier New" panose="02070309020205020404" pitchFamily="49" charset="0"/>
+                <a:cs typeface="Courier New" panose="02070309020205020404" pitchFamily="49" charset="0"/>
+              </a:rPr>
+              <a:t>HistGradientBoostingClassifier</a:t>
+            </a:r>
+            <a:endParaRPr lang="nl-NL" sz="1200" dirty="0">
+              <a:latin typeface="Courier New" panose="02070309020205020404" pitchFamily="49" charset="0"/>
+              <a:cs typeface="Courier New" panose="02070309020205020404" pitchFamily="49" charset="0"/>
+            </a:endParaRPr>
+          </a:p>
+          <a:p>
+            <a:r>
+              <a:rPr lang="nl-NL" sz="1200" dirty="0" err="1">
+                <a:latin typeface="Courier New" panose="02070309020205020404" pitchFamily="49" charset="0"/>
+                <a:cs typeface="Courier New" panose="02070309020205020404" pitchFamily="49" charset="0"/>
+              </a:rPr>
+              <a:t>IsolationForest</a:t>
+            </a:r>
+            <a:endParaRPr lang="nl-NL" sz="1200" dirty="0">
+              <a:latin typeface="Courier New" panose="02070309020205020404" pitchFamily="49" charset="0"/>
+              <a:cs typeface="Courier New" panose="02070309020205020404" pitchFamily="49" charset="0"/>
+            </a:endParaRPr>
+          </a:p>
+          <a:p>
+            <a:endParaRPr lang="en-US" sz="1600" dirty="0"/>
+          </a:p>
+          <a:p>
+            <a:endParaRPr lang="en-NL" sz="1600" dirty="0"/>
+          </a:p>
+        </p:txBody>
+      </p:sp>
+      <p:sp>
+        <p:nvSpPr>
+          <p:cNvPr id="7" name="Rectangle 6">
+            <a:extLst>
+              <a:ext uri="{FF2B5EF4-FFF2-40B4-BE49-F238E27FC236}">
+                <a16:creationId xmlns:a16="http://schemas.microsoft.com/office/drawing/2014/main" id="{90828567-5FC3-B5C8-044F-DEBA0A1A7DF0}"/>
+              </a:ext>
+            </a:extLst>
+          </p:cNvPr>
+          <p:cNvSpPr/>
+          <p:nvPr/>
+        </p:nvSpPr>
+        <p:spPr>
+          <a:xfrm>
+            <a:off x="8129450" y="1698169"/>
+            <a:ext cx="3224350" cy="4611189"/>
+          </a:xfrm>
+          <a:prstGeom prst="rect">
+            <a:avLst/>
+          </a:prstGeom>
+          <a:solidFill>
+            <a:schemeClr val="bg1">
+              <a:lumMod val="95000"/>
+            </a:schemeClr>
+          </a:solidFill>
+          <a:ln>
+            <a:solidFill>
+              <a:schemeClr val="tx1">
+                <a:lumMod val="95000"/>
+                <a:lumOff val="5000"/>
+              </a:schemeClr>
+            </a:solidFill>
+          </a:ln>
+        </p:spPr>
+        <p:style>
+          <a:lnRef idx="1">
+            <a:schemeClr val="accent5"/>
+          </a:lnRef>
+          <a:fillRef idx="2">
+            <a:schemeClr val="accent5"/>
+          </a:fillRef>
+          <a:effectRef idx="1">
+            <a:schemeClr val="accent5"/>
+          </a:effectRef>
+          <a:fontRef idx="minor">
+            <a:schemeClr val="dk1"/>
+          </a:fontRef>
+        </p:style>
+        <p:txBody>
+          <a:bodyPr lIns="180000" tIns="180000" rIns="180000" bIns="180000" rtlCol="0" anchor="t"/>
+          <a:lstStyle/>
+          <a:p>
+            <a:r>
+              <a:rPr lang="en-US" sz="1600" b="1" dirty="0" err="1"/>
+              <a:t>sklearn.neighbors</a:t>
+            </a:r>
+            <a:endParaRPr lang="en-US" sz="1600" b="1" dirty="0"/>
+          </a:p>
+          <a:p>
+            <a:endParaRPr lang="nl-NL" sz="1600" noProof="0" dirty="0">
+              <a:latin typeface="Courier New" panose="02070309020205020404" pitchFamily="49" charset="0"/>
+              <a:cs typeface="Courier New" panose="02070309020205020404" pitchFamily="49" charset="0"/>
+            </a:endParaRPr>
+          </a:p>
+          <a:p>
+            <a:r>
+              <a:rPr lang="nl-NL" sz="1400" b="1" noProof="0" dirty="0">
+                <a:latin typeface="Courier New" panose="02070309020205020404" pitchFamily="49" charset="0"/>
+                <a:cs typeface="Courier New" panose="02070309020205020404" pitchFamily="49" charset="0"/>
+              </a:rPr>
+              <a:t>R</a:t>
+            </a:r>
+            <a:r>
+              <a:rPr lang="nl-NL" sz="1400" noProof="0" dirty="0">
+                <a:latin typeface="Courier New" panose="02070309020205020404" pitchFamily="49" charset="0"/>
+                <a:cs typeface="Courier New" panose="02070309020205020404" pitchFamily="49" charset="0"/>
+              </a:rPr>
+              <a:t>: </a:t>
+            </a:r>
+            <a:r>
+              <a:rPr lang="nl-NL" sz="1400" noProof="0" dirty="0" err="1">
+                <a:latin typeface="Courier New" panose="02070309020205020404" pitchFamily="49" charset="0"/>
+                <a:cs typeface="Courier New" panose="02070309020205020404" pitchFamily="49" charset="0"/>
+              </a:rPr>
+              <a:t>KNeighborsRegressor</a:t>
+            </a:r>
+            <a:endParaRPr lang="en-US" sz="1400" dirty="0">
+              <a:latin typeface="Courier New" panose="02070309020205020404" pitchFamily="49" charset="0"/>
+              <a:cs typeface="Courier New" panose="02070309020205020404" pitchFamily="49" charset="0"/>
+            </a:endParaRPr>
+          </a:p>
+          <a:p>
+            <a:pPr marL="0" indent="0">
+              <a:buNone/>
+            </a:pPr>
+            <a:r>
+              <a:rPr lang="nl-NL" sz="1400" b="1" noProof="0" dirty="0">
+                <a:latin typeface="Courier New" panose="02070309020205020404" pitchFamily="49" charset="0"/>
+                <a:cs typeface="Courier New" panose="02070309020205020404" pitchFamily="49" charset="0"/>
+              </a:rPr>
+              <a:t>C</a:t>
+            </a:r>
+            <a:r>
+              <a:rPr lang="nl-NL" sz="1400" noProof="0" dirty="0">
+                <a:latin typeface="Courier New" panose="02070309020205020404" pitchFamily="49" charset="0"/>
+                <a:cs typeface="Courier New" panose="02070309020205020404" pitchFamily="49" charset="0"/>
+              </a:rPr>
+              <a:t>: KNeighborsClassifier</a:t>
+            </a:r>
+            <a:endParaRPr lang="en-US" sz="1400" dirty="0">
+              <a:latin typeface="Courier New" panose="02070309020205020404" pitchFamily="49" charset="0"/>
+              <a:cs typeface="Courier New" panose="02070309020205020404" pitchFamily="49" charset="0"/>
+            </a:endParaRPr>
+          </a:p>
+          <a:p>
+            <a:endParaRPr lang="en-US" sz="1600" b="1" dirty="0"/>
+          </a:p>
+          <a:p>
+            <a:endParaRPr lang="en-US" sz="1600" b="1" dirty="0"/>
+          </a:p>
+          <a:p>
+            <a:r>
+              <a:rPr lang="en-US" sz="1600" b="1" dirty="0" err="1"/>
+              <a:t>sklearn.naive_bayes</a:t>
+            </a:r>
+            <a:endParaRPr lang="en-US" sz="1600" b="1" dirty="0"/>
+          </a:p>
+          <a:p>
+            <a:endParaRPr lang="en-US" sz="1600" dirty="0"/>
+          </a:p>
+          <a:p>
+            <a:pPr marL="0" indent="0">
+              <a:buNone/>
+            </a:pPr>
+            <a:r>
+              <a:rPr lang="nl-NL" sz="1400" b="1" noProof="0" dirty="0">
+                <a:latin typeface="Courier New" panose="02070309020205020404" pitchFamily="49" charset="0"/>
+                <a:cs typeface="Courier New" panose="02070309020205020404" pitchFamily="49" charset="0"/>
+              </a:rPr>
+              <a:t>C</a:t>
+            </a:r>
+            <a:r>
+              <a:rPr lang="nl-NL" sz="1400" noProof="0" dirty="0">
+                <a:latin typeface="Courier New" panose="02070309020205020404" pitchFamily="49" charset="0"/>
+                <a:cs typeface="Courier New" panose="02070309020205020404" pitchFamily="49" charset="0"/>
+              </a:rPr>
+              <a:t>: </a:t>
+            </a:r>
+            <a:r>
+              <a:rPr lang="nl-NL" sz="1400" noProof="0" dirty="0" err="1">
+                <a:latin typeface="Courier New" panose="02070309020205020404" pitchFamily="49" charset="0"/>
+                <a:cs typeface="Courier New" panose="02070309020205020404" pitchFamily="49" charset="0"/>
+              </a:rPr>
+              <a:t>GaussianNB</a:t>
+            </a:r>
+            <a:endParaRPr lang="nl-NL" sz="1400" noProof="0" dirty="0">
+              <a:latin typeface="Courier New" panose="02070309020205020404" pitchFamily="49" charset="0"/>
+              <a:cs typeface="Courier New" panose="02070309020205020404" pitchFamily="49" charset="0"/>
+            </a:endParaRPr>
+          </a:p>
+          <a:p>
+            <a:pPr marL="0" indent="0">
+              <a:buNone/>
+            </a:pPr>
+            <a:r>
+              <a:rPr lang="nl-NL" sz="1400" b="1" dirty="0">
+                <a:latin typeface="Courier New" panose="02070309020205020404" pitchFamily="49" charset="0"/>
+                <a:cs typeface="Courier New" panose="02070309020205020404" pitchFamily="49" charset="0"/>
+              </a:rPr>
+              <a:t>C</a:t>
+            </a:r>
+            <a:r>
+              <a:rPr lang="nl-NL" sz="1400" dirty="0">
+                <a:latin typeface="Courier New" panose="02070309020205020404" pitchFamily="49" charset="0"/>
+                <a:cs typeface="Courier New" panose="02070309020205020404" pitchFamily="49" charset="0"/>
+              </a:rPr>
+              <a:t>: </a:t>
+            </a:r>
+            <a:r>
+              <a:rPr lang="nl-NL" sz="1400" dirty="0" err="1">
+                <a:latin typeface="Courier New" panose="02070309020205020404" pitchFamily="49" charset="0"/>
+                <a:cs typeface="Courier New" panose="02070309020205020404" pitchFamily="49" charset="0"/>
+              </a:rPr>
+              <a:t>MultinomialNB</a:t>
+            </a:r>
+            <a:endParaRPr lang="en-US" sz="1400" dirty="0">
+              <a:latin typeface="Courier New" panose="02070309020205020404" pitchFamily="49" charset="0"/>
+              <a:cs typeface="Courier New" panose="02070309020205020404" pitchFamily="49" charset="0"/>
+            </a:endParaRPr>
+          </a:p>
+          <a:p>
+            <a:endParaRPr lang="en-US" sz="1600" b="1" dirty="0"/>
+          </a:p>
+          <a:p>
+            <a:endParaRPr lang="en-US" sz="1600" b="1" dirty="0"/>
+          </a:p>
+          <a:p>
+            <a:r>
+              <a:rPr lang="en-US" sz="1600" b="1" dirty="0" err="1"/>
+              <a:t>sklearn.svm</a:t>
+            </a:r>
+            <a:endParaRPr lang="en-US" sz="1600" b="1" dirty="0"/>
+          </a:p>
+          <a:p>
+            <a:endParaRPr lang="en-US" sz="1400" b="1" dirty="0"/>
+          </a:p>
+          <a:p>
+            <a:r>
+              <a:rPr lang="nl-NL" sz="1400" b="1" noProof="0" dirty="0">
+                <a:latin typeface="Courier New" panose="02070309020205020404" pitchFamily="49" charset="0"/>
+                <a:cs typeface="Courier New" panose="02070309020205020404" pitchFamily="49" charset="0"/>
+              </a:rPr>
+              <a:t>R</a:t>
+            </a:r>
+            <a:r>
+              <a:rPr lang="nl-NL" sz="1400" noProof="0" dirty="0">
+                <a:latin typeface="Courier New" panose="02070309020205020404" pitchFamily="49" charset="0"/>
+                <a:cs typeface="Courier New" panose="02070309020205020404" pitchFamily="49" charset="0"/>
+              </a:rPr>
+              <a:t>: </a:t>
+            </a:r>
+            <a:r>
+              <a:rPr lang="nl-NL" sz="1400" noProof="0" dirty="0" err="1">
+                <a:latin typeface="Courier New" panose="02070309020205020404" pitchFamily="49" charset="0"/>
+                <a:cs typeface="Courier New" panose="02070309020205020404" pitchFamily="49" charset="0"/>
+              </a:rPr>
+              <a:t>LinearSVR</a:t>
+            </a:r>
+            <a:endParaRPr lang="en-US" sz="1400" dirty="0">
+              <a:latin typeface="Courier New" panose="02070309020205020404" pitchFamily="49" charset="0"/>
+              <a:cs typeface="Courier New" panose="02070309020205020404" pitchFamily="49" charset="0"/>
+            </a:endParaRPr>
+          </a:p>
+          <a:p>
+            <a:pPr marL="0" indent="0">
+              <a:buNone/>
+            </a:pPr>
+            <a:r>
+              <a:rPr lang="nl-NL" sz="1400" b="1" noProof="0" dirty="0">
+                <a:latin typeface="Courier New" panose="02070309020205020404" pitchFamily="49" charset="0"/>
+                <a:cs typeface="Courier New" panose="02070309020205020404" pitchFamily="49" charset="0"/>
+              </a:rPr>
+              <a:t>C</a:t>
+            </a:r>
+            <a:r>
+              <a:rPr lang="nl-NL" sz="1400" noProof="0" dirty="0">
+                <a:latin typeface="Courier New" panose="02070309020205020404" pitchFamily="49" charset="0"/>
+                <a:cs typeface="Courier New" panose="02070309020205020404" pitchFamily="49" charset="0"/>
+              </a:rPr>
+              <a:t>: </a:t>
+            </a:r>
+            <a:r>
+              <a:rPr lang="en-US" sz="1400" noProof="0" dirty="0" err="1">
+                <a:latin typeface="Courier New" panose="02070309020205020404" pitchFamily="49" charset="0"/>
+                <a:cs typeface="Courier New" panose="02070309020205020404" pitchFamily="49" charset="0"/>
+              </a:rPr>
+              <a:t>LinearSVC</a:t>
+            </a:r>
+            <a:endParaRPr lang="en-US" sz="1400" dirty="0">
+              <a:latin typeface="Courier New" panose="02070309020205020404" pitchFamily="49" charset="0"/>
+              <a:cs typeface="Courier New" panose="02070309020205020404" pitchFamily="49" charset="0"/>
+            </a:endParaRPr>
+          </a:p>
+          <a:p>
+            <a:endParaRPr lang="en-US" sz="1600" b="1" dirty="0"/>
+          </a:p>
+          <a:p>
+            <a:endParaRPr lang="en-NL" sz="1600" dirty="0"/>
+          </a:p>
+        </p:txBody>
+      </p:sp>
+    </p:spTree>
+    <p:extLst>
+      <p:ext uri="{BB962C8B-B14F-4D97-AF65-F5344CB8AC3E}">
+        <p14:creationId xmlns:p14="http://schemas.microsoft.com/office/powerpoint/2010/main" val="1659487272"/>
+      </p:ext>
+    </p:extLst>
+  </p:cSld>
+  <p:clrMapOvr>
+    <a:masterClrMapping/>
+  </p:clrMapOvr>
+</p:sld>
+</file>
+
 <file path=ppt/slides/slide24.xml><?xml version="1.0" encoding="utf-8"?>
 <p:sld xmlns:a="http://schemas.openxmlformats.org/drawingml/2006/main" xmlns:r="http://schemas.openxmlformats.org/officeDocument/2006/relationships" xmlns:p="http://schemas.openxmlformats.org/presentationml/2006/main">
   <p:cSld>
@@ -11325,6 +12329,227 @@
       </p:grpSpPr>
       <p:sp>
         <p:nvSpPr>
+          <p:cNvPr id="2" name="Title 1">
+            <a:extLst>
+              <a:ext uri="{FF2B5EF4-FFF2-40B4-BE49-F238E27FC236}">
+                <a16:creationId xmlns:a16="http://schemas.microsoft.com/office/drawing/2014/main" id="{39A1D606-8DD1-369C-5C09-471CDD551AD5}"/>
+              </a:ext>
+            </a:extLst>
+          </p:cNvPr>
+          <p:cNvSpPr>
+            <a:spLocks noGrp="1"/>
+          </p:cNvSpPr>
+          <p:nvPr>
+            <p:ph type="title"/>
+          </p:nvPr>
+        </p:nvSpPr>
+        <p:spPr>
+          <a:xfrm>
+            <a:off x="838200" y="365126"/>
+            <a:ext cx="10515600" cy="718608"/>
+          </a:xfrm>
+        </p:spPr>
+        <p:txBody>
+          <a:bodyPr>
+            <a:normAutofit/>
+          </a:bodyPr>
+          <a:lstStyle/>
+          <a:p>
+            <a:r>
+              <a:rPr lang="nl-NL" sz="3600" noProof="0" dirty="0"/>
+              <a:t>Oefeningen III</a:t>
+            </a:r>
+          </a:p>
+        </p:txBody>
+      </p:sp>
+      <p:sp>
+        <p:nvSpPr>
+          <p:cNvPr id="3" name="Content Placeholder 2">
+            <a:extLst>
+              <a:ext uri="{FF2B5EF4-FFF2-40B4-BE49-F238E27FC236}">
+                <a16:creationId xmlns:a16="http://schemas.microsoft.com/office/drawing/2014/main" id="{F4C2D286-E049-0AAB-1360-B7157E11AD7E}"/>
+              </a:ext>
+            </a:extLst>
+          </p:cNvPr>
+          <p:cNvSpPr>
+            <a:spLocks noGrp="1"/>
+          </p:cNvSpPr>
+          <p:nvPr>
+            <p:ph idx="1"/>
+          </p:nvPr>
+        </p:nvSpPr>
+        <p:spPr>
+          <a:xfrm>
+            <a:off x="838200" y="1456267"/>
+            <a:ext cx="10375900" cy="4720696"/>
+          </a:xfrm>
+        </p:spPr>
+        <p:txBody>
+          <a:bodyPr>
+            <a:normAutofit/>
+          </a:bodyPr>
+          <a:lstStyle/>
+          <a:p>
+            <a:pPr marL="457200" indent="-457200">
+              <a:buFont typeface="Arial" panose="020B0604020202020204" pitchFamily="34" charset="0"/>
+              <a:buAutoNum type="arabicPeriod"/>
+            </a:pPr>
+            <a:r>
+              <a:rPr lang="nl-NL" sz="2000" dirty="0"/>
+              <a:t>Open Notebook: </a:t>
+            </a:r>
+            <a:r>
+              <a:rPr lang="nl-NL" sz="2000" dirty="0" err="1">
+                <a:latin typeface="Courier New" panose="02070309020205020404" pitchFamily="49" charset="0"/>
+                <a:cs typeface="Courier New" panose="02070309020205020404" pitchFamily="49" charset="0"/>
+              </a:rPr>
+              <a:t>exercises</a:t>
+            </a:r>
+            <a:r>
+              <a:rPr lang="nl-NL" sz="2000" dirty="0">
+                <a:latin typeface="Courier New" panose="02070309020205020404" pitchFamily="49" charset="0"/>
+                <a:cs typeface="Courier New" panose="02070309020205020404" pitchFamily="49" charset="0"/>
+              </a:rPr>
+              <a:t>/3_modelling.ipynb</a:t>
+            </a:r>
+          </a:p>
+          <a:p>
+            <a:pPr marL="457200" lvl="1" indent="0">
+              <a:buNone/>
+            </a:pPr>
+            <a:endParaRPr lang="nl-NL" sz="1600" noProof="0" dirty="0"/>
+          </a:p>
+          <a:p>
+            <a:pPr marL="457200" indent="-457200">
+              <a:buFont typeface="+mj-lt"/>
+              <a:buAutoNum type="arabicPeriod"/>
+            </a:pPr>
+            <a:r>
+              <a:rPr lang="nl-NL" sz="2000" dirty="0"/>
+              <a:t>Maak een </a:t>
+            </a:r>
+            <a:r>
+              <a:rPr lang="nl-NL" sz="2000" dirty="0" err="1">
+                <a:latin typeface="Courier New" panose="02070309020205020404" pitchFamily="49" charset="0"/>
+                <a:cs typeface="Courier New" panose="02070309020205020404" pitchFamily="49" charset="0"/>
+              </a:rPr>
+              <a:t>RandomForestClassifier</a:t>
+            </a:r>
+            <a:r>
+              <a:rPr lang="nl-NL" sz="2000" dirty="0"/>
+              <a:t>.</a:t>
+            </a:r>
+          </a:p>
+          <a:p>
+            <a:pPr lvl="1"/>
+            <a:r>
+              <a:rPr lang="nl-NL" sz="1600" noProof="0" dirty="0"/>
+              <a:t>Prepareer de data zodat deze geschikt is voor het model</a:t>
+            </a:r>
+            <a:r>
+              <a:rPr lang="nl-NL" sz="1600" dirty="0"/>
+              <a:t>.</a:t>
+            </a:r>
+          </a:p>
+          <a:p>
+            <a:pPr lvl="1"/>
+            <a:r>
+              <a:rPr lang="nl-NL" sz="1600" noProof="0" dirty="0"/>
+              <a:t>Welke variabelen zijn belangrijk in het model?</a:t>
+            </a:r>
+          </a:p>
+          <a:p>
+            <a:pPr marL="457200" indent="-457200">
+              <a:buFont typeface="+mj-lt"/>
+              <a:buAutoNum type="arabicPeriod"/>
+            </a:pPr>
+            <a:endParaRPr lang="nl-NL" sz="2000" noProof="0" dirty="0"/>
+          </a:p>
+          <a:p>
+            <a:pPr marL="457200" indent="-457200">
+              <a:buFont typeface="+mj-lt"/>
+              <a:buAutoNum type="arabicPeriod"/>
+            </a:pPr>
+            <a:r>
+              <a:rPr lang="nl-NL" sz="2000" dirty="0"/>
+              <a:t>Gebruik </a:t>
+            </a:r>
+            <a:r>
+              <a:rPr lang="nl-NL" sz="2000" dirty="0" err="1">
+                <a:latin typeface="Courier New" panose="02070309020205020404" pitchFamily="49" charset="0"/>
+                <a:cs typeface="Courier New" panose="02070309020205020404" pitchFamily="49" charset="0"/>
+              </a:rPr>
+              <a:t>predict_proba</a:t>
+            </a:r>
+            <a:r>
+              <a:rPr lang="nl-NL" sz="2000" dirty="0">
+                <a:latin typeface="Courier New" panose="02070309020205020404" pitchFamily="49" charset="0"/>
+                <a:cs typeface="Courier New" panose="02070309020205020404" pitchFamily="49" charset="0"/>
+              </a:rPr>
+              <a:t>()</a:t>
+            </a:r>
+            <a:r>
+              <a:rPr lang="nl-NL" sz="2000" dirty="0"/>
+              <a:t> om de kans op "yes" te achterhalen.</a:t>
+            </a:r>
+          </a:p>
+          <a:p>
+            <a:pPr lvl="1"/>
+            <a:r>
+              <a:rPr lang="nl-NL" sz="1600" noProof="0" dirty="0"/>
+              <a:t>Over welke 10 records was het model het meest onzeker?</a:t>
+            </a:r>
+          </a:p>
+          <a:p>
+            <a:pPr lvl="1"/>
+            <a:r>
+              <a:rPr lang="nl-NL" sz="1600" noProof="0" dirty="0"/>
+              <a:t>In welke gevallen </a:t>
+            </a:r>
+            <a:r>
+              <a:rPr lang="nl-NL" sz="1600" noProof="0" dirty="0" err="1"/>
+              <a:t>wa</a:t>
+            </a:r>
+            <a:r>
+              <a:rPr lang="nl-NL" sz="1600" dirty="0"/>
+              <a:t>s het model heel zeker, maar klopte de voorspelling niet?</a:t>
+            </a:r>
+            <a:endParaRPr lang="nl-NL" sz="1600" noProof="0" dirty="0"/>
+          </a:p>
+        </p:txBody>
+      </p:sp>
+    </p:spTree>
+    <p:extLst>
+      <p:ext uri="{BB962C8B-B14F-4D97-AF65-F5344CB8AC3E}">
+        <p14:creationId xmlns:p14="http://schemas.microsoft.com/office/powerpoint/2010/main" val="1531896841"/>
+      </p:ext>
+    </p:extLst>
+  </p:cSld>
+  <p:clrMapOvr>
+    <a:masterClrMapping/>
+  </p:clrMapOvr>
+</p:sld>
+</file>
+
+<file path=ppt/slides/slide25.xml><?xml version="1.0" encoding="utf-8"?>
+<p:sld xmlns:a="http://schemas.openxmlformats.org/drawingml/2006/main" xmlns:r="http://schemas.openxmlformats.org/officeDocument/2006/relationships" xmlns:p="http://schemas.openxmlformats.org/presentationml/2006/main">
+  <p:cSld>
+    <p:spTree>
+      <p:nvGrpSpPr>
+        <p:cNvPr id="1" name=""/>
+        <p:cNvGrpSpPr/>
+        <p:nvPr/>
+      </p:nvGrpSpPr>
+      <p:grpSpPr>
+        <a:xfrm>
+          <a:off x="0" y="0"/>
+          <a:ext cx="0" cy="0"/>
+          <a:chOff x="0" y="0"/>
+          <a:chExt cx="0" cy="0"/>
+        </a:xfrm>
+      </p:grpSpPr>
+      <p:sp>
+        <p:nvSpPr>
           <p:cNvPr id="4" name="Title 3">
             <a:extLst>
               <a:ext uri="{FF2B5EF4-FFF2-40B4-BE49-F238E27FC236}">
@@ -11389,7 +12614,7 @@
 </p:sld>
 </file>
 
-<file path=ppt/slides/slide25.xml><?xml version="1.0" encoding="utf-8"?>
+<file path=ppt/slides/slide26.xml><?xml version="1.0" encoding="utf-8"?>
 <p:sld xmlns:a="http://schemas.openxmlformats.org/drawingml/2006/main" xmlns:r="http://schemas.openxmlformats.org/officeDocument/2006/relationships" xmlns:p="http://schemas.openxmlformats.org/presentationml/2006/main">
   <p:cSld>
     <p:spTree>
@@ -11669,69 +12894,46 @@
               <a:buNone/>
             </a:pPr>
             <a:r>
-              <a:rPr lang="nl-NL" sz="2000" dirty="0"/>
-              <a:t>Maten voor kwaliteit van een model:</a:t>
-            </a:r>
-          </a:p>
-          <a:p>
-            <a:pPr>
-              <a:buFontTx/>
-              <a:buChar char="-"/>
-            </a:pPr>
-            <a:r>
-              <a:rPr lang="nl-NL" sz="2000" dirty="0"/>
-              <a:t>Continue:	RMSE, </a:t>
-            </a:r>
-            <a:r>
-              <a:rPr lang="nl-NL" sz="2000" dirty="0" err="1"/>
-              <a:t>mean</a:t>
-            </a:r>
-            <a:r>
-              <a:rPr lang="nl-NL" sz="2000" dirty="0"/>
-              <a:t> absolute error, etc.</a:t>
-            </a:r>
-          </a:p>
-          <a:p>
-            <a:pPr>
-              <a:buFontTx/>
-              <a:buChar char="-"/>
-            </a:pPr>
-            <a:r>
-              <a:rPr lang="nl-NL" sz="2000" dirty="0"/>
-              <a:t>Categorisch:	</a:t>
-            </a:r>
+              <a:rPr lang="nl-NL" sz="2000" b="1" dirty="0"/>
+              <a:t>Categorische prestatiematen:</a:t>
+            </a:r>
+          </a:p>
+          <a:p>
             <a:r>
               <a:rPr lang="nl-NL" sz="2000" dirty="0" err="1"/>
               <a:t>Accuracy</a:t>
             </a:r>
+            <a:endParaRPr lang="nl-NL" sz="2000" dirty="0"/>
+          </a:p>
+          <a:p>
             <a:r>
               <a:rPr lang="nl-NL" sz="2000" dirty="0"/>
-              <a:t>, </a:t>
-            </a:r>
+              <a:t>Precision</a:t>
+            </a:r>
+          </a:p>
+          <a:p>
             <a:r>
               <a:rPr lang="nl-NL" sz="2000" dirty="0" err="1"/>
-              <a:t>precision</a:t>
-            </a:r>
+              <a:t>Recall</a:t>
+            </a:r>
+            <a:endParaRPr lang="nl-NL" sz="2000" dirty="0"/>
+          </a:p>
+          <a:p>
             <a:r>
               <a:rPr lang="nl-NL" sz="2000" dirty="0"/>
-              <a:t>, </a:t>
-            </a:r>
-            <a:r>
-              <a:rPr lang="nl-NL" sz="2000" dirty="0" err="1"/>
-              <a:t>recall</a:t>
-            </a:r>
+              <a:t>F1-score</a:t>
+            </a:r>
+          </a:p>
+          <a:p>
             <a:r>
               <a:rPr lang="nl-NL" sz="2000" dirty="0"/>
-              <a:t>, log </a:t>
+              <a:t>Log </a:t>
             </a:r>
             <a:r>
               <a:rPr lang="nl-NL" sz="2000" dirty="0" err="1"/>
               <a:t>loss</a:t>
             </a:r>
-            <a:r>
-              <a:rPr lang="nl-NL" sz="2000" dirty="0"/>
-              <a:t>, etc.</a:t>
-            </a:r>
+            <a:endParaRPr lang="nl-NL" sz="2000" dirty="0"/>
           </a:p>
           <a:p>
             <a:pPr marL="0" indent="0">
@@ -11744,76 +12946,51 @@
               <a:buNone/>
             </a:pPr>
             <a:r>
+              <a:rPr lang="nl-NL" sz="2000" b="1" dirty="0"/>
+              <a:t>Continue prestatiematen:</a:t>
+            </a:r>
+          </a:p>
+          <a:p>
+            <a:r>
               <a:rPr lang="nl-NL" sz="2000" dirty="0"/>
-              <a:t>Maar: waar vergelijk je mee?</a:t>
-            </a:r>
-          </a:p>
-          <a:p>
-            <a:pPr>
-              <a:buFontTx/>
-              <a:buChar char="-"/>
-            </a:pPr>
+              <a:t>Root </a:t>
+            </a:r>
+            <a:r>
+              <a:rPr lang="nl-NL" sz="2000" dirty="0" err="1"/>
+              <a:t>Mean</a:t>
+            </a:r>
             <a:r>
               <a:rPr lang="nl-NL" sz="2000" dirty="0"/>
-              <a:t>Kies altijd een baseline model!</a:t>
-            </a:r>
-          </a:p>
-          <a:p>
-            <a:pPr>
-              <a:buFontTx/>
-              <a:buChar char="-"/>
-            </a:pPr>
+              <a:t> </a:t>
+            </a:r>
+            <a:r>
+              <a:rPr lang="nl-NL" sz="2000" dirty="0" err="1"/>
+              <a:t>Squared</a:t>
+            </a:r>
             <a:r>
               <a:rPr lang="nl-NL" sz="2000" dirty="0"/>
-              <a:t>Gebruik </a:t>
-            </a:r>
+              <a:t> Error (RMSE)</a:t>
+            </a:r>
+          </a:p>
+          <a:p>
             <a:r>
               <a:rPr lang="nl-NL" sz="2000" dirty="0" err="1"/>
-              <a:t>DummyRegressor</a:t>
+              <a:t>Mean</a:t>
             </a:r>
             <a:r>
               <a:rPr lang="nl-NL" sz="2000" dirty="0"/>
-              <a:t> of </a:t>
-            </a:r>
+              <a:t> Absolute Error (MAE)</a:t>
+            </a:r>
+          </a:p>
+          <a:p>
             <a:r>
               <a:rPr lang="nl-NL" sz="2000" dirty="0" err="1"/>
-              <a:t>DummyClassifier</a:t>
+              <a:t>Median</a:t>
             </a:r>
             <a:r>
               <a:rPr lang="nl-NL" sz="2000" dirty="0"/>
-              <a:t>.</a:t>
-            </a:r>
-          </a:p>
-          <a:p>
-            <a:pPr marL="0" indent="0">
-              <a:buNone/>
-            </a:pPr>
-            <a:endParaRPr lang="nl-NL" sz="2000" dirty="0"/>
-          </a:p>
-          <a:p>
-            <a:pPr marL="0" indent="0">
-              <a:buNone/>
-            </a:pPr>
-            <a:r>
-              <a:rPr lang="nl-NL" sz="2000" dirty="0"/>
-              <a:t>Tot slot:</a:t>
-            </a:r>
-          </a:p>
-          <a:p>
-            <a:pPr>
-              <a:buFontTx/>
-              <a:buChar char="-"/>
-            </a:pPr>
-            <a:r>
-              <a:rPr lang="nl-NL" sz="2000" dirty="0"/>
-              <a:t>Valideer of de uitkomsten overeenkomen met de theorie!</a:t>
-            </a:r>
-          </a:p>
-          <a:p>
-            <a:pPr marL="0" indent="0">
-              <a:buNone/>
-            </a:pPr>
-            <a:endParaRPr lang="nl-NL" sz="2000" dirty="0"/>
+              <a:t> Absolute Error (MAE)</a:t>
+            </a:r>
           </a:p>
         </p:txBody>
       </p:sp>
@@ -11839,7 +13016,7 @@
         </p:blipFill>
         <p:spPr>
           <a:xfrm>
-            <a:off x="8727169" y="1035154"/>
+            <a:off x="8350833" y="3540190"/>
             <a:ext cx="2850566" cy="2779139"/>
           </a:xfrm>
           <a:prstGeom prst="rect">
@@ -11862,13 +13039,13 @@
           <p:nvPr>
             <p:extLst>
               <p:ext uri="{D42A27DB-BD31-4B8C-83A1-F6EECF244321}">
-                <p14:modId xmlns:p14="http://schemas.microsoft.com/office/powerpoint/2010/main" val="2844657728"/>
+                <p14:modId xmlns:p14="http://schemas.microsoft.com/office/powerpoint/2010/main" val="3849837312"/>
               </p:ext>
             </p:extLst>
           </p:nvPr>
         </p:nvGraphicFramePr>
         <p:xfrm>
-          <a:off x="8948058" y="4582537"/>
+          <a:off x="8591629" y="1282096"/>
           <a:ext cx="2537925" cy="1709144"/>
         </p:xfrm>
         <a:graphic>
@@ -11971,10 +13148,17 @@
                     <a:p>
                       <a:pPr algn="ctr"/>
                       <a:r>
-                        <a:rPr lang="en-US" dirty="0"/>
-                        <a:t>80</a:t>
+                        <a:rPr lang="en-US" sz="1400" dirty="0"/>
+                        <a:t>True</a:t>
                       </a:r>
-                      <a:endParaRPr lang="nl-NL" dirty="0"/>
+                    </a:p>
+                    <a:p>
+                      <a:pPr algn="ctr"/>
+                      <a:r>
+                        <a:rPr lang="en-US" sz="1400" dirty="0"/>
+                        <a:t>Positive</a:t>
+                      </a:r>
+                      <a:endParaRPr lang="nl-NL" sz="1400" dirty="0"/>
                     </a:p>
                   </a:txBody>
                   <a:tcPr anchor="ctr">
@@ -11993,10 +13177,17 @@
                     <a:p>
                       <a:pPr algn="ctr"/>
                       <a:r>
-                        <a:rPr lang="en-US" dirty="0"/>
-                        <a:t>5</a:t>
+                        <a:rPr lang="en-US" sz="1400" dirty="0"/>
+                        <a:t>False</a:t>
                       </a:r>
-                      <a:endParaRPr lang="nl-NL" dirty="0"/>
+                    </a:p>
+                    <a:p>
+                      <a:pPr algn="ctr"/>
+                      <a:r>
+                        <a:rPr lang="en-US" sz="1400" dirty="0"/>
+                        <a:t>Negative</a:t>
+                      </a:r>
+                      <a:endParaRPr lang="nl-NL" sz="1400" dirty="0"/>
                     </a:p>
                   </a:txBody>
                   <a:tcPr anchor="ctr">
@@ -12037,10 +13228,17 @@
                     <a:p>
                       <a:pPr algn="ctr"/>
                       <a:r>
-                        <a:rPr lang="en-US" dirty="0"/>
-                        <a:t>15</a:t>
+                        <a:rPr lang="en-US" sz="1400" dirty="0"/>
+                        <a:t>False</a:t>
                       </a:r>
-                      <a:endParaRPr lang="nl-NL" dirty="0"/>
+                    </a:p>
+                    <a:p>
+                      <a:pPr algn="ctr"/>
+                      <a:r>
+                        <a:rPr lang="en-US" sz="1400" dirty="0"/>
+                        <a:t>Positive</a:t>
+                      </a:r>
+                      <a:endParaRPr lang="nl-NL" sz="1400" dirty="0"/>
                     </a:p>
                   </a:txBody>
                   <a:tcPr anchor="ctr">
@@ -12059,10 +13257,17 @@
                     <a:p>
                       <a:pPr algn="ctr"/>
                       <a:r>
-                        <a:rPr lang="en-US" dirty="0"/>
-                        <a:t>400</a:t>
+                        <a:rPr lang="en-US" sz="1400" dirty="0"/>
+                        <a:t>True</a:t>
                       </a:r>
-                      <a:endParaRPr lang="nl-NL" dirty="0"/>
+                    </a:p>
+                    <a:p>
+                      <a:pPr algn="ctr"/>
+                      <a:r>
+                        <a:rPr lang="en-US" sz="1400" dirty="0"/>
+                        <a:t>Negative</a:t>
+                      </a:r>
+                      <a:endParaRPr lang="nl-NL" sz="1400" dirty="0"/>
                     </a:p>
                   </a:txBody>
                   <a:tcPr anchor="ctr">
@@ -12097,7 +13302,7 @@
 </p:sld>
 </file>
 
-<file path=ppt/slides/slide26.xml><?xml version="1.0" encoding="utf-8"?>
+<file path=ppt/slides/slide27.xml><?xml version="1.0" encoding="utf-8"?>
 <p:sld xmlns:a="http://schemas.openxmlformats.org/drawingml/2006/main" xmlns:r="http://schemas.openxmlformats.org/officeDocument/2006/relationships" xmlns:p="http://schemas.openxmlformats.org/presentationml/2006/main">
   <p:cSld>
     <p:spTree>
@@ -12386,16 +13591,15 @@
               <a:buNone/>
             </a:pPr>
             <a:r>
+              <a:rPr lang="nl-NL" sz="1800" dirty="0" err="1">
+                <a:latin typeface="Courier New" panose="02070309020205020404" pitchFamily="49" charset="0"/>
+                <a:cs typeface="Courier New" panose="02070309020205020404" pitchFamily="49" charset="0"/>
+              </a:rPr>
+              <a:t>sklearn.metrics</a:t>
+            </a:r>
+            <a:r>
               <a:rPr lang="nl-NL" sz="1800" dirty="0"/>
-              <a:t>In </a:t>
-            </a:r>
-            <a:r>
-              <a:rPr lang="nl-NL" sz="1800" dirty="0" err="1"/>
-              <a:t>sklearn.metrics</a:t>
-            </a:r>
-            <a:r>
-              <a:rPr lang="nl-NL" sz="1800" dirty="0"/>
-              <a:t> vind je prestatie maten voor modellen:</a:t>
+              <a:t> bevat allerlei prestatie maten:</a:t>
             </a:r>
           </a:p>
           <a:p>
@@ -12478,7 +13682,7 @@
             </a:pPr>
             <a:r>
               <a:rPr lang="nl-NL" sz="1800" dirty="0"/>
-              <a:t>Een enkele prestatie score voor het model.</a:t>
+              <a:t>Prestatie score voor het model.</a:t>
             </a:r>
           </a:p>
         </p:txBody>
@@ -12717,824 +13921,7 @@
 </p:sld>
 </file>
 
-<file path=ppt/slides/slide27.xml><?xml version="1.0" encoding="utf-8"?>
-<p:sld xmlns:a="http://schemas.openxmlformats.org/drawingml/2006/main" xmlns:r="http://schemas.openxmlformats.org/officeDocument/2006/relationships" xmlns:p="http://schemas.openxmlformats.org/presentationml/2006/main">
-  <p:cSld>
-    <p:spTree>
-      <p:nvGrpSpPr>
-        <p:cNvPr id="1" name=""/>
-        <p:cNvGrpSpPr/>
-        <p:nvPr/>
-      </p:nvGrpSpPr>
-      <p:grpSpPr>
-        <a:xfrm>
-          <a:off x="0" y="0"/>
-          <a:ext cx="0" cy="0"/>
-          <a:chOff x="0" y="0"/>
-          <a:chExt cx="0" cy="0"/>
-        </a:xfrm>
-      </p:grpSpPr>
-      <p:sp>
-        <p:nvSpPr>
-          <p:cNvPr id="2" name="Title 1">
-            <a:extLst>
-              <a:ext uri="{FF2B5EF4-FFF2-40B4-BE49-F238E27FC236}">
-                <a16:creationId xmlns:a16="http://schemas.microsoft.com/office/drawing/2014/main" id="{39A1D606-8DD1-369C-5C09-471CDD551AD5}"/>
-              </a:ext>
-            </a:extLst>
-          </p:cNvPr>
-          <p:cNvSpPr>
-            <a:spLocks noGrp="1"/>
-          </p:cNvSpPr>
-          <p:nvPr>
-            <p:ph type="title"/>
-          </p:nvPr>
-        </p:nvSpPr>
-        <p:spPr>
-          <a:xfrm>
-            <a:off x="838200" y="365126"/>
-            <a:ext cx="10515600" cy="718608"/>
-          </a:xfrm>
-        </p:spPr>
-        <p:txBody>
-          <a:bodyPr>
-            <a:normAutofit/>
-          </a:bodyPr>
-          <a:lstStyle/>
-          <a:p>
-            <a:r>
-              <a:rPr lang="nl-NL" sz="3600" noProof="0" dirty="0"/>
-              <a:t>Dummy modellen</a:t>
-            </a:r>
-          </a:p>
-        </p:txBody>
-      </p:sp>
-      <p:sp>
-        <p:nvSpPr>
-          <p:cNvPr id="4" name="TextBox 3">
-            <a:extLst>
-              <a:ext uri="{FF2B5EF4-FFF2-40B4-BE49-F238E27FC236}">
-                <a16:creationId xmlns:a16="http://schemas.microsoft.com/office/drawing/2014/main" id="{B47EA95A-6DDD-ED89-357A-943A5BC87A94}"/>
-              </a:ext>
-            </a:extLst>
-          </p:cNvPr>
-          <p:cNvSpPr txBox="1"/>
-          <p:nvPr/>
-        </p:nvSpPr>
-        <p:spPr>
-          <a:xfrm>
-            <a:off x="6555232" y="2530561"/>
-            <a:ext cx="184731" cy="369332"/>
-          </a:xfrm>
-          <a:prstGeom prst="rect">
-            <a:avLst/>
-          </a:prstGeom>
-          <a:noFill/>
-        </p:spPr>
-        <p:txBody>
-          <a:bodyPr wrap="none" rtlCol="0">
-            <a:spAutoFit/>
-          </a:bodyPr>
-          <a:lstStyle/>
-          <a:p>
-            <a:endParaRPr lang="en-NL" dirty="0"/>
-          </a:p>
-        </p:txBody>
-      </p:sp>
-      <p:sp>
-        <p:nvSpPr>
-          <p:cNvPr id="9" name="Content Placeholder 2">
-            <a:extLst>
-              <a:ext uri="{FF2B5EF4-FFF2-40B4-BE49-F238E27FC236}">
-                <a16:creationId xmlns:a16="http://schemas.microsoft.com/office/drawing/2014/main" id="{859EFECF-ED02-A3B2-D77A-667F104FEDE5}"/>
-              </a:ext>
-            </a:extLst>
-          </p:cNvPr>
-          <p:cNvSpPr txBox="1">
-            <a:spLocks/>
-          </p:cNvSpPr>
-          <p:nvPr/>
-        </p:nvSpPr>
-        <p:spPr>
-          <a:xfrm>
-            <a:off x="990602" y="1608667"/>
-            <a:ext cx="6109061" cy="4720696"/>
-          </a:xfrm>
-          <a:prstGeom prst="rect">
-            <a:avLst/>
-          </a:prstGeom>
-        </p:spPr>
-        <p:txBody>
-          <a:bodyPr vert="horz" lIns="91440" tIns="45720" rIns="91440" bIns="45720" rtlCol="0">
-            <a:normAutofit fontScale="85000" lnSpcReduction="20000"/>
-          </a:bodyPr>
-          <a:lstStyle>
-            <a:lvl1pPr marL="228600" indent="-228600" algn="l" defTabSz="914400" rtl="0" eaLnBrk="1" latinLnBrk="0" hangingPunct="1">
-              <a:lnSpc>
-                <a:spcPct val="90000"/>
-              </a:lnSpc>
-              <a:spcBef>
-                <a:spcPts val="1000"/>
-              </a:spcBef>
-              <a:buFont typeface="Arial" panose="020B0604020202020204" pitchFamily="34" charset="0"/>
-              <a:buChar char="•"/>
-              <a:defRPr sz="2800" kern="1200">
-                <a:solidFill>
-                  <a:schemeClr val="tx1"/>
-                </a:solidFill>
-                <a:latin typeface="+mn-lt"/>
-                <a:ea typeface="+mn-ea"/>
-                <a:cs typeface="+mn-cs"/>
-              </a:defRPr>
-            </a:lvl1pPr>
-            <a:lvl2pPr marL="685800" indent="-228600" algn="l" defTabSz="914400" rtl="0" eaLnBrk="1" latinLnBrk="0" hangingPunct="1">
-              <a:lnSpc>
-                <a:spcPct val="90000"/>
-              </a:lnSpc>
-              <a:spcBef>
-                <a:spcPts val="500"/>
-              </a:spcBef>
-              <a:buFont typeface="Arial" panose="020B0604020202020204" pitchFamily="34" charset="0"/>
-              <a:buChar char="•"/>
-              <a:defRPr sz="2400" kern="1200">
-                <a:solidFill>
-                  <a:schemeClr val="tx1"/>
-                </a:solidFill>
-                <a:latin typeface="+mn-lt"/>
-                <a:ea typeface="+mn-ea"/>
-                <a:cs typeface="+mn-cs"/>
-              </a:defRPr>
-            </a:lvl2pPr>
-            <a:lvl3pPr marL="1143000" indent="-228600" algn="l" defTabSz="914400" rtl="0" eaLnBrk="1" latinLnBrk="0" hangingPunct="1">
-              <a:lnSpc>
-                <a:spcPct val="90000"/>
-              </a:lnSpc>
-              <a:spcBef>
-                <a:spcPts val="500"/>
-              </a:spcBef>
-              <a:buFont typeface="Arial" panose="020B0604020202020204" pitchFamily="34" charset="0"/>
-              <a:buChar char="•"/>
-              <a:defRPr sz="2000" kern="1200">
-                <a:solidFill>
-                  <a:schemeClr val="tx1"/>
-                </a:solidFill>
-                <a:latin typeface="+mn-lt"/>
-                <a:ea typeface="+mn-ea"/>
-                <a:cs typeface="+mn-cs"/>
-              </a:defRPr>
-            </a:lvl3pPr>
-            <a:lvl4pPr marL="1600200" indent="-228600" algn="l" defTabSz="914400" rtl="0" eaLnBrk="1" latinLnBrk="0" hangingPunct="1">
-              <a:lnSpc>
-                <a:spcPct val="90000"/>
-              </a:lnSpc>
-              <a:spcBef>
-                <a:spcPts val="500"/>
-              </a:spcBef>
-              <a:buFont typeface="Arial" panose="020B0604020202020204" pitchFamily="34" charset="0"/>
-              <a:buChar char="•"/>
-              <a:defRPr sz="1800" kern="1200">
-                <a:solidFill>
-                  <a:schemeClr val="tx1"/>
-                </a:solidFill>
-                <a:latin typeface="+mn-lt"/>
-                <a:ea typeface="+mn-ea"/>
-                <a:cs typeface="+mn-cs"/>
-              </a:defRPr>
-            </a:lvl4pPr>
-            <a:lvl5pPr marL="2057400" indent="-228600" algn="l" defTabSz="914400" rtl="0" eaLnBrk="1" latinLnBrk="0" hangingPunct="1">
-              <a:lnSpc>
-                <a:spcPct val="90000"/>
-              </a:lnSpc>
-              <a:spcBef>
-                <a:spcPts val="500"/>
-              </a:spcBef>
-              <a:buFont typeface="Arial" panose="020B0604020202020204" pitchFamily="34" charset="0"/>
-              <a:buChar char="•"/>
-              <a:defRPr sz="1800" kern="1200">
-                <a:solidFill>
-                  <a:schemeClr val="tx1"/>
-                </a:solidFill>
-                <a:latin typeface="+mn-lt"/>
-                <a:ea typeface="+mn-ea"/>
-                <a:cs typeface="+mn-cs"/>
-              </a:defRPr>
-            </a:lvl5pPr>
-            <a:lvl6pPr marL="2514600" indent="-228600" algn="l" defTabSz="914400" rtl="0" eaLnBrk="1" latinLnBrk="0" hangingPunct="1">
-              <a:lnSpc>
-                <a:spcPct val="90000"/>
-              </a:lnSpc>
-              <a:spcBef>
-                <a:spcPts val="500"/>
-              </a:spcBef>
-              <a:buFont typeface="Arial" panose="020B0604020202020204" pitchFamily="34" charset="0"/>
-              <a:buChar char="•"/>
-              <a:defRPr sz="1800" kern="1200">
-                <a:solidFill>
-                  <a:schemeClr val="tx1"/>
-                </a:solidFill>
-                <a:latin typeface="+mn-lt"/>
-                <a:ea typeface="+mn-ea"/>
-                <a:cs typeface="+mn-cs"/>
-              </a:defRPr>
-            </a:lvl6pPr>
-            <a:lvl7pPr marL="2971800" indent="-228600" algn="l" defTabSz="914400" rtl="0" eaLnBrk="1" latinLnBrk="0" hangingPunct="1">
-              <a:lnSpc>
-                <a:spcPct val="90000"/>
-              </a:lnSpc>
-              <a:spcBef>
-                <a:spcPts val="500"/>
-              </a:spcBef>
-              <a:buFont typeface="Arial" panose="020B0604020202020204" pitchFamily="34" charset="0"/>
-              <a:buChar char="•"/>
-              <a:defRPr sz="1800" kern="1200">
-                <a:solidFill>
-                  <a:schemeClr val="tx1"/>
-                </a:solidFill>
-                <a:latin typeface="+mn-lt"/>
-                <a:ea typeface="+mn-ea"/>
-                <a:cs typeface="+mn-cs"/>
-              </a:defRPr>
-            </a:lvl7pPr>
-            <a:lvl8pPr marL="3429000" indent="-228600" algn="l" defTabSz="914400" rtl="0" eaLnBrk="1" latinLnBrk="0" hangingPunct="1">
-              <a:lnSpc>
-                <a:spcPct val="90000"/>
-              </a:lnSpc>
-              <a:spcBef>
-                <a:spcPts val="500"/>
-              </a:spcBef>
-              <a:buFont typeface="Arial" panose="020B0604020202020204" pitchFamily="34" charset="0"/>
-              <a:buChar char="•"/>
-              <a:defRPr sz="1800" kern="1200">
-                <a:solidFill>
-                  <a:schemeClr val="tx1"/>
-                </a:solidFill>
-                <a:latin typeface="+mn-lt"/>
-                <a:ea typeface="+mn-ea"/>
-                <a:cs typeface="+mn-cs"/>
-              </a:defRPr>
-            </a:lvl8pPr>
-            <a:lvl9pPr marL="3886200" indent="-228600" algn="l" defTabSz="914400" rtl="0" eaLnBrk="1" latinLnBrk="0" hangingPunct="1">
-              <a:lnSpc>
-                <a:spcPct val="90000"/>
-              </a:lnSpc>
-              <a:spcBef>
-                <a:spcPts val="500"/>
-              </a:spcBef>
-              <a:buFont typeface="Arial" panose="020B0604020202020204" pitchFamily="34" charset="0"/>
-              <a:buChar char="•"/>
-              <a:defRPr sz="1800" kern="1200">
-                <a:solidFill>
-                  <a:schemeClr val="tx1"/>
-                </a:solidFill>
-                <a:latin typeface="+mn-lt"/>
-                <a:ea typeface="+mn-ea"/>
-                <a:cs typeface="+mn-cs"/>
-              </a:defRPr>
-            </a:lvl9pPr>
-          </a:lstStyle>
-          <a:p>
-            <a:pPr marL="0" indent="0">
-              <a:buNone/>
-            </a:pPr>
-            <a:r>
-              <a:rPr lang="nl-NL" sz="1800" dirty="0"/>
-              <a:t>Een dummy model kan een goede benchmark zijn om prestaties mee te vergelijken.</a:t>
-            </a:r>
-          </a:p>
-          <a:p>
-            <a:pPr marL="0" indent="0">
-              <a:buNone/>
-            </a:pPr>
-            <a:endParaRPr lang="nl-NL" sz="1800" dirty="0"/>
-          </a:p>
-          <a:p>
-            <a:pPr marL="0" indent="0">
-              <a:buNone/>
-            </a:pPr>
-            <a:r>
-              <a:rPr lang="nl-NL" sz="1800" dirty="0"/>
-              <a:t>Dummy modellen voor continue en categorische uitkomsten:</a:t>
-            </a:r>
-          </a:p>
-          <a:p>
-            <a:pPr marL="0" indent="0">
-              <a:buNone/>
-            </a:pPr>
-            <a:endParaRPr lang="nl-NL" sz="1800" dirty="0"/>
-          </a:p>
-          <a:p>
-            <a:pPr marL="0" indent="0">
-              <a:buNone/>
-            </a:pPr>
-            <a:r>
-              <a:rPr lang="nl-NL" sz="1800" b="1" dirty="0" err="1"/>
-              <a:t>sklearn.dummy.DummyRegressor</a:t>
-            </a:r>
-            <a:endParaRPr lang="nl-NL" sz="1800" b="1" dirty="0"/>
-          </a:p>
-          <a:p>
-            <a:pPr>
-              <a:buFontTx/>
-              <a:buChar char="-"/>
-            </a:pPr>
-            <a:r>
-              <a:rPr lang="nl-NL" sz="1800" dirty="0" err="1">
-                <a:latin typeface="Courier New" panose="02070309020205020404" pitchFamily="49" charset="0"/>
-                <a:cs typeface="Courier New" panose="02070309020205020404" pitchFamily="49" charset="0"/>
-              </a:rPr>
-              <a:t>mean</a:t>
-            </a:r>
-            <a:r>
-              <a:rPr lang="nl-NL" sz="1800" dirty="0"/>
-              <a:t> 			Voorspel gemiddelde waarde.</a:t>
-            </a:r>
-          </a:p>
-          <a:p>
-            <a:pPr>
-              <a:buFontTx/>
-              <a:buChar char="-"/>
-            </a:pPr>
-            <a:r>
-              <a:rPr lang="nl-NL" sz="1800" dirty="0" err="1">
-                <a:latin typeface="Courier New" panose="02070309020205020404" pitchFamily="49" charset="0"/>
-                <a:cs typeface="Courier New" panose="02070309020205020404" pitchFamily="49" charset="0"/>
-              </a:rPr>
-              <a:t>median</a:t>
-            </a:r>
-            <a:r>
-              <a:rPr lang="nl-NL" sz="1800" dirty="0">
-                <a:latin typeface="Courier New" panose="02070309020205020404" pitchFamily="49" charset="0"/>
-                <a:cs typeface="Courier New" panose="02070309020205020404" pitchFamily="49" charset="0"/>
-              </a:rPr>
-              <a:t>/</a:t>
-            </a:r>
-            <a:r>
-              <a:rPr lang="nl-NL" sz="1800" dirty="0" err="1">
-                <a:latin typeface="Courier New" panose="02070309020205020404" pitchFamily="49" charset="0"/>
-                <a:cs typeface="Courier New" panose="02070309020205020404" pitchFamily="49" charset="0"/>
-              </a:rPr>
-              <a:t>quantile</a:t>
-            </a:r>
-            <a:r>
-              <a:rPr lang="nl-NL" sz="1800" dirty="0"/>
-              <a:t> 	Voorspel een bepaald kwantiel.</a:t>
-            </a:r>
-          </a:p>
-          <a:p>
-            <a:pPr>
-              <a:buFontTx/>
-              <a:buChar char="-"/>
-            </a:pPr>
-            <a:r>
-              <a:rPr lang="nl-NL" sz="1800" dirty="0">
-                <a:latin typeface="Courier New" panose="02070309020205020404" pitchFamily="49" charset="0"/>
-                <a:cs typeface="Courier New" panose="02070309020205020404" pitchFamily="49" charset="0"/>
-              </a:rPr>
-              <a:t>constant</a:t>
-            </a:r>
-            <a:r>
-              <a:rPr lang="nl-NL" sz="1800" dirty="0"/>
-              <a:t>		Voorspel constante waarde.</a:t>
-            </a:r>
-          </a:p>
-          <a:p>
-            <a:pPr marL="0" indent="0">
-              <a:buNone/>
-            </a:pPr>
-            <a:endParaRPr lang="nl-NL" sz="1800" dirty="0"/>
-          </a:p>
-          <a:p>
-            <a:pPr marL="0" indent="0">
-              <a:buNone/>
-            </a:pPr>
-            <a:endParaRPr lang="nl-NL" sz="1800" dirty="0"/>
-          </a:p>
-          <a:p>
-            <a:pPr marL="0" indent="0">
-              <a:buNone/>
-            </a:pPr>
-            <a:r>
-              <a:rPr lang="nl-NL" sz="1800" b="1" dirty="0" err="1"/>
-              <a:t>sklearn.dummy.DummyClassifier</a:t>
-            </a:r>
-            <a:endParaRPr lang="nl-NL" sz="1800" b="1" dirty="0"/>
-          </a:p>
-          <a:p>
-            <a:pPr>
-              <a:buFontTx/>
-              <a:buChar char="-"/>
-            </a:pPr>
-            <a:r>
-              <a:rPr lang="nl-NL" sz="1800" dirty="0" err="1">
-                <a:latin typeface="Courier New" panose="02070309020205020404" pitchFamily="49" charset="0"/>
-                <a:cs typeface="Courier New" panose="02070309020205020404" pitchFamily="49" charset="0"/>
-              </a:rPr>
-              <a:t>most_frequent</a:t>
-            </a:r>
-            <a:r>
-              <a:rPr lang="nl-NL" sz="1800" dirty="0">
-                <a:latin typeface="Courier New" panose="02070309020205020404" pitchFamily="49" charset="0"/>
-                <a:cs typeface="Courier New" panose="02070309020205020404" pitchFamily="49" charset="0"/>
-              </a:rPr>
-              <a:t>/prior</a:t>
-            </a:r>
-            <a:r>
-              <a:rPr lang="nl-NL" sz="1800" dirty="0"/>
-              <a:t>	Voorspel meest voorkomende waarde.</a:t>
-            </a:r>
-          </a:p>
-          <a:p>
-            <a:pPr>
-              <a:buFontTx/>
-              <a:buChar char="-"/>
-            </a:pPr>
-            <a:r>
-              <a:rPr lang="nl-NL" sz="1800" dirty="0" err="1">
-                <a:latin typeface="Courier New" panose="02070309020205020404" pitchFamily="49" charset="0"/>
-                <a:cs typeface="Courier New" panose="02070309020205020404" pitchFamily="49" charset="0"/>
-              </a:rPr>
-              <a:t>stratified</a:t>
-            </a:r>
-            <a:r>
-              <a:rPr lang="nl-NL" sz="1800" dirty="0"/>
-              <a:t> 		Trek waarde uit vergelijkbare verdeling.</a:t>
-            </a:r>
-          </a:p>
-          <a:p>
-            <a:pPr>
-              <a:buFontTx/>
-              <a:buChar char="-"/>
-            </a:pPr>
-            <a:r>
-              <a:rPr lang="nl-NL" sz="1800" dirty="0">
-                <a:latin typeface="Courier New" panose="02070309020205020404" pitchFamily="49" charset="0"/>
-                <a:cs typeface="Courier New" panose="02070309020205020404" pitchFamily="49" charset="0"/>
-              </a:rPr>
-              <a:t>uniform</a:t>
-            </a:r>
-            <a:r>
-              <a:rPr lang="nl-NL" sz="1800" dirty="0"/>
-              <a:t>		Trek waarde uit uniforme verdeling.</a:t>
-            </a:r>
-          </a:p>
-          <a:p>
-            <a:pPr>
-              <a:buFontTx/>
-              <a:buChar char="-"/>
-            </a:pPr>
-            <a:r>
-              <a:rPr lang="nl-NL" sz="1800" dirty="0">
-                <a:latin typeface="Courier New" panose="02070309020205020404" pitchFamily="49" charset="0"/>
-                <a:cs typeface="Courier New" panose="02070309020205020404" pitchFamily="49" charset="0"/>
-              </a:rPr>
-              <a:t>constant</a:t>
-            </a:r>
-            <a:r>
-              <a:rPr lang="nl-NL" sz="1800" dirty="0"/>
-              <a:t>		Voorspel constante waarde.</a:t>
-            </a:r>
-          </a:p>
-        </p:txBody>
-      </p:sp>
-      <p:sp>
-        <p:nvSpPr>
-          <p:cNvPr id="3" name="TextBox 2">
-            <a:extLst>
-              <a:ext uri="{FF2B5EF4-FFF2-40B4-BE49-F238E27FC236}">
-                <a16:creationId xmlns:a16="http://schemas.microsoft.com/office/drawing/2014/main" id="{F665CE7E-418E-CA1E-D7F1-E288EA9DC5CF}"/>
-              </a:ext>
-            </a:extLst>
-          </p:cNvPr>
-          <p:cNvSpPr txBox="1"/>
-          <p:nvPr/>
-        </p:nvSpPr>
-        <p:spPr>
-          <a:xfrm>
-            <a:off x="8092440" y="1608667"/>
-            <a:ext cx="3657600" cy="3323987"/>
-          </a:xfrm>
-          <a:prstGeom prst="rect">
-            <a:avLst/>
-          </a:prstGeom>
-          <a:noFill/>
-        </p:spPr>
-        <p:txBody>
-          <a:bodyPr wrap="square" rtlCol="0">
-            <a:spAutoFit/>
-          </a:bodyPr>
-          <a:lstStyle/>
-          <a:p>
-            <a:r>
-              <a:rPr lang="en-US" sz="1400" dirty="0">
-                <a:latin typeface="Courier New" panose="02070309020205020404" pitchFamily="49" charset="0"/>
-                <a:cs typeface="Courier New" panose="02070309020205020404" pitchFamily="49" charset="0"/>
-              </a:rPr>
-              <a:t>from </a:t>
-            </a:r>
-            <a:r>
-              <a:rPr lang="en-US" sz="1400" dirty="0" err="1">
-                <a:latin typeface="Courier New" panose="02070309020205020404" pitchFamily="49" charset="0"/>
-                <a:cs typeface="Courier New" panose="02070309020205020404" pitchFamily="49" charset="0"/>
-              </a:rPr>
-              <a:t>sklearn.dummy</a:t>
-            </a:r>
-            <a:r>
-              <a:rPr lang="en-US" sz="1400" dirty="0">
-                <a:latin typeface="Courier New" panose="02070309020205020404" pitchFamily="49" charset="0"/>
-                <a:cs typeface="Courier New" panose="02070309020205020404" pitchFamily="49" charset="0"/>
-              </a:rPr>
-              <a:t> import \</a:t>
-            </a:r>
-          </a:p>
-          <a:p>
-            <a:r>
-              <a:rPr lang="en-US" sz="1400" dirty="0">
-                <a:latin typeface="Courier New" panose="02070309020205020404" pitchFamily="49" charset="0"/>
-                <a:cs typeface="Courier New" panose="02070309020205020404" pitchFamily="49" charset="0"/>
-              </a:rPr>
-              <a:t>  </a:t>
-            </a:r>
-            <a:r>
-              <a:rPr lang="en-US" sz="1400" dirty="0" err="1">
-                <a:latin typeface="Courier New" panose="02070309020205020404" pitchFamily="49" charset="0"/>
-                <a:cs typeface="Courier New" panose="02070309020205020404" pitchFamily="49" charset="0"/>
-              </a:rPr>
-              <a:t>DummyRegressor</a:t>
-            </a:r>
-            <a:endParaRPr lang="en-US" sz="1400" dirty="0">
-              <a:latin typeface="Courier New" panose="02070309020205020404" pitchFamily="49" charset="0"/>
-              <a:cs typeface="Courier New" panose="02070309020205020404" pitchFamily="49" charset="0"/>
-            </a:endParaRPr>
-          </a:p>
-          <a:p>
-            <a:endParaRPr lang="en-US" sz="1400" dirty="0">
-              <a:latin typeface="Courier New" panose="02070309020205020404" pitchFamily="49" charset="0"/>
-              <a:cs typeface="Courier New" panose="02070309020205020404" pitchFamily="49" charset="0"/>
-            </a:endParaRPr>
-          </a:p>
-          <a:p>
-            <a:endParaRPr lang="en-US" sz="1400" dirty="0">
-              <a:latin typeface="Courier New" panose="02070309020205020404" pitchFamily="49" charset="0"/>
-              <a:cs typeface="Courier New" panose="02070309020205020404" pitchFamily="49" charset="0"/>
-            </a:endParaRPr>
-          </a:p>
-          <a:p>
-            <a:r>
-              <a:rPr lang="en-US" sz="1400" dirty="0">
-                <a:latin typeface="Courier New" panose="02070309020205020404" pitchFamily="49" charset="0"/>
-                <a:cs typeface="Courier New" panose="02070309020205020404" pitchFamily="49" charset="0"/>
-              </a:rPr>
-              <a:t>X = [[25, 25], [50, 50]]</a:t>
-            </a:r>
-          </a:p>
-          <a:p>
-            <a:r>
-              <a:rPr lang="en-US" sz="1400" dirty="0">
-                <a:latin typeface="Courier New" panose="02070309020205020404" pitchFamily="49" charset="0"/>
-                <a:cs typeface="Courier New" panose="02070309020205020404" pitchFamily="49" charset="0"/>
-              </a:rPr>
-              <a:t>y = [50, 100]</a:t>
-            </a:r>
-          </a:p>
-          <a:p>
-            <a:endParaRPr lang="en-US" sz="1400" dirty="0">
-              <a:latin typeface="Courier New" panose="02070309020205020404" pitchFamily="49" charset="0"/>
-              <a:cs typeface="Courier New" panose="02070309020205020404" pitchFamily="49" charset="0"/>
-            </a:endParaRPr>
-          </a:p>
-          <a:p>
-            <a:endParaRPr lang="en-US" sz="1400" dirty="0">
-              <a:latin typeface="Courier New" panose="02070309020205020404" pitchFamily="49" charset="0"/>
-              <a:cs typeface="Courier New" panose="02070309020205020404" pitchFamily="49" charset="0"/>
-            </a:endParaRPr>
-          </a:p>
-          <a:p>
-            <a:r>
-              <a:rPr lang="en-US" sz="1400" dirty="0">
-                <a:latin typeface="Courier New" panose="02070309020205020404" pitchFamily="49" charset="0"/>
-                <a:cs typeface="Courier New" panose="02070309020205020404" pitchFamily="49" charset="0"/>
-              </a:rPr>
-              <a:t>dummy = </a:t>
-            </a:r>
-            <a:r>
-              <a:rPr lang="en-US" sz="1400" dirty="0" err="1">
-                <a:latin typeface="Courier New" panose="02070309020205020404" pitchFamily="49" charset="0"/>
-                <a:cs typeface="Courier New" panose="02070309020205020404" pitchFamily="49" charset="0"/>
-              </a:rPr>
-              <a:t>DummyRegressor</a:t>
-            </a:r>
-            <a:r>
-              <a:rPr lang="en-US" sz="1400" dirty="0">
-                <a:latin typeface="Courier New" panose="02070309020205020404" pitchFamily="49" charset="0"/>
-                <a:cs typeface="Courier New" panose="02070309020205020404" pitchFamily="49" charset="0"/>
-              </a:rPr>
-              <a:t>(</a:t>
-            </a:r>
-          </a:p>
-          <a:p>
-            <a:r>
-              <a:rPr lang="en-US" sz="1400" dirty="0">
-                <a:latin typeface="Courier New" panose="02070309020205020404" pitchFamily="49" charset="0"/>
-                <a:cs typeface="Courier New" panose="02070309020205020404" pitchFamily="49" charset="0"/>
-              </a:rPr>
-              <a:t>  strategy="mean"</a:t>
-            </a:r>
-          </a:p>
-          <a:p>
-            <a:r>
-              <a:rPr lang="en-US" sz="1400" dirty="0">
-                <a:latin typeface="Courier New" panose="02070309020205020404" pitchFamily="49" charset="0"/>
-                <a:cs typeface="Courier New" panose="02070309020205020404" pitchFamily="49" charset="0"/>
-              </a:rPr>
-              <a:t>)</a:t>
-            </a:r>
-          </a:p>
-          <a:p>
-            <a:r>
-              <a:rPr lang="en-US" sz="1400" dirty="0" err="1">
-                <a:latin typeface="Courier New" panose="02070309020205020404" pitchFamily="49" charset="0"/>
-                <a:cs typeface="Courier New" panose="02070309020205020404" pitchFamily="49" charset="0"/>
-              </a:rPr>
-              <a:t>dummy.fit</a:t>
-            </a:r>
-            <a:r>
-              <a:rPr lang="en-US" sz="1400" dirty="0">
-                <a:latin typeface="Courier New" panose="02070309020205020404" pitchFamily="49" charset="0"/>
-                <a:cs typeface="Courier New" panose="02070309020205020404" pitchFamily="49" charset="0"/>
-              </a:rPr>
-              <a:t>(X, y)</a:t>
-            </a:r>
-          </a:p>
-          <a:p>
-            <a:endParaRPr lang="en-US" sz="1400" dirty="0">
-              <a:latin typeface="Courier New" panose="02070309020205020404" pitchFamily="49" charset="0"/>
-              <a:cs typeface="Courier New" panose="02070309020205020404" pitchFamily="49" charset="0"/>
-            </a:endParaRPr>
-          </a:p>
-          <a:p>
-            <a:r>
-              <a:rPr lang="en-US" sz="1400" dirty="0" err="1">
-                <a:latin typeface="Courier New" panose="02070309020205020404" pitchFamily="49" charset="0"/>
-                <a:cs typeface="Courier New" panose="02070309020205020404" pitchFamily="49" charset="0"/>
-              </a:rPr>
-              <a:t>dummy.predict</a:t>
-            </a:r>
-            <a:r>
-              <a:rPr lang="en-US" sz="1400" dirty="0">
-                <a:latin typeface="Courier New" panose="02070309020205020404" pitchFamily="49" charset="0"/>
-                <a:cs typeface="Courier New" panose="02070309020205020404" pitchFamily="49" charset="0"/>
-              </a:rPr>
-              <a:t>(X)</a:t>
-            </a:r>
-          </a:p>
-          <a:p>
-            <a:r>
-              <a:rPr lang="en-US" sz="1400" dirty="0">
-                <a:latin typeface="Courier New" panose="02070309020205020404" pitchFamily="49" charset="0"/>
-                <a:cs typeface="Courier New" panose="02070309020205020404" pitchFamily="49" charset="0"/>
-              </a:rPr>
-              <a:t># returns [75, 75]</a:t>
-            </a:r>
-            <a:endParaRPr lang="en-NL" sz="1400" dirty="0">
-              <a:latin typeface="Courier New" panose="02070309020205020404" pitchFamily="49" charset="0"/>
-              <a:cs typeface="Courier New" panose="02070309020205020404" pitchFamily="49" charset="0"/>
-            </a:endParaRPr>
-          </a:p>
-        </p:txBody>
-      </p:sp>
-      <p:cxnSp>
-        <p:nvCxnSpPr>
-          <p:cNvPr id="6" name="Straight Connector 5">
-            <a:extLst>
-              <a:ext uri="{FF2B5EF4-FFF2-40B4-BE49-F238E27FC236}">
-                <a16:creationId xmlns:a16="http://schemas.microsoft.com/office/drawing/2014/main" id="{B506F0B0-302C-0F2B-BCF4-350934C95DC4}"/>
-              </a:ext>
-            </a:extLst>
-          </p:cNvPr>
-          <p:cNvCxnSpPr/>
-          <p:nvPr/>
-        </p:nvCxnSpPr>
-        <p:spPr>
-          <a:xfrm>
-            <a:off x="7543800" y="1608667"/>
-            <a:ext cx="0" cy="4694162"/>
-          </a:xfrm>
-          <a:prstGeom prst="line">
-            <a:avLst/>
-          </a:prstGeom>
-        </p:spPr>
-        <p:style>
-          <a:lnRef idx="2">
-            <a:schemeClr val="dk1"/>
-          </a:lnRef>
-          <a:fillRef idx="0">
-            <a:schemeClr val="dk1"/>
-          </a:fillRef>
-          <a:effectRef idx="1">
-            <a:schemeClr val="dk1"/>
-          </a:effectRef>
-          <a:fontRef idx="minor">
-            <a:schemeClr val="tx1"/>
-          </a:fontRef>
-        </p:style>
-      </p:cxnSp>
-    </p:spTree>
-    <p:extLst>
-      <p:ext uri="{BB962C8B-B14F-4D97-AF65-F5344CB8AC3E}">
-        <p14:creationId xmlns:p14="http://schemas.microsoft.com/office/powerpoint/2010/main" val="3387491440"/>
-      </p:ext>
-    </p:extLst>
-  </p:cSld>
-  <p:clrMapOvr>
-    <a:masterClrMapping/>
-  </p:clrMapOvr>
-</p:sld>
-</file>
-
 <file path=ppt/slides/slide28.xml><?xml version="1.0" encoding="utf-8"?>
-<p:sld xmlns:a="http://schemas.openxmlformats.org/drawingml/2006/main" xmlns:r="http://schemas.openxmlformats.org/officeDocument/2006/relationships" xmlns:p="http://schemas.openxmlformats.org/presentationml/2006/main">
-  <p:cSld>
-    <p:spTree>
-      <p:nvGrpSpPr>
-        <p:cNvPr id="1" name=""/>
-        <p:cNvGrpSpPr/>
-        <p:nvPr/>
-      </p:nvGrpSpPr>
-      <p:grpSpPr>
-        <a:xfrm>
-          <a:off x="0" y="0"/>
-          <a:ext cx="0" cy="0"/>
-          <a:chOff x="0" y="0"/>
-          <a:chExt cx="0" cy="0"/>
-        </a:xfrm>
-      </p:grpSpPr>
-      <p:sp>
-        <p:nvSpPr>
-          <p:cNvPr id="4" name="Title 3">
-            <a:extLst>
-              <a:ext uri="{FF2B5EF4-FFF2-40B4-BE49-F238E27FC236}">
-                <a16:creationId xmlns:a16="http://schemas.microsoft.com/office/drawing/2014/main" id="{72C925CA-BCA3-3701-E08E-95652380B32E}"/>
-              </a:ext>
-            </a:extLst>
-          </p:cNvPr>
-          <p:cNvSpPr>
-            <a:spLocks noGrp="1"/>
-          </p:cNvSpPr>
-          <p:nvPr>
-            <p:ph type="title"/>
-          </p:nvPr>
-        </p:nvSpPr>
-        <p:spPr/>
-        <p:txBody>
-          <a:bodyPr/>
-          <a:lstStyle/>
-          <a:p>
-            <a:r>
-              <a:rPr lang="nl-NL" noProof="0" dirty="0"/>
-              <a:t>Valideren / Selecteren</a:t>
-            </a:r>
-          </a:p>
-        </p:txBody>
-      </p:sp>
-      <p:sp>
-        <p:nvSpPr>
-          <p:cNvPr id="5" name="Text Placeholder 4">
-            <a:extLst>
-              <a:ext uri="{FF2B5EF4-FFF2-40B4-BE49-F238E27FC236}">
-                <a16:creationId xmlns:a16="http://schemas.microsoft.com/office/drawing/2014/main" id="{1AB31C95-91AF-DF13-FB58-0DA5F2D9F6F7}"/>
-              </a:ext>
-            </a:extLst>
-          </p:cNvPr>
-          <p:cNvSpPr>
-            <a:spLocks noGrp="1"/>
-          </p:cNvSpPr>
-          <p:nvPr>
-            <p:ph type="body" idx="1"/>
-          </p:nvPr>
-        </p:nvSpPr>
-        <p:spPr/>
-        <p:txBody>
-          <a:bodyPr/>
-          <a:lstStyle/>
-          <a:p>
-            <a:endParaRPr lang="en-NL"/>
-          </a:p>
-        </p:txBody>
-      </p:sp>
-    </p:spTree>
-    <p:extLst>
-      <p:ext uri="{BB962C8B-B14F-4D97-AF65-F5344CB8AC3E}">
-        <p14:creationId xmlns:p14="http://schemas.microsoft.com/office/powerpoint/2010/main" val="3009350591"/>
-      </p:ext>
-    </p:extLst>
-  </p:cSld>
-  <p:clrMapOvr>
-    <a:masterClrMapping/>
-  </p:clrMapOvr>
-</p:sld>
-</file>
-
-<file path=ppt/slides/slide29.xml><?xml version="1.0" encoding="utf-8"?>
 <p:sld xmlns:a="http://schemas.openxmlformats.org/drawingml/2006/main" xmlns:r="http://schemas.openxmlformats.org/officeDocument/2006/relationships" xmlns:p="http://schemas.openxmlformats.org/presentationml/2006/main">
   <p:cSld>
     <p:spTree>
@@ -13814,32 +14201,23 @@
               <a:buNone/>
             </a:pPr>
             <a:r>
-              <a:rPr lang="en-US" sz="2000" dirty="0"/>
-              <a:t>Maten </a:t>
-            </a:r>
-            <a:r>
-              <a:rPr lang="en-US" sz="2000" dirty="0" err="1"/>
-              <a:t>voor</a:t>
-            </a:r>
-            <a:r>
-              <a:rPr lang="en-US" sz="2000" dirty="0"/>
-              <a:t> </a:t>
-            </a:r>
-            <a:r>
-              <a:rPr lang="en-US" sz="2000" dirty="0" err="1"/>
-              <a:t>kwaliteit</a:t>
-            </a:r>
-            <a:r>
-              <a:rPr lang="en-US" sz="2000" dirty="0"/>
-              <a:t> van </a:t>
-            </a:r>
-            <a:r>
-              <a:rPr lang="en-US" sz="2000" dirty="0" err="1"/>
-              <a:t>een</a:t>
-            </a:r>
-            <a:r>
-              <a:rPr lang="en-US" sz="2000" dirty="0"/>
-              <a:t> model:</a:t>
+              <a:rPr lang="nl-NL" sz="2000" dirty="0"/>
+              <a:t>Hoe interpreteer je prestatiematen; wat is een goede baseline?</a:t>
+            </a:r>
+          </a:p>
+          <a:p>
+            <a:pPr marL="0" indent="0">
+              <a:buNone/>
+            </a:pPr>
+            <a:endParaRPr lang="nl-NL" sz="2000" dirty="0"/>
+          </a:p>
+          <a:p>
+            <a:pPr marL="0" indent="0">
+              <a:buNone/>
+            </a:pPr>
+            <a:r>
+              <a:rPr lang="nl-NL" sz="2000" dirty="0"/>
+              <a:t>Afhankelijk van:</a:t>
             </a:r>
           </a:p>
           <a:p>
@@ -13848,8 +14226,8 @@
               <a:buChar char="-"/>
             </a:pPr>
             <a:r>
-              <a:rPr lang="en-US" sz="2000" dirty="0"/>
-              <a:t>Continue:	RMSE, mean absolute error, etc.</a:t>
+              <a:rPr lang="nl-NL" sz="2000" dirty="0"/>
+              <a:t>Je doelstellingen.</a:t>
             </a:r>
           </a:p>
           <a:p>
@@ -13858,12 +14236,28 @@
               <a:buChar char="-"/>
             </a:pPr>
             <a:r>
-              <a:rPr lang="en-US" sz="2000" dirty="0" err="1"/>
-              <a:t>Categorisch</a:t>
-            </a:r>
-            <a:r>
-              <a:rPr lang="en-US" sz="2000" dirty="0"/>
-              <a:t>:	Accuracy, precision, recall, log loss, etc.</a:t>
+              <a:rPr lang="nl-NL" sz="2000" dirty="0"/>
+              <a:t>De huidige aanpak.</a:t>
+            </a:r>
+          </a:p>
+          <a:p>
+            <a:pPr>
+              <a:buFontTx/>
+              <a:buChar char="-"/>
+            </a:pPr>
+            <a:r>
+              <a:rPr lang="nl-NL" sz="2000" dirty="0"/>
+              <a:t>De verdeling van de labels.</a:t>
+            </a:r>
+          </a:p>
+          <a:p>
+            <a:pPr>
+              <a:buFontTx/>
+              <a:buChar char="-"/>
+            </a:pPr>
+            <a:r>
+              <a:rPr lang="nl-NL" sz="2000" dirty="0"/>
+              <a:t>De baten / kosten van goed / fout zitten.</a:t>
             </a:r>
           </a:p>
           <a:p>
@@ -13878,404 +14272,245 @@
             </a:pPr>
             <a:r>
               <a:rPr lang="nl-NL" sz="2000" dirty="0"/>
-              <a:t>Maar: waar vergelijk je mee?</a:t>
-            </a:r>
-            <a:endParaRPr lang="en-US" sz="2000" dirty="0"/>
-          </a:p>
-          <a:p>
-            <a:pPr>
-              <a:buFontTx/>
-              <a:buChar char="-"/>
-            </a:pPr>
-            <a:r>
-              <a:rPr lang="en-US" sz="2000" dirty="0" err="1"/>
-              <a:t>Kies</a:t>
-            </a:r>
-            <a:r>
-              <a:rPr lang="en-US" sz="2000" dirty="0"/>
-              <a:t> </a:t>
-            </a:r>
-            <a:r>
-              <a:rPr lang="en-US" sz="2000" dirty="0" err="1"/>
-              <a:t>altijd</a:t>
-            </a:r>
-            <a:r>
-              <a:rPr lang="en-US" sz="2000" dirty="0"/>
-              <a:t> </a:t>
-            </a:r>
-            <a:r>
-              <a:rPr lang="en-US" sz="2000" dirty="0" err="1"/>
-              <a:t>een</a:t>
-            </a:r>
-            <a:r>
-              <a:rPr lang="en-US" sz="2000" dirty="0"/>
-              <a:t> baseline model!</a:t>
-            </a:r>
-          </a:p>
-          <a:p>
-            <a:pPr>
-              <a:buFontTx/>
-              <a:buChar char="-"/>
-            </a:pPr>
-            <a:r>
-              <a:rPr lang="en-US" sz="2000" dirty="0" err="1"/>
-              <a:t>Gebruik</a:t>
-            </a:r>
-            <a:r>
-              <a:rPr lang="en-US" sz="2000" dirty="0"/>
-              <a:t> </a:t>
-            </a:r>
-            <a:r>
-              <a:rPr lang="en-US" sz="2000" dirty="0" err="1"/>
-              <a:t>een</a:t>
-            </a:r>
-            <a:r>
-              <a:rPr lang="en-US" sz="2000" dirty="0"/>
-              <a:t> </a:t>
-            </a:r>
-            <a:r>
-              <a:rPr lang="en-US" sz="2000" dirty="0" err="1"/>
-              <a:t>DummyRegressor</a:t>
-            </a:r>
-            <a:r>
-              <a:rPr lang="en-US" sz="2000" dirty="0"/>
-              <a:t> of </a:t>
-            </a:r>
-            <a:r>
-              <a:rPr lang="en-US" sz="2000" dirty="0" err="1"/>
-              <a:t>DummyClassifier</a:t>
-            </a:r>
-            <a:r>
-              <a:rPr lang="en-US" sz="2000" dirty="0"/>
-              <a:t>.</a:t>
-            </a:r>
-          </a:p>
-          <a:p>
-            <a:pPr marL="0" indent="0">
-              <a:buNone/>
-            </a:pPr>
-            <a:endParaRPr lang="nl-NL" sz="2000" dirty="0"/>
-          </a:p>
-          <a:p>
-            <a:pPr marL="0" indent="0">
-              <a:buNone/>
-            </a:pPr>
-            <a:r>
-              <a:rPr lang="en-US" sz="2000" dirty="0"/>
-              <a:t>Tot slot:</a:t>
-            </a:r>
-          </a:p>
-          <a:p>
-            <a:pPr>
-              <a:buFontTx/>
-              <a:buChar char="-"/>
-            </a:pPr>
-            <a:r>
-              <a:rPr lang="en-US" sz="2000" dirty="0" err="1"/>
-              <a:t>Valideer</a:t>
-            </a:r>
-            <a:r>
-              <a:rPr lang="en-US" sz="2000" dirty="0"/>
-              <a:t> of de </a:t>
-            </a:r>
-            <a:r>
-              <a:rPr lang="en-US" sz="2000" dirty="0" err="1"/>
-              <a:t>uitkomsten</a:t>
-            </a:r>
-            <a:r>
-              <a:rPr lang="en-US" sz="2000" dirty="0"/>
-              <a:t> </a:t>
-            </a:r>
-            <a:r>
-              <a:rPr lang="en-US" sz="2000" dirty="0" err="1"/>
-              <a:t>overeenkomen</a:t>
-            </a:r>
-            <a:r>
-              <a:rPr lang="en-US" sz="2000" dirty="0"/>
-              <a:t> met de </a:t>
-            </a:r>
-            <a:r>
-              <a:rPr lang="en-US" sz="2000" dirty="0" err="1"/>
-              <a:t>theorie</a:t>
-            </a:r>
-            <a:r>
-              <a:rPr lang="en-US" sz="2000" dirty="0"/>
-              <a:t>!</a:t>
-            </a:r>
-          </a:p>
-          <a:p>
-            <a:pPr marL="0" indent="0">
-              <a:buNone/>
-            </a:pPr>
-            <a:endParaRPr lang="nl-NL" sz="2000" dirty="0"/>
+              <a:t>Een dummy model kan als baseline dienen om prestaties mee te vergelijken.</a:t>
+            </a:r>
           </a:p>
         </p:txBody>
       </p:sp>
-      <p:pic>
-        <p:nvPicPr>
-          <p:cNvPr id="11" name="Picture 10">
-            <a:extLst>
-              <a:ext uri="{FF2B5EF4-FFF2-40B4-BE49-F238E27FC236}">
-                <a16:creationId xmlns:a16="http://schemas.microsoft.com/office/drawing/2014/main" id="{5294E80B-3BA2-38FB-B257-7FFE439D227E}"/>
-              </a:ext>
-            </a:extLst>
-          </p:cNvPr>
-          <p:cNvPicPr>
-            <a:picLocks noChangeAspect="1"/>
-          </p:cNvPicPr>
+      <p:graphicFrame>
+        <p:nvGraphicFramePr>
+          <p:cNvPr id="13" name="Chart 12">
+            <a:extLst>
+              <a:ext uri="{FF2B5EF4-FFF2-40B4-BE49-F238E27FC236}">
+                <a16:creationId xmlns:a16="http://schemas.microsoft.com/office/drawing/2014/main" id="{6BB83854-E0D4-A042-4256-40EB19321964}"/>
+              </a:ext>
+            </a:extLst>
+          </p:cNvPr>
+          <p:cNvGraphicFramePr>
+            <a:graphicFrameLocks/>
+          </p:cNvGraphicFramePr>
+          <p:nvPr>
+            <p:extLst>
+              <p:ext uri="{D42A27DB-BD31-4B8C-83A1-F6EECF244321}">
+                <p14:modId xmlns:p14="http://schemas.microsoft.com/office/powerpoint/2010/main" val="3143750576"/>
+              </p:ext>
+            </p:extLst>
+          </p:nvPr>
+        </p:nvGraphicFramePr>
+        <p:xfrm>
+          <a:off x="8854439" y="1608667"/>
+          <a:ext cx="2346960" cy="1962150"/>
+        </p:xfrm>
+        <a:graphic>
+          <a:graphicData uri="http://schemas.openxmlformats.org/drawingml/2006/chart">
+            <c:chart xmlns:c="http://schemas.openxmlformats.org/drawingml/2006/chart" xmlns:r="http://schemas.openxmlformats.org/officeDocument/2006/relationships" r:id="rId2"/>
+          </a:graphicData>
+        </a:graphic>
+      </p:graphicFrame>
+      <p:sp>
+        <p:nvSpPr>
+          <p:cNvPr id="14" name="TextBox 13">
+            <a:extLst>
+              <a:ext uri="{FF2B5EF4-FFF2-40B4-BE49-F238E27FC236}">
+                <a16:creationId xmlns:a16="http://schemas.microsoft.com/office/drawing/2014/main" id="{6988D5BE-0125-BB94-413B-E0A7D016F525}"/>
+              </a:ext>
+            </a:extLst>
+          </p:cNvPr>
+          <p:cNvSpPr txBox="1"/>
           <p:nvPr/>
-        </p:nvPicPr>
-        <p:blipFill>
-          <a:blip r:embed="rId2"/>
-          <a:stretch>
-            <a:fillRect/>
-          </a:stretch>
-        </p:blipFill>
+        </p:nvSpPr>
         <p:spPr>
           <a:xfrm>
-            <a:off x="8727169" y="1035154"/>
-            <a:ext cx="2850566" cy="2779139"/>
+            <a:off x="8854439" y="4150706"/>
+            <a:ext cx="2346959" cy="498143"/>
+          </a:xfrm>
+          <a:prstGeom prst="rect">
+            <a:avLst/>
+          </a:prstGeom>
+          <a:ln/>
+        </p:spPr>
+        <p:style>
+          <a:lnRef idx="1">
+            <a:schemeClr val="accent2"/>
+          </a:lnRef>
+          <a:fillRef idx="2">
+            <a:schemeClr val="accent2"/>
+          </a:fillRef>
+          <a:effectRef idx="1">
+            <a:schemeClr val="accent2"/>
+          </a:effectRef>
+          <a:fontRef idx="minor">
+            <a:schemeClr val="dk1"/>
+          </a:fontRef>
+        </p:style>
+        <p:txBody>
+          <a:bodyPr wrap="square" rtlCol="0" anchor="ctr">
+            <a:noAutofit/>
+          </a:bodyPr>
+          <a:lstStyle/>
+          <a:p>
+            <a:pPr algn="ctr"/>
+            <a:r>
+              <a:rPr lang="en-US" sz="1400" dirty="0" err="1"/>
+              <a:t>Voorspel</a:t>
+            </a:r>
+            <a:r>
+              <a:rPr lang="en-US" sz="1400" dirty="0"/>
+              <a:t> </a:t>
+            </a:r>
+            <a:r>
+              <a:rPr lang="en-US" sz="1400" dirty="0" err="1"/>
+              <a:t>altijd</a:t>
+            </a:r>
+            <a:r>
+              <a:rPr lang="en-US" sz="1400" dirty="0"/>
+              <a:t> "Nee"</a:t>
+            </a:r>
+            <a:endParaRPr lang="en-NL" sz="1400" dirty="0"/>
+          </a:p>
+        </p:txBody>
+      </p:sp>
+      <p:sp>
+        <p:nvSpPr>
+          <p:cNvPr id="17" name="Rectangle 16">
+            <a:extLst>
+              <a:ext uri="{FF2B5EF4-FFF2-40B4-BE49-F238E27FC236}">
+                <a16:creationId xmlns:a16="http://schemas.microsoft.com/office/drawing/2014/main" id="{C8848356-D71D-5919-CAA6-47C5BAF24AA4}"/>
+              </a:ext>
+            </a:extLst>
+          </p:cNvPr>
+          <p:cNvSpPr/>
+          <p:nvPr/>
+        </p:nvSpPr>
+        <p:spPr>
+          <a:xfrm>
+            <a:off x="8854439" y="5215213"/>
+            <a:ext cx="2346959" cy="498144"/>
           </a:xfrm>
           <a:prstGeom prst="rect">
             <a:avLst/>
           </a:prstGeom>
         </p:spPr>
-      </p:pic>
-      <p:graphicFrame>
-        <p:nvGraphicFramePr>
-          <p:cNvPr id="12" name="Table 12">
-            <a:extLst>
-              <a:ext uri="{FF2B5EF4-FFF2-40B4-BE49-F238E27FC236}">
-                <a16:creationId xmlns:a16="http://schemas.microsoft.com/office/drawing/2014/main" id="{9032A68B-98A6-3019-038E-C9215620CE97}"/>
-              </a:ext>
-            </a:extLst>
-          </p:cNvPr>
-          <p:cNvGraphicFramePr>
-            <a:graphicFrameLocks noGrp="1"/>
-          </p:cNvGraphicFramePr>
+        <p:style>
+          <a:lnRef idx="1">
+            <a:schemeClr val="accent6"/>
+          </a:lnRef>
+          <a:fillRef idx="2">
+            <a:schemeClr val="accent6"/>
+          </a:fillRef>
+          <a:effectRef idx="1">
+            <a:schemeClr val="accent6"/>
+          </a:effectRef>
+          <a:fontRef idx="minor">
+            <a:schemeClr val="dk1"/>
+          </a:fontRef>
+        </p:style>
+        <p:txBody>
+          <a:bodyPr rtlCol="0" anchor="ctr"/>
+          <a:lstStyle/>
+          <a:p>
+            <a:pPr algn="ctr"/>
+            <a:r>
+              <a:rPr lang="en-US" sz="1400" dirty="0"/>
+              <a:t>95% </a:t>
+            </a:r>
+            <a:r>
+              <a:rPr lang="en-US" sz="1400" dirty="0" err="1"/>
+              <a:t>accuraat</a:t>
+            </a:r>
+            <a:endParaRPr lang="en-NL" sz="1400" dirty="0"/>
+          </a:p>
+        </p:txBody>
+      </p:sp>
+      <p:cxnSp>
+        <p:nvCxnSpPr>
+          <p:cNvPr id="23" name="Straight Arrow Connector 22">
+            <a:extLst>
+              <a:ext uri="{FF2B5EF4-FFF2-40B4-BE49-F238E27FC236}">
+                <a16:creationId xmlns:a16="http://schemas.microsoft.com/office/drawing/2014/main" id="{92857AB0-E7AE-3E3F-6602-EE0C8118D280}"/>
+              </a:ext>
+            </a:extLst>
+          </p:cNvPr>
+          <p:cNvCxnSpPr>
+            <a:cxnSpLocks/>
+            <a:stCxn id="13" idx="2"/>
+            <a:endCxn id="14" idx="0"/>
+          </p:cNvCxnSpPr>
           <p:nvPr/>
-        </p:nvGraphicFramePr>
-        <p:xfrm>
-          <a:off x="8948058" y="4582537"/>
-          <a:ext cx="2537925" cy="1709144"/>
-        </p:xfrm>
-        <a:graphic>
-          <a:graphicData uri="http://schemas.openxmlformats.org/drawingml/2006/table">
-            <a:tbl>
-              <a:tblPr firstRow="1" bandRow="1">
-                <a:tableStyleId>{5940675A-B579-460E-94D1-54222C63F5DA}</a:tableStyleId>
-              </a:tblPr>
-              <a:tblGrid>
-                <a:gridCol w="447869">
-                  <a:extLst>
-                    <a:ext uri="{9D8B030D-6E8A-4147-A177-3AD203B41FA5}">
-                      <a16:colId xmlns:a16="http://schemas.microsoft.com/office/drawing/2014/main" val="842927131"/>
-                    </a:ext>
-                  </a:extLst>
-                </a:gridCol>
-                <a:gridCol w="1073020">
-                  <a:extLst>
-                    <a:ext uri="{9D8B030D-6E8A-4147-A177-3AD203B41FA5}">
-                      <a16:colId xmlns:a16="http://schemas.microsoft.com/office/drawing/2014/main" val="1663509690"/>
-                    </a:ext>
-                  </a:extLst>
-                </a:gridCol>
-                <a:gridCol w="1017036">
-                  <a:extLst>
-                    <a:ext uri="{9D8B030D-6E8A-4147-A177-3AD203B41FA5}">
-                      <a16:colId xmlns:a16="http://schemas.microsoft.com/office/drawing/2014/main" val="963932423"/>
-                    </a:ext>
-                  </a:extLst>
-                </a:gridCol>
-              </a:tblGrid>
-              <a:tr h="400010">
-                <a:tc>
-                  <a:txBody>
-                    <a:bodyPr/>
-                    <a:lstStyle/>
-                    <a:p>
-                      <a:pPr algn="ctr"/>
-                      <a:endParaRPr lang="nl-NL" dirty="0"/>
-                    </a:p>
-                  </a:txBody>
-                  <a:tcPr anchor="ctr"/>
-                </a:tc>
-                <a:tc>
-                  <a:txBody>
-                    <a:bodyPr/>
-                    <a:lstStyle/>
-                    <a:p>
-                      <a:pPr algn="ctr"/>
-                      <a:r>
-                        <a:rPr lang="en-US" dirty="0"/>
-                        <a:t>Y</a:t>
-                      </a:r>
-                      <a:endParaRPr lang="nl-NL" dirty="0"/>
-                    </a:p>
-                  </a:txBody>
-                  <a:tcPr anchor="ctr"/>
-                </a:tc>
-                <a:tc>
-                  <a:txBody>
-                    <a:bodyPr/>
-                    <a:lstStyle/>
-                    <a:p>
-                      <a:pPr algn="ctr"/>
-                      <a:r>
-                        <a:rPr lang="en-US" dirty="0"/>
-                        <a:t>N</a:t>
-                      </a:r>
-                      <a:endParaRPr lang="nl-NL" dirty="0"/>
-                    </a:p>
-                  </a:txBody>
-                  <a:tcPr anchor="ctr"/>
-                </a:tc>
-                <a:extLst>
-                  <a:ext uri="{0D108BD9-81ED-4DB2-BD59-A6C34878D82A}">
-                    <a16:rowId xmlns:a16="http://schemas.microsoft.com/office/drawing/2014/main" val="782275975"/>
-                  </a:ext>
-                </a:extLst>
-              </a:tr>
-              <a:tr h="654567">
-                <a:tc>
-                  <a:txBody>
-                    <a:bodyPr/>
-                    <a:lstStyle/>
-                    <a:p>
-                      <a:pPr algn="ctr"/>
-                      <a:r>
-                        <a:rPr lang="en-US" dirty="0"/>
-                        <a:t>Y</a:t>
-                      </a:r>
-                      <a:endParaRPr lang="nl-NL" dirty="0"/>
-                    </a:p>
-                  </a:txBody>
-                  <a:tcPr anchor="ctr"/>
-                </a:tc>
-                <a:tc>
-                  <a:txBody>
-                    <a:bodyPr/>
-                    <a:lstStyle/>
-                    <a:p>
-                      <a:pPr algn="ctr"/>
-                      <a:r>
-                        <a:rPr lang="en-US" dirty="0"/>
-                        <a:t>80</a:t>
-                      </a:r>
-                      <a:endParaRPr lang="nl-NL" dirty="0"/>
-                    </a:p>
-                  </a:txBody>
-                  <a:tcPr anchor="ctr">
-                    <a:solidFill>
-                      <a:schemeClr val="accent6">
-                        <a:lumMod val="40000"/>
-                        <a:lumOff val="60000"/>
-                      </a:schemeClr>
-                    </a:solidFill>
-                  </a:tcPr>
-                </a:tc>
-                <a:tc>
-                  <a:txBody>
-                    <a:bodyPr/>
-                    <a:lstStyle/>
-                    <a:p>
-                      <a:pPr algn="ctr"/>
-                      <a:r>
-                        <a:rPr lang="en-US" dirty="0"/>
-                        <a:t>5</a:t>
-                      </a:r>
-                      <a:endParaRPr lang="nl-NL" dirty="0"/>
-                    </a:p>
-                  </a:txBody>
-                  <a:tcPr anchor="ctr">
-                    <a:solidFill>
-                      <a:schemeClr val="accent2">
-                        <a:lumMod val="40000"/>
-                        <a:lumOff val="60000"/>
-                      </a:schemeClr>
-                    </a:solidFill>
-                  </a:tcPr>
-                </a:tc>
-                <a:extLst>
-                  <a:ext uri="{0D108BD9-81ED-4DB2-BD59-A6C34878D82A}">
-                    <a16:rowId xmlns:a16="http://schemas.microsoft.com/office/drawing/2014/main" val="393789912"/>
-                  </a:ext>
-                </a:extLst>
-              </a:tr>
-              <a:tr h="654567">
-                <a:tc>
-                  <a:txBody>
-                    <a:bodyPr/>
-                    <a:lstStyle/>
-                    <a:p>
-                      <a:pPr algn="ctr"/>
-                      <a:r>
-                        <a:rPr lang="en-US" dirty="0"/>
-                        <a:t>N</a:t>
-                      </a:r>
-                      <a:endParaRPr lang="nl-NL" dirty="0"/>
-                    </a:p>
-                  </a:txBody>
-                  <a:tcPr anchor="ctr"/>
-                </a:tc>
-                <a:tc>
-                  <a:txBody>
-                    <a:bodyPr/>
-                    <a:lstStyle/>
-                    <a:p>
-                      <a:pPr algn="ctr"/>
-                      <a:r>
-                        <a:rPr lang="en-US" dirty="0"/>
-                        <a:t>15</a:t>
-                      </a:r>
-                      <a:endParaRPr lang="nl-NL" dirty="0"/>
-                    </a:p>
-                  </a:txBody>
-                  <a:tcPr anchor="ctr">
-                    <a:solidFill>
-                      <a:schemeClr val="accent2">
-                        <a:lumMod val="40000"/>
-                        <a:lumOff val="60000"/>
-                      </a:schemeClr>
-                    </a:solidFill>
-                  </a:tcPr>
-                </a:tc>
-                <a:tc>
-                  <a:txBody>
-                    <a:bodyPr/>
-                    <a:lstStyle/>
-                    <a:p>
-                      <a:pPr algn="ctr"/>
-                      <a:r>
-                        <a:rPr lang="en-US" dirty="0"/>
-                        <a:t>400</a:t>
-                      </a:r>
-                      <a:endParaRPr lang="nl-NL" dirty="0"/>
-                    </a:p>
-                  </a:txBody>
-                  <a:tcPr anchor="ctr">
-                    <a:solidFill>
-                      <a:schemeClr val="accent6">
-                        <a:lumMod val="40000"/>
-                        <a:lumOff val="60000"/>
-                      </a:schemeClr>
-                    </a:solidFill>
-                  </a:tcPr>
-                </a:tc>
-                <a:extLst>
-                  <a:ext uri="{0D108BD9-81ED-4DB2-BD59-A6C34878D82A}">
-                    <a16:rowId xmlns:a16="http://schemas.microsoft.com/office/drawing/2014/main" val="780340197"/>
-                  </a:ext>
-                </a:extLst>
-              </a:tr>
-            </a:tbl>
-          </a:graphicData>
-        </a:graphic>
-      </p:graphicFrame>
+        </p:nvCxnSpPr>
+        <p:spPr>
+          <a:xfrm>
+            <a:off x="10027919" y="3570817"/>
+            <a:ext cx="0" cy="579889"/>
+          </a:xfrm>
+          <a:prstGeom prst="straightConnector1">
+            <a:avLst/>
+          </a:prstGeom>
+          <a:ln>
+            <a:tailEnd type="triangle"/>
+          </a:ln>
+        </p:spPr>
+        <p:style>
+          <a:lnRef idx="2">
+            <a:schemeClr val="dk1"/>
+          </a:lnRef>
+          <a:fillRef idx="0">
+            <a:schemeClr val="dk1"/>
+          </a:fillRef>
+          <a:effectRef idx="1">
+            <a:schemeClr val="dk1"/>
+          </a:effectRef>
+          <a:fontRef idx="minor">
+            <a:schemeClr val="tx1"/>
+          </a:fontRef>
+        </p:style>
+      </p:cxnSp>
+      <p:cxnSp>
+        <p:nvCxnSpPr>
+          <p:cNvPr id="26" name="Straight Arrow Connector 25">
+            <a:extLst>
+              <a:ext uri="{FF2B5EF4-FFF2-40B4-BE49-F238E27FC236}">
+                <a16:creationId xmlns:a16="http://schemas.microsoft.com/office/drawing/2014/main" id="{4A2EF5B5-EDE7-7EB4-A39F-D8A5F5CAA92C}"/>
+              </a:ext>
+            </a:extLst>
+          </p:cNvPr>
+          <p:cNvCxnSpPr>
+            <a:stCxn id="14" idx="2"/>
+            <a:endCxn id="17" idx="0"/>
+          </p:cNvCxnSpPr>
+          <p:nvPr/>
+        </p:nvCxnSpPr>
+        <p:spPr>
+          <a:xfrm>
+            <a:off x="10027919" y="4648849"/>
+            <a:ext cx="0" cy="566364"/>
+          </a:xfrm>
+          <a:prstGeom prst="straightConnector1">
+            <a:avLst/>
+          </a:prstGeom>
+          <a:ln>
+            <a:tailEnd type="triangle"/>
+          </a:ln>
+        </p:spPr>
+        <p:style>
+          <a:lnRef idx="2">
+            <a:schemeClr val="dk1"/>
+          </a:lnRef>
+          <a:fillRef idx="0">
+            <a:schemeClr val="dk1"/>
+          </a:fillRef>
+          <a:effectRef idx="1">
+            <a:schemeClr val="dk1"/>
+          </a:effectRef>
+          <a:fontRef idx="minor">
+            <a:schemeClr val="tx1"/>
+          </a:fontRef>
+        </p:style>
+      </p:cxnSp>
     </p:spTree>
     <p:extLst>
       <p:ext uri="{BB962C8B-B14F-4D97-AF65-F5344CB8AC3E}">
-        <p14:creationId xmlns:p14="http://schemas.microsoft.com/office/powerpoint/2010/main" val="2167907100"/>
+        <p14:creationId xmlns:p14="http://schemas.microsoft.com/office/powerpoint/2010/main" val="3709893823"/>
       </p:ext>
     </p:extLst>
   </p:cSld>
@@ -14285,90 +14520,7 @@
 </p:sld>
 </file>
 
-<file path=ppt/slides/slide3.xml><?xml version="1.0" encoding="utf-8"?>
-<p:sld xmlns:a="http://schemas.openxmlformats.org/drawingml/2006/main" xmlns:r="http://schemas.openxmlformats.org/officeDocument/2006/relationships" xmlns:p="http://schemas.openxmlformats.org/presentationml/2006/main">
-  <p:cSld>
-    <p:spTree>
-      <p:nvGrpSpPr>
-        <p:cNvPr id="1" name=""/>
-        <p:cNvGrpSpPr/>
-        <p:nvPr/>
-      </p:nvGrpSpPr>
-      <p:grpSpPr>
-        <a:xfrm>
-          <a:off x="0" y="0"/>
-          <a:ext cx="0" cy="0"/>
-          <a:chOff x="0" y="0"/>
-          <a:chExt cx="0" cy="0"/>
-        </a:xfrm>
-      </p:grpSpPr>
-      <p:sp>
-        <p:nvSpPr>
-          <p:cNvPr id="4" name="Title 3">
-            <a:extLst>
-              <a:ext uri="{FF2B5EF4-FFF2-40B4-BE49-F238E27FC236}">
-                <a16:creationId xmlns:a16="http://schemas.microsoft.com/office/drawing/2014/main" id="{72C925CA-BCA3-3701-E08E-95652380B32E}"/>
-              </a:ext>
-            </a:extLst>
-          </p:cNvPr>
-          <p:cNvSpPr>
-            <a:spLocks noGrp="1"/>
-          </p:cNvSpPr>
-          <p:nvPr>
-            <p:ph type="title"/>
-          </p:nvPr>
-        </p:nvSpPr>
-        <p:spPr/>
-        <p:txBody>
-          <a:bodyPr/>
-          <a:lstStyle/>
-          <a:p>
-            <a:r>
-              <a:rPr lang="nl-NL" noProof="0" dirty="0"/>
-              <a:t>Overzicht Machine Learning</a:t>
-            </a:r>
-          </a:p>
-        </p:txBody>
-      </p:sp>
-      <p:sp>
-        <p:nvSpPr>
-          <p:cNvPr id="5" name="Text Placeholder 4">
-            <a:extLst>
-              <a:ext uri="{FF2B5EF4-FFF2-40B4-BE49-F238E27FC236}">
-                <a16:creationId xmlns:a16="http://schemas.microsoft.com/office/drawing/2014/main" id="{1AB31C95-91AF-DF13-FB58-0DA5F2D9F6F7}"/>
-              </a:ext>
-            </a:extLst>
-          </p:cNvPr>
-          <p:cNvSpPr>
-            <a:spLocks noGrp="1"/>
-          </p:cNvSpPr>
-          <p:nvPr>
-            <p:ph type="body" idx="1"/>
-          </p:nvPr>
-        </p:nvSpPr>
-        <p:spPr/>
-        <p:txBody>
-          <a:bodyPr/>
-          <a:lstStyle/>
-          <a:p>
-            <a:endParaRPr lang="en-NL"/>
-          </a:p>
-        </p:txBody>
-      </p:sp>
-    </p:spTree>
-    <p:extLst>
-      <p:ext uri="{BB962C8B-B14F-4D97-AF65-F5344CB8AC3E}">
-        <p14:creationId xmlns:p14="http://schemas.microsoft.com/office/powerpoint/2010/main" val="2018136929"/>
-      </p:ext>
-    </p:extLst>
-  </p:cSld>
-  <p:clrMapOvr>
-    <a:masterClrMapping/>
-  </p:clrMapOvr>
-</p:sld>
-</file>
-
-<file path=ppt/slides/slide30.xml><?xml version="1.0" encoding="utf-8"?>
+<file path=ppt/slides/slide29.xml><?xml version="1.0" encoding="utf-8"?>
 <p:sld xmlns:a="http://schemas.openxmlformats.org/drawingml/2006/main" xmlns:r="http://schemas.openxmlformats.org/officeDocument/2006/relationships" xmlns:p="http://schemas.openxmlformats.org/presentationml/2006/main">
   <p:cSld>
     <p:spTree>
@@ -14414,10 +14566,9 @@
           <a:lstStyle/>
           <a:p>
             <a:r>
-              <a:rPr lang="nl-NL" sz="3600" dirty="0"/>
-              <a:t>Train versus test data</a:t>
-            </a:r>
-            <a:endParaRPr lang="nl-NL" sz="3600" noProof="0" dirty="0"/>
+              <a:rPr lang="nl-NL" sz="3600" noProof="0" dirty="0"/>
+              <a:t>Dummy modellen</a:t>
+            </a:r>
           </a:p>
         </p:txBody>
       </p:sp>
@@ -14469,8 +14620,8 @@
         </p:nvSpPr>
         <p:spPr>
           <a:xfrm>
-            <a:off x="990601" y="1608667"/>
-            <a:ext cx="6996403" cy="4720696"/>
+            <a:off x="990602" y="1608667"/>
+            <a:ext cx="6109061" cy="4720696"/>
           </a:xfrm>
           <a:prstGeom prst="rect">
             <a:avLst/>
@@ -14649,16 +14800,84 @@
               <a:buNone/>
             </a:pPr>
             <a:r>
-              <a:rPr lang="nl-NL" sz="2000" dirty="0"/>
-              <a:t>Modellen minimaliseren foutmarge op de </a:t>
-            </a:r>
-            <a:r>
-              <a:rPr lang="nl-NL" sz="2000" u="sng" dirty="0"/>
-              <a:t>gegeven</a:t>
-            </a:r>
-            <a:r>
-              <a:rPr lang="nl-NL" sz="2000" dirty="0"/>
-              <a:t> data.</a:t>
+              <a:rPr lang="nl-NL" sz="2000" b="1" dirty="0" err="1"/>
+              <a:t>sklearn.dummy.DummyClassifier</a:t>
+            </a:r>
+            <a:endParaRPr lang="nl-NL" sz="2000" b="1" dirty="0"/>
+          </a:p>
+          <a:p>
+            <a:pPr>
+              <a:buFontTx/>
+              <a:buChar char="-"/>
+            </a:pPr>
+            <a:r>
+              <a:rPr lang="nl-NL" sz="1400" dirty="0" err="1">
+                <a:latin typeface="Courier New" panose="02070309020205020404" pitchFamily="49" charset="0"/>
+                <a:cs typeface="Courier New" panose="02070309020205020404" pitchFamily="49" charset="0"/>
+              </a:rPr>
+              <a:t>most_frequent</a:t>
+            </a:r>
+            <a:r>
+              <a:rPr lang="nl-NL" sz="1400" dirty="0">
+                <a:latin typeface="Courier New" panose="02070309020205020404" pitchFamily="49" charset="0"/>
+                <a:cs typeface="Courier New" panose="02070309020205020404" pitchFamily="49" charset="0"/>
+              </a:rPr>
+              <a:t>/prior</a:t>
+            </a:r>
+            <a:r>
+              <a:rPr lang="nl-NL" sz="1400" dirty="0"/>
+              <a:t>	Voorspel meest voorkomende waarde.</a:t>
+            </a:r>
+          </a:p>
+          <a:p>
+            <a:pPr>
+              <a:buFontTx/>
+              <a:buChar char="-"/>
+            </a:pPr>
+            <a:r>
+              <a:rPr lang="nl-NL" sz="1400" dirty="0" err="1">
+                <a:latin typeface="Courier New" panose="02070309020205020404" pitchFamily="49" charset="0"/>
+                <a:cs typeface="Courier New" panose="02070309020205020404" pitchFamily="49" charset="0"/>
+              </a:rPr>
+              <a:t>stratified</a:t>
+            </a:r>
+            <a:r>
+              <a:rPr lang="nl-NL" sz="1400" dirty="0"/>
+              <a:t> 		Trek waarde uit vergelijkbare verdeling.</a:t>
+            </a:r>
+          </a:p>
+          <a:p>
+            <a:pPr>
+              <a:buFontTx/>
+              <a:buChar char="-"/>
+            </a:pPr>
+            <a:r>
+              <a:rPr lang="nl-NL" sz="1400" dirty="0">
+                <a:latin typeface="Courier New" panose="02070309020205020404" pitchFamily="49" charset="0"/>
+                <a:cs typeface="Courier New" panose="02070309020205020404" pitchFamily="49" charset="0"/>
+              </a:rPr>
+              <a:t>uniform</a:t>
+            </a:r>
+            <a:r>
+              <a:rPr lang="nl-NL" sz="1400" dirty="0"/>
+              <a:t>		Trek waarde uit uniforme verdeling.</a:t>
+            </a:r>
+          </a:p>
+          <a:p>
+            <a:pPr>
+              <a:buFontTx/>
+              <a:buChar char="-"/>
+            </a:pPr>
+            <a:r>
+              <a:rPr lang="nl-NL" sz="1400" dirty="0">
+                <a:latin typeface="Courier New" panose="02070309020205020404" pitchFamily="49" charset="0"/>
+                <a:cs typeface="Courier New" panose="02070309020205020404" pitchFamily="49" charset="0"/>
+              </a:rPr>
+              <a:t>constant</a:t>
+            </a:r>
+            <a:r>
+              <a:rPr lang="nl-NL" sz="1400" dirty="0"/>
+              <a:t>		Voorspel constante waarde.</a:t>
             </a:r>
           </a:p>
           <a:p>
@@ -14672,8 +14891,790 @@
               <a:buNone/>
             </a:pPr>
             <a:r>
+              <a:rPr lang="nl-NL" sz="2000" b="1" dirty="0" err="1"/>
+              <a:t>sklearn.dummy.DummyRegressor</a:t>
+            </a:r>
+            <a:endParaRPr lang="nl-NL" sz="2000" b="1" dirty="0"/>
+          </a:p>
+          <a:p>
+            <a:pPr>
+              <a:buFontTx/>
+              <a:buChar char="-"/>
+            </a:pPr>
+            <a:r>
+              <a:rPr lang="nl-NL" sz="1400" dirty="0" err="1">
+                <a:latin typeface="Courier New" panose="02070309020205020404" pitchFamily="49" charset="0"/>
+                <a:cs typeface="Courier New" panose="02070309020205020404" pitchFamily="49" charset="0"/>
+              </a:rPr>
+              <a:t>mean</a:t>
+            </a:r>
+            <a:r>
+              <a:rPr lang="nl-NL" sz="1400" dirty="0"/>
+              <a:t> 			Voorspel gemiddelde waarde.</a:t>
+            </a:r>
+          </a:p>
+          <a:p>
+            <a:pPr>
+              <a:buFontTx/>
+              <a:buChar char="-"/>
+            </a:pPr>
+            <a:r>
+              <a:rPr lang="nl-NL" sz="1400" dirty="0" err="1">
+                <a:latin typeface="Courier New" panose="02070309020205020404" pitchFamily="49" charset="0"/>
+                <a:cs typeface="Courier New" panose="02070309020205020404" pitchFamily="49" charset="0"/>
+              </a:rPr>
+              <a:t>median</a:t>
+            </a:r>
+            <a:r>
+              <a:rPr lang="nl-NL" sz="1400" dirty="0">
+                <a:latin typeface="Courier New" panose="02070309020205020404" pitchFamily="49" charset="0"/>
+                <a:cs typeface="Courier New" panose="02070309020205020404" pitchFamily="49" charset="0"/>
+              </a:rPr>
+              <a:t>/</a:t>
+            </a:r>
+            <a:r>
+              <a:rPr lang="nl-NL" sz="1400" dirty="0" err="1">
+                <a:latin typeface="Courier New" panose="02070309020205020404" pitchFamily="49" charset="0"/>
+                <a:cs typeface="Courier New" panose="02070309020205020404" pitchFamily="49" charset="0"/>
+              </a:rPr>
+              <a:t>quantile</a:t>
+            </a:r>
+            <a:r>
+              <a:rPr lang="nl-NL" sz="1400" dirty="0"/>
+              <a:t> 	Voorspel een bepaald kwantiel.</a:t>
+            </a:r>
+          </a:p>
+          <a:p>
+            <a:pPr>
+              <a:buFontTx/>
+              <a:buChar char="-"/>
+            </a:pPr>
+            <a:r>
+              <a:rPr lang="nl-NL" sz="1400" dirty="0">
+                <a:latin typeface="Courier New" panose="02070309020205020404" pitchFamily="49" charset="0"/>
+                <a:cs typeface="Courier New" panose="02070309020205020404" pitchFamily="49" charset="0"/>
+              </a:rPr>
+              <a:t>constant</a:t>
+            </a:r>
+            <a:r>
+              <a:rPr lang="nl-NL" sz="1400" dirty="0"/>
+              <a:t>		Voorspel constante waarde.</a:t>
+            </a:r>
+          </a:p>
+        </p:txBody>
+      </p:sp>
+      <p:sp>
+        <p:nvSpPr>
+          <p:cNvPr id="3" name="TextBox 2">
+            <a:extLst>
+              <a:ext uri="{FF2B5EF4-FFF2-40B4-BE49-F238E27FC236}">
+                <a16:creationId xmlns:a16="http://schemas.microsoft.com/office/drawing/2014/main" id="{F665CE7E-418E-CA1E-D7F1-E288EA9DC5CF}"/>
+              </a:ext>
+            </a:extLst>
+          </p:cNvPr>
+          <p:cNvSpPr txBox="1"/>
+          <p:nvPr/>
+        </p:nvSpPr>
+        <p:spPr>
+          <a:xfrm>
+            <a:off x="8092440" y="1608667"/>
+            <a:ext cx="3657600" cy="3323987"/>
+          </a:xfrm>
+          <a:prstGeom prst="rect">
+            <a:avLst/>
+          </a:prstGeom>
+          <a:noFill/>
+        </p:spPr>
+        <p:txBody>
+          <a:bodyPr wrap="square" rtlCol="0">
+            <a:spAutoFit/>
+          </a:bodyPr>
+          <a:lstStyle/>
+          <a:p>
+            <a:r>
+              <a:rPr lang="en-US" sz="1400" dirty="0">
+                <a:latin typeface="Courier New" panose="02070309020205020404" pitchFamily="49" charset="0"/>
+                <a:cs typeface="Courier New" panose="02070309020205020404" pitchFamily="49" charset="0"/>
+              </a:rPr>
+              <a:t>from </a:t>
+            </a:r>
+            <a:r>
+              <a:rPr lang="en-US" sz="1400" dirty="0" err="1">
+                <a:latin typeface="Courier New" panose="02070309020205020404" pitchFamily="49" charset="0"/>
+                <a:cs typeface="Courier New" panose="02070309020205020404" pitchFamily="49" charset="0"/>
+              </a:rPr>
+              <a:t>sklearn.dummy</a:t>
+            </a:r>
+            <a:r>
+              <a:rPr lang="en-US" sz="1400" dirty="0">
+                <a:latin typeface="Courier New" panose="02070309020205020404" pitchFamily="49" charset="0"/>
+                <a:cs typeface="Courier New" panose="02070309020205020404" pitchFamily="49" charset="0"/>
+              </a:rPr>
+              <a:t> import \</a:t>
+            </a:r>
+          </a:p>
+          <a:p>
+            <a:r>
+              <a:rPr lang="en-US" sz="1400" dirty="0">
+                <a:latin typeface="Courier New" panose="02070309020205020404" pitchFamily="49" charset="0"/>
+                <a:cs typeface="Courier New" panose="02070309020205020404" pitchFamily="49" charset="0"/>
+              </a:rPr>
+              <a:t>  </a:t>
+            </a:r>
+            <a:r>
+              <a:rPr lang="en-US" sz="1400" dirty="0" err="1">
+                <a:latin typeface="Courier New" panose="02070309020205020404" pitchFamily="49" charset="0"/>
+                <a:cs typeface="Courier New" panose="02070309020205020404" pitchFamily="49" charset="0"/>
+              </a:rPr>
+              <a:t>DummyRegressor</a:t>
+            </a:r>
+            <a:endParaRPr lang="en-US" sz="1400" dirty="0">
+              <a:latin typeface="Courier New" panose="02070309020205020404" pitchFamily="49" charset="0"/>
+              <a:cs typeface="Courier New" panose="02070309020205020404" pitchFamily="49" charset="0"/>
+            </a:endParaRPr>
+          </a:p>
+          <a:p>
+            <a:endParaRPr lang="en-US" sz="1400" dirty="0">
+              <a:latin typeface="Courier New" panose="02070309020205020404" pitchFamily="49" charset="0"/>
+              <a:cs typeface="Courier New" panose="02070309020205020404" pitchFamily="49" charset="0"/>
+            </a:endParaRPr>
+          </a:p>
+          <a:p>
+            <a:endParaRPr lang="en-US" sz="1400" dirty="0">
+              <a:latin typeface="Courier New" panose="02070309020205020404" pitchFamily="49" charset="0"/>
+              <a:cs typeface="Courier New" panose="02070309020205020404" pitchFamily="49" charset="0"/>
+            </a:endParaRPr>
+          </a:p>
+          <a:p>
+            <a:r>
+              <a:rPr lang="en-US" sz="1400" dirty="0">
+                <a:latin typeface="Courier New" panose="02070309020205020404" pitchFamily="49" charset="0"/>
+                <a:cs typeface="Courier New" panose="02070309020205020404" pitchFamily="49" charset="0"/>
+              </a:rPr>
+              <a:t>X = [[25, 25], [50, 50]]</a:t>
+            </a:r>
+          </a:p>
+          <a:p>
+            <a:r>
+              <a:rPr lang="en-US" sz="1400" dirty="0">
+                <a:latin typeface="Courier New" panose="02070309020205020404" pitchFamily="49" charset="0"/>
+                <a:cs typeface="Courier New" panose="02070309020205020404" pitchFamily="49" charset="0"/>
+              </a:rPr>
+              <a:t>y = [50, 100]</a:t>
+            </a:r>
+          </a:p>
+          <a:p>
+            <a:endParaRPr lang="en-US" sz="1400" dirty="0">
+              <a:latin typeface="Courier New" panose="02070309020205020404" pitchFamily="49" charset="0"/>
+              <a:cs typeface="Courier New" panose="02070309020205020404" pitchFamily="49" charset="0"/>
+            </a:endParaRPr>
+          </a:p>
+          <a:p>
+            <a:endParaRPr lang="en-US" sz="1400" dirty="0">
+              <a:latin typeface="Courier New" panose="02070309020205020404" pitchFamily="49" charset="0"/>
+              <a:cs typeface="Courier New" panose="02070309020205020404" pitchFamily="49" charset="0"/>
+            </a:endParaRPr>
+          </a:p>
+          <a:p>
+            <a:r>
+              <a:rPr lang="en-US" sz="1400" dirty="0">
+                <a:latin typeface="Courier New" panose="02070309020205020404" pitchFamily="49" charset="0"/>
+                <a:cs typeface="Courier New" panose="02070309020205020404" pitchFamily="49" charset="0"/>
+              </a:rPr>
+              <a:t>dummy = </a:t>
+            </a:r>
+            <a:r>
+              <a:rPr lang="en-US" sz="1400" dirty="0" err="1">
+                <a:latin typeface="Courier New" panose="02070309020205020404" pitchFamily="49" charset="0"/>
+                <a:cs typeface="Courier New" panose="02070309020205020404" pitchFamily="49" charset="0"/>
+              </a:rPr>
+              <a:t>DummyRegressor</a:t>
+            </a:r>
+            <a:r>
+              <a:rPr lang="en-US" sz="1400" dirty="0">
+                <a:latin typeface="Courier New" panose="02070309020205020404" pitchFamily="49" charset="0"/>
+                <a:cs typeface="Courier New" panose="02070309020205020404" pitchFamily="49" charset="0"/>
+              </a:rPr>
+              <a:t>(</a:t>
+            </a:r>
+          </a:p>
+          <a:p>
+            <a:r>
+              <a:rPr lang="en-US" sz="1400" dirty="0">
+                <a:latin typeface="Courier New" panose="02070309020205020404" pitchFamily="49" charset="0"/>
+                <a:cs typeface="Courier New" panose="02070309020205020404" pitchFamily="49" charset="0"/>
+              </a:rPr>
+              <a:t>  strategy="mean"</a:t>
+            </a:r>
+          </a:p>
+          <a:p>
+            <a:r>
+              <a:rPr lang="en-US" sz="1400" dirty="0">
+                <a:latin typeface="Courier New" panose="02070309020205020404" pitchFamily="49" charset="0"/>
+                <a:cs typeface="Courier New" panose="02070309020205020404" pitchFamily="49" charset="0"/>
+              </a:rPr>
+              <a:t>)</a:t>
+            </a:r>
+          </a:p>
+          <a:p>
+            <a:r>
+              <a:rPr lang="en-US" sz="1400" dirty="0" err="1">
+                <a:latin typeface="Courier New" panose="02070309020205020404" pitchFamily="49" charset="0"/>
+                <a:cs typeface="Courier New" panose="02070309020205020404" pitchFamily="49" charset="0"/>
+              </a:rPr>
+              <a:t>dummy.fit</a:t>
+            </a:r>
+            <a:r>
+              <a:rPr lang="en-US" sz="1400" dirty="0">
+                <a:latin typeface="Courier New" panose="02070309020205020404" pitchFamily="49" charset="0"/>
+                <a:cs typeface="Courier New" panose="02070309020205020404" pitchFamily="49" charset="0"/>
+              </a:rPr>
+              <a:t>(X, y)</a:t>
+            </a:r>
+          </a:p>
+          <a:p>
+            <a:endParaRPr lang="en-US" sz="1400" dirty="0">
+              <a:latin typeface="Courier New" panose="02070309020205020404" pitchFamily="49" charset="0"/>
+              <a:cs typeface="Courier New" panose="02070309020205020404" pitchFamily="49" charset="0"/>
+            </a:endParaRPr>
+          </a:p>
+          <a:p>
+            <a:r>
+              <a:rPr lang="en-US" sz="1400" dirty="0" err="1">
+                <a:latin typeface="Courier New" panose="02070309020205020404" pitchFamily="49" charset="0"/>
+                <a:cs typeface="Courier New" panose="02070309020205020404" pitchFamily="49" charset="0"/>
+              </a:rPr>
+              <a:t>dummy.predict</a:t>
+            </a:r>
+            <a:r>
+              <a:rPr lang="en-US" sz="1400" dirty="0">
+                <a:latin typeface="Courier New" panose="02070309020205020404" pitchFamily="49" charset="0"/>
+                <a:cs typeface="Courier New" panose="02070309020205020404" pitchFamily="49" charset="0"/>
+              </a:rPr>
+              <a:t>(X)</a:t>
+            </a:r>
+          </a:p>
+          <a:p>
+            <a:r>
+              <a:rPr lang="en-US" sz="1400" dirty="0">
+                <a:latin typeface="Courier New" panose="02070309020205020404" pitchFamily="49" charset="0"/>
+                <a:cs typeface="Courier New" panose="02070309020205020404" pitchFamily="49" charset="0"/>
+              </a:rPr>
+              <a:t># returns [75, 75]</a:t>
+            </a:r>
+            <a:endParaRPr lang="en-NL" sz="1400" dirty="0">
+              <a:latin typeface="Courier New" panose="02070309020205020404" pitchFamily="49" charset="0"/>
+              <a:cs typeface="Courier New" panose="02070309020205020404" pitchFamily="49" charset="0"/>
+            </a:endParaRPr>
+          </a:p>
+        </p:txBody>
+      </p:sp>
+      <p:cxnSp>
+        <p:nvCxnSpPr>
+          <p:cNvPr id="6" name="Straight Connector 5">
+            <a:extLst>
+              <a:ext uri="{FF2B5EF4-FFF2-40B4-BE49-F238E27FC236}">
+                <a16:creationId xmlns:a16="http://schemas.microsoft.com/office/drawing/2014/main" id="{B506F0B0-302C-0F2B-BCF4-350934C95DC4}"/>
+              </a:ext>
+            </a:extLst>
+          </p:cNvPr>
+          <p:cNvCxnSpPr/>
+          <p:nvPr/>
+        </p:nvCxnSpPr>
+        <p:spPr>
+          <a:xfrm>
+            <a:off x="7543800" y="1608667"/>
+            <a:ext cx="0" cy="4694162"/>
+          </a:xfrm>
+          <a:prstGeom prst="line">
+            <a:avLst/>
+          </a:prstGeom>
+        </p:spPr>
+        <p:style>
+          <a:lnRef idx="2">
+            <a:schemeClr val="dk1"/>
+          </a:lnRef>
+          <a:fillRef idx="0">
+            <a:schemeClr val="dk1"/>
+          </a:fillRef>
+          <a:effectRef idx="1">
+            <a:schemeClr val="dk1"/>
+          </a:effectRef>
+          <a:fontRef idx="minor">
+            <a:schemeClr val="tx1"/>
+          </a:fontRef>
+        </p:style>
+      </p:cxnSp>
+    </p:spTree>
+    <p:extLst>
+      <p:ext uri="{BB962C8B-B14F-4D97-AF65-F5344CB8AC3E}">
+        <p14:creationId xmlns:p14="http://schemas.microsoft.com/office/powerpoint/2010/main" val="3387491440"/>
+      </p:ext>
+    </p:extLst>
+  </p:cSld>
+  <p:clrMapOvr>
+    <a:masterClrMapping/>
+  </p:clrMapOvr>
+</p:sld>
+</file>
+
+<file path=ppt/slides/slide3.xml><?xml version="1.0" encoding="utf-8"?>
+<p:sld xmlns:a="http://schemas.openxmlformats.org/drawingml/2006/main" xmlns:r="http://schemas.openxmlformats.org/officeDocument/2006/relationships" xmlns:p="http://schemas.openxmlformats.org/presentationml/2006/main">
+  <p:cSld>
+    <p:spTree>
+      <p:nvGrpSpPr>
+        <p:cNvPr id="1" name=""/>
+        <p:cNvGrpSpPr/>
+        <p:nvPr/>
+      </p:nvGrpSpPr>
+      <p:grpSpPr>
+        <a:xfrm>
+          <a:off x="0" y="0"/>
+          <a:ext cx="0" cy="0"/>
+          <a:chOff x="0" y="0"/>
+          <a:chExt cx="0" cy="0"/>
+        </a:xfrm>
+      </p:grpSpPr>
+      <p:sp>
+        <p:nvSpPr>
+          <p:cNvPr id="4" name="Title 3">
+            <a:extLst>
+              <a:ext uri="{FF2B5EF4-FFF2-40B4-BE49-F238E27FC236}">
+                <a16:creationId xmlns:a16="http://schemas.microsoft.com/office/drawing/2014/main" id="{72C925CA-BCA3-3701-E08E-95652380B32E}"/>
+              </a:ext>
+            </a:extLst>
+          </p:cNvPr>
+          <p:cNvSpPr>
+            <a:spLocks noGrp="1"/>
+          </p:cNvSpPr>
+          <p:nvPr>
+            <p:ph type="title"/>
+          </p:nvPr>
+        </p:nvSpPr>
+        <p:spPr/>
+        <p:txBody>
+          <a:bodyPr/>
+          <a:lstStyle/>
+          <a:p>
+            <a:r>
+              <a:rPr lang="nl-NL" noProof="0" dirty="0"/>
+              <a:t>Overzicht Machine Learning</a:t>
+            </a:r>
+          </a:p>
+        </p:txBody>
+      </p:sp>
+      <p:sp>
+        <p:nvSpPr>
+          <p:cNvPr id="5" name="Text Placeholder 4">
+            <a:extLst>
+              <a:ext uri="{FF2B5EF4-FFF2-40B4-BE49-F238E27FC236}">
+                <a16:creationId xmlns:a16="http://schemas.microsoft.com/office/drawing/2014/main" id="{1AB31C95-91AF-DF13-FB58-0DA5F2D9F6F7}"/>
+              </a:ext>
+            </a:extLst>
+          </p:cNvPr>
+          <p:cNvSpPr>
+            <a:spLocks noGrp="1"/>
+          </p:cNvSpPr>
+          <p:nvPr>
+            <p:ph type="body" idx="1"/>
+          </p:nvPr>
+        </p:nvSpPr>
+        <p:spPr/>
+        <p:txBody>
+          <a:bodyPr/>
+          <a:lstStyle/>
+          <a:p>
+            <a:endParaRPr lang="en-NL"/>
+          </a:p>
+        </p:txBody>
+      </p:sp>
+    </p:spTree>
+    <p:extLst>
+      <p:ext uri="{BB962C8B-B14F-4D97-AF65-F5344CB8AC3E}">
+        <p14:creationId xmlns:p14="http://schemas.microsoft.com/office/powerpoint/2010/main" val="2018136929"/>
+      </p:ext>
+    </p:extLst>
+  </p:cSld>
+  <p:clrMapOvr>
+    <a:masterClrMapping/>
+  </p:clrMapOvr>
+</p:sld>
+</file>
+
+<file path=ppt/slides/slide30.xml><?xml version="1.0" encoding="utf-8"?>
+<p:sld xmlns:a="http://schemas.openxmlformats.org/drawingml/2006/main" xmlns:r="http://schemas.openxmlformats.org/officeDocument/2006/relationships" xmlns:p="http://schemas.openxmlformats.org/presentationml/2006/main">
+  <p:cSld>
+    <p:spTree>
+      <p:nvGrpSpPr>
+        <p:cNvPr id="1" name=""/>
+        <p:cNvGrpSpPr/>
+        <p:nvPr/>
+      </p:nvGrpSpPr>
+      <p:grpSpPr>
+        <a:xfrm>
+          <a:off x="0" y="0"/>
+          <a:ext cx="0" cy="0"/>
+          <a:chOff x="0" y="0"/>
+          <a:chExt cx="0" cy="0"/>
+        </a:xfrm>
+      </p:grpSpPr>
+      <p:sp>
+        <p:nvSpPr>
+          <p:cNvPr id="4" name="Title 3">
+            <a:extLst>
+              <a:ext uri="{FF2B5EF4-FFF2-40B4-BE49-F238E27FC236}">
+                <a16:creationId xmlns:a16="http://schemas.microsoft.com/office/drawing/2014/main" id="{72C925CA-BCA3-3701-E08E-95652380B32E}"/>
+              </a:ext>
+            </a:extLst>
+          </p:cNvPr>
+          <p:cNvSpPr>
+            <a:spLocks noGrp="1"/>
+          </p:cNvSpPr>
+          <p:nvPr>
+            <p:ph type="title"/>
+          </p:nvPr>
+        </p:nvSpPr>
+        <p:spPr/>
+        <p:txBody>
+          <a:bodyPr/>
+          <a:lstStyle/>
+          <a:p>
+            <a:r>
+              <a:rPr lang="nl-NL" noProof="0" dirty="0"/>
+              <a:t>Selecteren</a:t>
+            </a:r>
+          </a:p>
+        </p:txBody>
+      </p:sp>
+      <p:sp>
+        <p:nvSpPr>
+          <p:cNvPr id="5" name="Text Placeholder 4">
+            <a:extLst>
+              <a:ext uri="{FF2B5EF4-FFF2-40B4-BE49-F238E27FC236}">
+                <a16:creationId xmlns:a16="http://schemas.microsoft.com/office/drawing/2014/main" id="{1AB31C95-91AF-DF13-FB58-0DA5F2D9F6F7}"/>
+              </a:ext>
+            </a:extLst>
+          </p:cNvPr>
+          <p:cNvSpPr>
+            <a:spLocks noGrp="1"/>
+          </p:cNvSpPr>
+          <p:nvPr>
+            <p:ph type="body" idx="1"/>
+          </p:nvPr>
+        </p:nvSpPr>
+        <p:spPr/>
+        <p:txBody>
+          <a:bodyPr/>
+          <a:lstStyle/>
+          <a:p>
+            <a:endParaRPr lang="en-NL"/>
+          </a:p>
+        </p:txBody>
+      </p:sp>
+    </p:spTree>
+    <p:extLst>
+      <p:ext uri="{BB962C8B-B14F-4D97-AF65-F5344CB8AC3E}">
+        <p14:creationId xmlns:p14="http://schemas.microsoft.com/office/powerpoint/2010/main" val="3009350591"/>
+      </p:ext>
+    </p:extLst>
+  </p:cSld>
+  <p:clrMapOvr>
+    <a:masterClrMapping/>
+  </p:clrMapOvr>
+</p:sld>
+</file>
+
+<file path=ppt/slides/slide31.xml><?xml version="1.0" encoding="utf-8"?>
+<p:sld xmlns:a="http://schemas.openxmlformats.org/drawingml/2006/main" xmlns:r="http://schemas.openxmlformats.org/officeDocument/2006/relationships" xmlns:p="http://schemas.openxmlformats.org/presentationml/2006/main">
+  <p:cSld>
+    <p:spTree>
+      <p:nvGrpSpPr>
+        <p:cNvPr id="1" name=""/>
+        <p:cNvGrpSpPr/>
+        <p:nvPr/>
+      </p:nvGrpSpPr>
+      <p:grpSpPr>
+        <a:xfrm>
+          <a:off x="0" y="0"/>
+          <a:ext cx="0" cy="0"/>
+          <a:chOff x="0" y="0"/>
+          <a:chExt cx="0" cy="0"/>
+        </a:xfrm>
+      </p:grpSpPr>
+      <p:sp>
+        <p:nvSpPr>
+          <p:cNvPr id="2" name="Title 1">
+            <a:extLst>
+              <a:ext uri="{FF2B5EF4-FFF2-40B4-BE49-F238E27FC236}">
+                <a16:creationId xmlns:a16="http://schemas.microsoft.com/office/drawing/2014/main" id="{39A1D606-8DD1-369C-5C09-471CDD551AD5}"/>
+              </a:ext>
+            </a:extLst>
+          </p:cNvPr>
+          <p:cNvSpPr>
+            <a:spLocks noGrp="1"/>
+          </p:cNvSpPr>
+          <p:nvPr>
+            <p:ph type="title"/>
+          </p:nvPr>
+        </p:nvSpPr>
+        <p:spPr>
+          <a:xfrm>
+            <a:off x="838200" y="365126"/>
+            <a:ext cx="10515600" cy="718608"/>
+          </a:xfrm>
+        </p:spPr>
+        <p:txBody>
+          <a:bodyPr>
+            <a:normAutofit/>
+          </a:bodyPr>
+          <a:lstStyle/>
+          <a:p>
+            <a:r>
+              <a:rPr lang="nl-NL" sz="3600" dirty="0"/>
+              <a:t>Belang van test data</a:t>
+            </a:r>
+            <a:endParaRPr lang="nl-NL" sz="3600" noProof="0" dirty="0"/>
+          </a:p>
+        </p:txBody>
+      </p:sp>
+      <p:sp>
+        <p:nvSpPr>
+          <p:cNvPr id="4" name="TextBox 3">
+            <a:extLst>
+              <a:ext uri="{FF2B5EF4-FFF2-40B4-BE49-F238E27FC236}">
+                <a16:creationId xmlns:a16="http://schemas.microsoft.com/office/drawing/2014/main" id="{B47EA95A-6DDD-ED89-357A-943A5BC87A94}"/>
+              </a:ext>
+            </a:extLst>
+          </p:cNvPr>
+          <p:cNvSpPr txBox="1"/>
+          <p:nvPr/>
+        </p:nvSpPr>
+        <p:spPr>
+          <a:xfrm>
+            <a:off x="6555232" y="2530561"/>
+            <a:ext cx="184731" cy="369332"/>
+          </a:xfrm>
+          <a:prstGeom prst="rect">
+            <a:avLst/>
+          </a:prstGeom>
+          <a:noFill/>
+        </p:spPr>
+        <p:txBody>
+          <a:bodyPr wrap="none" rtlCol="0">
+            <a:spAutoFit/>
+          </a:bodyPr>
+          <a:lstStyle/>
+          <a:p>
+            <a:endParaRPr lang="en-NL" dirty="0"/>
+          </a:p>
+        </p:txBody>
+      </p:sp>
+      <p:sp>
+        <p:nvSpPr>
+          <p:cNvPr id="9" name="Content Placeholder 2">
+            <a:extLst>
+              <a:ext uri="{FF2B5EF4-FFF2-40B4-BE49-F238E27FC236}">
+                <a16:creationId xmlns:a16="http://schemas.microsoft.com/office/drawing/2014/main" id="{859EFECF-ED02-A3B2-D77A-667F104FEDE5}"/>
+              </a:ext>
+            </a:extLst>
+          </p:cNvPr>
+          <p:cNvSpPr txBox="1">
+            <a:spLocks/>
+          </p:cNvSpPr>
+          <p:nvPr/>
+        </p:nvSpPr>
+        <p:spPr>
+          <a:xfrm>
+            <a:off x="990601" y="1608667"/>
+            <a:ext cx="6996403" cy="4720696"/>
+          </a:xfrm>
+          <a:prstGeom prst="rect">
+            <a:avLst/>
+          </a:prstGeom>
+        </p:spPr>
+        <p:txBody>
+          <a:bodyPr vert="horz" lIns="91440" tIns="45720" rIns="91440" bIns="45720" rtlCol="0">
+            <a:normAutofit/>
+          </a:bodyPr>
+          <a:lstStyle>
+            <a:lvl1pPr marL="228600" indent="-228600" algn="l" defTabSz="914400" rtl="0" eaLnBrk="1" latinLnBrk="0" hangingPunct="1">
+              <a:lnSpc>
+                <a:spcPct val="90000"/>
+              </a:lnSpc>
+              <a:spcBef>
+                <a:spcPts val="1000"/>
+              </a:spcBef>
+              <a:buFont typeface="Arial" panose="020B0604020202020204" pitchFamily="34" charset="0"/>
+              <a:buChar char="•"/>
+              <a:defRPr sz="2800" kern="1200">
+                <a:solidFill>
+                  <a:schemeClr val="tx1"/>
+                </a:solidFill>
+                <a:latin typeface="+mn-lt"/>
+                <a:ea typeface="+mn-ea"/>
+                <a:cs typeface="+mn-cs"/>
+              </a:defRPr>
+            </a:lvl1pPr>
+            <a:lvl2pPr marL="685800" indent="-228600" algn="l" defTabSz="914400" rtl="0" eaLnBrk="1" latinLnBrk="0" hangingPunct="1">
+              <a:lnSpc>
+                <a:spcPct val="90000"/>
+              </a:lnSpc>
+              <a:spcBef>
+                <a:spcPts val="500"/>
+              </a:spcBef>
+              <a:buFont typeface="Arial" panose="020B0604020202020204" pitchFamily="34" charset="0"/>
+              <a:buChar char="•"/>
+              <a:defRPr sz="2400" kern="1200">
+                <a:solidFill>
+                  <a:schemeClr val="tx1"/>
+                </a:solidFill>
+                <a:latin typeface="+mn-lt"/>
+                <a:ea typeface="+mn-ea"/>
+                <a:cs typeface="+mn-cs"/>
+              </a:defRPr>
+            </a:lvl2pPr>
+            <a:lvl3pPr marL="1143000" indent="-228600" algn="l" defTabSz="914400" rtl="0" eaLnBrk="1" latinLnBrk="0" hangingPunct="1">
+              <a:lnSpc>
+                <a:spcPct val="90000"/>
+              </a:lnSpc>
+              <a:spcBef>
+                <a:spcPts val="500"/>
+              </a:spcBef>
+              <a:buFont typeface="Arial" panose="020B0604020202020204" pitchFamily="34" charset="0"/>
+              <a:buChar char="•"/>
+              <a:defRPr sz="2000" kern="1200">
+                <a:solidFill>
+                  <a:schemeClr val="tx1"/>
+                </a:solidFill>
+                <a:latin typeface="+mn-lt"/>
+                <a:ea typeface="+mn-ea"/>
+                <a:cs typeface="+mn-cs"/>
+              </a:defRPr>
+            </a:lvl3pPr>
+            <a:lvl4pPr marL="1600200" indent="-228600" algn="l" defTabSz="914400" rtl="0" eaLnBrk="1" latinLnBrk="0" hangingPunct="1">
+              <a:lnSpc>
+                <a:spcPct val="90000"/>
+              </a:lnSpc>
+              <a:spcBef>
+                <a:spcPts val="500"/>
+              </a:spcBef>
+              <a:buFont typeface="Arial" panose="020B0604020202020204" pitchFamily="34" charset="0"/>
+              <a:buChar char="•"/>
+              <a:defRPr sz="1800" kern="1200">
+                <a:solidFill>
+                  <a:schemeClr val="tx1"/>
+                </a:solidFill>
+                <a:latin typeface="+mn-lt"/>
+                <a:ea typeface="+mn-ea"/>
+                <a:cs typeface="+mn-cs"/>
+              </a:defRPr>
+            </a:lvl4pPr>
+            <a:lvl5pPr marL="2057400" indent="-228600" algn="l" defTabSz="914400" rtl="0" eaLnBrk="1" latinLnBrk="0" hangingPunct="1">
+              <a:lnSpc>
+                <a:spcPct val="90000"/>
+              </a:lnSpc>
+              <a:spcBef>
+                <a:spcPts val="500"/>
+              </a:spcBef>
+              <a:buFont typeface="Arial" panose="020B0604020202020204" pitchFamily="34" charset="0"/>
+              <a:buChar char="•"/>
+              <a:defRPr sz="1800" kern="1200">
+                <a:solidFill>
+                  <a:schemeClr val="tx1"/>
+                </a:solidFill>
+                <a:latin typeface="+mn-lt"/>
+                <a:ea typeface="+mn-ea"/>
+                <a:cs typeface="+mn-cs"/>
+              </a:defRPr>
+            </a:lvl5pPr>
+            <a:lvl6pPr marL="2514600" indent="-228600" algn="l" defTabSz="914400" rtl="0" eaLnBrk="1" latinLnBrk="0" hangingPunct="1">
+              <a:lnSpc>
+                <a:spcPct val="90000"/>
+              </a:lnSpc>
+              <a:spcBef>
+                <a:spcPts val="500"/>
+              </a:spcBef>
+              <a:buFont typeface="Arial" panose="020B0604020202020204" pitchFamily="34" charset="0"/>
+              <a:buChar char="•"/>
+              <a:defRPr sz="1800" kern="1200">
+                <a:solidFill>
+                  <a:schemeClr val="tx1"/>
+                </a:solidFill>
+                <a:latin typeface="+mn-lt"/>
+                <a:ea typeface="+mn-ea"/>
+                <a:cs typeface="+mn-cs"/>
+              </a:defRPr>
+            </a:lvl6pPr>
+            <a:lvl7pPr marL="2971800" indent="-228600" algn="l" defTabSz="914400" rtl="0" eaLnBrk="1" latinLnBrk="0" hangingPunct="1">
+              <a:lnSpc>
+                <a:spcPct val="90000"/>
+              </a:lnSpc>
+              <a:spcBef>
+                <a:spcPts val="500"/>
+              </a:spcBef>
+              <a:buFont typeface="Arial" panose="020B0604020202020204" pitchFamily="34" charset="0"/>
+              <a:buChar char="•"/>
+              <a:defRPr sz="1800" kern="1200">
+                <a:solidFill>
+                  <a:schemeClr val="tx1"/>
+                </a:solidFill>
+                <a:latin typeface="+mn-lt"/>
+                <a:ea typeface="+mn-ea"/>
+                <a:cs typeface="+mn-cs"/>
+              </a:defRPr>
+            </a:lvl7pPr>
+            <a:lvl8pPr marL="3429000" indent="-228600" algn="l" defTabSz="914400" rtl="0" eaLnBrk="1" latinLnBrk="0" hangingPunct="1">
+              <a:lnSpc>
+                <a:spcPct val="90000"/>
+              </a:lnSpc>
+              <a:spcBef>
+                <a:spcPts val="500"/>
+              </a:spcBef>
+              <a:buFont typeface="Arial" panose="020B0604020202020204" pitchFamily="34" charset="0"/>
+              <a:buChar char="•"/>
+              <a:defRPr sz="1800" kern="1200">
+                <a:solidFill>
+                  <a:schemeClr val="tx1"/>
+                </a:solidFill>
+                <a:latin typeface="+mn-lt"/>
+                <a:ea typeface="+mn-ea"/>
+                <a:cs typeface="+mn-cs"/>
+              </a:defRPr>
+            </a:lvl8pPr>
+            <a:lvl9pPr marL="3886200" indent="-228600" algn="l" defTabSz="914400" rtl="0" eaLnBrk="1" latinLnBrk="0" hangingPunct="1">
+              <a:lnSpc>
+                <a:spcPct val="90000"/>
+              </a:lnSpc>
+              <a:spcBef>
+                <a:spcPts val="500"/>
+              </a:spcBef>
+              <a:buFont typeface="Arial" panose="020B0604020202020204" pitchFamily="34" charset="0"/>
+              <a:buChar char="•"/>
+              <a:defRPr sz="1800" kern="1200">
+                <a:solidFill>
+                  <a:schemeClr val="tx1"/>
+                </a:solidFill>
+                <a:latin typeface="+mn-lt"/>
+                <a:ea typeface="+mn-ea"/>
+                <a:cs typeface="+mn-cs"/>
+              </a:defRPr>
+            </a:lvl9pPr>
+          </a:lstStyle>
+          <a:p>
+            <a:pPr marL="0" indent="0">
+              <a:buNone/>
+            </a:pPr>
+            <a:r>
               <a:rPr lang="nl-NL" sz="2000" dirty="0"/>
-              <a:t>Deze optimalisatie kan te ver doorschieten; dit heet "overfitting".</a:t>
+              <a:t>Modellen minimaliseren foutmarge op de </a:t>
+            </a:r>
+            <a:r>
+              <a:rPr lang="nl-NL" sz="2000" u="sng" dirty="0"/>
+              <a:t>gegeven</a:t>
+            </a:r>
+            <a:r>
+              <a:rPr lang="nl-NL" sz="2000" dirty="0"/>
+              <a:t> data.</a:t>
             </a:r>
           </a:p>
           <a:p>
@@ -14688,7 +15689,7 @@
             </a:pPr>
             <a:r>
               <a:rPr lang="nl-NL" sz="2000" dirty="0"/>
-              <a:t>Door overfitting generaliseert het model niet goed naar de populatie.</a:t>
+              <a:t>Deze optimalisatie kan te ver doorschieten: "overfitting".</a:t>
             </a:r>
           </a:p>
           <a:p>
@@ -14703,15 +15704,7 @@
             </a:pPr>
             <a:r>
               <a:rPr lang="nl-NL" sz="2000" dirty="0"/>
-              <a:t>Test modellen altijd op data die </a:t>
-            </a:r>
-            <a:r>
-              <a:rPr lang="nl-NL" sz="2000" u="sng" dirty="0"/>
-              <a:t>niet</a:t>
-            </a:r>
-            <a:r>
-              <a:rPr lang="nl-NL" sz="2000" dirty="0"/>
-              <a:t> gebruikt is bij het trainen; een test set.</a:t>
+              <a:t>Bij overfitting generaliseert het model slecht naar de populatie.</a:t>
             </a:r>
           </a:p>
           <a:p>
@@ -14726,7 +15719,30 @@
             </a:pPr>
             <a:r>
               <a:rPr lang="nl-NL" sz="2000" dirty="0"/>
-              <a:t>Er is sprake van overfitting als prestaties op de train set veel beter zijn dan op de test set.</a:t>
+              <a:t>Test op data die </a:t>
+            </a:r>
+            <a:r>
+              <a:rPr lang="nl-NL" sz="2000" u="sng" dirty="0"/>
+              <a:t>niet</a:t>
+            </a:r>
+            <a:r>
+              <a:rPr lang="nl-NL" sz="2000" dirty="0"/>
+              <a:t> gebruikt is bij het trainen: een test dataset.</a:t>
+            </a:r>
+          </a:p>
+          <a:p>
+            <a:pPr marL="0" indent="0">
+              <a:buNone/>
+            </a:pPr>
+            <a:endParaRPr lang="nl-NL" sz="2000" dirty="0"/>
+          </a:p>
+          <a:p>
+            <a:pPr marL="0" indent="0">
+              <a:buNone/>
+            </a:pPr>
+            <a:r>
+              <a:rPr lang="nl-NL" sz="2000" dirty="0"/>
+              <a:t>Overfitting: Prestaties op train set veel beter dan op test set.</a:t>
             </a:r>
           </a:p>
         </p:txBody>
@@ -14774,7 +15790,7 @@
 </p:sld>
 </file>
 
-<file path=ppt/slides/slide31.xml><?xml version="1.0" encoding="utf-8"?>
+<file path=ppt/slides/slide32.xml><?xml version="1.0" encoding="utf-8"?>
 <p:sld xmlns:a="http://schemas.openxmlformats.org/drawingml/2006/main" xmlns:r="http://schemas.openxmlformats.org/officeDocument/2006/relationships" xmlns:p="http://schemas.openxmlformats.org/presentationml/2006/main">
   <p:cSld>
     <p:spTree>
@@ -16229,7 +17245,399 @@
 </p:sld>
 </file>
 
-<file path=ppt/slides/slide32.xml><?xml version="1.0" encoding="utf-8"?>
+<file path=ppt/slides/slide33.xml><?xml version="1.0" encoding="utf-8"?>
+<p:sld xmlns:a="http://schemas.openxmlformats.org/drawingml/2006/main" xmlns:r="http://schemas.openxmlformats.org/officeDocument/2006/relationships" xmlns:p="http://schemas.openxmlformats.org/presentationml/2006/main">
+  <p:cSld>
+    <p:spTree>
+      <p:nvGrpSpPr>
+        <p:cNvPr id="1" name=""/>
+        <p:cNvGrpSpPr/>
+        <p:nvPr/>
+      </p:nvGrpSpPr>
+      <p:grpSpPr>
+        <a:xfrm>
+          <a:off x="0" y="0"/>
+          <a:ext cx="0" cy="0"/>
+          <a:chOff x="0" y="0"/>
+          <a:chExt cx="0" cy="0"/>
+        </a:xfrm>
+      </p:grpSpPr>
+      <p:sp>
+        <p:nvSpPr>
+          <p:cNvPr id="2" name="Title 1">
+            <a:extLst>
+              <a:ext uri="{FF2B5EF4-FFF2-40B4-BE49-F238E27FC236}">
+                <a16:creationId xmlns:a16="http://schemas.microsoft.com/office/drawing/2014/main" id="{39A1D606-8DD1-369C-5C09-471CDD551AD5}"/>
+              </a:ext>
+            </a:extLst>
+          </p:cNvPr>
+          <p:cNvSpPr>
+            <a:spLocks noGrp="1"/>
+          </p:cNvSpPr>
+          <p:nvPr>
+            <p:ph type="title"/>
+          </p:nvPr>
+        </p:nvSpPr>
+        <p:spPr>
+          <a:xfrm>
+            <a:off x="838200" y="365126"/>
+            <a:ext cx="10515600" cy="718608"/>
+          </a:xfrm>
+        </p:spPr>
+        <p:txBody>
+          <a:bodyPr>
+            <a:normAutofit/>
+          </a:bodyPr>
+          <a:lstStyle/>
+          <a:p>
+            <a:r>
+              <a:rPr lang="nl-NL" sz="3600" noProof="0" dirty="0"/>
+              <a:t>Oefeningen IV</a:t>
+            </a:r>
+          </a:p>
+        </p:txBody>
+      </p:sp>
+      <p:sp>
+        <p:nvSpPr>
+          <p:cNvPr id="3" name="Content Placeholder 2">
+            <a:extLst>
+              <a:ext uri="{FF2B5EF4-FFF2-40B4-BE49-F238E27FC236}">
+                <a16:creationId xmlns:a16="http://schemas.microsoft.com/office/drawing/2014/main" id="{F4C2D286-E049-0AAB-1360-B7157E11AD7E}"/>
+              </a:ext>
+            </a:extLst>
+          </p:cNvPr>
+          <p:cNvSpPr>
+            <a:spLocks noGrp="1"/>
+          </p:cNvSpPr>
+          <p:nvPr>
+            <p:ph idx="1"/>
+          </p:nvPr>
+        </p:nvSpPr>
+        <p:spPr>
+          <a:xfrm>
+            <a:off x="838200" y="1456267"/>
+            <a:ext cx="10375900" cy="4720696"/>
+          </a:xfrm>
+        </p:spPr>
+        <p:txBody>
+          <a:bodyPr>
+            <a:normAutofit/>
+          </a:bodyPr>
+          <a:lstStyle/>
+          <a:p>
+            <a:pPr marL="457200" indent="-457200">
+              <a:buFont typeface="Arial" panose="020B0604020202020204" pitchFamily="34" charset="0"/>
+              <a:buAutoNum type="arabicPeriod"/>
+            </a:pPr>
+            <a:r>
+              <a:rPr lang="nl-NL" sz="2000" dirty="0"/>
+              <a:t>Open Notebook: </a:t>
+            </a:r>
+            <a:r>
+              <a:rPr lang="nl-NL" sz="2000" dirty="0" err="1">
+                <a:latin typeface="Courier New" panose="02070309020205020404" pitchFamily="49" charset="0"/>
+                <a:cs typeface="Courier New" panose="02070309020205020404" pitchFamily="49" charset="0"/>
+              </a:rPr>
+              <a:t>exercises</a:t>
+            </a:r>
+            <a:r>
+              <a:rPr lang="nl-NL" sz="2000" dirty="0">
+                <a:latin typeface="Courier New" panose="02070309020205020404" pitchFamily="49" charset="0"/>
+                <a:cs typeface="Courier New" panose="02070309020205020404" pitchFamily="49" charset="0"/>
+              </a:rPr>
+              <a:t>/4_validation.ipynb</a:t>
+            </a:r>
+          </a:p>
+          <a:p>
+            <a:pPr marL="457200" lvl="1" indent="0">
+              <a:buNone/>
+            </a:pPr>
+            <a:endParaRPr lang="nl-NL" sz="1600" noProof="0" dirty="0"/>
+          </a:p>
+          <a:p>
+            <a:pPr marL="457200" indent="-457200">
+              <a:buFont typeface="+mj-lt"/>
+              <a:buAutoNum type="arabicPeriod"/>
+            </a:pPr>
+            <a:r>
+              <a:rPr lang="nl-NL" sz="2000" dirty="0"/>
+              <a:t>Maak een </a:t>
+            </a:r>
+            <a:r>
+              <a:rPr lang="nl-NL" sz="2000" dirty="0" err="1">
+                <a:latin typeface="Courier New" panose="02070309020205020404" pitchFamily="49" charset="0"/>
+                <a:cs typeface="Courier New" panose="02070309020205020404" pitchFamily="49" charset="0"/>
+              </a:rPr>
+              <a:t>DummyClassifier</a:t>
+            </a:r>
+            <a:r>
+              <a:rPr lang="nl-NL" sz="2000" dirty="0"/>
+              <a:t> en </a:t>
+            </a:r>
+            <a:r>
+              <a:rPr lang="nl-NL" sz="2000" dirty="0" err="1">
+                <a:latin typeface="Courier New" panose="02070309020205020404" pitchFamily="49" charset="0"/>
+                <a:cs typeface="Courier New" panose="02070309020205020404" pitchFamily="49" charset="0"/>
+              </a:rPr>
+              <a:t>RandomForestClassifier</a:t>
+            </a:r>
+            <a:r>
+              <a:rPr lang="nl-NL" sz="2000" dirty="0"/>
+              <a:t>.</a:t>
+            </a:r>
+          </a:p>
+          <a:p>
+            <a:pPr lvl="1"/>
+            <a:r>
+              <a:rPr lang="nl-NL" sz="1600" noProof="0" dirty="0"/>
+              <a:t>Bundel de data preparatie en het model met een Pipeline.</a:t>
+            </a:r>
+          </a:p>
+          <a:p>
+            <a:pPr lvl="1"/>
+            <a:r>
+              <a:rPr lang="nl-NL" sz="1600" noProof="0" dirty="0"/>
+              <a:t>Gebruik </a:t>
+            </a:r>
+            <a:r>
+              <a:rPr lang="nl-NL" sz="1600" noProof="0" dirty="0" err="1">
+                <a:latin typeface="Courier New" panose="02070309020205020404" pitchFamily="49" charset="0"/>
+                <a:cs typeface="Courier New" panose="02070309020205020404" pitchFamily="49" charset="0"/>
+              </a:rPr>
+              <a:t>stratified</a:t>
+            </a:r>
+            <a:r>
+              <a:rPr lang="nl-NL" sz="1600" noProof="0" dirty="0"/>
+              <a:t> als strategie voor het dummy model.</a:t>
+            </a:r>
+          </a:p>
+          <a:p>
+            <a:pPr marL="457200" indent="-457200">
+              <a:buFont typeface="+mj-lt"/>
+              <a:buAutoNum type="arabicPeriod"/>
+            </a:pPr>
+            <a:endParaRPr lang="nl-NL" sz="2000" noProof="0" dirty="0"/>
+          </a:p>
+          <a:p>
+            <a:pPr marL="457200" indent="-457200">
+              <a:buFont typeface="+mj-lt"/>
+              <a:buAutoNum type="arabicPeriod"/>
+            </a:pPr>
+            <a:r>
+              <a:rPr lang="nl-NL" sz="2000" dirty="0"/>
+              <a:t>Splits de data met </a:t>
+            </a:r>
+            <a:r>
+              <a:rPr lang="nl-NL" sz="2000" dirty="0" err="1">
+                <a:latin typeface="Courier New" panose="02070309020205020404" pitchFamily="49" charset="0"/>
+                <a:cs typeface="Courier New" panose="02070309020205020404" pitchFamily="49" charset="0"/>
+              </a:rPr>
+              <a:t>train_test_split</a:t>
+            </a:r>
+            <a:r>
+              <a:rPr lang="nl-NL" sz="2000" dirty="0">
+                <a:latin typeface="Courier New" panose="02070309020205020404" pitchFamily="49" charset="0"/>
+                <a:cs typeface="Courier New" panose="02070309020205020404" pitchFamily="49" charset="0"/>
+              </a:rPr>
+              <a:t>()</a:t>
+            </a:r>
+            <a:r>
+              <a:rPr lang="nl-NL" sz="2000" dirty="0"/>
+              <a:t>.</a:t>
+            </a:r>
+          </a:p>
+          <a:p>
+            <a:pPr lvl="1"/>
+            <a:r>
+              <a:rPr lang="nl-NL" sz="1600" noProof="0" dirty="0"/>
+              <a:t>Gebruik 70% van de data om te trainen en 30% om te testen.</a:t>
+            </a:r>
+          </a:p>
+          <a:p>
+            <a:pPr lvl="1"/>
+            <a:r>
+              <a:rPr lang="nl-NL" sz="1600" noProof="0" dirty="0"/>
+              <a:t>Welk model doet het beter op de train set? En op de test set?</a:t>
+            </a:r>
+          </a:p>
+          <a:p>
+            <a:pPr lvl="1"/>
+            <a:r>
+              <a:rPr lang="nl-NL" sz="1600" dirty="0"/>
+              <a:t>Is de </a:t>
+            </a:r>
+            <a:r>
+              <a:rPr lang="nl-NL" sz="1600" dirty="0" err="1">
+                <a:latin typeface="Courier New" panose="02070309020205020404" pitchFamily="49" charset="0"/>
+                <a:cs typeface="Courier New" panose="02070309020205020404" pitchFamily="49" charset="0"/>
+              </a:rPr>
+              <a:t>DummyClassifier</a:t>
+            </a:r>
+            <a:r>
+              <a:rPr lang="nl-NL" sz="1600" dirty="0"/>
+              <a:t> accurater dan altijd "No" voorspellen? </a:t>
+            </a:r>
+            <a:r>
+              <a:rPr lang="nl-NL" sz="1600"/>
+              <a:t>Waarom?</a:t>
+            </a:r>
+            <a:endParaRPr lang="nl-NL" sz="1600" noProof="0" dirty="0"/>
+          </a:p>
+          <a:p>
+            <a:pPr marL="457200" lvl="1" indent="0">
+              <a:buNone/>
+            </a:pPr>
+            <a:endParaRPr lang="nl-NL" sz="1600" noProof="0" dirty="0"/>
+          </a:p>
+          <a:p>
+            <a:pPr marL="457200" indent="-457200">
+              <a:buFont typeface="+mj-lt"/>
+              <a:buAutoNum type="arabicPeriod"/>
+            </a:pPr>
+            <a:r>
+              <a:rPr lang="nl-NL" sz="2000" noProof="0" dirty="0"/>
+              <a:t>Gebruik </a:t>
+            </a:r>
+            <a:r>
+              <a:rPr lang="nl-NL" sz="2000" noProof="0" dirty="0" err="1">
+                <a:latin typeface="Courier New" panose="02070309020205020404" pitchFamily="49" charset="0"/>
+                <a:cs typeface="Courier New" panose="02070309020205020404" pitchFamily="49" charset="0"/>
+              </a:rPr>
+              <a:t>KFold</a:t>
+            </a:r>
+            <a:r>
+              <a:rPr lang="nl-NL" sz="2000" noProof="0" dirty="0"/>
+              <a:t> om de data 5 keer op te splitsen.</a:t>
+            </a:r>
+          </a:p>
+          <a:p>
+            <a:pPr lvl="1"/>
+            <a:r>
+              <a:rPr lang="nl-NL" sz="1600" dirty="0"/>
+              <a:t>Zijn de prestaties van </a:t>
+            </a:r>
+            <a:r>
+              <a:rPr lang="nl-NL" sz="1600" dirty="0" err="1">
+                <a:latin typeface="Courier New" panose="02070309020205020404" pitchFamily="49" charset="0"/>
+                <a:cs typeface="Courier New" panose="02070309020205020404" pitchFamily="49" charset="0"/>
+              </a:rPr>
+              <a:t>RandomForestClassifier</a:t>
+            </a:r>
+            <a:r>
+              <a:rPr lang="nl-NL" sz="1600" dirty="0"/>
+              <a:t> consistent over de splits?</a:t>
+            </a:r>
+          </a:p>
+          <a:p>
+            <a:pPr lvl="1"/>
+            <a:r>
+              <a:rPr lang="nl-NL" sz="1600" noProof="0" dirty="0"/>
+              <a:t>Wat zou er aan de hand kunnen zijn?</a:t>
+            </a:r>
+          </a:p>
+          <a:p>
+            <a:pPr lvl="1"/>
+            <a:endParaRPr lang="nl-NL" sz="1600" noProof="0" dirty="0"/>
+          </a:p>
+        </p:txBody>
+      </p:sp>
+    </p:spTree>
+    <p:extLst>
+      <p:ext uri="{BB962C8B-B14F-4D97-AF65-F5344CB8AC3E}">
+        <p14:creationId xmlns:p14="http://schemas.microsoft.com/office/powerpoint/2010/main" val="2660283998"/>
+      </p:ext>
+    </p:extLst>
+  </p:cSld>
+  <p:clrMapOvr>
+    <a:masterClrMapping/>
+  </p:clrMapOvr>
+</p:sld>
+</file>
+
+<file path=ppt/slides/slide34.xml><?xml version="1.0" encoding="utf-8"?>
+<p:sld xmlns:a="http://schemas.openxmlformats.org/drawingml/2006/main" xmlns:r="http://schemas.openxmlformats.org/officeDocument/2006/relationships" xmlns:p="http://schemas.openxmlformats.org/presentationml/2006/main">
+  <p:cSld>
+    <p:spTree>
+      <p:nvGrpSpPr>
+        <p:cNvPr id="1" name=""/>
+        <p:cNvGrpSpPr/>
+        <p:nvPr/>
+      </p:nvGrpSpPr>
+      <p:grpSpPr>
+        <a:xfrm>
+          <a:off x="0" y="0"/>
+          <a:ext cx="0" cy="0"/>
+          <a:chOff x="0" y="0"/>
+          <a:chExt cx="0" cy="0"/>
+        </a:xfrm>
+      </p:grpSpPr>
+      <p:sp>
+        <p:nvSpPr>
+          <p:cNvPr id="4" name="Title 3">
+            <a:extLst>
+              <a:ext uri="{FF2B5EF4-FFF2-40B4-BE49-F238E27FC236}">
+                <a16:creationId xmlns:a16="http://schemas.microsoft.com/office/drawing/2014/main" id="{72C925CA-BCA3-3701-E08E-95652380B32E}"/>
+              </a:ext>
+            </a:extLst>
+          </p:cNvPr>
+          <p:cNvSpPr>
+            <a:spLocks noGrp="1"/>
+          </p:cNvSpPr>
+          <p:nvPr>
+            <p:ph type="title"/>
+          </p:nvPr>
+        </p:nvSpPr>
+        <p:spPr/>
+        <p:txBody>
+          <a:bodyPr/>
+          <a:lstStyle/>
+          <a:p>
+            <a:r>
+              <a:rPr lang="nl-NL" noProof="0" dirty="0"/>
+              <a:t>Modellen in productie</a:t>
+            </a:r>
+          </a:p>
+        </p:txBody>
+      </p:sp>
+      <p:sp>
+        <p:nvSpPr>
+          <p:cNvPr id="5" name="Text Placeholder 4">
+            <a:extLst>
+              <a:ext uri="{FF2B5EF4-FFF2-40B4-BE49-F238E27FC236}">
+                <a16:creationId xmlns:a16="http://schemas.microsoft.com/office/drawing/2014/main" id="{1AB31C95-91AF-DF13-FB58-0DA5F2D9F6F7}"/>
+              </a:ext>
+            </a:extLst>
+          </p:cNvPr>
+          <p:cNvSpPr>
+            <a:spLocks noGrp="1"/>
+          </p:cNvSpPr>
+          <p:nvPr>
+            <p:ph type="body" idx="1"/>
+          </p:nvPr>
+        </p:nvSpPr>
+        <p:spPr/>
+        <p:txBody>
+          <a:bodyPr/>
+          <a:lstStyle/>
+          <a:p>
+            <a:endParaRPr lang="en-NL"/>
+          </a:p>
+        </p:txBody>
+      </p:sp>
+    </p:spTree>
+    <p:extLst>
+      <p:ext uri="{BB962C8B-B14F-4D97-AF65-F5344CB8AC3E}">
+        <p14:creationId xmlns:p14="http://schemas.microsoft.com/office/powerpoint/2010/main" val="140133291"/>
+      </p:ext>
+    </p:extLst>
+  </p:cSld>
+  <p:clrMapOvr>
+    <a:masterClrMapping/>
+  </p:clrMapOvr>
+</p:sld>
+</file>
+
+<file path=ppt/slides/slide35.xml><?xml version="1.0" encoding="utf-8"?>
 <p:sld xmlns:a="http://schemas.openxmlformats.org/drawingml/2006/main" xmlns:r="http://schemas.openxmlformats.org/officeDocument/2006/relationships" xmlns:p="http://schemas.openxmlformats.org/presentationml/2006/main">
   <p:cSld>
     <p:spTree>
@@ -16668,7 +18076,7 @@
 </p:sld>
 </file>
 
-<file path=ppt/slides/slide33.xml><?xml version="1.0" encoding="utf-8"?>
+<file path=ppt/slides/slide36.xml><?xml version="1.0" encoding="utf-8"?>
 <p:sld xmlns:a="http://schemas.openxmlformats.org/drawingml/2006/main" xmlns:r="http://schemas.openxmlformats.org/officeDocument/2006/relationships" xmlns:p="http://schemas.openxmlformats.org/presentationml/2006/main">
   <p:cSld>
     <p:spTree>
@@ -16773,7 +18181,7 @@
 </p:sld>
 </file>
 
-<file path=ppt/slides/slide34.xml><?xml version="1.0" encoding="utf-8"?>
+<file path=ppt/slides/slide37.xml><?xml version="1.0" encoding="utf-8"?>
 <p:sld xmlns:a="http://schemas.openxmlformats.org/drawingml/2006/main" xmlns:r="http://schemas.openxmlformats.org/officeDocument/2006/relationships" xmlns:p="http://schemas.openxmlformats.org/presentationml/2006/main">
   <p:cSld>
     <p:spTree>
@@ -17687,7 +19095,7 @@
 </p:sld>
 </file>
 
-<file path=ppt/slides/slide35.xml><?xml version="1.0" encoding="utf-8"?>
+<file path=ppt/slides/slide38.xml><?xml version="1.0" encoding="utf-8"?>
 <p:sld xmlns:a="http://schemas.openxmlformats.org/drawingml/2006/main" xmlns:r="http://schemas.openxmlformats.org/officeDocument/2006/relationships" xmlns:p="http://schemas.openxmlformats.org/presentationml/2006/main">
   <p:cSld>
     <p:spTree>
@@ -18399,7 +19807,7 @@
 </p:sld>
 </file>
 
-<file path=ppt/slides/slide36.xml><?xml version="1.0" encoding="utf-8"?>
+<file path=ppt/slides/slide39.xml><?xml version="1.0" encoding="utf-8"?>
 <p:sld xmlns:a="http://schemas.openxmlformats.org/drawingml/2006/main" xmlns:r="http://schemas.openxmlformats.org/officeDocument/2006/relationships" xmlns:p="http://schemas.openxmlformats.org/presentationml/2006/main">
   <p:cSld>
     <p:spTree>
@@ -19263,7 +20671,637 @@
 </p:sld>
 </file>
 
-<file path=ppt/slides/slide37.xml><?xml version="1.0" encoding="utf-8"?>
+<file path=ppt/slides/slide4.xml><?xml version="1.0" encoding="utf-8"?>
+<p:sld xmlns:a="http://schemas.openxmlformats.org/drawingml/2006/main" xmlns:r="http://schemas.openxmlformats.org/officeDocument/2006/relationships" xmlns:p="http://schemas.openxmlformats.org/presentationml/2006/main">
+  <p:cSld>
+    <p:spTree>
+      <p:nvGrpSpPr>
+        <p:cNvPr id="1" name=""/>
+        <p:cNvGrpSpPr/>
+        <p:nvPr/>
+      </p:nvGrpSpPr>
+      <p:grpSpPr>
+        <a:xfrm>
+          <a:off x="0" y="0"/>
+          <a:ext cx="0" cy="0"/>
+          <a:chOff x="0" y="0"/>
+          <a:chExt cx="0" cy="0"/>
+        </a:xfrm>
+      </p:grpSpPr>
+      <p:sp>
+        <p:nvSpPr>
+          <p:cNvPr id="2" name="Title 1">
+            <a:extLst>
+              <a:ext uri="{FF2B5EF4-FFF2-40B4-BE49-F238E27FC236}">
+                <a16:creationId xmlns:a16="http://schemas.microsoft.com/office/drawing/2014/main" id="{39A1D606-8DD1-369C-5C09-471CDD551AD5}"/>
+              </a:ext>
+            </a:extLst>
+          </p:cNvPr>
+          <p:cNvSpPr>
+            <a:spLocks noGrp="1"/>
+          </p:cNvSpPr>
+          <p:nvPr>
+            <p:ph type="title"/>
+          </p:nvPr>
+        </p:nvSpPr>
+        <p:spPr>
+          <a:xfrm>
+            <a:off x="838200" y="365126"/>
+            <a:ext cx="10515600" cy="718608"/>
+          </a:xfrm>
+        </p:spPr>
+        <p:txBody>
+          <a:bodyPr>
+            <a:normAutofit/>
+          </a:bodyPr>
+          <a:lstStyle/>
+          <a:p>
+            <a:r>
+              <a:rPr lang="nl-NL" sz="3600" noProof="0" dirty="0"/>
+              <a:t>Overzicht ML landschap</a:t>
+            </a:r>
+          </a:p>
+        </p:txBody>
+      </p:sp>
+      <p:grpSp>
+        <p:nvGrpSpPr>
+          <p:cNvPr id="16" name="Group 15">
+            <a:extLst>
+              <a:ext uri="{FF2B5EF4-FFF2-40B4-BE49-F238E27FC236}">
+                <a16:creationId xmlns:a16="http://schemas.microsoft.com/office/drawing/2014/main" id="{BA1E66AA-A0A7-747F-3295-B5E6F5220E04}"/>
+              </a:ext>
+            </a:extLst>
+          </p:cNvPr>
+          <p:cNvGrpSpPr/>
+          <p:nvPr/>
+        </p:nvGrpSpPr>
+        <p:grpSpPr>
+          <a:xfrm>
+            <a:off x="8076049" y="1711412"/>
+            <a:ext cx="2756930" cy="1791726"/>
+            <a:chOff x="838200" y="1711410"/>
+            <a:chExt cx="2756930" cy="1791726"/>
+          </a:xfrm>
+        </p:grpSpPr>
+        <p:sp>
+          <p:nvSpPr>
+            <p:cNvPr id="6" name="Rectangle 5">
+              <a:extLst>
+                <a:ext uri="{FF2B5EF4-FFF2-40B4-BE49-F238E27FC236}">
+                  <a16:creationId xmlns:a16="http://schemas.microsoft.com/office/drawing/2014/main" id="{1D38F06A-7130-AC87-179C-0C18A1AA4CA8}"/>
+                </a:ext>
+              </a:extLst>
+            </p:cNvPr>
+            <p:cNvSpPr/>
+            <p:nvPr/>
+          </p:nvSpPr>
+          <p:spPr>
+            <a:xfrm>
+              <a:off x="838200" y="2094470"/>
+              <a:ext cx="2756930" cy="1408666"/>
+            </a:xfrm>
+            <a:prstGeom prst="rect">
+              <a:avLst/>
+            </a:prstGeom>
+          </p:spPr>
+          <p:style>
+            <a:lnRef idx="1">
+              <a:schemeClr val="accent3"/>
+            </a:lnRef>
+            <a:fillRef idx="2">
+              <a:schemeClr val="accent3"/>
+            </a:fillRef>
+            <a:effectRef idx="1">
+              <a:schemeClr val="accent3"/>
+            </a:effectRef>
+            <a:fontRef idx="minor">
+              <a:schemeClr val="dk1"/>
+            </a:fontRef>
+          </p:style>
+          <p:txBody>
+            <a:bodyPr rtlCol="0" anchor="ctr"/>
+            <a:lstStyle/>
+            <a:p>
+              <a:pPr algn="ctr"/>
+              <a:r>
+                <a:rPr lang="nl-NL" dirty="0" err="1"/>
+                <a:t>PyTorch</a:t>
+              </a:r>
+              <a:endParaRPr lang="nl-NL" dirty="0"/>
+            </a:p>
+            <a:p>
+              <a:pPr algn="ctr"/>
+              <a:r>
+                <a:rPr lang="nl-NL" dirty="0" err="1"/>
+                <a:t>Keras</a:t>
+              </a:r>
+              <a:endParaRPr lang="nl-NL" dirty="0"/>
+            </a:p>
+          </p:txBody>
+        </p:sp>
+        <p:sp>
+          <p:nvSpPr>
+            <p:cNvPr id="3" name="Rectangle 2">
+              <a:extLst>
+                <a:ext uri="{FF2B5EF4-FFF2-40B4-BE49-F238E27FC236}">
+                  <a16:creationId xmlns:a16="http://schemas.microsoft.com/office/drawing/2014/main" id="{0BCC9F7A-27F2-C61D-B926-0E68B6D7DAA4}"/>
+                </a:ext>
+              </a:extLst>
+            </p:cNvPr>
+            <p:cNvSpPr/>
+            <p:nvPr/>
+          </p:nvSpPr>
+          <p:spPr>
+            <a:xfrm>
+              <a:off x="838200" y="1711410"/>
+              <a:ext cx="2756930" cy="383059"/>
+            </a:xfrm>
+            <a:prstGeom prst="rect">
+              <a:avLst/>
+            </a:prstGeom>
+          </p:spPr>
+          <p:style>
+            <a:lnRef idx="1">
+              <a:schemeClr val="accent4"/>
+            </a:lnRef>
+            <a:fillRef idx="2">
+              <a:schemeClr val="accent4"/>
+            </a:fillRef>
+            <a:effectRef idx="1">
+              <a:schemeClr val="accent4"/>
+            </a:effectRef>
+            <a:fontRef idx="minor">
+              <a:schemeClr val="dk1"/>
+            </a:fontRef>
+          </p:style>
+          <p:txBody>
+            <a:bodyPr rtlCol="0" anchor="t"/>
+            <a:lstStyle/>
+            <a:p>
+              <a:pPr algn="ctr"/>
+              <a:r>
+                <a:rPr lang="nl-NL" b="1" dirty="0" err="1"/>
+                <a:t>Deep</a:t>
+              </a:r>
+              <a:r>
+                <a:rPr lang="nl-NL" b="1" dirty="0"/>
+                <a:t> Learning</a:t>
+              </a:r>
+            </a:p>
+          </p:txBody>
+        </p:sp>
+      </p:grpSp>
+      <p:grpSp>
+        <p:nvGrpSpPr>
+          <p:cNvPr id="17" name="Group 16">
+            <a:extLst>
+              <a:ext uri="{FF2B5EF4-FFF2-40B4-BE49-F238E27FC236}">
+                <a16:creationId xmlns:a16="http://schemas.microsoft.com/office/drawing/2014/main" id="{E0DF0368-47EB-A9DC-B3CC-1B3CA1E64867}"/>
+              </a:ext>
+            </a:extLst>
+          </p:cNvPr>
+          <p:cNvGrpSpPr/>
+          <p:nvPr/>
+        </p:nvGrpSpPr>
+        <p:grpSpPr>
+          <a:xfrm>
+            <a:off x="4643394" y="1711412"/>
+            <a:ext cx="2756931" cy="1791722"/>
+            <a:chOff x="4643394" y="1711412"/>
+            <a:chExt cx="2756931" cy="1791722"/>
+          </a:xfrm>
+        </p:grpSpPr>
+        <p:sp>
+          <p:nvSpPr>
+            <p:cNvPr id="7" name="Rectangle 6">
+              <a:extLst>
+                <a:ext uri="{FF2B5EF4-FFF2-40B4-BE49-F238E27FC236}">
+                  <a16:creationId xmlns:a16="http://schemas.microsoft.com/office/drawing/2014/main" id="{4FCD6A8C-29D6-E5C6-1838-8B707C443CD5}"/>
+                </a:ext>
+              </a:extLst>
+            </p:cNvPr>
+            <p:cNvSpPr/>
+            <p:nvPr/>
+          </p:nvSpPr>
+          <p:spPr>
+            <a:xfrm>
+              <a:off x="4643394" y="1711412"/>
+              <a:ext cx="2756931" cy="383057"/>
+            </a:xfrm>
+            <a:prstGeom prst="rect">
+              <a:avLst/>
+            </a:prstGeom>
+          </p:spPr>
+          <p:style>
+            <a:lnRef idx="1">
+              <a:schemeClr val="accent6"/>
+            </a:lnRef>
+            <a:fillRef idx="2">
+              <a:schemeClr val="accent6"/>
+            </a:fillRef>
+            <a:effectRef idx="1">
+              <a:schemeClr val="accent6"/>
+            </a:effectRef>
+            <a:fontRef idx="minor">
+              <a:schemeClr val="dk1"/>
+            </a:fontRef>
+          </p:style>
+          <p:txBody>
+            <a:bodyPr rtlCol="0" anchor="t"/>
+            <a:lstStyle/>
+            <a:p>
+              <a:pPr algn="ctr"/>
+              <a:r>
+                <a:rPr lang="nl-NL" dirty="0"/>
+                <a:t>Machine Learning</a:t>
+              </a:r>
+            </a:p>
+          </p:txBody>
+        </p:sp>
+        <p:sp>
+          <p:nvSpPr>
+            <p:cNvPr id="4" name="Rectangle 3">
+              <a:extLst>
+                <a:ext uri="{FF2B5EF4-FFF2-40B4-BE49-F238E27FC236}">
+                  <a16:creationId xmlns:a16="http://schemas.microsoft.com/office/drawing/2014/main" id="{2C38E716-E909-96D4-4449-564CCA453D46}"/>
+                </a:ext>
+              </a:extLst>
+            </p:cNvPr>
+            <p:cNvSpPr/>
+            <p:nvPr/>
+          </p:nvSpPr>
+          <p:spPr>
+            <a:xfrm>
+              <a:off x="4643394" y="2094469"/>
+              <a:ext cx="2756931" cy="1408665"/>
+            </a:xfrm>
+            <a:prstGeom prst="rect">
+              <a:avLst/>
+            </a:prstGeom>
+          </p:spPr>
+          <p:style>
+            <a:lnRef idx="1">
+              <a:schemeClr val="accent3"/>
+            </a:lnRef>
+            <a:fillRef idx="2">
+              <a:schemeClr val="accent3"/>
+            </a:fillRef>
+            <a:effectRef idx="1">
+              <a:schemeClr val="accent3"/>
+            </a:effectRef>
+            <a:fontRef idx="minor">
+              <a:schemeClr val="dk1"/>
+            </a:fontRef>
+          </p:style>
+          <p:txBody>
+            <a:bodyPr rtlCol="0" anchor="ctr"/>
+            <a:lstStyle/>
+            <a:p>
+              <a:pPr algn="ctr"/>
+              <a:r>
+                <a:rPr lang="nl-NL" dirty="0" err="1"/>
+                <a:t>scikit-learn</a:t>
+              </a:r>
+              <a:endParaRPr lang="nl-NL" dirty="0"/>
+            </a:p>
+            <a:p>
+              <a:pPr algn="ctr"/>
+              <a:r>
+                <a:rPr lang="nl-NL" dirty="0" err="1"/>
+                <a:t>LightGBM</a:t>
+              </a:r>
+              <a:endParaRPr lang="nl-NL" dirty="0"/>
+            </a:p>
+          </p:txBody>
+        </p:sp>
+      </p:grpSp>
+      <p:grpSp>
+        <p:nvGrpSpPr>
+          <p:cNvPr id="18" name="Group 17">
+            <a:extLst>
+              <a:ext uri="{FF2B5EF4-FFF2-40B4-BE49-F238E27FC236}">
+                <a16:creationId xmlns:a16="http://schemas.microsoft.com/office/drawing/2014/main" id="{90991C0E-5769-BE9C-7A45-FF1D2E979AAF}"/>
+              </a:ext>
+            </a:extLst>
+          </p:cNvPr>
+          <p:cNvGrpSpPr/>
+          <p:nvPr/>
+        </p:nvGrpSpPr>
+        <p:grpSpPr>
+          <a:xfrm>
+            <a:off x="1210739" y="1711412"/>
+            <a:ext cx="2756931" cy="1791722"/>
+            <a:chOff x="8448589" y="1711411"/>
+            <a:chExt cx="2756931" cy="1791722"/>
+          </a:xfrm>
+        </p:grpSpPr>
+        <p:sp>
+          <p:nvSpPr>
+            <p:cNvPr id="10" name="Rectangle 9">
+              <a:extLst>
+                <a:ext uri="{FF2B5EF4-FFF2-40B4-BE49-F238E27FC236}">
+                  <a16:creationId xmlns:a16="http://schemas.microsoft.com/office/drawing/2014/main" id="{06AA83AA-E066-ABF0-626E-4AF185EBD422}"/>
+                </a:ext>
+              </a:extLst>
+            </p:cNvPr>
+            <p:cNvSpPr/>
+            <p:nvPr/>
+          </p:nvSpPr>
+          <p:spPr>
+            <a:xfrm>
+              <a:off x="8448589" y="1711411"/>
+              <a:ext cx="2756930" cy="383057"/>
+            </a:xfrm>
+            <a:prstGeom prst="rect">
+              <a:avLst/>
+            </a:prstGeom>
+          </p:spPr>
+          <p:style>
+            <a:lnRef idx="1">
+              <a:schemeClr val="accent5"/>
+            </a:lnRef>
+            <a:fillRef idx="2">
+              <a:schemeClr val="accent5"/>
+            </a:fillRef>
+            <a:effectRef idx="1">
+              <a:schemeClr val="accent5"/>
+            </a:effectRef>
+            <a:fontRef idx="minor">
+              <a:schemeClr val="dk1"/>
+            </a:fontRef>
+          </p:style>
+          <p:txBody>
+            <a:bodyPr rtlCol="0" anchor="t"/>
+            <a:lstStyle/>
+            <a:p>
+              <a:pPr algn="ctr"/>
+              <a:r>
+                <a:rPr lang="nl-NL" dirty="0"/>
+                <a:t>Statistiek</a:t>
+              </a:r>
+            </a:p>
+          </p:txBody>
+        </p:sp>
+        <p:sp>
+          <p:nvSpPr>
+            <p:cNvPr id="9" name="Rectangle 8">
+              <a:extLst>
+                <a:ext uri="{FF2B5EF4-FFF2-40B4-BE49-F238E27FC236}">
+                  <a16:creationId xmlns:a16="http://schemas.microsoft.com/office/drawing/2014/main" id="{5812AC52-D6EC-F3C4-889C-01479D3B8644}"/>
+                </a:ext>
+              </a:extLst>
+            </p:cNvPr>
+            <p:cNvSpPr/>
+            <p:nvPr/>
+          </p:nvSpPr>
+          <p:spPr>
+            <a:xfrm>
+              <a:off x="8448589" y="2094468"/>
+              <a:ext cx="2756931" cy="1408665"/>
+            </a:xfrm>
+            <a:prstGeom prst="rect">
+              <a:avLst/>
+            </a:prstGeom>
+          </p:spPr>
+          <p:style>
+            <a:lnRef idx="1">
+              <a:schemeClr val="accent3"/>
+            </a:lnRef>
+            <a:fillRef idx="2">
+              <a:schemeClr val="accent3"/>
+            </a:fillRef>
+            <a:effectRef idx="1">
+              <a:schemeClr val="accent3"/>
+            </a:effectRef>
+            <a:fontRef idx="minor">
+              <a:schemeClr val="dk1"/>
+            </a:fontRef>
+          </p:style>
+          <p:txBody>
+            <a:bodyPr rtlCol="0" anchor="ctr"/>
+            <a:lstStyle/>
+            <a:p>
+              <a:pPr algn="ctr"/>
+              <a:r>
+                <a:rPr lang="nl-NL" dirty="0" err="1"/>
+                <a:t>statsmodels</a:t>
+              </a:r>
+              <a:endParaRPr lang="nl-NL" dirty="0"/>
+            </a:p>
+            <a:p>
+              <a:pPr algn="ctr"/>
+              <a:r>
+                <a:rPr lang="nl-NL" dirty="0" err="1"/>
+                <a:t>scipy</a:t>
+              </a:r>
+              <a:endParaRPr lang="nl-NL" dirty="0"/>
+            </a:p>
+          </p:txBody>
+        </p:sp>
+      </p:grpSp>
+      <p:cxnSp>
+        <p:nvCxnSpPr>
+          <p:cNvPr id="8" name="Straight Arrow Connector 7">
+            <a:extLst>
+              <a:ext uri="{FF2B5EF4-FFF2-40B4-BE49-F238E27FC236}">
+                <a16:creationId xmlns:a16="http://schemas.microsoft.com/office/drawing/2014/main" id="{6375CAA6-3461-D17A-D9A6-2304019D8466}"/>
+              </a:ext>
+            </a:extLst>
+          </p:cNvPr>
+          <p:cNvCxnSpPr>
+            <a:cxnSpLocks/>
+          </p:cNvCxnSpPr>
+          <p:nvPr/>
+        </p:nvCxnSpPr>
+        <p:spPr>
+          <a:xfrm>
+            <a:off x="1210739" y="4118672"/>
+            <a:ext cx="9622240" cy="0"/>
+          </a:xfrm>
+          <a:prstGeom prst="straightConnector1">
+            <a:avLst/>
+          </a:prstGeom>
+          <a:ln>
+            <a:headEnd type="none" w="lg" len="lg"/>
+            <a:tailEnd type="triangle" w="lg" len="lg"/>
+          </a:ln>
+        </p:spPr>
+        <p:style>
+          <a:lnRef idx="2">
+            <a:schemeClr val="dk1"/>
+          </a:lnRef>
+          <a:fillRef idx="0">
+            <a:schemeClr val="dk1"/>
+          </a:fillRef>
+          <a:effectRef idx="1">
+            <a:schemeClr val="dk1"/>
+          </a:effectRef>
+          <a:fontRef idx="minor">
+            <a:schemeClr val="tx1"/>
+          </a:fontRef>
+        </p:style>
+      </p:cxnSp>
+      <p:sp>
+        <p:nvSpPr>
+          <p:cNvPr id="19" name="TextBox 18">
+            <a:extLst>
+              <a:ext uri="{FF2B5EF4-FFF2-40B4-BE49-F238E27FC236}">
+                <a16:creationId xmlns:a16="http://schemas.microsoft.com/office/drawing/2014/main" id="{72F1BCE1-B698-3A93-E90A-113B364B3AFE}"/>
+              </a:ext>
+            </a:extLst>
+          </p:cNvPr>
+          <p:cNvSpPr txBox="1"/>
+          <p:nvPr/>
+        </p:nvSpPr>
+        <p:spPr>
+          <a:xfrm>
+            <a:off x="1210738" y="3685485"/>
+            <a:ext cx="9622240" cy="369332"/>
+          </a:xfrm>
+          <a:prstGeom prst="rect">
+            <a:avLst/>
+          </a:prstGeom>
+          <a:noFill/>
+        </p:spPr>
+        <p:txBody>
+          <a:bodyPr wrap="square" rtlCol="0">
+            <a:spAutoFit/>
+          </a:bodyPr>
+          <a:lstStyle/>
+          <a:p>
+            <a:pPr algn="ctr"/>
+            <a:r>
+              <a:rPr lang="nl-NL" dirty="0"/>
+              <a:t>Complexiteit modellen</a:t>
+            </a:r>
+          </a:p>
+        </p:txBody>
+      </p:sp>
+      <p:sp>
+        <p:nvSpPr>
+          <p:cNvPr id="20" name="TextBox 19">
+            <a:extLst>
+              <a:ext uri="{FF2B5EF4-FFF2-40B4-BE49-F238E27FC236}">
+                <a16:creationId xmlns:a16="http://schemas.microsoft.com/office/drawing/2014/main" id="{2922F921-723B-5393-646C-CAC75091C053}"/>
+              </a:ext>
+            </a:extLst>
+          </p:cNvPr>
+          <p:cNvSpPr txBox="1"/>
+          <p:nvPr/>
+        </p:nvSpPr>
+        <p:spPr>
+          <a:xfrm>
+            <a:off x="1201730" y="4304392"/>
+            <a:ext cx="2216825" cy="1477328"/>
+          </a:xfrm>
+          <a:prstGeom prst="rect">
+            <a:avLst/>
+          </a:prstGeom>
+          <a:noFill/>
+        </p:spPr>
+        <p:txBody>
+          <a:bodyPr wrap="none" rtlCol="0">
+            <a:spAutoFit/>
+          </a:bodyPr>
+          <a:lstStyle/>
+          <a:p>
+            <a:r>
+              <a:rPr lang="nl-NL" dirty="0"/>
+              <a:t>Kleine datasets</a:t>
+            </a:r>
+          </a:p>
+          <a:p>
+            <a:endParaRPr lang="nl-NL" dirty="0"/>
+          </a:p>
+          <a:p>
+            <a:r>
+              <a:rPr lang="nl-NL" dirty="0"/>
+              <a:t>Gestructureerde data</a:t>
+            </a:r>
+          </a:p>
+          <a:p>
+            <a:endParaRPr lang="nl-NL" dirty="0"/>
+          </a:p>
+          <a:p>
+            <a:r>
+              <a:rPr lang="nl-NL" dirty="0"/>
+              <a:t>Begrijpelijk</a:t>
+            </a:r>
+          </a:p>
+        </p:txBody>
+      </p:sp>
+      <p:sp>
+        <p:nvSpPr>
+          <p:cNvPr id="21" name="TextBox 20">
+            <a:extLst>
+              <a:ext uri="{FF2B5EF4-FFF2-40B4-BE49-F238E27FC236}">
+                <a16:creationId xmlns:a16="http://schemas.microsoft.com/office/drawing/2014/main" id="{3D2123A2-80E5-F3E7-1C0B-8C21DBE90121}"/>
+              </a:ext>
+            </a:extLst>
+          </p:cNvPr>
+          <p:cNvSpPr txBox="1"/>
+          <p:nvPr/>
+        </p:nvSpPr>
+        <p:spPr>
+          <a:xfrm>
+            <a:off x="8388495" y="4306998"/>
+            <a:ext cx="2454838" cy="1477328"/>
+          </a:xfrm>
+          <a:prstGeom prst="rect">
+            <a:avLst/>
+          </a:prstGeom>
+          <a:noFill/>
+        </p:spPr>
+        <p:txBody>
+          <a:bodyPr wrap="none" rtlCol="0">
+            <a:spAutoFit/>
+          </a:bodyPr>
+          <a:lstStyle/>
+          <a:p>
+            <a:pPr algn="r"/>
+            <a:r>
+              <a:rPr lang="nl-NL" dirty="0"/>
+              <a:t>Grote datasets</a:t>
+            </a:r>
+          </a:p>
+          <a:p>
+            <a:pPr algn="r"/>
+            <a:endParaRPr lang="nl-NL" dirty="0"/>
+          </a:p>
+          <a:p>
+            <a:pPr algn="r"/>
+            <a:r>
+              <a:rPr lang="nl-NL" dirty="0"/>
+              <a:t>Ongestructureerde data</a:t>
+            </a:r>
+          </a:p>
+          <a:p>
+            <a:pPr algn="r"/>
+            <a:endParaRPr lang="nl-NL" dirty="0"/>
+          </a:p>
+          <a:p>
+            <a:pPr algn="r"/>
+            <a:r>
+              <a:rPr lang="nl-NL" dirty="0"/>
+              <a:t>"Black box"</a:t>
+            </a:r>
+          </a:p>
+        </p:txBody>
+      </p:sp>
+    </p:spTree>
+    <p:extLst>
+      <p:ext uri="{BB962C8B-B14F-4D97-AF65-F5344CB8AC3E}">
+        <p14:creationId xmlns:p14="http://schemas.microsoft.com/office/powerpoint/2010/main" val="2346225741"/>
+      </p:ext>
+    </p:extLst>
+  </p:cSld>
+  <p:clrMapOvr>
+    <a:masterClrMapping/>
+  </p:clrMapOvr>
+</p:sld>
+</file>
+
+<file path=ppt/slides/slide40.xml><?xml version="1.0" encoding="utf-8"?>
 <p:sld xmlns:a="http://schemas.openxmlformats.org/drawingml/2006/main" xmlns:r="http://schemas.openxmlformats.org/officeDocument/2006/relationships" xmlns:p="http://schemas.openxmlformats.org/presentationml/2006/main">
   <p:cSld>
     <p:spTree>
@@ -20221,7 +22259,7 @@
 </p:sld>
 </file>
 
-<file path=ppt/slides/slide38.xml><?xml version="1.0" encoding="utf-8"?>
+<file path=ppt/slides/slide41.xml><?xml version="1.0" encoding="utf-8"?>
 <p:sld xmlns:a="http://schemas.openxmlformats.org/drawingml/2006/main" xmlns:r="http://schemas.openxmlformats.org/officeDocument/2006/relationships" xmlns:p="http://schemas.openxmlformats.org/presentationml/2006/main">
   <p:cSld>
     <p:spTree>
@@ -21273,7 +23311,7 @@
 </p:sld>
 </file>
 
-<file path=ppt/slides/slide39.xml><?xml version="1.0" encoding="utf-8"?>
+<file path=ppt/slides/slide42.xml><?xml version="1.0" encoding="utf-8"?>
 <p:sld xmlns:a="http://schemas.openxmlformats.org/drawingml/2006/main" xmlns:r="http://schemas.openxmlformats.org/officeDocument/2006/relationships" xmlns:p="http://schemas.openxmlformats.org/presentationml/2006/main">
   <p:cSld>
     <p:spTree>
@@ -21863,7 +23901,7 @@
 </p:sld>
 </file>
 
-<file path=ppt/slides/slide4.xml><?xml version="1.0" encoding="utf-8"?>
+<file path=ppt/slides/slide43.xml><?xml version="1.0" encoding="utf-8"?>
 <p:sld xmlns:a="http://schemas.openxmlformats.org/drawingml/2006/main" xmlns:r="http://schemas.openxmlformats.org/officeDocument/2006/relationships" xmlns:p="http://schemas.openxmlformats.org/presentationml/2006/main">
   <p:cSld>
     <p:spTree>
@@ -21910,636 +23948,6 @@
           <a:p>
             <a:r>
               <a:rPr lang="nl-NL" sz="3600" noProof="0" dirty="0"/>
-              <a:t>Overzicht ML landschap</a:t>
-            </a:r>
-          </a:p>
-        </p:txBody>
-      </p:sp>
-      <p:grpSp>
-        <p:nvGrpSpPr>
-          <p:cNvPr id="16" name="Group 15">
-            <a:extLst>
-              <a:ext uri="{FF2B5EF4-FFF2-40B4-BE49-F238E27FC236}">
-                <a16:creationId xmlns:a16="http://schemas.microsoft.com/office/drawing/2014/main" id="{BA1E66AA-A0A7-747F-3295-B5E6F5220E04}"/>
-              </a:ext>
-            </a:extLst>
-          </p:cNvPr>
-          <p:cNvGrpSpPr/>
-          <p:nvPr/>
-        </p:nvGrpSpPr>
-        <p:grpSpPr>
-          <a:xfrm>
-            <a:off x="8076049" y="1711412"/>
-            <a:ext cx="2756930" cy="1791726"/>
-            <a:chOff x="838200" y="1711410"/>
-            <a:chExt cx="2756930" cy="1791726"/>
-          </a:xfrm>
-        </p:grpSpPr>
-        <p:sp>
-          <p:nvSpPr>
-            <p:cNvPr id="6" name="Rectangle 5">
-              <a:extLst>
-                <a:ext uri="{FF2B5EF4-FFF2-40B4-BE49-F238E27FC236}">
-                  <a16:creationId xmlns:a16="http://schemas.microsoft.com/office/drawing/2014/main" id="{1D38F06A-7130-AC87-179C-0C18A1AA4CA8}"/>
-                </a:ext>
-              </a:extLst>
-            </p:cNvPr>
-            <p:cNvSpPr/>
-            <p:nvPr/>
-          </p:nvSpPr>
-          <p:spPr>
-            <a:xfrm>
-              <a:off x="838200" y="2094470"/>
-              <a:ext cx="2756930" cy="1408666"/>
-            </a:xfrm>
-            <a:prstGeom prst="rect">
-              <a:avLst/>
-            </a:prstGeom>
-          </p:spPr>
-          <p:style>
-            <a:lnRef idx="1">
-              <a:schemeClr val="accent3"/>
-            </a:lnRef>
-            <a:fillRef idx="2">
-              <a:schemeClr val="accent3"/>
-            </a:fillRef>
-            <a:effectRef idx="1">
-              <a:schemeClr val="accent3"/>
-            </a:effectRef>
-            <a:fontRef idx="minor">
-              <a:schemeClr val="dk1"/>
-            </a:fontRef>
-          </p:style>
-          <p:txBody>
-            <a:bodyPr rtlCol="0" anchor="ctr"/>
-            <a:lstStyle/>
-            <a:p>
-              <a:pPr algn="ctr"/>
-              <a:r>
-                <a:rPr lang="nl-NL" dirty="0" err="1"/>
-                <a:t>PyTorch</a:t>
-              </a:r>
-              <a:endParaRPr lang="nl-NL" dirty="0"/>
-            </a:p>
-            <a:p>
-              <a:pPr algn="ctr"/>
-              <a:r>
-                <a:rPr lang="nl-NL" dirty="0" err="1"/>
-                <a:t>Keras</a:t>
-              </a:r>
-              <a:endParaRPr lang="nl-NL" dirty="0"/>
-            </a:p>
-          </p:txBody>
-        </p:sp>
-        <p:sp>
-          <p:nvSpPr>
-            <p:cNvPr id="3" name="Rectangle 2">
-              <a:extLst>
-                <a:ext uri="{FF2B5EF4-FFF2-40B4-BE49-F238E27FC236}">
-                  <a16:creationId xmlns:a16="http://schemas.microsoft.com/office/drawing/2014/main" id="{0BCC9F7A-27F2-C61D-B926-0E68B6D7DAA4}"/>
-                </a:ext>
-              </a:extLst>
-            </p:cNvPr>
-            <p:cNvSpPr/>
-            <p:nvPr/>
-          </p:nvSpPr>
-          <p:spPr>
-            <a:xfrm>
-              <a:off x="838200" y="1711410"/>
-              <a:ext cx="2756930" cy="383059"/>
-            </a:xfrm>
-            <a:prstGeom prst="rect">
-              <a:avLst/>
-            </a:prstGeom>
-          </p:spPr>
-          <p:style>
-            <a:lnRef idx="1">
-              <a:schemeClr val="accent4"/>
-            </a:lnRef>
-            <a:fillRef idx="2">
-              <a:schemeClr val="accent4"/>
-            </a:fillRef>
-            <a:effectRef idx="1">
-              <a:schemeClr val="accent4"/>
-            </a:effectRef>
-            <a:fontRef idx="minor">
-              <a:schemeClr val="dk1"/>
-            </a:fontRef>
-          </p:style>
-          <p:txBody>
-            <a:bodyPr rtlCol="0" anchor="t"/>
-            <a:lstStyle/>
-            <a:p>
-              <a:pPr algn="ctr"/>
-              <a:r>
-                <a:rPr lang="nl-NL" b="1" dirty="0" err="1"/>
-                <a:t>Deep</a:t>
-              </a:r>
-              <a:r>
-                <a:rPr lang="nl-NL" b="1" dirty="0"/>
-                <a:t> Learning</a:t>
-              </a:r>
-            </a:p>
-          </p:txBody>
-        </p:sp>
-      </p:grpSp>
-      <p:grpSp>
-        <p:nvGrpSpPr>
-          <p:cNvPr id="17" name="Group 16">
-            <a:extLst>
-              <a:ext uri="{FF2B5EF4-FFF2-40B4-BE49-F238E27FC236}">
-                <a16:creationId xmlns:a16="http://schemas.microsoft.com/office/drawing/2014/main" id="{E0DF0368-47EB-A9DC-B3CC-1B3CA1E64867}"/>
-              </a:ext>
-            </a:extLst>
-          </p:cNvPr>
-          <p:cNvGrpSpPr/>
-          <p:nvPr/>
-        </p:nvGrpSpPr>
-        <p:grpSpPr>
-          <a:xfrm>
-            <a:off x="4643394" y="1711412"/>
-            <a:ext cx="2756931" cy="1791722"/>
-            <a:chOff x="4643394" y="1711412"/>
-            <a:chExt cx="2756931" cy="1791722"/>
-          </a:xfrm>
-        </p:grpSpPr>
-        <p:sp>
-          <p:nvSpPr>
-            <p:cNvPr id="7" name="Rectangle 6">
-              <a:extLst>
-                <a:ext uri="{FF2B5EF4-FFF2-40B4-BE49-F238E27FC236}">
-                  <a16:creationId xmlns:a16="http://schemas.microsoft.com/office/drawing/2014/main" id="{4FCD6A8C-29D6-E5C6-1838-8B707C443CD5}"/>
-                </a:ext>
-              </a:extLst>
-            </p:cNvPr>
-            <p:cNvSpPr/>
-            <p:nvPr/>
-          </p:nvSpPr>
-          <p:spPr>
-            <a:xfrm>
-              <a:off x="4643394" y="1711412"/>
-              <a:ext cx="2756931" cy="383057"/>
-            </a:xfrm>
-            <a:prstGeom prst="rect">
-              <a:avLst/>
-            </a:prstGeom>
-          </p:spPr>
-          <p:style>
-            <a:lnRef idx="1">
-              <a:schemeClr val="accent6"/>
-            </a:lnRef>
-            <a:fillRef idx="2">
-              <a:schemeClr val="accent6"/>
-            </a:fillRef>
-            <a:effectRef idx="1">
-              <a:schemeClr val="accent6"/>
-            </a:effectRef>
-            <a:fontRef idx="minor">
-              <a:schemeClr val="dk1"/>
-            </a:fontRef>
-          </p:style>
-          <p:txBody>
-            <a:bodyPr rtlCol="0" anchor="t"/>
-            <a:lstStyle/>
-            <a:p>
-              <a:pPr algn="ctr"/>
-              <a:r>
-                <a:rPr lang="nl-NL" dirty="0"/>
-                <a:t>Machine Learning</a:t>
-              </a:r>
-            </a:p>
-          </p:txBody>
-        </p:sp>
-        <p:sp>
-          <p:nvSpPr>
-            <p:cNvPr id="4" name="Rectangle 3">
-              <a:extLst>
-                <a:ext uri="{FF2B5EF4-FFF2-40B4-BE49-F238E27FC236}">
-                  <a16:creationId xmlns:a16="http://schemas.microsoft.com/office/drawing/2014/main" id="{2C38E716-E909-96D4-4449-564CCA453D46}"/>
-                </a:ext>
-              </a:extLst>
-            </p:cNvPr>
-            <p:cNvSpPr/>
-            <p:nvPr/>
-          </p:nvSpPr>
-          <p:spPr>
-            <a:xfrm>
-              <a:off x="4643394" y="2094469"/>
-              <a:ext cx="2756931" cy="1408665"/>
-            </a:xfrm>
-            <a:prstGeom prst="rect">
-              <a:avLst/>
-            </a:prstGeom>
-          </p:spPr>
-          <p:style>
-            <a:lnRef idx="1">
-              <a:schemeClr val="accent3"/>
-            </a:lnRef>
-            <a:fillRef idx="2">
-              <a:schemeClr val="accent3"/>
-            </a:fillRef>
-            <a:effectRef idx="1">
-              <a:schemeClr val="accent3"/>
-            </a:effectRef>
-            <a:fontRef idx="minor">
-              <a:schemeClr val="dk1"/>
-            </a:fontRef>
-          </p:style>
-          <p:txBody>
-            <a:bodyPr rtlCol="0" anchor="ctr"/>
-            <a:lstStyle/>
-            <a:p>
-              <a:pPr algn="ctr"/>
-              <a:r>
-                <a:rPr lang="nl-NL" dirty="0" err="1"/>
-                <a:t>scikit-learn</a:t>
-              </a:r>
-              <a:endParaRPr lang="nl-NL" dirty="0"/>
-            </a:p>
-            <a:p>
-              <a:pPr algn="ctr"/>
-              <a:r>
-                <a:rPr lang="nl-NL" dirty="0" err="1"/>
-                <a:t>LightGBM</a:t>
-              </a:r>
-              <a:endParaRPr lang="nl-NL" dirty="0"/>
-            </a:p>
-          </p:txBody>
-        </p:sp>
-      </p:grpSp>
-      <p:grpSp>
-        <p:nvGrpSpPr>
-          <p:cNvPr id="18" name="Group 17">
-            <a:extLst>
-              <a:ext uri="{FF2B5EF4-FFF2-40B4-BE49-F238E27FC236}">
-                <a16:creationId xmlns:a16="http://schemas.microsoft.com/office/drawing/2014/main" id="{90991C0E-5769-BE9C-7A45-FF1D2E979AAF}"/>
-              </a:ext>
-            </a:extLst>
-          </p:cNvPr>
-          <p:cNvGrpSpPr/>
-          <p:nvPr/>
-        </p:nvGrpSpPr>
-        <p:grpSpPr>
-          <a:xfrm>
-            <a:off x="1210739" y="1711412"/>
-            <a:ext cx="2756931" cy="1791722"/>
-            <a:chOff x="8448589" y="1711411"/>
-            <a:chExt cx="2756931" cy="1791722"/>
-          </a:xfrm>
-        </p:grpSpPr>
-        <p:sp>
-          <p:nvSpPr>
-            <p:cNvPr id="10" name="Rectangle 9">
-              <a:extLst>
-                <a:ext uri="{FF2B5EF4-FFF2-40B4-BE49-F238E27FC236}">
-                  <a16:creationId xmlns:a16="http://schemas.microsoft.com/office/drawing/2014/main" id="{06AA83AA-E066-ABF0-626E-4AF185EBD422}"/>
-                </a:ext>
-              </a:extLst>
-            </p:cNvPr>
-            <p:cNvSpPr/>
-            <p:nvPr/>
-          </p:nvSpPr>
-          <p:spPr>
-            <a:xfrm>
-              <a:off x="8448589" y="1711411"/>
-              <a:ext cx="2756930" cy="383057"/>
-            </a:xfrm>
-            <a:prstGeom prst="rect">
-              <a:avLst/>
-            </a:prstGeom>
-          </p:spPr>
-          <p:style>
-            <a:lnRef idx="1">
-              <a:schemeClr val="accent5"/>
-            </a:lnRef>
-            <a:fillRef idx="2">
-              <a:schemeClr val="accent5"/>
-            </a:fillRef>
-            <a:effectRef idx="1">
-              <a:schemeClr val="accent5"/>
-            </a:effectRef>
-            <a:fontRef idx="minor">
-              <a:schemeClr val="dk1"/>
-            </a:fontRef>
-          </p:style>
-          <p:txBody>
-            <a:bodyPr rtlCol="0" anchor="t"/>
-            <a:lstStyle/>
-            <a:p>
-              <a:pPr algn="ctr"/>
-              <a:r>
-                <a:rPr lang="nl-NL" dirty="0"/>
-                <a:t>Statistiek</a:t>
-              </a:r>
-            </a:p>
-          </p:txBody>
-        </p:sp>
-        <p:sp>
-          <p:nvSpPr>
-            <p:cNvPr id="9" name="Rectangle 8">
-              <a:extLst>
-                <a:ext uri="{FF2B5EF4-FFF2-40B4-BE49-F238E27FC236}">
-                  <a16:creationId xmlns:a16="http://schemas.microsoft.com/office/drawing/2014/main" id="{5812AC52-D6EC-F3C4-889C-01479D3B8644}"/>
-                </a:ext>
-              </a:extLst>
-            </p:cNvPr>
-            <p:cNvSpPr/>
-            <p:nvPr/>
-          </p:nvSpPr>
-          <p:spPr>
-            <a:xfrm>
-              <a:off x="8448589" y="2094468"/>
-              <a:ext cx="2756931" cy="1408665"/>
-            </a:xfrm>
-            <a:prstGeom prst="rect">
-              <a:avLst/>
-            </a:prstGeom>
-          </p:spPr>
-          <p:style>
-            <a:lnRef idx="1">
-              <a:schemeClr val="accent3"/>
-            </a:lnRef>
-            <a:fillRef idx="2">
-              <a:schemeClr val="accent3"/>
-            </a:fillRef>
-            <a:effectRef idx="1">
-              <a:schemeClr val="accent3"/>
-            </a:effectRef>
-            <a:fontRef idx="minor">
-              <a:schemeClr val="dk1"/>
-            </a:fontRef>
-          </p:style>
-          <p:txBody>
-            <a:bodyPr rtlCol="0" anchor="ctr"/>
-            <a:lstStyle/>
-            <a:p>
-              <a:pPr algn="ctr"/>
-              <a:r>
-                <a:rPr lang="nl-NL" dirty="0" err="1"/>
-                <a:t>statsmodels</a:t>
-              </a:r>
-              <a:endParaRPr lang="nl-NL" dirty="0"/>
-            </a:p>
-            <a:p>
-              <a:pPr algn="ctr"/>
-              <a:r>
-                <a:rPr lang="nl-NL" dirty="0" err="1"/>
-                <a:t>scipy</a:t>
-              </a:r>
-              <a:endParaRPr lang="nl-NL" dirty="0"/>
-            </a:p>
-          </p:txBody>
-        </p:sp>
-      </p:grpSp>
-      <p:cxnSp>
-        <p:nvCxnSpPr>
-          <p:cNvPr id="8" name="Straight Arrow Connector 7">
-            <a:extLst>
-              <a:ext uri="{FF2B5EF4-FFF2-40B4-BE49-F238E27FC236}">
-                <a16:creationId xmlns:a16="http://schemas.microsoft.com/office/drawing/2014/main" id="{6375CAA6-3461-D17A-D9A6-2304019D8466}"/>
-              </a:ext>
-            </a:extLst>
-          </p:cNvPr>
-          <p:cNvCxnSpPr>
-            <a:cxnSpLocks/>
-          </p:cNvCxnSpPr>
-          <p:nvPr/>
-        </p:nvCxnSpPr>
-        <p:spPr>
-          <a:xfrm>
-            <a:off x="1210739" y="4588930"/>
-            <a:ext cx="9622240" cy="0"/>
-          </a:xfrm>
-          <a:prstGeom prst="straightConnector1">
-            <a:avLst/>
-          </a:prstGeom>
-          <a:ln>
-            <a:headEnd type="none" w="lg" len="lg"/>
-            <a:tailEnd type="triangle" w="lg" len="lg"/>
-          </a:ln>
-        </p:spPr>
-        <p:style>
-          <a:lnRef idx="2">
-            <a:schemeClr val="dk1"/>
-          </a:lnRef>
-          <a:fillRef idx="0">
-            <a:schemeClr val="dk1"/>
-          </a:fillRef>
-          <a:effectRef idx="1">
-            <a:schemeClr val="dk1"/>
-          </a:effectRef>
-          <a:fontRef idx="minor">
-            <a:schemeClr val="tx1"/>
-          </a:fontRef>
-        </p:style>
-      </p:cxnSp>
-      <p:sp>
-        <p:nvSpPr>
-          <p:cNvPr id="19" name="TextBox 18">
-            <a:extLst>
-              <a:ext uri="{FF2B5EF4-FFF2-40B4-BE49-F238E27FC236}">
-                <a16:creationId xmlns:a16="http://schemas.microsoft.com/office/drawing/2014/main" id="{72F1BCE1-B698-3A93-E90A-113B364B3AFE}"/>
-              </a:ext>
-            </a:extLst>
-          </p:cNvPr>
-          <p:cNvSpPr txBox="1"/>
-          <p:nvPr/>
-        </p:nvSpPr>
-        <p:spPr>
-          <a:xfrm>
-            <a:off x="1210738" y="4155743"/>
-            <a:ext cx="9622240" cy="369332"/>
-          </a:xfrm>
-          <a:prstGeom prst="rect">
-            <a:avLst/>
-          </a:prstGeom>
-          <a:noFill/>
-        </p:spPr>
-        <p:txBody>
-          <a:bodyPr wrap="square" rtlCol="0">
-            <a:spAutoFit/>
-          </a:bodyPr>
-          <a:lstStyle/>
-          <a:p>
-            <a:pPr algn="ctr"/>
-            <a:r>
-              <a:rPr lang="nl-NL" dirty="0"/>
-              <a:t>Complexiteit modellen</a:t>
-            </a:r>
-          </a:p>
-        </p:txBody>
-      </p:sp>
-      <p:sp>
-        <p:nvSpPr>
-          <p:cNvPr id="20" name="TextBox 19">
-            <a:extLst>
-              <a:ext uri="{FF2B5EF4-FFF2-40B4-BE49-F238E27FC236}">
-                <a16:creationId xmlns:a16="http://schemas.microsoft.com/office/drawing/2014/main" id="{2922F921-723B-5393-646C-CAC75091C053}"/>
-              </a:ext>
-            </a:extLst>
-          </p:cNvPr>
-          <p:cNvSpPr txBox="1"/>
-          <p:nvPr/>
-        </p:nvSpPr>
-        <p:spPr>
-          <a:xfrm>
-            <a:off x="1201730" y="4774650"/>
-            <a:ext cx="2216825" cy="1477328"/>
-          </a:xfrm>
-          <a:prstGeom prst="rect">
-            <a:avLst/>
-          </a:prstGeom>
-          <a:noFill/>
-        </p:spPr>
-        <p:txBody>
-          <a:bodyPr wrap="none" rtlCol="0">
-            <a:spAutoFit/>
-          </a:bodyPr>
-          <a:lstStyle/>
-          <a:p>
-            <a:r>
-              <a:rPr lang="nl-NL" dirty="0"/>
-              <a:t>Kleine datasets</a:t>
-            </a:r>
-          </a:p>
-          <a:p>
-            <a:endParaRPr lang="nl-NL" dirty="0"/>
-          </a:p>
-          <a:p>
-            <a:r>
-              <a:rPr lang="nl-NL" dirty="0"/>
-              <a:t>Gestructureerde data</a:t>
-            </a:r>
-          </a:p>
-          <a:p>
-            <a:endParaRPr lang="nl-NL" dirty="0"/>
-          </a:p>
-          <a:p>
-            <a:r>
-              <a:rPr lang="nl-NL" dirty="0"/>
-              <a:t>Begrijpelijk</a:t>
-            </a:r>
-          </a:p>
-        </p:txBody>
-      </p:sp>
-      <p:sp>
-        <p:nvSpPr>
-          <p:cNvPr id="21" name="TextBox 20">
-            <a:extLst>
-              <a:ext uri="{FF2B5EF4-FFF2-40B4-BE49-F238E27FC236}">
-                <a16:creationId xmlns:a16="http://schemas.microsoft.com/office/drawing/2014/main" id="{3D2123A2-80E5-F3E7-1C0B-8C21DBE90121}"/>
-              </a:ext>
-            </a:extLst>
-          </p:cNvPr>
-          <p:cNvSpPr txBox="1"/>
-          <p:nvPr/>
-        </p:nvSpPr>
-        <p:spPr>
-          <a:xfrm>
-            <a:off x="8388495" y="4777256"/>
-            <a:ext cx="2454838" cy="1477328"/>
-          </a:xfrm>
-          <a:prstGeom prst="rect">
-            <a:avLst/>
-          </a:prstGeom>
-          <a:noFill/>
-        </p:spPr>
-        <p:txBody>
-          <a:bodyPr wrap="none" rtlCol="0">
-            <a:spAutoFit/>
-          </a:bodyPr>
-          <a:lstStyle/>
-          <a:p>
-            <a:pPr algn="r"/>
-            <a:r>
-              <a:rPr lang="nl-NL" dirty="0"/>
-              <a:t>Grote datasets</a:t>
-            </a:r>
-          </a:p>
-          <a:p>
-            <a:pPr algn="r"/>
-            <a:endParaRPr lang="nl-NL" dirty="0"/>
-          </a:p>
-          <a:p>
-            <a:pPr algn="r"/>
-            <a:r>
-              <a:rPr lang="nl-NL" dirty="0"/>
-              <a:t>Ongestructureerde data</a:t>
-            </a:r>
-          </a:p>
-          <a:p>
-            <a:pPr algn="r"/>
-            <a:endParaRPr lang="nl-NL" dirty="0"/>
-          </a:p>
-          <a:p>
-            <a:pPr algn="r"/>
-            <a:r>
-              <a:rPr lang="nl-NL" dirty="0"/>
-              <a:t>"Black box"</a:t>
-            </a:r>
-          </a:p>
-        </p:txBody>
-      </p:sp>
-    </p:spTree>
-    <p:extLst>
-      <p:ext uri="{BB962C8B-B14F-4D97-AF65-F5344CB8AC3E}">
-        <p14:creationId xmlns:p14="http://schemas.microsoft.com/office/powerpoint/2010/main" val="2346225741"/>
-      </p:ext>
-    </p:extLst>
-  </p:cSld>
-  <p:clrMapOvr>
-    <a:masterClrMapping/>
-  </p:clrMapOvr>
-</p:sld>
-</file>
-
-<file path=ppt/slides/slide40.xml><?xml version="1.0" encoding="utf-8"?>
-<p:sld xmlns:a="http://schemas.openxmlformats.org/drawingml/2006/main" xmlns:r="http://schemas.openxmlformats.org/officeDocument/2006/relationships" xmlns:p="http://schemas.openxmlformats.org/presentationml/2006/main">
-  <p:cSld>
-    <p:spTree>
-      <p:nvGrpSpPr>
-        <p:cNvPr id="1" name=""/>
-        <p:cNvGrpSpPr/>
-        <p:nvPr/>
-      </p:nvGrpSpPr>
-      <p:grpSpPr>
-        <a:xfrm>
-          <a:off x="0" y="0"/>
-          <a:ext cx="0" cy="0"/>
-          <a:chOff x="0" y="0"/>
-          <a:chExt cx="0" cy="0"/>
-        </a:xfrm>
-      </p:grpSpPr>
-      <p:sp>
-        <p:nvSpPr>
-          <p:cNvPr id="2" name="Title 1">
-            <a:extLst>
-              <a:ext uri="{FF2B5EF4-FFF2-40B4-BE49-F238E27FC236}">
-                <a16:creationId xmlns:a16="http://schemas.microsoft.com/office/drawing/2014/main" id="{39A1D606-8DD1-369C-5C09-471CDD551AD5}"/>
-              </a:ext>
-            </a:extLst>
-          </p:cNvPr>
-          <p:cNvSpPr>
-            <a:spLocks noGrp="1"/>
-          </p:cNvSpPr>
-          <p:nvPr>
-            <p:ph type="title"/>
-          </p:nvPr>
-        </p:nvSpPr>
-        <p:spPr>
-          <a:xfrm>
-            <a:off x="838200" y="365126"/>
-            <a:ext cx="10515600" cy="718608"/>
-          </a:xfrm>
-        </p:spPr>
-        <p:txBody>
-          <a:bodyPr>
-            <a:normAutofit/>
-          </a:bodyPr>
-          <a:lstStyle/>
-          <a:p>
-            <a:r>
-              <a:rPr lang="nl-NL" sz="3600" noProof="0" dirty="0"/>
               <a:t>Uitlegbaarheid: model en voorspelling</a:t>
             </a:r>
           </a:p>
@@ -22722,7 +24130,7 @@
 </p:sld>
 </file>
 
-<file path=ppt/slides/slide41.xml><?xml version="1.0" encoding="utf-8"?>
+<file path=ppt/slides/slide44.xml><?xml version="1.0" encoding="utf-8"?>
 <p:sld xmlns:a="http://schemas.openxmlformats.org/drawingml/2006/main" xmlns:r="http://schemas.openxmlformats.org/officeDocument/2006/relationships" xmlns:p="http://schemas.openxmlformats.org/presentationml/2006/main">
   <p:cSld>
     <p:spTree>
@@ -23470,7 +24878,7 @@
 </p:sld>
 </file>
 
-<file path=ppt/slides/slide42.xml><?xml version="1.0" encoding="utf-8"?>
+<file path=ppt/slides/slide45.xml><?xml version="1.0" encoding="utf-8"?>
 <p:sld xmlns:a="http://schemas.openxmlformats.org/drawingml/2006/main" xmlns:r="http://schemas.openxmlformats.org/officeDocument/2006/relationships" xmlns:p="http://schemas.openxmlformats.org/presentationml/2006/main">
   <p:cSld>
     <p:spTree>
@@ -24424,7 +25832,7 @@
 </p:sld>
 </file>
 
-<file path=ppt/slides/slide43.xml><?xml version="1.0" encoding="utf-8"?>
+<file path=ppt/slides/slide46.xml><?xml version="1.0" encoding="utf-8"?>
 <p:sld xmlns:a="http://schemas.openxmlformats.org/drawingml/2006/main" xmlns:r="http://schemas.openxmlformats.org/officeDocument/2006/relationships" xmlns:p="http://schemas.openxmlformats.org/presentationml/2006/main">
   <p:cSld>
     <p:spTree>
@@ -24602,18 +26010,18 @@
             <a:p>
               <a:pPr algn="ctr"/>
               <a:r>
-                <a:rPr lang="en-US" dirty="0" err="1"/>
+                <a:rPr lang="nl-NL" dirty="0" err="1"/>
                 <a:t>PyTorch</a:t>
               </a:r>
-              <a:endParaRPr lang="en-US" dirty="0"/>
+              <a:endParaRPr lang="nl-NL" dirty="0"/>
             </a:p>
             <a:p>
               <a:pPr algn="ctr"/>
               <a:r>
-                <a:rPr lang="en-US" dirty="0" err="1"/>
+                <a:rPr lang="nl-NL" dirty="0" err="1"/>
                 <a:t>Keras</a:t>
               </a:r>
-              <a:endParaRPr lang="en-US" dirty="0"/>
+              <a:endParaRPr lang="nl-NL" dirty="0"/>
             </a:p>
           </p:txBody>
         </p:sp>
@@ -24658,8 +26066,12 @@
             <a:p>
               <a:pPr algn="ctr"/>
               <a:r>
-                <a:rPr lang="en-US" b="1" dirty="0"/>
-                <a:t>Deep Learning</a:t>
+                <a:rPr lang="nl-NL" b="1" dirty="0" err="1"/>
+                <a:t>Deep</a:t>
+              </a:r>
+              <a:r>
+                <a:rPr lang="nl-NL" b="1" dirty="0"/>
+                <a:t> Learning</a:t>
               </a:r>
             </a:p>
           </p:txBody>
@@ -24726,7 +26138,7 @@
             <a:p>
               <a:pPr algn="ctr"/>
               <a:r>
-                <a:rPr lang="en-US" dirty="0"/>
+                <a:rPr lang="nl-NL" dirty="0"/>
                 <a:t>Machine Learning</a:t>
               </a:r>
             </a:p>
@@ -24773,17 +26185,18 @@
             <a:p>
               <a:pPr algn="ctr"/>
               <a:r>
-                <a:rPr lang="en-US" dirty="0"/>
+                <a:rPr lang="nl-NL" dirty="0" err="1"/>
                 <a:t>scikit-learn</a:t>
               </a:r>
+              <a:endParaRPr lang="nl-NL" dirty="0"/>
             </a:p>
             <a:p>
               <a:pPr algn="ctr"/>
               <a:r>
-                <a:rPr lang="en-US" dirty="0" err="1"/>
+                <a:rPr lang="nl-NL" dirty="0" err="1"/>
                 <a:t>LightGBM</a:t>
               </a:r>
-              <a:endParaRPr lang="en-US" dirty="0"/>
+              <a:endParaRPr lang="nl-NL" dirty="0"/>
             </a:p>
           </p:txBody>
         </p:sp>
@@ -24849,10 +26262,9 @@
             <a:p>
               <a:pPr algn="ctr"/>
               <a:r>
-                <a:rPr lang="en-US" dirty="0" err="1"/>
+                <a:rPr lang="nl-NL" dirty="0"/>
                 <a:t>Statistiek</a:t>
               </a:r>
-              <a:endParaRPr lang="en-US" dirty="0"/>
             </a:p>
           </p:txBody>
         </p:sp>
@@ -24897,10 +26309,18 @@
             <a:p>
               <a:pPr algn="ctr"/>
               <a:r>
-                <a:rPr lang="en-US" dirty="0" err="1"/>
+                <a:rPr lang="nl-NL" dirty="0" err="1"/>
                 <a:t>statsmodels</a:t>
               </a:r>
-              <a:endParaRPr lang="en-US" dirty="0"/>
+              <a:endParaRPr lang="nl-NL" dirty="0"/>
+            </a:p>
+            <a:p>
+              <a:pPr algn="ctr"/>
+              <a:r>
+                <a:rPr lang="nl-NL" dirty="0" err="1"/>
+                <a:t>scipy</a:t>
+              </a:r>
+              <a:endParaRPr lang="nl-NL" dirty="0"/>
             </a:p>
           </p:txBody>
         </p:sp>
@@ -24919,8 +26339,8 @@
         </p:nvGrpSpPr>
         <p:grpSpPr>
           <a:xfrm>
-            <a:off x="8076049" y="4223553"/>
-            <a:ext cx="1869824" cy="1398377"/>
+            <a:off x="8076045" y="4504402"/>
+            <a:ext cx="2756930" cy="1398377"/>
             <a:chOff x="7293591" y="4314423"/>
             <a:chExt cx="2756930" cy="1398377"/>
           </a:xfrm>
@@ -24966,14 +26386,18 @@
             <a:p>
               <a:pPr algn="ctr"/>
               <a:r>
-                <a:rPr lang="en-US" dirty="0"/>
-                <a:t>Spacy </a:t>
+                <a:rPr lang="nl-NL" dirty="0" err="1"/>
+                <a:t>Spacy</a:t>
+              </a:r>
+              <a:r>
+                <a:rPr lang="nl-NL" dirty="0"/>
+                <a:t> </a:t>
               </a:r>
             </a:p>
             <a:p>
               <a:pPr algn="ctr"/>
               <a:r>
-                <a:rPr lang="en-US" dirty="0"/>
+                <a:rPr lang="nl-NL" dirty="0"/>
                 <a:t>NLTK</a:t>
               </a:r>
             </a:p>
@@ -25020,7 +26444,7 @@
             <a:p>
               <a:pPr algn="ctr"/>
               <a:r>
-                <a:rPr lang="en-US" b="1" dirty="0"/>
+                <a:rPr lang="nl-NL" b="1" dirty="0"/>
                 <a:t>NLP</a:t>
               </a:r>
             </a:p>
@@ -25041,8 +26465,8 @@
         </p:nvGrpSpPr>
         <p:grpSpPr>
           <a:xfrm>
-            <a:off x="5161087" y="4223553"/>
-            <a:ext cx="1869825" cy="1398373"/>
+            <a:off x="4643395" y="4504402"/>
+            <a:ext cx="2756928" cy="1398373"/>
             <a:chOff x="3756288" y="4314423"/>
             <a:chExt cx="2756931" cy="1398373"/>
           </a:xfrm>
@@ -25088,26 +26512,26 @@
             <a:p>
               <a:pPr algn="ctr"/>
               <a:r>
-                <a:rPr lang="en-US" dirty="0" err="1"/>
+                <a:rPr lang="nl-NL" dirty="0" err="1"/>
                 <a:t>Sktime</a:t>
               </a:r>
-              <a:endParaRPr lang="en-US" dirty="0"/>
+              <a:endParaRPr lang="nl-NL" dirty="0"/>
             </a:p>
             <a:p>
               <a:pPr algn="ctr"/>
               <a:r>
-                <a:rPr lang="en-US" dirty="0" err="1"/>
+                <a:rPr lang="nl-NL" dirty="0" err="1"/>
                 <a:t>PyFlux</a:t>
               </a:r>
-              <a:endParaRPr lang="en-US" dirty="0"/>
+              <a:endParaRPr lang="nl-NL" dirty="0"/>
             </a:p>
             <a:p>
               <a:pPr algn="ctr"/>
               <a:r>
-                <a:rPr lang="en-US" dirty="0"/>
+                <a:rPr lang="nl-NL" dirty="0" err="1"/>
                 <a:t>Prophet</a:t>
               </a:r>
-              <a:endParaRPr lang="en-NL" dirty="0"/>
+              <a:endParaRPr lang="nl-NL" dirty="0"/>
             </a:p>
           </p:txBody>
         </p:sp>
@@ -25152,7 +26576,7 @@
             <a:p>
               <a:pPr algn="ctr"/>
               <a:r>
-                <a:rPr lang="en-US" dirty="0"/>
+                <a:rPr lang="nl-NL" dirty="0"/>
                 <a:t>Time Series</a:t>
               </a:r>
             </a:p>
@@ -25173,8 +26597,8 @@
         </p:nvGrpSpPr>
         <p:grpSpPr>
           <a:xfrm>
-            <a:off x="2097844" y="4223553"/>
-            <a:ext cx="1869825" cy="1398373"/>
+            <a:off x="1210740" y="4504402"/>
+            <a:ext cx="2756929" cy="1398373"/>
             <a:chOff x="3756288" y="4314423"/>
             <a:chExt cx="2756931" cy="1398373"/>
           </a:xfrm>
@@ -25220,18 +26644,18 @@
             <a:p>
               <a:pPr algn="ctr"/>
               <a:r>
-                <a:rPr lang="en-US" dirty="0" err="1"/>
+                <a:rPr lang="nl-NL" dirty="0" err="1"/>
                 <a:t>PyMC</a:t>
               </a:r>
-              <a:endParaRPr lang="en-US" dirty="0"/>
+              <a:endParaRPr lang="nl-NL" dirty="0"/>
             </a:p>
             <a:p>
               <a:pPr algn="ctr"/>
               <a:r>
-                <a:rPr lang="en-US" dirty="0"/>
+                <a:rPr lang="nl-NL" dirty="0" err="1"/>
                 <a:t>Pyro</a:t>
               </a:r>
-              <a:endParaRPr lang="en-NL" dirty="0"/>
+              <a:endParaRPr lang="nl-NL" dirty="0"/>
             </a:p>
           </p:txBody>
         </p:sp>
@@ -25276,13 +26700,57 @@
             <a:p>
               <a:pPr algn="ctr"/>
               <a:r>
-                <a:rPr lang="en-US" dirty="0"/>
-                <a:t>Bayesian</a:t>
+                <a:rPr lang="nl-NL" dirty="0" err="1"/>
+                <a:t>Probablistisch</a:t>
               </a:r>
+              <a:endParaRPr lang="nl-NL" dirty="0"/>
             </a:p>
           </p:txBody>
         </p:sp>
       </p:grpSp>
+      <p:cxnSp>
+        <p:nvCxnSpPr>
+          <p:cNvPr id="8" name="Straight Arrow Connector 7">
+            <a:extLst>
+              <a:ext uri="{FF2B5EF4-FFF2-40B4-BE49-F238E27FC236}">
+                <a16:creationId xmlns:a16="http://schemas.microsoft.com/office/drawing/2014/main" id="{5EE83CE2-7002-F104-CFE0-2DEEF065C2CF}"/>
+              </a:ext>
+            </a:extLst>
+          </p:cNvPr>
+          <p:cNvCxnSpPr>
+            <a:cxnSpLocks/>
+          </p:cNvCxnSpPr>
+          <p:nvPr/>
+        </p:nvCxnSpPr>
+        <p:spPr>
+          <a:xfrm>
+            <a:off x="1210739" y="4118672"/>
+            <a:ext cx="9622240" cy="0"/>
+          </a:xfrm>
+          <a:prstGeom prst="straightConnector1">
+            <a:avLst/>
+          </a:prstGeom>
+          <a:ln>
+            <a:prstDash val="dash"/>
+            <a:headEnd type="none" w="sm" len="sm"/>
+            <a:tailEnd type="none" w="lg" len="lg"/>
+          </a:ln>
+        </p:spPr>
+        <p:style>
+          <a:lnRef idx="2">
+            <a:schemeClr val="dk1"/>
+          </a:lnRef>
+          <a:fillRef idx="0">
+            <a:schemeClr val="dk1"/>
+          </a:fillRef>
+          <a:effectRef idx="1">
+            <a:schemeClr val="dk1"/>
+          </a:effectRef>
+          <a:fontRef idx="minor">
+            <a:schemeClr val="tx1"/>
+          </a:fontRef>
+        </p:style>
+      </p:cxnSp>
     </p:spTree>
     <p:extLst>
       <p:ext uri="{BB962C8B-B14F-4D97-AF65-F5344CB8AC3E}">
@@ -25740,14 +27208,14 @@
           <a:p>
             <a:pPr algn="ctr"/>
             <a:r>
-              <a:rPr lang="nl-NL" b="1"/>
+              <a:rPr lang="nl-NL" b="1" dirty="0"/>
               <a:t>Model trainen</a:t>
             </a:r>
-            <a:endParaRPr lang="nl-NL"/>
+            <a:endParaRPr lang="nl-NL" dirty="0"/>
           </a:p>
           <a:p>
             <a:pPr algn="ctr"/>
-            <a:endParaRPr lang="nl-NL" b="1"/>
+            <a:endParaRPr lang="nl-NL" b="1" dirty="0"/>
           </a:p>
           <a:p>
             <a:pPr marL="285750" indent="-285750">
@@ -25755,9 +27223,10 @@
               <a:buChar char="•"/>
             </a:pPr>
             <a:r>
-              <a:rPr lang="nl-NL"/>
+              <a:rPr lang="nl-NL" dirty="0" err="1"/>
               <a:t>linear_model</a:t>
             </a:r>
+            <a:endParaRPr lang="nl-NL" dirty="0"/>
           </a:p>
           <a:p>
             <a:pPr marL="285750" indent="-285750">
@@ -25765,7 +27234,7 @@
               <a:buChar char="•"/>
             </a:pPr>
             <a:r>
-              <a:rPr lang="nl-NL"/>
+              <a:rPr lang="nl-NL" dirty="0"/>
               <a:t>ensemble</a:t>
             </a:r>
           </a:p>
@@ -25775,7 +27244,7 @@
               <a:buChar char="•"/>
             </a:pPr>
             <a:r>
-              <a:rPr lang="nl-NL"/>
+              <a:rPr lang="nl-NL" dirty="0"/>
               <a:t>cluster</a:t>
             </a:r>
           </a:p>
@@ -25822,13 +27291,13 @@
           <a:p>
             <a:pPr algn="ctr"/>
             <a:r>
-              <a:rPr lang="nl-NL" b="1"/>
+              <a:rPr lang="nl-NL" b="1" dirty="0"/>
               <a:t>Model valideren</a:t>
             </a:r>
           </a:p>
           <a:p>
             <a:pPr algn="ctr"/>
-            <a:endParaRPr lang="nl-NL" b="1"/>
+            <a:endParaRPr lang="nl-NL" b="1" dirty="0"/>
           </a:p>
           <a:p>
             <a:pPr marL="285750" indent="-285750">
@@ -25836,9 +27305,10 @@
               <a:buChar char="•"/>
             </a:pPr>
             <a:r>
-              <a:rPr lang="nl-NL"/>
+              <a:rPr lang="nl-NL" dirty="0" err="1"/>
               <a:t>metrics</a:t>
             </a:r>
+            <a:endParaRPr lang="nl-NL" dirty="0"/>
           </a:p>
         </p:txBody>
       </p:sp>
@@ -26573,17 +28043,18 @@
           <a:lstStyle/>
           <a:p>
             <a:r>
+              <a:rPr lang="nl-NL" sz="3600" noProof="0" dirty="0" err="1"/>
+              <a:t>Scikit-learn</a:t>
+            </a:r>
+            <a:r>
               <a:rPr lang="nl-NL" sz="3600" noProof="0" dirty="0"/>
-              <a:t>Het </a:t>
+              <a:t> en </a:t>
             </a:r>
             <a:r>
               <a:rPr lang="nl-NL" sz="3600" noProof="0" dirty="0" err="1"/>
-              <a:t>scikit-learn</a:t>
-            </a:r>
-            <a:r>
-              <a:rPr lang="nl-NL" sz="3600" noProof="0" dirty="0"/>
-              <a:t> API</a:t>
-            </a:r>
+              <a:t>numpy</a:t>
+            </a:r>
+            <a:endParaRPr lang="nl-NL" sz="3600" noProof="0" dirty="0"/>
           </a:p>
         </p:txBody>
       </p:sp>
@@ -26902,7 +28373,7 @@
                 <a:latin typeface="Courier New" panose="02070309020205020404" pitchFamily="49" charset="0"/>
                 <a:cs typeface="Courier New" panose="02070309020205020404" pitchFamily="49" charset="0"/>
               </a:rPr>
-              <a:t>( {"x": [1, 2, 3]})</a:t>
+              <a:t>({"x": [1, 2, 3]})</a:t>
             </a:r>
             <a:endParaRPr lang="en-US" sz="1600" dirty="0">
               <a:latin typeface="Courier New" panose="02070309020205020404" pitchFamily="49" charset="0"/>

--- a/python_trainees/4_scikit_learn/python_traineeship_4.pptx
+++ b/python_trainees/4_scikit_learn/python_traineeship_4.pptx
@@ -12,45 +12,44 @@
     <p:sldId id="347" r:id="rId6"/>
     <p:sldId id="326" r:id="rId7"/>
     <p:sldId id="339" r:id="rId8"/>
-    <p:sldId id="340" r:id="rId9"/>
-    <p:sldId id="351" r:id="rId10"/>
-    <p:sldId id="365" r:id="rId11"/>
-    <p:sldId id="343" r:id="rId12"/>
-    <p:sldId id="350" r:id="rId13"/>
-    <p:sldId id="363" r:id="rId14"/>
-    <p:sldId id="352" r:id="rId15"/>
-    <p:sldId id="353" r:id="rId16"/>
-    <p:sldId id="354" r:id="rId17"/>
-    <p:sldId id="364" r:id="rId18"/>
-    <p:sldId id="367" r:id="rId19"/>
-    <p:sldId id="344" r:id="rId20"/>
-    <p:sldId id="355" r:id="rId21"/>
-    <p:sldId id="356" r:id="rId22"/>
-    <p:sldId id="357" r:id="rId23"/>
-    <p:sldId id="366" r:id="rId24"/>
-    <p:sldId id="382" r:id="rId25"/>
-    <p:sldId id="345" r:id="rId26"/>
-    <p:sldId id="358" r:id="rId27"/>
-    <p:sldId id="361" r:id="rId28"/>
-    <p:sldId id="383" r:id="rId29"/>
-    <p:sldId id="362" r:id="rId30"/>
-    <p:sldId id="359" r:id="rId31"/>
-    <p:sldId id="368" r:id="rId32"/>
-    <p:sldId id="369" r:id="rId33"/>
-    <p:sldId id="385" r:id="rId34"/>
-    <p:sldId id="384" r:id="rId35"/>
-    <p:sldId id="370" r:id="rId36"/>
-    <p:sldId id="377" r:id="rId37"/>
-    <p:sldId id="371" r:id="rId38"/>
-    <p:sldId id="372" r:id="rId39"/>
-    <p:sldId id="373" r:id="rId40"/>
-    <p:sldId id="374" r:id="rId41"/>
-    <p:sldId id="375" r:id="rId42"/>
-    <p:sldId id="336" r:id="rId43"/>
-    <p:sldId id="378" r:id="rId44"/>
-    <p:sldId id="380" r:id="rId45"/>
-    <p:sldId id="381" r:id="rId46"/>
-    <p:sldId id="379" r:id="rId47"/>
+    <p:sldId id="351" r:id="rId9"/>
+    <p:sldId id="365" r:id="rId10"/>
+    <p:sldId id="343" r:id="rId11"/>
+    <p:sldId id="350" r:id="rId12"/>
+    <p:sldId id="363" r:id="rId13"/>
+    <p:sldId id="352" r:id="rId14"/>
+    <p:sldId id="353" r:id="rId15"/>
+    <p:sldId id="354" r:id="rId16"/>
+    <p:sldId id="364" r:id="rId17"/>
+    <p:sldId id="367" r:id="rId18"/>
+    <p:sldId id="344" r:id="rId19"/>
+    <p:sldId id="355" r:id="rId20"/>
+    <p:sldId id="356" r:id="rId21"/>
+    <p:sldId id="357" r:id="rId22"/>
+    <p:sldId id="366" r:id="rId23"/>
+    <p:sldId id="382" r:id="rId24"/>
+    <p:sldId id="345" r:id="rId25"/>
+    <p:sldId id="358" r:id="rId26"/>
+    <p:sldId id="361" r:id="rId27"/>
+    <p:sldId id="383" r:id="rId28"/>
+    <p:sldId id="362" r:id="rId29"/>
+    <p:sldId id="359" r:id="rId30"/>
+    <p:sldId id="368" r:id="rId31"/>
+    <p:sldId id="369" r:id="rId32"/>
+    <p:sldId id="385" r:id="rId33"/>
+    <p:sldId id="384" r:id="rId34"/>
+    <p:sldId id="370" r:id="rId35"/>
+    <p:sldId id="377" r:id="rId36"/>
+    <p:sldId id="371" r:id="rId37"/>
+    <p:sldId id="372" r:id="rId38"/>
+    <p:sldId id="373" r:id="rId39"/>
+    <p:sldId id="374" r:id="rId40"/>
+    <p:sldId id="375" r:id="rId41"/>
+    <p:sldId id="336" r:id="rId42"/>
+    <p:sldId id="378" r:id="rId43"/>
+    <p:sldId id="380" r:id="rId44"/>
+    <p:sldId id="381" r:id="rId45"/>
+    <p:sldId id="387" r:id="rId46"/>
   </p:sldIdLst>
   <p:sldSz cx="12192000" cy="6858000"/>
   <p:notesSz cx="6858000" cy="9144000"/>
@@ -222,7 +221,7 @@
               <a:cs typeface="+mn-cs"/>
             </a:defRPr>
           </a:pPr>
-          <a:endParaRPr lang="en-NL"/>
+          <a:endParaRPr lang="nl-NL"/>
         </a:p>
       </c:txPr>
     </c:title>
@@ -401,7 +400,7 @@
                 <a:cs typeface="+mn-cs"/>
               </a:defRPr>
             </a:pPr>
-            <a:endParaRPr lang="en-NL"/>
+            <a:endParaRPr lang="nl-NL"/>
           </a:p>
         </c:txPr>
         <c:crossAx val="817693096"/>
@@ -460,7 +459,7 @@
                 <a:cs typeface="+mn-cs"/>
               </a:defRPr>
             </a:pPr>
-            <a:endParaRPr lang="en-NL"/>
+            <a:endParaRPr lang="nl-NL"/>
           </a:p>
         </c:txPr>
         <c:crossAx val="817693456"/>
@@ -502,7 +501,7 @@
       <a:pPr>
         <a:defRPr/>
       </a:pPr>
-      <a:endParaRPr lang="en-NL"/>
+      <a:endParaRPr lang="nl-NL"/>
     </a:p>
   </c:txPr>
   <c:externalData r:id="rId3">
@@ -1203,7 +1202,7 @@
           <a:p>
             <a:fld id="{5E9D55AD-DA6B-4A9D-BFE6-D0A1673E6EA9}" type="datetimeFigureOut">
               <a:rPr lang="en-NL" smtClean="0"/>
-              <a:t>19/04/2023</a:t>
+              <a:t>20/04/2023</a:t>
             </a:fld>
             <a:endParaRPr lang="en-NL"/>
           </a:p>
@@ -1403,7 +1402,7 @@
           <a:p>
             <a:fld id="{5E9D55AD-DA6B-4A9D-BFE6-D0A1673E6EA9}" type="datetimeFigureOut">
               <a:rPr lang="en-NL" smtClean="0"/>
-              <a:t>19/04/2023</a:t>
+              <a:t>20/04/2023</a:t>
             </a:fld>
             <a:endParaRPr lang="en-NL"/>
           </a:p>
@@ -1613,7 +1612,7 @@
           <a:p>
             <a:fld id="{5E9D55AD-DA6B-4A9D-BFE6-D0A1673E6EA9}" type="datetimeFigureOut">
               <a:rPr lang="en-NL" smtClean="0"/>
-              <a:t>19/04/2023</a:t>
+              <a:t>20/04/2023</a:t>
             </a:fld>
             <a:endParaRPr lang="en-NL"/>
           </a:p>
@@ -1813,7 +1812,7 @@
           <a:p>
             <a:fld id="{5E9D55AD-DA6B-4A9D-BFE6-D0A1673E6EA9}" type="datetimeFigureOut">
               <a:rPr lang="en-NL" smtClean="0"/>
-              <a:t>19/04/2023</a:t>
+              <a:t>20/04/2023</a:t>
             </a:fld>
             <a:endParaRPr lang="en-NL"/>
           </a:p>
@@ -2089,7 +2088,7 @@
           <a:p>
             <a:fld id="{5E9D55AD-DA6B-4A9D-BFE6-D0A1673E6EA9}" type="datetimeFigureOut">
               <a:rPr lang="en-NL" smtClean="0"/>
-              <a:t>19/04/2023</a:t>
+              <a:t>20/04/2023</a:t>
             </a:fld>
             <a:endParaRPr lang="en-NL"/>
           </a:p>
@@ -2357,7 +2356,7 @@
           <a:p>
             <a:fld id="{5E9D55AD-DA6B-4A9D-BFE6-D0A1673E6EA9}" type="datetimeFigureOut">
               <a:rPr lang="en-NL" smtClean="0"/>
-              <a:t>19/04/2023</a:t>
+              <a:t>20/04/2023</a:t>
             </a:fld>
             <a:endParaRPr lang="en-NL"/>
           </a:p>
@@ -2772,7 +2771,7 @@
           <a:p>
             <a:fld id="{5E9D55AD-DA6B-4A9D-BFE6-D0A1673E6EA9}" type="datetimeFigureOut">
               <a:rPr lang="en-NL" smtClean="0"/>
-              <a:t>19/04/2023</a:t>
+              <a:t>20/04/2023</a:t>
             </a:fld>
             <a:endParaRPr lang="en-NL"/>
           </a:p>
@@ -2914,7 +2913,7 @@
           <a:p>
             <a:fld id="{5E9D55AD-DA6B-4A9D-BFE6-D0A1673E6EA9}" type="datetimeFigureOut">
               <a:rPr lang="en-NL" smtClean="0"/>
-              <a:t>19/04/2023</a:t>
+              <a:t>20/04/2023</a:t>
             </a:fld>
             <a:endParaRPr lang="en-NL"/>
           </a:p>
@@ -3027,7 +3026,7 @@
           <a:p>
             <a:fld id="{5E9D55AD-DA6B-4A9D-BFE6-D0A1673E6EA9}" type="datetimeFigureOut">
               <a:rPr lang="en-NL" smtClean="0"/>
-              <a:t>19/04/2023</a:t>
+              <a:t>20/04/2023</a:t>
             </a:fld>
             <a:endParaRPr lang="en-NL"/>
           </a:p>
@@ -3340,7 +3339,7 @@
           <a:p>
             <a:fld id="{5E9D55AD-DA6B-4A9D-BFE6-D0A1673E6EA9}" type="datetimeFigureOut">
               <a:rPr lang="en-NL" smtClean="0"/>
-              <a:t>19/04/2023</a:t>
+              <a:t>20/04/2023</a:t>
             </a:fld>
             <a:endParaRPr lang="en-NL"/>
           </a:p>
@@ -3629,7 +3628,7 @@
           <a:p>
             <a:fld id="{5E9D55AD-DA6B-4A9D-BFE6-D0A1673E6EA9}" type="datetimeFigureOut">
               <a:rPr lang="en-NL" smtClean="0"/>
-              <a:t>19/04/2023</a:t>
+              <a:t>20/04/2023</a:t>
             </a:fld>
             <a:endParaRPr lang="en-NL"/>
           </a:p>
@@ -3872,7 +3871,7 @@
           <a:p>
             <a:fld id="{5E9D55AD-DA6B-4A9D-BFE6-D0A1673E6EA9}" type="datetimeFigureOut">
               <a:rPr lang="en-NL" smtClean="0"/>
-              <a:t>19/04/2023</a:t>
+              <a:t>20/04/2023</a:t>
             </a:fld>
             <a:endParaRPr lang="en-NL"/>
           </a:p>
@@ -4390,167 +4389,6 @@
       </p:grpSpPr>
       <p:sp>
         <p:nvSpPr>
-          <p:cNvPr id="2" name="Title 1">
-            <a:extLst>
-              <a:ext uri="{FF2B5EF4-FFF2-40B4-BE49-F238E27FC236}">
-                <a16:creationId xmlns:a16="http://schemas.microsoft.com/office/drawing/2014/main" id="{39A1D606-8DD1-369C-5C09-471CDD551AD5}"/>
-              </a:ext>
-            </a:extLst>
-          </p:cNvPr>
-          <p:cNvSpPr>
-            <a:spLocks noGrp="1"/>
-          </p:cNvSpPr>
-          <p:nvPr>
-            <p:ph type="title"/>
-          </p:nvPr>
-        </p:nvSpPr>
-        <p:spPr>
-          <a:xfrm>
-            <a:off x="838200" y="365126"/>
-            <a:ext cx="10515600" cy="718608"/>
-          </a:xfrm>
-        </p:spPr>
-        <p:txBody>
-          <a:bodyPr>
-            <a:normAutofit/>
-          </a:bodyPr>
-          <a:lstStyle/>
-          <a:p>
-            <a:r>
-              <a:rPr lang="nl-NL" sz="3600" noProof="0" dirty="0"/>
-              <a:t>Oefeningen </a:t>
-            </a:r>
-            <a:r>
-              <a:rPr lang="nl-NL" sz="3600" dirty="0"/>
-              <a:t>I</a:t>
-            </a:r>
-            <a:endParaRPr lang="nl-NL" sz="3600" noProof="0" dirty="0"/>
-          </a:p>
-        </p:txBody>
-      </p:sp>
-      <p:sp>
-        <p:nvSpPr>
-          <p:cNvPr id="3" name="Content Placeholder 2">
-            <a:extLst>
-              <a:ext uri="{FF2B5EF4-FFF2-40B4-BE49-F238E27FC236}">
-                <a16:creationId xmlns:a16="http://schemas.microsoft.com/office/drawing/2014/main" id="{F4C2D286-E049-0AAB-1360-B7157E11AD7E}"/>
-              </a:ext>
-            </a:extLst>
-          </p:cNvPr>
-          <p:cNvSpPr>
-            <a:spLocks noGrp="1"/>
-          </p:cNvSpPr>
-          <p:nvPr>
-            <p:ph idx="1"/>
-          </p:nvPr>
-        </p:nvSpPr>
-        <p:spPr>
-          <a:xfrm>
-            <a:off x="838200" y="1456267"/>
-            <a:ext cx="10375900" cy="4720696"/>
-          </a:xfrm>
-        </p:spPr>
-        <p:txBody>
-          <a:bodyPr>
-            <a:normAutofit/>
-          </a:bodyPr>
-          <a:lstStyle/>
-          <a:p>
-            <a:pPr marL="457200" indent="-457200">
-              <a:buFont typeface="Arial" panose="020B0604020202020204" pitchFamily="34" charset="0"/>
-              <a:buAutoNum type="arabicPeriod"/>
-            </a:pPr>
-            <a:r>
-              <a:rPr lang="nl-NL" sz="2000" dirty="0"/>
-              <a:t>Open dataset: </a:t>
-            </a:r>
-            <a:r>
-              <a:rPr lang="nl-NL" sz="2000" dirty="0">
-                <a:latin typeface="Courier New" panose="02070309020205020404" pitchFamily="49" charset="0"/>
-                <a:cs typeface="Courier New" panose="02070309020205020404" pitchFamily="49" charset="0"/>
-              </a:rPr>
-              <a:t>0_data/banking/bank-additional-full.csv</a:t>
-            </a:r>
-          </a:p>
-          <a:p>
-            <a:pPr marL="457200" indent="-457200">
-              <a:buAutoNum type="arabicPeriod"/>
-            </a:pPr>
-            <a:endParaRPr lang="nl-NL" sz="2000" dirty="0"/>
-          </a:p>
-          <a:p>
-            <a:pPr marL="457200" indent="-457200">
-              <a:buFont typeface="Arial" panose="020B0604020202020204" pitchFamily="34" charset="0"/>
-              <a:buAutoNum type="arabicPeriod"/>
-            </a:pPr>
-            <a:r>
-              <a:rPr lang="nl-NL" sz="2000" dirty="0"/>
-              <a:t>Lees </a:t>
-            </a:r>
-            <a:r>
-              <a:rPr lang="nl-NL" sz="2000" dirty="0">
-                <a:latin typeface="Courier New" panose="02070309020205020404" pitchFamily="49" charset="0"/>
-                <a:cs typeface="Courier New" panose="02070309020205020404" pitchFamily="49" charset="0"/>
-              </a:rPr>
-              <a:t>_description.md</a:t>
-            </a:r>
-            <a:r>
-              <a:rPr lang="nl-NL" sz="2000" dirty="0"/>
-              <a:t> voor een beschrijving van de data.</a:t>
-            </a:r>
-          </a:p>
-          <a:p>
-            <a:pPr marL="457200" indent="-457200">
-              <a:buFont typeface="Arial" panose="020B0604020202020204" pitchFamily="34" charset="0"/>
-              <a:buAutoNum type="arabicPeriod"/>
-            </a:pPr>
-            <a:endParaRPr lang="nl-NL" sz="2000" noProof="0" dirty="0"/>
-          </a:p>
-          <a:p>
-            <a:pPr marL="457200" indent="-457200">
-              <a:buFont typeface="Arial" panose="020B0604020202020204" pitchFamily="34" charset="0"/>
-              <a:buAutoNum type="arabicPeriod"/>
-            </a:pPr>
-            <a:r>
-              <a:rPr lang="nl-NL" sz="2000" dirty="0"/>
-              <a:t>Exploreer de data op jouw manier!</a:t>
-            </a:r>
-            <a:endParaRPr lang="nl-NL" sz="1600" noProof="0" dirty="0"/>
-          </a:p>
-        </p:txBody>
-      </p:sp>
-    </p:spTree>
-    <p:extLst>
-      <p:ext uri="{BB962C8B-B14F-4D97-AF65-F5344CB8AC3E}">
-        <p14:creationId xmlns:p14="http://schemas.microsoft.com/office/powerpoint/2010/main" val="2058347695"/>
-      </p:ext>
-    </p:extLst>
-  </p:cSld>
-  <p:clrMapOvr>
-    <a:masterClrMapping/>
-  </p:clrMapOvr>
-</p:sld>
-</file>
-
-<file path=ppt/slides/slide11.xml><?xml version="1.0" encoding="utf-8"?>
-<p:sld xmlns:a="http://schemas.openxmlformats.org/drawingml/2006/main" xmlns:r="http://schemas.openxmlformats.org/officeDocument/2006/relationships" xmlns:p="http://schemas.openxmlformats.org/presentationml/2006/main">
-  <p:cSld>
-    <p:spTree>
-      <p:nvGrpSpPr>
-        <p:cNvPr id="1" name=""/>
-        <p:cNvGrpSpPr/>
-        <p:nvPr/>
-      </p:nvGrpSpPr>
-      <p:grpSpPr>
-        <a:xfrm>
-          <a:off x="0" y="0"/>
-          <a:ext cx="0" cy="0"/>
-          <a:chOff x="0" y="0"/>
-          <a:chExt cx="0" cy="0"/>
-        </a:xfrm>
-      </p:grpSpPr>
-      <p:sp>
-        <p:nvSpPr>
           <p:cNvPr id="4" name="Title 3">
             <a:extLst>
               <a:ext uri="{FF2B5EF4-FFF2-40B4-BE49-F238E27FC236}">
@@ -4615,7 +4453,7 @@
 </p:sld>
 </file>
 
-<file path=ppt/slides/slide12.xml><?xml version="1.0" encoding="utf-8"?>
+<file path=ppt/slides/slide11.xml><?xml version="1.0" encoding="utf-8"?>
 <p:sld xmlns:a="http://schemas.openxmlformats.org/drawingml/2006/main" xmlns:r="http://schemas.openxmlformats.org/officeDocument/2006/relationships" xmlns:p="http://schemas.openxmlformats.org/presentationml/2006/main">
   <p:cSld>
     <p:spTree>
@@ -5405,7 +5243,7 @@
 </p:sld>
 </file>
 
-<file path=ppt/slides/slide13.xml><?xml version="1.0" encoding="utf-8"?>
+<file path=ppt/slides/slide12.xml><?xml version="1.0" encoding="utf-8"?>
 <p:sld xmlns:a="http://schemas.openxmlformats.org/drawingml/2006/main" xmlns:r="http://schemas.openxmlformats.org/officeDocument/2006/relationships" xmlns:p="http://schemas.openxmlformats.org/presentationml/2006/main">
   <p:cSld>
     <p:spTree>
@@ -6245,7 +6083,7 @@
 </p:sld>
 </file>
 
-<file path=ppt/slides/slide14.xml><?xml version="1.0" encoding="utf-8"?>
+<file path=ppt/slides/slide13.xml><?xml version="1.0" encoding="utf-8"?>
 <p:sld xmlns:a="http://schemas.openxmlformats.org/drawingml/2006/main" xmlns:r="http://schemas.openxmlformats.org/officeDocument/2006/relationships" xmlns:p="http://schemas.openxmlformats.org/presentationml/2006/main">
   <p:cSld>
     <p:spTree>
@@ -6613,6 +6451,622 @@
     <p:extLst>
       <p:ext uri="{BB962C8B-B14F-4D97-AF65-F5344CB8AC3E}">
         <p14:creationId xmlns:p14="http://schemas.microsoft.com/office/powerpoint/2010/main" val="1716289816"/>
+      </p:ext>
+    </p:extLst>
+  </p:cSld>
+  <p:clrMapOvr>
+    <a:masterClrMapping/>
+  </p:clrMapOvr>
+</p:sld>
+</file>
+
+<file path=ppt/slides/slide14.xml><?xml version="1.0" encoding="utf-8"?>
+<p:sld xmlns:a="http://schemas.openxmlformats.org/drawingml/2006/main" xmlns:r="http://schemas.openxmlformats.org/officeDocument/2006/relationships" xmlns:p="http://schemas.openxmlformats.org/presentationml/2006/main">
+  <p:cSld>
+    <p:spTree>
+      <p:nvGrpSpPr>
+        <p:cNvPr id="1" name=""/>
+        <p:cNvGrpSpPr/>
+        <p:nvPr/>
+      </p:nvGrpSpPr>
+      <p:grpSpPr>
+        <a:xfrm>
+          <a:off x="0" y="0"/>
+          <a:ext cx="0" cy="0"/>
+          <a:chOff x="0" y="0"/>
+          <a:chExt cx="0" cy="0"/>
+        </a:xfrm>
+      </p:grpSpPr>
+      <p:sp>
+        <p:nvSpPr>
+          <p:cNvPr id="2" name="Title 1">
+            <a:extLst>
+              <a:ext uri="{FF2B5EF4-FFF2-40B4-BE49-F238E27FC236}">
+                <a16:creationId xmlns:a16="http://schemas.microsoft.com/office/drawing/2014/main" id="{39A1D606-8DD1-369C-5C09-471CDD551AD5}"/>
+              </a:ext>
+            </a:extLst>
+          </p:cNvPr>
+          <p:cNvSpPr>
+            <a:spLocks noGrp="1"/>
+          </p:cNvSpPr>
+          <p:nvPr>
+            <p:ph type="title"/>
+          </p:nvPr>
+        </p:nvSpPr>
+        <p:spPr>
+          <a:xfrm>
+            <a:off x="838200" y="365126"/>
+            <a:ext cx="10515600" cy="718608"/>
+          </a:xfrm>
+        </p:spPr>
+        <p:txBody>
+          <a:bodyPr>
+            <a:normAutofit/>
+          </a:bodyPr>
+          <a:lstStyle/>
+          <a:p>
+            <a:r>
+              <a:rPr lang="nl-NL" sz="3600" noProof="0" dirty="0"/>
+              <a:t>Transformaties in </a:t>
+            </a:r>
+            <a:r>
+              <a:rPr lang="nl-NL" sz="3600" noProof="0" dirty="0" err="1"/>
+              <a:t>scikit</a:t>
+            </a:r>
+            <a:r>
+              <a:rPr lang="nl-NL" sz="3600" dirty="0"/>
+              <a:t>-</a:t>
+            </a:r>
+            <a:r>
+              <a:rPr lang="nl-NL" sz="3600" dirty="0" err="1"/>
+              <a:t>learn</a:t>
+            </a:r>
+            <a:endParaRPr lang="nl-NL" sz="3600" noProof="0" dirty="0"/>
+          </a:p>
+        </p:txBody>
+      </p:sp>
+      <p:sp>
+        <p:nvSpPr>
+          <p:cNvPr id="4" name="TextBox 3">
+            <a:extLst>
+              <a:ext uri="{FF2B5EF4-FFF2-40B4-BE49-F238E27FC236}">
+                <a16:creationId xmlns:a16="http://schemas.microsoft.com/office/drawing/2014/main" id="{B47EA95A-6DDD-ED89-357A-943A5BC87A94}"/>
+              </a:ext>
+            </a:extLst>
+          </p:cNvPr>
+          <p:cNvSpPr txBox="1"/>
+          <p:nvPr/>
+        </p:nvSpPr>
+        <p:spPr>
+          <a:xfrm>
+            <a:off x="6555232" y="2530561"/>
+            <a:ext cx="184731" cy="369332"/>
+          </a:xfrm>
+          <a:prstGeom prst="rect">
+            <a:avLst/>
+          </a:prstGeom>
+          <a:noFill/>
+        </p:spPr>
+        <p:txBody>
+          <a:bodyPr wrap="none" rtlCol="0">
+            <a:spAutoFit/>
+          </a:bodyPr>
+          <a:lstStyle/>
+          <a:p>
+            <a:endParaRPr lang="en-NL" dirty="0"/>
+          </a:p>
+        </p:txBody>
+      </p:sp>
+      <p:sp>
+        <p:nvSpPr>
+          <p:cNvPr id="3" name="Rectangle 2">
+            <a:extLst>
+              <a:ext uri="{FF2B5EF4-FFF2-40B4-BE49-F238E27FC236}">
+                <a16:creationId xmlns:a16="http://schemas.microsoft.com/office/drawing/2014/main" id="{D98ECDAC-8F8E-5A33-FF03-91C3D9EE9CAF}"/>
+              </a:ext>
+            </a:extLst>
+          </p:cNvPr>
+          <p:cNvSpPr/>
+          <p:nvPr/>
+        </p:nvSpPr>
+        <p:spPr>
+          <a:xfrm>
+            <a:off x="1295403" y="2548977"/>
+            <a:ext cx="1782170" cy="1409131"/>
+          </a:xfrm>
+          <a:prstGeom prst="rect">
+            <a:avLst/>
+          </a:prstGeom>
+        </p:spPr>
+        <p:style>
+          <a:lnRef idx="1">
+            <a:schemeClr val="accent4"/>
+          </a:lnRef>
+          <a:fillRef idx="2">
+            <a:schemeClr val="accent4"/>
+          </a:fillRef>
+          <a:effectRef idx="1">
+            <a:schemeClr val="accent4"/>
+          </a:effectRef>
+          <a:fontRef idx="minor">
+            <a:schemeClr val="dk1"/>
+          </a:fontRef>
+        </p:style>
+        <p:txBody>
+          <a:bodyPr rtlCol="0" anchor="ctr"/>
+          <a:lstStyle/>
+          <a:p>
+            <a:pPr algn="ctr"/>
+            <a:r>
+              <a:rPr lang="nl-NL" dirty="0"/>
+              <a:t>Bekende</a:t>
+            </a:r>
+          </a:p>
+          <a:p>
+            <a:pPr algn="ctr"/>
+            <a:r>
+              <a:rPr lang="nl-NL" dirty="0"/>
+              <a:t>data</a:t>
+            </a:r>
+          </a:p>
+        </p:txBody>
+      </p:sp>
+      <p:sp>
+        <p:nvSpPr>
+          <p:cNvPr id="10" name="Rectangle 9">
+            <a:extLst>
+              <a:ext uri="{FF2B5EF4-FFF2-40B4-BE49-F238E27FC236}">
+                <a16:creationId xmlns:a16="http://schemas.microsoft.com/office/drawing/2014/main" id="{E2036101-89EC-A3AA-E697-624CB501D0F0}"/>
+              </a:ext>
+            </a:extLst>
+          </p:cNvPr>
+          <p:cNvSpPr/>
+          <p:nvPr/>
+        </p:nvSpPr>
+        <p:spPr>
+          <a:xfrm>
+            <a:off x="4865427" y="2548976"/>
+            <a:ext cx="1782170" cy="1409131"/>
+          </a:xfrm>
+          <a:prstGeom prst="rect">
+            <a:avLst/>
+          </a:prstGeom>
+        </p:spPr>
+        <p:style>
+          <a:lnRef idx="1">
+            <a:schemeClr val="accent5"/>
+          </a:lnRef>
+          <a:fillRef idx="2">
+            <a:schemeClr val="accent5"/>
+          </a:fillRef>
+          <a:effectRef idx="1">
+            <a:schemeClr val="accent5"/>
+          </a:effectRef>
+          <a:fontRef idx="minor">
+            <a:schemeClr val="dk1"/>
+          </a:fontRef>
+        </p:style>
+        <p:txBody>
+          <a:bodyPr rtlCol="0" anchor="ctr"/>
+          <a:lstStyle/>
+          <a:p>
+            <a:pPr algn="ctr"/>
+            <a:r>
+              <a:rPr lang="nl-NL"/>
+              <a:t>Transformer</a:t>
+            </a:r>
+          </a:p>
+        </p:txBody>
+      </p:sp>
+      <p:sp>
+        <p:nvSpPr>
+          <p:cNvPr id="11" name="Rectangle 10">
+            <a:extLst>
+              <a:ext uri="{FF2B5EF4-FFF2-40B4-BE49-F238E27FC236}">
+                <a16:creationId xmlns:a16="http://schemas.microsoft.com/office/drawing/2014/main" id="{56B6EB72-403B-F8A7-4E28-79AF4C1B0D20}"/>
+              </a:ext>
+            </a:extLst>
+          </p:cNvPr>
+          <p:cNvSpPr/>
+          <p:nvPr/>
+        </p:nvSpPr>
+        <p:spPr>
+          <a:xfrm>
+            <a:off x="8435452" y="1139589"/>
+            <a:ext cx="1782170" cy="1409131"/>
+          </a:xfrm>
+          <a:prstGeom prst="rect">
+            <a:avLst/>
+          </a:prstGeom>
+        </p:spPr>
+        <p:style>
+          <a:lnRef idx="1">
+            <a:schemeClr val="accent2"/>
+          </a:lnRef>
+          <a:fillRef idx="2">
+            <a:schemeClr val="accent2"/>
+          </a:fillRef>
+          <a:effectRef idx="1">
+            <a:schemeClr val="accent2"/>
+          </a:effectRef>
+          <a:fontRef idx="minor">
+            <a:schemeClr val="dk1"/>
+          </a:fontRef>
+        </p:style>
+        <p:txBody>
+          <a:bodyPr rtlCol="0" anchor="ctr"/>
+          <a:lstStyle/>
+          <a:p>
+            <a:pPr algn="ctr"/>
+            <a:r>
+              <a:rPr lang="nl-NL" dirty="0"/>
+              <a:t>Nieuwe</a:t>
+            </a:r>
+          </a:p>
+          <a:p>
+            <a:pPr algn="ctr"/>
+            <a:r>
+              <a:rPr lang="nl-NL" dirty="0"/>
+              <a:t>data</a:t>
+            </a:r>
+          </a:p>
+        </p:txBody>
+      </p:sp>
+      <p:cxnSp>
+        <p:nvCxnSpPr>
+          <p:cNvPr id="17" name="Straight Arrow Connector 16">
+            <a:extLst>
+              <a:ext uri="{FF2B5EF4-FFF2-40B4-BE49-F238E27FC236}">
+                <a16:creationId xmlns:a16="http://schemas.microsoft.com/office/drawing/2014/main" id="{AFD48089-64A7-95BD-D46C-CCC57775C323}"/>
+              </a:ext>
+            </a:extLst>
+          </p:cNvPr>
+          <p:cNvCxnSpPr>
+            <a:cxnSpLocks/>
+            <a:stCxn id="3" idx="3"/>
+            <a:endCxn id="10" idx="1"/>
+          </p:cNvCxnSpPr>
+          <p:nvPr/>
+        </p:nvCxnSpPr>
+        <p:spPr>
+          <a:xfrm flipV="1">
+            <a:off x="3077573" y="3253542"/>
+            <a:ext cx="1787854" cy="1"/>
+          </a:xfrm>
+          <a:prstGeom prst="straightConnector1">
+            <a:avLst/>
+          </a:prstGeom>
+          <a:ln>
+            <a:tailEnd type="triangle"/>
+          </a:ln>
+        </p:spPr>
+        <p:style>
+          <a:lnRef idx="3">
+            <a:schemeClr val="dk1"/>
+          </a:lnRef>
+          <a:fillRef idx="0">
+            <a:schemeClr val="dk1"/>
+          </a:fillRef>
+          <a:effectRef idx="2">
+            <a:schemeClr val="dk1"/>
+          </a:effectRef>
+          <a:fontRef idx="minor">
+            <a:schemeClr val="tx1"/>
+          </a:fontRef>
+        </p:style>
+      </p:cxnSp>
+      <p:sp>
+        <p:nvSpPr>
+          <p:cNvPr id="19" name="TextBox 18">
+            <a:extLst>
+              <a:ext uri="{FF2B5EF4-FFF2-40B4-BE49-F238E27FC236}">
+                <a16:creationId xmlns:a16="http://schemas.microsoft.com/office/drawing/2014/main" id="{9A855E8B-4925-6186-EBE1-319368505CDA}"/>
+              </a:ext>
+            </a:extLst>
+          </p:cNvPr>
+          <p:cNvSpPr txBox="1"/>
+          <p:nvPr/>
+        </p:nvSpPr>
+        <p:spPr>
+          <a:xfrm>
+            <a:off x="3083257" y="2877819"/>
+            <a:ext cx="1761128" cy="369332"/>
+          </a:xfrm>
+          <a:prstGeom prst="rect">
+            <a:avLst/>
+          </a:prstGeom>
+          <a:noFill/>
+        </p:spPr>
+        <p:txBody>
+          <a:bodyPr wrap="square" rtlCol="0">
+            <a:spAutoFit/>
+          </a:bodyPr>
+          <a:lstStyle/>
+          <a:p>
+            <a:pPr algn="ctr"/>
+            <a:r>
+              <a:rPr lang="en-US" dirty="0">
+                <a:latin typeface="Courier New" panose="02070309020205020404" pitchFamily="49" charset="0"/>
+                <a:cs typeface="Courier New" panose="02070309020205020404" pitchFamily="49" charset="0"/>
+              </a:rPr>
+              <a:t>fit()</a:t>
+            </a:r>
+            <a:endParaRPr lang="en-NL" dirty="0">
+              <a:latin typeface="Courier New" panose="02070309020205020404" pitchFamily="49" charset="0"/>
+              <a:cs typeface="Courier New" panose="02070309020205020404" pitchFamily="49" charset="0"/>
+            </a:endParaRPr>
+          </a:p>
+        </p:txBody>
+      </p:sp>
+      <p:sp>
+        <p:nvSpPr>
+          <p:cNvPr id="23" name="TextBox 22">
+            <a:extLst>
+              <a:ext uri="{FF2B5EF4-FFF2-40B4-BE49-F238E27FC236}">
+                <a16:creationId xmlns:a16="http://schemas.microsoft.com/office/drawing/2014/main" id="{368B7D08-7638-CFCF-E59F-81E608E1F483}"/>
+              </a:ext>
+            </a:extLst>
+          </p:cNvPr>
+          <p:cNvSpPr txBox="1"/>
+          <p:nvPr/>
+        </p:nvSpPr>
+        <p:spPr>
+          <a:xfrm>
+            <a:off x="4886470" y="3958107"/>
+            <a:ext cx="1782169" cy="369332"/>
+          </a:xfrm>
+          <a:prstGeom prst="rect">
+            <a:avLst/>
+          </a:prstGeom>
+          <a:noFill/>
+        </p:spPr>
+        <p:txBody>
+          <a:bodyPr wrap="square" rtlCol="0">
+            <a:spAutoFit/>
+          </a:bodyPr>
+          <a:lstStyle/>
+          <a:p>
+            <a:pPr algn="ctr"/>
+            <a:r>
+              <a:rPr lang="en-US" b="1" dirty="0">
+                <a:latin typeface="Courier New" panose="02070309020205020404" pitchFamily="49" charset="0"/>
+                <a:cs typeface="Courier New" panose="02070309020205020404" pitchFamily="49" charset="0"/>
+              </a:rPr>
+              <a:t>mean = 3.5</a:t>
+            </a:r>
+            <a:endParaRPr lang="en-NL" b="1" dirty="0">
+              <a:latin typeface="Courier New" panose="02070309020205020404" pitchFamily="49" charset="0"/>
+              <a:cs typeface="Courier New" panose="02070309020205020404" pitchFamily="49" charset="0"/>
+            </a:endParaRPr>
+          </a:p>
+        </p:txBody>
+      </p:sp>
+      <p:cxnSp>
+        <p:nvCxnSpPr>
+          <p:cNvPr id="25" name="Straight Arrow Connector 24">
+            <a:extLst>
+              <a:ext uri="{FF2B5EF4-FFF2-40B4-BE49-F238E27FC236}">
+                <a16:creationId xmlns:a16="http://schemas.microsoft.com/office/drawing/2014/main" id="{41C66B95-50EC-FC89-87CD-5C6260FEBF92}"/>
+              </a:ext>
+            </a:extLst>
+          </p:cNvPr>
+          <p:cNvCxnSpPr>
+            <a:stCxn id="11" idx="1"/>
+            <a:endCxn id="10" idx="3"/>
+          </p:cNvCxnSpPr>
+          <p:nvPr/>
+        </p:nvCxnSpPr>
+        <p:spPr>
+          <a:xfrm flipH="1">
+            <a:off x="6647597" y="1844155"/>
+            <a:ext cx="1787855" cy="1409387"/>
+          </a:xfrm>
+          <a:prstGeom prst="straightConnector1">
+            <a:avLst/>
+          </a:prstGeom>
+          <a:ln>
+            <a:tailEnd type="triangle"/>
+          </a:ln>
+        </p:spPr>
+        <p:style>
+          <a:lnRef idx="3">
+            <a:schemeClr val="dk1"/>
+          </a:lnRef>
+          <a:fillRef idx="0">
+            <a:schemeClr val="dk1"/>
+          </a:fillRef>
+          <a:effectRef idx="2">
+            <a:schemeClr val="dk1"/>
+          </a:effectRef>
+          <a:fontRef idx="minor">
+            <a:schemeClr val="tx1"/>
+          </a:fontRef>
+        </p:style>
+      </p:cxnSp>
+      <p:sp>
+        <p:nvSpPr>
+          <p:cNvPr id="26" name="TextBox 25">
+            <a:extLst>
+              <a:ext uri="{FF2B5EF4-FFF2-40B4-BE49-F238E27FC236}">
+                <a16:creationId xmlns:a16="http://schemas.microsoft.com/office/drawing/2014/main" id="{2754FCE4-E189-9943-24CC-9485376AB372}"/>
+              </a:ext>
+            </a:extLst>
+          </p:cNvPr>
+          <p:cNvSpPr txBox="1"/>
+          <p:nvPr/>
+        </p:nvSpPr>
+        <p:spPr>
+          <a:xfrm>
+            <a:off x="6096000" y="1965685"/>
+            <a:ext cx="1701107" cy="369332"/>
+          </a:xfrm>
+          <a:prstGeom prst="rect">
+            <a:avLst/>
+          </a:prstGeom>
+          <a:noFill/>
+        </p:spPr>
+        <p:txBody>
+          <a:bodyPr wrap="none" rtlCol="0">
+            <a:spAutoFit/>
+          </a:bodyPr>
+          <a:lstStyle/>
+          <a:p>
+            <a:r>
+              <a:rPr lang="en-US" dirty="0">
+                <a:latin typeface="Courier New" panose="02070309020205020404" pitchFamily="49" charset="0"/>
+                <a:cs typeface="Courier New" panose="02070309020205020404" pitchFamily="49" charset="0"/>
+              </a:rPr>
+              <a:t>transform()</a:t>
+            </a:r>
+            <a:endParaRPr lang="en-NL" dirty="0">
+              <a:latin typeface="Courier New" panose="02070309020205020404" pitchFamily="49" charset="0"/>
+              <a:cs typeface="Courier New" panose="02070309020205020404" pitchFamily="49" charset="0"/>
+            </a:endParaRPr>
+          </a:p>
+        </p:txBody>
+      </p:sp>
+      <p:sp>
+        <p:nvSpPr>
+          <p:cNvPr id="29" name="TextBox 28">
+            <a:extLst>
+              <a:ext uri="{FF2B5EF4-FFF2-40B4-BE49-F238E27FC236}">
+                <a16:creationId xmlns:a16="http://schemas.microsoft.com/office/drawing/2014/main" id="{3B96C0EB-7058-74D5-FCDE-CF1CE696C866}"/>
+              </a:ext>
+            </a:extLst>
+          </p:cNvPr>
+          <p:cNvSpPr txBox="1"/>
+          <p:nvPr/>
+        </p:nvSpPr>
+        <p:spPr>
+          <a:xfrm>
+            <a:off x="887109" y="2646987"/>
+            <a:ext cx="402609" cy="1200329"/>
+          </a:xfrm>
+          <a:prstGeom prst="rect">
+            <a:avLst/>
+          </a:prstGeom>
+          <a:noFill/>
+        </p:spPr>
+        <p:txBody>
+          <a:bodyPr wrap="square" rtlCol="0">
+            <a:spAutoFit/>
+          </a:bodyPr>
+          <a:lstStyle/>
+          <a:p>
+            <a:r>
+              <a:rPr lang="en-US" dirty="0">
+                <a:latin typeface="Courier New" panose="02070309020205020404" pitchFamily="49" charset="0"/>
+                <a:cs typeface="Courier New" panose="02070309020205020404" pitchFamily="49" charset="0"/>
+              </a:rPr>
+              <a:t>6</a:t>
+            </a:r>
+          </a:p>
+          <a:p>
+            <a:r>
+              <a:rPr lang="en-US" dirty="0">
+                <a:latin typeface="Courier New" panose="02070309020205020404" pitchFamily="49" charset="0"/>
+                <a:cs typeface="Courier New" panose="02070309020205020404" pitchFamily="49" charset="0"/>
+              </a:rPr>
+              <a:t>1</a:t>
+            </a:r>
+          </a:p>
+          <a:p>
+            <a:r>
+              <a:rPr lang="en-US" dirty="0">
+                <a:latin typeface="Courier New" panose="02070309020205020404" pitchFamily="49" charset="0"/>
+                <a:cs typeface="Courier New" panose="02070309020205020404" pitchFamily="49" charset="0"/>
+              </a:rPr>
+              <a:t>4</a:t>
+            </a:r>
+          </a:p>
+          <a:p>
+            <a:r>
+              <a:rPr lang="en-US" dirty="0">
+                <a:latin typeface="Courier New" panose="02070309020205020404" pitchFamily="49" charset="0"/>
+                <a:cs typeface="Courier New" panose="02070309020205020404" pitchFamily="49" charset="0"/>
+              </a:rPr>
+              <a:t>3</a:t>
+            </a:r>
+            <a:endParaRPr lang="en-NL" dirty="0">
+              <a:latin typeface="Courier New" panose="02070309020205020404" pitchFamily="49" charset="0"/>
+              <a:cs typeface="Courier New" panose="02070309020205020404" pitchFamily="49" charset="0"/>
+            </a:endParaRPr>
+          </a:p>
+        </p:txBody>
+      </p:sp>
+      <p:sp>
+        <p:nvSpPr>
+          <p:cNvPr id="30" name="TextBox 29">
+            <a:extLst>
+              <a:ext uri="{FF2B5EF4-FFF2-40B4-BE49-F238E27FC236}">
+                <a16:creationId xmlns:a16="http://schemas.microsoft.com/office/drawing/2014/main" id="{64ECBD68-9822-B3E8-9EA5-61ED479607C7}"/>
+              </a:ext>
+            </a:extLst>
+          </p:cNvPr>
+          <p:cNvSpPr txBox="1"/>
+          <p:nvPr/>
+        </p:nvSpPr>
+        <p:spPr>
+          <a:xfrm>
+            <a:off x="10221155" y="1237670"/>
+            <a:ext cx="634812" cy="1200329"/>
+          </a:xfrm>
+          <a:prstGeom prst="rect">
+            <a:avLst/>
+          </a:prstGeom>
+          <a:noFill/>
+        </p:spPr>
+        <p:txBody>
+          <a:bodyPr wrap="square" rtlCol="0">
+            <a:spAutoFit/>
+          </a:bodyPr>
+          <a:lstStyle/>
+          <a:p>
+            <a:r>
+              <a:rPr lang="en-US" dirty="0">
+                <a:latin typeface="Courier New" panose="02070309020205020404" pitchFamily="49" charset="0"/>
+                <a:cs typeface="Courier New" panose="02070309020205020404" pitchFamily="49" charset="0"/>
+              </a:rPr>
+              <a:t>1</a:t>
+            </a:r>
+          </a:p>
+          <a:p>
+            <a:r>
+              <a:rPr lang="en-US" dirty="0">
+                <a:latin typeface="Courier New" panose="02070309020205020404" pitchFamily="49" charset="0"/>
+                <a:cs typeface="Courier New" panose="02070309020205020404" pitchFamily="49" charset="0"/>
+              </a:rPr>
+              <a:t>9</a:t>
+            </a:r>
+          </a:p>
+          <a:p>
+            <a:r>
+              <a:rPr lang="en-US" dirty="0">
+                <a:latin typeface="Courier New" panose="02070309020205020404" pitchFamily="49" charset="0"/>
+                <a:cs typeface="Courier New" panose="02070309020205020404" pitchFamily="49" charset="0"/>
+              </a:rPr>
+              <a:t>3</a:t>
+            </a:r>
+          </a:p>
+          <a:p>
+            <a:r>
+              <a:rPr lang="en-US" b="1" dirty="0">
+                <a:latin typeface="Courier New" panose="02070309020205020404" pitchFamily="49" charset="0"/>
+                <a:cs typeface="Courier New" panose="02070309020205020404" pitchFamily="49" charset="0"/>
+              </a:rPr>
+              <a:t>NA</a:t>
+            </a:r>
+            <a:endParaRPr lang="en-NL" b="1" dirty="0">
+              <a:latin typeface="Courier New" panose="02070309020205020404" pitchFamily="49" charset="0"/>
+              <a:cs typeface="Courier New" panose="02070309020205020404" pitchFamily="49" charset="0"/>
+            </a:endParaRPr>
+          </a:p>
+        </p:txBody>
+      </p:sp>
+    </p:spTree>
+    <p:extLst>
+      <p:ext uri="{BB962C8B-B14F-4D97-AF65-F5344CB8AC3E}">
+        <p14:creationId xmlns:p14="http://schemas.microsoft.com/office/powerpoint/2010/main" val="2948227826"/>
       </p:ext>
     </p:extLst>
   </p:cSld>
@@ -6874,6 +7328,53 @@
           </a:p>
         </p:txBody>
       </p:sp>
+      <p:sp>
+        <p:nvSpPr>
+          <p:cNvPr id="15" name="Rectangle 14">
+            <a:extLst>
+              <a:ext uri="{FF2B5EF4-FFF2-40B4-BE49-F238E27FC236}">
+                <a16:creationId xmlns:a16="http://schemas.microsoft.com/office/drawing/2014/main" id="{5F19AC63-4E65-C8A0-90B6-155E6458E206}"/>
+              </a:ext>
+            </a:extLst>
+          </p:cNvPr>
+          <p:cNvSpPr/>
+          <p:nvPr/>
+        </p:nvSpPr>
+        <p:spPr>
+          <a:xfrm>
+            <a:off x="8435452" y="3958107"/>
+            <a:ext cx="1782170" cy="1409131"/>
+          </a:xfrm>
+          <a:prstGeom prst="rect">
+            <a:avLst/>
+          </a:prstGeom>
+        </p:spPr>
+        <p:style>
+          <a:lnRef idx="1">
+            <a:schemeClr val="accent6"/>
+          </a:lnRef>
+          <a:fillRef idx="2">
+            <a:schemeClr val="accent6"/>
+          </a:fillRef>
+          <a:effectRef idx="1">
+            <a:schemeClr val="accent6"/>
+          </a:effectRef>
+          <a:fontRef idx="minor">
+            <a:schemeClr val="dk1"/>
+          </a:fontRef>
+        </p:style>
+        <p:txBody>
+          <a:bodyPr rtlCol="0" anchor="ctr"/>
+          <a:lstStyle/>
+          <a:p>
+            <a:pPr algn="ctr"/>
+            <a:r>
+              <a:rPr lang="nl-NL" dirty="0"/>
+              <a:t>Geprepareerde data</a:t>
+            </a:r>
+          </a:p>
+        </p:txBody>
+      </p:sp>
       <p:cxnSp>
         <p:nvCxnSpPr>
           <p:cNvPr id="17" name="Straight Arrow Connector 16">
@@ -6931,7 +7432,7 @@
         </p:nvSpPr>
         <p:spPr>
           <a:xfrm>
-            <a:off x="3083257" y="2877819"/>
+            <a:off x="3083257" y="2872597"/>
             <a:ext cx="1761128" cy="369332"/>
           </a:xfrm>
           <a:prstGeom prst="rect">
@@ -7087,669 +7588,6 @@
           </a:p>
         </p:txBody>
       </p:sp>
-      <p:sp>
-        <p:nvSpPr>
-          <p:cNvPr id="29" name="TextBox 28">
-            <a:extLst>
-              <a:ext uri="{FF2B5EF4-FFF2-40B4-BE49-F238E27FC236}">
-                <a16:creationId xmlns:a16="http://schemas.microsoft.com/office/drawing/2014/main" id="{3B96C0EB-7058-74D5-FCDE-CF1CE696C866}"/>
-              </a:ext>
-            </a:extLst>
-          </p:cNvPr>
-          <p:cNvSpPr txBox="1"/>
-          <p:nvPr/>
-        </p:nvSpPr>
-        <p:spPr>
-          <a:xfrm>
-            <a:off x="887109" y="2646987"/>
-            <a:ext cx="402609" cy="1200329"/>
-          </a:xfrm>
-          <a:prstGeom prst="rect">
-            <a:avLst/>
-          </a:prstGeom>
-          <a:noFill/>
-        </p:spPr>
-        <p:txBody>
-          <a:bodyPr wrap="square" rtlCol="0">
-            <a:spAutoFit/>
-          </a:bodyPr>
-          <a:lstStyle/>
-          <a:p>
-            <a:r>
-              <a:rPr lang="en-US" dirty="0">
-                <a:latin typeface="Courier New" panose="02070309020205020404" pitchFamily="49" charset="0"/>
-                <a:cs typeface="Courier New" panose="02070309020205020404" pitchFamily="49" charset="0"/>
-              </a:rPr>
-              <a:t>6</a:t>
-            </a:r>
-          </a:p>
-          <a:p>
-            <a:r>
-              <a:rPr lang="en-US" dirty="0">
-                <a:latin typeface="Courier New" panose="02070309020205020404" pitchFamily="49" charset="0"/>
-                <a:cs typeface="Courier New" panose="02070309020205020404" pitchFamily="49" charset="0"/>
-              </a:rPr>
-              <a:t>1</a:t>
-            </a:r>
-          </a:p>
-          <a:p>
-            <a:r>
-              <a:rPr lang="en-US" dirty="0">
-                <a:latin typeface="Courier New" panose="02070309020205020404" pitchFamily="49" charset="0"/>
-                <a:cs typeface="Courier New" panose="02070309020205020404" pitchFamily="49" charset="0"/>
-              </a:rPr>
-              <a:t>4</a:t>
-            </a:r>
-          </a:p>
-          <a:p>
-            <a:r>
-              <a:rPr lang="en-US" dirty="0">
-                <a:latin typeface="Courier New" panose="02070309020205020404" pitchFamily="49" charset="0"/>
-                <a:cs typeface="Courier New" panose="02070309020205020404" pitchFamily="49" charset="0"/>
-              </a:rPr>
-              <a:t>3</a:t>
-            </a:r>
-            <a:endParaRPr lang="en-NL" dirty="0">
-              <a:latin typeface="Courier New" panose="02070309020205020404" pitchFamily="49" charset="0"/>
-              <a:cs typeface="Courier New" panose="02070309020205020404" pitchFamily="49" charset="0"/>
-            </a:endParaRPr>
-          </a:p>
-        </p:txBody>
-      </p:sp>
-      <p:sp>
-        <p:nvSpPr>
-          <p:cNvPr id="30" name="TextBox 29">
-            <a:extLst>
-              <a:ext uri="{FF2B5EF4-FFF2-40B4-BE49-F238E27FC236}">
-                <a16:creationId xmlns:a16="http://schemas.microsoft.com/office/drawing/2014/main" id="{64ECBD68-9822-B3E8-9EA5-61ED479607C7}"/>
-              </a:ext>
-            </a:extLst>
-          </p:cNvPr>
-          <p:cNvSpPr txBox="1"/>
-          <p:nvPr/>
-        </p:nvSpPr>
-        <p:spPr>
-          <a:xfrm>
-            <a:off x="10221155" y="1237670"/>
-            <a:ext cx="634812" cy="1200329"/>
-          </a:xfrm>
-          <a:prstGeom prst="rect">
-            <a:avLst/>
-          </a:prstGeom>
-          <a:noFill/>
-        </p:spPr>
-        <p:txBody>
-          <a:bodyPr wrap="square" rtlCol="0">
-            <a:spAutoFit/>
-          </a:bodyPr>
-          <a:lstStyle/>
-          <a:p>
-            <a:r>
-              <a:rPr lang="en-US" dirty="0">
-                <a:latin typeface="Courier New" panose="02070309020205020404" pitchFamily="49" charset="0"/>
-                <a:cs typeface="Courier New" panose="02070309020205020404" pitchFamily="49" charset="0"/>
-              </a:rPr>
-              <a:t>1</a:t>
-            </a:r>
-          </a:p>
-          <a:p>
-            <a:r>
-              <a:rPr lang="en-US" dirty="0">
-                <a:latin typeface="Courier New" panose="02070309020205020404" pitchFamily="49" charset="0"/>
-                <a:cs typeface="Courier New" panose="02070309020205020404" pitchFamily="49" charset="0"/>
-              </a:rPr>
-              <a:t>9</a:t>
-            </a:r>
-          </a:p>
-          <a:p>
-            <a:r>
-              <a:rPr lang="en-US" dirty="0">
-                <a:latin typeface="Courier New" panose="02070309020205020404" pitchFamily="49" charset="0"/>
-                <a:cs typeface="Courier New" panose="02070309020205020404" pitchFamily="49" charset="0"/>
-              </a:rPr>
-              <a:t>3</a:t>
-            </a:r>
-          </a:p>
-          <a:p>
-            <a:r>
-              <a:rPr lang="en-US" b="1" dirty="0">
-                <a:latin typeface="Courier New" panose="02070309020205020404" pitchFamily="49" charset="0"/>
-                <a:cs typeface="Courier New" panose="02070309020205020404" pitchFamily="49" charset="0"/>
-              </a:rPr>
-              <a:t>NA</a:t>
-            </a:r>
-            <a:endParaRPr lang="en-NL" b="1" dirty="0">
-              <a:latin typeface="Courier New" panose="02070309020205020404" pitchFamily="49" charset="0"/>
-              <a:cs typeface="Courier New" panose="02070309020205020404" pitchFamily="49" charset="0"/>
-            </a:endParaRPr>
-          </a:p>
-        </p:txBody>
-      </p:sp>
-    </p:spTree>
-    <p:extLst>
-      <p:ext uri="{BB962C8B-B14F-4D97-AF65-F5344CB8AC3E}">
-        <p14:creationId xmlns:p14="http://schemas.microsoft.com/office/powerpoint/2010/main" val="2948227826"/>
-      </p:ext>
-    </p:extLst>
-  </p:cSld>
-  <p:clrMapOvr>
-    <a:masterClrMapping/>
-  </p:clrMapOvr>
-</p:sld>
-</file>
-
-<file path=ppt/slides/slide16.xml><?xml version="1.0" encoding="utf-8"?>
-<p:sld xmlns:a="http://schemas.openxmlformats.org/drawingml/2006/main" xmlns:r="http://schemas.openxmlformats.org/officeDocument/2006/relationships" xmlns:p="http://schemas.openxmlformats.org/presentationml/2006/main">
-  <p:cSld>
-    <p:spTree>
-      <p:nvGrpSpPr>
-        <p:cNvPr id="1" name=""/>
-        <p:cNvGrpSpPr/>
-        <p:nvPr/>
-      </p:nvGrpSpPr>
-      <p:grpSpPr>
-        <a:xfrm>
-          <a:off x="0" y="0"/>
-          <a:ext cx="0" cy="0"/>
-          <a:chOff x="0" y="0"/>
-          <a:chExt cx="0" cy="0"/>
-        </a:xfrm>
-      </p:grpSpPr>
-      <p:sp>
-        <p:nvSpPr>
-          <p:cNvPr id="2" name="Title 1">
-            <a:extLst>
-              <a:ext uri="{FF2B5EF4-FFF2-40B4-BE49-F238E27FC236}">
-                <a16:creationId xmlns:a16="http://schemas.microsoft.com/office/drawing/2014/main" id="{39A1D606-8DD1-369C-5C09-471CDD551AD5}"/>
-              </a:ext>
-            </a:extLst>
-          </p:cNvPr>
-          <p:cNvSpPr>
-            <a:spLocks noGrp="1"/>
-          </p:cNvSpPr>
-          <p:nvPr>
-            <p:ph type="title"/>
-          </p:nvPr>
-        </p:nvSpPr>
-        <p:spPr>
-          <a:xfrm>
-            <a:off x="838200" y="365126"/>
-            <a:ext cx="10515600" cy="718608"/>
-          </a:xfrm>
-        </p:spPr>
-        <p:txBody>
-          <a:bodyPr>
-            <a:normAutofit/>
-          </a:bodyPr>
-          <a:lstStyle/>
-          <a:p>
-            <a:r>
-              <a:rPr lang="nl-NL" sz="3600" noProof="0" dirty="0"/>
-              <a:t>Transformaties in </a:t>
-            </a:r>
-            <a:r>
-              <a:rPr lang="nl-NL" sz="3600" noProof="0" dirty="0" err="1"/>
-              <a:t>scikit</a:t>
-            </a:r>
-            <a:r>
-              <a:rPr lang="nl-NL" sz="3600" dirty="0"/>
-              <a:t>-</a:t>
-            </a:r>
-            <a:r>
-              <a:rPr lang="nl-NL" sz="3600" dirty="0" err="1"/>
-              <a:t>learn</a:t>
-            </a:r>
-            <a:endParaRPr lang="nl-NL" sz="3600" noProof="0" dirty="0"/>
-          </a:p>
-        </p:txBody>
-      </p:sp>
-      <p:sp>
-        <p:nvSpPr>
-          <p:cNvPr id="4" name="TextBox 3">
-            <a:extLst>
-              <a:ext uri="{FF2B5EF4-FFF2-40B4-BE49-F238E27FC236}">
-                <a16:creationId xmlns:a16="http://schemas.microsoft.com/office/drawing/2014/main" id="{B47EA95A-6DDD-ED89-357A-943A5BC87A94}"/>
-              </a:ext>
-            </a:extLst>
-          </p:cNvPr>
-          <p:cNvSpPr txBox="1"/>
-          <p:nvPr/>
-        </p:nvSpPr>
-        <p:spPr>
-          <a:xfrm>
-            <a:off x="6555232" y="2530561"/>
-            <a:ext cx="184731" cy="369332"/>
-          </a:xfrm>
-          <a:prstGeom prst="rect">
-            <a:avLst/>
-          </a:prstGeom>
-          <a:noFill/>
-        </p:spPr>
-        <p:txBody>
-          <a:bodyPr wrap="none" rtlCol="0">
-            <a:spAutoFit/>
-          </a:bodyPr>
-          <a:lstStyle/>
-          <a:p>
-            <a:endParaRPr lang="en-NL" dirty="0"/>
-          </a:p>
-        </p:txBody>
-      </p:sp>
-      <p:sp>
-        <p:nvSpPr>
-          <p:cNvPr id="3" name="Rectangle 2">
-            <a:extLst>
-              <a:ext uri="{FF2B5EF4-FFF2-40B4-BE49-F238E27FC236}">
-                <a16:creationId xmlns:a16="http://schemas.microsoft.com/office/drawing/2014/main" id="{D98ECDAC-8F8E-5A33-FF03-91C3D9EE9CAF}"/>
-              </a:ext>
-            </a:extLst>
-          </p:cNvPr>
-          <p:cNvSpPr/>
-          <p:nvPr/>
-        </p:nvSpPr>
-        <p:spPr>
-          <a:xfrm>
-            <a:off x="1295403" y="2548977"/>
-            <a:ext cx="1782170" cy="1409131"/>
-          </a:xfrm>
-          <a:prstGeom prst="rect">
-            <a:avLst/>
-          </a:prstGeom>
-        </p:spPr>
-        <p:style>
-          <a:lnRef idx="1">
-            <a:schemeClr val="accent4"/>
-          </a:lnRef>
-          <a:fillRef idx="2">
-            <a:schemeClr val="accent4"/>
-          </a:fillRef>
-          <a:effectRef idx="1">
-            <a:schemeClr val="accent4"/>
-          </a:effectRef>
-          <a:fontRef idx="minor">
-            <a:schemeClr val="dk1"/>
-          </a:fontRef>
-        </p:style>
-        <p:txBody>
-          <a:bodyPr rtlCol="0" anchor="ctr"/>
-          <a:lstStyle/>
-          <a:p>
-            <a:pPr algn="ctr"/>
-            <a:r>
-              <a:rPr lang="nl-NL" dirty="0"/>
-              <a:t>Bekende</a:t>
-            </a:r>
-          </a:p>
-          <a:p>
-            <a:pPr algn="ctr"/>
-            <a:r>
-              <a:rPr lang="nl-NL" dirty="0"/>
-              <a:t>data</a:t>
-            </a:r>
-          </a:p>
-        </p:txBody>
-      </p:sp>
-      <p:sp>
-        <p:nvSpPr>
-          <p:cNvPr id="10" name="Rectangle 9">
-            <a:extLst>
-              <a:ext uri="{FF2B5EF4-FFF2-40B4-BE49-F238E27FC236}">
-                <a16:creationId xmlns:a16="http://schemas.microsoft.com/office/drawing/2014/main" id="{E2036101-89EC-A3AA-E697-624CB501D0F0}"/>
-              </a:ext>
-            </a:extLst>
-          </p:cNvPr>
-          <p:cNvSpPr/>
-          <p:nvPr/>
-        </p:nvSpPr>
-        <p:spPr>
-          <a:xfrm>
-            <a:off x="4865427" y="2548976"/>
-            <a:ext cx="1782170" cy="1409131"/>
-          </a:xfrm>
-          <a:prstGeom prst="rect">
-            <a:avLst/>
-          </a:prstGeom>
-        </p:spPr>
-        <p:style>
-          <a:lnRef idx="1">
-            <a:schemeClr val="accent5"/>
-          </a:lnRef>
-          <a:fillRef idx="2">
-            <a:schemeClr val="accent5"/>
-          </a:fillRef>
-          <a:effectRef idx="1">
-            <a:schemeClr val="accent5"/>
-          </a:effectRef>
-          <a:fontRef idx="minor">
-            <a:schemeClr val="dk1"/>
-          </a:fontRef>
-        </p:style>
-        <p:txBody>
-          <a:bodyPr rtlCol="0" anchor="ctr"/>
-          <a:lstStyle/>
-          <a:p>
-            <a:pPr algn="ctr"/>
-            <a:r>
-              <a:rPr lang="nl-NL"/>
-              <a:t>Transformer</a:t>
-            </a:r>
-          </a:p>
-        </p:txBody>
-      </p:sp>
-      <p:sp>
-        <p:nvSpPr>
-          <p:cNvPr id="11" name="Rectangle 10">
-            <a:extLst>
-              <a:ext uri="{FF2B5EF4-FFF2-40B4-BE49-F238E27FC236}">
-                <a16:creationId xmlns:a16="http://schemas.microsoft.com/office/drawing/2014/main" id="{56B6EB72-403B-F8A7-4E28-79AF4C1B0D20}"/>
-              </a:ext>
-            </a:extLst>
-          </p:cNvPr>
-          <p:cNvSpPr/>
-          <p:nvPr/>
-        </p:nvSpPr>
-        <p:spPr>
-          <a:xfrm>
-            <a:off x="8435452" y="1139589"/>
-            <a:ext cx="1782170" cy="1409131"/>
-          </a:xfrm>
-          <a:prstGeom prst="rect">
-            <a:avLst/>
-          </a:prstGeom>
-        </p:spPr>
-        <p:style>
-          <a:lnRef idx="1">
-            <a:schemeClr val="accent2"/>
-          </a:lnRef>
-          <a:fillRef idx="2">
-            <a:schemeClr val="accent2"/>
-          </a:fillRef>
-          <a:effectRef idx="1">
-            <a:schemeClr val="accent2"/>
-          </a:effectRef>
-          <a:fontRef idx="minor">
-            <a:schemeClr val="dk1"/>
-          </a:fontRef>
-        </p:style>
-        <p:txBody>
-          <a:bodyPr rtlCol="0" anchor="ctr"/>
-          <a:lstStyle/>
-          <a:p>
-            <a:pPr algn="ctr"/>
-            <a:r>
-              <a:rPr lang="nl-NL" dirty="0"/>
-              <a:t>Nieuwe</a:t>
-            </a:r>
-          </a:p>
-          <a:p>
-            <a:pPr algn="ctr"/>
-            <a:r>
-              <a:rPr lang="nl-NL" dirty="0"/>
-              <a:t>data</a:t>
-            </a:r>
-          </a:p>
-        </p:txBody>
-      </p:sp>
-      <p:sp>
-        <p:nvSpPr>
-          <p:cNvPr id="15" name="Rectangle 14">
-            <a:extLst>
-              <a:ext uri="{FF2B5EF4-FFF2-40B4-BE49-F238E27FC236}">
-                <a16:creationId xmlns:a16="http://schemas.microsoft.com/office/drawing/2014/main" id="{5F19AC63-4E65-C8A0-90B6-155E6458E206}"/>
-              </a:ext>
-            </a:extLst>
-          </p:cNvPr>
-          <p:cNvSpPr/>
-          <p:nvPr/>
-        </p:nvSpPr>
-        <p:spPr>
-          <a:xfrm>
-            <a:off x="8435452" y="3958107"/>
-            <a:ext cx="1782170" cy="1409131"/>
-          </a:xfrm>
-          <a:prstGeom prst="rect">
-            <a:avLst/>
-          </a:prstGeom>
-        </p:spPr>
-        <p:style>
-          <a:lnRef idx="1">
-            <a:schemeClr val="accent6"/>
-          </a:lnRef>
-          <a:fillRef idx="2">
-            <a:schemeClr val="accent6"/>
-          </a:fillRef>
-          <a:effectRef idx="1">
-            <a:schemeClr val="accent6"/>
-          </a:effectRef>
-          <a:fontRef idx="minor">
-            <a:schemeClr val="dk1"/>
-          </a:fontRef>
-        </p:style>
-        <p:txBody>
-          <a:bodyPr rtlCol="0" anchor="ctr"/>
-          <a:lstStyle/>
-          <a:p>
-            <a:pPr algn="ctr"/>
-            <a:r>
-              <a:rPr lang="nl-NL" dirty="0"/>
-              <a:t>Geprepareerde data</a:t>
-            </a:r>
-          </a:p>
-        </p:txBody>
-      </p:sp>
-      <p:cxnSp>
-        <p:nvCxnSpPr>
-          <p:cNvPr id="17" name="Straight Arrow Connector 16">
-            <a:extLst>
-              <a:ext uri="{FF2B5EF4-FFF2-40B4-BE49-F238E27FC236}">
-                <a16:creationId xmlns:a16="http://schemas.microsoft.com/office/drawing/2014/main" id="{AFD48089-64A7-95BD-D46C-CCC57775C323}"/>
-              </a:ext>
-            </a:extLst>
-          </p:cNvPr>
-          <p:cNvCxnSpPr>
-            <a:cxnSpLocks/>
-            <a:stCxn id="3" idx="3"/>
-            <a:endCxn id="10" idx="1"/>
-          </p:cNvCxnSpPr>
-          <p:nvPr/>
-        </p:nvCxnSpPr>
-        <p:spPr>
-          <a:xfrm flipV="1">
-            <a:off x="3077573" y="3253542"/>
-            <a:ext cx="1787854" cy="1"/>
-          </a:xfrm>
-          <a:prstGeom prst="straightConnector1">
-            <a:avLst/>
-          </a:prstGeom>
-          <a:ln>
-            <a:tailEnd type="triangle"/>
-          </a:ln>
-        </p:spPr>
-        <p:style>
-          <a:lnRef idx="3">
-            <a:schemeClr val="dk1"/>
-          </a:lnRef>
-          <a:fillRef idx="0">
-            <a:schemeClr val="dk1"/>
-          </a:fillRef>
-          <a:effectRef idx="2">
-            <a:schemeClr val="dk1"/>
-          </a:effectRef>
-          <a:fontRef idx="minor">
-            <a:schemeClr val="tx1"/>
-          </a:fontRef>
-        </p:style>
-      </p:cxnSp>
-      <p:sp>
-        <p:nvSpPr>
-          <p:cNvPr id="19" name="TextBox 18">
-            <a:extLst>
-              <a:ext uri="{FF2B5EF4-FFF2-40B4-BE49-F238E27FC236}">
-                <a16:creationId xmlns:a16="http://schemas.microsoft.com/office/drawing/2014/main" id="{9A855E8B-4925-6186-EBE1-319368505CDA}"/>
-              </a:ext>
-            </a:extLst>
-          </p:cNvPr>
-          <p:cNvSpPr txBox="1"/>
-          <p:nvPr/>
-        </p:nvSpPr>
-        <p:spPr>
-          <a:xfrm>
-            <a:off x="3083257" y="2872597"/>
-            <a:ext cx="1761128" cy="369332"/>
-          </a:xfrm>
-          <a:prstGeom prst="rect">
-            <a:avLst/>
-          </a:prstGeom>
-          <a:noFill/>
-        </p:spPr>
-        <p:txBody>
-          <a:bodyPr wrap="square" rtlCol="0">
-            <a:spAutoFit/>
-          </a:bodyPr>
-          <a:lstStyle/>
-          <a:p>
-            <a:pPr algn="ctr"/>
-            <a:r>
-              <a:rPr lang="en-US" dirty="0">
-                <a:latin typeface="Courier New" panose="02070309020205020404" pitchFamily="49" charset="0"/>
-                <a:cs typeface="Courier New" panose="02070309020205020404" pitchFamily="49" charset="0"/>
-              </a:rPr>
-              <a:t>fit()</a:t>
-            </a:r>
-            <a:endParaRPr lang="en-NL" dirty="0">
-              <a:latin typeface="Courier New" panose="02070309020205020404" pitchFamily="49" charset="0"/>
-              <a:cs typeface="Courier New" panose="02070309020205020404" pitchFamily="49" charset="0"/>
-            </a:endParaRPr>
-          </a:p>
-        </p:txBody>
-      </p:sp>
-      <p:sp>
-        <p:nvSpPr>
-          <p:cNvPr id="23" name="TextBox 22">
-            <a:extLst>
-              <a:ext uri="{FF2B5EF4-FFF2-40B4-BE49-F238E27FC236}">
-                <a16:creationId xmlns:a16="http://schemas.microsoft.com/office/drawing/2014/main" id="{368B7D08-7638-CFCF-E59F-81E608E1F483}"/>
-              </a:ext>
-            </a:extLst>
-          </p:cNvPr>
-          <p:cNvSpPr txBox="1"/>
-          <p:nvPr/>
-        </p:nvSpPr>
-        <p:spPr>
-          <a:xfrm>
-            <a:off x="4886470" y="3958107"/>
-            <a:ext cx="1782169" cy="369332"/>
-          </a:xfrm>
-          <a:prstGeom prst="rect">
-            <a:avLst/>
-          </a:prstGeom>
-          <a:noFill/>
-        </p:spPr>
-        <p:txBody>
-          <a:bodyPr wrap="square" rtlCol="0">
-            <a:spAutoFit/>
-          </a:bodyPr>
-          <a:lstStyle/>
-          <a:p>
-            <a:pPr algn="ctr"/>
-            <a:r>
-              <a:rPr lang="en-US" b="1" dirty="0">
-                <a:latin typeface="Courier New" panose="02070309020205020404" pitchFamily="49" charset="0"/>
-                <a:cs typeface="Courier New" panose="02070309020205020404" pitchFamily="49" charset="0"/>
-              </a:rPr>
-              <a:t>mean = 3.5</a:t>
-            </a:r>
-            <a:endParaRPr lang="en-NL" b="1" dirty="0">
-              <a:latin typeface="Courier New" panose="02070309020205020404" pitchFamily="49" charset="0"/>
-              <a:cs typeface="Courier New" panose="02070309020205020404" pitchFamily="49" charset="0"/>
-            </a:endParaRPr>
-          </a:p>
-        </p:txBody>
-      </p:sp>
-      <p:cxnSp>
-        <p:nvCxnSpPr>
-          <p:cNvPr id="25" name="Straight Arrow Connector 24">
-            <a:extLst>
-              <a:ext uri="{FF2B5EF4-FFF2-40B4-BE49-F238E27FC236}">
-                <a16:creationId xmlns:a16="http://schemas.microsoft.com/office/drawing/2014/main" id="{41C66B95-50EC-FC89-87CD-5C6260FEBF92}"/>
-              </a:ext>
-            </a:extLst>
-          </p:cNvPr>
-          <p:cNvCxnSpPr>
-            <a:stCxn id="11" idx="1"/>
-            <a:endCxn id="10" idx="3"/>
-          </p:cNvCxnSpPr>
-          <p:nvPr/>
-        </p:nvCxnSpPr>
-        <p:spPr>
-          <a:xfrm flipH="1">
-            <a:off x="6647597" y="1844155"/>
-            <a:ext cx="1787855" cy="1409387"/>
-          </a:xfrm>
-          <a:prstGeom prst="straightConnector1">
-            <a:avLst/>
-          </a:prstGeom>
-          <a:ln>
-            <a:tailEnd type="triangle"/>
-          </a:ln>
-        </p:spPr>
-        <p:style>
-          <a:lnRef idx="3">
-            <a:schemeClr val="dk1"/>
-          </a:lnRef>
-          <a:fillRef idx="0">
-            <a:schemeClr val="dk1"/>
-          </a:fillRef>
-          <a:effectRef idx="2">
-            <a:schemeClr val="dk1"/>
-          </a:effectRef>
-          <a:fontRef idx="minor">
-            <a:schemeClr val="tx1"/>
-          </a:fontRef>
-        </p:style>
-      </p:cxnSp>
-      <p:sp>
-        <p:nvSpPr>
-          <p:cNvPr id="26" name="TextBox 25">
-            <a:extLst>
-              <a:ext uri="{FF2B5EF4-FFF2-40B4-BE49-F238E27FC236}">
-                <a16:creationId xmlns:a16="http://schemas.microsoft.com/office/drawing/2014/main" id="{2754FCE4-E189-9943-24CC-9485376AB372}"/>
-              </a:ext>
-            </a:extLst>
-          </p:cNvPr>
-          <p:cNvSpPr txBox="1"/>
-          <p:nvPr/>
-        </p:nvSpPr>
-        <p:spPr>
-          <a:xfrm>
-            <a:off x="6096000" y="1965685"/>
-            <a:ext cx="1701107" cy="369332"/>
-          </a:xfrm>
-          <a:prstGeom prst="rect">
-            <a:avLst/>
-          </a:prstGeom>
-          <a:noFill/>
-        </p:spPr>
-        <p:txBody>
-          <a:bodyPr wrap="none" rtlCol="0">
-            <a:spAutoFit/>
-          </a:bodyPr>
-          <a:lstStyle/>
-          <a:p>
-            <a:r>
-              <a:rPr lang="en-US" dirty="0">
-                <a:latin typeface="Courier New" panose="02070309020205020404" pitchFamily="49" charset="0"/>
-                <a:cs typeface="Courier New" panose="02070309020205020404" pitchFamily="49" charset="0"/>
-              </a:rPr>
-              <a:t>transform()</a:t>
-            </a:r>
-            <a:endParaRPr lang="en-NL" dirty="0">
-              <a:latin typeface="Courier New" panose="02070309020205020404" pitchFamily="49" charset="0"/>
-              <a:cs typeface="Courier New" panose="02070309020205020404" pitchFamily="49" charset="0"/>
-            </a:endParaRPr>
-          </a:p>
-        </p:txBody>
-      </p:sp>
       <p:cxnSp>
         <p:nvCxnSpPr>
           <p:cNvPr id="28" name="Straight Arrow Connector 27">
@@ -8012,7 +7850,7 @@
 </p:sld>
 </file>
 
-<file path=ppt/slides/slide17.xml><?xml version="1.0" encoding="utf-8"?>
+<file path=ppt/slides/slide16.xml><?xml version="1.0" encoding="utf-8"?>
 <p:sld xmlns:a="http://schemas.openxmlformats.org/drawingml/2006/main" xmlns:r="http://schemas.openxmlformats.org/officeDocument/2006/relationships" xmlns:p="http://schemas.openxmlformats.org/presentationml/2006/main">
   <p:cSld>
     <p:spTree>
@@ -8577,6 +8415,360 @@
 </p:sld>
 </file>
 
+<file path=ppt/slides/slide17.xml><?xml version="1.0" encoding="utf-8"?>
+<p:sld xmlns:a="http://schemas.openxmlformats.org/drawingml/2006/main" xmlns:r="http://schemas.openxmlformats.org/officeDocument/2006/relationships" xmlns:p="http://schemas.openxmlformats.org/presentationml/2006/main">
+  <p:cSld>
+    <p:spTree>
+      <p:nvGrpSpPr>
+        <p:cNvPr id="1" name=""/>
+        <p:cNvGrpSpPr/>
+        <p:nvPr/>
+      </p:nvGrpSpPr>
+      <p:grpSpPr>
+        <a:xfrm>
+          <a:off x="0" y="0"/>
+          <a:ext cx="0" cy="0"/>
+          <a:chOff x="0" y="0"/>
+          <a:chExt cx="0" cy="0"/>
+        </a:xfrm>
+      </p:grpSpPr>
+      <p:sp>
+        <p:nvSpPr>
+          <p:cNvPr id="2" name="Title 1">
+            <a:extLst>
+              <a:ext uri="{FF2B5EF4-FFF2-40B4-BE49-F238E27FC236}">
+                <a16:creationId xmlns:a16="http://schemas.microsoft.com/office/drawing/2014/main" id="{39A1D606-8DD1-369C-5C09-471CDD551AD5}"/>
+              </a:ext>
+            </a:extLst>
+          </p:cNvPr>
+          <p:cNvSpPr>
+            <a:spLocks noGrp="1"/>
+          </p:cNvSpPr>
+          <p:nvPr>
+            <p:ph type="title"/>
+          </p:nvPr>
+        </p:nvSpPr>
+        <p:spPr>
+          <a:xfrm>
+            <a:off x="838200" y="365126"/>
+            <a:ext cx="10515600" cy="718608"/>
+          </a:xfrm>
+        </p:spPr>
+        <p:txBody>
+          <a:bodyPr>
+            <a:normAutofit/>
+          </a:bodyPr>
+          <a:lstStyle/>
+          <a:p>
+            <a:r>
+              <a:rPr lang="nl-NL" sz="3600" noProof="0" dirty="0"/>
+              <a:t>Oefeningen II</a:t>
+            </a:r>
+          </a:p>
+        </p:txBody>
+      </p:sp>
+      <p:sp>
+        <p:nvSpPr>
+          <p:cNvPr id="3" name="Content Placeholder 2">
+            <a:extLst>
+              <a:ext uri="{FF2B5EF4-FFF2-40B4-BE49-F238E27FC236}">
+                <a16:creationId xmlns:a16="http://schemas.microsoft.com/office/drawing/2014/main" id="{F4C2D286-E049-0AAB-1360-B7157E11AD7E}"/>
+              </a:ext>
+            </a:extLst>
+          </p:cNvPr>
+          <p:cNvSpPr>
+            <a:spLocks noGrp="1"/>
+          </p:cNvSpPr>
+          <p:nvPr>
+            <p:ph idx="1"/>
+          </p:nvPr>
+        </p:nvSpPr>
+        <p:spPr>
+          <a:xfrm>
+            <a:off x="838200" y="1456267"/>
+            <a:ext cx="10375900" cy="4720696"/>
+          </a:xfrm>
+        </p:spPr>
+        <p:txBody>
+          <a:bodyPr>
+            <a:normAutofit/>
+          </a:bodyPr>
+          <a:lstStyle/>
+          <a:p>
+            <a:pPr marL="457200" indent="-457200">
+              <a:buFont typeface="Arial" panose="020B0604020202020204" pitchFamily="34" charset="0"/>
+              <a:buAutoNum type="arabicPeriod"/>
+            </a:pPr>
+            <a:r>
+              <a:rPr lang="nl-NL" sz="2000" dirty="0"/>
+              <a:t>Open Notebook: </a:t>
+            </a:r>
+            <a:r>
+              <a:rPr lang="nl-NL" sz="2000" dirty="0" err="1">
+                <a:latin typeface="Courier New" panose="02070309020205020404" pitchFamily="49" charset="0"/>
+                <a:cs typeface="Courier New" panose="02070309020205020404" pitchFamily="49" charset="0"/>
+              </a:rPr>
+              <a:t>exercises</a:t>
+            </a:r>
+            <a:r>
+              <a:rPr lang="nl-NL" sz="2000" dirty="0">
+                <a:latin typeface="Courier New" panose="02070309020205020404" pitchFamily="49" charset="0"/>
+                <a:cs typeface="Courier New" panose="02070309020205020404" pitchFamily="49" charset="0"/>
+              </a:rPr>
+              <a:t>/2_preparation.ipynb</a:t>
+            </a:r>
+          </a:p>
+          <a:p>
+            <a:pPr marL="457200" indent="-457200">
+              <a:buAutoNum type="arabicPeriod"/>
+            </a:pPr>
+            <a:endParaRPr lang="nl-NL" sz="2000" dirty="0"/>
+          </a:p>
+          <a:p>
+            <a:pPr marL="457200" indent="-457200">
+              <a:buFont typeface="Arial" panose="020B0604020202020204" pitchFamily="34" charset="0"/>
+              <a:buAutoNum type="arabicPeriod"/>
+            </a:pPr>
+            <a:r>
+              <a:rPr lang="nl-NL" sz="2000" dirty="0"/>
+              <a:t>Maak dummy variabelen met een </a:t>
+            </a:r>
+            <a:r>
+              <a:rPr lang="nl-NL" sz="2000" dirty="0" err="1"/>
+              <a:t>OneHotEncoder</a:t>
+            </a:r>
+            <a:r>
+              <a:rPr lang="nl-NL" sz="2000" dirty="0"/>
+              <a:t>.</a:t>
+            </a:r>
+          </a:p>
+          <a:p>
+            <a:pPr lvl="1"/>
+            <a:r>
+              <a:rPr lang="nl-NL" sz="1600" dirty="0"/>
+              <a:t>Pas de encoder toe op de </a:t>
+            </a:r>
+            <a:r>
+              <a:rPr lang="nl-NL" sz="1600" dirty="0">
+                <a:latin typeface="Courier New" panose="02070309020205020404" pitchFamily="49" charset="0"/>
+                <a:cs typeface="Courier New" panose="02070309020205020404" pitchFamily="49" charset="0"/>
+              </a:rPr>
+              <a:t>job</a:t>
+            </a:r>
+            <a:r>
+              <a:rPr lang="nl-NL" sz="1600" dirty="0"/>
+              <a:t> kolom uit de data.</a:t>
+            </a:r>
+          </a:p>
+          <a:p>
+            <a:pPr lvl="1"/>
+            <a:r>
+              <a:rPr lang="nl-NL" sz="1600" dirty="0"/>
+              <a:t>Welke variabelen worden aangemaakt door de encoder?</a:t>
+            </a:r>
+          </a:p>
+          <a:p>
+            <a:pPr marL="0" indent="0">
+              <a:buNone/>
+            </a:pPr>
+            <a:endParaRPr lang="nl-NL" sz="2000" dirty="0"/>
+          </a:p>
+          <a:p>
+            <a:pPr marL="457200" indent="-457200">
+              <a:buAutoNum type="arabicPeriod" startAt="3"/>
+            </a:pPr>
+            <a:r>
+              <a:rPr lang="nl-NL" sz="2000" noProof="0" dirty="0"/>
+              <a:t>Gebruik een </a:t>
+            </a:r>
+            <a:r>
+              <a:rPr lang="nl-NL" sz="2000" noProof="0" dirty="0" err="1">
+                <a:latin typeface="Courier New" panose="02070309020205020404" pitchFamily="49" charset="0"/>
+                <a:cs typeface="Courier New" panose="02070309020205020404" pitchFamily="49" charset="0"/>
+              </a:rPr>
+              <a:t>ColumnTransformer</a:t>
+            </a:r>
+            <a:r>
+              <a:rPr lang="nl-NL" sz="2000" noProof="0" dirty="0"/>
+              <a:t> voor:</a:t>
+            </a:r>
+          </a:p>
+          <a:p>
+            <a:pPr lvl="1"/>
+            <a:r>
+              <a:rPr lang="nl-NL" sz="1600" dirty="0"/>
+              <a:t>Pas op </a:t>
+            </a:r>
+            <a:r>
+              <a:rPr lang="nl-NL" sz="1600" u="sng" dirty="0"/>
+              <a:t>categorische</a:t>
+            </a:r>
+            <a:r>
+              <a:rPr lang="nl-NL" sz="1600" dirty="0"/>
+              <a:t> kolommen een </a:t>
+            </a:r>
+            <a:r>
+              <a:rPr lang="nl-NL" sz="1600" dirty="0" err="1">
+                <a:latin typeface="Courier New" panose="02070309020205020404" pitchFamily="49" charset="0"/>
+                <a:cs typeface="Courier New" panose="02070309020205020404" pitchFamily="49" charset="0"/>
+              </a:rPr>
+              <a:t>OneHotEncoder</a:t>
+            </a:r>
+            <a:r>
+              <a:rPr lang="nl-NL" sz="1600" dirty="0"/>
+              <a:t> toe.</a:t>
+            </a:r>
+          </a:p>
+          <a:p>
+            <a:pPr lvl="1"/>
+            <a:r>
+              <a:rPr lang="nl-NL" sz="1600" noProof="0" dirty="0"/>
+              <a:t>Pas op </a:t>
+            </a:r>
+            <a:r>
+              <a:rPr lang="nl-NL" sz="1600" u="sng" noProof="0" dirty="0"/>
+              <a:t>numerieke</a:t>
+            </a:r>
+            <a:r>
+              <a:rPr lang="nl-NL" sz="1600" noProof="0" dirty="0"/>
+              <a:t> kolommen een </a:t>
+            </a:r>
+            <a:r>
+              <a:rPr lang="nl-NL" sz="1600" noProof="0" dirty="0" err="1">
+                <a:latin typeface="Courier New" panose="02070309020205020404" pitchFamily="49" charset="0"/>
+                <a:cs typeface="Courier New" panose="02070309020205020404" pitchFamily="49" charset="0"/>
+              </a:rPr>
+              <a:t>StandardScaler</a:t>
+            </a:r>
+            <a:r>
+              <a:rPr lang="nl-NL" sz="1600" noProof="0" dirty="0"/>
+              <a:t> toe.</a:t>
+            </a:r>
+          </a:p>
+          <a:p>
+            <a:pPr marL="457200" indent="-457200">
+              <a:buAutoNum type="arabicPeriod" startAt="3"/>
+            </a:pPr>
+            <a:endParaRPr lang="nl-NL" sz="2000" dirty="0"/>
+          </a:p>
+          <a:p>
+            <a:pPr marL="457200" indent="-457200">
+              <a:buAutoNum type="arabicPeriod" startAt="3"/>
+            </a:pPr>
+            <a:r>
+              <a:rPr lang="nl-NL" sz="2000" noProof="0" dirty="0"/>
+              <a:t>Schrijf een </a:t>
+            </a:r>
+            <a:r>
+              <a:rPr lang="nl-NL" sz="2000" noProof="0" dirty="0" err="1"/>
+              <a:t>Transformer</a:t>
+            </a:r>
+            <a:r>
+              <a:rPr lang="nl-NL" sz="2000" noProof="0" dirty="0"/>
+              <a:t> om data te "</a:t>
+            </a:r>
+            <a:r>
+              <a:rPr lang="nl-NL" sz="2000" dirty="0" err="1"/>
+              <a:t>Winsorizen</a:t>
+            </a:r>
+            <a:r>
+              <a:rPr lang="nl-NL" sz="2000" dirty="0"/>
+              <a:t>"</a:t>
+            </a:r>
+            <a:r>
+              <a:rPr lang="nl-NL" sz="2000" noProof="0" dirty="0"/>
+              <a:t>.</a:t>
+            </a:r>
+          </a:p>
+          <a:p>
+            <a:pPr lvl="1"/>
+            <a:r>
+              <a:rPr lang="nl-NL" sz="1600" noProof="0" dirty="0"/>
+              <a:t>Gebruik </a:t>
+            </a:r>
+            <a:r>
+              <a:rPr lang="nl-NL" sz="1600" noProof="0" dirty="0">
+                <a:latin typeface="Courier New" panose="02070309020205020404" pitchFamily="49" charset="0"/>
+                <a:cs typeface="Courier New" panose="02070309020205020404" pitchFamily="49" charset="0"/>
+              </a:rPr>
+              <a:t>clip()</a:t>
+            </a:r>
+            <a:r>
+              <a:rPr lang="nl-NL" sz="1600" noProof="0" dirty="0"/>
+              <a:t> voor het verplaatsen van extreme waardes.</a:t>
+            </a:r>
+          </a:p>
+          <a:p>
+            <a:pPr lvl="1"/>
+            <a:r>
+              <a:rPr lang="nl-NL" sz="1600" noProof="0" dirty="0"/>
+              <a:t>Ga uit van een </a:t>
+            </a:r>
+            <a:r>
+              <a:rPr lang="nl-NL" sz="1600" noProof="0" dirty="0" err="1"/>
+              <a:t>pandas</a:t>
+            </a:r>
+            <a:r>
+              <a:rPr lang="nl-NL" sz="1600" noProof="0" dirty="0"/>
+              <a:t> </a:t>
+            </a:r>
+            <a:r>
+              <a:rPr lang="nl-NL" sz="1600" noProof="0" dirty="0" err="1">
+                <a:latin typeface="Courier New" panose="02070309020205020404" pitchFamily="49" charset="0"/>
+                <a:cs typeface="Courier New" panose="02070309020205020404" pitchFamily="49" charset="0"/>
+              </a:rPr>
+              <a:t>DataFrame</a:t>
+            </a:r>
+            <a:r>
+              <a:rPr lang="nl-NL" sz="1600" noProof="0" dirty="0"/>
+              <a:t> als invoer / uitvoer.</a:t>
+            </a:r>
+          </a:p>
+        </p:txBody>
+      </p:sp>
+      <p:pic>
+        <p:nvPicPr>
+          <p:cNvPr id="4" name="Picture 3">
+            <a:extLst>
+              <a:ext uri="{FF2B5EF4-FFF2-40B4-BE49-F238E27FC236}">
+                <a16:creationId xmlns:a16="http://schemas.microsoft.com/office/drawing/2014/main" id="{31E6CCD8-9BC5-C553-2F9C-65EB1B9FD09A}"/>
+              </a:ext>
+            </a:extLst>
+          </p:cNvPr>
+          <p:cNvPicPr>
+            <a:picLocks noChangeAspect="1"/>
+          </p:cNvPicPr>
+          <p:nvPr/>
+        </p:nvPicPr>
+        <p:blipFill>
+          <a:blip r:embed="rId2"/>
+          <a:stretch>
+            <a:fillRect/>
+          </a:stretch>
+        </p:blipFill>
+        <p:spPr>
+          <a:xfrm>
+            <a:off x="7649450" y="2472613"/>
+            <a:ext cx="3704350" cy="3704350"/>
+          </a:xfrm>
+          <a:prstGeom prst="rect">
+            <a:avLst/>
+          </a:prstGeom>
+        </p:spPr>
+      </p:pic>
+    </p:spTree>
+    <p:extLst>
+      <p:ext uri="{BB962C8B-B14F-4D97-AF65-F5344CB8AC3E}">
+        <p14:creationId xmlns:p14="http://schemas.microsoft.com/office/powerpoint/2010/main" val="706226968"/>
+      </p:ext>
+    </p:extLst>
+  </p:cSld>
+  <p:clrMapOvr>
+    <a:masterClrMapping/>
+  </p:clrMapOvr>
+</p:sld>
+</file>
+
 <file path=ppt/slides/slide18.xml><?xml version="1.0" encoding="utf-8"?>
 <p:sld xmlns:a="http://schemas.openxmlformats.org/drawingml/2006/main" xmlns:r="http://schemas.openxmlformats.org/officeDocument/2006/relationships" xmlns:p="http://schemas.openxmlformats.org/presentationml/2006/main">
   <p:cSld>
@@ -8596,10 +8788,10 @@
       </p:grpSpPr>
       <p:sp>
         <p:nvSpPr>
-          <p:cNvPr id="2" name="Title 1">
-            <a:extLst>
-              <a:ext uri="{FF2B5EF4-FFF2-40B4-BE49-F238E27FC236}">
-                <a16:creationId xmlns:a16="http://schemas.microsoft.com/office/drawing/2014/main" id="{39A1D606-8DD1-369C-5C09-471CDD551AD5}"/>
+          <p:cNvPr id="4" name="Title 3">
+            <a:extLst>
+              <a:ext uri="{FF2B5EF4-FFF2-40B4-BE49-F238E27FC236}">
+                <a16:creationId xmlns:a16="http://schemas.microsoft.com/office/drawing/2014/main" id="{72C925CA-BCA3-3701-E08E-95652380B32E}"/>
               </a:ext>
             </a:extLst>
           </p:cNvPr>
@@ -8610,31 +8802,24 @@
             <p:ph type="title"/>
           </p:nvPr>
         </p:nvSpPr>
-        <p:spPr>
-          <a:xfrm>
-            <a:off x="838200" y="365126"/>
-            <a:ext cx="10515600" cy="718608"/>
-          </a:xfrm>
-        </p:spPr>
+        <p:spPr/>
         <p:txBody>
-          <a:bodyPr>
-            <a:normAutofit/>
-          </a:bodyPr>
+          <a:bodyPr/>
           <a:lstStyle/>
           <a:p>
             <a:r>
-              <a:rPr lang="nl-NL" sz="3600" noProof="0" dirty="0"/>
-              <a:t>Oefeningen II</a:t>
+              <a:rPr lang="nl-NL" noProof="0" dirty="0"/>
+              <a:t>Modelleren</a:t>
             </a:r>
           </a:p>
         </p:txBody>
       </p:sp>
       <p:sp>
         <p:nvSpPr>
-          <p:cNvPr id="3" name="Content Placeholder 2">
-            <a:extLst>
-              <a:ext uri="{FF2B5EF4-FFF2-40B4-BE49-F238E27FC236}">
-                <a16:creationId xmlns:a16="http://schemas.microsoft.com/office/drawing/2014/main" id="{F4C2D286-E049-0AAB-1360-B7157E11AD7E}"/>
+          <p:cNvPr id="5" name="Text Placeholder 4">
+            <a:extLst>
+              <a:ext uri="{FF2B5EF4-FFF2-40B4-BE49-F238E27FC236}">
+                <a16:creationId xmlns:a16="http://schemas.microsoft.com/office/drawing/2014/main" id="{1AB31C95-91AF-DF13-FB58-0DA5F2D9F6F7}"/>
               </a:ext>
             </a:extLst>
           </p:cNvPr>
@@ -8642,286 +8827,22 @@
             <a:spLocks noGrp="1"/>
           </p:cNvSpPr>
           <p:nvPr>
-            <p:ph idx="1"/>
+            <p:ph type="body" idx="1"/>
           </p:nvPr>
         </p:nvSpPr>
-        <p:spPr>
-          <a:xfrm>
-            <a:off x="838200" y="1456267"/>
-            <a:ext cx="10375900" cy="4720696"/>
-          </a:xfrm>
-        </p:spPr>
+        <p:spPr/>
         <p:txBody>
-          <a:bodyPr>
-            <a:normAutofit/>
-          </a:bodyPr>
+          <a:bodyPr/>
           <a:lstStyle/>
           <a:p>
-            <a:pPr marL="457200" indent="-457200">
-              <a:buFont typeface="Arial" panose="020B0604020202020204" pitchFamily="34" charset="0"/>
-              <a:buAutoNum type="arabicPeriod"/>
-            </a:pPr>
-            <a:r>
-              <a:rPr lang="nl-NL" sz="2000" dirty="0"/>
-              <a:t>Open Notebook: </a:t>
-            </a:r>
-            <a:r>
-              <a:rPr lang="nl-NL" sz="2000" dirty="0" err="1">
-                <a:latin typeface="Courier New" panose="02070309020205020404" pitchFamily="49" charset="0"/>
-                <a:cs typeface="Courier New" panose="02070309020205020404" pitchFamily="49" charset="0"/>
-              </a:rPr>
-              <a:t>exercises</a:t>
-            </a:r>
-            <a:r>
-              <a:rPr lang="nl-NL" sz="2000" dirty="0">
-                <a:latin typeface="Courier New" panose="02070309020205020404" pitchFamily="49" charset="0"/>
-                <a:cs typeface="Courier New" panose="02070309020205020404" pitchFamily="49" charset="0"/>
-              </a:rPr>
-              <a:t>/2_preparation.ipynb</a:t>
-            </a:r>
-          </a:p>
-          <a:p>
-            <a:pPr marL="457200" indent="-457200">
-              <a:buAutoNum type="arabicPeriod"/>
-            </a:pPr>
-            <a:endParaRPr lang="nl-NL" sz="2000" dirty="0"/>
-          </a:p>
-          <a:p>
-            <a:pPr marL="457200" indent="-457200">
-              <a:buFont typeface="Arial" panose="020B0604020202020204" pitchFamily="34" charset="0"/>
-              <a:buAutoNum type="arabicPeriod"/>
-            </a:pPr>
-            <a:r>
-              <a:rPr lang="nl-NL" sz="2000" dirty="0"/>
-              <a:t>Maak dummy variabelen met een </a:t>
-            </a:r>
-            <a:r>
-              <a:rPr lang="nl-NL" sz="2000" dirty="0" err="1"/>
-              <a:t>OneHotEncoder</a:t>
-            </a:r>
-            <a:r>
-              <a:rPr lang="nl-NL" sz="2000" dirty="0"/>
-              <a:t>.</a:t>
-            </a:r>
-          </a:p>
-          <a:p>
-            <a:pPr lvl="1"/>
-            <a:r>
-              <a:rPr lang="nl-NL" sz="1600" dirty="0"/>
-              <a:t>Pas de encoder toe op de </a:t>
-            </a:r>
-            <a:r>
-              <a:rPr lang="nl-NL" sz="1600" dirty="0">
-                <a:latin typeface="Courier New" panose="02070309020205020404" pitchFamily="49" charset="0"/>
-                <a:cs typeface="Courier New" panose="02070309020205020404" pitchFamily="49" charset="0"/>
-              </a:rPr>
-              <a:t>job</a:t>
-            </a:r>
-            <a:r>
-              <a:rPr lang="nl-NL" sz="1600" dirty="0"/>
-              <a:t> kolom uit de data.</a:t>
-            </a:r>
-          </a:p>
-          <a:p>
-            <a:pPr lvl="1"/>
-            <a:r>
-              <a:rPr lang="nl-NL" sz="1600" dirty="0"/>
-              <a:t>Welke variabelen worden aangemaakt door de encoder?</a:t>
-            </a:r>
-          </a:p>
-          <a:p>
-            <a:pPr marL="0" indent="0">
-              <a:buNone/>
-            </a:pPr>
-            <a:endParaRPr lang="nl-NL" sz="2000" dirty="0"/>
-          </a:p>
-          <a:p>
-            <a:pPr marL="457200" indent="-457200">
-              <a:buAutoNum type="arabicPeriod" startAt="3"/>
-            </a:pPr>
-            <a:r>
-              <a:rPr lang="nl-NL" sz="2000" noProof="0" dirty="0"/>
-              <a:t>Gebruik een </a:t>
-            </a:r>
-            <a:r>
-              <a:rPr lang="nl-NL" sz="2000" noProof="0" dirty="0" err="1">
-                <a:latin typeface="Courier New" panose="02070309020205020404" pitchFamily="49" charset="0"/>
-                <a:cs typeface="Courier New" panose="02070309020205020404" pitchFamily="49" charset="0"/>
-              </a:rPr>
-              <a:t>ColumnTransformer</a:t>
-            </a:r>
-            <a:r>
-              <a:rPr lang="nl-NL" sz="2000" noProof="0" dirty="0"/>
-              <a:t> voor:</a:t>
-            </a:r>
-          </a:p>
-          <a:p>
-            <a:pPr lvl="1"/>
-            <a:r>
-              <a:rPr lang="nl-NL" sz="1600" dirty="0"/>
-              <a:t>Pas op </a:t>
-            </a:r>
-            <a:r>
-              <a:rPr lang="nl-NL" sz="1600" u="sng" dirty="0"/>
-              <a:t>categorische</a:t>
-            </a:r>
-            <a:r>
-              <a:rPr lang="nl-NL" sz="1600" dirty="0"/>
-              <a:t> kolommen een </a:t>
-            </a:r>
-            <a:r>
-              <a:rPr lang="nl-NL" sz="1600" dirty="0" err="1">
-                <a:latin typeface="Courier New" panose="02070309020205020404" pitchFamily="49" charset="0"/>
-                <a:cs typeface="Courier New" panose="02070309020205020404" pitchFamily="49" charset="0"/>
-              </a:rPr>
-              <a:t>OneHotEncoder</a:t>
-            </a:r>
-            <a:r>
-              <a:rPr lang="nl-NL" sz="1600" dirty="0"/>
-              <a:t> toe.</a:t>
-            </a:r>
-          </a:p>
-          <a:p>
-            <a:pPr lvl="1"/>
-            <a:r>
-              <a:rPr lang="nl-NL" sz="1600" noProof="0" dirty="0"/>
-              <a:t>Pas op </a:t>
-            </a:r>
-            <a:r>
-              <a:rPr lang="nl-NL" sz="1600" u="sng" noProof="0" dirty="0"/>
-              <a:t>numerieke</a:t>
-            </a:r>
-            <a:r>
-              <a:rPr lang="nl-NL" sz="1600" noProof="0" dirty="0"/>
-              <a:t> kolommen een </a:t>
-            </a:r>
-            <a:r>
-              <a:rPr lang="nl-NL" sz="1600" noProof="0" dirty="0" err="1">
-                <a:latin typeface="Courier New" panose="02070309020205020404" pitchFamily="49" charset="0"/>
-                <a:cs typeface="Courier New" panose="02070309020205020404" pitchFamily="49" charset="0"/>
-              </a:rPr>
-              <a:t>StandardScaler</a:t>
-            </a:r>
-            <a:r>
-              <a:rPr lang="nl-NL" sz="1600" noProof="0" dirty="0"/>
-              <a:t> toe.</a:t>
-            </a:r>
-          </a:p>
-          <a:p>
-            <a:pPr marL="457200" indent="-457200">
-              <a:buAutoNum type="arabicPeriod" startAt="3"/>
-            </a:pPr>
-            <a:endParaRPr lang="nl-NL" sz="2000" dirty="0"/>
-          </a:p>
-          <a:p>
-            <a:pPr marL="457200" indent="-457200">
-              <a:buAutoNum type="arabicPeriod" startAt="3"/>
-            </a:pPr>
-            <a:r>
-              <a:rPr lang="nl-NL" sz="2000" noProof="0" dirty="0"/>
-              <a:t>Schrijf een </a:t>
-            </a:r>
-            <a:r>
-              <a:rPr lang="nl-NL" sz="2000" noProof="0" dirty="0" err="1"/>
-              <a:t>Transformer</a:t>
-            </a:r>
-            <a:r>
-              <a:rPr lang="nl-NL" sz="2000" noProof="0" dirty="0"/>
-              <a:t> om data te "</a:t>
-            </a:r>
-            <a:r>
-              <a:rPr lang="nl-NL" sz="2000" dirty="0" err="1"/>
-              <a:t>Winsorizen</a:t>
-            </a:r>
-            <a:r>
-              <a:rPr lang="nl-NL" sz="2000" dirty="0"/>
-              <a:t>"</a:t>
-            </a:r>
-            <a:r>
-              <a:rPr lang="nl-NL" sz="2000" noProof="0" dirty="0"/>
-              <a:t>.</a:t>
-            </a:r>
-          </a:p>
-          <a:p>
-            <a:pPr lvl="1"/>
-            <a:r>
-              <a:rPr lang="nl-NL" sz="1600" noProof="0" dirty="0"/>
-              <a:t>Gebruik </a:t>
-            </a:r>
-            <a:r>
-              <a:rPr lang="nl-NL" sz="1600" noProof="0" dirty="0">
-                <a:latin typeface="Courier New" panose="02070309020205020404" pitchFamily="49" charset="0"/>
-                <a:cs typeface="Courier New" panose="02070309020205020404" pitchFamily="49" charset="0"/>
-              </a:rPr>
-              <a:t>clip()</a:t>
-            </a:r>
-            <a:r>
-              <a:rPr lang="nl-NL" sz="1600" noProof="0" dirty="0"/>
-              <a:t> voor het verplaatsen van extreme waardes.</a:t>
-            </a:r>
-          </a:p>
-          <a:p>
-            <a:pPr lvl="1"/>
-            <a:r>
-              <a:rPr lang="nl-NL" sz="1600" noProof="0" dirty="0"/>
-              <a:t>Ga uit van een </a:t>
-            </a:r>
-            <a:r>
-              <a:rPr lang="nl-NL" sz="1600" noProof="0" dirty="0" err="1"/>
-              <a:t>pandas</a:t>
-            </a:r>
-            <a:r>
-              <a:rPr lang="nl-NL" sz="1600" noProof="0" dirty="0"/>
-              <a:t> </a:t>
-            </a:r>
-            <a:r>
-              <a:rPr lang="nl-NL" sz="1600" noProof="0" dirty="0" err="1">
-                <a:latin typeface="Courier New" panose="02070309020205020404" pitchFamily="49" charset="0"/>
-                <a:cs typeface="Courier New" panose="02070309020205020404" pitchFamily="49" charset="0"/>
-              </a:rPr>
-              <a:t>DataFrame</a:t>
-            </a:r>
-            <a:r>
-              <a:rPr lang="nl-NL" sz="1600" noProof="0" dirty="0"/>
-              <a:t> als invoer / uitvoer.</a:t>
-            </a:r>
+            <a:endParaRPr lang="en-NL"/>
           </a:p>
         </p:txBody>
       </p:sp>
-      <p:pic>
-        <p:nvPicPr>
-          <p:cNvPr id="4" name="Picture 3">
-            <a:extLst>
-              <a:ext uri="{FF2B5EF4-FFF2-40B4-BE49-F238E27FC236}">
-                <a16:creationId xmlns:a16="http://schemas.microsoft.com/office/drawing/2014/main" id="{31E6CCD8-9BC5-C553-2F9C-65EB1B9FD09A}"/>
-              </a:ext>
-            </a:extLst>
-          </p:cNvPr>
-          <p:cNvPicPr>
-            <a:picLocks noChangeAspect="1"/>
-          </p:cNvPicPr>
-          <p:nvPr/>
-        </p:nvPicPr>
-        <p:blipFill>
-          <a:blip r:embed="rId2"/>
-          <a:stretch>
-            <a:fillRect/>
-          </a:stretch>
-        </p:blipFill>
-        <p:spPr>
-          <a:xfrm>
-            <a:off x="8076790" y="2899953"/>
-            <a:ext cx="3277009" cy="3277009"/>
-          </a:xfrm>
-          <a:prstGeom prst="rect">
-            <a:avLst/>
-          </a:prstGeom>
-        </p:spPr>
-      </p:pic>
     </p:spTree>
     <p:extLst>
       <p:ext uri="{BB962C8B-B14F-4D97-AF65-F5344CB8AC3E}">
-        <p14:creationId xmlns:p14="http://schemas.microsoft.com/office/powerpoint/2010/main" val="706226968"/>
+        <p14:creationId xmlns:p14="http://schemas.microsoft.com/office/powerpoint/2010/main" val="3026547381"/>
       </p:ext>
     </p:extLst>
   </p:cSld>
@@ -8950,10 +8871,10 @@
       </p:grpSpPr>
       <p:sp>
         <p:nvSpPr>
-          <p:cNvPr id="4" name="Title 3">
-            <a:extLst>
-              <a:ext uri="{FF2B5EF4-FFF2-40B4-BE49-F238E27FC236}">
-                <a16:creationId xmlns:a16="http://schemas.microsoft.com/office/drawing/2014/main" id="{72C925CA-BCA3-3701-E08E-95652380B32E}"/>
+          <p:cNvPr id="2" name="Title 1">
+            <a:extLst>
+              <a:ext uri="{FF2B5EF4-FFF2-40B4-BE49-F238E27FC236}">
+                <a16:creationId xmlns:a16="http://schemas.microsoft.com/office/drawing/2014/main" id="{39A1D606-8DD1-369C-5C09-471CDD551AD5}"/>
               </a:ext>
             </a:extLst>
           </p:cNvPr>
@@ -8964,47 +8885,551 @@
             <p:ph type="title"/>
           </p:nvPr>
         </p:nvSpPr>
-        <p:spPr/>
+        <p:spPr>
+          <a:xfrm>
+            <a:off x="838200" y="365126"/>
+            <a:ext cx="10515600" cy="718608"/>
+          </a:xfrm>
+        </p:spPr>
         <p:txBody>
-          <a:bodyPr/>
+          <a:bodyPr>
+            <a:normAutofit/>
+          </a:bodyPr>
           <a:lstStyle/>
           <a:p>
             <a:r>
-              <a:rPr lang="nl-NL" noProof="0" dirty="0"/>
-              <a:t>Modelleren</a:t>
-            </a:r>
+              <a:rPr lang="nl-NL" sz="3600" noProof="0" dirty="0"/>
+              <a:t>Modelleren in </a:t>
+            </a:r>
+            <a:r>
+              <a:rPr lang="nl-NL" sz="3600" noProof="0" dirty="0" err="1"/>
+              <a:t>scikit</a:t>
+            </a:r>
+            <a:r>
+              <a:rPr lang="nl-NL" sz="3600" dirty="0"/>
+              <a:t>-</a:t>
+            </a:r>
+            <a:r>
+              <a:rPr lang="nl-NL" sz="3600" dirty="0" err="1"/>
+              <a:t>learn</a:t>
+            </a:r>
+            <a:endParaRPr lang="nl-NL" sz="3600" noProof="0" dirty="0"/>
           </a:p>
         </p:txBody>
       </p:sp>
       <p:sp>
         <p:nvSpPr>
-          <p:cNvPr id="5" name="Text Placeholder 4">
-            <a:extLst>
-              <a:ext uri="{FF2B5EF4-FFF2-40B4-BE49-F238E27FC236}">
-                <a16:creationId xmlns:a16="http://schemas.microsoft.com/office/drawing/2014/main" id="{1AB31C95-91AF-DF13-FB58-0DA5F2D9F6F7}"/>
-              </a:ext>
-            </a:extLst>
-          </p:cNvPr>
-          <p:cNvSpPr>
-            <a:spLocks noGrp="1"/>
-          </p:cNvSpPr>
-          <p:nvPr>
-            <p:ph type="body" idx="1"/>
-          </p:nvPr>
+          <p:cNvPr id="3" name="Rectangle 2">
+            <a:extLst>
+              <a:ext uri="{FF2B5EF4-FFF2-40B4-BE49-F238E27FC236}">
+                <a16:creationId xmlns:a16="http://schemas.microsoft.com/office/drawing/2014/main" id="{D98ECDAC-8F8E-5A33-FF03-91C3D9EE9CAF}"/>
+              </a:ext>
+            </a:extLst>
+          </p:cNvPr>
+          <p:cNvSpPr/>
+          <p:nvPr/>
         </p:nvSpPr>
-        <p:spPr/>
+        <p:spPr>
+          <a:xfrm>
+            <a:off x="1289718" y="2590853"/>
+            <a:ext cx="1782170" cy="718608"/>
+          </a:xfrm>
+          <a:prstGeom prst="rect">
+            <a:avLst/>
+          </a:prstGeom>
+        </p:spPr>
+        <p:style>
+          <a:lnRef idx="1">
+            <a:schemeClr val="accent4"/>
+          </a:lnRef>
+          <a:fillRef idx="2">
+            <a:schemeClr val="accent4"/>
+          </a:fillRef>
+          <a:effectRef idx="1">
+            <a:schemeClr val="accent4"/>
+          </a:effectRef>
+          <a:fontRef idx="minor">
+            <a:schemeClr val="dk1"/>
+          </a:fontRef>
+        </p:style>
         <p:txBody>
-          <a:bodyPr/>
+          <a:bodyPr rtlCol="0" anchor="ctr"/>
           <a:lstStyle/>
           <a:p>
-            <a:endParaRPr lang="en-NL"/>
+            <a:pPr algn="ctr"/>
+            <a:r>
+              <a:rPr lang="nl-NL" dirty="0"/>
+              <a:t>Train data</a:t>
+            </a:r>
+          </a:p>
+        </p:txBody>
+      </p:sp>
+      <p:sp>
+        <p:nvSpPr>
+          <p:cNvPr id="10" name="Rectangle 9">
+            <a:extLst>
+              <a:ext uri="{FF2B5EF4-FFF2-40B4-BE49-F238E27FC236}">
+                <a16:creationId xmlns:a16="http://schemas.microsoft.com/office/drawing/2014/main" id="{E2036101-89EC-A3AA-E697-624CB501D0F0}"/>
+              </a:ext>
+            </a:extLst>
+          </p:cNvPr>
+          <p:cNvSpPr/>
+          <p:nvPr/>
+        </p:nvSpPr>
+        <p:spPr>
+          <a:xfrm>
+            <a:off x="4886469" y="2590854"/>
+            <a:ext cx="1782170" cy="718608"/>
+          </a:xfrm>
+          <a:prstGeom prst="rect">
+            <a:avLst/>
+          </a:prstGeom>
+        </p:spPr>
+        <p:style>
+          <a:lnRef idx="1">
+            <a:schemeClr val="accent5"/>
+          </a:lnRef>
+          <a:fillRef idx="2">
+            <a:schemeClr val="accent5"/>
+          </a:fillRef>
+          <a:effectRef idx="1">
+            <a:schemeClr val="accent5"/>
+          </a:effectRef>
+          <a:fontRef idx="minor">
+            <a:schemeClr val="dk1"/>
+          </a:fontRef>
+        </p:style>
+        <p:txBody>
+          <a:bodyPr rtlCol="0" anchor="ctr"/>
+          <a:lstStyle/>
+          <a:p>
+            <a:pPr algn="ctr"/>
+            <a:r>
+              <a:rPr lang="nl-NL" dirty="0" err="1"/>
+              <a:t>Estimator</a:t>
+            </a:r>
+            <a:endParaRPr lang="nl-NL" dirty="0"/>
+          </a:p>
+        </p:txBody>
+      </p:sp>
+      <p:sp>
+        <p:nvSpPr>
+          <p:cNvPr id="29" name="TextBox 28">
+            <a:extLst>
+              <a:ext uri="{FF2B5EF4-FFF2-40B4-BE49-F238E27FC236}">
+                <a16:creationId xmlns:a16="http://schemas.microsoft.com/office/drawing/2014/main" id="{3B96C0EB-7058-74D5-FCDE-CF1CE696C866}"/>
+              </a:ext>
+            </a:extLst>
+          </p:cNvPr>
+          <p:cNvSpPr txBox="1"/>
+          <p:nvPr/>
+        </p:nvSpPr>
+        <p:spPr>
+          <a:xfrm>
+            <a:off x="1289718" y="3472830"/>
+            <a:ext cx="1210886" cy="1754326"/>
+          </a:xfrm>
+          <a:prstGeom prst="rect">
+            <a:avLst/>
+          </a:prstGeom>
+        </p:spPr>
+        <p:style>
+          <a:lnRef idx="2">
+            <a:schemeClr val="accent4"/>
+          </a:lnRef>
+          <a:fillRef idx="1">
+            <a:schemeClr val="lt1"/>
+          </a:fillRef>
+          <a:effectRef idx="0">
+            <a:schemeClr val="accent4"/>
+          </a:effectRef>
+          <a:fontRef idx="minor">
+            <a:schemeClr val="dk1"/>
+          </a:fontRef>
+        </p:style>
+        <p:txBody>
+          <a:bodyPr wrap="square" rtlCol="0">
+            <a:spAutoFit/>
+          </a:bodyPr>
+          <a:lstStyle/>
+          <a:p>
+            <a:pPr algn="ctr"/>
+            <a:r>
+              <a:rPr lang="en-US" b="1" dirty="0">
+                <a:latin typeface="Courier New" panose="02070309020205020404" pitchFamily="49" charset="0"/>
+                <a:cs typeface="Courier New" panose="02070309020205020404" pitchFamily="49" charset="0"/>
+              </a:rPr>
+              <a:t>X</a:t>
+            </a:r>
+          </a:p>
+          <a:p>
+            <a:pPr algn="ctr"/>
+            <a:endParaRPr lang="en-US" dirty="0">
+              <a:latin typeface="Courier New" panose="02070309020205020404" pitchFamily="49" charset="0"/>
+              <a:cs typeface="Courier New" panose="02070309020205020404" pitchFamily="49" charset="0"/>
+            </a:endParaRPr>
+          </a:p>
+          <a:p>
+            <a:pPr algn="ctr"/>
+            <a:r>
+              <a:rPr lang="en-US" dirty="0">
+                <a:latin typeface="Courier New" panose="02070309020205020404" pitchFamily="49" charset="0"/>
+                <a:cs typeface="Courier New" panose="02070309020205020404" pitchFamily="49" charset="0"/>
+              </a:rPr>
+              <a:t>6, A, 1</a:t>
+            </a:r>
+          </a:p>
+          <a:p>
+            <a:pPr algn="ctr"/>
+            <a:r>
+              <a:rPr lang="en-US" dirty="0">
+                <a:latin typeface="Courier New" panose="02070309020205020404" pitchFamily="49" charset="0"/>
+                <a:cs typeface="Courier New" panose="02070309020205020404" pitchFamily="49" charset="0"/>
+              </a:rPr>
+              <a:t>1, C, 1</a:t>
+            </a:r>
+          </a:p>
+          <a:p>
+            <a:pPr algn="ctr"/>
+            <a:r>
+              <a:rPr lang="en-US" dirty="0">
+                <a:latin typeface="Courier New" panose="02070309020205020404" pitchFamily="49" charset="0"/>
+                <a:cs typeface="Courier New" panose="02070309020205020404" pitchFamily="49" charset="0"/>
+              </a:rPr>
+              <a:t>4, B, 0</a:t>
+            </a:r>
+          </a:p>
+          <a:p>
+            <a:pPr algn="ctr"/>
+            <a:r>
+              <a:rPr lang="en-US" dirty="0">
+                <a:latin typeface="Courier New" panose="02070309020205020404" pitchFamily="49" charset="0"/>
+                <a:cs typeface="Courier New" panose="02070309020205020404" pitchFamily="49" charset="0"/>
+              </a:rPr>
+              <a:t>3, A, 0</a:t>
+            </a:r>
+            <a:endParaRPr lang="en-NL" dirty="0">
+              <a:latin typeface="Courier New" panose="02070309020205020404" pitchFamily="49" charset="0"/>
+              <a:cs typeface="Courier New" panose="02070309020205020404" pitchFamily="49" charset="0"/>
+            </a:endParaRPr>
+          </a:p>
+        </p:txBody>
+      </p:sp>
+      <p:sp>
+        <p:nvSpPr>
+          <p:cNvPr id="7" name="TextBox 6">
+            <a:extLst>
+              <a:ext uri="{FF2B5EF4-FFF2-40B4-BE49-F238E27FC236}">
+                <a16:creationId xmlns:a16="http://schemas.microsoft.com/office/drawing/2014/main" id="{A2091BC9-C0DB-3B30-0368-576E4207D09A}"/>
+              </a:ext>
+            </a:extLst>
+          </p:cNvPr>
+          <p:cNvSpPr txBox="1"/>
+          <p:nvPr/>
+        </p:nvSpPr>
+        <p:spPr>
+          <a:xfrm>
+            <a:off x="2733869" y="3472830"/>
+            <a:ext cx="338019" cy="1754326"/>
+          </a:xfrm>
+          <a:prstGeom prst="rect">
+            <a:avLst/>
+          </a:prstGeom>
+        </p:spPr>
+        <p:style>
+          <a:lnRef idx="2">
+            <a:schemeClr val="accent4"/>
+          </a:lnRef>
+          <a:fillRef idx="1">
+            <a:schemeClr val="lt1"/>
+          </a:fillRef>
+          <a:effectRef idx="0">
+            <a:schemeClr val="accent4"/>
+          </a:effectRef>
+          <a:fontRef idx="minor">
+            <a:schemeClr val="dk1"/>
+          </a:fontRef>
+        </p:style>
+        <p:txBody>
+          <a:bodyPr wrap="square" rtlCol="0">
+            <a:spAutoFit/>
+          </a:bodyPr>
+          <a:lstStyle/>
+          <a:p>
+            <a:pPr algn="ctr"/>
+            <a:r>
+              <a:rPr lang="en-US" b="1" dirty="0">
+                <a:latin typeface="Courier New" panose="02070309020205020404" pitchFamily="49" charset="0"/>
+                <a:cs typeface="Courier New" panose="02070309020205020404" pitchFamily="49" charset="0"/>
+              </a:rPr>
+              <a:t>y</a:t>
+            </a:r>
+          </a:p>
+          <a:p>
+            <a:pPr algn="ctr"/>
+            <a:endParaRPr lang="en-US" dirty="0">
+              <a:latin typeface="Courier New" panose="02070309020205020404" pitchFamily="49" charset="0"/>
+              <a:cs typeface="Courier New" panose="02070309020205020404" pitchFamily="49" charset="0"/>
+            </a:endParaRPr>
+          </a:p>
+          <a:p>
+            <a:pPr algn="ctr"/>
+            <a:r>
+              <a:rPr lang="en-US" dirty="0">
+                <a:latin typeface="Courier New" panose="02070309020205020404" pitchFamily="49" charset="0"/>
+                <a:cs typeface="Courier New" panose="02070309020205020404" pitchFamily="49" charset="0"/>
+              </a:rPr>
+              <a:t>J</a:t>
+            </a:r>
+          </a:p>
+          <a:p>
+            <a:pPr algn="ctr"/>
+            <a:r>
+              <a:rPr lang="en-US" dirty="0">
+                <a:latin typeface="Courier New" panose="02070309020205020404" pitchFamily="49" charset="0"/>
+                <a:cs typeface="Courier New" panose="02070309020205020404" pitchFamily="49" charset="0"/>
+              </a:rPr>
+              <a:t>N</a:t>
+            </a:r>
+          </a:p>
+          <a:p>
+            <a:pPr algn="ctr"/>
+            <a:r>
+              <a:rPr lang="en-US" dirty="0">
+                <a:latin typeface="Courier New" panose="02070309020205020404" pitchFamily="49" charset="0"/>
+                <a:cs typeface="Courier New" panose="02070309020205020404" pitchFamily="49" charset="0"/>
+              </a:rPr>
+              <a:t>J</a:t>
+            </a:r>
+          </a:p>
+          <a:p>
+            <a:pPr algn="ctr"/>
+            <a:r>
+              <a:rPr lang="en-US" dirty="0">
+                <a:latin typeface="Courier New" panose="02070309020205020404" pitchFamily="49" charset="0"/>
+                <a:cs typeface="Courier New" panose="02070309020205020404" pitchFamily="49" charset="0"/>
+              </a:rPr>
+              <a:t>J</a:t>
+            </a:r>
+          </a:p>
+        </p:txBody>
+      </p:sp>
+      <p:sp>
+        <p:nvSpPr>
+          <p:cNvPr id="8" name="TextBox 7">
+            <a:extLst>
+              <a:ext uri="{FF2B5EF4-FFF2-40B4-BE49-F238E27FC236}">
+                <a16:creationId xmlns:a16="http://schemas.microsoft.com/office/drawing/2014/main" id="{3B6B8D84-9DE4-9A64-6F1F-72B18AE69461}"/>
+              </a:ext>
+            </a:extLst>
+          </p:cNvPr>
+          <p:cNvSpPr txBox="1"/>
+          <p:nvPr/>
+        </p:nvSpPr>
+        <p:spPr>
+          <a:xfrm>
+            <a:off x="4886469" y="3472830"/>
+            <a:ext cx="1782169" cy="1754326"/>
+          </a:xfrm>
+          <a:prstGeom prst="rect">
+            <a:avLst/>
+          </a:prstGeom>
+        </p:spPr>
+        <p:style>
+          <a:lnRef idx="2">
+            <a:schemeClr val="accent1"/>
+          </a:lnRef>
+          <a:fillRef idx="1">
+            <a:schemeClr val="lt1"/>
+          </a:fillRef>
+          <a:effectRef idx="0">
+            <a:schemeClr val="accent1"/>
+          </a:effectRef>
+          <a:fontRef idx="minor">
+            <a:schemeClr val="dk1"/>
+          </a:fontRef>
+        </p:style>
+        <p:txBody>
+          <a:bodyPr wrap="square" rtlCol="0">
+            <a:spAutoFit/>
+          </a:bodyPr>
+          <a:lstStyle/>
+          <a:p>
+            <a:pPr algn="ctr"/>
+            <a:r>
+              <a:rPr lang="en-US" b="1" dirty="0">
+                <a:latin typeface="Courier New" panose="02070309020205020404" pitchFamily="49" charset="0"/>
+                <a:cs typeface="Courier New" panose="02070309020205020404" pitchFamily="49" charset="0"/>
+              </a:rPr>
+              <a:t>Weights</a:t>
+            </a:r>
+          </a:p>
+          <a:p>
+            <a:pPr algn="ctr"/>
+            <a:endParaRPr lang="en-US" b="1" dirty="0">
+              <a:latin typeface="Courier New" panose="02070309020205020404" pitchFamily="49" charset="0"/>
+              <a:cs typeface="Courier New" panose="02070309020205020404" pitchFamily="49" charset="0"/>
+            </a:endParaRPr>
+          </a:p>
+          <a:p>
+            <a:pPr algn="ctr"/>
+            <a:r>
+              <a:rPr lang="el-GR" dirty="0">
+                <a:latin typeface="Courier New" panose="02070309020205020404" pitchFamily="49" charset="0"/>
+                <a:cs typeface="Courier New" panose="02070309020205020404" pitchFamily="49" charset="0"/>
+              </a:rPr>
+              <a:t>β</a:t>
+            </a:r>
+            <a:r>
+              <a:rPr lang="en-US" dirty="0">
+                <a:latin typeface="Courier New" panose="02070309020205020404" pitchFamily="49" charset="0"/>
+                <a:cs typeface="Courier New" panose="02070309020205020404" pitchFamily="49" charset="0"/>
+              </a:rPr>
+              <a:t>0 = 20.0</a:t>
+            </a:r>
+          </a:p>
+          <a:p>
+            <a:pPr algn="ctr"/>
+            <a:r>
+              <a:rPr lang="el-GR" dirty="0">
+                <a:latin typeface="Courier New" panose="02070309020205020404" pitchFamily="49" charset="0"/>
+                <a:cs typeface="Courier New" panose="02070309020205020404" pitchFamily="49" charset="0"/>
+              </a:rPr>
+              <a:t>β</a:t>
+            </a:r>
+            <a:r>
+              <a:rPr lang="en-US" dirty="0">
+                <a:latin typeface="Courier New" panose="02070309020205020404" pitchFamily="49" charset="0"/>
+                <a:cs typeface="Courier New" panose="02070309020205020404" pitchFamily="49" charset="0"/>
+              </a:rPr>
+              <a:t>1 = -0.5</a:t>
+            </a:r>
+          </a:p>
+          <a:p>
+            <a:pPr algn="ctr"/>
+            <a:r>
+              <a:rPr lang="el-GR" dirty="0">
+                <a:latin typeface="Courier New" panose="02070309020205020404" pitchFamily="49" charset="0"/>
+                <a:cs typeface="Courier New" panose="02070309020205020404" pitchFamily="49" charset="0"/>
+              </a:rPr>
+              <a:t>β</a:t>
+            </a:r>
+            <a:r>
+              <a:rPr lang="en-US" dirty="0">
+                <a:latin typeface="Courier New" panose="02070309020205020404" pitchFamily="49" charset="0"/>
+                <a:cs typeface="Courier New" panose="02070309020205020404" pitchFamily="49" charset="0"/>
+              </a:rPr>
+              <a:t>2 =  5.3</a:t>
+            </a:r>
+          </a:p>
+          <a:p>
+            <a:pPr algn="ctr"/>
+            <a:r>
+              <a:rPr lang="el-GR" dirty="0">
+                <a:latin typeface="Courier New" panose="02070309020205020404" pitchFamily="49" charset="0"/>
+                <a:cs typeface="Courier New" panose="02070309020205020404" pitchFamily="49" charset="0"/>
+              </a:rPr>
+              <a:t>β</a:t>
+            </a:r>
+            <a:r>
+              <a:rPr lang="en-US" dirty="0">
+                <a:latin typeface="Courier New" panose="02070309020205020404" pitchFamily="49" charset="0"/>
+                <a:cs typeface="Courier New" panose="02070309020205020404" pitchFamily="49" charset="0"/>
+              </a:rPr>
+              <a:t>3 = -3.0</a:t>
+            </a:r>
+          </a:p>
+        </p:txBody>
+      </p:sp>
+      <p:cxnSp>
+        <p:nvCxnSpPr>
+          <p:cNvPr id="11" name="Straight Arrow Connector 10">
+            <a:extLst>
+              <a:ext uri="{FF2B5EF4-FFF2-40B4-BE49-F238E27FC236}">
+                <a16:creationId xmlns:a16="http://schemas.microsoft.com/office/drawing/2014/main" id="{FF3D3B16-050A-E0DC-7795-6CE8D1254478}"/>
+              </a:ext>
+            </a:extLst>
+          </p:cNvPr>
+          <p:cNvCxnSpPr>
+            <a:stCxn id="3" idx="3"/>
+            <a:endCxn id="10" idx="1"/>
+          </p:cNvCxnSpPr>
+          <p:nvPr/>
+        </p:nvCxnSpPr>
+        <p:spPr>
+          <a:xfrm>
+            <a:off x="3071888" y="2950157"/>
+            <a:ext cx="1814581" cy="1"/>
+          </a:xfrm>
+          <a:prstGeom prst="straightConnector1">
+            <a:avLst/>
+          </a:prstGeom>
+          <a:ln>
+            <a:tailEnd type="triangle"/>
+          </a:ln>
+        </p:spPr>
+        <p:style>
+          <a:lnRef idx="3">
+            <a:schemeClr val="dk1"/>
+          </a:lnRef>
+          <a:fillRef idx="0">
+            <a:schemeClr val="dk1"/>
+          </a:fillRef>
+          <a:effectRef idx="2">
+            <a:schemeClr val="dk1"/>
+          </a:effectRef>
+          <a:fontRef idx="minor">
+            <a:schemeClr val="tx1"/>
+          </a:fontRef>
+        </p:style>
+      </p:cxnSp>
+      <p:sp>
+        <p:nvSpPr>
+          <p:cNvPr id="12" name="TextBox 11">
+            <a:extLst>
+              <a:ext uri="{FF2B5EF4-FFF2-40B4-BE49-F238E27FC236}">
+                <a16:creationId xmlns:a16="http://schemas.microsoft.com/office/drawing/2014/main" id="{C4399471-B6CB-1D73-E6A7-76E4359793F7}"/>
+              </a:ext>
+            </a:extLst>
+          </p:cNvPr>
+          <p:cNvSpPr txBox="1"/>
+          <p:nvPr/>
+        </p:nvSpPr>
+        <p:spPr>
+          <a:xfrm>
+            <a:off x="3071888" y="2590853"/>
+            <a:ext cx="1761128" cy="369332"/>
+          </a:xfrm>
+          <a:prstGeom prst="rect">
+            <a:avLst/>
+          </a:prstGeom>
+          <a:noFill/>
+        </p:spPr>
+        <p:txBody>
+          <a:bodyPr wrap="square" rtlCol="0">
+            <a:spAutoFit/>
+          </a:bodyPr>
+          <a:lstStyle/>
+          <a:p>
+            <a:pPr algn="ctr"/>
+            <a:r>
+              <a:rPr lang="en-US" dirty="0">
+                <a:latin typeface="Courier New" panose="02070309020205020404" pitchFamily="49" charset="0"/>
+                <a:cs typeface="Courier New" panose="02070309020205020404" pitchFamily="49" charset="0"/>
+              </a:rPr>
+              <a:t>fit()</a:t>
+            </a:r>
+            <a:endParaRPr lang="en-NL" dirty="0">
+              <a:latin typeface="Courier New" panose="02070309020205020404" pitchFamily="49" charset="0"/>
+              <a:cs typeface="Courier New" panose="02070309020205020404" pitchFamily="49" charset="0"/>
+            </a:endParaRPr>
           </a:p>
         </p:txBody>
       </p:sp>
     </p:spTree>
     <p:extLst>
       <p:ext uri="{BB962C8B-B14F-4D97-AF65-F5344CB8AC3E}">
-        <p14:creationId xmlns:p14="http://schemas.microsoft.com/office/powerpoint/2010/main" val="3026547381"/>
+        <p14:creationId xmlns:p14="http://schemas.microsoft.com/office/powerpoint/2010/main" val="355802705"/>
       </p:ext>
     </p:extLst>
   </p:cSld>
@@ -9638,7 +10063,7 @@
         </p:nvSpPr>
         <p:spPr>
           <a:xfrm>
-            <a:off x="4886469" y="3472830"/>
+            <a:off x="4886467" y="3472830"/>
             <a:ext cx="1782169" cy="1754326"/>
           </a:xfrm>
           <a:prstGeom prst="rect">
@@ -9836,593 +10261,6 @@
           </a:p>
         </p:txBody>
       </p:sp>
-    </p:spTree>
-    <p:extLst>
-      <p:ext uri="{BB962C8B-B14F-4D97-AF65-F5344CB8AC3E}">
-        <p14:creationId xmlns:p14="http://schemas.microsoft.com/office/powerpoint/2010/main" val="355802705"/>
-      </p:ext>
-    </p:extLst>
-  </p:cSld>
-  <p:clrMapOvr>
-    <a:masterClrMapping/>
-  </p:clrMapOvr>
-</p:sld>
-</file>
-
-<file path=ppt/slides/slide21.xml><?xml version="1.0" encoding="utf-8"?>
-<p:sld xmlns:a="http://schemas.openxmlformats.org/drawingml/2006/main" xmlns:r="http://schemas.openxmlformats.org/officeDocument/2006/relationships" xmlns:p="http://schemas.openxmlformats.org/presentationml/2006/main">
-  <p:cSld>
-    <p:spTree>
-      <p:nvGrpSpPr>
-        <p:cNvPr id="1" name=""/>
-        <p:cNvGrpSpPr/>
-        <p:nvPr/>
-      </p:nvGrpSpPr>
-      <p:grpSpPr>
-        <a:xfrm>
-          <a:off x="0" y="0"/>
-          <a:ext cx="0" cy="0"/>
-          <a:chOff x="0" y="0"/>
-          <a:chExt cx="0" cy="0"/>
-        </a:xfrm>
-      </p:grpSpPr>
-      <p:sp>
-        <p:nvSpPr>
-          <p:cNvPr id="2" name="Title 1">
-            <a:extLst>
-              <a:ext uri="{FF2B5EF4-FFF2-40B4-BE49-F238E27FC236}">
-                <a16:creationId xmlns:a16="http://schemas.microsoft.com/office/drawing/2014/main" id="{39A1D606-8DD1-369C-5C09-471CDD551AD5}"/>
-              </a:ext>
-            </a:extLst>
-          </p:cNvPr>
-          <p:cNvSpPr>
-            <a:spLocks noGrp="1"/>
-          </p:cNvSpPr>
-          <p:nvPr>
-            <p:ph type="title"/>
-          </p:nvPr>
-        </p:nvSpPr>
-        <p:spPr>
-          <a:xfrm>
-            <a:off x="838200" y="365126"/>
-            <a:ext cx="10515600" cy="718608"/>
-          </a:xfrm>
-        </p:spPr>
-        <p:txBody>
-          <a:bodyPr>
-            <a:normAutofit/>
-          </a:bodyPr>
-          <a:lstStyle/>
-          <a:p>
-            <a:r>
-              <a:rPr lang="nl-NL" sz="3600" noProof="0" dirty="0"/>
-              <a:t>Modelleren in </a:t>
-            </a:r>
-            <a:r>
-              <a:rPr lang="nl-NL" sz="3600" noProof="0" dirty="0" err="1"/>
-              <a:t>scikit</a:t>
-            </a:r>
-            <a:r>
-              <a:rPr lang="nl-NL" sz="3600" dirty="0"/>
-              <a:t>-</a:t>
-            </a:r>
-            <a:r>
-              <a:rPr lang="nl-NL" sz="3600" dirty="0" err="1"/>
-              <a:t>learn</a:t>
-            </a:r>
-            <a:endParaRPr lang="nl-NL" sz="3600" noProof="0" dirty="0"/>
-          </a:p>
-        </p:txBody>
-      </p:sp>
-      <p:sp>
-        <p:nvSpPr>
-          <p:cNvPr id="3" name="Rectangle 2">
-            <a:extLst>
-              <a:ext uri="{FF2B5EF4-FFF2-40B4-BE49-F238E27FC236}">
-                <a16:creationId xmlns:a16="http://schemas.microsoft.com/office/drawing/2014/main" id="{D98ECDAC-8F8E-5A33-FF03-91C3D9EE9CAF}"/>
-              </a:ext>
-            </a:extLst>
-          </p:cNvPr>
-          <p:cNvSpPr/>
-          <p:nvPr/>
-        </p:nvSpPr>
-        <p:spPr>
-          <a:xfrm>
-            <a:off x="1289718" y="2590853"/>
-            <a:ext cx="1782170" cy="718608"/>
-          </a:xfrm>
-          <a:prstGeom prst="rect">
-            <a:avLst/>
-          </a:prstGeom>
-        </p:spPr>
-        <p:style>
-          <a:lnRef idx="1">
-            <a:schemeClr val="accent4"/>
-          </a:lnRef>
-          <a:fillRef idx="2">
-            <a:schemeClr val="accent4"/>
-          </a:fillRef>
-          <a:effectRef idx="1">
-            <a:schemeClr val="accent4"/>
-          </a:effectRef>
-          <a:fontRef idx="minor">
-            <a:schemeClr val="dk1"/>
-          </a:fontRef>
-        </p:style>
-        <p:txBody>
-          <a:bodyPr rtlCol="0" anchor="ctr"/>
-          <a:lstStyle/>
-          <a:p>
-            <a:pPr algn="ctr"/>
-            <a:r>
-              <a:rPr lang="nl-NL" dirty="0"/>
-              <a:t>Train data</a:t>
-            </a:r>
-          </a:p>
-        </p:txBody>
-      </p:sp>
-      <p:sp>
-        <p:nvSpPr>
-          <p:cNvPr id="10" name="Rectangle 9">
-            <a:extLst>
-              <a:ext uri="{FF2B5EF4-FFF2-40B4-BE49-F238E27FC236}">
-                <a16:creationId xmlns:a16="http://schemas.microsoft.com/office/drawing/2014/main" id="{E2036101-89EC-A3AA-E697-624CB501D0F0}"/>
-              </a:ext>
-            </a:extLst>
-          </p:cNvPr>
-          <p:cNvSpPr/>
-          <p:nvPr/>
-        </p:nvSpPr>
-        <p:spPr>
-          <a:xfrm>
-            <a:off x="4886469" y="2590854"/>
-            <a:ext cx="1782170" cy="718608"/>
-          </a:xfrm>
-          <a:prstGeom prst="rect">
-            <a:avLst/>
-          </a:prstGeom>
-        </p:spPr>
-        <p:style>
-          <a:lnRef idx="1">
-            <a:schemeClr val="accent5"/>
-          </a:lnRef>
-          <a:fillRef idx="2">
-            <a:schemeClr val="accent5"/>
-          </a:fillRef>
-          <a:effectRef idx="1">
-            <a:schemeClr val="accent5"/>
-          </a:effectRef>
-          <a:fontRef idx="minor">
-            <a:schemeClr val="dk1"/>
-          </a:fontRef>
-        </p:style>
-        <p:txBody>
-          <a:bodyPr rtlCol="0" anchor="ctr"/>
-          <a:lstStyle/>
-          <a:p>
-            <a:pPr algn="ctr"/>
-            <a:r>
-              <a:rPr lang="nl-NL" dirty="0" err="1"/>
-              <a:t>Estimator</a:t>
-            </a:r>
-            <a:endParaRPr lang="nl-NL" dirty="0"/>
-          </a:p>
-        </p:txBody>
-      </p:sp>
-      <p:sp>
-        <p:nvSpPr>
-          <p:cNvPr id="29" name="TextBox 28">
-            <a:extLst>
-              <a:ext uri="{FF2B5EF4-FFF2-40B4-BE49-F238E27FC236}">
-                <a16:creationId xmlns:a16="http://schemas.microsoft.com/office/drawing/2014/main" id="{3B96C0EB-7058-74D5-FCDE-CF1CE696C866}"/>
-              </a:ext>
-            </a:extLst>
-          </p:cNvPr>
-          <p:cNvSpPr txBox="1"/>
-          <p:nvPr/>
-        </p:nvSpPr>
-        <p:spPr>
-          <a:xfrm>
-            <a:off x="1289718" y="3472830"/>
-            <a:ext cx="1210886" cy="1754326"/>
-          </a:xfrm>
-          <a:prstGeom prst="rect">
-            <a:avLst/>
-          </a:prstGeom>
-        </p:spPr>
-        <p:style>
-          <a:lnRef idx="2">
-            <a:schemeClr val="accent4"/>
-          </a:lnRef>
-          <a:fillRef idx="1">
-            <a:schemeClr val="lt1"/>
-          </a:fillRef>
-          <a:effectRef idx="0">
-            <a:schemeClr val="accent4"/>
-          </a:effectRef>
-          <a:fontRef idx="minor">
-            <a:schemeClr val="dk1"/>
-          </a:fontRef>
-        </p:style>
-        <p:txBody>
-          <a:bodyPr wrap="square" rtlCol="0">
-            <a:spAutoFit/>
-          </a:bodyPr>
-          <a:lstStyle/>
-          <a:p>
-            <a:pPr algn="ctr"/>
-            <a:r>
-              <a:rPr lang="en-US" b="1" dirty="0">
-                <a:latin typeface="Courier New" panose="02070309020205020404" pitchFamily="49" charset="0"/>
-                <a:cs typeface="Courier New" panose="02070309020205020404" pitchFamily="49" charset="0"/>
-              </a:rPr>
-              <a:t>X</a:t>
-            </a:r>
-          </a:p>
-          <a:p>
-            <a:pPr algn="ctr"/>
-            <a:endParaRPr lang="en-US" dirty="0">
-              <a:latin typeface="Courier New" panose="02070309020205020404" pitchFamily="49" charset="0"/>
-              <a:cs typeface="Courier New" panose="02070309020205020404" pitchFamily="49" charset="0"/>
-            </a:endParaRPr>
-          </a:p>
-          <a:p>
-            <a:pPr algn="ctr"/>
-            <a:r>
-              <a:rPr lang="en-US" dirty="0">
-                <a:latin typeface="Courier New" panose="02070309020205020404" pitchFamily="49" charset="0"/>
-                <a:cs typeface="Courier New" panose="02070309020205020404" pitchFamily="49" charset="0"/>
-              </a:rPr>
-              <a:t>6, A, 1</a:t>
-            </a:r>
-          </a:p>
-          <a:p>
-            <a:pPr algn="ctr"/>
-            <a:r>
-              <a:rPr lang="en-US" dirty="0">
-                <a:latin typeface="Courier New" panose="02070309020205020404" pitchFamily="49" charset="0"/>
-                <a:cs typeface="Courier New" panose="02070309020205020404" pitchFamily="49" charset="0"/>
-              </a:rPr>
-              <a:t>1, C, 1</a:t>
-            </a:r>
-          </a:p>
-          <a:p>
-            <a:pPr algn="ctr"/>
-            <a:r>
-              <a:rPr lang="en-US" dirty="0">
-                <a:latin typeface="Courier New" panose="02070309020205020404" pitchFamily="49" charset="0"/>
-                <a:cs typeface="Courier New" panose="02070309020205020404" pitchFamily="49" charset="0"/>
-              </a:rPr>
-              <a:t>4, B, 0</a:t>
-            </a:r>
-          </a:p>
-          <a:p>
-            <a:pPr algn="ctr"/>
-            <a:r>
-              <a:rPr lang="en-US" dirty="0">
-                <a:latin typeface="Courier New" panose="02070309020205020404" pitchFamily="49" charset="0"/>
-                <a:cs typeface="Courier New" panose="02070309020205020404" pitchFamily="49" charset="0"/>
-              </a:rPr>
-              <a:t>3, A, 0</a:t>
-            </a:r>
-            <a:endParaRPr lang="en-NL" dirty="0">
-              <a:latin typeface="Courier New" panose="02070309020205020404" pitchFamily="49" charset="0"/>
-              <a:cs typeface="Courier New" panose="02070309020205020404" pitchFamily="49" charset="0"/>
-            </a:endParaRPr>
-          </a:p>
-        </p:txBody>
-      </p:sp>
-      <p:sp>
-        <p:nvSpPr>
-          <p:cNvPr id="7" name="TextBox 6">
-            <a:extLst>
-              <a:ext uri="{FF2B5EF4-FFF2-40B4-BE49-F238E27FC236}">
-                <a16:creationId xmlns:a16="http://schemas.microsoft.com/office/drawing/2014/main" id="{A2091BC9-C0DB-3B30-0368-576E4207D09A}"/>
-              </a:ext>
-            </a:extLst>
-          </p:cNvPr>
-          <p:cNvSpPr txBox="1"/>
-          <p:nvPr/>
-        </p:nvSpPr>
-        <p:spPr>
-          <a:xfrm>
-            <a:off x="2733869" y="3472830"/>
-            <a:ext cx="338019" cy="1754326"/>
-          </a:xfrm>
-          <a:prstGeom prst="rect">
-            <a:avLst/>
-          </a:prstGeom>
-        </p:spPr>
-        <p:style>
-          <a:lnRef idx="2">
-            <a:schemeClr val="accent4"/>
-          </a:lnRef>
-          <a:fillRef idx="1">
-            <a:schemeClr val="lt1"/>
-          </a:fillRef>
-          <a:effectRef idx="0">
-            <a:schemeClr val="accent4"/>
-          </a:effectRef>
-          <a:fontRef idx="minor">
-            <a:schemeClr val="dk1"/>
-          </a:fontRef>
-        </p:style>
-        <p:txBody>
-          <a:bodyPr wrap="square" rtlCol="0">
-            <a:spAutoFit/>
-          </a:bodyPr>
-          <a:lstStyle/>
-          <a:p>
-            <a:pPr algn="ctr"/>
-            <a:r>
-              <a:rPr lang="en-US" b="1" dirty="0">
-                <a:latin typeface="Courier New" panose="02070309020205020404" pitchFamily="49" charset="0"/>
-                <a:cs typeface="Courier New" panose="02070309020205020404" pitchFamily="49" charset="0"/>
-              </a:rPr>
-              <a:t>y</a:t>
-            </a:r>
-          </a:p>
-          <a:p>
-            <a:pPr algn="ctr"/>
-            <a:endParaRPr lang="en-US" dirty="0">
-              <a:latin typeface="Courier New" panose="02070309020205020404" pitchFamily="49" charset="0"/>
-              <a:cs typeface="Courier New" panose="02070309020205020404" pitchFamily="49" charset="0"/>
-            </a:endParaRPr>
-          </a:p>
-          <a:p>
-            <a:pPr algn="ctr"/>
-            <a:r>
-              <a:rPr lang="en-US" dirty="0">
-                <a:latin typeface="Courier New" panose="02070309020205020404" pitchFamily="49" charset="0"/>
-                <a:cs typeface="Courier New" panose="02070309020205020404" pitchFamily="49" charset="0"/>
-              </a:rPr>
-              <a:t>J</a:t>
-            </a:r>
-          </a:p>
-          <a:p>
-            <a:pPr algn="ctr"/>
-            <a:r>
-              <a:rPr lang="en-US" dirty="0">
-                <a:latin typeface="Courier New" panose="02070309020205020404" pitchFamily="49" charset="0"/>
-                <a:cs typeface="Courier New" panose="02070309020205020404" pitchFamily="49" charset="0"/>
-              </a:rPr>
-              <a:t>N</a:t>
-            </a:r>
-          </a:p>
-          <a:p>
-            <a:pPr algn="ctr"/>
-            <a:r>
-              <a:rPr lang="en-US" dirty="0">
-                <a:latin typeface="Courier New" panose="02070309020205020404" pitchFamily="49" charset="0"/>
-                <a:cs typeface="Courier New" panose="02070309020205020404" pitchFamily="49" charset="0"/>
-              </a:rPr>
-              <a:t>J</a:t>
-            </a:r>
-          </a:p>
-          <a:p>
-            <a:pPr algn="ctr"/>
-            <a:r>
-              <a:rPr lang="en-US" dirty="0">
-                <a:latin typeface="Courier New" panose="02070309020205020404" pitchFamily="49" charset="0"/>
-                <a:cs typeface="Courier New" panose="02070309020205020404" pitchFamily="49" charset="0"/>
-              </a:rPr>
-              <a:t>J</a:t>
-            </a:r>
-          </a:p>
-        </p:txBody>
-      </p:sp>
-      <p:sp>
-        <p:nvSpPr>
-          <p:cNvPr id="8" name="TextBox 7">
-            <a:extLst>
-              <a:ext uri="{FF2B5EF4-FFF2-40B4-BE49-F238E27FC236}">
-                <a16:creationId xmlns:a16="http://schemas.microsoft.com/office/drawing/2014/main" id="{3B6B8D84-9DE4-9A64-6F1F-72B18AE69461}"/>
-              </a:ext>
-            </a:extLst>
-          </p:cNvPr>
-          <p:cNvSpPr txBox="1"/>
-          <p:nvPr/>
-        </p:nvSpPr>
-        <p:spPr>
-          <a:xfrm>
-            <a:off x="4886467" y="3472830"/>
-            <a:ext cx="1782169" cy="1754326"/>
-          </a:xfrm>
-          <a:prstGeom prst="rect">
-            <a:avLst/>
-          </a:prstGeom>
-        </p:spPr>
-        <p:style>
-          <a:lnRef idx="2">
-            <a:schemeClr val="accent1"/>
-          </a:lnRef>
-          <a:fillRef idx="1">
-            <a:schemeClr val="lt1"/>
-          </a:fillRef>
-          <a:effectRef idx="0">
-            <a:schemeClr val="accent1"/>
-          </a:effectRef>
-          <a:fontRef idx="minor">
-            <a:schemeClr val="dk1"/>
-          </a:fontRef>
-        </p:style>
-        <p:txBody>
-          <a:bodyPr wrap="square" rtlCol="0">
-            <a:spAutoFit/>
-          </a:bodyPr>
-          <a:lstStyle/>
-          <a:p>
-            <a:pPr algn="ctr"/>
-            <a:r>
-              <a:rPr lang="en-US" b="1" dirty="0">
-                <a:latin typeface="Courier New" panose="02070309020205020404" pitchFamily="49" charset="0"/>
-                <a:cs typeface="Courier New" panose="02070309020205020404" pitchFamily="49" charset="0"/>
-              </a:rPr>
-              <a:t>Weights</a:t>
-            </a:r>
-          </a:p>
-          <a:p>
-            <a:pPr algn="ctr"/>
-            <a:endParaRPr lang="en-US" b="1" dirty="0">
-              <a:latin typeface="Courier New" panose="02070309020205020404" pitchFamily="49" charset="0"/>
-              <a:cs typeface="Courier New" panose="02070309020205020404" pitchFamily="49" charset="0"/>
-            </a:endParaRPr>
-          </a:p>
-          <a:p>
-            <a:pPr algn="ctr"/>
-            <a:r>
-              <a:rPr lang="el-GR" dirty="0">
-                <a:latin typeface="Courier New" panose="02070309020205020404" pitchFamily="49" charset="0"/>
-                <a:cs typeface="Courier New" panose="02070309020205020404" pitchFamily="49" charset="0"/>
-              </a:rPr>
-              <a:t>β</a:t>
-            </a:r>
-            <a:r>
-              <a:rPr lang="en-US" dirty="0">
-                <a:latin typeface="Courier New" panose="02070309020205020404" pitchFamily="49" charset="0"/>
-                <a:cs typeface="Courier New" panose="02070309020205020404" pitchFamily="49" charset="0"/>
-              </a:rPr>
-              <a:t>0 = 20.0</a:t>
-            </a:r>
-          </a:p>
-          <a:p>
-            <a:pPr algn="ctr"/>
-            <a:r>
-              <a:rPr lang="el-GR" dirty="0">
-                <a:latin typeface="Courier New" panose="02070309020205020404" pitchFamily="49" charset="0"/>
-                <a:cs typeface="Courier New" panose="02070309020205020404" pitchFamily="49" charset="0"/>
-              </a:rPr>
-              <a:t>β</a:t>
-            </a:r>
-            <a:r>
-              <a:rPr lang="en-US" dirty="0">
-                <a:latin typeface="Courier New" panose="02070309020205020404" pitchFamily="49" charset="0"/>
-                <a:cs typeface="Courier New" panose="02070309020205020404" pitchFamily="49" charset="0"/>
-              </a:rPr>
-              <a:t>1 = -0.5</a:t>
-            </a:r>
-          </a:p>
-          <a:p>
-            <a:pPr algn="ctr"/>
-            <a:r>
-              <a:rPr lang="el-GR" dirty="0">
-                <a:latin typeface="Courier New" panose="02070309020205020404" pitchFamily="49" charset="0"/>
-                <a:cs typeface="Courier New" panose="02070309020205020404" pitchFamily="49" charset="0"/>
-              </a:rPr>
-              <a:t>β</a:t>
-            </a:r>
-            <a:r>
-              <a:rPr lang="en-US" dirty="0">
-                <a:latin typeface="Courier New" panose="02070309020205020404" pitchFamily="49" charset="0"/>
-                <a:cs typeface="Courier New" panose="02070309020205020404" pitchFamily="49" charset="0"/>
-              </a:rPr>
-              <a:t>2 =  5.3</a:t>
-            </a:r>
-          </a:p>
-          <a:p>
-            <a:pPr algn="ctr"/>
-            <a:r>
-              <a:rPr lang="el-GR" dirty="0">
-                <a:latin typeface="Courier New" panose="02070309020205020404" pitchFamily="49" charset="0"/>
-                <a:cs typeface="Courier New" panose="02070309020205020404" pitchFamily="49" charset="0"/>
-              </a:rPr>
-              <a:t>β</a:t>
-            </a:r>
-            <a:r>
-              <a:rPr lang="en-US" dirty="0">
-                <a:latin typeface="Courier New" panose="02070309020205020404" pitchFamily="49" charset="0"/>
-                <a:cs typeface="Courier New" panose="02070309020205020404" pitchFamily="49" charset="0"/>
-              </a:rPr>
-              <a:t>3 = -3.0</a:t>
-            </a:r>
-          </a:p>
-        </p:txBody>
-      </p:sp>
-      <p:cxnSp>
-        <p:nvCxnSpPr>
-          <p:cNvPr id="11" name="Straight Arrow Connector 10">
-            <a:extLst>
-              <a:ext uri="{FF2B5EF4-FFF2-40B4-BE49-F238E27FC236}">
-                <a16:creationId xmlns:a16="http://schemas.microsoft.com/office/drawing/2014/main" id="{FF3D3B16-050A-E0DC-7795-6CE8D1254478}"/>
-              </a:ext>
-            </a:extLst>
-          </p:cNvPr>
-          <p:cNvCxnSpPr>
-            <a:stCxn id="3" idx="3"/>
-            <a:endCxn id="10" idx="1"/>
-          </p:cNvCxnSpPr>
-          <p:nvPr/>
-        </p:nvCxnSpPr>
-        <p:spPr>
-          <a:xfrm>
-            <a:off x="3071888" y="2950157"/>
-            <a:ext cx="1814581" cy="1"/>
-          </a:xfrm>
-          <a:prstGeom prst="straightConnector1">
-            <a:avLst/>
-          </a:prstGeom>
-          <a:ln>
-            <a:tailEnd type="triangle"/>
-          </a:ln>
-        </p:spPr>
-        <p:style>
-          <a:lnRef idx="3">
-            <a:schemeClr val="dk1"/>
-          </a:lnRef>
-          <a:fillRef idx="0">
-            <a:schemeClr val="dk1"/>
-          </a:fillRef>
-          <a:effectRef idx="2">
-            <a:schemeClr val="dk1"/>
-          </a:effectRef>
-          <a:fontRef idx="minor">
-            <a:schemeClr val="tx1"/>
-          </a:fontRef>
-        </p:style>
-      </p:cxnSp>
-      <p:sp>
-        <p:nvSpPr>
-          <p:cNvPr id="12" name="TextBox 11">
-            <a:extLst>
-              <a:ext uri="{FF2B5EF4-FFF2-40B4-BE49-F238E27FC236}">
-                <a16:creationId xmlns:a16="http://schemas.microsoft.com/office/drawing/2014/main" id="{C4399471-B6CB-1D73-E6A7-76E4359793F7}"/>
-              </a:ext>
-            </a:extLst>
-          </p:cNvPr>
-          <p:cNvSpPr txBox="1"/>
-          <p:nvPr/>
-        </p:nvSpPr>
-        <p:spPr>
-          <a:xfrm>
-            <a:off x="3071888" y="2590853"/>
-            <a:ext cx="1761128" cy="369332"/>
-          </a:xfrm>
-          <a:prstGeom prst="rect">
-            <a:avLst/>
-          </a:prstGeom>
-          <a:noFill/>
-        </p:spPr>
-        <p:txBody>
-          <a:bodyPr wrap="square" rtlCol="0">
-            <a:spAutoFit/>
-          </a:bodyPr>
-          <a:lstStyle/>
-          <a:p>
-            <a:pPr algn="ctr"/>
-            <a:r>
-              <a:rPr lang="en-US" dirty="0">
-                <a:latin typeface="Courier New" panose="02070309020205020404" pitchFamily="49" charset="0"/>
-                <a:cs typeface="Courier New" panose="02070309020205020404" pitchFamily="49" charset="0"/>
-              </a:rPr>
-              <a:t>fit()</a:t>
-            </a:r>
-            <a:endParaRPr lang="en-NL" dirty="0">
-              <a:latin typeface="Courier New" panose="02070309020205020404" pitchFamily="49" charset="0"/>
-              <a:cs typeface="Courier New" panose="02070309020205020404" pitchFamily="49" charset="0"/>
-            </a:endParaRPr>
-          </a:p>
-        </p:txBody>
-      </p:sp>
       <p:sp>
         <p:nvSpPr>
           <p:cNvPr id="4" name="Rectangle 3">
@@ -10646,7 +10484,7 @@
 </p:sld>
 </file>
 
-<file path=ppt/slides/slide22.xml><?xml version="1.0" encoding="utf-8"?>
+<file path=ppt/slides/slide21.xml><?xml version="1.0" encoding="utf-8"?>
 <p:sld xmlns:a="http://schemas.openxmlformats.org/drawingml/2006/main" xmlns:r="http://schemas.openxmlformats.org/officeDocument/2006/relationships" xmlns:p="http://schemas.openxmlformats.org/presentationml/2006/main">
   <p:cSld>
     <p:spTree>
@@ -11584,7 +11422,7 @@
 </p:sld>
 </file>
 
-<file path=ppt/slides/slide23.xml><?xml version="1.0" encoding="utf-8"?>
+<file path=ppt/slides/slide22.xml><?xml version="1.0" encoding="utf-8"?>
 <p:sld xmlns:a="http://schemas.openxmlformats.org/drawingml/2006/main" xmlns:r="http://schemas.openxmlformats.org/officeDocument/2006/relationships" xmlns:p="http://schemas.openxmlformats.org/presentationml/2006/main">
   <p:cSld>
     <p:spTree>
@@ -12310,6 +12148,227 @@
 </p:sld>
 </file>
 
+<file path=ppt/slides/slide23.xml><?xml version="1.0" encoding="utf-8"?>
+<p:sld xmlns:a="http://schemas.openxmlformats.org/drawingml/2006/main" xmlns:r="http://schemas.openxmlformats.org/officeDocument/2006/relationships" xmlns:p="http://schemas.openxmlformats.org/presentationml/2006/main">
+  <p:cSld>
+    <p:spTree>
+      <p:nvGrpSpPr>
+        <p:cNvPr id="1" name=""/>
+        <p:cNvGrpSpPr/>
+        <p:nvPr/>
+      </p:nvGrpSpPr>
+      <p:grpSpPr>
+        <a:xfrm>
+          <a:off x="0" y="0"/>
+          <a:ext cx="0" cy="0"/>
+          <a:chOff x="0" y="0"/>
+          <a:chExt cx="0" cy="0"/>
+        </a:xfrm>
+      </p:grpSpPr>
+      <p:sp>
+        <p:nvSpPr>
+          <p:cNvPr id="2" name="Title 1">
+            <a:extLst>
+              <a:ext uri="{FF2B5EF4-FFF2-40B4-BE49-F238E27FC236}">
+                <a16:creationId xmlns:a16="http://schemas.microsoft.com/office/drawing/2014/main" id="{39A1D606-8DD1-369C-5C09-471CDD551AD5}"/>
+              </a:ext>
+            </a:extLst>
+          </p:cNvPr>
+          <p:cNvSpPr>
+            <a:spLocks noGrp="1"/>
+          </p:cNvSpPr>
+          <p:nvPr>
+            <p:ph type="title"/>
+          </p:nvPr>
+        </p:nvSpPr>
+        <p:spPr>
+          <a:xfrm>
+            <a:off x="838200" y="365126"/>
+            <a:ext cx="10515600" cy="718608"/>
+          </a:xfrm>
+        </p:spPr>
+        <p:txBody>
+          <a:bodyPr>
+            <a:normAutofit/>
+          </a:bodyPr>
+          <a:lstStyle/>
+          <a:p>
+            <a:r>
+              <a:rPr lang="nl-NL" sz="3600" noProof="0" dirty="0"/>
+              <a:t>Oefeningen III</a:t>
+            </a:r>
+          </a:p>
+        </p:txBody>
+      </p:sp>
+      <p:sp>
+        <p:nvSpPr>
+          <p:cNvPr id="3" name="Content Placeholder 2">
+            <a:extLst>
+              <a:ext uri="{FF2B5EF4-FFF2-40B4-BE49-F238E27FC236}">
+                <a16:creationId xmlns:a16="http://schemas.microsoft.com/office/drawing/2014/main" id="{F4C2D286-E049-0AAB-1360-B7157E11AD7E}"/>
+              </a:ext>
+            </a:extLst>
+          </p:cNvPr>
+          <p:cNvSpPr>
+            <a:spLocks noGrp="1"/>
+          </p:cNvSpPr>
+          <p:nvPr>
+            <p:ph idx="1"/>
+          </p:nvPr>
+        </p:nvSpPr>
+        <p:spPr>
+          <a:xfrm>
+            <a:off x="838200" y="1456267"/>
+            <a:ext cx="10375900" cy="4720696"/>
+          </a:xfrm>
+        </p:spPr>
+        <p:txBody>
+          <a:bodyPr>
+            <a:normAutofit/>
+          </a:bodyPr>
+          <a:lstStyle/>
+          <a:p>
+            <a:pPr marL="457200" indent="-457200">
+              <a:buFont typeface="Arial" panose="020B0604020202020204" pitchFamily="34" charset="0"/>
+              <a:buAutoNum type="arabicPeriod"/>
+            </a:pPr>
+            <a:r>
+              <a:rPr lang="nl-NL" sz="2000" dirty="0"/>
+              <a:t>Open Notebook: </a:t>
+            </a:r>
+            <a:r>
+              <a:rPr lang="nl-NL" sz="2000" dirty="0" err="1">
+                <a:latin typeface="Courier New" panose="02070309020205020404" pitchFamily="49" charset="0"/>
+                <a:cs typeface="Courier New" panose="02070309020205020404" pitchFamily="49" charset="0"/>
+              </a:rPr>
+              <a:t>exercises</a:t>
+            </a:r>
+            <a:r>
+              <a:rPr lang="nl-NL" sz="2000" dirty="0">
+                <a:latin typeface="Courier New" panose="02070309020205020404" pitchFamily="49" charset="0"/>
+                <a:cs typeface="Courier New" panose="02070309020205020404" pitchFamily="49" charset="0"/>
+              </a:rPr>
+              <a:t>/3_modelling.ipynb</a:t>
+            </a:r>
+          </a:p>
+          <a:p>
+            <a:pPr marL="457200" lvl="1" indent="0">
+              <a:buNone/>
+            </a:pPr>
+            <a:endParaRPr lang="nl-NL" sz="1600" noProof="0" dirty="0"/>
+          </a:p>
+          <a:p>
+            <a:pPr marL="457200" indent="-457200">
+              <a:buFont typeface="+mj-lt"/>
+              <a:buAutoNum type="arabicPeriod"/>
+            </a:pPr>
+            <a:r>
+              <a:rPr lang="nl-NL" sz="2000" dirty="0"/>
+              <a:t>Maak een </a:t>
+            </a:r>
+            <a:r>
+              <a:rPr lang="nl-NL" sz="2000" dirty="0" err="1">
+                <a:latin typeface="Courier New" panose="02070309020205020404" pitchFamily="49" charset="0"/>
+                <a:cs typeface="Courier New" panose="02070309020205020404" pitchFamily="49" charset="0"/>
+              </a:rPr>
+              <a:t>RandomForestClassifier</a:t>
+            </a:r>
+            <a:r>
+              <a:rPr lang="nl-NL" sz="2000" dirty="0"/>
+              <a:t>.</a:t>
+            </a:r>
+          </a:p>
+          <a:p>
+            <a:pPr lvl="1"/>
+            <a:r>
+              <a:rPr lang="nl-NL" sz="1600" noProof="0" dirty="0"/>
+              <a:t>Prepareer de data zodat deze geschikt is voor het model</a:t>
+            </a:r>
+            <a:r>
+              <a:rPr lang="nl-NL" sz="1600" dirty="0"/>
+              <a:t>.</a:t>
+            </a:r>
+          </a:p>
+          <a:p>
+            <a:pPr lvl="1"/>
+            <a:r>
+              <a:rPr lang="nl-NL" sz="1600" noProof="0" dirty="0"/>
+              <a:t>Welke variabelen zijn belangrijk in het model?</a:t>
+            </a:r>
+          </a:p>
+          <a:p>
+            <a:pPr marL="457200" indent="-457200">
+              <a:buFont typeface="+mj-lt"/>
+              <a:buAutoNum type="arabicPeriod"/>
+            </a:pPr>
+            <a:endParaRPr lang="nl-NL" sz="2000" noProof="0" dirty="0"/>
+          </a:p>
+          <a:p>
+            <a:pPr marL="457200" indent="-457200">
+              <a:buFont typeface="+mj-lt"/>
+              <a:buAutoNum type="arabicPeriod"/>
+            </a:pPr>
+            <a:r>
+              <a:rPr lang="nl-NL" sz="2000" dirty="0"/>
+              <a:t>Gebruik </a:t>
+            </a:r>
+            <a:r>
+              <a:rPr lang="nl-NL" sz="2000" dirty="0" err="1">
+                <a:latin typeface="Courier New" panose="02070309020205020404" pitchFamily="49" charset="0"/>
+                <a:cs typeface="Courier New" panose="02070309020205020404" pitchFamily="49" charset="0"/>
+              </a:rPr>
+              <a:t>predict_proba</a:t>
+            </a:r>
+            <a:r>
+              <a:rPr lang="nl-NL" sz="2000" dirty="0">
+                <a:latin typeface="Courier New" panose="02070309020205020404" pitchFamily="49" charset="0"/>
+                <a:cs typeface="Courier New" panose="02070309020205020404" pitchFamily="49" charset="0"/>
+              </a:rPr>
+              <a:t>()</a:t>
+            </a:r>
+            <a:r>
+              <a:rPr lang="nl-NL" sz="2000" dirty="0"/>
+              <a:t> om de kans op "yes" te achterhalen.</a:t>
+            </a:r>
+          </a:p>
+          <a:p>
+            <a:pPr lvl="1"/>
+            <a:r>
+              <a:rPr lang="nl-NL" sz="1600" noProof="0" dirty="0"/>
+              <a:t>Over welke 10 records was het model het meest onzeker?</a:t>
+            </a:r>
+          </a:p>
+          <a:p>
+            <a:pPr lvl="1"/>
+            <a:r>
+              <a:rPr lang="nl-NL" sz="1600" noProof="0" dirty="0"/>
+              <a:t>In welke gevallen </a:t>
+            </a:r>
+            <a:r>
+              <a:rPr lang="nl-NL" sz="1600" noProof="0" dirty="0" err="1"/>
+              <a:t>wa</a:t>
+            </a:r>
+            <a:r>
+              <a:rPr lang="nl-NL" sz="1600" dirty="0"/>
+              <a:t>s het model heel zeker, maar klopte de voorspelling niet?</a:t>
+            </a:r>
+            <a:endParaRPr lang="nl-NL" sz="1600" noProof="0" dirty="0"/>
+          </a:p>
+        </p:txBody>
+      </p:sp>
+    </p:spTree>
+    <p:extLst>
+      <p:ext uri="{BB962C8B-B14F-4D97-AF65-F5344CB8AC3E}">
+        <p14:creationId xmlns:p14="http://schemas.microsoft.com/office/powerpoint/2010/main" val="1531896841"/>
+      </p:ext>
+    </p:extLst>
+  </p:cSld>
+  <p:clrMapOvr>
+    <a:masterClrMapping/>
+  </p:clrMapOvr>
+</p:sld>
+</file>
+
 <file path=ppt/slides/slide24.xml><?xml version="1.0" encoding="utf-8"?>
 <p:sld xmlns:a="http://schemas.openxmlformats.org/drawingml/2006/main" xmlns:r="http://schemas.openxmlformats.org/officeDocument/2006/relationships" xmlns:p="http://schemas.openxmlformats.org/presentationml/2006/main">
   <p:cSld>
@@ -12329,227 +12388,6 @@
       </p:grpSpPr>
       <p:sp>
         <p:nvSpPr>
-          <p:cNvPr id="2" name="Title 1">
-            <a:extLst>
-              <a:ext uri="{FF2B5EF4-FFF2-40B4-BE49-F238E27FC236}">
-                <a16:creationId xmlns:a16="http://schemas.microsoft.com/office/drawing/2014/main" id="{39A1D606-8DD1-369C-5C09-471CDD551AD5}"/>
-              </a:ext>
-            </a:extLst>
-          </p:cNvPr>
-          <p:cNvSpPr>
-            <a:spLocks noGrp="1"/>
-          </p:cNvSpPr>
-          <p:nvPr>
-            <p:ph type="title"/>
-          </p:nvPr>
-        </p:nvSpPr>
-        <p:spPr>
-          <a:xfrm>
-            <a:off x="838200" y="365126"/>
-            <a:ext cx="10515600" cy="718608"/>
-          </a:xfrm>
-        </p:spPr>
-        <p:txBody>
-          <a:bodyPr>
-            <a:normAutofit/>
-          </a:bodyPr>
-          <a:lstStyle/>
-          <a:p>
-            <a:r>
-              <a:rPr lang="nl-NL" sz="3600" noProof="0" dirty="0"/>
-              <a:t>Oefeningen III</a:t>
-            </a:r>
-          </a:p>
-        </p:txBody>
-      </p:sp>
-      <p:sp>
-        <p:nvSpPr>
-          <p:cNvPr id="3" name="Content Placeholder 2">
-            <a:extLst>
-              <a:ext uri="{FF2B5EF4-FFF2-40B4-BE49-F238E27FC236}">
-                <a16:creationId xmlns:a16="http://schemas.microsoft.com/office/drawing/2014/main" id="{F4C2D286-E049-0AAB-1360-B7157E11AD7E}"/>
-              </a:ext>
-            </a:extLst>
-          </p:cNvPr>
-          <p:cNvSpPr>
-            <a:spLocks noGrp="1"/>
-          </p:cNvSpPr>
-          <p:nvPr>
-            <p:ph idx="1"/>
-          </p:nvPr>
-        </p:nvSpPr>
-        <p:spPr>
-          <a:xfrm>
-            <a:off x="838200" y="1456267"/>
-            <a:ext cx="10375900" cy="4720696"/>
-          </a:xfrm>
-        </p:spPr>
-        <p:txBody>
-          <a:bodyPr>
-            <a:normAutofit/>
-          </a:bodyPr>
-          <a:lstStyle/>
-          <a:p>
-            <a:pPr marL="457200" indent="-457200">
-              <a:buFont typeface="Arial" panose="020B0604020202020204" pitchFamily="34" charset="0"/>
-              <a:buAutoNum type="arabicPeriod"/>
-            </a:pPr>
-            <a:r>
-              <a:rPr lang="nl-NL" sz="2000" dirty="0"/>
-              <a:t>Open Notebook: </a:t>
-            </a:r>
-            <a:r>
-              <a:rPr lang="nl-NL" sz="2000" dirty="0" err="1">
-                <a:latin typeface="Courier New" panose="02070309020205020404" pitchFamily="49" charset="0"/>
-                <a:cs typeface="Courier New" panose="02070309020205020404" pitchFamily="49" charset="0"/>
-              </a:rPr>
-              <a:t>exercises</a:t>
-            </a:r>
-            <a:r>
-              <a:rPr lang="nl-NL" sz="2000" dirty="0">
-                <a:latin typeface="Courier New" panose="02070309020205020404" pitchFamily="49" charset="0"/>
-                <a:cs typeface="Courier New" panose="02070309020205020404" pitchFamily="49" charset="0"/>
-              </a:rPr>
-              <a:t>/3_modelling.ipynb</a:t>
-            </a:r>
-          </a:p>
-          <a:p>
-            <a:pPr marL="457200" lvl="1" indent="0">
-              <a:buNone/>
-            </a:pPr>
-            <a:endParaRPr lang="nl-NL" sz="1600" noProof="0" dirty="0"/>
-          </a:p>
-          <a:p>
-            <a:pPr marL="457200" indent="-457200">
-              <a:buFont typeface="+mj-lt"/>
-              <a:buAutoNum type="arabicPeriod"/>
-            </a:pPr>
-            <a:r>
-              <a:rPr lang="nl-NL" sz="2000" dirty="0"/>
-              <a:t>Maak een </a:t>
-            </a:r>
-            <a:r>
-              <a:rPr lang="nl-NL" sz="2000" dirty="0" err="1">
-                <a:latin typeface="Courier New" panose="02070309020205020404" pitchFamily="49" charset="0"/>
-                <a:cs typeface="Courier New" panose="02070309020205020404" pitchFamily="49" charset="0"/>
-              </a:rPr>
-              <a:t>RandomForestClassifier</a:t>
-            </a:r>
-            <a:r>
-              <a:rPr lang="nl-NL" sz="2000" dirty="0"/>
-              <a:t>.</a:t>
-            </a:r>
-          </a:p>
-          <a:p>
-            <a:pPr lvl="1"/>
-            <a:r>
-              <a:rPr lang="nl-NL" sz="1600" noProof="0" dirty="0"/>
-              <a:t>Prepareer de data zodat deze geschikt is voor het model</a:t>
-            </a:r>
-            <a:r>
-              <a:rPr lang="nl-NL" sz="1600" dirty="0"/>
-              <a:t>.</a:t>
-            </a:r>
-          </a:p>
-          <a:p>
-            <a:pPr lvl="1"/>
-            <a:r>
-              <a:rPr lang="nl-NL" sz="1600" noProof="0" dirty="0"/>
-              <a:t>Welke variabelen zijn belangrijk in het model?</a:t>
-            </a:r>
-          </a:p>
-          <a:p>
-            <a:pPr marL="457200" indent="-457200">
-              <a:buFont typeface="+mj-lt"/>
-              <a:buAutoNum type="arabicPeriod"/>
-            </a:pPr>
-            <a:endParaRPr lang="nl-NL" sz="2000" noProof="0" dirty="0"/>
-          </a:p>
-          <a:p>
-            <a:pPr marL="457200" indent="-457200">
-              <a:buFont typeface="+mj-lt"/>
-              <a:buAutoNum type="arabicPeriod"/>
-            </a:pPr>
-            <a:r>
-              <a:rPr lang="nl-NL" sz="2000" dirty="0"/>
-              <a:t>Gebruik </a:t>
-            </a:r>
-            <a:r>
-              <a:rPr lang="nl-NL" sz="2000" dirty="0" err="1">
-                <a:latin typeface="Courier New" panose="02070309020205020404" pitchFamily="49" charset="0"/>
-                <a:cs typeface="Courier New" panose="02070309020205020404" pitchFamily="49" charset="0"/>
-              </a:rPr>
-              <a:t>predict_proba</a:t>
-            </a:r>
-            <a:r>
-              <a:rPr lang="nl-NL" sz="2000" dirty="0">
-                <a:latin typeface="Courier New" panose="02070309020205020404" pitchFamily="49" charset="0"/>
-                <a:cs typeface="Courier New" panose="02070309020205020404" pitchFamily="49" charset="0"/>
-              </a:rPr>
-              <a:t>()</a:t>
-            </a:r>
-            <a:r>
-              <a:rPr lang="nl-NL" sz="2000" dirty="0"/>
-              <a:t> om de kans op "yes" te achterhalen.</a:t>
-            </a:r>
-          </a:p>
-          <a:p>
-            <a:pPr lvl="1"/>
-            <a:r>
-              <a:rPr lang="nl-NL" sz="1600" noProof="0" dirty="0"/>
-              <a:t>Over welke 10 records was het model het meest onzeker?</a:t>
-            </a:r>
-          </a:p>
-          <a:p>
-            <a:pPr lvl="1"/>
-            <a:r>
-              <a:rPr lang="nl-NL" sz="1600" noProof="0" dirty="0"/>
-              <a:t>In welke gevallen </a:t>
-            </a:r>
-            <a:r>
-              <a:rPr lang="nl-NL" sz="1600" noProof="0" dirty="0" err="1"/>
-              <a:t>wa</a:t>
-            </a:r>
-            <a:r>
-              <a:rPr lang="nl-NL" sz="1600" dirty="0"/>
-              <a:t>s het model heel zeker, maar klopte de voorspelling niet?</a:t>
-            </a:r>
-            <a:endParaRPr lang="nl-NL" sz="1600" noProof="0" dirty="0"/>
-          </a:p>
-        </p:txBody>
-      </p:sp>
-    </p:spTree>
-    <p:extLst>
-      <p:ext uri="{BB962C8B-B14F-4D97-AF65-F5344CB8AC3E}">
-        <p14:creationId xmlns:p14="http://schemas.microsoft.com/office/powerpoint/2010/main" val="1531896841"/>
-      </p:ext>
-    </p:extLst>
-  </p:cSld>
-  <p:clrMapOvr>
-    <a:masterClrMapping/>
-  </p:clrMapOvr>
-</p:sld>
-</file>
-
-<file path=ppt/slides/slide25.xml><?xml version="1.0" encoding="utf-8"?>
-<p:sld xmlns:a="http://schemas.openxmlformats.org/drawingml/2006/main" xmlns:r="http://schemas.openxmlformats.org/officeDocument/2006/relationships" xmlns:p="http://schemas.openxmlformats.org/presentationml/2006/main">
-  <p:cSld>
-    <p:spTree>
-      <p:nvGrpSpPr>
-        <p:cNvPr id="1" name=""/>
-        <p:cNvGrpSpPr/>
-        <p:nvPr/>
-      </p:nvGrpSpPr>
-      <p:grpSpPr>
-        <a:xfrm>
-          <a:off x="0" y="0"/>
-          <a:ext cx="0" cy="0"/>
-          <a:chOff x="0" y="0"/>
-          <a:chExt cx="0" cy="0"/>
-        </a:xfrm>
-      </p:grpSpPr>
-      <p:sp>
-        <p:nvSpPr>
           <p:cNvPr id="4" name="Title 3">
             <a:extLst>
               <a:ext uri="{FF2B5EF4-FFF2-40B4-BE49-F238E27FC236}">
@@ -12614,7 +12452,7 @@
 </p:sld>
 </file>
 
-<file path=ppt/slides/slide26.xml><?xml version="1.0" encoding="utf-8"?>
+<file path=ppt/slides/slide25.xml><?xml version="1.0" encoding="utf-8"?>
 <p:sld xmlns:a="http://schemas.openxmlformats.org/drawingml/2006/main" xmlns:r="http://schemas.openxmlformats.org/officeDocument/2006/relationships" xmlns:p="http://schemas.openxmlformats.org/presentationml/2006/main">
   <p:cSld>
     <p:spTree>
@@ -12989,7 +12827,7 @@
             </a:r>
             <a:r>
               <a:rPr lang="nl-NL" sz="2000" dirty="0"/>
-              <a:t> Absolute Error (MAE)</a:t>
+              <a:t> Absolute Error (MAD)</a:t>
             </a:r>
           </a:p>
         </p:txBody>
@@ -13302,7 +13140,7 @@
 </p:sld>
 </file>
 
-<file path=ppt/slides/slide27.xml><?xml version="1.0" encoding="utf-8"?>
+<file path=ppt/slides/slide26.xml><?xml version="1.0" encoding="utf-8"?>
 <p:sld xmlns:a="http://schemas.openxmlformats.org/drawingml/2006/main" xmlns:r="http://schemas.openxmlformats.org/officeDocument/2006/relationships" xmlns:p="http://schemas.openxmlformats.org/presentationml/2006/main">
   <p:cSld>
     <p:spTree>
@@ -13921,7 +13759,7 @@
 </p:sld>
 </file>
 
-<file path=ppt/slides/slide28.xml><?xml version="1.0" encoding="utf-8"?>
+<file path=ppt/slides/slide27.xml><?xml version="1.0" encoding="utf-8"?>
 <p:sld xmlns:a="http://schemas.openxmlformats.org/drawingml/2006/main" xmlns:r="http://schemas.openxmlformats.org/officeDocument/2006/relationships" xmlns:p="http://schemas.openxmlformats.org/presentationml/2006/main">
   <p:cSld>
     <p:spTree>
@@ -14257,7 +14095,7 @@
             </a:pPr>
             <a:r>
               <a:rPr lang="nl-NL" sz="2000" dirty="0"/>
-              <a:t>De baten / kosten van goed / fout zitten.</a:t>
+              <a:t>De kosten en baten van fout of goed zitten.</a:t>
             </a:r>
           </a:p>
           <a:p>
@@ -14520,7 +14358,7 @@
 </p:sld>
 </file>
 
-<file path=ppt/slides/slide29.xml><?xml version="1.0" encoding="utf-8"?>
+<file path=ppt/slides/slide28.xml><?xml version="1.0" encoding="utf-8"?>
 <p:sld xmlns:a="http://schemas.openxmlformats.org/drawingml/2006/main" xmlns:r="http://schemas.openxmlformats.org/officeDocument/2006/relationships" xmlns:p="http://schemas.openxmlformats.org/presentationml/2006/main">
   <p:cSld>
     <p:spTree>
@@ -14818,15 +14656,8 @@
               <a:t>most_frequent</a:t>
             </a:r>
             <a:r>
-              <a:rPr lang="nl-NL" sz="1400" dirty="0">
-                <a:latin typeface="Courier New" panose="02070309020205020404" pitchFamily="49" charset="0"/>
-                <a:cs typeface="Courier New" panose="02070309020205020404" pitchFamily="49" charset="0"/>
-              </a:rPr>
-              <a:t>/prior</a:t>
-            </a:r>
-            <a:r>
               <a:rPr lang="nl-NL" sz="1400" dirty="0"/>
-              <a:t>	Voorspel meest voorkomende waarde.</a:t>
+              <a:t>		Voorspel meest voorkomende waarde.</a:t>
             </a:r>
           </a:p>
           <a:p>
@@ -15218,6 +15049,89 @@
 </p:sld>
 </file>
 
+<file path=ppt/slides/slide29.xml><?xml version="1.0" encoding="utf-8"?>
+<p:sld xmlns:a="http://schemas.openxmlformats.org/drawingml/2006/main" xmlns:r="http://schemas.openxmlformats.org/officeDocument/2006/relationships" xmlns:p="http://schemas.openxmlformats.org/presentationml/2006/main">
+  <p:cSld>
+    <p:spTree>
+      <p:nvGrpSpPr>
+        <p:cNvPr id="1" name=""/>
+        <p:cNvGrpSpPr/>
+        <p:nvPr/>
+      </p:nvGrpSpPr>
+      <p:grpSpPr>
+        <a:xfrm>
+          <a:off x="0" y="0"/>
+          <a:ext cx="0" cy="0"/>
+          <a:chOff x="0" y="0"/>
+          <a:chExt cx="0" cy="0"/>
+        </a:xfrm>
+      </p:grpSpPr>
+      <p:sp>
+        <p:nvSpPr>
+          <p:cNvPr id="4" name="Title 3">
+            <a:extLst>
+              <a:ext uri="{FF2B5EF4-FFF2-40B4-BE49-F238E27FC236}">
+                <a16:creationId xmlns:a16="http://schemas.microsoft.com/office/drawing/2014/main" id="{72C925CA-BCA3-3701-E08E-95652380B32E}"/>
+              </a:ext>
+            </a:extLst>
+          </p:cNvPr>
+          <p:cNvSpPr>
+            <a:spLocks noGrp="1"/>
+          </p:cNvSpPr>
+          <p:nvPr>
+            <p:ph type="title"/>
+          </p:nvPr>
+        </p:nvSpPr>
+        <p:spPr/>
+        <p:txBody>
+          <a:bodyPr/>
+          <a:lstStyle/>
+          <a:p>
+            <a:r>
+              <a:rPr lang="nl-NL" noProof="0" dirty="0"/>
+              <a:t>Selecteren</a:t>
+            </a:r>
+          </a:p>
+        </p:txBody>
+      </p:sp>
+      <p:sp>
+        <p:nvSpPr>
+          <p:cNvPr id="5" name="Text Placeholder 4">
+            <a:extLst>
+              <a:ext uri="{FF2B5EF4-FFF2-40B4-BE49-F238E27FC236}">
+                <a16:creationId xmlns:a16="http://schemas.microsoft.com/office/drawing/2014/main" id="{1AB31C95-91AF-DF13-FB58-0DA5F2D9F6F7}"/>
+              </a:ext>
+            </a:extLst>
+          </p:cNvPr>
+          <p:cNvSpPr>
+            <a:spLocks noGrp="1"/>
+          </p:cNvSpPr>
+          <p:nvPr>
+            <p:ph type="body" idx="1"/>
+          </p:nvPr>
+        </p:nvSpPr>
+        <p:spPr/>
+        <p:txBody>
+          <a:bodyPr/>
+          <a:lstStyle/>
+          <a:p>
+            <a:endParaRPr lang="en-NL"/>
+          </a:p>
+        </p:txBody>
+      </p:sp>
+    </p:spTree>
+    <p:extLst>
+      <p:ext uri="{BB962C8B-B14F-4D97-AF65-F5344CB8AC3E}">
+        <p14:creationId xmlns:p14="http://schemas.microsoft.com/office/powerpoint/2010/main" val="3009350591"/>
+      </p:ext>
+    </p:extLst>
+  </p:cSld>
+  <p:clrMapOvr>
+    <a:masterClrMapping/>
+  </p:clrMapOvr>
+</p:sld>
+</file>
+
 <file path=ppt/slides/slide3.xml><?xml version="1.0" encoding="utf-8"?>
 <p:sld xmlns:a="http://schemas.openxmlformats.org/drawingml/2006/main" xmlns:r="http://schemas.openxmlformats.org/officeDocument/2006/relationships" xmlns:p="http://schemas.openxmlformats.org/presentationml/2006/main">
   <p:cSld>
@@ -15302,89 +15216,6 @@
 </file>
 
 <file path=ppt/slides/slide30.xml><?xml version="1.0" encoding="utf-8"?>
-<p:sld xmlns:a="http://schemas.openxmlformats.org/drawingml/2006/main" xmlns:r="http://schemas.openxmlformats.org/officeDocument/2006/relationships" xmlns:p="http://schemas.openxmlformats.org/presentationml/2006/main">
-  <p:cSld>
-    <p:spTree>
-      <p:nvGrpSpPr>
-        <p:cNvPr id="1" name=""/>
-        <p:cNvGrpSpPr/>
-        <p:nvPr/>
-      </p:nvGrpSpPr>
-      <p:grpSpPr>
-        <a:xfrm>
-          <a:off x="0" y="0"/>
-          <a:ext cx="0" cy="0"/>
-          <a:chOff x="0" y="0"/>
-          <a:chExt cx="0" cy="0"/>
-        </a:xfrm>
-      </p:grpSpPr>
-      <p:sp>
-        <p:nvSpPr>
-          <p:cNvPr id="4" name="Title 3">
-            <a:extLst>
-              <a:ext uri="{FF2B5EF4-FFF2-40B4-BE49-F238E27FC236}">
-                <a16:creationId xmlns:a16="http://schemas.microsoft.com/office/drawing/2014/main" id="{72C925CA-BCA3-3701-E08E-95652380B32E}"/>
-              </a:ext>
-            </a:extLst>
-          </p:cNvPr>
-          <p:cNvSpPr>
-            <a:spLocks noGrp="1"/>
-          </p:cNvSpPr>
-          <p:nvPr>
-            <p:ph type="title"/>
-          </p:nvPr>
-        </p:nvSpPr>
-        <p:spPr/>
-        <p:txBody>
-          <a:bodyPr/>
-          <a:lstStyle/>
-          <a:p>
-            <a:r>
-              <a:rPr lang="nl-NL" noProof="0" dirty="0"/>
-              <a:t>Selecteren</a:t>
-            </a:r>
-          </a:p>
-        </p:txBody>
-      </p:sp>
-      <p:sp>
-        <p:nvSpPr>
-          <p:cNvPr id="5" name="Text Placeholder 4">
-            <a:extLst>
-              <a:ext uri="{FF2B5EF4-FFF2-40B4-BE49-F238E27FC236}">
-                <a16:creationId xmlns:a16="http://schemas.microsoft.com/office/drawing/2014/main" id="{1AB31C95-91AF-DF13-FB58-0DA5F2D9F6F7}"/>
-              </a:ext>
-            </a:extLst>
-          </p:cNvPr>
-          <p:cNvSpPr>
-            <a:spLocks noGrp="1"/>
-          </p:cNvSpPr>
-          <p:nvPr>
-            <p:ph type="body" idx="1"/>
-          </p:nvPr>
-        </p:nvSpPr>
-        <p:spPr/>
-        <p:txBody>
-          <a:bodyPr/>
-          <a:lstStyle/>
-          <a:p>
-            <a:endParaRPr lang="en-NL"/>
-          </a:p>
-        </p:txBody>
-      </p:sp>
-    </p:spTree>
-    <p:extLst>
-      <p:ext uri="{BB962C8B-B14F-4D97-AF65-F5344CB8AC3E}">
-        <p14:creationId xmlns:p14="http://schemas.microsoft.com/office/powerpoint/2010/main" val="3009350591"/>
-      </p:ext>
-    </p:extLst>
-  </p:cSld>
-  <p:clrMapOvr>
-    <a:masterClrMapping/>
-  </p:clrMapOvr>
-</p:sld>
-</file>
-
-<file path=ppt/slides/slide31.xml><?xml version="1.0" encoding="utf-8"?>
 <p:sld xmlns:a="http://schemas.openxmlformats.org/drawingml/2006/main" xmlns:r="http://schemas.openxmlformats.org/officeDocument/2006/relationships" xmlns:p="http://schemas.openxmlformats.org/presentationml/2006/main">
   <p:cSld>
     <p:spTree>
@@ -15790,7 +15621,7 @@
 </p:sld>
 </file>
 
-<file path=ppt/slides/slide32.xml><?xml version="1.0" encoding="utf-8"?>
+<file path=ppt/slides/slide31.xml><?xml version="1.0" encoding="utf-8"?>
 <p:sld xmlns:a="http://schemas.openxmlformats.org/drawingml/2006/main" xmlns:r="http://schemas.openxmlformats.org/officeDocument/2006/relationships" xmlns:p="http://schemas.openxmlformats.org/presentationml/2006/main">
   <p:cSld>
     <p:spTree>
@@ -17245,6 +17076,315 @@
 </p:sld>
 </file>
 
+<file path=ppt/slides/slide32.xml><?xml version="1.0" encoding="utf-8"?>
+<p:sld xmlns:a="http://schemas.openxmlformats.org/drawingml/2006/main" xmlns:r="http://schemas.openxmlformats.org/officeDocument/2006/relationships" xmlns:p="http://schemas.openxmlformats.org/presentationml/2006/main">
+  <p:cSld>
+    <p:spTree>
+      <p:nvGrpSpPr>
+        <p:cNvPr id="1" name=""/>
+        <p:cNvGrpSpPr/>
+        <p:nvPr/>
+      </p:nvGrpSpPr>
+      <p:grpSpPr>
+        <a:xfrm>
+          <a:off x="0" y="0"/>
+          <a:ext cx="0" cy="0"/>
+          <a:chOff x="0" y="0"/>
+          <a:chExt cx="0" cy="0"/>
+        </a:xfrm>
+      </p:grpSpPr>
+      <p:sp>
+        <p:nvSpPr>
+          <p:cNvPr id="2" name="Title 1">
+            <a:extLst>
+              <a:ext uri="{FF2B5EF4-FFF2-40B4-BE49-F238E27FC236}">
+                <a16:creationId xmlns:a16="http://schemas.microsoft.com/office/drawing/2014/main" id="{39A1D606-8DD1-369C-5C09-471CDD551AD5}"/>
+              </a:ext>
+            </a:extLst>
+          </p:cNvPr>
+          <p:cNvSpPr>
+            <a:spLocks noGrp="1"/>
+          </p:cNvSpPr>
+          <p:nvPr>
+            <p:ph type="title"/>
+          </p:nvPr>
+        </p:nvSpPr>
+        <p:spPr>
+          <a:xfrm>
+            <a:off x="838200" y="365126"/>
+            <a:ext cx="10515600" cy="718608"/>
+          </a:xfrm>
+        </p:spPr>
+        <p:txBody>
+          <a:bodyPr>
+            <a:normAutofit/>
+          </a:bodyPr>
+          <a:lstStyle/>
+          <a:p>
+            <a:r>
+              <a:rPr lang="nl-NL" sz="3600" noProof="0" dirty="0"/>
+              <a:t>Oefeningen IV</a:t>
+            </a:r>
+          </a:p>
+        </p:txBody>
+      </p:sp>
+      <p:sp>
+        <p:nvSpPr>
+          <p:cNvPr id="3" name="Content Placeholder 2">
+            <a:extLst>
+              <a:ext uri="{FF2B5EF4-FFF2-40B4-BE49-F238E27FC236}">
+                <a16:creationId xmlns:a16="http://schemas.microsoft.com/office/drawing/2014/main" id="{F4C2D286-E049-0AAB-1360-B7157E11AD7E}"/>
+              </a:ext>
+            </a:extLst>
+          </p:cNvPr>
+          <p:cNvSpPr>
+            <a:spLocks noGrp="1"/>
+          </p:cNvSpPr>
+          <p:nvPr>
+            <p:ph idx="1"/>
+          </p:nvPr>
+        </p:nvSpPr>
+        <p:spPr>
+          <a:xfrm>
+            <a:off x="838200" y="1456267"/>
+            <a:ext cx="10375900" cy="4720696"/>
+          </a:xfrm>
+        </p:spPr>
+        <p:txBody>
+          <a:bodyPr>
+            <a:normAutofit/>
+          </a:bodyPr>
+          <a:lstStyle/>
+          <a:p>
+            <a:pPr marL="457200" indent="-457200">
+              <a:buFont typeface="Arial" panose="020B0604020202020204" pitchFamily="34" charset="0"/>
+              <a:buAutoNum type="arabicPeriod"/>
+            </a:pPr>
+            <a:r>
+              <a:rPr lang="nl-NL" sz="2000" dirty="0"/>
+              <a:t>Open Notebook: </a:t>
+            </a:r>
+            <a:r>
+              <a:rPr lang="nl-NL" sz="2000" dirty="0" err="1">
+                <a:latin typeface="Courier New" panose="02070309020205020404" pitchFamily="49" charset="0"/>
+                <a:cs typeface="Courier New" panose="02070309020205020404" pitchFamily="49" charset="0"/>
+              </a:rPr>
+              <a:t>exercises</a:t>
+            </a:r>
+            <a:r>
+              <a:rPr lang="nl-NL" sz="2000" dirty="0">
+                <a:latin typeface="Courier New" panose="02070309020205020404" pitchFamily="49" charset="0"/>
+                <a:cs typeface="Courier New" panose="02070309020205020404" pitchFamily="49" charset="0"/>
+              </a:rPr>
+              <a:t>/4_validation.ipynb</a:t>
+            </a:r>
+          </a:p>
+          <a:p>
+            <a:pPr marL="457200" lvl="1" indent="0">
+              <a:buNone/>
+            </a:pPr>
+            <a:endParaRPr lang="nl-NL" sz="1600" noProof="0" dirty="0"/>
+          </a:p>
+          <a:p>
+            <a:pPr marL="457200" indent="-457200">
+              <a:buFont typeface="+mj-lt"/>
+              <a:buAutoNum type="arabicPeriod"/>
+            </a:pPr>
+            <a:r>
+              <a:rPr lang="nl-NL" sz="2000" dirty="0"/>
+              <a:t>Maak een </a:t>
+            </a:r>
+            <a:r>
+              <a:rPr lang="nl-NL" sz="2000" dirty="0" err="1">
+                <a:latin typeface="Courier New" panose="02070309020205020404" pitchFamily="49" charset="0"/>
+                <a:cs typeface="Courier New" panose="02070309020205020404" pitchFamily="49" charset="0"/>
+              </a:rPr>
+              <a:t>DummyClassifier</a:t>
+            </a:r>
+            <a:r>
+              <a:rPr lang="nl-NL" sz="2000" dirty="0"/>
+              <a:t> en </a:t>
+            </a:r>
+            <a:r>
+              <a:rPr lang="nl-NL" sz="2000" dirty="0" err="1">
+                <a:latin typeface="Courier New" panose="02070309020205020404" pitchFamily="49" charset="0"/>
+                <a:cs typeface="Courier New" panose="02070309020205020404" pitchFamily="49" charset="0"/>
+              </a:rPr>
+              <a:t>RandomForestClassifier</a:t>
+            </a:r>
+            <a:r>
+              <a:rPr lang="nl-NL" sz="2000" dirty="0"/>
+              <a:t>.</a:t>
+            </a:r>
+          </a:p>
+          <a:p>
+            <a:pPr lvl="1"/>
+            <a:r>
+              <a:rPr lang="nl-NL" sz="1600" noProof="0" dirty="0"/>
+              <a:t>Bundel de data preparatie en het model met een Pipeline.</a:t>
+            </a:r>
+          </a:p>
+          <a:p>
+            <a:pPr lvl="1"/>
+            <a:r>
+              <a:rPr lang="nl-NL" sz="1600" noProof="0" dirty="0"/>
+              <a:t>Gebruik </a:t>
+            </a:r>
+            <a:r>
+              <a:rPr lang="nl-NL" sz="1600" noProof="0" dirty="0" err="1">
+                <a:latin typeface="Courier New" panose="02070309020205020404" pitchFamily="49" charset="0"/>
+                <a:cs typeface="Courier New" panose="02070309020205020404" pitchFamily="49" charset="0"/>
+              </a:rPr>
+              <a:t>stratified</a:t>
+            </a:r>
+            <a:r>
+              <a:rPr lang="nl-NL" sz="1600" noProof="0" dirty="0"/>
+              <a:t> als strategie voor het dummy model.</a:t>
+            </a:r>
+          </a:p>
+          <a:p>
+            <a:pPr marL="457200" indent="-457200">
+              <a:buFont typeface="+mj-lt"/>
+              <a:buAutoNum type="arabicPeriod"/>
+            </a:pPr>
+            <a:endParaRPr lang="nl-NL" sz="2000" noProof="0" dirty="0"/>
+          </a:p>
+          <a:p>
+            <a:pPr marL="457200" indent="-457200">
+              <a:buFont typeface="+mj-lt"/>
+              <a:buAutoNum type="arabicPeriod"/>
+            </a:pPr>
+            <a:r>
+              <a:rPr lang="nl-NL" sz="2000" dirty="0"/>
+              <a:t>Splits de data met </a:t>
+            </a:r>
+            <a:r>
+              <a:rPr lang="nl-NL" sz="2000" dirty="0" err="1">
+                <a:latin typeface="Courier New" panose="02070309020205020404" pitchFamily="49" charset="0"/>
+                <a:cs typeface="Courier New" panose="02070309020205020404" pitchFamily="49" charset="0"/>
+              </a:rPr>
+              <a:t>train_test_split</a:t>
+            </a:r>
+            <a:r>
+              <a:rPr lang="nl-NL" sz="2000" dirty="0">
+                <a:latin typeface="Courier New" panose="02070309020205020404" pitchFamily="49" charset="0"/>
+                <a:cs typeface="Courier New" panose="02070309020205020404" pitchFamily="49" charset="0"/>
+              </a:rPr>
+              <a:t>()</a:t>
+            </a:r>
+            <a:r>
+              <a:rPr lang="nl-NL" sz="2000" dirty="0"/>
+              <a:t>.</a:t>
+            </a:r>
+          </a:p>
+          <a:p>
+            <a:pPr lvl="1"/>
+            <a:r>
+              <a:rPr lang="nl-NL" sz="1600" noProof="0" dirty="0"/>
+              <a:t>Gebruik 70% van de data om te trainen en 30% om te testen.</a:t>
+            </a:r>
+          </a:p>
+          <a:p>
+            <a:pPr lvl="1"/>
+            <a:r>
+              <a:rPr lang="nl-NL" sz="1600" noProof="0" dirty="0"/>
+              <a:t>Welk model doet het beter op de train set? En op de test set?</a:t>
+            </a:r>
+          </a:p>
+          <a:p>
+            <a:pPr lvl="1"/>
+            <a:r>
+              <a:rPr lang="nl-NL" sz="1600" dirty="0"/>
+              <a:t>Is de </a:t>
+            </a:r>
+            <a:r>
+              <a:rPr lang="nl-NL" sz="1600" dirty="0" err="1">
+                <a:latin typeface="Courier New" panose="02070309020205020404" pitchFamily="49" charset="0"/>
+                <a:cs typeface="Courier New" panose="02070309020205020404" pitchFamily="49" charset="0"/>
+              </a:rPr>
+              <a:t>DummyClassifier</a:t>
+            </a:r>
+            <a:r>
+              <a:rPr lang="nl-NL" sz="1600" dirty="0"/>
+              <a:t> accurater dan altijd "No" voorspellen? </a:t>
+            </a:r>
+            <a:r>
+              <a:rPr lang="nl-NL" sz="1600"/>
+              <a:t>Waarom?</a:t>
+            </a:r>
+            <a:endParaRPr lang="nl-NL" sz="1600" noProof="0" dirty="0"/>
+          </a:p>
+          <a:p>
+            <a:pPr marL="457200" lvl="1" indent="0">
+              <a:buNone/>
+            </a:pPr>
+            <a:endParaRPr lang="nl-NL" sz="1600" noProof="0" dirty="0"/>
+          </a:p>
+          <a:p>
+            <a:pPr marL="457200" indent="-457200">
+              <a:buFont typeface="+mj-lt"/>
+              <a:buAutoNum type="arabicPeriod"/>
+            </a:pPr>
+            <a:r>
+              <a:rPr lang="nl-NL" sz="2000" noProof="0" dirty="0"/>
+              <a:t>Gebruik </a:t>
+            </a:r>
+            <a:r>
+              <a:rPr lang="nl-NL" sz="2000" noProof="0" dirty="0" err="1">
+                <a:latin typeface="Courier New" panose="02070309020205020404" pitchFamily="49" charset="0"/>
+                <a:cs typeface="Courier New" panose="02070309020205020404" pitchFamily="49" charset="0"/>
+              </a:rPr>
+              <a:t>KFold</a:t>
+            </a:r>
+            <a:r>
+              <a:rPr lang="nl-NL" sz="2000" noProof="0" dirty="0"/>
+              <a:t> om de data 5 keer op te splitsen.</a:t>
+            </a:r>
+          </a:p>
+          <a:p>
+            <a:pPr lvl="1"/>
+            <a:r>
+              <a:rPr lang="nl-NL" sz="1600" dirty="0"/>
+              <a:t>Zijn de prestaties van </a:t>
+            </a:r>
+            <a:r>
+              <a:rPr lang="nl-NL" sz="1600" dirty="0" err="1">
+                <a:latin typeface="Courier New" panose="02070309020205020404" pitchFamily="49" charset="0"/>
+                <a:cs typeface="Courier New" panose="02070309020205020404" pitchFamily="49" charset="0"/>
+              </a:rPr>
+              <a:t>RandomForestClassifier</a:t>
+            </a:r>
+            <a:r>
+              <a:rPr lang="nl-NL" sz="1600" dirty="0"/>
+              <a:t> consistent over de splits?</a:t>
+            </a:r>
+          </a:p>
+          <a:p>
+            <a:pPr lvl="1"/>
+            <a:r>
+              <a:rPr lang="nl-NL" sz="1600" noProof="0" dirty="0"/>
+              <a:t>Wat zou er aan de hand kunnen zijn?</a:t>
+            </a:r>
+          </a:p>
+          <a:p>
+            <a:pPr lvl="1"/>
+            <a:endParaRPr lang="nl-NL" sz="1600" noProof="0" dirty="0"/>
+          </a:p>
+        </p:txBody>
+      </p:sp>
+    </p:spTree>
+    <p:extLst>
+      <p:ext uri="{BB962C8B-B14F-4D97-AF65-F5344CB8AC3E}">
+        <p14:creationId xmlns:p14="http://schemas.microsoft.com/office/powerpoint/2010/main" val="2660283998"/>
+      </p:ext>
+    </p:extLst>
+  </p:cSld>
+  <p:clrMapOvr>
+    <a:masterClrMapping/>
+  </p:clrMapOvr>
+</p:sld>
+</file>
+
 <file path=ppt/slides/slide33.xml><?xml version="1.0" encoding="utf-8"?>
 <p:sld xmlns:a="http://schemas.openxmlformats.org/drawingml/2006/main" xmlns:r="http://schemas.openxmlformats.org/officeDocument/2006/relationships" xmlns:p="http://schemas.openxmlformats.org/presentationml/2006/main">
   <p:cSld>
@@ -17264,10 +17404,10 @@
       </p:grpSpPr>
       <p:sp>
         <p:nvSpPr>
-          <p:cNvPr id="2" name="Title 1">
-            <a:extLst>
-              <a:ext uri="{FF2B5EF4-FFF2-40B4-BE49-F238E27FC236}">
-                <a16:creationId xmlns:a16="http://schemas.microsoft.com/office/drawing/2014/main" id="{39A1D606-8DD1-369C-5C09-471CDD551AD5}"/>
+          <p:cNvPr id="4" name="Title 3">
+            <a:extLst>
+              <a:ext uri="{FF2B5EF4-FFF2-40B4-BE49-F238E27FC236}">
+                <a16:creationId xmlns:a16="http://schemas.microsoft.com/office/drawing/2014/main" id="{72C925CA-BCA3-3701-E08E-95652380B32E}"/>
               </a:ext>
             </a:extLst>
           </p:cNvPr>
@@ -17278,31 +17418,24 @@
             <p:ph type="title"/>
           </p:nvPr>
         </p:nvSpPr>
-        <p:spPr>
-          <a:xfrm>
-            <a:off x="838200" y="365126"/>
-            <a:ext cx="10515600" cy="718608"/>
-          </a:xfrm>
-        </p:spPr>
+        <p:spPr/>
         <p:txBody>
-          <a:bodyPr>
-            <a:normAutofit/>
-          </a:bodyPr>
+          <a:bodyPr/>
           <a:lstStyle/>
           <a:p>
             <a:r>
-              <a:rPr lang="nl-NL" sz="3600" noProof="0" dirty="0"/>
-              <a:t>Oefeningen IV</a:t>
+              <a:rPr lang="nl-NL" noProof="0" dirty="0"/>
+              <a:t>Modellen in productie</a:t>
             </a:r>
           </a:p>
         </p:txBody>
       </p:sp>
       <p:sp>
         <p:nvSpPr>
-          <p:cNvPr id="3" name="Content Placeholder 2">
-            <a:extLst>
-              <a:ext uri="{FF2B5EF4-FFF2-40B4-BE49-F238E27FC236}">
-                <a16:creationId xmlns:a16="http://schemas.microsoft.com/office/drawing/2014/main" id="{F4C2D286-E049-0AAB-1360-B7157E11AD7E}"/>
+          <p:cNvPr id="5" name="Text Placeholder 4">
+            <a:extLst>
+              <a:ext uri="{FF2B5EF4-FFF2-40B4-BE49-F238E27FC236}">
+                <a16:creationId xmlns:a16="http://schemas.microsoft.com/office/drawing/2014/main" id="{1AB31C95-91AF-DF13-FB58-0DA5F2D9F6F7}"/>
               </a:ext>
             </a:extLst>
           </p:cNvPr>
@@ -17310,241 +17443,22 @@
             <a:spLocks noGrp="1"/>
           </p:cNvSpPr>
           <p:nvPr>
-            <p:ph idx="1"/>
+            <p:ph type="body" idx="1"/>
           </p:nvPr>
         </p:nvSpPr>
-        <p:spPr>
-          <a:xfrm>
-            <a:off x="838200" y="1456267"/>
-            <a:ext cx="10375900" cy="4720696"/>
-          </a:xfrm>
-        </p:spPr>
+        <p:spPr/>
         <p:txBody>
-          <a:bodyPr>
-            <a:normAutofit/>
-          </a:bodyPr>
+          <a:bodyPr/>
           <a:lstStyle/>
           <a:p>
-            <a:pPr marL="457200" indent="-457200">
-              <a:buFont typeface="Arial" panose="020B0604020202020204" pitchFamily="34" charset="0"/>
-              <a:buAutoNum type="arabicPeriod"/>
-            </a:pPr>
-            <a:r>
-              <a:rPr lang="nl-NL" sz="2000" dirty="0"/>
-              <a:t>Open Notebook: </a:t>
-            </a:r>
-            <a:r>
-              <a:rPr lang="nl-NL" sz="2000" dirty="0" err="1">
-                <a:latin typeface="Courier New" panose="02070309020205020404" pitchFamily="49" charset="0"/>
-                <a:cs typeface="Courier New" panose="02070309020205020404" pitchFamily="49" charset="0"/>
-              </a:rPr>
-              <a:t>exercises</a:t>
-            </a:r>
-            <a:r>
-              <a:rPr lang="nl-NL" sz="2000" dirty="0">
-                <a:latin typeface="Courier New" panose="02070309020205020404" pitchFamily="49" charset="0"/>
-                <a:cs typeface="Courier New" panose="02070309020205020404" pitchFamily="49" charset="0"/>
-              </a:rPr>
-              <a:t>/4_validation.ipynb</a:t>
-            </a:r>
-          </a:p>
-          <a:p>
-            <a:pPr marL="457200" lvl="1" indent="0">
-              <a:buNone/>
-            </a:pPr>
-            <a:endParaRPr lang="nl-NL" sz="1600" noProof="0" dirty="0"/>
-          </a:p>
-          <a:p>
-            <a:pPr marL="457200" indent="-457200">
-              <a:buFont typeface="+mj-lt"/>
-              <a:buAutoNum type="arabicPeriod"/>
-            </a:pPr>
-            <a:r>
-              <a:rPr lang="nl-NL" sz="2000" dirty="0"/>
-              <a:t>Maak een </a:t>
-            </a:r>
-            <a:r>
-              <a:rPr lang="nl-NL" sz="2000" dirty="0" err="1">
-                <a:latin typeface="Courier New" panose="02070309020205020404" pitchFamily="49" charset="0"/>
-                <a:cs typeface="Courier New" panose="02070309020205020404" pitchFamily="49" charset="0"/>
-              </a:rPr>
-              <a:t>DummyClassifier</a:t>
-            </a:r>
-            <a:r>
-              <a:rPr lang="nl-NL" sz="2000" dirty="0"/>
-              <a:t> en </a:t>
-            </a:r>
-            <a:r>
-              <a:rPr lang="nl-NL" sz="2000" dirty="0" err="1">
-                <a:latin typeface="Courier New" panose="02070309020205020404" pitchFamily="49" charset="0"/>
-                <a:cs typeface="Courier New" panose="02070309020205020404" pitchFamily="49" charset="0"/>
-              </a:rPr>
-              <a:t>RandomForestClassifier</a:t>
-            </a:r>
-            <a:r>
-              <a:rPr lang="nl-NL" sz="2000" dirty="0"/>
-              <a:t>.</a:t>
-            </a:r>
-          </a:p>
-          <a:p>
-            <a:pPr lvl="1"/>
-            <a:r>
-              <a:rPr lang="nl-NL" sz="1600" noProof="0" dirty="0"/>
-              <a:t>Bundel de data preparatie en het model met een Pipeline.</a:t>
-            </a:r>
-          </a:p>
-          <a:p>
-            <a:pPr lvl="1"/>
-            <a:r>
-              <a:rPr lang="nl-NL" sz="1600" noProof="0" dirty="0"/>
-              <a:t>Gebruik </a:t>
-            </a:r>
-            <a:r>
-              <a:rPr lang="nl-NL" sz="1600" noProof="0" dirty="0" err="1">
-                <a:latin typeface="Courier New" panose="02070309020205020404" pitchFamily="49" charset="0"/>
-                <a:cs typeface="Courier New" panose="02070309020205020404" pitchFamily="49" charset="0"/>
-              </a:rPr>
-              <a:t>stratified</a:t>
-            </a:r>
-            <a:r>
-              <a:rPr lang="nl-NL" sz="1600" noProof="0" dirty="0"/>
-              <a:t> als strategie voor het dummy model.</a:t>
-            </a:r>
-          </a:p>
-          <a:p>
-            <a:pPr marL="457200" indent="-457200">
-              <a:buFont typeface="+mj-lt"/>
-              <a:buAutoNum type="arabicPeriod"/>
-            </a:pPr>
-            <a:endParaRPr lang="nl-NL" sz="2000" noProof="0" dirty="0"/>
-          </a:p>
-          <a:p>
-            <a:pPr marL="457200" indent="-457200">
-              <a:buFont typeface="+mj-lt"/>
-              <a:buAutoNum type="arabicPeriod"/>
-            </a:pPr>
-            <a:r>
-              <a:rPr lang="nl-NL" sz="2000" dirty="0"/>
-              <a:t>Splits de data met </a:t>
-            </a:r>
-            <a:r>
-              <a:rPr lang="nl-NL" sz="2000" dirty="0" err="1">
-                <a:latin typeface="Courier New" panose="02070309020205020404" pitchFamily="49" charset="0"/>
-                <a:cs typeface="Courier New" panose="02070309020205020404" pitchFamily="49" charset="0"/>
-              </a:rPr>
-              <a:t>train_test_split</a:t>
-            </a:r>
-            <a:r>
-              <a:rPr lang="nl-NL" sz="2000" dirty="0">
-                <a:latin typeface="Courier New" panose="02070309020205020404" pitchFamily="49" charset="0"/>
-                <a:cs typeface="Courier New" panose="02070309020205020404" pitchFamily="49" charset="0"/>
-              </a:rPr>
-              <a:t>()</a:t>
-            </a:r>
-            <a:r>
-              <a:rPr lang="nl-NL" sz="2000" dirty="0"/>
-              <a:t>.</a:t>
-            </a:r>
-          </a:p>
-          <a:p>
-            <a:pPr lvl="1"/>
-            <a:r>
-              <a:rPr lang="nl-NL" sz="1600" noProof="0" dirty="0"/>
-              <a:t>Gebruik 70% van de data om te trainen en 30% om te testen.</a:t>
-            </a:r>
-          </a:p>
-          <a:p>
-            <a:pPr lvl="1"/>
-            <a:r>
-              <a:rPr lang="nl-NL" sz="1600" noProof="0" dirty="0"/>
-              <a:t>Welk model doet het beter op de train set? En op de test set?</a:t>
-            </a:r>
-          </a:p>
-          <a:p>
-            <a:pPr lvl="1"/>
-            <a:r>
-              <a:rPr lang="nl-NL" sz="1600" dirty="0"/>
-              <a:t>Is de </a:t>
-            </a:r>
-            <a:r>
-              <a:rPr lang="nl-NL" sz="1600" dirty="0" err="1">
-                <a:latin typeface="Courier New" panose="02070309020205020404" pitchFamily="49" charset="0"/>
-                <a:cs typeface="Courier New" panose="02070309020205020404" pitchFamily="49" charset="0"/>
-              </a:rPr>
-              <a:t>DummyClassifier</a:t>
-            </a:r>
-            <a:r>
-              <a:rPr lang="nl-NL" sz="1600" dirty="0"/>
-              <a:t> accurater dan altijd "No" voorspellen? </a:t>
-            </a:r>
-            <a:r>
-              <a:rPr lang="nl-NL" sz="1600"/>
-              <a:t>Waarom?</a:t>
-            </a:r>
-            <a:endParaRPr lang="nl-NL" sz="1600" noProof="0" dirty="0"/>
-          </a:p>
-          <a:p>
-            <a:pPr marL="457200" lvl="1" indent="0">
-              <a:buNone/>
-            </a:pPr>
-            <a:endParaRPr lang="nl-NL" sz="1600" noProof="0" dirty="0"/>
-          </a:p>
-          <a:p>
-            <a:pPr marL="457200" indent="-457200">
-              <a:buFont typeface="+mj-lt"/>
-              <a:buAutoNum type="arabicPeriod"/>
-            </a:pPr>
-            <a:r>
-              <a:rPr lang="nl-NL" sz="2000" noProof="0" dirty="0"/>
-              <a:t>Gebruik </a:t>
-            </a:r>
-            <a:r>
-              <a:rPr lang="nl-NL" sz="2000" noProof="0" dirty="0" err="1">
-                <a:latin typeface="Courier New" panose="02070309020205020404" pitchFamily="49" charset="0"/>
-                <a:cs typeface="Courier New" panose="02070309020205020404" pitchFamily="49" charset="0"/>
-              </a:rPr>
-              <a:t>KFold</a:t>
-            </a:r>
-            <a:r>
-              <a:rPr lang="nl-NL" sz="2000" noProof="0" dirty="0"/>
-              <a:t> om de data 5 keer op te splitsen.</a:t>
-            </a:r>
-          </a:p>
-          <a:p>
-            <a:pPr lvl="1"/>
-            <a:r>
-              <a:rPr lang="nl-NL" sz="1600" dirty="0"/>
-              <a:t>Zijn de prestaties van </a:t>
-            </a:r>
-            <a:r>
-              <a:rPr lang="nl-NL" sz="1600" dirty="0" err="1">
-                <a:latin typeface="Courier New" panose="02070309020205020404" pitchFamily="49" charset="0"/>
-                <a:cs typeface="Courier New" panose="02070309020205020404" pitchFamily="49" charset="0"/>
-              </a:rPr>
-              <a:t>RandomForestClassifier</a:t>
-            </a:r>
-            <a:r>
-              <a:rPr lang="nl-NL" sz="1600" dirty="0"/>
-              <a:t> consistent over de splits?</a:t>
-            </a:r>
-          </a:p>
-          <a:p>
-            <a:pPr lvl="1"/>
-            <a:r>
-              <a:rPr lang="nl-NL" sz="1600" noProof="0" dirty="0"/>
-              <a:t>Wat zou er aan de hand kunnen zijn?</a:t>
-            </a:r>
-          </a:p>
-          <a:p>
-            <a:pPr lvl="1"/>
-            <a:endParaRPr lang="nl-NL" sz="1600" noProof="0" dirty="0"/>
+            <a:endParaRPr lang="en-NL"/>
           </a:p>
         </p:txBody>
       </p:sp>
     </p:spTree>
     <p:extLst>
       <p:ext uri="{BB962C8B-B14F-4D97-AF65-F5344CB8AC3E}">
-        <p14:creationId xmlns:p14="http://schemas.microsoft.com/office/powerpoint/2010/main" val="2660283998"/>
+        <p14:creationId xmlns:p14="http://schemas.microsoft.com/office/powerpoint/2010/main" val="140133291"/>
       </p:ext>
     </p:extLst>
   </p:cSld>
@@ -17573,10 +17487,10 @@
       </p:grpSpPr>
       <p:sp>
         <p:nvSpPr>
-          <p:cNvPr id="4" name="Title 3">
-            <a:extLst>
-              <a:ext uri="{FF2B5EF4-FFF2-40B4-BE49-F238E27FC236}">
-                <a16:creationId xmlns:a16="http://schemas.microsoft.com/office/drawing/2014/main" id="{72C925CA-BCA3-3701-E08E-95652380B32E}"/>
+          <p:cNvPr id="2" name="Title 1">
+            <a:extLst>
+              <a:ext uri="{FF2B5EF4-FFF2-40B4-BE49-F238E27FC236}">
+                <a16:creationId xmlns:a16="http://schemas.microsoft.com/office/drawing/2014/main" id="{39A1D606-8DD1-369C-5C09-471CDD551AD5}"/>
               </a:ext>
             </a:extLst>
           </p:cNvPr>
@@ -17587,39 +17501,395 @@
             <p:ph type="title"/>
           </p:nvPr>
         </p:nvSpPr>
-        <p:spPr/>
+        <p:spPr>
+          <a:xfrm>
+            <a:off x="838200" y="365126"/>
+            <a:ext cx="10515600" cy="718608"/>
+          </a:xfrm>
+        </p:spPr>
         <p:txBody>
-          <a:bodyPr/>
+          <a:bodyPr>
+            <a:normAutofit/>
+          </a:bodyPr>
           <a:lstStyle/>
           <a:p>
             <a:r>
-              <a:rPr lang="nl-NL" noProof="0" dirty="0"/>
-              <a:t>Modellen in productie</a:t>
-            </a:r>
+              <a:rPr lang="nl-NL" sz="3600" dirty="0"/>
+              <a:t>Naar productie!</a:t>
+            </a:r>
+            <a:endParaRPr lang="nl-NL" sz="3600" noProof="0" dirty="0"/>
           </a:p>
         </p:txBody>
       </p:sp>
       <p:sp>
         <p:nvSpPr>
-          <p:cNvPr id="5" name="Text Placeholder 4">
-            <a:extLst>
-              <a:ext uri="{FF2B5EF4-FFF2-40B4-BE49-F238E27FC236}">
-                <a16:creationId xmlns:a16="http://schemas.microsoft.com/office/drawing/2014/main" id="{1AB31C95-91AF-DF13-FB58-0DA5F2D9F6F7}"/>
-              </a:ext>
-            </a:extLst>
-          </p:cNvPr>
-          <p:cNvSpPr>
-            <a:spLocks noGrp="1"/>
-          </p:cNvSpPr>
-          <p:nvPr>
-            <p:ph type="body" idx="1"/>
-          </p:nvPr>
+          <p:cNvPr id="3" name="Rectangle 2">
+            <a:extLst>
+              <a:ext uri="{FF2B5EF4-FFF2-40B4-BE49-F238E27FC236}">
+                <a16:creationId xmlns:a16="http://schemas.microsoft.com/office/drawing/2014/main" id="{CC9A2C42-5C7C-8DA1-D81E-2E20B336CB22}"/>
+              </a:ext>
+            </a:extLst>
+          </p:cNvPr>
+          <p:cNvSpPr/>
+          <p:nvPr/>
         </p:nvSpPr>
-        <p:spPr/>
+        <p:spPr>
+          <a:xfrm>
+            <a:off x="838200" y="1972101"/>
+            <a:ext cx="2834640" cy="3749674"/>
+          </a:xfrm>
+          <a:prstGeom prst="rect">
+            <a:avLst/>
+          </a:prstGeom>
+        </p:spPr>
+        <p:style>
+          <a:lnRef idx="1">
+            <a:schemeClr val="accent6"/>
+          </a:lnRef>
+          <a:fillRef idx="2">
+            <a:schemeClr val="accent6"/>
+          </a:fillRef>
+          <a:effectRef idx="1">
+            <a:schemeClr val="accent6"/>
+          </a:effectRef>
+          <a:fontRef idx="minor">
+            <a:schemeClr val="dk1"/>
+          </a:fontRef>
+        </p:style>
         <p:txBody>
-          <a:bodyPr/>
+          <a:bodyPr lIns="180000" tIns="180000" rIns="180000" bIns="180000" rtlCol="0" anchor="t"/>
           <a:lstStyle/>
           <a:p>
+            <a:pPr algn="ctr"/>
+            <a:r>
+              <a:rPr lang="nl-NL" b="1" dirty="0"/>
+              <a:t>Validatie / Selectie</a:t>
+            </a:r>
+          </a:p>
+          <a:p>
+            <a:pPr algn="ctr"/>
+            <a:endParaRPr lang="nl-NL" b="1" dirty="0"/>
+          </a:p>
+          <a:p>
+            <a:r>
+              <a:rPr lang="nl-NL" dirty="0"/>
+              <a:t>Optimaliseer specificatie van je model:</a:t>
+            </a:r>
+          </a:p>
+          <a:p>
+            <a:pPr marL="285750" indent="-285750">
+              <a:buFontTx/>
+              <a:buChar char="-"/>
+            </a:pPr>
+            <a:endParaRPr lang="nl-NL" dirty="0"/>
+          </a:p>
+          <a:p>
+            <a:pPr marL="285750" indent="-285750">
+              <a:buFontTx/>
+              <a:buChar char="-"/>
+            </a:pPr>
+            <a:r>
+              <a:rPr lang="nl-NL" dirty="0"/>
+              <a:t>data preparatie</a:t>
+            </a:r>
+          </a:p>
+          <a:p>
+            <a:pPr marL="285750" indent="-285750">
+              <a:buFontTx/>
+              <a:buChar char="-"/>
+            </a:pPr>
+            <a:r>
+              <a:rPr lang="nl-NL" dirty="0"/>
+              <a:t>features</a:t>
+            </a:r>
+          </a:p>
+          <a:p>
+            <a:pPr marL="285750" indent="-285750">
+              <a:buFontTx/>
+              <a:buChar char="-"/>
+            </a:pPr>
+            <a:r>
+              <a:rPr lang="nl-NL" dirty="0"/>
+              <a:t>algoritme</a:t>
+            </a:r>
+          </a:p>
+          <a:p>
+            <a:pPr marL="285750" indent="-285750">
+              <a:buFontTx/>
+              <a:buChar char="-"/>
+            </a:pPr>
+            <a:r>
+              <a:rPr lang="nl-NL" dirty="0"/>
+              <a:t>instellingen</a:t>
+            </a:r>
+          </a:p>
+          <a:p>
+            <a:pPr marL="285750" indent="-285750">
+              <a:buFontTx/>
+              <a:buChar char="-"/>
+            </a:pPr>
+            <a:endParaRPr lang="nl-NL" dirty="0"/>
+          </a:p>
+          <a:p>
+            <a:pPr algn="ctr"/>
+            <a:endParaRPr lang="nl-NL" dirty="0"/>
+          </a:p>
+        </p:txBody>
+      </p:sp>
+      <p:sp>
+        <p:nvSpPr>
+          <p:cNvPr id="4" name="Rectangle 3">
+            <a:extLst>
+              <a:ext uri="{FF2B5EF4-FFF2-40B4-BE49-F238E27FC236}">
+                <a16:creationId xmlns:a16="http://schemas.microsoft.com/office/drawing/2014/main" id="{2AC933C2-3D5A-0ACA-5AFE-5351303887C6}"/>
+              </a:ext>
+            </a:extLst>
+          </p:cNvPr>
+          <p:cNvSpPr/>
+          <p:nvPr/>
+        </p:nvSpPr>
+        <p:spPr>
+          <a:xfrm>
+            <a:off x="4678680" y="1972100"/>
+            <a:ext cx="2834640" cy="3749674"/>
+          </a:xfrm>
+          <a:prstGeom prst="rect">
+            <a:avLst/>
+          </a:prstGeom>
+        </p:spPr>
+        <p:style>
+          <a:lnRef idx="1">
+            <a:schemeClr val="accent5"/>
+          </a:lnRef>
+          <a:fillRef idx="2">
+            <a:schemeClr val="accent5"/>
+          </a:fillRef>
+          <a:effectRef idx="1">
+            <a:schemeClr val="accent5"/>
+          </a:effectRef>
+          <a:fontRef idx="minor">
+            <a:schemeClr val="dk1"/>
+          </a:fontRef>
+        </p:style>
+        <p:txBody>
+          <a:bodyPr lIns="180000" tIns="180000" rIns="180000" bIns="180000" rtlCol="0" anchor="t"/>
+          <a:lstStyle/>
+          <a:p>
+            <a:pPr algn="ctr"/>
+            <a:r>
+              <a:rPr lang="nl-NL" b="1" dirty="0"/>
+              <a:t>Finale training</a:t>
+            </a:r>
+          </a:p>
+          <a:p>
+            <a:pPr algn="ctr"/>
+            <a:endParaRPr lang="nl-NL" b="1" dirty="0"/>
+          </a:p>
+          <a:p>
+            <a:r>
+              <a:rPr lang="nl-NL" dirty="0"/>
+              <a:t>Optimaliseer de gewichten van je model.</a:t>
+            </a:r>
+          </a:p>
+          <a:p>
+            <a:endParaRPr lang="nl-NL" dirty="0"/>
+          </a:p>
+          <a:p>
+            <a:r>
+              <a:rPr lang="nl-NL" dirty="0"/>
+              <a:t>Train je model op </a:t>
+            </a:r>
+            <a:r>
+              <a:rPr lang="nl-NL" u="sng" dirty="0"/>
+              <a:t>alle beschikbare data</a:t>
+            </a:r>
+            <a:r>
+              <a:rPr lang="nl-NL" dirty="0"/>
+              <a:t> om zoveel mogelijk patronen te vangen.</a:t>
+            </a:r>
+          </a:p>
+        </p:txBody>
+      </p:sp>
+      <p:sp>
+        <p:nvSpPr>
+          <p:cNvPr id="5" name="Rectangle 4">
+            <a:extLst>
+              <a:ext uri="{FF2B5EF4-FFF2-40B4-BE49-F238E27FC236}">
+                <a16:creationId xmlns:a16="http://schemas.microsoft.com/office/drawing/2014/main" id="{789364A3-4528-7390-21E7-3B1FEFCDC7BA}"/>
+              </a:ext>
+            </a:extLst>
+          </p:cNvPr>
+          <p:cNvSpPr/>
+          <p:nvPr/>
+        </p:nvSpPr>
+        <p:spPr>
+          <a:xfrm>
+            <a:off x="8519160" y="1972100"/>
+            <a:ext cx="2834640" cy="3749674"/>
+          </a:xfrm>
+          <a:prstGeom prst="rect">
+            <a:avLst/>
+          </a:prstGeom>
+        </p:spPr>
+        <p:style>
+          <a:lnRef idx="1">
+            <a:schemeClr val="accent4"/>
+          </a:lnRef>
+          <a:fillRef idx="2">
+            <a:schemeClr val="accent4"/>
+          </a:fillRef>
+          <a:effectRef idx="1">
+            <a:schemeClr val="accent4"/>
+          </a:effectRef>
+          <a:fontRef idx="minor">
+            <a:schemeClr val="dk1"/>
+          </a:fontRef>
+        </p:style>
+        <p:txBody>
+          <a:bodyPr lIns="180000" tIns="180000" rIns="180000" bIns="180000" rtlCol="0" anchor="t"/>
+          <a:lstStyle/>
+          <a:p>
+            <a:pPr algn="ctr"/>
+            <a:r>
+              <a:rPr lang="nl-NL" b="1" dirty="0"/>
+              <a:t>Uitrol</a:t>
+            </a:r>
+          </a:p>
+          <a:p>
+            <a:pPr algn="ctr"/>
+            <a:endParaRPr lang="nl-NL" b="1" dirty="0"/>
+          </a:p>
+          <a:p>
+            <a:r>
+              <a:rPr lang="nl-NL" dirty="0"/>
+              <a:t>Gebruik het finale model in het bedrijfsproces.</a:t>
+            </a:r>
+          </a:p>
+          <a:p>
+            <a:endParaRPr lang="nl-NL" dirty="0"/>
+          </a:p>
+          <a:p>
+            <a:r>
+              <a:rPr lang="nl-NL" dirty="0"/>
+              <a:t>Uitdagingen qua:</a:t>
+            </a:r>
+          </a:p>
+          <a:p>
+            <a:pPr marL="285750" indent="-285750">
+              <a:buFontTx/>
+              <a:buChar char="-"/>
+            </a:pPr>
+            <a:r>
+              <a:rPr lang="nl-NL" dirty="0"/>
+              <a:t>Techniek</a:t>
+            </a:r>
+          </a:p>
+          <a:p>
+            <a:pPr marL="285750" indent="-285750">
+              <a:buFontTx/>
+              <a:buChar char="-"/>
+            </a:pPr>
+            <a:r>
+              <a:rPr lang="nl-NL" dirty="0"/>
+              <a:t>Gebruik</a:t>
+            </a:r>
+          </a:p>
+          <a:p>
+            <a:pPr marL="285750" indent="-285750">
+              <a:buFontTx/>
+              <a:buChar char="-"/>
+            </a:pPr>
+            <a:r>
+              <a:rPr lang="nl-NL" dirty="0"/>
+              <a:t>Duurzaamheid</a:t>
+            </a:r>
+          </a:p>
+        </p:txBody>
+      </p:sp>
+      <p:sp>
+        <p:nvSpPr>
+          <p:cNvPr id="10" name="Arrow: Right 9">
+            <a:extLst>
+              <a:ext uri="{FF2B5EF4-FFF2-40B4-BE49-F238E27FC236}">
+                <a16:creationId xmlns:a16="http://schemas.microsoft.com/office/drawing/2014/main" id="{4A21C4F3-49E6-41AF-A714-DA2393DC82DA}"/>
+              </a:ext>
+            </a:extLst>
+          </p:cNvPr>
+          <p:cNvSpPr/>
+          <p:nvPr/>
+        </p:nvSpPr>
+        <p:spPr>
+          <a:xfrm>
+            <a:off x="3921880" y="3616657"/>
+            <a:ext cx="506364" cy="462712"/>
+          </a:xfrm>
+          <a:prstGeom prst="rightArrow">
+            <a:avLst/>
+          </a:prstGeom>
+        </p:spPr>
+        <p:style>
+          <a:lnRef idx="1">
+            <a:schemeClr val="accent6"/>
+          </a:lnRef>
+          <a:fillRef idx="2">
+            <a:schemeClr val="accent6"/>
+          </a:fillRef>
+          <a:effectRef idx="1">
+            <a:schemeClr val="accent6"/>
+          </a:effectRef>
+          <a:fontRef idx="minor">
+            <a:schemeClr val="dk1"/>
+          </a:fontRef>
+        </p:style>
+        <p:txBody>
+          <a:bodyPr rtlCol="0" anchor="ctr"/>
+          <a:lstStyle/>
+          <a:p>
+            <a:pPr algn="ctr"/>
+            <a:endParaRPr lang="en-NL"/>
+          </a:p>
+        </p:txBody>
+      </p:sp>
+      <p:sp>
+        <p:nvSpPr>
+          <p:cNvPr id="12" name="Arrow: Right 11">
+            <a:extLst>
+              <a:ext uri="{FF2B5EF4-FFF2-40B4-BE49-F238E27FC236}">
+                <a16:creationId xmlns:a16="http://schemas.microsoft.com/office/drawing/2014/main" id="{8DAE0CBB-182F-60CC-5E30-302DBE0D772C}"/>
+              </a:ext>
+            </a:extLst>
+          </p:cNvPr>
+          <p:cNvSpPr/>
+          <p:nvPr/>
+        </p:nvSpPr>
+        <p:spPr>
+          <a:xfrm>
+            <a:off x="7763058" y="3616657"/>
+            <a:ext cx="506364" cy="462712"/>
+          </a:xfrm>
+          <a:prstGeom prst="rightArrow">
+            <a:avLst/>
+          </a:prstGeom>
+        </p:spPr>
+        <p:style>
+          <a:lnRef idx="1">
+            <a:schemeClr val="accent5"/>
+          </a:lnRef>
+          <a:fillRef idx="2">
+            <a:schemeClr val="accent5"/>
+          </a:fillRef>
+          <a:effectRef idx="1">
+            <a:schemeClr val="accent5"/>
+          </a:effectRef>
+          <a:fontRef idx="minor">
+            <a:schemeClr val="dk1"/>
+          </a:fontRef>
+        </p:style>
+        <p:txBody>
+          <a:bodyPr rtlCol="0" anchor="ctr"/>
+          <a:lstStyle/>
+          <a:p>
+            <a:pPr algn="ctr"/>
             <a:endParaRPr lang="en-NL"/>
           </a:p>
         </p:txBody>
@@ -17627,7 +17897,7 @@
     </p:spTree>
     <p:extLst>
       <p:ext uri="{BB962C8B-B14F-4D97-AF65-F5344CB8AC3E}">
-        <p14:creationId xmlns:p14="http://schemas.microsoft.com/office/powerpoint/2010/main" val="140133291"/>
+        <p14:creationId xmlns:p14="http://schemas.microsoft.com/office/powerpoint/2010/main" val="1524292868"/>
       </p:ext>
     </p:extLst>
   </p:cSld>
@@ -17683,445 +17953,6 @@
           <a:lstStyle/>
           <a:p>
             <a:r>
-              <a:rPr lang="nl-NL" sz="3600" dirty="0"/>
-              <a:t>Naar productie!</a:t>
-            </a:r>
-            <a:endParaRPr lang="nl-NL" sz="3600" noProof="0" dirty="0"/>
-          </a:p>
-        </p:txBody>
-      </p:sp>
-      <p:sp>
-        <p:nvSpPr>
-          <p:cNvPr id="3" name="Rectangle 2">
-            <a:extLst>
-              <a:ext uri="{FF2B5EF4-FFF2-40B4-BE49-F238E27FC236}">
-                <a16:creationId xmlns:a16="http://schemas.microsoft.com/office/drawing/2014/main" id="{CC9A2C42-5C7C-8DA1-D81E-2E20B336CB22}"/>
-              </a:ext>
-            </a:extLst>
-          </p:cNvPr>
-          <p:cNvSpPr/>
-          <p:nvPr/>
-        </p:nvSpPr>
-        <p:spPr>
-          <a:xfrm>
-            <a:off x="838200" y="1972101"/>
-            <a:ext cx="2834640" cy="3749674"/>
-          </a:xfrm>
-          <a:prstGeom prst="rect">
-            <a:avLst/>
-          </a:prstGeom>
-        </p:spPr>
-        <p:style>
-          <a:lnRef idx="1">
-            <a:schemeClr val="accent6"/>
-          </a:lnRef>
-          <a:fillRef idx="2">
-            <a:schemeClr val="accent6"/>
-          </a:fillRef>
-          <a:effectRef idx="1">
-            <a:schemeClr val="accent6"/>
-          </a:effectRef>
-          <a:fontRef idx="minor">
-            <a:schemeClr val="dk1"/>
-          </a:fontRef>
-        </p:style>
-        <p:txBody>
-          <a:bodyPr lIns="180000" tIns="180000" rIns="180000" bIns="180000" rtlCol="0" anchor="t"/>
-          <a:lstStyle/>
-          <a:p>
-            <a:pPr algn="ctr"/>
-            <a:r>
-              <a:rPr lang="nl-NL" b="1" dirty="0"/>
-              <a:t>Validatie / Selectie</a:t>
-            </a:r>
-          </a:p>
-          <a:p>
-            <a:pPr algn="ctr"/>
-            <a:endParaRPr lang="nl-NL" b="1" dirty="0"/>
-          </a:p>
-          <a:p>
-            <a:r>
-              <a:rPr lang="nl-NL" dirty="0"/>
-              <a:t>Optimaliseer specificatie van je model:</a:t>
-            </a:r>
-          </a:p>
-          <a:p>
-            <a:pPr marL="285750" indent="-285750">
-              <a:buFontTx/>
-              <a:buChar char="-"/>
-            </a:pPr>
-            <a:endParaRPr lang="nl-NL" dirty="0"/>
-          </a:p>
-          <a:p>
-            <a:pPr marL="285750" indent="-285750">
-              <a:buFontTx/>
-              <a:buChar char="-"/>
-            </a:pPr>
-            <a:r>
-              <a:rPr lang="nl-NL" dirty="0"/>
-              <a:t>data preparatie</a:t>
-            </a:r>
-          </a:p>
-          <a:p>
-            <a:pPr marL="285750" indent="-285750">
-              <a:buFontTx/>
-              <a:buChar char="-"/>
-            </a:pPr>
-            <a:r>
-              <a:rPr lang="nl-NL" dirty="0"/>
-              <a:t>features</a:t>
-            </a:r>
-          </a:p>
-          <a:p>
-            <a:pPr marL="285750" indent="-285750">
-              <a:buFontTx/>
-              <a:buChar char="-"/>
-            </a:pPr>
-            <a:r>
-              <a:rPr lang="nl-NL" dirty="0"/>
-              <a:t>algoritme</a:t>
-            </a:r>
-          </a:p>
-          <a:p>
-            <a:pPr marL="285750" indent="-285750">
-              <a:buFontTx/>
-              <a:buChar char="-"/>
-            </a:pPr>
-            <a:r>
-              <a:rPr lang="nl-NL" dirty="0"/>
-              <a:t>instellingen</a:t>
-            </a:r>
-          </a:p>
-          <a:p>
-            <a:pPr marL="285750" indent="-285750">
-              <a:buFontTx/>
-              <a:buChar char="-"/>
-            </a:pPr>
-            <a:endParaRPr lang="nl-NL" dirty="0"/>
-          </a:p>
-          <a:p>
-            <a:pPr algn="ctr"/>
-            <a:endParaRPr lang="nl-NL" dirty="0"/>
-          </a:p>
-        </p:txBody>
-      </p:sp>
-      <p:sp>
-        <p:nvSpPr>
-          <p:cNvPr id="4" name="Rectangle 3">
-            <a:extLst>
-              <a:ext uri="{FF2B5EF4-FFF2-40B4-BE49-F238E27FC236}">
-                <a16:creationId xmlns:a16="http://schemas.microsoft.com/office/drawing/2014/main" id="{2AC933C2-3D5A-0ACA-5AFE-5351303887C6}"/>
-              </a:ext>
-            </a:extLst>
-          </p:cNvPr>
-          <p:cNvSpPr/>
-          <p:nvPr/>
-        </p:nvSpPr>
-        <p:spPr>
-          <a:xfrm>
-            <a:off x="4678680" y="1972100"/>
-            <a:ext cx="2834640" cy="3749674"/>
-          </a:xfrm>
-          <a:prstGeom prst="rect">
-            <a:avLst/>
-          </a:prstGeom>
-        </p:spPr>
-        <p:style>
-          <a:lnRef idx="1">
-            <a:schemeClr val="accent5"/>
-          </a:lnRef>
-          <a:fillRef idx="2">
-            <a:schemeClr val="accent5"/>
-          </a:fillRef>
-          <a:effectRef idx="1">
-            <a:schemeClr val="accent5"/>
-          </a:effectRef>
-          <a:fontRef idx="minor">
-            <a:schemeClr val="dk1"/>
-          </a:fontRef>
-        </p:style>
-        <p:txBody>
-          <a:bodyPr lIns="180000" tIns="180000" rIns="180000" bIns="180000" rtlCol="0" anchor="t"/>
-          <a:lstStyle/>
-          <a:p>
-            <a:pPr algn="ctr"/>
-            <a:r>
-              <a:rPr lang="nl-NL" b="1" dirty="0"/>
-              <a:t>Finale training</a:t>
-            </a:r>
-          </a:p>
-          <a:p>
-            <a:pPr algn="ctr"/>
-            <a:endParaRPr lang="nl-NL" b="1" dirty="0"/>
-          </a:p>
-          <a:p>
-            <a:r>
-              <a:rPr lang="nl-NL" dirty="0"/>
-              <a:t>Optimaliseer de gewichten / parameters van je model.</a:t>
-            </a:r>
-          </a:p>
-          <a:p>
-            <a:endParaRPr lang="nl-NL" dirty="0"/>
-          </a:p>
-          <a:p>
-            <a:r>
-              <a:rPr lang="nl-NL" dirty="0"/>
-              <a:t>Train je model op </a:t>
-            </a:r>
-            <a:r>
-              <a:rPr lang="nl-NL" u="sng" dirty="0"/>
-              <a:t>alle beschikbare data</a:t>
-            </a:r>
-            <a:r>
-              <a:rPr lang="nl-NL" dirty="0"/>
-              <a:t> om zoveel mogelijk patronen te vangen.</a:t>
-            </a:r>
-          </a:p>
-        </p:txBody>
-      </p:sp>
-      <p:sp>
-        <p:nvSpPr>
-          <p:cNvPr id="5" name="Rectangle 4">
-            <a:extLst>
-              <a:ext uri="{FF2B5EF4-FFF2-40B4-BE49-F238E27FC236}">
-                <a16:creationId xmlns:a16="http://schemas.microsoft.com/office/drawing/2014/main" id="{789364A3-4528-7390-21E7-3B1FEFCDC7BA}"/>
-              </a:ext>
-            </a:extLst>
-          </p:cNvPr>
-          <p:cNvSpPr/>
-          <p:nvPr/>
-        </p:nvSpPr>
-        <p:spPr>
-          <a:xfrm>
-            <a:off x="8519160" y="1972100"/>
-            <a:ext cx="2834640" cy="3749674"/>
-          </a:xfrm>
-          <a:prstGeom prst="rect">
-            <a:avLst/>
-          </a:prstGeom>
-        </p:spPr>
-        <p:style>
-          <a:lnRef idx="1">
-            <a:schemeClr val="accent4"/>
-          </a:lnRef>
-          <a:fillRef idx="2">
-            <a:schemeClr val="accent4"/>
-          </a:fillRef>
-          <a:effectRef idx="1">
-            <a:schemeClr val="accent4"/>
-          </a:effectRef>
-          <a:fontRef idx="minor">
-            <a:schemeClr val="dk1"/>
-          </a:fontRef>
-        </p:style>
-        <p:txBody>
-          <a:bodyPr lIns="180000" tIns="180000" rIns="180000" bIns="180000" rtlCol="0" anchor="t"/>
-          <a:lstStyle/>
-          <a:p>
-            <a:pPr algn="ctr"/>
-            <a:r>
-              <a:rPr lang="nl-NL" b="1" dirty="0"/>
-              <a:t>Uitrol</a:t>
-            </a:r>
-          </a:p>
-          <a:p>
-            <a:pPr algn="ctr"/>
-            <a:endParaRPr lang="nl-NL" b="1" dirty="0"/>
-          </a:p>
-          <a:p>
-            <a:r>
-              <a:rPr lang="nl-NL" dirty="0"/>
-              <a:t>Gebruik het finale model in het bedrijfsproces.</a:t>
-            </a:r>
-          </a:p>
-          <a:p>
-            <a:endParaRPr lang="nl-NL" dirty="0"/>
-          </a:p>
-          <a:p>
-            <a:r>
-              <a:rPr lang="nl-NL" dirty="0"/>
-              <a:t>Uitdagingen qua:</a:t>
-            </a:r>
-          </a:p>
-          <a:p>
-            <a:pPr marL="285750" indent="-285750">
-              <a:buFontTx/>
-              <a:buChar char="-"/>
-            </a:pPr>
-            <a:r>
-              <a:rPr lang="nl-NL" dirty="0"/>
-              <a:t>Techniek</a:t>
-            </a:r>
-          </a:p>
-          <a:p>
-            <a:pPr marL="285750" indent="-285750">
-              <a:buFontTx/>
-              <a:buChar char="-"/>
-            </a:pPr>
-            <a:r>
-              <a:rPr lang="nl-NL" dirty="0"/>
-              <a:t>Gebruik</a:t>
-            </a:r>
-          </a:p>
-          <a:p>
-            <a:pPr marL="285750" indent="-285750">
-              <a:buFontTx/>
-              <a:buChar char="-"/>
-            </a:pPr>
-            <a:r>
-              <a:rPr lang="nl-NL" dirty="0"/>
-              <a:t>Duurzaamheid</a:t>
-            </a:r>
-          </a:p>
-        </p:txBody>
-      </p:sp>
-      <p:sp>
-        <p:nvSpPr>
-          <p:cNvPr id="10" name="Arrow: Right 9">
-            <a:extLst>
-              <a:ext uri="{FF2B5EF4-FFF2-40B4-BE49-F238E27FC236}">
-                <a16:creationId xmlns:a16="http://schemas.microsoft.com/office/drawing/2014/main" id="{4A21C4F3-49E6-41AF-A714-DA2393DC82DA}"/>
-              </a:ext>
-            </a:extLst>
-          </p:cNvPr>
-          <p:cNvSpPr/>
-          <p:nvPr/>
-        </p:nvSpPr>
-        <p:spPr>
-          <a:xfrm>
-            <a:off x="3921880" y="3616657"/>
-            <a:ext cx="506364" cy="462712"/>
-          </a:xfrm>
-          <a:prstGeom prst="rightArrow">
-            <a:avLst/>
-          </a:prstGeom>
-        </p:spPr>
-        <p:style>
-          <a:lnRef idx="1">
-            <a:schemeClr val="accent6"/>
-          </a:lnRef>
-          <a:fillRef idx="2">
-            <a:schemeClr val="accent6"/>
-          </a:fillRef>
-          <a:effectRef idx="1">
-            <a:schemeClr val="accent6"/>
-          </a:effectRef>
-          <a:fontRef idx="minor">
-            <a:schemeClr val="dk1"/>
-          </a:fontRef>
-        </p:style>
-        <p:txBody>
-          <a:bodyPr rtlCol="0" anchor="ctr"/>
-          <a:lstStyle/>
-          <a:p>
-            <a:pPr algn="ctr"/>
-            <a:endParaRPr lang="en-NL"/>
-          </a:p>
-        </p:txBody>
-      </p:sp>
-      <p:sp>
-        <p:nvSpPr>
-          <p:cNvPr id="12" name="Arrow: Right 11">
-            <a:extLst>
-              <a:ext uri="{FF2B5EF4-FFF2-40B4-BE49-F238E27FC236}">
-                <a16:creationId xmlns:a16="http://schemas.microsoft.com/office/drawing/2014/main" id="{8DAE0CBB-182F-60CC-5E30-302DBE0D772C}"/>
-              </a:ext>
-            </a:extLst>
-          </p:cNvPr>
-          <p:cNvSpPr/>
-          <p:nvPr/>
-        </p:nvSpPr>
-        <p:spPr>
-          <a:xfrm>
-            <a:off x="7763058" y="3616657"/>
-            <a:ext cx="506364" cy="462712"/>
-          </a:xfrm>
-          <a:prstGeom prst="rightArrow">
-            <a:avLst/>
-          </a:prstGeom>
-        </p:spPr>
-        <p:style>
-          <a:lnRef idx="1">
-            <a:schemeClr val="accent5"/>
-          </a:lnRef>
-          <a:fillRef idx="2">
-            <a:schemeClr val="accent5"/>
-          </a:fillRef>
-          <a:effectRef idx="1">
-            <a:schemeClr val="accent5"/>
-          </a:effectRef>
-          <a:fontRef idx="minor">
-            <a:schemeClr val="dk1"/>
-          </a:fontRef>
-        </p:style>
-        <p:txBody>
-          <a:bodyPr rtlCol="0" anchor="ctr"/>
-          <a:lstStyle/>
-          <a:p>
-            <a:pPr algn="ctr"/>
-            <a:endParaRPr lang="en-NL"/>
-          </a:p>
-        </p:txBody>
-      </p:sp>
-    </p:spTree>
-    <p:extLst>
-      <p:ext uri="{BB962C8B-B14F-4D97-AF65-F5344CB8AC3E}">
-        <p14:creationId xmlns:p14="http://schemas.microsoft.com/office/powerpoint/2010/main" val="1524292868"/>
-      </p:ext>
-    </p:extLst>
-  </p:cSld>
-  <p:clrMapOvr>
-    <a:masterClrMapping/>
-  </p:clrMapOvr>
-</p:sld>
-</file>
-
-<file path=ppt/slides/slide36.xml><?xml version="1.0" encoding="utf-8"?>
-<p:sld xmlns:a="http://schemas.openxmlformats.org/drawingml/2006/main" xmlns:r="http://schemas.openxmlformats.org/officeDocument/2006/relationships" xmlns:p="http://schemas.openxmlformats.org/presentationml/2006/main">
-  <p:cSld>
-    <p:spTree>
-      <p:nvGrpSpPr>
-        <p:cNvPr id="1" name=""/>
-        <p:cNvGrpSpPr/>
-        <p:nvPr/>
-      </p:nvGrpSpPr>
-      <p:grpSpPr>
-        <a:xfrm>
-          <a:off x="0" y="0"/>
-          <a:ext cx="0" cy="0"/>
-          <a:chOff x="0" y="0"/>
-          <a:chExt cx="0" cy="0"/>
-        </a:xfrm>
-      </p:grpSpPr>
-      <p:sp>
-        <p:nvSpPr>
-          <p:cNvPr id="2" name="Title 1">
-            <a:extLst>
-              <a:ext uri="{FF2B5EF4-FFF2-40B4-BE49-F238E27FC236}">
-                <a16:creationId xmlns:a16="http://schemas.microsoft.com/office/drawing/2014/main" id="{39A1D606-8DD1-369C-5C09-471CDD551AD5}"/>
-              </a:ext>
-            </a:extLst>
-          </p:cNvPr>
-          <p:cNvSpPr>
-            <a:spLocks noGrp="1"/>
-          </p:cNvSpPr>
-          <p:nvPr>
-            <p:ph type="title"/>
-          </p:nvPr>
-        </p:nvSpPr>
-        <p:spPr>
-          <a:xfrm>
-            <a:off x="838200" y="365126"/>
-            <a:ext cx="10515600" cy="718608"/>
-          </a:xfrm>
-        </p:spPr>
-        <p:txBody>
-          <a:bodyPr>
-            <a:normAutofit/>
-          </a:bodyPr>
-          <a:lstStyle/>
-          <a:p>
-            <a:r>
               <a:rPr lang="nl-NL" sz="3600" noProof="0" dirty="0" err="1"/>
               <a:t>MLOps</a:t>
             </a:r>
@@ -18181,7 +18012,7 @@
 </p:sld>
 </file>
 
-<file path=ppt/slides/slide37.xml><?xml version="1.0" encoding="utf-8"?>
+<file path=ppt/slides/slide36.xml><?xml version="1.0" encoding="utf-8"?>
 <p:sld xmlns:a="http://schemas.openxmlformats.org/drawingml/2006/main" xmlns:r="http://schemas.openxmlformats.org/officeDocument/2006/relationships" xmlns:p="http://schemas.openxmlformats.org/presentationml/2006/main">
   <p:cSld>
     <p:spTree>
@@ -18992,10 +18823,9 @@
             <a:lstStyle/>
             <a:p>
               <a:r>
-                <a:rPr lang="en-US" sz="1200" dirty="0" err="1"/>
+                <a:rPr lang="nl-NL" sz="1200"/>
                 <a:t>Gebruikers</a:t>
               </a:r>
-              <a:endParaRPr lang="en-NL" sz="1200" dirty="0"/>
             </a:p>
           </p:txBody>
         </p:sp>
@@ -19095,7 +18925,7 @@
 </p:sld>
 </file>
 
-<file path=ppt/slides/slide38.xml><?xml version="1.0" encoding="utf-8"?>
+<file path=ppt/slides/slide37.xml><?xml version="1.0" encoding="utf-8"?>
 <p:sld xmlns:a="http://schemas.openxmlformats.org/drawingml/2006/main" xmlns:r="http://schemas.openxmlformats.org/officeDocument/2006/relationships" xmlns:p="http://schemas.openxmlformats.org/presentationml/2006/main">
   <p:cSld>
     <p:spTree>
@@ -19807,7 +19637,7 @@
 </p:sld>
 </file>
 
-<file path=ppt/slides/slide39.xml><?xml version="1.0" encoding="utf-8"?>
+<file path=ppt/slides/slide38.xml><?xml version="1.0" encoding="utf-8"?>
 <p:sld xmlns:a="http://schemas.openxmlformats.org/drawingml/2006/main" xmlns:r="http://schemas.openxmlformats.org/officeDocument/2006/relationships" xmlns:p="http://schemas.openxmlformats.org/presentationml/2006/main">
   <p:cSld>
     <p:spTree>
@@ -20671,637 +20501,7 @@
 </p:sld>
 </file>
 
-<file path=ppt/slides/slide4.xml><?xml version="1.0" encoding="utf-8"?>
-<p:sld xmlns:a="http://schemas.openxmlformats.org/drawingml/2006/main" xmlns:r="http://schemas.openxmlformats.org/officeDocument/2006/relationships" xmlns:p="http://schemas.openxmlformats.org/presentationml/2006/main">
-  <p:cSld>
-    <p:spTree>
-      <p:nvGrpSpPr>
-        <p:cNvPr id="1" name=""/>
-        <p:cNvGrpSpPr/>
-        <p:nvPr/>
-      </p:nvGrpSpPr>
-      <p:grpSpPr>
-        <a:xfrm>
-          <a:off x="0" y="0"/>
-          <a:ext cx="0" cy="0"/>
-          <a:chOff x="0" y="0"/>
-          <a:chExt cx="0" cy="0"/>
-        </a:xfrm>
-      </p:grpSpPr>
-      <p:sp>
-        <p:nvSpPr>
-          <p:cNvPr id="2" name="Title 1">
-            <a:extLst>
-              <a:ext uri="{FF2B5EF4-FFF2-40B4-BE49-F238E27FC236}">
-                <a16:creationId xmlns:a16="http://schemas.microsoft.com/office/drawing/2014/main" id="{39A1D606-8DD1-369C-5C09-471CDD551AD5}"/>
-              </a:ext>
-            </a:extLst>
-          </p:cNvPr>
-          <p:cNvSpPr>
-            <a:spLocks noGrp="1"/>
-          </p:cNvSpPr>
-          <p:nvPr>
-            <p:ph type="title"/>
-          </p:nvPr>
-        </p:nvSpPr>
-        <p:spPr>
-          <a:xfrm>
-            <a:off x="838200" y="365126"/>
-            <a:ext cx="10515600" cy="718608"/>
-          </a:xfrm>
-        </p:spPr>
-        <p:txBody>
-          <a:bodyPr>
-            <a:normAutofit/>
-          </a:bodyPr>
-          <a:lstStyle/>
-          <a:p>
-            <a:r>
-              <a:rPr lang="nl-NL" sz="3600" noProof="0" dirty="0"/>
-              <a:t>Overzicht ML landschap</a:t>
-            </a:r>
-          </a:p>
-        </p:txBody>
-      </p:sp>
-      <p:grpSp>
-        <p:nvGrpSpPr>
-          <p:cNvPr id="16" name="Group 15">
-            <a:extLst>
-              <a:ext uri="{FF2B5EF4-FFF2-40B4-BE49-F238E27FC236}">
-                <a16:creationId xmlns:a16="http://schemas.microsoft.com/office/drawing/2014/main" id="{BA1E66AA-A0A7-747F-3295-B5E6F5220E04}"/>
-              </a:ext>
-            </a:extLst>
-          </p:cNvPr>
-          <p:cNvGrpSpPr/>
-          <p:nvPr/>
-        </p:nvGrpSpPr>
-        <p:grpSpPr>
-          <a:xfrm>
-            <a:off x="8076049" y="1711412"/>
-            <a:ext cx="2756930" cy="1791726"/>
-            <a:chOff x="838200" y="1711410"/>
-            <a:chExt cx="2756930" cy="1791726"/>
-          </a:xfrm>
-        </p:grpSpPr>
-        <p:sp>
-          <p:nvSpPr>
-            <p:cNvPr id="6" name="Rectangle 5">
-              <a:extLst>
-                <a:ext uri="{FF2B5EF4-FFF2-40B4-BE49-F238E27FC236}">
-                  <a16:creationId xmlns:a16="http://schemas.microsoft.com/office/drawing/2014/main" id="{1D38F06A-7130-AC87-179C-0C18A1AA4CA8}"/>
-                </a:ext>
-              </a:extLst>
-            </p:cNvPr>
-            <p:cNvSpPr/>
-            <p:nvPr/>
-          </p:nvSpPr>
-          <p:spPr>
-            <a:xfrm>
-              <a:off x="838200" y="2094470"/>
-              <a:ext cx="2756930" cy="1408666"/>
-            </a:xfrm>
-            <a:prstGeom prst="rect">
-              <a:avLst/>
-            </a:prstGeom>
-          </p:spPr>
-          <p:style>
-            <a:lnRef idx="1">
-              <a:schemeClr val="accent3"/>
-            </a:lnRef>
-            <a:fillRef idx="2">
-              <a:schemeClr val="accent3"/>
-            </a:fillRef>
-            <a:effectRef idx="1">
-              <a:schemeClr val="accent3"/>
-            </a:effectRef>
-            <a:fontRef idx="minor">
-              <a:schemeClr val="dk1"/>
-            </a:fontRef>
-          </p:style>
-          <p:txBody>
-            <a:bodyPr rtlCol="0" anchor="ctr"/>
-            <a:lstStyle/>
-            <a:p>
-              <a:pPr algn="ctr"/>
-              <a:r>
-                <a:rPr lang="nl-NL" dirty="0" err="1"/>
-                <a:t>PyTorch</a:t>
-              </a:r>
-              <a:endParaRPr lang="nl-NL" dirty="0"/>
-            </a:p>
-            <a:p>
-              <a:pPr algn="ctr"/>
-              <a:r>
-                <a:rPr lang="nl-NL" dirty="0" err="1"/>
-                <a:t>Keras</a:t>
-              </a:r>
-              <a:endParaRPr lang="nl-NL" dirty="0"/>
-            </a:p>
-          </p:txBody>
-        </p:sp>
-        <p:sp>
-          <p:nvSpPr>
-            <p:cNvPr id="3" name="Rectangle 2">
-              <a:extLst>
-                <a:ext uri="{FF2B5EF4-FFF2-40B4-BE49-F238E27FC236}">
-                  <a16:creationId xmlns:a16="http://schemas.microsoft.com/office/drawing/2014/main" id="{0BCC9F7A-27F2-C61D-B926-0E68B6D7DAA4}"/>
-                </a:ext>
-              </a:extLst>
-            </p:cNvPr>
-            <p:cNvSpPr/>
-            <p:nvPr/>
-          </p:nvSpPr>
-          <p:spPr>
-            <a:xfrm>
-              <a:off x="838200" y="1711410"/>
-              <a:ext cx="2756930" cy="383059"/>
-            </a:xfrm>
-            <a:prstGeom prst="rect">
-              <a:avLst/>
-            </a:prstGeom>
-          </p:spPr>
-          <p:style>
-            <a:lnRef idx="1">
-              <a:schemeClr val="accent4"/>
-            </a:lnRef>
-            <a:fillRef idx="2">
-              <a:schemeClr val="accent4"/>
-            </a:fillRef>
-            <a:effectRef idx="1">
-              <a:schemeClr val="accent4"/>
-            </a:effectRef>
-            <a:fontRef idx="minor">
-              <a:schemeClr val="dk1"/>
-            </a:fontRef>
-          </p:style>
-          <p:txBody>
-            <a:bodyPr rtlCol="0" anchor="t"/>
-            <a:lstStyle/>
-            <a:p>
-              <a:pPr algn="ctr"/>
-              <a:r>
-                <a:rPr lang="nl-NL" b="1" dirty="0" err="1"/>
-                <a:t>Deep</a:t>
-              </a:r>
-              <a:r>
-                <a:rPr lang="nl-NL" b="1" dirty="0"/>
-                <a:t> Learning</a:t>
-              </a:r>
-            </a:p>
-          </p:txBody>
-        </p:sp>
-      </p:grpSp>
-      <p:grpSp>
-        <p:nvGrpSpPr>
-          <p:cNvPr id="17" name="Group 16">
-            <a:extLst>
-              <a:ext uri="{FF2B5EF4-FFF2-40B4-BE49-F238E27FC236}">
-                <a16:creationId xmlns:a16="http://schemas.microsoft.com/office/drawing/2014/main" id="{E0DF0368-47EB-A9DC-B3CC-1B3CA1E64867}"/>
-              </a:ext>
-            </a:extLst>
-          </p:cNvPr>
-          <p:cNvGrpSpPr/>
-          <p:nvPr/>
-        </p:nvGrpSpPr>
-        <p:grpSpPr>
-          <a:xfrm>
-            <a:off x="4643394" y="1711412"/>
-            <a:ext cx="2756931" cy="1791722"/>
-            <a:chOff x="4643394" y="1711412"/>
-            <a:chExt cx="2756931" cy="1791722"/>
-          </a:xfrm>
-        </p:grpSpPr>
-        <p:sp>
-          <p:nvSpPr>
-            <p:cNvPr id="7" name="Rectangle 6">
-              <a:extLst>
-                <a:ext uri="{FF2B5EF4-FFF2-40B4-BE49-F238E27FC236}">
-                  <a16:creationId xmlns:a16="http://schemas.microsoft.com/office/drawing/2014/main" id="{4FCD6A8C-29D6-E5C6-1838-8B707C443CD5}"/>
-                </a:ext>
-              </a:extLst>
-            </p:cNvPr>
-            <p:cNvSpPr/>
-            <p:nvPr/>
-          </p:nvSpPr>
-          <p:spPr>
-            <a:xfrm>
-              <a:off x="4643394" y="1711412"/>
-              <a:ext cx="2756931" cy="383057"/>
-            </a:xfrm>
-            <a:prstGeom prst="rect">
-              <a:avLst/>
-            </a:prstGeom>
-          </p:spPr>
-          <p:style>
-            <a:lnRef idx="1">
-              <a:schemeClr val="accent6"/>
-            </a:lnRef>
-            <a:fillRef idx="2">
-              <a:schemeClr val="accent6"/>
-            </a:fillRef>
-            <a:effectRef idx="1">
-              <a:schemeClr val="accent6"/>
-            </a:effectRef>
-            <a:fontRef idx="minor">
-              <a:schemeClr val="dk1"/>
-            </a:fontRef>
-          </p:style>
-          <p:txBody>
-            <a:bodyPr rtlCol="0" anchor="t"/>
-            <a:lstStyle/>
-            <a:p>
-              <a:pPr algn="ctr"/>
-              <a:r>
-                <a:rPr lang="nl-NL" dirty="0"/>
-                <a:t>Machine Learning</a:t>
-              </a:r>
-            </a:p>
-          </p:txBody>
-        </p:sp>
-        <p:sp>
-          <p:nvSpPr>
-            <p:cNvPr id="4" name="Rectangle 3">
-              <a:extLst>
-                <a:ext uri="{FF2B5EF4-FFF2-40B4-BE49-F238E27FC236}">
-                  <a16:creationId xmlns:a16="http://schemas.microsoft.com/office/drawing/2014/main" id="{2C38E716-E909-96D4-4449-564CCA453D46}"/>
-                </a:ext>
-              </a:extLst>
-            </p:cNvPr>
-            <p:cNvSpPr/>
-            <p:nvPr/>
-          </p:nvSpPr>
-          <p:spPr>
-            <a:xfrm>
-              <a:off x="4643394" y="2094469"/>
-              <a:ext cx="2756931" cy="1408665"/>
-            </a:xfrm>
-            <a:prstGeom prst="rect">
-              <a:avLst/>
-            </a:prstGeom>
-          </p:spPr>
-          <p:style>
-            <a:lnRef idx="1">
-              <a:schemeClr val="accent3"/>
-            </a:lnRef>
-            <a:fillRef idx="2">
-              <a:schemeClr val="accent3"/>
-            </a:fillRef>
-            <a:effectRef idx="1">
-              <a:schemeClr val="accent3"/>
-            </a:effectRef>
-            <a:fontRef idx="minor">
-              <a:schemeClr val="dk1"/>
-            </a:fontRef>
-          </p:style>
-          <p:txBody>
-            <a:bodyPr rtlCol="0" anchor="ctr"/>
-            <a:lstStyle/>
-            <a:p>
-              <a:pPr algn="ctr"/>
-              <a:r>
-                <a:rPr lang="nl-NL" dirty="0" err="1"/>
-                <a:t>scikit-learn</a:t>
-              </a:r>
-              <a:endParaRPr lang="nl-NL" dirty="0"/>
-            </a:p>
-            <a:p>
-              <a:pPr algn="ctr"/>
-              <a:r>
-                <a:rPr lang="nl-NL" dirty="0" err="1"/>
-                <a:t>LightGBM</a:t>
-              </a:r>
-              <a:endParaRPr lang="nl-NL" dirty="0"/>
-            </a:p>
-          </p:txBody>
-        </p:sp>
-      </p:grpSp>
-      <p:grpSp>
-        <p:nvGrpSpPr>
-          <p:cNvPr id="18" name="Group 17">
-            <a:extLst>
-              <a:ext uri="{FF2B5EF4-FFF2-40B4-BE49-F238E27FC236}">
-                <a16:creationId xmlns:a16="http://schemas.microsoft.com/office/drawing/2014/main" id="{90991C0E-5769-BE9C-7A45-FF1D2E979AAF}"/>
-              </a:ext>
-            </a:extLst>
-          </p:cNvPr>
-          <p:cNvGrpSpPr/>
-          <p:nvPr/>
-        </p:nvGrpSpPr>
-        <p:grpSpPr>
-          <a:xfrm>
-            <a:off x="1210739" y="1711412"/>
-            <a:ext cx="2756931" cy="1791722"/>
-            <a:chOff x="8448589" y="1711411"/>
-            <a:chExt cx="2756931" cy="1791722"/>
-          </a:xfrm>
-        </p:grpSpPr>
-        <p:sp>
-          <p:nvSpPr>
-            <p:cNvPr id="10" name="Rectangle 9">
-              <a:extLst>
-                <a:ext uri="{FF2B5EF4-FFF2-40B4-BE49-F238E27FC236}">
-                  <a16:creationId xmlns:a16="http://schemas.microsoft.com/office/drawing/2014/main" id="{06AA83AA-E066-ABF0-626E-4AF185EBD422}"/>
-                </a:ext>
-              </a:extLst>
-            </p:cNvPr>
-            <p:cNvSpPr/>
-            <p:nvPr/>
-          </p:nvSpPr>
-          <p:spPr>
-            <a:xfrm>
-              <a:off x="8448589" y="1711411"/>
-              <a:ext cx="2756930" cy="383057"/>
-            </a:xfrm>
-            <a:prstGeom prst="rect">
-              <a:avLst/>
-            </a:prstGeom>
-          </p:spPr>
-          <p:style>
-            <a:lnRef idx="1">
-              <a:schemeClr val="accent5"/>
-            </a:lnRef>
-            <a:fillRef idx="2">
-              <a:schemeClr val="accent5"/>
-            </a:fillRef>
-            <a:effectRef idx="1">
-              <a:schemeClr val="accent5"/>
-            </a:effectRef>
-            <a:fontRef idx="minor">
-              <a:schemeClr val="dk1"/>
-            </a:fontRef>
-          </p:style>
-          <p:txBody>
-            <a:bodyPr rtlCol="0" anchor="t"/>
-            <a:lstStyle/>
-            <a:p>
-              <a:pPr algn="ctr"/>
-              <a:r>
-                <a:rPr lang="nl-NL" dirty="0"/>
-                <a:t>Statistiek</a:t>
-              </a:r>
-            </a:p>
-          </p:txBody>
-        </p:sp>
-        <p:sp>
-          <p:nvSpPr>
-            <p:cNvPr id="9" name="Rectangle 8">
-              <a:extLst>
-                <a:ext uri="{FF2B5EF4-FFF2-40B4-BE49-F238E27FC236}">
-                  <a16:creationId xmlns:a16="http://schemas.microsoft.com/office/drawing/2014/main" id="{5812AC52-D6EC-F3C4-889C-01479D3B8644}"/>
-                </a:ext>
-              </a:extLst>
-            </p:cNvPr>
-            <p:cNvSpPr/>
-            <p:nvPr/>
-          </p:nvSpPr>
-          <p:spPr>
-            <a:xfrm>
-              <a:off x="8448589" y="2094468"/>
-              <a:ext cx="2756931" cy="1408665"/>
-            </a:xfrm>
-            <a:prstGeom prst="rect">
-              <a:avLst/>
-            </a:prstGeom>
-          </p:spPr>
-          <p:style>
-            <a:lnRef idx="1">
-              <a:schemeClr val="accent3"/>
-            </a:lnRef>
-            <a:fillRef idx="2">
-              <a:schemeClr val="accent3"/>
-            </a:fillRef>
-            <a:effectRef idx="1">
-              <a:schemeClr val="accent3"/>
-            </a:effectRef>
-            <a:fontRef idx="minor">
-              <a:schemeClr val="dk1"/>
-            </a:fontRef>
-          </p:style>
-          <p:txBody>
-            <a:bodyPr rtlCol="0" anchor="ctr"/>
-            <a:lstStyle/>
-            <a:p>
-              <a:pPr algn="ctr"/>
-              <a:r>
-                <a:rPr lang="nl-NL" dirty="0" err="1"/>
-                <a:t>statsmodels</a:t>
-              </a:r>
-              <a:endParaRPr lang="nl-NL" dirty="0"/>
-            </a:p>
-            <a:p>
-              <a:pPr algn="ctr"/>
-              <a:r>
-                <a:rPr lang="nl-NL" dirty="0" err="1"/>
-                <a:t>scipy</a:t>
-              </a:r>
-              <a:endParaRPr lang="nl-NL" dirty="0"/>
-            </a:p>
-          </p:txBody>
-        </p:sp>
-      </p:grpSp>
-      <p:cxnSp>
-        <p:nvCxnSpPr>
-          <p:cNvPr id="8" name="Straight Arrow Connector 7">
-            <a:extLst>
-              <a:ext uri="{FF2B5EF4-FFF2-40B4-BE49-F238E27FC236}">
-                <a16:creationId xmlns:a16="http://schemas.microsoft.com/office/drawing/2014/main" id="{6375CAA6-3461-D17A-D9A6-2304019D8466}"/>
-              </a:ext>
-            </a:extLst>
-          </p:cNvPr>
-          <p:cNvCxnSpPr>
-            <a:cxnSpLocks/>
-          </p:cNvCxnSpPr>
-          <p:nvPr/>
-        </p:nvCxnSpPr>
-        <p:spPr>
-          <a:xfrm>
-            <a:off x="1210739" y="4118672"/>
-            <a:ext cx="9622240" cy="0"/>
-          </a:xfrm>
-          <a:prstGeom prst="straightConnector1">
-            <a:avLst/>
-          </a:prstGeom>
-          <a:ln>
-            <a:headEnd type="none" w="lg" len="lg"/>
-            <a:tailEnd type="triangle" w="lg" len="lg"/>
-          </a:ln>
-        </p:spPr>
-        <p:style>
-          <a:lnRef idx="2">
-            <a:schemeClr val="dk1"/>
-          </a:lnRef>
-          <a:fillRef idx="0">
-            <a:schemeClr val="dk1"/>
-          </a:fillRef>
-          <a:effectRef idx="1">
-            <a:schemeClr val="dk1"/>
-          </a:effectRef>
-          <a:fontRef idx="minor">
-            <a:schemeClr val="tx1"/>
-          </a:fontRef>
-        </p:style>
-      </p:cxnSp>
-      <p:sp>
-        <p:nvSpPr>
-          <p:cNvPr id="19" name="TextBox 18">
-            <a:extLst>
-              <a:ext uri="{FF2B5EF4-FFF2-40B4-BE49-F238E27FC236}">
-                <a16:creationId xmlns:a16="http://schemas.microsoft.com/office/drawing/2014/main" id="{72F1BCE1-B698-3A93-E90A-113B364B3AFE}"/>
-              </a:ext>
-            </a:extLst>
-          </p:cNvPr>
-          <p:cNvSpPr txBox="1"/>
-          <p:nvPr/>
-        </p:nvSpPr>
-        <p:spPr>
-          <a:xfrm>
-            <a:off x="1210738" y="3685485"/>
-            <a:ext cx="9622240" cy="369332"/>
-          </a:xfrm>
-          <a:prstGeom prst="rect">
-            <a:avLst/>
-          </a:prstGeom>
-          <a:noFill/>
-        </p:spPr>
-        <p:txBody>
-          <a:bodyPr wrap="square" rtlCol="0">
-            <a:spAutoFit/>
-          </a:bodyPr>
-          <a:lstStyle/>
-          <a:p>
-            <a:pPr algn="ctr"/>
-            <a:r>
-              <a:rPr lang="nl-NL" dirty="0"/>
-              <a:t>Complexiteit modellen</a:t>
-            </a:r>
-          </a:p>
-        </p:txBody>
-      </p:sp>
-      <p:sp>
-        <p:nvSpPr>
-          <p:cNvPr id="20" name="TextBox 19">
-            <a:extLst>
-              <a:ext uri="{FF2B5EF4-FFF2-40B4-BE49-F238E27FC236}">
-                <a16:creationId xmlns:a16="http://schemas.microsoft.com/office/drawing/2014/main" id="{2922F921-723B-5393-646C-CAC75091C053}"/>
-              </a:ext>
-            </a:extLst>
-          </p:cNvPr>
-          <p:cNvSpPr txBox="1"/>
-          <p:nvPr/>
-        </p:nvSpPr>
-        <p:spPr>
-          <a:xfrm>
-            <a:off x="1201730" y="4304392"/>
-            <a:ext cx="2216825" cy="1477328"/>
-          </a:xfrm>
-          <a:prstGeom prst="rect">
-            <a:avLst/>
-          </a:prstGeom>
-          <a:noFill/>
-        </p:spPr>
-        <p:txBody>
-          <a:bodyPr wrap="none" rtlCol="0">
-            <a:spAutoFit/>
-          </a:bodyPr>
-          <a:lstStyle/>
-          <a:p>
-            <a:r>
-              <a:rPr lang="nl-NL" dirty="0"/>
-              <a:t>Kleine datasets</a:t>
-            </a:r>
-          </a:p>
-          <a:p>
-            <a:endParaRPr lang="nl-NL" dirty="0"/>
-          </a:p>
-          <a:p>
-            <a:r>
-              <a:rPr lang="nl-NL" dirty="0"/>
-              <a:t>Gestructureerde data</a:t>
-            </a:r>
-          </a:p>
-          <a:p>
-            <a:endParaRPr lang="nl-NL" dirty="0"/>
-          </a:p>
-          <a:p>
-            <a:r>
-              <a:rPr lang="nl-NL" dirty="0"/>
-              <a:t>Begrijpelijk</a:t>
-            </a:r>
-          </a:p>
-        </p:txBody>
-      </p:sp>
-      <p:sp>
-        <p:nvSpPr>
-          <p:cNvPr id="21" name="TextBox 20">
-            <a:extLst>
-              <a:ext uri="{FF2B5EF4-FFF2-40B4-BE49-F238E27FC236}">
-                <a16:creationId xmlns:a16="http://schemas.microsoft.com/office/drawing/2014/main" id="{3D2123A2-80E5-F3E7-1C0B-8C21DBE90121}"/>
-              </a:ext>
-            </a:extLst>
-          </p:cNvPr>
-          <p:cNvSpPr txBox="1"/>
-          <p:nvPr/>
-        </p:nvSpPr>
-        <p:spPr>
-          <a:xfrm>
-            <a:off x="8388495" y="4306998"/>
-            <a:ext cx="2454838" cy="1477328"/>
-          </a:xfrm>
-          <a:prstGeom prst="rect">
-            <a:avLst/>
-          </a:prstGeom>
-          <a:noFill/>
-        </p:spPr>
-        <p:txBody>
-          <a:bodyPr wrap="none" rtlCol="0">
-            <a:spAutoFit/>
-          </a:bodyPr>
-          <a:lstStyle/>
-          <a:p>
-            <a:pPr algn="r"/>
-            <a:r>
-              <a:rPr lang="nl-NL" dirty="0"/>
-              <a:t>Grote datasets</a:t>
-            </a:r>
-          </a:p>
-          <a:p>
-            <a:pPr algn="r"/>
-            <a:endParaRPr lang="nl-NL" dirty="0"/>
-          </a:p>
-          <a:p>
-            <a:pPr algn="r"/>
-            <a:r>
-              <a:rPr lang="nl-NL" dirty="0"/>
-              <a:t>Ongestructureerde data</a:t>
-            </a:r>
-          </a:p>
-          <a:p>
-            <a:pPr algn="r"/>
-            <a:endParaRPr lang="nl-NL" dirty="0"/>
-          </a:p>
-          <a:p>
-            <a:pPr algn="r"/>
-            <a:r>
-              <a:rPr lang="nl-NL" dirty="0"/>
-              <a:t>"Black box"</a:t>
-            </a:r>
-          </a:p>
-        </p:txBody>
-      </p:sp>
-    </p:spTree>
-    <p:extLst>
-      <p:ext uri="{BB962C8B-B14F-4D97-AF65-F5344CB8AC3E}">
-        <p14:creationId xmlns:p14="http://schemas.microsoft.com/office/powerpoint/2010/main" val="2346225741"/>
-      </p:ext>
-    </p:extLst>
-  </p:cSld>
-  <p:clrMapOvr>
-    <a:masterClrMapping/>
-  </p:clrMapOvr>
-</p:sld>
-</file>
-
-<file path=ppt/slides/slide40.xml><?xml version="1.0" encoding="utf-8"?>
+<file path=ppt/slides/slide39.xml><?xml version="1.0" encoding="utf-8"?>
 <p:sld xmlns:a="http://schemas.openxmlformats.org/drawingml/2006/main" xmlns:r="http://schemas.openxmlformats.org/officeDocument/2006/relationships" xmlns:p="http://schemas.openxmlformats.org/presentationml/2006/main">
   <p:cSld>
     <p:spTree>
@@ -22259,7 +21459,637 @@
 </p:sld>
 </file>
 
-<file path=ppt/slides/slide41.xml><?xml version="1.0" encoding="utf-8"?>
+<file path=ppt/slides/slide4.xml><?xml version="1.0" encoding="utf-8"?>
+<p:sld xmlns:a="http://schemas.openxmlformats.org/drawingml/2006/main" xmlns:r="http://schemas.openxmlformats.org/officeDocument/2006/relationships" xmlns:p="http://schemas.openxmlformats.org/presentationml/2006/main">
+  <p:cSld>
+    <p:spTree>
+      <p:nvGrpSpPr>
+        <p:cNvPr id="1" name=""/>
+        <p:cNvGrpSpPr/>
+        <p:nvPr/>
+      </p:nvGrpSpPr>
+      <p:grpSpPr>
+        <a:xfrm>
+          <a:off x="0" y="0"/>
+          <a:ext cx="0" cy="0"/>
+          <a:chOff x="0" y="0"/>
+          <a:chExt cx="0" cy="0"/>
+        </a:xfrm>
+      </p:grpSpPr>
+      <p:sp>
+        <p:nvSpPr>
+          <p:cNvPr id="2" name="Title 1">
+            <a:extLst>
+              <a:ext uri="{FF2B5EF4-FFF2-40B4-BE49-F238E27FC236}">
+                <a16:creationId xmlns:a16="http://schemas.microsoft.com/office/drawing/2014/main" id="{39A1D606-8DD1-369C-5C09-471CDD551AD5}"/>
+              </a:ext>
+            </a:extLst>
+          </p:cNvPr>
+          <p:cNvSpPr>
+            <a:spLocks noGrp="1"/>
+          </p:cNvSpPr>
+          <p:nvPr>
+            <p:ph type="title"/>
+          </p:nvPr>
+        </p:nvSpPr>
+        <p:spPr>
+          <a:xfrm>
+            <a:off x="838200" y="365126"/>
+            <a:ext cx="10515600" cy="718608"/>
+          </a:xfrm>
+        </p:spPr>
+        <p:txBody>
+          <a:bodyPr>
+            <a:normAutofit/>
+          </a:bodyPr>
+          <a:lstStyle/>
+          <a:p>
+            <a:r>
+              <a:rPr lang="nl-NL" sz="3600" noProof="0" dirty="0"/>
+              <a:t>Overzicht ML landschap</a:t>
+            </a:r>
+          </a:p>
+        </p:txBody>
+      </p:sp>
+      <p:grpSp>
+        <p:nvGrpSpPr>
+          <p:cNvPr id="16" name="Group 15">
+            <a:extLst>
+              <a:ext uri="{FF2B5EF4-FFF2-40B4-BE49-F238E27FC236}">
+                <a16:creationId xmlns:a16="http://schemas.microsoft.com/office/drawing/2014/main" id="{BA1E66AA-A0A7-747F-3295-B5E6F5220E04}"/>
+              </a:ext>
+            </a:extLst>
+          </p:cNvPr>
+          <p:cNvGrpSpPr/>
+          <p:nvPr/>
+        </p:nvGrpSpPr>
+        <p:grpSpPr>
+          <a:xfrm>
+            <a:off x="8076049" y="1711412"/>
+            <a:ext cx="2756930" cy="1791726"/>
+            <a:chOff x="838200" y="1711410"/>
+            <a:chExt cx="2756930" cy="1791726"/>
+          </a:xfrm>
+        </p:grpSpPr>
+        <p:sp>
+          <p:nvSpPr>
+            <p:cNvPr id="6" name="Rectangle 5">
+              <a:extLst>
+                <a:ext uri="{FF2B5EF4-FFF2-40B4-BE49-F238E27FC236}">
+                  <a16:creationId xmlns:a16="http://schemas.microsoft.com/office/drawing/2014/main" id="{1D38F06A-7130-AC87-179C-0C18A1AA4CA8}"/>
+                </a:ext>
+              </a:extLst>
+            </p:cNvPr>
+            <p:cNvSpPr/>
+            <p:nvPr/>
+          </p:nvSpPr>
+          <p:spPr>
+            <a:xfrm>
+              <a:off x="838200" y="2094470"/>
+              <a:ext cx="2756930" cy="1408666"/>
+            </a:xfrm>
+            <a:prstGeom prst="rect">
+              <a:avLst/>
+            </a:prstGeom>
+          </p:spPr>
+          <p:style>
+            <a:lnRef idx="1">
+              <a:schemeClr val="accent3"/>
+            </a:lnRef>
+            <a:fillRef idx="2">
+              <a:schemeClr val="accent3"/>
+            </a:fillRef>
+            <a:effectRef idx="1">
+              <a:schemeClr val="accent3"/>
+            </a:effectRef>
+            <a:fontRef idx="minor">
+              <a:schemeClr val="dk1"/>
+            </a:fontRef>
+          </p:style>
+          <p:txBody>
+            <a:bodyPr rtlCol="0" anchor="ctr"/>
+            <a:lstStyle/>
+            <a:p>
+              <a:pPr algn="ctr"/>
+              <a:r>
+                <a:rPr lang="nl-NL" dirty="0" err="1"/>
+                <a:t>PyTorch</a:t>
+              </a:r>
+              <a:endParaRPr lang="nl-NL" dirty="0"/>
+            </a:p>
+            <a:p>
+              <a:pPr algn="ctr"/>
+              <a:r>
+                <a:rPr lang="nl-NL" dirty="0" err="1"/>
+                <a:t>Keras</a:t>
+              </a:r>
+              <a:endParaRPr lang="nl-NL" dirty="0"/>
+            </a:p>
+          </p:txBody>
+        </p:sp>
+        <p:sp>
+          <p:nvSpPr>
+            <p:cNvPr id="3" name="Rectangle 2">
+              <a:extLst>
+                <a:ext uri="{FF2B5EF4-FFF2-40B4-BE49-F238E27FC236}">
+                  <a16:creationId xmlns:a16="http://schemas.microsoft.com/office/drawing/2014/main" id="{0BCC9F7A-27F2-C61D-B926-0E68B6D7DAA4}"/>
+                </a:ext>
+              </a:extLst>
+            </p:cNvPr>
+            <p:cNvSpPr/>
+            <p:nvPr/>
+          </p:nvSpPr>
+          <p:spPr>
+            <a:xfrm>
+              <a:off x="838200" y="1711410"/>
+              <a:ext cx="2756930" cy="383059"/>
+            </a:xfrm>
+            <a:prstGeom prst="rect">
+              <a:avLst/>
+            </a:prstGeom>
+          </p:spPr>
+          <p:style>
+            <a:lnRef idx="1">
+              <a:schemeClr val="accent4"/>
+            </a:lnRef>
+            <a:fillRef idx="2">
+              <a:schemeClr val="accent4"/>
+            </a:fillRef>
+            <a:effectRef idx="1">
+              <a:schemeClr val="accent4"/>
+            </a:effectRef>
+            <a:fontRef idx="minor">
+              <a:schemeClr val="dk1"/>
+            </a:fontRef>
+          </p:style>
+          <p:txBody>
+            <a:bodyPr rtlCol="0" anchor="t"/>
+            <a:lstStyle/>
+            <a:p>
+              <a:pPr algn="ctr"/>
+              <a:r>
+                <a:rPr lang="nl-NL" b="1" dirty="0" err="1"/>
+                <a:t>Deep</a:t>
+              </a:r>
+              <a:r>
+                <a:rPr lang="nl-NL" b="1" dirty="0"/>
+                <a:t> Learning</a:t>
+              </a:r>
+            </a:p>
+          </p:txBody>
+        </p:sp>
+      </p:grpSp>
+      <p:grpSp>
+        <p:nvGrpSpPr>
+          <p:cNvPr id="17" name="Group 16">
+            <a:extLst>
+              <a:ext uri="{FF2B5EF4-FFF2-40B4-BE49-F238E27FC236}">
+                <a16:creationId xmlns:a16="http://schemas.microsoft.com/office/drawing/2014/main" id="{E0DF0368-47EB-A9DC-B3CC-1B3CA1E64867}"/>
+              </a:ext>
+            </a:extLst>
+          </p:cNvPr>
+          <p:cNvGrpSpPr/>
+          <p:nvPr/>
+        </p:nvGrpSpPr>
+        <p:grpSpPr>
+          <a:xfrm>
+            <a:off x="4643394" y="1711412"/>
+            <a:ext cx="2756931" cy="1791722"/>
+            <a:chOff x="4643394" y="1711412"/>
+            <a:chExt cx="2756931" cy="1791722"/>
+          </a:xfrm>
+        </p:grpSpPr>
+        <p:sp>
+          <p:nvSpPr>
+            <p:cNvPr id="7" name="Rectangle 6">
+              <a:extLst>
+                <a:ext uri="{FF2B5EF4-FFF2-40B4-BE49-F238E27FC236}">
+                  <a16:creationId xmlns:a16="http://schemas.microsoft.com/office/drawing/2014/main" id="{4FCD6A8C-29D6-E5C6-1838-8B707C443CD5}"/>
+                </a:ext>
+              </a:extLst>
+            </p:cNvPr>
+            <p:cNvSpPr/>
+            <p:nvPr/>
+          </p:nvSpPr>
+          <p:spPr>
+            <a:xfrm>
+              <a:off x="4643394" y="1711412"/>
+              <a:ext cx="2756931" cy="383057"/>
+            </a:xfrm>
+            <a:prstGeom prst="rect">
+              <a:avLst/>
+            </a:prstGeom>
+          </p:spPr>
+          <p:style>
+            <a:lnRef idx="1">
+              <a:schemeClr val="accent6"/>
+            </a:lnRef>
+            <a:fillRef idx="2">
+              <a:schemeClr val="accent6"/>
+            </a:fillRef>
+            <a:effectRef idx="1">
+              <a:schemeClr val="accent6"/>
+            </a:effectRef>
+            <a:fontRef idx="minor">
+              <a:schemeClr val="dk1"/>
+            </a:fontRef>
+          </p:style>
+          <p:txBody>
+            <a:bodyPr rtlCol="0" anchor="t"/>
+            <a:lstStyle/>
+            <a:p>
+              <a:pPr algn="ctr"/>
+              <a:r>
+                <a:rPr lang="nl-NL" dirty="0"/>
+                <a:t>Machine Learning</a:t>
+              </a:r>
+            </a:p>
+          </p:txBody>
+        </p:sp>
+        <p:sp>
+          <p:nvSpPr>
+            <p:cNvPr id="4" name="Rectangle 3">
+              <a:extLst>
+                <a:ext uri="{FF2B5EF4-FFF2-40B4-BE49-F238E27FC236}">
+                  <a16:creationId xmlns:a16="http://schemas.microsoft.com/office/drawing/2014/main" id="{2C38E716-E909-96D4-4449-564CCA453D46}"/>
+                </a:ext>
+              </a:extLst>
+            </p:cNvPr>
+            <p:cNvSpPr/>
+            <p:nvPr/>
+          </p:nvSpPr>
+          <p:spPr>
+            <a:xfrm>
+              <a:off x="4643394" y="2094469"/>
+              <a:ext cx="2756931" cy="1408665"/>
+            </a:xfrm>
+            <a:prstGeom prst="rect">
+              <a:avLst/>
+            </a:prstGeom>
+          </p:spPr>
+          <p:style>
+            <a:lnRef idx="1">
+              <a:schemeClr val="accent3"/>
+            </a:lnRef>
+            <a:fillRef idx="2">
+              <a:schemeClr val="accent3"/>
+            </a:fillRef>
+            <a:effectRef idx="1">
+              <a:schemeClr val="accent3"/>
+            </a:effectRef>
+            <a:fontRef idx="minor">
+              <a:schemeClr val="dk1"/>
+            </a:fontRef>
+          </p:style>
+          <p:txBody>
+            <a:bodyPr rtlCol="0" anchor="ctr"/>
+            <a:lstStyle/>
+            <a:p>
+              <a:pPr algn="ctr"/>
+              <a:r>
+                <a:rPr lang="nl-NL" dirty="0" err="1"/>
+                <a:t>scikit-learn</a:t>
+              </a:r>
+              <a:endParaRPr lang="nl-NL" dirty="0"/>
+            </a:p>
+            <a:p>
+              <a:pPr algn="ctr"/>
+              <a:r>
+                <a:rPr lang="nl-NL" dirty="0" err="1"/>
+                <a:t>LightGBM</a:t>
+              </a:r>
+              <a:endParaRPr lang="nl-NL" dirty="0"/>
+            </a:p>
+          </p:txBody>
+        </p:sp>
+      </p:grpSp>
+      <p:grpSp>
+        <p:nvGrpSpPr>
+          <p:cNvPr id="18" name="Group 17">
+            <a:extLst>
+              <a:ext uri="{FF2B5EF4-FFF2-40B4-BE49-F238E27FC236}">
+                <a16:creationId xmlns:a16="http://schemas.microsoft.com/office/drawing/2014/main" id="{90991C0E-5769-BE9C-7A45-FF1D2E979AAF}"/>
+              </a:ext>
+            </a:extLst>
+          </p:cNvPr>
+          <p:cNvGrpSpPr/>
+          <p:nvPr/>
+        </p:nvGrpSpPr>
+        <p:grpSpPr>
+          <a:xfrm>
+            <a:off x="1210739" y="1711412"/>
+            <a:ext cx="2756931" cy="1791722"/>
+            <a:chOff x="8448589" y="1711411"/>
+            <a:chExt cx="2756931" cy="1791722"/>
+          </a:xfrm>
+        </p:grpSpPr>
+        <p:sp>
+          <p:nvSpPr>
+            <p:cNvPr id="10" name="Rectangle 9">
+              <a:extLst>
+                <a:ext uri="{FF2B5EF4-FFF2-40B4-BE49-F238E27FC236}">
+                  <a16:creationId xmlns:a16="http://schemas.microsoft.com/office/drawing/2014/main" id="{06AA83AA-E066-ABF0-626E-4AF185EBD422}"/>
+                </a:ext>
+              </a:extLst>
+            </p:cNvPr>
+            <p:cNvSpPr/>
+            <p:nvPr/>
+          </p:nvSpPr>
+          <p:spPr>
+            <a:xfrm>
+              <a:off x="8448589" y="1711411"/>
+              <a:ext cx="2756930" cy="383057"/>
+            </a:xfrm>
+            <a:prstGeom prst="rect">
+              <a:avLst/>
+            </a:prstGeom>
+          </p:spPr>
+          <p:style>
+            <a:lnRef idx="1">
+              <a:schemeClr val="accent5"/>
+            </a:lnRef>
+            <a:fillRef idx="2">
+              <a:schemeClr val="accent5"/>
+            </a:fillRef>
+            <a:effectRef idx="1">
+              <a:schemeClr val="accent5"/>
+            </a:effectRef>
+            <a:fontRef idx="minor">
+              <a:schemeClr val="dk1"/>
+            </a:fontRef>
+          </p:style>
+          <p:txBody>
+            <a:bodyPr rtlCol="0" anchor="t"/>
+            <a:lstStyle/>
+            <a:p>
+              <a:pPr algn="ctr"/>
+              <a:r>
+                <a:rPr lang="nl-NL" dirty="0"/>
+                <a:t>Statistiek</a:t>
+              </a:r>
+            </a:p>
+          </p:txBody>
+        </p:sp>
+        <p:sp>
+          <p:nvSpPr>
+            <p:cNvPr id="9" name="Rectangle 8">
+              <a:extLst>
+                <a:ext uri="{FF2B5EF4-FFF2-40B4-BE49-F238E27FC236}">
+                  <a16:creationId xmlns:a16="http://schemas.microsoft.com/office/drawing/2014/main" id="{5812AC52-D6EC-F3C4-889C-01479D3B8644}"/>
+                </a:ext>
+              </a:extLst>
+            </p:cNvPr>
+            <p:cNvSpPr/>
+            <p:nvPr/>
+          </p:nvSpPr>
+          <p:spPr>
+            <a:xfrm>
+              <a:off x="8448589" y="2094468"/>
+              <a:ext cx="2756931" cy="1408665"/>
+            </a:xfrm>
+            <a:prstGeom prst="rect">
+              <a:avLst/>
+            </a:prstGeom>
+          </p:spPr>
+          <p:style>
+            <a:lnRef idx="1">
+              <a:schemeClr val="accent3"/>
+            </a:lnRef>
+            <a:fillRef idx="2">
+              <a:schemeClr val="accent3"/>
+            </a:fillRef>
+            <a:effectRef idx="1">
+              <a:schemeClr val="accent3"/>
+            </a:effectRef>
+            <a:fontRef idx="minor">
+              <a:schemeClr val="dk1"/>
+            </a:fontRef>
+          </p:style>
+          <p:txBody>
+            <a:bodyPr rtlCol="0" anchor="ctr"/>
+            <a:lstStyle/>
+            <a:p>
+              <a:pPr algn="ctr"/>
+              <a:r>
+                <a:rPr lang="nl-NL" dirty="0" err="1"/>
+                <a:t>statsmodels</a:t>
+              </a:r>
+              <a:endParaRPr lang="nl-NL" dirty="0"/>
+            </a:p>
+            <a:p>
+              <a:pPr algn="ctr"/>
+              <a:r>
+                <a:rPr lang="nl-NL" dirty="0" err="1"/>
+                <a:t>scipy</a:t>
+              </a:r>
+              <a:endParaRPr lang="nl-NL" dirty="0"/>
+            </a:p>
+          </p:txBody>
+        </p:sp>
+      </p:grpSp>
+      <p:cxnSp>
+        <p:nvCxnSpPr>
+          <p:cNvPr id="8" name="Straight Arrow Connector 7">
+            <a:extLst>
+              <a:ext uri="{FF2B5EF4-FFF2-40B4-BE49-F238E27FC236}">
+                <a16:creationId xmlns:a16="http://schemas.microsoft.com/office/drawing/2014/main" id="{6375CAA6-3461-D17A-D9A6-2304019D8466}"/>
+              </a:ext>
+            </a:extLst>
+          </p:cNvPr>
+          <p:cNvCxnSpPr>
+            <a:cxnSpLocks/>
+          </p:cNvCxnSpPr>
+          <p:nvPr/>
+        </p:nvCxnSpPr>
+        <p:spPr>
+          <a:xfrm>
+            <a:off x="1210739" y="4118672"/>
+            <a:ext cx="9622240" cy="0"/>
+          </a:xfrm>
+          <a:prstGeom prst="straightConnector1">
+            <a:avLst/>
+          </a:prstGeom>
+          <a:ln>
+            <a:headEnd type="none" w="lg" len="lg"/>
+            <a:tailEnd type="triangle" w="lg" len="lg"/>
+          </a:ln>
+        </p:spPr>
+        <p:style>
+          <a:lnRef idx="2">
+            <a:schemeClr val="dk1"/>
+          </a:lnRef>
+          <a:fillRef idx="0">
+            <a:schemeClr val="dk1"/>
+          </a:fillRef>
+          <a:effectRef idx="1">
+            <a:schemeClr val="dk1"/>
+          </a:effectRef>
+          <a:fontRef idx="minor">
+            <a:schemeClr val="tx1"/>
+          </a:fontRef>
+        </p:style>
+      </p:cxnSp>
+      <p:sp>
+        <p:nvSpPr>
+          <p:cNvPr id="19" name="TextBox 18">
+            <a:extLst>
+              <a:ext uri="{FF2B5EF4-FFF2-40B4-BE49-F238E27FC236}">
+                <a16:creationId xmlns:a16="http://schemas.microsoft.com/office/drawing/2014/main" id="{72F1BCE1-B698-3A93-E90A-113B364B3AFE}"/>
+              </a:ext>
+            </a:extLst>
+          </p:cNvPr>
+          <p:cNvSpPr txBox="1"/>
+          <p:nvPr/>
+        </p:nvSpPr>
+        <p:spPr>
+          <a:xfrm>
+            <a:off x="1210738" y="3685485"/>
+            <a:ext cx="9622240" cy="369332"/>
+          </a:xfrm>
+          <a:prstGeom prst="rect">
+            <a:avLst/>
+          </a:prstGeom>
+          <a:noFill/>
+        </p:spPr>
+        <p:txBody>
+          <a:bodyPr wrap="square" rtlCol="0">
+            <a:spAutoFit/>
+          </a:bodyPr>
+          <a:lstStyle/>
+          <a:p>
+            <a:pPr algn="ctr"/>
+            <a:r>
+              <a:rPr lang="nl-NL" dirty="0"/>
+              <a:t>Complexiteit modellen</a:t>
+            </a:r>
+          </a:p>
+        </p:txBody>
+      </p:sp>
+      <p:sp>
+        <p:nvSpPr>
+          <p:cNvPr id="20" name="TextBox 19">
+            <a:extLst>
+              <a:ext uri="{FF2B5EF4-FFF2-40B4-BE49-F238E27FC236}">
+                <a16:creationId xmlns:a16="http://schemas.microsoft.com/office/drawing/2014/main" id="{2922F921-723B-5393-646C-CAC75091C053}"/>
+              </a:ext>
+            </a:extLst>
+          </p:cNvPr>
+          <p:cNvSpPr txBox="1"/>
+          <p:nvPr/>
+        </p:nvSpPr>
+        <p:spPr>
+          <a:xfrm>
+            <a:off x="1201730" y="4304392"/>
+            <a:ext cx="2216825" cy="1477328"/>
+          </a:xfrm>
+          <a:prstGeom prst="rect">
+            <a:avLst/>
+          </a:prstGeom>
+          <a:noFill/>
+        </p:spPr>
+        <p:txBody>
+          <a:bodyPr wrap="none" rtlCol="0">
+            <a:spAutoFit/>
+          </a:bodyPr>
+          <a:lstStyle/>
+          <a:p>
+            <a:r>
+              <a:rPr lang="nl-NL" dirty="0"/>
+              <a:t>Kleine datasets</a:t>
+            </a:r>
+          </a:p>
+          <a:p>
+            <a:endParaRPr lang="nl-NL" dirty="0"/>
+          </a:p>
+          <a:p>
+            <a:r>
+              <a:rPr lang="nl-NL" dirty="0"/>
+              <a:t>Gestructureerde data</a:t>
+            </a:r>
+          </a:p>
+          <a:p>
+            <a:endParaRPr lang="nl-NL" dirty="0"/>
+          </a:p>
+          <a:p>
+            <a:r>
+              <a:rPr lang="nl-NL" dirty="0"/>
+              <a:t>Begrijpelijk</a:t>
+            </a:r>
+          </a:p>
+        </p:txBody>
+      </p:sp>
+      <p:sp>
+        <p:nvSpPr>
+          <p:cNvPr id="21" name="TextBox 20">
+            <a:extLst>
+              <a:ext uri="{FF2B5EF4-FFF2-40B4-BE49-F238E27FC236}">
+                <a16:creationId xmlns:a16="http://schemas.microsoft.com/office/drawing/2014/main" id="{3D2123A2-80E5-F3E7-1C0B-8C21DBE90121}"/>
+              </a:ext>
+            </a:extLst>
+          </p:cNvPr>
+          <p:cNvSpPr txBox="1"/>
+          <p:nvPr/>
+        </p:nvSpPr>
+        <p:spPr>
+          <a:xfrm>
+            <a:off x="8388495" y="4306998"/>
+            <a:ext cx="2454838" cy="1477328"/>
+          </a:xfrm>
+          <a:prstGeom prst="rect">
+            <a:avLst/>
+          </a:prstGeom>
+          <a:noFill/>
+        </p:spPr>
+        <p:txBody>
+          <a:bodyPr wrap="none" rtlCol="0">
+            <a:spAutoFit/>
+          </a:bodyPr>
+          <a:lstStyle/>
+          <a:p>
+            <a:pPr algn="r"/>
+            <a:r>
+              <a:rPr lang="nl-NL" dirty="0"/>
+              <a:t>Grote datasets</a:t>
+            </a:r>
+          </a:p>
+          <a:p>
+            <a:pPr algn="r"/>
+            <a:endParaRPr lang="nl-NL" dirty="0"/>
+          </a:p>
+          <a:p>
+            <a:pPr algn="r"/>
+            <a:r>
+              <a:rPr lang="nl-NL" dirty="0"/>
+              <a:t>Ongestructureerde data</a:t>
+            </a:r>
+          </a:p>
+          <a:p>
+            <a:pPr algn="r"/>
+            <a:endParaRPr lang="nl-NL" dirty="0"/>
+          </a:p>
+          <a:p>
+            <a:pPr algn="r"/>
+            <a:r>
+              <a:rPr lang="nl-NL" dirty="0"/>
+              <a:t>"Black box"</a:t>
+            </a:r>
+          </a:p>
+        </p:txBody>
+      </p:sp>
+    </p:spTree>
+    <p:extLst>
+      <p:ext uri="{BB962C8B-B14F-4D97-AF65-F5344CB8AC3E}">
+        <p14:creationId xmlns:p14="http://schemas.microsoft.com/office/powerpoint/2010/main" val="2346225741"/>
+      </p:ext>
+    </p:extLst>
+  </p:cSld>
+  <p:clrMapOvr>
+    <a:masterClrMapping/>
+  </p:clrMapOvr>
+</p:sld>
+</file>
+
+<file path=ppt/slides/slide40.xml><?xml version="1.0" encoding="utf-8"?>
 <p:sld xmlns:a="http://schemas.openxmlformats.org/drawingml/2006/main" xmlns:r="http://schemas.openxmlformats.org/officeDocument/2006/relationships" xmlns:p="http://schemas.openxmlformats.org/presentationml/2006/main">
   <p:cSld>
     <p:spTree>
@@ -23311,7 +23141,7 @@
 </p:sld>
 </file>
 
-<file path=ppt/slides/slide42.xml><?xml version="1.0" encoding="utf-8"?>
+<file path=ppt/slides/slide41.xml><?xml version="1.0" encoding="utf-8"?>
 <p:sld xmlns:a="http://schemas.openxmlformats.org/drawingml/2006/main" xmlns:r="http://schemas.openxmlformats.org/officeDocument/2006/relationships" xmlns:p="http://schemas.openxmlformats.org/presentationml/2006/main">
   <p:cSld>
     <p:spTree>
@@ -23901,7 +23731,7 @@
 </p:sld>
 </file>
 
-<file path=ppt/slides/slide43.xml><?xml version="1.0" encoding="utf-8"?>
+<file path=ppt/slides/slide42.xml><?xml version="1.0" encoding="utf-8"?>
 <p:sld xmlns:a="http://schemas.openxmlformats.org/drawingml/2006/main" xmlns:r="http://schemas.openxmlformats.org/officeDocument/2006/relationships" xmlns:p="http://schemas.openxmlformats.org/presentationml/2006/main">
   <p:cSld>
     <p:spTree>
@@ -24042,7 +23872,7 @@
             </a:pPr>
             <a:r>
               <a:rPr lang="nl-NL" sz="2000" dirty="0"/>
-              <a:t>Optelsom model gewicht * individuele waarde.</a:t>
+              <a:t>Optelsom model gewichten * kenmerken.</a:t>
             </a:r>
           </a:p>
           <a:p>
@@ -24130,7 +23960,7 @@
 </p:sld>
 </file>
 
-<file path=ppt/slides/slide44.xml><?xml version="1.0" encoding="utf-8"?>
+<file path=ppt/slides/slide43.xml><?xml version="1.0" encoding="utf-8"?>
 <p:sld xmlns:a="http://schemas.openxmlformats.org/drawingml/2006/main" xmlns:r="http://schemas.openxmlformats.org/officeDocument/2006/relationships" xmlns:p="http://schemas.openxmlformats.org/presentationml/2006/main">
   <p:cSld>
     <p:spTree>
@@ -24878,7 +24708,7 @@
 </p:sld>
 </file>
 
-<file path=ppt/slides/slide45.xml><?xml version="1.0" encoding="utf-8"?>
+<file path=ppt/slides/slide44.xml><?xml version="1.0" encoding="utf-8"?>
 <p:sld xmlns:a="http://schemas.openxmlformats.org/drawingml/2006/main" xmlns:r="http://schemas.openxmlformats.org/officeDocument/2006/relationships" xmlns:p="http://schemas.openxmlformats.org/presentationml/2006/main">
   <p:cSld>
     <p:spTree>
@@ -25832,7 +25662,7 @@
 </p:sld>
 </file>
 
-<file path=ppt/slides/slide46.xml><?xml version="1.0" encoding="utf-8"?>
+<file path=ppt/slides/slide45.xml><?xml version="1.0" encoding="utf-8"?>
 <p:sld xmlns:a="http://schemas.openxmlformats.org/drawingml/2006/main" xmlns:r="http://schemas.openxmlformats.org/officeDocument/2006/relationships" xmlns:p="http://schemas.openxmlformats.org/presentationml/2006/main">
   <p:cSld>
     <p:spTree>
@@ -25879,15 +25709,199 @@
           <a:p>
             <a:r>
               <a:rPr lang="nl-NL" sz="3600" noProof="0" dirty="0"/>
-              <a:t>Eerlijke modellen</a:t>
+              <a:t>Tot slot…</a:t>
             </a:r>
           </a:p>
         </p:txBody>
       </p:sp>
+      <p:sp>
+        <p:nvSpPr>
+          <p:cNvPr id="4" name="Content Placeholder 2">
+            <a:extLst>
+              <a:ext uri="{FF2B5EF4-FFF2-40B4-BE49-F238E27FC236}">
+                <a16:creationId xmlns:a16="http://schemas.microsoft.com/office/drawing/2014/main" id="{AC422D07-85B1-AD56-723C-68A212DFB7BF}"/>
+              </a:ext>
+            </a:extLst>
+          </p:cNvPr>
+          <p:cNvSpPr>
+            <a:spLocks noGrp="1"/>
+          </p:cNvSpPr>
+          <p:nvPr>
+            <p:ph idx="1"/>
+          </p:nvPr>
+        </p:nvSpPr>
+        <p:spPr>
+          <a:xfrm>
+            <a:off x="838201" y="1456267"/>
+            <a:ext cx="6756778" cy="4720696"/>
+          </a:xfrm>
+        </p:spPr>
+        <p:txBody>
+          <a:bodyPr>
+            <a:noAutofit/>
+          </a:bodyPr>
+          <a:lstStyle/>
+          <a:p>
+            <a:pPr marL="0" indent="0">
+              <a:buNone/>
+            </a:pPr>
+            <a:r>
+              <a:rPr lang="nl-NL" sz="2000" b="1" dirty="0"/>
+              <a:t>Begrijp de </a:t>
+            </a:r>
+            <a:r>
+              <a:rPr lang="nl-NL" sz="2000" b="1" dirty="0" err="1"/>
+              <a:t>use</a:t>
+            </a:r>
+            <a:r>
+              <a:rPr lang="nl-NL" sz="2000" b="1" dirty="0"/>
+              <a:t> case:</a:t>
+            </a:r>
+          </a:p>
+          <a:p>
+            <a:pPr>
+              <a:buFontTx/>
+              <a:buChar char="-"/>
+            </a:pPr>
+            <a:r>
+              <a:rPr lang="nl-NL" sz="2000" dirty="0"/>
+              <a:t>Wat is de (echte) vraag?</a:t>
+            </a:r>
+          </a:p>
+          <a:p>
+            <a:pPr>
+              <a:buFontTx/>
+              <a:buChar char="-"/>
+            </a:pPr>
+            <a:r>
+              <a:rPr lang="nl-NL" sz="2000" dirty="0"/>
+              <a:t>Wat zijn de </a:t>
+            </a:r>
+            <a:r>
+              <a:rPr lang="nl-NL" sz="2000" dirty="0" err="1"/>
+              <a:t>hypothesese</a:t>
+            </a:r>
+            <a:r>
+              <a:rPr lang="nl-NL" sz="2000" dirty="0"/>
+              <a:t> en zijn ze meetbaar?</a:t>
+            </a:r>
+          </a:p>
+          <a:p>
+            <a:pPr marL="0" indent="0">
+              <a:buNone/>
+            </a:pPr>
+            <a:endParaRPr lang="nl-NL" sz="2000" dirty="0"/>
+          </a:p>
+          <a:p>
+            <a:pPr marL="0" indent="0">
+              <a:buNone/>
+            </a:pPr>
+            <a:r>
+              <a:rPr lang="nl-NL" sz="2000" b="1" dirty="0"/>
+              <a:t>Data is altijd de sleutel tot succes:</a:t>
+            </a:r>
+          </a:p>
+          <a:p>
+            <a:pPr>
+              <a:buFontTx/>
+              <a:buChar char="-"/>
+            </a:pPr>
+            <a:r>
+              <a:rPr lang="nl-NL" sz="2000" dirty="0"/>
+              <a:t>Belangrijker dan algoritme.</a:t>
+            </a:r>
+          </a:p>
+          <a:p>
+            <a:pPr>
+              <a:buFontTx/>
+              <a:buChar char="-"/>
+            </a:pPr>
+            <a:r>
+              <a:rPr lang="nl-NL" sz="2000" dirty="0"/>
+              <a:t>Vaak een ondergeschoven kindje.</a:t>
+            </a:r>
+          </a:p>
+          <a:p>
+            <a:pPr>
+              <a:buFontTx/>
+              <a:buChar char="-"/>
+            </a:pPr>
+            <a:r>
+              <a:rPr lang="nl-NL" sz="2000" dirty="0"/>
+              <a:t>Zorg dat je de data door en door kent.</a:t>
+            </a:r>
+          </a:p>
+          <a:p>
+            <a:pPr marL="0" indent="0">
+              <a:buNone/>
+            </a:pPr>
+            <a:endParaRPr lang="nl-NL" sz="2000" dirty="0"/>
+          </a:p>
+          <a:p>
+            <a:pPr marL="0" indent="0">
+              <a:buNone/>
+            </a:pPr>
+            <a:r>
+              <a:rPr lang="nl-NL" sz="2000" b="1" dirty="0"/>
+              <a:t>Maak een plan voor de uitrol:</a:t>
+            </a:r>
+          </a:p>
+          <a:p>
+            <a:pPr>
+              <a:buFontTx/>
+              <a:buChar char="-"/>
+            </a:pPr>
+            <a:r>
+              <a:rPr lang="nl-NL" sz="2000" dirty="0"/>
+              <a:t>Naar productie is lastig; begin er op tijd aan!</a:t>
+            </a:r>
+          </a:p>
+          <a:p>
+            <a:pPr>
+              <a:buFontTx/>
+              <a:buChar char="-"/>
+            </a:pPr>
+            <a:r>
+              <a:rPr lang="nl-NL" sz="2000" dirty="0"/>
+              <a:t>Schets realistische verwachtingen.</a:t>
+            </a:r>
+          </a:p>
+        </p:txBody>
+      </p:sp>
+      <p:pic>
+        <p:nvPicPr>
+          <p:cNvPr id="9" name="Picture 8">
+            <a:extLst>
+              <a:ext uri="{FF2B5EF4-FFF2-40B4-BE49-F238E27FC236}">
+                <a16:creationId xmlns:a16="http://schemas.microsoft.com/office/drawing/2014/main" id="{D8309383-7F85-6E7A-F6E3-9B31129E743A}"/>
+              </a:ext>
+            </a:extLst>
+          </p:cNvPr>
+          <p:cNvPicPr>
+            <a:picLocks noChangeAspect="1"/>
+          </p:cNvPicPr>
+          <p:nvPr/>
+        </p:nvPicPr>
+        <p:blipFill>
+          <a:blip r:embed="rId2"/>
+          <a:stretch>
+            <a:fillRect/>
+          </a:stretch>
+        </p:blipFill>
+        <p:spPr>
+          <a:xfrm rot="966370">
+            <a:off x="8507961" y="3320327"/>
+            <a:ext cx="2834951" cy="2834951"/>
+          </a:xfrm>
+          <a:prstGeom prst="rect">
+            <a:avLst/>
+          </a:prstGeom>
+        </p:spPr>
+      </p:pic>
     </p:spTree>
     <p:extLst>
       <p:ext uri="{BB962C8B-B14F-4D97-AF65-F5344CB8AC3E}">
-        <p14:creationId xmlns:p14="http://schemas.microsoft.com/office/powerpoint/2010/main" val="2066240224"/>
+        <p14:creationId xmlns:p14="http://schemas.microsoft.com/office/powerpoint/2010/main" val="3207255313"/>
       </p:ext>
     </p:extLst>
   </p:cSld>
@@ -27387,617 +27401,6 @@
 </file>
 
 <file path=ppt/slides/slide8.xml><?xml version="1.0" encoding="utf-8"?>
-<p:sld xmlns:a="http://schemas.openxmlformats.org/drawingml/2006/main" xmlns:r="http://schemas.openxmlformats.org/officeDocument/2006/relationships" xmlns:p="http://schemas.openxmlformats.org/presentationml/2006/main" show="0">
-  <p:cSld>
-    <p:spTree>
-      <p:nvGrpSpPr>
-        <p:cNvPr id="1" name=""/>
-        <p:cNvGrpSpPr/>
-        <p:nvPr/>
-      </p:nvGrpSpPr>
-      <p:grpSpPr>
-        <a:xfrm>
-          <a:off x="0" y="0"/>
-          <a:ext cx="0" cy="0"/>
-          <a:chOff x="0" y="0"/>
-          <a:chExt cx="0" cy="0"/>
-        </a:xfrm>
-      </p:grpSpPr>
-      <p:sp>
-        <p:nvSpPr>
-          <p:cNvPr id="2" name="Title 1">
-            <a:extLst>
-              <a:ext uri="{FF2B5EF4-FFF2-40B4-BE49-F238E27FC236}">
-                <a16:creationId xmlns:a16="http://schemas.microsoft.com/office/drawing/2014/main" id="{39A1D606-8DD1-369C-5C09-471CDD551AD5}"/>
-              </a:ext>
-            </a:extLst>
-          </p:cNvPr>
-          <p:cNvSpPr>
-            <a:spLocks noGrp="1"/>
-          </p:cNvSpPr>
-          <p:nvPr>
-            <p:ph type="title"/>
-          </p:nvPr>
-        </p:nvSpPr>
-        <p:spPr>
-          <a:xfrm>
-            <a:off x="838200" y="365126"/>
-            <a:ext cx="10515600" cy="718608"/>
-          </a:xfrm>
-        </p:spPr>
-        <p:txBody>
-          <a:bodyPr>
-            <a:normAutofit/>
-          </a:bodyPr>
-          <a:lstStyle/>
-          <a:p>
-            <a:r>
-              <a:rPr lang="nl-NL" sz="3600" noProof="0" dirty="0" err="1"/>
-              <a:t>Scikit-learn</a:t>
-            </a:r>
-            <a:r>
-              <a:rPr lang="nl-NL" sz="3600" noProof="0" dirty="0"/>
-              <a:t> API</a:t>
-            </a:r>
-          </a:p>
-        </p:txBody>
-      </p:sp>
-      <p:sp>
-        <p:nvSpPr>
-          <p:cNvPr id="6" name="Rectangle 5">
-            <a:extLst>
-              <a:ext uri="{FF2B5EF4-FFF2-40B4-BE49-F238E27FC236}">
-                <a16:creationId xmlns:a16="http://schemas.microsoft.com/office/drawing/2014/main" id="{1D38F06A-7130-AC87-179C-0C18A1AA4CA8}"/>
-              </a:ext>
-            </a:extLst>
-          </p:cNvPr>
-          <p:cNvSpPr/>
-          <p:nvPr/>
-        </p:nvSpPr>
-        <p:spPr>
-          <a:xfrm>
-            <a:off x="838200" y="1373512"/>
-            <a:ext cx="2423984" cy="1610646"/>
-          </a:xfrm>
-          <a:prstGeom prst="rect">
-            <a:avLst/>
-          </a:prstGeom>
-        </p:spPr>
-        <p:style>
-          <a:lnRef idx="1">
-            <a:schemeClr val="accent4"/>
-          </a:lnRef>
-          <a:fillRef idx="2">
-            <a:schemeClr val="accent4"/>
-          </a:fillRef>
-          <a:effectRef idx="1">
-            <a:schemeClr val="accent4"/>
-          </a:effectRef>
-          <a:fontRef idx="minor">
-            <a:schemeClr val="dk1"/>
-          </a:fontRef>
-        </p:style>
-        <p:txBody>
-          <a:bodyPr rtlCol="0" anchor="t"/>
-          <a:lstStyle/>
-          <a:p>
-            <a:pPr algn="ctr"/>
-            <a:r>
-              <a:rPr lang="nl-NL" b="1"/>
-              <a:t>Data preparatie</a:t>
-            </a:r>
-          </a:p>
-          <a:p>
-            <a:pPr algn="ctr"/>
-            <a:endParaRPr lang="nl-NL"/>
-          </a:p>
-          <a:p>
-            <a:pPr marL="285750" indent="-285750">
-              <a:buFont typeface="Arial" panose="020B0604020202020204" pitchFamily="34" charset="0"/>
-              <a:buChar char="•"/>
-            </a:pPr>
-            <a:r>
-              <a:rPr lang="nl-NL"/>
-              <a:t>preprocessing</a:t>
-            </a:r>
-          </a:p>
-          <a:p>
-            <a:pPr marL="285750" indent="-285750">
-              <a:buFont typeface="Arial" panose="020B0604020202020204" pitchFamily="34" charset="0"/>
-              <a:buChar char="•"/>
-            </a:pPr>
-            <a:r>
-              <a:rPr lang="nl-NL"/>
-              <a:t>feature_extraction</a:t>
-            </a:r>
-          </a:p>
-          <a:p>
-            <a:pPr marL="285750" indent="-285750">
-              <a:buFont typeface="Arial" panose="020B0604020202020204" pitchFamily="34" charset="0"/>
-              <a:buChar char="•"/>
-            </a:pPr>
-            <a:r>
-              <a:rPr lang="nl-NL"/>
-              <a:t>impute</a:t>
-            </a:r>
-          </a:p>
-        </p:txBody>
-      </p:sp>
-      <p:sp>
-        <p:nvSpPr>
-          <p:cNvPr id="7" name="Rectangle 6">
-            <a:extLst>
-              <a:ext uri="{FF2B5EF4-FFF2-40B4-BE49-F238E27FC236}">
-                <a16:creationId xmlns:a16="http://schemas.microsoft.com/office/drawing/2014/main" id="{4FCD6A8C-29D6-E5C6-1838-8B707C443CD5}"/>
-              </a:ext>
-            </a:extLst>
-          </p:cNvPr>
-          <p:cNvSpPr/>
-          <p:nvPr/>
-        </p:nvSpPr>
-        <p:spPr>
-          <a:xfrm>
-            <a:off x="3535405" y="2507635"/>
-            <a:ext cx="2423984" cy="1610646"/>
-          </a:xfrm>
-          <a:prstGeom prst="rect">
-            <a:avLst/>
-          </a:prstGeom>
-        </p:spPr>
-        <p:style>
-          <a:lnRef idx="1">
-            <a:schemeClr val="accent5"/>
-          </a:lnRef>
-          <a:fillRef idx="2">
-            <a:schemeClr val="accent5"/>
-          </a:fillRef>
-          <a:effectRef idx="1">
-            <a:schemeClr val="accent5"/>
-          </a:effectRef>
-          <a:fontRef idx="minor">
-            <a:schemeClr val="dk1"/>
-          </a:fontRef>
-        </p:style>
-        <p:txBody>
-          <a:bodyPr rtlCol="0" anchor="t"/>
-          <a:lstStyle/>
-          <a:p>
-            <a:pPr algn="ctr"/>
-            <a:r>
-              <a:rPr lang="nl-NL" b="1"/>
-              <a:t>Model trainen</a:t>
-            </a:r>
-            <a:endParaRPr lang="nl-NL"/>
-          </a:p>
-          <a:p>
-            <a:pPr algn="ctr"/>
-            <a:endParaRPr lang="nl-NL" b="1"/>
-          </a:p>
-          <a:p>
-            <a:pPr marL="285750" indent="-285750">
-              <a:buFont typeface="Arial" panose="020B0604020202020204" pitchFamily="34" charset="0"/>
-              <a:buChar char="•"/>
-            </a:pPr>
-            <a:r>
-              <a:rPr lang="nl-NL"/>
-              <a:t>linear_model</a:t>
-            </a:r>
-          </a:p>
-          <a:p>
-            <a:pPr marL="285750" indent="-285750">
-              <a:buFont typeface="Arial" panose="020B0604020202020204" pitchFamily="34" charset="0"/>
-              <a:buChar char="•"/>
-            </a:pPr>
-            <a:r>
-              <a:rPr lang="nl-NL"/>
-              <a:t>ensemble</a:t>
-            </a:r>
-          </a:p>
-          <a:p>
-            <a:pPr marL="285750" indent="-285750">
-              <a:buFont typeface="Arial" panose="020B0604020202020204" pitchFamily="34" charset="0"/>
-              <a:buChar char="•"/>
-            </a:pPr>
-            <a:r>
-              <a:rPr lang="nl-NL"/>
-              <a:t>cluster</a:t>
-            </a:r>
-          </a:p>
-        </p:txBody>
-      </p:sp>
-      <p:sp>
-        <p:nvSpPr>
-          <p:cNvPr id="10" name="Rectangle 9">
-            <a:extLst>
-              <a:ext uri="{FF2B5EF4-FFF2-40B4-BE49-F238E27FC236}">
-                <a16:creationId xmlns:a16="http://schemas.microsoft.com/office/drawing/2014/main" id="{06AA83AA-E066-ABF0-626E-4AF185EBD422}"/>
-              </a:ext>
-            </a:extLst>
-          </p:cNvPr>
-          <p:cNvSpPr/>
-          <p:nvPr/>
-        </p:nvSpPr>
-        <p:spPr>
-          <a:xfrm>
-            <a:off x="6232610" y="3641758"/>
-            <a:ext cx="2423984" cy="1610646"/>
-          </a:xfrm>
-          <a:prstGeom prst="rect">
-            <a:avLst/>
-          </a:prstGeom>
-        </p:spPr>
-        <p:style>
-          <a:lnRef idx="1">
-            <a:schemeClr val="accent6"/>
-          </a:lnRef>
-          <a:fillRef idx="2">
-            <a:schemeClr val="accent6"/>
-          </a:fillRef>
-          <a:effectRef idx="1">
-            <a:schemeClr val="accent6"/>
-          </a:effectRef>
-          <a:fontRef idx="minor">
-            <a:schemeClr val="dk1"/>
-          </a:fontRef>
-        </p:style>
-        <p:txBody>
-          <a:bodyPr rtlCol="0" anchor="t"/>
-          <a:lstStyle/>
-          <a:p>
-            <a:pPr algn="ctr"/>
-            <a:r>
-              <a:rPr lang="nl-NL" b="1"/>
-              <a:t>Model valideren</a:t>
-            </a:r>
-          </a:p>
-          <a:p>
-            <a:pPr algn="ctr"/>
-            <a:endParaRPr lang="nl-NL" b="1"/>
-          </a:p>
-          <a:p>
-            <a:pPr marL="285750" indent="-285750">
-              <a:buFont typeface="Arial" panose="020B0604020202020204" pitchFamily="34" charset="0"/>
-              <a:buChar char="•"/>
-            </a:pPr>
-            <a:r>
-              <a:rPr lang="nl-NL"/>
-              <a:t>metrics</a:t>
-            </a:r>
-          </a:p>
-        </p:txBody>
-      </p:sp>
-      <p:sp>
-        <p:nvSpPr>
-          <p:cNvPr id="11" name="Rectangle 10">
-            <a:extLst>
-              <a:ext uri="{FF2B5EF4-FFF2-40B4-BE49-F238E27FC236}">
-                <a16:creationId xmlns:a16="http://schemas.microsoft.com/office/drawing/2014/main" id="{B0473AB4-D4AF-9327-400D-5D21E3A4A256}"/>
-              </a:ext>
-            </a:extLst>
-          </p:cNvPr>
-          <p:cNvSpPr/>
-          <p:nvPr/>
-        </p:nvSpPr>
-        <p:spPr>
-          <a:xfrm>
-            <a:off x="8929816" y="4775881"/>
-            <a:ext cx="2423984" cy="1610646"/>
-          </a:xfrm>
-          <a:prstGeom prst="rect">
-            <a:avLst/>
-          </a:prstGeom>
-        </p:spPr>
-        <p:style>
-          <a:lnRef idx="1">
-            <a:schemeClr val="accent2"/>
-          </a:lnRef>
-          <a:fillRef idx="2">
-            <a:schemeClr val="accent2"/>
-          </a:fillRef>
-          <a:effectRef idx="1">
-            <a:schemeClr val="accent2"/>
-          </a:effectRef>
-          <a:fontRef idx="minor">
-            <a:schemeClr val="dk1"/>
-          </a:fontRef>
-        </p:style>
-        <p:txBody>
-          <a:bodyPr rtlCol="0" anchor="t"/>
-          <a:lstStyle/>
-          <a:p>
-            <a:pPr algn="ctr"/>
-            <a:r>
-              <a:rPr lang="nl-NL" b="1"/>
-              <a:t>Model selecteren</a:t>
-            </a:r>
-          </a:p>
-          <a:p>
-            <a:pPr algn="ctr"/>
-            <a:endParaRPr lang="nl-NL" b="1"/>
-          </a:p>
-          <a:p>
-            <a:pPr marL="285750" indent="-285750" algn="ctr">
-              <a:buFont typeface="Arial" panose="020B0604020202020204" pitchFamily="34" charset="0"/>
-              <a:buChar char="•"/>
-            </a:pPr>
-            <a:r>
-              <a:rPr lang="nl-NL"/>
-              <a:t>model_selection</a:t>
-            </a:r>
-          </a:p>
-        </p:txBody>
-      </p:sp>
-      <p:sp>
-        <p:nvSpPr>
-          <p:cNvPr id="5" name="Rectangle: Rounded Corners 4">
-            <a:extLst>
-              <a:ext uri="{FF2B5EF4-FFF2-40B4-BE49-F238E27FC236}">
-                <a16:creationId xmlns:a16="http://schemas.microsoft.com/office/drawing/2014/main" id="{3C976759-59E6-791E-895E-3D33EED4BAB9}"/>
-              </a:ext>
-            </a:extLst>
-          </p:cNvPr>
-          <p:cNvSpPr/>
-          <p:nvPr/>
-        </p:nvSpPr>
-        <p:spPr>
-          <a:xfrm>
-            <a:off x="1027670" y="3435178"/>
-            <a:ext cx="2045043" cy="1062681"/>
-          </a:xfrm>
-          <a:prstGeom prst="roundRect">
-            <a:avLst/>
-          </a:prstGeom>
-          <a:noFill/>
-        </p:spPr>
-        <p:style>
-          <a:lnRef idx="2">
-            <a:schemeClr val="accent1">
-              <a:shade val="50000"/>
-            </a:schemeClr>
-          </a:lnRef>
-          <a:fillRef idx="1">
-            <a:schemeClr val="accent1"/>
-          </a:fillRef>
-          <a:effectRef idx="0">
-            <a:schemeClr val="accent1"/>
-          </a:effectRef>
-          <a:fontRef idx="minor">
-            <a:schemeClr val="lt1"/>
-          </a:fontRef>
-        </p:style>
-        <p:txBody>
-          <a:bodyPr rtlCol="0" anchor="ctr"/>
-          <a:lstStyle/>
-          <a:p>
-            <a:r>
-              <a:rPr lang="en-US" b="1" dirty="0">
-                <a:solidFill>
-                  <a:schemeClr val="tx1"/>
-                </a:solidFill>
-              </a:rPr>
-              <a:t>Transformer</a:t>
-            </a:r>
-          </a:p>
-          <a:p>
-            <a:pPr marL="285750" indent="-285750">
-              <a:buFont typeface="Arial" panose="020B0604020202020204" pitchFamily="34" charset="0"/>
-              <a:buChar char="•"/>
-            </a:pPr>
-            <a:r>
-              <a:rPr lang="en-US" dirty="0">
-                <a:solidFill>
-                  <a:schemeClr val="tx1"/>
-                </a:solidFill>
-              </a:rPr>
-              <a:t>fit()</a:t>
-            </a:r>
-          </a:p>
-          <a:p>
-            <a:pPr marL="285750" indent="-285750">
-              <a:buFont typeface="Arial" panose="020B0604020202020204" pitchFamily="34" charset="0"/>
-              <a:buChar char="•"/>
-            </a:pPr>
-            <a:r>
-              <a:rPr lang="en-US" dirty="0">
-                <a:solidFill>
-                  <a:schemeClr val="tx1"/>
-                </a:solidFill>
-              </a:rPr>
-              <a:t>transform()</a:t>
-            </a:r>
-            <a:endParaRPr lang="en-NL" dirty="0">
-              <a:solidFill>
-                <a:schemeClr val="tx1"/>
-              </a:solidFill>
-            </a:endParaRPr>
-          </a:p>
-        </p:txBody>
-      </p:sp>
-      <p:cxnSp>
-        <p:nvCxnSpPr>
-          <p:cNvPr id="9" name="Straight Arrow Connector 8">
-            <a:extLst>
-              <a:ext uri="{FF2B5EF4-FFF2-40B4-BE49-F238E27FC236}">
-                <a16:creationId xmlns:a16="http://schemas.microsoft.com/office/drawing/2014/main" id="{A53A23B4-4F3D-704D-183A-F13654888F67}"/>
-              </a:ext>
-            </a:extLst>
-          </p:cNvPr>
-          <p:cNvCxnSpPr>
-            <a:cxnSpLocks/>
-            <a:stCxn id="6" idx="2"/>
-            <a:endCxn id="5" idx="0"/>
-          </p:cNvCxnSpPr>
-          <p:nvPr/>
-        </p:nvCxnSpPr>
-        <p:spPr>
-          <a:xfrm>
-            <a:off x="2050192" y="2984158"/>
-            <a:ext cx="0" cy="451020"/>
-          </a:xfrm>
-          <a:prstGeom prst="straightConnector1">
-            <a:avLst/>
-          </a:prstGeom>
-          <a:ln>
-            <a:tailEnd type="triangle"/>
-          </a:ln>
-        </p:spPr>
-        <p:style>
-          <a:lnRef idx="3">
-            <a:schemeClr val="dk1"/>
-          </a:lnRef>
-          <a:fillRef idx="0">
-            <a:schemeClr val="dk1"/>
-          </a:fillRef>
-          <a:effectRef idx="2">
-            <a:schemeClr val="dk1"/>
-          </a:effectRef>
-          <a:fontRef idx="minor">
-            <a:schemeClr val="tx1"/>
-          </a:fontRef>
-        </p:style>
-      </p:cxnSp>
-      <p:sp>
-        <p:nvSpPr>
-          <p:cNvPr id="12" name="Rectangle: Rounded Corners 11">
-            <a:extLst>
-              <a:ext uri="{FF2B5EF4-FFF2-40B4-BE49-F238E27FC236}">
-                <a16:creationId xmlns:a16="http://schemas.microsoft.com/office/drawing/2014/main" id="{9F5FDA7C-9972-E89A-E01D-AD9300872448}"/>
-              </a:ext>
-            </a:extLst>
-          </p:cNvPr>
-          <p:cNvSpPr/>
-          <p:nvPr/>
-        </p:nvSpPr>
-        <p:spPr>
-          <a:xfrm>
-            <a:off x="3724875" y="4549414"/>
-            <a:ext cx="2045043" cy="1062681"/>
-          </a:xfrm>
-          <a:prstGeom prst="roundRect">
-            <a:avLst/>
-          </a:prstGeom>
-          <a:noFill/>
-        </p:spPr>
-        <p:style>
-          <a:lnRef idx="2">
-            <a:schemeClr val="accent1">
-              <a:shade val="50000"/>
-            </a:schemeClr>
-          </a:lnRef>
-          <a:fillRef idx="1">
-            <a:schemeClr val="accent1"/>
-          </a:fillRef>
-          <a:effectRef idx="0">
-            <a:schemeClr val="accent1"/>
-          </a:effectRef>
-          <a:fontRef idx="minor">
-            <a:schemeClr val="lt1"/>
-          </a:fontRef>
-        </p:style>
-        <p:txBody>
-          <a:bodyPr rtlCol="0" anchor="ctr"/>
-          <a:lstStyle/>
-          <a:p>
-            <a:r>
-              <a:rPr lang="en-US" b="1" dirty="0">
-                <a:solidFill>
-                  <a:schemeClr val="tx1"/>
-                </a:solidFill>
-              </a:rPr>
-              <a:t>Estimator</a:t>
-            </a:r>
-          </a:p>
-          <a:p>
-            <a:pPr marL="285750" indent="-285750">
-              <a:buFont typeface="Arial" panose="020B0604020202020204" pitchFamily="34" charset="0"/>
-              <a:buChar char="•"/>
-            </a:pPr>
-            <a:r>
-              <a:rPr lang="en-US" dirty="0">
-                <a:solidFill>
-                  <a:schemeClr val="tx1"/>
-                </a:solidFill>
-              </a:rPr>
-              <a:t>fit()</a:t>
-            </a:r>
-          </a:p>
-          <a:p>
-            <a:pPr marL="285750" indent="-285750">
-              <a:buFont typeface="Arial" panose="020B0604020202020204" pitchFamily="34" charset="0"/>
-              <a:buChar char="•"/>
-            </a:pPr>
-            <a:r>
-              <a:rPr lang="en-US" dirty="0">
-                <a:solidFill>
-                  <a:schemeClr val="tx1"/>
-                </a:solidFill>
-              </a:rPr>
-              <a:t>predict()</a:t>
-            </a:r>
-            <a:endParaRPr lang="en-NL" dirty="0">
-              <a:solidFill>
-                <a:schemeClr val="tx1"/>
-              </a:solidFill>
-            </a:endParaRPr>
-          </a:p>
-        </p:txBody>
-      </p:sp>
-      <p:cxnSp>
-        <p:nvCxnSpPr>
-          <p:cNvPr id="15" name="Straight Arrow Connector 14">
-            <a:extLst>
-              <a:ext uri="{FF2B5EF4-FFF2-40B4-BE49-F238E27FC236}">
-                <a16:creationId xmlns:a16="http://schemas.microsoft.com/office/drawing/2014/main" id="{074E69CA-4CA1-28A4-5D35-5E7AF725DF6D}"/>
-              </a:ext>
-            </a:extLst>
-          </p:cNvPr>
-          <p:cNvCxnSpPr>
-            <a:stCxn id="7" idx="2"/>
-            <a:endCxn id="12" idx="0"/>
-          </p:cNvCxnSpPr>
-          <p:nvPr/>
-        </p:nvCxnSpPr>
-        <p:spPr>
-          <a:xfrm>
-            <a:off x="4747397" y="4118281"/>
-            <a:ext cx="0" cy="431133"/>
-          </a:xfrm>
-          <a:prstGeom prst="straightConnector1">
-            <a:avLst/>
-          </a:prstGeom>
-          <a:ln>
-            <a:tailEnd type="triangle"/>
-          </a:ln>
-        </p:spPr>
-        <p:style>
-          <a:lnRef idx="3">
-            <a:schemeClr val="dk1"/>
-          </a:lnRef>
-          <a:fillRef idx="0">
-            <a:schemeClr val="dk1"/>
-          </a:fillRef>
-          <a:effectRef idx="2">
-            <a:schemeClr val="dk1"/>
-          </a:effectRef>
-          <a:fontRef idx="minor">
-            <a:schemeClr val="tx1"/>
-          </a:fontRef>
-        </p:style>
-      </p:cxnSp>
-    </p:spTree>
-    <p:extLst>
-      <p:ext uri="{BB962C8B-B14F-4D97-AF65-F5344CB8AC3E}">
-        <p14:creationId xmlns:p14="http://schemas.microsoft.com/office/powerpoint/2010/main" val="2417014085"/>
-      </p:ext>
-    </p:extLst>
-  </p:cSld>
-  <p:clrMapOvr>
-    <a:masterClrMapping/>
-  </p:clrMapOvr>
-</p:sld>
-</file>
-
-<file path=ppt/slides/slide9.xml><?xml version="1.0" encoding="utf-8"?>
 <p:sld xmlns:a="http://schemas.openxmlformats.org/drawingml/2006/main" xmlns:r="http://schemas.openxmlformats.org/officeDocument/2006/relationships" xmlns:p="http://schemas.openxmlformats.org/presentationml/2006/main">
   <p:cSld>
     <p:spTree>
@@ -28963,6 +28366,167 @@
     <p:extLst>
       <p:ext uri="{BB962C8B-B14F-4D97-AF65-F5344CB8AC3E}">
         <p14:creationId xmlns:p14="http://schemas.microsoft.com/office/powerpoint/2010/main" val="2418042807"/>
+      </p:ext>
+    </p:extLst>
+  </p:cSld>
+  <p:clrMapOvr>
+    <a:masterClrMapping/>
+  </p:clrMapOvr>
+</p:sld>
+</file>
+
+<file path=ppt/slides/slide9.xml><?xml version="1.0" encoding="utf-8"?>
+<p:sld xmlns:a="http://schemas.openxmlformats.org/drawingml/2006/main" xmlns:r="http://schemas.openxmlformats.org/officeDocument/2006/relationships" xmlns:p="http://schemas.openxmlformats.org/presentationml/2006/main">
+  <p:cSld>
+    <p:spTree>
+      <p:nvGrpSpPr>
+        <p:cNvPr id="1" name=""/>
+        <p:cNvGrpSpPr/>
+        <p:nvPr/>
+      </p:nvGrpSpPr>
+      <p:grpSpPr>
+        <a:xfrm>
+          <a:off x="0" y="0"/>
+          <a:ext cx="0" cy="0"/>
+          <a:chOff x="0" y="0"/>
+          <a:chExt cx="0" cy="0"/>
+        </a:xfrm>
+      </p:grpSpPr>
+      <p:sp>
+        <p:nvSpPr>
+          <p:cNvPr id="2" name="Title 1">
+            <a:extLst>
+              <a:ext uri="{FF2B5EF4-FFF2-40B4-BE49-F238E27FC236}">
+                <a16:creationId xmlns:a16="http://schemas.microsoft.com/office/drawing/2014/main" id="{39A1D606-8DD1-369C-5C09-471CDD551AD5}"/>
+              </a:ext>
+            </a:extLst>
+          </p:cNvPr>
+          <p:cNvSpPr>
+            <a:spLocks noGrp="1"/>
+          </p:cNvSpPr>
+          <p:nvPr>
+            <p:ph type="title"/>
+          </p:nvPr>
+        </p:nvSpPr>
+        <p:spPr>
+          <a:xfrm>
+            <a:off x="838200" y="365126"/>
+            <a:ext cx="10515600" cy="718608"/>
+          </a:xfrm>
+        </p:spPr>
+        <p:txBody>
+          <a:bodyPr>
+            <a:normAutofit/>
+          </a:bodyPr>
+          <a:lstStyle/>
+          <a:p>
+            <a:r>
+              <a:rPr lang="nl-NL" sz="3600" noProof="0" dirty="0"/>
+              <a:t>Oefeningen </a:t>
+            </a:r>
+            <a:r>
+              <a:rPr lang="nl-NL" sz="3600" dirty="0"/>
+              <a:t>I</a:t>
+            </a:r>
+            <a:endParaRPr lang="nl-NL" sz="3600" noProof="0" dirty="0"/>
+          </a:p>
+        </p:txBody>
+      </p:sp>
+      <p:sp>
+        <p:nvSpPr>
+          <p:cNvPr id="3" name="Content Placeholder 2">
+            <a:extLst>
+              <a:ext uri="{FF2B5EF4-FFF2-40B4-BE49-F238E27FC236}">
+                <a16:creationId xmlns:a16="http://schemas.microsoft.com/office/drawing/2014/main" id="{F4C2D286-E049-0AAB-1360-B7157E11AD7E}"/>
+              </a:ext>
+            </a:extLst>
+          </p:cNvPr>
+          <p:cNvSpPr>
+            <a:spLocks noGrp="1"/>
+          </p:cNvSpPr>
+          <p:nvPr>
+            <p:ph idx="1"/>
+          </p:nvPr>
+        </p:nvSpPr>
+        <p:spPr>
+          <a:xfrm>
+            <a:off x="838200" y="1456267"/>
+            <a:ext cx="10375900" cy="4720696"/>
+          </a:xfrm>
+        </p:spPr>
+        <p:txBody>
+          <a:bodyPr>
+            <a:normAutofit/>
+          </a:bodyPr>
+          <a:lstStyle/>
+          <a:p>
+            <a:pPr marL="457200" indent="-457200">
+              <a:buFont typeface="Arial" panose="020B0604020202020204" pitchFamily="34" charset="0"/>
+              <a:buAutoNum type="arabicPeriod"/>
+            </a:pPr>
+            <a:r>
+              <a:rPr lang="nl-NL" sz="2000" dirty="0"/>
+              <a:t>Open dataset: </a:t>
+            </a:r>
+            <a:r>
+              <a:rPr lang="nl-NL" sz="2000" dirty="0">
+                <a:latin typeface="Courier New" panose="02070309020205020404" pitchFamily="49" charset="0"/>
+                <a:cs typeface="Courier New" panose="02070309020205020404" pitchFamily="49" charset="0"/>
+              </a:rPr>
+              <a:t>0_data/banking/bank-additional-full.csv</a:t>
+            </a:r>
+          </a:p>
+          <a:p>
+            <a:pPr marL="457200" indent="-457200">
+              <a:buAutoNum type="arabicPeriod"/>
+            </a:pPr>
+            <a:endParaRPr lang="nl-NL" sz="2000" dirty="0"/>
+          </a:p>
+          <a:p>
+            <a:pPr marL="457200" indent="-457200">
+              <a:buFont typeface="Arial" panose="020B0604020202020204" pitchFamily="34" charset="0"/>
+              <a:buAutoNum type="arabicPeriod"/>
+            </a:pPr>
+            <a:r>
+              <a:rPr lang="nl-NL" sz="2000" dirty="0"/>
+              <a:t>Lees </a:t>
+            </a:r>
+            <a:r>
+              <a:rPr lang="nl-NL" sz="2000" dirty="0">
+                <a:latin typeface="Courier New" panose="02070309020205020404" pitchFamily="49" charset="0"/>
+                <a:cs typeface="Courier New" panose="02070309020205020404" pitchFamily="49" charset="0"/>
+              </a:rPr>
+              <a:t>_description.md</a:t>
+            </a:r>
+            <a:r>
+              <a:rPr lang="nl-NL" sz="2000" dirty="0"/>
+              <a:t> voor een beschrijving van de data.</a:t>
+            </a:r>
+          </a:p>
+          <a:p>
+            <a:pPr marL="457200" indent="-457200">
+              <a:buFont typeface="Arial" panose="020B0604020202020204" pitchFamily="34" charset="0"/>
+              <a:buAutoNum type="arabicPeriod"/>
+            </a:pPr>
+            <a:endParaRPr lang="nl-NL" sz="2000" noProof="0" dirty="0"/>
+          </a:p>
+          <a:p>
+            <a:pPr marL="457200" indent="-457200">
+              <a:buFont typeface="Arial" panose="020B0604020202020204" pitchFamily="34" charset="0"/>
+              <a:buAutoNum type="arabicPeriod"/>
+            </a:pPr>
+            <a:r>
+              <a:rPr lang="nl-NL" sz="2000" dirty="0"/>
+              <a:t>Exploreer de data op jouw manier!</a:t>
+            </a:r>
+            <a:endParaRPr lang="nl-NL" sz="1600" noProof="0" dirty="0"/>
+          </a:p>
+        </p:txBody>
+      </p:sp>
+    </p:spTree>
+    <p:extLst>
+      <p:ext uri="{BB962C8B-B14F-4D97-AF65-F5344CB8AC3E}">
+        <p14:creationId xmlns:p14="http://schemas.microsoft.com/office/powerpoint/2010/main" val="2058347695"/>
       </p:ext>
     </p:extLst>
   </p:cSld>

--- a/python_trainees/4_scikit_learn/python_traineeship_4.pptx
+++ b/python_trainees/4_scikit_learn/python_traineeship_4.pptx
@@ -221,7 +221,7 @@
               <a:cs typeface="+mn-cs"/>
             </a:defRPr>
           </a:pPr>
-          <a:endParaRPr lang="nl-NL"/>
+          <a:endParaRPr lang="en-NL"/>
         </a:p>
       </c:txPr>
     </c:title>
@@ -400,7 +400,7 @@
                 <a:cs typeface="+mn-cs"/>
               </a:defRPr>
             </a:pPr>
-            <a:endParaRPr lang="nl-NL"/>
+            <a:endParaRPr lang="en-NL"/>
           </a:p>
         </c:txPr>
         <c:crossAx val="817693096"/>
@@ -459,7 +459,7 @@
                 <a:cs typeface="+mn-cs"/>
               </a:defRPr>
             </a:pPr>
-            <a:endParaRPr lang="nl-NL"/>
+            <a:endParaRPr lang="en-NL"/>
           </a:p>
         </c:txPr>
         <c:crossAx val="817693456"/>
@@ -501,7 +501,7 @@
       <a:pPr>
         <a:defRPr/>
       </a:pPr>
-      <a:endParaRPr lang="nl-NL"/>
+      <a:endParaRPr lang="en-NL"/>
     </a:p>
   </c:txPr>
   <c:externalData r:id="rId3">
@@ -1202,7 +1202,7 @@
           <a:p>
             <a:fld id="{5E9D55AD-DA6B-4A9D-BFE6-D0A1673E6EA9}" type="datetimeFigureOut">
               <a:rPr lang="en-NL" smtClean="0"/>
-              <a:t>20/04/2023</a:t>
+              <a:t>21/08/2023</a:t>
             </a:fld>
             <a:endParaRPr lang="en-NL"/>
           </a:p>
@@ -1402,7 +1402,7 @@
           <a:p>
             <a:fld id="{5E9D55AD-DA6B-4A9D-BFE6-D0A1673E6EA9}" type="datetimeFigureOut">
               <a:rPr lang="en-NL" smtClean="0"/>
-              <a:t>20/04/2023</a:t>
+              <a:t>21/08/2023</a:t>
             </a:fld>
             <a:endParaRPr lang="en-NL"/>
           </a:p>
@@ -1612,7 +1612,7 @@
           <a:p>
             <a:fld id="{5E9D55AD-DA6B-4A9D-BFE6-D0A1673E6EA9}" type="datetimeFigureOut">
               <a:rPr lang="en-NL" smtClean="0"/>
-              <a:t>20/04/2023</a:t>
+              <a:t>21/08/2023</a:t>
             </a:fld>
             <a:endParaRPr lang="en-NL"/>
           </a:p>
@@ -1812,7 +1812,7 @@
           <a:p>
             <a:fld id="{5E9D55AD-DA6B-4A9D-BFE6-D0A1673E6EA9}" type="datetimeFigureOut">
               <a:rPr lang="en-NL" smtClean="0"/>
-              <a:t>20/04/2023</a:t>
+              <a:t>21/08/2023</a:t>
             </a:fld>
             <a:endParaRPr lang="en-NL"/>
           </a:p>
@@ -2088,7 +2088,7 @@
           <a:p>
             <a:fld id="{5E9D55AD-DA6B-4A9D-BFE6-D0A1673E6EA9}" type="datetimeFigureOut">
               <a:rPr lang="en-NL" smtClean="0"/>
-              <a:t>20/04/2023</a:t>
+              <a:t>21/08/2023</a:t>
             </a:fld>
             <a:endParaRPr lang="en-NL"/>
           </a:p>
@@ -2356,7 +2356,7 @@
           <a:p>
             <a:fld id="{5E9D55AD-DA6B-4A9D-BFE6-D0A1673E6EA9}" type="datetimeFigureOut">
               <a:rPr lang="en-NL" smtClean="0"/>
-              <a:t>20/04/2023</a:t>
+              <a:t>21/08/2023</a:t>
             </a:fld>
             <a:endParaRPr lang="en-NL"/>
           </a:p>
@@ -2771,7 +2771,7 @@
           <a:p>
             <a:fld id="{5E9D55AD-DA6B-4A9D-BFE6-D0A1673E6EA9}" type="datetimeFigureOut">
               <a:rPr lang="en-NL" smtClean="0"/>
-              <a:t>20/04/2023</a:t>
+              <a:t>21/08/2023</a:t>
             </a:fld>
             <a:endParaRPr lang="en-NL"/>
           </a:p>
@@ -2913,7 +2913,7 @@
           <a:p>
             <a:fld id="{5E9D55AD-DA6B-4A9D-BFE6-D0A1673E6EA9}" type="datetimeFigureOut">
               <a:rPr lang="en-NL" smtClean="0"/>
-              <a:t>20/04/2023</a:t>
+              <a:t>21/08/2023</a:t>
             </a:fld>
             <a:endParaRPr lang="en-NL"/>
           </a:p>
@@ -3026,7 +3026,7 @@
           <a:p>
             <a:fld id="{5E9D55AD-DA6B-4A9D-BFE6-D0A1673E6EA9}" type="datetimeFigureOut">
               <a:rPr lang="en-NL" smtClean="0"/>
-              <a:t>20/04/2023</a:t>
+              <a:t>21/08/2023</a:t>
             </a:fld>
             <a:endParaRPr lang="en-NL"/>
           </a:p>
@@ -3339,7 +3339,7 @@
           <a:p>
             <a:fld id="{5E9D55AD-DA6B-4A9D-BFE6-D0A1673E6EA9}" type="datetimeFigureOut">
               <a:rPr lang="en-NL" smtClean="0"/>
-              <a:t>20/04/2023</a:t>
+              <a:t>21/08/2023</a:t>
             </a:fld>
             <a:endParaRPr lang="en-NL"/>
           </a:p>
@@ -3628,7 +3628,7 @@
           <a:p>
             <a:fld id="{5E9D55AD-DA6B-4A9D-BFE6-D0A1673E6EA9}" type="datetimeFigureOut">
               <a:rPr lang="en-NL" smtClean="0"/>
-              <a:t>20/04/2023</a:t>
+              <a:t>21/08/2023</a:t>
             </a:fld>
             <a:endParaRPr lang="en-NL"/>
           </a:p>
@@ -3871,7 +3871,7 @@
           <a:p>
             <a:fld id="{5E9D55AD-DA6B-4A9D-BFE6-D0A1673E6EA9}" type="datetimeFigureOut">
               <a:rPr lang="en-NL" smtClean="0"/>
-              <a:t>20/04/2023</a:t>
+              <a:t>21/08/2023</a:t>
             </a:fld>
             <a:endParaRPr lang="en-NL"/>
           </a:p>
@@ -25775,15 +25775,7 @@
             </a:pPr>
             <a:r>
               <a:rPr lang="nl-NL" sz="2000" dirty="0"/>
-              <a:t>Wat zijn de </a:t>
-            </a:r>
-            <a:r>
-              <a:rPr lang="nl-NL" sz="2000" dirty="0" err="1"/>
-              <a:t>hypothesese</a:t>
-            </a:r>
-            <a:r>
-              <a:rPr lang="nl-NL" sz="2000" dirty="0"/>
-              <a:t> en zijn ze meetbaar?</a:t>
+              <a:t>Wat zijn de hypothese en zijn ze meetbaar?</a:t>
             </a:r>
           </a:p>
           <a:p>

--- a/python_trainees/4_scikit_learn/python_traineeship_4.pptx
+++ b/python_trainees/4_scikit_learn/python_traineeship_4.pptx
@@ -33,25 +33,27 @@
     <p:sldId id="345" r:id="rId27"/>
     <p:sldId id="358" r:id="rId28"/>
     <p:sldId id="361" r:id="rId29"/>
-    <p:sldId id="383" r:id="rId30"/>
-    <p:sldId id="362" r:id="rId31"/>
-    <p:sldId id="359" r:id="rId32"/>
-    <p:sldId id="368" r:id="rId33"/>
-    <p:sldId id="369" r:id="rId34"/>
-    <p:sldId id="385" r:id="rId35"/>
-    <p:sldId id="384" r:id="rId36"/>
-    <p:sldId id="370" r:id="rId37"/>
-    <p:sldId id="377" r:id="rId38"/>
-    <p:sldId id="371" r:id="rId39"/>
-    <p:sldId id="372" r:id="rId40"/>
-    <p:sldId id="373" r:id="rId41"/>
-    <p:sldId id="374" r:id="rId42"/>
-    <p:sldId id="375" r:id="rId43"/>
-    <p:sldId id="336" r:id="rId44"/>
-    <p:sldId id="378" r:id="rId45"/>
-    <p:sldId id="380" r:id="rId46"/>
-    <p:sldId id="381" r:id="rId47"/>
-    <p:sldId id="387" r:id="rId48"/>
+    <p:sldId id="368" r:id="rId30"/>
+    <p:sldId id="391" r:id="rId31"/>
+    <p:sldId id="392" r:id="rId32"/>
+    <p:sldId id="390" r:id="rId33"/>
+    <p:sldId id="359" r:id="rId34"/>
+    <p:sldId id="383" r:id="rId35"/>
+    <p:sldId id="362" r:id="rId36"/>
+    <p:sldId id="385" r:id="rId37"/>
+    <p:sldId id="384" r:id="rId38"/>
+    <p:sldId id="370" r:id="rId39"/>
+    <p:sldId id="377" r:id="rId40"/>
+    <p:sldId id="371" r:id="rId41"/>
+    <p:sldId id="372" r:id="rId42"/>
+    <p:sldId id="373" r:id="rId43"/>
+    <p:sldId id="374" r:id="rId44"/>
+    <p:sldId id="375" r:id="rId45"/>
+    <p:sldId id="336" r:id="rId46"/>
+    <p:sldId id="378" r:id="rId47"/>
+    <p:sldId id="380" r:id="rId48"/>
+    <p:sldId id="381" r:id="rId49"/>
+    <p:sldId id="387" r:id="rId50"/>
   </p:sldIdLst>
   <p:sldSz cx="12192000" cy="6858000"/>
   <p:notesSz cx="6858000" cy="9144000"/>
@@ -156,6 +158,18 @@
     </p:ext>
   </p:extLst>
 </p:presentation>
+</file>
+
+<file path=ppt/commentAuthors.xml><?xml version="1.0" encoding="utf-8"?>
+<p:cmAuthorLst xmlns:a="http://schemas.openxmlformats.org/drawingml/2006/main" xmlns:r="http://schemas.openxmlformats.org/officeDocument/2006/relationships" xmlns:p="http://schemas.openxmlformats.org/presentationml/2006/main">
+  <p:cmAuthor id="1" name="Lukas" initials="L" lastIdx="1" clrIdx="0">
+    <p:extLst>
+      <p:ext uri="{19B8F6BF-5375-455C-9EA6-DF929625EA0E}">
+        <p15:presenceInfo xmlns:p15="http://schemas.microsoft.com/office/powerpoint/2012/main" userId="S::Lukas.Koning@afm.nl::687fe668-bff3-483d-b834-0726d16237d7" providerId="AD"/>
+      </p:ext>
+    </p:extLst>
+  </p:cmAuthor>
+</p:cmAuthorLst>
 </file>
 
 <file path=ppt/charts/chart1.xml><?xml version="1.0" encoding="utf-8"?>
@@ -1204,7 +1218,7 @@
           <a:p>
             <a:fld id="{5E9D55AD-DA6B-4A9D-BFE6-D0A1673E6EA9}" type="datetimeFigureOut">
               <a:rPr lang="en-NL" smtClean="0"/>
-              <a:t>04/10/2023</a:t>
+              <a:t>09/10/2023</a:t>
             </a:fld>
             <a:endParaRPr lang="en-NL"/>
           </a:p>
@@ -1404,7 +1418,7 @@
           <a:p>
             <a:fld id="{5E9D55AD-DA6B-4A9D-BFE6-D0A1673E6EA9}" type="datetimeFigureOut">
               <a:rPr lang="en-NL" smtClean="0"/>
-              <a:t>04/10/2023</a:t>
+              <a:t>09/10/2023</a:t>
             </a:fld>
             <a:endParaRPr lang="en-NL"/>
           </a:p>
@@ -1614,7 +1628,7 @@
           <a:p>
             <a:fld id="{5E9D55AD-DA6B-4A9D-BFE6-D0A1673E6EA9}" type="datetimeFigureOut">
               <a:rPr lang="en-NL" smtClean="0"/>
-              <a:t>04/10/2023</a:t>
+              <a:t>09/10/2023</a:t>
             </a:fld>
             <a:endParaRPr lang="en-NL"/>
           </a:p>
@@ -1814,7 +1828,7 @@
           <a:p>
             <a:fld id="{5E9D55AD-DA6B-4A9D-BFE6-D0A1673E6EA9}" type="datetimeFigureOut">
               <a:rPr lang="en-NL" smtClean="0"/>
-              <a:t>04/10/2023</a:t>
+              <a:t>09/10/2023</a:t>
             </a:fld>
             <a:endParaRPr lang="en-NL"/>
           </a:p>
@@ -2090,7 +2104,7 @@
           <a:p>
             <a:fld id="{5E9D55AD-DA6B-4A9D-BFE6-D0A1673E6EA9}" type="datetimeFigureOut">
               <a:rPr lang="en-NL" smtClean="0"/>
-              <a:t>04/10/2023</a:t>
+              <a:t>09/10/2023</a:t>
             </a:fld>
             <a:endParaRPr lang="en-NL"/>
           </a:p>
@@ -2358,7 +2372,7 @@
           <a:p>
             <a:fld id="{5E9D55AD-DA6B-4A9D-BFE6-D0A1673E6EA9}" type="datetimeFigureOut">
               <a:rPr lang="en-NL" smtClean="0"/>
-              <a:t>04/10/2023</a:t>
+              <a:t>09/10/2023</a:t>
             </a:fld>
             <a:endParaRPr lang="en-NL"/>
           </a:p>
@@ -2773,7 +2787,7 @@
           <a:p>
             <a:fld id="{5E9D55AD-DA6B-4A9D-BFE6-D0A1673E6EA9}" type="datetimeFigureOut">
               <a:rPr lang="en-NL" smtClean="0"/>
-              <a:t>04/10/2023</a:t>
+              <a:t>09/10/2023</a:t>
             </a:fld>
             <a:endParaRPr lang="en-NL"/>
           </a:p>
@@ -2915,7 +2929,7 @@
           <a:p>
             <a:fld id="{5E9D55AD-DA6B-4A9D-BFE6-D0A1673E6EA9}" type="datetimeFigureOut">
               <a:rPr lang="en-NL" smtClean="0"/>
-              <a:t>04/10/2023</a:t>
+              <a:t>09/10/2023</a:t>
             </a:fld>
             <a:endParaRPr lang="en-NL"/>
           </a:p>
@@ -3028,7 +3042,7 @@
           <a:p>
             <a:fld id="{5E9D55AD-DA6B-4A9D-BFE6-D0A1673E6EA9}" type="datetimeFigureOut">
               <a:rPr lang="en-NL" smtClean="0"/>
-              <a:t>04/10/2023</a:t>
+              <a:t>09/10/2023</a:t>
             </a:fld>
             <a:endParaRPr lang="en-NL"/>
           </a:p>
@@ -3341,7 +3355,7 @@
           <a:p>
             <a:fld id="{5E9D55AD-DA6B-4A9D-BFE6-D0A1673E6EA9}" type="datetimeFigureOut">
               <a:rPr lang="en-NL" smtClean="0"/>
-              <a:t>04/10/2023</a:t>
+              <a:t>09/10/2023</a:t>
             </a:fld>
             <a:endParaRPr lang="en-NL"/>
           </a:p>
@@ -3630,7 +3644,7 @@
           <a:p>
             <a:fld id="{5E9D55AD-DA6B-4A9D-BFE6-D0A1673E6EA9}" type="datetimeFigureOut">
               <a:rPr lang="en-NL" smtClean="0"/>
-              <a:t>04/10/2023</a:t>
+              <a:t>09/10/2023</a:t>
             </a:fld>
             <a:endParaRPr lang="en-NL"/>
           </a:p>
@@ -3873,7 +3887,7 @@
           <a:p>
             <a:fld id="{5E9D55AD-DA6B-4A9D-BFE6-D0A1673E6EA9}" type="datetimeFigureOut">
               <a:rPr lang="en-NL" smtClean="0"/>
-              <a:t>04/10/2023</a:t>
+              <a:t>09/10/2023</a:t>
             </a:fld>
             <a:endParaRPr lang="en-NL"/>
           </a:p>
@@ -4873,7 +4887,7 @@
               <a:rPr lang="nl-NL" sz="2000" dirty="0">
                 <a:cs typeface="Courier New" panose="02070309020205020404" pitchFamily="49" charset="0"/>
               </a:rPr>
-              <a:t>Categorieën omzetten in dummy variabelen.</a:t>
+              <a:t>Categorieën naar dummy variabelen.</a:t>
             </a:r>
           </a:p>
           <a:p>
@@ -4891,7 +4905,7 @@
               <a:rPr lang="nl-NL" sz="2000" dirty="0">
                 <a:cs typeface="Courier New" panose="02070309020205020404" pitchFamily="49" charset="0"/>
               </a:rPr>
-              <a:t>Tekst omzetten in tellingen van woorden.</a:t>
+              <a:t>Tekst naar woord frequenties.</a:t>
             </a:r>
           </a:p>
         </p:txBody>
@@ -9939,40 +9953,25 @@
               <a:buNone/>
             </a:pPr>
             <a:r>
-              <a:rPr lang="nl-NL" sz="1600" dirty="0">
-                <a:solidFill>
-                  <a:schemeClr val="accent6">
-                    <a:lumMod val="75000"/>
-                  </a:schemeClr>
-                </a:solidFill>
+              <a:rPr lang="en-US" sz="1400" b="1" dirty="0">
                 <a:latin typeface="Courier New" panose="02070309020205020404" pitchFamily="49" charset="0"/>
                 <a:cs typeface="Courier New" panose="02070309020205020404" pitchFamily="49" charset="0"/>
               </a:rPr>
-              <a:t># </a:t>
-            </a:r>
-            <a:r>
-              <a:rPr lang="nl-NL" sz="1600" dirty="0" err="1">
-                <a:solidFill>
-                  <a:schemeClr val="accent6">
-                    <a:lumMod val="75000"/>
-                  </a:schemeClr>
-                </a:solidFill>
+              <a:t>class </a:t>
+            </a:r>
+            <a:r>
+              <a:rPr lang="en-US" sz="1400" b="1" dirty="0" err="1">
                 <a:latin typeface="Courier New" panose="02070309020205020404" pitchFamily="49" charset="0"/>
                 <a:cs typeface="Courier New" panose="02070309020205020404" pitchFamily="49" charset="0"/>
               </a:rPr>
-              <a:t>DataFrame</a:t>
-            </a:r>
-            <a:r>
-              <a:rPr lang="nl-NL" sz="1600" dirty="0">
-                <a:solidFill>
-                  <a:schemeClr val="accent6">
-                    <a:lumMod val="75000"/>
-                  </a:schemeClr>
-                </a:solidFill>
+              <a:t>MyTransformer</a:t>
+            </a:r>
+            <a:r>
+              <a:rPr lang="en-US" sz="1400" dirty="0">
                 <a:latin typeface="Courier New" panose="02070309020205020404" pitchFamily="49" charset="0"/>
                 <a:cs typeface="Courier New" panose="02070309020205020404" pitchFamily="49" charset="0"/>
               </a:rPr>
-              <a:t> as input.</a:t>
+              <a:t>:</a:t>
             </a:r>
           </a:p>
           <a:p>
@@ -9980,35 +9979,14 @@
               <a:buNone/>
             </a:pPr>
             <a:r>
-              <a:rPr lang="nl-NL" sz="1600" dirty="0" err="1">
+              <a:rPr lang="en-US" sz="1400" dirty="0">
                 <a:latin typeface="Courier New" panose="02070309020205020404" pitchFamily="49" charset="0"/>
                 <a:cs typeface="Courier New" panose="02070309020205020404" pitchFamily="49" charset="0"/>
               </a:rPr>
-              <a:t>df</a:t>
-            </a:r>
-            <a:r>
-              <a:rPr lang="nl-NL" sz="1600" dirty="0">
-                <a:latin typeface="Courier New" panose="02070309020205020404" pitchFamily="49" charset="0"/>
-                <a:cs typeface="Courier New" panose="02070309020205020404" pitchFamily="49" charset="0"/>
-              </a:rPr>
-              <a:t> = </a:t>
-            </a:r>
-            <a:r>
-              <a:rPr lang="nl-NL" sz="1600" dirty="0" err="1">
-                <a:latin typeface="Courier New" panose="02070309020205020404" pitchFamily="49" charset="0"/>
-                <a:cs typeface="Courier New" panose="02070309020205020404" pitchFamily="49" charset="0"/>
-              </a:rPr>
-              <a:t>pd.DataFrame</a:t>
-            </a:r>
-            <a:r>
-              <a:rPr lang="nl-NL" sz="1600" dirty="0">
-                <a:latin typeface="Courier New" panose="02070309020205020404" pitchFamily="49" charset="0"/>
-                <a:cs typeface="Courier New" panose="02070309020205020404" pitchFamily="49" charset="0"/>
-              </a:rPr>
-              <a:t>({</a:t>
-            </a:r>
-            <a:r>
-              <a:rPr lang="nl-NL" sz="1600" dirty="0">
+              <a:t>  </a:t>
+            </a:r>
+            <a:r>
+              <a:rPr lang="en-US" sz="1400" dirty="0">
                 <a:solidFill>
                   <a:schemeClr val="accent2">
                     <a:lumMod val="75000"/>
@@ -10017,92 +9995,210 @@
                 <a:latin typeface="Courier New" panose="02070309020205020404" pitchFamily="49" charset="0"/>
                 <a:cs typeface="Courier New" panose="02070309020205020404" pitchFamily="49" charset="0"/>
               </a:rPr>
-              <a:t>"x"</a:t>
-            </a:r>
-            <a:r>
-              <a:rPr lang="nl-NL" sz="1600" dirty="0">
-                <a:latin typeface="Courier New" panose="02070309020205020404" pitchFamily="49" charset="0"/>
-                <a:cs typeface="Courier New" panose="02070309020205020404" pitchFamily="49" charset="0"/>
-              </a:rPr>
-              <a:t>: [1, 2, 3]})</a:t>
-            </a:r>
-            <a:endParaRPr lang="en-US" sz="1600" dirty="0">
-              <a:latin typeface="Courier New" panose="02070309020205020404" pitchFamily="49" charset="0"/>
-              <a:cs typeface="Courier New" panose="02070309020205020404" pitchFamily="49" charset="0"/>
-            </a:endParaRPr>
-          </a:p>
-          <a:p>
-            <a:pPr marL="0" indent="0">
-              <a:buNone/>
-            </a:pPr>
-            <a:endParaRPr lang="nl-NL" sz="1600" dirty="0">
-              <a:latin typeface="Courier New" panose="02070309020205020404" pitchFamily="49" charset="0"/>
-              <a:cs typeface="Courier New" panose="02070309020205020404" pitchFamily="49" charset="0"/>
-            </a:endParaRPr>
-          </a:p>
-          <a:p>
-            <a:pPr marL="0" indent="0">
-              <a:buNone/>
-            </a:pPr>
-            <a:r>
-              <a:rPr lang="nl-NL" sz="1600" dirty="0">
+              <a:t>"""Pandas transformer for </a:t>
+            </a:r>
+            <a:r>
+              <a:rPr lang="en-US" sz="1400" dirty="0" err="1">
                 <a:solidFill>
-                  <a:schemeClr val="accent6">
+                  <a:schemeClr val="accent2">
                     <a:lumMod val="75000"/>
                   </a:schemeClr>
                 </a:solidFill>
                 <a:latin typeface="Courier New" panose="02070309020205020404" pitchFamily="49" charset="0"/>
                 <a:cs typeface="Courier New" panose="02070309020205020404" pitchFamily="49" charset="0"/>
               </a:rPr>
-              <a:t># </a:t>
-            </a:r>
-            <a:r>
-              <a:rPr lang="nl-NL" sz="1600" dirty="0" err="1">
+              <a:t>sklearn</a:t>
+            </a:r>
+            <a:r>
+              <a:rPr lang="en-US" sz="1400" dirty="0">
                 <a:solidFill>
-                  <a:schemeClr val="accent6">
+                  <a:schemeClr val="accent2">
                     <a:lumMod val="75000"/>
                   </a:schemeClr>
                 </a:solidFill>
                 <a:latin typeface="Courier New" panose="02070309020205020404" pitchFamily="49" charset="0"/>
                 <a:cs typeface="Courier New" panose="02070309020205020404" pitchFamily="49" charset="0"/>
               </a:rPr>
-              <a:t>Apply</a:t>
-            </a:r>
-            <a:r>
-              <a:rPr lang="nl-NL" sz="1600" dirty="0">
+              <a:t>."""</a:t>
+            </a:r>
+          </a:p>
+          <a:p>
+            <a:pPr marL="0" indent="0">
+              <a:buNone/>
+            </a:pPr>
+            <a:endParaRPr lang="en-US" sz="1400" dirty="0">
+              <a:latin typeface="Courier New" panose="02070309020205020404" pitchFamily="49" charset="0"/>
+              <a:cs typeface="Courier New" panose="02070309020205020404" pitchFamily="49" charset="0"/>
+            </a:endParaRPr>
+          </a:p>
+          <a:p>
+            <a:pPr marL="0" indent="0">
+              <a:buNone/>
+            </a:pPr>
+            <a:endParaRPr lang="en-US" sz="1400" dirty="0">
+              <a:latin typeface="Courier New" panose="02070309020205020404" pitchFamily="49" charset="0"/>
+              <a:cs typeface="Courier New" panose="02070309020205020404" pitchFamily="49" charset="0"/>
+            </a:endParaRPr>
+          </a:p>
+          <a:p>
+            <a:pPr marL="0" indent="0">
+              <a:buNone/>
+            </a:pPr>
+            <a:r>
+              <a:rPr lang="en-US" sz="1400" dirty="0">
+                <a:latin typeface="Courier New" panose="02070309020205020404" pitchFamily="49" charset="0"/>
+                <a:cs typeface="Courier New" panose="02070309020205020404" pitchFamily="49" charset="0"/>
+              </a:rPr>
+              <a:t>  </a:t>
+            </a:r>
+            <a:r>
+              <a:rPr lang="en-US" sz="1400" b="1" dirty="0">
+                <a:latin typeface="Courier New" panose="02070309020205020404" pitchFamily="49" charset="0"/>
+                <a:cs typeface="Courier New" panose="02070309020205020404" pitchFamily="49" charset="0"/>
+              </a:rPr>
+              <a:t>def fit</a:t>
+            </a:r>
+            <a:r>
+              <a:rPr lang="en-US" sz="1400" dirty="0">
+                <a:latin typeface="Courier New" panose="02070309020205020404" pitchFamily="49" charset="0"/>
+                <a:cs typeface="Courier New" panose="02070309020205020404" pitchFamily="49" charset="0"/>
+              </a:rPr>
+              <a:t>(X, y=None):</a:t>
+            </a:r>
+          </a:p>
+          <a:p>
+            <a:pPr marL="0" indent="0">
+              <a:buNone/>
+            </a:pPr>
+            <a:r>
+              <a:rPr lang="en-US" sz="1400" dirty="0">
+                <a:latin typeface="Courier New" panose="02070309020205020404" pitchFamily="49" charset="0"/>
+                <a:cs typeface="Courier New" panose="02070309020205020404" pitchFamily="49" charset="0"/>
+              </a:rPr>
+              <a:t>    </a:t>
+            </a:r>
+            <a:r>
+              <a:rPr lang="en-US" sz="1400" dirty="0">
                 <a:solidFill>
-                  <a:schemeClr val="accent6">
+                  <a:schemeClr val="accent2">
                     <a:lumMod val="75000"/>
                   </a:schemeClr>
                 </a:solidFill>
                 <a:latin typeface="Courier New" panose="02070309020205020404" pitchFamily="49" charset="0"/>
                 <a:cs typeface="Courier New" panose="02070309020205020404" pitchFamily="49" charset="0"/>
               </a:rPr>
-              <a:t> standard </a:t>
-            </a:r>
-            <a:r>
-              <a:rPr lang="nl-NL" sz="1600" dirty="0" err="1">
+              <a:t>"""Fit transformer to training data."""</a:t>
+            </a:r>
+          </a:p>
+          <a:p>
+            <a:pPr marL="0" indent="0">
+              <a:buNone/>
+            </a:pPr>
+            <a:r>
+              <a:rPr lang="en-US" sz="1400" dirty="0">
+                <a:latin typeface="Courier New" panose="02070309020205020404" pitchFamily="49" charset="0"/>
+                <a:cs typeface="Courier New" panose="02070309020205020404" pitchFamily="49" charset="0"/>
+              </a:rPr>
+              <a:t>    ...</a:t>
+            </a:r>
+          </a:p>
+          <a:p>
+            <a:pPr marL="0" indent="0">
+              <a:buNone/>
+            </a:pPr>
+            <a:r>
+              <a:rPr lang="en-US" sz="1400" dirty="0">
+                <a:latin typeface="Courier New" panose="02070309020205020404" pitchFamily="49" charset="0"/>
+                <a:cs typeface="Courier New" panose="02070309020205020404" pitchFamily="49" charset="0"/>
+              </a:rPr>
+              <a:t>    return </a:t>
+            </a:r>
+            <a:r>
+              <a:rPr lang="en-US" sz="1400" b="1" dirty="0">
+                <a:latin typeface="Courier New" panose="02070309020205020404" pitchFamily="49" charset="0"/>
+                <a:cs typeface="Courier New" panose="02070309020205020404" pitchFamily="49" charset="0"/>
+              </a:rPr>
+              <a:t>self</a:t>
+            </a:r>
+          </a:p>
+          <a:p>
+            <a:pPr marL="0" indent="0">
+              <a:buNone/>
+            </a:pPr>
+            <a:endParaRPr lang="en-US" sz="1400" dirty="0">
+              <a:latin typeface="Courier New" panose="02070309020205020404" pitchFamily="49" charset="0"/>
+              <a:cs typeface="Courier New" panose="02070309020205020404" pitchFamily="49" charset="0"/>
+            </a:endParaRPr>
+          </a:p>
+          <a:p>
+            <a:pPr marL="0" indent="0">
+              <a:buNone/>
+            </a:pPr>
+            <a:endParaRPr lang="en-US" sz="1400" dirty="0">
+              <a:latin typeface="Courier New" panose="02070309020205020404" pitchFamily="49" charset="0"/>
+              <a:cs typeface="Courier New" panose="02070309020205020404" pitchFamily="49" charset="0"/>
+            </a:endParaRPr>
+          </a:p>
+          <a:p>
+            <a:pPr marL="0" indent="0">
+              <a:buNone/>
+            </a:pPr>
+            <a:r>
+              <a:rPr lang="en-US" sz="1400" dirty="0">
+                <a:latin typeface="Courier New" panose="02070309020205020404" pitchFamily="49" charset="0"/>
+                <a:cs typeface="Courier New" panose="02070309020205020404" pitchFamily="49" charset="0"/>
+              </a:rPr>
+              <a:t> </a:t>
+            </a:r>
+            <a:r>
+              <a:rPr lang="en-US" sz="1400" b="1" dirty="0">
+                <a:latin typeface="Courier New" panose="02070309020205020404" pitchFamily="49" charset="0"/>
+                <a:cs typeface="Courier New" panose="02070309020205020404" pitchFamily="49" charset="0"/>
+              </a:rPr>
+              <a:t>def transform</a:t>
+            </a:r>
+            <a:r>
+              <a:rPr lang="en-US" sz="1400" dirty="0">
+                <a:latin typeface="Courier New" panose="02070309020205020404" pitchFamily="49" charset="0"/>
+                <a:cs typeface="Courier New" panose="02070309020205020404" pitchFamily="49" charset="0"/>
+              </a:rPr>
+              <a:t>(X, y=None):</a:t>
+            </a:r>
+          </a:p>
+          <a:p>
+            <a:pPr marL="0" indent="0">
+              <a:buNone/>
+            </a:pPr>
+            <a:r>
+              <a:rPr lang="en-US" sz="1400" dirty="0">
+                <a:latin typeface="Courier New" panose="02070309020205020404" pitchFamily="49" charset="0"/>
+                <a:cs typeface="Courier New" panose="02070309020205020404" pitchFamily="49" charset="0"/>
+              </a:rPr>
+              <a:t>    </a:t>
+            </a:r>
+            <a:r>
+              <a:rPr lang="en-US" sz="1400" dirty="0">
                 <a:solidFill>
-                  <a:schemeClr val="accent6">
+                  <a:schemeClr val="accent2">
                     <a:lumMod val="75000"/>
                   </a:schemeClr>
                 </a:solidFill>
                 <a:latin typeface="Courier New" panose="02070309020205020404" pitchFamily="49" charset="0"/>
                 <a:cs typeface="Courier New" panose="02070309020205020404" pitchFamily="49" charset="0"/>
               </a:rPr>
-              <a:t>scaling</a:t>
-            </a:r>
-            <a:r>
-              <a:rPr lang="nl-NL" sz="1600" dirty="0">
-                <a:solidFill>
-                  <a:schemeClr val="accent6">
-                    <a:lumMod val="75000"/>
-                  </a:schemeClr>
-                </a:solidFill>
+              <a:t>"""Transform the data in X."""</a:t>
+            </a:r>
+          </a:p>
+          <a:p>
+            <a:pPr marL="0" indent="0">
+              <a:buNone/>
+            </a:pPr>
+            <a:r>
+              <a:rPr lang="en-US" sz="1400" dirty="0">
                 <a:latin typeface="Courier New" panose="02070309020205020404" pitchFamily="49" charset="0"/>
                 <a:cs typeface="Courier New" panose="02070309020205020404" pitchFamily="49" charset="0"/>
               </a:rPr>
-              <a:t>.</a:t>
+              <a:t>    ...</a:t>
             </a:r>
           </a:p>
           <a:p>
@@ -10110,156 +10206,18 @@
               <a:buNone/>
             </a:pPr>
             <a:r>
-              <a:rPr lang="nl-NL" sz="1600" dirty="0" err="1">
+              <a:rPr lang="en-US" sz="1400" dirty="0">
                 <a:latin typeface="Courier New" panose="02070309020205020404" pitchFamily="49" charset="0"/>
                 <a:cs typeface="Courier New" panose="02070309020205020404" pitchFamily="49" charset="0"/>
               </a:rPr>
-              <a:t>StandardScaler</a:t>
-            </a:r>
-            <a:r>
-              <a:rPr lang="nl-NL" sz="1600" dirty="0">
+              <a:t>    return </a:t>
+            </a:r>
+            <a:r>
+              <a:rPr lang="en-US" sz="1400" b="1" dirty="0">
                 <a:latin typeface="Courier New" panose="02070309020205020404" pitchFamily="49" charset="0"/>
                 <a:cs typeface="Courier New" panose="02070309020205020404" pitchFamily="49" charset="0"/>
               </a:rPr>
-              <a:t>().</a:t>
-            </a:r>
-            <a:r>
-              <a:rPr lang="nl-NL" sz="1600" dirty="0" err="1">
-                <a:latin typeface="Courier New" panose="02070309020205020404" pitchFamily="49" charset="0"/>
-                <a:cs typeface="Courier New" panose="02070309020205020404" pitchFamily="49" charset="0"/>
-              </a:rPr>
-              <a:t>fit_transform</a:t>
-            </a:r>
-            <a:r>
-              <a:rPr lang="nl-NL" sz="1600" dirty="0">
-                <a:latin typeface="Courier New" panose="02070309020205020404" pitchFamily="49" charset="0"/>
-                <a:cs typeface="Courier New" panose="02070309020205020404" pitchFamily="49" charset="0"/>
-              </a:rPr>
-              <a:t>(</a:t>
-            </a:r>
-            <a:r>
-              <a:rPr lang="nl-NL" sz="1600" dirty="0" err="1">
-                <a:latin typeface="Courier New" panose="02070309020205020404" pitchFamily="49" charset="0"/>
-                <a:cs typeface="Courier New" panose="02070309020205020404" pitchFamily="49" charset="0"/>
-              </a:rPr>
-              <a:t>df</a:t>
-            </a:r>
-            <a:r>
-              <a:rPr lang="nl-NL" sz="1600" dirty="0">
-                <a:latin typeface="Courier New" panose="02070309020205020404" pitchFamily="49" charset="0"/>
-                <a:cs typeface="Courier New" panose="02070309020205020404" pitchFamily="49" charset="0"/>
-              </a:rPr>
-              <a:t>)</a:t>
-            </a:r>
-          </a:p>
-          <a:p>
-            <a:pPr marL="0" indent="0">
-              <a:buNone/>
-            </a:pPr>
-            <a:endParaRPr lang="nl-NL" sz="1600" dirty="0">
-              <a:latin typeface="Courier New" panose="02070309020205020404" pitchFamily="49" charset="0"/>
-              <a:cs typeface="Courier New" panose="02070309020205020404" pitchFamily="49" charset="0"/>
-            </a:endParaRPr>
-          </a:p>
-          <a:p>
-            <a:pPr marL="0" indent="0">
-              <a:buNone/>
-            </a:pPr>
-            <a:r>
-              <a:rPr lang="nl-NL" sz="1600" dirty="0">
-                <a:solidFill>
-                  <a:schemeClr val="accent6">
-                    <a:lumMod val="75000"/>
-                  </a:schemeClr>
-                </a:solidFill>
-                <a:latin typeface="Courier New" panose="02070309020205020404" pitchFamily="49" charset="0"/>
-                <a:cs typeface="Courier New" panose="02070309020205020404" pitchFamily="49" charset="0"/>
-              </a:rPr>
-              <a:t># Output is 2D </a:t>
-            </a:r>
-            <a:r>
-              <a:rPr lang="nl-NL" sz="1600" dirty="0" err="1">
-                <a:solidFill>
-                  <a:schemeClr val="accent6">
-                    <a:lumMod val="75000"/>
-                  </a:schemeClr>
-                </a:solidFill>
-                <a:latin typeface="Courier New" panose="02070309020205020404" pitchFamily="49" charset="0"/>
-                <a:cs typeface="Courier New" panose="02070309020205020404" pitchFamily="49" charset="0"/>
-              </a:rPr>
-              <a:t>numpy.ndarray</a:t>
-            </a:r>
-            <a:r>
-              <a:rPr lang="nl-NL" sz="1600" dirty="0">
-                <a:solidFill>
-                  <a:schemeClr val="accent6">
-                    <a:lumMod val="75000"/>
-                  </a:schemeClr>
-                </a:solidFill>
-                <a:latin typeface="Courier New" panose="02070309020205020404" pitchFamily="49" charset="0"/>
-                <a:cs typeface="Courier New" panose="02070309020205020404" pitchFamily="49" charset="0"/>
-              </a:rPr>
-              <a:t>...</a:t>
-            </a:r>
-          </a:p>
-          <a:p>
-            <a:pPr marL="0" indent="0">
-              <a:buNone/>
-            </a:pPr>
-            <a:r>
-              <a:rPr lang="en-US" sz="1600" dirty="0">
-                <a:latin typeface="Courier New" panose="02070309020205020404" pitchFamily="49" charset="0"/>
-                <a:cs typeface="Courier New" panose="02070309020205020404" pitchFamily="49" charset="0"/>
-              </a:rPr>
-              <a:t>array(</a:t>
-            </a:r>
-          </a:p>
-          <a:p>
-            <a:pPr marL="0" indent="0">
-              <a:buNone/>
-            </a:pPr>
-            <a:r>
-              <a:rPr lang="en-US" sz="1600" dirty="0">
-                <a:latin typeface="Courier New" panose="02070309020205020404" pitchFamily="49" charset="0"/>
-                <a:cs typeface="Courier New" panose="02070309020205020404" pitchFamily="49" charset="0"/>
-              </a:rPr>
-              <a:t>  [ [-1.22474487],</a:t>
-            </a:r>
-          </a:p>
-          <a:p>
-            <a:pPr marL="0" indent="0">
-              <a:buNone/>
-            </a:pPr>
-            <a:r>
-              <a:rPr lang="en-US" sz="1600" dirty="0">
-                <a:latin typeface="Courier New" panose="02070309020205020404" pitchFamily="49" charset="0"/>
-                <a:cs typeface="Courier New" panose="02070309020205020404" pitchFamily="49" charset="0"/>
-              </a:rPr>
-              <a:t>    [ 0.        ],</a:t>
-            </a:r>
-          </a:p>
-          <a:p>
-            <a:pPr marL="0" indent="0">
-              <a:buNone/>
-            </a:pPr>
-            <a:r>
-              <a:rPr lang="en-US" sz="1600" dirty="0">
-                <a:latin typeface="Courier New" panose="02070309020205020404" pitchFamily="49" charset="0"/>
-                <a:cs typeface="Courier New" panose="02070309020205020404" pitchFamily="49" charset="0"/>
-              </a:rPr>
-              <a:t>    [ 1.22474487] ]</a:t>
-            </a:r>
-          </a:p>
-          <a:p>
-            <a:pPr marL="0" indent="0">
-              <a:buNone/>
-            </a:pPr>
-            <a:r>
-              <a:rPr lang="en-US" sz="1600" dirty="0">
-                <a:latin typeface="Courier New" panose="02070309020205020404" pitchFamily="49" charset="0"/>
-                <a:cs typeface="Courier New" panose="02070309020205020404" pitchFamily="49" charset="0"/>
-              </a:rPr>
-              <a:t>)</a:t>
+              <a:t>X</a:t>
             </a:r>
           </a:p>
         </p:txBody>
@@ -10522,7 +10480,27 @@
                 <a:latin typeface="Courier New" panose="02070309020205020404" pitchFamily="49" charset="0"/>
                 <a:cs typeface="Courier New" panose="02070309020205020404" pitchFamily="49" charset="0"/>
               </a:rPr>
-              <a:t>fit(X, y=None) -&gt; </a:t>
+              <a:t>fit() </a:t>
+            </a:r>
+          </a:p>
+          <a:p>
+            <a:pPr marL="0" indent="0">
+              <a:buNone/>
+            </a:pPr>
+            <a:r>
+              <a:rPr lang="nl-NL" sz="1600" dirty="0"/>
+              <a:t>Krijgt een </a:t>
+            </a:r>
+            <a:r>
+              <a:rPr lang="nl-NL" sz="1600" dirty="0" err="1">
+                <a:latin typeface="Courier New" panose="02070309020205020404" pitchFamily="49" charset="0"/>
+                <a:cs typeface="Courier New" panose="02070309020205020404" pitchFamily="49" charset="0"/>
+              </a:rPr>
+              <a:t>DataFrame</a:t>
+            </a:r>
+            <a:r>
+              <a:rPr lang="nl-NL" sz="1600" dirty="0"/>
+              <a:t> en geeft </a:t>
             </a:r>
             <a:r>
               <a:rPr lang="nl-NL" sz="1600" dirty="0" err="1">
@@ -10532,40 +10510,6 @@
               <a:t>self</a:t>
             </a:r>
             <a:r>
-              <a:rPr lang="nl-NL" sz="1600" dirty="0">
-                <a:latin typeface="Courier New" panose="02070309020205020404" pitchFamily="49" charset="0"/>
-                <a:cs typeface="Courier New" panose="02070309020205020404" pitchFamily="49" charset="0"/>
-              </a:rPr>
-              <a:t>:</a:t>
-            </a:r>
-          </a:p>
-          <a:p>
-            <a:pPr marL="0" indent="0">
-              <a:buNone/>
-            </a:pPr>
-            <a:r>
-              <a:rPr lang="nl-NL" sz="1600" dirty="0"/>
-              <a:t>Krijgt een </a:t>
-            </a:r>
-            <a:r>
-              <a:rPr lang="nl-NL" sz="1600" dirty="0" err="1">
-                <a:latin typeface="Courier New" panose="02070309020205020404" pitchFamily="49" charset="0"/>
-                <a:cs typeface="Courier New" panose="02070309020205020404" pitchFamily="49" charset="0"/>
-              </a:rPr>
-              <a:t>DataFrame</a:t>
-            </a:r>
-            <a:r>
-              <a:rPr lang="nl-NL" sz="1600" dirty="0"/>
-              <a:t> en geeft </a:t>
-            </a:r>
-            <a:r>
-              <a:rPr lang="nl-NL" sz="1600" dirty="0" err="1">
-                <a:latin typeface="Courier New" panose="02070309020205020404" pitchFamily="49" charset="0"/>
-                <a:cs typeface="Courier New" panose="02070309020205020404" pitchFamily="49" charset="0"/>
-              </a:rPr>
-              <a:t>self</a:t>
-            </a:r>
-            <a:r>
               <a:rPr lang="nl-NL" sz="1600" dirty="0"/>
               <a:t> terug.</a:t>
             </a:r>
@@ -10598,21 +10542,7 @@
                 <a:latin typeface="Courier New" panose="02070309020205020404" pitchFamily="49" charset="0"/>
                 <a:cs typeface="Courier New" panose="02070309020205020404" pitchFamily="49" charset="0"/>
               </a:rPr>
-              <a:t>(X, y=None) -&gt; </a:t>
-            </a:r>
-            <a:r>
-              <a:rPr lang="nl-NL" sz="1600" dirty="0" err="1">
-                <a:latin typeface="Courier New" panose="02070309020205020404" pitchFamily="49" charset="0"/>
-                <a:cs typeface="Courier New" panose="02070309020205020404" pitchFamily="49" charset="0"/>
-              </a:rPr>
-              <a:t>DataFrame</a:t>
-            </a:r>
-            <a:r>
-              <a:rPr lang="nl-NL" sz="1600" dirty="0">
-                <a:latin typeface="Courier New" panose="02070309020205020404" pitchFamily="49" charset="0"/>
-                <a:cs typeface="Courier New" panose="02070309020205020404" pitchFamily="49" charset="0"/>
-              </a:rPr>
-              <a:t>:</a:t>
+              <a:t>()</a:t>
             </a:r>
           </a:p>
           <a:p>
@@ -10629,7 +10559,7 @@
             </a:r>
             <a:r>
               <a:rPr lang="nl-NL" sz="1600" dirty="0"/>
-              <a:t> en geeft aangepast </a:t>
+              <a:t> en geeft een aangepast </a:t>
             </a:r>
             <a:r>
               <a:rPr lang="nl-NL" sz="1600" dirty="0" err="1"/>
@@ -11024,7 +10954,7 @@
             </a:pPr>
             <a:r>
               <a:rPr lang="nl-NL" sz="2000" noProof="0" dirty="0"/>
-              <a:t>Overzicht:</a:t>
+              <a:t>ML en Python:</a:t>
             </a:r>
           </a:p>
           <a:p>
@@ -15113,7 +15043,7 @@
           <a:p>
             <a:r>
               <a:rPr lang="nl-NL" sz="1800" dirty="0"/>
-              <a:t>Log </a:t>
+              <a:t>Log -</a:t>
             </a:r>
             <a:r>
               <a:rPr lang="nl-NL" sz="1800" dirty="0" err="1"/>
@@ -15992,7 +15922,79 @@
                 <a:latin typeface="Courier New" panose="02070309020205020404" pitchFamily="49" charset="0"/>
                 <a:cs typeface="Courier New" panose="02070309020205020404" pitchFamily="49" charset="0"/>
               </a:rPr>
-              <a:t> = [0, 1, 3, 2]</a:t>
+              <a:t> = [</a:t>
+            </a:r>
+            <a:r>
+              <a:rPr lang="en-US" sz="1400" b="1" dirty="0">
+                <a:solidFill>
+                  <a:schemeClr val="accent6">
+                    <a:lumMod val="75000"/>
+                  </a:schemeClr>
+                </a:solidFill>
+                <a:latin typeface="Courier New" panose="02070309020205020404" pitchFamily="49" charset="0"/>
+                <a:cs typeface="Courier New" panose="02070309020205020404" pitchFamily="49" charset="0"/>
+              </a:rPr>
+              <a:t>0</a:t>
+            </a:r>
+            <a:r>
+              <a:rPr lang="en-US" sz="1400" dirty="0">
+                <a:latin typeface="Courier New" panose="02070309020205020404" pitchFamily="49" charset="0"/>
+                <a:cs typeface="Courier New" panose="02070309020205020404" pitchFamily="49" charset="0"/>
+              </a:rPr>
+              <a:t>, </a:t>
+            </a:r>
+            <a:r>
+              <a:rPr lang="en-US" sz="1400" b="1" dirty="0">
+                <a:solidFill>
+                  <a:schemeClr val="accent6">
+                    <a:lumMod val="75000"/>
+                  </a:schemeClr>
+                </a:solidFill>
+                <a:latin typeface="Courier New" panose="02070309020205020404" pitchFamily="49" charset="0"/>
+                <a:cs typeface="Courier New" panose="02070309020205020404" pitchFamily="49" charset="0"/>
+              </a:rPr>
+              <a:t>1</a:t>
+            </a:r>
+            <a:r>
+              <a:rPr lang="en-US" sz="1400" dirty="0">
+                <a:latin typeface="Courier New" panose="02070309020205020404" pitchFamily="49" charset="0"/>
+                <a:cs typeface="Courier New" panose="02070309020205020404" pitchFamily="49" charset="0"/>
+              </a:rPr>
+              <a:t>, </a:t>
+            </a:r>
+            <a:r>
+              <a:rPr lang="en-US" sz="1400" b="1" dirty="0">
+                <a:solidFill>
+                  <a:srgbClr val="C00000"/>
+                </a:solidFill>
+                <a:latin typeface="Courier New" panose="02070309020205020404" pitchFamily="49" charset="0"/>
+                <a:cs typeface="Courier New" panose="02070309020205020404" pitchFamily="49" charset="0"/>
+              </a:rPr>
+              <a:t>3</a:t>
+            </a:r>
+            <a:r>
+              <a:rPr lang="en-US" sz="1400" dirty="0">
+                <a:latin typeface="Courier New" panose="02070309020205020404" pitchFamily="49" charset="0"/>
+                <a:cs typeface="Courier New" panose="02070309020205020404" pitchFamily="49" charset="0"/>
+              </a:rPr>
+              <a:t>, </a:t>
+            </a:r>
+            <a:r>
+              <a:rPr lang="en-US" sz="1400" b="1" dirty="0">
+                <a:solidFill>
+                  <a:srgbClr val="C00000"/>
+                </a:solidFill>
+                <a:latin typeface="Courier New" panose="02070309020205020404" pitchFamily="49" charset="0"/>
+                <a:cs typeface="Courier New" panose="02070309020205020404" pitchFamily="49" charset="0"/>
+              </a:rPr>
+              <a:t>2</a:t>
+            </a:r>
+            <a:r>
+              <a:rPr lang="en-US" sz="1400" dirty="0">
+                <a:latin typeface="Courier New" panose="02070309020205020404" pitchFamily="49" charset="0"/>
+                <a:cs typeface="Courier New" panose="02070309020205020404" pitchFamily="49" charset="0"/>
+              </a:rPr>
+              <a:t>]</a:t>
             </a:r>
           </a:p>
           <a:p>
@@ -16162,7 +16164,7 @@
           <a:p>
             <a:r>
               <a:rPr lang="nl-NL" sz="3600" noProof="0" dirty="0"/>
-              <a:t>Valideren van een model</a:t>
+              <a:t>Prestaties goed meten</a:t>
             </a:r>
           </a:p>
         </p:txBody>
@@ -16395,316 +16397,143 @@
               <a:buNone/>
             </a:pPr>
             <a:r>
-              <a:rPr lang="nl-NL" sz="2000" dirty="0"/>
-              <a:t>Hoe interpreteer je prestatiematen; wat is een goede baseline?</a:t>
+              <a:rPr lang="nl-NL" sz="1800" b="1" dirty="0"/>
+              <a:t>Train-data</a:t>
+            </a:r>
+          </a:p>
+          <a:p>
+            <a:r>
+              <a:rPr lang="nl-NL" sz="1800" dirty="0"/>
+              <a:t> Modellen minimaliseren foutmarge op </a:t>
+            </a:r>
+            <a:r>
+              <a:rPr lang="nl-NL" sz="1800" u="sng" dirty="0"/>
+              <a:t>trainingsdata</a:t>
+            </a:r>
+            <a:r>
+              <a:rPr lang="nl-NL" sz="1800" dirty="0"/>
+              <a:t>.</a:t>
+            </a:r>
+          </a:p>
+          <a:p>
+            <a:r>
+              <a:rPr lang="nl-NL" sz="1800" dirty="0"/>
+              <a:t>Bij complex model kan optimalisatie doorschieten: </a:t>
+            </a:r>
+            <a:r>
+              <a:rPr lang="nl-NL" sz="1800" u="sng" dirty="0" err="1"/>
+              <a:t>overfitting</a:t>
+            </a:r>
+            <a:r>
+              <a:rPr lang="nl-NL" sz="1800" dirty="0"/>
+              <a:t>.</a:t>
+            </a:r>
+          </a:p>
+          <a:p>
+            <a:r>
+              <a:rPr lang="nl-NL" sz="1800" dirty="0"/>
+              <a:t>Het complexe model generaliseert slecht naar nieuwe data.</a:t>
+            </a:r>
+          </a:p>
+          <a:p>
+            <a:r>
+              <a:rPr lang="nl-NL" sz="1800" dirty="0"/>
+              <a:t>Prestaties op train-data </a:t>
+            </a:r>
+            <a:r>
+              <a:rPr lang="nl-NL" sz="1800" u="sng" dirty="0"/>
+              <a:t>niet representatief</a:t>
+            </a:r>
+            <a:r>
+              <a:rPr lang="nl-NL" sz="1800" dirty="0"/>
+              <a:t> voor werkelijkheid!</a:t>
             </a:r>
           </a:p>
           <a:p>
             <a:pPr marL="0" indent="0">
               <a:buNone/>
             </a:pPr>
-            <a:endParaRPr lang="nl-NL" sz="2000" dirty="0"/>
+            <a:endParaRPr lang="nl-NL" sz="1800" dirty="0"/>
           </a:p>
           <a:p>
             <a:pPr marL="0" indent="0">
               <a:buNone/>
             </a:pPr>
             <a:r>
-              <a:rPr lang="nl-NL" sz="2000" dirty="0"/>
-              <a:t>Afhankelijk van:</a:t>
-            </a:r>
-          </a:p>
-          <a:p>
-            <a:pPr>
-              <a:buFontTx/>
-              <a:buChar char="-"/>
-            </a:pPr>
-            <a:r>
-              <a:rPr lang="nl-NL" sz="2000" dirty="0"/>
-              <a:t>Je doelstellingen.</a:t>
-            </a:r>
-          </a:p>
-          <a:p>
-            <a:pPr>
-              <a:buFontTx/>
-              <a:buChar char="-"/>
-            </a:pPr>
-            <a:r>
-              <a:rPr lang="nl-NL" sz="2000" dirty="0"/>
-              <a:t>De huidige aanpak.</a:t>
-            </a:r>
-          </a:p>
-          <a:p>
-            <a:pPr>
-              <a:buFontTx/>
-              <a:buChar char="-"/>
-            </a:pPr>
-            <a:r>
-              <a:rPr lang="nl-NL" sz="2000" dirty="0"/>
-              <a:t>De verdeling van de labels.</a:t>
-            </a:r>
-          </a:p>
-          <a:p>
-            <a:pPr>
-              <a:buFontTx/>
-              <a:buChar char="-"/>
-            </a:pPr>
-            <a:r>
-              <a:rPr lang="nl-NL" sz="2000" dirty="0"/>
-              <a:t>De kosten en baten van fout of goed zitten.</a:t>
-            </a:r>
-          </a:p>
-          <a:p>
-            <a:pPr marL="0" indent="0">
-              <a:buNone/>
-            </a:pPr>
-            <a:endParaRPr lang="nl-NL" sz="2000" dirty="0"/>
-          </a:p>
-          <a:p>
-            <a:pPr marL="0" indent="0">
-              <a:buNone/>
-            </a:pPr>
-            <a:r>
-              <a:rPr lang="nl-NL" sz="2000" dirty="0"/>
-              <a:t>Een dummy model kan als baseline dienen om prestaties mee te vergelijken.</a:t>
+              <a:rPr lang="nl-NL" sz="1800" b="1" dirty="0"/>
+              <a:t>Test-data</a:t>
+            </a:r>
+          </a:p>
+          <a:p>
+            <a:r>
+              <a:rPr lang="nl-NL" sz="1800" dirty="0"/>
+              <a:t>Data die </a:t>
+            </a:r>
+            <a:r>
+              <a:rPr lang="nl-NL" sz="1800" u="sng" dirty="0"/>
+              <a:t>niet</a:t>
+            </a:r>
+            <a:r>
+              <a:rPr lang="nl-NL" sz="1800" dirty="0"/>
+              <a:t> gebruikt zijn bij het trainen van het model.</a:t>
+            </a:r>
+          </a:p>
+          <a:p>
+            <a:r>
+              <a:rPr lang="nl-NL" sz="1800" dirty="0"/>
+              <a:t>Het model kan zich niet aanpassen aan deze data.</a:t>
+            </a:r>
+          </a:p>
+          <a:p>
+            <a:r>
+              <a:rPr lang="nl-NL" sz="1800" dirty="0"/>
+              <a:t>Prestaties op test-data </a:t>
+            </a:r>
+            <a:r>
+              <a:rPr lang="nl-NL" sz="1800" u="sng" dirty="0"/>
+              <a:t>wel representatief</a:t>
+            </a:r>
+            <a:r>
+              <a:rPr lang="nl-NL" sz="1800" dirty="0"/>
+              <a:t> voor werkelijkheid.</a:t>
             </a:r>
           </a:p>
         </p:txBody>
       </p:sp>
-      <p:graphicFrame>
-        <p:nvGraphicFramePr>
-          <p:cNvPr id="13" name="Chart 12">
-            <a:extLst>
-              <a:ext uri="{FF2B5EF4-FFF2-40B4-BE49-F238E27FC236}">
-                <a16:creationId xmlns:a16="http://schemas.microsoft.com/office/drawing/2014/main" id="{6BB83854-E0D4-A042-4256-40EB19321964}"/>
-              </a:ext>
-            </a:extLst>
-          </p:cNvPr>
-          <p:cNvGraphicFramePr>
-            <a:graphicFrameLocks/>
-          </p:cNvGraphicFramePr>
-          <p:nvPr>
-            <p:extLst>
-              <p:ext uri="{D42A27DB-BD31-4B8C-83A1-F6EECF244321}">
-                <p14:modId xmlns:p14="http://schemas.microsoft.com/office/powerpoint/2010/main" val="3143750576"/>
-              </p:ext>
-            </p:extLst>
-          </p:nvPr>
-        </p:nvGraphicFramePr>
-        <p:xfrm>
-          <a:off x="8854439" y="1608667"/>
-          <a:ext cx="2346960" cy="1962150"/>
-        </p:xfrm>
-        <a:graphic>
-          <a:graphicData uri="http://schemas.openxmlformats.org/drawingml/2006/chart">
-            <c:chart xmlns:c="http://schemas.openxmlformats.org/drawingml/2006/chart" xmlns:r="http://schemas.openxmlformats.org/officeDocument/2006/relationships" r:id="rId2"/>
-          </a:graphicData>
-        </a:graphic>
-      </p:graphicFrame>
-      <p:sp>
-        <p:nvSpPr>
-          <p:cNvPr id="14" name="TextBox 13">
-            <a:extLst>
-              <a:ext uri="{FF2B5EF4-FFF2-40B4-BE49-F238E27FC236}">
-                <a16:creationId xmlns:a16="http://schemas.microsoft.com/office/drawing/2014/main" id="{6988D5BE-0125-BB94-413B-E0A7D016F525}"/>
-              </a:ext>
-            </a:extLst>
-          </p:cNvPr>
-          <p:cNvSpPr txBox="1"/>
+      <p:pic>
+        <p:nvPicPr>
+          <p:cNvPr id="6" name="Picture 5">
+            <a:extLst>
+              <a:ext uri="{FF2B5EF4-FFF2-40B4-BE49-F238E27FC236}">
+                <a16:creationId xmlns:a16="http://schemas.microsoft.com/office/drawing/2014/main" id="{F408C5FC-6B4D-E548-CE0D-FE6EF961BE3B}"/>
+              </a:ext>
+            </a:extLst>
+          </p:cNvPr>
+          <p:cNvPicPr>
+            <a:picLocks noChangeAspect="1"/>
+          </p:cNvPicPr>
           <p:nvPr/>
-        </p:nvSpPr>
+        </p:nvPicPr>
+        <p:blipFill>
+          <a:blip r:embed="rId2"/>
+          <a:stretch>
+            <a:fillRect/>
+          </a:stretch>
+        </p:blipFill>
         <p:spPr>
           <a:xfrm>
-            <a:off x="8854439" y="4150706"/>
-            <a:ext cx="2346959" cy="498143"/>
-          </a:xfrm>
-          <a:prstGeom prst="rect">
-            <a:avLst/>
-          </a:prstGeom>
-          <a:ln/>
-        </p:spPr>
-        <p:style>
-          <a:lnRef idx="1">
-            <a:schemeClr val="accent2"/>
-          </a:lnRef>
-          <a:fillRef idx="2">
-            <a:schemeClr val="accent2"/>
-          </a:fillRef>
-          <a:effectRef idx="1">
-            <a:schemeClr val="accent2"/>
-          </a:effectRef>
-          <a:fontRef idx="minor">
-            <a:schemeClr val="dk1"/>
-          </a:fontRef>
-        </p:style>
-        <p:txBody>
-          <a:bodyPr wrap="square" rtlCol="0" anchor="ctr">
-            <a:noAutofit/>
-          </a:bodyPr>
-          <a:lstStyle/>
-          <a:p>
-            <a:pPr algn="ctr"/>
-            <a:r>
-              <a:rPr lang="en-US" sz="1400" dirty="0" err="1"/>
-              <a:t>Voorspel</a:t>
-            </a:r>
-            <a:r>
-              <a:rPr lang="en-US" sz="1400" dirty="0"/>
-              <a:t> </a:t>
-            </a:r>
-            <a:r>
-              <a:rPr lang="en-US" sz="1400" dirty="0" err="1"/>
-              <a:t>altijd</a:t>
-            </a:r>
-            <a:r>
-              <a:rPr lang="en-US" sz="1400" dirty="0"/>
-              <a:t> "Nee"</a:t>
-            </a:r>
-            <a:endParaRPr lang="en-NL" sz="1400" dirty="0"/>
-          </a:p>
-        </p:txBody>
-      </p:sp>
-      <p:sp>
-        <p:nvSpPr>
-          <p:cNvPr id="17" name="Rectangle 16">
-            <a:extLst>
-              <a:ext uri="{FF2B5EF4-FFF2-40B4-BE49-F238E27FC236}">
-                <a16:creationId xmlns:a16="http://schemas.microsoft.com/office/drawing/2014/main" id="{C8848356-D71D-5919-CAA6-47C5BAF24AA4}"/>
-              </a:ext>
-            </a:extLst>
-          </p:cNvPr>
-          <p:cNvSpPr/>
-          <p:nvPr/>
-        </p:nvSpPr>
-        <p:spPr>
-          <a:xfrm>
-            <a:off x="8854439" y="5215213"/>
-            <a:ext cx="2346959" cy="498144"/>
+            <a:off x="8777805" y="1188235"/>
+            <a:ext cx="2575995" cy="5033554"/>
           </a:xfrm>
           <a:prstGeom prst="rect">
             <a:avLst/>
           </a:prstGeom>
         </p:spPr>
-        <p:style>
-          <a:lnRef idx="1">
-            <a:schemeClr val="accent6"/>
-          </a:lnRef>
-          <a:fillRef idx="2">
-            <a:schemeClr val="accent6"/>
-          </a:fillRef>
-          <a:effectRef idx="1">
-            <a:schemeClr val="accent6"/>
-          </a:effectRef>
-          <a:fontRef idx="minor">
-            <a:schemeClr val="dk1"/>
-          </a:fontRef>
-        </p:style>
-        <p:txBody>
-          <a:bodyPr rtlCol="0" anchor="ctr"/>
-          <a:lstStyle/>
-          <a:p>
-            <a:pPr algn="ctr"/>
-            <a:r>
-              <a:rPr lang="en-US" sz="1400" dirty="0"/>
-              <a:t>95% </a:t>
-            </a:r>
-            <a:r>
-              <a:rPr lang="en-US" sz="1400" dirty="0" err="1"/>
-              <a:t>accuraat</a:t>
-            </a:r>
-            <a:endParaRPr lang="en-NL" sz="1400" dirty="0"/>
-          </a:p>
-        </p:txBody>
-      </p:sp>
-      <p:cxnSp>
-        <p:nvCxnSpPr>
-          <p:cNvPr id="23" name="Straight Arrow Connector 22">
-            <a:extLst>
-              <a:ext uri="{FF2B5EF4-FFF2-40B4-BE49-F238E27FC236}">
-                <a16:creationId xmlns:a16="http://schemas.microsoft.com/office/drawing/2014/main" id="{92857AB0-E7AE-3E3F-6602-EE0C8118D280}"/>
-              </a:ext>
-            </a:extLst>
-          </p:cNvPr>
-          <p:cNvCxnSpPr>
-            <a:cxnSpLocks/>
-            <a:stCxn id="13" idx="2"/>
-            <a:endCxn id="14" idx="0"/>
-          </p:cNvCxnSpPr>
-          <p:nvPr/>
-        </p:nvCxnSpPr>
-        <p:spPr>
-          <a:xfrm>
-            <a:off x="10027919" y="3570817"/>
-            <a:ext cx="0" cy="579889"/>
-          </a:xfrm>
-          <a:prstGeom prst="straightConnector1">
-            <a:avLst/>
-          </a:prstGeom>
-          <a:ln>
-            <a:tailEnd type="triangle"/>
-          </a:ln>
-        </p:spPr>
-        <p:style>
-          <a:lnRef idx="2">
-            <a:schemeClr val="dk1"/>
-          </a:lnRef>
-          <a:fillRef idx="0">
-            <a:schemeClr val="dk1"/>
-          </a:fillRef>
-          <a:effectRef idx="1">
-            <a:schemeClr val="dk1"/>
-          </a:effectRef>
-          <a:fontRef idx="minor">
-            <a:schemeClr val="tx1"/>
-          </a:fontRef>
-        </p:style>
-      </p:cxnSp>
-      <p:cxnSp>
-        <p:nvCxnSpPr>
-          <p:cNvPr id="26" name="Straight Arrow Connector 25">
-            <a:extLst>
-              <a:ext uri="{FF2B5EF4-FFF2-40B4-BE49-F238E27FC236}">
-                <a16:creationId xmlns:a16="http://schemas.microsoft.com/office/drawing/2014/main" id="{4A2EF5B5-EDE7-7EB4-A39F-D8A5F5CAA92C}"/>
-              </a:ext>
-            </a:extLst>
-          </p:cNvPr>
-          <p:cNvCxnSpPr>
-            <a:stCxn id="14" idx="2"/>
-            <a:endCxn id="17" idx="0"/>
-          </p:cNvCxnSpPr>
-          <p:nvPr/>
-        </p:nvCxnSpPr>
-        <p:spPr>
-          <a:xfrm>
-            <a:off x="10027919" y="4648849"/>
-            <a:ext cx="0" cy="566364"/>
-          </a:xfrm>
-          <a:prstGeom prst="straightConnector1">
-            <a:avLst/>
-          </a:prstGeom>
-          <a:ln>
-            <a:tailEnd type="triangle"/>
-          </a:ln>
-        </p:spPr>
-        <p:style>
-          <a:lnRef idx="2">
-            <a:schemeClr val="dk1"/>
-          </a:lnRef>
-          <a:fillRef idx="0">
-            <a:schemeClr val="dk1"/>
-          </a:fillRef>
-          <a:effectRef idx="1">
-            <a:schemeClr val="dk1"/>
-          </a:effectRef>
-          <a:fontRef idx="minor">
-            <a:schemeClr val="tx1"/>
-          </a:fontRef>
-        </p:style>
-      </p:cxnSp>
+      </p:pic>
     </p:spTree>
     <p:extLst>
       <p:ext uri="{BB962C8B-B14F-4D97-AF65-F5344CB8AC3E}">
-        <p14:creationId xmlns:p14="http://schemas.microsoft.com/office/powerpoint/2010/main" val="3709893823"/>
+        <p14:creationId xmlns:p14="http://schemas.microsoft.com/office/powerpoint/2010/main" val="2736180966"/>
       </p:ext>
     </p:extLst>
   </p:cSld>
@@ -16754,7 +16583,7 @@
           <a:p>
             <a:r>
               <a:rPr lang="nl-NL" noProof="0" dirty="0"/>
-              <a:t>Overzicht Machine Learning</a:t>
+              <a:t>ML en Python</a:t>
             </a:r>
           </a:p>
         </p:txBody>
@@ -16843,9 +16672,10 @@
           <a:lstStyle/>
           <a:p>
             <a:r>
-              <a:rPr lang="nl-NL" sz="3600" noProof="0" dirty="0"/>
-              <a:t>Dummy modellen</a:t>
-            </a:r>
+              <a:rPr lang="nl-NL" sz="3600" dirty="0"/>
+              <a:t>Train – validatie – test</a:t>
+            </a:r>
+            <a:endParaRPr lang="nl-NL" sz="3600" noProof="0" dirty="0"/>
           </a:p>
         </p:txBody>
       </p:sp>
@@ -16881,12 +16711,282 @@
           </a:p>
         </p:txBody>
       </p:sp>
+      <p:graphicFrame>
+        <p:nvGraphicFramePr>
+          <p:cNvPr id="3" name="Table 4">
+            <a:extLst>
+              <a:ext uri="{FF2B5EF4-FFF2-40B4-BE49-F238E27FC236}">
+                <a16:creationId xmlns:a16="http://schemas.microsoft.com/office/drawing/2014/main" id="{0408A2A4-E22C-57CD-A15A-3BE581161F35}"/>
+              </a:ext>
+            </a:extLst>
+          </p:cNvPr>
+          <p:cNvGraphicFramePr>
+            <a:graphicFrameLocks noGrp="1"/>
+          </p:cNvGraphicFramePr>
+          <p:nvPr>
+            <p:extLst>
+              <p:ext uri="{D42A27DB-BD31-4B8C-83A1-F6EECF244321}">
+                <p14:modId xmlns:p14="http://schemas.microsoft.com/office/powerpoint/2010/main" val="3639379451"/>
+              </p:ext>
+            </p:extLst>
+          </p:nvPr>
+        </p:nvGraphicFramePr>
+        <p:xfrm>
+          <a:off x="990601" y="3131703"/>
+          <a:ext cx="9956074" cy="1294956"/>
+        </p:xfrm>
+        <a:graphic>
+          <a:graphicData uri="http://schemas.openxmlformats.org/drawingml/2006/table">
+            <a:tbl>
+              <a:tblPr firstRow="1" bandRow="1">
+                <a:tableStyleId>{5940675A-B579-460E-94D1-54222C63F5DA}</a:tableStyleId>
+              </a:tblPr>
+              <a:tblGrid>
+                <a:gridCol w="6378786">
+                  <a:extLst>
+                    <a:ext uri="{9D8B030D-6E8A-4147-A177-3AD203B41FA5}">
+                      <a16:colId xmlns:a16="http://schemas.microsoft.com/office/drawing/2014/main" val="2438186123"/>
+                    </a:ext>
+                  </a:extLst>
+                </a:gridCol>
+                <a:gridCol w="1788644">
+                  <a:extLst>
+                    <a:ext uri="{9D8B030D-6E8A-4147-A177-3AD203B41FA5}">
+                      <a16:colId xmlns:a16="http://schemas.microsoft.com/office/drawing/2014/main" val="247526330"/>
+                    </a:ext>
+                  </a:extLst>
+                </a:gridCol>
+                <a:gridCol w="1788644">
+                  <a:extLst>
+                    <a:ext uri="{9D8B030D-6E8A-4147-A177-3AD203B41FA5}">
+                      <a16:colId xmlns:a16="http://schemas.microsoft.com/office/drawing/2014/main" val="3505697190"/>
+                    </a:ext>
+                  </a:extLst>
+                </a:gridCol>
+              </a:tblGrid>
+              <a:tr h="0">
+                <a:tc gridSpan="3">
+                  <a:txBody>
+                    <a:bodyPr/>
+                    <a:lstStyle/>
+                    <a:p>
+                      <a:pPr algn="ctr"/>
+                      <a:r>
+                        <a:rPr lang="en-US" b="1" dirty="0"/>
+                        <a:t>Records</a:t>
+                      </a:r>
+                      <a:endParaRPr lang="en-NL" b="1" dirty="0"/>
+                    </a:p>
+                  </a:txBody>
+                  <a:tcPr anchor="ctr">
+                    <a:lnL w="12700" cap="flat" cmpd="sng" algn="ctr">
+                      <a:solidFill>
+                        <a:schemeClr val="tx1"/>
+                      </a:solidFill>
+                      <a:prstDash val="solid"/>
+                      <a:round/>
+                      <a:headEnd type="none" w="med" len="med"/>
+                      <a:tailEnd type="none" w="med" len="med"/>
+                    </a:lnL>
+                    <a:solidFill>
+                      <a:schemeClr val="accent6">
+                        <a:lumMod val="40000"/>
+                        <a:lumOff val="60000"/>
+                      </a:schemeClr>
+                    </a:solidFill>
+                  </a:tcPr>
+                </a:tc>
+                <a:tc hMerge="1">
+                  <a:txBody>
+                    <a:bodyPr/>
+                    <a:lstStyle/>
+                    <a:p>
+                      <a:endParaRPr lang="en-NL" dirty="0"/>
+                    </a:p>
+                  </a:txBody>
+                  <a:tcPr/>
+                </a:tc>
+                <a:tc hMerge="1">
+                  <a:txBody>
+                    <a:bodyPr/>
+                    <a:lstStyle/>
+                    <a:p>
+                      <a:endParaRPr lang="en-NL" dirty="0"/>
+                    </a:p>
+                  </a:txBody>
+                  <a:tcPr/>
+                </a:tc>
+                <a:extLst>
+                  <a:ext uri="{0D108BD9-81ED-4DB2-BD59-A6C34878D82A}">
+                    <a16:rowId xmlns:a16="http://schemas.microsoft.com/office/drawing/2014/main" val="2595353408"/>
+                  </a:ext>
+                </a:extLst>
+              </a:tr>
+              <a:tr h="464598">
+                <a:tc>
+                  <a:txBody>
+                    <a:bodyPr/>
+                    <a:lstStyle/>
+                    <a:p>
+                      <a:pPr algn="ctr"/>
+                      <a:r>
+                        <a:rPr lang="en-US" dirty="0"/>
+                        <a:t>1 - 60</a:t>
+                      </a:r>
+                      <a:endParaRPr lang="en-NL" dirty="0"/>
+                    </a:p>
+                  </a:txBody>
+                  <a:tcPr anchor="ctr">
+                    <a:lnL w="12700" cap="flat" cmpd="sng" algn="ctr">
+                      <a:solidFill>
+                        <a:schemeClr val="tx1"/>
+                      </a:solidFill>
+                      <a:prstDash val="solid"/>
+                      <a:round/>
+                      <a:headEnd type="none" w="med" len="med"/>
+                      <a:tailEnd type="none" w="med" len="med"/>
+                    </a:lnL>
+                    <a:solidFill>
+                      <a:schemeClr val="accent6">
+                        <a:lumMod val="20000"/>
+                        <a:lumOff val="80000"/>
+                      </a:schemeClr>
+                    </a:solidFill>
+                  </a:tcPr>
+                </a:tc>
+                <a:tc>
+                  <a:txBody>
+                    <a:bodyPr/>
+                    <a:lstStyle/>
+                    <a:p>
+                      <a:pPr algn="ctr"/>
+                      <a:r>
+                        <a:rPr lang="en-US" dirty="0"/>
+                        <a:t>61 - 80</a:t>
+                      </a:r>
+                      <a:endParaRPr lang="en-NL" dirty="0"/>
+                    </a:p>
+                  </a:txBody>
+                  <a:tcPr anchor="ctr">
+                    <a:solidFill>
+                      <a:schemeClr val="accent6">
+                        <a:lumMod val="20000"/>
+                        <a:lumOff val="80000"/>
+                      </a:schemeClr>
+                    </a:solidFill>
+                  </a:tcPr>
+                </a:tc>
+                <a:tc>
+                  <a:txBody>
+                    <a:bodyPr/>
+                    <a:lstStyle/>
+                    <a:p>
+                      <a:pPr algn="ctr"/>
+                      <a:r>
+                        <a:rPr lang="en-US" dirty="0"/>
+                        <a:t>81 - 100</a:t>
+                      </a:r>
+                      <a:endParaRPr lang="en-NL" dirty="0"/>
+                    </a:p>
+                  </a:txBody>
+                  <a:tcPr anchor="ctr">
+                    <a:solidFill>
+                      <a:schemeClr val="accent6">
+                        <a:lumMod val="20000"/>
+                        <a:lumOff val="80000"/>
+                      </a:schemeClr>
+                    </a:solidFill>
+                  </a:tcPr>
+                </a:tc>
+                <a:extLst>
+                  <a:ext uri="{0D108BD9-81ED-4DB2-BD59-A6C34878D82A}">
+                    <a16:rowId xmlns:a16="http://schemas.microsoft.com/office/drawing/2014/main" val="575539422"/>
+                  </a:ext>
+                </a:extLst>
+              </a:tr>
+              <a:tr h="464598">
+                <a:tc>
+                  <a:txBody>
+                    <a:bodyPr/>
+                    <a:lstStyle/>
+                    <a:p>
+                      <a:pPr algn="ctr"/>
+                      <a:r>
+                        <a:rPr lang="en-US" dirty="0"/>
+                        <a:t>Train</a:t>
+                      </a:r>
+                      <a:endParaRPr lang="en-NL" dirty="0"/>
+                    </a:p>
+                  </a:txBody>
+                  <a:tcPr anchor="ctr">
+                    <a:solidFill>
+                      <a:schemeClr val="accent4">
+                        <a:lumMod val="40000"/>
+                        <a:lumOff val="60000"/>
+                      </a:schemeClr>
+                    </a:solidFill>
+                  </a:tcPr>
+                </a:tc>
+                <a:tc>
+                  <a:txBody>
+                    <a:bodyPr/>
+                    <a:lstStyle/>
+                    <a:p>
+                      <a:pPr algn="ctr"/>
+                      <a:r>
+                        <a:rPr lang="en-US" dirty="0" err="1"/>
+                        <a:t>Validatie</a:t>
+                      </a:r>
+                      <a:endParaRPr lang="en-NL" dirty="0"/>
+                    </a:p>
+                  </a:txBody>
+                  <a:tcPr anchor="ctr">
+                    <a:solidFill>
+                      <a:schemeClr val="accent2">
+                        <a:lumMod val="60000"/>
+                        <a:lumOff val="40000"/>
+                      </a:schemeClr>
+                    </a:solidFill>
+                  </a:tcPr>
+                </a:tc>
+                <a:tc>
+                  <a:txBody>
+                    <a:bodyPr/>
+                    <a:lstStyle/>
+                    <a:p>
+                      <a:pPr algn="ctr"/>
+                      <a:r>
+                        <a:rPr lang="en-US" dirty="0"/>
+                        <a:t>Test</a:t>
+                      </a:r>
+                      <a:endParaRPr lang="en-NL" dirty="0"/>
+                    </a:p>
+                  </a:txBody>
+                  <a:tcPr anchor="ctr">
+                    <a:solidFill>
+                      <a:schemeClr val="accent5">
+                        <a:lumMod val="60000"/>
+                        <a:lumOff val="40000"/>
+                      </a:schemeClr>
+                    </a:solidFill>
+                  </a:tcPr>
+                </a:tc>
+                <a:extLst>
+                  <a:ext uri="{0D108BD9-81ED-4DB2-BD59-A6C34878D82A}">
+                    <a16:rowId xmlns:a16="http://schemas.microsoft.com/office/drawing/2014/main" val="2643503451"/>
+                  </a:ext>
+                </a:extLst>
+              </a:tr>
+            </a:tbl>
+          </a:graphicData>
+        </a:graphic>
+      </p:graphicFrame>
       <p:sp>
         <p:nvSpPr>
-          <p:cNvPr id="9" name="Content Placeholder 2">
-            <a:extLst>
-              <a:ext uri="{FF2B5EF4-FFF2-40B4-BE49-F238E27FC236}">
-                <a16:creationId xmlns:a16="http://schemas.microsoft.com/office/drawing/2014/main" id="{859EFECF-ED02-A3B2-D77A-667F104FEDE5}"/>
+          <p:cNvPr id="5" name="Content Placeholder 2">
+            <a:extLst>
+              <a:ext uri="{FF2B5EF4-FFF2-40B4-BE49-F238E27FC236}">
+                <a16:creationId xmlns:a16="http://schemas.microsoft.com/office/drawing/2014/main" id="{C0C9B175-1295-12B2-9AD0-5C333CB73832}"/>
               </a:ext>
             </a:extLst>
           </p:cNvPr>
@@ -16897,8 +16997,8 @@
         </p:nvSpPr>
         <p:spPr>
           <a:xfrm>
-            <a:off x="990602" y="1608667"/>
-            <a:ext cx="6109061" cy="4720696"/>
+            <a:off x="990601" y="1608667"/>
+            <a:ext cx="9949542" cy="4720696"/>
           </a:xfrm>
           <a:prstGeom prst="rect">
             <a:avLst/>
@@ -17077,420 +17177,86 @@
               <a:buNone/>
             </a:pPr>
             <a:r>
-              <a:rPr lang="nl-NL" sz="2000" b="1" dirty="0" err="1"/>
-              <a:t>sklearn.dummy.DummyClassifier</a:t>
-            </a:r>
-            <a:endParaRPr lang="nl-NL" sz="2000" b="1" dirty="0"/>
-          </a:p>
-          <a:p>
-            <a:pPr>
-              <a:buFontTx/>
-              <a:buChar char="-"/>
-            </a:pPr>
-            <a:r>
-              <a:rPr lang="nl-NL" sz="1400" dirty="0" err="1">
-                <a:latin typeface="Courier New" panose="02070309020205020404" pitchFamily="49" charset="0"/>
-                <a:cs typeface="Courier New" panose="02070309020205020404" pitchFamily="49" charset="0"/>
-              </a:rPr>
-              <a:t>most_frequent</a:t>
-            </a:r>
-            <a:r>
-              <a:rPr lang="nl-NL" sz="1400" dirty="0"/>
-              <a:t>		Voorspel meest voorkomende waarde.</a:t>
-            </a:r>
-          </a:p>
-          <a:p>
-            <a:pPr>
-              <a:buFontTx/>
-              <a:buChar char="-"/>
-            </a:pPr>
-            <a:r>
-              <a:rPr lang="nl-NL" sz="1400" dirty="0" err="1">
-                <a:latin typeface="Courier New" panose="02070309020205020404" pitchFamily="49" charset="0"/>
-                <a:cs typeface="Courier New" panose="02070309020205020404" pitchFamily="49" charset="0"/>
-              </a:rPr>
-              <a:t>stratified</a:t>
-            </a:r>
-            <a:r>
-              <a:rPr lang="nl-NL" sz="1400" dirty="0"/>
-              <a:t> 		Trek waarde uit vergelijkbare verdeling.</a:t>
-            </a:r>
-          </a:p>
-          <a:p>
-            <a:pPr>
-              <a:buFontTx/>
-              <a:buChar char="-"/>
-            </a:pPr>
-            <a:r>
-              <a:rPr lang="nl-NL" sz="1400" dirty="0">
-                <a:latin typeface="Courier New" panose="02070309020205020404" pitchFamily="49" charset="0"/>
-                <a:cs typeface="Courier New" panose="02070309020205020404" pitchFamily="49" charset="0"/>
-              </a:rPr>
-              <a:t>uniform</a:t>
-            </a:r>
-            <a:r>
-              <a:rPr lang="nl-NL" sz="1400" dirty="0"/>
-              <a:t>		Trek waarde uit uniforme verdeling.</a:t>
-            </a:r>
-          </a:p>
-          <a:p>
-            <a:pPr>
-              <a:buFontTx/>
-              <a:buChar char="-"/>
-            </a:pPr>
-            <a:r>
-              <a:rPr lang="nl-NL" sz="1400" dirty="0">
-                <a:latin typeface="Courier New" panose="02070309020205020404" pitchFamily="49" charset="0"/>
-                <a:cs typeface="Courier New" panose="02070309020205020404" pitchFamily="49" charset="0"/>
-              </a:rPr>
-              <a:t>constant</a:t>
-            </a:r>
-            <a:r>
-              <a:rPr lang="nl-NL" sz="1400" dirty="0"/>
-              <a:t>		Voorspel constante waarde.</a:t>
+              <a:rPr lang="nl-NL" sz="2000" dirty="0"/>
+              <a:t>Train dataset:		Gebruikt om model op te trainen.</a:t>
             </a:r>
           </a:p>
           <a:p>
             <a:pPr marL="0" indent="0">
               <a:buNone/>
             </a:pPr>
-            <a:endParaRPr lang="nl-NL" sz="2000" dirty="0"/>
+            <a:r>
+              <a:rPr lang="nl-NL" sz="2000" dirty="0"/>
+              <a:t>Validatie dataset:		Gebruikt om modellen te vergelijken.</a:t>
+            </a:r>
           </a:p>
           <a:p>
             <a:pPr marL="0" indent="0">
               <a:buNone/>
             </a:pPr>
             <a:r>
-              <a:rPr lang="nl-NL" sz="2000" b="1" dirty="0" err="1"/>
-              <a:t>sklearn.dummy.DummyRegressor</a:t>
-            </a:r>
-            <a:endParaRPr lang="nl-NL" sz="2000" b="1" dirty="0"/>
-          </a:p>
-          <a:p>
-            <a:pPr>
-              <a:buFontTx/>
-              <a:buChar char="-"/>
-            </a:pPr>
-            <a:r>
-              <a:rPr lang="nl-NL" sz="1400" dirty="0" err="1">
-                <a:latin typeface="Courier New" panose="02070309020205020404" pitchFamily="49" charset="0"/>
-                <a:cs typeface="Courier New" panose="02070309020205020404" pitchFamily="49" charset="0"/>
-              </a:rPr>
-              <a:t>mean</a:t>
-            </a:r>
-            <a:r>
-              <a:rPr lang="nl-NL" sz="1400" dirty="0"/>
-              <a:t> 			Voorspel gemiddelde waarde.</a:t>
-            </a:r>
-          </a:p>
-          <a:p>
-            <a:pPr>
-              <a:buFontTx/>
-              <a:buChar char="-"/>
-            </a:pPr>
-            <a:r>
-              <a:rPr lang="nl-NL" sz="1400" dirty="0" err="1">
-                <a:latin typeface="Courier New" panose="02070309020205020404" pitchFamily="49" charset="0"/>
-                <a:cs typeface="Courier New" panose="02070309020205020404" pitchFamily="49" charset="0"/>
-              </a:rPr>
-              <a:t>median</a:t>
-            </a:r>
-            <a:r>
-              <a:rPr lang="nl-NL" sz="1400" dirty="0">
-                <a:latin typeface="Courier New" panose="02070309020205020404" pitchFamily="49" charset="0"/>
-                <a:cs typeface="Courier New" panose="02070309020205020404" pitchFamily="49" charset="0"/>
-              </a:rPr>
-              <a:t>/</a:t>
-            </a:r>
-            <a:r>
-              <a:rPr lang="nl-NL" sz="1400" dirty="0" err="1">
-                <a:latin typeface="Courier New" panose="02070309020205020404" pitchFamily="49" charset="0"/>
-                <a:cs typeface="Courier New" panose="02070309020205020404" pitchFamily="49" charset="0"/>
-              </a:rPr>
-              <a:t>quantile</a:t>
-            </a:r>
-            <a:r>
-              <a:rPr lang="nl-NL" sz="1400" dirty="0"/>
-              <a:t> 	Voorspel een bepaald kwantiel.</a:t>
-            </a:r>
-          </a:p>
-          <a:p>
-            <a:pPr>
-              <a:buFontTx/>
-              <a:buChar char="-"/>
-            </a:pPr>
-            <a:r>
-              <a:rPr lang="nl-NL" sz="1400" dirty="0">
-                <a:latin typeface="Courier New" panose="02070309020205020404" pitchFamily="49" charset="0"/>
-                <a:cs typeface="Courier New" panose="02070309020205020404" pitchFamily="49" charset="0"/>
-              </a:rPr>
-              <a:t>constant</a:t>
-            </a:r>
-            <a:r>
-              <a:rPr lang="nl-NL" sz="1400" dirty="0"/>
-              <a:t>		Voorspel constante waarde.</a:t>
+              <a:rPr lang="nl-NL" sz="2000" dirty="0"/>
+              <a:t>Test dataset:		Gebruikt voor accurate schatting prestaties.</a:t>
             </a:r>
           </a:p>
         </p:txBody>
       </p:sp>
       <p:sp>
         <p:nvSpPr>
-          <p:cNvPr id="3" name="TextBox 2">
-            <a:extLst>
-              <a:ext uri="{FF2B5EF4-FFF2-40B4-BE49-F238E27FC236}">
-                <a16:creationId xmlns:a16="http://schemas.microsoft.com/office/drawing/2014/main" id="{F665CE7E-418E-CA1E-D7F1-E288EA9DC5CF}"/>
-              </a:ext>
-            </a:extLst>
-          </p:cNvPr>
-          <p:cNvSpPr txBox="1"/>
+          <p:cNvPr id="12" name="Oval 11">
+            <a:extLst>
+              <a:ext uri="{FF2B5EF4-FFF2-40B4-BE49-F238E27FC236}">
+                <a16:creationId xmlns:a16="http://schemas.microsoft.com/office/drawing/2014/main" id="{AD627D57-DAA1-66EB-04AD-B24ABD950046}"/>
+              </a:ext>
+            </a:extLst>
+          </p:cNvPr>
+          <p:cNvSpPr/>
           <p:nvPr/>
         </p:nvSpPr>
         <p:spPr>
           <a:xfrm>
-            <a:off x="8092440" y="1608667"/>
-            <a:ext cx="3657600" cy="3323987"/>
-          </a:xfrm>
-          <a:prstGeom prst="rect">
+            <a:off x="9568542" y="6119948"/>
+            <a:ext cx="293915" cy="293915"/>
+          </a:xfrm>
+          <a:prstGeom prst="ellipse">
             <a:avLst/>
           </a:prstGeom>
           <a:noFill/>
-        </p:spPr>
-        <p:txBody>
-          <a:bodyPr wrap="square" rtlCol="0">
-            <a:spAutoFit/>
-          </a:bodyPr>
-          <a:lstStyle/>
-          <a:p>
-            <a:r>
-              <a:rPr lang="en-US" sz="1400" dirty="0">
-                <a:latin typeface="Courier New" panose="02070309020205020404" pitchFamily="49" charset="0"/>
-                <a:cs typeface="Courier New" panose="02070309020205020404" pitchFamily="49" charset="0"/>
-              </a:rPr>
-              <a:t>from </a:t>
-            </a:r>
-            <a:r>
-              <a:rPr lang="en-US" sz="1400" dirty="0" err="1">
-                <a:latin typeface="Courier New" panose="02070309020205020404" pitchFamily="49" charset="0"/>
-                <a:cs typeface="Courier New" panose="02070309020205020404" pitchFamily="49" charset="0"/>
-              </a:rPr>
-              <a:t>sklearn.dummy</a:t>
-            </a:r>
-            <a:r>
-              <a:rPr lang="en-US" sz="1400" dirty="0">
-                <a:latin typeface="Courier New" panose="02070309020205020404" pitchFamily="49" charset="0"/>
-                <a:cs typeface="Courier New" panose="02070309020205020404" pitchFamily="49" charset="0"/>
-              </a:rPr>
-              <a:t> import \</a:t>
-            </a:r>
-          </a:p>
-          <a:p>
-            <a:r>
-              <a:rPr lang="en-US" sz="1400" dirty="0">
-                <a:latin typeface="Courier New" panose="02070309020205020404" pitchFamily="49" charset="0"/>
-                <a:cs typeface="Courier New" panose="02070309020205020404" pitchFamily="49" charset="0"/>
-              </a:rPr>
-              <a:t>  </a:t>
-            </a:r>
-            <a:r>
-              <a:rPr lang="en-US" sz="1400" dirty="0" err="1">
-                <a:latin typeface="Courier New" panose="02070309020205020404" pitchFamily="49" charset="0"/>
-                <a:cs typeface="Courier New" panose="02070309020205020404" pitchFamily="49" charset="0"/>
-              </a:rPr>
-              <a:t>DummyRegressor</a:t>
-            </a:r>
-            <a:endParaRPr lang="en-US" sz="1400" dirty="0">
-              <a:latin typeface="Courier New" panose="02070309020205020404" pitchFamily="49" charset="0"/>
-              <a:cs typeface="Courier New" panose="02070309020205020404" pitchFamily="49" charset="0"/>
-            </a:endParaRPr>
-          </a:p>
-          <a:p>
-            <a:endParaRPr lang="en-US" sz="1400" dirty="0">
-              <a:latin typeface="Courier New" panose="02070309020205020404" pitchFamily="49" charset="0"/>
-              <a:cs typeface="Courier New" panose="02070309020205020404" pitchFamily="49" charset="0"/>
-            </a:endParaRPr>
-          </a:p>
-          <a:p>
-            <a:endParaRPr lang="en-US" sz="1400" dirty="0">
-              <a:latin typeface="Courier New" panose="02070309020205020404" pitchFamily="49" charset="0"/>
-              <a:cs typeface="Courier New" panose="02070309020205020404" pitchFamily="49" charset="0"/>
-            </a:endParaRPr>
-          </a:p>
-          <a:p>
-            <a:r>
-              <a:rPr lang="en-US" sz="1400" dirty="0">
-                <a:latin typeface="Courier New" panose="02070309020205020404" pitchFamily="49" charset="0"/>
-                <a:cs typeface="Courier New" panose="02070309020205020404" pitchFamily="49" charset="0"/>
-              </a:rPr>
-              <a:t>X = [[25, 25], [50, 50]]</a:t>
-            </a:r>
-          </a:p>
-          <a:p>
-            <a:r>
-              <a:rPr lang="en-US" sz="1400" dirty="0">
-                <a:latin typeface="Courier New" panose="02070309020205020404" pitchFamily="49" charset="0"/>
-                <a:cs typeface="Courier New" panose="02070309020205020404" pitchFamily="49" charset="0"/>
-              </a:rPr>
-              <a:t>y = [50, 100]</a:t>
-            </a:r>
-          </a:p>
-          <a:p>
-            <a:endParaRPr lang="en-US" sz="1400" dirty="0">
-              <a:latin typeface="Courier New" panose="02070309020205020404" pitchFamily="49" charset="0"/>
-              <a:cs typeface="Courier New" panose="02070309020205020404" pitchFamily="49" charset="0"/>
-            </a:endParaRPr>
-          </a:p>
-          <a:p>
-            <a:endParaRPr lang="en-US" sz="1400" dirty="0">
-              <a:latin typeface="Courier New" panose="02070309020205020404" pitchFamily="49" charset="0"/>
-              <a:cs typeface="Courier New" panose="02070309020205020404" pitchFamily="49" charset="0"/>
-            </a:endParaRPr>
-          </a:p>
-          <a:p>
-            <a:r>
-              <a:rPr lang="en-US" sz="1400" dirty="0">
-                <a:latin typeface="Courier New" panose="02070309020205020404" pitchFamily="49" charset="0"/>
-                <a:cs typeface="Courier New" panose="02070309020205020404" pitchFamily="49" charset="0"/>
-              </a:rPr>
-              <a:t>dummy = </a:t>
-            </a:r>
-            <a:r>
-              <a:rPr lang="en-US" sz="1400" dirty="0" err="1">
-                <a:latin typeface="Courier New" panose="02070309020205020404" pitchFamily="49" charset="0"/>
-                <a:cs typeface="Courier New" panose="02070309020205020404" pitchFamily="49" charset="0"/>
-              </a:rPr>
-              <a:t>DummyRegressor</a:t>
-            </a:r>
-            <a:r>
-              <a:rPr lang="en-US" sz="1400" dirty="0">
-                <a:latin typeface="Courier New" panose="02070309020205020404" pitchFamily="49" charset="0"/>
-                <a:cs typeface="Courier New" panose="02070309020205020404" pitchFamily="49" charset="0"/>
-              </a:rPr>
-              <a:t>(</a:t>
-            </a:r>
-          </a:p>
-          <a:p>
-            <a:r>
-              <a:rPr lang="en-US" sz="1400" dirty="0">
-                <a:latin typeface="Courier New" panose="02070309020205020404" pitchFamily="49" charset="0"/>
-                <a:cs typeface="Courier New" panose="02070309020205020404" pitchFamily="49" charset="0"/>
-              </a:rPr>
-              <a:t>  strategy=</a:t>
-            </a:r>
-            <a:r>
-              <a:rPr lang="en-US" sz="1400" dirty="0">
-                <a:solidFill>
-                  <a:schemeClr val="accent2">
-                    <a:lumMod val="75000"/>
-                  </a:schemeClr>
-                </a:solidFill>
-                <a:latin typeface="Courier New" panose="02070309020205020404" pitchFamily="49" charset="0"/>
-                <a:cs typeface="Courier New" panose="02070309020205020404" pitchFamily="49" charset="0"/>
-              </a:rPr>
-              <a:t>"mean"</a:t>
-            </a:r>
-          </a:p>
-          <a:p>
-            <a:r>
-              <a:rPr lang="en-US" sz="1400" dirty="0">
-                <a:latin typeface="Courier New" panose="02070309020205020404" pitchFamily="49" charset="0"/>
-                <a:cs typeface="Courier New" panose="02070309020205020404" pitchFamily="49" charset="0"/>
-              </a:rPr>
-              <a:t>)</a:t>
-            </a:r>
-          </a:p>
-          <a:p>
-            <a:r>
-              <a:rPr lang="en-US" sz="1400" dirty="0" err="1">
-                <a:latin typeface="Courier New" panose="02070309020205020404" pitchFamily="49" charset="0"/>
-                <a:cs typeface="Courier New" panose="02070309020205020404" pitchFamily="49" charset="0"/>
-              </a:rPr>
-              <a:t>dummy.fit</a:t>
-            </a:r>
-            <a:r>
-              <a:rPr lang="en-US" sz="1400" dirty="0">
-                <a:latin typeface="Courier New" panose="02070309020205020404" pitchFamily="49" charset="0"/>
-                <a:cs typeface="Courier New" panose="02070309020205020404" pitchFamily="49" charset="0"/>
-              </a:rPr>
-              <a:t>(X, y)</a:t>
-            </a:r>
-          </a:p>
-          <a:p>
-            <a:endParaRPr lang="en-US" sz="1400" dirty="0">
-              <a:latin typeface="Courier New" panose="02070309020205020404" pitchFamily="49" charset="0"/>
-              <a:cs typeface="Courier New" panose="02070309020205020404" pitchFamily="49" charset="0"/>
-            </a:endParaRPr>
-          </a:p>
-          <a:p>
-            <a:r>
-              <a:rPr lang="en-US" sz="1400" dirty="0" err="1">
-                <a:latin typeface="Courier New" panose="02070309020205020404" pitchFamily="49" charset="0"/>
-                <a:cs typeface="Courier New" panose="02070309020205020404" pitchFamily="49" charset="0"/>
-              </a:rPr>
-              <a:t>dummy.predict</a:t>
-            </a:r>
-            <a:r>
-              <a:rPr lang="en-US" sz="1400" dirty="0">
-                <a:latin typeface="Courier New" panose="02070309020205020404" pitchFamily="49" charset="0"/>
-                <a:cs typeface="Courier New" panose="02070309020205020404" pitchFamily="49" charset="0"/>
-              </a:rPr>
-              <a:t>(X)</a:t>
-            </a:r>
-          </a:p>
-          <a:p>
-            <a:r>
-              <a:rPr lang="en-US" sz="1400" dirty="0">
-                <a:latin typeface="Courier New" panose="02070309020205020404" pitchFamily="49" charset="0"/>
-                <a:cs typeface="Courier New" panose="02070309020205020404" pitchFamily="49" charset="0"/>
-              </a:rPr>
-              <a:t># returns [75, 75]</a:t>
-            </a:r>
-            <a:endParaRPr lang="en-NL" sz="1400" dirty="0">
-              <a:latin typeface="Courier New" panose="02070309020205020404" pitchFamily="49" charset="0"/>
-              <a:cs typeface="Courier New" panose="02070309020205020404" pitchFamily="49" charset="0"/>
-            </a:endParaRPr>
-          </a:p>
-        </p:txBody>
-      </p:sp>
-      <p:cxnSp>
-        <p:nvCxnSpPr>
-          <p:cNvPr id="6" name="Straight Connector 5">
-            <a:extLst>
-              <a:ext uri="{FF2B5EF4-FFF2-40B4-BE49-F238E27FC236}">
-                <a16:creationId xmlns:a16="http://schemas.microsoft.com/office/drawing/2014/main" id="{B506F0B0-302C-0F2B-BCF4-350934C95DC4}"/>
-              </a:ext>
-            </a:extLst>
-          </p:cNvPr>
-          <p:cNvCxnSpPr/>
-          <p:nvPr/>
-        </p:nvCxnSpPr>
-        <p:spPr>
-          <a:xfrm>
-            <a:off x="7543800" y="1608667"/>
-            <a:ext cx="0" cy="4694162"/>
-          </a:xfrm>
-          <a:prstGeom prst="line">
-            <a:avLst/>
-          </a:prstGeom>
+          <a:ln>
+            <a:solidFill>
+              <a:srgbClr val="C00000"/>
+            </a:solidFill>
+          </a:ln>
         </p:spPr>
         <p:style>
           <a:lnRef idx="2">
-            <a:schemeClr val="dk1"/>
+            <a:schemeClr val="accent1">
+              <a:shade val="15000"/>
+            </a:schemeClr>
           </a:lnRef>
-          <a:fillRef idx="0">
-            <a:schemeClr val="dk1"/>
+          <a:fillRef idx="1">
+            <a:schemeClr val="accent1"/>
           </a:fillRef>
-          <a:effectRef idx="1">
-            <a:schemeClr val="dk1"/>
+          <a:effectRef idx="0">
+            <a:schemeClr val="accent1"/>
           </a:effectRef>
           <a:fontRef idx="minor">
-            <a:schemeClr val="tx1"/>
+            <a:schemeClr val="lt1"/>
           </a:fontRef>
         </p:style>
-      </p:cxnSp>
+        <p:txBody>
+          <a:bodyPr rtlCol="0" anchor="ctr"/>
+          <a:lstStyle/>
+          <a:p>
+            <a:pPr algn="ctr"/>
+            <a:endParaRPr lang="en-NL"/>
+          </a:p>
+        </p:txBody>
+      </p:sp>
     </p:spTree>
     <p:extLst>
       <p:ext uri="{BB962C8B-B14F-4D97-AF65-F5344CB8AC3E}">
-        <p14:creationId xmlns:p14="http://schemas.microsoft.com/office/powerpoint/2010/main" val="3387491440"/>
+        <p14:creationId xmlns:p14="http://schemas.microsoft.com/office/powerpoint/2010/main" val="4286542286"/>
       </p:ext>
     </p:extLst>
   </p:cSld>
@@ -17519,89 +17285,6 @@
       </p:grpSpPr>
       <p:sp>
         <p:nvSpPr>
-          <p:cNvPr id="4" name="Title 3">
-            <a:extLst>
-              <a:ext uri="{FF2B5EF4-FFF2-40B4-BE49-F238E27FC236}">
-                <a16:creationId xmlns:a16="http://schemas.microsoft.com/office/drawing/2014/main" id="{72C925CA-BCA3-3701-E08E-95652380B32E}"/>
-              </a:ext>
-            </a:extLst>
-          </p:cNvPr>
-          <p:cNvSpPr>
-            <a:spLocks noGrp="1"/>
-          </p:cNvSpPr>
-          <p:nvPr>
-            <p:ph type="title"/>
-          </p:nvPr>
-        </p:nvSpPr>
-        <p:spPr/>
-        <p:txBody>
-          <a:bodyPr/>
-          <a:lstStyle/>
-          <a:p>
-            <a:r>
-              <a:rPr lang="nl-NL" noProof="0" dirty="0"/>
-              <a:t>Selecteren</a:t>
-            </a:r>
-          </a:p>
-        </p:txBody>
-      </p:sp>
-      <p:sp>
-        <p:nvSpPr>
-          <p:cNvPr id="5" name="Text Placeholder 4">
-            <a:extLst>
-              <a:ext uri="{FF2B5EF4-FFF2-40B4-BE49-F238E27FC236}">
-                <a16:creationId xmlns:a16="http://schemas.microsoft.com/office/drawing/2014/main" id="{1AB31C95-91AF-DF13-FB58-0DA5F2D9F6F7}"/>
-              </a:ext>
-            </a:extLst>
-          </p:cNvPr>
-          <p:cNvSpPr>
-            <a:spLocks noGrp="1"/>
-          </p:cNvSpPr>
-          <p:nvPr>
-            <p:ph type="body" idx="1"/>
-          </p:nvPr>
-        </p:nvSpPr>
-        <p:spPr/>
-        <p:txBody>
-          <a:bodyPr/>
-          <a:lstStyle/>
-          <a:p>
-            <a:endParaRPr lang="en-NL"/>
-          </a:p>
-        </p:txBody>
-      </p:sp>
-    </p:spTree>
-    <p:extLst>
-      <p:ext uri="{BB962C8B-B14F-4D97-AF65-F5344CB8AC3E}">
-        <p14:creationId xmlns:p14="http://schemas.microsoft.com/office/powerpoint/2010/main" val="3009350591"/>
-      </p:ext>
-    </p:extLst>
-  </p:cSld>
-  <p:clrMapOvr>
-    <a:masterClrMapping/>
-  </p:clrMapOvr>
-</p:sld>
-</file>
-
-<file path=ppt/slides/slide32.xml><?xml version="1.0" encoding="utf-8"?>
-<p:sld xmlns:a="http://schemas.openxmlformats.org/drawingml/2006/main" xmlns:r="http://schemas.openxmlformats.org/officeDocument/2006/relationships" xmlns:p="http://schemas.openxmlformats.org/presentationml/2006/main">
-  <p:cSld>
-    <p:spTree>
-      <p:nvGrpSpPr>
-        <p:cNvPr id="1" name=""/>
-        <p:cNvGrpSpPr/>
-        <p:nvPr/>
-      </p:nvGrpSpPr>
-      <p:grpSpPr>
-        <a:xfrm>
-          <a:off x="0" y="0"/>
-          <a:ext cx="0" cy="0"/>
-          <a:chOff x="0" y="0"/>
-          <a:chExt cx="0" cy="0"/>
-        </a:xfrm>
-      </p:grpSpPr>
-      <p:sp>
-        <p:nvSpPr>
           <p:cNvPr id="2" name="Title 1">
             <a:extLst>
               <a:ext uri="{FF2B5EF4-FFF2-40B4-BE49-F238E27FC236}">
@@ -17630,7 +17313,7 @@
           <a:p>
             <a:r>
               <a:rPr lang="nl-NL" sz="3600" dirty="0"/>
-              <a:t>Belang van test data</a:t>
+              <a:t>Train – validatie – test</a:t>
             </a:r>
             <a:endParaRPr lang="nl-NL" sz="3600" noProof="0" dirty="0"/>
           </a:p>
@@ -17668,12 +17351,276 @@
           </a:p>
         </p:txBody>
       </p:sp>
+      <p:graphicFrame>
+        <p:nvGraphicFramePr>
+          <p:cNvPr id="3" name="Table 4">
+            <a:extLst>
+              <a:ext uri="{FF2B5EF4-FFF2-40B4-BE49-F238E27FC236}">
+                <a16:creationId xmlns:a16="http://schemas.microsoft.com/office/drawing/2014/main" id="{0408A2A4-E22C-57CD-A15A-3BE581161F35}"/>
+              </a:ext>
+            </a:extLst>
+          </p:cNvPr>
+          <p:cNvGraphicFramePr>
+            <a:graphicFrameLocks noGrp="1"/>
+          </p:cNvGraphicFramePr>
+          <p:nvPr/>
+        </p:nvGraphicFramePr>
+        <p:xfrm>
+          <a:off x="990601" y="3131703"/>
+          <a:ext cx="9956074" cy="1294956"/>
+        </p:xfrm>
+        <a:graphic>
+          <a:graphicData uri="http://schemas.openxmlformats.org/drawingml/2006/table">
+            <a:tbl>
+              <a:tblPr firstRow="1" bandRow="1">
+                <a:tableStyleId>{5940675A-B579-460E-94D1-54222C63F5DA}</a:tableStyleId>
+              </a:tblPr>
+              <a:tblGrid>
+                <a:gridCol w="6378786">
+                  <a:extLst>
+                    <a:ext uri="{9D8B030D-6E8A-4147-A177-3AD203B41FA5}">
+                      <a16:colId xmlns:a16="http://schemas.microsoft.com/office/drawing/2014/main" val="2438186123"/>
+                    </a:ext>
+                  </a:extLst>
+                </a:gridCol>
+                <a:gridCol w="1788644">
+                  <a:extLst>
+                    <a:ext uri="{9D8B030D-6E8A-4147-A177-3AD203B41FA5}">
+                      <a16:colId xmlns:a16="http://schemas.microsoft.com/office/drawing/2014/main" val="247526330"/>
+                    </a:ext>
+                  </a:extLst>
+                </a:gridCol>
+                <a:gridCol w="1788644">
+                  <a:extLst>
+                    <a:ext uri="{9D8B030D-6E8A-4147-A177-3AD203B41FA5}">
+                      <a16:colId xmlns:a16="http://schemas.microsoft.com/office/drawing/2014/main" val="3505697190"/>
+                    </a:ext>
+                  </a:extLst>
+                </a:gridCol>
+              </a:tblGrid>
+              <a:tr h="0">
+                <a:tc gridSpan="3">
+                  <a:txBody>
+                    <a:bodyPr/>
+                    <a:lstStyle/>
+                    <a:p>
+                      <a:pPr algn="ctr"/>
+                      <a:r>
+                        <a:rPr lang="en-US" b="1" dirty="0"/>
+                        <a:t>Records</a:t>
+                      </a:r>
+                      <a:endParaRPr lang="en-NL" b="1" dirty="0"/>
+                    </a:p>
+                  </a:txBody>
+                  <a:tcPr anchor="ctr">
+                    <a:lnL w="12700" cap="flat" cmpd="sng" algn="ctr">
+                      <a:solidFill>
+                        <a:schemeClr val="tx1"/>
+                      </a:solidFill>
+                      <a:prstDash val="solid"/>
+                      <a:round/>
+                      <a:headEnd type="none" w="med" len="med"/>
+                      <a:tailEnd type="none" w="med" len="med"/>
+                    </a:lnL>
+                    <a:solidFill>
+                      <a:schemeClr val="accent6">
+                        <a:lumMod val="40000"/>
+                        <a:lumOff val="60000"/>
+                      </a:schemeClr>
+                    </a:solidFill>
+                  </a:tcPr>
+                </a:tc>
+                <a:tc hMerge="1">
+                  <a:txBody>
+                    <a:bodyPr/>
+                    <a:lstStyle/>
+                    <a:p>
+                      <a:endParaRPr lang="en-NL" dirty="0"/>
+                    </a:p>
+                  </a:txBody>
+                  <a:tcPr/>
+                </a:tc>
+                <a:tc hMerge="1">
+                  <a:txBody>
+                    <a:bodyPr/>
+                    <a:lstStyle/>
+                    <a:p>
+                      <a:endParaRPr lang="en-NL" dirty="0"/>
+                    </a:p>
+                  </a:txBody>
+                  <a:tcPr/>
+                </a:tc>
+                <a:extLst>
+                  <a:ext uri="{0D108BD9-81ED-4DB2-BD59-A6C34878D82A}">
+                    <a16:rowId xmlns:a16="http://schemas.microsoft.com/office/drawing/2014/main" val="2595353408"/>
+                  </a:ext>
+                </a:extLst>
+              </a:tr>
+              <a:tr h="464598">
+                <a:tc>
+                  <a:txBody>
+                    <a:bodyPr/>
+                    <a:lstStyle/>
+                    <a:p>
+                      <a:pPr algn="ctr"/>
+                      <a:r>
+                        <a:rPr lang="en-US" dirty="0"/>
+                        <a:t>1 - 60</a:t>
+                      </a:r>
+                      <a:endParaRPr lang="en-NL" dirty="0"/>
+                    </a:p>
+                  </a:txBody>
+                  <a:tcPr anchor="ctr">
+                    <a:lnL w="12700" cap="flat" cmpd="sng" algn="ctr">
+                      <a:solidFill>
+                        <a:schemeClr val="tx1"/>
+                      </a:solidFill>
+                      <a:prstDash val="solid"/>
+                      <a:round/>
+                      <a:headEnd type="none" w="med" len="med"/>
+                      <a:tailEnd type="none" w="med" len="med"/>
+                    </a:lnL>
+                    <a:solidFill>
+                      <a:schemeClr val="accent6">
+                        <a:lumMod val="20000"/>
+                        <a:lumOff val="80000"/>
+                      </a:schemeClr>
+                    </a:solidFill>
+                  </a:tcPr>
+                </a:tc>
+                <a:tc>
+                  <a:txBody>
+                    <a:bodyPr/>
+                    <a:lstStyle/>
+                    <a:p>
+                      <a:pPr algn="ctr"/>
+                      <a:r>
+                        <a:rPr lang="en-US" dirty="0"/>
+                        <a:t>61 - 80</a:t>
+                      </a:r>
+                      <a:endParaRPr lang="en-NL" dirty="0"/>
+                    </a:p>
+                  </a:txBody>
+                  <a:tcPr anchor="ctr">
+                    <a:solidFill>
+                      <a:schemeClr val="accent6">
+                        <a:lumMod val="20000"/>
+                        <a:lumOff val="80000"/>
+                      </a:schemeClr>
+                    </a:solidFill>
+                  </a:tcPr>
+                </a:tc>
+                <a:tc>
+                  <a:txBody>
+                    <a:bodyPr/>
+                    <a:lstStyle/>
+                    <a:p>
+                      <a:pPr algn="ctr"/>
+                      <a:r>
+                        <a:rPr lang="en-US" dirty="0"/>
+                        <a:t>81 - 100</a:t>
+                      </a:r>
+                      <a:endParaRPr lang="en-NL" dirty="0"/>
+                    </a:p>
+                  </a:txBody>
+                  <a:tcPr anchor="ctr">
+                    <a:solidFill>
+                      <a:schemeClr val="accent6">
+                        <a:lumMod val="20000"/>
+                        <a:lumOff val="80000"/>
+                      </a:schemeClr>
+                    </a:solidFill>
+                  </a:tcPr>
+                </a:tc>
+                <a:extLst>
+                  <a:ext uri="{0D108BD9-81ED-4DB2-BD59-A6C34878D82A}">
+                    <a16:rowId xmlns:a16="http://schemas.microsoft.com/office/drawing/2014/main" val="575539422"/>
+                  </a:ext>
+                </a:extLst>
+              </a:tr>
+              <a:tr h="464598">
+                <a:tc>
+                  <a:txBody>
+                    <a:bodyPr/>
+                    <a:lstStyle/>
+                    <a:p>
+                      <a:pPr algn="ctr"/>
+                      <a:r>
+                        <a:rPr lang="en-US" dirty="0"/>
+                        <a:t>Train</a:t>
+                      </a:r>
+                      <a:endParaRPr lang="en-NL" dirty="0"/>
+                    </a:p>
+                  </a:txBody>
+                  <a:tcPr anchor="ctr">
+                    <a:solidFill>
+                      <a:schemeClr val="accent4">
+                        <a:lumMod val="40000"/>
+                        <a:lumOff val="60000"/>
+                      </a:schemeClr>
+                    </a:solidFill>
+                  </a:tcPr>
+                </a:tc>
+                <a:tc>
+                  <a:txBody>
+                    <a:bodyPr/>
+                    <a:lstStyle/>
+                    <a:p>
+                      <a:pPr algn="ctr"/>
+                      <a:r>
+                        <a:rPr lang="en-US" dirty="0" err="1"/>
+                        <a:t>Validatie</a:t>
+                      </a:r>
+                      <a:endParaRPr lang="en-NL" dirty="0"/>
+                    </a:p>
+                  </a:txBody>
+                  <a:tcPr anchor="ctr">
+                    <a:solidFill>
+                      <a:schemeClr val="accent2">
+                        <a:lumMod val="60000"/>
+                        <a:lumOff val="40000"/>
+                      </a:schemeClr>
+                    </a:solidFill>
+                  </a:tcPr>
+                </a:tc>
+                <a:tc>
+                  <a:txBody>
+                    <a:bodyPr/>
+                    <a:lstStyle/>
+                    <a:p>
+                      <a:pPr algn="ctr"/>
+                      <a:r>
+                        <a:rPr lang="en-US" dirty="0"/>
+                        <a:t>Test</a:t>
+                      </a:r>
+                      <a:endParaRPr lang="en-NL" dirty="0"/>
+                    </a:p>
+                  </a:txBody>
+                  <a:tcPr anchor="ctr">
+                    <a:solidFill>
+                      <a:schemeClr val="accent5">
+                        <a:lumMod val="60000"/>
+                        <a:lumOff val="40000"/>
+                      </a:schemeClr>
+                    </a:solidFill>
+                  </a:tcPr>
+                </a:tc>
+                <a:extLst>
+                  <a:ext uri="{0D108BD9-81ED-4DB2-BD59-A6C34878D82A}">
+                    <a16:rowId xmlns:a16="http://schemas.microsoft.com/office/drawing/2014/main" val="2643503451"/>
+                  </a:ext>
+                </a:extLst>
+              </a:tr>
+            </a:tbl>
+          </a:graphicData>
+        </a:graphic>
+      </p:graphicFrame>
       <p:sp>
         <p:nvSpPr>
-          <p:cNvPr id="9" name="Content Placeholder 2">
-            <a:extLst>
-              <a:ext uri="{FF2B5EF4-FFF2-40B4-BE49-F238E27FC236}">
-                <a16:creationId xmlns:a16="http://schemas.microsoft.com/office/drawing/2014/main" id="{859EFECF-ED02-A3B2-D77A-667F104FEDE5}"/>
+          <p:cNvPr id="5" name="Content Placeholder 2">
+            <a:extLst>
+              <a:ext uri="{FF2B5EF4-FFF2-40B4-BE49-F238E27FC236}">
+                <a16:creationId xmlns:a16="http://schemas.microsoft.com/office/drawing/2014/main" id="{C0C9B175-1295-12B2-9AD0-5C333CB73832}"/>
               </a:ext>
             </a:extLst>
           </p:cNvPr>
@@ -17685,7 +17632,7 @@
         <p:spPr>
           <a:xfrm>
             <a:off x="990601" y="1608667"/>
-            <a:ext cx="6996403" cy="4720696"/>
+            <a:ext cx="9949542" cy="4720696"/>
           </a:xfrm>
           <a:prstGeom prst="rect">
             <a:avLst/>
@@ -17865,22 +17812,17 @@
             </a:pPr>
             <a:r>
               <a:rPr lang="nl-NL" sz="2000" dirty="0"/>
-              <a:t>Modellen minimaliseren foutmarge op de </a:t>
-            </a:r>
-            <a:r>
-              <a:rPr lang="nl-NL" sz="2000" u="sng" dirty="0"/>
-              <a:t>gegeven</a:t>
-            </a:r>
-            <a:r>
-              <a:rPr lang="nl-NL" sz="2000" dirty="0"/>
-              <a:t> data.</a:t>
+              <a:t>Train dataset:		Gebruikt om model op te trainen.</a:t>
             </a:r>
           </a:p>
           <a:p>
             <a:pPr marL="0" indent="0">
               <a:buNone/>
             </a:pPr>
-            <a:endParaRPr lang="nl-NL" sz="2000" dirty="0"/>
+            <a:r>
+              <a:rPr lang="nl-NL" sz="2000" dirty="0"/>
+              <a:t>Validatie dataset:		Gebruikt om modellen te vergelijken.</a:t>
+            </a:r>
           </a:p>
           <a:p>
             <a:pPr marL="0" indent="0">
@@ -17888,70 +17830,17 @@
             </a:pPr>
             <a:r>
               <a:rPr lang="nl-NL" sz="2000" dirty="0"/>
-              <a:t>Deze optimalisatie kan te ver doorschieten: "overfitting".</a:t>
-            </a:r>
-          </a:p>
-          <a:p>
-            <a:pPr marL="0" indent="0">
-              <a:buNone/>
-            </a:pPr>
-            <a:endParaRPr lang="nl-NL" sz="2000" dirty="0"/>
-          </a:p>
-          <a:p>
-            <a:pPr marL="0" indent="0">
-              <a:buNone/>
-            </a:pPr>
-            <a:r>
-              <a:rPr lang="nl-NL" sz="2000" dirty="0"/>
-              <a:t>Bij overfitting generaliseert het model slecht naar de populatie.</a:t>
-            </a:r>
-          </a:p>
-          <a:p>
-            <a:pPr marL="0" indent="0">
-              <a:buNone/>
-            </a:pPr>
-            <a:endParaRPr lang="nl-NL" sz="2000" dirty="0"/>
-          </a:p>
-          <a:p>
-            <a:pPr marL="0" indent="0">
-              <a:buNone/>
-            </a:pPr>
-            <a:r>
-              <a:rPr lang="nl-NL" sz="2000" dirty="0"/>
-              <a:t>Test op data die </a:t>
-            </a:r>
-            <a:r>
-              <a:rPr lang="nl-NL" sz="2000" u="sng" dirty="0"/>
-              <a:t>niet</a:t>
-            </a:r>
-            <a:r>
-              <a:rPr lang="nl-NL" sz="2000" dirty="0"/>
-              <a:t> gebruikt is bij het trainen: een test dataset.</a:t>
-            </a:r>
-          </a:p>
-          <a:p>
-            <a:pPr marL="0" indent="0">
-              <a:buNone/>
-            </a:pPr>
-            <a:endParaRPr lang="nl-NL" sz="2000" dirty="0"/>
-          </a:p>
-          <a:p>
-            <a:pPr marL="0" indent="0">
-              <a:buNone/>
-            </a:pPr>
-            <a:r>
-              <a:rPr lang="nl-NL" sz="2000" dirty="0"/>
-              <a:t>Overfitting: Prestaties op train set veel beter dan op test set.</a:t>
+              <a:t>Test dataset:		Gebruikt voor accurate schatting prestaties.</a:t>
             </a:r>
           </a:p>
         </p:txBody>
       </p:sp>
       <p:pic>
         <p:nvPicPr>
-          <p:cNvPr id="6" name="Picture 5">
-            <a:extLst>
-              <a:ext uri="{FF2B5EF4-FFF2-40B4-BE49-F238E27FC236}">
-                <a16:creationId xmlns:a16="http://schemas.microsoft.com/office/drawing/2014/main" id="{F408C5FC-6B4D-E548-CE0D-FE6EF961BE3B}"/>
+          <p:cNvPr id="11" name="Picture 10">
+            <a:extLst>
+              <a:ext uri="{FF2B5EF4-FFF2-40B4-BE49-F238E27FC236}">
+                <a16:creationId xmlns:a16="http://schemas.microsoft.com/office/drawing/2014/main" id="{8EA70BF9-4A62-B7FA-CA3F-13472063A797}"/>
               </a:ext>
             </a:extLst>
           </p:cNvPr>
@@ -17968,18 +17857,70 @@
         </p:blipFill>
         <p:spPr>
           <a:xfrm>
-            <a:off x="8777805" y="1188235"/>
-            <a:ext cx="2575995" cy="5033554"/>
+            <a:off x="2194222" y="4575445"/>
+            <a:ext cx="7803556" cy="2011854"/>
           </a:xfrm>
           <a:prstGeom prst="rect">
             <a:avLst/>
           </a:prstGeom>
         </p:spPr>
       </p:pic>
+      <p:sp>
+        <p:nvSpPr>
+          <p:cNvPr id="12" name="Oval 11">
+            <a:extLst>
+              <a:ext uri="{FF2B5EF4-FFF2-40B4-BE49-F238E27FC236}">
+                <a16:creationId xmlns:a16="http://schemas.microsoft.com/office/drawing/2014/main" id="{AD627D57-DAA1-66EB-04AD-B24ABD950046}"/>
+              </a:ext>
+            </a:extLst>
+          </p:cNvPr>
+          <p:cNvSpPr/>
+          <p:nvPr/>
+        </p:nvSpPr>
+        <p:spPr>
+          <a:xfrm>
+            <a:off x="9568542" y="6119948"/>
+            <a:ext cx="293915" cy="293915"/>
+          </a:xfrm>
+          <a:prstGeom prst="ellipse">
+            <a:avLst/>
+          </a:prstGeom>
+          <a:noFill/>
+          <a:ln>
+            <a:solidFill>
+              <a:srgbClr val="C00000"/>
+            </a:solidFill>
+          </a:ln>
+        </p:spPr>
+        <p:style>
+          <a:lnRef idx="2">
+            <a:schemeClr val="accent1">
+              <a:shade val="15000"/>
+            </a:schemeClr>
+          </a:lnRef>
+          <a:fillRef idx="1">
+            <a:schemeClr val="accent1"/>
+          </a:fillRef>
+          <a:effectRef idx="0">
+            <a:schemeClr val="accent1"/>
+          </a:effectRef>
+          <a:fontRef idx="minor">
+            <a:schemeClr val="lt1"/>
+          </a:fontRef>
+        </p:style>
+        <p:txBody>
+          <a:bodyPr rtlCol="0" anchor="ctr"/>
+          <a:lstStyle/>
+          <a:p>
+            <a:pPr algn="ctr"/>
+            <a:endParaRPr lang="en-NL"/>
+          </a:p>
+        </p:txBody>
+      </p:sp>
     </p:spTree>
     <p:extLst>
       <p:ext uri="{BB962C8B-B14F-4D97-AF65-F5344CB8AC3E}">
-        <p14:creationId xmlns:p14="http://schemas.microsoft.com/office/powerpoint/2010/main" val="2736180966"/>
+        <p14:creationId xmlns:p14="http://schemas.microsoft.com/office/powerpoint/2010/main" val="2216329287"/>
       </p:ext>
     </p:extLst>
   </p:cSld>
@@ -17989,7 +17930,7 @@
 </p:sld>
 </file>
 
-<file path=ppt/slides/slide33.xml><?xml version="1.0" encoding="utf-8"?>
+<file path=ppt/slides/slide32.xml><?xml version="1.0" encoding="utf-8"?>
 <p:sld xmlns:a="http://schemas.openxmlformats.org/drawingml/2006/main" xmlns:r="http://schemas.openxmlformats.org/officeDocument/2006/relationships" xmlns:p="http://schemas.openxmlformats.org/presentationml/2006/main">
   <p:cSld>
     <p:spTree>
@@ -18090,13 +18031,7 @@
           <p:cNvGraphicFramePr>
             <a:graphicFrameLocks noGrp="1"/>
           </p:cNvGraphicFramePr>
-          <p:nvPr>
-            <p:extLst>
-              <p:ext uri="{D42A27DB-BD31-4B8C-83A1-F6EECF244321}">
-                <p14:modId xmlns:p14="http://schemas.microsoft.com/office/powerpoint/2010/main" val="3010546399"/>
-              </p:ext>
-            </p:extLst>
-          </p:nvPr>
+          <p:nvPr/>
         </p:nvGraphicFramePr>
         <p:xfrm>
           <a:off x="990600" y="2765692"/>
@@ -19434,7 +19369,90 @@
     </p:spTree>
     <p:extLst>
       <p:ext uri="{BB962C8B-B14F-4D97-AF65-F5344CB8AC3E}">
-        <p14:creationId xmlns:p14="http://schemas.microsoft.com/office/powerpoint/2010/main" val="1598424735"/>
+        <p14:creationId xmlns:p14="http://schemas.microsoft.com/office/powerpoint/2010/main" val="2415594070"/>
+      </p:ext>
+    </p:extLst>
+  </p:cSld>
+  <p:clrMapOvr>
+    <a:masterClrMapping/>
+  </p:clrMapOvr>
+</p:sld>
+</file>
+
+<file path=ppt/slides/slide33.xml><?xml version="1.0" encoding="utf-8"?>
+<p:sld xmlns:a="http://schemas.openxmlformats.org/drawingml/2006/main" xmlns:r="http://schemas.openxmlformats.org/officeDocument/2006/relationships" xmlns:p="http://schemas.openxmlformats.org/presentationml/2006/main">
+  <p:cSld>
+    <p:spTree>
+      <p:nvGrpSpPr>
+        <p:cNvPr id="1" name=""/>
+        <p:cNvGrpSpPr/>
+        <p:nvPr/>
+      </p:nvGrpSpPr>
+      <p:grpSpPr>
+        <a:xfrm>
+          <a:off x="0" y="0"/>
+          <a:ext cx="0" cy="0"/>
+          <a:chOff x="0" y="0"/>
+          <a:chExt cx="0" cy="0"/>
+        </a:xfrm>
+      </p:grpSpPr>
+      <p:sp>
+        <p:nvSpPr>
+          <p:cNvPr id="4" name="Title 3">
+            <a:extLst>
+              <a:ext uri="{FF2B5EF4-FFF2-40B4-BE49-F238E27FC236}">
+                <a16:creationId xmlns:a16="http://schemas.microsoft.com/office/drawing/2014/main" id="{72C925CA-BCA3-3701-E08E-95652380B32E}"/>
+              </a:ext>
+            </a:extLst>
+          </p:cNvPr>
+          <p:cNvSpPr>
+            <a:spLocks noGrp="1"/>
+          </p:cNvSpPr>
+          <p:nvPr>
+            <p:ph type="title"/>
+          </p:nvPr>
+        </p:nvSpPr>
+        <p:spPr/>
+        <p:txBody>
+          <a:bodyPr/>
+          <a:lstStyle/>
+          <a:p>
+            <a:r>
+              <a:rPr lang="nl-NL" noProof="0" dirty="0"/>
+              <a:t>Selecteren</a:t>
+            </a:r>
+          </a:p>
+        </p:txBody>
+      </p:sp>
+      <p:sp>
+        <p:nvSpPr>
+          <p:cNvPr id="5" name="Text Placeholder 4">
+            <a:extLst>
+              <a:ext uri="{FF2B5EF4-FFF2-40B4-BE49-F238E27FC236}">
+                <a16:creationId xmlns:a16="http://schemas.microsoft.com/office/drawing/2014/main" id="{1AB31C95-91AF-DF13-FB58-0DA5F2D9F6F7}"/>
+              </a:ext>
+            </a:extLst>
+          </p:cNvPr>
+          <p:cNvSpPr>
+            <a:spLocks noGrp="1"/>
+          </p:cNvSpPr>
+          <p:nvPr>
+            <p:ph type="body" idx="1"/>
+          </p:nvPr>
+        </p:nvSpPr>
+        <p:spPr/>
+        <p:txBody>
+          <a:bodyPr/>
+          <a:lstStyle/>
+          <a:p>
+            <a:endParaRPr lang="en-NL"/>
+          </a:p>
+        </p:txBody>
+      </p:sp>
+    </p:spTree>
+    <p:extLst>
+      <p:ext uri="{BB962C8B-B14F-4D97-AF65-F5344CB8AC3E}">
+        <p14:creationId xmlns:p14="http://schemas.microsoft.com/office/powerpoint/2010/main" val="3009350591"/>
       </p:ext>
     </p:extLst>
   </p:cSld>
@@ -19491,259 +19509,549 @@
           <a:p>
             <a:r>
               <a:rPr lang="nl-NL" sz="3600" noProof="0" dirty="0"/>
-              <a:t>Oefeningen IV</a:t>
+              <a:t>Valideren van een model</a:t>
             </a:r>
           </a:p>
         </p:txBody>
       </p:sp>
       <p:sp>
         <p:nvSpPr>
-          <p:cNvPr id="3" name="Content Placeholder 2">
-            <a:extLst>
-              <a:ext uri="{FF2B5EF4-FFF2-40B4-BE49-F238E27FC236}">
-                <a16:creationId xmlns:a16="http://schemas.microsoft.com/office/drawing/2014/main" id="{F4C2D286-E049-0AAB-1360-B7157E11AD7E}"/>
-              </a:ext>
-            </a:extLst>
-          </p:cNvPr>
-          <p:cNvSpPr>
-            <a:spLocks noGrp="1"/>
-          </p:cNvSpPr>
-          <p:nvPr>
-            <p:ph idx="1"/>
-          </p:nvPr>
+          <p:cNvPr id="4" name="TextBox 3">
+            <a:extLst>
+              <a:ext uri="{FF2B5EF4-FFF2-40B4-BE49-F238E27FC236}">
+                <a16:creationId xmlns:a16="http://schemas.microsoft.com/office/drawing/2014/main" id="{B47EA95A-6DDD-ED89-357A-943A5BC87A94}"/>
+              </a:ext>
+            </a:extLst>
+          </p:cNvPr>
+          <p:cNvSpPr txBox="1"/>
+          <p:nvPr/>
         </p:nvSpPr>
         <p:spPr>
           <a:xfrm>
-            <a:off x="838200" y="1456267"/>
-            <a:ext cx="10375900" cy="4720696"/>
-          </a:xfrm>
+            <a:off x="6555232" y="2530561"/>
+            <a:ext cx="184731" cy="369332"/>
+          </a:xfrm>
+          <a:prstGeom prst="rect">
+            <a:avLst/>
+          </a:prstGeom>
+          <a:noFill/>
         </p:spPr>
         <p:txBody>
-          <a:bodyPr>
+          <a:bodyPr wrap="none" rtlCol="0">
+            <a:spAutoFit/>
+          </a:bodyPr>
+          <a:lstStyle/>
+          <a:p>
+            <a:endParaRPr lang="en-NL" dirty="0"/>
+          </a:p>
+        </p:txBody>
+      </p:sp>
+      <p:sp>
+        <p:nvSpPr>
+          <p:cNvPr id="9" name="Content Placeholder 2">
+            <a:extLst>
+              <a:ext uri="{FF2B5EF4-FFF2-40B4-BE49-F238E27FC236}">
+                <a16:creationId xmlns:a16="http://schemas.microsoft.com/office/drawing/2014/main" id="{859EFECF-ED02-A3B2-D77A-667F104FEDE5}"/>
+              </a:ext>
+            </a:extLst>
+          </p:cNvPr>
+          <p:cNvSpPr txBox="1">
+            <a:spLocks/>
+          </p:cNvSpPr>
+          <p:nvPr/>
+        </p:nvSpPr>
+        <p:spPr>
+          <a:xfrm>
+            <a:off x="990601" y="1608667"/>
+            <a:ext cx="6996403" cy="4720696"/>
+          </a:xfrm>
+          <a:prstGeom prst="rect">
+            <a:avLst/>
+          </a:prstGeom>
+        </p:spPr>
+        <p:txBody>
+          <a:bodyPr vert="horz" lIns="91440" tIns="45720" rIns="91440" bIns="45720" rtlCol="0">
             <a:normAutofit/>
           </a:bodyPr>
-          <a:lstStyle/>
-          <a:p>
-            <a:pPr marL="457200" indent="-457200">
+          <a:lstStyle>
+            <a:lvl1pPr marL="228600" indent="-228600" algn="l" defTabSz="914400" rtl="0" eaLnBrk="1" latinLnBrk="0" hangingPunct="1">
+              <a:lnSpc>
+                <a:spcPct val="90000"/>
+              </a:lnSpc>
+              <a:spcBef>
+                <a:spcPts val="1000"/>
+              </a:spcBef>
               <a:buFont typeface="Arial" panose="020B0604020202020204" pitchFamily="34" charset="0"/>
-              <a:buAutoNum type="arabicPeriod"/>
-            </a:pPr>
-            <a:r>
-              <a:rPr lang="nl-NL" sz="2000" dirty="0"/>
-              <a:t>Open Notebook: </a:t>
-            </a:r>
-            <a:r>
-              <a:rPr lang="nl-NL" sz="2000" dirty="0" err="1">
-                <a:latin typeface="Courier New" panose="02070309020205020404" pitchFamily="49" charset="0"/>
-                <a:cs typeface="Courier New" panose="02070309020205020404" pitchFamily="49" charset="0"/>
-              </a:rPr>
-              <a:t>exercises</a:t>
-            </a:r>
-            <a:r>
-              <a:rPr lang="nl-NL" sz="2000" dirty="0">
-                <a:latin typeface="Courier New" panose="02070309020205020404" pitchFamily="49" charset="0"/>
-                <a:cs typeface="Courier New" panose="02070309020205020404" pitchFamily="49" charset="0"/>
-              </a:rPr>
-              <a:t>/4_validation.ipynb</a:t>
-            </a:r>
-          </a:p>
-          <a:p>
-            <a:pPr marL="457200" lvl="1" indent="0">
+              <a:buChar char="•"/>
+              <a:defRPr sz="2800" kern="1200">
+                <a:solidFill>
+                  <a:schemeClr val="tx1"/>
+                </a:solidFill>
+                <a:latin typeface="+mn-lt"/>
+                <a:ea typeface="+mn-ea"/>
+                <a:cs typeface="+mn-cs"/>
+              </a:defRPr>
+            </a:lvl1pPr>
+            <a:lvl2pPr marL="685800" indent="-228600" algn="l" defTabSz="914400" rtl="0" eaLnBrk="1" latinLnBrk="0" hangingPunct="1">
+              <a:lnSpc>
+                <a:spcPct val="90000"/>
+              </a:lnSpc>
+              <a:spcBef>
+                <a:spcPts val="500"/>
+              </a:spcBef>
+              <a:buFont typeface="Arial" panose="020B0604020202020204" pitchFamily="34" charset="0"/>
+              <a:buChar char="•"/>
+              <a:defRPr sz="2400" kern="1200">
+                <a:solidFill>
+                  <a:schemeClr val="tx1"/>
+                </a:solidFill>
+                <a:latin typeface="+mn-lt"/>
+                <a:ea typeface="+mn-ea"/>
+                <a:cs typeface="+mn-cs"/>
+              </a:defRPr>
+            </a:lvl2pPr>
+            <a:lvl3pPr marL="1143000" indent="-228600" algn="l" defTabSz="914400" rtl="0" eaLnBrk="1" latinLnBrk="0" hangingPunct="1">
+              <a:lnSpc>
+                <a:spcPct val="90000"/>
+              </a:lnSpc>
+              <a:spcBef>
+                <a:spcPts val="500"/>
+              </a:spcBef>
+              <a:buFont typeface="Arial" panose="020B0604020202020204" pitchFamily="34" charset="0"/>
+              <a:buChar char="•"/>
+              <a:defRPr sz="2000" kern="1200">
+                <a:solidFill>
+                  <a:schemeClr val="tx1"/>
+                </a:solidFill>
+                <a:latin typeface="+mn-lt"/>
+                <a:ea typeface="+mn-ea"/>
+                <a:cs typeface="+mn-cs"/>
+              </a:defRPr>
+            </a:lvl3pPr>
+            <a:lvl4pPr marL="1600200" indent="-228600" algn="l" defTabSz="914400" rtl="0" eaLnBrk="1" latinLnBrk="0" hangingPunct="1">
+              <a:lnSpc>
+                <a:spcPct val="90000"/>
+              </a:lnSpc>
+              <a:spcBef>
+                <a:spcPts val="500"/>
+              </a:spcBef>
+              <a:buFont typeface="Arial" panose="020B0604020202020204" pitchFamily="34" charset="0"/>
+              <a:buChar char="•"/>
+              <a:defRPr sz="1800" kern="1200">
+                <a:solidFill>
+                  <a:schemeClr val="tx1"/>
+                </a:solidFill>
+                <a:latin typeface="+mn-lt"/>
+                <a:ea typeface="+mn-ea"/>
+                <a:cs typeface="+mn-cs"/>
+              </a:defRPr>
+            </a:lvl4pPr>
+            <a:lvl5pPr marL="2057400" indent="-228600" algn="l" defTabSz="914400" rtl="0" eaLnBrk="1" latinLnBrk="0" hangingPunct="1">
+              <a:lnSpc>
+                <a:spcPct val="90000"/>
+              </a:lnSpc>
+              <a:spcBef>
+                <a:spcPts val="500"/>
+              </a:spcBef>
+              <a:buFont typeface="Arial" panose="020B0604020202020204" pitchFamily="34" charset="0"/>
+              <a:buChar char="•"/>
+              <a:defRPr sz="1800" kern="1200">
+                <a:solidFill>
+                  <a:schemeClr val="tx1"/>
+                </a:solidFill>
+                <a:latin typeface="+mn-lt"/>
+                <a:ea typeface="+mn-ea"/>
+                <a:cs typeface="+mn-cs"/>
+              </a:defRPr>
+            </a:lvl5pPr>
+            <a:lvl6pPr marL="2514600" indent="-228600" algn="l" defTabSz="914400" rtl="0" eaLnBrk="1" latinLnBrk="0" hangingPunct="1">
+              <a:lnSpc>
+                <a:spcPct val="90000"/>
+              </a:lnSpc>
+              <a:spcBef>
+                <a:spcPts val="500"/>
+              </a:spcBef>
+              <a:buFont typeface="Arial" panose="020B0604020202020204" pitchFamily="34" charset="0"/>
+              <a:buChar char="•"/>
+              <a:defRPr sz="1800" kern="1200">
+                <a:solidFill>
+                  <a:schemeClr val="tx1"/>
+                </a:solidFill>
+                <a:latin typeface="+mn-lt"/>
+                <a:ea typeface="+mn-ea"/>
+                <a:cs typeface="+mn-cs"/>
+              </a:defRPr>
+            </a:lvl6pPr>
+            <a:lvl7pPr marL="2971800" indent="-228600" algn="l" defTabSz="914400" rtl="0" eaLnBrk="1" latinLnBrk="0" hangingPunct="1">
+              <a:lnSpc>
+                <a:spcPct val="90000"/>
+              </a:lnSpc>
+              <a:spcBef>
+                <a:spcPts val="500"/>
+              </a:spcBef>
+              <a:buFont typeface="Arial" panose="020B0604020202020204" pitchFamily="34" charset="0"/>
+              <a:buChar char="•"/>
+              <a:defRPr sz="1800" kern="1200">
+                <a:solidFill>
+                  <a:schemeClr val="tx1"/>
+                </a:solidFill>
+                <a:latin typeface="+mn-lt"/>
+                <a:ea typeface="+mn-ea"/>
+                <a:cs typeface="+mn-cs"/>
+              </a:defRPr>
+            </a:lvl7pPr>
+            <a:lvl8pPr marL="3429000" indent="-228600" algn="l" defTabSz="914400" rtl="0" eaLnBrk="1" latinLnBrk="0" hangingPunct="1">
+              <a:lnSpc>
+                <a:spcPct val="90000"/>
+              </a:lnSpc>
+              <a:spcBef>
+                <a:spcPts val="500"/>
+              </a:spcBef>
+              <a:buFont typeface="Arial" panose="020B0604020202020204" pitchFamily="34" charset="0"/>
+              <a:buChar char="•"/>
+              <a:defRPr sz="1800" kern="1200">
+                <a:solidFill>
+                  <a:schemeClr val="tx1"/>
+                </a:solidFill>
+                <a:latin typeface="+mn-lt"/>
+                <a:ea typeface="+mn-ea"/>
+                <a:cs typeface="+mn-cs"/>
+              </a:defRPr>
+            </a:lvl8pPr>
+            <a:lvl9pPr marL="3886200" indent="-228600" algn="l" defTabSz="914400" rtl="0" eaLnBrk="1" latinLnBrk="0" hangingPunct="1">
+              <a:lnSpc>
+                <a:spcPct val="90000"/>
+              </a:lnSpc>
+              <a:spcBef>
+                <a:spcPts val="500"/>
+              </a:spcBef>
+              <a:buFont typeface="Arial" panose="020B0604020202020204" pitchFamily="34" charset="0"/>
+              <a:buChar char="•"/>
+              <a:defRPr sz="1800" kern="1200">
+                <a:solidFill>
+                  <a:schemeClr val="tx1"/>
+                </a:solidFill>
+                <a:latin typeface="+mn-lt"/>
+                <a:ea typeface="+mn-ea"/>
+                <a:cs typeface="+mn-cs"/>
+              </a:defRPr>
+            </a:lvl9pPr>
+          </a:lstStyle>
+          <a:p>
+            <a:pPr marL="0" indent="0">
               <a:buNone/>
             </a:pPr>
-            <a:endParaRPr lang="nl-NL" sz="1600" noProof="0" dirty="0"/>
-          </a:p>
-          <a:p>
-            <a:pPr marL="457200" indent="-457200">
-              <a:buFont typeface="+mj-lt"/>
-              <a:buAutoNum type="arabicPeriod"/>
-            </a:pPr>
             <a:r>
               <a:rPr lang="nl-NL" sz="2000" dirty="0"/>
-              <a:t>Maak een </a:t>
-            </a:r>
-            <a:r>
-              <a:rPr lang="nl-NL" sz="2000" dirty="0" err="1">
-                <a:latin typeface="Courier New" panose="02070309020205020404" pitchFamily="49" charset="0"/>
-                <a:cs typeface="Courier New" panose="02070309020205020404" pitchFamily="49" charset="0"/>
-              </a:rPr>
-              <a:t>DummyClassifier</a:t>
-            </a:r>
-            <a:r>
-              <a:rPr lang="nl-NL" sz="2000" dirty="0"/>
-              <a:t> en </a:t>
-            </a:r>
-            <a:r>
-              <a:rPr lang="nl-NL" sz="2000" dirty="0" err="1">
-                <a:latin typeface="Courier New" panose="02070309020205020404" pitchFamily="49" charset="0"/>
-                <a:cs typeface="Courier New" panose="02070309020205020404" pitchFamily="49" charset="0"/>
-              </a:rPr>
-              <a:t>RandomForestClassifier</a:t>
-            </a:r>
-            <a:r>
-              <a:rPr lang="nl-NL" sz="2000" dirty="0"/>
-              <a:t>.</a:t>
-            </a:r>
-          </a:p>
-          <a:p>
-            <a:pPr lvl="1"/>
-            <a:r>
-              <a:rPr lang="nl-NL" sz="1600" noProof="0" dirty="0"/>
-              <a:t>Bundel de data preparatie en het model met een Pipeline.</a:t>
-            </a:r>
-          </a:p>
-          <a:p>
-            <a:pPr lvl="1"/>
-            <a:r>
-              <a:rPr lang="nl-NL" sz="1600" noProof="0" dirty="0"/>
-              <a:t>Gebruik </a:t>
-            </a:r>
-            <a:r>
-              <a:rPr lang="nl-NL" sz="1600" noProof="0" dirty="0" err="1">
-                <a:latin typeface="Courier New" panose="02070309020205020404" pitchFamily="49" charset="0"/>
-                <a:cs typeface="Courier New" panose="02070309020205020404" pitchFamily="49" charset="0"/>
-              </a:rPr>
-              <a:t>stratified</a:t>
-            </a:r>
-            <a:r>
-              <a:rPr lang="nl-NL" sz="1600" noProof="0" dirty="0"/>
-              <a:t> als strategie voor het dummy model.</a:t>
-            </a:r>
-          </a:p>
-          <a:p>
-            <a:pPr marL="457200" indent="-457200">
-              <a:buFont typeface="+mj-lt"/>
-              <a:buAutoNum type="arabicPeriod"/>
-            </a:pPr>
-            <a:endParaRPr lang="nl-NL" sz="2000" noProof="0" dirty="0"/>
-          </a:p>
-          <a:p>
-            <a:pPr marL="457200" indent="-457200">
-              <a:buFont typeface="+mj-lt"/>
-              <a:buAutoNum type="arabicPeriod"/>
-            </a:pPr>
-            <a:r>
-              <a:rPr lang="nl-NL" sz="2000" dirty="0"/>
-              <a:t>Splits de data met </a:t>
-            </a:r>
-            <a:r>
-              <a:rPr lang="nl-NL" sz="2000" dirty="0" err="1">
-                <a:latin typeface="Courier New" panose="02070309020205020404" pitchFamily="49" charset="0"/>
-                <a:cs typeface="Courier New" panose="02070309020205020404" pitchFamily="49" charset="0"/>
-              </a:rPr>
-              <a:t>train_test_split</a:t>
-            </a:r>
-            <a:r>
-              <a:rPr lang="nl-NL" sz="2000" dirty="0">
-                <a:latin typeface="Courier New" panose="02070309020205020404" pitchFamily="49" charset="0"/>
-                <a:cs typeface="Courier New" panose="02070309020205020404" pitchFamily="49" charset="0"/>
-              </a:rPr>
-              <a:t>()</a:t>
-            </a:r>
-            <a:r>
-              <a:rPr lang="nl-NL" sz="2000" dirty="0"/>
-              <a:t>.</a:t>
-            </a:r>
-          </a:p>
-          <a:p>
-            <a:pPr lvl="1"/>
-            <a:r>
-              <a:rPr lang="nl-NL" sz="1600" noProof="0" dirty="0"/>
-              <a:t>Gebruik 70% van de data om te trainen en 30% om te testen.</a:t>
-            </a:r>
-          </a:p>
-          <a:p>
-            <a:pPr lvl="1"/>
-            <a:r>
-              <a:rPr lang="nl-NL" sz="1600" noProof="0" dirty="0"/>
-              <a:t>Welk model doet het beter op de train set? En op de test set?</a:t>
-            </a:r>
-          </a:p>
-          <a:p>
-            <a:pPr lvl="1"/>
-            <a:r>
-              <a:rPr lang="nl-NL" sz="1600" dirty="0"/>
-              <a:t>Is de </a:t>
-            </a:r>
-            <a:r>
-              <a:rPr lang="nl-NL" sz="1600" dirty="0" err="1">
-                <a:latin typeface="Courier New" panose="02070309020205020404" pitchFamily="49" charset="0"/>
-                <a:cs typeface="Courier New" panose="02070309020205020404" pitchFamily="49" charset="0"/>
-              </a:rPr>
-              <a:t>DummyClassifier</a:t>
-            </a:r>
-            <a:r>
-              <a:rPr lang="nl-NL" sz="1600" dirty="0"/>
-              <a:t> accurater dan altijd "No" voorspellen? </a:t>
-            </a:r>
-            <a:r>
-              <a:rPr lang="nl-NL" sz="1600"/>
-              <a:t>Waarom?</a:t>
-            </a:r>
-            <a:endParaRPr lang="nl-NL" sz="1600" noProof="0" dirty="0"/>
-          </a:p>
-          <a:p>
-            <a:pPr marL="457200" lvl="1" indent="0">
+              <a:t>Hoe interpreteer je prestatiematen; wat is een goede baseline?</a:t>
+            </a:r>
+          </a:p>
+          <a:p>
+            <a:pPr marL="0" indent="0">
               <a:buNone/>
             </a:pPr>
-            <a:endParaRPr lang="nl-NL" sz="1600" noProof="0" dirty="0"/>
-          </a:p>
-          <a:p>
-            <a:pPr marL="457200" indent="-457200">
-              <a:buFont typeface="+mj-lt"/>
-              <a:buAutoNum type="arabicPeriod"/>
+            <a:endParaRPr lang="nl-NL" sz="2000" dirty="0"/>
+          </a:p>
+          <a:p>
+            <a:pPr marL="0" indent="0">
+              <a:buNone/>
             </a:pPr>
             <a:r>
-              <a:rPr lang="nl-NL" sz="2000" noProof="0" dirty="0"/>
-              <a:t>Gebruik </a:t>
-            </a:r>
-            <a:r>
-              <a:rPr lang="nl-NL" sz="2000" noProof="0" dirty="0" err="1">
-                <a:latin typeface="Courier New" panose="02070309020205020404" pitchFamily="49" charset="0"/>
-                <a:cs typeface="Courier New" panose="02070309020205020404" pitchFamily="49" charset="0"/>
-              </a:rPr>
-              <a:t>KFold</a:t>
-            </a:r>
-            <a:r>
-              <a:rPr lang="nl-NL" sz="2000" noProof="0" dirty="0"/>
-              <a:t> om de data 5 keer op te splitsen.</a:t>
-            </a:r>
-          </a:p>
-          <a:p>
-            <a:pPr lvl="1"/>
-            <a:r>
-              <a:rPr lang="nl-NL" sz="1600" dirty="0"/>
-              <a:t>Zijn de prestaties van </a:t>
-            </a:r>
-            <a:r>
-              <a:rPr lang="nl-NL" sz="1600" dirty="0" err="1">
-                <a:latin typeface="Courier New" panose="02070309020205020404" pitchFamily="49" charset="0"/>
-                <a:cs typeface="Courier New" panose="02070309020205020404" pitchFamily="49" charset="0"/>
-              </a:rPr>
-              <a:t>RandomForestClassifier</a:t>
-            </a:r>
-            <a:r>
-              <a:rPr lang="nl-NL" sz="1600" dirty="0"/>
-              <a:t> consistent over de splits?</a:t>
-            </a:r>
-          </a:p>
-          <a:p>
-            <a:pPr lvl="1"/>
-            <a:r>
-              <a:rPr lang="nl-NL" sz="1600" noProof="0" dirty="0"/>
-              <a:t>Wat zou er aan de hand kunnen zijn?</a:t>
-            </a:r>
-          </a:p>
-          <a:p>
-            <a:pPr lvl="1"/>
-            <a:endParaRPr lang="nl-NL" sz="1600" noProof="0" dirty="0"/>
+              <a:rPr lang="nl-NL" sz="2000" dirty="0"/>
+              <a:t>Afhankelijk van:</a:t>
+            </a:r>
+          </a:p>
+          <a:p>
+            <a:pPr>
+              <a:buFontTx/>
+              <a:buChar char="-"/>
+            </a:pPr>
+            <a:r>
+              <a:rPr lang="nl-NL" sz="2000" dirty="0"/>
+              <a:t>Je doelstellingen.</a:t>
+            </a:r>
+          </a:p>
+          <a:p>
+            <a:pPr>
+              <a:buFontTx/>
+              <a:buChar char="-"/>
+            </a:pPr>
+            <a:r>
+              <a:rPr lang="nl-NL" sz="2000" dirty="0"/>
+              <a:t>De huidige aanpak.</a:t>
+            </a:r>
+          </a:p>
+          <a:p>
+            <a:pPr>
+              <a:buFontTx/>
+              <a:buChar char="-"/>
+            </a:pPr>
+            <a:r>
+              <a:rPr lang="nl-NL" sz="2000" dirty="0"/>
+              <a:t>De kosten en baten van fout of goed zitten.</a:t>
+            </a:r>
+          </a:p>
+          <a:p>
+            <a:pPr>
+              <a:buFontTx/>
+              <a:buChar char="-"/>
+            </a:pPr>
+            <a:r>
+              <a:rPr lang="nl-NL" sz="2000" dirty="0"/>
+              <a:t>De verdeling van de labels.</a:t>
+            </a:r>
+          </a:p>
+          <a:p>
+            <a:pPr marL="0" indent="0">
+              <a:buNone/>
+            </a:pPr>
+            <a:endParaRPr lang="nl-NL" sz="2000" dirty="0"/>
+          </a:p>
+          <a:p>
+            <a:pPr marL="0" indent="0">
+              <a:buNone/>
+            </a:pPr>
+            <a:r>
+              <a:rPr lang="nl-NL" sz="2000" dirty="0"/>
+              <a:t>Dummy model kan als baseline dienen om prestaties mee te vergelijken.</a:t>
+            </a:r>
           </a:p>
         </p:txBody>
       </p:sp>
+      <p:graphicFrame>
+        <p:nvGraphicFramePr>
+          <p:cNvPr id="13" name="Chart 12">
+            <a:extLst>
+              <a:ext uri="{FF2B5EF4-FFF2-40B4-BE49-F238E27FC236}">
+                <a16:creationId xmlns:a16="http://schemas.microsoft.com/office/drawing/2014/main" id="{6BB83854-E0D4-A042-4256-40EB19321964}"/>
+              </a:ext>
+            </a:extLst>
+          </p:cNvPr>
+          <p:cNvGraphicFramePr>
+            <a:graphicFrameLocks/>
+          </p:cNvGraphicFramePr>
+          <p:nvPr>
+            <p:extLst>
+              <p:ext uri="{D42A27DB-BD31-4B8C-83A1-F6EECF244321}">
+                <p14:modId xmlns:p14="http://schemas.microsoft.com/office/powerpoint/2010/main" val="3143750576"/>
+              </p:ext>
+            </p:extLst>
+          </p:nvPr>
+        </p:nvGraphicFramePr>
+        <p:xfrm>
+          <a:off x="8854439" y="1608667"/>
+          <a:ext cx="2346960" cy="1962150"/>
+        </p:xfrm>
+        <a:graphic>
+          <a:graphicData uri="http://schemas.openxmlformats.org/drawingml/2006/chart">
+            <c:chart xmlns:c="http://schemas.openxmlformats.org/drawingml/2006/chart" xmlns:r="http://schemas.openxmlformats.org/officeDocument/2006/relationships" r:id="rId2"/>
+          </a:graphicData>
+        </a:graphic>
+      </p:graphicFrame>
+      <p:sp>
+        <p:nvSpPr>
+          <p:cNvPr id="14" name="TextBox 13">
+            <a:extLst>
+              <a:ext uri="{FF2B5EF4-FFF2-40B4-BE49-F238E27FC236}">
+                <a16:creationId xmlns:a16="http://schemas.microsoft.com/office/drawing/2014/main" id="{6988D5BE-0125-BB94-413B-E0A7D016F525}"/>
+              </a:ext>
+            </a:extLst>
+          </p:cNvPr>
+          <p:cNvSpPr txBox="1"/>
+          <p:nvPr/>
+        </p:nvSpPr>
+        <p:spPr>
+          <a:xfrm>
+            <a:off x="8854439" y="4150706"/>
+            <a:ext cx="2346959" cy="498143"/>
+          </a:xfrm>
+          <a:prstGeom prst="rect">
+            <a:avLst/>
+          </a:prstGeom>
+          <a:ln/>
+        </p:spPr>
+        <p:style>
+          <a:lnRef idx="1">
+            <a:schemeClr val="accent2"/>
+          </a:lnRef>
+          <a:fillRef idx="2">
+            <a:schemeClr val="accent2"/>
+          </a:fillRef>
+          <a:effectRef idx="1">
+            <a:schemeClr val="accent2"/>
+          </a:effectRef>
+          <a:fontRef idx="minor">
+            <a:schemeClr val="dk1"/>
+          </a:fontRef>
+        </p:style>
+        <p:txBody>
+          <a:bodyPr wrap="square" rtlCol="0" anchor="ctr">
+            <a:noAutofit/>
+          </a:bodyPr>
+          <a:lstStyle/>
+          <a:p>
+            <a:pPr algn="ctr"/>
+            <a:r>
+              <a:rPr lang="en-US" sz="1400" dirty="0" err="1"/>
+              <a:t>Voorspel</a:t>
+            </a:r>
+            <a:r>
+              <a:rPr lang="en-US" sz="1400" dirty="0"/>
+              <a:t> </a:t>
+            </a:r>
+            <a:r>
+              <a:rPr lang="en-US" sz="1400" dirty="0" err="1"/>
+              <a:t>altijd</a:t>
+            </a:r>
+            <a:r>
+              <a:rPr lang="en-US" sz="1400" dirty="0"/>
+              <a:t> "Nee"</a:t>
+            </a:r>
+            <a:endParaRPr lang="en-NL" sz="1400" dirty="0"/>
+          </a:p>
+        </p:txBody>
+      </p:sp>
+      <p:sp>
+        <p:nvSpPr>
+          <p:cNvPr id="17" name="Rectangle 16">
+            <a:extLst>
+              <a:ext uri="{FF2B5EF4-FFF2-40B4-BE49-F238E27FC236}">
+                <a16:creationId xmlns:a16="http://schemas.microsoft.com/office/drawing/2014/main" id="{C8848356-D71D-5919-CAA6-47C5BAF24AA4}"/>
+              </a:ext>
+            </a:extLst>
+          </p:cNvPr>
+          <p:cNvSpPr/>
+          <p:nvPr/>
+        </p:nvSpPr>
+        <p:spPr>
+          <a:xfrm>
+            <a:off x="8854439" y="5215213"/>
+            <a:ext cx="2346959" cy="498144"/>
+          </a:xfrm>
+          <a:prstGeom prst="rect">
+            <a:avLst/>
+          </a:prstGeom>
+        </p:spPr>
+        <p:style>
+          <a:lnRef idx="1">
+            <a:schemeClr val="accent6"/>
+          </a:lnRef>
+          <a:fillRef idx="2">
+            <a:schemeClr val="accent6"/>
+          </a:fillRef>
+          <a:effectRef idx="1">
+            <a:schemeClr val="accent6"/>
+          </a:effectRef>
+          <a:fontRef idx="minor">
+            <a:schemeClr val="dk1"/>
+          </a:fontRef>
+        </p:style>
+        <p:txBody>
+          <a:bodyPr rtlCol="0" anchor="ctr"/>
+          <a:lstStyle/>
+          <a:p>
+            <a:pPr algn="ctr"/>
+            <a:r>
+              <a:rPr lang="en-US" sz="1400" dirty="0"/>
+              <a:t>95% </a:t>
+            </a:r>
+            <a:r>
+              <a:rPr lang="en-US" sz="1400" dirty="0" err="1"/>
+              <a:t>accuraat</a:t>
+            </a:r>
+            <a:endParaRPr lang="en-NL" sz="1400" dirty="0"/>
+          </a:p>
+        </p:txBody>
+      </p:sp>
+      <p:cxnSp>
+        <p:nvCxnSpPr>
+          <p:cNvPr id="23" name="Straight Arrow Connector 22">
+            <a:extLst>
+              <a:ext uri="{FF2B5EF4-FFF2-40B4-BE49-F238E27FC236}">
+                <a16:creationId xmlns:a16="http://schemas.microsoft.com/office/drawing/2014/main" id="{92857AB0-E7AE-3E3F-6602-EE0C8118D280}"/>
+              </a:ext>
+            </a:extLst>
+          </p:cNvPr>
+          <p:cNvCxnSpPr>
+            <a:cxnSpLocks/>
+            <a:stCxn id="13" idx="2"/>
+            <a:endCxn id="14" idx="0"/>
+          </p:cNvCxnSpPr>
+          <p:nvPr/>
+        </p:nvCxnSpPr>
+        <p:spPr>
+          <a:xfrm>
+            <a:off x="10027919" y="3570817"/>
+            <a:ext cx="0" cy="579889"/>
+          </a:xfrm>
+          <a:prstGeom prst="straightConnector1">
+            <a:avLst/>
+          </a:prstGeom>
+          <a:ln>
+            <a:tailEnd type="triangle"/>
+          </a:ln>
+        </p:spPr>
+        <p:style>
+          <a:lnRef idx="2">
+            <a:schemeClr val="dk1"/>
+          </a:lnRef>
+          <a:fillRef idx="0">
+            <a:schemeClr val="dk1"/>
+          </a:fillRef>
+          <a:effectRef idx="1">
+            <a:schemeClr val="dk1"/>
+          </a:effectRef>
+          <a:fontRef idx="minor">
+            <a:schemeClr val="tx1"/>
+          </a:fontRef>
+        </p:style>
+      </p:cxnSp>
+      <p:cxnSp>
+        <p:nvCxnSpPr>
+          <p:cNvPr id="26" name="Straight Arrow Connector 25">
+            <a:extLst>
+              <a:ext uri="{FF2B5EF4-FFF2-40B4-BE49-F238E27FC236}">
+                <a16:creationId xmlns:a16="http://schemas.microsoft.com/office/drawing/2014/main" id="{4A2EF5B5-EDE7-7EB4-A39F-D8A5F5CAA92C}"/>
+              </a:ext>
+            </a:extLst>
+          </p:cNvPr>
+          <p:cNvCxnSpPr>
+            <a:stCxn id="14" idx="2"/>
+            <a:endCxn id="17" idx="0"/>
+          </p:cNvCxnSpPr>
+          <p:nvPr/>
+        </p:nvCxnSpPr>
+        <p:spPr>
+          <a:xfrm>
+            <a:off x="10027919" y="4648849"/>
+            <a:ext cx="0" cy="566364"/>
+          </a:xfrm>
+          <a:prstGeom prst="straightConnector1">
+            <a:avLst/>
+          </a:prstGeom>
+          <a:ln>
+            <a:tailEnd type="triangle"/>
+          </a:ln>
+        </p:spPr>
+        <p:style>
+          <a:lnRef idx="2">
+            <a:schemeClr val="dk1"/>
+          </a:lnRef>
+          <a:fillRef idx="0">
+            <a:schemeClr val="dk1"/>
+          </a:fillRef>
+          <a:effectRef idx="1">
+            <a:schemeClr val="dk1"/>
+          </a:effectRef>
+          <a:fontRef idx="minor">
+            <a:schemeClr val="tx1"/>
+          </a:fontRef>
+        </p:style>
+      </p:cxnSp>
     </p:spTree>
     <p:extLst>
       <p:ext uri="{BB962C8B-B14F-4D97-AF65-F5344CB8AC3E}">
-        <p14:creationId xmlns:p14="http://schemas.microsoft.com/office/powerpoint/2010/main" val="2660283998"/>
+        <p14:creationId xmlns:p14="http://schemas.microsoft.com/office/powerpoint/2010/main" val="3709893823"/>
       </p:ext>
     </p:extLst>
   </p:cSld>
@@ -19772,10 +20080,10 @@
       </p:grpSpPr>
       <p:sp>
         <p:nvSpPr>
-          <p:cNvPr id="4" name="Title 3">
-            <a:extLst>
-              <a:ext uri="{FF2B5EF4-FFF2-40B4-BE49-F238E27FC236}">
-                <a16:creationId xmlns:a16="http://schemas.microsoft.com/office/drawing/2014/main" id="{72C925CA-BCA3-3701-E08E-95652380B32E}"/>
+          <p:cNvPr id="2" name="Title 1">
+            <a:extLst>
+              <a:ext uri="{FF2B5EF4-FFF2-40B4-BE49-F238E27FC236}">
+                <a16:creationId xmlns:a16="http://schemas.microsoft.com/office/drawing/2014/main" id="{39A1D606-8DD1-369C-5C09-471CDD551AD5}"/>
               </a:ext>
             </a:extLst>
           </p:cNvPr>
@@ -19786,47 +20094,667 @@
             <p:ph type="title"/>
           </p:nvPr>
         </p:nvSpPr>
-        <p:spPr/>
+        <p:spPr>
+          <a:xfrm>
+            <a:off x="838200" y="365126"/>
+            <a:ext cx="10515600" cy="718608"/>
+          </a:xfrm>
+        </p:spPr>
         <p:txBody>
-          <a:bodyPr/>
+          <a:bodyPr>
+            <a:normAutofit/>
+          </a:bodyPr>
           <a:lstStyle/>
           <a:p>
             <a:r>
-              <a:rPr lang="nl-NL" noProof="0" dirty="0"/>
-              <a:t>Modellen in productie</a:t>
+              <a:rPr lang="nl-NL" sz="3600" noProof="0" dirty="0"/>
+              <a:t>Dummy modellen</a:t>
             </a:r>
           </a:p>
         </p:txBody>
       </p:sp>
       <p:sp>
         <p:nvSpPr>
-          <p:cNvPr id="5" name="Text Placeholder 4">
-            <a:extLst>
-              <a:ext uri="{FF2B5EF4-FFF2-40B4-BE49-F238E27FC236}">
-                <a16:creationId xmlns:a16="http://schemas.microsoft.com/office/drawing/2014/main" id="{1AB31C95-91AF-DF13-FB58-0DA5F2D9F6F7}"/>
-              </a:ext>
-            </a:extLst>
-          </p:cNvPr>
-          <p:cNvSpPr>
-            <a:spLocks noGrp="1"/>
-          </p:cNvSpPr>
-          <p:nvPr>
-            <p:ph type="body" idx="1"/>
-          </p:nvPr>
+          <p:cNvPr id="4" name="TextBox 3">
+            <a:extLst>
+              <a:ext uri="{FF2B5EF4-FFF2-40B4-BE49-F238E27FC236}">
+                <a16:creationId xmlns:a16="http://schemas.microsoft.com/office/drawing/2014/main" id="{B47EA95A-6DDD-ED89-357A-943A5BC87A94}"/>
+              </a:ext>
+            </a:extLst>
+          </p:cNvPr>
+          <p:cNvSpPr txBox="1"/>
+          <p:nvPr/>
         </p:nvSpPr>
-        <p:spPr/>
+        <p:spPr>
+          <a:xfrm>
+            <a:off x="6555232" y="2530561"/>
+            <a:ext cx="184731" cy="369332"/>
+          </a:xfrm>
+          <a:prstGeom prst="rect">
+            <a:avLst/>
+          </a:prstGeom>
+          <a:noFill/>
+        </p:spPr>
         <p:txBody>
-          <a:bodyPr/>
+          <a:bodyPr wrap="none" rtlCol="0">
+            <a:spAutoFit/>
+          </a:bodyPr>
           <a:lstStyle/>
           <a:p>
-            <a:endParaRPr lang="en-NL"/>
+            <a:endParaRPr lang="en-NL" dirty="0"/>
           </a:p>
         </p:txBody>
       </p:sp>
+      <p:sp>
+        <p:nvSpPr>
+          <p:cNvPr id="9" name="Content Placeholder 2">
+            <a:extLst>
+              <a:ext uri="{FF2B5EF4-FFF2-40B4-BE49-F238E27FC236}">
+                <a16:creationId xmlns:a16="http://schemas.microsoft.com/office/drawing/2014/main" id="{859EFECF-ED02-A3B2-D77A-667F104FEDE5}"/>
+              </a:ext>
+            </a:extLst>
+          </p:cNvPr>
+          <p:cNvSpPr txBox="1">
+            <a:spLocks/>
+          </p:cNvSpPr>
+          <p:nvPr/>
+        </p:nvSpPr>
+        <p:spPr>
+          <a:xfrm>
+            <a:off x="990602" y="1608667"/>
+            <a:ext cx="6109061" cy="4720696"/>
+          </a:xfrm>
+          <a:prstGeom prst="rect">
+            <a:avLst/>
+          </a:prstGeom>
+        </p:spPr>
+        <p:txBody>
+          <a:bodyPr vert="horz" lIns="91440" tIns="45720" rIns="91440" bIns="45720" rtlCol="0">
+            <a:normAutofit/>
+          </a:bodyPr>
+          <a:lstStyle>
+            <a:lvl1pPr marL="228600" indent="-228600" algn="l" defTabSz="914400" rtl="0" eaLnBrk="1" latinLnBrk="0" hangingPunct="1">
+              <a:lnSpc>
+                <a:spcPct val="90000"/>
+              </a:lnSpc>
+              <a:spcBef>
+                <a:spcPts val="1000"/>
+              </a:spcBef>
+              <a:buFont typeface="Arial" panose="020B0604020202020204" pitchFamily="34" charset="0"/>
+              <a:buChar char="•"/>
+              <a:defRPr sz="2800" kern="1200">
+                <a:solidFill>
+                  <a:schemeClr val="tx1"/>
+                </a:solidFill>
+                <a:latin typeface="+mn-lt"/>
+                <a:ea typeface="+mn-ea"/>
+                <a:cs typeface="+mn-cs"/>
+              </a:defRPr>
+            </a:lvl1pPr>
+            <a:lvl2pPr marL="685800" indent="-228600" algn="l" defTabSz="914400" rtl="0" eaLnBrk="1" latinLnBrk="0" hangingPunct="1">
+              <a:lnSpc>
+                <a:spcPct val="90000"/>
+              </a:lnSpc>
+              <a:spcBef>
+                <a:spcPts val="500"/>
+              </a:spcBef>
+              <a:buFont typeface="Arial" panose="020B0604020202020204" pitchFamily="34" charset="0"/>
+              <a:buChar char="•"/>
+              <a:defRPr sz="2400" kern="1200">
+                <a:solidFill>
+                  <a:schemeClr val="tx1"/>
+                </a:solidFill>
+                <a:latin typeface="+mn-lt"/>
+                <a:ea typeface="+mn-ea"/>
+                <a:cs typeface="+mn-cs"/>
+              </a:defRPr>
+            </a:lvl2pPr>
+            <a:lvl3pPr marL="1143000" indent="-228600" algn="l" defTabSz="914400" rtl="0" eaLnBrk="1" latinLnBrk="0" hangingPunct="1">
+              <a:lnSpc>
+                <a:spcPct val="90000"/>
+              </a:lnSpc>
+              <a:spcBef>
+                <a:spcPts val="500"/>
+              </a:spcBef>
+              <a:buFont typeface="Arial" panose="020B0604020202020204" pitchFamily="34" charset="0"/>
+              <a:buChar char="•"/>
+              <a:defRPr sz="2000" kern="1200">
+                <a:solidFill>
+                  <a:schemeClr val="tx1"/>
+                </a:solidFill>
+                <a:latin typeface="+mn-lt"/>
+                <a:ea typeface="+mn-ea"/>
+                <a:cs typeface="+mn-cs"/>
+              </a:defRPr>
+            </a:lvl3pPr>
+            <a:lvl4pPr marL="1600200" indent="-228600" algn="l" defTabSz="914400" rtl="0" eaLnBrk="1" latinLnBrk="0" hangingPunct="1">
+              <a:lnSpc>
+                <a:spcPct val="90000"/>
+              </a:lnSpc>
+              <a:spcBef>
+                <a:spcPts val="500"/>
+              </a:spcBef>
+              <a:buFont typeface="Arial" panose="020B0604020202020204" pitchFamily="34" charset="0"/>
+              <a:buChar char="•"/>
+              <a:defRPr sz="1800" kern="1200">
+                <a:solidFill>
+                  <a:schemeClr val="tx1"/>
+                </a:solidFill>
+                <a:latin typeface="+mn-lt"/>
+                <a:ea typeface="+mn-ea"/>
+                <a:cs typeface="+mn-cs"/>
+              </a:defRPr>
+            </a:lvl4pPr>
+            <a:lvl5pPr marL="2057400" indent="-228600" algn="l" defTabSz="914400" rtl="0" eaLnBrk="1" latinLnBrk="0" hangingPunct="1">
+              <a:lnSpc>
+                <a:spcPct val="90000"/>
+              </a:lnSpc>
+              <a:spcBef>
+                <a:spcPts val="500"/>
+              </a:spcBef>
+              <a:buFont typeface="Arial" panose="020B0604020202020204" pitchFamily="34" charset="0"/>
+              <a:buChar char="•"/>
+              <a:defRPr sz="1800" kern="1200">
+                <a:solidFill>
+                  <a:schemeClr val="tx1"/>
+                </a:solidFill>
+                <a:latin typeface="+mn-lt"/>
+                <a:ea typeface="+mn-ea"/>
+                <a:cs typeface="+mn-cs"/>
+              </a:defRPr>
+            </a:lvl5pPr>
+            <a:lvl6pPr marL="2514600" indent="-228600" algn="l" defTabSz="914400" rtl="0" eaLnBrk="1" latinLnBrk="0" hangingPunct="1">
+              <a:lnSpc>
+                <a:spcPct val="90000"/>
+              </a:lnSpc>
+              <a:spcBef>
+                <a:spcPts val="500"/>
+              </a:spcBef>
+              <a:buFont typeface="Arial" panose="020B0604020202020204" pitchFamily="34" charset="0"/>
+              <a:buChar char="•"/>
+              <a:defRPr sz="1800" kern="1200">
+                <a:solidFill>
+                  <a:schemeClr val="tx1"/>
+                </a:solidFill>
+                <a:latin typeface="+mn-lt"/>
+                <a:ea typeface="+mn-ea"/>
+                <a:cs typeface="+mn-cs"/>
+              </a:defRPr>
+            </a:lvl6pPr>
+            <a:lvl7pPr marL="2971800" indent="-228600" algn="l" defTabSz="914400" rtl="0" eaLnBrk="1" latinLnBrk="0" hangingPunct="1">
+              <a:lnSpc>
+                <a:spcPct val="90000"/>
+              </a:lnSpc>
+              <a:spcBef>
+                <a:spcPts val="500"/>
+              </a:spcBef>
+              <a:buFont typeface="Arial" panose="020B0604020202020204" pitchFamily="34" charset="0"/>
+              <a:buChar char="•"/>
+              <a:defRPr sz="1800" kern="1200">
+                <a:solidFill>
+                  <a:schemeClr val="tx1"/>
+                </a:solidFill>
+                <a:latin typeface="+mn-lt"/>
+                <a:ea typeface="+mn-ea"/>
+                <a:cs typeface="+mn-cs"/>
+              </a:defRPr>
+            </a:lvl7pPr>
+            <a:lvl8pPr marL="3429000" indent="-228600" algn="l" defTabSz="914400" rtl="0" eaLnBrk="1" latinLnBrk="0" hangingPunct="1">
+              <a:lnSpc>
+                <a:spcPct val="90000"/>
+              </a:lnSpc>
+              <a:spcBef>
+                <a:spcPts val="500"/>
+              </a:spcBef>
+              <a:buFont typeface="Arial" panose="020B0604020202020204" pitchFamily="34" charset="0"/>
+              <a:buChar char="•"/>
+              <a:defRPr sz="1800" kern="1200">
+                <a:solidFill>
+                  <a:schemeClr val="tx1"/>
+                </a:solidFill>
+                <a:latin typeface="+mn-lt"/>
+                <a:ea typeface="+mn-ea"/>
+                <a:cs typeface="+mn-cs"/>
+              </a:defRPr>
+            </a:lvl8pPr>
+            <a:lvl9pPr marL="3886200" indent="-228600" algn="l" defTabSz="914400" rtl="0" eaLnBrk="1" latinLnBrk="0" hangingPunct="1">
+              <a:lnSpc>
+                <a:spcPct val="90000"/>
+              </a:lnSpc>
+              <a:spcBef>
+                <a:spcPts val="500"/>
+              </a:spcBef>
+              <a:buFont typeface="Arial" panose="020B0604020202020204" pitchFamily="34" charset="0"/>
+              <a:buChar char="•"/>
+              <a:defRPr sz="1800" kern="1200">
+                <a:solidFill>
+                  <a:schemeClr val="tx1"/>
+                </a:solidFill>
+                <a:latin typeface="+mn-lt"/>
+                <a:ea typeface="+mn-ea"/>
+                <a:cs typeface="+mn-cs"/>
+              </a:defRPr>
+            </a:lvl9pPr>
+          </a:lstStyle>
+          <a:p>
+            <a:pPr marL="0" indent="0">
+              <a:buNone/>
+            </a:pPr>
+            <a:r>
+              <a:rPr lang="nl-NL" sz="2000" b="1" dirty="0" err="1"/>
+              <a:t>sklearn.dummy.DummyClassifier</a:t>
+            </a:r>
+            <a:endParaRPr lang="nl-NL" sz="2000" b="1" dirty="0"/>
+          </a:p>
+          <a:p>
+            <a:pPr>
+              <a:buFontTx/>
+              <a:buChar char="-"/>
+            </a:pPr>
+            <a:r>
+              <a:rPr lang="nl-NL" sz="1600" dirty="0" err="1">
+                <a:latin typeface="Courier New" panose="02070309020205020404" pitchFamily="49" charset="0"/>
+                <a:cs typeface="Courier New" panose="02070309020205020404" pitchFamily="49" charset="0"/>
+              </a:rPr>
+              <a:t>most_frequent</a:t>
+            </a:r>
+            <a:r>
+              <a:rPr lang="nl-NL" sz="1600" dirty="0"/>
+              <a:t>		Voorspel meest algemene waarde.</a:t>
+            </a:r>
+          </a:p>
+          <a:p>
+            <a:pPr>
+              <a:buFontTx/>
+              <a:buChar char="-"/>
+            </a:pPr>
+            <a:r>
+              <a:rPr lang="nl-NL" sz="1600" dirty="0" err="1">
+                <a:latin typeface="Courier New" panose="02070309020205020404" pitchFamily="49" charset="0"/>
+                <a:cs typeface="Courier New" panose="02070309020205020404" pitchFamily="49" charset="0"/>
+              </a:rPr>
+              <a:t>stratified</a:t>
+            </a:r>
+            <a:r>
+              <a:rPr lang="nl-NL" sz="1600" dirty="0"/>
+              <a:t> 		Voorspel uit vergelijkbare verdeling.</a:t>
+            </a:r>
+          </a:p>
+          <a:p>
+            <a:pPr>
+              <a:buFontTx/>
+              <a:buChar char="-"/>
+            </a:pPr>
+            <a:r>
+              <a:rPr lang="nl-NL" sz="1600" dirty="0">
+                <a:latin typeface="Courier New" panose="02070309020205020404" pitchFamily="49" charset="0"/>
+                <a:cs typeface="Courier New" panose="02070309020205020404" pitchFamily="49" charset="0"/>
+              </a:rPr>
+              <a:t>uniform</a:t>
+            </a:r>
+            <a:r>
+              <a:rPr lang="nl-NL" sz="1600" dirty="0"/>
+              <a:t>		Voorspel uit uniforme verdeling.</a:t>
+            </a:r>
+          </a:p>
+          <a:p>
+            <a:pPr>
+              <a:buFontTx/>
+              <a:buChar char="-"/>
+            </a:pPr>
+            <a:r>
+              <a:rPr lang="nl-NL" sz="1600" dirty="0">
+                <a:latin typeface="Courier New" panose="02070309020205020404" pitchFamily="49" charset="0"/>
+                <a:cs typeface="Courier New" panose="02070309020205020404" pitchFamily="49" charset="0"/>
+              </a:rPr>
+              <a:t>constant</a:t>
+            </a:r>
+            <a:r>
+              <a:rPr lang="nl-NL" sz="1600" dirty="0"/>
+              <a:t>		Voorspel constante waarde.</a:t>
+            </a:r>
+          </a:p>
+          <a:p>
+            <a:pPr marL="0" indent="0">
+              <a:buNone/>
+            </a:pPr>
+            <a:endParaRPr lang="nl-NL" sz="2000" dirty="0"/>
+          </a:p>
+          <a:p>
+            <a:pPr marL="0" indent="0">
+              <a:buNone/>
+            </a:pPr>
+            <a:r>
+              <a:rPr lang="nl-NL" sz="2000" b="1" dirty="0" err="1"/>
+              <a:t>sklearn.dummy.DummyRegressor</a:t>
+            </a:r>
+            <a:endParaRPr lang="nl-NL" sz="2000" b="1" dirty="0"/>
+          </a:p>
+          <a:p>
+            <a:pPr>
+              <a:buFontTx/>
+              <a:buChar char="-"/>
+            </a:pPr>
+            <a:r>
+              <a:rPr lang="nl-NL" sz="1600" dirty="0" err="1">
+                <a:latin typeface="Courier New" panose="02070309020205020404" pitchFamily="49" charset="0"/>
+                <a:cs typeface="Courier New" panose="02070309020205020404" pitchFamily="49" charset="0"/>
+              </a:rPr>
+              <a:t>mean</a:t>
+            </a:r>
+            <a:r>
+              <a:rPr lang="nl-NL" sz="1600" dirty="0"/>
+              <a:t> 			Voorspel gemiddelde waarde.</a:t>
+            </a:r>
+          </a:p>
+          <a:p>
+            <a:pPr>
+              <a:buFontTx/>
+              <a:buChar char="-"/>
+            </a:pPr>
+            <a:r>
+              <a:rPr lang="nl-NL" sz="1600" dirty="0" err="1">
+                <a:latin typeface="Courier New" panose="02070309020205020404" pitchFamily="49" charset="0"/>
+                <a:cs typeface="Courier New" panose="02070309020205020404" pitchFamily="49" charset="0"/>
+              </a:rPr>
+              <a:t>median</a:t>
+            </a:r>
+            <a:r>
+              <a:rPr lang="nl-NL" sz="1600" dirty="0">
+                <a:latin typeface="Courier New" panose="02070309020205020404" pitchFamily="49" charset="0"/>
+                <a:cs typeface="Courier New" panose="02070309020205020404" pitchFamily="49" charset="0"/>
+              </a:rPr>
+              <a:t>/</a:t>
+            </a:r>
+            <a:r>
+              <a:rPr lang="nl-NL" sz="1600" dirty="0" err="1">
+                <a:latin typeface="Courier New" panose="02070309020205020404" pitchFamily="49" charset="0"/>
+                <a:cs typeface="Courier New" panose="02070309020205020404" pitchFamily="49" charset="0"/>
+              </a:rPr>
+              <a:t>quantile</a:t>
+            </a:r>
+            <a:r>
+              <a:rPr lang="nl-NL" sz="1600" dirty="0"/>
+              <a:t> 	Voorspel een mediaan / kwantiel.</a:t>
+            </a:r>
+          </a:p>
+          <a:p>
+            <a:pPr>
+              <a:buFontTx/>
+              <a:buChar char="-"/>
+            </a:pPr>
+            <a:r>
+              <a:rPr lang="nl-NL" sz="1600" dirty="0">
+                <a:latin typeface="Courier New" panose="02070309020205020404" pitchFamily="49" charset="0"/>
+                <a:cs typeface="Courier New" panose="02070309020205020404" pitchFamily="49" charset="0"/>
+              </a:rPr>
+              <a:t>constant</a:t>
+            </a:r>
+            <a:r>
+              <a:rPr lang="nl-NL" sz="1600" dirty="0"/>
+              <a:t>		Voorspel constante waarde.</a:t>
+            </a:r>
+          </a:p>
+        </p:txBody>
+      </p:sp>
+      <p:sp>
+        <p:nvSpPr>
+          <p:cNvPr id="3" name="TextBox 2">
+            <a:extLst>
+              <a:ext uri="{FF2B5EF4-FFF2-40B4-BE49-F238E27FC236}">
+                <a16:creationId xmlns:a16="http://schemas.microsoft.com/office/drawing/2014/main" id="{F665CE7E-418E-CA1E-D7F1-E288EA9DC5CF}"/>
+              </a:ext>
+            </a:extLst>
+          </p:cNvPr>
+          <p:cNvSpPr txBox="1"/>
+          <p:nvPr/>
+        </p:nvSpPr>
+        <p:spPr>
+          <a:xfrm>
+            <a:off x="8092440" y="1608667"/>
+            <a:ext cx="3657600" cy="3323987"/>
+          </a:xfrm>
+          <a:prstGeom prst="rect">
+            <a:avLst/>
+          </a:prstGeom>
+          <a:noFill/>
+        </p:spPr>
+        <p:txBody>
+          <a:bodyPr wrap="square" rtlCol="0">
+            <a:spAutoFit/>
+          </a:bodyPr>
+          <a:lstStyle/>
+          <a:p>
+            <a:r>
+              <a:rPr lang="en-US" sz="1400" dirty="0">
+                <a:latin typeface="Courier New" panose="02070309020205020404" pitchFamily="49" charset="0"/>
+                <a:cs typeface="Courier New" panose="02070309020205020404" pitchFamily="49" charset="0"/>
+              </a:rPr>
+              <a:t>from </a:t>
+            </a:r>
+            <a:r>
+              <a:rPr lang="en-US" sz="1400" dirty="0" err="1">
+                <a:latin typeface="Courier New" panose="02070309020205020404" pitchFamily="49" charset="0"/>
+                <a:cs typeface="Courier New" panose="02070309020205020404" pitchFamily="49" charset="0"/>
+              </a:rPr>
+              <a:t>sklearn.dummy</a:t>
+            </a:r>
+            <a:r>
+              <a:rPr lang="en-US" sz="1400" dirty="0">
+                <a:latin typeface="Courier New" panose="02070309020205020404" pitchFamily="49" charset="0"/>
+                <a:cs typeface="Courier New" panose="02070309020205020404" pitchFamily="49" charset="0"/>
+              </a:rPr>
+              <a:t> import \</a:t>
+            </a:r>
+          </a:p>
+          <a:p>
+            <a:r>
+              <a:rPr lang="en-US" sz="1400" dirty="0">
+                <a:latin typeface="Courier New" panose="02070309020205020404" pitchFamily="49" charset="0"/>
+                <a:cs typeface="Courier New" panose="02070309020205020404" pitchFamily="49" charset="0"/>
+              </a:rPr>
+              <a:t>  </a:t>
+            </a:r>
+            <a:r>
+              <a:rPr lang="en-US" sz="1400" dirty="0" err="1">
+                <a:latin typeface="Courier New" panose="02070309020205020404" pitchFamily="49" charset="0"/>
+                <a:cs typeface="Courier New" panose="02070309020205020404" pitchFamily="49" charset="0"/>
+              </a:rPr>
+              <a:t>DummyRegressor</a:t>
+            </a:r>
+            <a:endParaRPr lang="en-US" sz="1400" dirty="0">
+              <a:latin typeface="Courier New" panose="02070309020205020404" pitchFamily="49" charset="0"/>
+              <a:cs typeface="Courier New" panose="02070309020205020404" pitchFamily="49" charset="0"/>
+            </a:endParaRPr>
+          </a:p>
+          <a:p>
+            <a:endParaRPr lang="en-US" sz="1400" dirty="0">
+              <a:latin typeface="Courier New" panose="02070309020205020404" pitchFamily="49" charset="0"/>
+              <a:cs typeface="Courier New" panose="02070309020205020404" pitchFamily="49" charset="0"/>
+            </a:endParaRPr>
+          </a:p>
+          <a:p>
+            <a:endParaRPr lang="en-US" sz="1400" dirty="0">
+              <a:latin typeface="Courier New" panose="02070309020205020404" pitchFamily="49" charset="0"/>
+              <a:cs typeface="Courier New" panose="02070309020205020404" pitchFamily="49" charset="0"/>
+            </a:endParaRPr>
+          </a:p>
+          <a:p>
+            <a:r>
+              <a:rPr lang="en-US" sz="1400" dirty="0">
+                <a:latin typeface="Courier New" panose="02070309020205020404" pitchFamily="49" charset="0"/>
+                <a:cs typeface="Courier New" panose="02070309020205020404" pitchFamily="49" charset="0"/>
+              </a:rPr>
+              <a:t>X = [[25, 25], [50, 50]]</a:t>
+            </a:r>
+          </a:p>
+          <a:p>
+            <a:r>
+              <a:rPr lang="en-US" sz="1400" dirty="0">
+                <a:latin typeface="Courier New" panose="02070309020205020404" pitchFamily="49" charset="0"/>
+                <a:cs typeface="Courier New" panose="02070309020205020404" pitchFamily="49" charset="0"/>
+              </a:rPr>
+              <a:t>y = [50, 100]</a:t>
+            </a:r>
+          </a:p>
+          <a:p>
+            <a:endParaRPr lang="en-US" sz="1400" dirty="0">
+              <a:latin typeface="Courier New" panose="02070309020205020404" pitchFamily="49" charset="0"/>
+              <a:cs typeface="Courier New" panose="02070309020205020404" pitchFamily="49" charset="0"/>
+            </a:endParaRPr>
+          </a:p>
+          <a:p>
+            <a:endParaRPr lang="en-US" sz="1400" dirty="0">
+              <a:latin typeface="Courier New" panose="02070309020205020404" pitchFamily="49" charset="0"/>
+              <a:cs typeface="Courier New" panose="02070309020205020404" pitchFamily="49" charset="0"/>
+            </a:endParaRPr>
+          </a:p>
+          <a:p>
+            <a:r>
+              <a:rPr lang="en-US" sz="1400" dirty="0">
+                <a:latin typeface="Courier New" panose="02070309020205020404" pitchFamily="49" charset="0"/>
+                <a:cs typeface="Courier New" panose="02070309020205020404" pitchFamily="49" charset="0"/>
+              </a:rPr>
+              <a:t>dummy = </a:t>
+            </a:r>
+            <a:r>
+              <a:rPr lang="en-US" sz="1400" dirty="0" err="1">
+                <a:latin typeface="Courier New" panose="02070309020205020404" pitchFamily="49" charset="0"/>
+                <a:cs typeface="Courier New" panose="02070309020205020404" pitchFamily="49" charset="0"/>
+              </a:rPr>
+              <a:t>DummyRegressor</a:t>
+            </a:r>
+            <a:r>
+              <a:rPr lang="en-US" sz="1400" dirty="0">
+                <a:latin typeface="Courier New" panose="02070309020205020404" pitchFamily="49" charset="0"/>
+                <a:cs typeface="Courier New" panose="02070309020205020404" pitchFamily="49" charset="0"/>
+              </a:rPr>
+              <a:t>(</a:t>
+            </a:r>
+          </a:p>
+          <a:p>
+            <a:r>
+              <a:rPr lang="en-US" sz="1400" dirty="0">
+                <a:latin typeface="Courier New" panose="02070309020205020404" pitchFamily="49" charset="0"/>
+                <a:cs typeface="Courier New" panose="02070309020205020404" pitchFamily="49" charset="0"/>
+              </a:rPr>
+              <a:t>  strategy=</a:t>
+            </a:r>
+            <a:r>
+              <a:rPr lang="en-US" sz="1400" dirty="0">
+                <a:solidFill>
+                  <a:schemeClr val="accent2">
+                    <a:lumMod val="75000"/>
+                  </a:schemeClr>
+                </a:solidFill>
+                <a:latin typeface="Courier New" panose="02070309020205020404" pitchFamily="49" charset="0"/>
+                <a:cs typeface="Courier New" panose="02070309020205020404" pitchFamily="49" charset="0"/>
+              </a:rPr>
+              <a:t>"mean"</a:t>
+            </a:r>
+          </a:p>
+          <a:p>
+            <a:r>
+              <a:rPr lang="en-US" sz="1400" dirty="0">
+                <a:latin typeface="Courier New" panose="02070309020205020404" pitchFamily="49" charset="0"/>
+                <a:cs typeface="Courier New" panose="02070309020205020404" pitchFamily="49" charset="0"/>
+              </a:rPr>
+              <a:t>)</a:t>
+            </a:r>
+          </a:p>
+          <a:p>
+            <a:r>
+              <a:rPr lang="en-US" sz="1400" dirty="0" err="1">
+                <a:latin typeface="Courier New" panose="02070309020205020404" pitchFamily="49" charset="0"/>
+                <a:cs typeface="Courier New" panose="02070309020205020404" pitchFamily="49" charset="0"/>
+              </a:rPr>
+              <a:t>dummy.fit</a:t>
+            </a:r>
+            <a:r>
+              <a:rPr lang="en-US" sz="1400" dirty="0">
+                <a:latin typeface="Courier New" panose="02070309020205020404" pitchFamily="49" charset="0"/>
+                <a:cs typeface="Courier New" panose="02070309020205020404" pitchFamily="49" charset="0"/>
+              </a:rPr>
+              <a:t>(X, y)</a:t>
+            </a:r>
+          </a:p>
+          <a:p>
+            <a:endParaRPr lang="en-US" sz="1400" dirty="0">
+              <a:latin typeface="Courier New" panose="02070309020205020404" pitchFamily="49" charset="0"/>
+              <a:cs typeface="Courier New" panose="02070309020205020404" pitchFamily="49" charset="0"/>
+            </a:endParaRPr>
+          </a:p>
+          <a:p>
+            <a:r>
+              <a:rPr lang="en-US" sz="1400" dirty="0" err="1">
+                <a:latin typeface="Courier New" panose="02070309020205020404" pitchFamily="49" charset="0"/>
+                <a:cs typeface="Courier New" panose="02070309020205020404" pitchFamily="49" charset="0"/>
+              </a:rPr>
+              <a:t>dummy.predict</a:t>
+            </a:r>
+            <a:r>
+              <a:rPr lang="en-US" sz="1400" dirty="0">
+                <a:latin typeface="Courier New" panose="02070309020205020404" pitchFamily="49" charset="0"/>
+                <a:cs typeface="Courier New" panose="02070309020205020404" pitchFamily="49" charset="0"/>
+              </a:rPr>
+              <a:t>(X)</a:t>
+            </a:r>
+          </a:p>
+          <a:p>
+            <a:r>
+              <a:rPr lang="en-US" sz="1400" dirty="0">
+                <a:latin typeface="Courier New" panose="02070309020205020404" pitchFamily="49" charset="0"/>
+                <a:cs typeface="Courier New" panose="02070309020205020404" pitchFamily="49" charset="0"/>
+              </a:rPr>
+              <a:t># returns [75, 75]</a:t>
+            </a:r>
+            <a:endParaRPr lang="en-NL" sz="1400" dirty="0">
+              <a:latin typeface="Courier New" panose="02070309020205020404" pitchFamily="49" charset="0"/>
+              <a:cs typeface="Courier New" panose="02070309020205020404" pitchFamily="49" charset="0"/>
+            </a:endParaRPr>
+          </a:p>
+        </p:txBody>
+      </p:sp>
+      <p:cxnSp>
+        <p:nvCxnSpPr>
+          <p:cNvPr id="6" name="Straight Connector 5">
+            <a:extLst>
+              <a:ext uri="{FF2B5EF4-FFF2-40B4-BE49-F238E27FC236}">
+                <a16:creationId xmlns:a16="http://schemas.microsoft.com/office/drawing/2014/main" id="{B506F0B0-302C-0F2B-BCF4-350934C95DC4}"/>
+              </a:ext>
+            </a:extLst>
+          </p:cNvPr>
+          <p:cNvCxnSpPr/>
+          <p:nvPr/>
+        </p:nvCxnSpPr>
+        <p:spPr>
+          <a:xfrm>
+            <a:off x="7543800" y="1608667"/>
+            <a:ext cx="0" cy="4694162"/>
+          </a:xfrm>
+          <a:prstGeom prst="line">
+            <a:avLst/>
+          </a:prstGeom>
+        </p:spPr>
+        <p:style>
+          <a:lnRef idx="2">
+            <a:schemeClr val="dk1"/>
+          </a:lnRef>
+          <a:fillRef idx="0">
+            <a:schemeClr val="dk1"/>
+          </a:fillRef>
+          <a:effectRef idx="1">
+            <a:schemeClr val="dk1"/>
+          </a:effectRef>
+          <a:fontRef idx="minor">
+            <a:schemeClr val="tx1"/>
+          </a:fontRef>
+        </p:style>
+      </p:cxnSp>
     </p:spTree>
     <p:extLst>
       <p:ext uri="{BB962C8B-B14F-4D97-AF65-F5344CB8AC3E}">
-        <p14:creationId xmlns:p14="http://schemas.microsoft.com/office/powerpoint/2010/main" val="140133291"/>
+        <p14:creationId xmlns:p14="http://schemas.microsoft.com/office/powerpoint/2010/main" val="3387491440"/>
       </p:ext>
     </p:extLst>
   </p:cSld>
@@ -19882,390 +20810,260 @@
           <a:lstStyle/>
           <a:p>
             <a:r>
-              <a:rPr lang="nl-NL" sz="3600" dirty="0"/>
-              <a:t>Naar productie!</a:t>
-            </a:r>
-            <a:endParaRPr lang="nl-NL" sz="3600" noProof="0" dirty="0"/>
+              <a:rPr lang="nl-NL" sz="3600" noProof="0" dirty="0"/>
+              <a:t>Oefeningen IV</a:t>
+            </a:r>
           </a:p>
         </p:txBody>
       </p:sp>
       <p:sp>
         <p:nvSpPr>
-          <p:cNvPr id="3" name="Rectangle 2">
-            <a:extLst>
-              <a:ext uri="{FF2B5EF4-FFF2-40B4-BE49-F238E27FC236}">
-                <a16:creationId xmlns:a16="http://schemas.microsoft.com/office/drawing/2014/main" id="{CC9A2C42-5C7C-8DA1-D81E-2E20B336CB22}"/>
-              </a:ext>
-            </a:extLst>
-          </p:cNvPr>
-          <p:cNvSpPr/>
-          <p:nvPr/>
+          <p:cNvPr id="3" name="Content Placeholder 2">
+            <a:extLst>
+              <a:ext uri="{FF2B5EF4-FFF2-40B4-BE49-F238E27FC236}">
+                <a16:creationId xmlns:a16="http://schemas.microsoft.com/office/drawing/2014/main" id="{F4C2D286-E049-0AAB-1360-B7157E11AD7E}"/>
+              </a:ext>
+            </a:extLst>
+          </p:cNvPr>
+          <p:cNvSpPr>
+            <a:spLocks noGrp="1"/>
+          </p:cNvSpPr>
+          <p:nvPr>
+            <p:ph idx="1"/>
+          </p:nvPr>
         </p:nvSpPr>
         <p:spPr>
           <a:xfrm>
-            <a:off x="838200" y="1972101"/>
-            <a:ext cx="2834640" cy="3749674"/>
-          </a:xfrm>
-          <a:prstGeom prst="rect">
-            <a:avLst/>
-          </a:prstGeom>
+            <a:off x="838200" y="1456267"/>
+            <a:ext cx="10375900" cy="4720696"/>
+          </a:xfrm>
         </p:spPr>
-        <p:style>
-          <a:lnRef idx="1">
-            <a:schemeClr val="accent6"/>
-          </a:lnRef>
-          <a:fillRef idx="2">
-            <a:schemeClr val="accent6"/>
-          </a:fillRef>
-          <a:effectRef idx="1">
-            <a:schemeClr val="accent6"/>
-          </a:effectRef>
-          <a:fontRef idx="minor">
-            <a:schemeClr val="dk1"/>
-          </a:fontRef>
-        </p:style>
         <p:txBody>
-          <a:bodyPr lIns="180000" tIns="180000" rIns="180000" bIns="180000" rtlCol="0" anchor="t"/>
+          <a:bodyPr>
+            <a:normAutofit/>
+          </a:bodyPr>
           <a:lstStyle/>
           <a:p>
-            <a:pPr algn="ctr"/>
-            <a:r>
-              <a:rPr lang="nl-NL" b="1" dirty="0"/>
-              <a:t>Validatie / Selectie</a:t>
-            </a:r>
-          </a:p>
-          <a:p>
-            <a:pPr algn="ctr"/>
-            <a:endParaRPr lang="nl-NL" b="1" dirty="0"/>
-          </a:p>
-          <a:p>
-            <a:r>
-              <a:rPr lang="nl-NL" dirty="0"/>
-              <a:t>Optimaliseer specificatie van je model:</a:t>
-            </a:r>
-          </a:p>
-          <a:p>
-            <a:pPr marL="285750" indent="-285750">
-              <a:buFontTx/>
-              <a:buChar char="-"/>
+            <a:pPr marL="457200" indent="-457200">
+              <a:buFont typeface="Arial" panose="020B0604020202020204" pitchFamily="34" charset="0"/>
+              <a:buAutoNum type="arabicPeriod"/>
             </a:pPr>
-            <a:endParaRPr lang="nl-NL" dirty="0"/>
-          </a:p>
-          <a:p>
-            <a:pPr marL="285750" indent="-285750">
-              <a:buFontTx/>
-              <a:buChar char="-"/>
+            <a:r>
+              <a:rPr lang="nl-NL" sz="2000" dirty="0"/>
+              <a:t>Open Notebook: </a:t>
+            </a:r>
+            <a:r>
+              <a:rPr lang="nl-NL" sz="2000" dirty="0" err="1">
+                <a:latin typeface="Courier New" panose="02070309020205020404" pitchFamily="49" charset="0"/>
+                <a:cs typeface="Courier New" panose="02070309020205020404" pitchFamily="49" charset="0"/>
+              </a:rPr>
+              <a:t>exercises</a:t>
+            </a:r>
+            <a:r>
+              <a:rPr lang="nl-NL" sz="2000" dirty="0">
+                <a:latin typeface="Courier New" panose="02070309020205020404" pitchFamily="49" charset="0"/>
+                <a:cs typeface="Courier New" panose="02070309020205020404" pitchFamily="49" charset="0"/>
+              </a:rPr>
+              <a:t>/4_validation.ipynb</a:t>
+            </a:r>
+          </a:p>
+          <a:p>
+            <a:pPr marL="457200" lvl="1" indent="0">
+              <a:buNone/>
             </a:pPr>
-            <a:r>
-              <a:rPr lang="nl-NL" dirty="0"/>
-              <a:t>data preparatie</a:t>
-            </a:r>
-          </a:p>
-          <a:p>
-            <a:pPr marL="285750" indent="-285750">
-              <a:buFontTx/>
-              <a:buChar char="-"/>
+            <a:endParaRPr lang="nl-NL" sz="1600" noProof="0" dirty="0"/>
+          </a:p>
+          <a:p>
+            <a:pPr marL="457200" indent="-457200">
+              <a:buFont typeface="+mj-lt"/>
+              <a:buAutoNum type="arabicPeriod"/>
             </a:pPr>
             <a:r>
-              <a:rPr lang="nl-NL" dirty="0"/>
-              <a:t>features</a:t>
-            </a:r>
-          </a:p>
-          <a:p>
-            <a:pPr marL="285750" indent="-285750">
-              <a:buFontTx/>
-              <a:buChar char="-"/>
+              <a:rPr lang="nl-NL" sz="2000" dirty="0"/>
+              <a:t>Maak een </a:t>
+            </a:r>
+            <a:r>
+              <a:rPr lang="nl-NL" sz="2000" dirty="0" err="1">
+                <a:latin typeface="Courier New" panose="02070309020205020404" pitchFamily="49" charset="0"/>
+                <a:cs typeface="Courier New" panose="02070309020205020404" pitchFamily="49" charset="0"/>
+              </a:rPr>
+              <a:t>DummyClassifier</a:t>
+            </a:r>
+            <a:r>
+              <a:rPr lang="nl-NL" sz="2000" dirty="0"/>
+              <a:t> en </a:t>
+            </a:r>
+            <a:r>
+              <a:rPr lang="nl-NL" sz="2000" dirty="0" err="1">
+                <a:latin typeface="Courier New" panose="02070309020205020404" pitchFamily="49" charset="0"/>
+                <a:cs typeface="Courier New" panose="02070309020205020404" pitchFamily="49" charset="0"/>
+              </a:rPr>
+              <a:t>RandomForestClassifier</a:t>
+            </a:r>
+            <a:r>
+              <a:rPr lang="nl-NL" sz="2000" dirty="0"/>
+              <a:t>.</a:t>
+            </a:r>
+          </a:p>
+          <a:p>
+            <a:pPr lvl="1"/>
+            <a:r>
+              <a:rPr lang="nl-NL" sz="1600" noProof="0" dirty="0"/>
+              <a:t>Bundel de data preparatie en het model met een Pipeline.</a:t>
+            </a:r>
+          </a:p>
+          <a:p>
+            <a:pPr lvl="1"/>
+            <a:r>
+              <a:rPr lang="nl-NL" sz="1600" noProof="0" dirty="0"/>
+              <a:t>Gebruik </a:t>
+            </a:r>
+            <a:r>
+              <a:rPr lang="nl-NL" sz="1600" noProof="0" dirty="0" err="1">
+                <a:latin typeface="Courier New" panose="02070309020205020404" pitchFamily="49" charset="0"/>
+                <a:cs typeface="Courier New" panose="02070309020205020404" pitchFamily="49" charset="0"/>
+              </a:rPr>
+              <a:t>stratified</a:t>
+            </a:r>
+            <a:r>
+              <a:rPr lang="nl-NL" sz="1600" noProof="0" dirty="0"/>
+              <a:t> als strategie voor het dummy model.</a:t>
+            </a:r>
+          </a:p>
+          <a:p>
+            <a:pPr marL="457200" indent="-457200">
+              <a:buFont typeface="+mj-lt"/>
+              <a:buAutoNum type="arabicPeriod"/>
             </a:pPr>
-            <a:r>
-              <a:rPr lang="nl-NL" dirty="0"/>
-              <a:t>algoritme</a:t>
-            </a:r>
-          </a:p>
-          <a:p>
-            <a:pPr marL="285750" indent="-285750">
-              <a:buFontTx/>
-              <a:buChar char="-"/>
+            <a:endParaRPr lang="nl-NL" sz="2000" noProof="0" dirty="0"/>
+          </a:p>
+          <a:p>
+            <a:pPr marL="457200" indent="-457200">
+              <a:buFont typeface="+mj-lt"/>
+              <a:buAutoNum type="arabicPeriod"/>
             </a:pPr>
             <a:r>
-              <a:rPr lang="nl-NL" dirty="0"/>
-              <a:t>instellingen</a:t>
-            </a:r>
-          </a:p>
-          <a:p>
-            <a:pPr marL="285750" indent="-285750">
-              <a:buFontTx/>
-              <a:buChar char="-"/>
+              <a:rPr lang="nl-NL" sz="2000" dirty="0"/>
+              <a:t>Splits de data met </a:t>
+            </a:r>
+            <a:r>
+              <a:rPr lang="nl-NL" sz="2000" dirty="0" err="1">
+                <a:latin typeface="Courier New" panose="02070309020205020404" pitchFamily="49" charset="0"/>
+                <a:cs typeface="Courier New" panose="02070309020205020404" pitchFamily="49" charset="0"/>
+              </a:rPr>
+              <a:t>train_test_split</a:t>
+            </a:r>
+            <a:r>
+              <a:rPr lang="nl-NL" sz="2000" dirty="0">
+                <a:latin typeface="Courier New" panose="02070309020205020404" pitchFamily="49" charset="0"/>
+                <a:cs typeface="Courier New" panose="02070309020205020404" pitchFamily="49" charset="0"/>
+              </a:rPr>
+              <a:t>()</a:t>
+            </a:r>
+            <a:r>
+              <a:rPr lang="nl-NL" sz="2000" dirty="0"/>
+              <a:t>.</a:t>
+            </a:r>
+          </a:p>
+          <a:p>
+            <a:pPr lvl="1"/>
+            <a:r>
+              <a:rPr lang="nl-NL" sz="1600" noProof="0" dirty="0"/>
+              <a:t>Gebruik 70% van de data om te trainen en 30% om te testen.</a:t>
+            </a:r>
+          </a:p>
+          <a:p>
+            <a:pPr lvl="1"/>
+            <a:r>
+              <a:rPr lang="nl-NL" sz="1600" noProof="0" dirty="0"/>
+              <a:t>Welk model doet het beter op de train set? En op de test set?</a:t>
+            </a:r>
+          </a:p>
+          <a:p>
+            <a:pPr lvl="1"/>
+            <a:r>
+              <a:rPr lang="nl-NL" sz="1600" dirty="0"/>
+              <a:t>Is de </a:t>
+            </a:r>
+            <a:r>
+              <a:rPr lang="nl-NL" sz="1600" dirty="0" err="1">
+                <a:latin typeface="Courier New" panose="02070309020205020404" pitchFamily="49" charset="0"/>
+                <a:cs typeface="Courier New" panose="02070309020205020404" pitchFamily="49" charset="0"/>
+              </a:rPr>
+              <a:t>DummyClassifier</a:t>
+            </a:r>
+            <a:r>
+              <a:rPr lang="nl-NL" sz="1600" dirty="0"/>
+              <a:t> accurater dan altijd "No" voorspellen? </a:t>
+            </a:r>
+            <a:r>
+              <a:rPr lang="nl-NL" sz="1600"/>
+              <a:t>Waarom?</a:t>
+            </a:r>
+            <a:endParaRPr lang="nl-NL" sz="1600" noProof="0" dirty="0"/>
+          </a:p>
+          <a:p>
+            <a:pPr marL="457200" lvl="1" indent="0">
+              <a:buNone/>
             </a:pPr>
-            <a:endParaRPr lang="nl-NL" dirty="0"/>
-          </a:p>
-          <a:p>
-            <a:pPr algn="ctr"/>
-            <a:endParaRPr lang="nl-NL" dirty="0"/>
-          </a:p>
-        </p:txBody>
-      </p:sp>
-      <p:sp>
-        <p:nvSpPr>
-          <p:cNvPr id="4" name="Rectangle 3">
-            <a:extLst>
-              <a:ext uri="{FF2B5EF4-FFF2-40B4-BE49-F238E27FC236}">
-                <a16:creationId xmlns:a16="http://schemas.microsoft.com/office/drawing/2014/main" id="{2AC933C2-3D5A-0ACA-5AFE-5351303887C6}"/>
-              </a:ext>
-            </a:extLst>
-          </p:cNvPr>
-          <p:cNvSpPr/>
-          <p:nvPr/>
-        </p:nvSpPr>
-        <p:spPr>
-          <a:xfrm>
-            <a:off x="4678680" y="1972100"/>
-            <a:ext cx="2834640" cy="3749674"/>
-          </a:xfrm>
-          <a:prstGeom prst="rect">
-            <a:avLst/>
-          </a:prstGeom>
-        </p:spPr>
-        <p:style>
-          <a:lnRef idx="1">
-            <a:schemeClr val="accent5"/>
-          </a:lnRef>
-          <a:fillRef idx="2">
-            <a:schemeClr val="accent5"/>
-          </a:fillRef>
-          <a:effectRef idx="1">
-            <a:schemeClr val="accent5"/>
-          </a:effectRef>
-          <a:fontRef idx="minor">
-            <a:schemeClr val="dk1"/>
-          </a:fontRef>
-        </p:style>
-        <p:txBody>
-          <a:bodyPr lIns="180000" tIns="180000" rIns="180000" bIns="180000" rtlCol="0" anchor="t"/>
-          <a:lstStyle/>
-          <a:p>
-            <a:pPr algn="ctr"/>
-            <a:r>
-              <a:rPr lang="nl-NL" b="1" dirty="0"/>
-              <a:t>Finale training</a:t>
-            </a:r>
-          </a:p>
-          <a:p>
-            <a:pPr algn="ctr"/>
-            <a:endParaRPr lang="nl-NL" b="1" dirty="0"/>
-          </a:p>
-          <a:p>
-            <a:r>
-              <a:rPr lang="nl-NL" dirty="0"/>
-              <a:t>Optimaliseer de gewichten van je model.</a:t>
-            </a:r>
-          </a:p>
-          <a:p>
-            <a:endParaRPr lang="nl-NL" dirty="0"/>
-          </a:p>
-          <a:p>
-            <a:r>
-              <a:rPr lang="nl-NL" dirty="0"/>
-              <a:t>Train je model op </a:t>
-            </a:r>
-            <a:r>
-              <a:rPr lang="nl-NL" u="sng" dirty="0"/>
-              <a:t>alle beschikbare data</a:t>
-            </a:r>
-            <a:r>
-              <a:rPr lang="nl-NL" dirty="0"/>
-              <a:t> om zoveel mogelijk patronen te vangen.</a:t>
-            </a:r>
-          </a:p>
-        </p:txBody>
-      </p:sp>
-      <p:sp>
-        <p:nvSpPr>
-          <p:cNvPr id="5" name="Rectangle 4">
-            <a:extLst>
-              <a:ext uri="{FF2B5EF4-FFF2-40B4-BE49-F238E27FC236}">
-                <a16:creationId xmlns:a16="http://schemas.microsoft.com/office/drawing/2014/main" id="{789364A3-4528-7390-21E7-3B1FEFCDC7BA}"/>
-              </a:ext>
-            </a:extLst>
-          </p:cNvPr>
-          <p:cNvSpPr/>
-          <p:nvPr/>
-        </p:nvSpPr>
-        <p:spPr>
-          <a:xfrm>
-            <a:off x="8519160" y="1972100"/>
-            <a:ext cx="2834640" cy="3749674"/>
-          </a:xfrm>
-          <a:prstGeom prst="rect">
-            <a:avLst/>
-          </a:prstGeom>
-        </p:spPr>
-        <p:style>
-          <a:lnRef idx="1">
-            <a:schemeClr val="accent4"/>
-          </a:lnRef>
-          <a:fillRef idx="2">
-            <a:schemeClr val="accent4"/>
-          </a:fillRef>
-          <a:effectRef idx="1">
-            <a:schemeClr val="accent4"/>
-          </a:effectRef>
-          <a:fontRef idx="minor">
-            <a:schemeClr val="dk1"/>
-          </a:fontRef>
-        </p:style>
-        <p:txBody>
-          <a:bodyPr lIns="180000" tIns="180000" rIns="180000" bIns="180000" rtlCol="0" anchor="t"/>
-          <a:lstStyle/>
-          <a:p>
-            <a:pPr algn="ctr"/>
-            <a:r>
-              <a:rPr lang="nl-NL" b="1" dirty="0"/>
-              <a:t>Uitrol</a:t>
-            </a:r>
-          </a:p>
-          <a:p>
-            <a:pPr algn="ctr"/>
-            <a:endParaRPr lang="nl-NL" b="1" dirty="0"/>
-          </a:p>
-          <a:p>
-            <a:r>
-              <a:rPr lang="nl-NL" dirty="0"/>
-              <a:t>Gebruik het finale model in het bedrijfsproces.</a:t>
-            </a:r>
-          </a:p>
-          <a:p>
-            <a:endParaRPr lang="nl-NL" dirty="0"/>
-          </a:p>
-          <a:p>
-            <a:r>
-              <a:rPr lang="nl-NL" dirty="0"/>
-              <a:t>Uitdagingen qua:</a:t>
-            </a:r>
-          </a:p>
-          <a:p>
-            <a:pPr marL="285750" indent="-285750">
-              <a:buFontTx/>
-              <a:buChar char="-"/>
+            <a:endParaRPr lang="nl-NL" sz="1600" noProof="0" dirty="0"/>
+          </a:p>
+          <a:p>
+            <a:pPr marL="457200" indent="-457200">
+              <a:buFont typeface="+mj-lt"/>
+              <a:buAutoNum type="arabicPeriod"/>
             </a:pPr>
             <a:r>
-              <a:rPr lang="nl-NL" dirty="0"/>
-              <a:t>Techniek</a:t>
-            </a:r>
-          </a:p>
-          <a:p>
-            <a:pPr marL="285750" indent="-285750">
-              <a:buFontTx/>
-              <a:buChar char="-"/>
-            </a:pPr>
-            <a:r>
-              <a:rPr lang="nl-NL" dirty="0"/>
-              <a:t>Gebruik</a:t>
-            </a:r>
-          </a:p>
-          <a:p>
-            <a:pPr marL="285750" indent="-285750">
-              <a:buFontTx/>
-              <a:buChar char="-"/>
-            </a:pPr>
-            <a:r>
-              <a:rPr lang="nl-NL" dirty="0"/>
-              <a:t>Duurzaamheid</a:t>
-            </a:r>
-          </a:p>
-        </p:txBody>
-      </p:sp>
-      <p:sp>
-        <p:nvSpPr>
-          <p:cNvPr id="10" name="Arrow: Right 9">
-            <a:extLst>
-              <a:ext uri="{FF2B5EF4-FFF2-40B4-BE49-F238E27FC236}">
-                <a16:creationId xmlns:a16="http://schemas.microsoft.com/office/drawing/2014/main" id="{4A21C4F3-49E6-41AF-A714-DA2393DC82DA}"/>
-              </a:ext>
-            </a:extLst>
-          </p:cNvPr>
-          <p:cNvSpPr/>
-          <p:nvPr/>
-        </p:nvSpPr>
-        <p:spPr>
-          <a:xfrm>
-            <a:off x="3921880" y="3616657"/>
-            <a:ext cx="506364" cy="462712"/>
-          </a:xfrm>
-          <a:prstGeom prst="rightArrow">
-            <a:avLst/>
-          </a:prstGeom>
-        </p:spPr>
-        <p:style>
-          <a:lnRef idx="1">
-            <a:schemeClr val="accent6"/>
-          </a:lnRef>
-          <a:fillRef idx="2">
-            <a:schemeClr val="accent6"/>
-          </a:fillRef>
-          <a:effectRef idx="1">
-            <a:schemeClr val="accent6"/>
-          </a:effectRef>
-          <a:fontRef idx="minor">
-            <a:schemeClr val="dk1"/>
-          </a:fontRef>
-        </p:style>
-        <p:txBody>
-          <a:bodyPr rtlCol="0" anchor="ctr"/>
-          <a:lstStyle/>
-          <a:p>
-            <a:pPr algn="ctr"/>
-            <a:endParaRPr lang="en-NL"/>
-          </a:p>
-        </p:txBody>
-      </p:sp>
-      <p:sp>
-        <p:nvSpPr>
-          <p:cNvPr id="12" name="Arrow: Right 11">
-            <a:extLst>
-              <a:ext uri="{FF2B5EF4-FFF2-40B4-BE49-F238E27FC236}">
-                <a16:creationId xmlns:a16="http://schemas.microsoft.com/office/drawing/2014/main" id="{8DAE0CBB-182F-60CC-5E30-302DBE0D772C}"/>
-              </a:ext>
-            </a:extLst>
-          </p:cNvPr>
-          <p:cNvSpPr/>
-          <p:nvPr/>
-        </p:nvSpPr>
-        <p:spPr>
-          <a:xfrm>
-            <a:off x="7763058" y="3616657"/>
-            <a:ext cx="506364" cy="462712"/>
-          </a:xfrm>
-          <a:prstGeom prst="rightArrow">
-            <a:avLst/>
-          </a:prstGeom>
-        </p:spPr>
-        <p:style>
-          <a:lnRef idx="1">
-            <a:schemeClr val="accent5"/>
-          </a:lnRef>
-          <a:fillRef idx="2">
-            <a:schemeClr val="accent5"/>
-          </a:fillRef>
-          <a:effectRef idx="1">
-            <a:schemeClr val="accent5"/>
-          </a:effectRef>
-          <a:fontRef idx="minor">
-            <a:schemeClr val="dk1"/>
-          </a:fontRef>
-        </p:style>
-        <p:txBody>
-          <a:bodyPr rtlCol="0" anchor="ctr"/>
-          <a:lstStyle/>
-          <a:p>
-            <a:pPr algn="ctr"/>
-            <a:endParaRPr lang="en-NL"/>
+              <a:rPr lang="nl-NL" sz="2000" noProof="0" dirty="0"/>
+              <a:t>Gebruik </a:t>
+            </a:r>
+            <a:r>
+              <a:rPr lang="nl-NL" sz="2000" noProof="0" dirty="0" err="1">
+                <a:latin typeface="Courier New" panose="02070309020205020404" pitchFamily="49" charset="0"/>
+                <a:cs typeface="Courier New" panose="02070309020205020404" pitchFamily="49" charset="0"/>
+              </a:rPr>
+              <a:t>KFold</a:t>
+            </a:r>
+            <a:r>
+              <a:rPr lang="nl-NL" sz="2000" noProof="0" dirty="0"/>
+              <a:t> om de data 5 keer op te splitsen.</a:t>
+            </a:r>
+          </a:p>
+          <a:p>
+            <a:pPr lvl="1"/>
+            <a:r>
+              <a:rPr lang="nl-NL" sz="1600" dirty="0"/>
+              <a:t>Zijn de prestaties van </a:t>
+            </a:r>
+            <a:r>
+              <a:rPr lang="nl-NL" sz="1600" dirty="0" err="1">
+                <a:latin typeface="Courier New" panose="02070309020205020404" pitchFamily="49" charset="0"/>
+                <a:cs typeface="Courier New" panose="02070309020205020404" pitchFamily="49" charset="0"/>
+              </a:rPr>
+              <a:t>RandomForestClassifier</a:t>
+            </a:r>
+            <a:r>
+              <a:rPr lang="nl-NL" sz="1600" dirty="0"/>
+              <a:t> consistent over de splits?</a:t>
+            </a:r>
+          </a:p>
+          <a:p>
+            <a:pPr lvl="1"/>
+            <a:r>
+              <a:rPr lang="nl-NL" sz="1600" noProof="0" dirty="0"/>
+              <a:t>Wat zou er aan de hand kunnen zijn?</a:t>
+            </a:r>
+          </a:p>
+          <a:p>
+            <a:pPr lvl="1"/>
+            <a:endParaRPr lang="nl-NL" sz="1600" noProof="0" dirty="0"/>
           </a:p>
         </p:txBody>
       </p:sp>
     </p:spTree>
     <p:extLst>
       <p:ext uri="{BB962C8B-B14F-4D97-AF65-F5344CB8AC3E}">
-        <p14:creationId xmlns:p14="http://schemas.microsoft.com/office/powerpoint/2010/main" val="1524292868"/>
+        <p14:creationId xmlns:p14="http://schemas.microsoft.com/office/powerpoint/2010/main" val="2660283998"/>
       </p:ext>
     </p:extLst>
   </p:cSld>
@@ -20294,6 +21092,552 @@
       </p:grpSpPr>
       <p:sp>
         <p:nvSpPr>
+          <p:cNvPr id="4" name="Title 3">
+            <a:extLst>
+              <a:ext uri="{FF2B5EF4-FFF2-40B4-BE49-F238E27FC236}">
+                <a16:creationId xmlns:a16="http://schemas.microsoft.com/office/drawing/2014/main" id="{72C925CA-BCA3-3701-E08E-95652380B32E}"/>
+              </a:ext>
+            </a:extLst>
+          </p:cNvPr>
+          <p:cNvSpPr>
+            <a:spLocks noGrp="1"/>
+          </p:cNvSpPr>
+          <p:nvPr>
+            <p:ph type="title"/>
+          </p:nvPr>
+        </p:nvSpPr>
+        <p:spPr/>
+        <p:txBody>
+          <a:bodyPr/>
+          <a:lstStyle/>
+          <a:p>
+            <a:r>
+              <a:rPr lang="nl-NL" noProof="0" dirty="0"/>
+              <a:t>Modellen in productie</a:t>
+            </a:r>
+          </a:p>
+        </p:txBody>
+      </p:sp>
+      <p:sp>
+        <p:nvSpPr>
+          <p:cNvPr id="5" name="Text Placeholder 4">
+            <a:extLst>
+              <a:ext uri="{FF2B5EF4-FFF2-40B4-BE49-F238E27FC236}">
+                <a16:creationId xmlns:a16="http://schemas.microsoft.com/office/drawing/2014/main" id="{1AB31C95-91AF-DF13-FB58-0DA5F2D9F6F7}"/>
+              </a:ext>
+            </a:extLst>
+          </p:cNvPr>
+          <p:cNvSpPr>
+            <a:spLocks noGrp="1"/>
+          </p:cNvSpPr>
+          <p:nvPr>
+            <p:ph type="body" idx="1"/>
+          </p:nvPr>
+        </p:nvSpPr>
+        <p:spPr/>
+        <p:txBody>
+          <a:bodyPr/>
+          <a:lstStyle/>
+          <a:p>
+            <a:endParaRPr lang="en-NL"/>
+          </a:p>
+        </p:txBody>
+      </p:sp>
+    </p:spTree>
+    <p:extLst>
+      <p:ext uri="{BB962C8B-B14F-4D97-AF65-F5344CB8AC3E}">
+        <p14:creationId xmlns:p14="http://schemas.microsoft.com/office/powerpoint/2010/main" val="140133291"/>
+      </p:ext>
+    </p:extLst>
+  </p:cSld>
+  <p:clrMapOvr>
+    <a:masterClrMapping/>
+  </p:clrMapOvr>
+</p:sld>
+</file>
+
+<file path=ppt/slides/slide38.xml><?xml version="1.0" encoding="utf-8"?>
+<p:sld xmlns:a="http://schemas.openxmlformats.org/drawingml/2006/main" xmlns:r="http://schemas.openxmlformats.org/officeDocument/2006/relationships" xmlns:p="http://schemas.openxmlformats.org/presentationml/2006/main">
+  <p:cSld>
+    <p:spTree>
+      <p:nvGrpSpPr>
+        <p:cNvPr id="1" name=""/>
+        <p:cNvGrpSpPr/>
+        <p:nvPr/>
+      </p:nvGrpSpPr>
+      <p:grpSpPr>
+        <a:xfrm>
+          <a:off x="0" y="0"/>
+          <a:ext cx="0" cy="0"/>
+          <a:chOff x="0" y="0"/>
+          <a:chExt cx="0" cy="0"/>
+        </a:xfrm>
+      </p:grpSpPr>
+      <p:sp>
+        <p:nvSpPr>
+          <p:cNvPr id="2" name="Title 1">
+            <a:extLst>
+              <a:ext uri="{FF2B5EF4-FFF2-40B4-BE49-F238E27FC236}">
+                <a16:creationId xmlns:a16="http://schemas.microsoft.com/office/drawing/2014/main" id="{39A1D606-8DD1-369C-5C09-471CDD551AD5}"/>
+              </a:ext>
+            </a:extLst>
+          </p:cNvPr>
+          <p:cNvSpPr>
+            <a:spLocks noGrp="1"/>
+          </p:cNvSpPr>
+          <p:nvPr>
+            <p:ph type="title"/>
+          </p:nvPr>
+        </p:nvSpPr>
+        <p:spPr>
+          <a:xfrm>
+            <a:off x="838200" y="365126"/>
+            <a:ext cx="10515600" cy="718608"/>
+          </a:xfrm>
+        </p:spPr>
+        <p:txBody>
+          <a:bodyPr>
+            <a:normAutofit/>
+          </a:bodyPr>
+          <a:lstStyle/>
+          <a:p>
+            <a:r>
+              <a:rPr lang="nl-NL" sz="3600" dirty="0"/>
+              <a:t>Naar productie!</a:t>
+            </a:r>
+            <a:endParaRPr lang="nl-NL" sz="3600" noProof="0" dirty="0"/>
+          </a:p>
+        </p:txBody>
+      </p:sp>
+      <p:sp>
+        <p:nvSpPr>
+          <p:cNvPr id="3" name="Rectangle 2">
+            <a:extLst>
+              <a:ext uri="{FF2B5EF4-FFF2-40B4-BE49-F238E27FC236}">
+                <a16:creationId xmlns:a16="http://schemas.microsoft.com/office/drawing/2014/main" id="{CC9A2C42-5C7C-8DA1-D81E-2E20B336CB22}"/>
+              </a:ext>
+            </a:extLst>
+          </p:cNvPr>
+          <p:cNvSpPr/>
+          <p:nvPr/>
+        </p:nvSpPr>
+        <p:spPr>
+          <a:xfrm>
+            <a:off x="838200" y="1972101"/>
+            <a:ext cx="2834640" cy="3749674"/>
+          </a:xfrm>
+          <a:prstGeom prst="rect">
+            <a:avLst/>
+          </a:prstGeom>
+        </p:spPr>
+        <p:style>
+          <a:lnRef idx="1">
+            <a:schemeClr val="accent6"/>
+          </a:lnRef>
+          <a:fillRef idx="2">
+            <a:schemeClr val="accent6"/>
+          </a:fillRef>
+          <a:effectRef idx="1">
+            <a:schemeClr val="accent6"/>
+          </a:effectRef>
+          <a:fontRef idx="minor">
+            <a:schemeClr val="dk1"/>
+          </a:fontRef>
+        </p:style>
+        <p:txBody>
+          <a:bodyPr lIns="180000" tIns="180000" rIns="180000" bIns="180000" rtlCol="0" anchor="t"/>
+          <a:lstStyle/>
+          <a:p>
+            <a:pPr algn="ctr"/>
+            <a:r>
+              <a:rPr lang="nl-NL" b="1" dirty="0"/>
+              <a:t>Validatie / Selectie</a:t>
+            </a:r>
+          </a:p>
+          <a:p>
+            <a:pPr algn="ctr"/>
+            <a:endParaRPr lang="nl-NL" b="1" dirty="0"/>
+          </a:p>
+          <a:p>
+            <a:r>
+              <a:rPr lang="nl-NL" dirty="0"/>
+              <a:t>Optimaliseer </a:t>
+            </a:r>
+            <a:r>
+              <a:rPr lang="nl-NL" u="sng" dirty="0"/>
+              <a:t>specificatie</a:t>
+            </a:r>
+            <a:r>
+              <a:rPr lang="nl-NL" dirty="0"/>
+              <a:t> van je model:</a:t>
+            </a:r>
+          </a:p>
+          <a:p>
+            <a:pPr marL="285750" indent="-285750">
+              <a:buFontTx/>
+              <a:buChar char="-"/>
+            </a:pPr>
+            <a:endParaRPr lang="nl-NL" dirty="0"/>
+          </a:p>
+          <a:p>
+            <a:pPr marL="285750" indent="-285750">
+              <a:buFontTx/>
+              <a:buChar char="-"/>
+            </a:pPr>
+            <a:r>
+              <a:rPr lang="nl-NL" dirty="0"/>
+              <a:t>data preparatie</a:t>
+            </a:r>
+          </a:p>
+          <a:p>
+            <a:pPr marL="285750" indent="-285750">
+              <a:buFontTx/>
+              <a:buChar char="-"/>
+            </a:pPr>
+            <a:r>
+              <a:rPr lang="nl-NL" dirty="0"/>
+              <a:t>features</a:t>
+            </a:r>
+          </a:p>
+          <a:p>
+            <a:pPr marL="285750" indent="-285750">
+              <a:buFontTx/>
+              <a:buChar char="-"/>
+            </a:pPr>
+            <a:r>
+              <a:rPr lang="nl-NL" dirty="0"/>
+              <a:t>algoritme</a:t>
+            </a:r>
+          </a:p>
+          <a:p>
+            <a:pPr marL="285750" indent="-285750">
+              <a:buFontTx/>
+              <a:buChar char="-"/>
+            </a:pPr>
+            <a:r>
+              <a:rPr lang="nl-NL" dirty="0"/>
+              <a:t>instellingen</a:t>
+            </a:r>
+          </a:p>
+          <a:p>
+            <a:pPr marL="285750" indent="-285750">
+              <a:buFontTx/>
+              <a:buChar char="-"/>
+            </a:pPr>
+            <a:endParaRPr lang="nl-NL" dirty="0"/>
+          </a:p>
+          <a:p>
+            <a:pPr algn="ctr"/>
+            <a:endParaRPr lang="nl-NL" dirty="0"/>
+          </a:p>
+        </p:txBody>
+      </p:sp>
+      <p:sp>
+        <p:nvSpPr>
+          <p:cNvPr id="4" name="Rectangle 3">
+            <a:extLst>
+              <a:ext uri="{FF2B5EF4-FFF2-40B4-BE49-F238E27FC236}">
+                <a16:creationId xmlns:a16="http://schemas.microsoft.com/office/drawing/2014/main" id="{2AC933C2-3D5A-0ACA-5AFE-5351303887C6}"/>
+              </a:ext>
+            </a:extLst>
+          </p:cNvPr>
+          <p:cNvSpPr/>
+          <p:nvPr/>
+        </p:nvSpPr>
+        <p:spPr>
+          <a:xfrm>
+            <a:off x="4678680" y="1972100"/>
+            <a:ext cx="2834640" cy="3749674"/>
+          </a:xfrm>
+          <a:prstGeom prst="rect">
+            <a:avLst/>
+          </a:prstGeom>
+        </p:spPr>
+        <p:style>
+          <a:lnRef idx="1">
+            <a:schemeClr val="accent5"/>
+          </a:lnRef>
+          <a:fillRef idx="2">
+            <a:schemeClr val="accent5"/>
+          </a:fillRef>
+          <a:effectRef idx="1">
+            <a:schemeClr val="accent5"/>
+          </a:effectRef>
+          <a:fontRef idx="minor">
+            <a:schemeClr val="dk1"/>
+          </a:fontRef>
+        </p:style>
+        <p:txBody>
+          <a:bodyPr lIns="180000" tIns="180000" rIns="180000" bIns="180000" rtlCol="0" anchor="t"/>
+          <a:lstStyle/>
+          <a:p>
+            <a:pPr algn="ctr"/>
+            <a:r>
+              <a:rPr lang="nl-NL" b="1" dirty="0"/>
+              <a:t>Finale training</a:t>
+            </a:r>
+          </a:p>
+          <a:p>
+            <a:pPr algn="ctr"/>
+            <a:endParaRPr lang="nl-NL" b="1" dirty="0"/>
+          </a:p>
+          <a:p>
+            <a:r>
+              <a:rPr lang="nl-NL" dirty="0"/>
+              <a:t>Optimaliseer </a:t>
+            </a:r>
+            <a:r>
+              <a:rPr lang="nl-NL" u="sng" dirty="0"/>
+              <a:t>gewichten</a:t>
+            </a:r>
+            <a:r>
+              <a:rPr lang="nl-NL" dirty="0"/>
+              <a:t> van je model.</a:t>
+            </a:r>
+          </a:p>
+          <a:p>
+            <a:endParaRPr lang="nl-NL" dirty="0"/>
+          </a:p>
+          <a:p>
+            <a:r>
+              <a:rPr lang="nl-NL" dirty="0"/>
+              <a:t>Train je model op </a:t>
+            </a:r>
+            <a:r>
+              <a:rPr lang="nl-NL" u="sng" dirty="0"/>
+              <a:t>alle beschikbare data</a:t>
+            </a:r>
+            <a:r>
+              <a:rPr lang="nl-NL" dirty="0"/>
+              <a:t> om zoveel </a:t>
+            </a:r>
+            <a:r>
+              <a:rPr lang="nl-NL"/>
+              <a:t>mogelijk informatie </a:t>
+            </a:r>
+            <a:r>
+              <a:rPr lang="nl-NL" dirty="0"/>
+              <a:t>te vangen.</a:t>
+            </a:r>
+          </a:p>
+        </p:txBody>
+      </p:sp>
+      <p:sp>
+        <p:nvSpPr>
+          <p:cNvPr id="5" name="Rectangle 4">
+            <a:extLst>
+              <a:ext uri="{FF2B5EF4-FFF2-40B4-BE49-F238E27FC236}">
+                <a16:creationId xmlns:a16="http://schemas.microsoft.com/office/drawing/2014/main" id="{789364A3-4528-7390-21E7-3B1FEFCDC7BA}"/>
+              </a:ext>
+            </a:extLst>
+          </p:cNvPr>
+          <p:cNvSpPr/>
+          <p:nvPr/>
+        </p:nvSpPr>
+        <p:spPr>
+          <a:xfrm>
+            <a:off x="8519160" y="1972100"/>
+            <a:ext cx="2834640" cy="3749674"/>
+          </a:xfrm>
+          <a:prstGeom prst="rect">
+            <a:avLst/>
+          </a:prstGeom>
+        </p:spPr>
+        <p:style>
+          <a:lnRef idx="1">
+            <a:schemeClr val="accent4"/>
+          </a:lnRef>
+          <a:fillRef idx="2">
+            <a:schemeClr val="accent4"/>
+          </a:fillRef>
+          <a:effectRef idx="1">
+            <a:schemeClr val="accent4"/>
+          </a:effectRef>
+          <a:fontRef idx="minor">
+            <a:schemeClr val="dk1"/>
+          </a:fontRef>
+        </p:style>
+        <p:txBody>
+          <a:bodyPr lIns="180000" tIns="180000" rIns="180000" bIns="180000" rtlCol="0" anchor="t"/>
+          <a:lstStyle/>
+          <a:p>
+            <a:pPr algn="ctr"/>
+            <a:r>
+              <a:rPr lang="nl-NL" b="1" dirty="0"/>
+              <a:t>Uitrol</a:t>
+            </a:r>
+          </a:p>
+          <a:p>
+            <a:pPr algn="ctr"/>
+            <a:endParaRPr lang="nl-NL" b="1" dirty="0"/>
+          </a:p>
+          <a:p>
+            <a:r>
+              <a:rPr lang="nl-NL" dirty="0"/>
+              <a:t>Gebruik het finale model in het bedrijfsproces.</a:t>
+            </a:r>
+          </a:p>
+          <a:p>
+            <a:endParaRPr lang="nl-NL" dirty="0"/>
+          </a:p>
+          <a:p>
+            <a:r>
+              <a:rPr lang="nl-NL" dirty="0"/>
+              <a:t>Uitdagingen qua:</a:t>
+            </a:r>
+          </a:p>
+          <a:p>
+            <a:pPr marL="285750" indent="-285750">
+              <a:buFontTx/>
+              <a:buChar char="-"/>
+            </a:pPr>
+            <a:r>
+              <a:rPr lang="nl-NL" dirty="0"/>
+              <a:t>Techniek</a:t>
+            </a:r>
+          </a:p>
+          <a:p>
+            <a:pPr marL="285750" indent="-285750">
+              <a:buFontTx/>
+              <a:buChar char="-"/>
+            </a:pPr>
+            <a:r>
+              <a:rPr lang="nl-NL" dirty="0"/>
+              <a:t>Gebruik</a:t>
+            </a:r>
+          </a:p>
+          <a:p>
+            <a:pPr marL="285750" indent="-285750">
+              <a:buFontTx/>
+              <a:buChar char="-"/>
+            </a:pPr>
+            <a:r>
+              <a:rPr lang="nl-NL" dirty="0"/>
+              <a: